--- a/Emerging-Technologies-for-the-Circular-Economy/ETCE-L00-Organization.pptx
+++ b/Emerging-Technologies-for-the-Circular-Economy/ETCE-L00-Organization.pptx
@@ -47,7 +47,7 @@
     <p:sldId id="291" r:id="rId40"/>
   </p:sldIdLst>
   <p:sldSz cx="12192000" cy="6858000"/>
-  <p:notesSz cx="7559675" cy="10691813"/>
+  <p:notesSz cx="7559675" cy="10691812"/>
 </p:presentation>
 </file>
 
@@ -80,33 +80,27 @@
         </p:nvSpPr>
         <p:spPr>
           <a:xfrm>
-            <a:off x="533520" y="764280"/>
-            <a:ext cx="6704640" cy="3771360"/>
-          </a:xfrm>
-          <a:prstGeom prst="rect">
-            <a:avLst/>
-          </a:prstGeom>
-          <a:noFill/>
-          <a:ln w="0">
-            <a:noFill/>
-          </a:ln>
+            <a:off x="216000" y="812520"/>
+            <a:ext cx="7127280" cy="4008960"/>
+          </a:xfrm>
+          <a:prstGeom prst="rect">
+            <a:avLst/>
+          </a:prstGeom>
         </p:spPr>
         <p:txBody>
           <a:bodyPr lIns="0" rIns="0" tIns="0" bIns="0" anchor="ctr">
             <a:noAutofit/>
           </a:bodyPr>
           <a:p>
-            <a:pPr algn="ctr">
-              <a:buNone/>
-            </a:pPr>
+            <a:pPr algn="ctr"/>
             <a:r>
               <a:rPr b="0" lang="en-US" sz="4400" spc="-1" strike="noStrike">
-                <a:latin typeface="DejaVu Sans"/>
+                <a:latin typeface="Arial"/>
               </a:rPr>
               <a:t>Click to move the slide</a:t>
             </a:r>
             <a:endParaRPr b="0" lang="en-US" sz="4400" spc="-1" strike="noStrike">
-              <a:latin typeface="DejaVu Sans"/>
+              <a:latin typeface="Arial"/>
             </a:endParaRPr>
           </a:p>
         </p:txBody>
@@ -123,30 +117,26 @@
         </p:nvSpPr>
         <p:spPr>
           <a:xfrm>
-            <a:off x="777240" y="4777560"/>
-            <a:ext cx="6217560" cy="4525920"/>
-          </a:xfrm>
-          <a:prstGeom prst="rect">
-            <a:avLst/>
-          </a:prstGeom>
-          <a:noFill/>
-          <a:ln w="0">
-            <a:noFill/>
-          </a:ln>
+            <a:off x="756000" y="5078520"/>
+            <a:ext cx="6047640" cy="4811040"/>
+          </a:xfrm>
+          <a:prstGeom prst="rect">
+            <a:avLst/>
+          </a:prstGeom>
         </p:spPr>
         <p:txBody>
-          <a:bodyPr lIns="0" rIns="0" tIns="0" bIns="0" anchor="t">
+          <a:bodyPr lIns="0" rIns="0" tIns="0" bIns="0">
             <a:noAutofit/>
           </a:bodyPr>
           <a:p>
             <a:r>
               <a:rPr b="0" lang="en-US" sz="2000" spc="-1" strike="noStrike">
-                <a:latin typeface="DejaVu Sans"/>
+                <a:latin typeface="Arial"/>
               </a:rPr>
               <a:t>Click to edit the notes format</a:t>
             </a:r>
             <a:endParaRPr b="0" lang="en-US" sz="2000" spc="-1" strike="noStrike">
-              <a:latin typeface="DejaVu Sans"/>
+              <a:latin typeface="Arial"/>
             </a:endParaRPr>
           </a:p>
         </p:txBody>
@@ -164,29 +154,25 @@
         <p:spPr>
           <a:xfrm>
             <a:off x="0" y="0"/>
-            <a:ext cx="3372840" cy="502560"/>
-          </a:xfrm>
-          <a:prstGeom prst="rect">
-            <a:avLst/>
-          </a:prstGeom>
-          <a:noFill/>
-          <a:ln w="0">
-            <a:noFill/>
-          </a:ln>
+            <a:ext cx="3280680" cy="534240"/>
+          </a:xfrm>
+          <a:prstGeom prst="rect">
+            <a:avLst/>
+          </a:prstGeom>
         </p:spPr>
         <p:txBody>
-          <a:bodyPr lIns="0" rIns="0" tIns="0" bIns="0" anchor="t">
+          <a:bodyPr lIns="0" rIns="0" tIns="0" bIns="0">
             <a:noAutofit/>
           </a:bodyPr>
           <a:p>
             <a:r>
               <a:rPr b="0" lang="en-US" sz="1400" spc="-1" strike="noStrike">
-                <a:latin typeface="DejaVu Serif"/>
+                <a:latin typeface="Times New Roman"/>
               </a:rPr>
               <a:t>&lt;header&gt;</a:t>
             </a:r>
             <a:endParaRPr b="0" lang="en-US" sz="1400" spc="-1" strike="noStrike">
-              <a:latin typeface="DejaVu Serif"/>
+              <a:latin typeface="Times New Roman"/>
             </a:endParaRPr>
           </a:p>
         </p:txBody>
@@ -198,46 +184,32 @@
             <a:spLocks noGrp="1"/>
           </p:cNvSpPr>
           <p:nvPr>
-            <p:ph type="dt" idx="1"/>
+            <p:ph type="dt"/>
           </p:nvPr>
         </p:nvSpPr>
         <p:spPr>
           <a:xfrm>
-            <a:off x="4399200" y="0"/>
-            <a:ext cx="3372840" cy="502560"/>
-          </a:xfrm>
-          <a:prstGeom prst="rect">
-            <a:avLst/>
-          </a:prstGeom>
-          <a:noFill/>
-          <a:ln w="0">
-            <a:noFill/>
-          </a:ln>
+            <a:off x="4278960" y="0"/>
+            <a:ext cx="3280680" cy="534240"/>
+          </a:xfrm>
+          <a:prstGeom prst="rect">
+            <a:avLst/>
+          </a:prstGeom>
         </p:spPr>
         <p:txBody>
-          <a:bodyPr lIns="0" rIns="0" tIns="0" bIns="0" anchor="t">
+          <a:bodyPr lIns="0" rIns="0" tIns="0" bIns="0">
             <a:noAutofit/>
           </a:bodyPr>
-          <a:lstStyle>
-            <a:lvl1pPr algn="r">
-              <a:buNone/>
-              <a:defRPr b="0" lang="en-US" sz="1400" spc="-1" strike="noStrike">
-                <a:latin typeface="DejaVu Serif"/>
-              </a:defRPr>
-            </a:lvl1pPr>
-          </a:lstStyle>
-          <a:p>
-            <a:pPr algn="r">
-              <a:buNone/>
-            </a:pPr>
+          <a:p>
+            <a:pPr algn="r"/>
             <a:r>
               <a:rPr b="0" lang="en-US" sz="1400" spc="-1" strike="noStrike">
-                <a:latin typeface="DejaVu Serif"/>
+                <a:latin typeface="Times New Roman"/>
               </a:rPr>
               <a:t>&lt;date/time&gt;</a:t>
             </a:r>
             <a:endParaRPr b="0" lang="en-US" sz="1400" spc="-1" strike="noStrike">
-              <a:latin typeface="DejaVu Serif"/>
+              <a:latin typeface="Times New Roman"/>
             </a:endParaRPr>
           </a:p>
         </p:txBody>
@@ -249,42 +221,31 @@
             <a:spLocks noGrp="1"/>
           </p:cNvSpPr>
           <p:nvPr>
-            <p:ph type="ftr" idx="2"/>
+            <p:ph type="ftr"/>
           </p:nvPr>
         </p:nvSpPr>
         <p:spPr>
           <a:xfrm>
-            <a:off x="0" y="9555480"/>
-            <a:ext cx="3372840" cy="502560"/>
-          </a:xfrm>
-          <a:prstGeom prst="rect">
-            <a:avLst/>
-          </a:prstGeom>
-          <a:noFill/>
-          <a:ln w="0">
-            <a:noFill/>
-          </a:ln>
+            <a:off x="0" y="10157400"/>
+            <a:ext cx="3280680" cy="534240"/>
+          </a:xfrm>
+          <a:prstGeom prst="rect">
+            <a:avLst/>
+          </a:prstGeom>
         </p:spPr>
         <p:txBody>
           <a:bodyPr lIns="0" rIns="0" tIns="0" bIns="0" anchor="b">
             <a:noAutofit/>
           </a:bodyPr>
-          <a:lstStyle>
-            <a:lvl1pPr>
-              <a:defRPr b="0" lang="en-US" sz="1400" spc="-1" strike="noStrike">
-                <a:latin typeface="DejaVu Serif"/>
-              </a:defRPr>
-            </a:lvl1pPr>
-          </a:lstStyle>
           <a:p>
             <a:r>
               <a:rPr b="0" lang="en-US" sz="1400" spc="-1" strike="noStrike">
-                <a:latin typeface="DejaVu Serif"/>
+                <a:latin typeface="Times New Roman"/>
               </a:rPr>
               <a:t>&lt;footer&gt;</a:t>
             </a:r>
             <a:endParaRPr b="0" lang="en-US" sz="1400" spc="-1" strike="noStrike">
-              <a:latin typeface="DejaVu Serif"/>
+              <a:latin typeface="Times New Roman"/>
             </a:endParaRPr>
           </a:p>
         </p:txBody>
@@ -296,46 +257,32 @@
             <a:spLocks noGrp="1"/>
           </p:cNvSpPr>
           <p:nvPr>
-            <p:ph type="sldNum" idx="3"/>
+            <p:ph type="sldNum"/>
           </p:nvPr>
         </p:nvSpPr>
         <p:spPr>
           <a:xfrm>
-            <a:off x="4399200" y="9555480"/>
-            <a:ext cx="3372840" cy="502560"/>
-          </a:xfrm>
-          <a:prstGeom prst="rect">
-            <a:avLst/>
-          </a:prstGeom>
-          <a:noFill/>
-          <a:ln w="0">
-            <a:noFill/>
-          </a:ln>
+            <a:off x="4278960" y="10157400"/>
+            <a:ext cx="3280680" cy="534240"/>
+          </a:xfrm>
+          <a:prstGeom prst="rect">
+            <a:avLst/>
+          </a:prstGeom>
         </p:spPr>
         <p:txBody>
           <a:bodyPr lIns="0" rIns="0" tIns="0" bIns="0" anchor="b">
             <a:noAutofit/>
           </a:bodyPr>
-          <a:lstStyle>
-            <a:lvl1pPr algn="r">
-              <a:buNone/>
-              <a:defRPr b="0" lang="en-US" sz="1400" spc="-1" strike="noStrike">
-                <a:latin typeface="DejaVu Serif"/>
-              </a:defRPr>
-            </a:lvl1pPr>
-          </a:lstStyle>
-          <a:p>
-            <a:pPr algn="r">
-              <a:buNone/>
-            </a:pPr>
-            <a:fld id="{EE7A1E73-4DBB-48C5-BD24-4CD5A1573A11}" type="slidenum">
+          <a:p>
+            <a:pPr algn="r"/>
+            <a:fld id="{A2F8F055-14EB-48AE-A05A-409EA9D8BD08}" type="slidenum">
               <a:rPr b="0" lang="en-US" sz="1400" spc="-1" strike="noStrike">
-                <a:latin typeface="DejaVu Serif"/>
+                <a:latin typeface="Times New Roman"/>
               </a:rPr>
               <a:t>&lt;number&gt;</a:t>
             </a:fld>
             <a:endParaRPr b="0" lang="en-US" sz="1400" spc="-1" strike="noStrike">
-              <a:latin typeface="DejaVu Serif"/>
+              <a:latin typeface="Times New Roman"/>
             </a:endParaRPr>
           </a:p>
         </p:txBody>
@@ -376,14 +323,11 @@
         <p:spPr>
           <a:xfrm>
             <a:off x="533520" y="763560"/>
-            <a:ext cx="6694920" cy="3763080"/>
-          </a:xfrm>
-          <a:prstGeom prst="rect">
-            <a:avLst/>
-          </a:prstGeom>
-          <a:ln w="0">
-            <a:noFill/>
-          </a:ln>
+            <a:ext cx="6694560" cy="3762720"/>
+          </a:xfrm>
+          <a:prstGeom prst="rect">
+            <a:avLst/>
+          </a:prstGeom>
         </p:spPr>
       </p:sp>
       <p:sp>
@@ -399,23 +343,19 @@
         <p:spPr>
           <a:xfrm>
             <a:off x="777240" y="4777560"/>
-            <a:ext cx="6208560" cy="4516920"/>
-          </a:xfrm>
-          <a:prstGeom prst="rect">
-            <a:avLst/>
-          </a:prstGeom>
-          <a:noFill/>
-          <a:ln w="0">
-            <a:noFill/>
-          </a:ln>
+            <a:ext cx="6208200" cy="4516560"/>
+          </a:xfrm>
+          <a:prstGeom prst="rect">
+            <a:avLst/>
+          </a:prstGeom>
         </p:spPr>
         <p:txBody>
-          <a:bodyPr lIns="0" rIns="0" tIns="0" bIns="0" anchor="t">
+          <a:bodyPr lIns="0" rIns="0" tIns="0" bIns="0">
             <a:noAutofit/>
           </a:bodyPr>
           <a:p>
             <a:endParaRPr b="0" lang="en-US" sz="2000" spc="-1" strike="noStrike">
-              <a:latin typeface="DejaVu Sans"/>
+              <a:latin typeface="Arial"/>
             </a:endParaRPr>
           </a:p>
         </p:txBody>
@@ -429,13 +369,13 @@
         <p:spPr>
           <a:xfrm>
             <a:off x="4399200" y="9555480"/>
-            <a:ext cx="3363840" cy="493560"/>
+            <a:ext cx="3363480" cy="493200"/>
           </a:xfrm>
           <a:prstGeom prst="rect">
             <a:avLst/>
           </a:prstGeom>
           <a:noFill/>
-          <a:ln w="0">
+          <a:ln>
             <a:noFill/>
           </a:ln>
         </p:spPr>
@@ -454,9 +394,8 @@
               <a:lnSpc>
                 <a:spcPct val="100000"/>
               </a:lnSpc>
-              <a:buNone/>
-            </a:pPr>
-            <a:fld id="{DFA3A57C-794B-45FF-A172-48B04BDDC603}" type="slidenum">
+            </a:pPr>
+            <a:fld id="{93F52213-CDFA-4061-B0B2-C49CED060DAB}" type="slidenum">
               <a:rPr b="0" lang="de-DE" sz="1800" spc="-1" strike="noStrike">
                 <a:solidFill>
                   <a:srgbClr val="000000"/>
@@ -464,10 +403,10 @@
                 <a:latin typeface="+mn-lt"/>
                 <a:ea typeface="+mn-ea"/>
               </a:rPr>
-              <a:t>6</a:t>
+              <a:t>&lt;number&gt;</a:t>
             </a:fld>
             <a:endParaRPr b="0" lang="en-US" sz="1800" spc="-1" strike="noStrike">
-              <a:latin typeface="DejaVu Sans"/>
+              <a:latin typeface="Arial"/>
             </a:endParaRPr>
           </a:p>
         </p:txBody>
@@ -507,14 +446,11 @@
         <p:spPr>
           <a:xfrm>
             <a:off x="533520" y="763560"/>
-            <a:ext cx="6694920" cy="3763080"/>
-          </a:xfrm>
-          <a:prstGeom prst="rect">
-            <a:avLst/>
-          </a:prstGeom>
-          <a:ln w="0">
-            <a:noFill/>
-          </a:ln>
+            <a:ext cx="6694560" cy="3762720"/>
+          </a:xfrm>
+          <a:prstGeom prst="rect">
+            <a:avLst/>
+          </a:prstGeom>
         </p:spPr>
       </p:sp>
       <p:sp>
@@ -530,23 +466,19 @@
         <p:spPr>
           <a:xfrm>
             <a:off x="777240" y="4777560"/>
-            <a:ext cx="6208560" cy="4516920"/>
-          </a:xfrm>
-          <a:prstGeom prst="rect">
-            <a:avLst/>
-          </a:prstGeom>
-          <a:noFill/>
-          <a:ln w="0">
-            <a:noFill/>
-          </a:ln>
+            <a:ext cx="6208200" cy="4516560"/>
+          </a:xfrm>
+          <a:prstGeom prst="rect">
+            <a:avLst/>
+          </a:prstGeom>
         </p:spPr>
         <p:txBody>
-          <a:bodyPr lIns="0" rIns="0" tIns="0" bIns="0" anchor="t">
+          <a:bodyPr lIns="0" rIns="0" tIns="0" bIns="0">
             <a:noAutofit/>
           </a:bodyPr>
           <a:p>
             <a:endParaRPr b="0" lang="en-US" sz="2000" spc="-1" strike="noStrike">
-              <a:latin typeface="DejaVu Sans"/>
+              <a:latin typeface="Arial"/>
             </a:endParaRPr>
           </a:p>
         </p:txBody>
@@ -560,13 +492,13 @@
         <p:spPr>
           <a:xfrm>
             <a:off x="4399200" y="9555480"/>
-            <a:ext cx="3363840" cy="493560"/>
+            <a:ext cx="3363480" cy="493200"/>
           </a:xfrm>
           <a:prstGeom prst="rect">
             <a:avLst/>
           </a:prstGeom>
           <a:noFill/>
-          <a:ln w="0">
+          <a:ln>
             <a:noFill/>
           </a:ln>
         </p:spPr>
@@ -585,9 +517,8 @@
               <a:lnSpc>
                 <a:spcPct val="100000"/>
               </a:lnSpc>
-              <a:buNone/>
-            </a:pPr>
-            <a:fld id="{1502CA3B-95EF-42B3-A036-CC1C9CE87636}" type="slidenum">
+            </a:pPr>
+            <a:fld id="{F145DBCA-0589-4728-9DBC-C326BCADF400}" type="slidenum">
               <a:rPr b="0" lang="de-DE" sz="1800" spc="-1" strike="noStrike">
                 <a:solidFill>
                   <a:srgbClr val="000000"/>
@@ -595,10 +526,10 @@
                 <a:latin typeface="+mn-lt"/>
                 <a:ea typeface="+mn-ea"/>
               </a:rPr>
-              <a:t>6</a:t>
+              <a:t>&lt;number&gt;</a:t>
             </a:fld>
             <a:endParaRPr b="0" lang="en-US" sz="1800" spc="-1" strike="noStrike">
-              <a:latin typeface="DejaVu Sans"/>
+              <a:latin typeface="Arial"/>
             </a:endParaRPr>
           </a:p>
         </p:txBody>
@@ -638,14 +569,11 @@
         <p:spPr>
           <a:xfrm>
             <a:off x="533520" y="763560"/>
-            <a:ext cx="6694920" cy="3763080"/>
-          </a:xfrm>
-          <a:prstGeom prst="rect">
-            <a:avLst/>
-          </a:prstGeom>
-          <a:ln w="0">
-            <a:noFill/>
-          </a:ln>
+            <a:ext cx="6694560" cy="3762720"/>
+          </a:xfrm>
+          <a:prstGeom prst="rect">
+            <a:avLst/>
+          </a:prstGeom>
         </p:spPr>
       </p:sp>
       <p:sp>
@@ -661,23 +589,19 @@
         <p:spPr>
           <a:xfrm>
             <a:off x="777240" y="4777560"/>
-            <a:ext cx="6208560" cy="4516920"/>
-          </a:xfrm>
-          <a:prstGeom prst="rect">
-            <a:avLst/>
-          </a:prstGeom>
-          <a:noFill/>
-          <a:ln w="0">
-            <a:noFill/>
-          </a:ln>
+            <a:ext cx="6208200" cy="4516560"/>
+          </a:xfrm>
+          <a:prstGeom prst="rect">
+            <a:avLst/>
+          </a:prstGeom>
         </p:spPr>
         <p:txBody>
-          <a:bodyPr lIns="0" rIns="0" tIns="0" bIns="0" anchor="t">
+          <a:bodyPr lIns="0" rIns="0" tIns="0" bIns="0">
             <a:noAutofit/>
           </a:bodyPr>
           <a:p>
             <a:endParaRPr b="0" lang="en-US" sz="2000" spc="-1" strike="noStrike">
-              <a:latin typeface="DejaVu Sans"/>
+              <a:latin typeface="Arial"/>
             </a:endParaRPr>
           </a:p>
         </p:txBody>
@@ -691,13 +615,13 @@
         <p:spPr>
           <a:xfrm>
             <a:off x="4399200" y="9555480"/>
-            <a:ext cx="3363840" cy="493560"/>
+            <a:ext cx="3363480" cy="493200"/>
           </a:xfrm>
           <a:prstGeom prst="rect">
             <a:avLst/>
           </a:prstGeom>
           <a:noFill/>
-          <a:ln w="0">
+          <a:ln>
             <a:noFill/>
           </a:ln>
         </p:spPr>
@@ -716,9 +640,8 @@
               <a:lnSpc>
                 <a:spcPct val="100000"/>
               </a:lnSpc>
-              <a:buNone/>
-            </a:pPr>
-            <a:fld id="{79AC64F9-01B0-4156-9472-3B504D4B2492}" type="slidenum">
+            </a:pPr>
+            <a:fld id="{58C65AB5-5C8F-419D-B97E-F6C9E2E8675B}" type="slidenum">
               <a:rPr b="0" lang="de-DE" sz="1800" spc="-1" strike="noStrike">
                 <a:solidFill>
                   <a:srgbClr val="000000"/>
@@ -729,7 +652,7 @@
               <a:t>&lt;number&gt;</a:t>
             </a:fld>
             <a:endParaRPr b="0" lang="en-US" sz="1800" spc="-1" strike="noStrike">
-              <a:latin typeface="DejaVu Sans"/>
+              <a:latin typeface="Arial"/>
             </a:endParaRPr>
           </a:p>
         </p:txBody>
@@ -796,21 +719,15 @@
           <a:prstGeom prst="rect">
             <a:avLst/>
           </a:prstGeom>
-          <a:noFill/>
-          <a:ln w="0">
-            <a:noFill/>
-          </a:ln>
         </p:spPr>
         <p:txBody>
           <a:bodyPr lIns="0" rIns="0" tIns="0" bIns="0" anchor="ctr">
             <a:noAutofit/>
           </a:bodyPr>
           <a:p>
-            <a:pPr algn="ctr">
-              <a:buNone/>
-            </a:pPr>
+            <a:pPr algn="ctr"/>
             <a:endParaRPr b="0" lang="en-US" sz="4400" spc="-1" strike="noStrike">
-              <a:latin typeface="DejaVu Sans"/>
+              <a:latin typeface="Arial"/>
             </a:endParaRPr>
           </a:p>
         </p:txBody>
@@ -822,7 +739,7 @@
             <a:spLocks noGrp="1"/>
           </p:cNvSpPr>
           <p:nvPr>
-            <p:ph/>
+            <p:ph type="body"/>
           </p:nvPr>
         </p:nvSpPr>
         <p:spPr>
@@ -833,18 +750,14 @@
           <a:prstGeom prst="rect">
             <a:avLst/>
           </a:prstGeom>
-          <a:noFill/>
-          <a:ln w="0">
-            <a:noFill/>
-          </a:ln>
         </p:spPr>
         <p:txBody>
-          <a:bodyPr lIns="0" rIns="0" tIns="0" bIns="0" anchor="t">
+          <a:bodyPr lIns="0" rIns="0" tIns="0" bIns="0">
             <a:normAutofit/>
           </a:bodyPr>
           <a:p>
             <a:endParaRPr b="0" lang="en-US" sz="3200" spc="-1" strike="noStrike">
-              <a:latin typeface="DejaVu Sans"/>
+              <a:latin typeface="Arial"/>
             </a:endParaRPr>
           </a:p>
         </p:txBody>
@@ -856,7 +769,7 @@
             <a:spLocks noGrp="1"/>
           </p:cNvSpPr>
           <p:nvPr>
-            <p:ph/>
+            <p:ph type="body"/>
           </p:nvPr>
         </p:nvSpPr>
         <p:spPr>
@@ -867,18 +780,14 @@
           <a:prstGeom prst="rect">
             <a:avLst/>
           </a:prstGeom>
-          <a:noFill/>
-          <a:ln w="0">
-            <a:noFill/>
-          </a:ln>
         </p:spPr>
         <p:txBody>
-          <a:bodyPr lIns="0" rIns="0" tIns="0" bIns="0" anchor="t">
+          <a:bodyPr lIns="0" rIns="0" tIns="0" bIns="0">
             <a:normAutofit/>
           </a:bodyPr>
           <a:p>
             <a:endParaRPr b="0" lang="en-US" sz="3200" spc="-1" strike="noStrike">
-              <a:latin typeface="DejaVu Sans"/>
+              <a:latin typeface="Arial"/>
             </a:endParaRPr>
           </a:p>
         </p:txBody>
@@ -923,21 +832,15 @@
           <a:prstGeom prst="rect">
             <a:avLst/>
           </a:prstGeom>
-          <a:noFill/>
-          <a:ln w="0">
-            <a:noFill/>
-          </a:ln>
         </p:spPr>
         <p:txBody>
           <a:bodyPr lIns="0" rIns="0" tIns="0" bIns="0" anchor="ctr">
             <a:noAutofit/>
           </a:bodyPr>
           <a:p>
-            <a:pPr algn="ctr">
-              <a:buNone/>
-            </a:pPr>
+            <a:pPr algn="ctr"/>
             <a:endParaRPr b="0" lang="en-US" sz="4400" spc="-1" strike="noStrike">
-              <a:latin typeface="DejaVu Sans"/>
+              <a:latin typeface="Arial"/>
             </a:endParaRPr>
           </a:p>
         </p:txBody>
@@ -949,7 +852,7 @@
             <a:spLocks noGrp="1"/>
           </p:cNvSpPr>
           <p:nvPr>
-            <p:ph/>
+            <p:ph type="body"/>
           </p:nvPr>
         </p:nvSpPr>
         <p:spPr>
@@ -960,18 +863,14 @@
           <a:prstGeom prst="rect">
             <a:avLst/>
           </a:prstGeom>
-          <a:noFill/>
-          <a:ln w="0">
-            <a:noFill/>
-          </a:ln>
         </p:spPr>
         <p:txBody>
-          <a:bodyPr lIns="0" rIns="0" tIns="0" bIns="0" anchor="t">
+          <a:bodyPr lIns="0" rIns="0" tIns="0" bIns="0">
             <a:normAutofit/>
           </a:bodyPr>
           <a:p>
             <a:endParaRPr b="0" lang="en-US" sz="3200" spc="-1" strike="noStrike">
-              <a:latin typeface="DejaVu Sans"/>
+              <a:latin typeface="Arial"/>
             </a:endParaRPr>
           </a:p>
         </p:txBody>
@@ -983,7 +882,7 @@
             <a:spLocks noGrp="1"/>
           </p:cNvSpPr>
           <p:nvPr>
-            <p:ph/>
+            <p:ph type="body"/>
           </p:nvPr>
         </p:nvSpPr>
         <p:spPr>
@@ -994,18 +893,14 @@
           <a:prstGeom prst="rect">
             <a:avLst/>
           </a:prstGeom>
-          <a:noFill/>
-          <a:ln w="0">
-            <a:noFill/>
-          </a:ln>
         </p:spPr>
         <p:txBody>
-          <a:bodyPr lIns="0" rIns="0" tIns="0" bIns="0" anchor="t">
+          <a:bodyPr lIns="0" rIns="0" tIns="0" bIns="0">
             <a:normAutofit/>
           </a:bodyPr>
           <a:p>
             <a:endParaRPr b="0" lang="en-US" sz="3200" spc="-1" strike="noStrike">
-              <a:latin typeface="DejaVu Sans"/>
+              <a:latin typeface="Arial"/>
             </a:endParaRPr>
           </a:p>
         </p:txBody>
@@ -1017,7 +912,7 @@
             <a:spLocks noGrp="1"/>
           </p:cNvSpPr>
           <p:nvPr>
-            <p:ph/>
+            <p:ph type="body"/>
           </p:nvPr>
         </p:nvSpPr>
         <p:spPr>
@@ -1028,18 +923,14 @@
           <a:prstGeom prst="rect">
             <a:avLst/>
           </a:prstGeom>
-          <a:noFill/>
-          <a:ln w="0">
-            <a:noFill/>
-          </a:ln>
         </p:spPr>
         <p:txBody>
-          <a:bodyPr lIns="0" rIns="0" tIns="0" bIns="0" anchor="t">
+          <a:bodyPr lIns="0" rIns="0" tIns="0" bIns="0">
             <a:normAutofit/>
           </a:bodyPr>
           <a:p>
             <a:endParaRPr b="0" lang="en-US" sz="3200" spc="-1" strike="noStrike">
-              <a:latin typeface="DejaVu Sans"/>
+              <a:latin typeface="Arial"/>
             </a:endParaRPr>
           </a:p>
         </p:txBody>
@@ -1051,7 +942,7 @@
             <a:spLocks noGrp="1"/>
           </p:cNvSpPr>
           <p:nvPr>
-            <p:ph/>
+            <p:ph type="body"/>
           </p:nvPr>
         </p:nvSpPr>
         <p:spPr>
@@ -1062,18 +953,14 @@
           <a:prstGeom prst="rect">
             <a:avLst/>
           </a:prstGeom>
-          <a:noFill/>
-          <a:ln w="0">
-            <a:noFill/>
-          </a:ln>
         </p:spPr>
         <p:txBody>
-          <a:bodyPr lIns="0" rIns="0" tIns="0" bIns="0" anchor="t">
+          <a:bodyPr lIns="0" rIns="0" tIns="0" bIns="0">
             <a:normAutofit/>
           </a:bodyPr>
           <a:p>
             <a:endParaRPr b="0" lang="en-US" sz="3200" spc="-1" strike="noStrike">
-              <a:latin typeface="DejaVu Sans"/>
+              <a:latin typeface="Arial"/>
             </a:endParaRPr>
           </a:p>
         </p:txBody>
@@ -1118,21 +1005,15 @@
           <a:prstGeom prst="rect">
             <a:avLst/>
           </a:prstGeom>
-          <a:noFill/>
-          <a:ln w="0">
-            <a:noFill/>
-          </a:ln>
         </p:spPr>
         <p:txBody>
           <a:bodyPr lIns="0" rIns="0" tIns="0" bIns="0" anchor="ctr">
             <a:noAutofit/>
           </a:bodyPr>
           <a:p>
-            <a:pPr algn="ctr">
-              <a:buNone/>
-            </a:pPr>
+            <a:pPr algn="ctr"/>
             <a:endParaRPr b="0" lang="en-US" sz="4400" spc="-1" strike="noStrike">
-              <a:latin typeface="DejaVu Sans"/>
+              <a:latin typeface="Arial"/>
             </a:endParaRPr>
           </a:p>
         </p:txBody>
@@ -1144,7 +1025,7 @@
             <a:spLocks noGrp="1"/>
           </p:cNvSpPr>
           <p:nvPr>
-            <p:ph/>
+            <p:ph type="body"/>
           </p:nvPr>
         </p:nvSpPr>
         <p:spPr>
@@ -1155,18 +1036,14 @@
           <a:prstGeom prst="rect">
             <a:avLst/>
           </a:prstGeom>
-          <a:noFill/>
-          <a:ln w="0">
-            <a:noFill/>
-          </a:ln>
         </p:spPr>
         <p:txBody>
-          <a:bodyPr lIns="0" rIns="0" tIns="0" bIns="0" anchor="t">
+          <a:bodyPr lIns="0" rIns="0" tIns="0" bIns="0">
             <a:normAutofit/>
           </a:bodyPr>
           <a:p>
             <a:endParaRPr b="0" lang="en-US" sz="3200" spc="-1" strike="noStrike">
-              <a:latin typeface="DejaVu Sans"/>
+              <a:latin typeface="Arial"/>
             </a:endParaRPr>
           </a:p>
         </p:txBody>
@@ -1178,7 +1055,7 @@
             <a:spLocks noGrp="1"/>
           </p:cNvSpPr>
           <p:nvPr>
-            <p:ph/>
+            <p:ph type="body"/>
           </p:nvPr>
         </p:nvSpPr>
         <p:spPr>
@@ -1189,18 +1066,14 @@
           <a:prstGeom prst="rect">
             <a:avLst/>
           </a:prstGeom>
-          <a:noFill/>
-          <a:ln w="0">
-            <a:noFill/>
-          </a:ln>
         </p:spPr>
         <p:txBody>
-          <a:bodyPr lIns="0" rIns="0" tIns="0" bIns="0" anchor="t">
+          <a:bodyPr lIns="0" rIns="0" tIns="0" bIns="0">
             <a:normAutofit/>
           </a:bodyPr>
           <a:p>
             <a:endParaRPr b="0" lang="en-US" sz="3200" spc="-1" strike="noStrike">
-              <a:latin typeface="DejaVu Sans"/>
+              <a:latin typeface="Arial"/>
             </a:endParaRPr>
           </a:p>
         </p:txBody>
@@ -1212,7 +1085,7 @@
             <a:spLocks noGrp="1"/>
           </p:cNvSpPr>
           <p:nvPr>
-            <p:ph/>
+            <p:ph type="body"/>
           </p:nvPr>
         </p:nvSpPr>
         <p:spPr>
@@ -1223,18 +1096,14 @@
           <a:prstGeom prst="rect">
             <a:avLst/>
           </a:prstGeom>
-          <a:noFill/>
-          <a:ln w="0">
-            <a:noFill/>
-          </a:ln>
         </p:spPr>
         <p:txBody>
-          <a:bodyPr lIns="0" rIns="0" tIns="0" bIns="0" anchor="t">
+          <a:bodyPr lIns="0" rIns="0" tIns="0" bIns="0">
             <a:normAutofit/>
           </a:bodyPr>
           <a:p>
             <a:endParaRPr b="0" lang="en-US" sz="3200" spc="-1" strike="noStrike">
-              <a:latin typeface="DejaVu Sans"/>
+              <a:latin typeface="Arial"/>
             </a:endParaRPr>
           </a:p>
         </p:txBody>
@@ -1246,7 +1115,7 @@
             <a:spLocks noGrp="1"/>
           </p:cNvSpPr>
           <p:nvPr>
-            <p:ph/>
+            <p:ph type="body"/>
           </p:nvPr>
         </p:nvSpPr>
         <p:spPr>
@@ -1257,18 +1126,14 @@
           <a:prstGeom prst="rect">
             <a:avLst/>
           </a:prstGeom>
-          <a:noFill/>
-          <a:ln w="0">
-            <a:noFill/>
-          </a:ln>
         </p:spPr>
         <p:txBody>
-          <a:bodyPr lIns="0" rIns="0" tIns="0" bIns="0" anchor="t">
+          <a:bodyPr lIns="0" rIns="0" tIns="0" bIns="0">
             <a:normAutofit/>
           </a:bodyPr>
           <a:p>
             <a:endParaRPr b="0" lang="en-US" sz="3200" spc="-1" strike="noStrike">
-              <a:latin typeface="DejaVu Sans"/>
+              <a:latin typeface="Arial"/>
             </a:endParaRPr>
           </a:p>
         </p:txBody>
@@ -1280,7 +1145,7 @@
             <a:spLocks noGrp="1"/>
           </p:cNvSpPr>
           <p:nvPr>
-            <p:ph/>
+            <p:ph type="body"/>
           </p:nvPr>
         </p:nvSpPr>
         <p:spPr>
@@ -1291,18 +1156,14 @@
           <a:prstGeom prst="rect">
             <a:avLst/>
           </a:prstGeom>
-          <a:noFill/>
-          <a:ln w="0">
-            <a:noFill/>
-          </a:ln>
         </p:spPr>
         <p:txBody>
-          <a:bodyPr lIns="0" rIns="0" tIns="0" bIns="0" anchor="t">
+          <a:bodyPr lIns="0" rIns="0" tIns="0" bIns="0">
             <a:normAutofit/>
           </a:bodyPr>
           <a:p>
             <a:endParaRPr b="0" lang="en-US" sz="3200" spc="-1" strike="noStrike">
-              <a:latin typeface="DejaVu Sans"/>
+              <a:latin typeface="Arial"/>
             </a:endParaRPr>
           </a:p>
         </p:txBody>
@@ -1314,7 +1175,7 @@
             <a:spLocks noGrp="1"/>
           </p:cNvSpPr>
           <p:nvPr>
-            <p:ph/>
+            <p:ph type="body"/>
           </p:nvPr>
         </p:nvSpPr>
         <p:spPr>
@@ -1325,18 +1186,14 @@
           <a:prstGeom prst="rect">
             <a:avLst/>
           </a:prstGeom>
-          <a:noFill/>
-          <a:ln w="0">
-            <a:noFill/>
-          </a:ln>
         </p:spPr>
         <p:txBody>
-          <a:bodyPr lIns="0" rIns="0" tIns="0" bIns="0" anchor="t">
+          <a:bodyPr lIns="0" rIns="0" tIns="0" bIns="0">
             <a:normAutofit/>
           </a:bodyPr>
           <a:p>
             <a:endParaRPr b="0" lang="en-US" sz="3200" spc="-1" strike="noStrike">
-              <a:latin typeface="DejaVu Sans"/>
+              <a:latin typeface="Arial"/>
             </a:endParaRPr>
           </a:p>
         </p:txBody>
@@ -1403,21 +1260,15 @@
           <a:prstGeom prst="rect">
             <a:avLst/>
           </a:prstGeom>
-          <a:noFill/>
-          <a:ln w="0">
-            <a:noFill/>
-          </a:ln>
         </p:spPr>
         <p:txBody>
           <a:bodyPr lIns="0" rIns="0" tIns="0" bIns="0" anchor="ctr">
             <a:noAutofit/>
           </a:bodyPr>
           <a:p>
-            <a:pPr algn="ctr">
-              <a:buNone/>
-            </a:pPr>
+            <a:pPr algn="ctr"/>
             <a:endParaRPr b="0" lang="en-US" sz="4400" spc="-1" strike="noStrike">
-              <a:latin typeface="DejaVu Sans"/>
+              <a:latin typeface="Arial"/>
             </a:endParaRPr>
           </a:p>
         </p:txBody>
@@ -1440,21 +1291,15 @@
           <a:prstGeom prst="rect">
             <a:avLst/>
           </a:prstGeom>
-          <a:noFill/>
-          <a:ln w="0">
-            <a:noFill/>
-          </a:ln>
         </p:spPr>
         <p:txBody>
           <a:bodyPr lIns="0" rIns="0" tIns="0" bIns="0" anchor="ctr">
             <a:noAutofit/>
           </a:bodyPr>
           <a:p>
-            <a:pPr algn="ctr">
-              <a:buNone/>
-            </a:pPr>
+            <a:pPr algn="ctr"/>
             <a:endParaRPr b="0" lang="en-US" sz="3200" spc="-1" strike="noStrike">
-              <a:latin typeface="DejaVu Sans"/>
+              <a:latin typeface="Arial"/>
             </a:endParaRPr>
           </a:p>
         </p:txBody>
@@ -1499,21 +1344,15 @@
           <a:prstGeom prst="rect">
             <a:avLst/>
           </a:prstGeom>
-          <a:noFill/>
-          <a:ln w="0">
-            <a:noFill/>
-          </a:ln>
         </p:spPr>
         <p:txBody>
           <a:bodyPr lIns="0" rIns="0" tIns="0" bIns="0" anchor="ctr">
             <a:noAutofit/>
           </a:bodyPr>
           <a:p>
-            <a:pPr algn="ctr">
-              <a:buNone/>
-            </a:pPr>
+            <a:pPr algn="ctr"/>
             <a:endParaRPr b="0" lang="en-US" sz="4400" spc="-1" strike="noStrike">
-              <a:latin typeface="DejaVu Sans"/>
+              <a:latin typeface="Arial"/>
             </a:endParaRPr>
           </a:p>
         </p:txBody>
@@ -1525,7 +1364,7 @@
             <a:spLocks noGrp="1"/>
           </p:cNvSpPr>
           <p:nvPr>
-            <p:ph/>
+            <p:ph type="body"/>
           </p:nvPr>
         </p:nvSpPr>
         <p:spPr>
@@ -1536,18 +1375,14 @@
           <a:prstGeom prst="rect">
             <a:avLst/>
           </a:prstGeom>
-          <a:noFill/>
-          <a:ln w="0">
-            <a:noFill/>
-          </a:ln>
         </p:spPr>
         <p:txBody>
-          <a:bodyPr lIns="0" rIns="0" tIns="0" bIns="0" anchor="t">
+          <a:bodyPr lIns="0" rIns="0" tIns="0" bIns="0">
             <a:normAutofit/>
           </a:bodyPr>
           <a:p>
             <a:endParaRPr b="0" lang="en-US" sz="3200" spc="-1" strike="noStrike">
-              <a:latin typeface="DejaVu Sans"/>
+              <a:latin typeface="Arial"/>
             </a:endParaRPr>
           </a:p>
         </p:txBody>
@@ -1592,21 +1427,15 @@
           <a:prstGeom prst="rect">
             <a:avLst/>
           </a:prstGeom>
-          <a:noFill/>
-          <a:ln w="0">
-            <a:noFill/>
-          </a:ln>
         </p:spPr>
         <p:txBody>
           <a:bodyPr lIns="0" rIns="0" tIns="0" bIns="0" anchor="ctr">
             <a:noAutofit/>
           </a:bodyPr>
           <a:p>
-            <a:pPr algn="ctr">
-              <a:buNone/>
-            </a:pPr>
+            <a:pPr algn="ctr"/>
             <a:endParaRPr b="0" lang="en-US" sz="4400" spc="-1" strike="noStrike">
-              <a:latin typeface="DejaVu Sans"/>
+              <a:latin typeface="Arial"/>
             </a:endParaRPr>
           </a:p>
         </p:txBody>
@@ -1618,7 +1447,7 @@
             <a:spLocks noGrp="1"/>
           </p:cNvSpPr>
           <p:nvPr>
-            <p:ph/>
+            <p:ph type="body"/>
           </p:nvPr>
         </p:nvSpPr>
         <p:spPr>
@@ -1629,18 +1458,14 @@
           <a:prstGeom prst="rect">
             <a:avLst/>
           </a:prstGeom>
-          <a:noFill/>
-          <a:ln w="0">
-            <a:noFill/>
-          </a:ln>
         </p:spPr>
         <p:txBody>
-          <a:bodyPr lIns="0" rIns="0" tIns="0" bIns="0" anchor="t">
+          <a:bodyPr lIns="0" rIns="0" tIns="0" bIns="0">
             <a:normAutofit/>
           </a:bodyPr>
           <a:p>
             <a:endParaRPr b="0" lang="en-US" sz="3200" spc="-1" strike="noStrike">
-              <a:latin typeface="DejaVu Sans"/>
+              <a:latin typeface="Arial"/>
             </a:endParaRPr>
           </a:p>
         </p:txBody>
@@ -1652,7 +1477,7 @@
             <a:spLocks noGrp="1"/>
           </p:cNvSpPr>
           <p:nvPr>
-            <p:ph/>
+            <p:ph type="body"/>
           </p:nvPr>
         </p:nvSpPr>
         <p:spPr>
@@ -1663,18 +1488,14 @@
           <a:prstGeom prst="rect">
             <a:avLst/>
           </a:prstGeom>
-          <a:noFill/>
-          <a:ln w="0">
-            <a:noFill/>
-          </a:ln>
         </p:spPr>
         <p:txBody>
-          <a:bodyPr lIns="0" rIns="0" tIns="0" bIns="0" anchor="t">
+          <a:bodyPr lIns="0" rIns="0" tIns="0" bIns="0">
             <a:normAutofit/>
           </a:bodyPr>
           <a:p>
             <a:endParaRPr b="0" lang="en-US" sz="3200" spc="-1" strike="noStrike">
-              <a:latin typeface="DejaVu Sans"/>
+              <a:latin typeface="Arial"/>
             </a:endParaRPr>
           </a:p>
         </p:txBody>
@@ -1719,21 +1540,15 @@
           <a:prstGeom prst="rect">
             <a:avLst/>
           </a:prstGeom>
-          <a:noFill/>
-          <a:ln w="0">
-            <a:noFill/>
-          </a:ln>
         </p:spPr>
         <p:txBody>
           <a:bodyPr lIns="0" rIns="0" tIns="0" bIns="0" anchor="ctr">
             <a:noAutofit/>
           </a:bodyPr>
           <a:p>
-            <a:pPr algn="ctr">
-              <a:buNone/>
-            </a:pPr>
+            <a:pPr algn="ctr"/>
             <a:endParaRPr b="0" lang="en-US" sz="4400" spc="-1" strike="noStrike">
-              <a:latin typeface="DejaVu Sans"/>
+              <a:latin typeface="Arial"/>
             </a:endParaRPr>
           </a:p>
         </p:txBody>
@@ -1778,21 +1593,15 @@
           <a:prstGeom prst="rect">
             <a:avLst/>
           </a:prstGeom>
-          <a:noFill/>
-          <a:ln w="0">
-            <a:noFill/>
-          </a:ln>
         </p:spPr>
         <p:txBody>
           <a:bodyPr lIns="0" rIns="0" tIns="0" bIns="0" anchor="ctr">
             <a:noAutofit/>
           </a:bodyPr>
           <a:p>
-            <a:pPr algn="ctr">
-              <a:buNone/>
-            </a:pPr>
+            <a:pPr algn="ctr"/>
             <a:endParaRPr b="0" lang="en-US" sz="3200" spc="-1" strike="noStrike">
-              <a:latin typeface="DejaVu Sans"/>
+              <a:latin typeface="Arial"/>
             </a:endParaRPr>
           </a:p>
         </p:txBody>
@@ -1837,21 +1646,15 @@
           <a:prstGeom prst="rect">
             <a:avLst/>
           </a:prstGeom>
-          <a:noFill/>
-          <a:ln w="0">
-            <a:noFill/>
-          </a:ln>
         </p:spPr>
         <p:txBody>
           <a:bodyPr lIns="0" rIns="0" tIns="0" bIns="0" anchor="ctr">
             <a:noAutofit/>
           </a:bodyPr>
           <a:p>
-            <a:pPr algn="ctr">
-              <a:buNone/>
-            </a:pPr>
+            <a:pPr algn="ctr"/>
             <a:endParaRPr b="0" lang="en-US" sz="4400" spc="-1" strike="noStrike">
-              <a:latin typeface="DejaVu Sans"/>
+              <a:latin typeface="Arial"/>
             </a:endParaRPr>
           </a:p>
         </p:txBody>
@@ -1863,7 +1666,7 @@
             <a:spLocks noGrp="1"/>
           </p:cNvSpPr>
           <p:nvPr>
-            <p:ph/>
+            <p:ph type="body"/>
           </p:nvPr>
         </p:nvSpPr>
         <p:spPr>
@@ -1874,18 +1677,14 @@
           <a:prstGeom prst="rect">
             <a:avLst/>
           </a:prstGeom>
-          <a:noFill/>
-          <a:ln w="0">
-            <a:noFill/>
-          </a:ln>
         </p:spPr>
         <p:txBody>
-          <a:bodyPr lIns="0" rIns="0" tIns="0" bIns="0" anchor="t">
+          <a:bodyPr lIns="0" rIns="0" tIns="0" bIns="0">
             <a:normAutofit/>
           </a:bodyPr>
           <a:p>
             <a:endParaRPr b="0" lang="en-US" sz="3200" spc="-1" strike="noStrike">
-              <a:latin typeface="DejaVu Sans"/>
+              <a:latin typeface="Arial"/>
             </a:endParaRPr>
           </a:p>
         </p:txBody>
@@ -1897,7 +1696,7 @@
             <a:spLocks noGrp="1"/>
           </p:cNvSpPr>
           <p:nvPr>
-            <p:ph/>
+            <p:ph type="body"/>
           </p:nvPr>
         </p:nvSpPr>
         <p:spPr>
@@ -1908,18 +1707,14 @@
           <a:prstGeom prst="rect">
             <a:avLst/>
           </a:prstGeom>
-          <a:noFill/>
-          <a:ln w="0">
-            <a:noFill/>
-          </a:ln>
         </p:spPr>
         <p:txBody>
-          <a:bodyPr lIns="0" rIns="0" tIns="0" bIns="0" anchor="t">
+          <a:bodyPr lIns="0" rIns="0" tIns="0" bIns="0">
             <a:normAutofit/>
           </a:bodyPr>
           <a:p>
             <a:endParaRPr b="0" lang="en-US" sz="3200" spc="-1" strike="noStrike">
-              <a:latin typeface="DejaVu Sans"/>
+              <a:latin typeface="Arial"/>
             </a:endParaRPr>
           </a:p>
         </p:txBody>
@@ -1931,7 +1726,7 @@
             <a:spLocks noGrp="1"/>
           </p:cNvSpPr>
           <p:nvPr>
-            <p:ph/>
+            <p:ph type="body"/>
           </p:nvPr>
         </p:nvSpPr>
         <p:spPr>
@@ -1942,18 +1737,14 @@
           <a:prstGeom prst="rect">
             <a:avLst/>
           </a:prstGeom>
-          <a:noFill/>
-          <a:ln w="0">
-            <a:noFill/>
-          </a:ln>
         </p:spPr>
         <p:txBody>
-          <a:bodyPr lIns="0" rIns="0" tIns="0" bIns="0" anchor="t">
+          <a:bodyPr lIns="0" rIns="0" tIns="0" bIns="0">
             <a:normAutofit/>
           </a:bodyPr>
           <a:p>
             <a:endParaRPr b="0" lang="en-US" sz="3200" spc="-1" strike="noStrike">
-              <a:latin typeface="DejaVu Sans"/>
+              <a:latin typeface="Arial"/>
             </a:endParaRPr>
           </a:p>
         </p:txBody>
@@ -1998,21 +1789,15 @@
           <a:prstGeom prst="rect">
             <a:avLst/>
           </a:prstGeom>
-          <a:noFill/>
-          <a:ln w="0">
-            <a:noFill/>
-          </a:ln>
         </p:spPr>
         <p:txBody>
           <a:bodyPr lIns="0" rIns="0" tIns="0" bIns="0" anchor="ctr">
             <a:noAutofit/>
           </a:bodyPr>
           <a:p>
-            <a:pPr algn="ctr">
-              <a:buNone/>
-            </a:pPr>
+            <a:pPr algn="ctr"/>
             <a:endParaRPr b="0" lang="en-US" sz="4400" spc="-1" strike="noStrike">
-              <a:latin typeface="DejaVu Sans"/>
+              <a:latin typeface="Arial"/>
             </a:endParaRPr>
           </a:p>
         </p:txBody>
@@ -2035,21 +1820,15 @@
           <a:prstGeom prst="rect">
             <a:avLst/>
           </a:prstGeom>
-          <a:noFill/>
-          <a:ln w="0">
-            <a:noFill/>
-          </a:ln>
         </p:spPr>
         <p:txBody>
           <a:bodyPr lIns="0" rIns="0" tIns="0" bIns="0" anchor="ctr">
             <a:noAutofit/>
           </a:bodyPr>
           <a:p>
-            <a:pPr algn="ctr">
-              <a:buNone/>
-            </a:pPr>
+            <a:pPr algn="ctr"/>
             <a:endParaRPr b="0" lang="en-US" sz="3200" spc="-1" strike="noStrike">
-              <a:latin typeface="DejaVu Sans"/>
+              <a:latin typeface="Arial"/>
             </a:endParaRPr>
           </a:p>
         </p:txBody>
@@ -2094,21 +1873,15 @@
           <a:prstGeom prst="rect">
             <a:avLst/>
           </a:prstGeom>
-          <a:noFill/>
-          <a:ln w="0">
-            <a:noFill/>
-          </a:ln>
         </p:spPr>
         <p:txBody>
           <a:bodyPr lIns="0" rIns="0" tIns="0" bIns="0" anchor="ctr">
             <a:noAutofit/>
           </a:bodyPr>
           <a:p>
-            <a:pPr algn="ctr">
-              <a:buNone/>
-            </a:pPr>
+            <a:pPr algn="ctr"/>
             <a:endParaRPr b="0" lang="en-US" sz="4400" spc="-1" strike="noStrike">
-              <a:latin typeface="DejaVu Sans"/>
+              <a:latin typeface="Arial"/>
             </a:endParaRPr>
           </a:p>
         </p:txBody>
@@ -2120,7 +1893,7 @@
             <a:spLocks noGrp="1"/>
           </p:cNvSpPr>
           <p:nvPr>
-            <p:ph/>
+            <p:ph type="body"/>
           </p:nvPr>
         </p:nvSpPr>
         <p:spPr>
@@ -2131,18 +1904,14 @@
           <a:prstGeom prst="rect">
             <a:avLst/>
           </a:prstGeom>
-          <a:noFill/>
-          <a:ln w="0">
-            <a:noFill/>
-          </a:ln>
         </p:spPr>
         <p:txBody>
-          <a:bodyPr lIns="0" rIns="0" tIns="0" bIns="0" anchor="t">
+          <a:bodyPr lIns="0" rIns="0" tIns="0" bIns="0">
             <a:normAutofit/>
           </a:bodyPr>
           <a:p>
             <a:endParaRPr b="0" lang="en-US" sz="3200" spc="-1" strike="noStrike">
-              <a:latin typeface="DejaVu Sans"/>
+              <a:latin typeface="Arial"/>
             </a:endParaRPr>
           </a:p>
         </p:txBody>
@@ -2154,7 +1923,7 @@
             <a:spLocks noGrp="1"/>
           </p:cNvSpPr>
           <p:nvPr>
-            <p:ph/>
+            <p:ph type="body"/>
           </p:nvPr>
         </p:nvSpPr>
         <p:spPr>
@@ -2165,18 +1934,14 @@
           <a:prstGeom prst="rect">
             <a:avLst/>
           </a:prstGeom>
-          <a:noFill/>
-          <a:ln w="0">
-            <a:noFill/>
-          </a:ln>
         </p:spPr>
         <p:txBody>
-          <a:bodyPr lIns="0" rIns="0" tIns="0" bIns="0" anchor="t">
+          <a:bodyPr lIns="0" rIns="0" tIns="0" bIns="0">
             <a:normAutofit/>
           </a:bodyPr>
           <a:p>
             <a:endParaRPr b="0" lang="en-US" sz="3200" spc="-1" strike="noStrike">
-              <a:latin typeface="DejaVu Sans"/>
+              <a:latin typeface="Arial"/>
             </a:endParaRPr>
           </a:p>
         </p:txBody>
@@ -2188,7 +1953,7 @@
             <a:spLocks noGrp="1"/>
           </p:cNvSpPr>
           <p:nvPr>
-            <p:ph/>
+            <p:ph type="body"/>
           </p:nvPr>
         </p:nvSpPr>
         <p:spPr>
@@ -2199,18 +1964,14 @@
           <a:prstGeom prst="rect">
             <a:avLst/>
           </a:prstGeom>
-          <a:noFill/>
-          <a:ln w="0">
-            <a:noFill/>
-          </a:ln>
         </p:spPr>
         <p:txBody>
-          <a:bodyPr lIns="0" rIns="0" tIns="0" bIns="0" anchor="t">
+          <a:bodyPr lIns="0" rIns="0" tIns="0" bIns="0">
             <a:normAutofit/>
           </a:bodyPr>
           <a:p>
             <a:endParaRPr b="0" lang="en-US" sz="3200" spc="-1" strike="noStrike">
-              <a:latin typeface="DejaVu Sans"/>
+              <a:latin typeface="Arial"/>
             </a:endParaRPr>
           </a:p>
         </p:txBody>
@@ -2255,21 +2016,15 @@
           <a:prstGeom prst="rect">
             <a:avLst/>
           </a:prstGeom>
-          <a:noFill/>
-          <a:ln w="0">
-            <a:noFill/>
-          </a:ln>
         </p:spPr>
         <p:txBody>
           <a:bodyPr lIns="0" rIns="0" tIns="0" bIns="0" anchor="ctr">
             <a:noAutofit/>
           </a:bodyPr>
           <a:p>
-            <a:pPr algn="ctr">
-              <a:buNone/>
-            </a:pPr>
+            <a:pPr algn="ctr"/>
             <a:endParaRPr b="0" lang="en-US" sz="4400" spc="-1" strike="noStrike">
-              <a:latin typeface="DejaVu Sans"/>
+              <a:latin typeface="Arial"/>
             </a:endParaRPr>
           </a:p>
         </p:txBody>
@@ -2281,7 +2036,7 @@
             <a:spLocks noGrp="1"/>
           </p:cNvSpPr>
           <p:nvPr>
-            <p:ph/>
+            <p:ph type="body"/>
           </p:nvPr>
         </p:nvSpPr>
         <p:spPr>
@@ -2292,18 +2047,14 @@
           <a:prstGeom prst="rect">
             <a:avLst/>
           </a:prstGeom>
-          <a:noFill/>
-          <a:ln w="0">
-            <a:noFill/>
-          </a:ln>
         </p:spPr>
         <p:txBody>
-          <a:bodyPr lIns="0" rIns="0" tIns="0" bIns="0" anchor="t">
+          <a:bodyPr lIns="0" rIns="0" tIns="0" bIns="0">
             <a:normAutofit/>
           </a:bodyPr>
           <a:p>
             <a:endParaRPr b="0" lang="en-US" sz="3200" spc="-1" strike="noStrike">
-              <a:latin typeface="DejaVu Sans"/>
+              <a:latin typeface="Arial"/>
             </a:endParaRPr>
           </a:p>
         </p:txBody>
@@ -2315,7 +2066,7 @@
             <a:spLocks noGrp="1"/>
           </p:cNvSpPr>
           <p:nvPr>
-            <p:ph/>
+            <p:ph type="body"/>
           </p:nvPr>
         </p:nvSpPr>
         <p:spPr>
@@ -2326,18 +2077,14 @@
           <a:prstGeom prst="rect">
             <a:avLst/>
           </a:prstGeom>
-          <a:noFill/>
-          <a:ln w="0">
-            <a:noFill/>
-          </a:ln>
         </p:spPr>
         <p:txBody>
-          <a:bodyPr lIns="0" rIns="0" tIns="0" bIns="0" anchor="t">
+          <a:bodyPr lIns="0" rIns="0" tIns="0" bIns="0">
             <a:normAutofit/>
           </a:bodyPr>
           <a:p>
             <a:endParaRPr b="0" lang="en-US" sz="3200" spc="-1" strike="noStrike">
-              <a:latin typeface="DejaVu Sans"/>
+              <a:latin typeface="Arial"/>
             </a:endParaRPr>
           </a:p>
         </p:txBody>
@@ -2349,7 +2096,7 @@
             <a:spLocks noGrp="1"/>
           </p:cNvSpPr>
           <p:nvPr>
-            <p:ph/>
+            <p:ph type="body"/>
           </p:nvPr>
         </p:nvSpPr>
         <p:spPr>
@@ -2360,18 +2107,14 @@
           <a:prstGeom prst="rect">
             <a:avLst/>
           </a:prstGeom>
-          <a:noFill/>
-          <a:ln w="0">
-            <a:noFill/>
-          </a:ln>
         </p:spPr>
         <p:txBody>
-          <a:bodyPr lIns="0" rIns="0" tIns="0" bIns="0" anchor="t">
+          <a:bodyPr lIns="0" rIns="0" tIns="0" bIns="0">
             <a:normAutofit/>
           </a:bodyPr>
           <a:p>
             <a:endParaRPr b="0" lang="en-US" sz="3200" spc="-1" strike="noStrike">
-              <a:latin typeface="DejaVu Sans"/>
+              <a:latin typeface="Arial"/>
             </a:endParaRPr>
           </a:p>
         </p:txBody>
@@ -2416,21 +2159,15 @@
           <a:prstGeom prst="rect">
             <a:avLst/>
           </a:prstGeom>
-          <a:noFill/>
-          <a:ln w="0">
-            <a:noFill/>
-          </a:ln>
         </p:spPr>
         <p:txBody>
           <a:bodyPr lIns="0" rIns="0" tIns="0" bIns="0" anchor="ctr">
             <a:noAutofit/>
           </a:bodyPr>
           <a:p>
-            <a:pPr algn="ctr">
-              <a:buNone/>
-            </a:pPr>
+            <a:pPr algn="ctr"/>
             <a:endParaRPr b="0" lang="en-US" sz="4400" spc="-1" strike="noStrike">
-              <a:latin typeface="DejaVu Sans"/>
+              <a:latin typeface="Arial"/>
             </a:endParaRPr>
           </a:p>
         </p:txBody>
@@ -2442,7 +2179,7 @@
             <a:spLocks noGrp="1"/>
           </p:cNvSpPr>
           <p:nvPr>
-            <p:ph/>
+            <p:ph type="body"/>
           </p:nvPr>
         </p:nvSpPr>
         <p:spPr>
@@ -2453,18 +2190,14 @@
           <a:prstGeom prst="rect">
             <a:avLst/>
           </a:prstGeom>
-          <a:noFill/>
-          <a:ln w="0">
-            <a:noFill/>
-          </a:ln>
         </p:spPr>
         <p:txBody>
-          <a:bodyPr lIns="0" rIns="0" tIns="0" bIns="0" anchor="t">
+          <a:bodyPr lIns="0" rIns="0" tIns="0" bIns="0">
             <a:normAutofit/>
           </a:bodyPr>
           <a:p>
             <a:endParaRPr b="0" lang="en-US" sz="3200" spc="-1" strike="noStrike">
-              <a:latin typeface="DejaVu Sans"/>
+              <a:latin typeface="Arial"/>
             </a:endParaRPr>
           </a:p>
         </p:txBody>
@@ -2476,7 +2209,7 @@
             <a:spLocks noGrp="1"/>
           </p:cNvSpPr>
           <p:nvPr>
-            <p:ph/>
+            <p:ph type="body"/>
           </p:nvPr>
         </p:nvSpPr>
         <p:spPr>
@@ -2487,18 +2220,14 @@
           <a:prstGeom prst="rect">
             <a:avLst/>
           </a:prstGeom>
-          <a:noFill/>
-          <a:ln w="0">
-            <a:noFill/>
-          </a:ln>
         </p:spPr>
         <p:txBody>
-          <a:bodyPr lIns="0" rIns="0" tIns="0" bIns="0" anchor="t">
+          <a:bodyPr lIns="0" rIns="0" tIns="0" bIns="0">
             <a:normAutofit/>
           </a:bodyPr>
           <a:p>
             <a:endParaRPr b="0" lang="en-US" sz="3200" spc="-1" strike="noStrike">
-              <a:latin typeface="DejaVu Sans"/>
+              <a:latin typeface="Arial"/>
             </a:endParaRPr>
           </a:p>
         </p:txBody>
@@ -2543,21 +2272,15 @@
           <a:prstGeom prst="rect">
             <a:avLst/>
           </a:prstGeom>
-          <a:noFill/>
-          <a:ln w="0">
-            <a:noFill/>
-          </a:ln>
         </p:spPr>
         <p:txBody>
           <a:bodyPr lIns="0" rIns="0" tIns="0" bIns="0" anchor="ctr">
             <a:noAutofit/>
           </a:bodyPr>
           <a:p>
-            <a:pPr algn="ctr">
-              <a:buNone/>
-            </a:pPr>
+            <a:pPr algn="ctr"/>
             <a:endParaRPr b="0" lang="en-US" sz="4400" spc="-1" strike="noStrike">
-              <a:latin typeface="DejaVu Sans"/>
+              <a:latin typeface="Arial"/>
             </a:endParaRPr>
           </a:p>
         </p:txBody>
@@ -2569,7 +2292,7 @@
             <a:spLocks noGrp="1"/>
           </p:cNvSpPr>
           <p:nvPr>
-            <p:ph/>
+            <p:ph type="body"/>
           </p:nvPr>
         </p:nvSpPr>
         <p:spPr>
@@ -2580,18 +2303,14 @@
           <a:prstGeom prst="rect">
             <a:avLst/>
           </a:prstGeom>
-          <a:noFill/>
-          <a:ln w="0">
-            <a:noFill/>
-          </a:ln>
         </p:spPr>
         <p:txBody>
-          <a:bodyPr lIns="0" rIns="0" tIns="0" bIns="0" anchor="t">
+          <a:bodyPr lIns="0" rIns="0" tIns="0" bIns="0">
             <a:normAutofit/>
           </a:bodyPr>
           <a:p>
             <a:endParaRPr b="0" lang="en-US" sz="3200" spc="-1" strike="noStrike">
-              <a:latin typeface="DejaVu Sans"/>
+              <a:latin typeface="Arial"/>
             </a:endParaRPr>
           </a:p>
         </p:txBody>
@@ -2603,7 +2322,7 @@
             <a:spLocks noGrp="1"/>
           </p:cNvSpPr>
           <p:nvPr>
-            <p:ph/>
+            <p:ph type="body"/>
           </p:nvPr>
         </p:nvSpPr>
         <p:spPr>
@@ -2614,18 +2333,14 @@
           <a:prstGeom prst="rect">
             <a:avLst/>
           </a:prstGeom>
-          <a:noFill/>
-          <a:ln w="0">
-            <a:noFill/>
-          </a:ln>
         </p:spPr>
         <p:txBody>
-          <a:bodyPr lIns="0" rIns="0" tIns="0" bIns="0" anchor="t">
+          <a:bodyPr lIns="0" rIns="0" tIns="0" bIns="0">
             <a:normAutofit/>
           </a:bodyPr>
           <a:p>
             <a:endParaRPr b="0" lang="en-US" sz="3200" spc="-1" strike="noStrike">
-              <a:latin typeface="DejaVu Sans"/>
+              <a:latin typeface="Arial"/>
             </a:endParaRPr>
           </a:p>
         </p:txBody>
@@ -2637,7 +2352,7 @@
             <a:spLocks noGrp="1"/>
           </p:cNvSpPr>
           <p:nvPr>
-            <p:ph/>
+            <p:ph type="body"/>
           </p:nvPr>
         </p:nvSpPr>
         <p:spPr>
@@ -2648,18 +2363,14 @@
           <a:prstGeom prst="rect">
             <a:avLst/>
           </a:prstGeom>
-          <a:noFill/>
-          <a:ln w="0">
-            <a:noFill/>
-          </a:ln>
         </p:spPr>
         <p:txBody>
-          <a:bodyPr lIns="0" rIns="0" tIns="0" bIns="0" anchor="t">
+          <a:bodyPr lIns="0" rIns="0" tIns="0" bIns="0">
             <a:normAutofit/>
           </a:bodyPr>
           <a:p>
             <a:endParaRPr b="0" lang="en-US" sz="3200" spc="-1" strike="noStrike">
-              <a:latin typeface="DejaVu Sans"/>
+              <a:latin typeface="Arial"/>
             </a:endParaRPr>
           </a:p>
         </p:txBody>
@@ -2671,7 +2382,7 @@
             <a:spLocks noGrp="1"/>
           </p:cNvSpPr>
           <p:nvPr>
-            <p:ph/>
+            <p:ph type="body"/>
           </p:nvPr>
         </p:nvSpPr>
         <p:spPr>
@@ -2682,18 +2393,14 @@
           <a:prstGeom prst="rect">
             <a:avLst/>
           </a:prstGeom>
-          <a:noFill/>
-          <a:ln w="0">
-            <a:noFill/>
-          </a:ln>
         </p:spPr>
         <p:txBody>
-          <a:bodyPr lIns="0" rIns="0" tIns="0" bIns="0" anchor="t">
+          <a:bodyPr lIns="0" rIns="0" tIns="0" bIns="0">
             <a:normAutofit/>
           </a:bodyPr>
           <a:p>
             <a:endParaRPr b="0" lang="en-US" sz="3200" spc="-1" strike="noStrike">
-              <a:latin typeface="DejaVu Sans"/>
+              <a:latin typeface="Arial"/>
             </a:endParaRPr>
           </a:p>
         </p:txBody>
@@ -2738,21 +2445,15 @@
           <a:prstGeom prst="rect">
             <a:avLst/>
           </a:prstGeom>
-          <a:noFill/>
-          <a:ln w="0">
-            <a:noFill/>
-          </a:ln>
         </p:spPr>
         <p:txBody>
           <a:bodyPr lIns="0" rIns="0" tIns="0" bIns="0" anchor="ctr">
             <a:noAutofit/>
           </a:bodyPr>
           <a:p>
-            <a:pPr algn="ctr">
-              <a:buNone/>
-            </a:pPr>
+            <a:pPr algn="ctr"/>
             <a:endParaRPr b="0" lang="en-US" sz="4400" spc="-1" strike="noStrike">
-              <a:latin typeface="DejaVu Sans"/>
+              <a:latin typeface="Arial"/>
             </a:endParaRPr>
           </a:p>
         </p:txBody>
@@ -2764,7 +2465,7 @@
             <a:spLocks noGrp="1"/>
           </p:cNvSpPr>
           <p:nvPr>
-            <p:ph/>
+            <p:ph type="body"/>
           </p:nvPr>
         </p:nvSpPr>
         <p:spPr>
@@ -2775,18 +2476,14 @@
           <a:prstGeom prst="rect">
             <a:avLst/>
           </a:prstGeom>
-          <a:noFill/>
-          <a:ln w="0">
-            <a:noFill/>
-          </a:ln>
         </p:spPr>
         <p:txBody>
-          <a:bodyPr lIns="0" rIns="0" tIns="0" bIns="0" anchor="t">
+          <a:bodyPr lIns="0" rIns="0" tIns="0" bIns="0">
             <a:normAutofit/>
           </a:bodyPr>
           <a:p>
             <a:endParaRPr b="0" lang="en-US" sz="3200" spc="-1" strike="noStrike">
-              <a:latin typeface="DejaVu Sans"/>
+              <a:latin typeface="Arial"/>
             </a:endParaRPr>
           </a:p>
         </p:txBody>
@@ -2798,7 +2495,7 @@
             <a:spLocks noGrp="1"/>
           </p:cNvSpPr>
           <p:nvPr>
-            <p:ph/>
+            <p:ph type="body"/>
           </p:nvPr>
         </p:nvSpPr>
         <p:spPr>
@@ -2809,18 +2506,14 @@
           <a:prstGeom prst="rect">
             <a:avLst/>
           </a:prstGeom>
-          <a:noFill/>
-          <a:ln w="0">
-            <a:noFill/>
-          </a:ln>
         </p:spPr>
         <p:txBody>
-          <a:bodyPr lIns="0" rIns="0" tIns="0" bIns="0" anchor="t">
+          <a:bodyPr lIns="0" rIns="0" tIns="0" bIns="0">
             <a:normAutofit/>
           </a:bodyPr>
           <a:p>
             <a:endParaRPr b="0" lang="en-US" sz="3200" spc="-1" strike="noStrike">
-              <a:latin typeface="DejaVu Sans"/>
+              <a:latin typeface="Arial"/>
             </a:endParaRPr>
           </a:p>
         </p:txBody>
@@ -2832,7 +2525,7 @@
             <a:spLocks noGrp="1"/>
           </p:cNvSpPr>
           <p:nvPr>
-            <p:ph/>
+            <p:ph type="body"/>
           </p:nvPr>
         </p:nvSpPr>
         <p:spPr>
@@ -2843,18 +2536,14 @@
           <a:prstGeom prst="rect">
             <a:avLst/>
           </a:prstGeom>
-          <a:noFill/>
-          <a:ln w="0">
-            <a:noFill/>
-          </a:ln>
         </p:spPr>
         <p:txBody>
-          <a:bodyPr lIns="0" rIns="0" tIns="0" bIns="0" anchor="t">
+          <a:bodyPr lIns="0" rIns="0" tIns="0" bIns="0">
             <a:normAutofit/>
           </a:bodyPr>
           <a:p>
             <a:endParaRPr b="0" lang="en-US" sz="3200" spc="-1" strike="noStrike">
-              <a:latin typeface="DejaVu Sans"/>
+              <a:latin typeface="Arial"/>
             </a:endParaRPr>
           </a:p>
         </p:txBody>
@@ -2866,7 +2555,7 @@
             <a:spLocks noGrp="1"/>
           </p:cNvSpPr>
           <p:nvPr>
-            <p:ph/>
+            <p:ph type="body"/>
           </p:nvPr>
         </p:nvSpPr>
         <p:spPr>
@@ -2877,18 +2566,14 @@
           <a:prstGeom prst="rect">
             <a:avLst/>
           </a:prstGeom>
-          <a:noFill/>
-          <a:ln w="0">
-            <a:noFill/>
-          </a:ln>
         </p:spPr>
         <p:txBody>
-          <a:bodyPr lIns="0" rIns="0" tIns="0" bIns="0" anchor="t">
+          <a:bodyPr lIns="0" rIns="0" tIns="0" bIns="0">
             <a:normAutofit/>
           </a:bodyPr>
           <a:p>
             <a:endParaRPr b="0" lang="en-US" sz="3200" spc="-1" strike="noStrike">
-              <a:latin typeface="DejaVu Sans"/>
+              <a:latin typeface="Arial"/>
             </a:endParaRPr>
           </a:p>
         </p:txBody>
@@ -2900,7 +2585,7 @@
             <a:spLocks noGrp="1"/>
           </p:cNvSpPr>
           <p:nvPr>
-            <p:ph/>
+            <p:ph type="body"/>
           </p:nvPr>
         </p:nvSpPr>
         <p:spPr>
@@ -2911,18 +2596,14 @@
           <a:prstGeom prst="rect">
             <a:avLst/>
           </a:prstGeom>
-          <a:noFill/>
-          <a:ln w="0">
-            <a:noFill/>
-          </a:ln>
         </p:spPr>
         <p:txBody>
-          <a:bodyPr lIns="0" rIns="0" tIns="0" bIns="0" anchor="t">
+          <a:bodyPr lIns="0" rIns="0" tIns="0" bIns="0">
             <a:normAutofit/>
           </a:bodyPr>
           <a:p>
             <a:endParaRPr b="0" lang="en-US" sz="3200" spc="-1" strike="noStrike">
-              <a:latin typeface="DejaVu Sans"/>
+              <a:latin typeface="Arial"/>
             </a:endParaRPr>
           </a:p>
         </p:txBody>
@@ -2934,7 +2615,7 @@
             <a:spLocks noGrp="1"/>
           </p:cNvSpPr>
           <p:nvPr>
-            <p:ph/>
+            <p:ph type="body"/>
           </p:nvPr>
         </p:nvSpPr>
         <p:spPr>
@@ -2945,18 +2626,14 @@
           <a:prstGeom prst="rect">
             <a:avLst/>
           </a:prstGeom>
-          <a:noFill/>
-          <a:ln w="0">
-            <a:noFill/>
-          </a:ln>
         </p:spPr>
         <p:txBody>
-          <a:bodyPr lIns="0" rIns="0" tIns="0" bIns="0" anchor="t">
+          <a:bodyPr lIns="0" rIns="0" tIns="0" bIns="0">
             <a:normAutofit/>
           </a:bodyPr>
           <a:p>
             <a:endParaRPr b="0" lang="en-US" sz="3200" spc="-1" strike="noStrike">
-              <a:latin typeface="DejaVu Sans"/>
+              <a:latin typeface="Arial"/>
             </a:endParaRPr>
           </a:p>
         </p:txBody>
@@ -3001,21 +2678,15 @@
           <a:prstGeom prst="rect">
             <a:avLst/>
           </a:prstGeom>
-          <a:noFill/>
-          <a:ln w="0">
-            <a:noFill/>
-          </a:ln>
         </p:spPr>
         <p:txBody>
           <a:bodyPr lIns="0" rIns="0" tIns="0" bIns="0" anchor="ctr">
             <a:noAutofit/>
           </a:bodyPr>
           <a:p>
-            <a:pPr algn="ctr">
-              <a:buNone/>
-            </a:pPr>
+            <a:pPr algn="ctr"/>
             <a:endParaRPr b="0" lang="en-US" sz="4400" spc="-1" strike="noStrike">
-              <a:latin typeface="DejaVu Sans"/>
+              <a:latin typeface="Arial"/>
             </a:endParaRPr>
           </a:p>
         </p:txBody>
@@ -3027,7 +2698,7 @@
             <a:spLocks noGrp="1"/>
           </p:cNvSpPr>
           <p:nvPr>
-            <p:ph/>
+            <p:ph type="body"/>
           </p:nvPr>
         </p:nvSpPr>
         <p:spPr>
@@ -3038,18 +2709,14 @@
           <a:prstGeom prst="rect">
             <a:avLst/>
           </a:prstGeom>
-          <a:noFill/>
-          <a:ln w="0">
-            <a:noFill/>
-          </a:ln>
         </p:spPr>
         <p:txBody>
-          <a:bodyPr lIns="0" rIns="0" tIns="0" bIns="0" anchor="t">
+          <a:bodyPr lIns="0" rIns="0" tIns="0" bIns="0">
             <a:normAutofit/>
           </a:bodyPr>
           <a:p>
             <a:endParaRPr b="0" lang="en-US" sz="3200" spc="-1" strike="noStrike">
-              <a:latin typeface="DejaVu Sans"/>
+              <a:latin typeface="Arial"/>
             </a:endParaRPr>
           </a:p>
         </p:txBody>
@@ -3094,21 +2761,15 @@
           <a:prstGeom prst="rect">
             <a:avLst/>
           </a:prstGeom>
-          <a:noFill/>
-          <a:ln w="0">
-            <a:noFill/>
-          </a:ln>
         </p:spPr>
         <p:txBody>
           <a:bodyPr lIns="0" rIns="0" tIns="0" bIns="0" anchor="ctr">
             <a:noAutofit/>
           </a:bodyPr>
           <a:p>
-            <a:pPr algn="ctr">
-              <a:buNone/>
-            </a:pPr>
+            <a:pPr algn="ctr"/>
             <a:endParaRPr b="0" lang="en-US" sz="4400" spc="-1" strike="noStrike">
-              <a:latin typeface="DejaVu Sans"/>
+              <a:latin typeface="Arial"/>
             </a:endParaRPr>
           </a:p>
         </p:txBody>
@@ -3120,7 +2781,7 @@
             <a:spLocks noGrp="1"/>
           </p:cNvSpPr>
           <p:nvPr>
-            <p:ph/>
+            <p:ph type="body"/>
           </p:nvPr>
         </p:nvSpPr>
         <p:spPr>
@@ -3131,18 +2792,14 @@
           <a:prstGeom prst="rect">
             <a:avLst/>
           </a:prstGeom>
-          <a:noFill/>
-          <a:ln w="0">
-            <a:noFill/>
-          </a:ln>
         </p:spPr>
         <p:txBody>
-          <a:bodyPr lIns="0" rIns="0" tIns="0" bIns="0" anchor="t">
+          <a:bodyPr lIns="0" rIns="0" tIns="0" bIns="0">
             <a:normAutofit/>
           </a:bodyPr>
           <a:p>
             <a:endParaRPr b="0" lang="en-US" sz="3200" spc="-1" strike="noStrike">
-              <a:latin typeface="DejaVu Sans"/>
+              <a:latin typeface="Arial"/>
             </a:endParaRPr>
           </a:p>
         </p:txBody>
@@ -3154,7 +2811,7 @@
             <a:spLocks noGrp="1"/>
           </p:cNvSpPr>
           <p:nvPr>
-            <p:ph/>
+            <p:ph type="body"/>
           </p:nvPr>
         </p:nvSpPr>
         <p:spPr>
@@ -3165,18 +2822,14 @@
           <a:prstGeom prst="rect">
             <a:avLst/>
           </a:prstGeom>
-          <a:noFill/>
-          <a:ln w="0">
-            <a:noFill/>
-          </a:ln>
         </p:spPr>
         <p:txBody>
-          <a:bodyPr lIns="0" rIns="0" tIns="0" bIns="0" anchor="t">
+          <a:bodyPr lIns="0" rIns="0" tIns="0" bIns="0">
             <a:normAutofit/>
           </a:bodyPr>
           <a:p>
             <a:endParaRPr b="0" lang="en-US" sz="3200" spc="-1" strike="noStrike">
-              <a:latin typeface="DejaVu Sans"/>
+              <a:latin typeface="Arial"/>
             </a:endParaRPr>
           </a:p>
         </p:txBody>
@@ -3221,21 +2874,15 @@
           <a:prstGeom prst="rect">
             <a:avLst/>
           </a:prstGeom>
-          <a:noFill/>
-          <a:ln w="0">
-            <a:noFill/>
-          </a:ln>
         </p:spPr>
         <p:txBody>
           <a:bodyPr lIns="0" rIns="0" tIns="0" bIns="0" anchor="ctr">
             <a:noAutofit/>
           </a:bodyPr>
           <a:p>
-            <a:pPr algn="ctr">
-              <a:buNone/>
-            </a:pPr>
+            <a:pPr algn="ctr"/>
             <a:endParaRPr b="0" lang="en-US" sz="4400" spc="-1" strike="noStrike">
-              <a:latin typeface="DejaVu Sans"/>
+              <a:latin typeface="Arial"/>
             </a:endParaRPr>
           </a:p>
         </p:txBody>
@@ -3280,21 +2927,15 @@
           <a:prstGeom prst="rect">
             <a:avLst/>
           </a:prstGeom>
-          <a:noFill/>
-          <a:ln w="0">
-            <a:noFill/>
-          </a:ln>
         </p:spPr>
         <p:txBody>
           <a:bodyPr lIns="0" rIns="0" tIns="0" bIns="0" anchor="ctr">
             <a:noAutofit/>
           </a:bodyPr>
           <a:p>
-            <a:pPr algn="ctr">
-              <a:buNone/>
-            </a:pPr>
+            <a:pPr algn="ctr"/>
             <a:endParaRPr b="0" lang="en-US" sz="3200" spc="-1" strike="noStrike">
-              <a:latin typeface="DejaVu Sans"/>
+              <a:latin typeface="Arial"/>
             </a:endParaRPr>
           </a:p>
         </p:txBody>
@@ -3339,21 +2980,15 @@
           <a:prstGeom prst="rect">
             <a:avLst/>
           </a:prstGeom>
-          <a:noFill/>
-          <a:ln w="0">
-            <a:noFill/>
-          </a:ln>
         </p:spPr>
         <p:txBody>
           <a:bodyPr lIns="0" rIns="0" tIns="0" bIns="0" anchor="ctr">
             <a:noAutofit/>
           </a:bodyPr>
           <a:p>
-            <a:pPr algn="ctr">
-              <a:buNone/>
-            </a:pPr>
+            <a:pPr algn="ctr"/>
             <a:endParaRPr b="0" lang="en-US" sz="4400" spc="-1" strike="noStrike">
-              <a:latin typeface="DejaVu Sans"/>
+              <a:latin typeface="Arial"/>
             </a:endParaRPr>
           </a:p>
         </p:txBody>
@@ -3365,7 +3000,7 @@
             <a:spLocks noGrp="1"/>
           </p:cNvSpPr>
           <p:nvPr>
-            <p:ph/>
+            <p:ph type="body"/>
           </p:nvPr>
         </p:nvSpPr>
         <p:spPr>
@@ -3376,18 +3011,14 @@
           <a:prstGeom prst="rect">
             <a:avLst/>
           </a:prstGeom>
-          <a:noFill/>
-          <a:ln w="0">
-            <a:noFill/>
-          </a:ln>
         </p:spPr>
         <p:txBody>
-          <a:bodyPr lIns="0" rIns="0" tIns="0" bIns="0" anchor="t">
+          <a:bodyPr lIns="0" rIns="0" tIns="0" bIns="0">
             <a:normAutofit/>
           </a:bodyPr>
           <a:p>
             <a:endParaRPr b="0" lang="en-US" sz="3200" spc="-1" strike="noStrike">
-              <a:latin typeface="DejaVu Sans"/>
+              <a:latin typeface="Arial"/>
             </a:endParaRPr>
           </a:p>
         </p:txBody>
@@ -3399,7 +3030,7 @@
             <a:spLocks noGrp="1"/>
           </p:cNvSpPr>
           <p:nvPr>
-            <p:ph/>
+            <p:ph type="body"/>
           </p:nvPr>
         </p:nvSpPr>
         <p:spPr>
@@ -3410,18 +3041,14 @@
           <a:prstGeom prst="rect">
             <a:avLst/>
           </a:prstGeom>
-          <a:noFill/>
-          <a:ln w="0">
-            <a:noFill/>
-          </a:ln>
         </p:spPr>
         <p:txBody>
-          <a:bodyPr lIns="0" rIns="0" tIns="0" bIns="0" anchor="t">
+          <a:bodyPr lIns="0" rIns="0" tIns="0" bIns="0">
             <a:normAutofit/>
           </a:bodyPr>
           <a:p>
             <a:endParaRPr b="0" lang="en-US" sz="3200" spc="-1" strike="noStrike">
-              <a:latin typeface="DejaVu Sans"/>
+              <a:latin typeface="Arial"/>
             </a:endParaRPr>
           </a:p>
         </p:txBody>
@@ -3433,7 +3060,7 @@
             <a:spLocks noGrp="1"/>
           </p:cNvSpPr>
           <p:nvPr>
-            <p:ph/>
+            <p:ph type="body"/>
           </p:nvPr>
         </p:nvSpPr>
         <p:spPr>
@@ -3444,18 +3071,14 @@
           <a:prstGeom prst="rect">
             <a:avLst/>
           </a:prstGeom>
-          <a:noFill/>
-          <a:ln w="0">
-            <a:noFill/>
-          </a:ln>
         </p:spPr>
         <p:txBody>
-          <a:bodyPr lIns="0" rIns="0" tIns="0" bIns="0" anchor="t">
+          <a:bodyPr lIns="0" rIns="0" tIns="0" bIns="0">
             <a:normAutofit/>
           </a:bodyPr>
           <a:p>
             <a:endParaRPr b="0" lang="en-US" sz="3200" spc="-1" strike="noStrike">
-              <a:latin typeface="DejaVu Sans"/>
+              <a:latin typeface="Arial"/>
             </a:endParaRPr>
           </a:p>
         </p:txBody>
@@ -3500,21 +3123,15 @@
           <a:prstGeom prst="rect">
             <a:avLst/>
           </a:prstGeom>
-          <a:noFill/>
-          <a:ln w="0">
-            <a:noFill/>
-          </a:ln>
         </p:spPr>
         <p:txBody>
           <a:bodyPr lIns="0" rIns="0" tIns="0" bIns="0" anchor="ctr">
             <a:noAutofit/>
           </a:bodyPr>
           <a:p>
-            <a:pPr algn="ctr">
-              <a:buNone/>
-            </a:pPr>
+            <a:pPr algn="ctr"/>
             <a:endParaRPr b="0" lang="en-US" sz="4400" spc="-1" strike="noStrike">
-              <a:latin typeface="DejaVu Sans"/>
+              <a:latin typeface="Arial"/>
             </a:endParaRPr>
           </a:p>
         </p:txBody>
@@ -3526,7 +3143,7 @@
             <a:spLocks noGrp="1"/>
           </p:cNvSpPr>
           <p:nvPr>
-            <p:ph/>
+            <p:ph type="body"/>
           </p:nvPr>
         </p:nvSpPr>
         <p:spPr>
@@ -3537,18 +3154,14 @@
           <a:prstGeom prst="rect">
             <a:avLst/>
           </a:prstGeom>
-          <a:noFill/>
-          <a:ln w="0">
-            <a:noFill/>
-          </a:ln>
         </p:spPr>
         <p:txBody>
-          <a:bodyPr lIns="0" rIns="0" tIns="0" bIns="0" anchor="t">
+          <a:bodyPr lIns="0" rIns="0" tIns="0" bIns="0">
             <a:normAutofit/>
           </a:bodyPr>
           <a:p>
             <a:endParaRPr b="0" lang="en-US" sz="3200" spc="-1" strike="noStrike">
-              <a:latin typeface="DejaVu Sans"/>
+              <a:latin typeface="Arial"/>
             </a:endParaRPr>
           </a:p>
         </p:txBody>
@@ -3560,7 +3173,7 @@
             <a:spLocks noGrp="1"/>
           </p:cNvSpPr>
           <p:nvPr>
-            <p:ph/>
+            <p:ph type="body"/>
           </p:nvPr>
         </p:nvSpPr>
         <p:spPr>
@@ -3571,18 +3184,14 @@
           <a:prstGeom prst="rect">
             <a:avLst/>
           </a:prstGeom>
-          <a:noFill/>
-          <a:ln w="0">
-            <a:noFill/>
-          </a:ln>
         </p:spPr>
         <p:txBody>
-          <a:bodyPr lIns="0" rIns="0" tIns="0" bIns="0" anchor="t">
+          <a:bodyPr lIns="0" rIns="0" tIns="0" bIns="0">
             <a:normAutofit/>
           </a:bodyPr>
           <a:p>
             <a:endParaRPr b="0" lang="en-US" sz="3200" spc="-1" strike="noStrike">
-              <a:latin typeface="DejaVu Sans"/>
+              <a:latin typeface="Arial"/>
             </a:endParaRPr>
           </a:p>
         </p:txBody>
@@ -3594,7 +3203,7 @@
             <a:spLocks noGrp="1"/>
           </p:cNvSpPr>
           <p:nvPr>
-            <p:ph/>
+            <p:ph type="body"/>
           </p:nvPr>
         </p:nvSpPr>
         <p:spPr>
@@ -3605,18 +3214,14 @@
           <a:prstGeom prst="rect">
             <a:avLst/>
           </a:prstGeom>
-          <a:noFill/>
-          <a:ln w="0">
-            <a:noFill/>
-          </a:ln>
         </p:spPr>
         <p:txBody>
-          <a:bodyPr lIns="0" rIns="0" tIns="0" bIns="0" anchor="t">
+          <a:bodyPr lIns="0" rIns="0" tIns="0" bIns="0">
             <a:normAutofit/>
           </a:bodyPr>
           <a:p>
             <a:endParaRPr b="0" lang="en-US" sz="3200" spc="-1" strike="noStrike">
-              <a:latin typeface="DejaVu Sans"/>
+              <a:latin typeface="Arial"/>
             </a:endParaRPr>
           </a:p>
         </p:txBody>
@@ -3661,21 +3266,15 @@
           <a:prstGeom prst="rect">
             <a:avLst/>
           </a:prstGeom>
-          <a:noFill/>
-          <a:ln w="0">
-            <a:noFill/>
-          </a:ln>
         </p:spPr>
         <p:txBody>
           <a:bodyPr lIns="0" rIns="0" tIns="0" bIns="0" anchor="ctr">
             <a:noAutofit/>
           </a:bodyPr>
           <a:p>
-            <a:pPr algn="ctr">
-              <a:buNone/>
-            </a:pPr>
+            <a:pPr algn="ctr"/>
             <a:endParaRPr b="0" lang="en-US" sz="4400" spc="-1" strike="noStrike">
-              <a:latin typeface="DejaVu Sans"/>
+              <a:latin typeface="Arial"/>
             </a:endParaRPr>
           </a:p>
         </p:txBody>
@@ -3687,7 +3286,7 @@
             <a:spLocks noGrp="1"/>
           </p:cNvSpPr>
           <p:nvPr>
-            <p:ph/>
+            <p:ph type="body"/>
           </p:nvPr>
         </p:nvSpPr>
         <p:spPr>
@@ -3698,18 +3297,14 @@
           <a:prstGeom prst="rect">
             <a:avLst/>
           </a:prstGeom>
-          <a:noFill/>
-          <a:ln w="0">
-            <a:noFill/>
-          </a:ln>
         </p:spPr>
         <p:txBody>
-          <a:bodyPr lIns="0" rIns="0" tIns="0" bIns="0" anchor="t">
+          <a:bodyPr lIns="0" rIns="0" tIns="0" bIns="0">
             <a:normAutofit/>
           </a:bodyPr>
           <a:p>
             <a:endParaRPr b="0" lang="en-US" sz="3200" spc="-1" strike="noStrike">
-              <a:latin typeface="DejaVu Sans"/>
+              <a:latin typeface="Arial"/>
             </a:endParaRPr>
           </a:p>
         </p:txBody>
@@ -3721,7 +3316,7 @@
             <a:spLocks noGrp="1"/>
           </p:cNvSpPr>
           <p:nvPr>
-            <p:ph/>
+            <p:ph type="body"/>
           </p:nvPr>
         </p:nvSpPr>
         <p:spPr>
@@ -3732,18 +3327,14 @@
           <a:prstGeom prst="rect">
             <a:avLst/>
           </a:prstGeom>
-          <a:noFill/>
-          <a:ln w="0">
-            <a:noFill/>
-          </a:ln>
         </p:spPr>
         <p:txBody>
-          <a:bodyPr lIns="0" rIns="0" tIns="0" bIns="0" anchor="t">
+          <a:bodyPr lIns="0" rIns="0" tIns="0" bIns="0">
             <a:normAutofit/>
           </a:bodyPr>
           <a:p>
             <a:endParaRPr b="0" lang="en-US" sz="3200" spc="-1" strike="noStrike">
-              <a:latin typeface="DejaVu Sans"/>
+              <a:latin typeface="Arial"/>
             </a:endParaRPr>
           </a:p>
         </p:txBody>
@@ -3755,7 +3346,7 @@
             <a:spLocks noGrp="1"/>
           </p:cNvSpPr>
           <p:nvPr>
-            <p:ph/>
+            <p:ph type="body"/>
           </p:nvPr>
         </p:nvSpPr>
         <p:spPr>
@@ -3766,18 +3357,14 @@
           <a:prstGeom prst="rect">
             <a:avLst/>
           </a:prstGeom>
-          <a:noFill/>
-          <a:ln w="0">
-            <a:noFill/>
-          </a:ln>
         </p:spPr>
         <p:txBody>
-          <a:bodyPr lIns="0" rIns="0" tIns="0" bIns="0" anchor="t">
+          <a:bodyPr lIns="0" rIns="0" tIns="0" bIns="0">
             <a:normAutofit/>
           </a:bodyPr>
           <a:p>
             <a:endParaRPr b="0" lang="en-US" sz="3200" spc="-1" strike="noStrike">
-              <a:latin typeface="DejaVu Sans"/>
+              <a:latin typeface="Arial"/>
             </a:endParaRPr>
           </a:p>
         </p:txBody>
@@ -3820,7 +3407,7 @@
         <p:spPr>
           <a:xfrm>
             <a:off x="11444760" y="0"/>
-            <a:ext cx="743400" cy="6852240"/>
+            <a:ext cx="743040" cy="6851880"/>
           </a:xfrm>
           <a:prstGeom prst="rect">
             <a:avLst/>
@@ -3830,7 +3417,7 @@
               <a:alpha val="10000"/>
             </a:srgbClr>
           </a:solidFill>
-          <a:ln w="0">
+          <a:ln>
             <a:noFill/>
           </a:ln>
         </p:spPr>
@@ -3850,13 +3437,13 @@
         <p:spPr>
           <a:xfrm>
             <a:off x="11438640" y="6453360"/>
-            <a:ext cx="760320" cy="363960"/>
+            <a:ext cx="759960" cy="363960"/>
           </a:xfrm>
           <a:prstGeom prst="rect">
             <a:avLst/>
           </a:prstGeom>
           <a:noFill/>
-          <a:ln w="0">
+          <a:ln>
             <a:noFill/>
           </a:ln>
         </p:spPr>
@@ -3867,7 +3454,7 @@
           <a:fontRef idx="minor"/>
         </p:style>
         <p:txBody>
-          <a:bodyPr lIns="90000" rIns="90000" tIns="45000" bIns="45000" anchor="t">
+          <a:bodyPr lIns="90000" rIns="90000" tIns="45000" bIns="45000">
             <a:spAutoFit/>
           </a:bodyPr>
           <a:p>
@@ -3875,9 +3462,8 @@
               <a:lnSpc>
                 <a:spcPct val="100000"/>
               </a:lnSpc>
-              <a:buNone/>
-            </a:pPr>
-            <a:fld id="{C554A203-6404-49A5-9644-A1269A69529D}" type="slidenum">
+            </a:pPr>
+            <a:fld id="{09844AE4-C922-4464-91F7-EC504F2CBFB4}" type="slidenum">
               <a:rPr b="0" lang="en-US" sz="1800" spc="-1" strike="noStrike">
                 <a:solidFill>
                   <a:srgbClr val="808080"/>
@@ -3888,7 +3474,7 @@
               <a:t>&lt;number&gt;</a:t>
             </a:fld>
             <a:endParaRPr b="0" lang="en-US" sz="1800" spc="-1" strike="noStrike">
-              <a:latin typeface="DejaVu Sans"/>
+              <a:latin typeface="Arial"/>
             </a:endParaRPr>
           </a:p>
         </p:txBody>
@@ -3902,13 +3488,13 @@
         <p:spPr>
           <a:xfrm>
             <a:off x="912240" y="1268280"/>
-            <a:ext cx="9210240" cy="363600"/>
+            <a:ext cx="9209880" cy="363240"/>
           </a:xfrm>
           <a:prstGeom prst="rect">
             <a:avLst/>
           </a:prstGeom>
           <a:noFill/>
-          <a:ln w="0">
+          <a:ln>
             <a:noFill/>
           </a:ln>
         </p:spPr>
@@ -3932,12 +3518,12 @@
         <p:spPr>
           <a:xfrm>
             <a:off x="0" y="0"/>
-            <a:ext cx="3054240" cy="564120"/>
-          </a:xfrm>
-          <a:prstGeom prst="rect">
-            <a:avLst/>
-          </a:prstGeom>
-          <a:ln w="0">
+            <a:ext cx="3053880" cy="563760"/>
+          </a:xfrm>
+          <a:prstGeom prst="rect">
+            <a:avLst/>
+          </a:prstGeom>
+          <a:ln>
             <a:noFill/>
           </a:ln>
         </p:spPr>
@@ -3955,12 +3541,12 @@
         <p:spPr>
           <a:xfrm>
             <a:off x="7430400" y="134640"/>
-            <a:ext cx="3700080" cy="516240"/>
-          </a:xfrm>
-          <a:prstGeom prst="rect">
-            <a:avLst/>
-          </a:prstGeom>
-          <a:ln w="0">
+            <a:ext cx="3699720" cy="515880"/>
+          </a:xfrm>
+          <a:prstGeom prst="rect">
+            <a:avLst/>
+          </a:prstGeom>
+          <a:ln>
             <a:noFill/>
           </a:ln>
         </p:spPr>
@@ -3974,13 +3560,13 @@
         <p:spPr>
           <a:xfrm>
             <a:off x="912240" y="1268280"/>
-            <a:ext cx="9210240" cy="363600"/>
+            <a:ext cx="9209880" cy="363240"/>
           </a:xfrm>
           <a:prstGeom prst="rect">
             <a:avLst/>
           </a:prstGeom>
           <a:noFill/>
-          <a:ln w="0">
+          <a:ln>
             <a:noFill/>
           </a:ln>
         </p:spPr>
@@ -4000,7 +3586,7 @@
         <p:spPr>
           <a:xfrm>
             <a:off x="11444760" y="0"/>
-            <a:ext cx="743400" cy="6852240"/>
+            <a:ext cx="743040" cy="6851880"/>
           </a:xfrm>
           <a:prstGeom prst="rect">
             <a:avLst/>
@@ -4010,7 +3596,7 @@
               <a:alpha val="10000"/>
             </a:srgbClr>
           </a:solidFill>
-          <a:ln w="0">
+          <a:ln>
             <a:noFill/>
           </a:ln>
         </p:spPr>
@@ -4030,13 +3616,13 @@
         <p:spPr>
           <a:xfrm>
             <a:off x="0" y="6642720"/>
-            <a:ext cx="12186360" cy="211320"/>
+            <a:ext cx="12186000" cy="211320"/>
           </a:xfrm>
           <a:prstGeom prst="rect">
             <a:avLst/>
           </a:prstGeom>
           <a:noFill/>
-          <a:ln w="0">
+          <a:ln>
             <a:noFill/>
           </a:ln>
         </p:spPr>
@@ -4047,7 +3633,7 @@
           <a:fontRef idx="minor"/>
         </p:style>
         <p:txBody>
-          <a:bodyPr lIns="90000" rIns="90000" tIns="45000" bIns="45000" anchor="t">
+          <a:bodyPr lIns="90000" rIns="90000" tIns="45000" bIns="45000">
             <a:spAutoFit/>
           </a:bodyPr>
           <a:p>
@@ -4055,7 +3641,6 @@
               <a:lnSpc>
                 <a:spcPct val="100000"/>
               </a:lnSpc>
-              <a:buNone/>
             </a:pPr>
             <a:r>
               <a:rPr b="0" lang="de-DE" sz="800" spc="-1" strike="noStrike">
@@ -4088,14 +3673,14 @@
               <a:t> (TU Clausthal / University of Göttingen)</a:t>
             </a:r>
             <a:endParaRPr b="0" lang="en-US" sz="800" spc="-1" strike="noStrike">
-              <a:latin typeface="DejaVu Sans"/>
+              <a:latin typeface="Arial"/>
             </a:endParaRPr>
           </a:p>
         </p:txBody>
       </p:sp>
       <p:sp>
         <p:nvSpPr>
-          <p:cNvPr id="8" name="PlaceHolder 1"/>
+          <p:cNvPr id="8" name="PlaceHolder 7"/>
           <p:cNvSpPr>
             <a:spLocks noGrp="1"/>
           </p:cNvSpPr>
@@ -4111,34 +3696,28 @@
           <a:prstGeom prst="rect">
             <a:avLst/>
           </a:prstGeom>
-          <a:noFill/>
-          <a:ln w="0">
-            <a:noFill/>
-          </a:ln>
         </p:spPr>
         <p:txBody>
           <a:bodyPr lIns="0" rIns="0" tIns="0" bIns="0" anchor="ctr">
             <a:noAutofit/>
           </a:bodyPr>
           <a:p>
-            <a:pPr algn="ctr">
-              <a:buNone/>
-            </a:pPr>
+            <a:pPr algn="ctr"/>
             <a:r>
               <a:rPr b="0" lang="en-US" sz="4400" spc="-1" strike="noStrike">
-                <a:latin typeface="DejaVu Sans"/>
+                <a:latin typeface="Arial"/>
               </a:rPr>
               <a:t>Click to edit the title text format</a:t>
             </a:r>
             <a:endParaRPr b="0" lang="en-US" sz="4400" spc="-1" strike="noStrike">
-              <a:latin typeface="DejaVu Sans"/>
+              <a:latin typeface="Arial"/>
             </a:endParaRPr>
           </a:p>
         </p:txBody>
       </p:sp>
       <p:sp>
         <p:nvSpPr>
-          <p:cNvPr id="9" name="PlaceHolder 2"/>
+          <p:cNvPr id="9" name="PlaceHolder 8"/>
           <p:cNvSpPr>
             <a:spLocks noGrp="1"/>
           </p:cNvSpPr>
@@ -4154,13 +3733,9 @@
           <a:prstGeom prst="rect">
             <a:avLst/>
           </a:prstGeom>
-          <a:noFill/>
-          <a:ln w="0">
-            <a:noFill/>
-          </a:ln>
         </p:spPr>
         <p:txBody>
-          <a:bodyPr lIns="0" rIns="0" tIns="0" bIns="0" anchor="t">
+          <a:bodyPr lIns="0" rIns="0" tIns="0" bIns="0">
             <a:normAutofit/>
           </a:bodyPr>
           <a:p>
@@ -4177,12 +3752,12 @@
             </a:pPr>
             <a:r>
               <a:rPr b="0" lang="en-US" sz="3200" spc="-1" strike="noStrike">
-                <a:latin typeface="DejaVu Sans"/>
+                <a:latin typeface="Arial"/>
               </a:rPr>
               <a:t>Click to edit the outline text format</a:t>
             </a:r>
             <a:endParaRPr b="0" lang="en-US" sz="3200" spc="-1" strike="noStrike">
-              <a:latin typeface="DejaVu Sans"/>
+              <a:latin typeface="Arial"/>
             </a:endParaRPr>
           </a:p>
           <a:p>
@@ -4199,12 +3774,12 @@
             </a:pPr>
             <a:r>
               <a:rPr b="0" lang="en-US" sz="2800" spc="-1" strike="noStrike">
-                <a:latin typeface="DejaVu Sans"/>
+                <a:latin typeface="Arial"/>
               </a:rPr>
               <a:t>Second Outline Level</a:t>
             </a:r>
             <a:endParaRPr b="0" lang="en-US" sz="2800" spc="-1" strike="noStrike">
-              <a:latin typeface="DejaVu Sans"/>
+              <a:latin typeface="Arial"/>
             </a:endParaRPr>
           </a:p>
           <a:p>
@@ -4221,12 +3796,12 @@
             </a:pPr>
             <a:r>
               <a:rPr b="0" lang="en-US" sz="2400" spc="-1" strike="noStrike">
-                <a:latin typeface="DejaVu Sans"/>
+                <a:latin typeface="Arial"/>
               </a:rPr>
               <a:t>Third Outline Level</a:t>
             </a:r>
             <a:endParaRPr b="0" lang="en-US" sz="2400" spc="-1" strike="noStrike">
-              <a:latin typeface="DejaVu Sans"/>
+              <a:latin typeface="Arial"/>
             </a:endParaRPr>
           </a:p>
           <a:p>
@@ -4243,12 +3818,12 @@
             </a:pPr>
             <a:r>
               <a:rPr b="0" lang="en-US" sz="2000" spc="-1" strike="noStrike">
-                <a:latin typeface="DejaVu Sans"/>
+                <a:latin typeface="Arial"/>
               </a:rPr>
               <a:t>Fourth Outline Level</a:t>
             </a:r>
             <a:endParaRPr b="0" lang="en-US" sz="2000" spc="-1" strike="noStrike">
-              <a:latin typeface="DejaVu Sans"/>
+              <a:latin typeface="Arial"/>
             </a:endParaRPr>
           </a:p>
           <a:p>
@@ -4265,12 +3840,12 @@
             </a:pPr>
             <a:r>
               <a:rPr b="0" lang="en-US" sz="2000" spc="-1" strike="noStrike">
-                <a:latin typeface="DejaVu Sans"/>
+                <a:latin typeface="Arial"/>
               </a:rPr>
               <a:t>Fifth Outline Level</a:t>
             </a:r>
             <a:endParaRPr b="0" lang="en-US" sz="2000" spc="-1" strike="noStrike">
-              <a:latin typeface="DejaVu Sans"/>
+              <a:latin typeface="Arial"/>
             </a:endParaRPr>
           </a:p>
           <a:p>
@@ -4287,12 +3862,12 @@
             </a:pPr>
             <a:r>
               <a:rPr b="0" lang="en-US" sz="2000" spc="-1" strike="noStrike">
-                <a:latin typeface="DejaVu Sans"/>
+                <a:latin typeface="Arial"/>
               </a:rPr>
               <a:t>Sixth Outline Level</a:t>
             </a:r>
             <a:endParaRPr b="0" lang="en-US" sz="2000" spc="-1" strike="noStrike">
-              <a:latin typeface="DejaVu Sans"/>
+              <a:latin typeface="Arial"/>
             </a:endParaRPr>
           </a:p>
           <a:p>
@@ -4309,12 +3884,12 @@
             </a:pPr>
             <a:r>
               <a:rPr b="0" lang="en-US" sz="2000" spc="-1" strike="noStrike">
-                <a:latin typeface="DejaVu Sans"/>
+                <a:latin typeface="Arial"/>
               </a:rPr>
               <a:t>Seventh Outline Level</a:t>
             </a:r>
             <a:endParaRPr b="0" lang="en-US" sz="2000" spc="-1" strike="noStrike">
-              <a:latin typeface="DejaVu Sans"/>
+              <a:latin typeface="Arial"/>
             </a:endParaRPr>
           </a:p>
         </p:txBody>
@@ -4372,7 +3947,7 @@
         <p:spPr>
           <a:xfrm>
             <a:off x="11444760" y="0"/>
-            <a:ext cx="743400" cy="6852240"/>
+            <a:ext cx="743040" cy="6851880"/>
           </a:xfrm>
           <a:prstGeom prst="rect">
             <a:avLst/>
@@ -4382,7 +3957,7 @@
               <a:alpha val="10000"/>
             </a:srgbClr>
           </a:solidFill>
-          <a:ln w="0">
+          <a:ln>
             <a:noFill/>
           </a:ln>
         </p:spPr>
@@ -4402,13 +3977,13 @@
         <p:spPr>
           <a:xfrm>
             <a:off x="11438640" y="6453360"/>
-            <a:ext cx="760320" cy="363960"/>
+            <a:ext cx="759960" cy="363960"/>
           </a:xfrm>
           <a:prstGeom prst="rect">
             <a:avLst/>
           </a:prstGeom>
           <a:noFill/>
-          <a:ln w="0">
+          <a:ln>
             <a:noFill/>
           </a:ln>
         </p:spPr>
@@ -4419,7 +3994,7 @@
           <a:fontRef idx="minor"/>
         </p:style>
         <p:txBody>
-          <a:bodyPr lIns="90000" rIns="90000" tIns="45000" bIns="45000" anchor="t">
+          <a:bodyPr lIns="90000" rIns="90000" tIns="45000" bIns="45000">
             <a:spAutoFit/>
           </a:bodyPr>
           <a:p>
@@ -4427,9 +4002,8 @@
               <a:lnSpc>
                 <a:spcPct val="100000"/>
               </a:lnSpc>
-              <a:buNone/>
-            </a:pPr>
-            <a:fld id="{E359F053-E192-4D7C-B636-68859C71F62E}" type="slidenum">
+            </a:pPr>
+            <a:fld id="{AF265B86-4EC7-4929-B1A3-7243B4107E62}" type="slidenum">
               <a:rPr b="0" lang="en-US" sz="1800" spc="-1" strike="noStrike">
                 <a:solidFill>
                   <a:srgbClr val="808080"/>
@@ -4440,7 +4014,7 @@
               <a:t>&lt;number&gt;</a:t>
             </a:fld>
             <a:endParaRPr b="0" lang="en-US" sz="1800" spc="-1" strike="noStrike">
-              <a:latin typeface="DejaVu Sans"/>
+              <a:latin typeface="Arial"/>
             </a:endParaRPr>
           </a:p>
         </p:txBody>
@@ -4454,13 +4028,13 @@
         <p:spPr>
           <a:xfrm>
             <a:off x="912240" y="1268280"/>
-            <a:ext cx="9210240" cy="363600"/>
+            <a:ext cx="9209880" cy="363240"/>
           </a:xfrm>
           <a:prstGeom prst="rect">
             <a:avLst/>
           </a:prstGeom>
           <a:noFill/>
-          <a:ln w="0">
+          <a:ln>
             <a:noFill/>
           </a:ln>
         </p:spPr>
@@ -4484,12 +4058,12 @@
         <p:spPr>
           <a:xfrm>
             <a:off x="0" y="0"/>
-            <a:ext cx="3054240" cy="564120"/>
-          </a:xfrm>
-          <a:prstGeom prst="rect">
-            <a:avLst/>
-          </a:prstGeom>
-          <a:ln w="0">
+            <a:ext cx="3053880" cy="563760"/>
+          </a:xfrm>
+          <a:prstGeom prst="rect">
+            <a:avLst/>
+          </a:prstGeom>
+          <a:ln>
             <a:noFill/>
           </a:ln>
         </p:spPr>
@@ -4507,12 +4081,12 @@
         <p:spPr>
           <a:xfrm>
             <a:off x="7430400" y="134640"/>
-            <a:ext cx="3700080" cy="516240"/>
-          </a:xfrm>
-          <a:prstGeom prst="rect">
-            <a:avLst/>
-          </a:prstGeom>
-          <a:ln w="0">
+            <a:ext cx="3699720" cy="515880"/>
+          </a:xfrm>
+          <a:prstGeom prst="rect">
+            <a:avLst/>
+          </a:prstGeom>
+          <a:ln>
             <a:noFill/>
           </a:ln>
         </p:spPr>
@@ -4526,7 +4100,7 @@
         <p:spPr>
           <a:xfrm>
             <a:off x="11444760" y="0"/>
-            <a:ext cx="743400" cy="6852240"/>
+            <a:ext cx="743040" cy="6851880"/>
           </a:xfrm>
           <a:prstGeom prst="rect">
             <a:avLst/>
@@ -4536,7 +4110,7 @@
               <a:alpha val="10000"/>
             </a:srgbClr>
           </a:solidFill>
-          <a:ln w="0">
+          <a:ln>
             <a:noFill/>
           </a:ln>
         </p:spPr>
@@ -4556,13 +4130,13 @@
         <p:spPr>
           <a:xfrm>
             <a:off x="11438640" y="6453360"/>
-            <a:ext cx="760320" cy="363960"/>
+            <a:ext cx="759960" cy="363960"/>
           </a:xfrm>
           <a:prstGeom prst="rect">
             <a:avLst/>
           </a:prstGeom>
           <a:noFill/>
-          <a:ln w="0">
+          <a:ln>
             <a:noFill/>
           </a:ln>
         </p:spPr>
@@ -4573,7 +4147,7 @@
           <a:fontRef idx="minor"/>
         </p:style>
         <p:txBody>
-          <a:bodyPr lIns="90000" rIns="90000" tIns="45000" bIns="45000" anchor="t">
+          <a:bodyPr lIns="90000" rIns="90000" tIns="45000" bIns="45000">
             <a:spAutoFit/>
           </a:bodyPr>
           <a:p>
@@ -4581,9 +4155,8 @@
               <a:lnSpc>
                 <a:spcPct val="100000"/>
               </a:lnSpc>
-              <a:buNone/>
-            </a:pPr>
-            <a:fld id="{9B6EC81C-1B33-4C69-9FAD-FB4308092B8D}" type="slidenum">
+            </a:pPr>
+            <a:fld id="{C5798C31-A14C-456D-A2F5-4A205E8CC022}" type="slidenum">
               <a:rPr b="0" lang="en-US" sz="1800" spc="-1" strike="noStrike">
                 <a:solidFill>
                   <a:srgbClr val="808080"/>
@@ -4594,7 +4167,7 @@
               <a:t>&lt;number&gt;</a:t>
             </a:fld>
             <a:endParaRPr b="0" lang="en-US" sz="1800" spc="-1" strike="noStrike">
-              <a:latin typeface="DejaVu Sans"/>
+              <a:latin typeface="Arial"/>
             </a:endParaRPr>
           </a:p>
         </p:txBody>
@@ -4608,13 +4181,13 @@
         <p:spPr>
           <a:xfrm>
             <a:off x="0" y="6642720"/>
-            <a:ext cx="12186360" cy="211320"/>
+            <a:ext cx="12186000" cy="211320"/>
           </a:xfrm>
           <a:prstGeom prst="rect">
             <a:avLst/>
           </a:prstGeom>
           <a:noFill/>
-          <a:ln w="0">
+          <a:ln>
             <a:noFill/>
           </a:ln>
         </p:spPr>
@@ -4625,7 +4198,7 @@
           <a:fontRef idx="minor"/>
         </p:style>
         <p:txBody>
-          <a:bodyPr lIns="90000" rIns="90000" tIns="45000" bIns="45000" anchor="t">
+          <a:bodyPr lIns="90000" rIns="90000" tIns="45000" bIns="45000">
             <a:spAutoFit/>
           </a:bodyPr>
           <a:p>
@@ -4633,7 +4206,6 @@
               <a:lnSpc>
                 <a:spcPct val="100000"/>
               </a:lnSpc>
-              <a:buNone/>
             </a:pPr>
             <a:r>
               <a:rPr b="0" lang="de-DE" sz="800" spc="-1" strike="noStrike">
@@ -4666,14 +4238,14 @@
               <a:t> (TU Clausthal / University of Göttingen)</a:t>
             </a:r>
             <a:endParaRPr b="0" lang="en-US" sz="800" spc="-1" strike="noStrike">
-              <a:latin typeface="DejaVu Sans"/>
+              <a:latin typeface="Arial"/>
             </a:endParaRPr>
           </a:p>
         </p:txBody>
       </p:sp>
       <p:sp>
         <p:nvSpPr>
-          <p:cNvPr id="54" name="PlaceHolder 1"/>
+          <p:cNvPr id="54" name="PlaceHolder 7"/>
           <p:cNvSpPr>
             <a:spLocks noGrp="1"/>
           </p:cNvSpPr>
@@ -4689,76 +4261,28 @@
           <a:prstGeom prst="rect">
             <a:avLst/>
           </a:prstGeom>
-          <a:noFill/>
-          <a:ln w="0">
-            <a:noFill/>
-          </a:ln>
         </p:spPr>
         <p:txBody>
           <a:bodyPr lIns="0" rIns="0" tIns="0" bIns="0" anchor="ctr">
             <a:noAutofit/>
           </a:bodyPr>
           <a:p>
-            <a:pPr algn="ctr">
-              <a:buNone/>
-            </a:pPr>
+            <a:pPr algn="ctr"/>
             <a:r>
               <a:rPr b="0" lang="en-US" sz="4400" spc="-1" strike="noStrike">
-                <a:latin typeface="DejaVu Sans"/>
-              </a:rPr>
-              <a:t>Click </a:t>
-            </a:r>
-            <a:r>
-              <a:rPr b="0" lang="en-US" sz="4400" spc="-1" strike="noStrike">
-                <a:latin typeface="DejaVu Sans"/>
-              </a:rPr>
-              <a:t>to </a:t>
-            </a:r>
-            <a:r>
-              <a:rPr b="0" lang="en-US" sz="4400" spc="-1" strike="noStrike">
-                <a:latin typeface="DejaVu Sans"/>
-              </a:rPr>
-              <a:t>edit </a:t>
-            </a:r>
-            <a:r>
-              <a:rPr b="0" lang="en-US" sz="4400" spc="-1" strike="noStrike">
-                <a:latin typeface="DejaVu Sans"/>
-              </a:rPr>
-              <a:t>the </a:t>
-            </a:r>
-            <a:r>
-              <a:rPr b="0" lang="en-US" sz="4400" spc="-1" strike="noStrike">
-                <a:latin typeface="DejaVu Sans"/>
-              </a:rPr>
-              <a:t>title </a:t>
-            </a:r>
-            <a:r>
-              <a:rPr b="0" lang="en-US" sz="4400" spc="-1" strike="noStrike">
-                <a:latin typeface="DejaVu Sans"/>
-              </a:rPr>
-              <a:t>text </a:t>
-            </a:r>
-            <a:r>
-              <a:rPr b="0" lang="en-US" sz="4400" spc="-1" strike="noStrike">
-                <a:latin typeface="DejaVu Sans"/>
-              </a:rPr>
-              <a:t>form</a:t>
-            </a:r>
-            <a:r>
-              <a:rPr b="0" lang="en-US" sz="4400" spc="-1" strike="noStrike">
-                <a:latin typeface="DejaVu Sans"/>
-              </a:rPr>
-              <a:t>at</a:t>
+                <a:latin typeface="Arial"/>
+              </a:rPr>
+              <a:t>Click to edit the title text format</a:t>
             </a:r>
             <a:endParaRPr b="0" lang="en-US" sz="4400" spc="-1" strike="noStrike">
-              <a:latin typeface="DejaVu Sans"/>
+              <a:latin typeface="Arial"/>
             </a:endParaRPr>
           </a:p>
         </p:txBody>
       </p:sp>
       <p:sp>
         <p:nvSpPr>
-          <p:cNvPr id="55" name="PlaceHolder 2"/>
+          <p:cNvPr id="55" name="PlaceHolder 8"/>
           <p:cNvSpPr>
             <a:spLocks noGrp="1"/>
           </p:cNvSpPr>
@@ -4774,13 +4298,9 @@
           <a:prstGeom prst="rect">
             <a:avLst/>
           </a:prstGeom>
-          <a:noFill/>
-          <a:ln w="0">
-            <a:noFill/>
-          </a:ln>
         </p:spPr>
         <p:txBody>
-          <a:bodyPr lIns="0" rIns="0" tIns="0" bIns="0" anchor="t">
+          <a:bodyPr lIns="0" rIns="0" tIns="0" bIns="0">
             <a:normAutofit/>
           </a:bodyPr>
           <a:p>
@@ -4797,12 +4317,12 @@
             </a:pPr>
             <a:r>
               <a:rPr b="0" lang="en-US" sz="3200" spc="-1" strike="noStrike">
-                <a:latin typeface="DejaVu Sans"/>
+                <a:latin typeface="Arial"/>
               </a:rPr>
               <a:t>Click to edit the outline text format</a:t>
             </a:r>
             <a:endParaRPr b="0" lang="en-US" sz="3200" spc="-1" strike="noStrike">
-              <a:latin typeface="DejaVu Sans"/>
+              <a:latin typeface="Arial"/>
             </a:endParaRPr>
           </a:p>
           <a:p>
@@ -4819,12 +4339,12 @@
             </a:pPr>
             <a:r>
               <a:rPr b="0" lang="en-US" sz="2800" spc="-1" strike="noStrike">
-                <a:latin typeface="DejaVu Sans"/>
+                <a:latin typeface="Arial"/>
               </a:rPr>
               <a:t>Second Outline Level</a:t>
             </a:r>
             <a:endParaRPr b="0" lang="en-US" sz="2800" spc="-1" strike="noStrike">
-              <a:latin typeface="DejaVu Sans"/>
+              <a:latin typeface="Arial"/>
             </a:endParaRPr>
           </a:p>
           <a:p>
@@ -4841,12 +4361,12 @@
             </a:pPr>
             <a:r>
               <a:rPr b="0" lang="en-US" sz="2400" spc="-1" strike="noStrike">
-                <a:latin typeface="DejaVu Sans"/>
+                <a:latin typeface="Arial"/>
               </a:rPr>
               <a:t>Third Outline Level</a:t>
             </a:r>
             <a:endParaRPr b="0" lang="en-US" sz="2400" spc="-1" strike="noStrike">
-              <a:latin typeface="DejaVu Sans"/>
+              <a:latin typeface="Arial"/>
             </a:endParaRPr>
           </a:p>
           <a:p>
@@ -4863,12 +4383,12 @@
             </a:pPr>
             <a:r>
               <a:rPr b="0" lang="en-US" sz="2000" spc="-1" strike="noStrike">
-                <a:latin typeface="DejaVu Sans"/>
+                <a:latin typeface="Arial"/>
               </a:rPr>
               <a:t>Fourth Outline Level</a:t>
             </a:r>
             <a:endParaRPr b="0" lang="en-US" sz="2000" spc="-1" strike="noStrike">
-              <a:latin typeface="DejaVu Sans"/>
+              <a:latin typeface="Arial"/>
             </a:endParaRPr>
           </a:p>
           <a:p>
@@ -4885,12 +4405,12 @@
             </a:pPr>
             <a:r>
               <a:rPr b="0" lang="en-US" sz="2000" spc="-1" strike="noStrike">
-                <a:latin typeface="DejaVu Sans"/>
+                <a:latin typeface="Arial"/>
               </a:rPr>
               <a:t>Fifth Outline Level</a:t>
             </a:r>
             <a:endParaRPr b="0" lang="en-US" sz="2000" spc="-1" strike="noStrike">
-              <a:latin typeface="DejaVu Sans"/>
+              <a:latin typeface="Arial"/>
             </a:endParaRPr>
           </a:p>
           <a:p>
@@ -4907,12 +4427,12 @@
             </a:pPr>
             <a:r>
               <a:rPr b="0" lang="en-US" sz="2000" spc="-1" strike="noStrike">
-                <a:latin typeface="DejaVu Sans"/>
+                <a:latin typeface="Arial"/>
               </a:rPr>
               <a:t>Sixth Outline Level</a:t>
             </a:r>
             <a:endParaRPr b="0" lang="en-US" sz="2000" spc="-1" strike="noStrike">
-              <a:latin typeface="DejaVu Sans"/>
+              <a:latin typeface="Arial"/>
             </a:endParaRPr>
           </a:p>
           <a:p>
@@ -4929,12 +4449,12 @@
             </a:pPr>
             <a:r>
               <a:rPr b="0" lang="en-US" sz="2000" spc="-1" strike="noStrike">
-                <a:latin typeface="DejaVu Sans"/>
+                <a:latin typeface="Arial"/>
               </a:rPr>
               <a:t>Seventh Outline Level</a:t>
             </a:r>
             <a:endParaRPr b="0" lang="en-US" sz="2000" spc="-1" strike="noStrike">
-              <a:latin typeface="DejaVu Sans"/>
+              <a:latin typeface="Arial"/>
             </a:endParaRPr>
           </a:p>
         </p:txBody>
@@ -4985,13 +4505,13 @@
         <p:spPr>
           <a:xfrm>
             <a:off x="527400" y="1412640"/>
-            <a:ext cx="10363320" cy="1149840"/>
+            <a:ext cx="10362960" cy="1149480"/>
           </a:xfrm>
           <a:prstGeom prst="rect">
             <a:avLst/>
           </a:prstGeom>
           <a:noFill/>
-          <a:ln w="0">
+          <a:ln>
             <a:noFill/>
           </a:ln>
         </p:spPr>
@@ -5010,7 +4530,6 @@
               <a:lnSpc>
                 <a:spcPct val="100000"/>
               </a:lnSpc>
-              <a:buNone/>
             </a:pPr>
             <a:r>
               <a:rPr b="1" lang="en-US" sz="3200" spc="-1" strike="noStrike">
@@ -5023,7 +4542,7 @@
               <a:t>Emerging Technologies for the Circular Economy</a:t>
             </a:r>
             <a:endParaRPr b="0" lang="en-US" sz="3200" spc="-1" strike="noStrike">
-              <a:latin typeface="DejaVu Sans"/>
+              <a:latin typeface="Arial"/>
             </a:endParaRPr>
           </a:p>
         </p:txBody>
@@ -5037,13 +4556,13 @@
         <p:spPr>
           <a:xfrm>
             <a:off x="527400" y="2852640"/>
-            <a:ext cx="10363320" cy="2370600"/>
+            <a:ext cx="10362960" cy="2370240"/>
           </a:xfrm>
           <a:prstGeom prst="rect">
             <a:avLst/>
           </a:prstGeom>
           <a:noFill/>
-          <a:ln w="0">
+          <a:ln>
             <a:noFill/>
           </a:ln>
         </p:spPr>
@@ -5054,7 +4573,7 @@
           <a:fontRef idx="minor"/>
         </p:style>
         <p:txBody>
-          <a:bodyPr lIns="90000" rIns="90000" tIns="45000" bIns="45000" anchor="t">
+          <a:bodyPr lIns="90000" rIns="90000" tIns="45000" bIns="45000">
             <a:noAutofit/>
           </a:bodyPr>
           <a:p>
@@ -5065,7 +4584,6 @@
               <a:spcBef>
                 <a:spcPts val="479"/>
               </a:spcBef>
-              <a:buNone/>
               <a:tabLst>
                 <a:tab algn="l" pos="0"/>
               </a:tabLst>
@@ -5081,7 +4599,7 @@
               <a:t>Lecture 0: Organization</a:t>
             </a:r>
             <a:endParaRPr b="0" lang="en-US" sz="2400" spc="-1" strike="noStrike">
-              <a:latin typeface="DejaVu Sans"/>
+              <a:latin typeface="Arial"/>
             </a:endParaRPr>
           </a:p>
           <a:p>
@@ -5092,13 +4610,12 @@
               <a:spcBef>
                 <a:spcPts val="479"/>
               </a:spcBef>
-              <a:buNone/>
               <a:tabLst>
                 <a:tab algn="l" pos="0"/>
               </a:tabLst>
             </a:pPr>
             <a:endParaRPr b="0" lang="en-US" sz="2400" spc="-1" strike="noStrike">
-              <a:latin typeface="DejaVu Sans"/>
+              <a:latin typeface="Arial"/>
             </a:endParaRPr>
           </a:p>
           <a:p>
@@ -5109,13 +4626,12 @@
               <a:spcBef>
                 <a:spcPts val="241"/>
               </a:spcBef>
-              <a:buNone/>
               <a:tabLst>
                 <a:tab algn="l" pos="0"/>
               </a:tabLst>
             </a:pPr>
             <a:endParaRPr b="0" lang="en-US" sz="2400" spc="-1" strike="noStrike">
-              <a:latin typeface="DejaVu Sans"/>
+              <a:latin typeface="Arial"/>
             </a:endParaRPr>
           </a:p>
           <a:p>
@@ -5126,13 +4642,12 @@
               <a:spcBef>
                 <a:spcPts val="241"/>
               </a:spcBef>
-              <a:buNone/>
               <a:tabLst>
                 <a:tab algn="l" pos="0"/>
               </a:tabLst>
             </a:pPr>
             <a:endParaRPr b="0" lang="en-US" sz="2400" spc="-1" strike="noStrike">
-              <a:latin typeface="DejaVu Sans"/>
+              <a:latin typeface="Arial"/>
             </a:endParaRPr>
           </a:p>
           <a:p>
@@ -5143,7 +4658,6 @@
               <a:spcBef>
                 <a:spcPts val="320"/>
               </a:spcBef>
-              <a:buNone/>
               <a:tabLst>
                 <a:tab algn="l" pos="0"/>
               </a:tabLst>
@@ -5159,7 +4673,7 @@
               <a:t>Prof. Dr. Benjamin Leiding (Clausthal)</a:t>
             </a:r>
             <a:endParaRPr b="0" lang="en-US" sz="1600" spc="-1" strike="noStrike">
-              <a:latin typeface="DejaVu Sans"/>
+              <a:latin typeface="Arial"/>
             </a:endParaRPr>
           </a:p>
           <a:p>
@@ -5170,7 +4684,6 @@
               <a:spcBef>
                 <a:spcPts val="320"/>
               </a:spcBef>
-              <a:buNone/>
               <a:tabLst>
                 <a:tab algn="l" pos="0"/>
               </a:tabLst>
@@ -5186,7 +4699,7 @@
               <a:t>M.Sc. Arne Bochem (Göttingen)</a:t>
             </a:r>
             <a:endParaRPr b="0" lang="en-US" sz="1600" spc="-1" strike="noStrike">
-              <a:latin typeface="DejaVu Sans"/>
+              <a:latin typeface="Arial"/>
             </a:endParaRPr>
           </a:p>
           <a:p>
@@ -5197,7 +4710,6 @@
               <a:spcBef>
                 <a:spcPts val="320"/>
               </a:spcBef>
-              <a:buNone/>
               <a:tabLst>
                 <a:tab algn="l" pos="0"/>
               </a:tabLst>
@@ -5213,7 +4725,7 @@
               <a:t>M.Sc. Anant Sujatanagarjuna (Clausthal)</a:t>
             </a:r>
             <a:endParaRPr b="0" lang="en-US" sz="1600" spc="-1" strike="noStrike">
-              <a:latin typeface="DejaVu Sans"/>
+              <a:latin typeface="Arial"/>
             </a:endParaRPr>
           </a:p>
         </p:txBody>
@@ -5257,13 +4769,13 @@
         <p:spPr>
           <a:xfrm>
             <a:off x="335520" y="764640"/>
-            <a:ext cx="10747440" cy="498240"/>
+            <a:ext cx="10747080" cy="497880"/>
           </a:xfrm>
           <a:prstGeom prst="rect">
             <a:avLst/>
           </a:prstGeom>
           <a:noFill/>
-          <a:ln w="0">
+          <a:ln>
             <a:noFill/>
           </a:ln>
         </p:spPr>
@@ -5274,7 +4786,7 @@
           <a:fontRef idx="minor"/>
         </p:style>
         <p:txBody>
-          <a:bodyPr lIns="90000" rIns="90000" tIns="45000" bIns="45000" anchor="t">
+          <a:bodyPr lIns="90000" rIns="90000" tIns="45000" bIns="45000">
             <a:noAutofit/>
           </a:bodyPr>
           <a:p>
@@ -5282,7 +4794,6 @@
               <a:lnSpc>
                 <a:spcPct val="100000"/>
               </a:lnSpc>
-              <a:buNone/>
             </a:pPr>
             <a:r>
               <a:rPr b="1" lang="de-DE" sz="2400" spc="-1" strike="noStrike">
@@ -5295,7 +4806,7 @@
               <a:t>Learning Outcome</a:t>
             </a:r>
             <a:endParaRPr b="0" lang="en-US" sz="2400" spc="-1" strike="noStrike">
-              <a:latin typeface="DejaVu Sans"/>
+              <a:latin typeface="Arial"/>
             </a:endParaRPr>
           </a:p>
           <a:p>
@@ -5303,10 +4814,9 @@
               <a:lnSpc>
                 <a:spcPct val="100000"/>
               </a:lnSpc>
-              <a:buNone/>
             </a:pPr>
             <a:endParaRPr b="0" lang="en-US" sz="2400" spc="-1" strike="noStrike">
-              <a:latin typeface="DejaVu Sans"/>
+              <a:latin typeface="Arial"/>
             </a:endParaRPr>
           </a:p>
         </p:txBody>
@@ -5320,13 +4830,13 @@
         <p:spPr>
           <a:xfrm>
             <a:off x="335520" y="2408400"/>
-            <a:ext cx="10747440" cy="3895200"/>
+            <a:ext cx="10747080" cy="3894840"/>
           </a:xfrm>
           <a:prstGeom prst="rect">
             <a:avLst/>
           </a:prstGeom>
           <a:noFill/>
-          <a:ln w="0">
+          <a:ln>
             <a:noFill/>
           </a:ln>
         </p:spPr>
@@ -5337,11 +4847,11 @@
           <a:fontRef idx="minor"/>
         </p:style>
         <p:txBody>
-          <a:bodyPr lIns="90000" rIns="90000" tIns="45000" bIns="45000" anchor="t">
+          <a:bodyPr lIns="90000" rIns="90000" tIns="45000" bIns="45000">
             <a:noAutofit/>
           </a:bodyPr>
           <a:p>
-            <a:pPr marL="195120" indent="-192240">
+            <a:pPr marL="195120" indent="-191880">
               <a:lnSpc>
                 <a:spcPct val="100000"/>
               </a:lnSpc>
@@ -5366,11 +4876,11 @@
               <a:t>Basic understanding of the concept of the Linear Economy, the Circular Economy, the Performance Economy and sustainability</a:t>
             </a:r>
             <a:endParaRPr b="0" lang="en-US" sz="1800" spc="-1" strike="noStrike">
-              <a:latin typeface="DejaVu Sans"/>
-            </a:endParaRPr>
-          </a:p>
-          <a:p>
-            <a:pPr marL="195120" indent="-192240">
+              <a:latin typeface="Arial"/>
+            </a:endParaRPr>
+          </a:p>
+          <a:p>
+            <a:pPr marL="195120" indent="-191880">
               <a:lnSpc>
                 <a:spcPct val="100000"/>
               </a:lnSpc>
@@ -5395,11 +4905,11 @@
               <a:t>Basic understanding of new technologies in the field of decentralized and smart systems</a:t>
             </a:r>
             <a:endParaRPr b="0" lang="en-US" sz="1800" spc="-1" strike="noStrike">
-              <a:latin typeface="DejaVu Sans"/>
-            </a:endParaRPr>
-          </a:p>
-          <a:p>
-            <a:pPr marL="195120" indent="-192240">
+              <a:latin typeface="Arial"/>
+            </a:endParaRPr>
+          </a:p>
+          <a:p>
+            <a:pPr marL="195120" indent="-191880">
               <a:lnSpc>
                 <a:spcPct val="100000"/>
               </a:lnSpc>
@@ -5424,11 +4934,11 @@
               <a:t>Understanding and overview of the Internet of Things and related concepts</a:t>
             </a:r>
             <a:endParaRPr b="0" lang="en-US" sz="1800" spc="-1" strike="noStrike">
-              <a:latin typeface="DejaVu Sans"/>
-            </a:endParaRPr>
-          </a:p>
-          <a:p>
-            <a:pPr marL="195120" indent="-192240">
+              <a:latin typeface="Arial"/>
+            </a:endParaRPr>
+          </a:p>
+          <a:p>
+            <a:pPr marL="195120" indent="-191880">
               <a:lnSpc>
                 <a:spcPct val="100000"/>
               </a:lnSpc>
@@ -5453,7 +4963,7 @@
               <a:t>Ability to design decentralized smart systems and applications in the context of connected sensor systems</a:t>
             </a:r>
             <a:endParaRPr b="0" lang="en-US" sz="1800" spc="-1" strike="noStrike">
-              <a:latin typeface="DejaVu Sans"/>
+              <a:latin typeface="Arial"/>
             </a:endParaRPr>
           </a:p>
         </p:txBody>
@@ -5497,13 +5007,13 @@
         <p:spPr>
           <a:xfrm>
             <a:off x="335520" y="764640"/>
-            <a:ext cx="10747440" cy="498240"/>
+            <a:ext cx="10747080" cy="497880"/>
           </a:xfrm>
           <a:prstGeom prst="rect">
             <a:avLst/>
           </a:prstGeom>
           <a:noFill/>
-          <a:ln w="0">
+          <a:ln>
             <a:noFill/>
           </a:ln>
         </p:spPr>
@@ -5514,7 +5024,7 @@
           <a:fontRef idx="minor"/>
         </p:style>
         <p:txBody>
-          <a:bodyPr lIns="90000" rIns="90000" tIns="45000" bIns="45000" anchor="t">
+          <a:bodyPr lIns="90000" rIns="90000" tIns="45000" bIns="45000">
             <a:noAutofit/>
           </a:bodyPr>
           <a:p>
@@ -5522,7 +5032,6 @@
               <a:lnSpc>
                 <a:spcPct val="100000"/>
               </a:lnSpc>
-              <a:buNone/>
             </a:pPr>
             <a:r>
               <a:rPr b="1" lang="de-DE" sz="2400" spc="-1" strike="noStrike">
@@ -5535,7 +5044,7 @@
               <a:t>Learning Outcome</a:t>
             </a:r>
             <a:endParaRPr b="0" lang="en-US" sz="2400" spc="-1" strike="noStrike">
-              <a:latin typeface="DejaVu Sans"/>
+              <a:latin typeface="Arial"/>
             </a:endParaRPr>
           </a:p>
         </p:txBody>
@@ -5549,13 +5058,13 @@
         <p:spPr>
           <a:xfrm>
             <a:off x="335520" y="2408400"/>
-            <a:ext cx="10747440" cy="3895200"/>
+            <a:ext cx="10747080" cy="3894840"/>
           </a:xfrm>
           <a:prstGeom prst="rect">
             <a:avLst/>
           </a:prstGeom>
           <a:noFill/>
-          <a:ln w="0">
+          <a:ln>
             <a:noFill/>
           </a:ln>
         </p:spPr>
@@ -5566,11 +5075,11 @@
           <a:fontRef idx="minor"/>
         </p:style>
         <p:txBody>
-          <a:bodyPr lIns="90000" rIns="90000" tIns="45000" bIns="45000" anchor="t">
+          <a:bodyPr lIns="90000" rIns="90000" tIns="45000" bIns="45000">
             <a:noAutofit/>
           </a:bodyPr>
           <a:p>
-            <a:pPr marL="195120" indent="-192240">
+            <a:pPr marL="195120" indent="-191880">
               <a:lnSpc>
                 <a:spcPct val="100000"/>
               </a:lnSpc>
@@ -5595,11 +5104,11 @@
               <a:t>Basic understanding of the concept of the Linear Economy, the Circular Economy, the Performance Economy and sustainability</a:t>
             </a:r>
             <a:endParaRPr b="0" lang="en-US" sz="1800" spc="-1" strike="noStrike">
-              <a:latin typeface="DejaVu Sans"/>
-            </a:endParaRPr>
-          </a:p>
-          <a:p>
-            <a:pPr marL="195120" indent="-192240">
+              <a:latin typeface="Arial"/>
+            </a:endParaRPr>
+          </a:p>
+          <a:p>
+            <a:pPr marL="195120" indent="-191880">
               <a:lnSpc>
                 <a:spcPct val="100000"/>
               </a:lnSpc>
@@ -5624,11 +5133,11 @@
               <a:t>Basic understanding of new technologies in the field of decentralized and smart systems</a:t>
             </a:r>
             <a:endParaRPr b="0" lang="en-US" sz="1800" spc="-1" strike="noStrike">
-              <a:latin typeface="DejaVu Sans"/>
-            </a:endParaRPr>
-          </a:p>
-          <a:p>
-            <a:pPr marL="195120" indent="-192240">
+              <a:latin typeface="Arial"/>
+            </a:endParaRPr>
+          </a:p>
+          <a:p>
+            <a:pPr marL="195120" indent="-191880">
               <a:lnSpc>
                 <a:spcPct val="100000"/>
               </a:lnSpc>
@@ -5653,11 +5162,11 @@
               <a:t>Understanding and overview of the Internet of Things and related concepts</a:t>
             </a:r>
             <a:endParaRPr b="0" lang="en-US" sz="1800" spc="-1" strike="noStrike">
-              <a:latin typeface="DejaVu Sans"/>
-            </a:endParaRPr>
-          </a:p>
-          <a:p>
-            <a:pPr marL="195120" indent="-192240">
+              <a:latin typeface="Arial"/>
+            </a:endParaRPr>
+          </a:p>
+          <a:p>
+            <a:pPr marL="195120" indent="-191880">
               <a:lnSpc>
                 <a:spcPct val="100000"/>
               </a:lnSpc>
@@ -5682,11 +5191,11 @@
               <a:t>Ability to design decentralized smart systems and applications in the context of connected sensor systems</a:t>
             </a:r>
             <a:endParaRPr b="0" lang="en-US" sz="1800" spc="-1" strike="noStrike">
-              <a:latin typeface="DejaVu Sans"/>
-            </a:endParaRPr>
-          </a:p>
-          <a:p>
-            <a:pPr marL="195120" indent="-192240">
+              <a:latin typeface="Arial"/>
+            </a:endParaRPr>
+          </a:p>
+          <a:p>
+            <a:pPr marL="195120" indent="-191880">
               <a:lnSpc>
                 <a:spcPct val="100000"/>
               </a:lnSpc>
@@ -5711,7 +5220,7 @@
               <a:t>Knowledge of the design and consideration of privacy-preserving data processing procedures for smart and decentralized applications</a:t>
             </a:r>
             <a:endParaRPr b="0" lang="en-US" sz="1800" spc="-1" strike="noStrike">
-              <a:latin typeface="DejaVu Sans"/>
+              <a:latin typeface="Arial"/>
             </a:endParaRPr>
           </a:p>
         </p:txBody>
@@ -5755,13 +5264,13 @@
         <p:spPr>
           <a:xfrm>
             <a:off x="335520" y="764640"/>
-            <a:ext cx="10747440" cy="498240"/>
+            <a:ext cx="10747080" cy="497880"/>
           </a:xfrm>
           <a:prstGeom prst="rect">
             <a:avLst/>
           </a:prstGeom>
           <a:noFill/>
-          <a:ln w="0">
+          <a:ln>
             <a:noFill/>
           </a:ln>
         </p:spPr>
@@ -5772,7 +5281,7 @@
           <a:fontRef idx="minor"/>
         </p:style>
         <p:txBody>
-          <a:bodyPr lIns="90000" rIns="90000" tIns="45000" bIns="45000" anchor="t">
+          <a:bodyPr lIns="90000" rIns="90000" tIns="45000" bIns="45000">
             <a:noAutofit/>
           </a:bodyPr>
           <a:p>
@@ -5780,7 +5289,6 @@
               <a:lnSpc>
                 <a:spcPct val="100000"/>
               </a:lnSpc>
-              <a:buNone/>
             </a:pPr>
             <a:r>
               <a:rPr b="1" lang="de-DE" sz="2400" spc="-1" strike="noStrike">
@@ -5793,7 +5301,7 @@
               <a:t>Learning Outcome</a:t>
             </a:r>
             <a:endParaRPr b="0" lang="en-US" sz="2400" spc="-1" strike="noStrike">
-              <a:latin typeface="DejaVu Sans"/>
+              <a:latin typeface="Arial"/>
             </a:endParaRPr>
           </a:p>
           <a:p>
@@ -5801,10 +5309,9 @@
               <a:lnSpc>
                 <a:spcPct val="100000"/>
               </a:lnSpc>
-              <a:buNone/>
             </a:pPr>
             <a:endParaRPr b="0" lang="en-US" sz="2400" spc="-1" strike="noStrike">
-              <a:latin typeface="DejaVu Sans"/>
+              <a:latin typeface="Arial"/>
             </a:endParaRPr>
           </a:p>
         </p:txBody>
@@ -5818,13 +5325,13 @@
         <p:spPr>
           <a:xfrm>
             <a:off x="335520" y="2408400"/>
-            <a:ext cx="10747440" cy="3895200"/>
+            <a:ext cx="10747080" cy="3894840"/>
           </a:xfrm>
           <a:prstGeom prst="rect">
             <a:avLst/>
           </a:prstGeom>
           <a:noFill/>
-          <a:ln w="0">
+          <a:ln>
             <a:noFill/>
           </a:ln>
         </p:spPr>
@@ -5835,11 +5342,11 @@
           <a:fontRef idx="minor"/>
         </p:style>
         <p:txBody>
-          <a:bodyPr lIns="90000" rIns="90000" tIns="45000" bIns="45000" anchor="t">
+          <a:bodyPr lIns="90000" rIns="90000" tIns="45000" bIns="45000">
             <a:noAutofit/>
           </a:bodyPr>
           <a:p>
-            <a:pPr marL="195120" indent="-192240">
+            <a:pPr marL="195120" indent="-191880">
               <a:lnSpc>
                 <a:spcPct val="100000"/>
               </a:lnSpc>
@@ -5864,11 +5371,11 @@
               <a:t>Basic understanding of the concept of the Linear Economy, the Circular Economy, the Performance Economy and sustainability</a:t>
             </a:r>
             <a:endParaRPr b="0" lang="en-US" sz="1800" spc="-1" strike="noStrike">
-              <a:latin typeface="DejaVu Sans"/>
-            </a:endParaRPr>
-          </a:p>
-          <a:p>
-            <a:pPr marL="195120" indent="-192240">
+              <a:latin typeface="Arial"/>
+            </a:endParaRPr>
+          </a:p>
+          <a:p>
+            <a:pPr marL="195120" indent="-191880">
               <a:lnSpc>
                 <a:spcPct val="100000"/>
               </a:lnSpc>
@@ -5893,11 +5400,11 @@
               <a:t>Basic understanding of new technologies in the field of decentralized and smart systems</a:t>
             </a:r>
             <a:endParaRPr b="0" lang="en-US" sz="1800" spc="-1" strike="noStrike">
-              <a:latin typeface="DejaVu Sans"/>
-            </a:endParaRPr>
-          </a:p>
-          <a:p>
-            <a:pPr marL="195120" indent="-192240">
+              <a:latin typeface="Arial"/>
+            </a:endParaRPr>
+          </a:p>
+          <a:p>
+            <a:pPr marL="195120" indent="-191880">
               <a:lnSpc>
                 <a:spcPct val="100000"/>
               </a:lnSpc>
@@ -5922,11 +5429,11 @@
               <a:t>Understanding and overview of the Internet of Things and related concepts</a:t>
             </a:r>
             <a:endParaRPr b="0" lang="en-US" sz="1800" spc="-1" strike="noStrike">
-              <a:latin typeface="DejaVu Sans"/>
-            </a:endParaRPr>
-          </a:p>
-          <a:p>
-            <a:pPr marL="195120" indent="-192240">
+              <a:latin typeface="Arial"/>
+            </a:endParaRPr>
+          </a:p>
+          <a:p>
+            <a:pPr marL="195120" indent="-191880">
               <a:lnSpc>
                 <a:spcPct val="100000"/>
               </a:lnSpc>
@@ -5951,11 +5458,11 @@
               <a:t>Ability to design decentralized smart systems and applications in the context of connected sensor systems</a:t>
             </a:r>
             <a:endParaRPr b="0" lang="en-US" sz="1800" spc="-1" strike="noStrike">
-              <a:latin typeface="DejaVu Sans"/>
-            </a:endParaRPr>
-          </a:p>
-          <a:p>
-            <a:pPr marL="195120" indent="-192240">
+              <a:latin typeface="Arial"/>
+            </a:endParaRPr>
+          </a:p>
+          <a:p>
+            <a:pPr marL="195120" indent="-191880">
               <a:lnSpc>
                 <a:spcPct val="100000"/>
               </a:lnSpc>
@@ -5980,11 +5487,11 @@
               <a:t>Knowledge of the design and consideration of privacy-preserving data processing procedures for smart and decentralized applications</a:t>
             </a:r>
             <a:endParaRPr b="0" lang="en-US" sz="1800" spc="-1" strike="noStrike">
-              <a:latin typeface="DejaVu Sans"/>
-            </a:endParaRPr>
-          </a:p>
-          <a:p>
-            <a:pPr marL="195120" indent="-192240">
+              <a:latin typeface="Arial"/>
+            </a:endParaRPr>
+          </a:p>
+          <a:p>
+            <a:pPr marL="195120" indent="-191880">
               <a:lnSpc>
                 <a:spcPct val="100000"/>
               </a:lnSpc>
@@ -6009,7 +5516,7 @@
               <a:t>Experience in prototyping such applications and systems</a:t>
             </a:r>
             <a:endParaRPr b="0" lang="en-US" sz="1800" spc="-1" strike="noStrike">
-              <a:latin typeface="DejaVu Sans"/>
+              <a:latin typeface="Arial"/>
             </a:endParaRPr>
           </a:p>
         </p:txBody>
@@ -6053,13 +5560,13 @@
         <p:spPr>
           <a:xfrm>
             <a:off x="335520" y="764640"/>
-            <a:ext cx="10747440" cy="498240"/>
+            <a:ext cx="10747080" cy="497880"/>
           </a:xfrm>
           <a:prstGeom prst="rect">
             <a:avLst/>
           </a:prstGeom>
           <a:noFill/>
-          <a:ln w="0">
+          <a:ln>
             <a:noFill/>
           </a:ln>
         </p:spPr>
@@ -6070,7 +5577,7 @@
           <a:fontRef idx="minor"/>
         </p:style>
         <p:txBody>
-          <a:bodyPr lIns="90000" rIns="90000" tIns="45000" bIns="45000" anchor="t">
+          <a:bodyPr lIns="90000" rIns="90000" tIns="45000" bIns="45000">
             <a:noAutofit/>
           </a:bodyPr>
           <a:p>
@@ -6078,7 +5585,6 @@
               <a:lnSpc>
                 <a:spcPct val="100000"/>
               </a:lnSpc>
-              <a:buNone/>
             </a:pPr>
             <a:r>
               <a:rPr b="1" lang="de-DE" sz="2400" spc="-1" strike="noStrike">
@@ -6091,7 +5597,7 @@
               <a:t>Lectures</a:t>
             </a:r>
             <a:endParaRPr b="0" lang="en-US" sz="2400" spc="-1" strike="noStrike">
-              <a:latin typeface="DejaVu Sans"/>
+              <a:latin typeface="Arial"/>
             </a:endParaRPr>
           </a:p>
         </p:txBody>
@@ -6105,13 +5611,13 @@
         <p:spPr>
           <a:xfrm>
             <a:off x="335520" y="1268640"/>
-            <a:ext cx="10747440" cy="5034960"/>
+            <a:ext cx="10747080" cy="5034600"/>
           </a:xfrm>
           <a:prstGeom prst="rect">
             <a:avLst/>
           </a:prstGeom>
           <a:noFill/>
-          <a:ln w="0">
+          <a:ln>
             <a:noFill/>
           </a:ln>
         </p:spPr>
@@ -6126,7 +5632,7 @@
             <a:noAutofit/>
           </a:bodyPr>
           <a:p>
-            <a:pPr marL="195120" indent="-192240">
+            <a:pPr marL="195120" indent="-191880">
               <a:lnSpc>
                 <a:spcPct val="100000"/>
               </a:lnSpc>
@@ -6151,11 +5657,11 @@
               <a:t>20.04.2022 → Organization + Introduction to the Circular Economy</a:t>
             </a:r>
             <a:endParaRPr b="0" lang="en-US" sz="1800" spc="-1" strike="noStrike">
-              <a:latin typeface="DejaVu Sans"/>
-            </a:endParaRPr>
-          </a:p>
-          <a:p>
-            <a:pPr marL="195120" indent="-192240">
+              <a:latin typeface="Arial"/>
+            </a:endParaRPr>
+          </a:p>
+          <a:p>
+            <a:pPr marL="195120" indent="-191880">
               <a:lnSpc>
                 <a:spcPct val="100000"/>
               </a:lnSpc>
@@ -6180,11 +5686,11 @@
               <a:t>27.04.2022 → Emerging Technologies for the Circular Economy</a:t>
             </a:r>
             <a:endParaRPr b="0" lang="en-US" sz="1800" spc="-1" strike="noStrike">
-              <a:latin typeface="DejaVu Sans"/>
-            </a:endParaRPr>
-          </a:p>
-          <a:p>
-            <a:pPr marL="195120" indent="-192240">
+              <a:latin typeface="Arial"/>
+            </a:endParaRPr>
+          </a:p>
+          <a:p>
+            <a:pPr marL="195120" indent="-191880">
               <a:lnSpc>
                 <a:spcPct val="100000"/>
               </a:lnSpc>
@@ -6209,11 +5715,11 @@
               <a:t>04.05.2022 → Introduction to the Internet of Things</a:t>
             </a:r>
             <a:endParaRPr b="0" lang="en-US" sz="1800" spc="-1" strike="noStrike">
-              <a:latin typeface="DejaVu Sans"/>
-            </a:endParaRPr>
-          </a:p>
-          <a:p>
-            <a:pPr marL="195120" indent="-192240">
+              <a:latin typeface="Arial"/>
+            </a:endParaRPr>
+          </a:p>
+          <a:p>
+            <a:pPr marL="195120" indent="-191880">
               <a:lnSpc>
                 <a:spcPct val="100000"/>
               </a:lnSpc>
@@ -6238,11 +5744,11 @@
               <a:t>11.05.2022 → Internet of Things – Communication</a:t>
             </a:r>
             <a:endParaRPr b="0" lang="en-US" sz="1800" spc="-1" strike="noStrike">
-              <a:latin typeface="DejaVu Sans"/>
-            </a:endParaRPr>
-          </a:p>
-          <a:p>
-            <a:pPr marL="195120" indent="-192240">
+              <a:latin typeface="Arial"/>
+            </a:endParaRPr>
+          </a:p>
+          <a:p>
+            <a:pPr marL="195120" indent="-191880">
               <a:lnSpc>
                 <a:spcPct val="100000"/>
               </a:lnSpc>
@@ -6267,11 +5773,11 @@
               <a:t>18.05.2022 → Internet of Things – Cloud and BigData</a:t>
             </a:r>
             <a:endParaRPr b="0" lang="en-US" sz="1800" spc="-1" strike="noStrike">
-              <a:latin typeface="DejaVu Sans"/>
-            </a:endParaRPr>
-          </a:p>
-          <a:p>
-            <a:pPr marL="195120" indent="-192240">
+              <a:latin typeface="Arial"/>
+            </a:endParaRPr>
+          </a:p>
+          <a:p>
+            <a:pPr marL="195120" indent="-191880">
               <a:lnSpc>
                 <a:spcPct val="100000"/>
               </a:lnSpc>
@@ -6296,11 +5802,11 @@
               <a:t>25.05.2022 → Internet of Things – Digital Twins, Privacy and Security</a:t>
             </a:r>
             <a:endParaRPr b="0" lang="en-US" sz="1800" spc="-1" strike="noStrike">
-              <a:latin typeface="DejaVu Sans"/>
-            </a:endParaRPr>
-          </a:p>
-          <a:p>
-            <a:pPr marL="195120" indent="-192240">
+              <a:latin typeface="Arial"/>
+            </a:endParaRPr>
+          </a:p>
+          <a:p>
+            <a:pPr marL="195120" indent="-191880">
               <a:lnSpc>
                 <a:spcPct val="100000"/>
               </a:lnSpc>
@@ -6325,11 +5831,11 @@
               <a:t>01.06.2022 → The Machine-to-Everything Economy – A step towards the CE 2.0?</a:t>
             </a:r>
             <a:endParaRPr b="0" lang="en-US" sz="1800" spc="-1" strike="noStrike">
-              <a:latin typeface="DejaVu Sans"/>
-            </a:endParaRPr>
-          </a:p>
-          <a:p>
-            <a:pPr marL="195120" indent="-192240">
+              <a:latin typeface="Arial"/>
+            </a:endParaRPr>
+          </a:p>
+          <a:p>
+            <a:pPr marL="195120" indent="-191880">
               <a:lnSpc>
                 <a:spcPct val="100000"/>
               </a:lnSpc>
@@ -6354,11 +5860,11 @@
               <a:t>15.06.2022 → Introduction to Blockchain Technology</a:t>
             </a:r>
             <a:endParaRPr b="0" lang="en-US" sz="1800" spc="-1" strike="noStrike">
-              <a:latin typeface="DejaVu Sans"/>
-            </a:endParaRPr>
-          </a:p>
-          <a:p>
-            <a:pPr marL="195120" indent="-192240">
+              <a:latin typeface="Arial"/>
+            </a:endParaRPr>
+          </a:p>
+          <a:p>
+            <a:pPr marL="195120" indent="-191880">
               <a:lnSpc>
                 <a:spcPct val="100000"/>
               </a:lnSpc>
@@ -6383,11 +5889,11 @@
               <a:t>22.06.2022 → Blockchain Technology – Consensus</a:t>
             </a:r>
             <a:endParaRPr b="0" lang="en-US" sz="1800" spc="-1" strike="noStrike">
-              <a:latin typeface="DejaVu Sans"/>
-            </a:endParaRPr>
-          </a:p>
-          <a:p>
-            <a:pPr marL="195120" indent="-192240">
+              <a:latin typeface="Arial"/>
+            </a:endParaRPr>
+          </a:p>
+          <a:p>
+            <a:pPr marL="195120" indent="-191880">
               <a:lnSpc>
                 <a:spcPct val="100000"/>
               </a:lnSpc>
@@ -6412,11 +5918,11 @@
               <a:t>29.06.2022 → Blockchain Technology – Ethereum and Smart Contracts Part 1</a:t>
             </a:r>
             <a:endParaRPr b="0" lang="en-US" sz="1800" spc="-1" strike="noStrike">
-              <a:latin typeface="DejaVu Sans"/>
-            </a:endParaRPr>
-          </a:p>
-          <a:p>
-            <a:pPr marL="195120" indent="-192240">
+              <a:latin typeface="Arial"/>
+            </a:endParaRPr>
+          </a:p>
+          <a:p>
+            <a:pPr marL="195120" indent="-191880">
               <a:lnSpc>
                 <a:spcPct val="100000"/>
               </a:lnSpc>
@@ -6441,11 +5947,11 @@
               <a:t>06.07.2022 → Invited speaker → Dr. Uli Gallersdörfer (TU Munich)</a:t>
             </a:r>
             <a:endParaRPr b="0" lang="en-US" sz="1800" spc="-1" strike="noStrike">
-              <a:latin typeface="DejaVu Sans"/>
-            </a:endParaRPr>
-          </a:p>
-          <a:p>
-            <a:pPr marL="195120" indent="-192240">
+              <a:latin typeface="Arial"/>
+            </a:endParaRPr>
+          </a:p>
+          <a:p>
+            <a:pPr marL="195120" indent="-191880">
               <a:lnSpc>
                 <a:spcPct val="100000"/>
               </a:lnSpc>
@@ -6470,11 +5976,11 @@
               <a:t>13.07.2022 → Invited speaker → Prof. Dr. Steffen Herbold (TU Clausthal)</a:t>
             </a:r>
             <a:endParaRPr b="0" lang="en-US" sz="1800" spc="-1" strike="noStrike">
-              <a:latin typeface="DejaVu Sans"/>
-            </a:endParaRPr>
-          </a:p>
-          <a:p>
-            <a:pPr marL="195120" indent="-192240">
+              <a:latin typeface="Arial"/>
+            </a:endParaRPr>
+          </a:p>
+          <a:p>
+            <a:pPr marL="195120" indent="-191880">
               <a:lnSpc>
                 <a:spcPct val="100000"/>
               </a:lnSpc>
@@ -6499,11 +6005,11 @@
               <a:t>20.07.2022 → Blockchain Technology – Ethereum and Smart Contracts Part 2</a:t>
             </a:r>
             <a:endParaRPr b="0" lang="en-US" sz="1800" spc="-1" strike="noStrike">
-              <a:latin typeface="DejaVu Sans"/>
-            </a:endParaRPr>
-          </a:p>
-          <a:p>
-            <a:pPr marL="195120" indent="-192240">
+              <a:latin typeface="Arial"/>
+            </a:endParaRPr>
+          </a:p>
+          <a:p>
+            <a:pPr marL="195120" indent="-191880">
               <a:lnSpc>
                 <a:spcPct val="100000"/>
               </a:lnSpc>
@@ -6549,7 +6055,7 @@
               <a:t> no lecture</a:t>
             </a:r>
             <a:endParaRPr b="0" lang="en-US" sz="1800" spc="-1" strike="noStrike">
-              <a:latin typeface="DejaVu Sans"/>
+              <a:latin typeface="Arial"/>
             </a:endParaRPr>
           </a:p>
         </p:txBody>
@@ -6593,13 +6099,13 @@
         <p:spPr>
           <a:xfrm>
             <a:off x="335520" y="764640"/>
-            <a:ext cx="10747440" cy="498240"/>
+            <a:ext cx="10747080" cy="497880"/>
           </a:xfrm>
           <a:prstGeom prst="rect">
             <a:avLst/>
           </a:prstGeom>
           <a:noFill/>
-          <a:ln w="0">
+          <a:ln>
             <a:noFill/>
           </a:ln>
         </p:spPr>
@@ -6610,7 +6116,7 @@
           <a:fontRef idx="minor"/>
         </p:style>
         <p:txBody>
-          <a:bodyPr lIns="90000" rIns="90000" tIns="45000" bIns="45000" anchor="t">
+          <a:bodyPr lIns="90000" rIns="90000" tIns="45000" bIns="45000">
             <a:noAutofit/>
           </a:bodyPr>
           <a:p>
@@ -6618,7 +6124,6 @@
               <a:lnSpc>
                 <a:spcPct val="100000"/>
               </a:lnSpc>
-              <a:buNone/>
             </a:pPr>
             <a:r>
               <a:rPr b="1" lang="en-GB" sz="2400" spc="-1" strike="noStrike">
@@ -6631,7 +6136,7 @@
               <a:t>Exercises</a:t>
             </a:r>
             <a:endParaRPr b="0" lang="en-US" sz="2400" spc="-1" strike="noStrike">
-              <a:latin typeface="DejaVu Sans"/>
+              <a:latin typeface="Arial"/>
             </a:endParaRPr>
           </a:p>
         </p:txBody>
@@ -6645,13 +6150,13 @@
         <p:spPr>
           <a:xfrm>
             <a:off x="335520" y="1268640"/>
-            <a:ext cx="10747440" cy="5034960"/>
+            <a:ext cx="10747080" cy="5034600"/>
           </a:xfrm>
           <a:prstGeom prst="rect">
             <a:avLst/>
           </a:prstGeom>
           <a:noFill/>
-          <a:ln w="0">
+          <a:ln>
             <a:noFill/>
           </a:ln>
         </p:spPr>
@@ -6666,7 +6171,7 @@
             <a:noAutofit/>
           </a:bodyPr>
           <a:p>
-            <a:pPr marL="195120" indent="-192240">
+            <a:pPr marL="195120" indent="-191880">
               <a:lnSpc>
                 <a:spcPct val="100000"/>
               </a:lnSpc>
@@ -6711,11 +6216,11 @@
               <a:t> Exercise 01 – Knowledge Test (MC)</a:t>
             </a:r>
             <a:endParaRPr b="0" lang="en-US" sz="1800" spc="-1" strike="noStrike">
-              <a:latin typeface="DejaVu Sans"/>
-            </a:endParaRPr>
-          </a:p>
-          <a:p>
-            <a:pPr marL="195120" indent="-192240">
+              <a:latin typeface="Arial"/>
+            </a:endParaRPr>
+          </a:p>
+          <a:p>
+            <a:pPr marL="195120" indent="-191880">
               <a:lnSpc>
                 <a:spcPct val="100000"/>
               </a:lnSpc>
@@ -6760,11 +6265,11 @@
               <a:t> Exercise 02 – Circular Economy (MC)</a:t>
             </a:r>
             <a:endParaRPr b="0" lang="en-US" sz="1800" spc="-1" strike="noStrike">
-              <a:latin typeface="DejaVu Sans"/>
-            </a:endParaRPr>
-          </a:p>
-          <a:p>
-            <a:pPr marL="195120" indent="-192240">
+              <a:latin typeface="Arial"/>
+            </a:endParaRPr>
+          </a:p>
+          <a:p>
+            <a:pPr marL="195120" indent="-191880">
               <a:lnSpc>
                 <a:spcPct val="100000"/>
               </a:lnSpc>
@@ -6809,11 +6314,11 @@
               <a:t> Exercise 03 – IoT Sensing and Gathering Data</a:t>
             </a:r>
             <a:endParaRPr b="0" lang="en-US" sz="1800" spc="-1" strike="noStrike">
-              <a:latin typeface="DejaVu Sans"/>
-            </a:endParaRPr>
-          </a:p>
-          <a:p>
-            <a:pPr marL="195120" indent="-192240">
+              <a:latin typeface="Arial"/>
+            </a:endParaRPr>
+          </a:p>
+          <a:p>
+            <a:pPr marL="195120" indent="-191880">
               <a:lnSpc>
                 <a:spcPct val="100000"/>
               </a:lnSpc>
@@ -6858,11 +6363,11 @@
               <a:t> Exercise 04 – IoT Data Processing</a:t>
             </a:r>
             <a:endParaRPr b="0" lang="en-US" sz="1800" spc="-1" strike="noStrike">
-              <a:latin typeface="DejaVu Sans"/>
-            </a:endParaRPr>
-          </a:p>
-          <a:p>
-            <a:pPr marL="195120" indent="-192240">
+              <a:latin typeface="Arial"/>
+            </a:endParaRPr>
+          </a:p>
+          <a:p>
+            <a:pPr marL="195120" indent="-191880">
               <a:lnSpc>
                 <a:spcPct val="100000"/>
               </a:lnSpc>
@@ -6907,11 +6412,11 @@
               <a:t> Exercise 05 – IoT Security</a:t>
             </a:r>
             <a:endParaRPr b="0" lang="en-US" sz="1800" spc="-1" strike="noStrike">
-              <a:latin typeface="DejaVu Sans"/>
-            </a:endParaRPr>
-          </a:p>
-          <a:p>
-            <a:pPr marL="195120" indent="-192240">
+              <a:latin typeface="Arial"/>
+            </a:endParaRPr>
+          </a:p>
+          <a:p>
+            <a:pPr marL="195120" indent="-191880">
               <a:lnSpc>
                 <a:spcPct val="100000"/>
               </a:lnSpc>
@@ -6976,11 +6481,11 @@
               <a:t> 07 – Blockchain (MC)</a:t>
             </a:r>
             <a:endParaRPr b="0" lang="en-US" sz="1800" spc="-1" strike="noStrike">
-              <a:latin typeface="DejaVu Sans"/>
-            </a:endParaRPr>
-          </a:p>
-          <a:p>
-            <a:pPr marL="195120" indent="-192240">
+              <a:latin typeface="Arial"/>
+            </a:endParaRPr>
+          </a:p>
+          <a:p>
+            <a:pPr marL="195120" indent="-191880">
               <a:lnSpc>
                 <a:spcPct val="100000"/>
               </a:lnSpc>
@@ -7025,11 +6530,11 @@
               <a:t> Exercise 08 – Blockchain Basics</a:t>
             </a:r>
             <a:endParaRPr b="0" lang="en-US" sz="1800" spc="-1" strike="noStrike">
-              <a:latin typeface="DejaVu Sans"/>
-            </a:endParaRPr>
-          </a:p>
-          <a:p>
-            <a:pPr marL="195120" indent="-192240">
+              <a:latin typeface="Arial"/>
+            </a:endParaRPr>
+          </a:p>
+          <a:p>
+            <a:pPr marL="195120" indent="-191880">
               <a:lnSpc>
                 <a:spcPct val="100000"/>
               </a:lnSpc>
@@ -7074,11 +6579,11 @@
               <a:t> Exercise 09 – Blockchain Conensus</a:t>
             </a:r>
             <a:endParaRPr b="0" lang="en-US" sz="1800" spc="-1" strike="noStrike">
-              <a:latin typeface="DejaVu Sans"/>
-            </a:endParaRPr>
-          </a:p>
-          <a:p>
-            <a:pPr marL="195120" indent="-192240">
+              <a:latin typeface="Arial"/>
+            </a:endParaRPr>
+          </a:p>
+          <a:p>
+            <a:pPr marL="195120" indent="-191880">
               <a:lnSpc>
                 <a:spcPct val="100000"/>
               </a:lnSpc>
@@ -7123,11 +6628,11 @@
               <a:t> Exercise 10 – Blockchain Tokens</a:t>
             </a:r>
             <a:endParaRPr b="0" lang="en-US" sz="1800" spc="-1" strike="noStrike">
-              <a:latin typeface="DejaVu Sans"/>
-            </a:endParaRPr>
-          </a:p>
-          <a:p>
-            <a:pPr marL="195120" indent="-192240">
+              <a:latin typeface="Arial"/>
+            </a:endParaRPr>
+          </a:p>
+          <a:p>
+            <a:pPr marL="195120" indent="-191880">
               <a:lnSpc>
                 <a:spcPct val="100000"/>
               </a:lnSpc>
@@ -7172,7 +6677,7 @@
               <a:t> Exercise 11 – Blockchain Smart Contracts and IoT</a:t>
             </a:r>
             <a:endParaRPr b="0" lang="en-US" sz="1800" spc="-1" strike="noStrike">
-              <a:latin typeface="DejaVu Sans"/>
+              <a:latin typeface="Arial"/>
             </a:endParaRPr>
           </a:p>
         </p:txBody>
@@ -7216,13 +6721,13 @@
         <p:spPr>
           <a:xfrm>
             <a:off x="335520" y="764640"/>
-            <a:ext cx="10747440" cy="498240"/>
+            <a:ext cx="10747080" cy="497880"/>
           </a:xfrm>
           <a:prstGeom prst="rect">
             <a:avLst/>
           </a:prstGeom>
           <a:noFill/>
-          <a:ln w="0">
+          <a:ln>
             <a:noFill/>
           </a:ln>
         </p:spPr>
@@ -7233,7 +6738,7 @@
           <a:fontRef idx="minor"/>
         </p:style>
         <p:txBody>
-          <a:bodyPr lIns="90000" rIns="90000" tIns="45000" bIns="45000" anchor="t">
+          <a:bodyPr lIns="90000" rIns="90000" tIns="45000" bIns="45000">
             <a:noAutofit/>
           </a:bodyPr>
           <a:p>
@@ -7241,7 +6746,6 @@
               <a:lnSpc>
                 <a:spcPct val="100000"/>
               </a:lnSpc>
-              <a:buNone/>
             </a:pPr>
             <a:r>
               <a:rPr b="1" lang="en-US" sz="2400" spc="-1" strike="noStrike">
@@ -7254,7 +6758,7 @@
               <a:t>Course Organization</a:t>
             </a:r>
             <a:endParaRPr b="0" lang="en-US" sz="2400" spc="-1" strike="noStrike">
-              <a:latin typeface="DejaVu Sans"/>
+              <a:latin typeface="Arial"/>
             </a:endParaRPr>
           </a:p>
         </p:txBody>
@@ -7268,13 +6772,13 @@
         <p:spPr>
           <a:xfrm>
             <a:off x="335520" y="1268280"/>
-            <a:ext cx="10747440" cy="5034960"/>
+            <a:ext cx="10747080" cy="5034600"/>
           </a:xfrm>
           <a:prstGeom prst="rect">
             <a:avLst/>
           </a:prstGeom>
           <a:noFill/>
-          <a:ln w="0">
+          <a:ln>
             <a:noFill/>
           </a:ln>
         </p:spPr>
@@ -7289,7 +6793,7 @@
             <a:noAutofit/>
           </a:bodyPr>
           <a:p>
-            <a:pPr marL="195120" indent="-192240">
+            <a:pPr marL="195120" indent="-191880">
               <a:lnSpc>
                 <a:spcPct val="100000"/>
               </a:lnSpc>
@@ -7314,7 +6818,7 @@
               <a:t>Online course that is offered in parallel at the Clausthal University of Technology and the University of Göttingen</a:t>
             </a:r>
             <a:endParaRPr b="0" lang="en-US" sz="1800" spc="-1" strike="noStrike">
-              <a:latin typeface="DejaVu Sans"/>
+              <a:latin typeface="Arial"/>
             </a:endParaRPr>
           </a:p>
           <a:p>
@@ -7325,14 +6829,13 @@
               <a:spcBef>
                 <a:spcPts val="360"/>
               </a:spcBef>
-              <a:buNone/>
             </a:pPr>
             <a:endParaRPr b="0" lang="en-US" sz="1800" spc="-1" strike="noStrike">
-              <a:latin typeface="DejaVu Sans"/>
-            </a:endParaRPr>
-          </a:p>
-          <a:p>
-            <a:pPr marL="195120" indent="-192240">
+              <a:latin typeface="Arial"/>
+            </a:endParaRPr>
+          </a:p>
+          <a:p>
+            <a:pPr marL="195120" indent="-191880">
               <a:lnSpc>
                 <a:spcPct val="100000"/>
               </a:lnSpc>
@@ -7357,11 +6860,11 @@
               <a:t>Organization of the lecture:</a:t>
             </a:r>
             <a:endParaRPr b="0" lang="en-US" sz="1800" spc="-1" strike="noStrike">
-              <a:latin typeface="DejaVu Sans"/>
-            </a:endParaRPr>
-          </a:p>
-          <a:p>
-            <a:pPr lvl="1" marL="652320" indent="-192240">
+              <a:latin typeface="Arial"/>
+            </a:endParaRPr>
+          </a:p>
+          <a:p>
+            <a:pPr lvl="1" marL="652320" indent="-191880">
               <a:lnSpc>
                 <a:spcPct val="100000"/>
               </a:lnSpc>
@@ -7408,11 +6911,11 @@
               <a:t>)</a:t>
             </a:r>
             <a:endParaRPr b="0" lang="en-US" sz="1800" spc="-1" strike="noStrike">
-              <a:latin typeface="DejaVu Sans"/>
-            </a:endParaRPr>
-          </a:p>
-          <a:p>
-            <a:pPr lvl="3" marL="864000" indent="-214560">
+              <a:latin typeface="Arial"/>
+            </a:endParaRPr>
+          </a:p>
+          <a:p>
+            <a:pPr lvl="3" marL="864000" indent="-214200">
               <a:lnSpc>
                 <a:spcPct val="100000"/>
               </a:lnSpc>
@@ -7437,11 +6940,11 @@
               <a:t>Please report bugs!</a:t>
             </a:r>
             <a:endParaRPr b="0" lang="en-US" sz="1800" spc="-1" strike="noStrike">
-              <a:latin typeface="DejaVu Sans"/>
-            </a:endParaRPr>
-          </a:p>
-          <a:p>
-            <a:pPr lvl="1" marL="652320" indent="-192240">
+              <a:latin typeface="Arial"/>
+            </a:endParaRPr>
+          </a:p>
+          <a:p>
+            <a:pPr lvl="1" marL="652320" indent="-191880">
               <a:lnSpc>
                 <a:spcPct val="100000"/>
               </a:lnSpc>
@@ -7466,11 +6969,11 @@
               <a:t>Lectures and exercises as live stream (BBB – next slide)</a:t>
             </a:r>
             <a:endParaRPr b="0" lang="en-US" sz="1800" spc="-1" strike="noStrike">
-              <a:latin typeface="DejaVu Sans"/>
-            </a:endParaRPr>
-          </a:p>
-          <a:p>
-            <a:pPr lvl="1" marL="652320" indent="-192240">
+              <a:latin typeface="Arial"/>
+            </a:endParaRPr>
+          </a:p>
+          <a:p>
+            <a:pPr lvl="1" marL="652320" indent="-191880">
               <a:lnSpc>
                 <a:spcPct val="100000"/>
               </a:lnSpc>
@@ -7495,11 +6998,11 @@
               <a:t>Lecture recordings will be available on StudIP and on Github</a:t>
             </a:r>
             <a:endParaRPr b="0" lang="en-US" sz="1800" spc="-1" strike="noStrike">
-              <a:latin typeface="DejaVu Sans"/>
-            </a:endParaRPr>
-          </a:p>
-          <a:p>
-            <a:pPr lvl="1" marL="652320" indent="-192240">
+              <a:latin typeface="Arial"/>
+            </a:endParaRPr>
+          </a:p>
+          <a:p>
+            <a:pPr lvl="1" marL="652320" indent="-191880">
               <a:lnSpc>
                 <a:spcPct val="100000"/>
               </a:lnSpc>
@@ -7544,7 +7047,7 @@
               <a:t>Time for questions and eventual tutorials related to the exercises</a:t>
             </a:r>
             <a:endParaRPr b="0" lang="en-US" sz="1800" spc="-1" strike="noStrike">
-              <a:latin typeface="DejaVu Sans"/>
+              <a:latin typeface="Arial"/>
             </a:endParaRPr>
           </a:p>
           <a:p>
@@ -7555,10 +7058,9 @@
               <a:spcBef>
                 <a:spcPts val="360"/>
               </a:spcBef>
-              <a:buNone/>
             </a:pPr>
             <a:endParaRPr b="0" lang="en-US" sz="1800" spc="-1" strike="noStrike">
-              <a:latin typeface="DejaVu Sans"/>
+              <a:latin typeface="Arial"/>
             </a:endParaRPr>
           </a:p>
           <a:p>
@@ -7569,7 +7071,6 @@
               <a:spcBef>
                 <a:spcPts val="360"/>
               </a:spcBef>
-              <a:buNone/>
             </a:pPr>
             <a:r>
               <a:rPr b="0" lang="en-GB" sz="1800" spc="-1" strike="noStrike">
@@ -7634,7 +7135,7 @@
               <a:t> respond to</a:t>
             </a:r>
             <a:endParaRPr b="0" lang="en-US" sz="1800" spc="-1" strike="noStrike">
-              <a:latin typeface="DejaVu Sans"/>
+              <a:latin typeface="Arial"/>
             </a:endParaRPr>
           </a:p>
           <a:p>
@@ -7645,7 +7146,6 @@
               <a:spcBef>
                 <a:spcPts val="360"/>
               </a:spcBef>
-              <a:buNone/>
             </a:pPr>
             <a:r>
               <a:rPr b="1" lang="en-GB" sz="1800" spc="-1" strike="noStrike">
@@ -7658,7 +7158,7 @@
               <a:t>emails written to this specific email address!</a:t>
             </a:r>
             <a:endParaRPr b="0" lang="en-US" sz="1800" spc="-1" strike="noStrike">
-              <a:latin typeface="DejaVu Sans"/>
+              <a:latin typeface="Arial"/>
             </a:endParaRPr>
           </a:p>
         </p:txBody>
@@ -7702,13 +7202,13 @@
         <p:spPr>
           <a:xfrm>
             <a:off x="335520" y="764640"/>
-            <a:ext cx="10746000" cy="496800"/>
+            <a:ext cx="10745640" cy="496440"/>
           </a:xfrm>
           <a:prstGeom prst="rect">
             <a:avLst/>
           </a:prstGeom>
           <a:noFill/>
-          <a:ln w="0">
+          <a:ln>
             <a:noFill/>
           </a:ln>
         </p:spPr>
@@ -7719,7 +7219,7 @@
           <a:fontRef idx="minor"/>
         </p:style>
         <p:txBody>
-          <a:bodyPr lIns="90000" rIns="90000" tIns="45000" bIns="45000" anchor="t">
+          <a:bodyPr lIns="90000" rIns="90000" tIns="45000" bIns="45000">
             <a:noAutofit/>
           </a:bodyPr>
           <a:p>
@@ -7727,7 +7227,6 @@
               <a:lnSpc>
                 <a:spcPct val="100000"/>
               </a:lnSpc>
-              <a:buNone/>
             </a:pPr>
             <a:r>
               <a:rPr b="1" lang="en-GB" sz="2400" spc="-1" strike="noStrike">
@@ -7740,7 +7239,7 @@
               <a:t>Dates/Times/Locations</a:t>
             </a:r>
             <a:endParaRPr b="0" lang="en-US" sz="2400" spc="-1" strike="noStrike">
-              <a:latin typeface="DejaVu Sans"/>
+              <a:latin typeface="Arial"/>
             </a:endParaRPr>
           </a:p>
           <a:p>
@@ -7748,10 +7247,9 @@
               <a:lnSpc>
                 <a:spcPct val="100000"/>
               </a:lnSpc>
-              <a:buNone/>
             </a:pPr>
             <a:endParaRPr b="0" lang="en-US" sz="2400" spc="-1" strike="noStrike">
-              <a:latin typeface="DejaVu Sans"/>
+              <a:latin typeface="Arial"/>
             </a:endParaRPr>
           </a:p>
           <a:p>
@@ -7759,10 +7257,9 @@
               <a:lnSpc>
                 <a:spcPct val="100000"/>
               </a:lnSpc>
-              <a:buNone/>
             </a:pPr>
             <a:endParaRPr b="0" lang="en-US" sz="2400" spc="-1" strike="noStrike">
-              <a:latin typeface="DejaVu Sans"/>
+              <a:latin typeface="Arial"/>
             </a:endParaRPr>
           </a:p>
         </p:txBody>
@@ -7776,13 +7273,13 @@
         <p:spPr>
           <a:xfrm>
             <a:off x="335520" y="1268640"/>
-            <a:ext cx="10746000" cy="5033520"/>
+            <a:ext cx="10745640" cy="5033160"/>
           </a:xfrm>
           <a:prstGeom prst="rect">
             <a:avLst/>
           </a:prstGeom>
           <a:noFill/>
-          <a:ln w="0">
+          <a:ln>
             <a:noFill/>
           </a:ln>
         </p:spPr>
@@ -7797,7 +7294,7 @@
             <a:noAutofit/>
           </a:bodyPr>
           <a:p>
-            <a:pPr marL="195120" indent="-191160">
+            <a:pPr marL="195120" indent="-190800">
               <a:lnSpc>
                 <a:spcPct val="100000"/>
               </a:lnSpc>
@@ -7833,11 +7330,11 @@
               <a:t> </a:t>
             </a:r>
             <a:endParaRPr b="0" lang="en-US" sz="1800" spc="-1" strike="noStrike">
-              <a:latin typeface="DejaVu Sans"/>
-            </a:endParaRPr>
-          </a:p>
-          <a:p>
-            <a:pPr lvl="1" marL="432000" indent="-213840">
+              <a:latin typeface="Arial"/>
+            </a:endParaRPr>
+          </a:p>
+          <a:p>
+            <a:pPr lvl="1" marL="432000" indent="-213480">
               <a:lnSpc>
                 <a:spcPct val="100000"/>
               </a:lnSpc>
@@ -7882,11 +7379,11 @@
               <a:t> students may join us in Goslar. </a:t>
             </a:r>
             <a:endParaRPr b="0" lang="en-US" sz="1800" spc="-1" strike="noStrike">
-              <a:latin typeface="DejaVu Sans"/>
-            </a:endParaRPr>
-          </a:p>
-          <a:p>
-            <a:pPr lvl="1" marL="432000" indent="-213840">
+              <a:latin typeface="Arial"/>
+            </a:endParaRPr>
+          </a:p>
+          <a:p>
+            <a:pPr lvl="1" marL="432000" indent="-213480">
               <a:lnSpc>
                 <a:spcPct val="100000"/>
               </a:lnSpc>
@@ -7911,7 +7408,7 @@
               <a:t>We kindly ask everyone else to use the BBB rooms (links below). </a:t>
             </a:r>
             <a:endParaRPr b="0" lang="en-US" sz="1800" spc="-1" strike="noStrike">
-              <a:latin typeface="DejaVu Sans"/>
+              <a:latin typeface="Arial"/>
             </a:endParaRPr>
           </a:p>
           <a:p>
@@ -7922,14 +7419,13 @@
               <a:spcBef>
                 <a:spcPts val="360"/>
               </a:spcBef>
-              <a:buNone/>
             </a:pPr>
             <a:endParaRPr b="0" lang="en-US" sz="1800" spc="-1" strike="noStrike">
-              <a:latin typeface="DejaVu Sans"/>
-            </a:endParaRPr>
-          </a:p>
-          <a:p>
-            <a:pPr marL="195120" indent="-191160">
+              <a:latin typeface="Arial"/>
+            </a:endParaRPr>
+          </a:p>
+          <a:p>
+            <a:pPr marL="195120" indent="-190800">
               <a:lnSpc>
                 <a:spcPct val="100000"/>
               </a:lnSpc>
@@ -7955,11 +7451,11 @@
               <a:t>Lecture:</a:t>
             </a:r>
             <a:endParaRPr b="0" lang="en-US" sz="1800" spc="-1" strike="noStrike">
-              <a:latin typeface="DejaVu Sans"/>
-            </a:endParaRPr>
-          </a:p>
-          <a:p>
-            <a:pPr lvl="1" marL="432000" indent="-213840">
+              <a:latin typeface="Arial"/>
+            </a:endParaRPr>
+          </a:p>
+          <a:p>
+            <a:pPr lvl="1" marL="432000" indent="-213480">
               <a:lnSpc>
                 <a:spcPct val="100000"/>
               </a:lnSpc>
@@ -8044,11 +7540,11 @@
               <a:t>.2022</a:t>
             </a:r>
             <a:endParaRPr b="0" lang="en-US" sz="1800" spc="-1" strike="noStrike">
-              <a:latin typeface="DejaVu Sans"/>
-            </a:endParaRPr>
-          </a:p>
-          <a:p>
-            <a:pPr lvl="1" marL="432000" indent="-213840">
+              <a:latin typeface="Arial"/>
+            </a:endParaRPr>
+          </a:p>
+          <a:p>
+            <a:pPr lvl="1" marL="432000" indent="-213480">
               <a:lnSpc>
                 <a:spcPct val="100000"/>
               </a:lnSpc>
@@ -8095,7 +7591,7 @@
               <a:t>)</a:t>
             </a:r>
             <a:endParaRPr b="0" lang="en-US" sz="1800" spc="-1" strike="noStrike">
-              <a:latin typeface="DejaVu Sans"/>
+              <a:latin typeface="Arial"/>
             </a:endParaRPr>
           </a:p>
           <a:p>
@@ -8106,14 +7602,13 @@
               <a:spcBef>
                 <a:spcPts val="360"/>
               </a:spcBef>
-              <a:buNone/>
             </a:pPr>
             <a:endParaRPr b="0" lang="en-US" sz="1800" spc="-1" strike="noStrike">
-              <a:latin typeface="DejaVu Sans"/>
-            </a:endParaRPr>
-          </a:p>
-          <a:p>
-            <a:pPr marL="195120" indent="-191160">
+              <a:latin typeface="Arial"/>
+            </a:endParaRPr>
+          </a:p>
+          <a:p>
+            <a:pPr marL="195120" indent="-190800">
               <a:lnSpc>
                 <a:spcPct val="100000"/>
               </a:lnSpc>
@@ -8139,11 +7634,11 @@
               <a:t>Exercise / Q&amp;A:</a:t>
             </a:r>
             <a:endParaRPr b="0" lang="en-US" sz="1800" spc="-1" strike="noStrike">
-              <a:latin typeface="DejaVu Sans"/>
-            </a:endParaRPr>
-          </a:p>
-          <a:p>
-            <a:pPr lvl="1" marL="432000" indent="-213840">
+              <a:latin typeface="Arial"/>
+            </a:endParaRPr>
+          </a:p>
+          <a:p>
+            <a:pPr lvl="1" marL="432000" indent="-213480">
               <a:lnSpc>
                 <a:spcPct val="100000"/>
               </a:lnSpc>
@@ -8228,11 +7723,11 @@
               <a:t>.2022</a:t>
             </a:r>
             <a:endParaRPr b="0" lang="en-US" sz="1800" spc="-1" strike="noStrike">
-              <a:latin typeface="DejaVu Sans"/>
-            </a:endParaRPr>
-          </a:p>
-          <a:p>
-            <a:pPr lvl="1" marL="432000" indent="-213840">
+              <a:latin typeface="Arial"/>
+            </a:endParaRPr>
+          </a:p>
+          <a:p>
+            <a:pPr lvl="1" marL="432000" indent="-213480">
               <a:lnSpc>
                 <a:spcPct val="100000"/>
               </a:lnSpc>
@@ -8279,7 +7774,7 @@
               <a:t>)</a:t>
             </a:r>
             <a:endParaRPr b="0" lang="en-US" sz="1800" spc="-1" strike="noStrike">
-              <a:latin typeface="DejaVu Sans"/>
+              <a:latin typeface="Arial"/>
             </a:endParaRPr>
           </a:p>
         </p:txBody>
@@ -8323,13 +7818,13 @@
         <p:spPr>
           <a:xfrm>
             <a:off x="335520" y="764640"/>
-            <a:ext cx="10747440" cy="498240"/>
+            <a:ext cx="10747080" cy="497880"/>
           </a:xfrm>
           <a:prstGeom prst="rect">
             <a:avLst/>
           </a:prstGeom>
           <a:noFill/>
-          <a:ln w="0">
+          <a:ln>
             <a:noFill/>
           </a:ln>
         </p:spPr>
@@ -8340,7 +7835,7 @@
           <a:fontRef idx="minor"/>
         </p:style>
         <p:txBody>
-          <a:bodyPr lIns="90000" rIns="90000" tIns="45000" bIns="45000" anchor="t">
+          <a:bodyPr lIns="90000" rIns="90000" tIns="45000" bIns="45000">
             <a:noAutofit/>
           </a:bodyPr>
           <a:p>
@@ -8348,7 +7843,6 @@
               <a:lnSpc>
                 <a:spcPct val="100000"/>
               </a:lnSpc>
-              <a:buNone/>
             </a:pPr>
             <a:r>
               <a:rPr b="1" lang="en-US" sz="2400" spc="-1" strike="noStrike">
@@ -8361,7 +7855,7 @@
               <a:t>Exercises </a:t>
             </a:r>
             <a:endParaRPr b="0" lang="en-US" sz="2400" spc="-1" strike="noStrike">
-              <a:latin typeface="DejaVu Sans"/>
+              <a:latin typeface="Arial"/>
             </a:endParaRPr>
           </a:p>
         </p:txBody>
@@ -8375,13 +7869,13 @@
         <p:spPr>
           <a:xfrm>
             <a:off x="335520" y="1268280"/>
-            <a:ext cx="10747440" cy="5034960"/>
+            <a:ext cx="10747080" cy="5034600"/>
           </a:xfrm>
           <a:prstGeom prst="rect">
             <a:avLst/>
           </a:prstGeom>
           <a:noFill/>
-          <a:ln w="0">
+          <a:ln>
             <a:noFill/>
           </a:ln>
         </p:spPr>
@@ -8400,14 +7894,13 @@
               <a:lnSpc>
                 <a:spcPct val="100000"/>
               </a:lnSpc>
-              <a:buNone/>
             </a:pPr>
             <a:endParaRPr b="0" lang="en-US" sz="1800" spc="-1" strike="noStrike">
-              <a:latin typeface="DejaVu Sans"/>
-            </a:endParaRPr>
-          </a:p>
-          <a:p>
-            <a:pPr marL="195120" indent="-192240">
+              <a:latin typeface="Arial"/>
+            </a:endParaRPr>
+          </a:p>
+          <a:p>
+            <a:pPr marL="195120" indent="-191880">
               <a:lnSpc>
                 <a:spcPct val="100000"/>
               </a:lnSpc>
@@ -8472,11 +7965,11 @@
               <a:t>no group submissions</a:t>
             </a:r>
             <a:endParaRPr b="0" lang="en-US" sz="1800" spc="-1" strike="noStrike">
-              <a:latin typeface="DejaVu Sans"/>
-            </a:endParaRPr>
-          </a:p>
-          <a:p>
-            <a:pPr marL="195120" indent="-192240">
+              <a:latin typeface="Arial"/>
+            </a:endParaRPr>
+          </a:p>
+          <a:p>
+            <a:pPr marL="195120" indent="-191880">
               <a:lnSpc>
                 <a:spcPct val="100000"/>
               </a:lnSpc>
@@ -8501,11 +7994,11 @@
               <a:t>Multiple-Choice or coding tasks</a:t>
             </a:r>
             <a:endParaRPr b="0" lang="en-US" sz="1800" spc="-1" strike="noStrike">
-              <a:latin typeface="DejaVu Sans"/>
-            </a:endParaRPr>
-          </a:p>
-          <a:p>
-            <a:pPr marL="195120" indent="-192240">
+              <a:latin typeface="Arial"/>
+            </a:endParaRPr>
+          </a:p>
+          <a:p>
+            <a:pPr marL="195120" indent="-191880">
               <a:lnSpc>
                 <a:spcPct val="100000"/>
               </a:lnSpc>
@@ -8530,11 +8023,11 @@
               <a:t>7-14 days to submit (depending on the task)</a:t>
             </a:r>
             <a:endParaRPr b="0" lang="en-US" sz="1800" spc="-1" strike="noStrike">
-              <a:latin typeface="DejaVu Sans"/>
-            </a:endParaRPr>
-          </a:p>
-          <a:p>
-            <a:pPr marL="195120" indent="-192240">
+              <a:latin typeface="Arial"/>
+            </a:endParaRPr>
+          </a:p>
+          <a:p>
+            <a:pPr marL="195120" indent="-191880">
               <a:lnSpc>
                 <a:spcPct val="100000"/>
               </a:lnSpc>
@@ -8559,11 +8052,11 @@
               <a:t>Submission deadline is always Wednesday at 1:59pm (right before the next lecture)</a:t>
             </a:r>
             <a:endParaRPr b="0" lang="en-US" sz="1800" spc="-1" strike="noStrike">
-              <a:latin typeface="DejaVu Sans"/>
-            </a:endParaRPr>
-          </a:p>
-          <a:p>
-            <a:pPr marL="195120" indent="-192240">
+              <a:latin typeface="Arial"/>
+            </a:endParaRPr>
+          </a:p>
+          <a:p>
+            <a:pPr marL="195120" indent="-191880">
               <a:lnSpc>
                 <a:spcPct val="100000"/>
               </a:lnSpc>
@@ -8618,11 +8111,11 @@
               <a:t>mandatory</a:t>
             </a:r>
             <a:endParaRPr b="0" lang="en-US" sz="1800" spc="-1" strike="noStrike">
-              <a:latin typeface="DejaVu Sans"/>
-            </a:endParaRPr>
-          </a:p>
-          <a:p>
-            <a:pPr marL="195120" indent="-192240">
+              <a:latin typeface="Arial"/>
+            </a:endParaRPr>
+          </a:p>
+          <a:p>
+            <a:pPr marL="195120" indent="-191880">
               <a:lnSpc>
                 <a:spcPct val="100000"/>
               </a:lnSpc>
@@ -8648,11 +8141,11 @@
               <a:t>You pass by submitting an exercise – even if it is an empty page</a:t>
             </a:r>
             <a:endParaRPr b="0" lang="en-US" sz="1800" spc="-1" strike="noStrike">
-              <a:latin typeface="DejaVu Sans"/>
-            </a:endParaRPr>
-          </a:p>
-          <a:p>
-            <a:pPr marL="195120" indent="-192240">
+              <a:latin typeface="Arial"/>
+            </a:endParaRPr>
+          </a:p>
+          <a:p>
+            <a:pPr marL="195120" indent="-191880">
               <a:lnSpc>
                 <a:spcPct val="100000"/>
               </a:lnSpc>
@@ -8677,11 +8170,11 @@
               <a:t>You will receive feedback on your submission</a:t>
             </a:r>
             <a:endParaRPr b="0" lang="en-US" sz="1800" spc="-1" strike="noStrike">
-              <a:latin typeface="DejaVu Sans"/>
-            </a:endParaRPr>
-          </a:p>
-          <a:p>
-            <a:pPr marL="195120" indent="-192240">
+              <a:latin typeface="Arial"/>
+            </a:endParaRPr>
+          </a:p>
+          <a:p>
+            <a:pPr marL="195120" indent="-191880">
               <a:lnSpc>
                 <a:spcPct val="100000"/>
               </a:lnSpc>
@@ -8706,7 +8199,7 @@
               <a:t>Exercise = learning feedback</a:t>
             </a:r>
             <a:endParaRPr b="0" lang="en-US" sz="1800" spc="-1" strike="noStrike">
-              <a:latin typeface="DejaVu Sans"/>
+              <a:latin typeface="Arial"/>
             </a:endParaRPr>
           </a:p>
         </p:txBody>
@@ -8750,13 +8243,13 @@
         <p:spPr>
           <a:xfrm>
             <a:off x="335520" y="764640"/>
-            <a:ext cx="10747440" cy="498240"/>
+            <a:ext cx="10747080" cy="497880"/>
           </a:xfrm>
           <a:prstGeom prst="rect">
             <a:avLst/>
           </a:prstGeom>
           <a:noFill/>
-          <a:ln w="0">
+          <a:ln>
             <a:noFill/>
           </a:ln>
         </p:spPr>
@@ -8767,7 +8260,7 @@
           <a:fontRef idx="minor"/>
         </p:style>
         <p:txBody>
-          <a:bodyPr lIns="90000" rIns="90000" tIns="45000" bIns="45000" anchor="t">
+          <a:bodyPr lIns="90000" rIns="90000" tIns="45000" bIns="45000">
             <a:noAutofit/>
           </a:bodyPr>
           <a:p>
@@ -8775,7 +8268,6 @@
               <a:lnSpc>
                 <a:spcPct val="100000"/>
               </a:lnSpc>
-              <a:buNone/>
             </a:pPr>
             <a:r>
               <a:rPr b="1" lang="en-US" sz="2400" spc="-1" strike="noStrike">
@@ -8788,7 +8280,7 @@
               <a:t>Exercises </a:t>
             </a:r>
             <a:endParaRPr b="0" lang="en-US" sz="2400" spc="-1" strike="noStrike">
-              <a:latin typeface="DejaVu Sans"/>
+              <a:latin typeface="Arial"/>
             </a:endParaRPr>
           </a:p>
         </p:txBody>
@@ -8802,13 +8294,13 @@
         <p:spPr>
           <a:xfrm>
             <a:off x="335520" y="1268280"/>
-            <a:ext cx="10747440" cy="5034960"/>
+            <a:ext cx="10747080" cy="5034600"/>
           </a:xfrm>
           <a:prstGeom prst="rect">
             <a:avLst/>
           </a:prstGeom>
           <a:noFill/>
-          <a:ln w="0">
+          <a:ln>
             <a:noFill/>
           </a:ln>
         </p:spPr>
@@ -8823,7 +8315,7 @@
             <a:noAutofit/>
           </a:bodyPr>
           <a:p>
-            <a:pPr marL="216000" indent="-214560">
+            <a:pPr marL="216000" indent="-214200">
               <a:lnSpc>
                 <a:spcPct val="100000"/>
               </a:lnSpc>
@@ -8845,11 +8337,11 @@
               <a:t>Bonus task:</a:t>
             </a:r>
             <a:endParaRPr b="0" lang="en-US" sz="1800" spc="-1" strike="noStrike">
-              <a:latin typeface="DejaVu Sans"/>
-            </a:endParaRPr>
-          </a:p>
-          <a:p>
-            <a:pPr lvl="1" marL="652320" indent="-192240">
+              <a:latin typeface="Arial"/>
+            </a:endParaRPr>
+          </a:p>
+          <a:p>
+            <a:pPr lvl="1" marL="652320" indent="-191880">
               <a:lnSpc>
                 <a:spcPct val="100000"/>
               </a:lnSpc>
@@ -8874,11 +8366,11 @@
               <a:t>Form groups of two or more people</a:t>
             </a:r>
             <a:endParaRPr b="0" lang="en-US" sz="1800" spc="-1" strike="noStrike">
-              <a:latin typeface="DejaVu Sans"/>
-            </a:endParaRPr>
-          </a:p>
-          <a:p>
-            <a:pPr lvl="1" marL="652320" indent="-192240">
+              <a:latin typeface="Arial"/>
+            </a:endParaRPr>
+          </a:p>
+          <a:p>
+            <a:pPr lvl="1" marL="652320" indent="-191880">
               <a:lnSpc>
                 <a:spcPct val="100000"/>
               </a:lnSpc>
@@ -8900,14 +8392,14 @@
                 <a:latin typeface="DejaVu Sans"/>
                 <a:ea typeface="DejaVu Sans"/>
               </a:rPr>
-              <a:t>Come up with a great idea that evolves around sustainability and emerging technologies</a:t>
+              <a:t>Come up with a great idea that revolves around sustainability and emerging technologies</a:t>
             </a:r>
             <a:endParaRPr b="0" lang="en-US" sz="1800" spc="-1" strike="noStrike">
-              <a:latin typeface="DejaVu Sans"/>
-            </a:endParaRPr>
-          </a:p>
-          <a:p>
-            <a:pPr lvl="1" marL="652320" indent="-192240">
+              <a:latin typeface="Arial"/>
+            </a:endParaRPr>
+          </a:p>
+          <a:p>
+            <a:pPr lvl="1" marL="652320" indent="-191880">
               <a:lnSpc>
                 <a:spcPct val="100000"/>
               </a:lnSpc>
@@ -8932,11 +8424,11 @@
               <a:t>Push the idea as far as possible throughout the semester</a:t>
             </a:r>
             <a:endParaRPr b="0" lang="en-US" sz="1800" spc="-1" strike="noStrike">
-              <a:latin typeface="DejaVu Sans"/>
-            </a:endParaRPr>
-          </a:p>
-          <a:p>
-            <a:pPr lvl="1" marL="652320" indent="-192240">
+              <a:latin typeface="Arial"/>
+            </a:endParaRPr>
+          </a:p>
+          <a:p>
+            <a:pPr lvl="1" marL="652320" indent="-191880">
               <a:lnSpc>
                 <a:spcPct val="100000"/>
               </a:lnSpc>
@@ -8961,11 +8453,11 @@
               <a:t>Record a 60s video explaining your idea and what you did throughout the semester</a:t>
             </a:r>
             <a:endParaRPr b="0" lang="en-US" sz="1800" spc="-1" strike="noStrike">
-              <a:latin typeface="DejaVu Sans"/>
-            </a:endParaRPr>
-          </a:p>
-          <a:p>
-            <a:pPr lvl="1" marL="652320" indent="-192240">
+              <a:latin typeface="Arial"/>
+            </a:endParaRPr>
+          </a:p>
+          <a:p>
+            <a:pPr lvl="1" marL="652320" indent="-191880">
               <a:lnSpc>
                 <a:spcPct val="100000"/>
               </a:lnSpc>
@@ -8990,7 +8482,7 @@
               <a:t>Selection of the 5 best ideas → bonus points for the exam (e.g., better grade – instead of 2.0 → 1.7 or something similar)</a:t>
             </a:r>
             <a:endParaRPr b="0" lang="en-US" sz="1800" spc="-1" strike="noStrike">
-              <a:latin typeface="DejaVu Sans"/>
+              <a:latin typeface="Arial"/>
             </a:endParaRPr>
           </a:p>
         </p:txBody>
@@ -9034,13 +8526,13 @@
         <p:spPr>
           <a:xfrm>
             <a:off x="335520" y="764640"/>
-            <a:ext cx="10747440" cy="498240"/>
+            <a:ext cx="10747080" cy="497880"/>
           </a:xfrm>
           <a:prstGeom prst="rect">
             <a:avLst/>
           </a:prstGeom>
           <a:noFill/>
-          <a:ln w="0">
+          <a:ln>
             <a:noFill/>
           </a:ln>
         </p:spPr>
@@ -9051,7 +8543,7 @@
           <a:fontRef idx="minor"/>
         </p:style>
         <p:txBody>
-          <a:bodyPr lIns="90000" rIns="90000" tIns="45000" bIns="45000" anchor="t">
+          <a:bodyPr lIns="90000" rIns="90000" tIns="45000" bIns="45000">
             <a:noAutofit/>
           </a:bodyPr>
           <a:p>
@@ -9059,7 +8551,6 @@
               <a:lnSpc>
                 <a:spcPct val="100000"/>
               </a:lnSpc>
-              <a:buNone/>
             </a:pPr>
             <a:r>
               <a:rPr b="1" lang="en-GB" sz="2400" spc="-1" strike="noStrike">
@@ -9072,7 +8563,7 @@
               <a:t>Coding Exercise Submission and Grading – Clausthal and Göttingen</a:t>
             </a:r>
             <a:endParaRPr b="0" lang="en-US" sz="2400" spc="-1" strike="noStrike">
-              <a:latin typeface="DejaVu Sans"/>
+              <a:latin typeface="Arial"/>
             </a:endParaRPr>
           </a:p>
         </p:txBody>
@@ -9086,13 +8577,13 @@
         <p:spPr>
           <a:xfrm>
             <a:off x="335520" y="1268640"/>
-            <a:ext cx="10747440" cy="5034960"/>
+            <a:ext cx="10747080" cy="5034600"/>
           </a:xfrm>
           <a:prstGeom prst="rect">
             <a:avLst/>
           </a:prstGeom>
           <a:noFill/>
-          <a:ln w="0">
+          <a:ln>
             <a:noFill/>
           </a:ln>
         </p:spPr>
@@ -9107,7 +8598,7 @@
             <a:noAutofit/>
           </a:bodyPr>
           <a:p>
-            <a:pPr marL="216000" indent="-214560">
+            <a:pPr marL="216000" indent="-214200">
               <a:lnSpc>
                 <a:spcPct val="100000"/>
               </a:lnSpc>
@@ -9132,11 +8623,11 @@
               <a:t>Coding exercises are graded semi-automatically. Due to this it is highly important that you follow the required submission format. Otherwise the grading process will fail and you will receive 0 points.</a:t>
             </a:r>
             <a:endParaRPr b="0" lang="en-US" sz="1800" spc="-1" strike="noStrike">
-              <a:latin typeface="DejaVu Sans"/>
-            </a:endParaRPr>
-          </a:p>
-          <a:p>
-            <a:pPr marL="195120" indent="-192240">
+              <a:latin typeface="Arial"/>
+            </a:endParaRPr>
+          </a:p>
+          <a:p>
+            <a:pPr marL="195120" indent="-191880">
               <a:lnSpc>
                 <a:spcPct val="100000"/>
               </a:lnSpc>
@@ -9161,11 +8652,11 @@
               <a:t>Code must use Python. Do not use any libraries beyond what is specified in the assignment as they may not be available in the grading environment.</a:t>
             </a:r>
             <a:endParaRPr b="0" lang="en-US" sz="1800" spc="-1" strike="noStrike">
-              <a:latin typeface="DejaVu Sans"/>
-            </a:endParaRPr>
-          </a:p>
-          <a:p>
-            <a:pPr marL="195120" indent="-192240">
+              <a:latin typeface="Arial"/>
+            </a:endParaRPr>
+          </a:p>
+          <a:p>
+            <a:pPr marL="195120" indent="-191880">
               <a:lnSpc>
                 <a:spcPct val="100000"/>
               </a:lnSpc>
@@ -9210,11 +8701,11 @@
               <a:t>. Usually this means:</a:t>
             </a:r>
             <a:endParaRPr b="0" lang="en-US" sz="1800" spc="-1" strike="noStrike">
-              <a:latin typeface="DejaVu Sans"/>
-            </a:endParaRPr>
-          </a:p>
-          <a:p>
-            <a:pPr lvl="1" marL="432000" indent="-213840">
+              <a:latin typeface="Arial"/>
+            </a:endParaRPr>
+          </a:p>
+          <a:p>
+            <a:pPr lvl="1" marL="432000" indent="-213480">
               <a:lnSpc>
                 <a:spcPct val="100000"/>
               </a:lnSpc>
@@ -9239,11 +8730,11 @@
               <a:t>If the handout contains a folder ‘lab1’, your submission should have a folder ‘lab1’ in the archive with the files inside it. The folder must not be inside another folder and the files must not be directly in the archive outside the folder.</a:t>
             </a:r>
             <a:endParaRPr b="0" lang="en-US" sz="1800" spc="-1" strike="noStrike">
-              <a:latin typeface="DejaVu Sans"/>
-            </a:endParaRPr>
-          </a:p>
-          <a:p>
-            <a:pPr lvl="1" marL="432000" indent="-213840">
+              <a:latin typeface="Arial"/>
+            </a:endParaRPr>
+          </a:p>
+          <a:p>
+            <a:pPr lvl="1" marL="432000" indent="-213480">
               <a:lnSpc>
                 <a:spcPct val="100000"/>
               </a:lnSpc>
@@ -9288,7 +8779,7 @@
               <a:t> archive, not tar, rar, tar.gz or anything else.</a:t>
             </a:r>
             <a:endParaRPr b="0" lang="en-US" sz="1800" spc="-1" strike="noStrike">
-              <a:latin typeface="DejaVu Sans"/>
+              <a:latin typeface="Arial"/>
             </a:endParaRPr>
           </a:p>
         </p:txBody>
@@ -9302,13 +8793,13 @@
         <p:spPr>
           <a:xfrm>
             <a:off x="4655880" y="476640"/>
-            <a:ext cx="2433600" cy="359640"/>
+            <a:ext cx="2433240" cy="359280"/>
           </a:xfrm>
           <a:prstGeom prst="rect">
             <a:avLst/>
           </a:prstGeom>
           <a:noFill/>
-          <a:ln w="0">
+          <a:ln>
             <a:noFill/>
           </a:ln>
         </p:spPr>
@@ -9358,13 +8849,13 @@
         <p:spPr>
           <a:xfrm>
             <a:off x="335520" y="764640"/>
-            <a:ext cx="10745280" cy="496080"/>
+            <a:ext cx="10744920" cy="495720"/>
           </a:xfrm>
           <a:prstGeom prst="rect">
             <a:avLst/>
           </a:prstGeom>
           <a:noFill/>
-          <a:ln w="0">
+          <a:ln>
             <a:noFill/>
           </a:ln>
         </p:spPr>
@@ -9375,7 +8866,7 @@
           <a:fontRef idx="minor"/>
         </p:style>
         <p:txBody>
-          <a:bodyPr lIns="90000" rIns="90000" tIns="45000" bIns="45000" anchor="t">
+          <a:bodyPr lIns="90000" rIns="90000" tIns="45000" bIns="45000">
             <a:noAutofit/>
           </a:bodyPr>
           <a:p>
@@ -9383,7 +8874,6 @@
               <a:lnSpc>
                 <a:spcPct val="100000"/>
               </a:lnSpc>
-              <a:buNone/>
             </a:pPr>
             <a:r>
               <a:rPr b="1" lang="fr-FR" sz="2400" spc="-1" strike="noStrike">
@@ -9396,7 +8886,7 @@
               <a:t>License</a:t>
             </a:r>
             <a:endParaRPr b="0" lang="en-US" sz="2400" spc="-1" strike="noStrike">
-              <a:latin typeface="DejaVu Sans"/>
+              <a:latin typeface="Arial"/>
             </a:endParaRPr>
           </a:p>
         </p:txBody>
@@ -9410,13 +8900,13 @@
         <p:spPr>
           <a:xfrm>
             <a:off x="335520" y="1268640"/>
-            <a:ext cx="10745280" cy="5032800"/>
+            <a:ext cx="10744920" cy="5032440"/>
           </a:xfrm>
           <a:prstGeom prst="rect">
             <a:avLst/>
           </a:prstGeom>
           <a:noFill/>
-          <a:ln w="0">
+          <a:ln>
             <a:noFill/>
           </a:ln>
         </p:spPr>
@@ -9427,7 +8917,7 @@
           <a:fontRef idx="minor"/>
         </p:style>
         <p:txBody>
-          <a:bodyPr lIns="90000" rIns="90000" tIns="45000" bIns="45000" anchor="t">
+          <a:bodyPr lIns="90000" rIns="90000" tIns="45000" bIns="45000">
             <a:noAutofit/>
           </a:bodyPr>
           <a:p>
@@ -9438,10 +8928,9 @@
               <a:spcBef>
                 <a:spcPts val="360"/>
               </a:spcBef>
-              <a:buNone/>
             </a:pPr>
             <a:endParaRPr b="0" lang="en-US" sz="1800" spc="-1" strike="noStrike">
-              <a:latin typeface="DejaVu Sans"/>
+              <a:latin typeface="Arial"/>
             </a:endParaRPr>
           </a:p>
           <a:p>
@@ -9452,10 +8941,9 @@
               <a:spcBef>
                 <a:spcPts val="360"/>
               </a:spcBef>
-              <a:buNone/>
             </a:pPr>
             <a:endParaRPr b="0" lang="en-US" sz="1800" spc="-1" strike="noStrike">
-              <a:latin typeface="DejaVu Sans"/>
+              <a:latin typeface="Arial"/>
             </a:endParaRPr>
           </a:p>
         </p:txBody>
@@ -9469,13 +8957,13 @@
         <p:spPr>
           <a:xfrm>
             <a:off x="336600" y="3429000"/>
-            <a:ext cx="10863000" cy="2054880"/>
+            <a:ext cx="10862640" cy="2054520"/>
           </a:xfrm>
           <a:prstGeom prst="rect">
             <a:avLst/>
           </a:prstGeom>
           <a:noFill/>
-          <a:ln w="0">
+          <a:ln>
             <a:noFill/>
           </a:ln>
         </p:spPr>
@@ -9486,11 +8974,11 @@
           <a:fontRef idx="minor"/>
         </p:style>
         <p:txBody>
-          <a:bodyPr lIns="90000" rIns="90000" tIns="45000" bIns="45000" anchor="t">
+          <a:bodyPr lIns="90000" rIns="90000" tIns="45000" bIns="45000">
             <a:noAutofit/>
           </a:bodyPr>
           <a:p>
-            <a:pPr marL="216000" indent="-215280">
+            <a:pPr marL="216000" indent="-214920">
               <a:lnSpc>
                 <a:spcPct val="100000"/>
               </a:lnSpc>
@@ -9560,11 +9048,11 @@
               <a:t> .</a:t>
             </a:r>
             <a:endParaRPr b="0" lang="en-US" sz="2000" spc="-1" strike="noStrike">
-              <a:latin typeface="DejaVu Sans"/>
-            </a:endParaRPr>
-          </a:p>
-          <a:p>
-            <a:pPr marL="216000" indent="-215280">
+              <a:latin typeface="Arial"/>
+            </a:endParaRPr>
+          </a:p>
+          <a:p>
+            <a:pPr marL="216000" indent="-214920">
               <a:lnSpc>
                 <a:spcPct val="100000"/>
               </a:lnSpc>
@@ -9614,7 +9102,7 @@
               <a:t>.</a:t>
             </a:r>
             <a:endParaRPr b="0" lang="en-US" sz="2000" spc="-1" strike="noStrike">
-              <a:latin typeface="DejaVu Sans"/>
+              <a:latin typeface="Arial"/>
             </a:endParaRPr>
           </a:p>
         </p:txBody>
@@ -9658,13 +9146,13 @@
         <p:spPr>
           <a:xfrm>
             <a:off x="335520" y="764640"/>
-            <a:ext cx="10747440" cy="498240"/>
+            <a:ext cx="10747080" cy="497880"/>
           </a:xfrm>
           <a:prstGeom prst="rect">
             <a:avLst/>
           </a:prstGeom>
           <a:noFill/>
-          <a:ln w="0">
+          <a:ln>
             <a:noFill/>
           </a:ln>
         </p:spPr>
@@ -9675,7 +9163,7 @@
           <a:fontRef idx="minor"/>
         </p:style>
         <p:txBody>
-          <a:bodyPr lIns="90000" rIns="90000" tIns="45000" bIns="45000" anchor="t">
+          <a:bodyPr lIns="90000" rIns="90000" tIns="45000" bIns="45000">
             <a:noAutofit/>
           </a:bodyPr>
           <a:p>
@@ -9683,7 +9171,6 @@
               <a:lnSpc>
                 <a:spcPct val="100000"/>
               </a:lnSpc>
-              <a:buNone/>
             </a:pPr>
             <a:r>
               <a:rPr b="1" lang="en-GB" sz="2400" spc="-1" strike="noStrike">
@@ -9696,7 +9183,7 @@
               <a:t>Coding Exercise Submission and Grading – Clausthal and Göttingen</a:t>
             </a:r>
             <a:endParaRPr b="0" lang="en-US" sz="2400" spc="-1" strike="noStrike">
-              <a:latin typeface="DejaVu Sans"/>
+              <a:latin typeface="Arial"/>
             </a:endParaRPr>
           </a:p>
         </p:txBody>
@@ -9710,13 +9197,13 @@
         <p:spPr>
           <a:xfrm>
             <a:off x="335520" y="1268640"/>
-            <a:ext cx="10747440" cy="5034960"/>
+            <a:ext cx="10747080" cy="5034600"/>
           </a:xfrm>
           <a:prstGeom prst="rect">
             <a:avLst/>
           </a:prstGeom>
           <a:noFill/>
-          <a:ln w="0">
+          <a:ln>
             <a:noFill/>
           </a:ln>
         </p:spPr>
@@ -9731,7 +9218,7 @@
             <a:noAutofit/>
           </a:bodyPr>
           <a:p>
-            <a:pPr marL="195120" indent="-192240">
+            <a:pPr marL="195120" indent="-191880">
               <a:lnSpc>
                 <a:spcPct val="100000"/>
               </a:lnSpc>
@@ -9756,11 +9243,11 @@
               <a:t>Before submitting, unpack your archive to a new folder and check that the Makefile runs correctly.</a:t>
             </a:r>
             <a:endParaRPr b="0" lang="en-US" sz="1800" spc="-1" strike="noStrike">
-              <a:latin typeface="DejaVu Sans"/>
-            </a:endParaRPr>
-          </a:p>
-          <a:p>
-            <a:pPr marL="195120" indent="-192240">
+              <a:latin typeface="Arial"/>
+            </a:endParaRPr>
+          </a:p>
+          <a:p>
+            <a:pPr marL="195120" indent="-191880">
               <a:lnSpc>
                 <a:spcPct val="100000"/>
               </a:lnSpc>
@@ -9785,11 +9272,11 @@
               <a:t>For grading, we use a different test program, so, no, hardcoding the answers to the provided driver.py will not work.</a:t>
             </a:r>
             <a:endParaRPr b="0" lang="en-US" sz="1800" spc="-1" strike="noStrike">
-              <a:latin typeface="DejaVu Sans"/>
-            </a:endParaRPr>
-          </a:p>
-          <a:p>
-            <a:pPr marL="195120" indent="-192240">
+              <a:latin typeface="Arial"/>
+            </a:endParaRPr>
+          </a:p>
+          <a:p>
+            <a:pPr marL="195120" indent="-191880">
               <a:lnSpc>
                 <a:spcPct val="100000"/>
               </a:lnSpc>
@@ -9814,7 +9301,7 @@
               <a:t>Code is submitted via a timed write-only StudIP submission folder. Only a single file can be submitted. The file name must follow the exact format ‘lab&lt;n&gt;_&lt;matriculation number&gt;.zip’, so for example ‘lab4_123456789.zip’, no extra space or _ symbols anywhere.</a:t>
             </a:r>
             <a:endParaRPr b="0" lang="en-US" sz="1800" spc="-1" strike="noStrike">
-              <a:latin typeface="DejaVu Sans"/>
+              <a:latin typeface="Arial"/>
             </a:endParaRPr>
           </a:p>
         </p:txBody>
@@ -9828,13 +9315,13 @@
         <p:spPr>
           <a:xfrm>
             <a:off x="4655880" y="476640"/>
-            <a:ext cx="2433600" cy="359640"/>
+            <a:ext cx="2433240" cy="359280"/>
           </a:xfrm>
           <a:prstGeom prst="rect">
             <a:avLst/>
           </a:prstGeom>
           <a:noFill/>
-          <a:ln w="0">
+          <a:ln>
             <a:noFill/>
           </a:ln>
         </p:spPr>
@@ -9884,13 +9371,13 @@
         <p:spPr>
           <a:xfrm>
             <a:off x="335520" y="840960"/>
-            <a:ext cx="10747440" cy="498240"/>
+            <a:ext cx="10747080" cy="497880"/>
           </a:xfrm>
           <a:prstGeom prst="rect">
             <a:avLst/>
           </a:prstGeom>
           <a:noFill/>
-          <a:ln w="0">
+          <a:ln>
             <a:noFill/>
           </a:ln>
         </p:spPr>
@@ -9901,7 +9388,7 @@
           <a:fontRef idx="minor"/>
         </p:style>
         <p:txBody>
-          <a:bodyPr lIns="90000" rIns="90000" tIns="45000" bIns="45000" anchor="t">
+          <a:bodyPr lIns="90000" rIns="90000" tIns="45000" bIns="45000">
             <a:noAutofit/>
           </a:bodyPr>
           <a:p>
@@ -9909,7 +9396,6 @@
               <a:lnSpc>
                 <a:spcPct val="100000"/>
               </a:lnSpc>
-              <a:buNone/>
             </a:pPr>
             <a:r>
               <a:rPr b="1" lang="en-GB" sz="2400" spc="-1" strike="noStrike">
@@ -9922,7 +9408,7 @@
               <a:t>Multiple-Choice Exercises – Göttingen </a:t>
             </a:r>
             <a:endParaRPr b="0" lang="en-US" sz="2400" spc="-1" strike="noStrike">
-              <a:latin typeface="DejaVu Sans"/>
+              <a:latin typeface="Arial"/>
             </a:endParaRPr>
           </a:p>
         </p:txBody>
@@ -9936,13 +9422,13 @@
         <p:spPr>
           <a:xfrm>
             <a:off x="388800" y="1488600"/>
-            <a:ext cx="10725840" cy="5204520"/>
+            <a:ext cx="10725480" cy="5204520"/>
           </a:xfrm>
           <a:prstGeom prst="rect">
             <a:avLst/>
           </a:prstGeom>
           <a:noFill/>
-          <a:ln w="0">
+          <a:ln>
             <a:noFill/>
           </a:ln>
         </p:spPr>
@@ -9953,7 +9439,7 @@
           <a:fontRef idx="minor"/>
         </p:style>
         <p:txBody>
-          <a:bodyPr lIns="90000" rIns="90000" tIns="45000" bIns="45000" anchor="t">
+          <a:bodyPr lIns="90000" rIns="90000" tIns="45000" bIns="45000">
             <a:spAutoFit/>
           </a:bodyPr>
           <a:p>
@@ -9961,7 +9447,6 @@
               <a:lnSpc>
                 <a:spcPct val="100000"/>
               </a:lnSpc>
-              <a:buNone/>
             </a:pPr>
             <a:r>
               <a:rPr b="1" lang="de-DE" sz="1400" spc="-1" strike="noStrike">
@@ -9974,7 +9459,7 @@
               <a:t>Every student enrolled in this course is required to take the Knowledge quiz in first two weeks of the course. </a:t>
             </a:r>
             <a:endParaRPr b="0" lang="en-US" sz="1400" spc="-1" strike="noStrike">
-              <a:latin typeface="DejaVu Sans"/>
+              <a:latin typeface="Arial"/>
             </a:endParaRPr>
           </a:p>
           <a:p>
@@ -9982,14 +9467,13 @@
               <a:lnSpc>
                 <a:spcPct val="100000"/>
               </a:lnSpc>
-              <a:buNone/>
             </a:pPr>
             <a:endParaRPr b="0" lang="en-US" sz="1400" spc="-1" strike="noStrike">
-              <a:latin typeface="DejaVu Sans"/>
-            </a:endParaRPr>
-          </a:p>
-          <a:p>
-            <a:pPr marL="284040" indent="-281520">
+              <a:latin typeface="Arial"/>
+            </a:endParaRPr>
+          </a:p>
+          <a:p>
+            <a:pPr marL="284040" indent="-281160">
               <a:lnSpc>
                 <a:spcPct val="100000"/>
               </a:lnSpc>
@@ -10020,7 +9504,7 @@
               <a:t>Wednesday, 20 April 2022, 5:00 PM until 27 April 2022 01:59 PM</a:t>
             </a:r>
             <a:endParaRPr b="0" lang="en-US" sz="1400" spc="-1" strike="noStrike">
-              <a:latin typeface="DejaVu Sans"/>
+              <a:latin typeface="Arial"/>
             </a:endParaRPr>
           </a:p>
           <a:p>
@@ -10028,14 +9512,13 @@
               <a:lnSpc>
                 <a:spcPct val="100000"/>
               </a:lnSpc>
-              <a:buNone/>
             </a:pPr>
             <a:endParaRPr b="0" lang="en-US" sz="1400" spc="-1" strike="noStrike">
-              <a:latin typeface="DejaVu Sans"/>
-            </a:endParaRPr>
-          </a:p>
-          <a:p>
-            <a:pPr marL="239760" indent="-237240">
+              <a:latin typeface="Arial"/>
+            </a:endParaRPr>
+          </a:p>
+          <a:p>
+            <a:pPr marL="239760" indent="-236880">
               <a:lnSpc>
                 <a:spcPct val="100000"/>
               </a:lnSpc>
@@ -10066,7 +9549,7 @@
               <a:t>Wednesday, 27 April 2022, 5:00 PM until 04 May 2022 01:59 PM</a:t>
             </a:r>
             <a:endParaRPr b="0" lang="en-US" sz="1400" spc="-1" strike="noStrike">
-              <a:latin typeface="DejaVu Sans"/>
+              <a:latin typeface="Arial"/>
             </a:endParaRPr>
           </a:p>
           <a:p>
@@ -10074,10 +9557,9 @@
               <a:lnSpc>
                 <a:spcPct val="100000"/>
               </a:lnSpc>
-              <a:buNone/>
             </a:pPr>
             <a:endParaRPr b="0" lang="en-US" sz="1400" spc="-1" strike="noStrike">
-              <a:latin typeface="DejaVu Sans"/>
+              <a:latin typeface="Arial"/>
             </a:endParaRPr>
           </a:p>
           <a:p>
@@ -10085,7 +9567,6 @@
               <a:lnSpc>
                 <a:spcPct val="100000"/>
               </a:lnSpc>
-              <a:buNone/>
             </a:pPr>
             <a:r>
               <a:rPr b="1" lang="de-DE" sz="1400" spc="-1" strike="noStrike">
@@ -10098,11 +9579,11 @@
               <a:t>Goal of the Test:</a:t>
             </a:r>
             <a:endParaRPr b="0" lang="en-US" sz="1400" spc="-1" strike="noStrike">
-              <a:latin typeface="DejaVu Sans"/>
-            </a:endParaRPr>
-          </a:p>
-          <a:p>
-            <a:pPr marL="239760" indent="-237240">
+              <a:latin typeface="Arial"/>
+            </a:endParaRPr>
+          </a:p>
+          <a:p>
+            <a:pPr marL="239760" indent="-236880">
               <a:lnSpc>
                 <a:spcPct val="100000"/>
               </a:lnSpc>
@@ -10123,7 +9604,7 @@
               <a:t>To check the knowledge level of the student that is relevant to this course of study.</a:t>
             </a:r>
             <a:endParaRPr b="0" lang="en-US" sz="1400" spc="-1" strike="noStrike">
-              <a:latin typeface="DejaVu Sans"/>
+              <a:latin typeface="Arial"/>
             </a:endParaRPr>
           </a:p>
           <a:p>
@@ -10131,10 +9612,9 @@
               <a:lnSpc>
                 <a:spcPct val="100000"/>
               </a:lnSpc>
-              <a:buNone/>
             </a:pPr>
             <a:endParaRPr b="0" lang="en-US" sz="1400" spc="-1" strike="noStrike">
-              <a:latin typeface="DejaVu Sans"/>
+              <a:latin typeface="Arial"/>
             </a:endParaRPr>
           </a:p>
           <a:p>
@@ -10142,7 +9622,6 @@
               <a:lnSpc>
                 <a:spcPct val="100000"/>
               </a:lnSpc>
-              <a:buNone/>
             </a:pPr>
             <a:r>
               <a:rPr b="1" lang="de-DE" sz="1400" spc="-1" strike="noStrike">
@@ -10155,11 +9634,11 @@
               <a:t>Preparation:</a:t>
             </a:r>
             <a:endParaRPr b="0" lang="en-US" sz="1400" spc="-1" strike="noStrike">
-              <a:latin typeface="DejaVu Sans"/>
-            </a:endParaRPr>
-          </a:p>
-          <a:p>
-            <a:pPr marL="239760" indent="-237240">
+              <a:latin typeface="Arial"/>
+            </a:endParaRPr>
+          </a:p>
+          <a:p>
+            <a:pPr marL="239760" indent="-236880">
               <a:lnSpc>
                 <a:spcPct val="100000"/>
               </a:lnSpc>
@@ -10180,11 +9659,11 @@
               <a:t>A review of basic concepts of Cryptography and Circular Economy is recommended for Week 1 and Week 2 respectively</a:t>
             </a:r>
             <a:endParaRPr b="0" lang="en-US" sz="1400" spc="-1" strike="noStrike">
-              <a:latin typeface="DejaVu Sans"/>
-            </a:endParaRPr>
-          </a:p>
-          <a:p>
-            <a:pPr marL="239760" indent="-237240">
+              <a:latin typeface="Arial"/>
+            </a:endParaRPr>
+          </a:p>
+          <a:p>
+            <a:pPr marL="239760" indent="-236880">
               <a:lnSpc>
                 <a:spcPct val="100000"/>
               </a:lnSpc>
@@ -10205,7 +9684,7 @@
               <a:t>Knowledge quiz for Week 1 only tests your existing knowledge.</a:t>
             </a:r>
             <a:endParaRPr b="0" lang="en-US" sz="1400" spc="-1" strike="noStrike">
-              <a:latin typeface="DejaVu Sans"/>
+              <a:latin typeface="Arial"/>
             </a:endParaRPr>
           </a:p>
           <a:p>
@@ -10213,10 +9692,9 @@
               <a:lnSpc>
                 <a:spcPct val="100000"/>
               </a:lnSpc>
-              <a:buNone/>
             </a:pPr>
             <a:endParaRPr b="0" lang="en-US" sz="1400" spc="-1" strike="noStrike">
-              <a:latin typeface="DejaVu Sans"/>
+              <a:latin typeface="Arial"/>
             </a:endParaRPr>
           </a:p>
           <a:p>
@@ -10224,7 +9702,6 @@
               <a:lnSpc>
                 <a:spcPct val="100000"/>
               </a:lnSpc>
-              <a:buNone/>
             </a:pPr>
             <a:r>
               <a:rPr b="1" lang="de-DE" sz="1400" spc="-1" strike="noStrike">
@@ -10237,11 +9714,11 @@
               <a:t>Test strurcture:</a:t>
             </a:r>
             <a:endParaRPr b="0" lang="en-US" sz="1400" spc="-1" strike="noStrike">
-              <a:latin typeface="DejaVu Sans"/>
-            </a:endParaRPr>
-          </a:p>
-          <a:p>
-            <a:pPr marL="239760" indent="-237240">
+              <a:latin typeface="Arial"/>
+            </a:endParaRPr>
+          </a:p>
+          <a:p>
+            <a:pPr marL="239760" indent="-236880">
               <a:lnSpc>
                 <a:spcPct val="100000"/>
               </a:lnSpc>
@@ -10322,11 +9799,11 @@
               <a:t>for each question.</a:t>
             </a:r>
             <a:endParaRPr b="0" lang="en-US" sz="1400" spc="-1" strike="noStrike">
-              <a:latin typeface="DejaVu Sans"/>
-            </a:endParaRPr>
-          </a:p>
-          <a:p>
-            <a:pPr marL="239760" indent="-237240">
+              <a:latin typeface="Arial"/>
+            </a:endParaRPr>
+          </a:p>
+          <a:p>
+            <a:pPr marL="239760" indent="-236880">
               <a:lnSpc>
                 <a:spcPct val="100000"/>
               </a:lnSpc>
@@ -10357,11 +9834,11 @@
               <a:t>1 point</a:t>
             </a:r>
             <a:endParaRPr b="0" lang="en-US" sz="1400" spc="-1" strike="noStrike">
-              <a:latin typeface="DejaVu Sans"/>
-            </a:endParaRPr>
-          </a:p>
-          <a:p>
-            <a:pPr marL="239760" indent="-237240">
+              <a:latin typeface="Arial"/>
+            </a:endParaRPr>
+          </a:p>
+          <a:p>
+            <a:pPr marL="239760" indent="-236880">
               <a:lnSpc>
                 <a:spcPct val="100000"/>
               </a:lnSpc>
@@ -10422,11 +9899,11 @@
               <a:t> as a correct choice is awarded.</a:t>
             </a:r>
             <a:endParaRPr b="0" lang="en-US" sz="1400" spc="-1" strike="noStrike">
-              <a:latin typeface="DejaVu Sans"/>
-            </a:endParaRPr>
-          </a:p>
-          <a:p>
-            <a:pPr marL="239760" indent="-237240">
+              <a:latin typeface="Arial"/>
+            </a:endParaRPr>
+          </a:p>
+          <a:p>
+            <a:pPr marL="239760" indent="-236880">
               <a:lnSpc>
                 <a:spcPct val="100000"/>
               </a:lnSpc>
@@ -10457,11 +9934,11 @@
               <a:t>grade scale of 10.</a:t>
             </a:r>
             <a:endParaRPr b="0" lang="en-US" sz="1400" spc="-1" strike="noStrike">
-              <a:latin typeface="DejaVu Sans"/>
-            </a:endParaRPr>
-          </a:p>
-          <a:p>
-            <a:pPr marL="239760" indent="-237240">
+              <a:latin typeface="Arial"/>
+            </a:endParaRPr>
+          </a:p>
+          <a:p>
+            <a:pPr marL="239760" indent="-236880">
               <a:lnSpc>
                 <a:spcPct val="100000"/>
               </a:lnSpc>
@@ -10482,7 +9959,7 @@
               <a:t>The result of your test will be available after the quiz is closed.</a:t>
             </a:r>
             <a:endParaRPr b="0" lang="en-US" sz="1400" spc="-1" strike="noStrike">
-              <a:latin typeface="DejaVu Sans"/>
+              <a:latin typeface="Arial"/>
             </a:endParaRPr>
           </a:p>
         </p:txBody>
@@ -10526,13 +10003,13 @@
         <p:spPr>
           <a:xfrm>
             <a:off x="335520" y="764640"/>
-            <a:ext cx="10747440" cy="498240"/>
+            <a:ext cx="10747080" cy="497880"/>
           </a:xfrm>
           <a:prstGeom prst="rect">
             <a:avLst/>
           </a:prstGeom>
           <a:noFill/>
-          <a:ln w="0">
+          <a:ln>
             <a:noFill/>
           </a:ln>
         </p:spPr>
@@ -10543,7 +10020,7 @@
           <a:fontRef idx="minor"/>
         </p:style>
         <p:txBody>
-          <a:bodyPr lIns="90000" rIns="90000" tIns="45000" bIns="45000" anchor="t">
+          <a:bodyPr lIns="90000" rIns="90000" tIns="45000" bIns="45000">
             <a:noAutofit/>
           </a:bodyPr>
           <a:p>
@@ -10551,7 +10028,6 @@
               <a:lnSpc>
                 <a:spcPct val="100000"/>
               </a:lnSpc>
-              <a:buNone/>
             </a:pPr>
             <a:r>
               <a:rPr b="1" lang="en-GB" sz="2400" spc="-1" strike="noStrike">
@@ -10564,7 +10040,7 @@
               <a:t>Multiple-Choice Exercises – Göttingen </a:t>
             </a:r>
             <a:endParaRPr b="0" lang="en-US" sz="2400" spc="-1" strike="noStrike">
-              <a:latin typeface="DejaVu Sans"/>
+              <a:latin typeface="Arial"/>
             </a:endParaRPr>
           </a:p>
         </p:txBody>
@@ -10578,13 +10054,13 @@
         <p:spPr>
           <a:xfrm>
             <a:off x="4655880" y="476640"/>
-            <a:ext cx="2433600" cy="359640"/>
+            <a:ext cx="2433240" cy="359280"/>
           </a:xfrm>
           <a:prstGeom prst="rect">
             <a:avLst/>
           </a:prstGeom>
           <a:noFill/>
-          <a:ln w="0">
+          <a:ln>
             <a:noFill/>
           </a:ln>
         </p:spPr>
@@ -10604,13 +10080,13 @@
         <p:spPr>
           <a:xfrm>
             <a:off x="494640" y="1523880"/>
-            <a:ext cx="10366200" cy="481320"/>
+            <a:ext cx="10365840" cy="480960"/>
           </a:xfrm>
           <a:prstGeom prst="rect">
             <a:avLst/>
           </a:prstGeom>
           <a:noFill/>
-          <a:ln w="0">
+          <a:ln>
             <a:noFill/>
           </a:ln>
         </p:spPr>
@@ -10621,7 +10097,7 @@
           <a:fontRef idx="minor"/>
         </p:style>
         <p:txBody>
-          <a:bodyPr lIns="90000" rIns="90000" tIns="45000" bIns="45000" anchor="t">
+          <a:bodyPr lIns="90000" rIns="90000" tIns="45000" bIns="45000">
             <a:noAutofit/>
           </a:bodyPr>
           <a:p>
@@ -10629,7 +10105,6 @@
               <a:lnSpc>
                 <a:spcPct val="100000"/>
               </a:lnSpc>
-              <a:buNone/>
             </a:pPr>
             <a:r>
               <a:rPr b="0" lang="de-DE" sz="1800" spc="-1" strike="noStrike">
@@ -10642,7 +10117,7 @@
               <a:t>Step-1: Navigate to StudIP, select "Lernmodule/Learning modules"</a:t>
             </a:r>
             <a:endParaRPr b="0" lang="en-US" sz="1800" spc="-1" strike="noStrike">
-              <a:latin typeface="DejaVu Sans"/>
+              <a:latin typeface="Arial"/>
             </a:endParaRPr>
           </a:p>
         </p:txBody>
@@ -10655,18 +10130,18 @@
         </p:nvPicPr>
         <p:blipFill>
           <a:blip r:embed="rId1"/>
-          <a:srcRect l="0" t="0" r="0" b="43320"/>
+          <a:srcRect l="0" t="0" r="0" b="43315"/>
           <a:stretch/>
         </p:blipFill>
         <p:spPr>
           <a:xfrm>
             <a:off x="609120" y="2057760"/>
-            <a:ext cx="9518760" cy="3882960"/>
-          </a:xfrm>
-          <a:prstGeom prst="rect">
-            <a:avLst/>
-          </a:prstGeom>
-          <a:ln w="0">
+            <a:ext cx="9518400" cy="3882600"/>
+          </a:xfrm>
+          <a:prstGeom prst="rect">
+            <a:avLst/>
+          </a:prstGeom>
+          <a:ln>
             <a:noFill/>
           </a:ln>
         </p:spPr>
@@ -10710,13 +10185,13 @@
         <p:spPr>
           <a:xfrm>
             <a:off x="335520" y="764640"/>
-            <a:ext cx="10747440" cy="498240"/>
+            <a:ext cx="10747080" cy="497880"/>
           </a:xfrm>
           <a:prstGeom prst="rect">
             <a:avLst/>
           </a:prstGeom>
           <a:noFill/>
-          <a:ln w="0">
+          <a:ln>
             <a:noFill/>
           </a:ln>
         </p:spPr>
@@ -10727,7 +10202,7 @@
           <a:fontRef idx="minor"/>
         </p:style>
         <p:txBody>
-          <a:bodyPr lIns="90000" rIns="90000" tIns="45000" bIns="45000" anchor="t">
+          <a:bodyPr lIns="90000" rIns="90000" tIns="45000" bIns="45000">
             <a:noAutofit/>
           </a:bodyPr>
           <a:p>
@@ -10735,7 +10210,6 @@
               <a:lnSpc>
                 <a:spcPct val="100000"/>
               </a:lnSpc>
-              <a:buNone/>
             </a:pPr>
             <a:r>
               <a:rPr b="1" lang="en-GB" sz="2400" spc="-1" strike="noStrike">
@@ -10748,7 +10222,7 @@
               <a:t>Multiple-Choice Exercises – Göttingen </a:t>
             </a:r>
             <a:endParaRPr b="0" lang="en-US" sz="2400" spc="-1" strike="noStrike">
-              <a:latin typeface="DejaVu Sans"/>
+              <a:latin typeface="Arial"/>
             </a:endParaRPr>
           </a:p>
         </p:txBody>
@@ -10762,13 +10236,13 @@
         <p:spPr>
           <a:xfrm>
             <a:off x="4655880" y="476640"/>
-            <a:ext cx="2433600" cy="359640"/>
+            <a:ext cx="2433240" cy="359280"/>
           </a:xfrm>
           <a:prstGeom prst="rect">
             <a:avLst/>
           </a:prstGeom>
           <a:noFill/>
-          <a:ln w="0">
+          <a:ln>
             <a:noFill/>
           </a:ln>
         </p:spPr>
@@ -10788,13 +10262,13 @@
         <p:spPr>
           <a:xfrm>
             <a:off x="494640" y="1474920"/>
-            <a:ext cx="10366200" cy="481320"/>
+            <a:ext cx="10365840" cy="480960"/>
           </a:xfrm>
           <a:prstGeom prst="rect">
             <a:avLst/>
           </a:prstGeom>
           <a:noFill/>
-          <a:ln w="0">
+          <a:ln>
             <a:noFill/>
           </a:ln>
         </p:spPr>
@@ -10805,7 +10279,7 @@
           <a:fontRef idx="minor"/>
         </p:style>
         <p:txBody>
-          <a:bodyPr lIns="90000" rIns="90000" tIns="45000" bIns="45000" anchor="t">
+          <a:bodyPr lIns="90000" rIns="90000" tIns="45000" bIns="45000">
             <a:noAutofit/>
           </a:bodyPr>
           <a:p>
@@ -10813,7 +10287,6 @@
               <a:lnSpc>
                 <a:spcPct val="100000"/>
               </a:lnSpc>
-              <a:buNone/>
             </a:pPr>
             <a:r>
               <a:rPr b="0" lang="de-DE" sz="1800" spc="-1" strike="noStrike">
@@ -10836,7 +10309,7 @@
               <a:t>. This will take you to the ILIAS Page</a:t>
             </a:r>
             <a:endParaRPr b="0" lang="en-US" sz="1800" spc="-1" strike="noStrike">
-              <a:latin typeface="DejaVu Sans"/>
+              <a:latin typeface="Arial"/>
             </a:endParaRPr>
           </a:p>
         </p:txBody>
@@ -10855,12 +10328,12 @@
         <p:spPr>
           <a:xfrm>
             <a:off x="446400" y="2185200"/>
-            <a:ext cx="9406080" cy="3849120"/>
-          </a:xfrm>
-          <a:prstGeom prst="rect">
-            <a:avLst/>
-          </a:prstGeom>
-          <a:ln w="0">
+            <a:ext cx="9405720" cy="3848760"/>
+          </a:xfrm>
+          <a:prstGeom prst="rect">
+            <a:avLst/>
+          </a:prstGeom>
+          <a:ln>
             <a:noFill/>
           </a:ln>
         </p:spPr>
@@ -10904,13 +10377,13 @@
         <p:spPr>
           <a:xfrm>
             <a:off x="335520" y="764640"/>
-            <a:ext cx="10747440" cy="498240"/>
+            <a:ext cx="10747080" cy="497880"/>
           </a:xfrm>
           <a:prstGeom prst="rect">
             <a:avLst/>
           </a:prstGeom>
           <a:noFill/>
-          <a:ln w="0">
+          <a:ln>
             <a:noFill/>
           </a:ln>
         </p:spPr>
@@ -10921,7 +10394,7 @@
           <a:fontRef idx="minor"/>
         </p:style>
         <p:txBody>
-          <a:bodyPr lIns="90000" rIns="90000" tIns="45000" bIns="45000" anchor="t">
+          <a:bodyPr lIns="90000" rIns="90000" tIns="45000" bIns="45000">
             <a:noAutofit/>
           </a:bodyPr>
           <a:p>
@@ -10929,7 +10402,6 @@
               <a:lnSpc>
                 <a:spcPct val="100000"/>
               </a:lnSpc>
-              <a:buNone/>
             </a:pPr>
             <a:r>
               <a:rPr b="1" lang="en-GB" sz="2400" spc="-1" strike="noStrike">
@@ -10942,7 +10414,7 @@
               <a:t>Multiple-Choice Exercises – Göttingen </a:t>
             </a:r>
             <a:endParaRPr b="0" lang="en-US" sz="2400" spc="-1" strike="noStrike">
-              <a:latin typeface="DejaVu Sans"/>
+              <a:latin typeface="Arial"/>
             </a:endParaRPr>
           </a:p>
         </p:txBody>
@@ -10956,13 +10428,13 @@
         <p:spPr>
           <a:xfrm>
             <a:off x="4655880" y="476640"/>
-            <a:ext cx="2433600" cy="359640"/>
+            <a:ext cx="2433240" cy="359280"/>
           </a:xfrm>
           <a:prstGeom prst="rect">
             <a:avLst/>
           </a:prstGeom>
           <a:noFill/>
-          <a:ln w="0">
+          <a:ln>
             <a:noFill/>
           </a:ln>
         </p:spPr>
@@ -10982,13 +10454,13 @@
         <p:spPr>
           <a:xfrm>
             <a:off x="494640" y="1523880"/>
-            <a:ext cx="10366200" cy="481320"/>
+            <a:ext cx="10365840" cy="480960"/>
           </a:xfrm>
           <a:prstGeom prst="rect">
             <a:avLst/>
           </a:prstGeom>
           <a:noFill/>
-          <a:ln w="0">
+          <a:ln>
             <a:noFill/>
           </a:ln>
         </p:spPr>
@@ -10999,7 +10471,7 @@
           <a:fontRef idx="minor"/>
         </p:style>
         <p:txBody>
-          <a:bodyPr lIns="90000" rIns="90000" tIns="45000" bIns="45000" anchor="t">
+          <a:bodyPr lIns="90000" rIns="90000" tIns="45000" bIns="45000">
             <a:noAutofit/>
           </a:bodyPr>
           <a:p>
@@ -11007,7 +10479,6 @@
               <a:lnSpc>
                 <a:spcPct val="100000"/>
               </a:lnSpc>
-              <a:buNone/>
             </a:pPr>
             <a:r>
               <a:rPr b="0" lang="de-DE" sz="1800" spc="-1" strike="noStrike">
@@ -11020,7 +10491,7 @@
               <a:t>Step-3: On ILIAS, to attempt the test, click on "Test Fortsetzen"</a:t>
             </a:r>
             <a:endParaRPr b="0" lang="en-US" sz="1800" spc="-1" strike="noStrike">
-              <a:latin typeface="DejaVu Sans"/>
+              <a:latin typeface="Arial"/>
             </a:endParaRPr>
           </a:p>
         </p:txBody>
@@ -11039,12 +10510,12 @@
         <p:spPr>
           <a:xfrm>
             <a:off x="494640" y="2088360"/>
-            <a:ext cx="8943840" cy="3965400"/>
-          </a:xfrm>
-          <a:prstGeom prst="rect">
-            <a:avLst/>
-          </a:prstGeom>
-          <a:ln w="0">
+            <a:ext cx="8943480" cy="3965040"/>
+          </a:xfrm>
+          <a:prstGeom prst="rect">
+            <a:avLst/>
+          </a:prstGeom>
+          <a:ln>
             <a:noFill/>
           </a:ln>
         </p:spPr>
@@ -11088,13 +10559,13 @@
         <p:spPr>
           <a:xfrm>
             <a:off x="335520" y="764640"/>
-            <a:ext cx="10747440" cy="498240"/>
+            <a:ext cx="10747080" cy="497880"/>
           </a:xfrm>
           <a:prstGeom prst="rect">
             <a:avLst/>
           </a:prstGeom>
           <a:noFill/>
-          <a:ln w="0">
+          <a:ln>
             <a:noFill/>
           </a:ln>
         </p:spPr>
@@ -11105,7 +10576,7 @@
           <a:fontRef idx="minor"/>
         </p:style>
         <p:txBody>
-          <a:bodyPr lIns="90000" rIns="90000" tIns="45000" bIns="45000" anchor="t">
+          <a:bodyPr lIns="90000" rIns="90000" tIns="45000" bIns="45000">
             <a:noAutofit/>
           </a:bodyPr>
           <a:p>
@@ -11113,7 +10584,6 @@
               <a:lnSpc>
                 <a:spcPct val="100000"/>
               </a:lnSpc>
-              <a:buNone/>
             </a:pPr>
             <a:r>
               <a:rPr b="1" lang="en-GB" sz="2400" spc="-1" strike="noStrike">
@@ -11126,7 +10596,7 @@
               <a:t>Multiple-Choice Exercises – Göttingen </a:t>
             </a:r>
             <a:endParaRPr b="0" lang="en-US" sz="2400" spc="-1" strike="noStrike">
-              <a:latin typeface="DejaVu Sans"/>
+              <a:latin typeface="Arial"/>
             </a:endParaRPr>
           </a:p>
         </p:txBody>
@@ -11140,13 +10610,13 @@
         <p:spPr>
           <a:xfrm>
             <a:off x="4655880" y="476640"/>
-            <a:ext cx="2433600" cy="359640"/>
+            <a:ext cx="2433240" cy="359280"/>
           </a:xfrm>
           <a:prstGeom prst="rect">
             <a:avLst/>
           </a:prstGeom>
           <a:noFill/>
-          <a:ln w="0">
+          <a:ln>
             <a:noFill/>
           </a:ln>
         </p:spPr>
@@ -11166,13 +10636,13 @@
         <p:spPr>
           <a:xfrm>
             <a:off x="494640" y="1523880"/>
-            <a:ext cx="10366200" cy="481320"/>
+            <a:ext cx="10365840" cy="480960"/>
           </a:xfrm>
           <a:prstGeom prst="rect">
             <a:avLst/>
           </a:prstGeom>
           <a:noFill/>
-          <a:ln w="0">
+          <a:ln>
             <a:noFill/>
           </a:ln>
         </p:spPr>
@@ -11183,7 +10653,7 @@
           <a:fontRef idx="minor"/>
         </p:style>
         <p:txBody>
-          <a:bodyPr lIns="90000" rIns="90000" tIns="45000" bIns="45000" anchor="t">
+          <a:bodyPr lIns="90000" rIns="90000" tIns="45000" bIns="45000">
             <a:noAutofit/>
           </a:bodyPr>
           <a:p>
@@ -11191,7 +10661,6 @@
               <a:lnSpc>
                 <a:spcPct val="100000"/>
               </a:lnSpc>
-              <a:buNone/>
             </a:pPr>
             <a:r>
               <a:rPr b="0" lang="de-DE" sz="1800" spc="-1" strike="noStrike">
@@ -11204,7 +10673,7 @@
               <a:t>Step-4: After answering a question, click on "Weiter" for the next question, and on "Test beenden" after you answer all questions</a:t>
             </a:r>
             <a:endParaRPr b="0" lang="en-US" sz="1800" spc="-1" strike="noStrike">
-              <a:latin typeface="DejaVu Sans"/>
+              <a:latin typeface="Arial"/>
             </a:endParaRPr>
           </a:p>
         </p:txBody>
@@ -11223,12 +10692,12 @@
         <p:spPr>
           <a:xfrm>
             <a:off x="494640" y="2166840"/>
-            <a:ext cx="8339400" cy="4180680"/>
-          </a:xfrm>
-          <a:prstGeom prst="rect">
-            <a:avLst/>
-          </a:prstGeom>
-          <a:ln w="0">
+            <a:ext cx="8339040" cy="4180320"/>
+          </a:xfrm>
+          <a:prstGeom prst="rect">
+            <a:avLst/>
+          </a:prstGeom>
+          <a:ln>
             <a:noFill/>
           </a:ln>
         </p:spPr>
@@ -11272,13 +10741,13 @@
         <p:spPr>
           <a:xfrm>
             <a:off x="335520" y="768240"/>
-            <a:ext cx="10747440" cy="498240"/>
+            <a:ext cx="10747080" cy="497880"/>
           </a:xfrm>
           <a:prstGeom prst="rect">
             <a:avLst/>
           </a:prstGeom>
           <a:noFill/>
-          <a:ln w="0">
+          <a:ln>
             <a:noFill/>
           </a:ln>
         </p:spPr>
@@ -11289,7 +10758,7 @@
           <a:fontRef idx="minor"/>
         </p:style>
         <p:txBody>
-          <a:bodyPr lIns="90000" rIns="90000" tIns="45000" bIns="45000" anchor="t">
+          <a:bodyPr lIns="90000" rIns="90000" tIns="45000" bIns="45000">
             <a:noAutofit/>
           </a:bodyPr>
           <a:p>
@@ -11297,7 +10766,6 @@
               <a:lnSpc>
                 <a:spcPct val="100000"/>
               </a:lnSpc>
-              <a:buNone/>
             </a:pPr>
             <a:r>
               <a:rPr b="1" lang="en-GB" sz="2400" spc="-1" strike="noStrike">
@@ -11310,7 +10778,7 @@
               <a:t>Multiple-Choice Exercises – Clausthal </a:t>
             </a:r>
             <a:endParaRPr b="0" lang="en-US" sz="2400" spc="-1" strike="noStrike">
-              <a:latin typeface="DejaVu Sans"/>
+              <a:latin typeface="Arial"/>
             </a:endParaRPr>
           </a:p>
         </p:txBody>
@@ -11324,13 +10792,13 @@
         <p:spPr>
           <a:xfrm>
             <a:off x="388800" y="1488600"/>
-            <a:ext cx="10721160" cy="5204520"/>
+            <a:ext cx="10720800" cy="5204520"/>
           </a:xfrm>
           <a:prstGeom prst="rect">
             <a:avLst/>
           </a:prstGeom>
           <a:noFill/>
-          <a:ln w="0">
+          <a:ln>
             <a:noFill/>
           </a:ln>
         </p:spPr>
@@ -11341,7 +10809,7 @@
           <a:fontRef idx="minor"/>
         </p:style>
         <p:txBody>
-          <a:bodyPr lIns="90000" rIns="90000" tIns="45000" bIns="45000" anchor="t">
+          <a:bodyPr lIns="90000" rIns="90000" tIns="45000" bIns="45000">
             <a:spAutoFit/>
           </a:bodyPr>
           <a:p>
@@ -11349,7 +10817,6 @@
               <a:lnSpc>
                 <a:spcPct val="100000"/>
               </a:lnSpc>
-              <a:buNone/>
             </a:pPr>
             <a:r>
               <a:rPr b="1" lang="de-DE" sz="1400" spc="-1" strike="noStrike">
@@ -11362,7 +10829,7 @@
               <a:t>Every student enrolled in this course is required to take the Knowledge quiz in first two weeks of the course.  </a:t>
             </a:r>
             <a:endParaRPr b="0" lang="en-US" sz="1400" spc="-1" strike="noStrike">
-              <a:latin typeface="DejaVu Sans"/>
+              <a:latin typeface="Arial"/>
             </a:endParaRPr>
           </a:p>
           <a:p>
@@ -11370,14 +10837,13 @@
               <a:lnSpc>
                 <a:spcPct val="100000"/>
               </a:lnSpc>
-              <a:buNone/>
             </a:pPr>
             <a:endParaRPr b="0" lang="en-US" sz="1400" spc="-1" strike="noStrike">
-              <a:latin typeface="DejaVu Sans"/>
-            </a:endParaRPr>
-          </a:p>
-          <a:p>
-            <a:pPr marL="216000" indent="-214560">
+              <a:latin typeface="Arial"/>
+            </a:endParaRPr>
+          </a:p>
+          <a:p>
+            <a:pPr marL="216000" indent="-214200">
               <a:lnSpc>
                 <a:spcPct val="100000"/>
               </a:lnSpc>
@@ -11419,7 +10885,7 @@
               <a:t>, 20 April 2022, 5:00 PM until 27 April 2022 01:59 PM</a:t>
             </a:r>
             <a:endParaRPr b="0" lang="en-US" sz="1400" spc="-1" strike="noStrike">
-              <a:latin typeface="DejaVu Sans"/>
+              <a:latin typeface="Arial"/>
             </a:endParaRPr>
           </a:p>
           <a:p>
@@ -11427,14 +10893,13 @@
               <a:lnSpc>
                 <a:spcPct val="100000"/>
               </a:lnSpc>
-              <a:buNone/>
             </a:pPr>
             <a:endParaRPr b="0" lang="en-US" sz="1400" spc="-1" strike="noStrike">
-              <a:latin typeface="DejaVu Sans"/>
-            </a:endParaRPr>
-          </a:p>
-          <a:p>
-            <a:pPr marL="216000" indent="-214560">
+              <a:latin typeface="Arial"/>
+            </a:endParaRPr>
+          </a:p>
+          <a:p>
+            <a:pPr marL="216000" indent="-214200">
               <a:lnSpc>
                 <a:spcPct val="100000"/>
               </a:lnSpc>
@@ -11476,7 +10941,7 @@
               <a:t>, 27 April 2022, 5:00 PM until 04 May 2022 01:59 PM</a:t>
             </a:r>
             <a:endParaRPr b="0" lang="en-US" sz="1400" spc="-1" strike="noStrike">
-              <a:latin typeface="DejaVu Sans"/>
+              <a:latin typeface="Arial"/>
             </a:endParaRPr>
           </a:p>
           <a:p>
@@ -11484,14 +10949,13 @@
               <a:lnSpc>
                 <a:spcPct val="100000"/>
               </a:lnSpc>
-              <a:buNone/>
             </a:pPr>
             <a:endParaRPr b="0" lang="en-US" sz="1400" spc="-1" strike="noStrike">
-              <a:latin typeface="DejaVu Sans"/>
-            </a:endParaRPr>
-          </a:p>
-          <a:p>
-            <a:pPr marL="216000" indent="-214560">
+              <a:latin typeface="Arial"/>
+            </a:endParaRPr>
+          </a:p>
+          <a:p>
+            <a:pPr marL="216000" indent="-214200">
               <a:lnSpc>
                 <a:spcPct val="100000"/>
               </a:lnSpc>
@@ -11513,11 +10977,11 @@
               <a:t>Goal of the Test:</a:t>
             </a:r>
             <a:endParaRPr b="0" lang="en-US" sz="1400" spc="-1" strike="noStrike">
-              <a:latin typeface="DejaVu Sans"/>
-            </a:endParaRPr>
-          </a:p>
-          <a:p>
-            <a:pPr marL="216000" indent="-214560">
+              <a:latin typeface="Arial"/>
+            </a:endParaRPr>
+          </a:p>
+          <a:p>
+            <a:pPr marL="216000" indent="-214200">
               <a:lnSpc>
                 <a:spcPct val="100000"/>
               </a:lnSpc>
@@ -11539,7 +11003,7 @@
               <a:t>To check the knowledge level of the student that is relevant to this course of study.</a:t>
             </a:r>
             <a:endParaRPr b="0" lang="en-US" sz="1400" spc="-1" strike="noStrike">
-              <a:latin typeface="DejaVu Sans"/>
+              <a:latin typeface="Arial"/>
             </a:endParaRPr>
           </a:p>
           <a:p>
@@ -11547,14 +11011,13 @@
               <a:lnSpc>
                 <a:spcPct val="100000"/>
               </a:lnSpc>
-              <a:buNone/>
             </a:pPr>
             <a:endParaRPr b="0" lang="en-US" sz="1400" spc="-1" strike="noStrike">
-              <a:latin typeface="DejaVu Sans"/>
-            </a:endParaRPr>
-          </a:p>
-          <a:p>
-            <a:pPr marL="216000" indent="-214560">
+              <a:latin typeface="Arial"/>
+            </a:endParaRPr>
+          </a:p>
+          <a:p>
+            <a:pPr marL="216000" indent="-214200">
               <a:lnSpc>
                 <a:spcPct val="100000"/>
               </a:lnSpc>
@@ -11576,11 +11039,11 @@
               <a:t>Preparation:</a:t>
             </a:r>
             <a:endParaRPr b="0" lang="en-US" sz="1400" spc="-1" strike="noStrike">
-              <a:latin typeface="DejaVu Sans"/>
-            </a:endParaRPr>
-          </a:p>
-          <a:p>
-            <a:pPr marL="216000" indent="-214560">
+              <a:latin typeface="Arial"/>
+            </a:endParaRPr>
+          </a:p>
+          <a:p>
+            <a:pPr marL="216000" indent="-214200">
               <a:lnSpc>
                 <a:spcPct val="100000"/>
               </a:lnSpc>
@@ -11602,11 +11065,11 @@
               <a:t>A review of basic concepts of Cryptography and Circular Economy is recommended for Week 1 and Week 2 respectively</a:t>
             </a:r>
             <a:endParaRPr b="0" lang="en-US" sz="1400" spc="-1" strike="noStrike">
-              <a:latin typeface="DejaVu Sans"/>
-            </a:endParaRPr>
-          </a:p>
-          <a:p>
-            <a:pPr marL="216000" indent="-214560">
+              <a:latin typeface="Arial"/>
+            </a:endParaRPr>
+          </a:p>
+          <a:p>
+            <a:pPr marL="216000" indent="-214200">
               <a:lnSpc>
                 <a:spcPct val="100000"/>
               </a:lnSpc>
@@ -11628,7 +11091,7 @@
               <a:t>Knowledge quiz for Week 1 only tests your existing knowledge.</a:t>
             </a:r>
             <a:endParaRPr b="0" lang="en-US" sz="1400" spc="-1" strike="noStrike">
-              <a:latin typeface="DejaVu Sans"/>
+              <a:latin typeface="Arial"/>
             </a:endParaRPr>
           </a:p>
           <a:p>
@@ -11636,14 +11099,13 @@
               <a:lnSpc>
                 <a:spcPct val="100000"/>
               </a:lnSpc>
-              <a:buNone/>
             </a:pPr>
             <a:endParaRPr b="0" lang="en-US" sz="1400" spc="-1" strike="noStrike">
-              <a:latin typeface="DejaVu Sans"/>
-            </a:endParaRPr>
-          </a:p>
-          <a:p>
-            <a:pPr marL="216000" indent="-214560">
+              <a:latin typeface="Arial"/>
+            </a:endParaRPr>
+          </a:p>
+          <a:p>
+            <a:pPr marL="216000" indent="-214200">
               <a:lnSpc>
                 <a:spcPct val="100000"/>
               </a:lnSpc>
@@ -11665,11 +11127,11 @@
               <a:t>Test strurcture:</a:t>
             </a:r>
             <a:endParaRPr b="0" lang="en-US" sz="1400" spc="-1" strike="noStrike">
-              <a:latin typeface="DejaVu Sans"/>
-            </a:endParaRPr>
-          </a:p>
-          <a:p>
-            <a:pPr marL="216000" indent="-214560">
+              <a:latin typeface="Arial"/>
+            </a:endParaRPr>
+          </a:p>
+          <a:p>
+            <a:pPr marL="216000" indent="-214200">
               <a:lnSpc>
                 <a:spcPct val="100000"/>
               </a:lnSpc>
@@ -11731,11 +11193,11 @@
               <a:t>.</a:t>
             </a:r>
             <a:endParaRPr b="0" lang="en-US" sz="1400" spc="-1" strike="noStrike">
-              <a:latin typeface="DejaVu Sans"/>
-            </a:endParaRPr>
-          </a:p>
-          <a:p>
-            <a:pPr marL="216000" indent="-214560">
+              <a:latin typeface="Arial"/>
+            </a:endParaRPr>
+          </a:p>
+          <a:p>
+            <a:pPr marL="216000" indent="-214200">
               <a:lnSpc>
                 <a:spcPct val="100000"/>
               </a:lnSpc>
@@ -11767,11 +11229,11 @@
               <a:t>1 point</a:t>
             </a:r>
             <a:endParaRPr b="0" lang="en-US" sz="1400" spc="-1" strike="noStrike">
-              <a:latin typeface="DejaVu Sans"/>
-            </a:endParaRPr>
-          </a:p>
-          <a:p>
-            <a:pPr marL="216000" indent="-214560">
+              <a:latin typeface="Arial"/>
+            </a:endParaRPr>
+          </a:p>
+          <a:p>
+            <a:pPr marL="216000" indent="-214200">
               <a:lnSpc>
                 <a:spcPct val="100000"/>
               </a:lnSpc>
@@ -11833,11 +11295,11 @@
               <a:t> as a correct choice is awarded.</a:t>
             </a:r>
             <a:endParaRPr b="0" lang="en-US" sz="1400" spc="-1" strike="noStrike">
-              <a:latin typeface="DejaVu Sans"/>
-            </a:endParaRPr>
-          </a:p>
-          <a:p>
-            <a:pPr marL="216000" indent="-214560">
+              <a:latin typeface="Arial"/>
+            </a:endParaRPr>
+          </a:p>
+          <a:p>
+            <a:pPr marL="216000" indent="-214200">
               <a:lnSpc>
                 <a:spcPct val="100000"/>
               </a:lnSpc>
@@ -11869,11 +11331,11 @@
               <a:t>grade scale of 10.</a:t>
             </a:r>
             <a:endParaRPr b="0" lang="en-US" sz="1400" spc="-1" strike="noStrike">
-              <a:latin typeface="DejaVu Sans"/>
-            </a:endParaRPr>
-          </a:p>
-          <a:p>
-            <a:pPr marL="216000" indent="-214560">
+              <a:latin typeface="Arial"/>
+            </a:endParaRPr>
+          </a:p>
+          <a:p>
+            <a:pPr marL="216000" indent="-214200">
               <a:lnSpc>
                 <a:spcPct val="100000"/>
               </a:lnSpc>
@@ -11895,7 +11357,7 @@
               <a:t>The result of your test will be available after the quiz is closed.</a:t>
             </a:r>
             <a:endParaRPr b="0" lang="en-US" sz="1400" spc="-1" strike="noStrike">
-              <a:latin typeface="DejaVu Sans"/>
+              <a:latin typeface="Arial"/>
             </a:endParaRPr>
           </a:p>
         </p:txBody>
@@ -11939,13 +11401,13 @@
         <p:spPr>
           <a:xfrm>
             <a:off x="335520" y="764640"/>
-            <a:ext cx="10747440" cy="498240"/>
+            <a:ext cx="10747080" cy="497880"/>
           </a:xfrm>
           <a:prstGeom prst="rect">
             <a:avLst/>
           </a:prstGeom>
           <a:noFill/>
-          <a:ln w="0">
+          <a:ln>
             <a:noFill/>
           </a:ln>
         </p:spPr>
@@ -11956,7 +11418,7 @@
           <a:fontRef idx="minor"/>
         </p:style>
         <p:txBody>
-          <a:bodyPr lIns="90000" rIns="90000" tIns="45000" bIns="45000" anchor="t">
+          <a:bodyPr lIns="90000" rIns="90000" tIns="45000" bIns="45000">
             <a:noAutofit/>
           </a:bodyPr>
           <a:p>
@@ -11964,7 +11426,6 @@
               <a:lnSpc>
                 <a:spcPct val="100000"/>
               </a:lnSpc>
-              <a:buNone/>
             </a:pPr>
             <a:r>
               <a:rPr b="1" lang="en-GB" sz="2400" spc="-1" strike="noStrike">
@@ -11977,7 +11438,7 @@
               <a:t>Multiple-Choice Exercises – Clausthal </a:t>
             </a:r>
             <a:endParaRPr b="0" lang="en-US" sz="2400" spc="-1" strike="noStrike">
-              <a:latin typeface="DejaVu Sans"/>
+              <a:latin typeface="Arial"/>
             </a:endParaRPr>
           </a:p>
         </p:txBody>
@@ -11991,13 +11452,13 @@
         <p:spPr>
           <a:xfrm>
             <a:off x="494640" y="1523880"/>
-            <a:ext cx="10366200" cy="481320"/>
+            <a:ext cx="10365840" cy="480960"/>
           </a:xfrm>
           <a:prstGeom prst="rect">
             <a:avLst/>
           </a:prstGeom>
           <a:noFill/>
-          <a:ln w="0">
+          <a:ln>
             <a:noFill/>
           </a:ln>
         </p:spPr>
@@ -12008,7 +11469,7 @@
           <a:fontRef idx="minor"/>
         </p:style>
         <p:txBody>
-          <a:bodyPr lIns="90000" rIns="90000" tIns="45000" bIns="45000" anchor="t">
+          <a:bodyPr lIns="90000" rIns="90000" tIns="45000" bIns="45000">
             <a:noAutofit/>
           </a:bodyPr>
           <a:p>
@@ -12016,7 +11477,6 @@
               <a:lnSpc>
                 <a:spcPct val="100000"/>
               </a:lnSpc>
-              <a:buNone/>
             </a:pPr>
             <a:r>
               <a:rPr b="0" lang="de-DE" sz="1800" spc="-1" strike="noStrike">
@@ -12029,7 +11489,7 @@
               <a:t>Step-1: Navigate to Moodle on your studip, select "Zum Kurs in Moodle"</a:t>
             </a:r>
             <a:endParaRPr b="0" lang="en-US" sz="1800" spc="-1" strike="noStrike">
-              <a:latin typeface="DejaVu Sans"/>
+              <a:latin typeface="Arial"/>
             </a:endParaRPr>
           </a:p>
         </p:txBody>
@@ -12082,12 +11542,12 @@
         <p:spPr>
           <a:xfrm>
             <a:off x="1895760" y="2238840"/>
-            <a:ext cx="6788520" cy="4159440"/>
-          </a:xfrm>
-          <a:prstGeom prst="rect">
-            <a:avLst/>
-          </a:prstGeom>
-          <a:ln w="0">
+            <a:ext cx="6788160" cy="4159080"/>
+          </a:xfrm>
+          <a:prstGeom prst="rect">
+            <a:avLst/>
+          </a:prstGeom>
+          <a:ln>
             <a:noFill/>
           </a:ln>
         </p:spPr>
@@ -12131,13 +11591,13 @@
         <p:spPr>
           <a:xfrm>
             <a:off x="335520" y="764640"/>
-            <a:ext cx="10747440" cy="498240"/>
+            <a:ext cx="10747080" cy="497880"/>
           </a:xfrm>
           <a:prstGeom prst="rect">
             <a:avLst/>
           </a:prstGeom>
           <a:noFill/>
-          <a:ln w="0">
+          <a:ln>
             <a:noFill/>
           </a:ln>
         </p:spPr>
@@ -12148,7 +11608,7 @@
           <a:fontRef idx="minor"/>
         </p:style>
         <p:txBody>
-          <a:bodyPr lIns="90000" rIns="90000" tIns="45000" bIns="45000" anchor="t">
+          <a:bodyPr lIns="90000" rIns="90000" tIns="45000" bIns="45000">
             <a:noAutofit/>
           </a:bodyPr>
           <a:p>
@@ -12156,7 +11616,6 @@
               <a:lnSpc>
                 <a:spcPct val="100000"/>
               </a:lnSpc>
-              <a:buNone/>
             </a:pPr>
             <a:r>
               <a:rPr b="1" lang="en-GB" sz="2400" spc="-1" strike="noStrike">
@@ -12169,7 +11628,7 @@
               <a:t>Multiple-Choice Exercises – Clausthal </a:t>
             </a:r>
             <a:endParaRPr b="0" lang="en-US" sz="2400" spc="-1" strike="noStrike">
-              <a:latin typeface="DejaVu Sans"/>
+              <a:latin typeface="Arial"/>
             </a:endParaRPr>
           </a:p>
         </p:txBody>
@@ -12183,13 +11642,13 @@
         <p:spPr>
           <a:xfrm>
             <a:off x="494640" y="1488600"/>
-            <a:ext cx="5448960" cy="446040"/>
+            <a:ext cx="5448600" cy="445680"/>
           </a:xfrm>
           <a:prstGeom prst="rect">
             <a:avLst/>
           </a:prstGeom>
           <a:noFill/>
-          <a:ln w="0">
+          <a:ln>
             <a:noFill/>
           </a:ln>
         </p:spPr>
@@ -12200,7 +11659,7 @@
           <a:fontRef idx="minor"/>
         </p:style>
         <p:txBody>
-          <a:bodyPr lIns="90000" rIns="90000" tIns="45000" bIns="45000" anchor="t">
+          <a:bodyPr lIns="90000" rIns="90000" tIns="45000" bIns="45000">
             <a:noAutofit/>
           </a:bodyPr>
           <a:p>
@@ -12208,7 +11667,6 @@
               <a:lnSpc>
                 <a:spcPct val="100000"/>
               </a:lnSpc>
-              <a:buNone/>
             </a:pPr>
             <a:r>
               <a:rPr b="0" lang="de-DE" sz="1800" spc="-1" strike="noStrike">
@@ -12232,7 +11690,7 @@
               <a:t>"Knowledge Quiz - Week 1"</a:t>
             </a:r>
             <a:endParaRPr b="0" lang="en-US" sz="1800" spc="-1" strike="noStrike">
-              <a:latin typeface="DejaVu Sans"/>
+              <a:latin typeface="Arial"/>
             </a:endParaRPr>
           </a:p>
         </p:txBody>
@@ -12250,12 +11708,12 @@
         <p:spPr>
           <a:xfrm>
             <a:off x="1828800" y="1937160"/>
-            <a:ext cx="7956000" cy="4090320"/>
-          </a:xfrm>
-          <a:prstGeom prst="rect">
-            <a:avLst/>
-          </a:prstGeom>
-          <a:ln w="0">
+            <a:ext cx="7955640" cy="4089960"/>
+          </a:xfrm>
+          <a:prstGeom prst="rect">
+            <a:avLst/>
+          </a:prstGeom>
+          <a:ln>
             <a:noFill/>
           </a:ln>
         </p:spPr>
@@ -12299,13 +11757,13 @@
         <p:spPr>
           <a:xfrm>
             <a:off x="335520" y="764640"/>
-            <a:ext cx="10747440" cy="498240"/>
+            <a:ext cx="10747080" cy="497880"/>
           </a:xfrm>
           <a:prstGeom prst="rect">
             <a:avLst/>
           </a:prstGeom>
           <a:noFill/>
-          <a:ln w="0">
+          <a:ln>
             <a:noFill/>
           </a:ln>
         </p:spPr>
@@ -12316,7 +11774,7 @@
           <a:fontRef idx="minor"/>
         </p:style>
         <p:txBody>
-          <a:bodyPr lIns="90000" rIns="90000" tIns="45000" bIns="45000" anchor="t">
+          <a:bodyPr lIns="90000" rIns="90000" tIns="45000" bIns="45000">
             <a:noAutofit/>
           </a:bodyPr>
           <a:p>
@@ -12324,7 +11782,6 @@
               <a:lnSpc>
                 <a:spcPct val="100000"/>
               </a:lnSpc>
-              <a:buNone/>
             </a:pPr>
             <a:r>
               <a:rPr b="1" lang="en-GB" sz="2400" spc="-1" strike="noStrike">
@@ -12337,7 +11794,7 @@
               <a:t>Multiple-Choice Exercises – Clausthal </a:t>
             </a:r>
             <a:endParaRPr b="0" lang="en-US" sz="2400" spc="-1" strike="noStrike">
-              <a:latin typeface="DejaVu Sans"/>
+              <a:latin typeface="Arial"/>
             </a:endParaRPr>
           </a:p>
         </p:txBody>
@@ -12355,12 +11812,12 @@
         <p:spPr>
           <a:xfrm>
             <a:off x="2679480" y="2130480"/>
-            <a:ext cx="7376400" cy="3487320"/>
-          </a:xfrm>
-          <a:prstGeom prst="rect">
-            <a:avLst/>
-          </a:prstGeom>
-          <a:ln w="0">
+            <a:ext cx="7376040" cy="3486960"/>
+          </a:xfrm>
+          <a:prstGeom prst="rect">
+            <a:avLst/>
+          </a:prstGeom>
+          <a:ln>
             <a:noFill/>
           </a:ln>
         </p:spPr>
@@ -12374,13 +11831,13 @@
         <p:spPr>
           <a:xfrm>
             <a:off x="494640" y="1418040"/>
-            <a:ext cx="5220360" cy="446040"/>
+            <a:ext cx="5220000" cy="445680"/>
           </a:xfrm>
           <a:prstGeom prst="rect">
             <a:avLst/>
           </a:prstGeom>
           <a:noFill/>
-          <a:ln w="0">
+          <a:ln>
             <a:noFill/>
           </a:ln>
         </p:spPr>
@@ -12391,7 +11848,7 @@
           <a:fontRef idx="minor"/>
         </p:style>
         <p:txBody>
-          <a:bodyPr lIns="90000" rIns="90000" tIns="45000" bIns="45000" anchor="t">
+          <a:bodyPr lIns="90000" rIns="90000" tIns="45000" bIns="45000">
             <a:noAutofit/>
           </a:bodyPr>
           <a:p>
@@ -12399,7 +11856,6 @@
               <a:lnSpc>
                 <a:spcPct val="100000"/>
               </a:lnSpc>
-              <a:buNone/>
             </a:pPr>
             <a:r>
               <a:rPr b="0" lang="de-DE" sz="1800" spc="-1" strike="noStrike">
@@ -12412,7 +11868,7 @@
               <a:t>Step-3 : Start your test if you are ready</a:t>
             </a:r>
             <a:endParaRPr b="0" lang="en-US" sz="1800" spc="-1" strike="noStrike">
-              <a:latin typeface="DejaVu Sans"/>
+              <a:latin typeface="Arial"/>
             </a:endParaRPr>
           </a:p>
         </p:txBody>
@@ -12456,13 +11912,13 @@
         <p:spPr>
           <a:xfrm>
             <a:off x="335520" y="764640"/>
-            <a:ext cx="10747440" cy="498240"/>
+            <a:ext cx="10747080" cy="497880"/>
           </a:xfrm>
           <a:prstGeom prst="rect">
             <a:avLst/>
           </a:prstGeom>
           <a:noFill/>
-          <a:ln w="0">
+          <a:ln>
             <a:noFill/>
           </a:ln>
         </p:spPr>
@@ -12473,7 +11929,7 @@
           <a:fontRef idx="minor"/>
         </p:style>
         <p:txBody>
-          <a:bodyPr lIns="90000" rIns="90000" tIns="45000" bIns="45000" anchor="t">
+          <a:bodyPr lIns="90000" rIns="90000" tIns="45000" bIns="45000">
             <a:noAutofit/>
           </a:bodyPr>
           <a:p>
@@ -12481,7 +11937,6 @@
               <a:lnSpc>
                 <a:spcPct val="100000"/>
               </a:lnSpc>
-              <a:buNone/>
             </a:pPr>
             <a:r>
               <a:rPr b="1" lang="en-GB" sz="2400" spc="-1" strike="noStrike">
@@ -12494,7 +11949,7 @@
               <a:t>Team</a:t>
             </a:r>
             <a:endParaRPr b="0" lang="en-US" sz="2400" spc="-1" strike="noStrike">
-              <a:latin typeface="DejaVu Sans"/>
+              <a:latin typeface="Arial"/>
             </a:endParaRPr>
           </a:p>
         </p:txBody>
@@ -12512,12 +11967,12 @@
         <p:spPr>
           <a:xfrm>
             <a:off x="2394720" y="1153800"/>
-            <a:ext cx="1470240" cy="2171520"/>
-          </a:xfrm>
-          <a:prstGeom prst="rect">
-            <a:avLst/>
-          </a:prstGeom>
-          <a:ln w="0">
+            <a:ext cx="1469880" cy="2171160"/>
+          </a:xfrm>
+          <a:prstGeom prst="rect">
+            <a:avLst/>
+          </a:prstGeom>
+          <a:ln>
             <a:noFill/>
           </a:ln>
         </p:spPr>
@@ -12535,12 +11990,12 @@
         <p:spPr>
           <a:xfrm>
             <a:off x="7250040" y="1153800"/>
-            <a:ext cx="1735560" cy="2171520"/>
-          </a:xfrm>
-          <a:prstGeom prst="rect">
-            <a:avLst/>
-          </a:prstGeom>
-          <a:ln w="0">
+            <a:ext cx="1735200" cy="2171160"/>
+          </a:xfrm>
+          <a:prstGeom prst="rect">
+            <a:avLst/>
+          </a:prstGeom>
+          <a:ln>
             <a:noFill/>
           </a:ln>
         </p:spPr>
@@ -12558,12 +12013,12 @@
         <p:spPr>
           <a:xfrm>
             <a:off x="4846320" y="4206240"/>
-            <a:ext cx="1784160" cy="1776240"/>
-          </a:xfrm>
-          <a:prstGeom prst="rect">
-            <a:avLst/>
-          </a:prstGeom>
-          <a:ln w="0">
+            <a:ext cx="1783800" cy="1775880"/>
+          </a:xfrm>
+          <a:prstGeom prst="rect">
+            <a:avLst/>
+          </a:prstGeom>
+          <a:ln>
             <a:noFill/>
           </a:ln>
         </p:spPr>
@@ -12577,13 +12032,13 @@
         <p:spPr>
           <a:xfrm>
             <a:off x="1330200" y="3269880"/>
-            <a:ext cx="3634920" cy="676440"/>
+            <a:ext cx="3634560" cy="676080"/>
           </a:xfrm>
           <a:prstGeom prst="rect">
             <a:avLst/>
           </a:prstGeom>
           <a:noFill/>
-          <a:ln w="0">
+          <a:ln>
             <a:noFill/>
           </a:ln>
         </p:spPr>
@@ -12605,7 +12060,6 @@
               <a:spcBef>
                 <a:spcPts val="360"/>
               </a:spcBef>
-              <a:buNone/>
             </a:pPr>
             <a:r>
               <a:rPr b="0" lang="de-DE" sz="1600" spc="-1" strike="noStrike">
@@ -12618,7 +12072,7 @@
               <a:t>Prof. Dr. Benjamin Leiding</a:t>
             </a:r>
             <a:endParaRPr b="0" lang="en-US" sz="1600" spc="-1" strike="noStrike">
-              <a:latin typeface="DejaVu Sans"/>
+              <a:latin typeface="Arial"/>
             </a:endParaRPr>
           </a:p>
           <a:p>
@@ -12629,7 +12083,6 @@
               <a:spcBef>
                 <a:spcPts val="360"/>
               </a:spcBef>
-              <a:buNone/>
             </a:pPr>
             <a:r>
               <a:rPr b="0" lang="de-DE" sz="1200" spc="-1" strike="noStrike">
@@ -12642,7 +12095,7 @@
               <a:t>benjamin.leiding@tu-clausthal.de</a:t>
             </a:r>
             <a:endParaRPr b="0" lang="en-US" sz="1200" spc="-1" strike="noStrike">
-              <a:latin typeface="DejaVu Sans"/>
+              <a:latin typeface="Arial"/>
             </a:endParaRPr>
           </a:p>
         </p:txBody>
@@ -12656,13 +12109,13 @@
         <p:spPr>
           <a:xfrm>
             <a:off x="6321600" y="3269880"/>
-            <a:ext cx="3634920" cy="676440"/>
+            <a:ext cx="3634560" cy="676080"/>
           </a:xfrm>
           <a:prstGeom prst="rect">
             <a:avLst/>
           </a:prstGeom>
           <a:noFill/>
-          <a:ln w="0">
+          <a:ln>
             <a:noFill/>
           </a:ln>
         </p:spPr>
@@ -12684,7 +12137,6 @@
               <a:spcBef>
                 <a:spcPts val="360"/>
               </a:spcBef>
-              <a:buNone/>
             </a:pPr>
             <a:r>
               <a:rPr b="0" lang="de-DE" sz="1600" spc="-1" strike="noStrike">
@@ -12697,7 +12149,7 @@
               <a:t>M.Sc. Arne Bochem</a:t>
             </a:r>
             <a:endParaRPr b="0" lang="en-US" sz="1600" spc="-1" strike="noStrike">
-              <a:latin typeface="DejaVu Sans"/>
+              <a:latin typeface="Arial"/>
             </a:endParaRPr>
           </a:p>
           <a:p>
@@ -12708,7 +12160,6 @@
               <a:spcBef>
                 <a:spcPts val="360"/>
               </a:spcBef>
-              <a:buNone/>
             </a:pPr>
             <a:r>
               <a:rPr b="0" lang="de-DE" sz="1200" spc="-1" strike="noStrike">
@@ -12721,7 +12172,7 @@
               <a:t>arne.bochem@cs.uni-goettingen.de</a:t>
             </a:r>
             <a:endParaRPr b="0" lang="en-US" sz="1200" spc="-1" strike="noStrike">
-              <a:latin typeface="DejaVu Sans"/>
+              <a:latin typeface="Arial"/>
             </a:endParaRPr>
           </a:p>
         </p:txBody>
@@ -12735,13 +12186,13 @@
         <p:spPr>
           <a:xfrm>
             <a:off x="1312200" y="5920200"/>
-            <a:ext cx="3634920" cy="676440"/>
+            <a:ext cx="3634560" cy="676080"/>
           </a:xfrm>
           <a:prstGeom prst="rect">
             <a:avLst/>
           </a:prstGeom>
           <a:noFill/>
-          <a:ln w="0">
+          <a:ln>
             <a:noFill/>
           </a:ln>
         </p:spPr>
@@ -12763,10 +12214,9 @@
               <a:spcBef>
                 <a:spcPts val="360"/>
               </a:spcBef>
-              <a:buNone/>
             </a:pPr>
             <a:endParaRPr b="0" lang="en-US" sz="1800" spc="-1" strike="noStrike">
-              <a:latin typeface="DejaVu Sans"/>
+              <a:latin typeface="Arial"/>
             </a:endParaRPr>
           </a:p>
           <a:p>
@@ -12777,10 +12227,9 @@
               <a:spcBef>
                 <a:spcPts val="360"/>
               </a:spcBef>
-              <a:buNone/>
             </a:pPr>
             <a:endParaRPr b="0" lang="en-US" sz="1800" spc="-1" strike="noStrike">
-              <a:latin typeface="DejaVu Sans"/>
+              <a:latin typeface="Arial"/>
             </a:endParaRPr>
           </a:p>
         </p:txBody>
@@ -12794,13 +12243,13 @@
         <p:spPr>
           <a:xfrm>
             <a:off x="3950640" y="5903280"/>
-            <a:ext cx="3634920" cy="676440"/>
+            <a:ext cx="3634560" cy="676080"/>
           </a:xfrm>
           <a:prstGeom prst="rect">
             <a:avLst/>
           </a:prstGeom>
           <a:noFill/>
-          <a:ln w="0">
+          <a:ln>
             <a:noFill/>
           </a:ln>
         </p:spPr>
@@ -12822,7 +12271,6 @@
               <a:spcBef>
                 <a:spcPts val="360"/>
               </a:spcBef>
-              <a:buNone/>
             </a:pPr>
             <a:r>
               <a:rPr b="0" lang="de-DE" sz="1600" spc="-1" strike="noStrike">
@@ -12835,7 +12283,7 @@
               <a:t>M.Sc. Anant Sujatanagarjuna</a:t>
             </a:r>
             <a:endParaRPr b="0" lang="en-US" sz="1600" spc="-1" strike="noStrike">
-              <a:latin typeface="DejaVu Sans"/>
+              <a:latin typeface="Arial"/>
             </a:endParaRPr>
           </a:p>
           <a:p>
@@ -12846,7 +12294,6 @@
               <a:spcBef>
                 <a:spcPts val="360"/>
               </a:spcBef>
-              <a:buNone/>
             </a:pPr>
             <a:r>
               <a:rPr b="0" lang="de-DE" sz="1200" spc="-1" strike="noStrike">
@@ -12859,7 +12306,7 @@
               <a:t>anant.sujatanagarjuna@tu-clausthal.de.de</a:t>
             </a:r>
             <a:endParaRPr b="0" lang="en-US" sz="1200" spc="-1" strike="noStrike">
-              <a:latin typeface="DejaVu Sans"/>
+              <a:latin typeface="Arial"/>
             </a:endParaRPr>
           </a:p>
         </p:txBody>
@@ -12907,12 +12354,12 @@
         <p:spPr>
           <a:xfrm>
             <a:off x="685800" y="2514600"/>
-            <a:ext cx="8874360" cy="3840840"/>
-          </a:xfrm>
-          <a:prstGeom prst="rect">
-            <a:avLst/>
-          </a:prstGeom>
-          <a:ln w="0">
+            <a:ext cx="8874000" cy="3840480"/>
+          </a:xfrm>
+          <a:prstGeom prst="rect">
+            <a:avLst/>
+          </a:prstGeom>
+          <a:ln>
             <a:noFill/>
           </a:ln>
         </p:spPr>
@@ -12926,13 +12373,13 @@
         <p:spPr>
           <a:xfrm>
             <a:off x="335520" y="764640"/>
-            <a:ext cx="10747440" cy="498240"/>
+            <a:ext cx="10747080" cy="497880"/>
           </a:xfrm>
           <a:prstGeom prst="rect">
             <a:avLst/>
           </a:prstGeom>
           <a:noFill/>
-          <a:ln w="0">
+          <a:ln>
             <a:noFill/>
           </a:ln>
         </p:spPr>
@@ -12943,7 +12390,7 @@
           <a:fontRef idx="minor"/>
         </p:style>
         <p:txBody>
-          <a:bodyPr lIns="90000" rIns="90000" tIns="45000" bIns="45000" anchor="t">
+          <a:bodyPr lIns="90000" rIns="90000" tIns="45000" bIns="45000">
             <a:noAutofit/>
           </a:bodyPr>
           <a:p>
@@ -12951,7 +12398,6 @@
               <a:lnSpc>
                 <a:spcPct val="100000"/>
               </a:lnSpc>
-              <a:buNone/>
             </a:pPr>
             <a:r>
               <a:rPr b="1" lang="en-GB" sz="2400" spc="-1" strike="noStrike">
@@ -12964,7 +12410,7 @@
               <a:t>Multiple-Choice Exercises – Clausthal </a:t>
             </a:r>
             <a:endParaRPr b="0" lang="en-US" sz="2400" spc="-1" strike="noStrike">
-              <a:latin typeface="DejaVu Sans"/>
+              <a:latin typeface="Arial"/>
             </a:endParaRPr>
           </a:p>
         </p:txBody>
@@ -12978,13 +12424,13 @@
         <p:spPr>
           <a:xfrm>
             <a:off x="494640" y="1312200"/>
-            <a:ext cx="1737360" cy="368640"/>
+            <a:ext cx="1737000" cy="368280"/>
           </a:xfrm>
           <a:prstGeom prst="rect">
             <a:avLst/>
           </a:prstGeom>
           <a:noFill/>
-          <a:ln w="0">
+          <a:ln>
             <a:noFill/>
           </a:ln>
         </p:spPr>
@@ -12995,7 +12441,7 @@
           <a:fontRef idx="minor"/>
         </p:style>
         <p:txBody>
-          <a:bodyPr lIns="90000" rIns="90000" tIns="45000" bIns="45000" anchor="t">
+          <a:bodyPr lIns="90000" rIns="90000" tIns="45000" bIns="45000">
             <a:noAutofit/>
           </a:bodyPr>
           <a:p>
@@ -13003,7 +12449,6 @@
               <a:lnSpc>
                 <a:spcPct val="100000"/>
               </a:lnSpc>
-              <a:buNone/>
             </a:pPr>
             <a:r>
               <a:rPr b="0" lang="de-DE" sz="1800" spc="-1" strike="noStrike">
@@ -13016,7 +12461,7 @@
               <a:t>Step-4 : </a:t>
             </a:r>
             <a:endParaRPr b="0" lang="en-US" sz="1800" spc="-1" strike="noStrike">
-              <a:latin typeface="DejaVu Sans"/>
+              <a:latin typeface="Arial"/>
             </a:endParaRPr>
           </a:p>
           <a:p>
@@ -13024,10 +12469,9 @@
               <a:lnSpc>
                 <a:spcPct val="100000"/>
               </a:lnSpc>
-              <a:buNone/>
             </a:pPr>
             <a:endParaRPr b="0" lang="en-US" sz="1800" spc="-1" strike="noStrike">
-              <a:latin typeface="DejaVu Sans"/>
+              <a:latin typeface="Arial"/>
             </a:endParaRPr>
           </a:p>
           <a:p>
@@ -13035,10 +12479,9 @@
               <a:lnSpc>
                 <a:spcPct val="100000"/>
               </a:lnSpc>
-              <a:buNone/>
             </a:pPr>
             <a:endParaRPr b="0" lang="en-US" sz="1800" spc="-1" strike="noStrike">
-              <a:latin typeface="DejaVu Sans"/>
+              <a:latin typeface="Arial"/>
             </a:endParaRPr>
           </a:p>
         </p:txBody>
@@ -13157,13 +12600,13 @@
         <p:spPr>
           <a:xfrm>
             <a:off x="642600" y="1679400"/>
-            <a:ext cx="4404240" cy="638280"/>
+            <a:ext cx="4403880" cy="638280"/>
           </a:xfrm>
           <a:prstGeom prst="rect">
             <a:avLst/>
           </a:prstGeom>
           <a:noFill/>
-          <a:ln w="0">
+          <a:ln>
             <a:noFill/>
           </a:ln>
         </p:spPr>
@@ -13174,7 +12617,7 @@
           <a:fontRef idx="minor"/>
         </p:style>
         <p:txBody>
-          <a:bodyPr lIns="90000" rIns="90000" tIns="45000" bIns="45000" anchor="t">
+          <a:bodyPr lIns="90000" rIns="90000" tIns="45000" bIns="45000">
             <a:spAutoFit/>
           </a:bodyPr>
           <a:p>
@@ -13182,7 +12625,6 @@
               <a:lnSpc>
                 <a:spcPct val="100000"/>
               </a:lnSpc>
-              <a:buNone/>
             </a:pPr>
             <a:r>
               <a:rPr b="0" lang="de-DE" sz="1800" spc="-1" strike="noStrike">
@@ -13195,7 +12637,7 @@
               <a:t>A. Sequence of questions</a:t>
             </a:r>
             <a:endParaRPr b="0" lang="en-US" sz="1800" spc="-1" strike="noStrike">
-              <a:latin typeface="DejaVu Sans"/>
+              <a:latin typeface="Arial"/>
             </a:endParaRPr>
           </a:p>
           <a:p>
@@ -13203,7 +12645,6 @@
               <a:lnSpc>
                 <a:spcPct val="100000"/>
               </a:lnSpc>
-              <a:buNone/>
             </a:pPr>
             <a:r>
               <a:rPr b="0" lang="de-DE" sz="1800" spc="-1" strike="noStrike">
@@ -13216,7 +12657,7 @@
               <a:t>B. Timer running for the test</a:t>
             </a:r>
             <a:endParaRPr b="0" lang="en-US" sz="1800" spc="-1" strike="noStrike">
-              <a:latin typeface="DejaVu Sans"/>
+              <a:latin typeface="Arial"/>
             </a:endParaRPr>
           </a:p>
         </p:txBody>
@@ -13230,13 +12671,13 @@
         <p:spPr>
           <a:xfrm>
             <a:off x="6549480" y="1679400"/>
-            <a:ext cx="4878000" cy="634680"/>
+            <a:ext cx="4877640" cy="634320"/>
           </a:xfrm>
           <a:prstGeom prst="rect">
             <a:avLst/>
           </a:prstGeom>
           <a:noFill/>
-          <a:ln w="0">
+          <a:ln>
             <a:noFill/>
           </a:ln>
         </p:spPr>
@@ -13247,7 +12688,7 @@
           <a:fontRef idx="minor"/>
         </p:style>
         <p:txBody>
-          <a:bodyPr lIns="90000" rIns="90000" tIns="45000" bIns="45000" anchor="t">
+          <a:bodyPr lIns="90000" rIns="90000" tIns="45000" bIns="45000">
             <a:noAutofit/>
           </a:bodyPr>
           <a:p>
@@ -13255,7 +12696,6 @@
               <a:lnSpc>
                 <a:spcPct val="100000"/>
               </a:lnSpc>
-              <a:buNone/>
             </a:pPr>
             <a:r>
               <a:rPr b="0" lang="de-DE" sz="1800" spc="-1" strike="noStrike">
@@ -13268,7 +12708,7 @@
               <a:t>C. Navigate to next question/Finish attampt</a:t>
             </a:r>
             <a:endParaRPr b="0" lang="en-US" sz="1800" spc="-1" strike="noStrike">
-              <a:latin typeface="DejaVu Sans"/>
+              <a:latin typeface="Arial"/>
             </a:endParaRPr>
           </a:p>
           <a:p>
@@ -13276,7 +12716,6 @@
               <a:lnSpc>
                 <a:spcPct val="100000"/>
               </a:lnSpc>
-              <a:buNone/>
             </a:pPr>
             <a:r>
               <a:rPr b="0" lang="de-DE" sz="1800" spc="-1" strike="noStrike">
@@ -13289,7 +12728,7 @@
               <a:t>D. Navigate to previous question</a:t>
             </a:r>
             <a:endParaRPr b="0" lang="en-US" sz="1800" spc="-1" strike="noStrike">
-              <a:latin typeface="DejaVu Sans"/>
+              <a:latin typeface="Arial"/>
             </a:endParaRPr>
           </a:p>
         </p:txBody>
@@ -13303,13 +12742,13 @@
         <p:spPr>
           <a:xfrm>
             <a:off x="7839360" y="1679400"/>
-            <a:ext cx="2619360" cy="432000"/>
+            <a:ext cx="2619000" cy="431640"/>
           </a:xfrm>
           <a:prstGeom prst="rect">
             <a:avLst/>
           </a:prstGeom>
           <a:noFill/>
-          <a:ln w="0">
+          <a:ln>
             <a:noFill/>
           </a:ln>
         </p:spPr>
@@ -13320,7 +12759,7 @@
           <a:fontRef idx="minor"/>
         </p:style>
         <p:txBody>
-          <a:bodyPr lIns="90000" rIns="90000" tIns="45000" bIns="45000" anchor="t">
+          <a:bodyPr lIns="90000" rIns="90000" tIns="45000" bIns="45000">
             <a:noAutofit/>
           </a:bodyPr>
           <a:p>
@@ -13328,10 +12767,9 @@
               <a:lnSpc>
                 <a:spcPct val="100000"/>
               </a:lnSpc>
-              <a:buNone/>
             </a:pPr>
             <a:endParaRPr b="0" lang="en-US" sz="1800" spc="-1" strike="noStrike">
-              <a:latin typeface="DejaVu Sans"/>
+              <a:latin typeface="Arial"/>
             </a:endParaRPr>
           </a:p>
           <a:p>
@@ -13339,10 +12777,9 @@
               <a:lnSpc>
                 <a:spcPct val="100000"/>
               </a:lnSpc>
-              <a:buNone/>
             </a:pPr>
             <a:endParaRPr b="0" lang="en-US" sz="1800" spc="-1" strike="noStrike">
-              <a:latin typeface="DejaVu Sans"/>
+              <a:latin typeface="Arial"/>
             </a:endParaRPr>
           </a:p>
         </p:txBody>
@@ -13356,13 +12793,13 @@
         <p:spPr>
           <a:xfrm>
             <a:off x="8857440" y="3943440"/>
-            <a:ext cx="284040" cy="363960"/>
+            <a:ext cx="283680" cy="363960"/>
           </a:xfrm>
           <a:prstGeom prst="rect">
             <a:avLst/>
           </a:prstGeom>
           <a:noFill/>
-          <a:ln w="0">
+          <a:ln>
             <a:noFill/>
           </a:ln>
         </p:spPr>
@@ -13373,7 +12810,7 @@
           <a:fontRef idx="minor"/>
         </p:style>
         <p:txBody>
-          <a:bodyPr lIns="90000" rIns="90000" tIns="45000" bIns="45000" anchor="t">
+          <a:bodyPr lIns="90000" rIns="90000" tIns="45000" bIns="45000">
             <a:spAutoFit/>
           </a:bodyPr>
           <a:p>
@@ -13381,7 +12818,6 @@
               <a:lnSpc>
                 <a:spcPct val="100000"/>
               </a:lnSpc>
-              <a:buNone/>
             </a:pPr>
             <a:r>
               <a:rPr b="0" lang="de-DE" sz="1800" spc="-1" strike="noStrike">
@@ -13394,7 +12830,7 @@
               <a:t>A</a:t>
             </a:r>
             <a:endParaRPr b="0" lang="en-US" sz="1800" spc="-1" strike="noStrike">
-              <a:latin typeface="DejaVu Sans"/>
+              <a:latin typeface="Arial"/>
             </a:endParaRPr>
           </a:p>
         </p:txBody>
@@ -13408,13 +12844,13 @@
         <p:spPr>
           <a:xfrm>
             <a:off x="9537840" y="4548960"/>
-            <a:ext cx="284040" cy="363960"/>
+            <a:ext cx="283680" cy="363960"/>
           </a:xfrm>
           <a:prstGeom prst="rect">
             <a:avLst/>
           </a:prstGeom>
           <a:noFill/>
-          <a:ln w="0">
+          <a:ln>
             <a:noFill/>
           </a:ln>
         </p:spPr>
@@ -13425,7 +12861,7 @@
           <a:fontRef idx="minor"/>
         </p:style>
         <p:txBody>
-          <a:bodyPr lIns="90000" rIns="90000" tIns="45000" bIns="45000" anchor="t">
+          <a:bodyPr lIns="90000" rIns="90000" tIns="45000" bIns="45000">
             <a:spAutoFit/>
           </a:bodyPr>
           <a:p>
@@ -13433,7 +12869,6 @@
               <a:lnSpc>
                 <a:spcPct val="100000"/>
               </a:lnSpc>
-              <a:buNone/>
             </a:pPr>
             <a:r>
               <a:rPr b="0" lang="de-DE" sz="1800" spc="-1" strike="noStrike">
@@ -13446,7 +12881,7 @@
               <a:t>B</a:t>
             </a:r>
             <a:endParaRPr b="0" lang="en-US" sz="1800" spc="-1" strike="noStrike">
-              <a:latin typeface="DejaVu Sans"/>
+              <a:latin typeface="Arial"/>
             </a:endParaRPr>
           </a:p>
         </p:txBody>
@@ -13460,13 +12895,13 @@
         <p:spPr>
           <a:xfrm>
             <a:off x="7279920" y="6101280"/>
-            <a:ext cx="284400" cy="363960"/>
+            <a:ext cx="284040" cy="363960"/>
           </a:xfrm>
           <a:prstGeom prst="rect">
             <a:avLst/>
           </a:prstGeom>
           <a:noFill/>
-          <a:ln w="0">
+          <a:ln>
             <a:noFill/>
           </a:ln>
         </p:spPr>
@@ -13477,7 +12912,7 @@
           <a:fontRef idx="minor"/>
         </p:style>
         <p:txBody>
-          <a:bodyPr lIns="90000" rIns="90000" tIns="45000" bIns="45000" anchor="t">
+          <a:bodyPr lIns="90000" rIns="90000" tIns="45000" bIns="45000">
             <a:spAutoFit/>
           </a:bodyPr>
           <a:p>
@@ -13485,7 +12920,6 @@
               <a:lnSpc>
                 <a:spcPct val="100000"/>
               </a:lnSpc>
-              <a:buNone/>
             </a:pPr>
             <a:r>
               <a:rPr b="0" lang="de-DE" sz="1800" spc="-1" strike="noStrike">
@@ -13498,7 +12932,7 @@
               <a:t>C</a:t>
             </a:r>
             <a:endParaRPr b="0" lang="en-US" sz="1800" spc="-1" strike="noStrike">
-              <a:latin typeface="DejaVu Sans"/>
+              <a:latin typeface="Arial"/>
             </a:endParaRPr>
           </a:p>
         </p:txBody>
@@ -13547,13 +12981,13 @@
         <p:spPr>
           <a:xfrm>
             <a:off x="1058760" y="6130800"/>
-            <a:ext cx="284400" cy="363960"/>
+            <a:ext cx="284040" cy="363960"/>
           </a:xfrm>
           <a:prstGeom prst="rect">
             <a:avLst/>
           </a:prstGeom>
           <a:noFill/>
-          <a:ln w="0">
+          <a:ln>
             <a:noFill/>
           </a:ln>
         </p:spPr>
@@ -13564,7 +12998,7 @@
           <a:fontRef idx="minor"/>
         </p:style>
         <p:txBody>
-          <a:bodyPr lIns="90000" rIns="90000" tIns="45000" bIns="45000" anchor="t">
+          <a:bodyPr lIns="90000" rIns="90000" tIns="45000" bIns="45000">
             <a:spAutoFit/>
           </a:bodyPr>
           <a:p>
@@ -13572,7 +13006,6 @@
               <a:lnSpc>
                 <a:spcPct val="100000"/>
               </a:lnSpc>
-              <a:buNone/>
             </a:pPr>
             <a:r>
               <a:rPr b="0" lang="de-DE" sz="1800" spc="-1" strike="noStrike">
@@ -13585,7 +13018,7 @@
               <a:t>D</a:t>
             </a:r>
             <a:endParaRPr b="0" lang="en-US" sz="1800" spc="-1" strike="noStrike">
-              <a:latin typeface="DejaVu Sans"/>
+              <a:latin typeface="Arial"/>
             </a:endParaRPr>
           </a:p>
         </p:txBody>
@@ -13629,13 +13062,13 @@
         <p:spPr>
           <a:xfrm>
             <a:off x="335520" y="764640"/>
-            <a:ext cx="10747440" cy="498240"/>
+            <a:ext cx="10747080" cy="497880"/>
           </a:xfrm>
           <a:prstGeom prst="rect">
             <a:avLst/>
           </a:prstGeom>
           <a:noFill/>
-          <a:ln w="0">
+          <a:ln>
             <a:noFill/>
           </a:ln>
         </p:spPr>
@@ -13646,7 +13079,7 @@
           <a:fontRef idx="minor"/>
         </p:style>
         <p:txBody>
-          <a:bodyPr lIns="90000" rIns="90000" tIns="45000" bIns="45000" anchor="t">
+          <a:bodyPr lIns="90000" rIns="90000" tIns="45000" bIns="45000">
             <a:noAutofit/>
           </a:bodyPr>
           <a:p>
@@ -13654,7 +13087,6 @@
               <a:lnSpc>
                 <a:spcPct val="100000"/>
               </a:lnSpc>
-              <a:buNone/>
             </a:pPr>
             <a:r>
               <a:rPr b="1" lang="en-GB" sz="2400" spc="-1" strike="noStrike">
@@ -13667,7 +13099,7 @@
               <a:t>Examination</a:t>
             </a:r>
             <a:endParaRPr b="0" lang="en-US" sz="2400" spc="-1" strike="noStrike">
-              <a:latin typeface="DejaVu Sans"/>
+              <a:latin typeface="Arial"/>
             </a:endParaRPr>
           </a:p>
         </p:txBody>
@@ -13681,13 +13113,13 @@
         <p:spPr>
           <a:xfrm>
             <a:off x="335520" y="1268640"/>
-            <a:ext cx="10747440" cy="5034960"/>
+            <a:ext cx="10747080" cy="5034600"/>
           </a:xfrm>
           <a:prstGeom prst="rect">
             <a:avLst/>
           </a:prstGeom>
           <a:noFill/>
-          <a:ln w="0">
+          <a:ln>
             <a:noFill/>
           </a:ln>
         </p:spPr>
@@ -13702,7 +13134,7 @@
             <a:noAutofit/>
           </a:bodyPr>
           <a:p>
-            <a:pPr marL="195120" indent="-192240">
+            <a:pPr marL="195120" indent="-191880">
               <a:lnSpc>
                 <a:spcPct val="100000"/>
               </a:lnSpc>
@@ -13727,11 +13159,11 @@
               <a:t>Prerequisite for admission to the final exam (all criteria have to be fulfilled):</a:t>
             </a:r>
             <a:endParaRPr b="0" lang="en-US" sz="1800" spc="-1" strike="noStrike">
-              <a:latin typeface="DejaVu Sans"/>
-            </a:endParaRPr>
-          </a:p>
-          <a:p>
-            <a:pPr lvl="1" marL="652320" indent="-192240">
+              <a:latin typeface="Arial"/>
+            </a:endParaRPr>
+          </a:p>
+          <a:p>
+            <a:pPr lvl="1" marL="652320" indent="-191880">
               <a:lnSpc>
                 <a:spcPct val="100000"/>
               </a:lnSpc>
@@ -13756,7 +13188,7 @@
               <a:t>Submit all exercises</a:t>
             </a:r>
             <a:endParaRPr b="0" lang="en-US" sz="1800" spc="-1" strike="noStrike">
-              <a:latin typeface="DejaVu Sans"/>
+              <a:latin typeface="Arial"/>
             </a:endParaRPr>
           </a:p>
           <a:p>
@@ -13767,14 +13199,13 @@
               <a:spcBef>
                 <a:spcPts val="360"/>
               </a:spcBef>
-              <a:buNone/>
             </a:pPr>
             <a:endParaRPr b="0" lang="en-US" sz="1800" spc="-1" strike="noStrike">
-              <a:latin typeface="DejaVu Sans"/>
-            </a:endParaRPr>
-          </a:p>
-          <a:p>
-            <a:pPr marL="195120" indent="-192240">
+              <a:latin typeface="Arial"/>
+            </a:endParaRPr>
+          </a:p>
+          <a:p>
+            <a:pPr marL="195120" indent="-191880">
               <a:lnSpc>
                 <a:spcPct val="100000"/>
               </a:lnSpc>
@@ -13799,11 +13230,11 @@
               <a:t>Final exam:</a:t>
             </a:r>
             <a:endParaRPr b="0" lang="en-US" sz="1800" spc="-1" strike="noStrike">
-              <a:latin typeface="DejaVu Sans"/>
-            </a:endParaRPr>
-          </a:p>
-          <a:p>
-            <a:pPr lvl="1" marL="652320" indent="-192240">
+              <a:latin typeface="Arial"/>
+            </a:endParaRPr>
+          </a:p>
+          <a:p>
+            <a:pPr lvl="1" marL="652320" indent="-191880">
               <a:lnSpc>
                 <a:spcPct val="100000"/>
               </a:lnSpc>
@@ -13838,11 +13269,11 @@
               <a:t>→ waiting for the announcement of the examination period in Clausthal</a:t>
             </a:r>
             <a:endParaRPr b="0" lang="en-US" sz="1800" spc="-1" strike="noStrike">
-              <a:latin typeface="DejaVu Sans"/>
-            </a:endParaRPr>
-          </a:p>
-          <a:p>
-            <a:pPr lvl="1" marL="652320" indent="-192240">
+              <a:latin typeface="Arial"/>
+            </a:endParaRPr>
+          </a:p>
+          <a:p>
+            <a:pPr lvl="1" marL="652320" indent="-191880">
               <a:lnSpc>
                 <a:spcPct val="100000"/>
               </a:lnSpc>
@@ -13867,11 +13298,11 @@
               <a:t>Either written exam (120min) or oral examination (20min)</a:t>
             </a:r>
             <a:endParaRPr b="0" lang="en-US" sz="1800" spc="-1" strike="noStrike">
-              <a:latin typeface="DejaVu Sans"/>
-            </a:endParaRPr>
-          </a:p>
-          <a:p>
-            <a:pPr lvl="1" marL="652320" indent="-192240">
+              <a:latin typeface="Arial"/>
+            </a:endParaRPr>
+          </a:p>
+          <a:p>
+            <a:pPr lvl="1" marL="652320" indent="-191880">
               <a:lnSpc>
                 <a:spcPct val="100000"/>
               </a:lnSpc>
@@ -13896,7 +13327,7 @@
               <a:t>Online vs. lecture room examination → depends on the pandemic and the number of students </a:t>
             </a:r>
             <a:endParaRPr b="0" lang="en-US" sz="1800" spc="-1" strike="noStrike">
-              <a:latin typeface="DejaVu Sans"/>
+              <a:latin typeface="Arial"/>
             </a:endParaRPr>
           </a:p>
           <a:p>
@@ -13907,10 +13338,9 @@
               <a:spcBef>
                 <a:spcPts val="360"/>
               </a:spcBef>
-              <a:buNone/>
             </a:pPr>
             <a:endParaRPr b="0" lang="en-US" sz="1800" spc="-1" strike="noStrike">
-              <a:latin typeface="DejaVu Sans"/>
+              <a:latin typeface="Arial"/>
             </a:endParaRPr>
           </a:p>
         </p:txBody>
@@ -13954,13 +13384,13 @@
         <p:spPr>
           <a:xfrm>
             <a:off x="335520" y="764640"/>
-            <a:ext cx="10745640" cy="496440"/>
+            <a:ext cx="10745280" cy="496080"/>
           </a:xfrm>
           <a:prstGeom prst="rect">
             <a:avLst/>
           </a:prstGeom>
           <a:noFill/>
-          <a:ln w="0">
+          <a:ln>
             <a:noFill/>
           </a:ln>
         </p:spPr>
@@ -13971,7 +13401,7 @@
           <a:fontRef idx="minor"/>
         </p:style>
         <p:txBody>
-          <a:bodyPr lIns="90000" rIns="90000" tIns="45000" bIns="45000" anchor="t">
+          <a:bodyPr lIns="90000" rIns="90000" tIns="45000" bIns="45000">
             <a:noAutofit/>
           </a:bodyPr>
           <a:p>
@@ -13979,7 +13409,6 @@
               <a:lnSpc>
                 <a:spcPct val="100000"/>
               </a:lnSpc>
-              <a:buNone/>
             </a:pPr>
             <a:r>
               <a:rPr b="1" lang="en-US" sz="2400" spc="-1" strike="noStrike">
@@ -13992,7 +13421,7 @@
               <a:t>Self-Study Star</a:t>
             </a:r>
             <a:endParaRPr b="0" lang="en-US" sz="2400" spc="-1" strike="noStrike">
-              <a:latin typeface="DejaVu Sans"/>
+              <a:latin typeface="Arial"/>
             </a:endParaRPr>
           </a:p>
         </p:txBody>
@@ -14006,13 +13435,13 @@
         <p:spPr>
           <a:xfrm>
             <a:off x="335520" y="1268280"/>
-            <a:ext cx="10745640" cy="5033160"/>
+            <a:ext cx="10745280" cy="5032800"/>
           </a:xfrm>
           <a:prstGeom prst="rect">
             <a:avLst/>
           </a:prstGeom>
           <a:noFill/>
-          <a:ln w="0">
+          <a:ln>
             <a:noFill/>
           </a:ln>
         </p:spPr>
@@ -14034,14 +13463,13 @@
               <a:spcBef>
                 <a:spcPts val="360"/>
               </a:spcBef>
-              <a:buNone/>
             </a:pPr>
             <a:endParaRPr b="0" lang="en-US" sz="1800" spc="-1" strike="noStrike">
-              <a:latin typeface="DejaVu Sans"/>
-            </a:endParaRPr>
-          </a:p>
-          <a:p>
-            <a:pPr marL="195120" indent="-190800">
+              <a:latin typeface="Arial"/>
+            </a:endParaRPr>
+          </a:p>
+          <a:p>
+            <a:pPr marL="195120" indent="-190440">
               <a:lnSpc>
                 <a:spcPct val="100000"/>
               </a:lnSpc>
@@ -14083,7 +13511,7 @@
               <a:t> mandatory but could be helpful or interesting</a:t>
             </a:r>
             <a:endParaRPr b="0" lang="en-US" sz="1800" spc="-1" strike="noStrike">
-              <a:latin typeface="DejaVu Sans"/>
+              <a:latin typeface="Arial"/>
             </a:endParaRPr>
           </a:p>
         </p:txBody>
@@ -14097,7 +13525,7 @@
         <p:spPr>
           <a:xfrm>
             <a:off x="6285600" y="2132640"/>
-            <a:ext cx="515160" cy="495000"/>
+            <a:ext cx="514800" cy="494640"/>
           </a:xfrm>
           <a:prstGeom prst="star5">
             <a:avLst>
@@ -14139,13 +13567,13 @@
         <p:spPr>
           <a:xfrm>
             <a:off x="4089960" y="2247480"/>
-            <a:ext cx="2283480" cy="363960"/>
+            <a:ext cx="2283120" cy="363960"/>
           </a:xfrm>
           <a:prstGeom prst="rect">
             <a:avLst/>
           </a:prstGeom>
           <a:noFill/>
-          <a:ln w="0">
+          <a:ln>
             <a:noFill/>
           </a:ln>
         </p:spPr>
@@ -14156,7 +13584,7 @@
           <a:fontRef idx="minor"/>
         </p:style>
         <p:txBody>
-          <a:bodyPr lIns="90000" rIns="90000" tIns="45000" bIns="45000" anchor="t">
+          <a:bodyPr lIns="90000" rIns="90000" tIns="45000" bIns="45000">
             <a:spAutoFit/>
           </a:bodyPr>
           <a:p>
@@ -14164,7 +13592,6 @@
               <a:lnSpc>
                 <a:spcPct val="100000"/>
               </a:lnSpc>
-              <a:buNone/>
             </a:pPr>
             <a:r>
               <a:rPr b="0" lang="de-DE" sz="1800" spc="-1" strike="noStrike">
@@ -14197,7 +13624,7 @@
               <a:t> </a:t>
             </a:r>
             <a:endParaRPr b="0" lang="en-US" sz="1800" spc="-1" strike="noStrike">
-              <a:latin typeface="DejaVu Sans"/>
+              <a:latin typeface="Arial"/>
             </a:endParaRPr>
           </a:p>
         </p:txBody>
@@ -14241,13 +13668,13 @@
         <p:spPr>
           <a:xfrm>
             <a:off x="335520" y="764640"/>
-            <a:ext cx="10745640" cy="496440"/>
+            <a:ext cx="10745280" cy="496080"/>
           </a:xfrm>
           <a:prstGeom prst="rect">
             <a:avLst/>
           </a:prstGeom>
           <a:noFill/>
-          <a:ln w="0">
+          <a:ln>
             <a:noFill/>
           </a:ln>
         </p:spPr>
@@ -14258,7 +13685,7 @@
           <a:fontRef idx="minor"/>
         </p:style>
         <p:txBody>
-          <a:bodyPr lIns="90000" rIns="90000" tIns="45000" bIns="45000" anchor="t">
+          <a:bodyPr lIns="90000" rIns="90000" tIns="45000" bIns="45000">
             <a:noAutofit/>
           </a:bodyPr>
           <a:p>
@@ -14266,7 +13693,6 @@
               <a:lnSpc>
                 <a:spcPct val="100000"/>
               </a:lnSpc>
-              <a:buNone/>
             </a:pPr>
             <a:r>
               <a:rPr b="1" lang="en-US" sz="2400" spc="-1" strike="noStrike">
@@ -14279,7 +13705,7 @@
               <a:t>Literature</a:t>
             </a:r>
             <a:endParaRPr b="0" lang="en-US" sz="2400" spc="-1" strike="noStrike">
-              <a:latin typeface="DejaVu Sans"/>
+              <a:latin typeface="Arial"/>
             </a:endParaRPr>
           </a:p>
         </p:txBody>
@@ -14293,13 +13719,13 @@
         <p:spPr>
           <a:xfrm>
             <a:off x="335520" y="1268640"/>
-            <a:ext cx="10745640" cy="5033160"/>
+            <a:ext cx="10745280" cy="5032800"/>
           </a:xfrm>
           <a:prstGeom prst="rect">
             <a:avLst/>
           </a:prstGeom>
           <a:noFill/>
-          <a:ln w="0">
+          <a:ln>
             <a:noFill/>
           </a:ln>
         </p:spPr>
@@ -14314,7 +13740,7 @@
             <a:noAutofit/>
           </a:bodyPr>
           <a:p>
-            <a:pPr marL="195120" indent="-190800">
+            <a:pPr marL="195120" indent="-190440">
               <a:lnSpc>
                 <a:spcPct val="100000"/>
               </a:lnSpc>
@@ -14359,7 +13785,7 @@
               <a:t> need to buy a book to pass the exam.</a:t>
             </a:r>
             <a:endParaRPr b="0" lang="en-US" sz="1800" spc="-1" strike="noStrike">
-              <a:latin typeface="DejaVu Sans"/>
+              <a:latin typeface="Arial"/>
             </a:endParaRPr>
           </a:p>
           <a:p>
@@ -14370,14 +13796,13 @@
               <a:spcBef>
                 <a:spcPts val="360"/>
               </a:spcBef>
-              <a:buNone/>
             </a:pPr>
             <a:endParaRPr b="0" lang="en-US" sz="1800" spc="-1" strike="noStrike">
-              <a:latin typeface="DejaVu Sans"/>
-            </a:endParaRPr>
-          </a:p>
-          <a:p>
-            <a:pPr marL="195120" indent="-190800">
+              <a:latin typeface="Arial"/>
+            </a:endParaRPr>
+          </a:p>
+          <a:p>
+            <a:pPr marL="195120" indent="-190440">
               <a:lnSpc>
                 <a:spcPct val="100000"/>
               </a:lnSpc>
@@ -14422,11 +13847,11 @@
               <a:t> (1972).</a:t>
             </a:r>
             <a:endParaRPr b="0" lang="en-US" sz="1800" spc="-1" strike="noStrike">
-              <a:latin typeface="DejaVu Sans"/>
-            </a:endParaRPr>
-          </a:p>
-          <a:p>
-            <a:pPr marL="195120" indent="-190800">
+              <a:latin typeface="Arial"/>
+            </a:endParaRPr>
+          </a:p>
+          <a:p>
+            <a:pPr marL="195120" indent="-190440">
               <a:lnSpc>
                 <a:spcPct val="100000"/>
               </a:lnSpc>
@@ -14471,11 +13896,11 @@
               <a:t> (2004).</a:t>
             </a:r>
             <a:endParaRPr b="0" lang="en-US" sz="1800" spc="-1" strike="noStrike">
-              <a:latin typeface="DejaVu Sans"/>
-            </a:endParaRPr>
-          </a:p>
-          <a:p>
-            <a:pPr marL="195120" indent="-190800">
+              <a:latin typeface="Arial"/>
+            </a:endParaRPr>
+          </a:p>
+          <a:p>
+            <a:pPr marL="195120" indent="-190440">
               <a:lnSpc>
                 <a:spcPct val="100000"/>
               </a:lnSpc>
@@ -14520,11 +13945,11 @@
               <a:t>(2012).</a:t>
             </a:r>
             <a:endParaRPr b="0" lang="en-US" sz="1800" spc="-1" strike="noStrike">
-              <a:latin typeface="DejaVu Sans"/>
-            </a:endParaRPr>
-          </a:p>
-          <a:p>
-            <a:pPr marL="195120" indent="-190800">
+              <a:latin typeface="Arial"/>
+            </a:endParaRPr>
+          </a:p>
+          <a:p>
+            <a:pPr marL="195120" indent="-190440">
               <a:lnSpc>
                 <a:spcPct val="100000"/>
               </a:lnSpc>
@@ -14569,11 +13994,11 @@
               <a:t> (2019).</a:t>
             </a:r>
             <a:endParaRPr b="0" lang="en-US" sz="1800" spc="-1" strike="noStrike">
-              <a:latin typeface="DejaVu Sans"/>
-            </a:endParaRPr>
-          </a:p>
-          <a:p>
-            <a:pPr marL="195120" indent="-190800">
+              <a:latin typeface="Arial"/>
+            </a:endParaRPr>
+          </a:p>
+          <a:p>
+            <a:pPr marL="195120" indent="-190440">
               <a:lnSpc>
                 <a:spcPct val="100000"/>
               </a:lnSpc>
@@ -14618,11 +14043,11 @@
               <a:t> (2019)</a:t>
             </a:r>
             <a:endParaRPr b="0" lang="en-US" sz="1800" spc="-1" strike="noStrike">
-              <a:latin typeface="DejaVu Sans"/>
-            </a:endParaRPr>
-          </a:p>
-          <a:p>
-            <a:pPr marL="195120" indent="-190800">
+              <a:latin typeface="Arial"/>
+            </a:endParaRPr>
+          </a:p>
+          <a:p>
+            <a:pPr marL="195120" indent="-190440">
               <a:lnSpc>
                 <a:spcPct val="100000"/>
               </a:lnSpc>
@@ -14667,11 +14092,11 @@
               <a:t> (2011).</a:t>
             </a:r>
             <a:endParaRPr b="0" lang="en-US" sz="1800" spc="-1" strike="noStrike">
-              <a:latin typeface="DejaVu Sans"/>
-            </a:endParaRPr>
-          </a:p>
-          <a:p>
-            <a:pPr marL="195120" indent="-190800">
+              <a:latin typeface="Arial"/>
+            </a:endParaRPr>
+          </a:p>
+          <a:p>
+            <a:pPr marL="195120" indent="-190440">
               <a:lnSpc>
                 <a:spcPct val="100000"/>
               </a:lnSpc>
@@ -14716,7 +14141,7 @@
               <a:t> (2017).</a:t>
             </a:r>
             <a:endParaRPr b="0" lang="en-US" sz="1800" spc="-1" strike="noStrike">
-              <a:latin typeface="DejaVu Sans"/>
+              <a:latin typeface="Arial"/>
             </a:endParaRPr>
           </a:p>
         </p:txBody>
@@ -14760,13 +14185,13 @@
         <p:spPr>
           <a:xfrm>
             <a:off x="335520" y="764640"/>
-            <a:ext cx="10747440" cy="498240"/>
+            <a:ext cx="10747080" cy="497880"/>
           </a:xfrm>
           <a:prstGeom prst="rect">
             <a:avLst/>
           </a:prstGeom>
           <a:noFill/>
-          <a:ln w="0">
+          <a:ln>
             <a:noFill/>
           </a:ln>
         </p:spPr>
@@ -14777,7 +14202,7 @@
           <a:fontRef idx="minor"/>
         </p:style>
         <p:txBody>
-          <a:bodyPr lIns="90000" rIns="90000" tIns="45000" bIns="45000" anchor="t">
+          <a:bodyPr lIns="90000" rIns="90000" tIns="45000" bIns="45000">
             <a:noAutofit/>
           </a:bodyPr>
           <a:p>
@@ -14785,7 +14210,6 @@
               <a:lnSpc>
                 <a:spcPct val="100000"/>
               </a:lnSpc>
-              <a:buNone/>
             </a:pPr>
             <a:r>
               <a:rPr b="1" lang="de-DE" sz="2400" spc="-1" strike="noStrike">
@@ -14798,7 +14222,7 @@
               <a:t>Literature</a:t>
             </a:r>
             <a:endParaRPr b="0" lang="en-US" sz="2400" spc="-1" strike="noStrike">
-              <a:latin typeface="DejaVu Sans"/>
+              <a:latin typeface="Arial"/>
             </a:endParaRPr>
           </a:p>
         </p:txBody>
@@ -14812,13 +14236,13 @@
         <p:spPr>
           <a:xfrm>
             <a:off x="335520" y="1268640"/>
-            <a:ext cx="10747440" cy="5034960"/>
+            <a:ext cx="10747080" cy="5034600"/>
           </a:xfrm>
           <a:prstGeom prst="rect">
             <a:avLst/>
           </a:prstGeom>
           <a:noFill/>
-          <a:ln w="0">
+          <a:ln>
             <a:noFill/>
           </a:ln>
         </p:spPr>
@@ -14840,14 +14264,13 @@
               <a:spcBef>
                 <a:spcPts val="360"/>
               </a:spcBef>
-              <a:buNone/>
             </a:pPr>
             <a:endParaRPr b="0" lang="en-US" sz="1800" spc="-1" strike="noStrike">
-              <a:latin typeface="DejaVu Sans"/>
-            </a:endParaRPr>
-          </a:p>
-          <a:p>
-            <a:pPr marL="195120" indent="-192240">
+              <a:latin typeface="Arial"/>
+            </a:endParaRPr>
+          </a:p>
+          <a:p>
+            <a:pPr marL="195120" indent="-191880">
               <a:lnSpc>
                 <a:spcPct val="100000"/>
               </a:lnSpc>
@@ -14914,11 +14337,11 @@
               <a:t>).</a:t>
             </a:r>
             <a:endParaRPr b="0" lang="en-US" sz="1800" spc="-1" strike="noStrike">
-              <a:latin typeface="DejaVu Sans"/>
-            </a:endParaRPr>
-          </a:p>
-          <a:p>
-            <a:pPr marL="195120" indent="-192240">
+              <a:latin typeface="Arial"/>
+            </a:endParaRPr>
+          </a:p>
+          <a:p>
+            <a:pPr marL="195120" indent="-191880">
               <a:lnSpc>
                 <a:spcPct val="100000"/>
               </a:lnSpc>
@@ -14985,11 +14408,11 @@
               <a:t>).</a:t>
             </a:r>
             <a:endParaRPr b="0" lang="en-US" sz="1800" spc="-1" strike="noStrike">
-              <a:latin typeface="DejaVu Sans"/>
-            </a:endParaRPr>
-          </a:p>
-          <a:p>
-            <a:pPr marL="195120" indent="-192240">
+              <a:latin typeface="Arial"/>
+            </a:endParaRPr>
+          </a:p>
+          <a:p>
+            <a:pPr marL="195120" indent="-191880">
               <a:lnSpc>
                 <a:spcPct val="100000"/>
               </a:lnSpc>
@@ -15034,11 +14457,11 @@
               <a:t> (2019).</a:t>
             </a:r>
             <a:endParaRPr b="0" lang="en-US" sz="1800" spc="-1" strike="noStrike">
-              <a:latin typeface="DejaVu Sans"/>
-            </a:endParaRPr>
-          </a:p>
-          <a:p>
-            <a:pPr marL="195120" indent="-192240">
+              <a:latin typeface="Arial"/>
+            </a:endParaRPr>
+          </a:p>
+          <a:p>
+            <a:pPr marL="195120" indent="-191880">
               <a:lnSpc>
                 <a:spcPct val="100000"/>
               </a:lnSpc>
@@ -15083,11 +14506,11 @@
               <a:t> (2020).</a:t>
             </a:r>
             <a:endParaRPr b="0" lang="en-US" sz="1800" spc="-1" strike="noStrike">
-              <a:latin typeface="DejaVu Sans"/>
-            </a:endParaRPr>
-          </a:p>
-          <a:p>
-            <a:pPr marL="195120" indent="-192240">
+              <a:latin typeface="Arial"/>
+            </a:endParaRPr>
+          </a:p>
+          <a:p>
+            <a:pPr marL="195120" indent="-191880">
               <a:lnSpc>
                 <a:spcPct val="100000"/>
               </a:lnSpc>
@@ -15132,11 +14555,11 @@
               <a:t> (2018).</a:t>
             </a:r>
             <a:endParaRPr b="0" lang="en-US" sz="1800" spc="-1" strike="noStrike">
-              <a:latin typeface="DejaVu Sans"/>
-            </a:endParaRPr>
-          </a:p>
-          <a:p>
-            <a:pPr marL="195120" indent="-192240">
+              <a:latin typeface="Arial"/>
+            </a:endParaRPr>
+          </a:p>
+          <a:p>
+            <a:pPr marL="195120" indent="-191880">
               <a:lnSpc>
                 <a:spcPct val="100000"/>
               </a:lnSpc>
@@ -15181,11 +14604,11 @@
               <a:t> (2018).</a:t>
             </a:r>
             <a:endParaRPr b="0" lang="en-US" sz="1800" spc="-1" strike="noStrike">
-              <a:latin typeface="DejaVu Sans"/>
-            </a:endParaRPr>
-          </a:p>
-          <a:p>
-            <a:pPr marL="195120" indent="-192240">
+              <a:latin typeface="Arial"/>
+            </a:endParaRPr>
+          </a:p>
+          <a:p>
+            <a:pPr marL="195120" indent="-191880">
               <a:lnSpc>
                 <a:spcPct val="100000"/>
               </a:lnSpc>
@@ -15230,7 +14653,7 @@
               <a:t> (2010).</a:t>
             </a:r>
             <a:endParaRPr b="0" lang="en-US" sz="1800" spc="-1" strike="noStrike">
-              <a:latin typeface="DejaVu Sans"/>
+              <a:latin typeface="Arial"/>
             </a:endParaRPr>
           </a:p>
         </p:txBody>
@@ -15274,13 +14697,13 @@
         <p:spPr>
           <a:xfrm>
             <a:off x="335520" y="764640"/>
-            <a:ext cx="10745640" cy="496440"/>
+            <a:ext cx="10745280" cy="496080"/>
           </a:xfrm>
           <a:prstGeom prst="rect">
             <a:avLst/>
           </a:prstGeom>
           <a:noFill/>
-          <a:ln w="0">
+          <a:ln>
             <a:noFill/>
           </a:ln>
         </p:spPr>
@@ -15291,7 +14714,7 @@
           <a:fontRef idx="minor"/>
         </p:style>
         <p:txBody>
-          <a:bodyPr lIns="90000" rIns="90000" tIns="45000" bIns="45000" anchor="t">
+          <a:bodyPr lIns="90000" rIns="90000" tIns="45000" bIns="45000">
             <a:noAutofit/>
           </a:bodyPr>
           <a:p>
@@ -15299,7 +14722,6 @@
               <a:lnSpc>
                 <a:spcPct val="100000"/>
               </a:lnSpc>
-              <a:buNone/>
             </a:pPr>
             <a:r>
               <a:rPr b="1" lang="en-US" sz="2400" spc="-1" strike="noStrike">
@@ -15312,7 +14734,7 @@
               <a:t>Further Resources </a:t>
             </a:r>
             <a:endParaRPr b="0" lang="en-US" sz="2400" spc="-1" strike="noStrike">
-              <a:latin typeface="DejaVu Sans"/>
+              <a:latin typeface="Arial"/>
             </a:endParaRPr>
           </a:p>
         </p:txBody>
@@ -15326,13 +14748,13 @@
         <p:spPr>
           <a:xfrm>
             <a:off x="335520" y="1268640"/>
-            <a:ext cx="10745640" cy="5033160"/>
+            <a:ext cx="10745280" cy="5032800"/>
           </a:xfrm>
           <a:prstGeom prst="rect">
             <a:avLst/>
           </a:prstGeom>
           <a:noFill/>
-          <a:ln w="0">
+          <a:ln>
             <a:noFill/>
           </a:ln>
         </p:spPr>
@@ -15347,7 +14769,7 @@
             <a:noAutofit/>
           </a:bodyPr>
           <a:p>
-            <a:pPr marL="195120" indent="-190800">
+            <a:pPr marL="195120" indent="-190440">
               <a:lnSpc>
                 <a:spcPct val="100000"/>
               </a:lnSpc>
@@ -15384,11 +14806,11 @@
               <a:t>Link</a:t>
             </a:r>
             <a:endParaRPr b="0" lang="en-US" sz="1800" spc="-1" strike="noStrike">
-              <a:latin typeface="DejaVu Sans"/>
-            </a:endParaRPr>
-          </a:p>
-          <a:p>
-            <a:pPr marL="195120" indent="-190800">
+              <a:latin typeface="Arial"/>
+            </a:endParaRPr>
+          </a:p>
+          <a:p>
+            <a:pPr marL="195120" indent="-190440">
               <a:lnSpc>
                 <a:spcPct val="100000"/>
               </a:lnSpc>
@@ -15435,11 +14857,11 @@
               <a:t> </a:t>
             </a:r>
             <a:endParaRPr b="0" lang="en-US" sz="1800" spc="-1" strike="noStrike">
-              <a:latin typeface="DejaVu Sans"/>
-            </a:endParaRPr>
-          </a:p>
-          <a:p>
-            <a:pPr marL="195120" indent="-190800">
+              <a:latin typeface="Arial"/>
+            </a:endParaRPr>
+          </a:p>
+          <a:p>
+            <a:pPr marL="195120" indent="-190440">
               <a:lnSpc>
                 <a:spcPct val="100000"/>
               </a:lnSpc>
@@ -15486,7 +14908,7 @@
               <a:t> </a:t>
             </a:r>
             <a:endParaRPr b="0" lang="en-US" sz="1800" spc="-1" strike="noStrike">
-              <a:latin typeface="DejaVu Sans"/>
+              <a:latin typeface="Arial"/>
             </a:endParaRPr>
           </a:p>
         </p:txBody>
@@ -15530,13 +14952,13 @@
         <p:spPr>
           <a:xfrm>
             <a:off x="335520" y="1268640"/>
-            <a:ext cx="10747440" cy="5034960"/>
+            <a:ext cx="10747080" cy="5034600"/>
           </a:xfrm>
           <a:prstGeom prst="rect">
             <a:avLst/>
           </a:prstGeom>
           <a:noFill/>
-          <a:ln w="0">
+          <a:ln>
             <a:noFill/>
           </a:ln>
         </p:spPr>
@@ -15558,7 +14980,6 @@
               <a:spcBef>
                 <a:spcPts val="799"/>
               </a:spcBef>
-              <a:buNone/>
               <a:tabLst>
                 <a:tab algn="l" pos="0"/>
               </a:tabLst>
@@ -15574,7 +14995,7 @@
               <a:t>Questions?</a:t>
             </a:r>
             <a:endParaRPr b="0" lang="en-US" sz="4000" spc="-1" strike="noStrike">
-              <a:latin typeface="DejaVu Sans"/>
+              <a:latin typeface="Arial"/>
             </a:endParaRPr>
           </a:p>
         </p:txBody>
@@ -15588,13 +15009,13 @@
         <p:spPr>
           <a:xfrm>
             <a:off x="335520" y="764640"/>
-            <a:ext cx="10747440" cy="498240"/>
+            <a:ext cx="10747080" cy="497880"/>
           </a:xfrm>
           <a:prstGeom prst="rect">
             <a:avLst/>
           </a:prstGeom>
           <a:noFill/>
-          <a:ln w="0">
+          <a:ln>
             <a:noFill/>
           </a:ln>
         </p:spPr>
@@ -15644,13 +15065,13 @@
         <p:spPr>
           <a:xfrm>
             <a:off x="542880" y="721800"/>
-            <a:ext cx="10351800" cy="492480"/>
+            <a:ext cx="10351440" cy="492120"/>
           </a:xfrm>
           <a:prstGeom prst="rect">
             <a:avLst/>
           </a:prstGeom>
           <a:noFill/>
-          <a:ln w="0">
+          <a:ln>
             <a:noFill/>
           </a:ln>
         </p:spPr>
@@ -15669,7 +15090,6 @@
               <a:lnSpc>
                 <a:spcPct val="100000"/>
               </a:lnSpc>
-              <a:buNone/>
             </a:pPr>
             <a:r>
               <a:rPr b="1" lang="en-US" sz="2200" spc="-1" strike="noStrike">
@@ -15682,7 +15102,7 @@
               <a:t>ETCE Research Group</a:t>
             </a:r>
             <a:endParaRPr b="0" lang="en-US" sz="2200" spc="-1" strike="noStrike">
-              <a:latin typeface="DejaVu Sans"/>
+              <a:latin typeface="Arial"/>
             </a:endParaRPr>
           </a:p>
         </p:txBody>
@@ -15696,7 +15116,7 @@
         <p:spPr>
           <a:xfrm>
             <a:off x="451800" y="1709280"/>
-            <a:ext cx="8219160" cy="4347360"/>
+            <a:ext cx="8218800" cy="4347000"/>
           </a:xfrm>
           <a:prstGeom prst="rect">
             <a:avLst/>
@@ -15722,13 +15142,13 @@
         <p:spPr>
           <a:xfrm>
             <a:off x="609480" y="1769400"/>
-            <a:ext cx="10582200" cy="4850280"/>
+            <a:ext cx="10581840" cy="4849920"/>
           </a:xfrm>
           <a:prstGeom prst="rect">
             <a:avLst/>
           </a:prstGeom>
           <a:noFill/>
-          <a:ln w="0">
+          <a:ln>
             <a:noFill/>
           </a:ln>
         </p:spPr>
@@ -15743,7 +15163,7 @@
             <a:normAutofit/>
           </a:bodyPr>
           <a:p>
-            <a:pPr marL="216000" indent="-213120">
+            <a:pPr marL="216000" indent="-212760">
               <a:lnSpc>
                 <a:spcPct val="90000"/>
               </a:lnSpc>
@@ -15848,11 +15268,11 @@
               <a:t>ETCE</a:t>
             </a:r>
             <a:endParaRPr b="0" lang="en-US" sz="2000" spc="-1" strike="noStrike">
-              <a:latin typeface="DejaVu Sans"/>
-            </a:endParaRPr>
-          </a:p>
-          <a:p>
-            <a:pPr marL="216000" indent="-213120">
+              <a:latin typeface="Arial"/>
+            </a:endParaRPr>
+          </a:p>
+          <a:p>
+            <a:pPr marL="216000" indent="-212760">
               <a:lnSpc>
                 <a:spcPct val="100000"/>
               </a:lnSpc>
@@ -15877,11 +15297,11 @@
               <a:t>Research focus:</a:t>
             </a:r>
             <a:endParaRPr b="0" lang="en-US" sz="2000" spc="-1" strike="noStrike">
-              <a:latin typeface="DejaVu Sans"/>
-            </a:endParaRPr>
-          </a:p>
-          <a:p>
-            <a:pPr lvl="1" marL="685800" indent="-225720">
+              <a:latin typeface="Arial"/>
+            </a:endParaRPr>
+          </a:p>
+          <a:p>
+            <a:pPr lvl="1" marL="685800" indent="-225360">
               <a:lnSpc>
                 <a:spcPct val="100000"/>
               </a:lnSpc>
@@ -15906,11 +15326,11 @@
               <a:t>Intersection of IT and sustainability</a:t>
             </a:r>
             <a:endParaRPr b="0" lang="en-US" sz="1800" spc="-1" strike="noStrike">
-              <a:latin typeface="DejaVu Sans"/>
-            </a:endParaRPr>
-          </a:p>
-          <a:p>
-            <a:pPr lvl="1" marL="685800" indent="-225720">
+              <a:latin typeface="Arial"/>
+            </a:endParaRPr>
+          </a:p>
+          <a:p>
+            <a:pPr lvl="1" marL="685800" indent="-225360">
               <a:lnSpc>
                 <a:spcPct val="100000"/>
               </a:lnSpc>
@@ -15935,11 +15355,11 @@
               <a:t>Circular Economy</a:t>
             </a:r>
             <a:endParaRPr b="0" lang="en-US" sz="1800" spc="-1" strike="noStrike">
-              <a:latin typeface="DejaVu Sans"/>
-            </a:endParaRPr>
-          </a:p>
-          <a:p>
-            <a:pPr lvl="1" marL="685800" indent="-225720">
+              <a:latin typeface="Arial"/>
+            </a:endParaRPr>
+          </a:p>
+          <a:p>
+            <a:pPr lvl="1" marL="685800" indent="-225360">
               <a:lnSpc>
                 <a:spcPct val="100000"/>
               </a:lnSpc>
@@ -15964,11 +15384,11 @@
               <a:t>Self-organized, decentralized and distributed systems</a:t>
             </a:r>
             <a:endParaRPr b="0" lang="en-US" sz="1800" spc="-1" strike="noStrike">
-              <a:latin typeface="DejaVu Sans"/>
-            </a:endParaRPr>
-          </a:p>
-          <a:p>
-            <a:pPr lvl="1" marL="685800" indent="-225720">
+              <a:latin typeface="Arial"/>
+            </a:endParaRPr>
+          </a:p>
+          <a:p>
+            <a:pPr lvl="1" marL="685800" indent="-225360">
               <a:lnSpc>
                 <a:spcPct val="100000"/>
               </a:lnSpc>
@@ -15993,11 +15413,11 @@
               <a:t>Machine-to-Everything Economy (M2X Economy)</a:t>
             </a:r>
             <a:endParaRPr b="0" lang="en-US" sz="1800" spc="-1" strike="noStrike">
-              <a:latin typeface="DejaVu Sans"/>
-            </a:endParaRPr>
-          </a:p>
-          <a:p>
-            <a:pPr marL="216000" indent="-213120">
+              <a:latin typeface="Arial"/>
+            </a:endParaRPr>
+          </a:p>
+          <a:p>
+            <a:pPr marL="216000" indent="-212760">
               <a:lnSpc>
                 <a:spcPct val="100000"/>
               </a:lnSpc>
@@ -16022,11 +15442,11 @@
               <a:t>Other courses:</a:t>
             </a:r>
             <a:endParaRPr b="0" lang="en-US" sz="2000" spc="-1" strike="noStrike">
-              <a:latin typeface="DejaVu Sans"/>
-            </a:endParaRPr>
-          </a:p>
-          <a:p>
-            <a:pPr lvl="1" marL="685800" indent="-225720">
+              <a:latin typeface="Arial"/>
+            </a:endParaRPr>
+          </a:p>
+          <a:p>
+            <a:pPr lvl="1" marL="685800" indent="-225360">
               <a:lnSpc>
                 <a:spcPct val="100000"/>
               </a:lnSpc>
@@ -16051,11 +15471,11 @@
               <a:t>The Limits to Growth – Sustainability and the Circular Economy (SS – open for everyone)</a:t>
             </a:r>
             <a:endParaRPr b="0" lang="en-US" sz="1800" spc="-1" strike="noStrike">
-              <a:latin typeface="DejaVu Sans"/>
-            </a:endParaRPr>
-          </a:p>
-          <a:p>
-            <a:pPr lvl="1" marL="685800" indent="-225720">
+              <a:latin typeface="Arial"/>
+            </a:endParaRPr>
+          </a:p>
+          <a:p>
+            <a:pPr lvl="1" marL="685800" indent="-225360">
               <a:lnSpc>
                 <a:spcPct val="100000"/>
               </a:lnSpc>
@@ -16080,7 +15500,7 @@
               <a:t>Requirements Engineering (WS – M.Sc.)</a:t>
             </a:r>
             <a:endParaRPr b="0" lang="en-US" sz="1800" spc="-1" strike="noStrike">
-              <a:latin typeface="DejaVu Sans"/>
+              <a:latin typeface="Arial"/>
             </a:endParaRPr>
           </a:p>
         </p:txBody>
@@ -16124,13 +15544,13 @@
         <p:spPr>
           <a:xfrm>
             <a:off x="542880" y="721800"/>
-            <a:ext cx="10351800" cy="492480"/>
+            <a:ext cx="10351440" cy="492120"/>
           </a:xfrm>
           <a:prstGeom prst="rect">
             <a:avLst/>
           </a:prstGeom>
           <a:noFill/>
-          <a:ln w="0">
+          <a:ln>
             <a:noFill/>
           </a:ln>
         </p:spPr>
@@ -16149,7 +15569,6 @@
               <a:lnSpc>
                 <a:spcPct val="100000"/>
               </a:lnSpc>
-              <a:buNone/>
             </a:pPr>
             <a:r>
               <a:rPr b="1" lang="en-US" sz="2200" spc="-1" strike="noStrike">
@@ -16162,7 +15581,7 @@
               <a:t>ETCE Research Group</a:t>
             </a:r>
             <a:endParaRPr b="0" lang="en-US" sz="2200" spc="-1" strike="noStrike">
-              <a:latin typeface="DejaVu Sans"/>
+              <a:latin typeface="Arial"/>
             </a:endParaRPr>
           </a:p>
         </p:txBody>
@@ -16176,7 +15595,7 @@
         <p:spPr>
           <a:xfrm>
             <a:off x="451800" y="1709280"/>
-            <a:ext cx="8219160" cy="4347360"/>
+            <a:ext cx="8218800" cy="4347000"/>
           </a:xfrm>
           <a:prstGeom prst="rect">
             <a:avLst/>
@@ -16202,13 +15621,13 @@
         <p:spPr>
           <a:xfrm>
             <a:off x="609480" y="1769400"/>
-            <a:ext cx="10582200" cy="4850280"/>
+            <a:ext cx="10581840" cy="4849920"/>
           </a:xfrm>
           <a:prstGeom prst="rect">
             <a:avLst/>
           </a:prstGeom>
           <a:noFill/>
-          <a:ln w="0">
+          <a:ln>
             <a:noFill/>
           </a:ln>
         </p:spPr>
@@ -16223,7 +15642,7 @@
             <a:normAutofit/>
           </a:bodyPr>
           <a:p>
-            <a:pPr marL="216000" indent="-213120">
+            <a:pPr marL="216000" indent="-212760">
               <a:lnSpc>
                 <a:spcPct val="90000"/>
               </a:lnSpc>
@@ -16270,11 +15689,11 @@
               <a:t> </a:t>
             </a:r>
             <a:endParaRPr b="0" lang="en-US" sz="2000" spc="-1" strike="noStrike">
-              <a:latin typeface="DejaVu Sans"/>
-            </a:endParaRPr>
-          </a:p>
-          <a:p>
-            <a:pPr lvl="1" marL="685800" indent="-225720">
+              <a:latin typeface="Arial"/>
+            </a:endParaRPr>
+          </a:p>
+          <a:p>
+            <a:pPr lvl="1" marL="685800" indent="-225360">
               <a:lnSpc>
                 <a:spcPct val="100000"/>
               </a:lnSpc>
@@ -16299,11 +15718,11 @@
               <a:t>Course material </a:t>
             </a:r>
             <a:endParaRPr b="0" lang="en-US" sz="1800" spc="-1" strike="noStrike">
-              <a:latin typeface="DejaVu Sans"/>
-            </a:endParaRPr>
-          </a:p>
-          <a:p>
-            <a:pPr lvl="1" marL="685800" indent="-225720">
+              <a:latin typeface="Arial"/>
+            </a:endParaRPr>
+          </a:p>
+          <a:p>
+            <a:pPr lvl="1" marL="685800" indent="-225360">
               <a:lnSpc>
                 <a:spcPct val="100000"/>
               </a:lnSpc>
@@ -16328,7 +15747,7 @@
               <a:t>Theses/project topics</a:t>
             </a:r>
             <a:endParaRPr b="0" lang="en-US" sz="1800" spc="-1" strike="noStrike">
-              <a:latin typeface="DejaVu Sans"/>
+              <a:latin typeface="Arial"/>
             </a:endParaRPr>
           </a:p>
           <a:p>
@@ -16339,14 +15758,13 @@
               <a:spcBef>
                 <a:spcPts val="1009"/>
               </a:spcBef>
-              <a:buNone/>
             </a:pPr>
             <a:endParaRPr b="0" lang="en-US" sz="1800" spc="-1" strike="noStrike">
-              <a:latin typeface="DejaVu Sans"/>
-            </a:endParaRPr>
-          </a:p>
-          <a:p>
-            <a:pPr marL="216000" indent="-213120">
+              <a:latin typeface="Arial"/>
+            </a:endParaRPr>
+          </a:p>
+          <a:p>
+            <a:pPr marL="216000" indent="-212760">
               <a:lnSpc>
                 <a:spcPct val="90000"/>
               </a:lnSpc>
@@ -16374,11 +15792,11 @@
               <a:t>Our research in action:</a:t>
             </a:r>
             <a:endParaRPr b="0" lang="en-US" sz="2000" spc="-1" strike="noStrike">
-              <a:latin typeface="DejaVu Sans"/>
-            </a:endParaRPr>
-          </a:p>
-          <a:p>
-            <a:pPr lvl="1" marL="685800" indent="-225720">
+              <a:latin typeface="Arial"/>
+            </a:endParaRPr>
+          </a:p>
+          <a:p>
+            <a:pPr lvl="1" marL="685800" indent="-225360">
               <a:lnSpc>
                 <a:spcPct val="100000"/>
               </a:lnSpc>
@@ -16428,11 +15846,11 @@
               <a:t> </a:t>
             </a:r>
             <a:endParaRPr b="0" lang="en-US" sz="1800" spc="-1" strike="noStrike">
-              <a:latin typeface="DejaVu Sans"/>
-            </a:endParaRPr>
-          </a:p>
-          <a:p>
-            <a:pPr lvl="1" marL="685800" indent="-225720">
+              <a:latin typeface="Arial"/>
+            </a:endParaRPr>
+          </a:p>
+          <a:p>
+            <a:pPr lvl="1" marL="685800" indent="-225360">
               <a:lnSpc>
                 <a:spcPct val="100000"/>
               </a:lnSpc>
@@ -16482,35 +15900,33 @@
               <a:t> </a:t>
             </a:r>
             <a:endParaRPr b="0" lang="en-US" sz="1800" spc="-1" strike="noStrike">
-              <a:latin typeface="DejaVu Sans"/>
-            </a:endParaRPr>
-          </a:p>
-          <a:p>
-            <a:pPr marL="228600" indent="-225720">
+              <a:latin typeface="Arial"/>
+            </a:endParaRPr>
+          </a:p>
+          <a:p>
+            <a:pPr marL="228600" indent="-225360">
               <a:lnSpc>
                 <a:spcPct val="90000"/>
               </a:lnSpc>
               <a:spcBef>
                 <a:spcPts val="1417"/>
               </a:spcBef>
-              <a:buNone/>
               <a:tabLst>
                 <a:tab algn="l" pos="0"/>
               </a:tabLst>
             </a:pPr>
             <a:endParaRPr b="0" lang="en-US" sz="1800" spc="-1" strike="noStrike">
-              <a:latin typeface="DejaVu Sans"/>
-            </a:endParaRPr>
-          </a:p>
-          <a:p>
-            <a:pPr marL="228600" indent="-225720" algn="ctr">
+              <a:latin typeface="Arial"/>
+            </a:endParaRPr>
+          </a:p>
+          <a:p>
+            <a:pPr marL="228600" indent="-225360" algn="ctr">
               <a:lnSpc>
                 <a:spcPct val="90000"/>
               </a:lnSpc>
               <a:spcBef>
                 <a:spcPts val="1417"/>
               </a:spcBef>
-              <a:buNone/>
               <a:tabLst>
                 <a:tab algn="l" pos="0"/>
               </a:tabLst>
@@ -16526,18 +15942,17 @@
               <a:t>You want join us? Write us an email! </a:t>
             </a:r>
             <a:endParaRPr b="0" lang="en-US" sz="2000" spc="-1" strike="noStrike">
-              <a:latin typeface="DejaVu Sans"/>
-            </a:endParaRPr>
-          </a:p>
-          <a:p>
-            <a:pPr marL="457200" indent="-225720" algn="ctr">
+              <a:latin typeface="Arial"/>
+            </a:endParaRPr>
+          </a:p>
+          <a:p>
+            <a:pPr marL="457200" indent="-225360" algn="ctr">
               <a:lnSpc>
                 <a:spcPct val="90000"/>
               </a:lnSpc>
               <a:spcBef>
                 <a:spcPts val="1009"/>
               </a:spcBef>
-              <a:buNone/>
               <a:tabLst>
                 <a:tab algn="l" pos="0"/>
               </a:tabLst>
@@ -16563,7 +15978,7 @@
               <a:t>benjamin.leiding@tu-clausthal.de</a:t>
             </a:r>
             <a:endParaRPr b="0" lang="en-US" sz="1600" spc="-1" strike="noStrike">
-              <a:latin typeface="DejaVu Sans"/>
+              <a:latin typeface="Arial"/>
             </a:endParaRPr>
           </a:p>
         </p:txBody>
@@ -16607,13 +16022,13 @@
         <p:spPr>
           <a:xfrm>
             <a:off x="542880" y="721800"/>
-            <a:ext cx="10351800" cy="492480"/>
+            <a:ext cx="10351440" cy="492120"/>
           </a:xfrm>
           <a:prstGeom prst="rect">
             <a:avLst/>
           </a:prstGeom>
           <a:noFill/>
-          <a:ln w="0">
+          <a:ln>
             <a:noFill/>
           </a:ln>
         </p:spPr>
@@ -16632,7 +16047,6 @@
               <a:lnSpc>
                 <a:spcPct val="100000"/>
               </a:lnSpc>
-              <a:buNone/>
             </a:pPr>
             <a:r>
               <a:rPr b="1" lang="en-US" sz="2200" spc="-1" strike="noStrike">
@@ -16645,7 +16059,7 @@
               <a:t>ETCE Research Group</a:t>
             </a:r>
             <a:endParaRPr b="0" lang="en-US" sz="2200" spc="-1" strike="noStrike">
-              <a:latin typeface="DejaVu Sans"/>
+              <a:latin typeface="Arial"/>
             </a:endParaRPr>
           </a:p>
         </p:txBody>
@@ -16659,7 +16073,7 @@
         <p:spPr>
           <a:xfrm>
             <a:off x="451800" y="1709280"/>
-            <a:ext cx="8219160" cy="4347360"/>
+            <a:ext cx="8218800" cy="4347000"/>
           </a:xfrm>
           <a:prstGeom prst="rect">
             <a:avLst/>
@@ -16685,13 +16099,13 @@
         <p:spPr>
           <a:xfrm>
             <a:off x="609480" y="1769400"/>
-            <a:ext cx="10582200" cy="4850280"/>
+            <a:ext cx="10581840" cy="4849920"/>
           </a:xfrm>
           <a:prstGeom prst="rect">
             <a:avLst/>
           </a:prstGeom>
           <a:noFill/>
-          <a:ln w="0">
+          <a:ln>
             <a:noFill/>
           </a:ln>
         </p:spPr>
@@ -16706,7 +16120,7 @@
             <a:normAutofit/>
           </a:bodyPr>
           <a:p>
-            <a:pPr marL="216000" indent="-213120">
+            <a:pPr marL="216000" indent="-212760">
               <a:lnSpc>
                 <a:spcPct val="90000"/>
               </a:lnSpc>
@@ -16753,11 +16167,11 @@
               <a:t> </a:t>
             </a:r>
             <a:endParaRPr b="0" lang="en-US" sz="2000" spc="-1" strike="noStrike">
-              <a:latin typeface="DejaVu Sans"/>
-            </a:endParaRPr>
-          </a:p>
-          <a:p>
-            <a:pPr lvl="1" marL="685800" indent="-225720">
+              <a:latin typeface="Arial"/>
+            </a:endParaRPr>
+          </a:p>
+          <a:p>
+            <a:pPr lvl="1" marL="685800" indent="-225360">
               <a:lnSpc>
                 <a:spcPct val="100000"/>
               </a:lnSpc>
@@ -16782,11 +16196,11 @@
               <a:t>Course material </a:t>
             </a:r>
             <a:endParaRPr b="0" lang="en-US" sz="1800" spc="-1" strike="noStrike">
-              <a:latin typeface="DejaVu Sans"/>
-            </a:endParaRPr>
-          </a:p>
-          <a:p>
-            <a:pPr lvl="1" marL="685800" indent="-225720">
+              <a:latin typeface="Arial"/>
+            </a:endParaRPr>
+          </a:p>
+          <a:p>
+            <a:pPr lvl="1" marL="685800" indent="-225360">
               <a:lnSpc>
                 <a:spcPct val="100000"/>
               </a:lnSpc>
@@ -16811,7 +16225,7 @@
               <a:t>Theses/project topics</a:t>
             </a:r>
             <a:endParaRPr b="0" lang="en-US" sz="1800" spc="-1" strike="noStrike">
-              <a:latin typeface="DejaVu Sans"/>
+              <a:latin typeface="Arial"/>
             </a:endParaRPr>
           </a:p>
           <a:p>
@@ -16822,14 +16236,13 @@
               <a:spcBef>
                 <a:spcPts val="1009"/>
               </a:spcBef>
-              <a:buNone/>
             </a:pPr>
             <a:endParaRPr b="0" lang="en-US" sz="1800" spc="-1" strike="noStrike">
-              <a:latin typeface="DejaVu Sans"/>
-            </a:endParaRPr>
-          </a:p>
-          <a:p>
-            <a:pPr marL="216000" indent="-213120">
+              <a:latin typeface="Arial"/>
+            </a:endParaRPr>
+          </a:p>
+          <a:p>
+            <a:pPr marL="216000" indent="-212760">
               <a:lnSpc>
                 <a:spcPct val="90000"/>
               </a:lnSpc>
@@ -16857,11 +16270,11 @@
               <a:t>Our research in action:</a:t>
             </a:r>
             <a:endParaRPr b="0" lang="en-US" sz="2000" spc="-1" strike="noStrike">
-              <a:latin typeface="DejaVu Sans"/>
-            </a:endParaRPr>
-          </a:p>
-          <a:p>
-            <a:pPr lvl="1" marL="685800" indent="-225720">
+              <a:latin typeface="Arial"/>
+            </a:endParaRPr>
+          </a:p>
+          <a:p>
+            <a:pPr lvl="1" marL="685800" indent="-225360">
               <a:lnSpc>
                 <a:spcPct val="100000"/>
               </a:lnSpc>
@@ -16911,11 +16324,11 @@
               <a:t> </a:t>
             </a:r>
             <a:endParaRPr b="0" lang="en-US" sz="1800" spc="-1" strike="noStrike">
-              <a:latin typeface="DejaVu Sans"/>
-            </a:endParaRPr>
-          </a:p>
-          <a:p>
-            <a:pPr lvl="1" marL="685800" indent="-225720">
+              <a:latin typeface="Arial"/>
+            </a:endParaRPr>
+          </a:p>
+          <a:p>
+            <a:pPr lvl="1" marL="685800" indent="-225360">
               <a:lnSpc>
                 <a:spcPct val="100000"/>
               </a:lnSpc>
@@ -16965,35 +16378,33 @@
               <a:t> </a:t>
             </a:r>
             <a:endParaRPr b="0" lang="en-US" sz="1800" spc="-1" strike="noStrike">
-              <a:latin typeface="DejaVu Sans"/>
-            </a:endParaRPr>
-          </a:p>
-          <a:p>
-            <a:pPr marL="228600" indent="-225720">
+              <a:latin typeface="Arial"/>
+            </a:endParaRPr>
+          </a:p>
+          <a:p>
+            <a:pPr marL="228600" indent="-225360">
               <a:lnSpc>
                 <a:spcPct val="90000"/>
               </a:lnSpc>
               <a:spcBef>
                 <a:spcPts val="1417"/>
               </a:spcBef>
-              <a:buNone/>
               <a:tabLst>
                 <a:tab algn="l" pos="0"/>
               </a:tabLst>
             </a:pPr>
             <a:endParaRPr b="0" lang="en-US" sz="1800" spc="-1" strike="noStrike">
-              <a:latin typeface="DejaVu Sans"/>
-            </a:endParaRPr>
-          </a:p>
-          <a:p>
-            <a:pPr marL="228600" indent="-225720" algn="ctr">
+              <a:latin typeface="Arial"/>
+            </a:endParaRPr>
+          </a:p>
+          <a:p>
+            <a:pPr marL="228600" indent="-225360" algn="ctr">
               <a:lnSpc>
                 <a:spcPct val="90000"/>
               </a:lnSpc>
               <a:spcBef>
                 <a:spcPts val="1417"/>
               </a:spcBef>
-              <a:buNone/>
               <a:tabLst>
                 <a:tab algn="l" pos="0"/>
               </a:tabLst>
@@ -17009,18 +16420,17 @@
               <a:t>You want join us? Write us an email! </a:t>
             </a:r>
             <a:endParaRPr b="0" lang="en-US" sz="2000" spc="-1" strike="noStrike">
-              <a:latin typeface="DejaVu Sans"/>
-            </a:endParaRPr>
-          </a:p>
-          <a:p>
-            <a:pPr marL="457200" indent="-225720" algn="ctr">
+              <a:latin typeface="Arial"/>
+            </a:endParaRPr>
+          </a:p>
+          <a:p>
+            <a:pPr marL="457200" indent="-225360" algn="ctr">
               <a:lnSpc>
                 <a:spcPct val="90000"/>
               </a:lnSpc>
               <a:spcBef>
                 <a:spcPts val="1009"/>
               </a:spcBef>
-              <a:buNone/>
               <a:tabLst>
                 <a:tab algn="l" pos="0"/>
               </a:tabLst>
@@ -17046,7 +16456,7 @@
               <a:t>benjamin.leiding@tu-clausthal.de</a:t>
             </a:r>
             <a:endParaRPr b="0" lang="en-US" sz="1600" spc="-1" strike="noStrike">
-              <a:latin typeface="DejaVu Sans"/>
+              <a:latin typeface="Arial"/>
             </a:endParaRPr>
           </a:p>
         </p:txBody>
@@ -17090,13 +16500,13 @@
         <p:spPr>
           <a:xfrm>
             <a:off x="335520" y="764640"/>
-            <a:ext cx="10747440" cy="498240"/>
+            <a:ext cx="10747080" cy="497880"/>
           </a:xfrm>
           <a:prstGeom prst="rect">
             <a:avLst/>
           </a:prstGeom>
           <a:noFill/>
-          <a:ln w="0">
+          <a:ln>
             <a:noFill/>
           </a:ln>
         </p:spPr>
@@ -17107,7 +16517,7 @@
           <a:fontRef idx="minor"/>
         </p:style>
         <p:txBody>
-          <a:bodyPr lIns="90000" rIns="90000" tIns="45000" bIns="45000" anchor="t">
+          <a:bodyPr lIns="90000" rIns="90000" tIns="45000" bIns="45000">
             <a:noAutofit/>
           </a:bodyPr>
           <a:p>
@@ -17115,7 +16525,6 @@
               <a:lnSpc>
                 <a:spcPct val="100000"/>
               </a:lnSpc>
-              <a:buNone/>
             </a:pPr>
             <a:r>
               <a:rPr b="1" lang="de-DE" sz="2400" spc="-1" strike="noStrike">
@@ -17128,7 +16537,7 @@
               <a:t>Learning Outcome</a:t>
             </a:r>
             <a:endParaRPr b="0" lang="en-US" sz="2400" spc="-1" strike="noStrike">
-              <a:latin typeface="DejaVu Sans"/>
+              <a:latin typeface="Arial"/>
             </a:endParaRPr>
           </a:p>
         </p:txBody>
@@ -17142,13 +16551,13 @@
         <p:spPr>
           <a:xfrm>
             <a:off x="335520" y="2408400"/>
-            <a:ext cx="10747440" cy="3895200"/>
+            <a:ext cx="10747080" cy="3894840"/>
           </a:xfrm>
           <a:prstGeom prst="rect">
             <a:avLst/>
           </a:prstGeom>
           <a:noFill/>
-          <a:ln w="0">
+          <a:ln>
             <a:noFill/>
           </a:ln>
         </p:spPr>
@@ -17159,11 +16568,11 @@
           <a:fontRef idx="minor"/>
         </p:style>
         <p:txBody>
-          <a:bodyPr lIns="90000" rIns="90000" tIns="45000" bIns="45000" anchor="t">
+          <a:bodyPr lIns="90000" rIns="90000" tIns="45000" bIns="45000">
             <a:noAutofit/>
           </a:bodyPr>
           <a:p>
-            <a:pPr marL="195120" indent="-192240">
+            <a:pPr marL="195120" indent="-191880">
               <a:lnSpc>
                 <a:spcPct val="100000"/>
               </a:lnSpc>
@@ -17188,7 +16597,7 @@
               <a:t>Basic understanding of the concept of the Linear Economy, the Circular Economy, the Performance Economy and sustainability</a:t>
             </a:r>
             <a:endParaRPr b="0" lang="en-US" sz="1800" spc="-1" strike="noStrike">
-              <a:latin typeface="DejaVu Sans"/>
+              <a:latin typeface="Arial"/>
             </a:endParaRPr>
           </a:p>
         </p:txBody>
@@ -17232,13 +16641,13 @@
         <p:spPr>
           <a:xfrm>
             <a:off x="335520" y="764640"/>
-            <a:ext cx="10747440" cy="498240"/>
+            <a:ext cx="10747080" cy="497880"/>
           </a:xfrm>
           <a:prstGeom prst="rect">
             <a:avLst/>
           </a:prstGeom>
           <a:noFill/>
-          <a:ln w="0">
+          <a:ln>
             <a:noFill/>
           </a:ln>
         </p:spPr>
@@ -17249,7 +16658,7 @@
           <a:fontRef idx="minor"/>
         </p:style>
         <p:txBody>
-          <a:bodyPr lIns="90000" rIns="90000" tIns="45000" bIns="45000" anchor="t">
+          <a:bodyPr lIns="90000" rIns="90000" tIns="45000" bIns="45000">
             <a:noAutofit/>
           </a:bodyPr>
           <a:p>
@@ -17257,7 +16666,6 @@
               <a:lnSpc>
                 <a:spcPct val="100000"/>
               </a:lnSpc>
-              <a:buNone/>
             </a:pPr>
             <a:r>
               <a:rPr b="1" lang="de-DE" sz="2400" spc="-1" strike="noStrike">
@@ -17270,7 +16678,7 @@
               <a:t>Learning Outcome</a:t>
             </a:r>
             <a:endParaRPr b="0" lang="en-US" sz="2400" spc="-1" strike="noStrike">
-              <a:latin typeface="DejaVu Sans"/>
+              <a:latin typeface="Arial"/>
             </a:endParaRPr>
           </a:p>
         </p:txBody>
@@ -17284,13 +16692,13 @@
         <p:spPr>
           <a:xfrm>
             <a:off x="335520" y="2408400"/>
-            <a:ext cx="10747440" cy="3895200"/>
+            <a:ext cx="10747080" cy="3894840"/>
           </a:xfrm>
           <a:prstGeom prst="rect">
             <a:avLst/>
           </a:prstGeom>
           <a:noFill/>
-          <a:ln w="0">
+          <a:ln>
             <a:noFill/>
           </a:ln>
         </p:spPr>
@@ -17301,11 +16709,11 @@
           <a:fontRef idx="minor"/>
         </p:style>
         <p:txBody>
-          <a:bodyPr lIns="90000" rIns="90000" tIns="45000" bIns="45000" anchor="t">
+          <a:bodyPr lIns="90000" rIns="90000" tIns="45000" bIns="45000">
             <a:noAutofit/>
           </a:bodyPr>
           <a:p>
-            <a:pPr marL="195120" indent="-192240">
+            <a:pPr marL="195120" indent="-191880">
               <a:lnSpc>
                 <a:spcPct val="100000"/>
               </a:lnSpc>
@@ -17330,11 +16738,11 @@
               <a:t>Basic understanding of the concept of the Linear Economy, the Circular Economy, the Performance Economy and sustainability</a:t>
             </a:r>
             <a:endParaRPr b="0" lang="en-US" sz="1800" spc="-1" strike="noStrike">
-              <a:latin typeface="DejaVu Sans"/>
-            </a:endParaRPr>
-          </a:p>
-          <a:p>
-            <a:pPr marL="195120" indent="-192240">
+              <a:latin typeface="Arial"/>
+            </a:endParaRPr>
+          </a:p>
+          <a:p>
+            <a:pPr marL="195120" indent="-191880">
               <a:lnSpc>
                 <a:spcPct val="100000"/>
               </a:lnSpc>
@@ -17359,7 +16767,7 @@
               <a:t>Basic understanding of new technologies in the field of decentralized and smart systems</a:t>
             </a:r>
             <a:endParaRPr b="0" lang="en-US" sz="1800" spc="-1" strike="noStrike">
-              <a:latin typeface="DejaVu Sans"/>
+              <a:latin typeface="Arial"/>
             </a:endParaRPr>
           </a:p>
         </p:txBody>
@@ -17403,13 +16811,13 @@
         <p:spPr>
           <a:xfrm>
             <a:off x="335520" y="764640"/>
-            <a:ext cx="10747440" cy="498240"/>
+            <a:ext cx="10747080" cy="497880"/>
           </a:xfrm>
           <a:prstGeom prst="rect">
             <a:avLst/>
           </a:prstGeom>
           <a:noFill/>
-          <a:ln w="0">
+          <a:ln>
             <a:noFill/>
           </a:ln>
         </p:spPr>
@@ -17420,7 +16828,7 @@
           <a:fontRef idx="minor"/>
         </p:style>
         <p:txBody>
-          <a:bodyPr lIns="90000" rIns="90000" tIns="45000" bIns="45000" anchor="t">
+          <a:bodyPr lIns="90000" rIns="90000" tIns="45000" bIns="45000">
             <a:noAutofit/>
           </a:bodyPr>
           <a:p>
@@ -17428,7 +16836,6 @@
               <a:lnSpc>
                 <a:spcPct val="100000"/>
               </a:lnSpc>
-              <a:buNone/>
             </a:pPr>
             <a:r>
               <a:rPr b="1" lang="de-DE" sz="2400" spc="-1" strike="noStrike">
@@ -17441,7 +16848,7 @@
               <a:t>Learning Outcome</a:t>
             </a:r>
             <a:endParaRPr b="0" lang="en-US" sz="2400" spc="-1" strike="noStrike">
-              <a:latin typeface="DejaVu Sans"/>
+              <a:latin typeface="Arial"/>
             </a:endParaRPr>
           </a:p>
         </p:txBody>
@@ -17455,13 +16862,13 @@
         <p:spPr>
           <a:xfrm>
             <a:off x="335520" y="2408400"/>
-            <a:ext cx="10747440" cy="3895200"/>
+            <a:ext cx="10747080" cy="3894840"/>
           </a:xfrm>
           <a:prstGeom prst="rect">
             <a:avLst/>
           </a:prstGeom>
           <a:noFill/>
-          <a:ln w="0">
+          <a:ln>
             <a:noFill/>
           </a:ln>
         </p:spPr>
@@ -17472,11 +16879,11 @@
           <a:fontRef idx="minor"/>
         </p:style>
         <p:txBody>
-          <a:bodyPr lIns="90000" rIns="90000" tIns="45000" bIns="45000" anchor="t">
+          <a:bodyPr lIns="90000" rIns="90000" tIns="45000" bIns="45000">
             <a:noAutofit/>
           </a:bodyPr>
           <a:p>
-            <a:pPr marL="195120" indent="-192240">
+            <a:pPr marL="195120" indent="-191880">
               <a:lnSpc>
                 <a:spcPct val="100000"/>
               </a:lnSpc>
@@ -17501,11 +16908,11 @@
               <a:t>Basic understanding of the concept of the Linear Economy, the Circular Economy, the Performance Economy and sustainability</a:t>
             </a:r>
             <a:endParaRPr b="0" lang="en-US" sz="1800" spc="-1" strike="noStrike">
-              <a:latin typeface="DejaVu Sans"/>
-            </a:endParaRPr>
-          </a:p>
-          <a:p>
-            <a:pPr marL="195120" indent="-192240">
+              <a:latin typeface="Arial"/>
+            </a:endParaRPr>
+          </a:p>
+          <a:p>
+            <a:pPr marL="195120" indent="-191880">
               <a:lnSpc>
                 <a:spcPct val="100000"/>
               </a:lnSpc>
@@ -17530,11 +16937,11 @@
               <a:t>Basic understanding of new technologies in the field of decentralized and smart systems</a:t>
             </a:r>
             <a:endParaRPr b="0" lang="en-US" sz="1800" spc="-1" strike="noStrike">
-              <a:latin typeface="DejaVu Sans"/>
-            </a:endParaRPr>
-          </a:p>
-          <a:p>
-            <a:pPr marL="195120" indent="-192240">
+              <a:latin typeface="Arial"/>
+            </a:endParaRPr>
+          </a:p>
+          <a:p>
+            <a:pPr marL="195120" indent="-191880">
               <a:lnSpc>
                 <a:spcPct val="100000"/>
               </a:lnSpc>
@@ -17559,7 +16966,7 @@
               <a:t>Understanding and overview of the Internet of Things and related concepts</a:t>
             </a:r>
             <a:endParaRPr b="0" lang="en-US" sz="1800" spc="-1" strike="noStrike">
-              <a:latin typeface="DejaVu Sans"/>
+              <a:latin typeface="Arial"/>
             </a:endParaRPr>
           </a:p>
         </p:txBody>

--- a/Emerging-Technologies-for-the-Circular-Economy/ETCE-L00-Organization.pptx
+++ b/Emerging-Technologies-for-the-Circular-Economy/ETCE-L00-Organization.pptx
@@ -47,7 +47,7 @@
     <p:sldId id="291" r:id="rId40"/>
   </p:sldIdLst>
   <p:sldSz cx="12192000" cy="6858000"/>
-  <p:notesSz cx="7559675" cy="10691812"/>
+  <p:notesSz cx="7559675" cy="10691813"/>
 </p:presentation>
 </file>
 
@@ -80,27 +80,33 @@
         </p:nvSpPr>
         <p:spPr>
           <a:xfrm>
-            <a:off x="216000" y="812520"/>
-            <a:ext cx="7127280" cy="4008960"/>
-          </a:xfrm>
-          <a:prstGeom prst="rect">
-            <a:avLst/>
-          </a:prstGeom>
+            <a:off x="533520" y="764280"/>
+            <a:ext cx="6704640" cy="3771360"/>
+          </a:xfrm>
+          <a:prstGeom prst="rect">
+            <a:avLst/>
+          </a:prstGeom>
+          <a:noFill/>
+          <a:ln w="0">
+            <a:noFill/>
+          </a:ln>
         </p:spPr>
         <p:txBody>
           <a:bodyPr lIns="0" rIns="0" tIns="0" bIns="0" anchor="ctr">
             <a:noAutofit/>
           </a:bodyPr>
           <a:p>
-            <a:pPr algn="ctr"/>
+            <a:pPr algn="ctr">
+              <a:buNone/>
+            </a:pPr>
             <a:r>
               <a:rPr b="0" lang="en-US" sz="4400" spc="-1" strike="noStrike">
-                <a:latin typeface="Arial"/>
+                <a:latin typeface="DejaVu Sans"/>
               </a:rPr>
               <a:t>Click to move the slide</a:t>
             </a:r>
             <a:endParaRPr b="0" lang="en-US" sz="4400" spc="-1" strike="noStrike">
-              <a:latin typeface="Arial"/>
+              <a:latin typeface="DejaVu Sans"/>
             </a:endParaRPr>
           </a:p>
         </p:txBody>
@@ -117,26 +123,30 @@
         </p:nvSpPr>
         <p:spPr>
           <a:xfrm>
-            <a:off x="756000" y="5078520"/>
-            <a:ext cx="6047640" cy="4811040"/>
-          </a:xfrm>
-          <a:prstGeom prst="rect">
-            <a:avLst/>
-          </a:prstGeom>
+            <a:off x="777240" y="4777560"/>
+            <a:ext cx="6217560" cy="4525920"/>
+          </a:xfrm>
+          <a:prstGeom prst="rect">
+            <a:avLst/>
+          </a:prstGeom>
+          <a:noFill/>
+          <a:ln w="0">
+            <a:noFill/>
+          </a:ln>
         </p:spPr>
         <p:txBody>
-          <a:bodyPr lIns="0" rIns="0" tIns="0" bIns="0">
+          <a:bodyPr lIns="0" rIns="0" tIns="0" bIns="0" anchor="t">
             <a:noAutofit/>
           </a:bodyPr>
           <a:p>
             <a:r>
               <a:rPr b="0" lang="en-US" sz="2000" spc="-1" strike="noStrike">
-                <a:latin typeface="Arial"/>
+                <a:latin typeface="DejaVu Sans"/>
               </a:rPr>
               <a:t>Click to edit the notes format</a:t>
             </a:r>
             <a:endParaRPr b="0" lang="en-US" sz="2000" spc="-1" strike="noStrike">
-              <a:latin typeface="Arial"/>
+              <a:latin typeface="DejaVu Sans"/>
             </a:endParaRPr>
           </a:p>
         </p:txBody>
@@ -154,25 +164,29 @@
         <p:spPr>
           <a:xfrm>
             <a:off x="0" y="0"/>
-            <a:ext cx="3280680" cy="534240"/>
-          </a:xfrm>
-          <a:prstGeom prst="rect">
-            <a:avLst/>
-          </a:prstGeom>
+            <a:ext cx="3372840" cy="502560"/>
+          </a:xfrm>
+          <a:prstGeom prst="rect">
+            <a:avLst/>
+          </a:prstGeom>
+          <a:noFill/>
+          <a:ln w="0">
+            <a:noFill/>
+          </a:ln>
         </p:spPr>
         <p:txBody>
-          <a:bodyPr lIns="0" rIns="0" tIns="0" bIns="0">
+          <a:bodyPr lIns="0" rIns="0" tIns="0" bIns="0" anchor="t">
             <a:noAutofit/>
           </a:bodyPr>
           <a:p>
             <a:r>
               <a:rPr b="0" lang="en-US" sz="1400" spc="-1" strike="noStrike">
-                <a:latin typeface="Times New Roman"/>
+                <a:latin typeface="DejaVu Serif"/>
               </a:rPr>
               <a:t>&lt;header&gt;</a:t>
             </a:r>
             <a:endParaRPr b="0" lang="en-US" sz="1400" spc="-1" strike="noStrike">
-              <a:latin typeface="Times New Roman"/>
+              <a:latin typeface="DejaVu Serif"/>
             </a:endParaRPr>
           </a:p>
         </p:txBody>
@@ -184,32 +198,46 @@
             <a:spLocks noGrp="1"/>
           </p:cNvSpPr>
           <p:nvPr>
-            <p:ph type="dt"/>
+            <p:ph type="dt" idx="1"/>
           </p:nvPr>
         </p:nvSpPr>
         <p:spPr>
           <a:xfrm>
-            <a:off x="4278960" y="0"/>
-            <a:ext cx="3280680" cy="534240"/>
-          </a:xfrm>
-          <a:prstGeom prst="rect">
-            <a:avLst/>
-          </a:prstGeom>
+            <a:off x="4399200" y="0"/>
+            <a:ext cx="3372840" cy="502560"/>
+          </a:xfrm>
+          <a:prstGeom prst="rect">
+            <a:avLst/>
+          </a:prstGeom>
+          <a:noFill/>
+          <a:ln w="0">
+            <a:noFill/>
+          </a:ln>
         </p:spPr>
         <p:txBody>
-          <a:bodyPr lIns="0" rIns="0" tIns="0" bIns="0">
+          <a:bodyPr lIns="0" rIns="0" tIns="0" bIns="0" anchor="t">
             <a:noAutofit/>
           </a:bodyPr>
-          <a:p>
-            <a:pPr algn="r"/>
+          <a:lstStyle>
+            <a:lvl1pPr algn="r">
+              <a:buNone/>
+              <a:defRPr b="0" lang="en-US" sz="1400" spc="-1" strike="noStrike">
+                <a:latin typeface="DejaVu Serif"/>
+              </a:defRPr>
+            </a:lvl1pPr>
+          </a:lstStyle>
+          <a:p>
+            <a:pPr algn="r">
+              <a:buNone/>
+            </a:pPr>
             <a:r>
               <a:rPr b="0" lang="en-US" sz="1400" spc="-1" strike="noStrike">
-                <a:latin typeface="Times New Roman"/>
+                <a:latin typeface="DejaVu Serif"/>
               </a:rPr>
               <a:t>&lt;date/time&gt;</a:t>
             </a:r>
             <a:endParaRPr b="0" lang="en-US" sz="1400" spc="-1" strike="noStrike">
-              <a:latin typeface="Times New Roman"/>
+              <a:latin typeface="DejaVu Serif"/>
             </a:endParaRPr>
           </a:p>
         </p:txBody>
@@ -221,31 +249,42 @@
             <a:spLocks noGrp="1"/>
           </p:cNvSpPr>
           <p:nvPr>
-            <p:ph type="ftr"/>
+            <p:ph type="ftr" idx="2"/>
           </p:nvPr>
         </p:nvSpPr>
         <p:spPr>
           <a:xfrm>
-            <a:off x="0" y="10157400"/>
-            <a:ext cx="3280680" cy="534240"/>
-          </a:xfrm>
-          <a:prstGeom prst="rect">
-            <a:avLst/>
-          </a:prstGeom>
+            <a:off x="0" y="9555480"/>
+            <a:ext cx="3372840" cy="502560"/>
+          </a:xfrm>
+          <a:prstGeom prst="rect">
+            <a:avLst/>
+          </a:prstGeom>
+          <a:noFill/>
+          <a:ln w="0">
+            <a:noFill/>
+          </a:ln>
         </p:spPr>
         <p:txBody>
           <a:bodyPr lIns="0" rIns="0" tIns="0" bIns="0" anchor="b">
             <a:noAutofit/>
           </a:bodyPr>
+          <a:lstStyle>
+            <a:lvl1pPr>
+              <a:defRPr b="0" lang="en-US" sz="1400" spc="-1" strike="noStrike">
+                <a:latin typeface="DejaVu Serif"/>
+              </a:defRPr>
+            </a:lvl1pPr>
+          </a:lstStyle>
           <a:p>
             <a:r>
               <a:rPr b="0" lang="en-US" sz="1400" spc="-1" strike="noStrike">
-                <a:latin typeface="Times New Roman"/>
+                <a:latin typeface="DejaVu Serif"/>
               </a:rPr>
               <a:t>&lt;footer&gt;</a:t>
             </a:r>
             <a:endParaRPr b="0" lang="en-US" sz="1400" spc="-1" strike="noStrike">
-              <a:latin typeface="Times New Roman"/>
+              <a:latin typeface="DejaVu Serif"/>
             </a:endParaRPr>
           </a:p>
         </p:txBody>
@@ -257,32 +296,46 @@
             <a:spLocks noGrp="1"/>
           </p:cNvSpPr>
           <p:nvPr>
-            <p:ph type="sldNum"/>
+            <p:ph type="sldNum" idx="3"/>
           </p:nvPr>
         </p:nvSpPr>
         <p:spPr>
           <a:xfrm>
-            <a:off x="4278960" y="10157400"/>
-            <a:ext cx="3280680" cy="534240"/>
-          </a:xfrm>
-          <a:prstGeom prst="rect">
-            <a:avLst/>
-          </a:prstGeom>
+            <a:off x="4399200" y="9555480"/>
+            <a:ext cx="3372840" cy="502560"/>
+          </a:xfrm>
+          <a:prstGeom prst="rect">
+            <a:avLst/>
+          </a:prstGeom>
+          <a:noFill/>
+          <a:ln w="0">
+            <a:noFill/>
+          </a:ln>
         </p:spPr>
         <p:txBody>
           <a:bodyPr lIns="0" rIns="0" tIns="0" bIns="0" anchor="b">
             <a:noAutofit/>
           </a:bodyPr>
-          <a:p>
-            <a:pPr algn="r"/>
-            <a:fld id="{A2F8F055-14EB-48AE-A05A-409EA9D8BD08}" type="slidenum">
+          <a:lstStyle>
+            <a:lvl1pPr algn="r">
+              <a:buNone/>
+              <a:defRPr b="0" lang="en-US" sz="1400" spc="-1" strike="noStrike">
+                <a:latin typeface="DejaVu Serif"/>
+              </a:defRPr>
+            </a:lvl1pPr>
+          </a:lstStyle>
+          <a:p>
+            <a:pPr algn="r">
+              <a:buNone/>
+            </a:pPr>
+            <a:fld id="{354CC708-B9D3-4219-9A3F-ED7429AE12AA}" type="slidenum">
               <a:rPr b="0" lang="en-US" sz="1400" spc="-1" strike="noStrike">
-                <a:latin typeface="Times New Roman"/>
+                <a:latin typeface="DejaVu Serif"/>
               </a:rPr>
               <a:t>&lt;number&gt;</a:t>
             </a:fld>
             <a:endParaRPr b="0" lang="en-US" sz="1400" spc="-1" strike="noStrike">
-              <a:latin typeface="Times New Roman"/>
+              <a:latin typeface="DejaVu Serif"/>
             </a:endParaRPr>
           </a:p>
         </p:txBody>
@@ -323,11 +376,14 @@
         <p:spPr>
           <a:xfrm>
             <a:off x="533520" y="763560"/>
-            <a:ext cx="6694560" cy="3762720"/>
-          </a:xfrm>
-          <a:prstGeom prst="rect">
-            <a:avLst/>
-          </a:prstGeom>
+            <a:ext cx="6694200" cy="3762360"/>
+          </a:xfrm>
+          <a:prstGeom prst="rect">
+            <a:avLst/>
+          </a:prstGeom>
+          <a:ln w="0">
+            <a:noFill/>
+          </a:ln>
         </p:spPr>
       </p:sp>
       <p:sp>
@@ -343,19 +399,23 @@
         <p:spPr>
           <a:xfrm>
             <a:off x="777240" y="4777560"/>
-            <a:ext cx="6208200" cy="4516560"/>
-          </a:xfrm>
-          <a:prstGeom prst="rect">
-            <a:avLst/>
-          </a:prstGeom>
+            <a:ext cx="6207840" cy="4516200"/>
+          </a:xfrm>
+          <a:prstGeom prst="rect">
+            <a:avLst/>
+          </a:prstGeom>
+          <a:noFill/>
+          <a:ln w="0">
+            <a:noFill/>
+          </a:ln>
         </p:spPr>
         <p:txBody>
-          <a:bodyPr lIns="0" rIns="0" tIns="0" bIns="0">
+          <a:bodyPr lIns="0" rIns="0" tIns="0" bIns="0" anchor="t">
             <a:noAutofit/>
           </a:bodyPr>
           <a:p>
             <a:endParaRPr b="0" lang="en-US" sz="2000" spc="-1" strike="noStrike">
-              <a:latin typeface="Arial"/>
+              <a:latin typeface="DejaVu Sans"/>
             </a:endParaRPr>
           </a:p>
         </p:txBody>
@@ -369,13 +429,13 @@
         <p:spPr>
           <a:xfrm>
             <a:off x="4399200" y="9555480"/>
-            <a:ext cx="3363480" cy="493200"/>
-          </a:xfrm>
-          <a:prstGeom prst="rect">
-            <a:avLst/>
-          </a:prstGeom>
-          <a:noFill/>
-          <a:ln>
+            <a:ext cx="3363120" cy="492840"/>
+          </a:xfrm>
+          <a:prstGeom prst="rect">
+            <a:avLst/>
+          </a:prstGeom>
+          <a:noFill/>
+          <a:ln w="0">
             <a:noFill/>
           </a:ln>
         </p:spPr>
@@ -394,8 +454,9 @@
               <a:lnSpc>
                 <a:spcPct val="100000"/>
               </a:lnSpc>
-            </a:pPr>
-            <a:fld id="{93F52213-CDFA-4061-B0B2-C49CED060DAB}" type="slidenum">
+              <a:buNone/>
+            </a:pPr>
+            <a:fld id="{1B7D59C7-94F3-4ABD-BB6E-CDB061E885E2}" type="slidenum">
               <a:rPr b="0" lang="de-DE" sz="1800" spc="-1" strike="noStrike">
                 <a:solidFill>
                   <a:srgbClr val="000000"/>
@@ -403,10 +464,10 @@
                 <a:latin typeface="+mn-lt"/>
                 <a:ea typeface="+mn-ea"/>
               </a:rPr>
-              <a:t>&lt;number&gt;</a:t>
+              <a:t>6</a:t>
             </a:fld>
             <a:endParaRPr b="0" lang="en-US" sz="1800" spc="-1" strike="noStrike">
-              <a:latin typeface="Arial"/>
+              <a:latin typeface="DejaVu Sans"/>
             </a:endParaRPr>
           </a:p>
         </p:txBody>
@@ -446,11 +507,14 @@
         <p:spPr>
           <a:xfrm>
             <a:off x="533520" y="763560"/>
-            <a:ext cx="6694560" cy="3762720"/>
-          </a:xfrm>
-          <a:prstGeom prst="rect">
-            <a:avLst/>
-          </a:prstGeom>
+            <a:ext cx="6694200" cy="3762360"/>
+          </a:xfrm>
+          <a:prstGeom prst="rect">
+            <a:avLst/>
+          </a:prstGeom>
+          <a:ln w="0">
+            <a:noFill/>
+          </a:ln>
         </p:spPr>
       </p:sp>
       <p:sp>
@@ -466,19 +530,23 @@
         <p:spPr>
           <a:xfrm>
             <a:off x="777240" y="4777560"/>
-            <a:ext cx="6208200" cy="4516560"/>
-          </a:xfrm>
-          <a:prstGeom prst="rect">
-            <a:avLst/>
-          </a:prstGeom>
+            <a:ext cx="6207840" cy="4516200"/>
+          </a:xfrm>
+          <a:prstGeom prst="rect">
+            <a:avLst/>
+          </a:prstGeom>
+          <a:noFill/>
+          <a:ln w="0">
+            <a:noFill/>
+          </a:ln>
         </p:spPr>
         <p:txBody>
-          <a:bodyPr lIns="0" rIns="0" tIns="0" bIns="0">
+          <a:bodyPr lIns="0" rIns="0" tIns="0" bIns="0" anchor="t">
             <a:noAutofit/>
           </a:bodyPr>
           <a:p>
             <a:endParaRPr b="0" lang="en-US" sz="2000" spc="-1" strike="noStrike">
-              <a:latin typeface="Arial"/>
+              <a:latin typeface="DejaVu Sans"/>
             </a:endParaRPr>
           </a:p>
         </p:txBody>
@@ -492,13 +560,13 @@
         <p:spPr>
           <a:xfrm>
             <a:off x="4399200" y="9555480"/>
-            <a:ext cx="3363480" cy="493200"/>
-          </a:xfrm>
-          <a:prstGeom prst="rect">
-            <a:avLst/>
-          </a:prstGeom>
-          <a:noFill/>
-          <a:ln>
+            <a:ext cx="3363120" cy="492840"/>
+          </a:xfrm>
+          <a:prstGeom prst="rect">
+            <a:avLst/>
+          </a:prstGeom>
+          <a:noFill/>
+          <a:ln w="0">
             <a:noFill/>
           </a:ln>
         </p:spPr>
@@ -517,8 +585,9 @@
               <a:lnSpc>
                 <a:spcPct val="100000"/>
               </a:lnSpc>
-            </a:pPr>
-            <a:fld id="{F145DBCA-0589-4728-9DBC-C326BCADF400}" type="slidenum">
+              <a:buNone/>
+            </a:pPr>
+            <a:fld id="{D59A28D3-3AE0-4AF4-B3DA-9475002CF49A}" type="slidenum">
               <a:rPr b="0" lang="de-DE" sz="1800" spc="-1" strike="noStrike">
                 <a:solidFill>
                   <a:srgbClr val="000000"/>
@@ -529,7 +598,7 @@
               <a:t>&lt;number&gt;</a:t>
             </a:fld>
             <a:endParaRPr b="0" lang="en-US" sz="1800" spc="-1" strike="noStrike">
-              <a:latin typeface="Arial"/>
+              <a:latin typeface="DejaVu Sans"/>
             </a:endParaRPr>
           </a:p>
         </p:txBody>
@@ -569,11 +638,14 @@
         <p:spPr>
           <a:xfrm>
             <a:off x="533520" y="763560"/>
-            <a:ext cx="6694560" cy="3762720"/>
-          </a:xfrm>
-          <a:prstGeom prst="rect">
-            <a:avLst/>
-          </a:prstGeom>
+            <a:ext cx="6694200" cy="3762360"/>
+          </a:xfrm>
+          <a:prstGeom prst="rect">
+            <a:avLst/>
+          </a:prstGeom>
+          <a:ln w="0">
+            <a:noFill/>
+          </a:ln>
         </p:spPr>
       </p:sp>
       <p:sp>
@@ -589,19 +661,23 @@
         <p:spPr>
           <a:xfrm>
             <a:off x="777240" y="4777560"/>
-            <a:ext cx="6208200" cy="4516560"/>
-          </a:xfrm>
-          <a:prstGeom prst="rect">
-            <a:avLst/>
-          </a:prstGeom>
+            <a:ext cx="6207840" cy="4516200"/>
+          </a:xfrm>
+          <a:prstGeom prst="rect">
+            <a:avLst/>
+          </a:prstGeom>
+          <a:noFill/>
+          <a:ln w="0">
+            <a:noFill/>
+          </a:ln>
         </p:spPr>
         <p:txBody>
-          <a:bodyPr lIns="0" rIns="0" tIns="0" bIns="0">
+          <a:bodyPr lIns="0" rIns="0" tIns="0" bIns="0" anchor="t">
             <a:noAutofit/>
           </a:bodyPr>
           <a:p>
             <a:endParaRPr b="0" lang="en-US" sz="2000" spc="-1" strike="noStrike">
-              <a:latin typeface="Arial"/>
+              <a:latin typeface="DejaVu Sans"/>
             </a:endParaRPr>
           </a:p>
         </p:txBody>
@@ -615,13 +691,13 @@
         <p:spPr>
           <a:xfrm>
             <a:off x="4399200" y="9555480"/>
-            <a:ext cx="3363480" cy="493200"/>
-          </a:xfrm>
-          <a:prstGeom prst="rect">
-            <a:avLst/>
-          </a:prstGeom>
-          <a:noFill/>
-          <a:ln>
+            <a:ext cx="3363120" cy="492840"/>
+          </a:xfrm>
+          <a:prstGeom prst="rect">
+            <a:avLst/>
+          </a:prstGeom>
+          <a:noFill/>
+          <a:ln w="0">
             <a:noFill/>
           </a:ln>
         </p:spPr>
@@ -640,8 +716,9 @@
               <a:lnSpc>
                 <a:spcPct val="100000"/>
               </a:lnSpc>
-            </a:pPr>
-            <a:fld id="{58C65AB5-5C8F-419D-B97E-F6C9E2E8675B}" type="slidenum">
+              <a:buNone/>
+            </a:pPr>
+            <a:fld id="{DC2DA9B8-23D1-467C-B837-865DA69C2445}" type="slidenum">
               <a:rPr b="0" lang="de-DE" sz="1800" spc="-1" strike="noStrike">
                 <a:solidFill>
                   <a:srgbClr val="000000"/>
@@ -652,7 +729,7 @@
               <a:t>&lt;number&gt;</a:t>
             </a:fld>
             <a:endParaRPr b="0" lang="en-US" sz="1800" spc="-1" strike="noStrike">
-              <a:latin typeface="Arial"/>
+              <a:latin typeface="DejaVu Sans"/>
             </a:endParaRPr>
           </a:p>
         </p:txBody>
@@ -719,15 +796,21 @@
           <a:prstGeom prst="rect">
             <a:avLst/>
           </a:prstGeom>
+          <a:noFill/>
+          <a:ln w="0">
+            <a:noFill/>
+          </a:ln>
         </p:spPr>
         <p:txBody>
           <a:bodyPr lIns="0" rIns="0" tIns="0" bIns="0" anchor="ctr">
             <a:noAutofit/>
           </a:bodyPr>
           <a:p>
-            <a:pPr algn="ctr"/>
+            <a:pPr algn="ctr">
+              <a:buNone/>
+            </a:pPr>
             <a:endParaRPr b="0" lang="en-US" sz="4400" spc="-1" strike="noStrike">
-              <a:latin typeface="Arial"/>
+              <a:latin typeface="DejaVu Sans"/>
             </a:endParaRPr>
           </a:p>
         </p:txBody>
@@ -739,7 +822,7 @@
             <a:spLocks noGrp="1"/>
           </p:cNvSpPr>
           <p:nvPr>
-            <p:ph type="body"/>
+            <p:ph/>
           </p:nvPr>
         </p:nvSpPr>
         <p:spPr>
@@ -750,14 +833,18 @@
           <a:prstGeom prst="rect">
             <a:avLst/>
           </a:prstGeom>
+          <a:noFill/>
+          <a:ln w="0">
+            <a:noFill/>
+          </a:ln>
         </p:spPr>
         <p:txBody>
-          <a:bodyPr lIns="0" rIns="0" tIns="0" bIns="0">
+          <a:bodyPr lIns="0" rIns="0" tIns="0" bIns="0" anchor="t">
             <a:normAutofit/>
           </a:bodyPr>
           <a:p>
             <a:endParaRPr b="0" lang="en-US" sz="3200" spc="-1" strike="noStrike">
-              <a:latin typeface="Arial"/>
+              <a:latin typeface="DejaVu Sans"/>
             </a:endParaRPr>
           </a:p>
         </p:txBody>
@@ -769,7 +856,7 @@
             <a:spLocks noGrp="1"/>
           </p:cNvSpPr>
           <p:nvPr>
-            <p:ph type="body"/>
+            <p:ph/>
           </p:nvPr>
         </p:nvSpPr>
         <p:spPr>
@@ -780,14 +867,18 @@
           <a:prstGeom prst="rect">
             <a:avLst/>
           </a:prstGeom>
+          <a:noFill/>
+          <a:ln w="0">
+            <a:noFill/>
+          </a:ln>
         </p:spPr>
         <p:txBody>
-          <a:bodyPr lIns="0" rIns="0" tIns="0" bIns="0">
+          <a:bodyPr lIns="0" rIns="0" tIns="0" bIns="0" anchor="t">
             <a:normAutofit/>
           </a:bodyPr>
           <a:p>
             <a:endParaRPr b="0" lang="en-US" sz="3200" spc="-1" strike="noStrike">
-              <a:latin typeface="Arial"/>
+              <a:latin typeface="DejaVu Sans"/>
             </a:endParaRPr>
           </a:p>
         </p:txBody>
@@ -832,15 +923,21 @@
           <a:prstGeom prst="rect">
             <a:avLst/>
           </a:prstGeom>
+          <a:noFill/>
+          <a:ln w="0">
+            <a:noFill/>
+          </a:ln>
         </p:spPr>
         <p:txBody>
           <a:bodyPr lIns="0" rIns="0" tIns="0" bIns="0" anchor="ctr">
             <a:noAutofit/>
           </a:bodyPr>
           <a:p>
-            <a:pPr algn="ctr"/>
+            <a:pPr algn="ctr">
+              <a:buNone/>
+            </a:pPr>
             <a:endParaRPr b="0" lang="en-US" sz="4400" spc="-1" strike="noStrike">
-              <a:latin typeface="Arial"/>
+              <a:latin typeface="DejaVu Sans"/>
             </a:endParaRPr>
           </a:p>
         </p:txBody>
@@ -852,7 +949,7 @@
             <a:spLocks noGrp="1"/>
           </p:cNvSpPr>
           <p:nvPr>
-            <p:ph type="body"/>
+            <p:ph/>
           </p:nvPr>
         </p:nvSpPr>
         <p:spPr>
@@ -863,14 +960,18 @@
           <a:prstGeom prst="rect">
             <a:avLst/>
           </a:prstGeom>
+          <a:noFill/>
+          <a:ln w="0">
+            <a:noFill/>
+          </a:ln>
         </p:spPr>
         <p:txBody>
-          <a:bodyPr lIns="0" rIns="0" tIns="0" bIns="0">
+          <a:bodyPr lIns="0" rIns="0" tIns="0" bIns="0" anchor="t">
             <a:normAutofit/>
           </a:bodyPr>
           <a:p>
             <a:endParaRPr b="0" lang="en-US" sz="3200" spc="-1" strike="noStrike">
-              <a:latin typeface="Arial"/>
+              <a:latin typeface="DejaVu Sans"/>
             </a:endParaRPr>
           </a:p>
         </p:txBody>
@@ -882,7 +983,7 @@
             <a:spLocks noGrp="1"/>
           </p:cNvSpPr>
           <p:nvPr>
-            <p:ph type="body"/>
+            <p:ph/>
           </p:nvPr>
         </p:nvSpPr>
         <p:spPr>
@@ -893,14 +994,18 @@
           <a:prstGeom prst="rect">
             <a:avLst/>
           </a:prstGeom>
+          <a:noFill/>
+          <a:ln w="0">
+            <a:noFill/>
+          </a:ln>
         </p:spPr>
         <p:txBody>
-          <a:bodyPr lIns="0" rIns="0" tIns="0" bIns="0">
+          <a:bodyPr lIns="0" rIns="0" tIns="0" bIns="0" anchor="t">
             <a:normAutofit/>
           </a:bodyPr>
           <a:p>
             <a:endParaRPr b="0" lang="en-US" sz="3200" spc="-1" strike="noStrike">
-              <a:latin typeface="Arial"/>
+              <a:latin typeface="DejaVu Sans"/>
             </a:endParaRPr>
           </a:p>
         </p:txBody>
@@ -912,7 +1017,7 @@
             <a:spLocks noGrp="1"/>
           </p:cNvSpPr>
           <p:nvPr>
-            <p:ph type="body"/>
+            <p:ph/>
           </p:nvPr>
         </p:nvSpPr>
         <p:spPr>
@@ -923,14 +1028,18 @@
           <a:prstGeom prst="rect">
             <a:avLst/>
           </a:prstGeom>
+          <a:noFill/>
+          <a:ln w="0">
+            <a:noFill/>
+          </a:ln>
         </p:spPr>
         <p:txBody>
-          <a:bodyPr lIns="0" rIns="0" tIns="0" bIns="0">
+          <a:bodyPr lIns="0" rIns="0" tIns="0" bIns="0" anchor="t">
             <a:normAutofit/>
           </a:bodyPr>
           <a:p>
             <a:endParaRPr b="0" lang="en-US" sz="3200" spc="-1" strike="noStrike">
-              <a:latin typeface="Arial"/>
+              <a:latin typeface="DejaVu Sans"/>
             </a:endParaRPr>
           </a:p>
         </p:txBody>
@@ -942,7 +1051,7 @@
             <a:spLocks noGrp="1"/>
           </p:cNvSpPr>
           <p:nvPr>
-            <p:ph type="body"/>
+            <p:ph/>
           </p:nvPr>
         </p:nvSpPr>
         <p:spPr>
@@ -953,14 +1062,18 @@
           <a:prstGeom prst="rect">
             <a:avLst/>
           </a:prstGeom>
+          <a:noFill/>
+          <a:ln w="0">
+            <a:noFill/>
+          </a:ln>
         </p:spPr>
         <p:txBody>
-          <a:bodyPr lIns="0" rIns="0" tIns="0" bIns="0">
+          <a:bodyPr lIns="0" rIns="0" tIns="0" bIns="0" anchor="t">
             <a:normAutofit/>
           </a:bodyPr>
           <a:p>
             <a:endParaRPr b="0" lang="en-US" sz="3200" spc="-1" strike="noStrike">
-              <a:latin typeface="Arial"/>
+              <a:latin typeface="DejaVu Sans"/>
             </a:endParaRPr>
           </a:p>
         </p:txBody>
@@ -1005,15 +1118,21 @@
           <a:prstGeom prst="rect">
             <a:avLst/>
           </a:prstGeom>
+          <a:noFill/>
+          <a:ln w="0">
+            <a:noFill/>
+          </a:ln>
         </p:spPr>
         <p:txBody>
           <a:bodyPr lIns="0" rIns="0" tIns="0" bIns="0" anchor="ctr">
             <a:noAutofit/>
           </a:bodyPr>
           <a:p>
-            <a:pPr algn="ctr"/>
+            <a:pPr algn="ctr">
+              <a:buNone/>
+            </a:pPr>
             <a:endParaRPr b="0" lang="en-US" sz="4400" spc="-1" strike="noStrike">
-              <a:latin typeface="Arial"/>
+              <a:latin typeface="DejaVu Sans"/>
             </a:endParaRPr>
           </a:p>
         </p:txBody>
@@ -1025,7 +1144,7 @@
             <a:spLocks noGrp="1"/>
           </p:cNvSpPr>
           <p:nvPr>
-            <p:ph type="body"/>
+            <p:ph/>
           </p:nvPr>
         </p:nvSpPr>
         <p:spPr>
@@ -1036,14 +1155,18 @@
           <a:prstGeom prst="rect">
             <a:avLst/>
           </a:prstGeom>
+          <a:noFill/>
+          <a:ln w="0">
+            <a:noFill/>
+          </a:ln>
         </p:spPr>
         <p:txBody>
-          <a:bodyPr lIns="0" rIns="0" tIns="0" bIns="0">
+          <a:bodyPr lIns="0" rIns="0" tIns="0" bIns="0" anchor="t">
             <a:normAutofit/>
           </a:bodyPr>
           <a:p>
             <a:endParaRPr b="0" lang="en-US" sz="3200" spc="-1" strike="noStrike">
-              <a:latin typeface="Arial"/>
+              <a:latin typeface="DejaVu Sans"/>
             </a:endParaRPr>
           </a:p>
         </p:txBody>
@@ -1055,7 +1178,7 @@
             <a:spLocks noGrp="1"/>
           </p:cNvSpPr>
           <p:nvPr>
-            <p:ph type="body"/>
+            <p:ph/>
           </p:nvPr>
         </p:nvSpPr>
         <p:spPr>
@@ -1066,14 +1189,18 @@
           <a:prstGeom prst="rect">
             <a:avLst/>
           </a:prstGeom>
+          <a:noFill/>
+          <a:ln w="0">
+            <a:noFill/>
+          </a:ln>
         </p:spPr>
         <p:txBody>
-          <a:bodyPr lIns="0" rIns="0" tIns="0" bIns="0">
+          <a:bodyPr lIns="0" rIns="0" tIns="0" bIns="0" anchor="t">
             <a:normAutofit/>
           </a:bodyPr>
           <a:p>
             <a:endParaRPr b="0" lang="en-US" sz="3200" spc="-1" strike="noStrike">
-              <a:latin typeface="Arial"/>
+              <a:latin typeface="DejaVu Sans"/>
             </a:endParaRPr>
           </a:p>
         </p:txBody>
@@ -1085,7 +1212,7 @@
             <a:spLocks noGrp="1"/>
           </p:cNvSpPr>
           <p:nvPr>
-            <p:ph type="body"/>
+            <p:ph/>
           </p:nvPr>
         </p:nvSpPr>
         <p:spPr>
@@ -1096,14 +1223,18 @@
           <a:prstGeom prst="rect">
             <a:avLst/>
           </a:prstGeom>
+          <a:noFill/>
+          <a:ln w="0">
+            <a:noFill/>
+          </a:ln>
         </p:spPr>
         <p:txBody>
-          <a:bodyPr lIns="0" rIns="0" tIns="0" bIns="0">
+          <a:bodyPr lIns="0" rIns="0" tIns="0" bIns="0" anchor="t">
             <a:normAutofit/>
           </a:bodyPr>
           <a:p>
             <a:endParaRPr b="0" lang="en-US" sz="3200" spc="-1" strike="noStrike">
-              <a:latin typeface="Arial"/>
+              <a:latin typeface="DejaVu Sans"/>
             </a:endParaRPr>
           </a:p>
         </p:txBody>
@@ -1115,7 +1246,7 @@
             <a:spLocks noGrp="1"/>
           </p:cNvSpPr>
           <p:nvPr>
-            <p:ph type="body"/>
+            <p:ph/>
           </p:nvPr>
         </p:nvSpPr>
         <p:spPr>
@@ -1126,14 +1257,18 @@
           <a:prstGeom prst="rect">
             <a:avLst/>
           </a:prstGeom>
+          <a:noFill/>
+          <a:ln w="0">
+            <a:noFill/>
+          </a:ln>
         </p:spPr>
         <p:txBody>
-          <a:bodyPr lIns="0" rIns="0" tIns="0" bIns="0">
+          <a:bodyPr lIns="0" rIns="0" tIns="0" bIns="0" anchor="t">
             <a:normAutofit/>
           </a:bodyPr>
           <a:p>
             <a:endParaRPr b="0" lang="en-US" sz="3200" spc="-1" strike="noStrike">
-              <a:latin typeface="Arial"/>
+              <a:latin typeface="DejaVu Sans"/>
             </a:endParaRPr>
           </a:p>
         </p:txBody>
@@ -1145,7 +1280,7 @@
             <a:spLocks noGrp="1"/>
           </p:cNvSpPr>
           <p:nvPr>
-            <p:ph type="body"/>
+            <p:ph/>
           </p:nvPr>
         </p:nvSpPr>
         <p:spPr>
@@ -1156,14 +1291,18 @@
           <a:prstGeom prst="rect">
             <a:avLst/>
           </a:prstGeom>
+          <a:noFill/>
+          <a:ln w="0">
+            <a:noFill/>
+          </a:ln>
         </p:spPr>
         <p:txBody>
-          <a:bodyPr lIns="0" rIns="0" tIns="0" bIns="0">
+          <a:bodyPr lIns="0" rIns="0" tIns="0" bIns="0" anchor="t">
             <a:normAutofit/>
           </a:bodyPr>
           <a:p>
             <a:endParaRPr b="0" lang="en-US" sz="3200" spc="-1" strike="noStrike">
-              <a:latin typeface="Arial"/>
+              <a:latin typeface="DejaVu Sans"/>
             </a:endParaRPr>
           </a:p>
         </p:txBody>
@@ -1175,7 +1314,7 @@
             <a:spLocks noGrp="1"/>
           </p:cNvSpPr>
           <p:nvPr>
-            <p:ph type="body"/>
+            <p:ph/>
           </p:nvPr>
         </p:nvSpPr>
         <p:spPr>
@@ -1186,14 +1325,18 @@
           <a:prstGeom prst="rect">
             <a:avLst/>
           </a:prstGeom>
+          <a:noFill/>
+          <a:ln w="0">
+            <a:noFill/>
+          </a:ln>
         </p:spPr>
         <p:txBody>
-          <a:bodyPr lIns="0" rIns="0" tIns="0" bIns="0">
+          <a:bodyPr lIns="0" rIns="0" tIns="0" bIns="0" anchor="t">
             <a:normAutofit/>
           </a:bodyPr>
           <a:p>
             <a:endParaRPr b="0" lang="en-US" sz="3200" spc="-1" strike="noStrike">
-              <a:latin typeface="Arial"/>
+              <a:latin typeface="DejaVu Sans"/>
             </a:endParaRPr>
           </a:p>
         </p:txBody>
@@ -1260,15 +1403,21 @@
           <a:prstGeom prst="rect">
             <a:avLst/>
           </a:prstGeom>
+          <a:noFill/>
+          <a:ln w="0">
+            <a:noFill/>
+          </a:ln>
         </p:spPr>
         <p:txBody>
           <a:bodyPr lIns="0" rIns="0" tIns="0" bIns="0" anchor="ctr">
             <a:noAutofit/>
           </a:bodyPr>
           <a:p>
-            <a:pPr algn="ctr"/>
+            <a:pPr algn="ctr">
+              <a:buNone/>
+            </a:pPr>
             <a:endParaRPr b="0" lang="en-US" sz="4400" spc="-1" strike="noStrike">
-              <a:latin typeface="Arial"/>
+              <a:latin typeface="DejaVu Sans"/>
             </a:endParaRPr>
           </a:p>
         </p:txBody>
@@ -1291,15 +1440,21 @@
           <a:prstGeom prst="rect">
             <a:avLst/>
           </a:prstGeom>
+          <a:noFill/>
+          <a:ln w="0">
+            <a:noFill/>
+          </a:ln>
         </p:spPr>
         <p:txBody>
           <a:bodyPr lIns="0" rIns="0" tIns="0" bIns="0" anchor="ctr">
             <a:noAutofit/>
           </a:bodyPr>
           <a:p>
-            <a:pPr algn="ctr"/>
+            <a:pPr algn="ctr">
+              <a:buNone/>
+            </a:pPr>
             <a:endParaRPr b="0" lang="en-US" sz="3200" spc="-1" strike="noStrike">
-              <a:latin typeface="Arial"/>
+              <a:latin typeface="DejaVu Sans"/>
             </a:endParaRPr>
           </a:p>
         </p:txBody>
@@ -1344,15 +1499,21 @@
           <a:prstGeom prst="rect">
             <a:avLst/>
           </a:prstGeom>
+          <a:noFill/>
+          <a:ln w="0">
+            <a:noFill/>
+          </a:ln>
         </p:spPr>
         <p:txBody>
           <a:bodyPr lIns="0" rIns="0" tIns="0" bIns="0" anchor="ctr">
             <a:noAutofit/>
           </a:bodyPr>
           <a:p>
-            <a:pPr algn="ctr"/>
+            <a:pPr algn="ctr">
+              <a:buNone/>
+            </a:pPr>
             <a:endParaRPr b="0" lang="en-US" sz="4400" spc="-1" strike="noStrike">
-              <a:latin typeface="Arial"/>
+              <a:latin typeface="DejaVu Sans"/>
             </a:endParaRPr>
           </a:p>
         </p:txBody>
@@ -1364,7 +1525,7 @@
             <a:spLocks noGrp="1"/>
           </p:cNvSpPr>
           <p:nvPr>
-            <p:ph type="body"/>
+            <p:ph/>
           </p:nvPr>
         </p:nvSpPr>
         <p:spPr>
@@ -1375,14 +1536,18 @@
           <a:prstGeom prst="rect">
             <a:avLst/>
           </a:prstGeom>
+          <a:noFill/>
+          <a:ln w="0">
+            <a:noFill/>
+          </a:ln>
         </p:spPr>
         <p:txBody>
-          <a:bodyPr lIns="0" rIns="0" tIns="0" bIns="0">
+          <a:bodyPr lIns="0" rIns="0" tIns="0" bIns="0" anchor="t">
             <a:normAutofit/>
           </a:bodyPr>
           <a:p>
             <a:endParaRPr b="0" lang="en-US" sz="3200" spc="-1" strike="noStrike">
-              <a:latin typeface="Arial"/>
+              <a:latin typeface="DejaVu Sans"/>
             </a:endParaRPr>
           </a:p>
         </p:txBody>
@@ -1427,15 +1592,21 @@
           <a:prstGeom prst="rect">
             <a:avLst/>
           </a:prstGeom>
+          <a:noFill/>
+          <a:ln w="0">
+            <a:noFill/>
+          </a:ln>
         </p:spPr>
         <p:txBody>
           <a:bodyPr lIns="0" rIns="0" tIns="0" bIns="0" anchor="ctr">
             <a:noAutofit/>
           </a:bodyPr>
           <a:p>
-            <a:pPr algn="ctr"/>
+            <a:pPr algn="ctr">
+              <a:buNone/>
+            </a:pPr>
             <a:endParaRPr b="0" lang="en-US" sz="4400" spc="-1" strike="noStrike">
-              <a:latin typeface="Arial"/>
+              <a:latin typeface="DejaVu Sans"/>
             </a:endParaRPr>
           </a:p>
         </p:txBody>
@@ -1447,7 +1618,7 @@
             <a:spLocks noGrp="1"/>
           </p:cNvSpPr>
           <p:nvPr>
-            <p:ph type="body"/>
+            <p:ph/>
           </p:nvPr>
         </p:nvSpPr>
         <p:spPr>
@@ -1458,14 +1629,18 @@
           <a:prstGeom prst="rect">
             <a:avLst/>
           </a:prstGeom>
+          <a:noFill/>
+          <a:ln w="0">
+            <a:noFill/>
+          </a:ln>
         </p:spPr>
         <p:txBody>
-          <a:bodyPr lIns="0" rIns="0" tIns="0" bIns="0">
+          <a:bodyPr lIns="0" rIns="0" tIns="0" bIns="0" anchor="t">
             <a:normAutofit/>
           </a:bodyPr>
           <a:p>
             <a:endParaRPr b="0" lang="en-US" sz="3200" spc="-1" strike="noStrike">
-              <a:latin typeface="Arial"/>
+              <a:latin typeface="DejaVu Sans"/>
             </a:endParaRPr>
           </a:p>
         </p:txBody>
@@ -1477,7 +1652,7 @@
             <a:spLocks noGrp="1"/>
           </p:cNvSpPr>
           <p:nvPr>
-            <p:ph type="body"/>
+            <p:ph/>
           </p:nvPr>
         </p:nvSpPr>
         <p:spPr>
@@ -1488,14 +1663,18 @@
           <a:prstGeom prst="rect">
             <a:avLst/>
           </a:prstGeom>
+          <a:noFill/>
+          <a:ln w="0">
+            <a:noFill/>
+          </a:ln>
         </p:spPr>
         <p:txBody>
-          <a:bodyPr lIns="0" rIns="0" tIns="0" bIns="0">
+          <a:bodyPr lIns="0" rIns="0" tIns="0" bIns="0" anchor="t">
             <a:normAutofit/>
           </a:bodyPr>
           <a:p>
             <a:endParaRPr b="0" lang="en-US" sz="3200" spc="-1" strike="noStrike">
-              <a:latin typeface="Arial"/>
+              <a:latin typeface="DejaVu Sans"/>
             </a:endParaRPr>
           </a:p>
         </p:txBody>
@@ -1540,15 +1719,21 @@
           <a:prstGeom prst="rect">
             <a:avLst/>
           </a:prstGeom>
+          <a:noFill/>
+          <a:ln w="0">
+            <a:noFill/>
+          </a:ln>
         </p:spPr>
         <p:txBody>
           <a:bodyPr lIns="0" rIns="0" tIns="0" bIns="0" anchor="ctr">
             <a:noAutofit/>
           </a:bodyPr>
           <a:p>
-            <a:pPr algn="ctr"/>
+            <a:pPr algn="ctr">
+              <a:buNone/>
+            </a:pPr>
             <a:endParaRPr b="0" lang="en-US" sz="4400" spc="-1" strike="noStrike">
-              <a:latin typeface="Arial"/>
+              <a:latin typeface="DejaVu Sans"/>
             </a:endParaRPr>
           </a:p>
         </p:txBody>
@@ -1593,15 +1778,21 @@
           <a:prstGeom prst="rect">
             <a:avLst/>
           </a:prstGeom>
+          <a:noFill/>
+          <a:ln w="0">
+            <a:noFill/>
+          </a:ln>
         </p:spPr>
         <p:txBody>
           <a:bodyPr lIns="0" rIns="0" tIns="0" bIns="0" anchor="ctr">
             <a:noAutofit/>
           </a:bodyPr>
           <a:p>
-            <a:pPr algn="ctr"/>
+            <a:pPr algn="ctr">
+              <a:buNone/>
+            </a:pPr>
             <a:endParaRPr b="0" lang="en-US" sz="3200" spc="-1" strike="noStrike">
-              <a:latin typeface="Arial"/>
+              <a:latin typeface="DejaVu Sans"/>
             </a:endParaRPr>
           </a:p>
         </p:txBody>
@@ -1646,15 +1837,21 @@
           <a:prstGeom prst="rect">
             <a:avLst/>
           </a:prstGeom>
+          <a:noFill/>
+          <a:ln w="0">
+            <a:noFill/>
+          </a:ln>
         </p:spPr>
         <p:txBody>
           <a:bodyPr lIns="0" rIns="0" tIns="0" bIns="0" anchor="ctr">
             <a:noAutofit/>
           </a:bodyPr>
           <a:p>
-            <a:pPr algn="ctr"/>
+            <a:pPr algn="ctr">
+              <a:buNone/>
+            </a:pPr>
             <a:endParaRPr b="0" lang="en-US" sz="4400" spc="-1" strike="noStrike">
-              <a:latin typeface="Arial"/>
+              <a:latin typeface="DejaVu Sans"/>
             </a:endParaRPr>
           </a:p>
         </p:txBody>
@@ -1666,7 +1863,7 @@
             <a:spLocks noGrp="1"/>
           </p:cNvSpPr>
           <p:nvPr>
-            <p:ph type="body"/>
+            <p:ph/>
           </p:nvPr>
         </p:nvSpPr>
         <p:spPr>
@@ -1677,14 +1874,18 @@
           <a:prstGeom prst="rect">
             <a:avLst/>
           </a:prstGeom>
+          <a:noFill/>
+          <a:ln w="0">
+            <a:noFill/>
+          </a:ln>
         </p:spPr>
         <p:txBody>
-          <a:bodyPr lIns="0" rIns="0" tIns="0" bIns="0">
+          <a:bodyPr lIns="0" rIns="0" tIns="0" bIns="0" anchor="t">
             <a:normAutofit/>
           </a:bodyPr>
           <a:p>
             <a:endParaRPr b="0" lang="en-US" sz="3200" spc="-1" strike="noStrike">
-              <a:latin typeface="Arial"/>
+              <a:latin typeface="DejaVu Sans"/>
             </a:endParaRPr>
           </a:p>
         </p:txBody>
@@ -1696,7 +1897,7 @@
             <a:spLocks noGrp="1"/>
           </p:cNvSpPr>
           <p:nvPr>
-            <p:ph type="body"/>
+            <p:ph/>
           </p:nvPr>
         </p:nvSpPr>
         <p:spPr>
@@ -1707,14 +1908,18 @@
           <a:prstGeom prst="rect">
             <a:avLst/>
           </a:prstGeom>
+          <a:noFill/>
+          <a:ln w="0">
+            <a:noFill/>
+          </a:ln>
         </p:spPr>
         <p:txBody>
-          <a:bodyPr lIns="0" rIns="0" tIns="0" bIns="0">
+          <a:bodyPr lIns="0" rIns="0" tIns="0" bIns="0" anchor="t">
             <a:normAutofit/>
           </a:bodyPr>
           <a:p>
             <a:endParaRPr b="0" lang="en-US" sz="3200" spc="-1" strike="noStrike">
-              <a:latin typeface="Arial"/>
+              <a:latin typeface="DejaVu Sans"/>
             </a:endParaRPr>
           </a:p>
         </p:txBody>
@@ -1726,7 +1931,7 @@
             <a:spLocks noGrp="1"/>
           </p:cNvSpPr>
           <p:nvPr>
-            <p:ph type="body"/>
+            <p:ph/>
           </p:nvPr>
         </p:nvSpPr>
         <p:spPr>
@@ -1737,14 +1942,18 @@
           <a:prstGeom prst="rect">
             <a:avLst/>
           </a:prstGeom>
+          <a:noFill/>
+          <a:ln w="0">
+            <a:noFill/>
+          </a:ln>
         </p:spPr>
         <p:txBody>
-          <a:bodyPr lIns="0" rIns="0" tIns="0" bIns="0">
+          <a:bodyPr lIns="0" rIns="0" tIns="0" bIns="0" anchor="t">
             <a:normAutofit/>
           </a:bodyPr>
           <a:p>
             <a:endParaRPr b="0" lang="en-US" sz="3200" spc="-1" strike="noStrike">
-              <a:latin typeface="Arial"/>
+              <a:latin typeface="DejaVu Sans"/>
             </a:endParaRPr>
           </a:p>
         </p:txBody>
@@ -1789,15 +1998,21 @@
           <a:prstGeom prst="rect">
             <a:avLst/>
           </a:prstGeom>
+          <a:noFill/>
+          <a:ln w="0">
+            <a:noFill/>
+          </a:ln>
         </p:spPr>
         <p:txBody>
           <a:bodyPr lIns="0" rIns="0" tIns="0" bIns="0" anchor="ctr">
             <a:noAutofit/>
           </a:bodyPr>
           <a:p>
-            <a:pPr algn="ctr"/>
+            <a:pPr algn="ctr">
+              <a:buNone/>
+            </a:pPr>
             <a:endParaRPr b="0" lang="en-US" sz="4400" spc="-1" strike="noStrike">
-              <a:latin typeface="Arial"/>
+              <a:latin typeface="DejaVu Sans"/>
             </a:endParaRPr>
           </a:p>
         </p:txBody>
@@ -1820,15 +2035,21 @@
           <a:prstGeom prst="rect">
             <a:avLst/>
           </a:prstGeom>
+          <a:noFill/>
+          <a:ln w="0">
+            <a:noFill/>
+          </a:ln>
         </p:spPr>
         <p:txBody>
           <a:bodyPr lIns="0" rIns="0" tIns="0" bIns="0" anchor="ctr">
             <a:noAutofit/>
           </a:bodyPr>
           <a:p>
-            <a:pPr algn="ctr"/>
+            <a:pPr algn="ctr">
+              <a:buNone/>
+            </a:pPr>
             <a:endParaRPr b="0" lang="en-US" sz="3200" spc="-1" strike="noStrike">
-              <a:latin typeface="Arial"/>
+              <a:latin typeface="DejaVu Sans"/>
             </a:endParaRPr>
           </a:p>
         </p:txBody>
@@ -1873,15 +2094,21 @@
           <a:prstGeom prst="rect">
             <a:avLst/>
           </a:prstGeom>
+          <a:noFill/>
+          <a:ln w="0">
+            <a:noFill/>
+          </a:ln>
         </p:spPr>
         <p:txBody>
           <a:bodyPr lIns="0" rIns="0" tIns="0" bIns="0" anchor="ctr">
             <a:noAutofit/>
           </a:bodyPr>
           <a:p>
-            <a:pPr algn="ctr"/>
+            <a:pPr algn="ctr">
+              <a:buNone/>
+            </a:pPr>
             <a:endParaRPr b="0" lang="en-US" sz="4400" spc="-1" strike="noStrike">
-              <a:latin typeface="Arial"/>
+              <a:latin typeface="DejaVu Sans"/>
             </a:endParaRPr>
           </a:p>
         </p:txBody>
@@ -1893,7 +2120,7 @@
             <a:spLocks noGrp="1"/>
           </p:cNvSpPr>
           <p:nvPr>
-            <p:ph type="body"/>
+            <p:ph/>
           </p:nvPr>
         </p:nvSpPr>
         <p:spPr>
@@ -1904,14 +2131,18 @@
           <a:prstGeom prst="rect">
             <a:avLst/>
           </a:prstGeom>
+          <a:noFill/>
+          <a:ln w="0">
+            <a:noFill/>
+          </a:ln>
         </p:spPr>
         <p:txBody>
-          <a:bodyPr lIns="0" rIns="0" tIns="0" bIns="0">
+          <a:bodyPr lIns="0" rIns="0" tIns="0" bIns="0" anchor="t">
             <a:normAutofit/>
           </a:bodyPr>
           <a:p>
             <a:endParaRPr b="0" lang="en-US" sz="3200" spc="-1" strike="noStrike">
-              <a:latin typeface="Arial"/>
+              <a:latin typeface="DejaVu Sans"/>
             </a:endParaRPr>
           </a:p>
         </p:txBody>
@@ -1923,7 +2154,7 @@
             <a:spLocks noGrp="1"/>
           </p:cNvSpPr>
           <p:nvPr>
-            <p:ph type="body"/>
+            <p:ph/>
           </p:nvPr>
         </p:nvSpPr>
         <p:spPr>
@@ -1934,14 +2165,18 @@
           <a:prstGeom prst="rect">
             <a:avLst/>
           </a:prstGeom>
+          <a:noFill/>
+          <a:ln w="0">
+            <a:noFill/>
+          </a:ln>
         </p:spPr>
         <p:txBody>
-          <a:bodyPr lIns="0" rIns="0" tIns="0" bIns="0">
+          <a:bodyPr lIns="0" rIns="0" tIns="0" bIns="0" anchor="t">
             <a:normAutofit/>
           </a:bodyPr>
           <a:p>
             <a:endParaRPr b="0" lang="en-US" sz="3200" spc="-1" strike="noStrike">
-              <a:latin typeface="Arial"/>
+              <a:latin typeface="DejaVu Sans"/>
             </a:endParaRPr>
           </a:p>
         </p:txBody>
@@ -1953,7 +2188,7 @@
             <a:spLocks noGrp="1"/>
           </p:cNvSpPr>
           <p:nvPr>
-            <p:ph type="body"/>
+            <p:ph/>
           </p:nvPr>
         </p:nvSpPr>
         <p:spPr>
@@ -1964,14 +2199,18 @@
           <a:prstGeom prst="rect">
             <a:avLst/>
           </a:prstGeom>
+          <a:noFill/>
+          <a:ln w="0">
+            <a:noFill/>
+          </a:ln>
         </p:spPr>
         <p:txBody>
-          <a:bodyPr lIns="0" rIns="0" tIns="0" bIns="0">
+          <a:bodyPr lIns="0" rIns="0" tIns="0" bIns="0" anchor="t">
             <a:normAutofit/>
           </a:bodyPr>
           <a:p>
             <a:endParaRPr b="0" lang="en-US" sz="3200" spc="-1" strike="noStrike">
-              <a:latin typeface="Arial"/>
+              <a:latin typeface="DejaVu Sans"/>
             </a:endParaRPr>
           </a:p>
         </p:txBody>
@@ -2016,15 +2255,21 @@
           <a:prstGeom prst="rect">
             <a:avLst/>
           </a:prstGeom>
+          <a:noFill/>
+          <a:ln w="0">
+            <a:noFill/>
+          </a:ln>
         </p:spPr>
         <p:txBody>
           <a:bodyPr lIns="0" rIns="0" tIns="0" bIns="0" anchor="ctr">
             <a:noAutofit/>
           </a:bodyPr>
           <a:p>
-            <a:pPr algn="ctr"/>
+            <a:pPr algn="ctr">
+              <a:buNone/>
+            </a:pPr>
             <a:endParaRPr b="0" lang="en-US" sz="4400" spc="-1" strike="noStrike">
-              <a:latin typeface="Arial"/>
+              <a:latin typeface="DejaVu Sans"/>
             </a:endParaRPr>
           </a:p>
         </p:txBody>
@@ -2036,7 +2281,7 @@
             <a:spLocks noGrp="1"/>
           </p:cNvSpPr>
           <p:nvPr>
-            <p:ph type="body"/>
+            <p:ph/>
           </p:nvPr>
         </p:nvSpPr>
         <p:spPr>
@@ -2047,14 +2292,18 @@
           <a:prstGeom prst="rect">
             <a:avLst/>
           </a:prstGeom>
+          <a:noFill/>
+          <a:ln w="0">
+            <a:noFill/>
+          </a:ln>
         </p:spPr>
         <p:txBody>
-          <a:bodyPr lIns="0" rIns="0" tIns="0" bIns="0">
+          <a:bodyPr lIns="0" rIns="0" tIns="0" bIns="0" anchor="t">
             <a:normAutofit/>
           </a:bodyPr>
           <a:p>
             <a:endParaRPr b="0" lang="en-US" sz="3200" spc="-1" strike="noStrike">
-              <a:latin typeface="Arial"/>
+              <a:latin typeface="DejaVu Sans"/>
             </a:endParaRPr>
           </a:p>
         </p:txBody>
@@ -2066,7 +2315,7 @@
             <a:spLocks noGrp="1"/>
           </p:cNvSpPr>
           <p:nvPr>
-            <p:ph type="body"/>
+            <p:ph/>
           </p:nvPr>
         </p:nvSpPr>
         <p:spPr>
@@ -2077,14 +2326,18 @@
           <a:prstGeom prst="rect">
             <a:avLst/>
           </a:prstGeom>
+          <a:noFill/>
+          <a:ln w="0">
+            <a:noFill/>
+          </a:ln>
         </p:spPr>
         <p:txBody>
-          <a:bodyPr lIns="0" rIns="0" tIns="0" bIns="0">
+          <a:bodyPr lIns="0" rIns="0" tIns="0" bIns="0" anchor="t">
             <a:normAutofit/>
           </a:bodyPr>
           <a:p>
             <a:endParaRPr b="0" lang="en-US" sz="3200" spc="-1" strike="noStrike">
-              <a:latin typeface="Arial"/>
+              <a:latin typeface="DejaVu Sans"/>
             </a:endParaRPr>
           </a:p>
         </p:txBody>
@@ -2096,7 +2349,7 @@
             <a:spLocks noGrp="1"/>
           </p:cNvSpPr>
           <p:nvPr>
-            <p:ph type="body"/>
+            <p:ph/>
           </p:nvPr>
         </p:nvSpPr>
         <p:spPr>
@@ -2107,14 +2360,18 @@
           <a:prstGeom prst="rect">
             <a:avLst/>
           </a:prstGeom>
+          <a:noFill/>
+          <a:ln w="0">
+            <a:noFill/>
+          </a:ln>
         </p:spPr>
         <p:txBody>
-          <a:bodyPr lIns="0" rIns="0" tIns="0" bIns="0">
+          <a:bodyPr lIns="0" rIns="0" tIns="0" bIns="0" anchor="t">
             <a:normAutofit/>
           </a:bodyPr>
           <a:p>
             <a:endParaRPr b="0" lang="en-US" sz="3200" spc="-1" strike="noStrike">
-              <a:latin typeface="Arial"/>
+              <a:latin typeface="DejaVu Sans"/>
             </a:endParaRPr>
           </a:p>
         </p:txBody>
@@ -2159,15 +2416,21 @@
           <a:prstGeom prst="rect">
             <a:avLst/>
           </a:prstGeom>
+          <a:noFill/>
+          <a:ln w="0">
+            <a:noFill/>
+          </a:ln>
         </p:spPr>
         <p:txBody>
           <a:bodyPr lIns="0" rIns="0" tIns="0" bIns="0" anchor="ctr">
             <a:noAutofit/>
           </a:bodyPr>
           <a:p>
-            <a:pPr algn="ctr"/>
+            <a:pPr algn="ctr">
+              <a:buNone/>
+            </a:pPr>
             <a:endParaRPr b="0" lang="en-US" sz="4400" spc="-1" strike="noStrike">
-              <a:latin typeface="Arial"/>
+              <a:latin typeface="DejaVu Sans"/>
             </a:endParaRPr>
           </a:p>
         </p:txBody>
@@ -2179,7 +2442,7 @@
             <a:spLocks noGrp="1"/>
           </p:cNvSpPr>
           <p:nvPr>
-            <p:ph type="body"/>
+            <p:ph/>
           </p:nvPr>
         </p:nvSpPr>
         <p:spPr>
@@ -2190,14 +2453,18 @@
           <a:prstGeom prst="rect">
             <a:avLst/>
           </a:prstGeom>
+          <a:noFill/>
+          <a:ln w="0">
+            <a:noFill/>
+          </a:ln>
         </p:spPr>
         <p:txBody>
-          <a:bodyPr lIns="0" rIns="0" tIns="0" bIns="0">
+          <a:bodyPr lIns="0" rIns="0" tIns="0" bIns="0" anchor="t">
             <a:normAutofit/>
           </a:bodyPr>
           <a:p>
             <a:endParaRPr b="0" lang="en-US" sz="3200" spc="-1" strike="noStrike">
-              <a:latin typeface="Arial"/>
+              <a:latin typeface="DejaVu Sans"/>
             </a:endParaRPr>
           </a:p>
         </p:txBody>
@@ -2209,7 +2476,7 @@
             <a:spLocks noGrp="1"/>
           </p:cNvSpPr>
           <p:nvPr>
-            <p:ph type="body"/>
+            <p:ph/>
           </p:nvPr>
         </p:nvSpPr>
         <p:spPr>
@@ -2220,14 +2487,18 @@
           <a:prstGeom prst="rect">
             <a:avLst/>
           </a:prstGeom>
+          <a:noFill/>
+          <a:ln w="0">
+            <a:noFill/>
+          </a:ln>
         </p:spPr>
         <p:txBody>
-          <a:bodyPr lIns="0" rIns="0" tIns="0" bIns="0">
+          <a:bodyPr lIns="0" rIns="0" tIns="0" bIns="0" anchor="t">
             <a:normAutofit/>
           </a:bodyPr>
           <a:p>
             <a:endParaRPr b="0" lang="en-US" sz="3200" spc="-1" strike="noStrike">
-              <a:latin typeface="Arial"/>
+              <a:latin typeface="DejaVu Sans"/>
             </a:endParaRPr>
           </a:p>
         </p:txBody>
@@ -2272,15 +2543,21 @@
           <a:prstGeom prst="rect">
             <a:avLst/>
           </a:prstGeom>
+          <a:noFill/>
+          <a:ln w="0">
+            <a:noFill/>
+          </a:ln>
         </p:spPr>
         <p:txBody>
           <a:bodyPr lIns="0" rIns="0" tIns="0" bIns="0" anchor="ctr">
             <a:noAutofit/>
           </a:bodyPr>
           <a:p>
-            <a:pPr algn="ctr"/>
+            <a:pPr algn="ctr">
+              <a:buNone/>
+            </a:pPr>
             <a:endParaRPr b="0" lang="en-US" sz="4400" spc="-1" strike="noStrike">
-              <a:latin typeface="Arial"/>
+              <a:latin typeface="DejaVu Sans"/>
             </a:endParaRPr>
           </a:p>
         </p:txBody>
@@ -2292,7 +2569,7 @@
             <a:spLocks noGrp="1"/>
           </p:cNvSpPr>
           <p:nvPr>
-            <p:ph type="body"/>
+            <p:ph/>
           </p:nvPr>
         </p:nvSpPr>
         <p:spPr>
@@ -2303,14 +2580,18 @@
           <a:prstGeom prst="rect">
             <a:avLst/>
           </a:prstGeom>
+          <a:noFill/>
+          <a:ln w="0">
+            <a:noFill/>
+          </a:ln>
         </p:spPr>
         <p:txBody>
-          <a:bodyPr lIns="0" rIns="0" tIns="0" bIns="0">
+          <a:bodyPr lIns="0" rIns="0" tIns="0" bIns="0" anchor="t">
             <a:normAutofit/>
           </a:bodyPr>
           <a:p>
             <a:endParaRPr b="0" lang="en-US" sz="3200" spc="-1" strike="noStrike">
-              <a:latin typeface="Arial"/>
+              <a:latin typeface="DejaVu Sans"/>
             </a:endParaRPr>
           </a:p>
         </p:txBody>
@@ -2322,7 +2603,7 @@
             <a:spLocks noGrp="1"/>
           </p:cNvSpPr>
           <p:nvPr>
-            <p:ph type="body"/>
+            <p:ph/>
           </p:nvPr>
         </p:nvSpPr>
         <p:spPr>
@@ -2333,14 +2614,18 @@
           <a:prstGeom prst="rect">
             <a:avLst/>
           </a:prstGeom>
+          <a:noFill/>
+          <a:ln w="0">
+            <a:noFill/>
+          </a:ln>
         </p:spPr>
         <p:txBody>
-          <a:bodyPr lIns="0" rIns="0" tIns="0" bIns="0">
+          <a:bodyPr lIns="0" rIns="0" tIns="0" bIns="0" anchor="t">
             <a:normAutofit/>
           </a:bodyPr>
           <a:p>
             <a:endParaRPr b="0" lang="en-US" sz="3200" spc="-1" strike="noStrike">
-              <a:latin typeface="Arial"/>
+              <a:latin typeface="DejaVu Sans"/>
             </a:endParaRPr>
           </a:p>
         </p:txBody>
@@ -2352,7 +2637,7 @@
             <a:spLocks noGrp="1"/>
           </p:cNvSpPr>
           <p:nvPr>
-            <p:ph type="body"/>
+            <p:ph/>
           </p:nvPr>
         </p:nvSpPr>
         <p:spPr>
@@ -2363,14 +2648,18 @@
           <a:prstGeom prst="rect">
             <a:avLst/>
           </a:prstGeom>
+          <a:noFill/>
+          <a:ln w="0">
+            <a:noFill/>
+          </a:ln>
         </p:spPr>
         <p:txBody>
-          <a:bodyPr lIns="0" rIns="0" tIns="0" bIns="0">
+          <a:bodyPr lIns="0" rIns="0" tIns="0" bIns="0" anchor="t">
             <a:normAutofit/>
           </a:bodyPr>
           <a:p>
             <a:endParaRPr b="0" lang="en-US" sz="3200" spc="-1" strike="noStrike">
-              <a:latin typeface="Arial"/>
+              <a:latin typeface="DejaVu Sans"/>
             </a:endParaRPr>
           </a:p>
         </p:txBody>
@@ -2382,7 +2671,7 @@
             <a:spLocks noGrp="1"/>
           </p:cNvSpPr>
           <p:nvPr>
-            <p:ph type="body"/>
+            <p:ph/>
           </p:nvPr>
         </p:nvSpPr>
         <p:spPr>
@@ -2393,14 +2682,18 @@
           <a:prstGeom prst="rect">
             <a:avLst/>
           </a:prstGeom>
+          <a:noFill/>
+          <a:ln w="0">
+            <a:noFill/>
+          </a:ln>
         </p:spPr>
         <p:txBody>
-          <a:bodyPr lIns="0" rIns="0" tIns="0" bIns="0">
+          <a:bodyPr lIns="0" rIns="0" tIns="0" bIns="0" anchor="t">
             <a:normAutofit/>
           </a:bodyPr>
           <a:p>
             <a:endParaRPr b="0" lang="en-US" sz="3200" spc="-1" strike="noStrike">
-              <a:latin typeface="Arial"/>
+              <a:latin typeface="DejaVu Sans"/>
             </a:endParaRPr>
           </a:p>
         </p:txBody>
@@ -2445,15 +2738,21 @@
           <a:prstGeom prst="rect">
             <a:avLst/>
           </a:prstGeom>
+          <a:noFill/>
+          <a:ln w="0">
+            <a:noFill/>
+          </a:ln>
         </p:spPr>
         <p:txBody>
           <a:bodyPr lIns="0" rIns="0" tIns="0" bIns="0" anchor="ctr">
             <a:noAutofit/>
           </a:bodyPr>
           <a:p>
-            <a:pPr algn="ctr"/>
+            <a:pPr algn="ctr">
+              <a:buNone/>
+            </a:pPr>
             <a:endParaRPr b="0" lang="en-US" sz="4400" spc="-1" strike="noStrike">
-              <a:latin typeface="Arial"/>
+              <a:latin typeface="DejaVu Sans"/>
             </a:endParaRPr>
           </a:p>
         </p:txBody>
@@ -2465,7 +2764,7 @@
             <a:spLocks noGrp="1"/>
           </p:cNvSpPr>
           <p:nvPr>
-            <p:ph type="body"/>
+            <p:ph/>
           </p:nvPr>
         </p:nvSpPr>
         <p:spPr>
@@ -2476,14 +2775,18 @@
           <a:prstGeom prst="rect">
             <a:avLst/>
           </a:prstGeom>
+          <a:noFill/>
+          <a:ln w="0">
+            <a:noFill/>
+          </a:ln>
         </p:spPr>
         <p:txBody>
-          <a:bodyPr lIns="0" rIns="0" tIns="0" bIns="0">
+          <a:bodyPr lIns="0" rIns="0" tIns="0" bIns="0" anchor="t">
             <a:normAutofit/>
           </a:bodyPr>
           <a:p>
             <a:endParaRPr b="0" lang="en-US" sz="3200" spc="-1" strike="noStrike">
-              <a:latin typeface="Arial"/>
+              <a:latin typeface="DejaVu Sans"/>
             </a:endParaRPr>
           </a:p>
         </p:txBody>
@@ -2495,7 +2798,7 @@
             <a:spLocks noGrp="1"/>
           </p:cNvSpPr>
           <p:nvPr>
-            <p:ph type="body"/>
+            <p:ph/>
           </p:nvPr>
         </p:nvSpPr>
         <p:spPr>
@@ -2506,14 +2809,18 @@
           <a:prstGeom prst="rect">
             <a:avLst/>
           </a:prstGeom>
+          <a:noFill/>
+          <a:ln w="0">
+            <a:noFill/>
+          </a:ln>
         </p:spPr>
         <p:txBody>
-          <a:bodyPr lIns="0" rIns="0" tIns="0" bIns="0">
+          <a:bodyPr lIns="0" rIns="0" tIns="0" bIns="0" anchor="t">
             <a:normAutofit/>
           </a:bodyPr>
           <a:p>
             <a:endParaRPr b="0" lang="en-US" sz="3200" spc="-1" strike="noStrike">
-              <a:latin typeface="Arial"/>
+              <a:latin typeface="DejaVu Sans"/>
             </a:endParaRPr>
           </a:p>
         </p:txBody>
@@ -2525,7 +2832,7 @@
             <a:spLocks noGrp="1"/>
           </p:cNvSpPr>
           <p:nvPr>
-            <p:ph type="body"/>
+            <p:ph/>
           </p:nvPr>
         </p:nvSpPr>
         <p:spPr>
@@ -2536,14 +2843,18 @@
           <a:prstGeom prst="rect">
             <a:avLst/>
           </a:prstGeom>
+          <a:noFill/>
+          <a:ln w="0">
+            <a:noFill/>
+          </a:ln>
         </p:spPr>
         <p:txBody>
-          <a:bodyPr lIns="0" rIns="0" tIns="0" bIns="0">
+          <a:bodyPr lIns="0" rIns="0" tIns="0" bIns="0" anchor="t">
             <a:normAutofit/>
           </a:bodyPr>
           <a:p>
             <a:endParaRPr b="0" lang="en-US" sz="3200" spc="-1" strike="noStrike">
-              <a:latin typeface="Arial"/>
+              <a:latin typeface="DejaVu Sans"/>
             </a:endParaRPr>
           </a:p>
         </p:txBody>
@@ -2555,7 +2866,7 @@
             <a:spLocks noGrp="1"/>
           </p:cNvSpPr>
           <p:nvPr>
-            <p:ph type="body"/>
+            <p:ph/>
           </p:nvPr>
         </p:nvSpPr>
         <p:spPr>
@@ -2566,14 +2877,18 @@
           <a:prstGeom prst="rect">
             <a:avLst/>
           </a:prstGeom>
+          <a:noFill/>
+          <a:ln w="0">
+            <a:noFill/>
+          </a:ln>
         </p:spPr>
         <p:txBody>
-          <a:bodyPr lIns="0" rIns="0" tIns="0" bIns="0">
+          <a:bodyPr lIns="0" rIns="0" tIns="0" bIns="0" anchor="t">
             <a:normAutofit/>
           </a:bodyPr>
           <a:p>
             <a:endParaRPr b="0" lang="en-US" sz="3200" spc="-1" strike="noStrike">
-              <a:latin typeface="Arial"/>
+              <a:latin typeface="DejaVu Sans"/>
             </a:endParaRPr>
           </a:p>
         </p:txBody>
@@ -2585,7 +2900,7 @@
             <a:spLocks noGrp="1"/>
           </p:cNvSpPr>
           <p:nvPr>
-            <p:ph type="body"/>
+            <p:ph/>
           </p:nvPr>
         </p:nvSpPr>
         <p:spPr>
@@ -2596,14 +2911,18 @@
           <a:prstGeom prst="rect">
             <a:avLst/>
           </a:prstGeom>
+          <a:noFill/>
+          <a:ln w="0">
+            <a:noFill/>
+          </a:ln>
         </p:spPr>
         <p:txBody>
-          <a:bodyPr lIns="0" rIns="0" tIns="0" bIns="0">
+          <a:bodyPr lIns="0" rIns="0" tIns="0" bIns="0" anchor="t">
             <a:normAutofit/>
           </a:bodyPr>
           <a:p>
             <a:endParaRPr b="0" lang="en-US" sz="3200" spc="-1" strike="noStrike">
-              <a:latin typeface="Arial"/>
+              <a:latin typeface="DejaVu Sans"/>
             </a:endParaRPr>
           </a:p>
         </p:txBody>
@@ -2615,7 +2934,7 @@
             <a:spLocks noGrp="1"/>
           </p:cNvSpPr>
           <p:nvPr>
-            <p:ph type="body"/>
+            <p:ph/>
           </p:nvPr>
         </p:nvSpPr>
         <p:spPr>
@@ -2626,14 +2945,18 @@
           <a:prstGeom prst="rect">
             <a:avLst/>
           </a:prstGeom>
+          <a:noFill/>
+          <a:ln w="0">
+            <a:noFill/>
+          </a:ln>
         </p:spPr>
         <p:txBody>
-          <a:bodyPr lIns="0" rIns="0" tIns="0" bIns="0">
+          <a:bodyPr lIns="0" rIns="0" tIns="0" bIns="0" anchor="t">
             <a:normAutofit/>
           </a:bodyPr>
           <a:p>
             <a:endParaRPr b="0" lang="en-US" sz="3200" spc="-1" strike="noStrike">
-              <a:latin typeface="Arial"/>
+              <a:latin typeface="DejaVu Sans"/>
             </a:endParaRPr>
           </a:p>
         </p:txBody>
@@ -2678,15 +3001,21 @@
           <a:prstGeom prst="rect">
             <a:avLst/>
           </a:prstGeom>
+          <a:noFill/>
+          <a:ln w="0">
+            <a:noFill/>
+          </a:ln>
         </p:spPr>
         <p:txBody>
           <a:bodyPr lIns="0" rIns="0" tIns="0" bIns="0" anchor="ctr">
             <a:noAutofit/>
           </a:bodyPr>
           <a:p>
-            <a:pPr algn="ctr"/>
+            <a:pPr algn="ctr">
+              <a:buNone/>
+            </a:pPr>
             <a:endParaRPr b="0" lang="en-US" sz="4400" spc="-1" strike="noStrike">
-              <a:latin typeface="Arial"/>
+              <a:latin typeface="DejaVu Sans"/>
             </a:endParaRPr>
           </a:p>
         </p:txBody>
@@ -2698,7 +3027,7 @@
             <a:spLocks noGrp="1"/>
           </p:cNvSpPr>
           <p:nvPr>
-            <p:ph type="body"/>
+            <p:ph/>
           </p:nvPr>
         </p:nvSpPr>
         <p:spPr>
@@ -2709,14 +3038,18 @@
           <a:prstGeom prst="rect">
             <a:avLst/>
           </a:prstGeom>
+          <a:noFill/>
+          <a:ln w="0">
+            <a:noFill/>
+          </a:ln>
         </p:spPr>
         <p:txBody>
-          <a:bodyPr lIns="0" rIns="0" tIns="0" bIns="0">
+          <a:bodyPr lIns="0" rIns="0" tIns="0" bIns="0" anchor="t">
             <a:normAutofit/>
           </a:bodyPr>
           <a:p>
             <a:endParaRPr b="0" lang="en-US" sz="3200" spc="-1" strike="noStrike">
-              <a:latin typeface="Arial"/>
+              <a:latin typeface="DejaVu Sans"/>
             </a:endParaRPr>
           </a:p>
         </p:txBody>
@@ -2761,15 +3094,21 @@
           <a:prstGeom prst="rect">
             <a:avLst/>
           </a:prstGeom>
+          <a:noFill/>
+          <a:ln w="0">
+            <a:noFill/>
+          </a:ln>
         </p:spPr>
         <p:txBody>
           <a:bodyPr lIns="0" rIns="0" tIns="0" bIns="0" anchor="ctr">
             <a:noAutofit/>
           </a:bodyPr>
           <a:p>
-            <a:pPr algn="ctr"/>
+            <a:pPr algn="ctr">
+              <a:buNone/>
+            </a:pPr>
             <a:endParaRPr b="0" lang="en-US" sz="4400" spc="-1" strike="noStrike">
-              <a:latin typeface="Arial"/>
+              <a:latin typeface="DejaVu Sans"/>
             </a:endParaRPr>
           </a:p>
         </p:txBody>
@@ -2781,7 +3120,7 @@
             <a:spLocks noGrp="1"/>
           </p:cNvSpPr>
           <p:nvPr>
-            <p:ph type="body"/>
+            <p:ph/>
           </p:nvPr>
         </p:nvSpPr>
         <p:spPr>
@@ -2792,14 +3131,18 @@
           <a:prstGeom prst="rect">
             <a:avLst/>
           </a:prstGeom>
+          <a:noFill/>
+          <a:ln w="0">
+            <a:noFill/>
+          </a:ln>
         </p:spPr>
         <p:txBody>
-          <a:bodyPr lIns="0" rIns="0" tIns="0" bIns="0">
+          <a:bodyPr lIns="0" rIns="0" tIns="0" bIns="0" anchor="t">
             <a:normAutofit/>
           </a:bodyPr>
           <a:p>
             <a:endParaRPr b="0" lang="en-US" sz="3200" spc="-1" strike="noStrike">
-              <a:latin typeface="Arial"/>
+              <a:latin typeface="DejaVu Sans"/>
             </a:endParaRPr>
           </a:p>
         </p:txBody>
@@ -2811,7 +3154,7 @@
             <a:spLocks noGrp="1"/>
           </p:cNvSpPr>
           <p:nvPr>
-            <p:ph type="body"/>
+            <p:ph/>
           </p:nvPr>
         </p:nvSpPr>
         <p:spPr>
@@ -2822,14 +3165,18 @@
           <a:prstGeom prst="rect">
             <a:avLst/>
           </a:prstGeom>
+          <a:noFill/>
+          <a:ln w="0">
+            <a:noFill/>
+          </a:ln>
         </p:spPr>
         <p:txBody>
-          <a:bodyPr lIns="0" rIns="0" tIns="0" bIns="0">
+          <a:bodyPr lIns="0" rIns="0" tIns="0" bIns="0" anchor="t">
             <a:normAutofit/>
           </a:bodyPr>
           <a:p>
             <a:endParaRPr b="0" lang="en-US" sz="3200" spc="-1" strike="noStrike">
-              <a:latin typeface="Arial"/>
+              <a:latin typeface="DejaVu Sans"/>
             </a:endParaRPr>
           </a:p>
         </p:txBody>
@@ -2874,15 +3221,21 @@
           <a:prstGeom prst="rect">
             <a:avLst/>
           </a:prstGeom>
+          <a:noFill/>
+          <a:ln w="0">
+            <a:noFill/>
+          </a:ln>
         </p:spPr>
         <p:txBody>
           <a:bodyPr lIns="0" rIns="0" tIns="0" bIns="0" anchor="ctr">
             <a:noAutofit/>
           </a:bodyPr>
           <a:p>
-            <a:pPr algn="ctr"/>
+            <a:pPr algn="ctr">
+              <a:buNone/>
+            </a:pPr>
             <a:endParaRPr b="0" lang="en-US" sz="4400" spc="-1" strike="noStrike">
-              <a:latin typeface="Arial"/>
+              <a:latin typeface="DejaVu Sans"/>
             </a:endParaRPr>
           </a:p>
         </p:txBody>
@@ -2927,15 +3280,21 @@
           <a:prstGeom prst="rect">
             <a:avLst/>
           </a:prstGeom>
+          <a:noFill/>
+          <a:ln w="0">
+            <a:noFill/>
+          </a:ln>
         </p:spPr>
         <p:txBody>
           <a:bodyPr lIns="0" rIns="0" tIns="0" bIns="0" anchor="ctr">
             <a:noAutofit/>
           </a:bodyPr>
           <a:p>
-            <a:pPr algn="ctr"/>
+            <a:pPr algn="ctr">
+              <a:buNone/>
+            </a:pPr>
             <a:endParaRPr b="0" lang="en-US" sz="3200" spc="-1" strike="noStrike">
-              <a:latin typeface="Arial"/>
+              <a:latin typeface="DejaVu Sans"/>
             </a:endParaRPr>
           </a:p>
         </p:txBody>
@@ -2980,15 +3339,21 @@
           <a:prstGeom prst="rect">
             <a:avLst/>
           </a:prstGeom>
+          <a:noFill/>
+          <a:ln w="0">
+            <a:noFill/>
+          </a:ln>
         </p:spPr>
         <p:txBody>
           <a:bodyPr lIns="0" rIns="0" tIns="0" bIns="0" anchor="ctr">
             <a:noAutofit/>
           </a:bodyPr>
           <a:p>
-            <a:pPr algn="ctr"/>
+            <a:pPr algn="ctr">
+              <a:buNone/>
+            </a:pPr>
             <a:endParaRPr b="0" lang="en-US" sz="4400" spc="-1" strike="noStrike">
-              <a:latin typeface="Arial"/>
+              <a:latin typeface="DejaVu Sans"/>
             </a:endParaRPr>
           </a:p>
         </p:txBody>
@@ -3000,7 +3365,7 @@
             <a:spLocks noGrp="1"/>
           </p:cNvSpPr>
           <p:nvPr>
-            <p:ph type="body"/>
+            <p:ph/>
           </p:nvPr>
         </p:nvSpPr>
         <p:spPr>
@@ -3011,14 +3376,18 @@
           <a:prstGeom prst="rect">
             <a:avLst/>
           </a:prstGeom>
+          <a:noFill/>
+          <a:ln w="0">
+            <a:noFill/>
+          </a:ln>
         </p:spPr>
         <p:txBody>
-          <a:bodyPr lIns="0" rIns="0" tIns="0" bIns="0">
+          <a:bodyPr lIns="0" rIns="0" tIns="0" bIns="0" anchor="t">
             <a:normAutofit/>
           </a:bodyPr>
           <a:p>
             <a:endParaRPr b="0" lang="en-US" sz="3200" spc="-1" strike="noStrike">
-              <a:latin typeface="Arial"/>
+              <a:latin typeface="DejaVu Sans"/>
             </a:endParaRPr>
           </a:p>
         </p:txBody>
@@ -3030,7 +3399,7 @@
             <a:spLocks noGrp="1"/>
           </p:cNvSpPr>
           <p:nvPr>
-            <p:ph type="body"/>
+            <p:ph/>
           </p:nvPr>
         </p:nvSpPr>
         <p:spPr>
@@ -3041,14 +3410,18 @@
           <a:prstGeom prst="rect">
             <a:avLst/>
           </a:prstGeom>
+          <a:noFill/>
+          <a:ln w="0">
+            <a:noFill/>
+          </a:ln>
         </p:spPr>
         <p:txBody>
-          <a:bodyPr lIns="0" rIns="0" tIns="0" bIns="0">
+          <a:bodyPr lIns="0" rIns="0" tIns="0" bIns="0" anchor="t">
             <a:normAutofit/>
           </a:bodyPr>
           <a:p>
             <a:endParaRPr b="0" lang="en-US" sz="3200" spc="-1" strike="noStrike">
-              <a:latin typeface="Arial"/>
+              <a:latin typeface="DejaVu Sans"/>
             </a:endParaRPr>
           </a:p>
         </p:txBody>
@@ -3060,7 +3433,7 @@
             <a:spLocks noGrp="1"/>
           </p:cNvSpPr>
           <p:nvPr>
-            <p:ph type="body"/>
+            <p:ph/>
           </p:nvPr>
         </p:nvSpPr>
         <p:spPr>
@@ -3071,14 +3444,18 @@
           <a:prstGeom prst="rect">
             <a:avLst/>
           </a:prstGeom>
+          <a:noFill/>
+          <a:ln w="0">
+            <a:noFill/>
+          </a:ln>
         </p:spPr>
         <p:txBody>
-          <a:bodyPr lIns="0" rIns="0" tIns="0" bIns="0">
+          <a:bodyPr lIns="0" rIns="0" tIns="0" bIns="0" anchor="t">
             <a:normAutofit/>
           </a:bodyPr>
           <a:p>
             <a:endParaRPr b="0" lang="en-US" sz="3200" spc="-1" strike="noStrike">
-              <a:latin typeface="Arial"/>
+              <a:latin typeface="DejaVu Sans"/>
             </a:endParaRPr>
           </a:p>
         </p:txBody>
@@ -3123,15 +3500,21 @@
           <a:prstGeom prst="rect">
             <a:avLst/>
           </a:prstGeom>
+          <a:noFill/>
+          <a:ln w="0">
+            <a:noFill/>
+          </a:ln>
         </p:spPr>
         <p:txBody>
           <a:bodyPr lIns="0" rIns="0" tIns="0" bIns="0" anchor="ctr">
             <a:noAutofit/>
           </a:bodyPr>
           <a:p>
-            <a:pPr algn="ctr"/>
+            <a:pPr algn="ctr">
+              <a:buNone/>
+            </a:pPr>
             <a:endParaRPr b="0" lang="en-US" sz="4400" spc="-1" strike="noStrike">
-              <a:latin typeface="Arial"/>
+              <a:latin typeface="DejaVu Sans"/>
             </a:endParaRPr>
           </a:p>
         </p:txBody>
@@ -3143,7 +3526,7 @@
             <a:spLocks noGrp="1"/>
           </p:cNvSpPr>
           <p:nvPr>
-            <p:ph type="body"/>
+            <p:ph/>
           </p:nvPr>
         </p:nvSpPr>
         <p:spPr>
@@ -3154,14 +3537,18 @@
           <a:prstGeom prst="rect">
             <a:avLst/>
           </a:prstGeom>
+          <a:noFill/>
+          <a:ln w="0">
+            <a:noFill/>
+          </a:ln>
         </p:spPr>
         <p:txBody>
-          <a:bodyPr lIns="0" rIns="0" tIns="0" bIns="0">
+          <a:bodyPr lIns="0" rIns="0" tIns="0" bIns="0" anchor="t">
             <a:normAutofit/>
           </a:bodyPr>
           <a:p>
             <a:endParaRPr b="0" lang="en-US" sz="3200" spc="-1" strike="noStrike">
-              <a:latin typeface="Arial"/>
+              <a:latin typeface="DejaVu Sans"/>
             </a:endParaRPr>
           </a:p>
         </p:txBody>
@@ -3173,7 +3560,7 @@
             <a:spLocks noGrp="1"/>
           </p:cNvSpPr>
           <p:nvPr>
-            <p:ph type="body"/>
+            <p:ph/>
           </p:nvPr>
         </p:nvSpPr>
         <p:spPr>
@@ -3184,14 +3571,18 @@
           <a:prstGeom prst="rect">
             <a:avLst/>
           </a:prstGeom>
+          <a:noFill/>
+          <a:ln w="0">
+            <a:noFill/>
+          </a:ln>
         </p:spPr>
         <p:txBody>
-          <a:bodyPr lIns="0" rIns="0" tIns="0" bIns="0">
+          <a:bodyPr lIns="0" rIns="0" tIns="0" bIns="0" anchor="t">
             <a:normAutofit/>
           </a:bodyPr>
           <a:p>
             <a:endParaRPr b="0" lang="en-US" sz="3200" spc="-1" strike="noStrike">
-              <a:latin typeface="Arial"/>
+              <a:latin typeface="DejaVu Sans"/>
             </a:endParaRPr>
           </a:p>
         </p:txBody>
@@ -3203,7 +3594,7 @@
             <a:spLocks noGrp="1"/>
           </p:cNvSpPr>
           <p:nvPr>
-            <p:ph type="body"/>
+            <p:ph/>
           </p:nvPr>
         </p:nvSpPr>
         <p:spPr>
@@ -3214,14 +3605,18 @@
           <a:prstGeom prst="rect">
             <a:avLst/>
           </a:prstGeom>
+          <a:noFill/>
+          <a:ln w="0">
+            <a:noFill/>
+          </a:ln>
         </p:spPr>
         <p:txBody>
-          <a:bodyPr lIns="0" rIns="0" tIns="0" bIns="0">
+          <a:bodyPr lIns="0" rIns="0" tIns="0" bIns="0" anchor="t">
             <a:normAutofit/>
           </a:bodyPr>
           <a:p>
             <a:endParaRPr b="0" lang="en-US" sz="3200" spc="-1" strike="noStrike">
-              <a:latin typeface="Arial"/>
+              <a:latin typeface="DejaVu Sans"/>
             </a:endParaRPr>
           </a:p>
         </p:txBody>
@@ -3266,15 +3661,21 @@
           <a:prstGeom prst="rect">
             <a:avLst/>
           </a:prstGeom>
+          <a:noFill/>
+          <a:ln w="0">
+            <a:noFill/>
+          </a:ln>
         </p:spPr>
         <p:txBody>
           <a:bodyPr lIns="0" rIns="0" tIns="0" bIns="0" anchor="ctr">
             <a:noAutofit/>
           </a:bodyPr>
           <a:p>
-            <a:pPr algn="ctr"/>
+            <a:pPr algn="ctr">
+              <a:buNone/>
+            </a:pPr>
             <a:endParaRPr b="0" lang="en-US" sz="4400" spc="-1" strike="noStrike">
-              <a:latin typeface="Arial"/>
+              <a:latin typeface="DejaVu Sans"/>
             </a:endParaRPr>
           </a:p>
         </p:txBody>
@@ -3286,7 +3687,7 @@
             <a:spLocks noGrp="1"/>
           </p:cNvSpPr>
           <p:nvPr>
-            <p:ph type="body"/>
+            <p:ph/>
           </p:nvPr>
         </p:nvSpPr>
         <p:spPr>
@@ -3297,14 +3698,18 @@
           <a:prstGeom prst="rect">
             <a:avLst/>
           </a:prstGeom>
+          <a:noFill/>
+          <a:ln w="0">
+            <a:noFill/>
+          </a:ln>
         </p:spPr>
         <p:txBody>
-          <a:bodyPr lIns="0" rIns="0" tIns="0" bIns="0">
+          <a:bodyPr lIns="0" rIns="0" tIns="0" bIns="0" anchor="t">
             <a:normAutofit/>
           </a:bodyPr>
           <a:p>
             <a:endParaRPr b="0" lang="en-US" sz="3200" spc="-1" strike="noStrike">
-              <a:latin typeface="Arial"/>
+              <a:latin typeface="DejaVu Sans"/>
             </a:endParaRPr>
           </a:p>
         </p:txBody>
@@ -3316,7 +3721,7 @@
             <a:spLocks noGrp="1"/>
           </p:cNvSpPr>
           <p:nvPr>
-            <p:ph type="body"/>
+            <p:ph/>
           </p:nvPr>
         </p:nvSpPr>
         <p:spPr>
@@ -3327,14 +3732,18 @@
           <a:prstGeom prst="rect">
             <a:avLst/>
           </a:prstGeom>
+          <a:noFill/>
+          <a:ln w="0">
+            <a:noFill/>
+          </a:ln>
         </p:spPr>
         <p:txBody>
-          <a:bodyPr lIns="0" rIns="0" tIns="0" bIns="0">
+          <a:bodyPr lIns="0" rIns="0" tIns="0" bIns="0" anchor="t">
             <a:normAutofit/>
           </a:bodyPr>
           <a:p>
             <a:endParaRPr b="0" lang="en-US" sz="3200" spc="-1" strike="noStrike">
-              <a:latin typeface="Arial"/>
+              <a:latin typeface="DejaVu Sans"/>
             </a:endParaRPr>
           </a:p>
         </p:txBody>
@@ -3346,7 +3755,7 @@
             <a:spLocks noGrp="1"/>
           </p:cNvSpPr>
           <p:nvPr>
-            <p:ph type="body"/>
+            <p:ph/>
           </p:nvPr>
         </p:nvSpPr>
         <p:spPr>
@@ -3357,14 +3766,18 @@
           <a:prstGeom prst="rect">
             <a:avLst/>
           </a:prstGeom>
+          <a:noFill/>
+          <a:ln w="0">
+            <a:noFill/>
+          </a:ln>
         </p:spPr>
         <p:txBody>
-          <a:bodyPr lIns="0" rIns="0" tIns="0" bIns="0">
+          <a:bodyPr lIns="0" rIns="0" tIns="0" bIns="0" anchor="t">
             <a:normAutofit/>
           </a:bodyPr>
           <a:p>
             <a:endParaRPr b="0" lang="en-US" sz="3200" spc="-1" strike="noStrike">
-              <a:latin typeface="Arial"/>
+              <a:latin typeface="DejaVu Sans"/>
             </a:endParaRPr>
           </a:p>
         </p:txBody>
@@ -3407,7 +3820,7 @@
         <p:spPr>
           <a:xfrm>
             <a:off x="11444760" y="0"/>
-            <a:ext cx="743040" cy="6851880"/>
+            <a:ext cx="742680" cy="6851520"/>
           </a:xfrm>
           <a:prstGeom prst="rect">
             <a:avLst/>
@@ -3417,7 +3830,7 @@
               <a:alpha val="10000"/>
             </a:srgbClr>
           </a:solidFill>
-          <a:ln>
+          <a:ln w="0">
             <a:noFill/>
           </a:ln>
         </p:spPr>
@@ -3437,13 +3850,13 @@
         <p:spPr>
           <a:xfrm>
             <a:off x="11438640" y="6453360"/>
-            <a:ext cx="759960" cy="363960"/>
-          </a:xfrm>
-          <a:prstGeom prst="rect">
-            <a:avLst/>
-          </a:prstGeom>
-          <a:noFill/>
-          <a:ln>
+            <a:ext cx="759600" cy="363960"/>
+          </a:xfrm>
+          <a:prstGeom prst="rect">
+            <a:avLst/>
+          </a:prstGeom>
+          <a:noFill/>
+          <a:ln w="0">
             <a:noFill/>
           </a:ln>
         </p:spPr>
@@ -3454,7 +3867,7 @@
           <a:fontRef idx="minor"/>
         </p:style>
         <p:txBody>
-          <a:bodyPr lIns="90000" rIns="90000" tIns="45000" bIns="45000">
+          <a:bodyPr lIns="90000" rIns="90000" tIns="45000" bIns="45000" anchor="t">
             <a:spAutoFit/>
           </a:bodyPr>
           <a:p>
@@ -3462,8 +3875,9 @@
               <a:lnSpc>
                 <a:spcPct val="100000"/>
               </a:lnSpc>
-            </a:pPr>
-            <a:fld id="{09844AE4-C922-4464-91F7-EC504F2CBFB4}" type="slidenum">
+              <a:buNone/>
+            </a:pPr>
+            <a:fld id="{843562F9-3174-4CEC-9002-22B1BA5F7BFA}" type="slidenum">
               <a:rPr b="0" lang="en-US" sz="1800" spc="-1" strike="noStrike">
                 <a:solidFill>
                   <a:srgbClr val="808080"/>
@@ -3474,7 +3888,7 @@
               <a:t>&lt;number&gt;</a:t>
             </a:fld>
             <a:endParaRPr b="0" lang="en-US" sz="1800" spc="-1" strike="noStrike">
-              <a:latin typeface="Arial"/>
+              <a:latin typeface="DejaVu Sans"/>
             </a:endParaRPr>
           </a:p>
         </p:txBody>
@@ -3488,13 +3902,13 @@
         <p:spPr>
           <a:xfrm>
             <a:off x="912240" y="1268280"/>
-            <a:ext cx="9209880" cy="363240"/>
-          </a:xfrm>
-          <a:prstGeom prst="rect">
-            <a:avLst/>
-          </a:prstGeom>
-          <a:noFill/>
-          <a:ln>
+            <a:ext cx="9209520" cy="362880"/>
+          </a:xfrm>
+          <a:prstGeom prst="rect">
+            <a:avLst/>
+          </a:prstGeom>
+          <a:noFill/>
+          <a:ln w="0">
             <a:noFill/>
           </a:ln>
         </p:spPr>
@@ -3518,12 +3932,12 @@
         <p:spPr>
           <a:xfrm>
             <a:off x="0" y="0"/>
-            <a:ext cx="3053880" cy="563760"/>
-          </a:xfrm>
-          <a:prstGeom prst="rect">
-            <a:avLst/>
-          </a:prstGeom>
-          <a:ln>
+            <a:ext cx="3053520" cy="563400"/>
+          </a:xfrm>
+          <a:prstGeom prst="rect">
+            <a:avLst/>
+          </a:prstGeom>
+          <a:ln w="0">
             <a:noFill/>
           </a:ln>
         </p:spPr>
@@ -3541,12 +3955,12 @@
         <p:spPr>
           <a:xfrm>
             <a:off x="7430400" y="134640"/>
-            <a:ext cx="3699720" cy="515880"/>
-          </a:xfrm>
-          <a:prstGeom prst="rect">
-            <a:avLst/>
-          </a:prstGeom>
-          <a:ln>
+            <a:ext cx="3699360" cy="515520"/>
+          </a:xfrm>
+          <a:prstGeom prst="rect">
+            <a:avLst/>
+          </a:prstGeom>
+          <a:ln w="0">
             <a:noFill/>
           </a:ln>
         </p:spPr>
@@ -3560,13 +3974,13 @@
         <p:spPr>
           <a:xfrm>
             <a:off x="912240" y="1268280"/>
-            <a:ext cx="9209880" cy="363240"/>
-          </a:xfrm>
-          <a:prstGeom prst="rect">
-            <a:avLst/>
-          </a:prstGeom>
-          <a:noFill/>
-          <a:ln>
+            <a:ext cx="9209520" cy="362880"/>
+          </a:xfrm>
+          <a:prstGeom prst="rect">
+            <a:avLst/>
+          </a:prstGeom>
+          <a:noFill/>
+          <a:ln w="0">
             <a:noFill/>
           </a:ln>
         </p:spPr>
@@ -3586,7 +4000,7 @@
         <p:spPr>
           <a:xfrm>
             <a:off x="11444760" y="0"/>
-            <a:ext cx="743040" cy="6851880"/>
+            <a:ext cx="742680" cy="6851520"/>
           </a:xfrm>
           <a:prstGeom prst="rect">
             <a:avLst/>
@@ -3596,7 +4010,7 @@
               <a:alpha val="10000"/>
             </a:srgbClr>
           </a:solidFill>
-          <a:ln>
+          <a:ln w="0">
             <a:noFill/>
           </a:ln>
         </p:spPr>
@@ -3616,13 +4030,13 @@
         <p:spPr>
           <a:xfrm>
             <a:off x="0" y="6642720"/>
-            <a:ext cx="12186000" cy="211320"/>
-          </a:xfrm>
-          <a:prstGeom prst="rect">
-            <a:avLst/>
-          </a:prstGeom>
-          <a:noFill/>
-          <a:ln>
+            <a:ext cx="12185640" cy="211320"/>
+          </a:xfrm>
+          <a:prstGeom prst="rect">
+            <a:avLst/>
+          </a:prstGeom>
+          <a:noFill/>
+          <a:ln w="0">
             <a:noFill/>
           </a:ln>
         </p:spPr>
@@ -3633,7 +4047,7 @@
           <a:fontRef idx="minor"/>
         </p:style>
         <p:txBody>
-          <a:bodyPr lIns="90000" rIns="90000" tIns="45000" bIns="45000">
+          <a:bodyPr lIns="90000" rIns="90000" tIns="45000" bIns="45000" anchor="t">
             <a:spAutoFit/>
           </a:bodyPr>
           <a:p>
@@ -3641,6 +4055,7 @@
               <a:lnSpc>
                 <a:spcPct val="100000"/>
               </a:lnSpc>
+              <a:buNone/>
             </a:pPr>
             <a:r>
               <a:rPr b="0" lang="de-DE" sz="800" spc="-1" strike="noStrike">
@@ -3673,14 +4088,14 @@
               <a:t> (TU Clausthal / University of Göttingen)</a:t>
             </a:r>
             <a:endParaRPr b="0" lang="en-US" sz="800" spc="-1" strike="noStrike">
-              <a:latin typeface="Arial"/>
+              <a:latin typeface="DejaVu Sans"/>
             </a:endParaRPr>
           </a:p>
         </p:txBody>
       </p:sp>
       <p:sp>
         <p:nvSpPr>
-          <p:cNvPr id="8" name="PlaceHolder 7"/>
+          <p:cNvPr id="8" name="PlaceHolder 1"/>
           <p:cNvSpPr>
             <a:spLocks noGrp="1"/>
           </p:cNvSpPr>
@@ -3696,28 +4111,34 @@
           <a:prstGeom prst="rect">
             <a:avLst/>
           </a:prstGeom>
+          <a:noFill/>
+          <a:ln w="0">
+            <a:noFill/>
+          </a:ln>
         </p:spPr>
         <p:txBody>
           <a:bodyPr lIns="0" rIns="0" tIns="0" bIns="0" anchor="ctr">
             <a:noAutofit/>
           </a:bodyPr>
           <a:p>
-            <a:pPr algn="ctr"/>
+            <a:pPr algn="ctr">
+              <a:buNone/>
+            </a:pPr>
             <a:r>
               <a:rPr b="0" lang="en-US" sz="4400" spc="-1" strike="noStrike">
-                <a:latin typeface="Arial"/>
+                <a:latin typeface="DejaVu Sans"/>
               </a:rPr>
               <a:t>Click to edit the title text format</a:t>
             </a:r>
             <a:endParaRPr b="0" lang="en-US" sz="4400" spc="-1" strike="noStrike">
-              <a:latin typeface="Arial"/>
+              <a:latin typeface="DejaVu Sans"/>
             </a:endParaRPr>
           </a:p>
         </p:txBody>
       </p:sp>
       <p:sp>
         <p:nvSpPr>
-          <p:cNvPr id="9" name="PlaceHolder 8"/>
+          <p:cNvPr id="9" name="PlaceHolder 2"/>
           <p:cNvSpPr>
             <a:spLocks noGrp="1"/>
           </p:cNvSpPr>
@@ -3733,9 +4154,13 @@
           <a:prstGeom prst="rect">
             <a:avLst/>
           </a:prstGeom>
+          <a:noFill/>
+          <a:ln w="0">
+            <a:noFill/>
+          </a:ln>
         </p:spPr>
         <p:txBody>
-          <a:bodyPr lIns="0" rIns="0" tIns="0" bIns="0">
+          <a:bodyPr lIns="0" rIns="0" tIns="0" bIns="0" anchor="t">
             <a:normAutofit/>
           </a:bodyPr>
           <a:p>
@@ -3752,12 +4177,12 @@
             </a:pPr>
             <a:r>
               <a:rPr b="0" lang="en-US" sz="3200" spc="-1" strike="noStrike">
-                <a:latin typeface="Arial"/>
+                <a:latin typeface="DejaVu Sans"/>
               </a:rPr>
               <a:t>Click to edit the outline text format</a:t>
             </a:r>
             <a:endParaRPr b="0" lang="en-US" sz="3200" spc="-1" strike="noStrike">
-              <a:latin typeface="Arial"/>
+              <a:latin typeface="DejaVu Sans"/>
             </a:endParaRPr>
           </a:p>
           <a:p>
@@ -3774,12 +4199,12 @@
             </a:pPr>
             <a:r>
               <a:rPr b="0" lang="en-US" sz="2800" spc="-1" strike="noStrike">
-                <a:latin typeface="Arial"/>
+                <a:latin typeface="DejaVu Sans"/>
               </a:rPr>
               <a:t>Second Outline Level</a:t>
             </a:r>
             <a:endParaRPr b="0" lang="en-US" sz="2800" spc="-1" strike="noStrike">
-              <a:latin typeface="Arial"/>
+              <a:latin typeface="DejaVu Sans"/>
             </a:endParaRPr>
           </a:p>
           <a:p>
@@ -3796,12 +4221,12 @@
             </a:pPr>
             <a:r>
               <a:rPr b="0" lang="en-US" sz="2400" spc="-1" strike="noStrike">
-                <a:latin typeface="Arial"/>
+                <a:latin typeface="DejaVu Sans"/>
               </a:rPr>
               <a:t>Third Outline Level</a:t>
             </a:r>
             <a:endParaRPr b="0" lang="en-US" sz="2400" spc="-1" strike="noStrike">
-              <a:latin typeface="Arial"/>
+              <a:latin typeface="DejaVu Sans"/>
             </a:endParaRPr>
           </a:p>
           <a:p>
@@ -3818,12 +4243,12 @@
             </a:pPr>
             <a:r>
               <a:rPr b="0" lang="en-US" sz="2000" spc="-1" strike="noStrike">
-                <a:latin typeface="Arial"/>
+                <a:latin typeface="DejaVu Sans"/>
               </a:rPr>
               <a:t>Fourth Outline Level</a:t>
             </a:r>
             <a:endParaRPr b="0" lang="en-US" sz="2000" spc="-1" strike="noStrike">
-              <a:latin typeface="Arial"/>
+              <a:latin typeface="DejaVu Sans"/>
             </a:endParaRPr>
           </a:p>
           <a:p>
@@ -3840,12 +4265,12 @@
             </a:pPr>
             <a:r>
               <a:rPr b="0" lang="en-US" sz="2000" spc="-1" strike="noStrike">
-                <a:latin typeface="Arial"/>
+                <a:latin typeface="DejaVu Sans"/>
               </a:rPr>
               <a:t>Fifth Outline Level</a:t>
             </a:r>
             <a:endParaRPr b="0" lang="en-US" sz="2000" spc="-1" strike="noStrike">
-              <a:latin typeface="Arial"/>
+              <a:latin typeface="DejaVu Sans"/>
             </a:endParaRPr>
           </a:p>
           <a:p>
@@ -3862,12 +4287,12 @@
             </a:pPr>
             <a:r>
               <a:rPr b="0" lang="en-US" sz="2000" spc="-1" strike="noStrike">
-                <a:latin typeface="Arial"/>
+                <a:latin typeface="DejaVu Sans"/>
               </a:rPr>
               <a:t>Sixth Outline Level</a:t>
             </a:r>
             <a:endParaRPr b="0" lang="en-US" sz="2000" spc="-1" strike="noStrike">
-              <a:latin typeface="Arial"/>
+              <a:latin typeface="DejaVu Sans"/>
             </a:endParaRPr>
           </a:p>
           <a:p>
@@ -3884,12 +4309,12 @@
             </a:pPr>
             <a:r>
               <a:rPr b="0" lang="en-US" sz="2000" spc="-1" strike="noStrike">
-                <a:latin typeface="Arial"/>
+                <a:latin typeface="DejaVu Sans"/>
               </a:rPr>
               <a:t>Seventh Outline Level</a:t>
             </a:r>
             <a:endParaRPr b="0" lang="en-US" sz="2000" spc="-1" strike="noStrike">
-              <a:latin typeface="Arial"/>
+              <a:latin typeface="DejaVu Sans"/>
             </a:endParaRPr>
           </a:p>
         </p:txBody>
@@ -3947,7 +4372,7 @@
         <p:spPr>
           <a:xfrm>
             <a:off x="11444760" y="0"/>
-            <a:ext cx="743040" cy="6851880"/>
+            <a:ext cx="742680" cy="6851520"/>
           </a:xfrm>
           <a:prstGeom prst="rect">
             <a:avLst/>
@@ -3957,7 +4382,7 @@
               <a:alpha val="10000"/>
             </a:srgbClr>
           </a:solidFill>
-          <a:ln>
+          <a:ln w="0">
             <a:noFill/>
           </a:ln>
         </p:spPr>
@@ -3977,13 +4402,13 @@
         <p:spPr>
           <a:xfrm>
             <a:off x="11438640" y="6453360"/>
-            <a:ext cx="759960" cy="363960"/>
-          </a:xfrm>
-          <a:prstGeom prst="rect">
-            <a:avLst/>
-          </a:prstGeom>
-          <a:noFill/>
-          <a:ln>
+            <a:ext cx="759600" cy="363960"/>
+          </a:xfrm>
+          <a:prstGeom prst="rect">
+            <a:avLst/>
+          </a:prstGeom>
+          <a:noFill/>
+          <a:ln w="0">
             <a:noFill/>
           </a:ln>
         </p:spPr>
@@ -3994,7 +4419,7 @@
           <a:fontRef idx="minor"/>
         </p:style>
         <p:txBody>
-          <a:bodyPr lIns="90000" rIns="90000" tIns="45000" bIns="45000">
+          <a:bodyPr lIns="90000" rIns="90000" tIns="45000" bIns="45000" anchor="t">
             <a:spAutoFit/>
           </a:bodyPr>
           <a:p>
@@ -4002,8 +4427,9 @@
               <a:lnSpc>
                 <a:spcPct val="100000"/>
               </a:lnSpc>
-            </a:pPr>
-            <a:fld id="{AF265B86-4EC7-4929-B1A3-7243B4107E62}" type="slidenum">
+              <a:buNone/>
+            </a:pPr>
+            <a:fld id="{AA6A6B75-9D91-4367-B778-3809F31A862A}" type="slidenum">
               <a:rPr b="0" lang="en-US" sz="1800" spc="-1" strike="noStrike">
                 <a:solidFill>
                   <a:srgbClr val="808080"/>
@@ -4014,7 +4440,7 @@
               <a:t>&lt;number&gt;</a:t>
             </a:fld>
             <a:endParaRPr b="0" lang="en-US" sz="1800" spc="-1" strike="noStrike">
-              <a:latin typeface="Arial"/>
+              <a:latin typeface="DejaVu Sans"/>
             </a:endParaRPr>
           </a:p>
         </p:txBody>
@@ -4028,13 +4454,13 @@
         <p:spPr>
           <a:xfrm>
             <a:off x="912240" y="1268280"/>
-            <a:ext cx="9209880" cy="363240"/>
-          </a:xfrm>
-          <a:prstGeom prst="rect">
-            <a:avLst/>
-          </a:prstGeom>
-          <a:noFill/>
-          <a:ln>
+            <a:ext cx="9209520" cy="362880"/>
+          </a:xfrm>
+          <a:prstGeom prst="rect">
+            <a:avLst/>
+          </a:prstGeom>
+          <a:noFill/>
+          <a:ln w="0">
             <a:noFill/>
           </a:ln>
         </p:spPr>
@@ -4058,12 +4484,12 @@
         <p:spPr>
           <a:xfrm>
             <a:off x="0" y="0"/>
-            <a:ext cx="3053880" cy="563760"/>
-          </a:xfrm>
-          <a:prstGeom prst="rect">
-            <a:avLst/>
-          </a:prstGeom>
-          <a:ln>
+            <a:ext cx="3053520" cy="563400"/>
+          </a:xfrm>
+          <a:prstGeom prst="rect">
+            <a:avLst/>
+          </a:prstGeom>
+          <a:ln w="0">
             <a:noFill/>
           </a:ln>
         </p:spPr>
@@ -4081,12 +4507,12 @@
         <p:spPr>
           <a:xfrm>
             <a:off x="7430400" y="134640"/>
-            <a:ext cx="3699720" cy="515880"/>
-          </a:xfrm>
-          <a:prstGeom prst="rect">
-            <a:avLst/>
-          </a:prstGeom>
-          <a:ln>
+            <a:ext cx="3699360" cy="515520"/>
+          </a:xfrm>
+          <a:prstGeom prst="rect">
+            <a:avLst/>
+          </a:prstGeom>
+          <a:ln w="0">
             <a:noFill/>
           </a:ln>
         </p:spPr>
@@ -4100,7 +4526,7 @@
         <p:spPr>
           <a:xfrm>
             <a:off x="11444760" y="0"/>
-            <a:ext cx="743040" cy="6851880"/>
+            <a:ext cx="742680" cy="6851520"/>
           </a:xfrm>
           <a:prstGeom prst="rect">
             <a:avLst/>
@@ -4110,7 +4536,7 @@
               <a:alpha val="10000"/>
             </a:srgbClr>
           </a:solidFill>
-          <a:ln>
+          <a:ln w="0">
             <a:noFill/>
           </a:ln>
         </p:spPr>
@@ -4130,13 +4556,13 @@
         <p:spPr>
           <a:xfrm>
             <a:off x="11438640" y="6453360"/>
-            <a:ext cx="759960" cy="363960"/>
-          </a:xfrm>
-          <a:prstGeom prst="rect">
-            <a:avLst/>
-          </a:prstGeom>
-          <a:noFill/>
-          <a:ln>
+            <a:ext cx="759600" cy="363960"/>
+          </a:xfrm>
+          <a:prstGeom prst="rect">
+            <a:avLst/>
+          </a:prstGeom>
+          <a:noFill/>
+          <a:ln w="0">
             <a:noFill/>
           </a:ln>
         </p:spPr>
@@ -4147,7 +4573,7 @@
           <a:fontRef idx="minor"/>
         </p:style>
         <p:txBody>
-          <a:bodyPr lIns="90000" rIns="90000" tIns="45000" bIns="45000">
+          <a:bodyPr lIns="90000" rIns="90000" tIns="45000" bIns="45000" anchor="t">
             <a:spAutoFit/>
           </a:bodyPr>
           <a:p>
@@ -4155,8 +4581,9 @@
               <a:lnSpc>
                 <a:spcPct val="100000"/>
               </a:lnSpc>
-            </a:pPr>
-            <a:fld id="{C5798C31-A14C-456D-A2F5-4A205E8CC022}" type="slidenum">
+              <a:buNone/>
+            </a:pPr>
+            <a:fld id="{9EFADB27-B42C-4939-8C00-6D1308574EEA}" type="slidenum">
               <a:rPr b="0" lang="en-US" sz="1800" spc="-1" strike="noStrike">
                 <a:solidFill>
                   <a:srgbClr val="808080"/>
@@ -4167,7 +4594,7 @@
               <a:t>&lt;number&gt;</a:t>
             </a:fld>
             <a:endParaRPr b="0" lang="en-US" sz="1800" spc="-1" strike="noStrike">
-              <a:latin typeface="Arial"/>
+              <a:latin typeface="DejaVu Sans"/>
             </a:endParaRPr>
           </a:p>
         </p:txBody>
@@ -4181,13 +4608,13 @@
         <p:spPr>
           <a:xfrm>
             <a:off x="0" y="6642720"/>
-            <a:ext cx="12186000" cy="211320"/>
-          </a:xfrm>
-          <a:prstGeom prst="rect">
-            <a:avLst/>
-          </a:prstGeom>
-          <a:noFill/>
-          <a:ln>
+            <a:ext cx="12185640" cy="211320"/>
+          </a:xfrm>
+          <a:prstGeom prst="rect">
+            <a:avLst/>
+          </a:prstGeom>
+          <a:noFill/>
+          <a:ln w="0">
             <a:noFill/>
           </a:ln>
         </p:spPr>
@@ -4198,7 +4625,7 @@
           <a:fontRef idx="minor"/>
         </p:style>
         <p:txBody>
-          <a:bodyPr lIns="90000" rIns="90000" tIns="45000" bIns="45000">
+          <a:bodyPr lIns="90000" rIns="90000" tIns="45000" bIns="45000" anchor="t">
             <a:spAutoFit/>
           </a:bodyPr>
           <a:p>
@@ -4206,6 +4633,7 @@
               <a:lnSpc>
                 <a:spcPct val="100000"/>
               </a:lnSpc>
+              <a:buNone/>
             </a:pPr>
             <a:r>
               <a:rPr b="0" lang="de-DE" sz="800" spc="-1" strike="noStrike">
@@ -4238,14 +4666,14 @@
               <a:t> (TU Clausthal / University of Göttingen)</a:t>
             </a:r>
             <a:endParaRPr b="0" lang="en-US" sz="800" spc="-1" strike="noStrike">
-              <a:latin typeface="Arial"/>
+              <a:latin typeface="DejaVu Sans"/>
             </a:endParaRPr>
           </a:p>
         </p:txBody>
       </p:sp>
       <p:sp>
         <p:nvSpPr>
-          <p:cNvPr id="54" name="PlaceHolder 7"/>
+          <p:cNvPr id="54" name="PlaceHolder 1"/>
           <p:cNvSpPr>
             <a:spLocks noGrp="1"/>
           </p:cNvSpPr>
@@ -4261,28 +4689,34 @@
           <a:prstGeom prst="rect">
             <a:avLst/>
           </a:prstGeom>
+          <a:noFill/>
+          <a:ln w="0">
+            <a:noFill/>
+          </a:ln>
         </p:spPr>
         <p:txBody>
           <a:bodyPr lIns="0" rIns="0" tIns="0" bIns="0" anchor="ctr">
             <a:noAutofit/>
           </a:bodyPr>
           <a:p>
-            <a:pPr algn="ctr"/>
+            <a:pPr algn="ctr">
+              <a:buNone/>
+            </a:pPr>
             <a:r>
               <a:rPr b="0" lang="en-US" sz="4400" spc="-1" strike="noStrike">
-                <a:latin typeface="Arial"/>
+                <a:latin typeface="DejaVu Sans"/>
               </a:rPr>
               <a:t>Click to edit the title text format</a:t>
             </a:r>
             <a:endParaRPr b="0" lang="en-US" sz="4400" spc="-1" strike="noStrike">
-              <a:latin typeface="Arial"/>
+              <a:latin typeface="DejaVu Sans"/>
             </a:endParaRPr>
           </a:p>
         </p:txBody>
       </p:sp>
       <p:sp>
         <p:nvSpPr>
-          <p:cNvPr id="55" name="PlaceHolder 8"/>
+          <p:cNvPr id="55" name="PlaceHolder 2"/>
           <p:cNvSpPr>
             <a:spLocks noGrp="1"/>
           </p:cNvSpPr>
@@ -4298,9 +4732,13 @@
           <a:prstGeom prst="rect">
             <a:avLst/>
           </a:prstGeom>
+          <a:noFill/>
+          <a:ln w="0">
+            <a:noFill/>
+          </a:ln>
         </p:spPr>
         <p:txBody>
-          <a:bodyPr lIns="0" rIns="0" tIns="0" bIns="0">
+          <a:bodyPr lIns="0" rIns="0" tIns="0" bIns="0" anchor="t">
             <a:normAutofit/>
           </a:bodyPr>
           <a:p>
@@ -4317,12 +4755,12 @@
             </a:pPr>
             <a:r>
               <a:rPr b="0" lang="en-US" sz="3200" spc="-1" strike="noStrike">
-                <a:latin typeface="Arial"/>
+                <a:latin typeface="DejaVu Sans"/>
               </a:rPr>
               <a:t>Click to edit the outline text format</a:t>
             </a:r>
             <a:endParaRPr b="0" lang="en-US" sz="3200" spc="-1" strike="noStrike">
-              <a:latin typeface="Arial"/>
+              <a:latin typeface="DejaVu Sans"/>
             </a:endParaRPr>
           </a:p>
           <a:p>
@@ -4339,12 +4777,12 @@
             </a:pPr>
             <a:r>
               <a:rPr b="0" lang="en-US" sz="2800" spc="-1" strike="noStrike">
-                <a:latin typeface="Arial"/>
+                <a:latin typeface="DejaVu Sans"/>
               </a:rPr>
               <a:t>Second Outline Level</a:t>
             </a:r>
             <a:endParaRPr b="0" lang="en-US" sz="2800" spc="-1" strike="noStrike">
-              <a:latin typeface="Arial"/>
+              <a:latin typeface="DejaVu Sans"/>
             </a:endParaRPr>
           </a:p>
           <a:p>
@@ -4361,12 +4799,12 @@
             </a:pPr>
             <a:r>
               <a:rPr b="0" lang="en-US" sz="2400" spc="-1" strike="noStrike">
-                <a:latin typeface="Arial"/>
+                <a:latin typeface="DejaVu Sans"/>
               </a:rPr>
               <a:t>Third Outline Level</a:t>
             </a:r>
             <a:endParaRPr b="0" lang="en-US" sz="2400" spc="-1" strike="noStrike">
-              <a:latin typeface="Arial"/>
+              <a:latin typeface="DejaVu Sans"/>
             </a:endParaRPr>
           </a:p>
           <a:p>
@@ -4383,12 +4821,12 @@
             </a:pPr>
             <a:r>
               <a:rPr b="0" lang="en-US" sz="2000" spc="-1" strike="noStrike">
-                <a:latin typeface="Arial"/>
+                <a:latin typeface="DejaVu Sans"/>
               </a:rPr>
               <a:t>Fourth Outline Level</a:t>
             </a:r>
             <a:endParaRPr b="0" lang="en-US" sz="2000" spc="-1" strike="noStrike">
-              <a:latin typeface="Arial"/>
+              <a:latin typeface="DejaVu Sans"/>
             </a:endParaRPr>
           </a:p>
           <a:p>
@@ -4405,12 +4843,12 @@
             </a:pPr>
             <a:r>
               <a:rPr b="0" lang="en-US" sz="2000" spc="-1" strike="noStrike">
-                <a:latin typeface="Arial"/>
+                <a:latin typeface="DejaVu Sans"/>
               </a:rPr>
               <a:t>Fifth Outline Level</a:t>
             </a:r>
             <a:endParaRPr b="0" lang="en-US" sz="2000" spc="-1" strike="noStrike">
-              <a:latin typeface="Arial"/>
+              <a:latin typeface="DejaVu Sans"/>
             </a:endParaRPr>
           </a:p>
           <a:p>
@@ -4427,12 +4865,12 @@
             </a:pPr>
             <a:r>
               <a:rPr b="0" lang="en-US" sz="2000" spc="-1" strike="noStrike">
-                <a:latin typeface="Arial"/>
+                <a:latin typeface="DejaVu Sans"/>
               </a:rPr>
               <a:t>Sixth Outline Level</a:t>
             </a:r>
             <a:endParaRPr b="0" lang="en-US" sz="2000" spc="-1" strike="noStrike">
-              <a:latin typeface="Arial"/>
+              <a:latin typeface="DejaVu Sans"/>
             </a:endParaRPr>
           </a:p>
           <a:p>
@@ -4449,12 +4887,12 @@
             </a:pPr>
             <a:r>
               <a:rPr b="0" lang="en-US" sz="2000" spc="-1" strike="noStrike">
-                <a:latin typeface="Arial"/>
+                <a:latin typeface="DejaVu Sans"/>
               </a:rPr>
               <a:t>Seventh Outline Level</a:t>
             </a:r>
             <a:endParaRPr b="0" lang="en-US" sz="2000" spc="-1" strike="noStrike">
-              <a:latin typeface="Arial"/>
+              <a:latin typeface="DejaVu Sans"/>
             </a:endParaRPr>
           </a:p>
         </p:txBody>
@@ -4505,13 +4943,13 @@
         <p:spPr>
           <a:xfrm>
             <a:off x="527400" y="1412640"/>
-            <a:ext cx="10362960" cy="1149480"/>
-          </a:xfrm>
-          <a:prstGeom prst="rect">
-            <a:avLst/>
-          </a:prstGeom>
-          <a:noFill/>
-          <a:ln>
+            <a:ext cx="10362600" cy="1149120"/>
+          </a:xfrm>
+          <a:prstGeom prst="rect">
+            <a:avLst/>
+          </a:prstGeom>
+          <a:noFill/>
+          <a:ln w="0">
             <a:noFill/>
           </a:ln>
         </p:spPr>
@@ -4530,6 +4968,7 @@
               <a:lnSpc>
                 <a:spcPct val="100000"/>
               </a:lnSpc>
+              <a:buNone/>
             </a:pPr>
             <a:r>
               <a:rPr b="1" lang="en-US" sz="3200" spc="-1" strike="noStrike">
@@ -4542,7 +4981,7 @@
               <a:t>Emerging Technologies for the Circular Economy</a:t>
             </a:r>
             <a:endParaRPr b="0" lang="en-US" sz="3200" spc="-1" strike="noStrike">
-              <a:latin typeface="Arial"/>
+              <a:latin typeface="DejaVu Sans"/>
             </a:endParaRPr>
           </a:p>
         </p:txBody>
@@ -4556,13 +4995,13 @@
         <p:spPr>
           <a:xfrm>
             <a:off x="527400" y="2852640"/>
-            <a:ext cx="10362960" cy="2370240"/>
-          </a:xfrm>
-          <a:prstGeom prst="rect">
-            <a:avLst/>
-          </a:prstGeom>
-          <a:noFill/>
-          <a:ln>
+            <a:ext cx="10362600" cy="2369880"/>
+          </a:xfrm>
+          <a:prstGeom prst="rect">
+            <a:avLst/>
+          </a:prstGeom>
+          <a:noFill/>
+          <a:ln w="0">
             <a:noFill/>
           </a:ln>
         </p:spPr>
@@ -4573,7 +5012,7 @@
           <a:fontRef idx="minor"/>
         </p:style>
         <p:txBody>
-          <a:bodyPr lIns="90000" rIns="90000" tIns="45000" bIns="45000">
+          <a:bodyPr lIns="90000" rIns="90000" tIns="45000" bIns="45000" anchor="t">
             <a:noAutofit/>
           </a:bodyPr>
           <a:p>
@@ -4584,6 +5023,7 @@
               <a:spcBef>
                 <a:spcPts val="479"/>
               </a:spcBef>
+              <a:buNone/>
               <a:tabLst>
                 <a:tab algn="l" pos="0"/>
               </a:tabLst>
@@ -4599,7 +5039,7 @@
               <a:t>Lecture 0: Organization</a:t>
             </a:r>
             <a:endParaRPr b="0" lang="en-US" sz="2400" spc="-1" strike="noStrike">
-              <a:latin typeface="Arial"/>
+              <a:latin typeface="DejaVu Sans"/>
             </a:endParaRPr>
           </a:p>
           <a:p>
@@ -4610,12 +5050,13 @@
               <a:spcBef>
                 <a:spcPts val="479"/>
               </a:spcBef>
+              <a:buNone/>
               <a:tabLst>
                 <a:tab algn="l" pos="0"/>
               </a:tabLst>
             </a:pPr>
             <a:endParaRPr b="0" lang="en-US" sz="2400" spc="-1" strike="noStrike">
-              <a:latin typeface="Arial"/>
+              <a:latin typeface="DejaVu Sans"/>
             </a:endParaRPr>
           </a:p>
           <a:p>
@@ -4626,12 +5067,13 @@
               <a:spcBef>
                 <a:spcPts val="241"/>
               </a:spcBef>
+              <a:buNone/>
               <a:tabLst>
                 <a:tab algn="l" pos="0"/>
               </a:tabLst>
             </a:pPr>
             <a:endParaRPr b="0" lang="en-US" sz="2400" spc="-1" strike="noStrike">
-              <a:latin typeface="Arial"/>
+              <a:latin typeface="DejaVu Sans"/>
             </a:endParaRPr>
           </a:p>
           <a:p>
@@ -4642,12 +5084,13 @@
               <a:spcBef>
                 <a:spcPts val="241"/>
               </a:spcBef>
+              <a:buNone/>
               <a:tabLst>
                 <a:tab algn="l" pos="0"/>
               </a:tabLst>
             </a:pPr>
             <a:endParaRPr b="0" lang="en-US" sz="2400" spc="-1" strike="noStrike">
-              <a:latin typeface="Arial"/>
+              <a:latin typeface="DejaVu Sans"/>
             </a:endParaRPr>
           </a:p>
           <a:p>
@@ -4658,6 +5101,7 @@
               <a:spcBef>
                 <a:spcPts val="320"/>
               </a:spcBef>
+              <a:buNone/>
               <a:tabLst>
                 <a:tab algn="l" pos="0"/>
               </a:tabLst>
@@ -4673,7 +5117,7 @@
               <a:t>Prof. Dr. Benjamin Leiding (Clausthal)</a:t>
             </a:r>
             <a:endParaRPr b="0" lang="en-US" sz="1600" spc="-1" strike="noStrike">
-              <a:latin typeface="Arial"/>
+              <a:latin typeface="DejaVu Sans"/>
             </a:endParaRPr>
           </a:p>
           <a:p>
@@ -4684,6 +5128,7 @@
               <a:spcBef>
                 <a:spcPts val="320"/>
               </a:spcBef>
+              <a:buNone/>
               <a:tabLst>
                 <a:tab algn="l" pos="0"/>
               </a:tabLst>
@@ -4699,7 +5144,7 @@
               <a:t>M.Sc. Arne Bochem (Göttingen)</a:t>
             </a:r>
             <a:endParaRPr b="0" lang="en-US" sz="1600" spc="-1" strike="noStrike">
-              <a:latin typeface="Arial"/>
+              <a:latin typeface="DejaVu Sans"/>
             </a:endParaRPr>
           </a:p>
           <a:p>
@@ -4710,6 +5155,7 @@
               <a:spcBef>
                 <a:spcPts val="320"/>
               </a:spcBef>
+              <a:buNone/>
               <a:tabLst>
                 <a:tab algn="l" pos="0"/>
               </a:tabLst>
@@ -4725,7 +5171,7 @@
               <a:t>M.Sc. Anant Sujatanagarjuna (Clausthal)</a:t>
             </a:r>
             <a:endParaRPr b="0" lang="en-US" sz="1600" spc="-1" strike="noStrike">
-              <a:latin typeface="Arial"/>
+              <a:latin typeface="DejaVu Sans"/>
             </a:endParaRPr>
           </a:p>
         </p:txBody>
@@ -4769,13 +5215,13 @@
         <p:spPr>
           <a:xfrm>
             <a:off x="335520" y="764640"/>
-            <a:ext cx="10747080" cy="497880"/>
-          </a:xfrm>
-          <a:prstGeom prst="rect">
-            <a:avLst/>
-          </a:prstGeom>
-          <a:noFill/>
-          <a:ln>
+            <a:ext cx="10746720" cy="497520"/>
+          </a:xfrm>
+          <a:prstGeom prst="rect">
+            <a:avLst/>
+          </a:prstGeom>
+          <a:noFill/>
+          <a:ln w="0">
             <a:noFill/>
           </a:ln>
         </p:spPr>
@@ -4786,7 +5232,7 @@
           <a:fontRef idx="minor"/>
         </p:style>
         <p:txBody>
-          <a:bodyPr lIns="90000" rIns="90000" tIns="45000" bIns="45000">
+          <a:bodyPr lIns="90000" rIns="90000" tIns="45000" bIns="45000" anchor="t">
             <a:noAutofit/>
           </a:bodyPr>
           <a:p>
@@ -4794,6 +5240,7 @@
               <a:lnSpc>
                 <a:spcPct val="100000"/>
               </a:lnSpc>
+              <a:buNone/>
             </a:pPr>
             <a:r>
               <a:rPr b="1" lang="de-DE" sz="2400" spc="-1" strike="noStrike">
@@ -4806,7 +5253,7 @@
               <a:t>Learning Outcome</a:t>
             </a:r>
             <a:endParaRPr b="0" lang="en-US" sz="2400" spc="-1" strike="noStrike">
-              <a:latin typeface="Arial"/>
+              <a:latin typeface="DejaVu Sans"/>
             </a:endParaRPr>
           </a:p>
           <a:p>
@@ -4814,9 +5261,10 @@
               <a:lnSpc>
                 <a:spcPct val="100000"/>
               </a:lnSpc>
+              <a:buNone/>
             </a:pPr>
             <a:endParaRPr b="0" lang="en-US" sz="2400" spc="-1" strike="noStrike">
-              <a:latin typeface="Arial"/>
+              <a:latin typeface="DejaVu Sans"/>
             </a:endParaRPr>
           </a:p>
         </p:txBody>
@@ -4830,13 +5278,13 @@
         <p:spPr>
           <a:xfrm>
             <a:off x="335520" y="2408400"/>
-            <a:ext cx="10747080" cy="3894840"/>
-          </a:xfrm>
-          <a:prstGeom prst="rect">
-            <a:avLst/>
-          </a:prstGeom>
-          <a:noFill/>
-          <a:ln>
+            <a:ext cx="10746720" cy="3894480"/>
+          </a:xfrm>
+          <a:prstGeom prst="rect">
+            <a:avLst/>
+          </a:prstGeom>
+          <a:noFill/>
+          <a:ln w="0">
             <a:noFill/>
           </a:ln>
         </p:spPr>
@@ -4847,7 +5295,7 @@
           <a:fontRef idx="minor"/>
         </p:style>
         <p:txBody>
-          <a:bodyPr lIns="90000" rIns="90000" tIns="45000" bIns="45000">
+          <a:bodyPr lIns="90000" rIns="90000" tIns="45000" bIns="45000" anchor="t">
             <a:noAutofit/>
           </a:bodyPr>
           <a:p>
@@ -4876,7 +5324,7 @@
               <a:t>Basic understanding of the concept of the Linear Economy, the Circular Economy, the Performance Economy and sustainability</a:t>
             </a:r>
             <a:endParaRPr b="0" lang="en-US" sz="1800" spc="-1" strike="noStrike">
-              <a:latin typeface="Arial"/>
+              <a:latin typeface="DejaVu Sans"/>
             </a:endParaRPr>
           </a:p>
           <a:p>
@@ -4905,7 +5353,7 @@
               <a:t>Basic understanding of new technologies in the field of decentralized and smart systems</a:t>
             </a:r>
             <a:endParaRPr b="0" lang="en-US" sz="1800" spc="-1" strike="noStrike">
-              <a:latin typeface="Arial"/>
+              <a:latin typeface="DejaVu Sans"/>
             </a:endParaRPr>
           </a:p>
           <a:p>
@@ -4934,7 +5382,7 @@
               <a:t>Understanding and overview of the Internet of Things and related concepts</a:t>
             </a:r>
             <a:endParaRPr b="0" lang="en-US" sz="1800" spc="-1" strike="noStrike">
-              <a:latin typeface="Arial"/>
+              <a:latin typeface="DejaVu Sans"/>
             </a:endParaRPr>
           </a:p>
           <a:p>
@@ -4963,7 +5411,7 @@
               <a:t>Ability to design decentralized smart systems and applications in the context of connected sensor systems</a:t>
             </a:r>
             <a:endParaRPr b="0" lang="en-US" sz="1800" spc="-1" strike="noStrike">
-              <a:latin typeface="Arial"/>
+              <a:latin typeface="DejaVu Sans"/>
             </a:endParaRPr>
           </a:p>
         </p:txBody>
@@ -5007,13 +5455,13 @@
         <p:spPr>
           <a:xfrm>
             <a:off x="335520" y="764640"/>
-            <a:ext cx="10747080" cy="497880"/>
-          </a:xfrm>
-          <a:prstGeom prst="rect">
-            <a:avLst/>
-          </a:prstGeom>
-          <a:noFill/>
-          <a:ln>
+            <a:ext cx="10746720" cy="497520"/>
+          </a:xfrm>
+          <a:prstGeom prst="rect">
+            <a:avLst/>
+          </a:prstGeom>
+          <a:noFill/>
+          <a:ln w="0">
             <a:noFill/>
           </a:ln>
         </p:spPr>
@@ -5024,7 +5472,7 @@
           <a:fontRef idx="minor"/>
         </p:style>
         <p:txBody>
-          <a:bodyPr lIns="90000" rIns="90000" tIns="45000" bIns="45000">
+          <a:bodyPr lIns="90000" rIns="90000" tIns="45000" bIns="45000" anchor="t">
             <a:noAutofit/>
           </a:bodyPr>
           <a:p>
@@ -5032,6 +5480,7 @@
               <a:lnSpc>
                 <a:spcPct val="100000"/>
               </a:lnSpc>
+              <a:buNone/>
             </a:pPr>
             <a:r>
               <a:rPr b="1" lang="de-DE" sz="2400" spc="-1" strike="noStrike">
@@ -5044,7 +5493,7 @@
               <a:t>Learning Outcome</a:t>
             </a:r>
             <a:endParaRPr b="0" lang="en-US" sz="2400" spc="-1" strike="noStrike">
-              <a:latin typeface="Arial"/>
+              <a:latin typeface="DejaVu Sans"/>
             </a:endParaRPr>
           </a:p>
         </p:txBody>
@@ -5058,13 +5507,13 @@
         <p:spPr>
           <a:xfrm>
             <a:off x="335520" y="2408400"/>
-            <a:ext cx="10747080" cy="3894840"/>
-          </a:xfrm>
-          <a:prstGeom prst="rect">
-            <a:avLst/>
-          </a:prstGeom>
-          <a:noFill/>
-          <a:ln>
+            <a:ext cx="10746720" cy="3894480"/>
+          </a:xfrm>
+          <a:prstGeom prst="rect">
+            <a:avLst/>
+          </a:prstGeom>
+          <a:noFill/>
+          <a:ln w="0">
             <a:noFill/>
           </a:ln>
         </p:spPr>
@@ -5075,7 +5524,7 @@
           <a:fontRef idx="minor"/>
         </p:style>
         <p:txBody>
-          <a:bodyPr lIns="90000" rIns="90000" tIns="45000" bIns="45000">
+          <a:bodyPr lIns="90000" rIns="90000" tIns="45000" bIns="45000" anchor="t">
             <a:noAutofit/>
           </a:bodyPr>
           <a:p>
@@ -5104,7 +5553,7 @@
               <a:t>Basic understanding of the concept of the Linear Economy, the Circular Economy, the Performance Economy and sustainability</a:t>
             </a:r>
             <a:endParaRPr b="0" lang="en-US" sz="1800" spc="-1" strike="noStrike">
-              <a:latin typeface="Arial"/>
+              <a:latin typeface="DejaVu Sans"/>
             </a:endParaRPr>
           </a:p>
           <a:p>
@@ -5133,7 +5582,7 @@
               <a:t>Basic understanding of new technologies in the field of decentralized and smart systems</a:t>
             </a:r>
             <a:endParaRPr b="0" lang="en-US" sz="1800" spc="-1" strike="noStrike">
-              <a:latin typeface="Arial"/>
+              <a:latin typeface="DejaVu Sans"/>
             </a:endParaRPr>
           </a:p>
           <a:p>
@@ -5162,7 +5611,7 @@
               <a:t>Understanding and overview of the Internet of Things and related concepts</a:t>
             </a:r>
             <a:endParaRPr b="0" lang="en-US" sz="1800" spc="-1" strike="noStrike">
-              <a:latin typeface="Arial"/>
+              <a:latin typeface="DejaVu Sans"/>
             </a:endParaRPr>
           </a:p>
           <a:p>
@@ -5191,7 +5640,7 @@
               <a:t>Ability to design decentralized smart systems and applications in the context of connected sensor systems</a:t>
             </a:r>
             <a:endParaRPr b="0" lang="en-US" sz="1800" spc="-1" strike="noStrike">
-              <a:latin typeface="Arial"/>
+              <a:latin typeface="DejaVu Sans"/>
             </a:endParaRPr>
           </a:p>
           <a:p>
@@ -5220,7 +5669,7 @@
               <a:t>Knowledge of the design and consideration of privacy-preserving data processing procedures for smart and decentralized applications</a:t>
             </a:r>
             <a:endParaRPr b="0" lang="en-US" sz="1800" spc="-1" strike="noStrike">
-              <a:latin typeface="Arial"/>
+              <a:latin typeface="DejaVu Sans"/>
             </a:endParaRPr>
           </a:p>
         </p:txBody>
@@ -5264,13 +5713,13 @@
         <p:spPr>
           <a:xfrm>
             <a:off x="335520" y="764640"/>
-            <a:ext cx="10747080" cy="497880"/>
-          </a:xfrm>
-          <a:prstGeom prst="rect">
-            <a:avLst/>
-          </a:prstGeom>
-          <a:noFill/>
-          <a:ln>
+            <a:ext cx="10746720" cy="497520"/>
+          </a:xfrm>
+          <a:prstGeom prst="rect">
+            <a:avLst/>
+          </a:prstGeom>
+          <a:noFill/>
+          <a:ln w="0">
             <a:noFill/>
           </a:ln>
         </p:spPr>
@@ -5281,7 +5730,7 @@
           <a:fontRef idx="minor"/>
         </p:style>
         <p:txBody>
-          <a:bodyPr lIns="90000" rIns="90000" tIns="45000" bIns="45000">
+          <a:bodyPr lIns="90000" rIns="90000" tIns="45000" bIns="45000" anchor="t">
             <a:noAutofit/>
           </a:bodyPr>
           <a:p>
@@ -5289,6 +5738,7 @@
               <a:lnSpc>
                 <a:spcPct val="100000"/>
               </a:lnSpc>
+              <a:buNone/>
             </a:pPr>
             <a:r>
               <a:rPr b="1" lang="de-DE" sz="2400" spc="-1" strike="noStrike">
@@ -5301,7 +5751,7 @@
               <a:t>Learning Outcome</a:t>
             </a:r>
             <a:endParaRPr b="0" lang="en-US" sz="2400" spc="-1" strike="noStrike">
-              <a:latin typeface="Arial"/>
+              <a:latin typeface="DejaVu Sans"/>
             </a:endParaRPr>
           </a:p>
           <a:p>
@@ -5309,9 +5759,10 @@
               <a:lnSpc>
                 <a:spcPct val="100000"/>
               </a:lnSpc>
+              <a:buNone/>
             </a:pPr>
             <a:endParaRPr b="0" lang="en-US" sz="2400" spc="-1" strike="noStrike">
-              <a:latin typeface="Arial"/>
+              <a:latin typeface="DejaVu Sans"/>
             </a:endParaRPr>
           </a:p>
         </p:txBody>
@@ -5325,13 +5776,13 @@
         <p:spPr>
           <a:xfrm>
             <a:off x="335520" y="2408400"/>
-            <a:ext cx="10747080" cy="3894840"/>
-          </a:xfrm>
-          <a:prstGeom prst="rect">
-            <a:avLst/>
-          </a:prstGeom>
-          <a:noFill/>
-          <a:ln>
+            <a:ext cx="10746720" cy="3894480"/>
+          </a:xfrm>
+          <a:prstGeom prst="rect">
+            <a:avLst/>
+          </a:prstGeom>
+          <a:noFill/>
+          <a:ln w="0">
             <a:noFill/>
           </a:ln>
         </p:spPr>
@@ -5342,7 +5793,7 @@
           <a:fontRef idx="minor"/>
         </p:style>
         <p:txBody>
-          <a:bodyPr lIns="90000" rIns="90000" tIns="45000" bIns="45000">
+          <a:bodyPr lIns="90000" rIns="90000" tIns="45000" bIns="45000" anchor="t">
             <a:noAutofit/>
           </a:bodyPr>
           <a:p>
@@ -5371,7 +5822,7 @@
               <a:t>Basic understanding of the concept of the Linear Economy, the Circular Economy, the Performance Economy and sustainability</a:t>
             </a:r>
             <a:endParaRPr b="0" lang="en-US" sz="1800" spc="-1" strike="noStrike">
-              <a:latin typeface="Arial"/>
+              <a:latin typeface="DejaVu Sans"/>
             </a:endParaRPr>
           </a:p>
           <a:p>
@@ -5400,7 +5851,7 @@
               <a:t>Basic understanding of new technologies in the field of decentralized and smart systems</a:t>
             </a:r>
             <a:endParaRPr b="0" lang="en-US" sz="1800" spc="-1" strike="noStrike">
-              <a:latin typeface="Arial"/>
+              <a:latin typeface="DejaVu Sans"/>
             </a:endParaRPr>
           </a:p>
           <a:p>
@@ -5429,7 +5880,7 @@
               <a:t>Understanding and overview of the Internet of Things and related concepts</a:t>
             </a:r>
             <a:endParaRPr b="0" lang="en-US" sz="1800" spc="-1" strike="noStrike">
-              <a:latin typeface="Arial"/>
+              <a:latin typeface="DejaVu Sans"/>
             </a:endParaRPr>
           </a:p>
           <a:p>
@@ -5458,7 +5909,7 @@
               <a:t>Ability to design decentralized smart systems and applications in the context of connected sensor systems</a:t>
             </a:r>
             <a:endParaRPr b="0" lang="en-US" sz="1800" spc="-1" strike="noStrike">
-              <a:latin typeface="Arial"/>
+              <a:latin typeface="DejaVu Sans"/>
             </a:endParaRPr>
           </a:p>
           <a:p>
@@ -5487,7 +5938,7 @@
               <a:t>Knowledge of the design and consideration of privacy-preserving data processing procedures for smart and decentralized applications</a:t>
             </a:r>
             <a:endParaRPr b="0" lang="en-US" sz="1800" spc="-1" strike="noStrike">
-              <a:latin typeface="Arial"/>
+              <a:latin typeface="DejaVu Sans"/>
             </a:endParaRPr>
           </a:p>
           <a:p>
@@ -5516,7 +5967,7 @@
               <a:t>Experience in prototyping such applications and systems</a:t>
             </a:r>
             <a:endParaRPr b="0" lang="en-US" sz="1800" spc="-1" strike="noStrike">
-              <a:latin typeface="Arial"/>
+              <a:latin typeface="DejaVu Sans"/>
             </a:endParaRPr>
           </a:p>
         </p:txBody>
@@ -5560,13 +6011,13 @@
         <p:spPr>
           <a:xfrm>
             <a:off x="335520" y="764640"/>
-            <a:ext cx="10747080" cy="497880"/>
-          </a:xfrm>
-          <a:prstGeom prst="rect">
-            <a:avLst/>
-          </a:prstGeom>
-          <a:noFill/>
-          <a:ln>
+            <a:ext cx="10746720" cy="497520"/>
+          </a:xfrm>
+          <a:prstGeom prst="rect">
+            <a:avLst/>
+          </a:prstGeom>
+          <a:noFill/>
+          <a:ln w="0">
             <a:noFill/>
           </a:ln>
         </p:spPr>
@@ -5577,7 +6028,7 @@
           <a:fontRef idx="minor"/>
         </p:style>
         <p:txBody>
-          <a:bodyPr lIns="90000" rIns="90000" tIns="45000" bIns="45000">
+          <a:bodyPr lIns="90000" rIns="90000" tIns="45000" bIns="45000" anchor="t">
             <a:noAutofit/>
           </a:bodyPr>
           <a:p>
@@ -5585,6 +6036,7 @@
               <a:lnSpc>
                 <a:spcPct val="100000"/>
               </a:lnSpc>
+              <a:buNone/>
             </a:pPr>
             <a:r>
               <a:rPr b="1" lang="de-DE" sz="2400" spc="-1" strike="noStrike">
@@ -5597,7 +6049,7 @@
               <a:t>Lectures</a:t>
             </a:r>
             <a:endParaRPr b="0" lang="en-US" sz="2400" spc="-1" strike="noStrike">
-              <a:latin typeface="Arial"/>
+              <a:latin typeface="DejaVu Sans"/>
             </a:endParaRPr>
           </a:p>
         </p:txBody>
@@ -5611,13 +6063,13 @@
         <p:spPr>
           <a:xfrm>
             <a:off x="335520" y="1268640"/>
-            <a:ext cx="10747080" cy="5034600"/>
-          </a:xfrm>
-          <a:prstGeom prst="rect">
-            <a:avLst/>
-          </a:prstGeom>
-          <a:noFill/>
-          <a:ln>
+            <a:ext cx="10746720" cy="5034240"/>
+          </a:xfrm>
+          <a:prstGeom prst="rect">
+            <a:avLst/>
+          </a:prstGeom>
+          <a:noFill/>
+          <a:ln w="0">
             <a:noFill/>
           </a:ln>
         </p:spPr>
@@ -5657,7 +6109,7 @@
               <a:t>20.04.2022 → Organization + Introduction to the Circular Economy</a:t>
             </a:r>
             <a:endParaRPr b="0" lang="en-US" sz="1800" spc="-1" strike="noStrike">
-              <a:latin typeface="Arial"/>
+              <a:latin typeface="DejaVu Sans"/>
             </a:endParaRPr>
           </a:p>
           <a:p>
@@ -5686,7 +6138,7 @@
               <a:t>27.04.2022 → Emerging Technologies for the Circular Economy</a:t>
             </a:r>
             <a:endParaRPr b="0" lang="en-US" sz="1800" spc="-1" strike="noStrike">
-              <a:latin typeface="Arial"/>
+              <a:latin typeface="DejaVu Sans"/>
             </a:endParaRPr>
           </a:p>
           <a:p>
@@ -5715,7 +6167,7 @@
               <a:t>04.05.2022 → Introduction to the Internet of Things</a:t>
             </a:r>
             <a:endParaRPr b="0" lang="en-US" sz="1800" spc="-1" strike="noStrike">
-              <a:latin typeface="Arial"/>
+              <a:latin typeface="DejaVu Sans"/>
             </a:endParaRPr>
           </a:p>
           <a:p>
@@ -5744,7 +6196,7 @@
               <a:t>11.05.2022 → Internet of Things – Communication</a:t>
             </a:r>
             <a:endParaRPr b="0" lang="en-US" sz="1800" spc="-1" strike="noStrike">
-              <a:latin typeface="Arial"/>
+              <a:latin typeface="DejaVu Sans"/>
             </a:endParaRPr>
           </a:p>
           <a:p>
@@ -5773,7 +6225,7 @@
               <a:t>18.05.2022 → Internet of Things – Cloud and BigData</a:t>
             </a:r>
             <a:endParaRPr b="0" lang="en-US" sz="1800" spc="-1" strike="noStrike">
-              <a:latin typeface="Arial"/>
+              <a:latin typeface="DejaVu Sans"/>
             </a:endParaRPr>
           </a:p>
           <a:p>
@@ -5802,7 +6254,7 @@
               <a:t>25.05.2022 → Internet of Things – Digital Twins, Privacy and Security</a:t>
             </a:r>
             <a:endParaRPr b="0" lang="en-US" sz="1800" spc="-1" strike="noStrike">
-              <a:latin typeface="Arial"/>
+              <a:latin typeface="DejaVu Sans"/>
             </a:endParaRPr>
           </a:p>
           <a:p>
@@ -5831,7 +6283,7 @@
               <a:t>01.06.2022 → The Machine-to-Everything Economy – A step towards the CE 2.0?</a:t>
             </a:r>
             <a:endParaRPr b="0" lang="en-US" sz="1800" spc="-1" strike="noStrike">
-              <a:latin typeface="Arial"/>
+              <a:latin typeface="DejaVu Sans"/>
             </a:endParaRPr>
           </a:p>
           <a:p>
@@ -5860,7 +6312,7 @@
               <a:t>15.06.2022 → Introduction to Blockchain Technology</a:t>
             </a:r>
             <a:endParaRPr b="0" lang="en-US" sz="1800" spc="-1" strike="noStrike">
-              <a:latin typeface="Arial"/>
+              <a:latin typeface="DejaVu Sans"/>
             </a:endParaRPr>
           </a:p>
           <a:p>
@@ -5889,7 +6341,7 @@
               <a:t>22.06.2022 → Blockchain Technology – Consensus</a:t>
             </a:r>
             <a:endParaRPr b="0" lang="en-US" sz="1800" spc="-1" strike="noStrike">
-              <a:latin typeface="Arial"/>
+              <a:latin typeface="DejaVu Sans"/>
             </a:endParaRPr>
           </a:p>
           <a:p>
@@ -5918,7 +6370,7 @@
               <a:t>29.06.2022 → Blockchain Technology – Ethereum and Smart Contracts Part 1</a:t>
             </a:r>
             <a:endParaRPr b="0" lang="en-US" sz="1800" spc="-1" strike="noStrike">
-              <a:latin typeface="Arial"/>
+              <a:latin typeface="DejaVu Sans"/>
             </a:endParaRPr>
           </a:p>
           <a:p>
@@ -5947,7 +6399,7 @@
               <a:t>06.07.2022 → Invited speaker → Dr. Uli Gallersdörfer (TU Munich)</a:t>
             </a:r>
             <a:endParaRPr b="0" lang="en-US" sz="1800" spc="-1" strike="noStrike">
-              <a:latin typeface="Arial"/>
+              <a:latin typeface="DejaVu Sans"/>
             </a:endParaRPr>
           </a:p>
           <a:p>
@@ -5976,7 +6428,7 @@
               <a:t>13.07.2022 → Invited speaker → Prof. Dr. Steffen Herbold (TU Clausthal)</a:t>
             </a:r>
             <a:endParaRPr b="0" lang="en-US" sz="1800" spc="-1" strike="noStrike">
-              <a:latin typeface="Arial"/>
+              <a:latin typeface="DejaVu Sans"/>
             </a:endParaRPr>
           </a:p>
           <a:p>
@@ -6005,7 +6457,7 @@
               <a:t>20.07.2022 → Blockchain Technology – Ethereum and Smart Contracts Part 2</a:t>
             </a:r>
             <a:endParaRPr b="0" lang="en-US" sz="1800" spc="-1" strike="noStrike">
-              <a:latin typeface="Arial"/>
+              <a:latin typeface="DejaVu Sans"/>
             </a:endParaRPr>
           </a:p>
           <a:p>
@@ -6055,7 +6507,7 @@
               <a:t> no lecture</a:t>
             </a:r>
             <a:endParaRPr b="0" lang="en-US" sz="1800" spc="-1" strike="noStrike">
-              <a:latin typeface="Arial"/>
+              <a:latin typeface="DejaVu Sans"/>
             </a:endParaRPr>
           </a:p>
         </p:txBody>
@@ -6099,13 +6551,13 @@
         <p:spPr>
           <a:xfrm>
             <a:off x="335520" y="764640"/>
-            <a:ext cx="10747080" cy="497880"/>
-          </a:xfrm>
-          <a:prstGeom prst="rect">
-            <a:avLst/>
-          </a:prstGeom>
-          <a:noFill/>
-          <a:ln>
+            <a:ext cx="10746720" cy="497520"/>
+          </a:xfrm>
+          <a:prstGeom prst="rect">
+            <a:avLst/>
+          </a:prstGeom>
+          <a:noFill/>
+          <a:ln w="0">
             <a:noFill/>
           </a:ln>
         </p:spPr>
@@ -6116,7 +6568,7 @@
           <a:fontRef idx="minor"/>
         </p:style>
         <p:txBody>
-          <a:bodyPr lIns="90000" rIns="90000" tIns="45000" bIns="45000">
+          <a:bodyPr lIns="90000" rIns="90000" tIns="45000" bIns="45000" anchor="t">
             <a:noAutofit/>
           </a:bodyPr>
           <a:p>
@@ -6124,6 +6576,7 @@
               <a:lnSpc>
                 <a:spcPct val="100000"/>
               </a:lnSpc>
+              <a:buNone/>
             </a:pPr>
             <a:r>
               <a:rPr b="1" lang="en-GB" sz="2400" spc="-1" strike="noStrike">
@@ -6136,7 +6589,7 @@
               <a:t>Exercises</a:t>
             </a:r>
             <a:endParaRPr b="0" lang="en-US" sz="2400" spc="-1" strike="noStrike">
-              <a:latin typeface="Arial"/>
+              <a:latin typeface="DejaVu Sans"/>
             </a:endParaRPr>
           </a:p>
         </p:txBody>
@@ -6150,13 +6603,13 @@
         <p:spPr>
           <a:xfrm>
             <a:off x="335520" y="1268640"/>
-            <a:ext cx="10747080" cy="5034600"/>
-          </a:xfrm>
-          <a:prstGeom prst="rect">
-            <a:avLst/>
-          </a:prstGeom>
-          <a:noFill/>
-          <a:ln>
+            <a:ext cx="10746720" cy="5034240"/>
+          </a:xfrm>
+          <a:prstGeom prst="rect">
+            <a:avLst/>
+          </a:prstGeom>
+          <a:noFill/>
+          <a:ln w="0">
             <a:noFill/>
           </a:ln>
         </p:spPr>
@@ -6216,7 +6669,7 @@
               <a:t> Exercise 01 – Knowledge Test (MC)</a:t>
             </a:r>
             <a:endParaRPr b="0" lang="en-US" sz="1800" spc="-1" strike="noStrike">
-              <a:latin typeface="Arial"/>
+              <a:latin typeface="DejaVu Sans"/>
             </a:endParaRPr>
           </a:p>
           <a:p>
@@ -6265,7 +6718,7 @@
               <a:t> Exercise 02 – Circular Economy (MC)</a:t>
             </a:r>
             <a:endParaRPr b="0" lang="en-US" sz="1800" spc="-1" strike="noStrike">
-              <a:latin typeface="Arial"/>
+              <a:latin typeface="DejaVu Sans"/>
             </a:endParaRPr>
           </a:p>
           <a:p>
@@ -6314,7 +6767,7 @@
               <a:t> Exercise 03 – IoT Sensing and Gathering Data</a:t>
             </a:r>
             <a:endParaRPr b="0" lang="en-US" sz="1800" spc="-1" strike="noStrike">
-              <a:latin typeface="Arial"/>
+              <a:latin typeface="DejaVu Sans"/>
             </a:endParaRPr>
           </a:p>
           <a:p>
@@ -6363,7 +6816,7 @@
               <a:t> Exercise 04 – IoT Data Processing</a:t>
             </a:r>
             <a:endParaRPr b="0" lang="en-US" sz="1800" spc="-1" strike="noStrike">
-              <a:latin typeface="Arial"/>
+              <a:latin typeface="DejaVu Sans"/>
             </a:endParaRPr>
           </a:p>
           <a:p>
@@ -6412,7 +6865,7 @@
               <a:t> Exercise 05 – IoT Security</a:t>
             </a:r>
             <a:endParaRPr b="0" lang="en-US" sz="1800" spc="-1" strike="noStrike">
-              <a:latin typeface="Arial"/>
+              <a:latin typeface="DejaVu Sans"/>
             </a:endParaRPr>
           </a:p>
           <a:p>
@@ -6481,7 +6934,7 @@
               <a:t> 07 – Blockchain (MC)</a:t>
             </a:r>
             <a:endParaRPr b="0" lang="en-US" sz="1800" spc="-1" strike="noStrike">
-              <a:latin typeface="Arial"/>
+              <a:latin typeface="DejaVu Sans"/>
             </a:endParaRPr>
           </a:p>
           <a:p>
@@ -6530,7 +6983,7 @@
               <a:t> Exercise 08 – Blockchain Basics</a:t>
             </a:r>
             <a:endParaRPr b="0" lang="en-US" sz="1800" spc="-1" strike="noStrike">
-              <a:latin typeface="Arial"/>
+              <a:latin typeface="DejaVu Sans"/>
             </a:endParaRPr>
           </a:p>
           <a:p>
@@ -6579,7 +7032,7 @@
               <a:t> Exercise 09 – Blockchain Conensus</a:t>
             </a:r>
             <a:endParaRPr b="0" lang="en-US" sz="1800" spc="-1" strike="noStrike">
-              <a:latin typeface="Arial"/>
+              <a:latin typeface="DejaVu Sans"/>
             </a:endParaRPr>
           </a:p>
           <a:p>
@@ -6628,7 +7081,7 @@
               <a:t> Exercise 10 – Blockchain Tokens</a:t>
             </a:r>
             <a:endParaRPr b="0" lang="en-US" sz="1800" spc="-1" strike="noStrike">
-              <a:latin typeface="Arial"/>
+              <a:latin typeface="DejaVu Sans"/>
             </a:endParaRPr>
           </a:p>
           <a:p>
@@ -6677,7 +7130,7 @@
               <a:t> Exercise 11 – Blockchain Smart Contracts and IoT</a:t>
             </a:r>
             <a:endParaRPr b="0" lang="en-US" sz="1800" spc="-1" strike="noStrike">
-              <a:latin typeface="Arial"/>
+              <a:latin typeface="DejaVu Sans"/>
             </a:endParaRPr>
           </a:p>
         </p:txBody>
@@ -6721,13 +7174,13 @@
         <p:spPr>
           <a:xfrm>
             <a:off x="335520" y="764640"/>
-            <a:ext cx="10747080" cy="497880"/>
-          </a:xfrm>
-          <a:prstGeom prst="rect">
-            <a:avLst/>
-          </a:prstGeom>
-          <a:noFill/>
-          <a:ln>
+            <a:ext cx="10746720" cy="497520"/>
+          </a:xfrm>
+          <a:prstGeom prst="rect">
+            <a:avLst/>
+          </a:prstGeom>
+          <a:noFill/>
+          <a:ln w="0">
             <a:noFill/>
           </a:ln>
         </p:spPr>
@@ -6738,7 +7191,7 @@
           <a:fontRef idx="minor"/>
         </p:style>
         <p:txBody>
-          <a:bodyPr lIns="90000" rIns="90000" tIns="45000" bIns="45000">
+          <a:bodyPr lIns="90000" rIns="90000" tIns="45000" bIns="45000" anchor="t">
             <a:noAutofit/>
           </a:bodyPr>
           <a:p>
@@ -6746,6 +7199,7 @@
               <a:lnSpc>
                 <a:spcPct val="100000"/>
               </a:lnSpc>
+              <a:buNone/>
             </a:pPr>
             <a:r>
               <a:rPr b="1" lang="en-US" sz="2400" spc="-1" strike="noStrike">
@@ -6758,7 +7212,7 @@
               <a:t>Course Organization</a:t>
             </a:r>
             <a:endParaRPr b="0" lang="en-US" sz="2400" spc="-1" strike="noStrike">
-              <a:latin typeface="Arial"/>
+              <a:latin typeface="DejaVu Sans"/>
             </a:endParaRPr>
           </a:p>
         </p:txBody>
@@ -6772,13 +7226,13 @@
         <p:spPr>
           <a:xfrm>
             <a:off x="335520" y="1268280"/>
-            <a:ext cx="10747080" cy="5034600"/>
-          </a:xfrm>
-          <a:prstGeom prst="rect">
-            <a:avLst/>
-          </a:prstGeom>
-          <a:noFill/>
-          <a:ln>
+            <a:ext cx="10746720" cy="5034240"/>
+          </a:xfrm>
+          <a:prstGeom prst="rect">
+            <a:avLst/>
+          </a:prstGeom>
+          <a:noFill/>
+          <a:ln w="0">
             <a:noFill/>
           </a:ln>
         </p:spPr>
@@ -6818,7 +7272,7 @@
               <a:t>Online course that is offered in parallel at the Clausthal University of Technology and the University of Göttingen</a:t>
             </a:r>
             <a:endParaRPr b="0" lang="en-US" sz="1800" spc="-1" strike="noStrike">
-              <a:latin typeface="Arial"/>
+              <a:latin typeface="DejaVu Sans"/>
             </a:endParaRPr>
           </a:p>
           <a:p>
@@ -6829,9 +7283,10 @@
               <a:spcBef>
                 <a:spcPts val="360"/>
               </a:spcBef>
+              <a:buNone/>
             </a:pPr>
             <a:endParaRPr b="0" lang="en-US" sz="1800" spc="-1" strike="noStrike">
-              <a:latin typeface="Arial"/>
+              <a:latin typeface="DejaVu Sans"/>
             </a:endParaRPr>
           </a:p>
           <a:p>
@@ -6860,7 +7315,7 @@
               <a:t>Organization of the lecture:</a:t>
             </a:r>
             <a:endParaRPr b="0" lang="en-US" sz="1800" spc="-1" strike="noStrike">
-              <a:latin typeface="Arial"/>
+              <a:latin typeface="DejaVu Sans"/>
             </a:endParaRPr>
           </a:p>
           <a:p>
@@ -6911,7 +7366,7 @@
               <a:t>)</a:t>
             </a:r>
             <a:endParaRPr b="0" lang="en-US" sz="1800" spc="-1" strike="noStrike">
-              <a:latin typeface="Arial"/>
+              <a:latin typeface="DejaVu Sans"/>
             </a:endParaRPr>
           </a:p>
           <a:p>
@@ -6940,7 +7395,7 @@
               <a:t>Please report bugs!</a:t>
             </a:r>
             <a:endParaRPr b="0" lang="en-US" sz="1800" spc="-1" strike="noStrike">
-              <a:latin typeface="Arial"/>
+              <a:latin typeface="DejaVu Sans"/>
             </a:endParaRPr>
           </a:p>
           <a:p>
@@ -6969,7 +7424,7 @@
               <a:t>Lectures and exercises as live stream (BBB – next slide)</a:t>
             </a:r>
             <a:endParaRPr b="0" lang="en-US" sz="1800" spc="-1" strike="noStrike">
-              <a:latin typeface="Arial"/>
+              <a:latin typeface="DejaVu Sans"/>
             </a:endParaRPr>
           </a:p>
           <a:p>
@@ -6998,7 +7453,7 @@
               <a:t>Lecture recordings will be available on StudIP and on Github</a:t>
             </a:r>
             <a:endParaRPr b="0" lang="en-US" sz="1800" spc="-1" strike="noStrike">
-              <a:latin typeface="Arial"/>
+              <a:latin typeface="DejaVu Sans"/>
             </a:endParaRPr>
           </a:p>
           <a:p>
@@ -7047,7 +7502,7 @@
               <a:t>Time for questions and eventual tutorials related to the exercises</a:t>
             </a:r>
             <a:endParaRPr b="0" lang="en-US" sz="1800" spc="-1" strike="noStrike">
-              <a:latin typeface="Arial"/>
+              <a:latin typeface="DejaVu Sans"/>
             </a:endParaRPr>
           </a:p>
           <a:p>
@@ -7058,9 +7513,10 @@
               <a:spcBef>
                 <a:spcPts val="360"/>
               </a:spcBef>
+              <a:buNone/>
             </a:pPr>
             <a:endParaRPr b="0" lang="en-US" sz="1800" spc="-1" strike="noStrike">
-              <a:latin typeface="Arial"/>
+              <a:latin typeface="DejaVu Sans"/>
             </a:endParaRPr>
           </a:p>
           <a:p>
@@ -7071,6 +7527,7 @@
               <a:spcBef>
                 <a:spcPts val="360"/>
               </a:spcBef>
+              <a:buNone/>
             </a:pPr>
             <a:r>
               <a:rPr b="0" lang="en-GB" sz="1800" spc="-1" strike="noStrike">
@@ -7135,7 +7592,7 @@
               <a:t> respond to</a:t>
             </a:r>
             <a:endParaRPr b="0" lang="en-US" sz="1800" spc="-1" strike="noStrike">
-              <a:latin typeface="Arial"/>
+              <a:latin typeface="DejaVu Sans"/>
             </a:endParaRPr>
           </a:p>
           <a:p>
@@ -7146,6 +7603,7 @@
               <a:spcBef>
                 <a:spcPts val="360"/>
               </a:spcBef>
+              <a:buNone/>
             </a:pPr>
             <a:r>
               <a:rPr b="1" lang="en-GB" sz="1800" spc="-1" strike="noStrike">
@@ -7158,7 +7616,7 @@
               <a:t>emails written to this specific email address!</a:t>
             </a:r>
             <a:endParaRPr b="0" lang="en-US" sz="1800" spc="-1" strike="noStrike">
-              <a:latin typeface="Arial"/>
+              <a:latin typeface="DejaVu Sans"/>
             </a:endParaRPr>
           </a:p>
         </p:txBody>
@@ -7202,13 +7660,13 @@
         <p:spPr>
           <a:xfrm>
             <a:off x="335520" y="764640"/>
-            <a:ext cx="10745640" cy="496440"/>
-          </a:xfrm>
-          <a:prstGeom prst="rect">
-            <a:avLst/>
-          </a:prstGeom>
-          <a:noFill/>
-          <a:ln>
+            <a:ext cx="10745280" cy="496080"/>
+          </a:xfrm>
+          <a:prstGeom prst="rect">
+            <a:avLst/>
+          </a:prstGeom>
+          <a:noFill/>
+          <a:ln w="0">
             <a:noFill/>
           </a:ln>
         </p:spPr>
@@ -7219,7 +7677,7 @@
           <a:fontRef idx="minor"/>
         </p:style>
         <p:txBody>
-          <a:bodyPr lIns="90000" rIns="90000" tIns="45000" bIns="45000">
+          <a:bodyPr lIns="90000" rIns="90000" tIns="45000" bIns="45000" anchor="t">
             <a:noAutofit/>
           </a:bodyPr>
           <a:p>
@@ -7227,6 +7685,7 @@
               <a:lnSpc>
                 <a:spcPct val="100000"/>
               </a:lnSpc>
+              <a:buNone/>
             </a:pPr>
             <a:r>
               <a:rPr b="1" lang="en-GB" sz="2400" spc="-1" strike="noStrike">
@@ -7239,7 +7698,7 @@
               <a:t>Dates/Times/Locations</a:t>
             </a:r>
             <a:endParaRPr b="0" lang="en-US" sz="2400" spc="-1" strike="noStrike">
-              <a:latin typeface="Arial"/>
+              <a:latin typeface="DejaVu Sans"/>
             </a:endParaRPr>
           </a:p>
           <a:p>
@@ -7247,9 +7706,10 @@
               <a:lnSpc>
                 <a:spcPct val="100000"/>
               </a:lnSpc>
+              <a:buNone/>
             </a:pPr>
             <a:endParaRPr b="0" lang="en-US" sz="2400" spc="-1" strike="noStrike">
-              <a:latin typeface="Arial"/>
+              <a:latin typeface="DejaVu Sans"/>
             </a:endParaRPr>
           </a:p>
           <a:p>
@@ -7257,9 +7717,10 @@
               <a:lnSpc>
                 <a:spcPct val="100000"/>
               </a:lnSpc>
+              <a:buNone/>
             </a:pPr>
             <a:endParaRPr b="0" lang="en-US" sz="2400" spc="-1" strike="noStrike">
-              <a:latin typeface="Arial"/>
+              <a:latin typeface="DejaVu Sans"/>
             </a:endParaRPr>
           </a:p>
         </p:txBody>
@@ -7273,13 +7734,13 @@
         <p:spPr>
           <a:xfrm>
             <a:off x="335520" y="1268640"/>
-            <a:ext cx="10745640" cy="5033160"/>
-          </a:xfrm>
-          <a:prstGeom prst="rect">
-            <a:avLst/>
-          </a:prstGeom>
-          <a:noFill/>
-          <a:ln>
+            <a:ext cx="10745280" cy="5032800"/>
+          </a:xfrm>
+          <a:prstGeom prst="rect">
+            <a:avLst/>
+          </a:prstGeom>
+          <a:noFill/>
+          <a:ln w="0">
             <a:noFill/>
           </a:ln>
         </p:spPr>
@@ -7330,7 +7791,7 @@
               <a:t> </a:t>
             </a:r>
             <a:endParaRPr b="0" lang="en-US" sz="1800" spc="-1" strike="noStrike">
-              <a:latin typeface="Arial"/>
+              <a:latin typeface="DejaVu Sans"/>
             </a:endParaRPr>
           </a:p>
           <a:p>
@@ -7379,7 +7840,7 @@
               <a:t> students may join us in Goslar. </a:t>
             </a:r>
             <a:endParaRPr b="0" lang="en-US" sz="1800" spc="-1" strike="noStrike">
-              <a:latin typeface="Arial"/>
+              <a:latin typeface="DejaVu Sans"/>
             </a:endParaRPr>
           </a:p>
           <a:p>
@@ -7408,7 +7869,7 @@
               <a:t>We kindly ask everyone else to use the BBB rooms (links below). </a:t>
             </a:r>
             <a:endParaRPr b="0" lang="en-US" sz="1800" spc="-1" strike="noStrike">
-              <a:latin typeface="Arial"/>
+              <a:latin typeface="DejaVu Sans"/>
             </a:endParaRPr>
           </a:p>
           <a:p>
@@ -7419,9 +7880,10 @@
               <a:spcBef>
                 <a:spcPts val="360"/>
               </a:spcBef>
+              <a:buNone/>
             </a:pPr>
             <a:endParaRPr b="0" lang="en-US" sz="1800" spc="-1" strike="noStrike">
-              <a:latin typeface="Arial"/>
+              <a:latin typeface="DejaVu Sans"/>
             </a:endParaRPr>
           </a:p>
           <a:p>
@@ -7451,7 +7913,7 @@
               <a:t>Lecture:</a:t>
             </a:r>
             <a:endParaRPr b="0" lang="en-US" sz="1800" spc="-1" strike="noStrike">
-              <a:latin typeface="Arial"/>
+              <a:latin typeface="DejaVu Sans"/>
             </a:endParaRPr>
           </a:p>
           <a:p>
@@ -7540,7 +8002,7 @@
               <a:t>.2022</a:t>
             </a:r>
             <a:endParaRPr b="0" lang="en-US" sz="1800" spc="-1" strike="noStrike">
-              <a:latin typeface="Arial"/>
+              <a:latin typeface="DejaVu Sans"/>
             </a:endParaRPr>
           </a:p>
           <a:p>
@@ -7591,7 +8053,7 @@
               <a:t>)</a:t>
             </a:r>
             <a:endParaRPr b="0" lang="en-US" sz="1800" spc="-1" strike="noStrike">
-              <a:latin typeface="Arial"/>
+              <a:latin typeface="DejaVu Sans"/>
             </a:endParaRPr>
           </a:p>
           <a:p>
@@ -7602,9 +8064,10 @@
               <a:spcBef>
                 <a:spcPts val="360"/>
               </a:spcBef>
+              <a:buNone/>
             </a:pPr>
             <a:endParaRPr b="0" lang="en-US" sz="1800" spc="-1" strike="noStrike">
-              <a:latin typeface="Arial"/>
+              <a:latin typeface="DejaVu Sans"/>
             </a:endParaRPr>
           </a:p>
           <a:p>
@@ -7634,7 +8097,7 @@
               <a:t>Exercise / Q&amp;A:</a:t>
             </a:r>
             <a:endParaRPr b="0" lang="en-US" sz="1800" spc="-1" strike="noStrike">
-              <a:latin typeface="Arial"/>
+              <a:latin typeface="DejaVu Sans"/>
             </a:endParaRPr>
           </a:p>
           <a:p>
@@ -7723,7 +8186,7 @@
               <a:t>.2022</a:t>
             </a:r>
             <a:endParaRPr b="0" lang="en-US" sz="1800" spc="-1" strike="noStrike">
-              <a:latin typeface="Arial"/>
+              <a:latin typeface="DejaVu Sans"/>
             </a:endParaRPr>
           </a:p>
           <a:p>
@@ -7774,7 +8237,7 @@
               <a:t>)</a:t>
             </a:r>
             <a:endParaRPr b="0" lang="en-US" sz="1800" spc="-1" strike="noStrike">
-              <a:latin typeface="Arial"/>
+              <a:latin typeface="DejaVu Sans"/>
             </a:endParaRPr>
           </a:p>
         </p:txBody>
@@ -7818,13 +8281,13 @@
         <p:spPr>
           <a:xfrm>
             <a:off x="335520" y="764640"/>
-            <a:ext cx="10747080" cy="497880"/>
-          </a:xfrm>
-          <a:prstGeom prst="rect">
-            <a:avLst/>
-          </a:prstGeom>
-          <a:noFill/>
-          <a:ln>
+            <a:ext cx="10746720" cy="497520"/>
+          </a:xfrm>
+          <a:prstGeom prst="rect">
+            <a:avLst/>
+          </a:prstGeom>
+          <a:noFill/>
+          <a:ln w="0">
             <a:noFill/>
           </a:ln>
         </p:spPr>
@@ -7835,7 +8298,7 @@
           <a:fontRef idx="minor"/>
         </p:style>
         <p:txBody>
-          <a:bodyPr lIns="90000" rIns="90000" tIns="45000" bIns="45000">
+          <a:bodyPr lIns="90000" rIns="90000" tIns="45000" bIns="45000" anchor="t">
             <a:noAutofit/>
           </a:bodyPr>
           <a:p>
@@ -7843,6 +8306,7 @@
               <a:lnSpc>
                 <a:spcPct val="100000"/>
               </a:lnSpc>
+              <a:buNone/>
             </a:pPr>
             <a:r>
               <a:rPr b="1" lang="en-US" sz="2400" spc="-1" strike="noStrike">
@@ -7855,7 +8319,7 @@
               <a:t>Exercises </a:t>
             </a:r>
             <a:endParaRPr b="0" lang="en-US" sz="2400" spc="-1" strike="noStrike">
-              <a:latin typeface="Arial"/>
+              <a:latin typeface="DejaVu Sans"/>
             </a:endParaRPr>
           </a:p>
         </p:txBody>
@@ -7869,13 +8333,13 @@
         <p:spPr>
           <a:xfrm>
             <a:off x="335520" y="1268280"/>
-            <a:ext cx="10747080" cy="5034600"/>
-          </a:xfrm>
-          <a:prstGeom prst="rect">
-            <a:avLst/>
-          </a:prstGeom>
-          <a:noFill/>
-          <a:ln>
+            <a:ext cx="10746720" cy="5034240"/>
+          </a:xfrm>
+          <a:prstGeom prst="rect">
+            <a:avLst/>
+          </a:prstGeom>
+          <a:noFill/>
+          <a:ln w="0">
             <a:noFill/>
           </a:ln>
         </p:spPr>
@@ -7894,9 +8358,10 @@
               <a:lnSpc>
                 <a:spcPct val="100000"/>
               </a:lnSpc>
+              <a:buNone/>
             </a:pPr>
             <a:endParaRPr b="0" lang="en-US" sz="1800" spc="-1" strike="noStrike">
-              <a:latin typeface="Arial"/>
+              <a:latin typeface="DejaVu Sans"/>
             </a:endParaRPr>
           </a:p>
           <a:p>
@@ -7965,7 +8430,7 @@
               <a:t>no group submissions</a:t>
             </a:r>
             <a:endParaRPr b="0" lang="en-US" sz="1800" spc="-1" strike="noStrike">
-              <a:latin typeface="Arial"/>
+              <a:latin typeface="DejaVu Sans"/>
             </a:endParaRPr>
           </a:p>
           <a:p>
@@ -7994,7 +8459,7 @@
               <a:t>Multiple-Choice or coding tasks</a:t>
             </a:r>
             <a:endParaRPr b="0" lang="en-US" sz="1800" spc="-1" strike="noStrike">
-              <a:latin typeface="Arial"/>
+              <a:latin typeface="DejaVu Sans"/>
             </a:endParaRPr>
           </a:p>
           <a:p>
@@ -8023,7 +8488,7 @@
               <a:t>7-14 days to submit (depending on the task)</a:t>
             </a:r>
             <a:endParaRPr b="0" lang="en-US" sz="1800" spc="-1" strike="noStrike">
-              <a:latin typeface="Arial"/>
+              <a:latin typeface="DejaVu Sans"/>
             </a:endParaRPr>
           </a:p>
           <a:p>
@@ -8052,7 +8517,7 @@
               <a:t>Submission deadline is always Wednesday at 1:59pm (right before the next lecture)</a:t>
             </a:r>
             <a:endParaRPr b="0" lang="en-US" sz="1800" spc="-1" strike="noStrike">
-              <a:latin typeface="Arial"/>
+              <a:latin typeface="DejaVu Sans"/>
             </a:endParaRPr>
           </a:p>
           <a:p>
@@ -8111,7 +8576,7 @@
               <a:t>mandatory</a:t>
             </a:r>
             <a:endParaRPr b="0" lang="en-US" sz="1800" spc="-1" strike="noStrike">
-              <a:latin typeface="Arial"/>
+              <a:latin typeface="DejaVu Sans"/>
             </a:endParaRPr>
           </a:p>
           <a:p>
@@ -8141,7 +8606,7 @@
               <a:t>You pass by submitting an exercise – even if it is an empty page</a:t>
             </a:r>
             <a:endParaRPr b="0" lang="en-US" sz="1800" spc="-1" strike="noStrike">
-              <a:latin typeface="Arial"/>
+              <a:latin typeface="DejaVu Sans"/>
             </a:endParaRPr>
           </a:p>
           <a:p>
@@ -8170,7 +8635,7 @@
               <a:t>You will receive feedback on your submission</a:t>
             </a:r>
             <a:endParaRPr b="0" lang="en-US" sz="1800" spc="-1" strike="noStrike">
-              <a:latin typeface="Arial"/>
+              <a:latin typeface="DejaVu Sans"/>
             </a:endParaRPr>
           </a:p>
           <a:p>
@@ -8199,7 +8664,7 @@
               <a:t>Exercise = learning feedback</a:t>
             </a:r>
             <a:endParaRPr b="0" lang="en-US" sz="1800" spc="-1" strike="noStrike">
-              <a:latin typeface="Arial"/>
+              <a:latin typeface="DejaVu Sans"/>
             </a:endParaRPr>
           </a:p>
         </p:txBody>
@@ -8243,13 +8708,13 @@
         <p:spPr>
           <a:xfrm>
             <a:off x="335520" y="764640"/>
-            <a:ext cx="10747080" cy="497880"/>
-          </a:xfrm>
-          <a:prstGeom prst="rect">
-            <a:avLst/>
-          </a:prstGeom>
-          <a:noFill/>
-          <a:ln>
+            <a:ext cx="10746720" cy="497520"/>
+          </a:xfrm>
+          <a:prstGeom prst="rect">
+            <a:avLst/>
+          </a:prstGeom>
+          <a:noFill/>
+          <a:ln w="0">
             <a:noFill/>
           </a:ln>
         </p:spPr>
@@ -8260,7 +8725,7 @@
           <a:fontRef idx="minor"/>
         </p:style>
         <p:txBody>
-          <a:bodyPr lIns="90000" rIns="90000" tIns="45000" bIns="45000">
+          <a:bodyPr lIns="90000" rIns="90000" tIns="45000" bIns="45000" anchor="t">
             <a:noAutofit/>
           </a:bodyPr>
           <a:p>
@@ -8268,6 +8733,7 @@
               <a:lnSpc>
                 <a:spcPct val="100000"/>
               </a:lnSpc>
+              <a:buNone/>
             </a:pPr>
             <a:r>
               <a:rPr b="1" lang="en-US" sz="2400" spc="-1" strike="noStrike">
@@ -8280,7 +8746,7 @@
               <a:t>Exercises </a:t>
             </a:r>
             <a:endParaRPr b="0" lang="en-US" sz="2400" spc="-1" strike="noStrike">
-              <a:latin typeface="Arial"/>
+              <a:latin typeface="DejaVu Sans"/>
             </a:endParaRPr>
           </a:p>
         </p:txBody>
@@ -8294,13 +8760,13 @@
         <p:spPr>
           <a:xfrm>
             <a:off x="335520" y="1268280"/>
-            <a:ext cx="10747080" cy="5034600"/>
-          </a:xfrm>
-          <a:prstGeom prst="rect">
-            <a:avLst/>
-          </a:prstGeom>
-          <a:noFill/>
-          <a:ln>
+            <a:ext cx="10746720" cy="5034240"/>
+          </a:xfrm>
+          <a:prstGeom prst="rect">
+            <a:avLst/>
+          </a:prstGeom>
+          <a:noFill/>
+          <a:ln w="0">
             <a:noFill/>
           </a:ln>
         </p:spPr>
@@ -8315,16 +8781,16 @@
             <a:noAutofit/>
           </a:bodyPr>
           <a:p>
-            <a:pPr marL="216000" indent="-214200">
+            <a:pPr marL="216000" indent="-216000">
               <a:lnSpc>
                 <a:spcPct val="100000"/>
               </a:lnSpc>
               <a:buClr>
-                <a:srgbClr val="000000"/>
+                <a:srgbClr val="008c4f"/>
               </a:buClr>
-              <a:buSzPct val="45000"/>
-              <a:buFont typeface="Wingdings" charset="2"/>
-              <a:buChar char=""/>
+              <a:buSzPct val="115000"/>
+              <a:buFont typeface="Wingdings 2" charset="2"/>
+              <a:buChar char=""/>
             </a:pPr>
             <a:r>
               <a:rPr b="0" lang="en-GB" sz="1800" spc="-1" strike="noStrike">
@@ -8337,11 +8803,11 @@
               <a:t>Bonus task:</a:t>
             </a:r>
             <a:endParaRPr b="0" lang="en-US" sz="1800" spc="-1" strike="noStrike">
-              <a:latin typeface="Arial"/>
-            </a:endParaRPr>
-          </a:p>
-          <a:p>
-            <a:pPr lvl="1" marL="652320" indent="-191880">
+              <a:latin typeface="DejaVu Sans"/>
+            </a:endParaRPr>
+          </a:p>
+          <a:p>
+            <a:pPr lvl="1" marL="432000" indent="-216000">
               <a:lnSpc>
                 <a:spcPct val="100000"/>
               </a:lnSpc>
@@ -8351,9 +8817,9 @@
               <a:buClr>
                 <a:srgbClr val="008c4f"/>
               </a:buClr>
-              <a:buSzPct val="115000"/>
-              <a:buFont typeface="Wingdings" charset="2"/>
-              <a:buChar char=""/>
+              <a:buSzPct val="45000"/>
+              <a:buFont typeface="OpenSymbol"/>
+              <a:buChar char="—"/>
             </a:pPr>
             <a:r>
               <a:rPr b="0" lang="en-GB" sz="1800" spc="-1" strike="noStrike">
@@ -8366,11 +8832,11 @@
               <a:t>Form groups of two or more people</a:t>
             </a:r>
             <a:endParaRPr b="0" lang="en-US" sz="1800" spc="-1" strike="noStrike">
-              <a:latin typeface="Arial"/>
-            </a:endParaRPr>
-          </a:p>
-          <a:p>
-            <a:pPr lvl="1" marL="652320" indent="-191880">
+              <a:latin typeface="DejaVu Sans"/>
+            </a:endParaRPr>
+          </a:p>
+          <a:p>
+            <a:pPr lvl="1" marL="432000" indent="-216000">
               <a:lnSpc>
                 <a:spcPct val="100000"/>
               </a:lnSpc>
@@ -8380,9 +8846,9 @@
               <a:buClr>
                 <a:srgbClr val="008c4f"/>
               </a:buClr>
-              <a:buSzPct val="115000"/>
-              <a:buFont typeface="Wingdings" charset="2"/>
-              <a:buChar char=""/>
+              <a:buSzPct val="45000"/>
+              <a:buFont typeface="OpenSymbol"/>
+              <a:buChar char="—"/>
             </a:pPr>
             <a:r>
               <a:rPr b="0" lang="en-GB" sz="1800" spc="-1" strike="noStrike">
@@ -8395,11 +8861,11 @@
               <a:t>Come up with a great idea that revolves around sustainability and emerging technologies</a:t>
             </a:r>
             <a:endParaRPr b="0" lang="en-US" sz="1800" spc="-1" strike="noStrike">
-              <a:latin typeface="Arial"/>
-            </a:endParaRPr>
-          </a:p>
-          <a:p>
-            <a:pPr lvl="1" marL="652320" indent="-191880">
+              <a:latin typeface="DejaVu Sans"/>
+            </a:endParaRPr>
+          </a:p>
+          <a:p>
+            <a:pPr lvl="1" marL="432000" indent="-216000">
               <a:lnSpc>
                 <a:spcPct val="100000"/>
               </a:lnSpc>
@@ -8409,9 +8875,9 @@
               <a:buClr>
                 <a:srgbClr val="008c4f"/>
               </a:buClr>
-              <a:buSzPct val="115000"/>
-              <a:buFont typeface="Wingdings" charset="2"/>
-              <a:buChar char=""/>
+              <a:buSzPct val="45000"/>
+              <a:buFont typeface="OpenSymbol"/>
+              <a:buChar char="—"/>
             </a:pPr>
             <a:r>
               <a:rPr b="0" lang="en-GB" sz="1800" spc="-1" strike="noStrike">
@@ -8424,11 +8890,11 @@
               <a:t>Push the idea as far as possible throughout the semester</a:t>
             </a:r>
             <a:endParaRPr b="0" lang="en-US" sz="1800" spc="-1" strike="noStrike">
-              <a:latin typeface="Arial"/>
-            </a:endParaRPr>
-          </a:p>
-          <a:p>
-            <a:pPr lvl="1" marL="652320" indent="-191880">
+              <a:latin typeface="DejaVu Sans"/>
+            </a:endParaRPr>
+          </a:p>
+          <a:p>
+            <a:pPr lvl="1" marL="432000" indent="-216000">
               <a:lnSpc>
                 <a:spcPct val="100000"/>
               </a:lnSpc>
@@ -8438,9 +8904,9 @@
               <a:buClr>
                 <a:srgbClr val="008c4f"/>
               </a:buClr>
-              <a:buSzPct val="115000"/>
-              <a:buFont typeface="Wingdings" charset="2"/>
-              <a:buChar char=""/>
+              <a:buSzPct val="45000"/>
+              <a:buFont typeface="OpenSymbol"/>
+              <a:buChar char="—"/>
             </a:pPr>
             <a:r>
               <a:rPr b="0" lang="en-GB" sz="1800" spc="-1" strike="noStrike">
@@ -8453,11 +8919,11 @@
               <a:t>Record a 60s video explaining your idea and what you did throughout the semester</a:t>
             </a:r>
             <a:endParaRPr b="0" lang="en-US" sz="1800" spc="-1" strike="noStrike">
-              <a:latin typeface="Arial"/>
-            </a:endParaRPr>
-          </a:p>
-          <a:p>
-            <a:pPr lvl="1" marL="652320" indent="-191880">
+              <a:latin typeface="DejaVu Sans"/>
+            </a:endParaRPr>
+          </a:p>
+          <a:p>
+            <a:pPr lvl="1" marL="432000" indent="-216000">
               <a:lnSpc>
                 <a:spcPct val="100000"/>
               </a:lnSpc>
@@ -8467,9 +8933,9 @@
               <a:buClr>
                 <a:srgbClr val="008c4f"/>
               </a:buClr>
-              <a:buSzPct val="115000"/>
-              <a:buFont typeface="Wingdings" charset="2"/>
-              <a:buChar char=""/>
+              <a:buSzPct val="45000"/>
+              <a:buFont typeface="OpenSymbol"/>
+              <a:buChar char="—"/>
             </a:pPr>
             <a:r>
               <a:rPr b="0" lang="en-GB" sz="1800" spc="-1" strike="noStrike">
@@ -8482,7 +8948,7 @@
               <a:t>Selection of the 5 best ideas → bonus points for the exam (e.g., better grade – instead of 2.0 → 1.7 or something similar)</a:t>
             </a:r>
             <a:endParaRPr b="0" lang="en-US" sz="1800" spc="-1" strike="noStrike">
-              <a:latin typeface="Arial"/>
+              <a:latin typeface="DejaVu Sans"/>
             </a:endParaRPr>
           </a:p>
         </p:txBody>
@@ -8526,13 +8992,13 @@
         <p:spPr>
           <a:xfrm>
             <a:off x="335520" y="764640"/>
-            <a:ext cx="10747080" cy="497880"/>
-          </a:xfrm>
-          <a:prstGeom prst="rect">
-            <a:avLst/>
-          </a:prstGeom>
-          <a:noFill/>
-          <a:ln>
+            <a:ext cx="10746720" cy="497520"/>
+          </a:xfrm>
+          <a:prstGeom prst="rect">
+            <a:avLst/>
+          </a:prstGeom>
+          <a:noFill/>
+          <a:ln w="0">
             <a:noFill/>
           </a:ln>
         </p:spPr>
@@ -8543,7 +9009,7 @@
           <a:fontRef idx="minor"/>
         </p:style>
         <p:txBody>
-          <a:bodyPr lIns="90000" rIns="90000" tIns="45000" bIns="45000">
+          <a:bodyPr lIns="90000" rIns="90000" tIns="45000" bIns="45000" anchor="t">
             <a:noAutofit/>
           </a:bodyPr>
           <a:p>
@@ -8551,6 +9017,7 @@
               <a:lnSpc>
                 <a:spcPct val="100000"/>
               </a:lnSpc>
+              <a:buNone/>
             </a:pPr>
             <a:r>
               <a:rPr b="1" lang="en-GB" sz="2400" spc="-1" strike="noStrike">
@@ -8563,7 +9030,7 @@
               <a:t>Coding Exercise Submission and Grading – Clausthal and Göttingen</a:t>
             </a:r>
             <a:endParaRPr b="0" lang="en-US" sz="2400" spc="-1" strike="noStrike">
-              <a:latin typeface="Arial"/>
+              <a:latin typeface="DejaVu Sans"/>
             </a:endParaRPr>
           </a:p>
         </p:txBody>
@@ -8577,13 +9044,13 @@
         <p:spPr>
           <a:xfrm>
             <a:off x="335520" y="1268640"/>
-            <a:ext cx="10747080" cy="5034600"/>
-          </a:xfrm>
-          <a:prstGeom prst="rect">
-            <a:avLst/>
-          </a:prstGeom>
-          <a:noFill/>
-          <a:ln>
+            <a:ext cx="10746720" cy="5034240"/>
+          </a:xfrm>
+          <a:prstGeom prst="rect">
+            <a:avLst/>
+          </a:prstGeom>
+          <a:noFill/>
+          <a:ln w="0">
             <a:noFill/>
           </a:ln>
         </p:spPr>
@@ -8598,36 +9065,7 @@
             <a:noAutofit/>
           </a:bodyPr>
           <a:p>
-            <a:pPr marL="216000" indent="-214200">
-              <a:lnSpc>
-                <a:spcPct val="100000"/>
-              </a:lnSpc>
-              <a:spcBef>
-                <a:spcPts val="360"/>
-              </a:spcBef>
-              <a:buClr>
-                <a:srgbClr val="000000"/>
-              </a:buClr>
-              <a:buSzPct val="45000"/>
-              <a:buFont typeface="Wingdings" charset="2"/>
-              <a:buChar char=""/>
-            </a:pPr>
-            <a:r>
-              <a:rPr b="0" lang="de-DE" sz="1800" spc="-1" strike="noStrike">
-                <a:solidFill>
-                  <a:srgbClr val="000000"/>
-                </a:solidFill>
-                <a:latin typeface="DejaVu Sans"/>
-                <a:ea typeface="DejaVu Sans"/>
-              </a:rPr>
-              <a:t>Coding exercises are graded semi-automatically. Due to this it is highly important that you follow the required submission format. Otherwise the grading process will fail and you will receive 0 points.</a:t>
-            </a:r>
-            <a:endParaRPr b="0" lang="en-US" sz="1800" spc="-1" strike="noStrike">
-              <a:latin typeface="Arial"/>
-            </a:endParaRPr>
-          </a:p>
-          <a:p>
-            <a:pPr marL="195120" indent="-191880">
+            <a:pPr marL="216000" indent="-216000">
               <a:lnSpc>
                 <a:spcPct val="100000"/>
               </a:lnSpc>
@@ -8638,8 +9076,8 @@
                 <a:srgbClr val="008c4f"/>
               </a:buClr>
               <a:buSzPct val="115000"/>
-              <a:buFont typeface="Wingdings" charset="2"/>
-              <a:buChar char=""/>
+              <a:buFont typeface="Wingdings 2" charset="2"/>
+              <a:buChar char=""/>
             </a:pPr>
             <a:r>
               <a:rPr b="0" lang="de-DE" sz="1800" spc="-1" strike="noStrike">
@@ -8649,14 +9087,14 @@
                 <a:latin typeface="DejaVu Sans"/>
                 <a:ea typeface="DejaVu Sans"/>
               </a:rPr>
-              <a:t>Code must use Python. Do not use any libraries beyond what is specified in the assignment as they may not be available in the grading environment.</a:t>
+              <a:t>Coding exercises are graded semi-automatically. Due to this it is highly important that you follow the required submission format. Otherwise the grading process will fail and you will receive 0 points.</a:t>
             </a:r>
             <a:endParaRPr b="0" lang="en-US" sz="1800" spc="-1" strike="noStrike">
-              <a:latin typeface="Arial"/>
-            </a:endParaRPr>
-          </a:p>
-          <a:p>
-            <a:pPr marL="195120" indent="-191880">
+              <a:latin typeface="DejaVu Sans"/>
+            </a:endParaRPr>
+          </a:p>
+          <a:p>
+            <a:pPr marL="216000" indent="-216000">
               <a:lnSpc>
                 <a:spcPct val="100000"/>
               </a:lnSpc>
@@ -8667,8 +9105,8 @@
                 <a:srgbClr val="008c4f"/>
               </a:buClr>
               <a:buSzPct val="115000"/>
-              <a:buFont typeface="Wingdings" charset="2"/>
-              <a:buChar char=""/>
+              <a:buFont typeface="Wingdings 2" charset="2"/>
+              <a:buChar char=""/>
             </a:pPr>
             <a:r>
               <a:rPr b="0" lang="de-DE" sz="1800" spc="-1" strike="noStrike">
@@ -8678,34 +9116,14 @@
                 <a:latin typeface="DejaVu Sans"/>
                 <a:ea typeface="DejaVu Sans"/>
               </a:rPr>
-              <a:t>Follow the directory structure from the handout file </a:t>
-            </a:r>
-            <a:r>
-              <a:rPr b="1" lang="de-DE" sz="1800" spc="-1" strike="noStrike">
-                <a:solidFill>
-                  <a:srgbClr val="000000"/>
-                </a:solidFill>
-                <a:latin typeface="DejaVu Sans"/>
-                <a:ea typeface="DejaVu Sans"/>
-              </a:rPr>
-              <a:t>exactly</a:t>
-            </a:r>
-            <a:r>
-              <a:rPr b="0" lang="de-DE" sz="1800" spc="-1" strike="noStrike">
-                <a:solidFill>
-                  <a:srgbClr val="000000"/>
-                </a:solidFill>
-                <a:latin typeface="DejaVu Sans"/>
-                <a:ea typeface="DejaVu Sans"/>
-              </a:rPr>
-              <a:t>. Usually this means:</a:t>
+              <a:t>Code must use Python. Do not use any libraries beyond what is specified in the assignment as they may not be available in the grading environment.</a:t>
             </a:r>
             <a:endParaRPr b="0" lang="en-US" sz="1800" spc="-1" strike="noStrike">
-              <a:latin typeface="Arial"/>
-            </a:endParaRPr>
-          </a:p>
-          <a:p>
-            <a:pPr lvl="1" marL="432000" indent="-213480">
+              <a:latin typeface="DejaVu Sans"/>
+            </a:endParaRPr>
+          </a:p>
+          <a:p>
+            <a:pPr marL="216000" indent="-216000">
               <a:lnSpc>
                 <a:spcPct val="100000"/>
               </a:lnSpc>
@@ -8713,11 +9131,11 @@
                 <a:spcPts val="360"/>
               </a:spcBef>
               <a:buClr>
-                <a:srgbClr val="000000"/>
+                <a:srgbClr val="008c4f"/>
               </a:buClr>
-              <a:buSzPct val="45000"/>
-              <a:buFont typeface="Wingdings" charset="2"/>
-              <a:buChar char=""/>
+              <a:buSzPct val="115000"/>
+              <a:buFont typeface="Wingdings 2" charset="2"/>
+              <a:buChar char=""/>
             </a:pPr>
             <a:r>
               <a:rPr b="0" lang="de-DE" sz="1800" spc="-1" strike="noStrike">
@@ -8727,14 +9145,34 @@
                 <a:latin typeface="DejaVu Sans"/>
                 <a:ea typeface="DejaVu Sans"/>
               </a:rPr>
-              <a:t>If the handout contains a folder ‘lab1’, your submission should have a folder ‘lab1’ in the archive with the files inside it. The folder must not be inside another folder and the files must not be directly in the archive outside the folder.</a:t>
+              <a:t>Follow the directory structure from the handout file </a:t>
+            </a:r>
+            <a:r>
+              <a:rPr b="1" lang="de-DE" sz="1800" spc="-1" strike="noStrike">
+                <a:solidFill>
+                  <a:srgbClr val="000000"/>
+                </a:solidFill>
+                <a:latin typeface="DejaVu Sans"/>
+                <a:ea typeface="DejaVu Sans"/>
+              </a:rPr>
+              <a:t>exactly</a:t>
+            </a:r>
+            <a:r>
+              <a:rPr b="0" lang="de-DE" sz="1800" spc="-1" strike="noStrike">
+                <a:solidFill>
+                  <a:srgbClr val="000000"/>
+                </a:solidFill>
+                <a:latin typeface="DejaVu Sans"/>
+                <a:ea typeface="DejaVu Sans"/>
+              </a:rPr>
+              <a:t>. Usually this means:</a:t>
             </a:r>
             <a:endParaRPr b="0" lang="en-US" sz="1800" spc="-1" strike="noStrike">
-              <a:latin typeface="Arial"/>
-            </a:endParaRPr>
-          </a:p>
-          <a:p>
-            <a:pPr lvl="1" marL="432000" indent="-213480">
+              <a:latin typeface="DejaVu Sans"/>
+            </a:endParaRPr>
+          </a:p>
+          <a:p>
+            <a:pPr lvl="1" marL="432000" indent="-216000">
               <a:lnSpc>
                 <a:spcPct val="100000"/>
               </a:lnSpc>
@@ -8742,11 +9180,11 @@
                 <a:spcPts val="360"/>
               </a:spcBef>
               <a:buClr>
-                <a:srgbClr val="000000"/>
+                <a:srgbClr val="008c4f"/>
               </a:buClr>
               <a:buSzPct val="45000"/>
-              <a:buFont typeface="Wingdings" charset="2"/>
-              <a:buChar char=""/>
+              <a:buFont typeface="OpenSymbol"/>
+              <a:buChar char="—"/>
             </a:pPr>
             <a:r>
               <a:rPr b="0" lang="de-DE" sz="1800" spc="-1" strike="noStrike">
@@ -8756,6 +9194,35 @@
                 <a:latin typeface="DejaVu Sans"/>
                 <a:ea typeface="DejaVu Sans"/>
               </a:rPr>
+              <a:t>If the handout contains a folder ‘lab1’, your submission should have a folder ‘lab1’ in the archive with the files inside it. The folder must not be inside another folder and the files must not be directly in the archive outside the folder.</a:t>
+            </a:r>
+            <a:endParaRPr b="0" lang="en-US" sz="1800" spc="-1" strike="noStrike">
+              <a:latin typeface="DejaVu Sans"/>
+            </a:endParaRPr>
+          </a:p>
+          <a:p>
+            <a:pPr lvl="1" marL="432000" indent="-216000">
+              <a:lnSpc>
+                <a:spcPct val="100000"/>
+              </a:lnSpc>
+              <a:spcBef>
+                <a:spcPts val="360"/>
+              </a:spcBef>
+              <a:buClr>
+                <a:srgbClr val="008c4f"/>
+              </a:buClr>
+              <a:buSzPct val="45000"/>
+              <a:buFont typeface="OpenSymbol"/>
+              <a:buChar char="—"/>
+            </a:pPr>
+            <a:r>
+              <a:rPr b="0" lang="de-DE" sz="1800" spc="-1" strike="noStrike">
+                <a:solidFill>
+                  <a:srgbClr val="000000"/>
+                </a:solidFill>
+                <a:latin typeface="DejaVu Sans"/>
+                <a:ea typeface="DejaVu Sans"/>
+              </a:rPr>
               <a:t>The archive must be an uncompressed </a:t>
             </a:r>
             <a:r>
@@ -8779,7 +9246,7 @@
               <a:t> archive, not tar, rar, tar.gz or anything else.</a:t>
             </a:r>
             <a:endParaRPr b="0" lang="en-US" sz="1800" spc="-1" strike="noStrike">
-              <a:latin typeface="Arial"/>
+              <a:latin typeface="DejaVu Sans"/>
             </a:endParaRPr>
           </a:p>
         </p:txBody>
@@ -8793,13 +9260,13 @@
         <p:spPr>
           <a:xfrm>
             <a:off x="4655880" y="476640"/>
-            <a:ext cx="2433240" cy="359280"/>
-          </a:xfrm>
-          <a:prstGeom prst="rect">
-            <a:avLst/>
-          </a:prstGeom>
-          <a:noFill/>
-          <a:ln>
+            <a:ext cx="2432880" cy="358920"/>
+          </a:xfrm>
+          <a:prstGeom prst="rect">
+            <a:avLst/>
+          </a:prstGeom>
+          <a:noFill/>
+          <a:ln w="0">
             <a:noFill/>
           </a:ln>
         </p:spPr>
@@ -8849,13 +9316,13 @@
         <p:spPr>
           <a:xfrm>
             <a:off x="335520" y="764640"/>
-            <a:ext cx="10744920" cy="495720"/>
-          </a:xfrm>
-          <a:prstGeom prst="rect">
-            <a:avLst/>
-          </a:prstGeom>
-          <a:noFill/>
-          <a:ln>
+            <a:ext cx="10744560" cy="495360"/>
+          </a:xfrm>
+          <a:prstGeom prst="rect">
+            <a:avLst/>
+          </a:prstGeom>
+          <a:noFill/>
+          <a:ln w="0">
             <a:noFill/>
           </a:ln>
         </p:spPr>
@@ -8866,7 +9333,7 @@
           <a:fontRef idx="minor"/>
         </p:style>
         <p:txBody>
-          <a:bodyPr lIns="90000" rIns="90000" tIns="45000" bIns="45000">
+          <a:bodyPr lIns="90000" rIns="90000" tIns="45000" bIns="45000" anchor="t">
             <a:noAutofit/>
           </a:bodyPr>
           <a:p>
@@ -8874,6 +9341,7 @@
               <a:lnSpc>
                 <a:spcPct val="100000"/>
               </a:lnSpc>
+              <a:buNone/>
             </a:pPr>
             <a:r>
               <a:rPr b="1" lang="fr-FR" sz="2400" spc="-1" strike="noStrike">
@@ -8886,7 +9354,7 @@
               <a:t>License</a:t>
             </a:r>
             <a:endParaRPr b="0" lang="en-US" sz="2400" spc="-1" strike="noStrike">
-              <a:latin typeface="Arial"/>
+              <a:latin typeface="DejaVu Sans"/>
             </a:endParaRPr>
           </a:p>
         </p:txBody>
@@ -8900,13 +9368,13 @@
         <p:spPr>
           <a:xfrm>
             <a:off x="335520" y="1268640"/>
-            <a:ext cx="10744920" cy="5032440"/>
-          </a:xfrm>
-          <a:prstGeom prst="rect">
-            <a:avLst/>
-          </a:prstGeom>
-          <a:noFill/>
-          <a:ln>
+            <a:ext cx="10744560" cy="5032080"/>
+          </a:xfrm>
+          <a:prstGeom prst="rect">
+            <a:avLst/>
+          </a:prstGeom>
+          <a:noFill/>
+          <a:ln w="0">
             <a:noFill/>
           </a:ln>
         </p:spPr>
@@ -8917,7 +9385,7 @@
           <a:fontRef idx="minor"/>
         </p:style>
         <p:txBody>
-          <a:bodyPr lIns="90000" rIns="90000" tIns="45000" bIns="45000">
+          <a:bodyPr lIns="90000" rIns="90000" tIns="45000" bIns="45000" anchor="t">
             <a:noAutofit/>
           </a:bodyPr>
           <a:p>
@@ -8928,9 +9396,10 @@
               <a:spcBef>
                 <a:spcPts val="360"/>
               </a:spcBef>
+              <a:buNone/>
             </a:pPr>
             <a:endParaRPr b="0" lang="en-US" sz="1800" spc="-1" strike="noStrike">
-              <a:latin typeface="Arial"/>
+              <a:latin typeface="DejaVu Sans"/>
             </a:endParaRPr>
           </a:p>
           <a:p>
@@ -8941,9 +9410,10 @@
               <a:spcBef>
                 <a:spcPts val="360"/>
               </a:spcBef>
+              <a:buNone/>
             </a:pPr>
             <a:endParaRPr b="0" lang="en-US" sz="1800" spc="-1" strike="noStrike">
-              <a:latin typeface="Arial"/>
+              <a:latin typeface="DejaVu Sans"/>
             </a:endParaRPr>
           </a:p>
         </p:txBody>
@@ -8957,13 +9427,13 @@
         <p:spPr>
           <a:xfrm>
             <a:off x="336600" y="3429000"/>
-            <a:ext cx="10862640" cy="2054520"/>
-          </a:xfrm>
-          <a:prstGeom prst="rect">
-            <a:avLst/>
-          </a:prstGeom>
-          <a:noFill/>
-          <a:ln>
+            <a:ext cx="10862280" cy="2054160"/>
+          </a:xfrm>
+          <a:prstGeom prst="rect">
+            <a:avLst/>
+          </a:prstGeom>
+          <a:noFill/>
+          <a:ln w="0">
             <a:noFill/>
           </a:ln>
         </p:spPr>
@@ -8974,7 +9444,7 @@
           <a:fontRef idx="minor"/>
         </p:style>
         <p:txBody>
-          <a:bodyPr lIns="90000" rIns="90000" tIns="45000" bIns="45000">
+          <a:bodyPr lIns="90000" rIns="90000" tIns="45000" bIns="45000" anchor="t">
             <a:noAutofit/>
           </a:bodyPr>
           <a:p>
@@ -9048,7 +9518,7 @@
               <a:t> .</a:t>
             </a:r>
             <a:endParaRPr b="0" lang="en-US" sz="2000" spc="-1" strike="noStrike">
-              <a:latin typeface="Arial"/>
+              <a:latin typeface="DejaVu Sans"/>
             </a:endParaRPr>
           </a:p>
           <a:p>
@@ -9102,7 +9572,7 @@
               <a:t>.</a:t>
             </a:r>
             <a:endParaRPr b="0" lang="en-US" sz="2000" spc="-1" strike="noStrike">
-              <a:latin typeface="Arial"/>
+              <a:latin typeface="DejaVu Sans"/>
             </a:endParaRPr>
           </a:p>
         </p:txBody>
@@ -9146,13 +9616,13 @@
         <p:spPr>
           <a:xfrm>
             <a:off x="335520" y="764640"/>
-            <a:ext cx="10747080" cy="497880"/>
-          </a:xfrm>
-          <a:prstGeom prst="rect">
-            <a:avLst/>
-          </a:prstGeom>
-          <a:noFill/>
-          <a:ln>
+            <a:ext cx="10746720" cy="497520"/>
+          </a:xfrm>
+          <a:prstGeom prst="rect">
+            <a:avLst/>
+          </a:prstGeom>
+          <a:noFill/>
+          <a:ln w="0">
             <a:noFill/>
           </a:ln>
         </p:spPr>
@@ -9163,7 +9633,7 @@
           <a:fontRef idx="minor"/>
         </p:style>
         <p:txBody>
-          <a:bodyPr lIns="90000" rIns="90000" tIns="45000" bIns="45000">
+          <a:bodyPr lIns="90000" rIns="90000" tIns="45000" bIns="45000" anchor="t">
             <a:noAutofit/>
           </a:bodyPr>
           <a:p>
@@ -9171,6 +9641,7 @@
               <a:lnSpc>
                 <a:spcPct val="100000"/>
               </a:lnSpc>
+              <a:buNone/>
             </a:pPr>
             <a:r>
               <a:rPr b="1" lang="en-GB" sz="2400" spc="-1" strike="noStrike">
@@ -9183,7 +9654,7 @@
               <a:t>Coding Exercise Submission and Grading – Clausthal and Göttingen</a:t>
             </a:r>
             <a:endParaRPr b="0" lang="en-US" sz="2400" spc="-1" strike="noStrike">
-              <a:latin typeface="Arial"/>
+              <a:latin typeface="DejaVu Sans"/>
             </a:endParaRPr>
           </a:p>
         </p:txBody>
@@ -9197,13 +9668,13 @@
         <p:spPr>
           <a:xfrm>
             <a:off x="335520" y="1268640"/>
-            <a:ext cx="10747080" cy="5034600"/>
-          </a:xfrm>
-          <a:prstGeom prst="rect">
-            <a:avLst/>
-          </a:prstGeom>
-          <a:noFill/>
-          <a:ln>
+            <a:ext cx="10746720" cy="5034240"/>
+          </a:xfrm>
+          <a:prstGeom prst="rect">
+            <a:avLst/>
+          </a:prstGeom>
+          <a:noFill/>
+          <a:ln w="0">
             <a:noFill/>
           </a:ln>
         </p:spPr>
@@ -9243,7 +9714,7 @@
               <a:t>Before submitting, unpack your archive to a new folder and check that the Makefile runs correctly.</a:t>
             </a:r>
             <a:endParaRPr b="0" lang="en-US" sz="1800" spc="-1" strike="noStrike">
-              <a:latin typeface="Arial"/>
+              <a:latin typeface="DejaVu Sans"/>
             </a:endParaRPr>
           </a:p>
           <a:p>
@@ -9272,7 +9743,7 @@
               <a:t>For grading, we use a different test program, so, no, hardcoding the answers to the provided driver.py will not work.</a:t>
             </a:r>
             <a:endParaRPr b="0" lang="en-US" sz="1800" spc="-1" strike="noStrike">
-              <a:latin typeface="Arial"/>
+              <a:latin typeface="DejaVu Sans"/>
             </a:endParaRPr>
           </a:p>
           <a:p>
@@ -9301,7 +9772,7 @@
               <a:t>Code is submitted via a timed write-only StudIP submission folder. Only a single file can be submitted. The file name must follow the exact format ‘lab&lt;n&gt;_&lt;matriculation number&gt;.zip’, so for example ‘lab4_123456789.zip’, no extra space or _ symbols anywhere.</a:t>
             </a:r>
             <a:endParaRPr b="0" lang="en-US" sz="1800" spc="-1" strike="noStrike">
-              <a:latin typeface="Arial"/>
+              <a:latin typeface="DejaVu Sans"/>
             </a:endParaRPr>
           </a:p>
         </p:txBody>
@@ -9315,13 +9786,13 @@
         <p:spPr>
           <a:xfrm>
             <a:off x="4655880" y="476640"/>
-            <a:ext cx="2433240" cy="359280"/>
-          </a:xfrm>
-          <a:prstGeom prst="rect">
-            <a:avLst/>
-          </a:prstGeom>
-          <a:noFill/>
-          <a:ln>
+            <a:ext cx="2432880" cy="358920"/>
+          </a:xfrm>
+          <a:prstGeom prst="rect">
+            <a:avLst/>
+          </a:prstGeom>
+          <a:noFill/>
+          <a:ln w="0">
             <a:noFill/>
           </a:ln>
         </p:spPr>
@@ -9371,13 +9842,13 @@
         <p:spPr>
           <a:xfrm>
             <a:off x="335520" y="840960"/>
-            <a:ext cx="10747080" cy="497880"/>
-          </a:xfrm>
-          <a:prstGeom prst="rect">
-            <a:avLst/>
-          </a:prstGeom>
-          <a:noFill/>
-          <a:ln>
+            <a:ext cx="10746720" cy="497520"/>
+          </a:xfrm>
+          <a:prstGeom prst="rect">
+            <a:avLst/>
+          </a:prstGeom>
+          <a:noFill/>
+          <a:ln w="0">
             <a:noFill/>
           </a:ln>
         </p:spPr>
@@ -9388,7 +9859,7 @@
           <a:fontRef idx="minor"/>
         </p:style>
         <p:txBody>
-          <a:bodyPr lIns="90000" rIns="90000" tIns="45000" bIns="45000">
+          <a:bodyPr lIns="90000" rIns="90000" tIns="45000" bIns="45000" anchor="t">
             <a:noAutofit/>
           </a:bodyPr>
           <a:p>
@@ -9396,6 +9867,7 @@
               <a:lnSpc>
                 <a:spcPct val="100000"/>
               </a:lnSpc>
+              <a:buNone/>
             </a:pPr>
             <a:r>
               <a:rPr b="1" lang="en-GB" sz="2400" spc="-1" strike="noStrike">
@@ -9408,7 +9880,7 @@
               <a:t>Multiple-Choice Exercises – Göttingen </a:t>
             </a:r>
             <a:endParaRPr b="0" lang="en-US" sz="2400" spc="-1" strike="noStrike">
-              <a:latin typeface="Arial"/>
+              <a:latin typeface="DejaVu Sans"/>
             </a:endParaRPr>
           </a:p>
         </p:txBody>
@@ -9422,13 +9894,13 @@
         <p:spPr>
           <a:xfrm>
             <a:off x="388800" y="1488600"/>
-            <a:ext cx="10725480" cy="5204520"/>
-          </a:xfrm>
-          <a:prstGeom prst="rect">
-            <a:avLst/>
-          </a:prstGeom>
-          <a:noFill/>
-          <a:ln>
+            <a:ext cx="10725120" cy="5204520"/>
+          </a:xfrm>
+          <a:prstGeom prst="rect">
+            <a:avLst/>
+          </a:prstGeom>
+          <a:noFill/>
+          <a:ln w="0">
             <a:noFill/>
           </a:ln>
         </p:spPr>
@@ -9439,7 +9911,7 @@
           <a:fontRef idx="minor"/>
         </p:style>
         <p:txBody>
-          <a:bodyPr lIns="90000" rIns="90000" tIns="45000" bIns="45000">
+          <a:bodyPr lIns="90000" rIns="90000" tIns="45000" bIns="45000" anchor="t">
             <a:spAutoFit/>
           </a:bodyPr>
           <a:p>
@@ -9447,6 +9919,7 @@
               <a:lnSpc>
                 <a:spcPct val="100000"/>
               </a:lnSpc>
+              <a:buNone/>
             </a:pPr>
             <a:r>
               <a:rPr b="1" lang="de-DE" sz="1400" spc="-1" strike="noStrike">
@@ -9459,7 +9932,7 @@
               <a:t>Every student enrolled in this course is required to take the Knowledge quiz in first two weeks of the course. </a:t>
             </a:r>
             <a:endParaRPr b="0" lang="en-US" sz="1400" spc="-1" strike="noStrike">
-              <a:latin typeface="Arial"/>
+              <a:latin typeface="DejaVu Sans"/>
             </a:endParaRPr>
           </a:p>
           <a:p>
@@ -9467,21 +9940,23 @@
               <a:lnSpc>
                 <a:spcPct val="100000"/>
               </a:lnSpc>
+              <a:buNone/>
             </a:pPr>
             <a:endParaRPr b="0" lang="en-US" sz="1400" spc="-1" strike="noStrike">
-              <a:latin typeface="Arial"/>
-            </a:endParaRPr>
-          </a:p>
-          <a:p>
-            <a:pPr marL="284040" indent="-281160">
+              <a:latin typeface="DejaVu Sans"/>
+            </a:endParaRPr>
+          </a:p>
+          <a:p>
+            <a:pPr marL="216000" indent="-216000">
               <a:lnSpc>
                 <a:spcPct val="100000"/>
               </a:lnSpc>
               <a:buClr>
-                <a:srgbClr val="000000"/>
+                <a:srgbClr val="008c4f"/>
               </a:buClr>
-              <a:buFont typeface="Wingdings" charset="2"/>
-              <a:buChar char=""/>
+              <a:buSzPct val="115000"/>
+              <a:buFont typeface="Wingdings 2" charset="2"/>
+              <a:buChar char=""/>
             </a:pPr>
             <a:r>
               <a:rPr b="0" lang="de-DE" sz="1400" spc="-1" strike="noStrike">
@@ -9504,29 +9979,36 @@
               <a:t>Wednesday, 20 April 2022, 5:00 PM until 27 April 2022 01:59 PM</a:t>
             </a:r>
             <a:endParaRPr b="0" lang="en-US" sz="1400" spc="-1" strike="noStrike">
-              <a:latin typeface="Arial"/>
-            </a:endParaRPr>
-          </a:p>
-          <a:p>
-            <a:pPr>
-              <a:lnSpc>
-                <a:spcPct val="100000"/>
-              </a:lnSpc>
+              <a:latin typeface="DejaVu Sans"/>
+            </a:endParaRPr>
+          </a:p>
+          <a:p>
+            <a:pPr marL="216000" indent="-216000">
+              <a:lnSpc>
+                <a:spcPct val="100000"/>
+              </a:lnSpc>
+              <a:buClr>
+                <a:srgbClr val="008c4f"/>
+              </a:buClr>
+              <a:buSzPct val="115000"/>
+              <a:buFont typeface="Wingdings 2" charset="2"/>
+              <a:buChar char=""/>
             </a:pPr>
             <a:endParaRPr b="0" lang="en-US" sz="1400" spc="-1" strike="noStrike">
-              <a:latin typeface="Arial"/>
-            </a:endParaRPr>
-          </a:p>
-          <a:p>
-            <a:pPr marL="239760" indent="-236880">
+              <a:latin typeface="DejaVu Sans"/>
+            </a:endParaRPr>
+          </a:p>
+          <a:p>
+            <a:pPr marL="216000" indent="-216000">
               <a:lnSpc>
                 <a:spcPct val="100000"/>
               </a:lnSpc>
               <a:buClr>
-                <a:srgbClr val="000000"/>
+                <a:srgbClr val="008c4f"/>
               </a:buClr>
-              <a:buFont typeface="Wingdings" charset="2"/>
-              <a:buChar char=""/>
+              <a:buSzPct val="115000"/>
+              <a:buFont typeface="Wingdings 2" charset="2"/>
+              <a:buChar char=""/>
             </a:pPr>
             <a:r>
               <a:rPr b="0" lang="de-DE" sz="1400" spc="-1" strike="noStrike">
@@ -9549,24 +10031,36 @@
               <a:t>Wednesday, 27 April 2022, 5:00 PM until 04 May 2022 01:59 PM</a:t>
             </a:r>
             <a:endParaRPr b="0" lang="en-US" sz="1400" spc="-1" strike="noStrike">
-              <a:latin typeface="Arial"/>
-            </a:endParaRPr>
-          </a:p>
-          <a:p>
-            <a:pPr>
-              <a:lnSpc>
-                <a:spcPct val="100000"/>
-              </a:lnSpc>
+              <a:latin typeface="DejaVu Sans"/>
+            </a:endParaRPr>
+          </a:p>
+          <a:p>
+            <a:pPr marL="216000" indent="-216000">
+              <a:lnSpc>
+                <a:spcPct val="100000"/>
+              </a:lnSpc>
+              <a:buClr>
+                <a:srgbClr val="008c4f"/>
+              </a:buClr>
+              <a:buSzPct val="115000"/>
+              <a:buFont typeface="Wingdings 2" charset="2"/>
+              <a:buChar char=""/>
             </a:pPr>
             <a:endParaRPr b="0" lang="en-US" sz="1400" spc="-1" strike="noStrike">
-              <a:latin typeface="Arial"/>
-            </a:endParaRPr>
-          </a:p>
-          <a:p>
-            <a:pPr>
-              <a:lnSpc>
-                <a:spcPct val="100000"/>
-              </a:lnSpc>
+              <a:latin typeface="DejaVu Sans"/>
+            </a:endParaRPr>
+          </a:p>
+          <a:p>
+            <a:pPr marL="216000" indent="-216000">
+              <a:lnSpc>
+                <a:spcPct val="100000"/>
+              </a:lnSpc>
+              <a:buClr>
+                <a:srgbClr val="008c4f"/>
+              </a:buClr>
+              <a:buSzPct val="115000"/>
+              <a:buFont typeface="Wingdings 2" charset="2"/>
+              <a:buChar char=""/>
             </a:pPr>
             <a:r>
               <a:rPr b="1" lang="de-DE" sz="1400" spc="-1" strike="noStrike">
@@ -9576,22 +10070,23 @@
                 <a:latin typeface="DejaVu Sans"/>
                 <a:ea typeface="Arial Unicode MS"/>
               </a:rPr>
-              <a:t>Goal of the Test:</a:t>
+              <a:t>Goal of the test:</a:t>
             </a:r>
             <a:endParaRPr b="0" lang="en-US" sz="1400" spc="-1" strike="noStrike">
-              <a:latin typeface="Arial"/>
-            </a:endParaRPr>
-          </a:p>
-          <a:p>
-            <a:pPr marL="239760" indent="-236880">
+              <a:latin typeface="DejaVu Sans"/>
+            </a:endParaRPr>
+          </a:p>
+          <a:p>
+            <a:pPr marL="216000" indent="-216000">
               <a:lnSpc>
                 <a:spcPct val="100000"/>
               </a:lnSpc>
               <a:buClr>
-                <a:srgbClr val="000000"/>
+                <a:srgbClr val="008c4f"/>
               </a:buClr>
-              <a:buFont typeface="Wingdings" charset="2"/>
-              <a:buChar char=""/>
+              <a:buSzPct val="115000"/>
+              <a:buFont typeface="Wingdings 2" charset="2"/>
+              <a:buChar char=""/>
             </a:pPr>
             <a:r>
               <a:rPr b="0" lang="de-DE" sz="1400" spc="-1" strike="noStrike">
@@ -9604,24 +10099,36 @@
               <a:t>To check the knowledge level of the student that is relevant to this course of study.</a:t>
             </a:r>
             <a:endParaRPr b="0" lang="en-US" sz="1400" spc="-1" strike="noStrike">
-              <a:latin typeface="Arial"/>
-            </a:endParaRPr>
-          </a:p>
-          <a:p>
-            <a:pPr>
-              <a:lnSpc>
-                <a:spcPct val="100000"/>
-              </a:lnSpc>
+              <a:latin typeface="DejaVu Sans"/>
+            </a:endParaRPr>
+          </a:p>
+          <a:p>
+            <a:pPr marL="216000" indent="-216000">
+              <a:lnSpc>
+                <a:spcPct val="100000"/>
+              </a:lnSpc>
+              <a:buClr>
+                <a:srgbClr val="008c4f"/>
+              </a:buClr>
+              <a:buSzPct val="115000"/>
+              <a:buFont typeface="Wingdings 2" charset="2"/>
+              <a:buChar char=""/>
             </a:pPr>
             <a:endParaRPr b="0" lang="en-US" sz="1400" spc="-1" strike="noStrike">
-              <a:latin typeface="Arial"/>
-            </a:endParaRPr>
-          </a:p>
-          <a:p>
-            <a:pPr>
-              <a:lnSpc>
-                <a:spcPct val="100000"/>
-              </a:lnSpc>
+              <a:latin typeface="DejaVu Sans"/>
+            </a:endParaRPr>
+          </a:p>
+          <a:p>
+            <a:pPr marL="216000" indent="-216000">
+              <a:lnSpc>
+                <a:spcPct val="100000"/>
+              </a:lnSpc>
+              <a:buClr>
+                <a:srgbClr val="008c4f"/>
+              </a:buClr>
+              <a:buSzPct val="115000"/>
+              <a:buFont typeface="Wingdings 2" charset="2"/>
+              <a:buChar char=""/>
             </a:pPr>
             <a:r>
               <a:rPr b="1" lang="de-DE" sz="1400" spc="-1" strike="noStrike">
@@ -9634,19 +10141,20 @@
               <a:t>Preparation:</a:t>
             </a:r>
             <a:endParaRPr b="0" lang="en-US" sz="1400" spc="-1" strike="noStrike">
-              <a:latin typeface="Arial"/>
-            </a:endParaRPr>
-          </a:p>
-          <a:p>
-            <a:pPr marL="239760" indent="-236880">
+              <a:latin typeface="DejaVu Sans"/>
+            </a:endParaRPr>
+          </a:p>
+          <a:p>
+            <a:pPr marL="216000" indent="-216000">
               <a:lnSpc>
                 <a:spcPct val="100000"/>
               </a:lnSpc>
               <a:buClr>
-                <a:srgbClr val="000000"/>
+                <a:srgbClr val="008c4f"/>
               </a:buClr>
-              <a:buFont typeface="Wingdings" charset="2"/>
-              <a:buChar char=""/>
+              <a:buSzPct val="115000"/>
+              <a:buFont typeface="Wingdings 2" charset="2"/>
+              <a:buChar char=""/>
             </a:pPr>
             <a:r>
               <a:rPr b="0" lang="de-DE" sz="1400" spc="-1" strike="noStrike">
@@ -9659,19 +10167,20 @@
               <a:t>A review of basic concepts of Cryptography and Circular Economy is recommended for Week 1 and Week 2 respectively</a:t>
             </a:r>
             <a:endParaRPr b="0" lang="en-US" sz="1400" spc="-1" strike="noStrike">
-              <a:latin typeface="Arial"/>
-            </a:endParaRPr>
-          </a:p>
-          <a:p>
-            <a:pPr marL="239760" indent="-236880">
+              <a:latin typeface="DejaVu Sans"/>
+            </a:endParaRPr>
+          </a:p>
+          <a:p>
+            <a:pPr marL="216000" indent="-216000">
               <a:lnSpc>
                 <a:spcPct val="100000"/>
               </a:lnSpc>
               <a:buClr>
-                <a:srgbClr val="000000"/>
+                <a:srgbClr val="008c4f"/>
               </a:buClr>
-              <a:buFont typeface="Wingdings" charset="2"/>
-              <a:buChar char=""/>
+              <a:buSzPct val="115000"/>
+              <a:buFont typeface="Wingdings 2" charset="2"/>
+              <a:buChar char=""/>
             </a:pPr>
             <a:r>
               <a:rPr b="0" lang="de-DE" sz="1400" spc="-1" strike="noStrike">
@@ -9684,24 +10193,36 @@
               <a:t>Knowledge quiz for Week 1 only tests your existing knowledge.</a:t>
             </a:r>
             <a:endParaRPr b="0" lang="en-US" sz="1400" spc="-1" strike="noStrike">
-              <a:latin typeface="Arial"/>
-            </a:endParaRPr>
-          </a:p>
-          <a:p>
-            <a:pPr>
-              <a:lnSpc>
-                <a:spcPct val="100000"/>
-              </a:lnSpc>
+              <a:latin typeface="DejaVu Sans"/>
+            </a:endParaRPr>
+          </a:p>
+          <a:p>
+            <a:pPr marL="216000" indent="-216000">
+              <a:lnSpc>
+                <a:spcPct val="100000"/>
+              </a:lnSpc>
+              <a:buClr>
+                <a:srgbClr val="008c4f"/>
+              </a:buClr>
+              <a:buSzPct val="115000"/>
+              <a:buFont typeface="Wingdings 2" charset="2"/>
+              <a:buChar char=""/>
             </a:pPr>
             <a:endParaRPr b="0" lang="en-US" sz="1400" spc="-1" strike="noStrike">
-              <a:latin typeface="Arial"/>
-            </a:endParaRPr>
-          </a:p>
-          <a:p>
-            <a:pPr>
-              <a:lnSpc>
-                <a:spcPct val="100000"/>
-              </a:lnSpc>
+              <a:latin typeface="DejaVu Sans"/>
+            </a:endParaRPr>
+          </a:p>
+          <a:p>
+            <a:pPr marL="216000" indent="-216000">
+              <a:lnSpc>
+                <a:spcPct val="100000"/>
+              </a:lnSpc>
+              <a:buClr>
+                <a:srgbClr val="008c4f"/>
+              </a:buClr>
+              <a:buSzPct val="115000"/>
+              <a:buFont typeface="Wingdings 2" charset="2"/>
+              <a:buChar char=""/>
             </a:pPr>
             <a:r>
               <a:rPr b="1" lang="de-DE" sz="1400" spc="-1" strike="noStrike">
@@ -9711,22 +10232,23 @@
                 <a:latin typeface="DejaVu Sans"/>
                 <a:ea typeface="Arial Unicode MS"/>
               </a:rPr>
-              <a:t>Test strurcture:</a:t>
+              <a:t>Test sturcture:</a:t>
             </a:r>
             <a:endParaRPr b="0" lang="en-US" sz="1400" spc="-1" strike="noStrike">
-              <a:latin typeface="Arial"/>
-            </a:endParaRPr>
-          </a:p>
-          <a:p>
-            <a:pPr marL="239760" indent="-236880">
+              <a:latin typeface="DejaVu Sans"/>
+            </a:endParaRPr>
+          </a:p>
+          <a:p>
+            <a:pPr marL="216000" indent="-216000">
               <a:lnSpc>
                 <a:spcPct val="100000"/>
               </a:lnSpc>
               <a:buClr>
-                <a:srgbClr val="000000"/>
+                <a:srgbClr val="008c4f"/>
               </a:buClr>
-              <a:buFont typeface="Wingdings" charset="2"/>
-              <a:buChar char=""/>
+              <a:buSzPct val="115000"/>
+              <a:buFont typeface="Wingdings 2" charset="2"/>
+              <a:buChar char=""/>
             </a:pPr>
             <a:r>
               <a:rPr b="0" lang="de-DE" sz="1400" spc="-1" strike="noStrike">
@@ -9799,19 +10321,20 @@
               <a:t>for each question.</a:t>
             </a:r>
             <a:endParaRPr b="0" lang="en-US" sz="1400" spc="-1" strike="noStrike">
-              <a:latin typeface="Arial"/>
-            </a:endParaRPr>
-          </a:p>
-          <a:p>
-            <a:pPr marL="239760" indent="-236880">
+              <a:latin typeface="DejaVu Sans"/>
+            </a:endParaRPr>
+          </a:p>
+          <a:p>
+            <a:pPr marL="216000" indent="-216000">
               <a:lnSpc>
                 <a:spcPct val="100000"/>
               </a:lnSpc>
               <a:buClr>
-                <a:srgbClr val="000000"/>
+                <a:srgbClr val="008c4f"/>
               </a:buClr>
-              <a:buFont typeface="Wingdings" charset="2"/>
-              <a:buChar char=""/>
+              <a:buSzPct val="115000"/>
+              <a:buFont typeface="Wingdings 2" charset="2"/>
+              <a:buChar char=""/>
             </a:pPr>
             <a:r>
               <a:rPr b="0" lang="de-DE" sz="1400" spc="-1" strike="noStrike">
@@ -9834,19 +10357,20 @@
               <a:t>1 point</a:t>
             </a:r>
             <a:endParaRPr b="0" lang="en-US" sz="1400" spc="-1" strike="noStrike">
-              <a:latin typeface="Arial"/>
-            </a:endParaRPr>
-          </a:p>
-          <a:p>
-            <a:pPr marL="239760" indent="-236880">
+              <a:latin typeface="DejaVu Sans"/>
+            </a:endParaRPr>
+          </a:p>
+          <a:p>
+            <a:pPr marL="216000" indent="-216000">
               <a:lnSpc>
                 <a:spcPct val="100000"/>
               </a:lnSpc>
               <a:buClr>
-                <a:srgbClr val="000000"/>
+                <a:srgbClr val="008c4f"/>
               </a:buClr>
-              <a:buFont typeface="Wingdings" charset="2"/>
-              <a:buChar char=""/>
+              <a:buSzPct val="115000"/>
+              <a:buFont typeface="Wingdings 2" charset="2"/>
+              <a:buChar char=""/>
             </a:pPr>
             <a:r>
               <a:rPr b="1" lang="de-DE" sz="1400" spc="-1" strike="noStrike">
@@ -9899,19 +10423,20 @@
               <a:t> as a correct choice is awarded.</a:t>
             </a:r>
             <a:endParaRPr b="0" lang="en-US" sz="1400" spc="-1" strike="noStrike">
-              <a:latin typeface="Arial"/>
-            </a:endParaRPr>
-          </a:p>
-          <a:p>
-            <a:pPr marL="239760" indent="-236880">
+              <a:latin typeface="DejaVu Sans"/>
+            </a:endParaRPr>
+          </a:p>
+          <a:p>
+            <a:pPr marL="216000" indent="-216000">
               <a:lnSpc>
                 <a:spcPct val="100000"/>
               </a:lnSpc>
               <a:buClr>
-                <a:srgbClr val="000000"/>
+                <a:srgbClr val="008c4f"/>
               </a:buClr>
-              <a:buFont typeface="Wingdings" charset="2"/>
-              <a:buChar char=""/>
+              <a:buSzPct val="115000"/>
+              <a:buFont typeface="Wingdings 2" charset="2"/>
+              <a:buChar char=""/>
             </a:pPr>
             <a:r>
               <a:rPr b="0" lang="de-DE" sz="1400" spc="-1" strike="noStrike">
@@ -9934,19 +10459,20 @@
               <a:t>grade scale of 10.</a:t>
             </a:r>
             <a:endParaRPr b="0" lang="en-US" sz="1400" spc="-1" strike="noStrike">
-              <a:latin typeface="Arial"/>
-            </a:endParaRPr>
-          </a:p>
-          <a:p>
-            <a:pPr marL="239760" indent="-236880">
+              <a:latin typeface="DejaVu Sans"/>
+            </a:endParaRPr>
+          </a:p>
+          <a:p>
+            <a:pPr marL="216000" indent="-216000">
               <a:lnSpc>
                 <a:spcPct val="100000"/>
               </a:lnSpc>
               <a:buClr>
-                <a:srgbClr val="000000"/>
+                <a:srgbClr val="008c4f"/>
               </a:buClr>
-              <a:buFont typeface="Wingdings" charset="2"/>
-              <a:buChar char=""/>
+              <a:buSzPct val="115000"/>
+              <a:buFont typeface="Wingdings 2" charset="2"/>
+              <a:buChar char=""/>
             </a:pPr>
             <a:r>
               <a:rPr b="0" lang="de-DE" sz="1400" spc="-1" strike="noStrike">
@@ -9959,7 +10485,7 @@
               <a:t>The result of your test will be available after the quiz is closed.</a:t>
             </a:r>
             <a:endParaRPr b="0" lang="en-US" sz="1400" spc="-1" strike="noStrike">
-              <a:latin typeface="Arial"/>
+              <a:latin typeface="DejaVu Sans"/>
             </a:endParaRPr>
           </a:p>
         </p:txBody>
@@ -10003,13 +10529,13 @@
         <p:spPr>
           <a:xfrm>
             <a:off x="335520" y="764640"/>
-            <a:ext cx="10747080" cy="497880"/>
-          </a:xfrm>
-          <a:prstGeom prst="rect">
-            <a:avLst/>
-          </a:prstGeom>
-          <a:noFill/>
-          <a:ln>
+            <a:ext cx="10746720" cy="497520"/>
+          </a:xfrm>
+          <a:prstGeom prst="rect">
+            <a:avLst/>
+          </a:prstGeom>
+          <a:noFill/>
+          <a:ln w="0">
             <a:noFill/>
           </a:ln>
         </p:spPr>
@@ -10020,7 +10546,7 @@
           <a:fontRef idx="minor"/>
         </p:style>
         <p:txBody>
-          <a:bodyPr lIns="90000" rIns="90000" tIns="45000" bIns="45000">
+          <a:bodyPr lIns="90000" rIns="90000" tIns="45000" bIns="45000" anchor="t">
             <a:noAutofit/>
           </a:bodyPr>
           <a:p>
@@ -10028,6 +10554,7 @@
               <a:lnSpc>
                 <a:spcPct val="100000"/>
               </a:lnSpc>
+              <a:buNone/>
             </a:pPr>
             <a:r>
               <a:rPr b="1" lang="en-GB" sz="2400" spc="-1" strike="noStrike">
@@ -10040,7 +10567,7 @@
               <a:t>Multiple-Choice Exercises – Göttingen </a:t>
             </a:r>
             <a:endParaRPr b="0" lang="en-US" sz="2400" spc="-1" strike="noStrike">
-              <a:latin typeface="Arial"/>
+              <a:latin typeface="DejaVu Sans"/>
             </a:endParaRPr>
           </a:p>
         </p:txBody>
@@ -10054,13 +10581,13 @@
         <p:spPr>
           <a:xfrm>
             <a:off x="4655880" y="476640"/>
-            <a:ext cx="2433240" cy="359280"/>
-          </a:xfrm>
-          <a:prstGeom prst="rect">
-            <a:avLst/>
-          </a:prstGeom>
-          <a:noFill/>
-          <a:ln>
+            <a:ext cx="2432880" cy="358920"/>
+          </a:xfrm>
+          <a:prstGeom prst="rect">
+            <a:avLst/>
+          </a:prstGeom>
+          <a:noFill/>
+          <a:ln w="0">
             <a:noFill/>
           </a:ln>
         </p:spPr>
@@ -10080,13 +10607,13 @@
         <p:spPr>
           <a:xfrm>
             <a:off x="494640" y="1523880"/>
-            <a:ext cx="10365840" cy="480960"/>
-          </a:xfrm>
-          <a:prstGeom prst="rect">
-            <a:avLst/>
-          </a:prstGeom>
-          <a:noFill/>
-          <a:ln>
+            <a:ext cx="10365480" cy="480600"/>
+          </a:xfrm>
+          <a:prstGeom prst="rect">
+            <a:avLst/>
+          </a:prstGeom>
+          <a:noFill/>
+          <a:ln w="0">
             <a:noFill/>
           </a:ln>
         </p:spPr>
@@ -10097,7 +10624,7 @@
           <a:fontRef idx="minor"/>
         </p:style>
         <p:txBody>
-          <a:bodyPr lIns="90000" rIns="90000" tIns="45000" bIns="45000">
+          <a:bodyPr lIns="90000" rIns="90000" tIns="45000" bIns="45000" anchor="t">
             <a:noAutofit/>
           </a:bodyPr>
           <a:p>
@@ -10105,6 +10632,7 @@
               <a:lnSpc>
                 <a:spcPct val="100000"/>
               </a:lnSpc>
+              <a:buNone/>
             </a:pPr>
             <a:r>
               <a:rPr b="0" lang="de-DE" sz="1800" spc="-1" strike="noStrike">
@@ -10117,7 +10645,7 @@
               <a:t>Step-1: Navigate to StudIP, select "Lernmodule/Learning modules"</a:t>
             </a:r>
             <a:endParaRPr b="0" lang="en-US" sz="1800" spc="-1" strike="noStrike">
-              <a:latin typeface="Arial"/>
+              <a:latin typeface="DejaVu Sans"/>
             </a:endParaRPr>
           </a:p>
         </p:txBody>
@@ -10130,18 +10658,18 @@
         </p:nvPicPr>
         <p:blipFill>
           <a:blip r:embed="rId1"/>
-          <a:srcRect l="0" t="0" r="0" b="43315"/>
+          <a:srcRect l="0" t="0" r="0" b="43311"/>
           <a:stretch/>
         </p:blipFill>
         <p:spPr>
           <a:xfrm>
             <a:off x="609120" y="2057760"/>
-            <a:ext cx="9518400" cy="3882600"/>
-          </a:xfrm>
-          <a:prstGeom prst="rect">
-            <a:avLst/>
-          </a:prstGeom>
-          <a:ln>
+            <a:ext cx="9518040" cy="3882240"/>
+          </a:xfrm>
+          <a:prstGeom prst="rect">
+            <a:avLst/>
+          </a:prstGeom>
+          <a:ln w="0">
             <a:noFill/>
           </a:ln>
         </p:spPr>
@@ -10185,13 +10713,13 @@
         <p:spPr>
           <a:xfrm>
             <a:off x="335520" y="764640"/>
-            <a:ext cx="10747080" cy="497880"/>
-          </a:xfrm>
-          <a:prstGeom prst="rect">
-            <a:avLst/>
-          </a:prstGeom>
-          <a:noFill/>
-          <a:ln>
+            <a:ext cx="10746720" cy="497520"/>
+          </a:xfrm>
+          <a:prstGeom prst="rect">
+            <a:avLst/>
+          </a:prstGeom>
+          <a:noFill/>
+          <a:ln w="0">
             <a:noFill/>
           </a:ln>
         </p:spPr>
@@ -10202,7 +10730,7 @@
           <a:fontRef idx="minor"/>
         </p:style>
         <p:txBody>
-          <a:bodyPr lIns="90000" rIns="90000" tIns="45000" bIns="45000">
+          <a:bodyPr lIns="90000" rIns="90000" tIns="45000" bIns="45000" anchor="t">
             <a:noAutofit/>
           </a:bodyPr>
           <a:p>
@@ -10210,6 +10738,7 @@
               <a:lnSpc>
                 <a:spcPct val="100000"/>
               </a:lnSpc>
+              <a:buNone/>
             </a:pPr>
             <a:r>
               <a:rPr b="1" lang="en-GB" sz="2400" spc="-1" strike="noStrike">
@@ -10222,7 +10751,7 @@
               <a:t>Multiple-Choice Exercises – Göttingen </a:t>
             </a:r>
             <a:endParaRPr b="0" lang="en-US" sz="2400" spc="-1" strike="noStrike">
-              <a:latin typeface="Arial"/>
+              <a:latin typeface="DejaVu Sans"/>
             </a:endParaRPr>
           </a:p>
         </p:txBody>
@@ -10236,13 +10765,13 @@
         <p:spPr>
           <a:xfrm>
             <a:off x="4655880" y="476640"/>
-            <a:ext cx="2433240" cy="359280"/>
-          </a:xfrm>
-          <a:prstGeom prst="rect">
-            <a:avLst/>
-          </a:prstGeom>
-          <a:noFill/>
-          <a:ln>
+            <a:ext cx="2432880" cy="358920"/>
+          </a:xfrm>
+          <a:prstGeom prst="rect">
+            <a:avLst/>
+          </a:prstGeom>
+          <a:noFill/>
+          <a:ln w="0">
             <a:noFill/>
           </a:ln>
         </p:spPr>
@@ -10262,13 +10791,13 @@
         <p:spPr>
           <a:xfrm>
             <a:off x="494640" y="1474920"/>
-            <a:ext cx="10365840" cy="480960"/>
-          </a:xfrm>
-          <a:prstGeom prst="rect">
-            <a:avLst/>
-          </a:prstGeom>
-          <a:noFill/>
-          <a:ln>
+            <a:ext cx="10365480" cy="480600"/>
+          </a:xfrm>
+          <a:prstGeom prst="rect">
+            <a:avLst/>
+          </a:prstGeom>
+          <a:noFill/>
+          <a:ln w="0">
             <a:noFill/>
           </a:ln>
         </p:spPr>
@@ -10279,7 +10808,7 @@
           <a:fontRef idx="minor"/>
         </p:style>
         <p:txBody>
-          <a:bodyPr lIns="90000" rIns="90000" tIns="45000" bIns="45000">
+          <a:bodyPr lIns="90000" rIns="90000" tIns="45000" bIns="45000" anchor="t">
             <a:noAutofit/>
           </a:bodyPr>
           <a:p>
@@ -10287,6 +10816,7 @@
               <a:lnSpc>
                 <a:spcPct val="100000"/>
               </a:lnSpc>
+              <a:buNone/>
             </a:pPr>
             <a:r>
               <a:rPr b="0" lang="de-DE" sz="1800" spc="-1" strike="noStrike">
@@ -10309,7 +10839,7 @@
               <a:t>. This will take you to the ILIAS Page</a:t>
             </a:r>
             <a:endParaRPr b="0" lang="en-US" sz="1800" spc="-1" strike="noStrike">
-              <a:latin typeface="Arial"/>
+              <a:latin typeface="DejaVu Sans"/>
             </a:endParaRPr>
           </a:p>
         </p:txBody>
@@ -10328,12 +10858,12 @@
         <p:spPr>
           <a:xfrm>
             <a:off x="446400" y="2185200"/>
-            <a:ext cx="9405720" cy="3848760"/>
-          </a:xfrm>
-          <a:prstGeom prst="rect">
-            <a:avLst/>
-          </a:prstGeom>
-          <a:ln>
+            <a:ext cx="9405360" cy="3848400"/>
+          </a:xfrm>
+          <a:prstGeom prst="rect">
+            <a:avLst/>
+          </a:prstGeom>
+          <a:ln w="0">
             <a:noFill/>
           </a:ln>
         </p:spPr>
@@ -10377,13 +10907,13 @@
         <p:spPr>
           <a:xfrm>
             <a:off x="335520" y="764640"/>
-            <a:ext cx="10747080" cy="497880"/>
-          </a:xfrm>
-          <a:prstGeom prst="rect">
-            <a:avLst/>
-          </a:prstGeom>
-          <a:noFill/>
-          <a:ln>
+            <a:ext cx="10746720" cy="497520"/>
+          </a:xfrm>
+          <a:prstGeom prst="rect">
+            <a:avLst/>
+          </a:prstGeom>
+          <a:noFill/>
+          <a:ln w="0">
             <a:noFill/>
           </a:ln>
         </p:spPr>
@@ -10394,7 +10924,7 @@
           <a:fontRef idx="minor"/>
         </p:style>
         <p:txBody>
-          <a:bodyPr lIns="90000" rIns="90000" tIns="45000" bIns="45000">
+          <a:bodyPr lIns="90000" rIns="90000" tIns="45000" bIns="45000" anchor="t">
             <a:noAutofit/>
           </a:bodyPr>
           <a:p>
@@ -10402,6 +10932,7 @@
               <a:lnSpc>
                 <a:spcPct val="100000"/>
               </a:lnSpc>
+              <a:buNone/>
             </a:pPr>
             <a:r>
               <a:rPr b="1" lang="en-GB" sz="2400" spc="-1" strike="noStrike">
@@ -10414,7 +10945,7 @@
               <a:t>Multiple-Choice Exercises – Göttingen </a:t>
             </a:r>
             <a:endParaRPr b="0" lang="en-US" sz="2400" spc="-1" strike="noStrike">
-              <a:latin typeface="Arial"/>
+              <a:latin typeface="DejaVu Sans"/>
             </a:endParaRPr>
           </a:p>
         </p:txBody>
@@ -10428,13 +10959,13 @@
         <p:spPr>
           <a:xfrm>
             <a:off x="4655880" y="476640"/>
-            <a:ext cx="2433240" cy="359280"/>
-          </a:xfrm>
-          <a:prstGeom prst="rect">
-            <a:avLst/>
-          </a:prstGeom>
-          <a:noFill/>
-          <a:ln>
+            <a:ext cx="2432880" cy="358920"/>
+          </a:xfrm>
+          <a:prstGeom prst="rect">
+            <a:avLst/>
+          </a:prstGeom>
+          <a:noFill/>
+          <a:ln w="0">
             <a:noFill/>
           </a:ln>
         </p:spPr>
@@ -10454,13 +10985,13 @@
         <p:spPr>
           <a:xfrm>
             <a:off x="494640" y="1523880"/>
-            <a:ext cx="10365840" cy="480960"/>
-          </a:xfrm>
-          <a:prstGeom prst="rect">
-            <a:avLst/>
-          </a:prstGeom>
-          <a:noFill/>
-          <a:ln>
+            <a:ext cx="10365480" cy="480600"/>
+          </a:xfrm>
+          <a:prstGeom prst="rect">
+            <a:avLst/>
+          </a:prstGeom>
+          <a:noFill/>
+          <a:ln w="0">
             <a:noFill/>
           </a:ln>
         </p:spPr>
@@ -10471,7 +11002,7 @@
           <a:fontRef idx="minor"/>
         </p:style>
         <p:txBody>
-          <a:bodyPr lIns="90000" rIns="90000" tIns="45000" bIns="45000">
+          <a:bodyPr lIns="90000" rIns="90000" tIns="45000" bIns="45000" anchor="t">
             <a:noAutofit/>
           </a:bodyPr>
           <a:p>
@@ -10479,6 +11010,7 @@
               <a:lnSpc>
                 <a:spcPct val="100000"/>
               </a:lnSpc>
+              <a:buNone/>
             </a:pPr>
             <a:r>
               <a:rPr b="0" lang="de-DE" sz="1800" spc="-1" strike="noStrike">
@@ -10491,7 +11023,7 @@
               <a:t>Step-3: On ILIAS, to attempt the test, click on "Test Fortsetzen"</a:t>
             </a:r>
             <a:endParaRPr b="0" lang="en-US" sz="1800" spc="-1" strike="noStrike">
-              <a:latin typeface="Arial"/>
+              <a:latin typeface="DejaVu Sans"/>
             </a:endParaRPr>
           </a:p>
         </p:txBody>
@@ -10510,12 +11042,12 @@
         <p:spPr>
           <a:xfrm>
             <a:off x="494640" y="2088360"/>
-            <a:ext cx="8943480" cy="3965040"/>
-          </a:xfrm>
-          <a:prstGeom prst="rect">
-            <a:avLst/>
-          </a:prstGeom>
-          <a:ln>
+            <a:ext cx="8943120" cy="3964680"/>
+          </a:xfrm>
+          <a:prstGeom prst="rect">
+            <a:avLst/>
+          </a:prstGeom>
+          <a:ln w="0">
             <a:noFill/>
           </a:ln>
         </p:spPr>
@@ -10559,13 +11091,13 @@
         <p:spPr>
           <a:xfrm>
             <a:off x="335520" y="764640"/>
-            <a:ext cx="10747080" cy="497880"/>
-          </a:xfrm>
-          <a:prstGeom prst="rect">
-            <a:avLst/>
-          </a:prstGeom>
-          <a:noFill/>
-          <a:ln>
+            <a:ext cx="10746720" cy="497520"/>
+          </a:xfrm>
+          <a:prstGeom prst="rect">
+            <a:avLst/>
+          </a:prstGeom>
+          <a:noFill/>
+          <a:ln w="0">
             <a:noFill/>
           </a:ln>
         </p:spPr>
@@ -10576,7 +11108,7 @@
           <a:fontRef idx="minor"/>
         </p:style>
         <p:txBody>
-          <a:bodyPr lIns="90000" rIns="90000" tIns="45000" bIns="45000">
+          <a:bodyPr lIns="90000" rIns="90000" tIns="45000" bIns="45000" anchor="t">
             <a:noAutofit/>
           </a:bodyPr>
           <a:p>
@@ -10584,6 +11116,7 @@
               <a:lnSpc>
                 <a:spcPct val="100000"/>
               </a:lnSpc>
+              <a:buNone/>
             </a:pPr>
             <a:r>
               <a:rPr b="1" lang="en-GB" sz="2400" spc="-1" strike="noStrike">
@@ -10596,7 +11129,7 @@
               <a:t>Multiple-Choice Exercises – Göttingen </a:t>
             </a:r>
             <a:endParaRPr b="0" lang="en-US" sz="2400" spc="-1" strike="noStrike">
-              <a:latin typeface="Arial"/>
+              <a:latin typeface="DejaVu Sans"/>
             </a:endParaRPr>
           </a:p>
         </p:txBody>
@@ -10610,13 +11143,13 @@
         <p:spPr>
           <a:xfrm>
             <a:off x="4655880" y="476640"/>
-            <a:ext cx="2433240" cy="359280"/>
-          </a:xfrm>
-          <a:prstGeom prst="rect">
-            <a:avLst/>
-          </a:prstGeom>
-          <a:noFill/>
-          <a:ln>
+            <a:ext cx="2432880" cy="358920"/>
+          </a:xfrm>
+          <a:prstGeom prst="rect">
+            <a:avLst/>
+          </a:prstGeom>
+          <a:noFill/>
+          <a:ln w="0">
             <a:noFill/>
           </a:ln>
         </p:spPr>
@@ -10636,13 +11169,13 @@
         <p:spPr>
           <a:xfrm>
             <a:off x="494640" y="1523880"/>
-            <a:ext cx="10365840" cy="480960"/>
-          </a:xfrm>
-          <a:prstGeom prst="rect">
-            <a:avLst/>
-          </a:prstGeom>
-          <a:noFill/>
-          <a:ln>
+            <a:ext cx="10365480" cy="480600"/>
+          </a:xfrm>
+          <a:prstGeom prst="rect">
+            <a:avLst/>
+          </a:prstGeom>
+          <a:noFill/>
+          <a:ln w="0">
             <a:noFill/>
           </a:ln>
         </p:spPr>
@@ -10653,7 +11186,7 @@
           <a:fontRef idx="minor"/>
         </p:style>
         <p:txBody>
-          <a:bodyPr lIns="90000" rIns="90000" tIns="45000" bIns="45000">
+          <a:bodyPr lIns="90000" rIns="90000" tIns="45000" bIns="45000" anchor="t">
             <a:noAutofit/>
           </a:bodyPr>
           <a:p>
@@ -10661,6 +11194,7 @@
               <a:lnSpc>
                 <a:spcPct val="100000"/>
               </a:lnSpc>
+              <a:buNone/>
             </a:pPr>
             <a:r>
               <a:rPr b="0" lang="de-DE" sz="1800" spc="-1" strike="noStrike">
@@ -10673,7 +11207,7 @@
               <a:t>Step-4: After answering a question, click on "Weiter" for the next question, and on "Test beenden" after you answer all questions</a:t>
             </a:r>
             <a:endParaRPr b="0" lang="en-US" sz="1800" spc="-1" strike="noStrike">
-              <a:latin typeface="Arial"/>
+              <a:latin typeface="DejaVu Sans"/>
             </a:endParaRPr>
           </a:p>
         </p:txBody>
@@ -10692,12 +11226,12 @@
         <p:spPr>
           <a:xfrm>
             <a:off x="494640" y="2166840"/>
-            <a:ext cx="8339040" cy="4180320"/>
-          </a:xfrm>
-          <a:prstGeom prst="rect">
-            <a:avLst/>
-          </a:prstGeom>
-          <a:ln>
+            <a:ext cx="8338680" cy="4179960"/>
+          </a:xfrm>
+          <a:prstGeom prst="rect">
+            <a:avLst/>
+          </a:prstGeom>
+          <a:ln w="0">
             <a:noFill/>
           </a:ln>
         </p:spPr>
@@ -10741,13 +11275,13 @@
         <p:spPr>
           <a:xfrm>
             <a:off x="335520" y="768240"/>
-            <a:ext cx="10747080" cy="497880"/>
-          </a:xfrm>
-          <a:prstGeom prst="rect">
-            <a:avLst/>
-          </a:prstGeom>
-          <a:noFill/>
-          <a:ln>
+            <a:ext cx="10746720" cy="497520"/>
+          </a:xfrm>
+          <a:prstGeom prst="rect">
+            <a:avLst/>
+          </a:prstGeom>
+          <a:noFill/>
+          <a:ln w="0">
             <a:noFill/>
           </a:ln>
         </p:spPr>
@@ -10758,7 +11292,7 @@
           <a:fontRef idx="minor"/>
         </p:style>
         <p:txBody>
-          <a:bodyPr lIns="90000" rIns="90000" tIns="45000" bIns="45000">
+          <a:bodyPr lIns="90000" rIns="90000" tIns="45000" bIns="45000" anchor="t">
             <a:noAutofit/>
           </a:bodyPr>
           <a:p>
@@ -10766,6 +11300,7 @@
               <a:lnSpc>
                 <a:spcPct val="100000"/>
               </a:lnSpc>
+              <a:buNone/>
             </a:pPr>
             <a:r>
               <a:rPr b="1" lang="en-GB" sz="2400" spc="-1" strike="noStrike">
@@ -10778,7 +11313,7 @@
               <a:t>Multiple-Choice Exercises – Clausthal </a:t>
             </a:r>
             <a:endParaRPr b="0" lang="en-US" sz="2400" spc="-1" strike="noStrike">
-              <a:latin typeface="Arial"/>
+              <a:latin typeface="DejaVu Sans"/>
             </a:endParaRPr>
           </a:p>
         </p:txBody>
@@ -10792,13 +11327,13 @@
         <p:spPr>
           <a:xfrm>
             <a:off x="388800" y="1488600"/>
-            <a:ext cx="10720800" cy="5204520"/>
-          </a:xfrm>
-          <a:prstGeom prst="rect">
-            <a:avLst/>
-          </a:prstGeom>
-          <a:noFill/>
-          <a:ln>
+            <a:ext cx="10720440" cy="5204520"/>
+          </a:xfrm>
+          <a:prstGeom prst="rect">
+            <a:avLst/>
+          </a:prstGeom>
+          <a:noFill/>
+          <a:ln w="0">
             <a:noFill/>
           </a:ln>
         </p:spPr>
@@ -10809,7 +11344,7 @@
           <a:fontRef idx="minor"/>
         </p:style>
         <p:txBody>
-          <a:bodyPr lIns="90000" rIns="90000" tIns="45000" bIns="45000">
+          <a:bodyPr lIns="90000" rIns="90000" tIns="45000" bIns="45000" anchor="t">
             <a:spAutoFit/>
           </a:bodyPr>
           <a:p>
@@ -10817,6 +11352,7 @@
               <a:lnSpc>
                 <a:spcPct val="100000"/>
               </a:lnSpc>
+              <a:buNone/>
             </a:pPr>
             <a:r>
               <a:rPr b="1" lang="de-DE" sz="1400" spc="-1" strike="noStrike">
@@ -10829,7 +11365,7 @@
               <a:t>Every student enrolled in this course is required to take the Knowledge quiz in first two weeks of the course.  </a:t>
             </a:r>
             <a:endParaRPr b="0" lang="en-US" sz="1400" spc="-1" strike="noStrike">
-              <a:latin typeface="Arial"/>
+              <a:latin typeface="DejaVu Sans"/>
             </a:endParaRPr>
           </a:p>
           <a:p>
@@ -10837,9 +11373,10 @@
               <a:lnSpc>
                 <a:spcPct val="100000"/>
               </a:lnSpc>
+              <a:buNone/>
             </a:pPr>
             <a:endParaRPr b="0" lang="en-US" sz="1400" spc="-1" strike="noStrike">
-              <a:latin typeface="Arial"/>
+              <a:latin typeface="DejaVu Sans"/>
             </a:endParaRPr>
           </a:p>
           <a:p>
@@ -10885,7 +11422,7 @@
               <a:t>, 20 April 2022, 5:00 PM until 27 April 2022 01:59 PM</a:t>
             </a:r>
             <a:endParaRPr b="0" lang="en-US" sz="1400" spc="-1" strike="noStrike">
-              <a:latin typeface="Arial"/>
+              <a:latin typeface="DejaVu Sans"/>
             </a:endParaRPr>
           </a:p>
           <a:p>
@@ -10893,9 +11430,10 @@
               <a:lnSpc>
                 <a:spcPct val="100000"/>
               </a:lnSpc>
+              <a:buNone/>
             </a:pPr>
             <a:endParaRPr b="0" lang="en-US" sz="1400" spc="-1" strike="noStrike">
-              <a:latin typeface="Arial"/>
+              <a:latin typeface="DejaVu Sans"/>
             </a:endParaRPr>
           </a:p>
           <a:p>
@@ -10941,7 +11479,7 @@
               <a:t>, 27 April 2022, 5:00 PM until 04 May 2022 01:59 PM</a:t>
             </a:r>
             <a:endParaRPr b="0" lang="en-US" sz="1400" spc="-1" strike="noStrike">
-              <a:latin typeface="Arial"/>
+              <a:latin typeface="DejaVu Sans"/>
             </a:endParaRPr>
           </a:p>
           <a:p>
@@ -10949,9 +11487,10 @@
               <a:lnSpc>
                 <a:spcPct val="100000"/>
               </a:lnSpc>
+              <a:buNone/>
             </a:pPr>
             <a:endParaRPr b="0" lang="en-US" sz="1400" spc="-1" strike="noStrike">
-              <a:latin typeface="Arial"/>
+              <a:latin typeface="DejaVu Sans"/>
             </a:endParaRPr>
           </a:p>
           <a:p>
@@ -10974,10 +11513,10 @@
                 <a:latin typeface="DejaVu Sans"/>
                 <a:ea typeface="Arial Unicode MS"/>
               </a:rPr>
-              <a:t>Goal of the Test:</a:t>
+              <a:t>Goal of the test:</a:t>
             </a:r>
             <a:endParaRPr b="0" lang="en-US" sz="1400" spc="-1" strike="noStrike">
-              <a:latin typeface="Arial"/>
+              <a:latin typeface="DejaVu Sans"/>
             </a:endParaRPr>
           </a:p>
           <a:p>
@@ -11003,7 +11542,7 @@
               <a:t>To check the knowledge level of the student that is relevant to this course of study.</a:t>
             </a:r>
             <a:endParaRPr b="0" lang="en-US" sz="1400" spc="-1" strike="noStrike">
-              <a:latin typeface="Arial"/>
+              <a:latin typeface="DejaVu Sans"/>
             </a:endParaRPr>
           </a:p>
           <a:p>
@@ -11011,9 +11550,10 @@
               <a:lnSpc>
                 <a:spcPct val="100000"/>
               </a:lnSpc>
+              <a:buNone/>
             </a:pPr>
             <a:endParaRPr b="0" lang="en-US" sz="1400" spc="-1" strike="noStrike">
-              <a:latin typeface="Arial"/>
+              <a:latin typeface="DejaVu Sans"/>
             </a:endParaRPr>
           </a:p>
           <a:p>
@@ -11039,7 +11579,7 @@
               <a:t>Preparation:</a:t>
             </a:r>
             <a:endParaRPr b="0" lang="en-US" sz="1400" spc="-1" strike="noStrike">
-              <a:latin typeface="Arial"/>
+              <a:latin typeface="DejaVu Sans"/>
             </a:endParaRPr>
           </a:p>
           <a:p>
@@ -11065,7 +11605,7 @@
               <a:t>A review of basic concepts of Cryptography and Circular Economy is recommended for Week 1 and Week 2 respectively</a:t>
             </a:r>
             <a:endParaRPr b="0" lang="en-US" sz="1400" spc="-1" strike="noStrike">
-              <a:latin typeface="Arial"/>
+              <a:latin typeface="DejaVu Sans"/>
             </a:endParaRPr>
           </a:p>
           <a:p>
@@ -11091,7 +11631,7 @@
               <a:t>Knowledge quiz for Week 1 only tests your existing knowledge.</a:t>
             </a:r>
             <a:endParaRPr b="0" lang="en-US" sz="1400" spc="-1" strike="noStrike">
-              <a:latin typeface="Arial"/>
+              <a:latin typeface="DejaVu Sans"/>
             </a:endParaRPr>
           </a:p>
           <a:p>
@@ -11099,9 +11639,10 @@
               <a:lnSpc>
                 <a:spcPct val="100000"/>
               </a:lnSpc>
+              <a:buNone/>
             </a:pPr>
             <a:endParaRPr b="0" lang="en-US" sz="1400" spc="-1" strike="noStrike">
-              <a:latin typeface="Arial"/>
+              <a:latin typeface="DejaVu Sans"/>
             </a:endParaRPr>
           </a:p>
           <a:p>
@@ -11124,10 +11665,10 @@
                 <a:latin typeface="DejaVu Sans"/>
                 <a:ea typeface="Arial Unicode MS"/>
               </a:rPr>
-              <a:t>Test strurcture:</a:t>
+              <a:t>Test structure:</a:t>
             </a:r>
             <a:endParaRPr b="0" lang="en-US" sz="1400" spc="-1" strike="noStrike">
-              <a:latin typeface="Arial"/>
+              <a:latin typeface="DejaVu Sans"/>
             </a:endParaRPr>
           </a:p>
           <a:p>
@@ -11193,7 +11734,7 @@
               <a:t>.</a:t>
             </a:r>
             <a:endParaRPr b="0" lang="en-US" sz="1400" spc="-1" strike="noStrike">
-              <a:latin typeface="Arial"/>
+              <a:latin typeface="DejaVu Sans"/>
             </a:endParaRPr>
           </a:p>
           <a:p>
@@ -11229,7 +11770,7 @@
               <a:t>1 point</a:t>
             </a:r>
             <a:endParaRPr b="0" lang="en-US" sz="1400" spc="-1" strike="noStrike">
-              <a:latin typeface="Arial"/>
+              <a:latin typeface="DejaVu Sans"/>
             </a:endParaRPr>
           </a:p>
           <a:p>
@@ -11295,7 +11836,7 @@
               <a:t> as a correct choice is awarded.</a:t>
             </a:r>
             <a:endParaRPr b="0" lang="en-US" sz="1400" spc="-1" strike="noStrike">
-              <a:latin typeface="Arial"/>
+              <a:latin typeface="DejaVu Sans"/>
             </a:endParaRPr>
           </a:p>
           <a:p>
@@ -11331,7 +11872,7 @@
               <a:t>grade scale of 10.</a:t>
             </a:r>
             <a:endParaRPr b="0" lang="en-US" sz="1400" spc="-1" strike="noStrike">
-              <a:latin typeface="Arial"/>
+              <a:latin typeface="DejaVu Sans"/>
             </a:endParaRPr>
           </a:p>
           <a:p>
@@ -11357,7 +11898,7 @@
               <a:t>The result of your test will be available after the quiz is closed.</a:t>
             </a:r>
             <a:endParaRPr b="0" lang="en-US" sz="1400" spc="-1" strike="noStrike">
-              <a:latin typeface="Arial"/>
+              <a:latin typeface="DejaVu Sans"/>
             </a:endParaRPr>
           </a:p>
         </p:txBody>
@@ -11401,13 +11942,13 @@
         <p:spPr>
           <a:xfrm>
             <a:off x="335520" y="764640"/>
-            <a:ext cx="10747080" cy="497880"/>
-          </a:xfrm>
-          <a:prstGeom prst="rect">
-            <a:avLst/>
-          </a:prstGeom>
-          <a:noFill/>
-          <a:ln>
+            <a:ext cx="10746720" cy="497520"/>
+          </a:xfrm>
+          <a:prstGeom prst="rect">
+            <a:avLst/>
+          </a:prstGeom>
+          <a:noFill/>
+          <a:ln w="0">
             <a:noFill/>
           </a:ln>
         </p:spPr>
@@ -11418,7 +11959,7 @@
           <a:fontRef idx="minor"/>
         </p:style>
         <p:txBody>
-          <a:bodyPr lIns="90000" rIns="90000" tIns="45000" bIns="45000">
+          <a:bodyPr lIns="90000" rIns="90000" tIns="45000" bIns="45000" anchor="t">
             <a:noAutofit/>
           </a:bodyPr>
           <a:p>
@@ -11426,6 +11967,7 @@
               <a:lnSpc>
                 <a:spcPct val="100000"/>
               </a:lnSpc>
+              <a:buNone/>
             </a:pPr>
             <a:r>
               <a:rPr b="1" lang="en-GB" sz="2400" spc="-1" strike="noStrike">
@@ -11438,7 +11980,7 @@
               <a:t>Multiple-Choice Exercises – Clausthal </a:t>
             </a:r>
             <a:endParaRPr b="0" lang="en-US" sz="2400" spc="-1" strike="noStrike">
-              <a:latin typeface="Arial"/>
+              <a:latin typeface="DejaVu Sans"/>
             </a:endParaRPr>
           </a:p>
         </p:txBody>
@@ -11452,13 +11994,13 @@
         <p:spPr>
           <a:xfrm>
             <a:off x="494640" y="1523880"/>
-            <a:ext cx="10365840" cy="480960"/>
-          </a:xfrm>
-          <a:prstGeom prst="rect">
-            <a:avLst/>
-          </a:prstGeom>
-          <a:noFill/>
-          <a:ln>
+            <a:ext cx="10365480" cy="480600"/>
+          </a:xfrm>
+          <a:prstGeom prst="rect">
+            <a:avLst/>
+          </a:prstGeom>
+          <a:noFill/>
+          <a:ln w="0">
             <a:noFill/>
           </a:ln>
         </p:spPr>
@@ -11469,7 +12011,7 @@
           <a:fontRef idx="minor"/>
         </p:style>
         <p:txBody>
-          <a:bodyPr lIns="90000" rIns="90000" tIns="45000" bIns="45000">
+          <a:bodyPr lIns="90000" rIns="90000" tIns="45000" bIns="45000" anchor="t">
             <a:noAutofit/>
           </a:bodyPr>
           <a:p>
@@ -11477,6 +12019,7 @@
               <a:lnSpc>
                 <a:spcPct val="100000"/>
               </a:lnSpc>
+              <a:buNone/>
             </a:pPr>
             <a:r>
               <a:rPr b="0" lang="de-DE" sz="1800" spc="-1" strike="noStrike">
@@ -11489,7 +12032,7 @@
               <a:t>Step-1: Navigate to Moodle on your studip, select "Zum Kurs in Moodle"</a:t>
             </a:r>
             <a:endParaRPr b="0" lang="en-US" sz="1800" spc="-1" strike="noStrike">
-              <a:latin typeface="Arial"/>
+              <a:latin typeface="DejaVu Sans"/>
             </a:endParaRPr>
           </a:p>
         </p:txBody>
@@ -11542,12 +12085,12 @@
         <p:spPr>
           <a:xfrm>
             <a:off x="1895760" y="2238840"/>
-            <a:ext cx="6788160" cy="4159080"/>
-          </a:xfrm>
-          <a:prstGeom prst="rect">
-            <a:avLst/>
-          </a:prstGeom>
-          <a:ln>
+            <a:ext cx="6787800" cy="4158720"/>
+          </a:xfrm>
+          <a:prstGeom prst="rect">
+            <a:avLst/>
+          </a:prstGeom>
+          <a:ln w="0">
             <a:noFill/>
           </a:ln>
         </p:spPr>
@@ -11591,13 +12134,13 @@
         <p:spPr>
           <a:xfrm>
             <a:off x="335520" y="764640"/>
-            <a:ext cx="10747080" cy="497880"/>
-          </a:xfrm>
-          <a:prstGeom prst="rect">
-            <a:avLst/>
-          </a:prstGeom>
-          <a:noFill/>
-          <a:ln>
+            <a:ext cx="10746720" cy="497520"/>
+          </a:xfrm>
+          <a:prstGeom prst="rect">
+            <a:avLst/>
+          </a:prstGeom>
+          <a:noFill/>
+          <a:ln w="0">
             <a:noFill/>
           </a:ln>
         </p:spPr>
@@ -11608,7 +12151,7 @@
           <a:fontRef idx="minor"/>
         </p:style>
         <p:txBody>
-          <a:bodyPr lIns="90000" rIns="90000" tIns="45000" bIns="45000">
+          <a:bodyPr lIns="90000" rIns="90000" tIns="45000" bIns="45000" anchor="t">
             <a:noAutofit/>
           </a:bodyPr>
           <a:p>
@@ -11616,6 +12159,7 @@
               <a:lnSpc>
                 <a:spcPct val="100000"/>
               </a:lnSpc>
+              <a:buNone/>
             </a:pPr>
             <a:r>
               <a:rPr b="1" lang="en-GB" sz="2400" spc="-1" strike="noStrike">
@@ -11628,7 +12172,7 @@
               <a:t>Multiple-Choice Exercises – Clausthal </a:t>
             </a:r>
             <a:endParaRPr b="0" lang="en-US" sz="2400" spc="-1" strike="noStrike">
-              <a:latin typeface="Arial"/>
+              <a:latin typeface="DejaVu Sans"/>
             </a:endParaRPr>
           </a:p>
         </p:txBody>
@@ -11642,13 +12186,13 @@
         <p:spPr>
           <a:xfrm>
             <a:off x="494640" y="1488600"/>
-            <a:ext cx="5448600" cy="445680"/>
-          </a:xfrm>
-          <a:prstGeom prst="rect">
-            <a:avLst/>
-          </a:prstGeom>
-          <a:noFill/>
-          <a:ln>
+            <a:ext cx="5448240" cy="445320"/>
+          </a:xfrm>
+          <a:prstGeom prst="rect">
+            <a:avLst/>
+          </a:prstGeom>
+          <a:noFill/>
+          <a:ln w="0">
             <a:noFill/>
           </a:ln>
         </p:spPr>
@@ -11659,7 +12203,7 @@
           <a:fontRef idx="minor"/>
         </p:style>
         <p:txBody>
-          <a:bodyPr lIns="90000" rIns="90000" tIns="45000" bIns="45000">
+          <a:bodyPr lIns="90000" rIns="90000" tIns="45000" bIns="45000" anchor="t">
             <a:noAutofit/>
           </a:bodyPr>
           <a:p>
@@ -11667,6 +12211,7 @@
               <a:lnSpc>
                 <a:spcPct val="100000"/>
               </a:lnSpc>
+              <a:buNone/>
             </a:pPr>
             <a:r>
               <a:rPr b="0" lang="de-DE" sz="1800" spc="-1" strike="noStrike">
@@ -11690,7 +12235,7 @@
               <a:t>"Knowledge Quiz - Week 1"</a:t>
             </a:r>
             <a:endParaRPr b="0" lang="en-US" sz="1800" spc="-1" strike="noStrike">
-              <a:latin typeface="Arial"/>
+              <a:latin typeface="DejaVu Sans"/>
             </a:endParaRPr>
           </a:p>
         </p:txBody>
@@ -11708,12 +12253,12 @@
         <p:spPr>
           <a:xfrm>
             <a:off x="1828800" y="1937160"/>
-            <a:ext cx="7955640" cy="4089960"/>
-          </a:xfrm>
-          <a:prstGeom prst="rect">
-            <a:avLst/>
-          </a:prstGeom>
-          <a:ln>
+            <a:ext cx="7955280" cy="4089600"/>
+          </a:xfrm>
+          <a:prstGeom prst="rect">
+            <a:avLst/>
+          </a:prstGeom>
+          <a:ln w="0">
             <a:noFill/>
           </a:ln>
         </p:spPr>
@@ -11757,13 +12302,13 @@
         <p:spPr>
           <a:xfrm>
             <a:off x="335520" y="764640"/>
-            <a:ext cx="10747080" cy="497880"/>
-          </a:xfrm>
-          <a:prstGeom prst="rect">
-            <a:avLst/>
-          </a:prstGeom>
-          <a:noFill/>
-          <a:ln>
+            <a:ext cx="10746720" cy="497520"/>
+          </a:xfrm>
+          <a:prstGeom prst="rect">
+            <a:avLst/>
+          </a:prstGeom>
+          <a:noFill/>
+          <a:ln w="0">
             <a:noFill/>
           </a:ln>
         </p:spPr>
@@ -11774,7 +12319,7 @@
           <a:fontRef idx="minor"/>
         </p:style>
         <p:txBody>
-          <a:bodyPr lIns="90000" rIns="90000" tIns="45000" bIns="45000">
+          <a:bodyPr lIns="90000" rIns="90000" tIns="45000" bIns="45000" anchor="t">
             <a:noAutofit/>
           </a:bodyPr>
           <a:p>
@@ -11782,6 +12327,7 @@
               <a:lnSpc>
                 <a:spcPct val="100000"/>
               </a:lnSpc>
+              <a:buNone/>
             </a:pPr>
             <a:r>
               <a:rPr b="1" lang="en-GB" sz="2400" spc="-1" strike="noStrike">
@@ -11794,7 +12340,7 @@
               <a:t>Multiple-Choice Exercises – Clausthal </a:t>
             </a:r>
             <a:endParaRPr b="0" lang="en-US" sz="2400" spc="-1" strike="noStrike">
-              <a:latin typeface="Arial"/>
+              <a:latin typeface="DejaVu Sans"/>
             </a:endParaRPr>
           </a:p>
         </p:txBody>
@@ -11812,12 +12358,12 @@
         <p:spPr>
           <a:xfrm>
             <a:off x="2679480" y="2130480"/>
-            <a:ext cx="7376040" cy="3486960"/>
-          </a:xfrm>
-          <a:prstGeom prst="rect">
-            <a:avLst/>
-          </a:prstGeom>
-          <a:ln>
+            <a:ext cx="7375680" cy="3486600"/>
+          </a:xfrm>
+          <a:prstGeom prst="rect">
+            <a:avLst/>
+          </a:prstGeom>
+          <a:ln w="0">
             <a:noFill/>
           </a:ln>
         </p:spPr>
@@ -11831,13 +12377,13 @@
         <p:spPr>
           <a:xfrm>
             <a:off x="494640" y="1418040"/>
-            <a:ext cx="5220000" cy="445680"/>
-          </a:xfrm>
-          <a:prstGeom prst="rect">
-            <a:avLst/>
-          </a:prstGeom>
-          <a:noFill/>
-          <a:ln>
+            <a:ext cx="5219640" cy="445320"/>
+          </a:xfrm>
+          <a:prstGeom prst="rect">
+            <a:avLst/>
+          </a:prstGeom>
+          <a:noFill/>
+          <a:ln w="0">
             <a:noFill/>
           </a:ln>
         </p:spPr>
@@ -11848,7 +12394,7 @@
           <a:fontRef idx="minor"/>
         </p:style>
         <p:txBody>
-          <a:bodyPr lIns="90000" rIns="90000" tIns="45000" bIns="45000">
+          <a:bodyPr lIns="90000" rIns="90000" tIns="45000" bIns="45000" anchor="t">
             <a:noAutofit/>
           </a:bodyPr>
           <a:p>
@@ -11856,6 +12402,7 @@
               <a:lnSpc>
                 <a:spcPct val="100000"/>
               </a:lnSpc>
+              <a:buNone/>
             </a:pPr>
             <a:r>
               <a:rPr b="0" lang="de-DE" sz="1800" spc="-1" strike="noStrike">
@@ -11868,7 +12415,7 @@
               <a:t>Step-3 : Start your test if you are ready</a:t>
             </a:r>
             <a:endParaRPr b="0" lang="en-US" sz="1800" spc="-1" strike="noStrike">
-              <a:latin typeface="Arial"/>
+              <a:latin typeface="DejaVu Sans"/>
             </a:endParaRPr>
           </a:p>
         </p:txBody>
@@ -11912,13 +12459,13 @@
         <p:spPr>
           <a:xfrm>
             <a:off x="335520" y="764640"/>
-            <a:ext cx="10747080" cy="497880"/>
-          </a:xfrm>
-          <a:prstGeom prst="rect">
-            <a:avLst/>
-          </a:prstGeom>
-          <a:noFill/>
-          <a:ln>
+            <a:ext cx="10746720" cy="497520"/>
+          </a:xfrm>
+          <a:prstGeom prst="rect">
+            <a:avLst/>
+          </a:prstGeom>
+          <a:noFill/>
+          <a:ln w="0">
             <a:noFill/>
           </a:ln>
         </p:spPr>
@@ -11929,7 +12476,7 @@
           <a:fontRef idx="minor"/>
         </p:style>
         <p:txBody>
-          <a:bodyPr lIns="90000" rIns="90000" tIns="45000" bIns="45000">
+          <a:bodyPr lIns="90000" rIns="90000" tIns="45000" bIns="45000" anchor="t">
             <a:noAutofit/>
           </a:bodyPr>
           <a:p>
@@ -11937,6 +12484,7 @@
               <a:lnSpc>
                 <a:spcPct val="100000"/>
               </a:lnSpc>
+              <a:buNone/>
             </a:pPr>
             <a:r>
               <a:rPr b="1" lang="en-GB" sz="2400" spc="-1" strike="noStrike">
@@ -11949,7 +12497,7 @@
               <a:t>Team</a:t>
             </a:r>
             <a:endParaRPr b="0" lang="en-US" sz="2400" spc="-1" strike="noStrike">
-              <a:latin typeface="Arial"/>
+              <a:latin typeface="DejaVu Sans"/>
             </a:endParaRPr>
           </a:p>
         </p:txBody>
@@ -11967,12 +12515,12 @@
         <p:spPr>
           <a:xfrm>
             <a:off x="2394720" y="1153800"/>
-            <a:ext cx="1469880" cy="2171160"/>
-          </a:xfrm>
-          <a:prstGeom prst="rect">
-            <a:avLst/>
-          </a:prstGeom>
-          <a:ln>
+            <a:ext cx="1469520" cy="2170800"/>
+          </a:xfrm>
+          <a:prstGeom prst="rect">
+            <a:avLst/>
+          </a:prstGeom>
+          <a:ln w="0">
             <a:noFill/>
           </a:ln>
         </p:spPr>
@@ -11990,12 +12538,12 @@
         <p:spPr>
           <a:xfrm>
             <a:off x="7250040" y="1153800"/>
-            <a:ext cx="1735200" cy="2171160"/>
-          </a:xfrm>
-          <a:prstGeom prst="rect">
-            <a:avLst/>
-          </a:prstGeom>
-          <a:ln>
+            <a:ext cx="1734840" cy="2170800"/>
+          </a:xfrm>
+          <a:prstGeom prst="rect">
+            <a:avLst/>
+          </a:prstGeom>
+          <a:ln w="0">
             <a:noFill/>
           </a:ln>
         </p:spPr>
@@ -12013,12 +12561,12 @@
         <p:spPr>
           <a:xfrm>
             <a:off x="4846320" y="4206240"/>
-            <a:ext cx="1783800" cy="1775880"/>
-          </a:xfrm>
-          <a:prstGeom prst="rect">
-            <a:avLst/>
-          </a:prstGeom>
-          <a:ln>
+            <a:ext cx="1783440" cy="1775520"/>
+          </a:xfrm>
+          <a:prstGeom prst="rect">
+            <a:avLst/>
+          </a:prstGeom>
+          <a:ln w="0">
             <a:noFill/>
           </a:ln>
         </p:spPr>
@@ -12032,13 +12580,13 @@
         <p:spPr>
           <a:xfrm>
             <a:off x="1330200" y="3269880"/>
-            <a:ext cx="3634560" cy="676080"/>
-          </a:xfrm>
-          <a:prstGeom prst="rect">
-            <a:avLst/>
-          </a:prstGeom>
-          <a:noFill/>
-          <a:ln>
+            <a:ext cx="3634200" cy="675720"/>
+          </a:xfrm>
+          <a:prstGeom prst="rect">
+            <a:avLst/>
+          </a:prstGeom>
+          <a:noFill/>
+          <a:ln w="0">
             <a:noFill/>
           </a:ln>
         </p:spPr>
@@ -12060,6 +12608,7 @@
               <a:spcBef>
                 <a:spcPts val="360"/>
               </a:spcBef>
+              <a:buNone/>
             </a:pPr>
             <a:r>
               <a:rPr b="0" lang="de-DE" sz="1600" spc="-1" strike="noStrike">
@@ -12072,7 +12621,7 @@
               <a:t>Prof. Dr. Benjamin Leiding</a:t>
             </a:r>
             <a:endParaRPr b="0" lang="en-US" sz="1600" spc="-1" strike="noStrike">
-              <a:latin typeface="Arial"/>
+              <a:latin typeface="DejaVu Sans"/>
             </a:endParaRPr>
           </a:p>
           <a:p>
@@ -12083,6 +12632,7 @@
               <a:spcBef>
                 <a:spcPts val="360"/>
               </a:spcBef>
+              <a:buNone/>
             </a:pPr>
             <a:r>
               <a:rPr b="0" lang="de-DE" sz="1200" spc="-1" strike="noStrike">
@@ -12095,7 +12645,7 @@
               <a:t>benjamin.leiding@tu-clausthal.de</a:t>
             </a:r>
             <a:endParaRPr b="0" lang="en-US" sz="1200" spc="-1" strike="noStrike">
-              <a:latin typeface="Arial"/>
+              <a:latin typeface="DejaVu Sans"/>
             </a:endParaRPr>
           </a:p>
         </p:txBody>
@@ -12109,13 +12659,13 @@
         <p:spPr>
           <a:xfrm>
             <a:off x="6321600" y="3269880"/>
-            <a:ext cx="3634560" cy="676080"/>
-          </a:xfrm>
-          <a:prstGeom prst="rect">
-            <a:avLst/>
-          </a:prstGeom>
-          <a:noFill/>
-          <a:ln>
+            <a:ext cx="3634200" cy="675720"/>
+          </a:xfrm>
+          <a:prstGeom prst="rect">
+            <a:avLst/>
+          </a:prstGeom>
+          <a:noFill/>
+          <a:ln w="0">
             <a:noFill/>
           </a:ln>
         </p:spPr>
@@ -12137,6 +12687,7 @@
               <a:spcBef>
                 <a:spcPts val="360"/>
               </a:spcBef>
+              <a:buNone/>
             </a:pPr>
             <a:r>
               <a:rPr b="0" lang="de-DE" sz="1600" spc="-1" strike="noStrike">
@@ -12149,7 +12700,7 @@
               <a:t>M.Sc. Arne Bochem</a:t>
             </a:r>
             <a:endParaRPr b="0" lang="en-US" sz="1600" spc="-1" strike="noStrike">
-              <a:latin typeface="Arial"/>
+              <a:latin typeface="DejaVu Sans"/>
             </a:endParaRPr>
           </a:p>
           <a:p>
@@ -12160,6 +12711,7 @@
               <a:spcBef>
                 <a:spcPts val="360"/>
               </a:spcBef>
+              <a:buNone/>
             </a:pPr>
             <a:r>
               <a:rPr b="0" lang="de-DE" sz="1200" spc="-1" strike="noStrike">
@@ -12172,7 +12724,7 @@
               <a:t>arne.bochem@cs.uni-goettingen.de</a:t>
             </a:r>
             <a:endParaRPr b="0" lang="en-US" sz="1200" spc="-1" strike="noStrike">
-              <a:latin typeface="Arial"/>
+              <a:latin typeface="DejaVu Sans"/>
             </a:endParaRPr>
           </a:p>
         </p:txBody>
@@ -12186,13 +12738,13 @@
         <p:spPr>
           <a:xfrm>
             <a:off x="1312200" y="5920200"/>
-            <a:ext cx="3634560" cy="676080"/>
-          </a:xfrm>
-          <a:prstGeom prst="rect">
-            <a:avLst/>
-          </a:prstGeom>
-          <a:noFill/>
-          <a:ln>
+            <a:ext cx="3634200" cy="675720"/>
+          </a:xfrm>
+          <a:prstGeom prst="rect">
+            <a:avLst/>
+          </a:prstGeom>
+          <a:noFill/>
+          <a:ln w="0">
             <a:noFill/>
           </a:ln>
         </p:spPr>
@@ -12214,9 +12766,10 @@
               <a:spcBef>
                 <a:spcPts val="360"/>
               </a:spcBef>
+              <a:buNone/>
             </a:pPr>
             <a:endParaRPr b="0" lang="en-US" sz="1800" spc="-1" strike="noStrike">
-              <a:latin typeface="Arial"/>
+              <a:latin typeface="DejaVu Sans"/>
             </a:endParaRPr>
           </a:p>
           <a:p>
@@ -12227,9 +12780,10 @@
               <a:spcBef>
                 <a:spcPts val="360"/>
               </a:spcBef>
+              <a:buNone/>
             </a:pPr>
             <a:endParaRPr b="0" lang="en-US" sz="1800" spc="-1" strike="noStrike">
-              <a:latin typeface="Arial"/>
+              <a:latin typeface="DejaVu Sans"/>
             </a:endParaRPr>
           </a:p>
         </p:txBody>
@@ -12243,13 +12797,13 @@
         <p:spPr>
           <a:xfrm>
             <a:off x="3950640" y="5903280"/>
-            <a:ext cx="3634560" cy="676080"/>
-          </a:xfrm>
-          <a:prstGeom prst="rect">
-            <a:avLst/>
-          </a:prstGeom>
-          <a:noFill/>
-          <a:ln>
+            <a:ext cx="3634200" cy="675720"/>
+          </a:xfrm>
+          <a:prstGeom prst="rect">
+            <a:avLst/>
+          </a:prstGeom>
+          <a:noFill/>
+          <a:ln w="0">
             <a:noFill/>
           </a:ln>
         </p:spPr>
@@ -12271,6 +12825,7 @@
               <a:spcBef>
                 <a:spcPts val="360"/>
               </a:spcBef>
+              <a:buNone/>
             </a:pPr>
             <a:r>
               <a:rPr b="0" lang="de-DE" sz="1600" spc="-1" strike="noStrike">
@@ -12283,7 +12838,7 @@
               <a:t>M.Sc. Anant Sujatanagarjuna</a:t>
             </a:r>
             <a:endParaRPr b="0" lang="en-US" sz="1600" spc="-1" strike="noStrike">
-              <a:latin typeface="Arial"/>
+              <a:latin typeface="DejaVu Sans"/>
             </a:endParaRPr>
           </a:p>
           <a:p>
@@ -12294,6 +12849,7 @@
               <a:spcBef>
                 <a:spcPts val="360"/>
               </a:spcBef>
+              <a:buNone/>
             </a:pPr>
             <a:r>
               <a:rPr b="0" lang="de-DE" sz="1200" spc="-1" strike="noStrike">
@@ -12306,7 +12862,7 @@
               <a:t>anant.sujatanagarjuna@tu-clausthal.de.de</a:t>
             </a:r>
             <a:endParaRPr b="0" lang="en-US" sz="1200" spc="-1" strike="noStrike">
-              <a:latin typeface="Arial"/>
+              <a:latin typeface="DejaVu Sans"/>
             </a:endParaRPr>
           </a:p>
         </p:txBody>
@@ -12354,12 +12910,12 @@
         <p:spPr>
           <a:xfrm>
             <a:off x="685800" y="2514600"/>
-            <a:ext cx="8874000" cy="3840480"/>
-          </a:xfrm>
-          <a:prstGeom prst="rect">
-            <a:avLst/>
-          </a:prstGeom>
-          <a:ln>
+            <a:ext cx="8873640" cy="3840120"/>
+          </a:xfrm>
+          <a:prstGeom prst="rect">
+            <a:avLst/>
+          </a:prstGeom>
+          <a:ln w="0">
             <a:noFill/>
           </a:ln>
         </p:spPr>
@@ -12373,13 +12929,13 @@
         <p:spPr>
           <a:xfrm>
             <a:off x="335520" y="764640"/>
-            <a:ext cx="10747080" cy="497880"/>
-          </a:xfrm>
-          <a:prstGeom prst="rect">
-            <a:avLst/>
-          </a:prstGeom>
-          <a:noFill/>
-          <a:ln>
+            <a:ext cx="10746720" cy="497520"/>
+          </a:xfrm>
+          <a:prstGeom prst="rect">
+            <a:avLst/>
+          </a:prstGeom>
+          <a:noFill/>
+          <a:ln w="0">
             <a:noFill/>
           </a:ln>
         </p:spPr>
@@ -12390,7 +12946,7 @@
           <a:fontRef idx="minor"/>
         </p:style>
         <p:txBody>
-          <a:bodyPr lIns="90000" rIns="90000" tIns="45000" bIns="45000">
+          <a:bodyPr lIns="90000" rIns="90000" tIns="45000" bIns="45000" anchor="t">
             <a:noAutofit/>
           </a:bodyPr>
           <a:p>
@@ -12398,6 +12954,7 @@
               <a:lnSpc>
                 <a:spcPct val="100000"/>
               </a:lnSpc>
+              <a:buNone/>
             </a:pPr>
             <a:r>
               <a:rPr b="1" lang="en-GB" sz="2400" spc="-1" strike="noStrike">
@@ -12410,7 +12967,7 @@
               <a:t>Multiple-Choice Exercises – Clausthal </a:t>
             </a:r>
             <a:endParaRPr b="0" lang="en-US" sz="2400" spc="-1" strike="noStrike">
-              <a:latin typeface="Arial"/>
+              <a:latin typeface="DejaVu Sans"/>
             </a:endParaRPr>
           </a:p>
         </p:txBody>
@@ -12424,13 +12981,13 @@
         <p:spPr>
           <a:xfrm>
             <a:off x="494640" y="1312200"/>
-            <a:ext cx="1737000" cy="368280"/>
-          </a:xfrm>
-          <a:prstGeom prst="rect">
-            <a:avLst/>
-          </a:prstGeom>
-          <a:noFill/>
-          <a:ln>
+            <a:ext cx="1736640" cy="367920"/>
+          </a:xfrm>
+          <a:prstGeom prst="rect">
+            <a:avLst/>
+          </a:prstGeom>
+          <a:noFill/>
+          <a:ln w="0">
             <a:noFill/>
           </a:ln>
         </p:spPr>
@@ -12441,7 +12998,7 @@
           <a:fontRef idx="minor"/>
         </p:style>
         <p:txBody>
-          <a:bodyPr lIns="90000" rIns="90000" tIns="45000" bIns="45000">
+          <a:bodyPr lIns="90000" rIns="90000" tIns="45000" bIns="45000" anchor="t">
             <a:noAutofit/>
           </a:bodyPr>
           <a:p>
@@ -12449,6 +13006,7 @@
               <a:lnSpc>
                 <a:spcPct val="100000"/>
               </a:lnSpc>
+              <a:buNone/>
             </a:pPr>
             <a:r>
               <a:rPr b="0" lang="de-DE" sz="1800" spc="-1" strike="noStrike">
@@ -12461,7 +13019,7 @@
               <a:t>Step-4 : </a:t>
             </a:r>
             <a:endParaRPr b="0" lang="en-US" sz="1800" spc="-1" strike="noStrike">
-              <a:latin typeface="Arial"/>
+              <a:latin typeface="DejaVu Sans"/>
             </a:endParaRPr>
           </a:p>
           <a:p>
@@ -12469,9 +13027,10 @@
               <a:lnSpc>
                 <a:spcPct val="100000"/>
               </a:lnSpc>
+              <a:buNone/>
             </a:pPr>
             <a:endParaRPr b="0" lang="en-US" sz="1800" spc="-1" strike="noStrike">
-              <a:latin typeface="Arial"/>
+              <a:latin typeface="DejaVu Sans"/>
             </a:endParaRPr>
           </a:p>
           <a:p>
@@ -12479,9 +13038,10 @@
               <a:lnSpc>
                 <a:spcPct val="100000"/>
               </a:lnSpc>
+              <a:buNone/>
             </a:pPr>
             <a:endParaRPr b="0" lang="en-US" sz="1800" spc="-1" strike="noStrike">
-              <a:latin typeface="Arial"/>
+              <a:latin typeface="DejaVu Sans"/>
             </a:endParaRPr>
           </a:p>
         </p:txBody>
@@ -12600,13 +13160,13 @@
         <p:spPr>
           <a:xfrm>
             <a:off x="642600" y="1679400"/>
-            <a:ext cx="4403880" cy="638280"/>
-          </a:xfrm>
-          <a:prstGeom prst="rect">
-            <a:avLst/>
-          </a:prstGeom>
-          <a:noFill/>
-          <a:ln>
+            <a:ext cx="4403520" cy="638280"/>
+          </a:xfrm>
+          <a:prstGeom prst="rect">
+            <a:avLst/>
+          </a:prstGeom>
+          <a:noFill/>
+          <a:ln w="0">
             <a:noFill/>
           </a:ln>
         </p:spPr>
@@ -12617,7 +13177,7 @@
           <a:fontRef idx="minor"/>
         </p:style>
         <p:txBody>
-          <a:bodyPr lIns="90000" rIns="90000" tIns="45000" bIns="45000">
+          <a:bodyPr lIns="90000" rIns="90000" tIns="45000" bIns="45000" anchor="t">
             <a:spAutoFit/>
           </a:bodyPr>
           <a:p>
@@ -12625,6 +13185,7 @@
               <a:lnSpc>
                 <a:spcPct val="100000"/>
               </a:lnSpc>
+              <a:buNone/>
             </a:pPr>
             <a:r>
               <a:rPr b="0" lang="de-DE" sz="1800" spc="-1" strike="noStrike">
@@ -12637,7 +13198,7 @@
               <a:t>A. Sequence of questions</a:t>
             </a:r>
             <a:endParaRPr b="0" lang="en-US" sz="1800" spc="-1" strike="noStrike">
-              <a:latin typeface="Arial"/>
+              <a:latin typeface="DejaVu Sans"/>
             </a:endParaRPr>
           </a:p>
           <a:p>
@@ -12645,6 +13206,7 @@
               <a:lnSpc>
                 <a:spcPct val="100000"/>
               </a:lnSpc>
+              <a:buNone/>
             </a:pPr>
             <a:r>
               <a:rPr b="0" lang="de-DE" sz="1800" spc="-1" strike="noStrike">
@@ -12657,7 +13219,7 @@
               <a:t>B. Timer running for the test</a:t>
             </a:r>
             <a:endParaRPr b="0" lang="en-US" sz="1800" spc="-1" strike="noStrike">
-              <a:latin typeface="Arial"/>
+              <a:latin typeface="DejaVu Sans"/>
             </a:endParaRPr>
           </a:p>
         </p:txBody>
@@ -12671,13 +13233,13 @@
         <p:spPr>
           <a:xfrm>
             <a:off x="6549480" y="1679400"/>
-            <a:ext cx="4877640" cy="634320"/>
-          </a:xfrm>
-          <a:prstGeom prst="rect">
-            <a:avLst/>
-          </a:prstGeom>
-          <a:noFill/>
-          <a:ln>
+            <a:ext cx="4877280" cy="633960"/>
+          </a:xfrm>
+          <a:prstGeom prst="rect">
+            <a:avLst/>
+          </a:prstGeom>
+          <a:noFill/>
+          <a:ln w="0">
             <a:noFill/>
           </a:ln>
         </p:spPr>
@@ -12688,7 +13250,7 @@
           <a:fontRef idx="minor"/>
         </p:style>
         <p:txBody>
-          <a:bodyPr lIns="90000" rIns="90000" tIns="45000" bIns="45000">
+          <a:bodyPr lIns="90000" rIns="90000" tIns="45000" bIns="45000" anchor="t">
             <a:noAutofit/>
           </a:bodyPr>
           <a:p>
@@ -12696,6 +13258,7 @@
               <a:lnSpc>
                 <a:spcPct val="100000"/>
               </a:lnSpc>
+              <a:buNone/>
             </a:pPr>
             <a:r>
               <a:rPr b="0" lang="de-DE" sz="1800" spc="-1" strike="noStrike">
@@ -12708,7 +13271,7 @@
               <a:t>C. Navigate to next question/Finish attampt</a:t>
             </a:r>
             <a:endParaRPr b="0" lang="en-US" sz="1800" spc="-1" strike="noStrike">
-              <a:latin typeface="Arial"/>
+              <a:latin typeface="DejaVu Sans"/>
             </a:endParaRPr>
           </a:p>
           <a:p>
@@ -12716,6 +13279,7 @@
               <a:lnSpc>
                 <a:spcPct val="100000"/>
               </a:lnSpc>
+              <a:buNone/>
             </a:pPr>
             <a:r>
               <a:rPr b="0" lang="de-DE" sz="1800" spc="-1" strike="noStrike">
@@ -12728,7 +13292,7 @@
               <a:t>D. Navigate to previous question</a:t>
             </a:r>
             <a:endParaRPr b="0" lang="en-US" sz="1800" spc="-1" strike="noStrike">
-              <a:latin typeface="Arial"/>
+              <a:latin typeface="DejaVu Sans"/>
             </a:endParaRPr>
           </a:p>
         </p:txBody>
@@ -12742,13 +13306,13 @@
         <p:spPr>
           <a:xfrm>
             <a:off x="7839360" y="1679400"/>
-            <a:ext cx="2619000" cy="431640"/>
-          </a:xfrm>
-          <a:prstGeom prst="rect">
-            <a:avLst/>
-          </a:prstGeom>
-          <a:noFill/>
-          <a:ln>
+            <a:ext cx="2618640" cy="431280"/>
+          </a:xfrm>
+          <a:prstGeom prst="rect">
+            <a:avLst/>
+          </a:prstGeom>
+          <a:noFill/>
+          <a:ln w="0">
             <a:noFill/>
           </a:ln>
         </p:spPr>
@@ -12759,7 +13323,7 @@
           <a:fontRef idx="minor"/>
         </p:style>
         <p:txBody>
-          <a:bodyPr lIns="90000" rIns="90000" tIns="45000" bIns="45000">
+          <a:bodyPr lIns="90000" rIns="90000" tIns="45000" bIns="45000" anchor="t">
             <a:noAutofit/>
           </a:bodyPr>
           <a:p>
@@ -12767,9 +13331,10 @@
               <a:lnSpc>
                 <a:spcPct val="100000"/>
               </a:lnSpc>
+              <a:buNone/>
             </a:pPr>
             <a:endParaRPr b="0" lang="en-US" sz="1800" spc="-1" strike="noStrike">
-              <a:latin typeface="Arial"/>
+              <a:latin typeface="DejaVu Sans"/>
             </a:endParaRPr>
           </a:p>
           <a:p>
@@ -12777,9 +13342,10 @@
               <a:lnSpc>
                 <a:spcPct val="100000"/>
               </a:lnSpc>
+              <a:buNone/>
             </a:pPr>
             <a:endParaRPr b="0" lang="en-US" sz="1800" spc="-1" strike="noStrike">
-              <a:latin typeface="Arial"/>
+              <a:latin typeface="DejaVu Sans"/>
             </a:endParaRPr>
           </a:p>
         </p:txBody>
@@ -12793,13 +13359,13 @@
         <p:spPr>
           <a:xfrm>
             <a:off x="8857440" y="3943440"/>
-            <a:ext cx="283680" cy="363960"/>
-          </a:xfrm>
-          <a:prstGeom prst="rect">
-            <a:avLst/>
-          </a:prstGeom>
-          <a:noFill/>
-          <a:ln>
+            <a:ext cx="283320" cy="363960"/>
+          </a:xfrm>
+          <a:prstGeom prst="rect">
+            <a:avLst/>
+          </a:prstGeom>
+          <a:noFill/>
+          <a:ln w="0">
             <a:noFill/>
           </a:ln>
         </p:spPr>
@@ -12810,7 +13376,7 @@
           <a:fontRef idx="minor"/>
         </p:style>
         <p:txBody>
-          <a:bodyPr lIns="90000" rIns="90000" tIns="45000" bIns="45000">
+          <a:bodyPr lIns="90000" rIns="90000" tIns="45000" bIns="45000" anchor="t">
             <a:spAutoFit/>
           </a:bodyPr>
           <a:p>
@@ -12818,6 +13384,7 @@
               <a:lnSpc>
                 <a:spcPct val="100000"/>
               </a:lnSpc>
+              <a:buNone/>
             </a:pPr>
             <a:r>
               <a:rPr b="0" lang="de-DE" sz="1800" spc="-1" strike="noStrike">
@@ -12830,7 +13397,7 @@
               <a:t>A</a:t>
             </a:r>
             <a:endParaRPr b="0" lang="en-US" sz="1800" spc="-1" strike="noStrike">
-              <a:latin typeface="Arial"/>
+              <a:latin typeface="DejaVu Sans"/>
             </a:endParaRPr>
           </a:p>
         </p:txBody>
@@ -12844,13 +13411,13 @@
         <p:spPr>
           <a:xfrm>
             <a:off x="9537840" y="4548960"/>
-            <a:ext cx="283680" cy="363960"/>
-          </a:xfrm>
-          <a:prstGeom prst="rect">
-            <a:avLst/>
-          </a:prstGeom>
-          <a:noFill/>
-          <a:ln>
+            <a:ext cx="283320" cy="363960"/>
+          </a:xfrm>
+          <a:prstGeom prst="rect">
+            <a:avLst/>
+          </a:prstGeom>
+          <a:noFill/>
+          <a:ln w="0">
             <a:noFill/>
           </a:ln>
         </p:spPr>
@@ -12861,7 +13428,7 @@
           <a:fontRef idx="minor"/>
         </p:style>
         <p:txBody>
-          <a:bodyPr lIns="90000" rIns="90000" tIns="45000" bIns="45000">
+          <a:bodyPr lIns="90000" rIns="90000" tIns="45000" bIns="45000" anchor="t">
             <a:spAutoFit/>
           </a:bodyPr>
           <a:p>
@@ -12869,6 +13436,7 @@
               <a:lnSpc>
                 <a:spcPct val="100000"/>
               </a:lnSpc>
+              <a:buNone/>
             </a:pPr>
             <a:r>
               <a:rPr b="0" lang="de-DE" sz="1800" spc="-1" strike="noStrike">
@@ -12881,7 +13449,7 @@
               <a:t>B</a:t>
             </a:r>
             <a:endParaRPr b="0" lang="en-US" sz="1800" spc="-1" strike="noStrike">
-              <a:latin typeface="Arial"/>
+              <a:latin typeface="DejaVu Sans"/>
             </a:endParaRPr>
           </a:p>
         </p:txBody>
@@ -12895,13 +13463,13 @@
         <p:spPr>
           <a:xfrm>
             <a:off x="7279920" y="6101280"/>
-            <a:ext cx="284040" cy="363960"/>
-          </a:xfrm>
-          <a:prstGeom prst="rect">
-            <a:avLst/>
-          </a:prstGeom>
-          <a:noFill/>
-          <a:ln>
+            <a:ext cx="283680" cy="363960"/>
+          </a:xfrm>
+          <a:prstGeom prst="rect">
+            <a:avLst/>
+          </a:prstGeom>
+          <a:noFill/>
+          <a:ln w="0">
             <a:noFill/>
           </a:ln>
         </p:spPr>
@@ -12912,7 +13480,7 @@
           <a:fontRef idx="minor"/>
         </p:style>
         <p:txBody>
-          <a:bodyPr lIns="90000" rIns="90000" tIns="45000" bIns="45000">
+          <a:bodyPr lIns="90000" rIns="90000" tIns="45000" bIns="45000" anchor="t">
             <a:spAutoFit/>
           </a:bodyPr>
           <a:p>
@@ -12920,6 +13488,7 @@
               <a:lnSpc>
                 <a:spcPct val="100000"/>
               </a:lnSpc>
+              <a:buNone/>
             </a:pPr>
             <a:r>
               <a:rPr b="0" lang="de-DE" sz="1800" spc="-1" strike="noStrike">
@@ -12932,7 +13501,7 @@
               <a:t>C</a:t>
             </a:r>
             <a:endParaRPr b="0" lang="en-US" sz="1800" spc="-1" strike="noStrike">
-              <a:latin typeface="Arial"/>
+              <a:latin typeface="DejaVu Sans"/>
             </a:endParaRPr>
           </a:p>
         </p:txBody>
@@ -12981,13 +13550,13 @@
         <p:spPr>
           <a:xfrm>
             <a:off x="1058760" y="6130800"/>
-            <a:ext cx="284040" cy="363960"/>
-          </a:xfrm>
-          <a:prstGeom prst="rect">
-            <a:avLst/>
-          </a:prstGeom>
-          <a:noFill/>
-          <a:ln>
+            <a:ext cx="283680" cy="363960"/>
+          </a:xfrm>
+          <a:prstGeom prst="rect">
+            <a:avLst/>
+          </a:prstGeom>
+          <a:noFill/>
+          <a:ln w="0">
             <a:noFill/>
           </a:ln>
         </p:spPr>
@@ -12998,7 +13567,7 @@
           <a:fontRef idx="minor"/>
         </p:style>
         <p:txBody>
-          <a:bodyPr lIns="90000" rIns="90000" tIns="45000" bIns="45000">
+          <a:bodyPr lIns="90000" rIns="90000" tIns="45000" bIns="45000" anchor="t">
             <a:spAutoFit/>
           </a:bodyPr>
           <a:p>
@@ -13006,6 +13575,7 @@
               <a:lnSpc>
                 <a:spcPct val="100000"/>
               </a:lnSpc>
+              <a:buNone/>
             </a:pPr>
             <a:r>
               <a:rPr b="0" lang="de-DE" sz="1800" spc="-1" strike="noStrike">
@@ -13018,7 +13588,7 @@
               <a:t>D</a:t>
             </a:r>
             <a:endParaRPr b="0" lang="en-US" sz="1800" spc="-1" strike="noStrike">
-              <a:latin typeface="Arial"/>
+              <a:latin typeface="DejaVu Sans"/>
             </a:endParaRPr>
           </a:p>
         </p:txBody>
@@ -13062,13 +13632,13 @@
         <p:spPr>
           <a:xfrm>
             <a:off x="335520" y="764640"/>
-            <a:ext cx="10747080" cy="497880"/>
-          </a:xfrm>
-          <a:prstGeom prst="rect">
-            <a:avLst/>
-          </a:prstGeom>
-          <a:noFill/>
-          <a:ln>
+            <a:ext cx="10746720" cy="497520"/>
+          </a:xfrm>
+          <a:prstGeom prst="rect">
+            <a:avLst/>
+          </a:prstGeom>
+          <a:noFill/>
+          <a:ln w="0">
             <a:noFill/>
           </a:ln>
         </p:spPr>
@@ -13079,7 +13649,7 @@
           <a:fontRef idx="minor"/>
         </p:style>
         <p:txBody>
-          <a:bodyPr lIns="90000" rIns="90000" tIns="45000" bIns="45000">
+          <a:bodyPr lIns="90000" rIns="90000" tIns="45000" bIns="45000" anchor="t">
             <a:noAutofit/>
           </a:bodyPr>
           <a:p>
@@ -13087,6 +13657,7 @@
               <a:lnSpc>
                 <a:spcPct val="100000"/>
               </a:lnSpc>
+              <a:buNone/>
             </a:pPr>
             <a:r>
               <a:rPr b="1" lang="en-GB" sz="2400" spc="-1" strike="noStrike">
@@ -13099,7 +13670,7 @@
               <a:t>Examination</a:t>
             </a:r>
             <a:endParaRPr b="0" lang="en-US" sz="2400" spc="-1" strike="noStrike">
-              <a:latin typeface="Arial"/>
+              <a:latin typeface="DejaVu Sans"/>
             </a:endParaRPr>
           </a:p>
         </p:txBody>
@@ -13113,13 +13684,13 @@
         <p:spPr>
           <a:xfrm>
             <a:off x="335520" y="1268640"/>
-            <a:ext cx="10747080" cy="5034600"/>
-          </a:xfrm>
-          <a:prstGeom prst="rect">
-            <a:avLst/>
-          </a:prstGeom>
-          <a:noFill/>
-          <a:ln>
+            <a:ext cx="10746720" cy="5034240"/>
+          </a:xfrm>
+          <a:prstGeom prst="rect">
+            <a:avLst/>
+          </a:prstGeom>
+          <a:noFill/>
+          <a:ln w="0">
             <a:noFill/>
           </a:ln>
         </p:spPr>
@@ -13159,7 +13730,7 @@
               <a:t>Prerequisite for admission to the final exam (all criteria have to be fulfilled):</a:t>
             </a:r>
             <a:endParaRPr b="0" lang="en-US" sz="1800" spc="-1" strike="noStrike">
-              <a:latin typeface="Arial"/>
+              <a:latin typeface="DejaVu Sans"/>
             </a:endParaRPr>
           </a:p>
           <a:p>
@@ -13188,7 +13759,7 @@
               <a:t>Submit all exercises</a:t>
             </a:r>
             <a:endParaRPr b="0" lang="en-US" sz="1800" spc="-1" strike="noStrike">
-              <a:latin typeface="Arial"/>
+              <a:latin typeface="DejaVu Sans"/>
             </a:endParaRPr>
           </a:p>
           <a:p>
@@ -13199,9 +13770,10 @@
               <a:spcBef>
                 <a:spcPts val="360"/>
               </a:spcBef>
+              <a:buNone/>
             </a:pPr>
             <a:endParaRPr b="0" lang="en-US" sz="1800" spc="-1" strike="noStrike">
-              <a:latin typeface="Arial"/>
+              <a:latin typeface="DejaVu Sans"/>
             </a:endParaRPr>
           </a:p>
           <a:p>
@@ -13230,7 +13802,7 @@
               <a:t>Final exam:</a:t>
             </a:r>
             <a:endParaRPr b="0" lang="en-US" sz="1800" spc="-1" strike="noStrike">
-              <a:latin typeface="Arial"/>
+              <a:latin typeface="DejaVu Sans"/>
             </a:endParaRPr>
           </a:p>
           <a:p>
@@ -13269,7 +13841,7 @@
               <a:t>→ waiting for the announcement of the examination period in Clausthal</a:t>
             </a:r>
             <a:endParaRPr b="0" lang="en-US" sz="1800" spc="-1" strike="noStrike">
-              <a:latin typeface="Arial"/>
+              <a:latin typeface="DejaVu Sans"/>
             </a:endParaRPr>
           </a:p>
           <a:p>
@@ -13298,7 +13870,7 @@
               <a:t>Either written exam (120min) or oral examination (20min)</a:t>
             </a:r>
             <a:endParaRPr b="0" lang="en-US" sz="1800" spc="-1" strike="noStrike">
-              <a:latin typeface="Arial"/>
+              <a:latin typeface="DejaVu Sans"/>
             </a:endParaRPr>
           </a:p>
           <a:p>
@@ -13327,7 +13899,7 @@
               <a:t>Online vs. lecture room examination → depends on the pandemic and the number of students </a:t>
             </a:r>
             <a:endParaRPr b="0" lang="en-US" sz="1800" spc="-1" strike="noStrike">
-              <a:latin typeface="Arial"/>
+              <a:latin typeface="DejaVu Sans"/>
             </a:endParaRPr>
           </a:p>
           <a:p>
@@ -13338,9 +13910,10 @@
               <a:spcBef>
                 <a:spcPts val="360"/>
               </a:spcBef>
+              <a:buNone/>
             </a:pPr>
             <a:endParaRPr b="0" lang="en-US" sz="1800" spc="-1" strike="noStrike">
-              <a:latin typeface="Arial"/>
+              <a:latin typeface="DejaVu Sans"/>
             </a:endParaRPr>
           </a:p>
         </p:txBody>
@@ -13384,13 +13957,13 @@
         <p:spPr>
           <a:xfrm>
             <a:off x="335520" y="764640"/>
-            <a:ext cx="10745280" cy="496080"/>
-          </a:xfrm>
-          <a:prstGeom prst="rect">
-            <a:avLst/>
-          </a:prstGeom>
-          <a:noFill/>
-          <a:ln>
+            <a:ext cx="10744920" cy="495720"/>
+          </a:xfrm>
+          <a:prstGeom prst="rect">
+            <a:avLst/>
+          </a:prstGeom>
+          <a:noFill/>
+          <a:ln w="0">
             <a:noFill/>
           </a:ln>
         </p:spPr>
@@ -13401,7 +13974,7 @@
           <a:fontRef idx="minor"/>
         </p:style>
         <p:txBody>
-          <a:bodyPr lIns="90000" rIns="90000" tIns="45000" bIns="45000">
+          <a:bodyPr lIns="90000" rIns="90000" tIns="45000" bIns="45000" anchor="t">
             <a:noAutofit/>
           </a:bodyPr>
           <a:p>
@@ -13409,6 +13982,7 @@
               <a:lnSpc>
                 <a:spcPct val="100000"/>
               </a:lnSpc>
+              <a:buNone/>
             </a:pPr>
             <a:r>
               <a:rPr b="1" lang="en-US" sz="2400" spc="-1" strike="noStrike">
@@ -13421,7 +13995,7 @@
               <a:t>Self-Study Star</a:t>
             </a:r>
             <a:endParaRPr b="0" lang="en-US" sz="2400" spc="-1" strike="noStrike">
-              <a:latin typeface="Arial"/>
+              <a:latin typeface="DejaVu Sans"/>
             </a:endParaRPr>
           </a:p>
         </p:txBody>
@@ -13435,13 +14009,13 @@
         <p:spPr>
           <a:xfrm>
             <a:off x="335520" y="1268280"/>
-            <a:ext cx="10745280" cy="5032800"/>
-          </a:xfrm>
-          <a:prstGeom prst="rect">
-            <a:avLst/>
-          </a:prstGeom>
-          <a:noFill/>
-          <a:ln>
+            <a:ext cx="10744920" cy="5032440"/>
+          </a:xfrm>
+          <a:prstGeom prst="rect">
+            <a:avLst/>
+          </a:prstGeom>
+          <a:noFill/>
+          <a:ln w="0">
             <a:noFill/>
           </a:ln>
         </p:spPr>
@@ -13463,9 +14037,10 @@
               <a:spcBef>
                 <a:spcPts val="360"/>
               </a:spcBef>
+              <a:buNone/>
             </a:pPr>
             <a:endParaRPr b="0" lang="en-US" sz="1800" spc="-1" strike="noStrike">
-              <a:latin typeface="Arial"/>
+              <a:latin typeface="DejaVu Sans"/>
             </a:endParaRPr>
           </a:p>
           <a:p>
@@ -13511,7 +14086,7 @@
               <a:t> mandatory but could be helpful or interesting</a:t>
             </a:r>
             <a:endParaRPr b="0" lang="en-US" sz="1800" spc="-1" strike="noStrike">
-              <a:latin typeface="Arial"/>
+              <a:latin typeface="DejaVu Sans"/>
             </a:endParaRPr>
           </a:p>
         </p:txBody>
@@ -13525,7 +14100,7 @@
         <p:spPr>
           <a:xfrm>
             <a:off x="6285600" y="2132640"/>
-            <a:ext cx="514800" cy="494640"/>
+            <a:ext cx="514440" cy="494280"/>
           </a:xfrm>
           <a:prstGeom prst="star5">
             <a:avLst>
@@ -13567,13 +14142,13 @@
         <p:spPr>
           <a:xfrm>
             <a:off x="4089960" y="2247480"/>
-            <a:ext cx="2283120" cy="363960"/>
-          </a:xfrm>
-          <a:prstGeom prst="rect">
-            <a:avLst/>
-          </a:prstGeom>
-          <a:noFill/>
-          <a:ln>
+            <a:ext cx="2282760" cy="363960"/>
+          </a:xfrm>
+          <a:prstGeom prst="rect">
+            <a:avLst/>
+          </a:prstGeom>
+          <a:noFill/>
+          <a:ln w="0">
             <a:noFill/>
           </a:ln>
         </p:spPr>
@@ -13584,7 +14159,7 @@
           <a:fontRef idx="minor"/>
         </p:style>
         <p:txBody>
-          <a:bodyPr lIns="90000" rIns="90000" tIns="45000" bIns="45000">
+          <a:bodyPr lIns="90000" rIns="90000" tIns="45000" bIns="45000" anchor="t">
             <a:spAutoFit/>
           </a:bodyPr>
           <a:p>
@@ -13592,6 +14167,7 @@
               <a:lnSpc>
                 <a:spcPct val="100000"/>
               </a:lnSpc>
+              <a:buNone/>
             </a:pPr>
             <a:r>
               <a:rPr b="0" lang="de-DE" sz="1800" spc="-1" strike="noStrike">
@@ -13624,7 +14200,7 @@
               <a:t> </a:t>
             </a:r>
             <a:endParaRPr b="0" lang="en-US" sz="1800" spc="-1" strike="noStrike">
-              <a:latin typeface="Arial"/>
+              <a:latin typeface="DejaVu Sans"/>
             </a:endParaRPr>
           </a:p>
         </p:txBody>
@@ -13668,13 +14244,13 @@
         <p:spPr>
           <a:xfrm>
             <a:off x="335520" y="764640"/>
-            <a:ext cx="10745280" cy="496080"/>
-          </a:xfrm>
-          <a:prstGeom prst="rect">
-            <a:avLst/>
-          </a:prstGeom>
-          <a:noFill/>
-          <a:ln>
+            <a:ext cx="10744920" cy="495720"/>
+          </a:xfrm>
+          <a:prstGeom prst="rect">
+            <a:avLst/>
+          </a:prstGeom>
+          <a:noFill/>
+          <a:ln w="0">
             <a:noFill/>
           </a:ln>
         </p:spPr>
@@ -13685,7 +14261,7 @@
           <a:fontRef idx="minor"/>
         </p:style>
         <p:txBody>
-          <a:bodyPr lIns="90000" rIns="90000" tIns="45000" bIns="45000">
+          <a:bodyPr lIns="90000" rIns="90000" tIns="45000" bIns="45000" anchor="t">
             <a:noAutofit/>
           </a:bodyPr>
           <a:p>
@@ -13693,6 +14269,7 @@
               <a:lnSpc>
                 <a:spcPct val="100000"/>
               </a:lnSpc>
+              <a:buNone/>
             </a:pPr>
             <a:r>
               <a:rPr b="1" lang="en-US" sz="2400" spc="-1" strike="noStrike">
@@ -13705,7 +14282,7 @@
               <a:t>Literature</a:t>
             </a:r>
             <a:endParaRPr b="0" lang="en-US" sz="2400" spc="-1" strike="noStrike">
-              <a:latin typeface="Arial"/>
+              <a:latin typeface="DejaVu Sans"/>
             </a:endParaRPr>
           </a:p>
         </p:txBody>
@@ -13719,13 +14296,13 @@
         <p:spPr>
           <a:xfrm>
             <a:off x="335520" y="1268640"/>
-            <a:ext cx="10745280" cy="5032800"/>
-          </a:xfrm>
-          <a:prstGeom prst="rect">
-            <a:avLst/>
-          </a:prstGeom>
-          <a:noFill/>
-          <a:ln>
+            <a:ext cx="10744920" cy="5032440"/>
+          </a:xfrm>
+          <a:prstGeom prst="rect">
+            <a:avLst/>
+          </a:prstGeom>
+          <a:noFill/>
+          <a:ln w="0">
             <a:noFill/>
           </a:ln>
         </p:spPr>
@@ -13785,7 +14362,7 @@
               <a:t> need to buy a book to pass the exam.</a:t>
             </a:r>
             <a:endParaRPr b="0" lang="en-US" sz="1800" spc="-1" strike="noStrike">
-              <a:latin typeface="Arial"/>
+              <a:latin typeface="DejaVu Sans"/>
             </a:endParaRPr>
           </a:p>
           <a:p>
@@ -13796,9 +14373,10 @@
               <a:spcBef>
                 <a:spcPts val="360"/>
               </a:spcBef>
+              <a:buNone/>
             </a:pPr>
             <a:endParaRPr b="0" lang="en-US" sz="1800" spc="-1" strike="noStrike">
-              <a:latin typeface="Arial"/>
+              <a:latin typeface="DejaVu Sans"/>
             </a:endParaRPr>
           </a:p>
           <a:p>
@@ -13847,7 +14425,7 @@
               <a:t> (1972).</a:t>
             </a:r>
             <a:endParaRPr b="0" lang="en-US" sz="1800" spc="-1" strike="noStrike">
-              <a:latin typeface="Arial"/>
+              <a:latin typeface="DejaVu Sans"/>
             </a:endParaRPr>
           </a:p>
           <a:p>
@@ -13896,7 +14474,7 @@
               <a:t> (2004).</a:t>
             </a:r>
             <a:endParaRPr b="0" lang="en-US" sz="1800" spc="-1" strike="noStrike">
-              <a:latin typeface="Arial"/>
+              <a:latin typeface="DejaVu Sans"/>
             </a:endParaRPr>
           </a:p>
           <a:p>
@@ -13945,7 +14523,7 @@
               <a:t>(2012).</a:t>
             </a:r>
             <a:endParaRPr b="0" lang="en-US" sz="1800" spc="-1" strike="noStrike">
-              <a:latin typeface="Arial"/>
+              <a:latin typeface="DejaVu Sans"/>
             </a:endParaRPr>
           </a:p>
           <a:p>
@@ -13994,7 +14572,7 @@
               <a:t> (2019).</a:t>
             </a:r>
             <a:endParaRPr b="0" lang="en-US" sz="1800" spc="-1" strike="noStrike">
-              <a:latin typeface="Arial"/>
+              <a:latin typeface="DejaVu Sans"/>
             </a:endParaRPr>
           </a:p>
           <a:p>
@@ -14043,7 +14621,7 @@
               <a:t> (2019)</a:t>
             </a:r>
             <a:endParaRPr b="0" lang="en-US" sz="1800" spc="-1" strike="noStrike">
-              <a:latin typeface="Arial"/>
+              <a:latin typeface="DejaVu Sans"/>
             </a:endParaRPr>
           </a:p>
           <a:p>
@@ -14092,7 +14670,7 @@
               <a:t> (2011).</a:t>
             </a:r>
             <a:endParaRPr b="0" lang="en-US" sz="1800" spc="-1" strike="noStrike">
-              <a:latin typeface="Arial"/>
+              <a:latin typeface="DejaVu Sans"/>
             </a:endParaRPr>
           </a:p>
           <a:p>
@@ -14141,7 +14719,7 @@
               <a:t> (2017).</a:t>
             </a:r>
             <a:endParaRPr b="0" lang="en-US" sz="1800" spc="-1" strike="noStrike">
-              <a:latin typeface="Arial"/>
+              <a:latin typeface="DejaVu Sans"/>
             </a:endParaRPr>
           </a:p>
         </p:txBody>
@@ -14185,13 +14763,13 @@
         <p:spPr>
           <a:xfrm>
             <a:off x="335520" y="764640"/>
-            <a:ext cx="10747080" cy="497880"/>
-          </a:xfrm>
-          <a:prstGeom prst="rect">
-            <a:avLst/>
-          </a:prstGeom>
-          <a:noFill/>
-          <a:ln>
+            <a:ext cx="10746720" cy="497520"/>
+          </a:xfrm>
+          <a:prstGeom prst="rect">
+            <a:avLst/>
+          </a:prstGeom>
+          <a:noFill/>
+          <a:ln w="0">
             <a:noFill/>
           </a:ln>
         </p:spPr>
@@ -14202,7 +14780,7 @@
           <a:fontRef idx="minor"/>
         </p:style>
         <p:txBody>
-          <a:bodyPr lIns="90000" rIns="90000" tIns="45000" bIns="45000">
+          <a:bodyPr lIns="90000" rIns="90000" tIns="45000" bIns="45000" anchor="t">
             <a:noAutofit/>
           </a:bodyPr>
           <a:p>
@@ -14210,6 +14788,7 @@
               <a:lnSpc>
                 <a:spcPct val="100000"/>
               </a:lnSpc>
+              <a:buNone/>
             </a:pPr>
             <a:r>
               <a:rPr b="1" lang="de-DE" sz="2400" spc="-1" strike="noStrike">
@@ -14222,7 +14801,7 @@
               <a:t>Literature</a:t>
             </a:r>
             <a:endParaRPr b="0" lang="en-US" sz="2400" spc="-1" strike="noStrike">
-              <a:latin typeface="Arial"/>
+              <a:latin typeface="DejaVu Sans"/>
             </a:endParaRPr>
           </a:p>
         </p:txBody>
@@ -14236,13 +14815,13 @@
         <p:spPr>
           <a:xfrm>
             <a:off x="335520" y="1268640"/>
-            <a:ext cx="10747080" cy="5034600"/>
-          </a:xfrm>
-          <a:prstGeom prst="rect">
-            <a:avLst/>
-          </a:prstGeom>
-          <a:noFill/>
-          <a:ln>
+            <a:ext cx="10746720" cy="5034240"/>
+          </a:xfrm>
+          <a:prstGeom prst="rect">
+            <a:avLst/>
+          </a:prstGeom>
+          <a:noFill/>
+          <a:ln w="0">
             <a:noFill/>
           </a:ln>
         </p:spPr>
@@ -14264,9 +14843,10 @@
               <a:spcBef>
                 <a:spcPts val="360"/>
               </a:spcBef>
+              <a:buNone/>
             </a:pPr>
             <a:endParaRPr b="0" lang="en-US" sz="1800" spc="-1" strike="noStrike">
-              <a:latin typeface="Arial"/>
+              <a:latin typeface="DejaVu Sans"/>
             </a:endParaRPr>
           </a:p>
           <a:p>
@@ -14337,7 +14917,7 @@
               <a:t>).</a:t>
             </a:r>
             <a:endParaRPr b="0" lang="en-US" sz="1800" spc="-1" strike="noStrike">
-              <a:latin typeface="Arial"/>
+              <a:latin typeface="DejaVu Sans"/>
             </a:endParaRPr>
           </a:p>
           <a:p>
@@ -14408,7 +14988,7 @@
               <a:t>).</a:t>
             </a:r>
             <a:endParaRPr b="0" lang="en-US" sz="1800" spc="-1" strike="noStrike">
-              <a:latin typeface="Arial"/>
+              <a:latin typeface="DejaVu Sans"/>
             </a:endParaRPr>
           </a:p>
           <a:p>
@@ -14457,7 +15037,7 @@
               <a:t> (2019).</a:t>
             </a:r>
             <a:endParaRPr b="0" lang="en-US" sz="1800" spc="-1" strike="noStrike">
-              <a:latin typeface="Arial"/>
+              <a:latin typeface="DejaVu Sans"/>
             </a:endParaRPr>
           </a:p>
           <a:p>
@@ -14506,7 +15086,7 @@
               <a:t> (2020).</a:t>
             </a:r>
             <a:endParaRPr b="0" lang="en-US" sz="1800" spc="-1" strike="noStrike">
-              <a:latin typeface="Arial"/>
+              <a:latin typeface="DejaVu Sans"/>
             </a:endParaRPr>
           </a:p>
           <a:p>
@@ -14555,7 +15135,7 @@
               <a:t> (2018).</a:t>
             </a:r>
             <a:endParaRPr b="0" lang="en-US" sz="1800" spc="-1" strike="noStrike">
-              <a:latin typeface="Arial"/>
+              <a:latin typeface="DejaVu Sans"/>
             </a:endParaRPr>
           </a:p>
           <a:p>
@@ -14604,7 +15184,7 @@
               <a:t> (2018).</a:t>
             </a:r>
             <a:endParaRPr b="0" lang="en-US" sz="1800" spc="-1" strike="noStrike">
-              <a:latin typeface="Arial"/>
+              <a:latin typeface="DejaVu Sans"/>
             </a:endParaRPr>
           </a:p>
           <a:p>
@@ -14653,7 +15233,7 @@
               <a:t> (2010).</a:t>
             </a:r>
             <a:endParaRPr b="0" lang="en-US" sz="1800" spc="-1" strike="noStrike">
-              <a:latin typeface="Arial"/>
+              <a:latin typeface="DejaVu Sans"/>
             </a:endParaRPr>
           </a:p>
         </p:txBody>
@@ -14697,13 +15277,13 @@
         <p:spPr>
           <a:xfrm>
             <a:off x="335520" y="764640"/>
-            <a:ext cx="10745280" cy="496080"/>
-          </a:xfrm>
-          <a:prstGeom prst="rect">
-            <a:avLst/>
-          </a:prstGeom>
-          <a:noFill/>
-          <a:ln>
+            <a:ext cx="10744920" cy="495720"/>
+          </a:xfrm>
+          <a:prstGeom prst="rect">
+            <a:avLst/>
+          </a:prstGeom>
+          <a:noFill/>
+          <a:ln w="0">
             <a:noFill/>
           </a:ln>
         </p:spPr>
@@ -14714,7 +15294,7 @@
           <a:fontRef idx="minor"/>
         </p:style>
         <p:txBody>
-          <a:bodyPr lIns="90000" rIns="90000" tIns="45000" bIns="45000">
+          <a:bodyPr lIns="90000" rIns="90000" tIns="45000" bIns="45000" anchor="t">
             <a:noAutofit/>
           </a:bodyPr>
           <a:p>
@@ -14722,6 +15302,7 @@
               <a:lnSpc>
                 <a:spcPct val="100000"/>
               </a:lnSpc>
+              <a:buNone/>
             </a:pPr>
             <a:r>
               <a:rPr b="1" lang="en-US" sz="2400" spc="-1" strike="noStrike">
@@ -14734,7 +15315,7 @@
               <a:t>Further Resources </a:t>
             </a:r>
             <a:endParaRPr b="0" lang="en-US" sz="2400" spc="-1" strike="noStrike">
-              <a:latin typeface="Arial"/>
+              <a:latin typeface="DejaVu Sans"/>
             </a:endParaRPr>
           </a:p>
         </p:txBody>
@@ -14748,13 +15329,13 @@
         <p:spPr>
           <a:xfrm>
             <a:off x="335520" y="1268640"/>
-            <a:ext cx="10745280" cy="5032800"/>
-          </a:xfrm>
-          <a:prstGeom prst="rect">
-            <a:avLst/>
-          </a:prstGeom>
-          <a:noFill/>
-          <a:ln>
+            <a:ext cx="10744920" cy="5032440"/>
+          </a:xfrm>
+          <a:prstGeom prst="rect">
+            <a:avLst/>
+          </a:prstGeom>
+          <a:noFill/>
+          <a:ln w="0">
             <a:noFill/>
           </a:ln>
         </p:spPr>
@@ -14806,7 +15387,7 @@
               <a:t>Link</a:t>
             </a:r>
             <a:endParaRPr b="0" lang="en-US" sz="1800" spc="-1" strike="noStrike">
-              <a:latin typeface="Arial"/>
+              <a:latin typeface="DejaVu Sans"/>
             </a:endParaRPr>
           </a:p>
           <a:p>
@@ -14857,7 +15438,7 @@
               <a:t> </a:t>
             </a:r>
             <a:endParaRPr b="0" lang="en-US" sz="1800" spc="-1" strike="noStrike">
-              <a:latin typeface="Arial"/>
+              <a:latin typeface="DejaVu Sans"/>
             </a:endParaRPr>
           </a:p>
           <a:p>
@@ -14908,7 +15489,7 @@
               <a:t> </a:t>
             </a:r>
             <a:endParaRPr b="0" lang="en-US" sz="1800" spc="-1" strike="noStrike">
-              <a:latin typeface="Arial"/>
+              <a:latin typeface="DejaVu Sans"/>
             </a:endParaRPr>
           </a:p>
         </p:txBody>
@@ -14952,13 +15533,13 @@
         <p:spPr>
           <a:xfrm>
             <a:off x="335520" y="1268640"/>
-            <a:ext cx="10747080" cy="5034600"/>
-          </a:xfrm>
-          <a:prstGeom prst="rect">
-            <a:avLst/>
-          </a:prstGeom>
-          <a:noFill/>
-          <a:ln>
+            <a:ext cx="10746720" cy="5034240"/>
+          </a:xfrm>
+          <a:prstGeom prst="rect">
+            <a:avLst/>
+          </a:prstGeom>
+          <a:noFill/>
+          <a:ln w="0">
             <a:noFill/>
           </a:ln>
         </p:spPr>
@@ -14980,6 +15561,7 @@
               <a:spcBef>
                 <a:spcPts val="799"/>
               </a:spcBef>
+              <a:buNone/>
               <a:tabLst>
                 <a:tab algn="l" pos="0"/>
               </a:tabLst>
@@ -14995,7 +15577,7 @@
               <a:t>Questions?</a:t>
             </a:r>
             <a:endParaRPr b="0" lang="en-US" sz="4000" spc="-1" strike="noStrike">
-              <a:latin typeface="Arial"/>
+              <a:latin typeface="DejaVu Sans"/>
             </a:endParaRPr>
           </a:p>
         </p:txBody>
@@ -15009,13 +15591,13 @@
         <p:spPr>
           <a:xfrm>
             <a:off x="335520" y="764640"/>
-            <a:ext cx="10747080" cy="497880"/>
-          </a:xfrm>
-          <a:prstGeom prst="rect">
-            <a:avLst/>
-          </a:prstGeom>
-          <a:noFill/>
-          <a:ln>
+            <a:ext cx="10746720" cy="497520"/>
+          </a:xfrm>
+          <a:prstGeom prst="rect">
+            <a:avLst/>
+          </a:prstGeom>
+          <a:noFill/>
+          <a:ln w="0">
             <a:noFill/>
           </a:ln>
         </p:spPr>
@@ -15065,13 +15647,13 @@
         <p:spPr>
           <a:xfrm>
             <a:off x="542880" y="721800"/>
-            <a:ext cx="10351440" cy="492120"/>
-          </a:xfrm>
-          <a:prstGeom prst="rect">
-            <a:avLst/>
-          </a:prstGeom>
-          <a:noFill/>
-          <a:ln>
+            <a:ext cx="10351080" cy="491760"/>
+          </a:xfrm>
+          <a:prstGeom prst="rect">
+            <a:avLst/>
+          </a:prstGeom>
+          <a:noFill/>
+          <a:ln w="0">
             <a:noFill/>
           </a:ln>
         </p:spPr>
@@ -15090,6 +15672,7 @@
               <a:lnSpc>
                 <a:spcPct val="100000"/>
               </a:lnSpc>
+              <a:buNone/>
             </a:pPr>
             <a:r>
               <a:rPr b="1" lang="en-US" sz="2200" spc="-1" strike="noStrike">
@@ -15102,7 +15685,7 @@
               <a:t>ETCE Research Group</a:t>
             </a:r>
             <a:endParaRPr b="0" lang="en-US" sz="2200" spc="-1" strike="noStrike">
-              <a:latin typeface="Arial"/>
+              <a:latin typeface="DejaVu Sans"/>
             </a:endParaRPr>
           </a:p>
         </p:txBody>
@@ -15116,7 +15699,7 @@
         <p:spPr>
           <a:xfrm>
             <a:off x="451800" y="1709280"/>
-            <a:ext cx="8218800" cy="4347000"/>
+            <a:ext cx="8218440" cy="4346640"/>
           </a:xfrm>
           <a:prstGeom prst="rect">
             <a:avLst/>
@@ -15142,13 +15725,13 @@
         <p:spPr>
           <a:xfrm>
             <a:off x="609480" y="1769400"/>
-            <a:ext cx="10581840" cy="4849920"/>
-          </a:xfrm>
-          <a:prstGeom prst="rect">
-            <a:avLst/>
-          </a:prstGeom>
-          <a:noFill/>
-          <a:ln>
+            <a:ext cx="10581480" cy="4849560"/>
+          </a:xfrm>
+          <a:prstGeom prst="rect">
+            <a:avLst/>
+          </a:prstGeom>
+          <a:noFill/>
+          <a:ln w="0">
             <a:noFill/>
           </a:ln>
         </p:spPr>
@@ -15268,7 +15851,7 @@
               <a:t>ETCE</a:t>
             </a:r>
             <a:endParaRPr b="0" lang="en-US" sz="2000" spc="-1" strike="noStrike">
-              <a:latin typeface="Arial"/>
+              <a:latin typeface="DejaVu Sans"/>
             </a:endParaRPr>
           </a:p>
           <a:p>
@@ -15297,7 +15880,7 @@
               <a:t>Research focus:</a:t>
             </a:r>
             <a:endParaRPr b="0" lang="en-US" sz="2000" spc="-1" strike="noStrike">
-              <a:latin typeface="Arial"/>
+              <a:latin typeface="DejaVu Sans"/>
             </a:endParaRPr>
           </a:p>
           <a:p>
@@ -15326,7 +15909,7 @@
               <a:t>Intersection of IT and sustainability</a:t>
             </a:r>
             <a:endParaRPr b="0" lang="en-US" sz="1800" spc="-1" strike="noStrike">
-              <a:latin typeface="Arial"/>
+              <a:latin typeface="DejaVu Sans"/>
             </a:endParaRPr>
           </a:p>
           <a:p>
@@ -15355,7 +15938,7 @@
               <a:t>Circular Economy</a:t>
             </a:r>
             <a:endParaRPr b="0" lang="en-US" sz="1800" spc="-1" strike="noStrike">
-              <a:latin typeface="Arial"/>
+              <a:latin typeface="DejaVu Sans"/>
             </a:endParaRPr>
           </a:p>
           <a:p>
@@ -15384,7 +15967,7 @@
               <a:t>Self-organized, decentralized and distributed systems</a:t>
             </a:r>
             <a:endParaRPr b="0" lang="en-US" sz="1800" spc="-1" strike="noStrike">
-              <a:latin typeface="Arial"/>
+              <a:latin typeface="DejaVu Sans"/>
             </a:endParaRPr>
           </a:p>
           <a:p>
@@ -15413,7 +15996,7 @@
               <a:t>Machine-to-Everything Economy (M2X Economy)</a:t>
             </a:r>
             <a:endParaRPr b="0" lang="en-US" sz="1800" spc="-1" strike="noStrike">
-              <a:latin typeface="Arial"/>
+              <a:latin typeface="DejaVu Sans"/>
             </a:endParaRPr>
           </a:p>
           <a:p>
@@ -15442,7 +16025,7 @@
               <a:t>Other courses:</a:t>
             </a:r>
             <a:endParaRPr b="0" lang="en-US" sz="2000" spc="-1" strike="noStrike">
-              <a:latin typeface="Arial"/>
+              <a:latin typeface="DejaVu Sans"/>
             </a:endParaRPr>
           </a:p>
           <a:p>
@@ -15471,7 +16054,7 @@
               <a:t>The Limits to Growth – Sustainability and the Circular Economy (SS – open for everyone)</a:t>
             </a:r>
             <a:endParaRPr b="0" lang="en-US" sz="1800" spc="-1" strike="noStrike">
-              <a:latin typeface="Arial"/>
+              <a:latin typeface="DejaVu Sans"/>
             </a:endParaRPr>
           </a:p>
           <a:p>
@@ -15500,7 +16083,7 @@
               <a:t>Requirements Engineering (WS – M.Sc.)</a:t>
             </a:r>
             <a:endParaRPr b="0" lang="en-US" sz="1800" spc="-1" strike="noStrike">
-              <a:latin typeface="Arial"/>
+              <a:latin typeface="DejaVu Sans"/>
             </a:endParaRPr>
           </a:p>
         </p:txBody>
@@ -15544,13 +16127,13 @@
         <p:spPr>
           <a:xfrm>
             <a:off x="542880" y="721800"/>
-            <a:ext cx="10351440" cy="492120"/>
-          </a:xfrm>
-          <a:prstGeom prst="rect">
-            <a:avLst/>
-          </a:prstGeom>
-          <a:noFill/>
-          <a:ln>
+            <a:ext cx="10351080" cy="491760"/>
+          </a:xfrm>
+          <a:prstGeom prst="rect">
+            <a:avLst/>
+          </a:prstGeom>
+          <a:noFill/>
+          <a:ln w="0">
             <a:noFill/>
           </a:ln>
         </p:spPr>
@@ -15569,6 +16152,7 @@
               <a:lnSpc>
                 <a:spcPct val="100000"/>
               </a:lnSpc>
+              <a:buNone/>
             </a:pPr>
             <a:r>
               <a:rPr b="1" lang="en-US" sz="2200" spc="-1" strike="noStrike">
@@ -15581,7 +16165,7 @@
               <a:t>ETCE Research Group</a:t>
             </a:r>
             <a:endParaRPr b="0" lang="en-US" sz="2200" spc="-1" strike="noStrike">
-              <a:latin typeface="Arial"/>
+              <a:latin typeface="DejaVu Sans"/>
             </a:endParaRPr>
           </a:p>
         </p:txBody>
@@ -15595,7 +16179,7 @@
         <p:spPr>
           <a:xfrm>
             <a:off x="451800" y="1709280"/>
-            <a:ext cx="8218800" cy="4347000"/>
+            <a:ext cx="8218440" cy="4346640"/>
           </a:xfrm>
           <a:prstGeom prst="rect">
             <a:avLst/>
@@ -15621,13 +16205,13 @@
         <p:spPr>
           <a:xfrm>
             <a:off x="609480" y="1769400"/>
-            <a:ext cx="10581840" cy="4849920"/>
-          </a:xfrm>
-          <a:prstGeom prst="rect">
-            <a:avLst/>
-          </a:prstGeom>
-          <a:noFill/>
-          <a:ln>
+            <a:ext cx="10581480" cy="4849560"/>
+          </a:xfrm>
+          <a:prstGeom prst="rect">
+            <a:avLst/>
+          </a:prstGeom>
+          <a:noFill/>
+          <a:ln w="0">
             <a:noFill/>
           </a:ln>
         </p:spPr>
@@ -15689,7 +16273,7 @@
               <a:t> </a:t>
             </a:r>
             <a:endParaRPr b="0" lang="en-US" sz="2000" spc="-1" strike="noStrike">
-              <a:latin typeface="Arial"/>
+              <a:latin typeface="DejaVu Sans"/>
             </a:endParaRPr>
           </a:p>
           <a:p>
@@ -15718,7 +16302,7 @@
               <a:t>Course material </a:t>
             </a:r>
             <a:endParaRPr b="0" lang="en-US" sz="1800" spc="-1" strike="noStrike">
-              <a:latin typeface="Arial"/>
+              <a:latin typeface="DejaVu Sans"/>
             </a:endParaRPr>
           </a:p>
           <a:p>
@@ -15747,7 +16331,7 @@
               <a:t>Theses/project topics</a:t>
             </a:r>
             <a:endParaRPr b="0" lang="en-US" sz="1800" spc="-1" strike="noStrike">
-              <a:latin typeface="Arial"/>
+              <a:latin typeface="DejaVu Sans"/>
             </a:endParaRPr>
           </a:p>
           <a:p>
@@ -15758,9 +16342,10 @@
               <a:spcBef>
                 <a:spcPts val="1009"/>
               </a:spcBef>
+              <a:buNone/>
             </a:pPr>
             <a:endParaRPr b="0" lang="en-US" sz="1800" spc="-1" strike="noStrike">
-              <a:latin typeface="Arial"/>
+              <a:latin typeface="DejaVu Sans"/>
             </a:endParaRPr>
           </a:p>
           <a:p>
@@ -15792,7 +16377,7 @@
               <a:t>Our research in action:</a:t>
             </a:r>
             <a:endParaRPr b="0" lang="en-US" sz="2000" spc="-1" strike="noStrike">
-              <a:latin typeface="Arial"/>
+              <a:latin typeface="DejaVu Sans"/>
             </a:endParaRPr>
           </a:p>
           <a:p>
@@ -15846,7 +16431,7 @@
               <a:t> </a:t>
             </a:r>
             <a:endParaRPr b="0" lang="en-US" sz="1800" spc="-1" strike="noStrike">
-              <a:latin typeface="Arial"/>
+              <a:latin typeface="DejaVu Sans"/>
             </a:endParaRPr>
           </a:p>
           <a:p>
@@ -15900,7 +16485,7 @@
               <a:t> </a:t>
             </a:r>
             <a:endParaRPr b="0" lang="en-US" sz="1800" spc="-1" strike="noStrike">
-              <a:latin typeface="Arial"/>
+              <a:latin typeface="DejaVu Sans"/>
             </a:endParaRPr>
           </a:p>
           <a:p>
@@ -15911,12 +16496,13 @@
               <a:spcBef>
                 <a:spcPts val="1417"/>
               </a:spcBef>
+              <a:buNone/>
               <a:tabLst>
                 <a:tab algn="l" pos="0"/>
               </a:tabLst>
             </a:pPr>
             <a:endParaRPr b="0" lang="en-US" sz="1800" spc="-1" strike="noStrike">
-              <a:latin typeface="Arial"/>
+              <a:latin typeface="DejaVu Sans"/>
             </a:endParaRPr>
           </a:p>
           <a:p>
@@ -15927,6 +16513,7 @@
               <a:spcBef>
                 <a:spcPts val="1417"/>
               </a:spcBef>
+              <a:buNone/>
               <a:tabLst>
                 <a:tab algn="l" pos="0"/>
               </a:tabLst>
@@ -15942,7 +16529,7 @@
               <a:t>You want join us? Write us an email! </a:t>
             </a:r>
             <a:endParaRPr b="0" lang="en-US" sz="2000" spc="-1" strike="noStrike">
-              <a:latin typeface="Arial"/>
+              <a:latin typeface="DejaVu Sans"/>
             </a:endParaRPr>
           </a:p>
           <a:p>
@@ -15953,6 +16540,7 @@
               <a:spcBef>
                 <a:spcPts val="1009"/>
               </a:spcBef>
+              <a:buNone/>
               <a:tabLst>
                 <a:tab algn="l" pos="0"/>
               </a:tabLst>
@@ -15978,7 +16566,7 @@
               <a:t>benjamin.leiding@tu-clausthal.de</a:t>
             </a:r>
             <a:endParaRPr b="0" lang="en-US" sz="1600" spc="-1" strike="noStrike">
-              <a:latin typeface="Arial"/>
+              <a:latin typeface="DejaVu Sans"/>
             </a:endParaRPr>
           </a:p>
         </p:txBody>
@@ -16022,13 +16610,13 @@
         <p:spPr>
           <a:xfrm>
             <a:off x="542880" y="721800"/>
-            <a:ext cx="10351440" cy="492120"/>
-          </a:xfrm>
-          <a:prstGeom prst="rect">
-            <a:avLst/>
-          </a:prstGeom>
-          <a:noFill/>
-          <a:ln>
+            <a:ext cx="10351080" cy="491760"/>
+          </a:xfrm>
+          <a:prstGeom prst="rect">
+            <a:avLst/>
+          </a:prstGeom>
+          <a:noFill/>
+          <a:ln w="0">
             <a:noFill/>
           </a:ln>
         </p:spPr>
@@ -16047,6 +16635,7 @@
               <a:lnSpc>
                 <a:spcPct val="100000"/>
               </a:lnSpc>
+              <a:buNone/>
             </a:pPr>
             <a:r>
               <a:rPr b="1" lang="en-US" sz="2200" spc="-1" strike="noStrike">
@@ -16059,7 +16648,7 @@
               <a:t>ETCE Research Group</a:t>
             </a:r>
             <a:endParaRPr b="0" lang="en-US" sz="2200" spc="-1" strike="noStrike">
-              <a:latin typeface="Arial"/>
+              <a:latin typeface="DejaVu Sans"/>
             </a:endParaRPr>
           </a:p>
         </p:txBody>
@@ -16073,7 +16662,7 @@
         <p:spPr>
           <a:xfrm>
             <a:off x="451800" y="1709280"/>
-            <a:ext cx="8218800" cy="4347000"/>
+            <a:ext cx="8218440" cy="4346640"/>
           </a:xfrm>
           <a:prstGeom prst="rect">
             <a:avLst/>
@@ -16099,13 +16688,13 @@
         <p:spPr>
           <a:xfrm>
             <a:off x="609480" y="1769400"/>
-            <a:ext cx="10581840" cy="4849920"/>
-          </a:xfrm>
-          <a:prstGeom prst="rect">
-            <a:avLst/>
-          </a:prstGeom>
-          <a:noFill/>
-          <a:ln>
+            <a:ext cx="10581480" cy="4849560"/>
+          </a:xfrm>
+          <a:prstGeom prst="rect">
+            <a:avLst/>
+          </a:prstGeom>
+          <a:noFill/>
+          <a:ln w="0">
             <a:noFill/>
           </a:ln>
         </p:spPr>
@@ -16167,7 +16756,7 @@
               <a:t> </a:t>
             </a:r>
             <a:endParaRPr b="0" lang="en-US" sz="2000" spc="-1" strike="noStrike">
-              <a:latin typeface="Arial"/>
+              <a:latin typeface="DejaVu Sans"/>
             </a:endParaRPr>
           </a:p>
           <a:p>
@@ -16196,7 +16785,7 @@
               <a:t>Course material </a:t>
             </a:r>
             <a:endParaRPr b="0" lang="en-US" sz="1800" spc="-1" strike="noStrike">
-              <a:latin typeface="Arial"/>
+              <a:latin typeface="DejaVu Sans"/>
             </a:endParaRPr>
           </a:p>
           <a:p>
@@ -16225,7 +16814,7 @@
               <a:t>Theses/project topics</a:t>
             </a:r>
             <a:endParaRPr b="0" lang="en-US" sz="1800" spc="-1" strike="noStrike">
-              <a:latin typeface="Arial"/>
+              <a:latin typeface="DejaVu Sans"/>
             </a:endParaRPr>
           </a:p>
           <a:p>
@@ -16236,9 +16825,10 @@
               <a:spcBef>
                 <a:spcPts val="1009"/>
               </a:spcBef>
+              <a:buNone/>
             </a:pPr>
             <a:endParaRPr b="0" lang="en-US" sz="1800" spc="-1" strike="noStrike">
-              <a:latin typeface="Arial"/>
+              <a:latin typeface="DejaVu Sans"/>
             </a:endParaRPr>
           </a:p>
           <a:p>
@@ -16270,7 +16860,7 @@
               <a:t>Our research in action:</a:t>
             </a:r>
             <a:endParaRPr b="0" lang="en-US" sz="2000" spc="-1" strike="noStrike">
-              <a:latin typeface="Arial"/>
+              <a:latin typeface="DejaVu Sans"/>
             </a:endParaRPr>
           </a:p>
           <a:p>
@@ -16324,7 +16914,7 @@
               <a:t> </a:t>
             </a:r>
             <a:endParaRPr b="0" lang="en-US" sz="1800" spc="-1" strike="noStrike">
-              <a:latin typeface="Arial"/>
+              <a:latin typeface="DejaVu Sans"/>
             </a:endParaRPr>
           </a:p>
           <a:p>
@@ -16378,7 +16968,7 @@
               <a:t> </a:t>
             </a:r>
             <a:endParaRPr b="0" lang="en-US" sz="1800" spc="-1" strike="noStrike">
-              <a:latin typeface="Arial"/>
+              <a:latin typeface="DejaVu Sans"/>
             </a:endParaRPr>
           </a:p>
           <a:p>
@@ -16389,12 +16979,13 @@
               <a:spcBef>
                 <a:spcPts val="1417"/>
               </a:spcBef>
+              <a:buNone/>
               <a:tabLst>
                 <a:tab algn="l" pos="0"/>
               </a:tabLst>
             </a:pPr>
             <a:endParaRPr b="0" lang="en-US" sz="1800" spc="-1" strike="noStrike">
-              <a:latin typeface="Arial"/>
+              <a:latin typeface="DejaVu Sans"/>
             </a:endParaRPr>
           </a:p>
           <a:p>
@@ -16405,6 +16996,7 @@
               <a:spcBef>
                 <a:spcPts val="1417"/>
               </a:spcBef>
+              <a:buNone/>
               <a:tabLst>
                 <a:tab algn="l" pos="0"/>
               </a:tabLst>
@@ -16420,7 +17012,7 @@
               <a:t>You want join us? Write us an email! </a:t>
             </a:r>
             <a:endParaRPr b="0" lang="en-US" sz="2000" spc="-1" strike="noStrike">
-              <a:latin typeface="Arial"/>
+              <a:latin typeface="DejaVu Sans"/>
             </a:endParaRPr>
           </a:p>
           <a:p>
@@ -16431,6 +17023,7 @@
               <a:spcBef>
                 <a:spcPts val="1009"/>
               </a:spcBef>
+              <a:buNone/>
               <a:tabLst>
                 <a:tab algn="l" pos="0"/>
               </a:tabLst>
@@ -16456,7 +17049,7 @@
               <a:t>benjamin.leiding@tu-clausthal.de</a:t>
             </a:r>
             <a:endParaRPr b="0" lang="en-US" sz="1600" spc="-1" strike="noStrike">
-              <a:latin typeface="Arial"/>
+              <a:latin typeface="DejaVu Sans"/>
             </a:endParaRPr>
           </a:p>
         </p:txBody>
@@ -16500,13 +17093,13 @@
         <p:spPr>
           <a:xfrm>
             <a:off x="335520" y="764640"/>
-            <a:ext cx="10747080" cy="497880"/>
-          </a:xfrm>
-          <a:prstGeom prst="rect">
-            <a:avLst/>
-          </a:prstGeom>
-          <a:noFill/>
-          <a:ln>
+            <a:ext cx="10746720" cy="497520"/>
+          </a:xfrm>
+          <a:prstGeom prst="rect">
+            <a:avLst/>
+          </a:prstGeom>
+          <a:noFill/>
+          <a:ln w="0">
             <a:noFill/>
           </a:ln>
         </p:spPr>
@@ -16517,7 +17110,7 @@
           <a:fontRef idx="minor"/>
         </p:style>
         <p:txBody>
-          <a:bodyPr lIns="90000" rIns="90000" tIns="45000" bIns="45000">
+          <a:bodyPr lIns="90000" rIns="90000" tIns="45000" bIns="45000" anchor="t">
             <a:noAutofit/>
           </a:bodyPr>
           <a:p>
@@ -16525,6 +17118,7 @@
               <a:lnSpc>
                 <a:spcPct val="100000"/>
               </a:lnSpc>
+              <a:buNone/>
             </a:pPr>
             <a:r>
               <a:rPr b="1" lang="de-DE" sz="2400" spc="-1" strike="noStrike">
@@ -16537,7 +17131,7 @@
               <a:t>Learning Outcome</a:t>
             </a:r>
             <a:endParaRPr b="0" lang="en-US" sz="2400" spc="-1" strike="noStrike">
-              <a:latin typeface="Arial"/>
+              <a:latin typeface="DejaVu Sans"/>
             </a:endParaRPr>
           </a:p>
         </p:txBody>
@@ -16551,13 +17145,13 @@
         <p:spPr>
           <a:xfrm>
             <a:off x="335520" y="2408400"/>
-            <a:ext cx="10747080" cy="3894840"/>
-          </a:xfrm>
-          <a:prstGeom prst="rect">
-            <a:avLst/>
-          </a:prstGeom>
-          <a:noFill/>
-          <a:ln>
+            <a:ext cx="10746720" cy="3894480"/>
+          </a:xfrm>
+          <a:prstGeom prst="rect">
+            <a:avLst/>
+          </a:prstGeom>
+          <a:noFill/>
+          <a:ln w="0">
             <a:noFill/>
           </a:ln>
         </p:spPr>
@@ -16568,7 +17162,7 @@
           <a:fontRef idx="minor"/>
         </p:style>
         <p:txBody>
-          <a:bodyPr lIns="90000" rIns="90000" tIns="45000" bIns="45000">
+          <a:bodyPr lIns="90000" rIns="90000" tIns="45000" bIns="45000" anchor="t">
             <a:noAutofit/>
           </a:bodyPr>
           <a:p>
@@ -16597,7 +17191,7 @@
               <a:t>Basic understanding of the concept of the Linear Economy, the Circular Economy, the Performance Economy and sustainability</a:t>
             </a:r>
             <a:endParaRPr b="0" lang="en-US" sz="1800" spc="-1" strike="noStrike">
-              <a:latin typeface="Arial"/>
+              <a:latin typeface="DejaVu Sans"/>
             </a:endParaRPr>
           </a:p>
         </p:txBody>
@@ -16641,13 +17235,13 @@
         <p:spPr>
           <a:xfrm>
             <a:off x="335520" y="764640"/>
-            <a:ext cx="10747080" cy="497880"/>
-          </a:xfrm>
-          <a:prstGeom prst="rect">
-            <a:avLst/>
-          </a:prstGeom>
-          <a:noFill/>
-          <a:ln>
+            <a:ext cx="10746720" cy="497520"/>
+          </a:xfrm>
+          <a:prstGeom prst="rect">
+            <a:avLst/>
+          </a:prstGeom>
+          <a:noFill/>
+          <a:ln w="0">
             <a:noFill/>
           </a:ln>
         </p:spPr>
@@ -16658,7 +17252,7 @@
           <a:fontRef idx="minor"/>
         </p:style>
         <p:txBody>
-          <a:bodyPr lIns="90000" rIns="90000" tIns="45000" bIns="45000">
+          <a:bodyPr lIns="90000" rIns="90000" tIns="45000" bIns="45000" anchor="t">
             <a:noAutofit/>
           </a:bodyPr>
           <a:p>
@@ -16666,6 +17260,7 @@
               <a:lnSpc>
                 <a:spcPct val="100000"/>
               </a:lnSpc>
+              <a:buNone/>
             </a:pPr>
             <a:r>
               <a:rPr b="1" lang="de-DE" sz="2400" spc="-1" strike="noStrike">
@@ -16678,7 +17273,7 @@
               <a:t>Learning Outcome</a:t>
             </a:r>
             <a:endParaRPr b="0" lang="en-US" sz="2400" spc="-1" strike="noStrike">
-              <a:latin typeface="Arial"/>
+              <a:latin typeface="DejaVu Sans"/>
             </a:endParaRPr>
           </a:p>
         </p:txBody>
@@ -16692,13 +17287,13 @@
         <p:spPr>
           <a:xfrm>
             <a:off x="335520" y="2408400"/>
-            <a:ext cx="10747080" cy="3894840"/>
-          </a:xfrm>
-          <a:prstGeom prst="rect">
-            <a:avLst/>
-          </a:prstGeom>
-          <a:noFill/>
-          <a:ln>
+            <a:ext cx="10746720" cy="3894480"/>
+          </a:xfrm>
+          <a:prstGeom prst="rect">
+            <a:avLst/>
+          </a:prstGeom>
+          <a:noFill/>
+          <a:ln w="0">
             <a:noFill/>
           </a:ln>
         </p:spPr>
@@ -16709,7 +17304,7 @@
           <a:fontRef idx="minor"/>
         </p:style>
         <p:txBody>
-          <a:bodyPr lIns="90000" rIns="90000" tIns="45000" bIns="45000">
+          <a:bodyPr lIns="90000" rIns="90000" tIns="45000" bIns="45000" anchor="t">
             <a:noAutofit/>
           </a:bodyPr>
           <a:p>
@@ -16738,7 +17333,7 @@
               <a:t>Basic understanding of the concept of the Linear Economy, the Circular Economy, the Performance Economy and sustainability</a:t>
             </a:r>
             <a:endParaRPr b="0" lang="en-US" sz="1800" spc="-1" strike="noStrike">
-              <a:latin typeface="Arial"/>
+              <a:latin typeface="DejaVu Sans"/>
             </a:endParaRPr>
           </a:p>
           <a:p>
@@ -16767,7 +17362,7 @@
               <a:t>Basic understanding of new technologies in the field of decentralized and smart systems</a:t>
             </a:r>
             <a:endParaRPr b="0" lang="en-US" sz="1800" spc="-1" strike="noStrike">
-              <a:latin typeface="Arial"/>
+              <a:latin typeface="DejaVu Sans"/>
             </a:endParaRPr>
           </a:p>
         </p:txBody>
@@ -16811,13 +17406,13 @@
         <p:spPr>
           <a:xfrm>
             <a:off x="335520" y="764640"/>
-            <a:ext cx="10747080" cy="497880"/>
-          </a:xfrm>
-          <a:prstGeom prst="rect">
-            <a:avLst/>
-          </a:prstGeom>
-          <a:noFill/>
-          <a:ln>
+            <a:ext cx="10746720" cy="497520"/>
+          </a:xfrm>
+          <a:prstGeom prst="rect">
+            <a:avLst/>
+          </a:prstGeom>
+          <a:noFill/>
+          <a:ln w="0">
             <a:noFill/>
           </a:ln>
         </p:spPr>
@@ -16828,7 +17423,7 @@
           <a:fontRef idx="minor"/>
         </p:style>
         <p:txBody>
-          <a:bodyPr lIns="90000" rIns="90000" tIns="45000" bIns="45000">
+          <a:bodyPr lIns="90000" rIns="90000" tIns="45000" bIns="45000" anchor="t">
             <a:noAutofit/>
           </a:bodyPr>
           <a:p>
@@ -16836,6 +17431,7 @@
               <a:lnSpc>
                 <a:spcPct val="100000"/>
               </a:lnSpc>
+              <a:buNone/>
             </a:pPr>
             <a:r>
               <a:rPr b="1" lang="de-DE" sz="2400" spc="-1" strike="noStrike">
@@ -16848,7 +17444,7 @@
               <a:t>Learning Outcome</a:t>
             </a:r>
             <a:endParaRPr b="0" lang="en-US" sz="2400" spc="-1" strike="noStrike">
-              <a:latin typeface="Arial"/>
+              <a:latin typeface="DejaVu Sans"/>
             </a:endParaRPr>
           </a:p>
         </p:txBody>
@@ -16862,13 +17458,13 @@
         <p:spPr>
           <a:xfrm>
             <a:off x="335520" y="2408400"/>
-            <a:ext cx="10747080" cy="3894840"/>
-          </a:xfrm>
-          <a:prstGeom prst="rect">
-            <a:avLst/>
-          </a:prstGeom>
-          <a:noFill/>
-          <a:ln>
+            <a:ext cx="10746720" cy="3894480"/>
+          </a:xfrm>
+          <a:prstGeom prst="rect">
+            <a:avLst/>
+          </a:prstGeom>
+          <a:noFill/>
+          <a:ln w="0">
             <a:noFill/>
           </a:ln>
         </p:spPr>
@@ -16879,7 +17475,7 @@
           <a:fontRef idx="minor"/>
         </p:style>
         <p:txBody>
-          <a:bodyPr lIns="90000" rIns="90000" tIns="45000" bIns="45000">
+          <a:bodyPr lIns="90000" rIns="90000" tIns="45000" bIns="45000" anchor="t">
             <a:noAutofit/>
           </a:bodyPr>
           <a:p>
@@ -16908,7 +17504,7 @@
               <a:t>Basic understanding of the concept of the Linear Economy, the Circular Economy, the Performance Economy and sustainability</a:t>
             </a:r>
             <a:endParaRPr b="0" lang="en-US" sz="1800" spc="-1" strike="noStrike">
-              <a:latin typeface="Arial"/>
+              <a:latin typeface="DejaVu Sans"/>
             </a:endParaRPr>
           </a:p>
           <a:p>
@@ -16937,7 +17533,7 @@
               <a:t>Basic understanding of new technologies in the field of decentralized and smart systems</a:t>
             </a:r>
             <a:endParaRPr b="0" lang="en-US" sz="1800" spc="-1" strike="noStrike">
-              <a:latin typeface="Arial"/>
+              <a:latin typeface="DejaVu Sans"/>
             </a:endParaRPr>
           </a:p>
           <a:p>
@@ -16966,7 +17562,7 @@
               <a:t>Understanding and overview of the Internet of Things and related concepts</a:t>
             </a:r>
             <a:endParaRPr b="0" lang="en-US" sz="1800" spc="-1" strike="noStrike">
-              <a:latin typeface="Arial"/>
+              <a:latin typeface="DejaVu Sans"/>
             </a:endParaRPr>
           </a:p>
         </p:txBody>

--- a/Emerging-Technologies-for-the-Circular-Economy/ETCE-L00-Organization.pptx
+++ b/Emerging-Technologies-for-the-Circular-Economy/ETCE-L00-Organization.pptx
@@ -328,7 +328,7 @@
             <a:pPr algn="r">
               <a:buNone/>
             </a:pPr>
-            <a:fld id="{354CC708-B9D3-4219-9A3F-ED7429AE12AA}" type="slidenum">
+            <a:fld id="{DD1F478A-5C0C-4863-B298-2F5188EFF97B}" type="slidenum">
               <a:rPr b="0" lang="en-US" sz="1400" spc="-1" strike="noStrike">
                 <a:latin typeface="DejaVu Serif"/>
               </a:rPr>
@@ -376,7 +376,7 @@
         <p:spPr>
           <a:xfrm>
             <a:off x="533520" y="763560"/>
-            <a:ext cx="6694200" cy="3762360"/>
+            <a:ext cx="6693840" cy="3762000"/>
           </a:xfrm>
           <a:prstGeom prst="rect">
             <a:avLst/>
@@ -399,7 +399,7 @@
         <p:spPr>
           <a:xfrm>
             <a:off x="777240" y="4777560"/>
-            <a:ext cx="6207840" cy="4516200"/>
+            <a:ext cx="6207480" cy="4515840"/>
           </a:xfrm>
           <a:prstGeom prst="rect">
             <a:avLst/>
@@ -429,7 +429,7 @@
         <p:spPr>
           <a:xfrm>
             <a:off x="4399200" y="9555480"/>
-            <a:ext cx="3363120" cy="492840"/>
+            <a:ext cx="3362760" cy="492480"/>
           </a:xfrm>
           <a:prstGeom prst="rect">
             <a:avLst/>
@@ -456,7 +456,7 @@
               </a:lnSpc>
               <a:buNone/>
             </a:pPr>
-            <a:fld id="{1B7D59C7-94F3-4ABD-BB6E-CDB061E885E2}" type="slidenum">
+            <a:fld id="{21D3D2AE-25B1-4756-8519-8CD10C66534A}" type="slidenum">
               <a:rPr b="0" lang="de-DE" sz="1800" spc="-1" strike="noStrike">
                 <a:solidFill>
                   <a:srgbClr val="000000"/>
@@ -507,7 +507,7 @@
         <p:spPr>
           <a:xfrm>
             <a:off x="533520" y="763560"/>
-            <a:ext cx="6694200" cy="3762360"/>
+            <a:ext cx="6693840" cy="3762000"/>
           </a:xfrm>
           <a:prstGeom prst="rect">
             <a:avLst/>
@@ -530,7 +530,7 @@
         <p:spPr>
           <a:xfrm>
             <a:off x="777240" y="4777560"/>
-            <a:ext cx="6207840" cy="4516200"/>
+            <a:ext cx="6207480" cy="4515840"/>
           </a:xfrm>
           <a:prstGeom prst="rect">
             <a:avLst/>
@@ -560,7 +560,7 @@
         <p:spPr>
           <a:xfrm>
             <a:off x="4399200" y="9555480"/>
-            <a:ext cx="3363120" cy="492840"/>
+            <a:ext cx="3362760" cy="492480"/>
           </a:xfrm>
           <a:prstGeom prst="rect">
             <a:avLst/>
@@ -587,7 +587,7 @@
               </a:lnSpc>
               <a:buNone/>
             </a:pPr>
-            <a:fld id="{D59A28D3-3AE0-4AF4-B3DA-9475002CF49A}" type="slidenum">
+            <a:fld id="{543420C5-F7E0-496C-BF39-3AA4577C6A48}" type="slidenum">
               <a:rPr b="0" lang="de-DE" sz="1800" spc="-1" strike="noStrike">
                 <a:solidFill>
                   <a:srgbClr val="000000"/>
@@ -638,7 +638,7 @@
         <p:spPr>
           <a:xfrm>
             <a:off x="533520" y="763560"/>
-            <a:ext cx="6694200" cy="3762360"/>
+            <a:ext cx="6693840" cy="3762000"/>
           </a:xfrm>
           <a:prstGeom prst="rect">
             <a:avLst/>
@@ -661,7 +661,7 @@
         <p:spPr>
           <a:xfrm>
             <a:off x="777240" y="4777560"/>
-            <a:ext cx="6207840" cy="4516200"/>
+            <a:ext cx="6207480" cy="4515840"/>
           </a:xfrm>
           <a:prstGeom prst="rect">
             <a:avLst/>
@@ -691,7 +691,7 @@
         <p:spPr>
           <a:xfrm>
             <a:off x="4399200" y="9555480"/>
-            <a:ext cx="3363120" cy="492840"/>
+            <a:ext cx="3362760" cy="492480"/>
           </a:xfrm>
           <a:prstGeom prst="rect">
             <a:avLst/>
@@ -718,7 +718,7 @@
               </a:lnSpc>
               <a:buNone/>
             </a:pPr>
-            <a:fld id="{DC2DA9B8-23D1-467C-B837-865DA69C2445}" type="slidenum">
+            <a:fld id="{30CE22DA-FAB7-4EC1-BDCD-4CD41573B01E}" type="slidenum">
               <a:rPr b="0" lang="de-DE" sz="1800" spc="-1" strike="noStrike">
                 <a:solidFill>
                   <a:srgbClr val="000000"/>
@@ -3820,7 +3820,7 @@
         <p:spPr>
           <a:xfrm>
             <a:off x="11444760" y="0"/>
-            <a:ext cx="742680" cy="6851520"/>
+            <a:ext cx="742320" cy="6851160"/>
           </a:xfrm>
           <a:prstGeom prst="rect">
             <a:avLst/>
@@ -3850,7 +3850,7 @@
         <p:spPr>
           <a:xfrm>
             <a:off x="11438640" y="6453360"/>
-            <a:ext cx="759600" cy="363960"/>
+            <a:ext cx="759240" cy="363960"/>
           </a:xfrm>
           <a:prstGeom prst="rect">
             <a:avLst/>
@@ -3877,7 +3877,7 @@
               </a:lnSpc>
               <a:buNone/>
             </a:pPr>
-            <a:fld id="{843562F9-3174-4CEC-9002-22B1BA5F7BFA}" type="slidenum">
+            <a:fld id="{D7A18A1E-B39E-4802-828B-D3FE0AC84449}" type="slidenum">
               <a:rPr b="0" lang="en-US" sz="1800" spc="-1" strike="noStrike">
                 <a:solidFill>
                   <a:srgbClr val="808080"/>
@@ -3902,7 +3902,7 @@
         <p:spPr>
           <a:xfrm>
             <a:off x="912240" y="1268280"/>
-            <a:ext cx="9209520" cy="362880"/>
+            <a:ext cx="9209160" cy="362520"/>
           </a:xfrm>
           <a:prstGeom prst="rect">
             <a:avLst/>
@@ -3932,7 +3932,7 @@
         <p:spPr>
           <a:xfrm>
             <a:off x="0" y="0"/>
-            <a:ext cx="3053520" cy="563400"/>
+            <a:ext cx="3053160" cy="563040"/>
           </a:xfrm>
           <a:prstGeom prst="rect">
             <a:avLst/>
@@ -3955,7 +3955,7 @@
         <p:spPr>
           <a:xfrm>
             <a:off x="7430400" y="134640"/>
-            <a:ext cx="3699360" cy="515520"/>
+            <a:ext cx="3699000" cy="515160"/>
           </a:xfrm>
           <a:prstGeom prst="rect">
             <a:avLst/>
@@ -3974,7 +3974,7 @@
         <p:spPr>
           <a:xfrm>
             <a:off x="912240" y="1268280"/>
-            <a:ext cx="9209520" cy="362880"/>
+            <a:ext cx="9209160" cy="362520"/>
           </a:xfrm>
           <a:prstGeom prst="rect">
             <a:avLst/>
@@ -4000,7 +4000,7 @@
         <p:spPr>
           <a:xfrm>
             <a:off x="11444760" y="0"/>
-            <a:ext cx="742680" cy="6851520"/>
+            <a:ext cx="742320" cy="6851160"/>
           </a:xfrm>
           <a:prstGeom prst="rect">
             <a:avLst/>
@@ -4030,7 +4030,7 @@
         <p:spPr>
           <a:xfrm>
             <a:off x="0" y="6642720"/>
-            <a:ext cx="12185640" cy="211320"/>
+            <a:ext cx="12185280" cy="211320"/>
           </a:xfrm>
           <a:prstGeom prst="rect">
             <a:avLst/>
@@ -4372,7 +4372,7 @@
         <p:spPr>
           <a:xfrm>
             <a:off x="11444760" y="0"/>
-            <a:ext cx="742680" cy="6851520"/>
+            <a:ext cx="742320" cy="6851160"/>
           </a:xfrm>
           <a:prstGeom prst="rect">
             <a:avLst/>
@@ -4402,7 +4402,7 @@
         <p:spPr>
           <a:xfrm>
             <a:off x="11438640" y="6453360"/>
-            <a:ext cx="759600" cy="363960"/>
+            <a:ext cx="759240" cy="363960"/>
           </a:xfrm>
           <a:prstGeom prst="rect">
             <a:avLst/>
@@ -4429,7 +4429,7 @@
               </a:lnSpc>
               <a:buNone/>
             </a:pPr>
-            <a:fld id="{AA6A6B75-9D91-4367-B778-3809F31A862A}" type="slidenum">
+            <a:fld id="{C10FDF81-6717-4929-A3D7-9D2ED5602F94}" type="slidenum">
               <a:rPr b="0" lang="en-US" sz="1800" spc="-1" strike="noStrike">
                 <a:solidFill>
                   <a:srgbClr val="808080"/>
@@ -4454,7 +4454,7 @@
         <p:spPr>
           <a:xfrm>
             <a:off x="912240" y="1268280"/>
-            <a:ext cx="9209520" cy="362880"/>
+            <a:ext cx="9209160" cy="362520"/>
           </a:xfrm>
           <a:prstGeom prst="rect">
             <a:avLst/>
@@ -4484,7 +4484,7 @@
         <p:spPr>
           <a:xfrm>
             <a:off x="0" y="0"/>
-            <a:ext cx="3053520" cy="563400"/>
+            <a:ext cx="3053160" cy="563040"/>
           </a:xfrm>
           <a:prstGeom prst="rect">
             <a:avLst/>
@@ -4507,7 +4507,7 @@
         <p:spPr>
           <a:xfrm>
             <a:off x="7430400" y="134640"/>
-            <a:ext cx="3699360" cy="515520"/>
+            <a:ext cx="3699000" cy="515160"/>
           </a:xfrm>
           <a:prstGeom prst="rect">
             <a:avLst/>
@@ -4526,7 +4526,7 @@
         <p:spPr>
           <a:xfrm>
             <a:off x="11444760" y="0"/>
-            <a:ext cx="742680" cy="6851520"/>
+            <a:ext cx="742320" cy="6851160"/>
           </a:xfrm>
           <a:prstGeom prst="rect">
             <a:avLst/>
@@ -4556,7 +4556,7 @@
         <p:spPr>
           <a:xfrm>
             <a:off x="11438640" y="6453360"/>
-            <a:ext cx="759600" cy="363960"/>
+            <a:ext cx="759240" cy="363960"/>
           </a:xfrm>
           <a:prstGeom prst="rect">
             <a:avLst/>
@@ -4583,7 +4583,7 @@
               </a:lnSpc>
               <a:buNone/>
             </a:pPr>
-            <a:fld id="{9EFADB27-B42C-4939-8C00-6D1308574EEA}" type="slidenum">
+            <a:fld id="{752A2879-EC56-4B53-8C68-2EA881392C1A}" type="slidenum">
               <a:rPr b="0" lang="en-US" sz="1800" spc="-1" strike="noStrike">
                 <a:solidFill>
                   <a:srgbClr val="808080"/>
@@ -4608,7 +4608,7 @@
         <p:spPr>
           <a:xfrm>
             <a:off x="0" y="6642720"/>
-            <a:ext cx="12185640" cy="211320"/>
+            <a:ext cx="12185280" cy="211320"/>
           </a:xfrm>
           <a:prstGeom prst="rect">
             <a:avLst/>
@@ -4943,7 +4943,7 @@
         <p:spPr>
           <a:xfrm>
             <a:off x="527400" y="1412640"/>
-            <a:ext cx="10362600" cy="1149120"/>
+            <a:ext cx="10362240" cy="1148760"/>
           </a:xfrm>
           <a:prstGeom prst="rect">
             <a:avLst/>
@@ -4995,7 +4995,7 @@
         <p:spPr>
           <a:xfrm>
             <a:off x="527400" y="2852640"/>
-            <a:ext cx="10362600" cy="2369880"/>
+            <a:ext cx="10362240" cy="2369520"/>
           </a:xfrm>
           <a:prstGeom prst="rect">
             <a:avLst/>
@@ -5215,7 +5215,7 @@
         <p:spPr>
           <a:xfrm>
             <a:off x="335520" y="764640"/>
-            <a:ext cx="10746720" cy="497520"/>
+            <a:ext cx="10746360" cy="497160"/>
           </a:xfrm>
           <a:prstGeom prst="rect">
             <a:avLst/>
@@ -5278,7 +5278,7 @@
         <p:spPr>
           <a:xfrm>
             <a:off x="335520" y="2408400"/>
-            <a:ext cx="10746720" cy="3894480"/>
+            <a:ext cx="10746360" cy="3894120"/>
           </a:xfrm>
           <a:prstGeom prst="rect">
             <a:avLst/>
@@ -5455,7 +5455,7 @@
         <p:spPr>
           <a:xfrm>
             <a:off x="335520" y="764640"/>
-            <a:ext cx="10746720" cy="497520"/>
+            <a:ext cx="10746360" cy="497160"/>
           </a:xfrm>
           <a:prstGeom prst="rect">
             <a:avLst/>
@@ -5507,7 +5507,7 @@
         <p:spPr>
           <a:xfrm>
             <a:off x="335520" y="2408400"/>
-            <a:ext cx="10746720" cy="3894480"/>
+            <a:ext cx="10746360" cy="3894120"/>
           </a:xfrm>
           <a:prstGeom prst="rect">
             <a:avLst/>
@@ -5713,7 +5713,7 @@
         <p:spPr>
           <a:xfrm>
             <a:off x="335520" y="764640"/>
-            <a:ext cx="10746720" cy="497520"/>
+            <a:ext cx="10746360" cy="497160"/>
           </a:xfrm>
           <a:prstGeom prst="rect">
             <a:avLst/>
@@ -5776,7 +5776,7 @@
         <p:spPr>
           <a:xfrm>
             <a:off x="335520" y="2408400"/>
-            <a:ext cx="10746720" cy="3894480"/>
+            <a:ext cx="10746360" cy="3894120"/>
           </a:xfrm>
           <a:prstGeom prst="rect">
             <a:avLst/>
@@ -6011,7 +6011,7 @@
         <p:spPr>
           <a:xfrm>
             <a:off x="335520" y="764640"/>
-            <a:ext cx="10746720" cy="497520"/>
+            <a:ext cx="10746360" cy="497160"/>
           </a:xfrm>
           <a:prstGeom prst="rect">
             <a:avLst/>
@@ -6063,7 +6063,7 @@
         <p:spPr>
           <a:xfrm>
             <a:off x="335520" y="1268640"/>
-            <a:ext cx="10746720" cy="5034240"/>
+            <a:ext cx="10746360" cy="5033880"/>
           </a:xfrm>
           <a:prstGeom prst="rect">
             <a:avLst/>
@@ -6551,7 +6551,7 @@
         <p:spPr>
           <a:xfrm>
             <a:off x="335520" y="764640"/>
-            <a:ext cx="10746720" cy="497520"/>
+            <a:ext cx="10746360" cy="497160"/>
           </a:xfrm>
           <a:prstGeom prst="rect">
             <a:avLst/>
@@ -6603,7 +6603,7 @@
         <p:spPr>
           <a:xfrm>
             <a:off x="335520" y="1268640"/>
-            <a:ext cx="10746720" cy="5034240"/>
+            <a:ext cx="10746360" cy="5033880"/>
           </a:xfrm>
           <a:prstGeom prst="rect">
             <a:avLst/>
@@ -7174,7 +7174,7 @@
         <p:spPr>
           <a:xfrm>
             <a:off x="335520" y="764640"/>
-            <a:ext cx="10746720" cy="497520"/>
+            <a:ext cx="10746360" cy="497160"/>
           </a:xfrm>
           <a:prstGeom prst="rect">
             <a:avLst/>
@@ -7226,7 +7226,7 @@
         <p:spPr>
           <a:xfrm>
             <a:off x="335520" y="1268280"/>
-            <a:ext cx="10746720" cy="5034240"/>
+            <a:ext cx="10746360" cy="5033880"/>
           </a:xfrm>
           <a:prstGeom prst="rect">
             <a:avLst/>
@@ -7660,7 +7660,7 @@
         <p:spPr>
           <a:xfrm>
             <a:off x="335520" y="764640"/>
-            <a:ext cx="10745280" cy="496080"/>
+            <a:ext cx="10744920" cy="495720"/>
           </a:xfrm>
           <a:prstGeom prst="rect">
             <a:avLst/>
@@ -7734,7 +7734,7 @@
         <p:spPr>
           <a:xfrm>
             <a:off x="335520" y="1268640"/>
-            <a:ext cx="10745280" cy="5032800"/>
+            <a:ext cx="10744920" cy="5032440"/>
           </a:xfrm>
           <a:prstGeom prst="rect">
             <a:avLst/>
@@ -8281,7 +8281,7 @@
         <p:spPr>
           <a:xfrm>
             <a:off x="335520" y="764640"/>
-            <a:ext cx="10746720" cy="497520"/>
+            <a:ext cx="10746360" cy="497160"/>
           </a:xfrm>
           <a:prstGeom prst="rect">
             <a:avLst/>
@@ -8333,7 +8333,7 @@
         <p:spPr>
           <a:xfrm>
             <a:off x="335520" y="1268280"/>
-            <a:ext cx="10746720" cy="5034240"/>
+            <a:ext cx="10746360" cy="5033880"/>
           </a:xfrm>
           <a:prstGeom prst="rect">
             <a:avLst/>
@@ -8708,7 +8708,7 @@
         <p:spPr>
           <a:xfrm>
             <a:off x="335520" y="764640"/>
-            <a:ext cx="10746720" cy="497520"/>
+            <a:ext cx="10746360" cy="497160"/>
           </a:xfrm>
           <a:prstGeom prst="rect">
             <a:avLst/>
@@ -8760,7 +8760,7 @@
         <p:spPr>
           <a:xfrm>
             <a:off x="335520" y="1268280"/>
-            <a:ext cx="10746720" cy="5034240"/>
+            <a:ext cx="10746360" cy="5033880"/>
           </a:xfrm>
           <a:prstGeom prst="rect">
             <a:avLst/>
@@ -8992,7 +8992,7 @@
         <p:spPr>
           <a:xfrm>
             <a:off x="335520" y="764640"/>
-            <a:ext cx="10746720" cy="497520"/>
+            <a:ext cx="10746360" cy="497160"/>
           </a:xfrm>
           <a:prstGeom prst="rect">
             <a:avLst/>
@@ -9044,7 +9044,7 @@
         <p:spPr>
           <a:xfrm>
             <a:off x="335520" y="1268640"/>
-            <a:ext cx="10746720" cy="5034240"/>
+            <a:ext cx="10746360" cy="5033880"/>
           </a:xfrm>
           <a:prstGeom prst="rect">
             <a:avLst/>
@@ -9260,7 +9260,7 @@
         <p:spPr>
           <a:xfrm>
             <a:off x="4655880" y="476640"/>
-            <a:ext cx="2432880" cy="358920"/>
+            <a:ext cx="2432520" cy="358560"/>
           </a:xfrm>
           <a:prstGeom prst="rect">
             <a:avLst/>
@@ -9316,7 +9316,7 @@
         <p:spPr>
           <a:xfrm>
             <a:off x="335520" y="764640"/>
-            <a:ext cx="10744560" cy="495360"/>
+            <a:ext cx="10744200" cy="495000"/>
           </a:xfrm>
           <a:prstGeom prst="rect">
             <a:avLst/>
@@ -9368,7 +9368,7 @@
         <p:spPr>
           <a:xfrm>
             <a:off x="335520" y="1268640"/>
-            <a:ext cx="10744560" cy="5032080"/>
+            <a:ext cx="10744200" cy="5031720"/>
           </a:xfrm>
           <a:prstGeom prst="rect">
             <a:avLst/>
@@ -9427,7 +9427,7 @@
         <p:spPr>
           <a:xfrm>
             <a:off x="336600" y="3429000"/>
-            <a:ext cx="10862280" cy="2054160"/>
+            <a:ext cx="10861920" cy="2053800"/>
           </a:xfrm>
           <a:prstGeom prst="rect">
             <a:avLst/>
@@ -9616,7 +9616,7 @@
         <p:spPr>
           <a:xfrm>
             <a:off x="335520" y="764640"/>
-            <a:ext cx="10746720" cy="497520"/>
+            <a:ext cx="10746360" cy="497160"/>
           </a:xfrm>
           <a:prstGeom prst="rect">
             <a:avLst/>
@@ -9668,7 +9668,7 @@
         <p:spPr>
           <a:xfrm>
             <a:off x="335520" y="1268640"/>
-            <a:ext cx="10746720" cy="5034240"/>
+            <a:ext cx="10746360" cy="5033880"/>
           </a:xfrm>
           <a:prstGeom prst="rect">
             <a:avLst/>
@@ -9786,7 +9786,7 @@
         <p:spPr>
           <a:xfrm>
             <a:off x="4655880" y="476640"/>
-            <a:ext cx="2432880" cy="358920"/>
+            <a:ext cx="2432520" cy="358560"/>
           </a:xfrm>
           <a:prstGeom prst="rect">
             <a:avLst/>
@@ -9842,7 +9842,7 @@
         <p:spPr>
           <a:xfrm>
             <a:off x="335520" y="840960"/>
-            <a:ext cx="10746720" cy="497520"/>
+            <a:ext cx="10746360" cy="497160"/>
           </a:xfrm>
           <a:prstGeom prst="rect">
             <a:avLst/>
@@ -9894,7 +9894,7 @@
         <p:spPr>
           <a:xfrm>
             <a:off x="388800" y="1488600"/>
-            <a:ext cx="10725120" cy="5204520"/>
+            <a:ext cx="10724760" cy="5204520"/>
           </a:xfrm>
           <a:prstGeom prst="rect">
             <a:avLst/>
@@ -9983,6 +9983,17 @@
             </a:endParaRPr>
           </a:p>
           <a:p>
+            <a:pPr>
+              <a:lnSpc>
+                <a:spcPct val="100000"/>
+              </a:lnSpc>
+              <a:buNone/>
+            </a:pPr>
+            <a:endParaRPr b="0" lang="en-US" sz="1400" spc="-1" strike="noStrike">
+              <a:latin typeface="DejaVu Sans"/>
+            </a:endParaRPr>
+          </a:p>
+          <a:p>
             <a:pPr marL="216000" indent="-216000">
               <a:lnSpc>
                 <a:spcPct val="100000"/>
@@ -9994,6 +10005,37 @@
               <a:buFont typeface="Wingdings 2" charset="2"/>
               <a:buChar char=""/>
             </a:pPr>
+            <a:r>
+              <a:rPr b="0" lang="de-DE" sz="1400" spc="-1" strike="noStrike">
+                <a:solidFill>
+                  <a:srgbClr val="000000"/>
+                </a:solidFill>
+                <a:latin typeface="DejaVu Sans"/>
+                <a:ea typeface="Arial"/>
+              </a:rPr>
+              <a:t>The second knowledge test will be available on ILIAS from </a:t>
+            </a:r>
+            <a:r>
+              <a:rPr b="1" lang="de-DE" sz="1400" spc="-1" strike="noStrike">
+                <a:solidFill>
+                  <a:srgbClr val="000000"/>
+                </a:solidFill>
+                <a:latin typeface="DejaVu Sans"/>
+                <a:ea typeface="Arial"/>
+              </a:rPr>
+              <a:t>Wednesday, 27 April 2022, 5:00 PM until 04 May 2022 01:59 PM</a:t>
+            </a:r>
+            <a:endParaRPr b="0" lang="en-US" sz="1400" spc="-1" strike="noStrike">
+              <a:latin typeface="DejaVu Sans"/>
+            </a:endParaRPr>
+          </a:p>
+          <a:p>
+            <a:pPr>
+              <a:lnSpc>
+                <a:spcPct val="100000"/>
+              </a:lnSpc>
+              <a:buNone/>
+            </a:pPr>
             <a:endParaRPr b="0" lang="en-US" sz="1400" spc="-1" strike="noStrike">
               <a:latin typeface="DejaVu Sans"/>
             </a:endParaRPr>
@@ -10011,24 +10053,14 @@
               <a:buChar char=""/>
             </a:pPr>
             <a:r>
-              <a:rPr b="0" lang="de-DE" sz="1400" spc="-1" strike="noStrike">
-                <a:solidFill>
-                  <a:srgbClr val="000000"/>
-                </a:solidFill>
-                <a:latin typeface="DejaVu Sans"/>
-                <a:ea typeface="Arial"/>
-              </a:rPr>
-              <a:t>The second knowledge test will be available on ILIAS from </a:t>
-            </a:r>
-            <a:r>
               <a:rPr b="1" lang="de-DE" sz="1400" spc="-1" strike="noStrike">
                 <a:solidFill>
                   <a:srgbClr val="000000"/>
                 </a:solidFill>
                 <a:latin typeface="DejaVu Sans"/>
-                <a:ea typeface="Arial"/>
-              </a:rPr>
-              <a:t>Wednesday, 27 April 2022, 5:00 PM until 04 May 2022 01:59 PM</a:t>
+                <a:ea typeface="Arial Unicode MS"/>
+              </a:rPr>
+              <a:t>Goal of the test:</a:t>
             </a:r>
             <a:endParaRPr b="0" lang="en-US" sz="1400" spc="-1" strike="noStrike">
               <a:latin typeface="DejaVu Sans"/>
@@ -10046,6 +10078,27 @@
               <a:buFont typeface="Wingdings 2" charset="2"/>
               <a:buChar char=""/>
             </a:pPr>
+            <a:r>
+              <a:rPr b="0" lang="de-DE" sz="1400" spc="-1" strike="noStrike">
+                <a:solidFill>
+                  <a:srgbClr val="000000"/>
+                </a:solidFill>
+                <a:latin typeface="DejaVu Sans"/>
+                <a:ea typeface="Arial Unicode MS"/>
+              </a:rPr>
+              <a:t>To check the knowledge level of the student that is relevant to this course of study.</a:t>
+            </a:r>
+            <a:endParaRPr b="0" lang="en-US" sz="1400" spc="-1" strike="noStrike">
+              <a:latin typeface="DejaVu Sans"/>
+            </a:endParaRPr>
+          </a:p>
+          <a:p>
+            <a:pPr>
+              <a:lnSpc>
+                <a:spcPct val="100000"/>
+              </a:lnSpc>
+              <a:buNone/>
+            </a:pPr>
             <a:endParaRPr b="0" lang="en-US" sz="1400" spc="-1" strike="noStrike">
               <a:latin typeface="DejaVu Sans"/>
             </a:endParaRPr>
@@ -10070,7 +10123,7 @@
                 <a:latin typeface="DejaVu Sans"/>
                 <a:ea typeface="Arial Unicode MS"/>
               </a:rPr>
-              <a:t>Goal of the test:</a:t>
+              <a:t>Preparation:</a:t>
             </a:r>
             <a:endParaRPr b="0" lang="en-US" sz="1400" spc="-1" strike="noStrike">
               <a:latin typeface="DejaVu Sans"/>
@@ -10096,7 +10149,7 @@
                 <a:latin typeface="DejaVu Sans"/>
                 <a:ea typeface="Arial Unicode MS"/>
               </a:rPr>
-              <a:t>To check the knowledge level of the student that is relevant to this course of study.</a:t>
+              <a:t>A review of basic concepts of Cryptography and Circular Economy is recommended for Week 1 and Week 2 respectively</a:t>
             </a:r>
             <a:endParaRPr b="0" lang="en-US" sz="1400" spc="-1" strike="noStrike">
               <a:latin typeface="DejaVu Sans"/>
@@ -10114,99 +10167,26 @@
               <a:buFont typeface="Wingdings 2" charset="2"/>
               <a:buChar char=""/>
             </a:pPr>
+            <a:r>
+              <a:rPr b="0" lang="de-DE" sz="1400" spc="-1" strike="noStrike">
+                <a:solidFill>
+                  <a:srgbClr val="000000"/>
+                </a:solidFill>
+                <a:latin typeface="DejaVu Sans"/>
+                <a:ea typeface="Arial Unicode MS"/>
+              </a:rPr>
+              <a:t>Knowledge quiz for Week 1 only tests your existing knowledge.</a:t>
+            </a:r>
             <a:endParaRPr b="0" lang="en-US" sz="1400" spc="-1" strike="noStrike">
               <a:latin typeface="DejaVu Sans"/>
             </a:endParaRPr>
           </a:p>
           <a:p>
-            <a:pPr marL="216000" indent="-216000">
-              <a:lnSpc>
-                <a:spcPct val="100000"/>
-              </a:lnSpc>
-              <a:buClr>
-                <a:srgbClr val="008c4f"/>
-              </a:buClr>
-              <a:buSzPct val="115000"/>
-              <a:buFont typeface="Wingdings 2" charset="2"/>
-              <a:buChar char=""/>
-            </a:pPr>
-            <a:r>
-              <a:rPr b="1" lang="de-DE" sz="1400" spc="-1" strike="noStrike">
-                <a:solidFill>
-                  <a:srgbClr val="000000"/>
-                </a:solidFill>
-                <a:latin typeface="DejaVu Sans"/>
-                <a:ea typeface="Arial Unicode MS"/>
-              </a:rPr>
-              <a:t>Preparation:</a:t>
-            </a:r>
-            <a:endParaRPr b="0" lang="en-US" sz="1400" spc="-1" strike="noStrike">
-              <a:latin typeface="DejaVu Sans"/>
-            </a:endParaRPr>
-          </a:p>
-          <a:p>
-            <a:pPr marL="216000" indent="-216000">
-              <a:lnSpc>
-                <a:spcPct val="100000"/>
-              </a:lnSpc>
-              <a:buClr>
-                <a:srgbClr val="008c4f"/>
-              </a:buClr>
-              <a:buSzPct val="115000"/>
-              <a:buFont typeface="Wingdings 2" charset="2"/>
-              <a:buChar char=""/>
-            </a:pPr>
-            <a:r>
-              <a:rPr b="0" lang="de-DE" sz="1400" spc="-1" strike="noStrike">
-                <a:solidFill>
-                  <a:srgbClr val="000000"/>
-                </a:solidFill>
-                <a:latin typeface="DejaVu Sans"/>
-                <a:ea typeface="Arial Unicode MS"/>
-              </a:rPr>
-              <a:t>A review of basic concepts of Cryptography and Circular Economy is recommended for Week 1 and Week 2 respectively</a:t>
-            </a:r>
-            <a:endParaRPr b="0" lang="en-US" sz="1400" spc="-1" strike="noStrike">
-              <a:latin typeface="DejaVu Sans"/>
-            </a:endParaRPr>
-          </a:p>
-          <a:p>
-            <a:pPr marL="216000" indent="-216000">
-              <a:lnSpc>
-                <a:spcPct val="100000"/>
-              </a:lnSpc>
-              <a:buClr>
-                <a:srgbClr val="008c4f"/>
-              </a:buClr>
-              <a:buSzPct val="115000"/>
-              <a:buFont typeface="Wingdings 2" charset="2"/>
-              <a:buChar char=""/>
-            </a:pPr>
-            <a:r>
-              <a:rPr b="0" lang="de-DE" sz="1400" spc="-1" strike="noStrike">
-                <a:solidFill>
-                  <a:srgbClr val="000000"/>
-                </a:solidFill>
-                <a:latin typeface="DejaVu Sans"/>
-                <a:ea typeface="Arial Unicode MS"/>
-              </a:rPr>
-              <a:t>Knowledge quiz for Week 1 only tests your existing knowledge.</a:t>
-            </a:r>
-            <a:endParaRPr b="0" lang="en-US" sz="1400" spc="-1" strike="noStrike">
-              <a:latin typeface="DejaVu Sans"/>
-            </a:endParaRPr>
-          </a:p>
-          <a:p>
-            <a:pPr marL="216000" indent="-216000">
-              <a:lnSpc>
-                <a:spcPct val="100000"/>
-              </a:lnSpc>
-              <a:buClr>
-                <a:srgbClr val="008c4f"/>
-              </a:buClr>
-              <a:buSzPct val="115000"/>
-              <a:buFont typeface="Wingdings 2" charset="2"/>
-              <a:buChar char=""/>
+            <a:pPr>
+              <a:lnSpc>
+                <a:spcPct val="100000"/>
+              </a:lnSpc>
+              <a:buNone/>
             </a:pPr>
             <a:endParaRPr b="0" lang="en-US" sz="1400" spc="-1" strike="noStrike">
               <a:latin typeface="DejaVu Sans"/>
@@ -10529,7 +10509,7 @@
         <p:spPr>
           <a:xfrm>
             <a:off x="335520" y="764640"/>
-            <a:ext cx="10746720" cy="497520"/>
+            <a:ext cx="10746360" cy="497160"/>
           </a:xfrm>
           <a:prstGeom prst="rect">
             <a:avLst/>
@@ -10581,7 +10561,7 @@
         <p:spPr>
           <a:xfrm>
             <a:off x="4655880" y="476640"/>
-            <a:ext cx="2432880" cy="358920"/>
+            <a:ext cx="2432520" cy="358560"/>
           </a:xfrm>
           <a:prstGeom prst="rect">
             <a:avLst/>
@@ -10607,7 +10587,7 @@
         <p:spPr>
           <a:xfrm>
             <a:off x="494640" y="1523880"/>
-            <a:ext cx="10365480" cy="480600"/>
+            <a:ext cx="10365120" cy="480240"/>
           </a:xfrm>
           <a:prstGeom prst="rect">
             <a:avLst/>
@@ -10658,13 +10638,13 @@
         </p:nvPicPr>
         <p:blipFill>
           <a:blip r:embed="rId1"/>
-          <a:srcRect l="0" t="0" r="0" b="43311"/>
+          <a:srcRect l="0" t="0" r="0" b="43307"/>
           <a:stretch/>
         </p:blipFill>
         <p:spPr>
           <a:xfrm>
             <a:off x="609120" y="2057760"/>
-            <a:ext cx="9518040" cy="3882240"/>
+            <a:ext cx="9517680" cy="3881880"/>
           </a:xfrm>
           <a:prstGeom prst="rect">
             <a:avLst/>
@@ -10713,7 +10693,7 @@
         <p:spPr>
           <a:xfrm>
             <a:off x="335520" y="764640"/>
-            <a:ext cx="10746720" cy="497520"/>
+            <a:ext cx="10746360" cy="497160"/>
           </a:xfrm>
           <a:prstGeom prst="rect">
             <a:avLst/>
@@ -10765,7 +10745,7 @@
         <p:spPr>
           <a:xfrm>
             <a:off x="4655880" y="476640"/>
-            <a:ext cx="2432880" cy="358920"/>
+            <a:ext cx="2432520" cy="358560"/>
           </a:xfrm>
           <a:prstGeom prst="rect">
             <a:avLst/>
@@ -10791,7 +10771,7 @@
         <p:spPr>
           <a:xfrm>
             <a:off x="494640" y="1474920"/>
-            <a:ext cx="10365480" cy="480600"/>
+            <a:ext cx="10365120" cy="480240"/>
           </a:xfrm>
           <a:prstGeom prst="rect">
             <a:avLst/>
@@ -10858,7 +10838,7 @@
         <p:spPr>
           <a:xfrm>
             <a:off x="446400" y="2185200"/>
-            <a:ext cx="9405360" cy="3848400"/>
+            <a:ext cx="9405000" cy="3848040"/>
           </a:xfrm>
           <a:prstGeom prst="rect">
             <a:avLst/>
@@ -10907,7 +10887,7 @@
         <p:spPr>
           <a:xfrm>
             <a:off x="335520" y="764640"/>
-            <a:ext cx="10746720" cy="497520"/>
+            <a:ext cx="10746360" cy="497160"/>
           </a:xfrm>
           <a:prstGeom prst="rect">
             <a:avLst/>
@@ -10959,7 +10939,7 @@
         <p:spPr>
           <a:xfrm>
             <a:off x="4655880" y="476640"/>
-            <a:ext cx="2432880" cy="358920"/>
+            <a:ext cx="2432520" cy="358560"/>
           </a:xfrm>
           <a:prstGeom prst="rect">
             <a:avLst/>
@@ -10985,7 +10965,7 @@
         <p:spPr>
           <a:xfrm>
             <a:off x="494640" y="1523880"/>
-            <a:ext cx="10365480" cy="480600"/>
+            <a:ext cx="10365120" cy="480240"/>
           </a:xfrm>
           <a:prstGeom prst="rect">
             <a:avLst/>
@@ -11042,7 +11022,7 @@
         <p:spPr>
           <a:xfrm>
             <a:off x="494640" y="2088360"/>
-            <a:ext cx="8943120" cy="3964680"/>
+            <a:ext cx="8942760" cy="3964320"/>
           </a:xfrm>
           <a:prstGeom prst="rect">
             <a:avLst/>
@@ -11091,7 +11071,7 @@
         <p:spPr>
           <a:xfrm>
             <a:off x="335520" y="764640"/>
-            <a:ext cx="10746720" cy="497520"/>
+            <a:ext cx="10746360" cy="497160"/>
           </a:xfrm>
           <a:prstGeom prst="rect">
             <a:avLst/>
@@ -11143,7 +11123,7 @@
         <p:spPr>
           <a:xfrm>
             <a:off x="4655880" y="476640"/>
-            <a:ext cx="2432880" cy="358920"/>
+            <a:ext cx="2432520" cy="358560"/>
           </a:xfrm>
           <a:prstGeom prst="rect">
             <a:avLst/>
@@ -11169,7 +11149,7 @@
         <p:spPr>
           <a:xfrm>
             <a:off x="494640" y="1523880"/>
-            <a:ext cx="10365480" cy="480600"/>
+            <a:ext cx="10365120" cy="480240"/>
           </a:xfrm>
           <a:prstGeom prst="rect">
             <a:avLst/>
@@ -11226,7 +11206,7 @@
         <p:spPr>
           <a:xfrm>
             <a:off x="494640" y="2166840"/>
-            <a:ext cx="8338680" cy="4179960"/>
+            <a:ext cx="8338320" cy="4179600"/>
           </a:xfrm>
           <a:prstGeom prst="rect">
             <a:avLst/>
@@ -11275,7 +11255,7 @@
         <p:spPr>
           <a:xfrm>
             <a:off x="335520" y="768240"/>
-            <a:ext cx="10746720" cy="497520"/>
+            <a:ext cx="10746360" cy="497160"/>
           </a:xfrm>
           <a:prstGeom prst="rect">
             <a:avLst/>
@@ -11327,7 +11307,7 @@
         <p:spPr>
           <a:xfrm>
             <a:off x="388800" y="1488600"/>
-            <a:ext cx="10720440" cy="5204520"/>
+            <a:ext cx="10720080" cy="5204520"/>
           </a:xfrm>
           <a:prstGeom prst="rect">
             <a:avLst/>
@@ -11942,7 +11922,7 @@
         <p:spPr>
           <a:xfrm>
             <a:off x="335520" y="764640"/>
-            <a:ext cx="10746720" cy="497520"/>
+            <a:ext cx="10746360" cy="497160"/>
           </a:xfrm>
           <a:prstGeom prst="rect">
             <a:avLst/>
@@ -11994,7 +11974,7 @@
         <p:spPr>
           <a:xfrm>
             <a:off x="494640" y="1523880"/>
-            <a:ext cx="10365480" cy="480600"/>
+            <a:ext cx="10365120" cy="480240"/>
           </a:xfrm>
           <a:prstGeom prst="rect">
             <a:avLst/>
@@ -12085,7 +12065,7 @@
         <p:spPr>
           <a:xfrm>
             <a:off x="1895760" y="2238840"/>
-            <a:ext cx="6787800" cy="4158720"/>
+            <a:ext cx="6787440" cy="4158360"/>
           </a:xfrm>
           <a:prstGeom prst="rect">
             <a:avLst/>
@@ -12134,7 +12114,7 @@
         <p:spPr>
           <a:xfrm>
             <a:off x="335520" y="764640"/>
-            <a:ext cx="10746720" cy="497520"/>
+            <a:ext cx="10746360" cy="497160"/>
           </a:xfrm>
           <a:prstGeom prst="rect">
             <a:avLst/>
@@ -12186,7 +12166,7 @@
         <p:spPr>
           <a:xfrm>
             <a:off x="494640" y="1488600"/>
-            <a:ext cx="5448240" cy="445320"/>
+            <a:ext cx="5447880" cy="444960"/>
           </a:xfrm>
           <a:prstGeom prst="rect">
             <a:avLst/>
@@ -12253,7 +12233,7 @@
         <p:spPr>
           <a:xfrm>
             <a:off x="1828800" y="1937160"/>
-            <a:ext cx="7955280" cy="4089600"/>
+            <a:ext cx="7954920" cy="4089240"/>
           </a:xfrm>
           <a:prstGeom prst="rect">
             <a:avLst/>
@@ -12302,7 +12282,7 @@
         <p:spPr>
           <a:xfrm>
             <a:off x="335520" y="764640"/>
-            <a:ext cx="10746720" cy="497520"/>
+            <a:ext cx="10746360" cy="497160"/>
           </a:xfrm>
           <a:prstGeom prst="rect">
             <a:avLst/>
@@ -12358,7 +12338,7 @@
         <p:spPr>
           <a:xfrm>
             <a:off x="2679480" y="2130480"/>
-            <a:ext cx="7375680" cy="3486600"/>
+            <a:ext cx="7375320" cy="3486240"/>
           </a:xfrm>
           <a:prstGeom prst="rect">
             <a:avLst/>
@@ -12377,7 +12357,7 @@
         <p:spPr>
           <a:xfrm>
             <a:off x="494640" y="1418040"/>
-            <a:ext cx="5219640" cy="445320"/>
+            <a:ext cx="5219280" cy="444960"/>
           </a:xfrm>
           <a:prstGeom prst="rect">
             <a:avLst/>
@@ -12459,7 +12439,7 @@
         <p:spPr>
           <a:xfrm>
             <a:off x="335520" y="764640"/>
-            <a:ext cx="10746720" cy="497520"/>
+            <a:ext cx="10746360" cy="497160"/>
           </a:xfrm>
           <a:prstGeom prst="rect">
             <a:avLst/>
@@ -12515,7 +12495,7 @@
         <p:spPr>
           <a:xfrm>
             <a:off x="2394720" y="1153800"/>
-            <a:ext cx="1469520" cy="2170800"/>
+            <a:ext cx="1469160" cy="2170440"/>
           </a:xfrm>
           <a:prstGeom prst="rect">
             <a:avLst/>
@@ -12538,7 +12518,7 @@
         <p:spPr>
           <a:xfrm>
             <a:off x="7250040" y="1153800"/>
-            <a:ext cx="1734840" cy="2170800"/>
+            <a:ext cx="1734480" cy="2170440"/>
           </a:xfrm>
           <a:prstGeom prst="rect">
             <a:avLst/>
@@ -12561,7 +12541,7 @@
         <p:spPr>
           <a:xfrm>
             <a:off x="4846320" y="4206240"/>
-            <a:ext cx="1783440" cy="1775520"/>
+            <a:ext cx="1783080" cy="1775160"/>
           </a:xfrm>
           <a:prstGeom prst="rect">
             <a:avLst/>
@@ -12580,7 +12560,7 @@
         <p:spPr>
           <a:xfrm>
             <a:off x="1330200" y="3269880"/>
-            <a:ext cx="3634200" cy="675720"/>
+            <a:ext cx="3633840" cy="675360"/>
           </a:xfrm>
           <a:prstGeom prst="rect">
             <a:avLst/>
@@ -12659,7 +12639,7 @@
         <p:spPr>
           <a:xfrm>
             <a:off x="6321600" y="3269880"/>
-            <a:ext cx="3634200" cy="675720"/>
+            <a:ext cx="3633840" cy="675360"/>
           </a:xfrm>
           <a:prstGeom prst="rect">
             <a:avLst/>
@@ -12738,7 +12718,7 @@
         <p:spPr>
           <a:xfrm>
             <a:off x="1312200" y="5920200"/>
-            <a:ext cx="3634200" cy="675720"/>
+            <a:ext cx="3633840" cy="675360"/>
           </a:xfrm>
           <a:prstGeom prst="rect">
             <a:avLst/>
@@ -12797,7 +12777,7 @@
         <p:spPr>
           <a:xfrm>
             <a:off x="3950640" y="5903280"/>
-            <a:ext cx="3634200" cy="675720"/>
+            <a:ext cx="3633840" cy="675360"/>
           </a:xfrm>
           <a:prstGeom prst="rect">
             <a:avLst/>
@@ -12910,7 +12890,7 @@
         <p:spPr>
           <a:xfrm>
             <a:off x="685800" y="2514600"/>
-            <a:ext cx="8873640" cy="3840120"/>
+            <a:ext cx="8873280" cy="3839760"/>
           </a:xfrm>
           <a:prstGeom prst="rect">
             <a:avLst/>
@@ -12929,7 +12909,7 @@
         <p:spPr>
           <a:xfrm>
             <a:off x="335520" y="764640"/>
-            <a:ext cx="10746720" cy="497520"/>
+            <a:ext cx="10746360" cy="497160"/>
           </a:xfrm>
           <a:prstGeom prst="rect">
             <a:avLst/>
@@ -12981,7 +12961,7 @@
         <p:spPr>
           <a:xfrm>
             <a:off x="494640" y="1312200"/>
-            <a:ext cx="1736640" cy="367920"/>
+            <a:ext cx="1736280" cy="367560"/>
           </a:xfrm>
           <a:prstGeom prst="rect">
             <a:avLst/>
@@ -13160,7 +13140,7 @@
         <p:spPr>
           <a:xfrm>
             <a:off x="642600" y="1679400"/>
-            <a:ext cx="4403520" cy="638280"/>
+            <a:ext cx="4403160" cy="638280"/>
           </a:xfrm>
           <a:prstGeom prst="rect">
             <a:avLst/>
@@ -13233,7 +13213,7 @@
         <p:spPr>
           <a:xfrm>
             <a:off x="6549480" y="1679400"/>
-            <a:ext cx="4877280" cy="633960"/>
+            <a:ext cx="4876920" cy="633600"/>
           </a:xfrm>
           <a:prstGeom prst="rect">
             <a:avLst/>
@@ -13306,7 +13286,7 @@
         <p:spPr>
           <a:xfrm>
             <a:off x="7839360" y="1679400"/>
-            <a:ext cx="2618640" cy="431280"/>
+            <a:ext cx="2618280" cy="430920"/>
           </a:xfrm>
           <a:prstGeom prst="rect">
             <a:avLst/>
@@ -13359,7 +13339,7 @@
         <p:spPr>
           <a:xfrm>
             <a:off x="8857440" y="3943440"/>
-            <a:ext cx="283320" cy="363960"/>
+            <a:ext cx="282960" cy="363960"/>
           </a:xfrm>
           <a:prstGeom prst="rect">
             <a:avLst/>
@@ -13411,7 +13391,7 @@
         <p:spPr>
           <a:xfrm>
             <a:off x="9537840" y="4548960"/>
-            <a:ext cx="283320" cy="363960"/>
+            <a:ext cx="282960" cy="363960"/>
           </a:xfrm>
           <a:prstGeom prst="rect">
             <a:avLst/>
@@ -13463,7 +13443,7 @@
         <p:spPr>
           <a:xfrm>
             <a:off x="7279920" y="6101280"/>
-            <a:ext cx="283680" cy="363960"/>
+            <a:ext cx="283320" cy="363960"/>
           </a:xfrm>
           <a:prstGeom prst="rect">
             <a:avLst/>
@@ -13550,7 +13530,7 @@
         <p:spPr>
           <a:xfrm>
             <a:off x="1058760" y="6130800"/>
-            <a:ext cx="283680" cy="363960"/>
+            <a:ext cx="283320" cy="363960"/>
           </a:xfrm>
           <a:prstGeom prst="rect">
             <a:avLst/>
@@ -13632,7 +13612,7 @@
         <p:spPr>
           <a:xfrm>
             <a:off x="335520" y="764640"/>
-            <a:ext cx="10746720" cy="497520"/>
+            <a:ext cx="10746360" cy="497160"/>
           </a:xfrm>
           <a:prstGeom prst="rect">
             <a:avLst/>
@@ -13684,7 +13664,7 @@
         <p:spPr>
           <a:xfrm>
             <a:off x="335520" y="1268640"/>
-            <a:ext cx="10746720" cy="5034240"/>
+            <a:ext cx="10746360" cy="5033880"/>
           </a:xfrm>
           <a:prstGeom prst="rect">
             <a:avLst/>
@@ -13705,7 +13685,7 @@
             <a:noAutofit/>
           </a:bodyPr>
           <a:p>
-            <a:pPr marL="195120" indent="-191880">
+            <a:pPr marL="216000" indent="-216000">
               <a:lnSpc>
                 <a:spcPct val="100000"/>
               </a:lnSpc>
@@ -13716,8 +13696,8 @@
                 <a:srgbClr val="008c4f"/>
               </a:buClr>
               <a:buSzPct val="115000"/>
-              <a:buFont typeface="Wingdings" charset="2"/>
-              <a:buChar char=""/>
+              <a:buFont typeface="Wingdings 2" charset="2"/>
+              <a:buChar char=""/>
             </a:pPr>
             <a:r>
               <a:rPr b="0" lang="en-US" sz="1800" spc="-1" strike="noStrike">
@@ -13734,7 +13714,36 @@
             </a:endParaRPr>
           </a:p>
           <a:p>
-            <a:pPr lvl="1" marL="652320" indent="-191880">
+            <a:pPr lvl="1" marL="432000" indent="-216000">
+              <a:lnSpc>
+                <a:spcPct val="100000"/>
+              </a:lnSpc>
+              <a:spcBef>
+                <a:spcPts val="360"/>
+              </a:spcBef>
+              <a:buClr>
+                <a:srgbClr val="000000"/>
+              </a:buClr>
+              <a:buSzPct val="45000"/>
+              <a:buFont typeface="OpenSymbol"/>
+              <a:buChar char="—"/>
+            </a:pPr>
+            <a:r>
+              <a:rPr b="0" lang="en-US" sz="1800" spc="-1" strike="noStrike">
+                <a:solidFill>
+                  <a:srgbClr val="000000"/>
+                </a:solidFill>
+                <a:latin typeface="DejaVu Sans"/>
+                <a:ea typeface="DejaVu Sans"/>
+              </a:rPr>
+              <a:t>Submit all exercises</a:t>
+            </a:r>
+            <a:endParaRPr b="0" lang="en-US" sz="1800" spc="-1" strike="noStrike">
+              <a:latin typeface="DejaVu Sans"/>
+            </a:endParaRPr>
+          </a:p>
+          <a:p>
+            <a:pPr marL="216000" indent="-216000">
               <a:lnSpc>
                 <a:spcPct val="100000"/>
               </a:lnSpc>
@@ -13745,39 +13754,15 @@
                 <a:srgbClr val="008c4f"/>
               </a:buClr>
               <a:buSzPct val="115000"/>
-              <a:buFont typeface="Wingdings" charset="2"/>
-              <a:buChar char=""/>
-            </a:pPr>
-            <a:r>
-              <a:rPr b="0" lang="en-US" sz="1800" spc="-1" strike="noStrike">
-                <a:solidFill>
-                  <a:srgbClr val="000000"/>
-                </a:solidFill>
-                <a:latin typeface="DejaVu Sans"/>
-                <a:ea typeface="DejaVu Sans"/>
-              </a:rPr>
-              <a:t>Submit all exercises</a:t>
-            </a:r>
+              <a:buFont typeface="Wingdings 2" charset="2"/>
+              <a:buChar char=""/>
+            </a:pPr>
             <a:endParaRPr b="0" lang="en-US" sz="1800" spc="-1" strike="noStrike">
               <a:latin typeface="DejaVu Sans"/>
             </a:endParaRPr>
           </a:p>
           <a:p>
-            <a:pPr>
-              <a:lnSpc>
-                <a:spcPct val="100000"/>
-              </a:lnSpc>
-              <a:spcBef>
-                <a:spcPts val="360"/>
-              </a:spcBef>
-              <a:buNone/>
-            </a:pPr>
-            <a:endParaRPr b="0" lang="en-US" sz="1800" spc="-1" strike="noStrike">
-              <a:latin typeface="DejaVu Sans"/>
-            </a:endParaRPr>
-          </a:p>
-          <a:p>
-            <a:pPr marL="195120" indent="-191880">
+            <a:pPr marL="216000" indent="-216000">
               <a:lnSpc>
                 <a:spcPct val="100000"/>
               </a:lnSpc>
@@ -13788,8 +13773,8 @@
                 <a:srgbClr val="008c4f"/>
               </a:buClr>
               <a:buSzPct val="115000"/>
-              <a:buFont typeface="Wingdings" charset="2"/>
-              <a:buChar char=""/>
+              <a:buFont typeface="Wingdings 2" charset="2"/>
+              <a:buChar char=""/>
             </a:pPr>
             <a:r>
               <a:rPr b="0" lang="en-US" sz="1800" spc="-1" strike="noStrike">
@@ -13806,7 +13791,7 @@
             </a:endParaRPr>
           </a:p>
           <a:p>
-            <a:pPr lvl="1" marL="652320" indent="-191880">
+            <a:pPr lvl="1" marL="432000" indent="-216000">
               <a:lnSpc>
                 <a:spcPct val="100000"/>
               </a:lnSpc>
@@ -13814,11 +13799,11 @@
                 <a:spcPts val="360"/>
               </a:spcBef>
               <a:buClr>
-                <a:srgbClr val="008c4f"/>
+                <a:srgbClr val="000000"/>
               </a:buClr>
-              <a:buSzPct val="115000"/>
-              <a:buFont typeface="Wingdings" charset="2"/>
-              <a:buChar char=""/>
+              <a:buSzPct val="45000"/>
+              <a:buFont typeface="OpenSymbol"/>
+              <a:buChar char="—"/>
             </a:pPr>
             <a:r>
               <a:rPr b="0" lang="en-GB" sz="1800" spc="-1" strike="noStrike">
@@ -13845,7 +13830,7 @@
             </a:endParaRPr>
           </a:p>
           <a:p>
-            <a:pPr lvl="1" marL="652320" indent="-191880">
+            <a:pPr lvl="1" marL="432000" indent="-216000">
               <a:lnSpc>
                 <a:spcPct val="100000"/>
               </a:lnSpc>
@@ -13853,11 +13838,11 @@
                 <a:spcPts val="360"/>
               </a:spcBef>
               <a:buClr>
-                <a:srgbClr val="008c4f"/>
+                <a:srgbClr val="000000"/>
               </a:buClr>
-              <a:buSzPct val="115000"/>
-              <a:buFont typeface="Wingdings" charset="2"/>
-              <a:buChar char=""/>
+              <a:buSzPct val="45000"/>
+              <a:buFont typeface="OpenSymbol"/>
+              <a:buChar char="—"/>
             </a:pPr>
             <a:r>
               <a:rPr b="0" lang="en-US" sz="1800" spc="-1" strike="noStrike">
@@ -13874,7 +13859,7 @@
             </a:endParaRPr>
           </a:p>
           <a:p>
-            <a:pPr lvl="1" marL="652320" indent="-191880">
+            <a:pPr lvl="1" marL="432000" indent="-216000">
               <a:lnSpc>
                 <a:spcPct val="100000"/>
               </a:lnSpc>
@@ -13882,11 +13867,11 @@
                 <a:spcPts val="360"/>
               </a:spcBef>
               <a:buClr>
-                <a:srgbClr val="008c4f"/>
+                <a:srgbClr val="000000"/>
               </a:buClr>
-              <a:buSzPct val="115000"/>
-              <a:buFont typeface="Wingdings" charset="2"/>
-              <a:buChar char=""/>
+              <a:buSzPct val="45000"/>
+              <a:buFont typeface="OpenSymbol"/>
+              <a:buChar char="—"/>
             </a:pPr>
             <a:r>
               <a:rPr b="0" lang="en-US" sz="1800" spc="-1" strike="noStrike">
@@ -13957,7 +13942,7 @@
         <p:spPr>
           <a:xfrm>
             <a:off x="335520" y="764640"/>
-            <a:ext cx="10744920" cy="495720"/>
+            <a:ext cx="10744560" cy="495360"/>
           </a:xfrm>
           <a:prstGeom prst="rect">
             <a:avLst/>
@@ -14009,7 +13994,7 @@
         <p:spPr>
           <a:xfrm>
             <a:off x="335520" y="1268280"/>
-            <a:ext cx="10744920" cy="5032440"/>
+            <a:ext cx="10744560" cy="5032080"/>
           </a:xfrm>
           <a:prstGeom prst="rect">
             <a:avLst/>
@@ -14100,7 +14085,7 @@
         <p:spPr>
           <a:xfrm>
             <a:off x="6285600" y="2132640"/>
-            <a:ext cx="514440" cy="494280"/>
+            <a:ext cx="514080" cy="493920"/>
           </a:xfrm>
           <a:prstGeom prst="star5">
             <a:avLst>
@@ -14142,7 +14127,7 @@
         <p:spPr>
           <a:xfrm>
             <a:off x="4089960" y="2247480"/>
-            <a:ext cx="2282760" cy="363960"/>
+            <a:ext cx="2282400" cy="363960"/>
           </a:xfrm>
           <a:prstGeom prst="rect">
             <a:avLst/>
@@ -14244,7 +14229,7 @@
         <p:spPr>
           <a:xfrm>
             <a:off x="335520" y="764640"/>
-            <a:ext cx="10744920" cy="495720"/>
+            <a:ext cx="10744560" cy="495360"/>
           </a:xfrm>
           <a:prstGeom prst="rect">
             <a:avLst/>
@@ -14296,7 +14281,7 @@
         <p:spPr>
           <a:xfrm>
             <a:off x="335520" y="1268640"/>
-            <a:ext cx="10744920" cy="5032440"/>
+            <a:ext cx="10744560" cy="5032080"/>
           </a:xfrm>
           <a:prstGeom prst="rect">
             <a:avLst/>
@@ -14763,7 +14748,7 @@
         <p:spPr>
           <a:xfrm>
             <a:off x="335520" y="764640"/>
-            <a:ext cx="10746720" cy="497520"/>
+            <a:ext cx="10746360" cy="497160"/>
           </a:xfrm>
           <a:prstGeom prst="rect">
             <a:avLst/>
@@ -14815,7 +14800,7 @@
         <p:spPr>
           <a:xfrm>
             <a:off x="335520" y="1268640"/>
-            <a:ext cx="10746720" cy="5034240"/>
+            <a:ext cx="10746360" cy="5033880"/>
           </a:xfrm>
           <a:prstGeom prst="rect">
             <a:avLst/>
@@ -15277,7 +15262,7 @@
         <p:spPr>
           <a:xfrm>
             <a:off x="335520" y="764640"/>
-            <a:ext cx="10744920" cy="495720"/>
+            <a:ext cx="10744560" cy="495360"/>
           </a:xfrm>
           <a:prstGeom prst="rect">
             <a:avLst/>
@@ -15329,7 +15314,7 @@
         <p:spPr>
           <a:xfrm>
             <a:off x="335520" y="1268640"/>
-            <a:ext cx="10744920" cy="5032440"/>
+            <a:ext cx="10744560" cy="5032080"/>
           </a:xfrm>
           <a:prstGeom prst="rect">
             <a:avLst/>
@@ -15533,7 +15518,7 @@
         <p:spPr>
           <a:xfrm>
             <a:off x="335520" y="1268640"/>
-            <a:ext cx="10746720" cy="5034240"/>
+            <a:ext cx="10746360" cy="5033880"/>
           </a:xfrm>
           <a:prstGeom prst="rect">
             <a:avLst/>
@@ -15591,7 +15576,7 @@
         <p:spPr>
           <a:xfrm>
             <a:off x="335520" y="764640"/>
-            <a:ext cx="10746720" cy="497520"/>
+            <a:ext cx="10746360" cy="497160"/>
           </a:xfrm>
           <a:prstGeom prst="rect">
             <a:avLst/>
@@ -15647,7 +15632,7 @@
         <p:spPr>
           <a:xfrm>
             <a:off x="542880" y="721800"/>
-            <a:ext cx="10351080" cy="491760"/>
+            <a:ext cx="10350720" cy="491400"/>
           </a:xfrm>
           <a:prstGeom prst="rect">
             <a:avLst/>
@@ -15699,7 +15684,7 @@
         <p:spPr>
           <a:xfrm>
             <a:off x="451800" y="1709280"/>
-            <a:ext cx="8218440" cy="4346640"/>
+            <a:ext cx="8218080" cy="4346280"/>
           </a:xfrm>
           <a:prstGeom prst="rect">
             <a:avLst/>
@@ -15725,7 +15710,7 @@
         <p:spPr>
           <a:xfrm>
             <a:off x="609480" y="1769400"/>
-            <a:ext cx="10581480" cy="4849560"/>
+            <a:ext cx="10581120" cy="4849200"/>
           </a:xfrm>
           <a:prstGeom prst="rect">
             <a:avLst/>
@@ -16127,7 +16112,7 @@
         <p:spPr>
           <a:xfrm>
             <a:off x="542880" y="721800"/>
-            <a:ext cx="10351080" cy="491760"/>
+            <a:ext cx="10350720" cy="491400"/>
           </a:xfrm>
           <a:prstGeom prst="rect">
             <a:avLst/>
@@ -16179,7 +16164,7 @@
         <p:spPr>
           <a:xfrm>
             <a:off x="451800" y="1709280"/>
-            <a:ext cx="8218440" cy="4346640"/>
+            <a:ext cx="8218080" cy="4346280"/>
           </a:xfrm>
           <a:prstGeom prst="rect">
             <a:avLst/>
@@ -16205,7 +16190,7 @@
         <p:spPr>
           <a:xfrm>
             <a:off x="609480" y="1769400"/>
-            <a:ext cx="10581480" cy="4849560"/>
+            <a:ext cx="10581120" cy="4849200"/>
           </a:xfrm>
           <a:prstGeom prst="rect">
             <a:avLst/>
@@ -16610,7 +16595,7 @@
         <p:spPr>
           <a:xfrm>
             <a:off x="542880" y="721800"/>
-            <a:ext cx="10351080" cy="491760"/>
+            <a:ext cx="10350720" cy="491400"/>
           </a:xfrm>
           <a:prstGeom prst="rect">
             <a:avLst/>
@@ -16662,7 +16647,7 @@
         <p:spPr>
           <a:xfrm>
             <a:off x="451800" y="1709280"/>
-            <a:ext cx="8218440" cy="4346640"/>
+            <a:ext cx="8218080" cy="4346280"/>
           </a:xfrm>
           <a:prstGeom prst="rect">
             <a:avLst/>
@@ -16688,7 +16673,7 @@
         <p:spPr>
           <a:xfrm>
             <a:off x="609480" y="1769400"/>
-            <a:ext cx="10581480" cy="4849560"/>
+            <a:ext cx="10581120" cy="4849200"/>
           </a:xfrm>
           <a:prstGeom prst="rect">
             <a:avLst/>
@@ -17093,7 +17078,7 @@
         <p:spPr>
           <a:xfrm>
             <a:off x="335520" y="764640"/>
-            <a:ext cx="10746720" cy="497520"/>
+            <a:ext cx="10746360" cy="497160"/>
           </a:xfrm>
           <a:prstGeom prst="rect">
             <a:avLst/>
@@ -17145,7 +17130,7 @@
         <p:spPr>
           <a:xfrm>
             <a:off x="335520" y="2408400"/>
-            <a:ext cx="10746720" cy="3894480"/>
+            <a:ext cx="10746360" cy="3894120"/>
           </a:xfrm>
           <a:prstGeom prst="rect">
             <a:avLst/>
@@ -17235,7 +17220,7 @@
         <p:spPr>
           <a:xfrm>
             <a:off x="335520" y="764640"/>
-            <a:ext cx="10746720" cy="497520"/>
+            <a:ext cx="10746360" cy="497160"/>
           </a:xfrm>
           <a:prstGeom prst="rect">
             <a:avLst/>
@@ -17287,7 +17272,7 @@
         <p:spPr>
           <a:xfrm>
             <a:off x="335520" y="2408400"/>
-            <a:ext cx="10746720" cy="3894480"/>
+            <a:ext cx="10746360" cy="3894120"/>
           </a:xfrm>
           <a:prstGeom prst="rect">
             <a:avLst/>
@@ -17406,7 +17391,7 @@
         <p:spPr>
           <a:xfrm>
             <a:off x="335520" y="764640"/>
-            <a:ext cx="10746720" cy="497520"/>
+            <a:ext cx="10746360" cy="497160"/>
           </a:xfrm>
           <a:prstGeom prst="rect">
             <a:avLst/>
@@ -17458,7 +17443,7 @@
         <p:spPr>
           <a:xfrm>
             <a:off x="335520" y="2408400"/>
-            <a:ext cx="10746720" cy="3894480"/>
+            <a:ext cx="10746360" cy="3894120"/>
           </a:xfrm>
           <a:prstGeom prst="rect">
             <a:avLst/>

--- a/Emerging-Technologies-for-the-Circular-Economy/ETCE-L00-Organization.pptx
+++ b/Emerging-Technologies-for-the-Circular-Economy/ETCE-L00-Organization.pptx
@@ -275,7 +275,7 @@
           </a:bodyPr>
           <a:p>
             <a:pPr algn="r"/>
-            <a:fld id="{E84329BB-7B3E-4BC8-805B-BF6DBDF8F8AC}" type="slidenum">
+            <a:fld id="{5ECD46DA-4230-4046-84A8-61710A22EBCD}" type="slidenum">
               <a:rPr b="0" lang="en-US" sz="1400" spc="-1" strike="noStrike">
                 <a:latin typeface="Times New Roman"/>
               </a:rPr>
@@ -323,7 +323,7 @@
         <p:spPr>
           <a:xfrm>
             <a:off x="533520" y="763560"/>
-            <a:ext cx="6693480" cy="3761640"/>
+            <a:ext cx="6693120" cy="3761280"/>
           </a:xfrm>
           <a:prstGeom prst="rect">
             <a:avLst/>
@@ -343,7 +343,7 @@
         <p:spPr>
           <a:xfrm>
             <a:off x="777240" y="4777560"/>
-            <a:ext cx="6207120" cy="4515480"/>
+            <a:ext cx="6206760" cy="4515120"/>
           </a:xfrm>
           <a:prstGeom prst="rect">
             <a:avLst/>
@@ -369,7 +369,7 @@
         <p:spPr>
           <a:xfrm>
             <a:off x="4399200" y="9555480"/>
-            <a:ext cx="3362400" cy="492120"/>
+            <a:ext cx="3362040" cy="491760"/>
           </a:xfrm>
           <a:prstGeom prst="rect">
             <a:avLst/>
@@ -395,7 +395,7 @@
                 <a:spcPct val="100000"/>
               </a:lnSpc>
             </a:pPr>
-            <a:fld id="{2FB134E6-C436-49BB-9C1B-E31FE3CF26A9}" type="slidenum">
+            <a:fld id="{D3096E35-33F8-48D7-8CD7-658F8BE49151}" type="slidenum">
               <a:rPr b="0" lang="de-DE" sz="1800" spc="-1" strike="noStrike">
                 <a:solidFill>
                   <a:srgbClr val="000000"/>
@@ -446,7 +446,7 @@
         <p:spPr>
           <a:xfrm>
             <a:off x="533520" y="763560"/>
-            <a:ext cx="6693480" cy="3761640"/>
+            <a:ext cx="6693120" cy="3761280"/>
           </a:xfrm>
           <a:prstGeom prst="rect">
             <a:avLst/>
@@ -466,7 +466,7 @@
         <p:spPr>
           <a:xfrm>
             <a:off x="777240" y="4777560"/>
-            <a:ext cx="6207120" cy="4515480"/>
+            <a:ext cx="6206760" cy="4515120"/>
           </a:xfrm>
           <a:prstGeom prst="rect">
             <a:avLst/>
@@ -492,7 +492,7 @@
         <p:spPr>
           <a:xfrm>
             <a:off x="4399200" y="9555480"/>
-            <a:ext cx="3362400" cy="492120"/>
+            <a:ext cx="3362040" cy="491760"/>
           </a:xfrm>
           <a:prstGeom prst="rect">
             <a:avLst/>
@@ -518,7 +518,7 @@
                 <a:spcPct val="100000"/>
               </a:lnSpc>
             </a:pPr>
-            <a:fld id="{9DEB0B5D-DD2B-4C92-A778-316CB3527D41}" type="slidenum">
+            <a:fld id="{1860606C-2E9D-4576-A441-E663D91DC71A}" type="slidenum">
               <a:rPr b="0" lang="de-DE" sz="1800" spc="-1" strike="noStrike">
                 <a:solidFill>
                   <a:srgbClr val="000000"/>
@@ -569,7 +569,7 @@
         <p:spPr>
           <a:xfrm>
             <a:off x="533520" y="763560"/>
-            <a:ext cx="6693480" cy="3761640"/>
+            <a:ext cx="6693120" cy="3761280"/>
           </a:xfrm>
           <a:prstGeom prst="rect">
             <a:avLst/>
@@ -589,7 +589,7 @@
         <p:spPr>
           <a:xfrm>
             <a:off x="777240" y="4777560"/>
-            <a:ext cx="6207120" cy="4515480"/>
+            <a:ext cx="6206760" cy="4515120"/>
           </a:xfrm>
           <a:prstGeom prst="rect">
             <a:avLst/>
@@ -615,7 +615,7 @@
         <p:spPr>
           <a:xfrm>
             <a:off x="4399200" y="9555480"/>
-            <a:ext cx="3362400" cy="492120"/>
+            <a:ext cx="3362040" cy="491760"/>
           </a:xfrm>
           <a:prstGeom prst="rect">
             <a:avLst/>
@@ -641,7 +641,7 @@
                 <a:spcPct val="100000"/>
               </a:lnSpc>
             </a:pPr>
-            <a:fld id="{2A43621D-D98A-46B5-8BEE-EC0AF2C908A6}" type="slidenum">
+            <a:fld id="{B5E96E47-7C1B-4AF5-B2E1-4B50898BFB02}" type="slidenum">
               <a:rPr b="0" lang="de-DE" sz="1800" spc="-1" strike="noStrike">
                 <a:solidFill>
                   <a:srgbClr val="000000"/>
@@ -3407,7 +3407,7 @@
         <p:spPr>
           <a:xfrm>
             <a:off x="11444760" y="0"/>
-            <a:ext cx="741960" cy="6850800"/>
+            <a:ext cx="741600" cy="6850440"/>
           </a:xfrm>
           <a:prstGeom prst="rect">
             <a:avLst/>
@@ -3437,7 +3437,7 @@
         <p:spPr>
           <a:xfrm>
             <a:off x="11438640" y="6453360"/>
-            <a:ext cx="758880" cy="363960"/>
+            <a:ext cx="758520" cy="363960"/>
           </a:xfrm>
           <a:prstGeom prst="rect">
             <a:avLst/>
@@ -3463,7 +3463,7 @@
                 <a:spcPct val="100000"/>
               </a:lnSpc>
             </a:pPr>
-            <a:fld id="{C4E5637E-5E20-42AE-9016-582724A7AC05}" type="slidenum">
+            <a:fld id="{983A4D07-A85E-4391-887B-5A7861E955B2}" type="slidenum">
               <a:rPr b="0" lang="en-US" sz="1800" spc="-1" strike="noStrike">
                 <a:solidFill>
                   <a:srgbClr val="808080"/>
@@ -3488,7 +3488,7 @@
         <p:spPr>
           <a:xfrm>
             <a:off x="912240" y="1268280"/>
-            <a:ext cx="9208800" cy="362160"/>
+            <a:ext cx="9208440" cy="361800"/>
           </a:xfrm>
           <a:prstGeom prst="rect">
             <a:avLst/>
@@ -3518,7 +3518,7 @@
         <p:spPr>
           <a:xfrm>
             <a:off x="0" y="0"/>
-            <a:ext cx="3052800" cy="562680"/>
+            <a:ext cx="3052440" cy="562320"/>
           </a:xfrm>
           <a:prstGeom prst="rect">
             <a:avLst/>
@@ -3541,7 +3541,7 @@
         <p:spPr>
           <a:xfrm>
             <a:off x="7430400" y="134640"/>
-            <a:ext cx="3698640" cy="514800"/>
+            <a:ext cx="3698280" cy="514440"/>
           </a:xfrm>
           <a:prstGeom prst="rect">
             <a:avLst/>
@@ -3560,7 +3560,7 @@
         <p:spPr>
           <a:xfrm>
             <a:off x="912240" y="1268280"/>
-            <a:ext cx="9208800" cy="362160"/>
+            <a:ext cx="9208440" cy="361800"/>
           </a:xfrm>
           <a:prstGeom prst="rect">
             <a:avLst/>
@@ -3586,7 +3586,7 @@
         <p:spPr>
           <a:xfrm>
             <a:off x="11444760" y="0"/>
-            <a:ext cx="741960" cy="6850800"/>
+            <a:ext cx="741600" cy="6850440"/>
           </a:xfrm>
           <a:prstGeom prst="rect">
             <a:avLst/>
@@ -3616,7 +3616,7 @@
         <p:spPr>
           <a:xfrm>
             <a:off x="0" y="6642720"/>
-            <a:ext cx="12184920" cy="211320"/>
+            <a:ext cx="12184560" cy="211320"/>
           </a:xfrm>
           <a:prstGeom prst="rect">
             <a:avLst/>
@@ -3947,7 +3947,7 @@
         <p:spPr>
           <a:xfrm>
             <a:off x="11444760" y="0"/>
-            <a:ext cx="741960" cy="6850800"/>
+            <a:ext cx="741600" cy="6850440"/>
           </a:xfrm>
           <a:prstGeom prst="rect">
             <a:avLst/>
@@ -3977,7 +3977,7 @@
         <p:spPr>
           <a:xfrm>
             <a:off x="11438640" y="6453360"/>
-            <a:ext cx="758880" cy="363960"/>
+            <a:ext cx="758520" cy="363960"/>
           </a:xfrm>
           <a:prstGeom prst="rect">
             <a:avLst/>
@@ -4003,7 +4003,7 @@
                 <a:spcPct val="100000"/>
               </a:lnSpc>
             </a:pPr>
-            <a:fld id="{B7DDF3F0-3C03-49E0-AFB5-2AC1DFF078F1}" type="slidenum">
+            <a:fld id="{CA93730F-E943-4A7C-800F-456443448E77}" type="slidenum">
               <a:rPr b="0" lang="en-US" sz="1800" spc="-1" strike="noStrike">
                 <a:solidFill>
                   <a:srgbClr val="808080"/>
@@ -4028,7 +4028,7 @@
         <p:spPr>
           <a:xfrm>
             <a:off x="912240" y="1268280"/>
-            <a:ext cx="9208800" cy="362160"/>
+            <a:ext cx="9208440" cy="361800"/>
           </a:xfrm>
           <a:prstGeom prst="rect">
             <a:avLst/>
@@ -4058,7 +4058,7 @@
         <p:spPr>
           <a:xfrm>
             <a:off x="0" y="0"/>
-            <a:ext cx="3052800" cy="562680"/>
+            <a:ext cx="3052440" cy="562320"/>
           </a:xfrm>
           <a:prstGeom prst="rect">
             <a:avLst/>
@@ -4081,7 +4081,7 @@
         <p:spPr>
           <a:xfrm>
             <a:off x="7430400" y="134640"/>
-            <a:ext cx="3698640" cy="514800"/>
+            <a:ext cx="3698280" cy="514440"/>
           </a:xfrm>
           <a:prstGeom prst="rect">
             <a:avLst/>
@@ -4100,7 +4100,7 @@
         <p:spPr>
           <a:xfrm>
             <a:off x="11444760" y="0"/>
-            <a:ext cx="741960" cy="6850800"/>
+            <a:ext cx="741600" cy="6850440"/>
           </a:xfrm>
           <a:prstGeom prst="rect">
             <a:avLst/>
@@ -4130,7 +4130,7 @@
         <p:spPr>
           <a:xfrm>
             <a:off x="11438640" y="6453360"/>
-            <a:ext cx="758880" cy="363960"/>
+            <a:ext cx="758520" cy="363960"/>
           </a:xfrm>
           <a:prstGeom prst="rect">
             <a:avLst/>
@@ -4156,7 +4156,7 @@
                 <a:spcPct val="100000"/>
               </a:lnSpc>
             </a:pPr>
-            <a:fld id="{CF790835-D345-4872-A5AE-21C9E0B57641}" type="slidenum">
+            <a:fld id="{79FA8AE6-4C4F-4BE2-A321-727953DB9B24}" type="slidenum">
               <a:rPr b="0" lang="en-US" sz="1800" spc="-1" strike="noStrike">
                 <a:solidFill>
                   <a:srgbClr val="808080"/>
@@ -4181,7 +4181,7 @@
         <p:spPr>
           <a:xfrm>
             <a:off x="0" y="6642720"/>
-            <a:ext cx="12184920" cy="211320"/>
+            <a:ext cx="12184560" cy="211320"/>
           </a:xfrm>
           <a:prstGeom prst="rect">
             <a:avLst/>
@@ -4505,7 +4505,7 @@
         <p:spPr>
           <a:xfrm>
             <a:off x="527400" y="1412640"/>
-            <a:ext cx="10361880" cy="1148400"/>
+            <a:ext cx="10361520" cy="1148040"/>
           </a:xfrm>
           <a:prstGeom prst="rect">
             <a:avLst/>
@@ -4556,7 +4556,7 @@
         <p:spPr>
           <a:xfrm>
             <a:off x="527400" y="2852640"/>
-            <a:ext cx="10361880" cy="2369160"/>
+            <a:ext cx="10361520" cy="2368800"/>
           </a:xfrm>
           <a:prstGeom prst="rect">
             <a:avLst/>
@@ -4769,7 +4769,7 @@
         <p:spPr>
           <a:xfrm>
             <a:off x="335520" y="764640"/>
-            <a:ext cx="10746000" cy="496800"/>
+            <a:ext cx="10745640" cy="496440"/>
           </a:xfrm>
           <a:prstGeom prst="rect">
             <a:avLst/>
@@ -4830,7 +4830,7 @@
         <p:spPr>
           <a:xfrm>
             <a:off x="335520" y="2408400"/>
-            <a:ext cx="10746000" cy="3893760"/>
+            <a:ext cx="10745640" cy="3893400"/>
           </a:xfrm>
           <a:prstGeom prst="rect">
             <a:avLst/>
@@ -4851,7 +4851,7 @@
             <a:noAutofit/>
           </a:bodyPr>
           <a:p>
-            <a:pPr marL="195120" indent="-191520">
+            <a:pPr marL="195120" indent="-191160">
               <a:lnSpc>
                 <a:spcPct val="100000"/>
               </a:lnSpc>
@@ -4880,7 +4880,7 @@
             </a:endParaRPr>
           </a:p>
           <a:p>
-            <a:pPr marL="195120" indent="-191520">
+            <a:pPr marL="195120" indent="-191160">
               <a:lnSpc>
                 <a:spcPct val="100000"/>
               </a:lnSpc>
@@ -4909,7 +4909,7 @@
             </a:endParaRPr>
           </a:p>
           <a:p>
-            <a:pPr marL="195120" indent="-191520">
+            <a:pPr marL="195120" indent="-191160">
               <a:lnSpc>
                 <a:spcPct val="100000"/>
               </a:lnSpc>
@@ -4938,7 +4938,7 @@
             </a:endParaRPr>
           </a:p>
           <a:p>
-            <a:pPr marL="195120" indent="-191520">
+            <a:pPr marL="195120" indent="-191160">
               <a:lnSpc>
                 <a:spcPct val="100000"/>
               </a:lnSpc>
@@ -5007,7 +5007,7 @@
         <p:spPr>
           <a:xfrm>
             <a:off x="335520" y="764640"/>
-            <a:ext cx="10746000" cy="496800"/>
+            <a:ext cx="10745640" cy="496440"/>
           </a:xfrm>
           <a:prstGeom prst="rect">
             <a:avLst/>
@@ -5058,7 +5058,7 @@
         <p:spPr>
           <a:xfrm>
             <a:off x="335520" y="2408400"/>
-            <a:ext cx="10746000" cy="3893760"/>
+            <a:ext cx="10745640" cy="3893400"/>
           </a:xfrm>
           <a:prstGeom prst="rect">
             <a:avLst/>
@@ -5079,7 +5079,7 @@
             <a:noAutofit/>
           </a:bodyPr>
           <a:p>
-            <a:pPr marL="195120" indent="-191520">
+            <a:pPr marL="195120" indent="-191160">
               <a:lnSpc>
                 <a:spcPct val="100000"/>
               </a:lnSpc>
@@ -5108,7 +5108,7 @@
             </a:endParaRPr>
           </a:p>
           <a:p>
-            <a:pPr marL="195120" indent="-191520">
+            <a:pPr marL="195120" indent="-191160">
               <a:lnSpc>
                 <a:spcPct val="100000"/>
               </a:lnSpc>
@@ -5137,7 +5137,7 @@
             </a:endParaRPr>
           </a:p>
           <a:p>
-            <a:pPr marL="195120" indent="-191520">
+            <a:pPr marL="195120" indent="-191160">
               <a:lnSpc>
                 <a:spcPct val="100000"/>
               </a:lnSpc>
@@ -5166,7 +5166,7 @@
             </a:endParaRPr>
           </a:p>
           <a:p>
-            <a:pPr marL="195120" indent="-191520">
+            <a:pPr marL="195120" indent="-191160">
               <a:lnSpc>
                 <a:spcPct val="100000"/>
               </a:lnSpc>
@@ -5195,7 +5195,7 @@
             </a:endParaRPr>
           </a:p>
           <a:p>
-            <a:pPr marL="195120" indent="-191520">
+            <a:pPr marL="195120" indent="-191160">
               <a:lnSpc>
                 <a:spcPct val="100000"/>
               </a:lnSpc>
@@ -5264,7 +5264,7 @@
         <p:spPr>
           <a:xfrm>
             <a:off x="335520" y="764640"/>
-            <a:ext cx="10746000" cy="496800"/>
+            <a:ext cx="10745640" cy="496440"/>
           </a:xfrm>
           <a:prstGeom prst="rect">
             <a:avLst/>
@@ -5325,7 +5325,7 @@
         <p:spPr>
           <a:xfrm>
             <a:off x="335520" y="2408400"/>
-            <a:ext cx="10746000" cy="3893760"/>
+            <a:ext cx="10745640" cy="3893400"/>
           </a:xfrm>
           <a:prstGeom prst="rect">
             <a:avLst/>
@@ -5346,7 +5346,7 @@
             <a:noAutofit/>
           </a:bodyPr>
           <a:p>
-            <a:pPr marL="195120" indent="-191520">
+            <a:pPr marL="195120" indent="-191160">
               <a:lnSpc>
                 <a:spcPct val="100000"/>
               </a:lnSpc>
@@ -5375,7 +5375,7 @@
             </a:endParaRPr>
           </a:p>
           <a:p>
-            <a:pPr marL="195120" indent="-191520">
+            <a:pPr marL="195120" indent="-191160">
               <a:lnSpc>
                 <a:spcPct val="100000"/>
               </a:lnSpc>
@@ -5404,7 +5404,7 @@
             </a:endParaRPr>
           </a:p>
           <a:p>
-            <a:pPr marL="195120" indent="-191520">
+            <a:pPr marL="195120" indent="-191160">
               <a:lnSpc>
                 <a:spcPct val="100000"/>
               </a:lnSpc>
@@ -5433,7 +5433,7 @@
             </a:endParaRPr>
           </a:p>
           <a:p>
-            <a:pPr marL="195120" indent="-191520">
+            <a:pPr marL="195120" indent="-191160">
               <a:lnSpc>
                 <a:spcPct val="100000"/>
               </a:lnSpc>
@@ -5462,7 +5462,7 @@
             </a:endParaRPr>
           </a:p>
           <a:p>
-            <a:pPr marL="195120" indent="-191520">
+            <a:pPr marL="195120" indent="-191160">
               <a:lnSpc>
                 <a:spcPct val="100000"/>
               </a:lnSpc>
@@ -5491,7 +5491,7 @@
             </a:endParaRPr>
           </a:p>
           <a:p>
-            <a:pPr marL="195120" indent="-191520">
+            <a:pPr marL="195120" indent="-191160">
               <a:lnSpc>
                 <a:spcPct val="100000"/>
               </a:lnSpc>
@@ -5560,7 +5560,7 @@
         <p:spPr>
           <a:xfrm>
             <a:off x="335520" y="764640"/>
-            <a:ext cx="10746000" cy="496800"/>
+            <a:ext cx="10745640" cy="496440"/>
           </a:xfrm>
           <a:prstGeom prst="rect">
             <a:avLst/>
@@ -5611,7 +5611,7 @@
         <p:spPr>
           <a:xfrm>
             <a:off x="335520" y="1268640"/>
-            <a:ext cx="10746000" cy="5033520"/>
+            <a:ext cx="10745640" cy="5033160"/>
           </a:xfrm>
           <a:prstGeom prst="rect">
             <a:avLst/>
@@ -5632,7 +5632,7 @@
             <a:noAutofit/>
           </a:bodyPr>
           <a:p>
-            <a:pPr marL="195120" indent="-191520">
+            <a:pPr marL="195120" indent="-191160">
               <a:lnSpc>
                 <a:spcPct val="100000"/>
               </a:lnSpc>
@@ -5661,7 +5661,7 @@
             </a:endParaRPr>
           </a:p>
           <a:p>
-            <a:pPr marL="195120" indent="-191520">
+            <a:pPr marL="195120" indent="-191160">
               <a:lnSpc>
                 <a:spcPct val="100000"/>
               </a:lnSpc>
@@ -5690,7 +5690,7 @@
             </a:endParaRPr>
           </a:p>
           <a:p>
-            <a:pPr marL="195120" indent="-191520">
+            <a:pPr marL="195120" indent="-191160">
               <a:lnSpc>
                 <a:spcPct val="100000"/>
               </a:lnSpc>
@@ -5719,7 +5719,7 @@
             </a:endParaRPr>
           </a:p>
           <a:p>
-            <a:pPr marL="195120" indent="-191520">
+            <a:pPr marL="195120" indent="-191160">
               <a:lnSpc>
                 <a:spcPct val="100000"/>
               </a:lnSpc>
@@ -5748,7 +5748,7 @@
             </a:endParaRPr>
           </a:p>
           <a:p>
-            <a:pPr marL="195120" indent="-191520">
+            <a:pPr marL="195120" indent="-191160">
               <a:lnSpc>
                 <a:spcPct val="100000"/>
               </a:lnSpc>
@@ -5777,7 +5777,7 @@
             </a:endParaRPr>
           </a:p>
           <a:p>
-            <a:pPr marL="195120" indent="-191520">
+            <a:pPr marL="195120" indent="-191160">
               <a:lnSpc>
                 <a:spcPct val="100000"/>
               </a:lnSpc>
@@ -5806,7 +5806,7 @@
             </a:endParaRPr>
           </a:p>
           <a:p>
-            <a:pPr marL="195120" indent="-191520">
+            <a:pPr marL="195120" indent="-191160">
               <a:lnSpc>
                 <a:spcPct val="100000"/>
               </a:lnSpc>
@@ -5835,7 +5835,7 @@
             </a:endParaRPr>
           </a:p>
           <a:p>
-            <a:pPr marL="195120" indent="-191520">
+            <a:pPr marL="195120" indent="-191160">
               <a:lnSpc>
                 <a:spcPct val="100000"/>
               </a:lnSpc>
@@ -5864,7 +5864,7 @@
             </a:endParaRPr>
           </a:p>
           <a:p>
-            <a:pPr marL="195120" indent="-191520">
+            <a:pPr marL="195120" indent="-191160">
               <a:lnSpc>
                 <a:spcPct val="100000"/>
               </a:lnSpc>
@@ -5893,7 +5893,7 @@
             </a:endParaRPr>
           </a:p>
           <a:p>
-            <a:pPr marL="195120" indent="-191520">
+            <a:pPr marL="195120" indent="-191160">
               <a:lnSpc>
                 <a:spcPct val="100000"/>
               </a:lnSpc>
@@ -5922,7 +5922,7 @@
             </a:endParaRPr>
           </a:p>
           <a:p>
-            <a:pPr marL="195120" indent="-191520">
+            <a:pPr marL="195120" indent="-191160">
               <a:lnSpc>
                 <a:spcPct val="100000"/>
               </a:lnSpc>
@@ -5951,7 +5951,7 @@
             </a:endParaRPr>
           </a:p>
           <a:p>
-            <a:pPr marL="195120" indent="-191520">
+            <a:pPr marL="195120" indent="-191160">
               <a:lnSpc>
                 <a:spcPct val="100000"/>
               </a:lnSpc>
@@ -5980,7 +5980,7 @@
             </a:endParaRPr>
           </a:p>
           <a:p>
-            <a:pPr marL="195120" indent="-191520">
+            <a:pPr marL="195120" indent="-191160">
               <a:lnSpc>
                 <a:spcPct val="100000"/>
               </a:lnSpc>
@@ -6009,7 +6009,7 @@
             </a:endParaRPr>
           </a:p>
           <a:p>
-            <a:pPr marL="195120" indent="-191520">
+            <a:pPr marL="195120" indent="-191160">
               <a:lnSpc>
                 <a:spcPct val="100000"/>
               </a:lnSpc>
@@ -6099,7 +6099,7 @@
         <p:spPr>
           <a:xfrm>
             <a:off x="335520" y="764640"/>
-            <a:ext cx="10746000" cy="496800"/>
+            <a:ext cx="10745640" cy="496440"/>
           </a:xfrm>
           <a:prstGeom prst="rect">
             <a:avLst/>
@@ -6150,7 +6150,7 @@
         <p:spPr>
           <a:xfrm>
             <a:off x="335520" y="1268640"/>
-            <a:ext cx="10746000" cy="5033520"/>
+            <a:ext cx="10745640" cy="5033160"/>
           </a:xfrm>
           <a:prstGeom prst="rect">
             <a:avLst/>
@@ -6171,7 +6171,7 @@
             <a:noAutofit/>
           </a:bodyPr>
           <a:p>
-            <a:pPr marL="195120" indent="-191520">
+            <a:pPr marL="195120" indent="-191160">
               <a:lnSpc>
                 <a:spcPct val="100000"/>
               </a:lnSpc>
@@ -6220,7 +6220,7 @@
             </a:endParaRPr>
           </a:p>
           <a:p>
-            <a:pPr marL="195120" indent="-191520">
+            <a:pPr marL="195120" indent="-191160">
               <a:lnSpc>
                 <a:spcPct val="100000"/>
               </a:lnSpc>
@@ -6269,7 +6269,7 @@
             </a:endParaRPr>
           </a:p>
           <a:p>
-            <a:pPr marL="195120" indent="-191520">
+            <a:pPr marL="195120" indent="-191160">
               <a:lnSpc>
                 <a:spcPct val="100000"/>
               </a:lnSpc>
@@ -6318,7 +6318,7 @@
             </a:endParaRPr>
           </a:p>
           <a:p>
-            <a:pPr marL="195120" indent="-191520">
+            <a:pPr marL="195120" indent="-191160">
               <a:lnSpc>
                 <a:spcPct val="100000"/>
               </a:lnSpc>
@@ -6367,7 +6367,7 @@
             </a:endParaRPr>
           </a:p>
           <a:p>
-            <a:pPr marL="195120" indent="-191520">
+            <a:pPr marL="195120" indent="-191160">
               <a:lnSpc>
                 <a:spcPct val="100000"/>
               </a:lnSpc>
@@ -6416,7 +6416,7 @@
             </a:endParaRPr>
           </a:p>
           <a:p>
-            <a:pPr marL="195120" indent="-191520">
+            <a:pPr marL="195120" indent="-191160">
               <a:lnSpc>
                 <a:spcPct val="100000"/>
               </a:lnSpc>
@@ -6485,7 +6485,7 @@
             </a:endParaRPr>
           </a:p>
           <a:p>
-            <a:pPr marL="195120" indent="-191520">
+            <a:pPr marL="195120" indent="-191160">
               <a:lnSpc>
                 <a:spcPct val="100000"/>
               </a:lnSpc>
@@ -6534,7 +6534,7 @@
             </a:endParaRPr>
           </a:p>
           <a:p>
-            <a:pPr marL="195120" indent="-191520">
+            <a:pPr marL="195120" indent="-191160">
               <a:lnSpc>
                 <a:spcPct val="100000"/>
               </a:lnSpc>
@@ -6583,7 +6583,7 @@
             </a:endParaRPr>
           </a:p>
           <a:p>
-            <a:pPr marL="195120" indent="-191520">
+            <a:pPr marL="195120" indent="-191160">
               <a:lnSpc>
                 <a:spcPct val="100000"/>
               </a:lnSpc>
@@ -6632,7 +6632,7 @@
             </a:endParaRPr>
           </a:p>
           <a:p>
-            <a:pPr marL="195120" indent="-191520">
+            <a:pPr marL="195120" indent="-191160">
               <a:lnSpc>
                 <a:spcPct val="100000"/>
               </a:lnSpc>
@@ -6721,7 +6721,7 @@
         <p:spPr>
           <a:xfrm>
             <a:off x="335520" y="764640"/>
-            <a:ext cx="10746000" cy="496800"/>
+            <a:ext cx="10745640" cy="496440"/>
           </a:xfrm>
           <a:prstGeom prst="rect">
             <a:avLst/>
@@ -6772,7 +6772,7 @@
         <p:spPr>
           <a:xfrm>
             <a:off x="335520" y="1268280"/>
-            <a:ext cx="10746000" cy="5033520"/>
+            <a:ext cx="10745640" cy="5033160"/>
           </a:xfrm>
           <a:prstGeom prst="rect">
             <a:avLst/>
@@ -6793,7 +6793,7 @@
             <a:noAutofit/>
           </a:bodyPr>
           <a:p>
-            <a:pPr marL="195120" indent="-191520">
+            <a:pPr marL="195120" indent="-191160">
               <a:lnSpc>
                 <a:spcPct val="100000"/>
               </a:lnSpc>
@@ -6835,7 +6835,7 @@
             </a:endParaRPr>
           </a:p>
           <a:p>
-            <a:pPr marL="195120" indent="-191520">
+            <a:pPr marL="195120" indent="-191160">
               <a:lnSpc>
                 <a:spcPct val="100000"/>
               </a:lnSpc>
@@ -6864,7 +6864,7 @@
             </a:endParaRPr>
           </a:p>
           <a:p>
-            <a:pPr lvl="1" marL="652320" indent="-191520">
+            <a:pPr lvl="1" marL="652320" indent="-191160">
               <a:lnSpc>
                 <a:spcPct val="100000"/>
               </a:lnSpc>
@@ -6915,7 +6915,7 @@
             </a:endParaRPr>
           </a:p>
           <a:p>
-            <a:pPr lvl="3" marL="864000" indent="-213840">
+            <a:pPr lvl="3" marL="864000" indent="-213480">
               <a:lnSpc>
                 <a:spcPct val="100000"/>
               </a:lnSpc>
@@ -6944,7 +6944,7 @@
             </a:endParaRPr>
           </a:p>
           <a:p>
-            <a:pPr lvl="1" marL="652320" indent="-191520">
+            <a:pPr lvl="1" marL="652320" indent="-191160">
               <a:lnSpc>
                 <a:spcPct val="100000"/>
               </a:lnSpc>
@@ -6973,7 +6973,7 @@
             </a:endParaRPr>
           </a:p>
           <a:p>
-            <a:pPr lvl="1" marL="652320" indent="-191520">
+            <a:pPr lvl="1" marL="652320" indent="-191160">
               <a:lnSpc>
                 <a:spcPct val="100000"/>
               </a:lnSpc>
@@ -7002,7 +7002,7 @@
             </a:endParaRPr>
           </a:p>
           <a:p>
-            <a:pPr lvl="1" marL="652320" indent="-191520">
+            <a:pPr lvl="1" marL="652320" indent="-191160">
               <a:lnSpc>
                 <a:spcPct val="100000"/>
               </a:lnSpc>
@@ -7202,7 +7202,7 @@
         <p:spPr>
           <a:xfrm>
             <a:off x="335520" y="764640"/>
-            <a:ext cx="10744560" cy="495360"/>
+            <a:ext cx="10744200" cy="495000"/>
           </a:xfrm>
           <a:prstGeom prst="rect">
             <a:avLst/>
@@ -7273,7 +7273,7 @@
         <p:spPr>
           <a:xfrm>
             <a:off x="335520" y="1268640"/>
-            <a:ext cx="10744560" cy="5032080"/>
+            <a:ext cx="10744200" cy="5031720"/>
           </a:xfrm>
           <a:prstGeom prst="rect">
             <a:avLst/>
@@ -7294,7 +7294,7 @@
             <a:noAutofit/>
           </a:bodyPr>
           <a:p>
-            <a:pPr marL="195120" indent="-190440">
+            <a:pPr marL="195120" indent="-190080">
               <a:lnSpc>
                 <a:spcPct val="100000"/>
               </a:lnSpc>
@@ -7334,7 +7334,7 @@
             </a:endParaRPr>
           </a:p>
           <a:p>
-            <a:pPr lvl="1" marL="432000" indent="-213120">
+            <a:pPr lvl="1" marL="432000" indent="-212760">
               <a:lnSpc>
                 <a:spcPct val="100000"/>
               </a:lnSpc>
@@ -7383,7 +7383,7 @@
             </a:endParaRPr>
           </a:p>
           <a:p>
-            <a:pPr lvl="1" marL="432000" indent="-213120">
+            <a:pPr lvl="1" marL="432000" indent="-212760">
               <a:lnSpc>
                 <a:spcPct val="100000"/>
               </a:lnSpc>
@@ -7425,7 +7425,7 @@
             </a:endParaRPr>
           </a:p>
           <a:p>
-            <a:pPr marL="195120" indent="-190440">
+            <a:pPr marL="195120" indent="-190080">
               <a:lnSpc>
                 <a:spcPct val="100000"/>
               </a:lnSpc>
@@ -7455,7 +7455,7 @@
             </a:endParaRPr>
           </a:p>
           <a:p>
-            <a:pPr lvl="1" marL="432000" indent="-213120">
+            <a:pPr lvl="1" marL="432000" indent="-212760">
               <a:lnSpc>
                 <a:spcPct val="100000"/>
               </a:lnSpc>
@@ -7544,7 +7544,7 @@
             </a:endParaRPr>
           </a:p>
           <a:p>
-            <a:pPr lvl="1" marL="432000" indent="-213120">
+            <a:pPr lvl="1" marL="432000" indent="-212760">
               <a:lnSpc>
                 <a:spcPct val="100000"/>
               </a:lnSpc>
@@ -7608,7 +7608,7 @@
             </a:endParaRPr>
           </a:p>
           <a:p>
-            <a:pPr marL="195120" indent="-190440">
+            <a:pPr marL="195120" indent="-190080">
               <a:lnSpc>
                 <a:spcPct val="100000"/>
               </a:lnSpc>
@@ -7638,7 +7638,7 @@
             </a:endParaRPr>
           </a:p>
           <a:p>
-            <a:pPr lvl="1" marL="432000" indent="-213120">
+            <a:pPr lvl="1" marL="432000" indent="-212760">
               <a:lnSpc>
                 <a:spcPct val="100000"/>
               </a:lnSpc>
@@ -7727,7 +7727,7 @@
             </a:endParaRPr>
           </a:p>
           <a:p>
-            <a:pPr lvl="1" marL="432000" indent="-213120">
+            <a:pPr lvl="1" marL="432000" indent="-212760">
               <a:lnSpc>
                 <a:spcPct val="100000"/>
               </a:lnSpc>
@@ -7818,7 +7818,7 @@
         <p:spPr>
           <a:xfrm>
             <a:off x="335520" y="764640"/>
-            <a:ext cx="10746000" cy="496800"/>
+            <a:ext cx="10745640" cy="496440"/>
           </a:xfrm>
           <a:prstGeom prst="rect">
             <a:avLst/>
@@ -7869,7 +7869,7 @@
         <p:spPr>
           <a:xfrm>
             <a:off x="335520" y="1268280"/>
-            <a:ext cx="10746000" cy="5033520"/>
+            <a:ext cx="10745640" cy="5033160"/>
           </a:xfrm>
           <a:prstGeom prst="rect">
             <a:avLst/>
@@ -7900,7 +7900,7 @@
             </a:endParaRPr>
           </a:p>
           <a:p>
-            <a:pPr marL="195120" indent="-191520">
+            <a:pPr marL="195120" indent="-191160">
               <a:lnSpc>
                 <a:spcPct val="100000"/>
               </a:lnSpc>
@@ -7969,7 +7969,7 @@
             </a:endParaRPr>
           </a:p>
           <a:p>
-            <a:pPr marL="195120" indent="-191520">
+            <a:pPr marL="195120" indent="-191160">
               <a:lnSpc>
                 <a:spcPct val="100000"/>
               </a:lnSpc>
@@ -7998,7 +7998,7 @@
             </a:endParaRPr>
           </a:p>
           <a:p>
-            <a:pPr marL="195120" indent="-191520">
+            <a:pPr marL="195120" indent="-191160">
               <a:lnSpc>
                 <a:spcPct val="100000"/>
               </a:lnSpc>
@@ -8027,7 +8027,7 @@
             </a:endParaRPr>
           </a:p>
           <a:p>
-            <a:pPr marL="195120" indent="-191520">
+            <a:pPr marL="195120" indent="-191160">
               <a:lnSpc>
                 <a:spcPct val="100000"/>
               </a:lnSpc>
@@ -8056,7 +8056,7 @@
             </a:endParaRPr>
           </a:p>
           <a:p>
-            <a:pPr marL="195120" indent="-191520">
+            <a:pPr marL="195120" indent="-191160">
               <a:lnSpc>
                 <a:spcPct val="100000"/>
               </a:lnSpc>
@@ -8115,7 +8115,7 @@
             </a:endParaRPr>
           </a:p>
           <a:p>
-            <a:pPr marL="195120" indent="-191520">
+            <a:pPr marL="195120" indent="-191160">
               <a:lnSpc>
                 <a:spcPct val="100000"/>
               </a:lnSpc>
@@ -8145,7 +8145,7 @@
             </a:endParaRPr>
           </a:p>
           <a:p>
-            <a:pPr marL="195120" indent="-191520">
+            <a:pPr marL="195120" indent="-191160">
               <a:lnSpc>
                 <a:spcPct val="100000"/>
               </a:lnSpc>
@@ -8174,7 +8174,7 @@
             </a:endParaRPr>
           </a:p>
           <a:p>
-            <a:pPr marL="195120" indent="-191520">
+            <a:pPr marL="195120" indent="-191160">
               <a:lnSpc>
                 <a:spcPct val="100000"/>
               </a:lnSpc>
@@ -8243,7 +8243,7 @@
         <p:spPr>
           <a:xfrm>
             <a:off x="335520" y="764640"/>
-            <a:ext cx="10746000" cy="496800"/>
+            <a:ext cx="10745640" cy="496440"/>
           </a:xfrm>
           <a:prstGeom prst="rect">
             <a:avLst/>
@@ -8294,7 +8294,7 @@
         <p:spPr>
           <a:xfrm>
             <a:off x="335520" y="1268280"/>
-            <a:ext cx="10746000" cy="5033520"/>
+            <a:ext cx="10745640" cy="5033160"/>
           </a:xfrm>
           <a:prstGeom prst="rect">
             <a:avLst/>
@@ -8315,7 +8315,7 @@
             <a:noAutofit/>
           </a:bodyPr>
           <a:p>
-            <a:pPr marL="216000" indent="-215640">
+            <a:pPr marL="216000" indent="-215280">
               <a:lnSpc>
                 <a:spcPct val="100000"/>
               </a:lnSpc>
@@ -8341,7 +8341,7 @@
             </a:endParaRPr>
           </a:p>
           <a:p>
-            <a:pPr lvl="1" marL="432000" indent="-215640">
+            <a:pPr lvl="1" marL="432000" indent="-215280">
               <a:lnSpc>
                 <a:spcPct val="100000"/>
               </a:lnSpc>
@@ -8370,7 +8370,7 @@
             </a:endParaRPr>
           </a:p>
           <a:p>
-            <a:pPr lvl="1" marL="432000" indent="-215640">
+            <a:pPr lvl="1" marL="432000" indent="-215280">
               <a:lnSpc>
                 <a:spcPct val="100000"/>
               </a:lnSpc>
@@ -8399,7 +8399,7 @@
             </a:endParaRPr>
           </a:p>
           <a:p>
-            <a:pPr lvl="1" marL="432000" indent="-215640">
+            <a:pPr lvl="1" marL="432000" indent="-215280">
               <a:lnSpc>
                 <a:spcPct val="100000"/>
               </a:lnSpc>
@@ -8428,7 +8428,7 @@
             </a:endParaRPr>
           </a:p>
           <a:p>
-            <a:pPr lvl="1" marL="432000" indent="-215640">
+            <a:pPr lvl="1" marL="432000" indent="-215280">
               <a:lnSpc>
                 <a:spcPct val="100000"/>
               </a:lnSpc>
@@ -8457,7 +8457,7 @@
             </a:endParaRPr>
           </a:p>
           <a:p>
-            <a:pPr lvl="1" marL="432000" indent="-215640">
+            <a:pPr lvl="1" marL="432000" indent="-215280">
               <a:lnSpc>
                 <a:spcPct val="100000"/>
               </a:lnSpc>
@@ -8526,7 +8526,7 @@
         <p:spPr>
           <a:xfrm>
             <a:off x="335520" y="764640"/>
-            <a:ext cx="10746000" cy="496800"/>
+            <a:ext cx="10745640" cy="496440"/>
           </a:xfrm>
           <a:prstGeom prst="rect">
             <a:avLst/>
@@ -8577,7 +8577,7 @@
         <p:spPr>
           <a:xfrm>
             <a:off x="335520" y="1268640"/>
-            <a:ext cx="10746000" cy="5033520"/>
+            <a:ext cx="10745640" cy="5033160"/>
           </a:xfrm>
           <a:prstGeom prst="rect">
             <a:avLst/>
@@ -8598,7 +8598,7 @@
             <a:noAutofit/>
           </a:bodyPr>
           <a:p>
-            <a:pPr marL="216000" indent="-215640">
+            <a:pPr marL="216000" indent="-215280">
               <a:lnSpc>
                 <a:spcPct val="100000"/>
               </a:lnSpc>
@@ -8627,7 +8627,7 @@
             </a:endParaRPr>
           </a:p>
           <a:p>
-            <a:pPr marL="216000" indent="-215640">
+            <a:pPr marL="216000" indent="-215280">
               <a:lnSpc>
                 <a:spcPct val="100000"/>
               </a:lnSpc>
@@ -8656,7 +8656,7 @@
             </a:endParaRPr>
           </a:p>
           <a:p>
-            <a:pPr marL="216000" indent="-215640">
+            <a:pPr marL="216000" indent="-215280">
               <a:lnSpc>
                 <a:spcPct val="100000"/>
               </a:lnSpc>
@@ -8705,7 +8705,7 @@
             </a:endParaRPr>
           </a:p>
           <a:p>
-            <a:pPr lvl="1" marL="432000" indent="-215640">
+            <a:pPr lvl="1" marL="432000" indent="-215280">
               <a:lnSpc>
                 <a:spcPct val="100000"/>
               </a:lnSpc>
@@ -8734,7 +8734,7 @@
             </a:endParaRPr>
           </a:p>
           <a:p>
-            <a:pPr lvl="1" marL="432000" indent="-215640">
+            <a:pPr lvl="1" marL="432000" indent="-215280">
               <a:lnSpc>
                 <a:spcPct val="100000"/>
               </a:lnSpc>
@@ -8793,7 +8793,7 @@
         <p:spPr>
           <a:xfrm>
             <a:off x="4655880" y="476640"/>
-            <a:ext cx="2432160" cy="358200"/>
+            <a:ext cx="2431800" cy="357840"/>
           </a:xfrm>
           <a:prstGeom prst="rect">
             <a:avLst/>
@@ -8849,7 +8849,7 @@
         <p:spPr>
           <a:xfrm>
             <a:off x="335520" y="764640"/>
-            <a:ext cx="10743840" cy="494640"/>
+            <a:ext cx="10743480" cy="494280"/>
           </a:xfrm>
           <a:prstGeom prst="rect">
             <a:avLst/>
@@ -8900,7 +8900,7 @@
         <p:spPr>
           <a:xfrm>
             <a:off x="335520" y="1268640"/>
-            <a:ext cx="10743840" cy="5031360"/>
+            <a:ext cx="10743480" cy="5031000"/>
           </a:xfrm>
           <a:prstGeom prst="rect">
             <a:avLst/>
@@ -8957,7 +8957,7 @@
         <p:spPr>
           <a:xfrm>
             <a:off x="336600" y="3429000"/>
-            <a:ext cx="10861560" cy="2053440"/>
+            <a:ext cx="10861200" cy="2053080"/>
           </a:xfrm>
           <a:prstGeom prst="rect">
             <a:avLst/>
@@ -8978,7 +8978,7 @@
             <a:noAutofit/>
           </a:bodyPr>
           <a:p>
-            <a:pPr marL="216000" indent="-214560">
+            <a:pPr marL="216000" indent="-214200">
               <a:lnSpc>
                 <a:spcPct val="100000"/>
               </a:lnSpc>
@@ -9052,7 +9052,7 @@
             </a:endParaRPr>
           </a:p>
           <a:p>
-            <a:pPr marL="216000" indent="-214560">
+            <a:pPr marL="216000" indent="-214200">
               <a:lnSpc>
                 <a:spcPct val="100000"/>
               </a:lnSpc>
@@ -9146,7 +9146,7 @@
         <p:spPr>
           <a:xfrm>
             <a:off x="335520" y="764640"/>
-            <a:ext cx="10746000" cy="496800"/>
+            <a:ext cx="10745640" cy="496440"/>
           </a:xfrm>
           <a:prstGeom prst="rect">
             <a:avLst/>
@@ -9197,7 +9197,7 @@
         <p:spPr>
           <a:xfrm>
             <a:off x="335520" y="1268640"/>
-            <a:ext cx="10746000" cy="5033520"/>
+            <a:ext cx="10745640" cy="5033160"/>
           </a:xfrm>
           <a:prstGeom prst="rect">
             <a:avLst/>
@@ -9218,7 +9218,7 @@
             <a:noAutofit/>
           </a:bodyPr>
           <a:p>
-            <a:pPr marL="195120" indent="-191520">
+            <a:pPr marL="195120" indent="-191160">
               <a:lnSpc>
                 <a:spcPct val="100000"/>
               </a:lnSpc>
@@ -9247,7 +9247,7 @@
             </a:endParaRPr>
           </a:p>
           <a:p>
-            <a:pPr marL="195120" indent="-191520">
+            <a:pPr marL="195120" indent="-191160">
               <a:lnSpc>
                 <a:spcPct val="100000"/>
               </a:lnSpc>
@@ -9276,7 +9276,7 @@
             </a:endParaRPr>
           </a:p>
           <a:p>
-            <a:pPr marL="195120" indent="-191520">
+            <a:pPr marL="195120" indent="-191160">
               <a:lnSpc>
                 <a:spcPct val="100000"/>
               </a:lnSpc>
@@ -9315,7 +9315,7 @@
         <p:spPr>
           <a:xfrm>
             <a:off x="4655880" y="476640"/>
-            <a:ext cx="2432160" cy="358200"/>
+            <a:ext cx="2431800" cy="357840"/>
           </a:xfrm>
           <a:prstGeom prst="rect">
             <a:avLst/>
@@ -9371,7 +9371,7 @@
         <p:spPr>
           <a:xfrm>
             <a:off x="335520" y="840960"/>
-            <a:ext cx="10746000" cy="496800"/>
+            <a:ext cx="10745640" cy="496440"/>
           </a:xfrm>
           <a:prstGeom prst="rect">
             <a:avLst/>
@@ -9422,7 +9422,7 @@
         <p:spPr>
           <a:xfrm>
             <a:off x="388800" y="1488600"/>
-            <a:ext cx="10724400" cy="5204520"/>
+            <a:ext cx="10724040" cy="5204520"/>
           </a:xfrm>
           <a:prstGeom prst="rect">
             <a:avLst/>
@@ -9473,7 +9473,7 @@
             </a:endParaRPr>
           </a:p>
           <a:p>
-            <a:pPr marL="216000" indent="-215640">
+            <a:pPr marL="216000" indent="-215280">
               <a:lnSpc>
                 <a:spcPct val="100000"/>
               </a:lnSpc>
@@ -9519,7 +9519,7 @@
             </a:endParaRPr>
           </a:p>
           <a:p>
-            <a:pPr marL="216000" indent="-215640">
+            <a:pPr marL="216000" indent="-215280">
               <a:lnSpc>
                 <a:spcPct val="100000"/>
               </a:lnSpc>
@@ -9565,7 +9565,7 @@
             </a:endParaRPr>
           </a:p>
           <a:p>
-            <a:pPr marL="216000" indent="-215640">
+            <a:pPr marL="216000" indent="-215280">
               <a:lnSpc>
                 <a:spcPct val="100000"/>
               </a:lnSpc>
@@ -9591,7 +9591,7 @@
             </a:endParaRPr>
           </a:p>
           <a:p>
-            <a:pPr marL="216000" indent="-215640">
+            <a:pPr marL="216000" indent="-215280">
               <a:lnSpc>
                 <a:spcPct val="100000"/>
               </a:lnSpc>
@@ -9627,7 +9627,7 @@
             </a:endParaRPr>
           </a:p>
           <a:p>
-            <a:pPr marL="216000" indent="-215640">
+            <a:pPr marL="216000" indent="-215280">
               <a:lnSpc>
                 <a:spcPct val="100000"/>
               </a:lnSpc>
@@ -9653,7 +9653,7 @@
             </a:endParaRPr>
           </a:p>
           <a:p>
-            <a:pPr marL="216000" indent="-215640">
+            <a:pPr marL="216000" indent="-215280">
               <a:lnSpc>
                 <a:spcPct val="100000"/>
               </a:lnSpc>
@@ -9679,7 +9679,7 @@
             </a:endParaRPr>
           </a:p>
           <a:p>
-            <a:pPr marL="216000" indent="-215640">
+            <a:pPr marL="216000" indent="-215280">
               <a:lnSpc>
                 <a:spcPct val="100000"/>
               </a:lnSpc>
@@ -9715,7 +9715,7 @@
             </a:endParaRPr>
           </a:p>
           <a:p>
-            <a:pPr marL="216000" indent="-215640">
+            <a:pPr marL="216000" indent="-215280">
               <a:lnSpc>
                 <a:spcPct val="100000"/>
               </a:lnSpc>
@@ -9741,7 +9741,7 @@
             </a:endParaRPr>
           </a:p>
           <a:p>
-            <a:pPr marL="216000" indent="-215640">
+            <a:pPr marL="216000" indent="-215280">
               <a:lnSpc>
                 <a:spcPct val="100000"/>
               </a:lnSpc>
@@ -9787,7 +9787,7 @@
             </a:endParaRPr>
           </a:p>
           <a:p>
-            <a:pPr marL="216000" indent="-215640">
+            <a:pPr marL="216000" indent="-215280">
               <a:lnSpc>
                 <a:spcPct val="100000"/>
               </a:lnSpc>
@@ -9823,7 +9823,7 @@
             </a:endParaRPr>
           </a:p>
           <a:p>
-            <a:pPr marL="216000" indent="-215640">
+            <a:pPr marL="216000" indent="-215280">
               <a:lnSpc>
                 <a:spcPct val="100000"/>
               </a:lnSpc>
@@ -9889,7 +9889,7 @@
             </a:endParaRPr>
           </a:p>
           <a:p>
-            <a:pPr marL="216000" indent="-215640">
+            <a:pPr marL="216000" indent="-215280">
               <a:lnSpc>
                 <a:spcPct val="100000"/>
               </a:lnSpc>
@@ -9925,7 +9925,7 @@
             </a:endParaRPr>
           </a:p>
           <a:p>
-            <a:pPr marL="216000" indent="-215640">
+            <a:pPr marL="216000" indent="-215280">
               <a:lnSpc>
                 <a:spcPct val="100000"/>
               </a:lnSpc>
@@ -9991,7 +9991,7 @@
         <p:spPr>
           <a:xfrm>
             <a:off x="335520" y="764640"/>
-            <a:ext cx="10746000" cy="496800"/>
+            <a:ext cx="10745640" cy="496440"/>
           </a:xfrm>
           <a:prstGeom prst="rect">
             <a:avLst/>
@@ -10042,7 +10042,7 @@
         <p:spPr>
           <a:xfrm>
             <a:off x="4655880" y="476640"/>
-            <a:ext cx="2432160" cy="358200"/>
+            <a:ext cx="2431800" cy="357840"/>
           </a:xfrm>
           <a:prstGeom prst="rect">
             <a:avLst/>
@@ -10068,7 +10068,7 @@
         <p:spPr>
           <a:xfrm>
             <a:off x="494640" y="1523880"/>
-            <a:ext cx="10364760" cy="479880"/>
+            <a:ext cx="10364400" cy="479520"/>
           </a:xfrm>
           <a:prstGeom prst="rect">
             <a:avLst/>
@@ -10118,13 +10118,13 @@
         </p:nvPicPr>
         <p:blipFill>
           <a:blip r:embed="rId1"/>
-          <a:srcRect l="0" t="0" r="0" b="43302"/>
+          <a:srcRect l="0" t="0" r="0" b="43298"/>
           <a:stretch/>
         </p:blipFill>
         <p:spPr>
           <a:xfrm>
             <a:off x="609120" y="2057760"/>
-            <a:ext cx="9517320" cy="3881520"/>
+            <a:ext cx="9516960" cy="3881160"/>
           </a:xfrm>
           <a:prstGeom prst="rect">
             <a:avLst/>
@@ -10173,7 +10173,7 @@
         <p:spPr>
           <a:xfrm>
             <a:off x="335520" y="764640"/>
-            <a:ext cx="10746000" cy="496800"/>
+            <a:ext cx="10745640" cy="496440"/>
           </a:xfrm>
           <a:prstGeom prst="rect">
             <a:avLst/>
@@ -10224,7 +10224,7 @@
         <p:spPr>
           <a:xfrm>
             <a:off x="4655880" y="476640"/>
-            <a:ext cx="2432160" cy="358200"/>
+            <a:ext cx="2431800" cy="357840"/>
           </a:xfrm>
           <a:prstGeom prst="rect">
             <a:avLst/>
@@ -10250,7 +10250,7 @@
         <p:spPr>
           <a:xfrm>
             <a:off x="494640" y="1474920"/>
-            <a:ext cx="10364760" cy="479880"/>
+            <a:ext cx="10364400" cy="479520"/>
           </a:xfrm>
           <a:prstGeom prst="rect">
             <a:avLst/>
@@ -10316,7 +10316,7 @@
         <p:spPr>
           <a:xfrm>
             <a:off x="446400" y="2185200"/>
-            <a:ext cx="9404640" cy="3847680"/>
+            <a:ext cx="9404280" cy="3847320"/>
           </a:xfrm>
           <a:prstGeom prst="rect">
             <a:avLst/>
@@ -10365,7 +10365,7 @@
         <p:spPr>
           <a:xfrm>
             <a:off x="335520" y="764640"/>
-            <a:ext cx="10746000" cy="496800"/>
+            <a:ext cx="10745640" cy="496440"/>
           </a:xfrm>
           <a:prstGeom prst="rect">
             <a:avLst/>
@@ -10416,7 +10416,7 @@
         <p:spPr>
           <a:xfrm>
             <a:off x="4655880" y="476640"/>
-            <a:ext cx="2432160" cy="358200"/>
+            <a:ext cx="2431800" cy="357840"/>
           </a:xfrm>
           <a:prstGeom prst="rect">
             <a:avLst/>
@@ -10442,7 +10442,7 @@
         <p:spPr>
           <a:xfrm>
             <a:off x="494640" y="1523880"/>
-            <a:ext cx="10364760" cy="479880"/>
+            <a:ext cx="10364400" cy="479520"/>
           </a:xfrm>
           <a:prstGeom prst="rect">
             <a:avLst/>
@@ -10498,7 +10498,7 @@
         <p:spPr>
           <a:xfrm>
             <a:off x="494640" y="2088360"/>
-            <a:ext cx="8942400" cy="3963960"/>
+            <a:ext cx="8942040" cy="3963600"/>
           </a:xfrm>
           <a:prstGeom prst="rect">
             <a:avLst/>
@@ -10547,7 +10547,7 @@
         <p:spPr>
           <a:xfrm>
             <a:off x="335520" y="764640"/>
-            <a:ext cx="10746000" cy="496800"/>
+            <a:ext cx="10745640" cy="496440"/>
           </a:xfrm>
           <a:prstGeom prst="rect">
             <a:avLst/>
@@ -10598,7 +10598,7 @@
         <p:spPr>
           <a:xfrm>
             <a:off x="4655880" y="476640"/>
-            <a:ext cx="2432160" cy="358200"/>
+            <a:ext cx="2431800" cy="357840"/>
           </a:xfrm>
           <a:prstGeom prst="rect">
             <a:avLst/>
@@ -10624,7 +10624,7 @@
         <p:spPr>
           <a:xfrm>
             <a:off x="494640" y="1523880"/>
-            <a:ext cx="10364760" cy="479880"/>
+            <a:ext cx="10364400" cy="479520"/>
           </a:xfrm>
           <a:prstGeom prst="rect">
             <a:avLst/>
@@ -10680,7 +10680,7 @@
         <p:spPr>
           <a:xfrm>
             <a:off x="494640" y="2166840"/>
-            <a:ext cx="8337960" cy="4179240"/>
+            <a:ext cx="8337600" cy="4178880"/>
           </a:xfrm>
           <a:prstGeom prst="rect">
             <a:avLst/>
@@ -10729,7 +10729,7 @@
         <p:spPr>
           <a:xfrm>
             <a:off x="335520" y="768240"/>
-            <a:ext cx="10746000" cy="496800"/>
+            <a:ext cx="10745640" cy="496440"/>
           </a:xfrm>
           <a:prstGeom prst="rect">
             <a:avLst/>
@@ -10780,7 +10780,7 @@
         <p:spPr>
           <a:xfrm>
             <a:off x="388800" y="1488600"/>
-            <a:ext cx="10719720" cy="5204520"/>
+            <a:ext cx="10719360" cy="5204520"/>
           </a:xfrm>
           <a:prstGeom prst="rect">
             <a:avLst/>
@@ -10831,7 +10831,7 @@
             </a:endParaRPr>
           </a:p>
           <a:p>
-            <a:pPr marL="216000" indent="-213840">
+            <a:pPr marL="216000" indent="-213480">
               <a:lnSpc>
                 <a:spcPct val="100000"/>
               </a:lnSpc>
@@ -10887,7 +10887,7 @@
             </a:endParaRPr>
           </a:p>
           <a:p>
-            <a:pPr marL="216000" indent="-213840">
+            <a:pPr marL="216000" indent="-213480">
               <a:lnSpc>
                 <a:spcPct val="100000"/>
               </a:lnSpc>
@@ -10943,7 +10943,7 @@
             </a:endParaRPr>
           </a:p>
           <a:p>
-            <a:pPr marL="216000" indent="-213840">
+            <a:pPr marL="216000" indent="-213480">
               <a:lnSpc>
                 <a:spcPct val="100000"/>
               </a:lnSpc>
@@ -10969,7 +10969,7 @@
             </a:endParaRPr>
           </a:p>
           <a:p>
-            <a:pPr marL="216000" indent="-213840">
+            <a:pPr marL="216000" indent="-213480">
               <a:lnSpc>
                 <a:spcPct val="100000"/>
               </a:lnSpc>
@@ -11005,7 +11005,7 @@
             </a:endParaRPr>
           </a:p>
           <a:p>
-            <a:pPr marL="216000" indent="-213840">
+            <a:pPr marL="216000" indent="-213480">
               <a:lnSpc>
                 <a:spcPct val="100000"/>
               </a:lnSpc>
@@ -11031,7 +11031,7 @@
             </a:endParaRPr>
           </a:p>
           <a:p>
-            <a:pPr marL="216000" indent="-213840">
+            <a:pPr marL="216000" indent="-213480">
               <a:lnSpc>
                 <a:spcPct val="100000"/>
               </a:lnSpc>
@@ -11057,7 +11057,7 @@
             </a:endParaRPr>
           </a:p>
           <a:p>
-            <a:pPr marL="216000" indent="-213840">
+            <a:pPr marL="216000" indent="-213480">
               <a:lnSpc>
                 <a:spcPct val="100000"/>
               </a:lnSpc>
@@ -11093,7 +11093,7 @@
             </a:endParaRPr>
           </a:p>
           <a:p>
-            <a:pPr marL="216000" indent="-213840">
+            <a:pPr marL="216000" indent="-213480">
               <a:lnSpc>
                 <a:spcPct val="100000"/>
               </a:lnSpc>
@@ -11119,7 +11119,7 @@
             </a:endParaRPr>
           </a:p>
           <a:p>
-            <a:pPr marL="216000" indent="-213840">
+            <a:pPr marL="216000" indent="-213480">
               <a:lnSpc>
                 <a:spcPct val="100000"/>
               </a:lnSpc>
@@ -11165,7 +11165,7 @@
             </a:endParaRPr>
           </a:p>
           <a:p>
-            <a:pPr marL="216000" indent="-213840">
+            <a:pPr marL="216000" indent="-213480">
               <a:lnSpc>
                 <a:spcPct val="100000"/>
               </a:lnSpc>
@@ -11201,7 +11201,7 @@
             </a:endParaRPr>
           </a:p>
           <a:p>
-            <a:pPr marL="216000" indent="-213840">
+            <a:pPr marL="216000" indent="-213480">
               <a:lnSpc>
                 <a:spcPct val="100000"/>
               </a:lnSpc>
@@ -11267,7 +11267,7 @@
             </a:endParaRPr>
           </a:p>
           <a:p>
-            <a:pPr marL="216000" indent="-213840">
+            <a:pPr marL="216000" indent="-213480">
               <a:lnSpc>
                 <a:spcPct val="100000"/>
               </a:lnSpc>
@@ -11303,7 +11303,7 @@
             </a:endParaRPr>
           </a:p>
           <a:p>
-            <a:pPr marL="216000" indent="-213840">
+            <a:pPr marL="216000" indent="-213480">
               <a:lnSpc>
                 <a:spcPct val="100000"/>
               </a:lnSpc>
@@ -11369,7 +11369,7 @@
         <p:spPr>
           <a:xfrm>
             <a:off x="335520" y="764640"/>
-            <a:ext cx="10746000" cy="496800"/>
+            <a:ext cx="10745640" cy="496440"/>
           </a:xfrm>
           <a:prstGeom prst="rect">
             <a:avLst/>
@@ -11420,7 +11420,7 @@
         <p:spPr>
           <a:xfrm>
             <a:off x="494640" y="1523880"/>
-            <a:ext cx="10364760" cy="479880"/>
+            <a:ext cx="10364400" cy="479520"/>
           </a:xfrm>
           <a:prstGeom prst="rect">
             <a:avLst/>
@@ -11510,7 +11510,7 @@
         <p:spPr>
           <a:xfrm>
             <a:off x="1895760" y="2238840"/>
-            <a:ext cx="6787080" cy="4158000"/>
+            <a:ext cx="6786720" cy="4157640"/>
           </a:xfrm>
           <a:prstGeom prst="rect">
             <a:avLst/>
@@ -11559,7 +11559,7 @@
         <p:spPr>
           <a:xfrm>
             <a:off x="335520" y="764640"/>
-            <a:ext cx="10746000" cy="496800"/>
+            <a:ext cx="10745640" cy="496440"/>
           </a:xfrm>
           <a:prstGeom prst="rect">
             <a:avLst/>
@@ -11610,7 +11610,7 @@
         <p:spPr>
           <a:xfrm>
             <a:off x="494640" y="1488600"/>
-            <a:ext cx="5447520" cy="444600"/>
+            <a:ext cx="5447160" cy="444240"/>
           </a:xfrm>
           <a:prstGeom prst="rect">
             <a:avLst/>
@@ -11676,7 +11676,7 @@
         <p:spPr>
           <a:xfrm>
             <a:off x="1828800" y="1937160"/>
-            <a:ext cx="7954560" cy="4088880"/>
+            <a:ext cx="7954200" cy="4088520"/>
           </a:xfrm>
           <a:prstGeom prst="rect">
             <a:avLst/>
@@ -11725,7 +11725,7 @@
         <p:spPr>
           <a:xfrm>
             <a:off x="335520" y="764640"/>
-            <a:ext cx="10746000" cy="496800"/>
+            <a:ext cx="10745640" cy="496440"/>
           </a:xfrm>
           <a:prstGeom prst="rect">
             <a:avLst/>
@@ -11780,7 +11780,7 @@
         <p:spPr>
           <a:xfrm>
             <a:off x="2679480" y="2130480"/>
-            <a:ext cx="7374960" cy="3485880"/>
+            <a:ext cx="7374600" cy="3485520"/>
           </a:xfrm>
           <a:prstGeom prst="rect">
             <a:avLst/>
@@ -11799,7 +11799,7 @@
         <p:spPr>
           <a:xfrm>
             <a:off x="494640" y="1418040"/>
-            <a:ext cx="5218920" cy="444600"/>
+            <a:ext cx="5218560" cy="444240"/>
           </a:xfrm>
           <a:prstGeom prst="rect">
             <a:avLst/>
@@ -11880,7 +11880,7 @@
         <p:spPr>
           <a:xfrm>
             <a:off x="335520" y="764640"/>
-            <a:ext cx="10746000" cy="496800"/>
+            <a:ext cx="10745640" cy="496440"/>
           </a:xfrm>
           <a:prstGeom prst="rect">
             <a:avLst/>
@@ -11935,7 +11935,7 @@
         <p:spPr>
           <a:xfrm>
             <a:off x="2394720" y="1153800"/>
-            <a:ext cx="1468800" cy="2170080"/>
+            <a:ext cx="1468440" cy="2169720"/>
           </a:xfrm>
           <a:prstGeom prst="rect">
             <a:avLst/>
@@ -11958,7 +11958,7 @@
         <p:spPr>
           <a:xfrm>
             <a:off x="7250040" y="1153800"/>
-            <a:ext cx="1734120" cy="2170080"/>
+            <a:ext cx="1733760" cy="2169720"/>
           </a:xfrm>
           <a:prstGeom prst="rect">
             <a:avLst/>
@@ -11981,7 +11981,7 @@
         <p:spPr>
           <a:xfrm>
             <a:off x="4846320" y="4206240"/>
-            <a:ext cx="1782720" cy="1774800"/>
+            <a:ext cx="1782360" cy="1774440"/>
           </a:xfrm>
           <a:prstGeom prst="rect">
             <a:avLst/>
@@ -12000,7 +12000,7 @@
         <p:spPr>
           <a:xfrm>
             <a:off x="1330200" y="3269880"/>
-            <a:ext cx="3633480" cy="675000"/>
+            <a:ext cx="3633120" cy="674640"/>
           </a:xfrm>
           <a:prstGeom prst="rect">
             <a:avLst/>
@@ -12077,7 +12077,7 @@
         <p:spPr>
           <a:xfrm>
             <a:off x="6321600" y="3269880"/>
-            <a:ext cx="3633480" cy="675000"/>
+            <a:ext cx="3633120" cy="674640"/>
           </a:xfrm>
           <a:prstGeom prst="rect">
             <a:avLst/>
@@ -12154,7 +12154,7 @@
         <p:spPr>
           <a:xfrm>
             <a:off x="1312200" y="5920200"/>
-            <a:ext cx="3633480" cy="675000"/>
+            <a:ext cx="3633120" cy="674640"/>
           </a:xfrm>
           <a:prstGeom prst="rect">
             <a:avLst/>
@@ -12211,7 +12211,7 @@
         <p:spPr>
           <a:xfrm>
             <a:off x="3950640" y="5903280"/>
-            <a:ext cx="3633480" cy="675000"/>
+            <a:ext cx="3633120" cy="674640"/>
           </a:xfrm>
           <a:prstGeom prst="rect">
             <a:avLst/>
@@ -12322,7 +12322,7 @@
         <p:spPr>
           <a:xfrm>
             <a:off x="685800" y="2514600"/>
-            <a:ext cx="8872920" cy="3839400"/>
+            <a:ext cx="8872560" cy="3839040"/>
           </a:xfrm>
           <a:prstGeom prst="rect">
             <a:avLst/>
@@ -12341,7 +12341,7 @@
         <p:spPr>
           <a:xfrm>
             <a:off x="335520" y="764640"/>
-            <a:ext cx="10746000" cy="496800"/>
+            <a:ext cx="10745640" cy="496440"/>
           </a:xfrm>
           <a:prstGeom prst="rect">
             <a:avLst/>
@@ -12392,7 +12392,7 @@
         <p:spPr>
           <a:xfrm>
             <a:off x="494640" y="1312200"/>
-            <a:ext cx="1735920" cy="367200"/>
+            <a:ext cx="1735560" cy="366840"/>
           </a:xfrm>
           <a:prstGeom prst="rect">
             <a:avLst/>
@@ -12568,7 +12568,7 @@
         <p:spPr>
           <a:xfrm>
             <a:off x="642600" y="1679400"/>
-            <a:ext cx="4402800" cy="638280"/>
+            <a:ext cx="4402440" cy="638280"/>
           </a:xfrm>
           <a:prstGeom prst="rect">
             <a:avLst/>
@@ -12639,7 +12639,7 @@
         <p:spPr>
           <a:xfrm>
             <a:off x="6549480" y="1679400"/>
-            <a:ext cx="4876560" cy="633240"/>
+            <a:ext cx="4876200" cy="632880"/>
           </a:xfrm>
           <a:prstGeom prst="rect">
             <a:avLst/>
@@ -12710,7 +12710,7 @@
         <p:spPr>
           <a:xfrm>
             <a:off x="7839360" y="1679400"/>
-            <a:ext cx="2617920" cy="430560"/>
+            <a:ext cx="2617560" cy="430200"/>
           </a:xfrm>
           <a:prstGeom prst="rect">
             <a:avLst/>
@@ -12761,7 +12761,7 @@
         <p:spPr>
           <a:xfrm>
             <a:off x="8857440" y="3943440"/>
-            <a:ext cx="282600" cy="363960"/>
+            <a:ext cx="282240" cy="363960"/>
           </a:xfrm>
           <a:prstGeom prst="rect">
             <a:avLst/>
@@ -12812,7 +12812,7 @@
         <p:spPr>
           <a:xfrm>
             <a:off x="9537840" y="4548960"/>
-            <a:ext cx="282600" cy="363960"/>
+            <a:ext cx="282240" cy="363960"/>
           </a:xfrm>
           <a:prstGeom prst="rect">
             <a:avLst/>
@@ -12863,7 +12863,7 @@
         <p:spPr>
           <a:xfrm>
             <a:off x="7279920" y="6101280"/>
-            <a:ext cx="282960" cy="363960"/>
+            <a:ext cx="282600" cy="363960"/>
           </a:xfrm>
           <a:prstGeom prst="rect">
             <a:avLst/>
@@ -12949,7 +12949,7 @@
         <p:spPr>
           <a:xfrm>
             <a:off x="1058760" y="6130800"/>
-            <a:ext cx="282960" cy="363960"/>
+            <a:ext cx="282600" cy="363960"/>
           </a:xfrm>
           <a:prstGeom prst="rect">
             <a:avLst/>
@@ -13030,7 +13030,7 @@
         <p:spPr>
           <a:xfrm>
             <a:off x="335520" y="764640"/>
-            <a:ext cx="10746000" cy="496800"/>
+            <a:ext cx="10745640" cy="496440"/>
           </a:xfrm>
           <a:prstGeom prst="rect">
             <a:avLst/>
@@ -13081,7 +13081,7 @@
         <p:spPr>
           <a:xfrm>
             <a:off x="335520" y="1268640"/>
-            <a:ext cx="10746000" cy="5033520"/>
+            <a:ext cx="10745640" cy="5033160"/>
           </a:xfrm>
           <a:prstGeom prst="rect">
             <a:avLst/>
@@ -13102,7 +13102,7 @@
             <a:noAutofit/>
           </a:bodyPr>
           <a:p>
-            <a:pPr marL="216000" indent="-215640">
+            <a:pPr marL="216000" indent="-215280">
               <a:lnSpc>
                 <a:spcPct val="100000"/>
               </a:lnSpc>
@@ -13131,7 +13131,7 @@
             </a:endParaRPr>
           </a:p>
           <a:p>
-            <a:pPr lvl="1" marL="432000" indent="-215640">
+            <a:pPr lvl="1" marL="432000" indent="-215280">
               <a:lnSpc>
                 <a:spcPct val="100000"/>
               </a:lnSpc>
@@ -13173,7 +13173,7 @@
             </a:endParaRPr>
           </a:p>
           <a:p>
-            <a:pPr marL="216000" indent="-215640">
+            <a:pPr marL="216000" indent="-215280">
               <a:lnSpc>
                 <a:spcPct val="100000"/>
               </a:lnSpc>
@@ -13202,7 +13202,7 @@
             </a:endParaRPr>
           </a:p>
           <a:p>
-            <a:pPr lvl="1" marL="432000" indent="-215640">
+            <a:pPr lvl="1" marL="432000" indent="-215280">
               <a:lnSpc>
                 <a:spcPct val="100000"/>
               </a:lnSpc>
@@ -13241,7 +13241,7 @@
             </a:endParaRPr>
           </a:p>
           <a:p>
-            <a:pPr lvl="1" marL="432000" indent="-215640">
+            <a:pPr lvl="1" marL="432000" indent="-215280">
               <a:lnSpc>
                 <a:spcPct val="100000"/>
               </a:lnSpc>
@@ -13270,7 +13270,7 @@
             </a:endParaRPr>
           </a:p>
           <a:p>
-            <a:pPr lvl="1" marL="432000" indent="-215640">
+            <a:pPr lvl="1" marL="432000" indent="-215280">
               <a:lnSpc>
                 <a:spcPct val="100000"/>
               </a:lnSpc>
@@ -13352,7 +13352,7 @@
         <p:spPr>
           <a:xfrm>
             <a:off x="335520" y="764640"/>
-            <a:ext cx="10744200" cy="495000"/>
+            <a:ext cx="10743840" cy="494640"/>
           </a:xfrm>
           <a:prstGeom prst="rect">
             <a:avLst/>
@@ -13403,7 +13403,7 @@
         <p:spPr>
           <a:xfrm>
             <a:off x="335520" y="1268280"/>
-            <a:ext cx="10744200" cy="5031720"/>
+            <a:ext cx="10743840" cy="5031360"/>
           </a:xfrm>
           <a:prstGeom prst="rect">
             <a:avLst/>
@@ -13437,7 +13437,7 @@
             </a:endParaRPr>
           </a:p>
           <a:p>
-            <a:pPr marL="195120" indent="-190080">
+            <a:pPr marL="195120" indent="-189720">
               <a:lnSpc>
                 <a:spcPct val="100000"/>
               </a:lnSpc>
@@ -13493,7 +13493,7 @@
         <p:spPr>
           <a:xfrm>
             <a:off x="6285600" y="2132640"/>
-            <a:ext cx="513720" cy="493560"/>
+            <a:ext cx="513360" cy="493200"/>
           </a:xfrm>
           <a:prstGeom prst="star5">
             <a:avLst>
@@ -13535,7 +13535,7 @@
         <p:spPr>
           <a:xfrm>
             <a:off x="4089960" y="2247480"/>
-            <a:ext cx="2282040" cy="363960"/>
+            <a:ext cx="2281680" cy="363960"/>
           </a:xfrm>
           <a:prstGeom prst="rect">
             <a:avLst/>
@@ -13636,7 +13636,7 @@
         <p:spPr>
           <a:xfrm>
             <a:off x="335520" y="764640"/>
-            <a:ext cx="10744200" cy="495000"/>
+            <a:ext cx="10743840" cy="494640"/>
           </a:xfrm>
           <a:prstGeom prst="rect">
             <a:avLst/>
@@ -13687,7 +13687,7 @@
         <p:spPr>
           <a:xfrm>
             <a:off x="335520" y="1268640"/>
-            <a:ext cx="10744200" cy="5031720"/>
+            <a:ext cx="10743840" cy="5031360"/>
           </a:xfrm>
           <a:prstGeom prst="rect">
             <a:avLst/>
@@ -13708,7 +13708,7 @@
             <a:noAutofit/>
           </a:bodyPr>
           <a:p>
-            <a:pPr marL="195120" indent="-190080">
+            <a:pPr marL="195120" indent="-189720">
               <a:lnSpc>
                 <a:spcPct val="100000"/>
               </a:lnSpc>
@@ -13770,7 +13770,7 @@
             </a:endParaRPr>
           </a:p>
           <a:p>
-            <a:pPr marL="195120" indent="-190080">
+            <a:pPr marL="195120" indent="-189720">
               <a:lnSpc>
                 <a:spcPct val="100000"/>
               </a:lnSpc>
@@ -13819,7 +13819,7 @@
             </a:endParaRPr>
           </a:p>
           <a:p>
-            <a:pPr marL="195120" indent="-190080">
+            <a:pPr marL="195120" indent="-189720">
               <a:lnSpc>
                 <a:spcPct val="100000"/>
               </a:lnSpc>
@@ -13868,7 +13868,7 @@
             </a:endParaRPr>
           </a:p>
           <a:p>
-            <a:pPr marL="195120" indent="-190080">
+            <a:pPr marL="195120" indent="-189720">
               <a:lnSpc>
                 <a:spcPct val="100000"/>
               </a:lnSpc>
@@ -13917,7 +13917,7 @@
             </a:endParaRPr>
           </a:p>
           <a:p>
-            <a:pPr marL="195120" indent="-190080">
+            <a:pPr marL="195120" indent="-189720">
               <a:lnSpc>
                 <a:spcPct val="100000"/>
               </a:lnSpc>
@@ -13966,7 +13966,7 @@
             </a:endParaRPr>
           </a:p>
           <a:p>
-            <a:pPr marL="195120" indent="-190080">
+            <a:pPr marL="195120" indent="-189720">
               <a:lnSpc>
                 <a:spcPct val="100000"/>
               </a:lnSpc>
@@ -14015,7 +14015,7 @@
             </a:endParaRPr>
           </a:p>
           <a:p>
-            <a:pPr marL="195120" indent="-190080">
+            <a:pPr marL="195120" indent="-189720">
               <a:lnSpc>
                 <a:spcPct val="100000"/>
               </a:lnSpc>
@@ -14064,7 +14064,7 @@
             </a:endParaRPr>
           </a:p>
           <a:p>
-            <a:pPr marL="195120" indent="-190080">
+            <a:pPr marL="195120" indent="-189720">
               <a:lnSpc>
                 <a:spcPct val="100000"/>
               </a:lnSpc>
@@ -14153,7 +14153,7 @@
         <p:spPr>
           <a:xfrm>
             <a:off x="335520" y="764640"/>
-            <a:ext cx="10746000" cy="496800"/>
+            <a:ext cx="10745640" cy="496440"/>
           </a:xfrm>
           <a:prstGeom prst="rect">
             <a:avLst/>
@@ -14204,7 +14204,7 @@
         <p:spPr>
           <a:xfrm>
             <a:off x="335520" y="1268640"/>
-            <a:ext cx="10746000" cy="5033520"/>
+            <a:ext cx="10745640" cy="5033160"/>
           </a:xfrm>
           <a:prstGeom prst="rect">
             <a:avLst/>
@@ -14238,7 +14238,7 @@
             </a:endParaRPr>
           </a:p>
           <a:p>
-            <a:pPr marL="195120" indent="-191520">
+            <a:pPr marL="195120" indent="-191160">
               <a:lnSpc>
                 <a:spcPct val="100000"/>
               </a:lnSpc>
@@ -14309,7 +14309,7 @@
             </a:endParaRPr>
           </a:p>
           <a:p>
-            <a:pPr marL="195120" indent="-191520">
+            <a:pPr marL="195120" indent="-191160">
               <a:lnSpc>
                 <a:spcPct val="100000"/>
               </a:lnSpc>
@@ -14380,7 +14380,7 @@
             </a:endParaRPr>
           </a:p>
           <a:p>
-            <a:pPr marL="195120" indent="-191520">
+            <a:pPr marL="195120" indent="-191160">
               <a:lnSpc>
                 <a:spcPct val="100000"/>
               </a:lnSpc>
@@ -14429,7 +14429,7 @@
             </a:endParaRPr>
           </a:p>
           <a:p>
-            <a:pPr marL="195120" indent="-191520">
+            <a:pPr marL="195120" indent="-191160">
               <a:lnSpc>
                 <a:spcPct val="100000"/>
               </a:lnSpc>
@@ -14478,7 +14478,7 @@
             </a:endParaRPr>
           </a:p>
           <a:p>
-            <a:pPr marL="195120" indent="-191520">
+            <a:pPr marL="195120" indent="-191160">
               <a:lnSpc>
                 <a:spcPct val="100000"/>
               </a:lnSpc>
@@ -14527,7 +14527,7 @@
             </a:endParaRPr>
           </a:p>
           <a:p>
-            <a:pPr marL="195120" indent="-191520">
+            <a:pPr marL="195120" indent="-191160">
               <a:lnSpc>
                 <a:spcPct val="100000"/>
               </a:lnSpc>
@@ -14576,7 +14576,7 @@
             </a:endParaRPr>
           </a:p>
           <a:p>
-            <a:pPr marL="195120" indent="-191520">
+            <a:pPr marL="195120" indent="-191160">
               <a:lnSpc>
                 <a:spcPct val="100000"/>
               </a:lnSpc>
@@ -14665,7 +14665,7 @@
         <p:spPr>
           <a:xfrm>
             <a:off x="335520" y="764640"/>
-            <a:ext cx="10744200" cy="495000"/>
+            <a:ext cx="10743840" cy="494640"/>
           </a:xfrm>
           <a:prstGeom prst="rect">
             <a:avLst/>
@@ -14716,7 +14716,7 @@
         <p:spPr>
           <a:xfrm>
             <a:off x="335520" y="1268640"/>
-            <a:ext cx="10744200" cy="5031720"/>
+            <a:ext cx="10743840" cy="5031360"/>
           </a:xfrm>
           <a:prstGeom prst="rect">
             <a:avLst/>
@@ -14737,7 +14737,7 @@
             <a:noAutofit/>
           </a:bodyPr>
           <a:p>
-            <a:pPr marL="195120" indent="-190080">
+            <a:pPr marL="195120" indent="-189720">
               <a:lnSpc>
                 <a:spcPct val="100000"/>
               </a:lnSpc>
@@ -14778,7 +14778,7 @@
             </a:endParaRPr>
           </a:p>
           <a:p>
-            <a:pPr marL="195120" indent="-190080">
+            <a:pPr marL="195120" indent="-189720">
               <a:lnSpc>
                 <a:spcPct val="100000"/>
               </a:lnSpc>
@@ -14829,7 +14829,7 @@
             </a:endParaRPr>
           </a:p>
           <a:p>
-            <a:pPr marL="195120" indent="-190080">
+            <a:pPr marL="195120" indent="-189720">
               <a:lnSpc>
                 <a:spcPct val="100000"/>
               </a:lnSpc>
@@ -14865,6 +14865,25 @@
               </a:rPr>
               <a:t>Link</a:t>
             </a:r>
+            <a:endParaRPr b="0" lang="en-US" sz="1800" spc="-1" strike="noStrike">
+              <a:latin typeface="Arial"/>
+            </a:endParaRPr>
+          </a:p>
+          <a:p>
+            <a:pPr marL="195120" indent="-189720">
+              <a:lnSpc>
+                <a:spcPct val="100000"/>
+              </a:lnSpc>
+              <a:spcBef>
+                <a:spcPts val="360"/>
+              </a:spcBef>
+              <a:buClr>
+                <a:srgbClr val="008c4f"/>
+              </a:buClr>
+              <a:buSzPct val="80000"/>
+              <a:buFont typeface="Wingdings" charset="2"/>
+              <a:buChar char=""/>
+            </a:pPr>
             <a:r>
               <a:rPr b="0" lang="en-US" sz="1800" spc="-1" strike="noStrike">
                 <a:solidFill>
@@ -14873,7 +14892,151 @@
                 <a:latin typeface="DejaVu Sans"/>
                 <a:ea typeface="DejaVu Sans"/>
               </a:rPr>
-              <a:t> </a:t>
+              <a:t>Podcasts:</a:t>
+            </a:r>
+            <a:endParaRPr b="0" lang="en-US" sz="1800" spc="-1" strike="noStrike">
+              <a:latin typeface="Arial"/>
+            </a:endParaRPr>
+          </a:p>
+          <a:p>
+            <a:pPr lvl="1" marL="432000" indent="-216000">
+              <a:buClr>
+                <a:srgbClr val="008c4f"/>
+              </a:buClr>
+              <a:buSzPct val="45000"/>
+              <a:buFont typeface="OpenSymbol"/>
+              <a:buChar char="—"/>
+            </a:pPr>
+            <a:r>
+              <a:rPr b="0" lang="en-US" sz="1800" spc="-1" strike="noStrike">
+                <a:solidFill>
+                  <a:srgbClr val="000000"/>
+                </a:solidFill>
+                <a:latin typeface="DejaVu Sans"/>
+                <a:ea typeface="DejaVu Sans"/>
+              </a:rPr>
+              <a:t>Drilled (</a:t>
+            </a:r>
+            <a:r>
+              <a:rPr b="0" lang="en-US" sz="1800" spc="-1" strike="noStrike">
+                <a:solidFill>
+                  <a:srgbClr val="000000"/>
+                </a:solidFill>
+                <a:latin typeface="DejaVu Sans"/>
+                <a:ea typeface="DejaVu Sans"/>
+                <a:hlinkClick r:id="rId4"/>
+              </a:rPr>
+              <a:t>Link</a:t>
+            </a:r>
+            <a:r>
+              <a:rPr b="0" lang="en-US" sz="1800" spc="-1" strike="noStrike">
+                <a:solidFill>
+                  <a:srgbClr val="000000"/>
+                </a:solidFill>
+                <a:latin typeface="DejaVu Sans"/>
+                <a:ea typeface="DejaVu Sans"/>
+              </a:rPr>
+              <a:t>)</a:t>
+            </a:r>
+            <a:endParaRPr b="0" lang="en-US" sz="1800" spc="-1" strike="noStrike">
+              <a:latin typeface="Arial"/>
+            </a:endParaRPr>
+          </a:p>
+          <a:p>
+            <a:pPr lvl="1" marL="432000" indent="-216000">
+              <a:lnSpc>
+                <a:spcPct val="100000"/>
+              </a:lnSpc>
+              <a:spcBef>
+                <a:spcPts val="360"/>
+              </a:spcBef>
+              <a:buClr>
+                <a:srgbClr val="008c4f"/>
+              </a:buClr>
+              <a:buSzPct val="45000"/>
+              <a:buFont typeface="OpenSymbol"/>
+              <a:buChar char="—"/>
+            </a:pPr>
+            <a:r>
+              <a:rPr b="0" lang="en-US" sz="1800" spc="-1" strike="noStrike">
+                <a:solidFill>
+                  <a:srgbClr val="000000"/>
+                </a:solidFill>
+                <a:latin typeface="DejaVu Sans"/>
+                <a:ea typeface="DejaVu Sans"/>
+              </a:rPr>
+              <a:t>How to Save a Planet (</a:t>
+            </a:r>
+            <a:r>
+              <a:rPr b="0" lang="en-US" sz="1800" spc="-1" strike="noStrike">
+                <a:solidFill>
+                  <a:srgbClr val="000000"/>
+                </a:solidFill>
+                <a:latin typeface="DejaVu Sans"/>
+                <a:ea typeface="DejaVu Sans"/>
+                <a:hlinkClick r:id="rId5"/>
+              </a:rPr>
+              <a:t>Link</a:t>
+            </a:r>
+            <a:r>
+              <a:rPr b="0" lang="en-US" sz="1800" spc="-1" strike="noStrike">
+                <a:solidFill>
+                  <a:srgbClr val="000000"/>
+                </a:solidFill>
+                <a:latin typeface="DejaVu Sans"/>
+                <a:ea typeface="DejaVu Sans"/>
+              </a:rPr>
+              <a:t>)</a:t>
+            </a:r>
+            <a:endParaRPr b="0" lang="en-US" sz="1800" spc="-1" strike="noStrike">
+              <a:latin typeface="Arial"/>
+            </a:endParaRPr>
+          </a:p>
+          <a:p>
+            <a:pPr lvl="1" marL="432000" indent="-216000">
+              <a:lnSpc>
+                <a:spcPct val="100000"/>
+              </a:lnSpc>
+              <a:spcBef>
+                <a:spcPts val="360"/>
+              </a:spcBef>
+              <a:buClr>
+                <a:srgbClr val="008c4f"/>
+              </a:buClr>
+              <a:buSzPct val="45000"/>
+              <a:buFont typeface="OpenSymbol"/>
+              <a:buChar char="—"/>
+            </a:pPr>
+            <a:r>
+              <a:rPr b="0" lang="en-US" sz="1800" spc="-1" strike="noStrike">
+                <a:solidFill>
+                  <a:srgbClr val="000000"/>
+                </a:solidFill>
+                <a:latin typeface="DejaVu Sans"/>
+                <a:ea typeface="DejaVu Sans"/>
+              </a:rPr>
+              <a:t>1,5 Grad – der Klima-Podcast mit Luisa Neubauer (German) (</a:t>
+            </a:r>
+            <a:r>
+              <a:rPr b="0" lang="en-US" sz="1800" spc="-1" strike="noStrike">
+                <a:solidFill>
+                  <a:srgbClr val="000000"/>
+                </a:solidFill>
+                <a:latin typeface="DejaVu Sans"/>
+                <a:ea typeface="DejaVu Sans"/>
+                <a:hlinkClick r:id="rId6"/>
+              </a:rPr>
+              <a:t>Link</a:t>
+            </a:r>
+            <a:r>
+              <a:rPr b="0" lang="en-US" sz="1800" spc="-1" strike="noStrike">
+                <a:solidFill>
+                  <a:srgbClr val="000000"/>
+                </a:solidFill>
+                <a:latin typeface="DejaVu Sans"/>
+                <a:ea typeface="DejaVu Sans"/>
+              </a:rPr>
+              <a:t>)</a:t>
             </a:r>
             <a:endParaRPr b="0" lang="en-US" sz="1800" spc="-1" strike="noStrike">
               <a:latin typeface="Arial"/>
@@ -14920,7 +15083,7 @@
         <p:spPr>
           <a:xfrm>
             <a:off x="335520" y="1268640"/>
-            <a:ext cx="10746000" cy="5033520"/>
+            <a:ext cx="10745640" cy="5033160"/>
           </a:xfrm>
           <a:prstGeom prst="rect">
             <a:avLst/>
@@ -14977,7 +15140,7 @@
         <p:spPr>
           <a:xfrm>
             <a:off x="335520" y="764640"/>
-            <a:ext cx="10746000" cy="496800"/>
+            <a:ext cx="10745640" cy="496440"/>
           </a:xfrm>
           <a:prstGeom prst="rect">
             <a:avLst/>
@@ -15033,7 +15196,7 @@
         <p:spPr>
           <a:xfrm>
             <a:off x="542880" y="721800"/>
-            <a:ext cx="10350360" cy="491040"/>
+            <a:ext cx="10350000" cy="490680"/>
           </a:xfrm>
           <a:prstGeom prst="rect">
             <a:avLst/>
@@ -15084,7 +15247,7 @@
         <p:spPr>
           <a:xfrm>
             <a:off x="451800" y="1709280"/>
-            <a:ext cx="8217720" cy="4345920"/>
+            <a:ext cx="8217360" cy="4345560"/>
           </a:xfrm>
           <a:prstGeom prst="rect">
             <a:avLst/>
@@ -15110,7 +15273,7 @@
         <p:spPr>
           <a:xfrm>
             <a:off x="609480" y="1769400"/>
-            <a:ext cx="10580760" cy="4848840"/>
+            <a:ext cx="10580400" cy="4848480"/>
           </a:xfrm>
           <a:prstGeom prst="rect">
             <a:avLst/>
@@ -15131,7 +15294,7 @@
             <a:normAutofit/>
           </a:bodyPr>
           <a:p>
-            <a:pPr marL="216000" indent="-212400">
+            <a:pPr marL="216000" indent="-212040">
               <a:lnSpc>
                 <a:spcPct val="90000"/>
               </a:lnSpc>
@@ -15240,7 +15403,7 @@
             </a:endParaRPr>
           </a:p>
           <a:p>
-            <a:pPr marL="216000" indent="-212400">
+            <a:pPr marL="216000" indent="-212040">
               <a:lnSpc>
                 <a:spcPct val="100000"/>
               </a:lnSpc>
@@ -15269,7 +15432,7 @@
             </a:endParaRPr>
           </a:p>
           <a:p>
-            <a:pPr lvl="1" marL="685800" indent="-225000">
+            <a:pPr lvl="1" marL="685800" indent="-224640">
               <a:lnSpc>
                 <a:spcPct val="100000"/>
               </a:lnSpc>
@@ -15298,7 +15461,7 @@
             </a:endParaRPr>
           </a:p>
           <a:p>
-            <a:pPr lvl="1" marL="685800" indent="-225000">
+            <a:pPr lvl="1" marL="685800" indent="-224640">
               <a:lnSpc>
                 <a:spcPct val="100000"/>
               </a:lnSpc>
@@ -15327,7 +15490,7 @@
             </a:endParaRPr>
           </a:p>
           <a:p>
-            <a:pPr lvl="1" marL="685800" indent="-225000">
+            <a:pPr lvl="1" marL="685800" indent="-224640">
               <a:lnSpc>
                 <a:spcPct val="100000"/>
               </a:lnSpc>
@@ -15356,7 +15519,7 @@
             </a:endParaRPr>
           </a:p>
           <a:p>
-            <a:pPr lvl="1" marL="685800" indent="-225000">
+            <a:pPr lvl="1" marL="685800" indent="-224640">
               <a:lnSpc>
                 <a:spcPct val="100000"/>
               </a:lnSpc>
@@ -15385,7 +15548,7 @@
             </a:endParaRPr>
           </a:p>
           <a:p>
-            <a:pPr marL="216000" indent="-212400">
+            <a:pPr marL="216000" indent="-212040">
               <a:lnSpc>
                 <a:spcPct val="100000"/>
               </a:lnSpc>
@@ -15414,7 +15577,7 @@
             </a:endParaRPr>
           </a:p>
           <a:p>
-            <a:pPr lvl="1" marL="685800" indent="-225000">
+            <a:pPr lvl="1" marL="685800" indent="-224640">
               <a:lnSpc>
                 <a:spcPct val="100000"/>
               </a:lnSpc>
@@ -15443,7 +15606,7 @@
             </a:endParaRPr>
           </a:p>
           <a:p>
-            <a:pPr lvl="1" marL="685800" indent="-225000">
+            <a:pPr lvl="1" marL="685800" indent="-224640">
               <a:lnSpc>
                 <a:spcPct val="100000"/>
               </a:lnSpc>
@@ -15512,7 +15675,7 @@
         <p:spPr>
           <a:xfrm>
             <a:off x="542880" y="721800"/>
-            <a:ext cx="10350360" cy="491040"/>
+            <a:ext cx="10350000" cy="490680"/>
           </a:xfrm>
           <a:prstGeom prst="rect">
             <a:avLst/>
@@ -15563,7 +15726,7 @@
         <p:spPr>
           <a:xfrm>
             <a:off x="451800" y="1709280"/>
-            <a:ext cx="8217720" cy="4345920"/>
+            <a:ext cx="8217360" cy="4345560"/>
           </a:xfrm>
           <a:prstGeom prst="rect">
             <a:avLst/>
@@ -15589,7 +15752,7 @@
         <p:spPr>
           <a:xfrm>
             <a:off x="609480" y="1769400"/>
-            <a:ext cx="10580760" cy="4848840"/>
+            <a:ext cx="10580400" cy="4848480"/>
           </a:xfrm>
           <a:prstGeom prst="rect">
             <a:avLst/>
@@ -15610,7 +15773,7 @@
             <a:normAutofit/>
           </a:bodyPr>
           <a:p>
-            <a:pPr marL="216000" indent="-212400">
+            <a:pPr marL="216000" indent="-212040">
               <a:lnSpc>
                 <a:spcPct val="90000"/>
               </a:lnSpc>
@@ -15661,7 +15824,7 @@
             </a:endParaRPr>
           </a:p>
           <a:p>
-            <a:pPr lvl="1" marL="685800" indent="-225000">
+            <a:pPr lvl="1" marL="685800" indent="-224640">
               <a:lnSpc>
                 <a:spcPct val="100000"/>
               </a:lnSpc>
@@ -15690,7 +15853,7 @@
             </a:endParaRPr>
           </a:p>
           <a:p>
-            <a:pPr lvl="1" marL="685800" indent="-225000">
+            <a:pPr lvl="1" marL="685800" indent="-224640">
               <a:lnSpc>
                 <a:spcPct val="100000"/>
               </a:lnSpc>
@@ -15732,7 +15895,7 @@
             </a:endParaRPr>
           </a:p>
           <a:p>
-            <a:pPr marL="216000" indent="-212400">
+            <a:pPr marL="216000" indent="-212040">
               <a:lnSpc>
                 <a:spcPct val="90000"/>
               </a:lnSpc>
@@ -15764,7 +15927,7 @@
             </a:endParaRPr>
           </a:p>
           <a:p>
-            <a:pPr lvl="1" marL="685800" indent="-225000">
+            <a:pPr lvl="1" marL="685800" indent="-224640">
               <a:lnSpc>
                 <a:spcPct val="100000"/>
               </a:lnSpc>
@@ -15818,7 +15981,7 @@
             </a:endParaRPr>
           </a:p>
           <a:p>
-            <a:pPr lvl="1" marL="685800" indent="-225000">
+            <a:pPr lvl="1" marL="685800" indent="-224640">
               <a:lnSpc>
                 <a:spcPct val="100000"/>
               </a:lnSpc>
@@ -15872,7 +16035,7 @@
             </a:endParaRPr>
           </a:p>
           <a:p>
-            <a:pPr marL="228600" indent="-225000">
+            <a:pPr marL="228600" indent="-224640">
               <a:lnSpc>
                 <a:spcPct val="90000"/>
               </a:lnSpc>
@@ -15888,7 +16051,7 @@
             </a:endParaRPr>
           </a:p>
           <a:p>
-            <a:pPr marL="228600" indent="-225000" algn="ctr">
+            <a:pPr marL="228600" indent="-224640" algn="ctr">
               <a:lnSpc>
                 <a:spcPct val="90000"/>
               </a:lnSpc>
@@ -15914,7 +16077,7 @@
             </a:endParaRPr>
           </a:p>
           <a:p>
-            <a:pPr marL="457200" indent="-225000" algn="ctr">
+            <a:pPr marL="457200" indent="-224640" algn="ctr">
               <a:lnSpc>
                 <a:spcPct val="90000"/>
               </a:lnSpc>
@@ -15990,7 +16153,7 @@
         <p:spPr>
           <a:xfrm>
             <a:off x="542880" y="721800"/>
-            <a:ext cx="10350360" cy="491040"/>
+            <a:ext cx="10350000" cy="490680"/>
           </a:xfrm>
           <a:prstGeom prst="rect">
             <a:avLst/>
@@ -16041,7 +16204,7 @@
         <p:spPr>
           <a:xfrm>
             <a:off x="451800" y="1709280"/>
-            <a:ext cx="8217720" cy="4345920"/>
+            <a:ext cx="8217360" cy="4345560"/>
           </a:xfrm>
           <a:prstGeom prst="rect">
             <a:avLst/>
@@ -16067,7 +16230,7 @@
         <p:spPr>
           <a:xfrm>
             <a:off x="609480" y="1769400"/>
-            <a:ext cx="10580760" cy="4848840"/>
+            <a:ext cx="10580400" cy="4848480"/>
           </a:xfrm>
           <a:prstGeom prst="rect">
             <a:avLst/>
@@ -16088,7 +16251,7 @@
             <a:normAutofit/>
           </a:bodyPr>
           <a:p>
-            <a:pPr marL="216000" indent="-212400">
+            <a:pPr marL="216000" indent="-212040">
               <a:lnSpc>
                 <a:spcPct val="90000"/>
               </a:lnSpc>
@@ -16139,7 +16302,7 @@
             </a:endParaRPr>
           </a:p>
           <a:p>
-            <a:pPr lvl="1" marL="685800" indent="-225000">
+            <a:pPr lvl="1" marL="685800" indent="-224640">
               <a:lnSpc>
                 <a:spcPct val="100000"/>
               </a:lnSpc>
@@ -16168,7 +16331,7 @@
             </a:endParaRPr>
           </a:p>
           <a:p>
-            <a:pPr lvl="1" marL="685800" indent="-225000">
+            <a:pPr lvl="1" marL="685800" indent="-224640">
               <a:lnSpc>
                 <a:spcPct val="100000"/>
               </a:lnSpc>
@@ -16210,7 +16373,7 @@
             </a:endParaRPr>
           </a:p>
           <a:p>
-            <a:pPr marL="216000" indent="-212400">
+            <a:pPr marL="216000" indent="-212040">
               <a:lnSpc>
                 <a:spcPct val="90000"/>
               </a:lnSpc>
@@ -16242,7 +16405,7 @@
             </a:endParaRPr>
           </a:p>
           <a:p>
-            <a:pPr lvl="1" marL="685800" indent="-225000">
+            <a:pPr lvl="1" marL="685800" indent="-224640">
               <a:lnSpc>
                 <a:spcPct val="100000"/>
               </a:lnSpc>
@@ -16296,7 +16459,7 @@
             </a:endParaRPr>
           </a:p>
           <a:p>
-            <a:pPr lvl="1" marL="685800" indent="-225000">
+            <a:pPr lvl="1" marL="685800" indent="-224640">
               <a:lnSpc>
                 <a:spcPct val="100000"/>
               </a:lnSpc>
@@ -16350,7 +16513,7 @@
             </a:endParaRPr>
           </a:p>
           <a:p>
-            <a:pPr marL="228600" indent="-225000">
+            <a:pPr marL="228600" indent="-224640">
               <a:lnSpc>
                 <a:spcPct val="90000"/>
               </a:lnSpc>
@@ -16366,7 +16529,7 @@
             </a:endParaRPr>
           </a:p>
           <a:p>
-            <a:pPr marL="228600" indent="-225000" algn="ctr">
+            <a:pPr marL="228600" indent="-224640" algn="ctr">
               <a:lnSpc>
                 <a:spcPct val="90000"/>
               </a:lnSpc>
@@ -16392,7 +16555,7 @@
             </a:endParaRPr>
           </a:p>
           <a:p>
-            <a:pPr marL="457200" indent="-225000" algn="ctr">
+            <a:pPr marL="457200" indent="-224640" algn="ctr">
               <a:lnSpc>
                 <a:spcPct val="90000"/>
               </a:lnSpc>
@@ -16468,7 +16631,7 @@
         <p:spPr>
           <a:xfrm>
             <a:off x="335520" y="764640"/>
-            <a:ext cx="10746000" cy="496800"/>
+            <a:ext cx="10745640" cy="496440"/>
           </a:xfrm>
           <a:prstGeom prst="rect">
             <a:avLst/>
@@ -16519,7 +16682,7 @@
         <p:spPr>
           <a:xfrm>
             <a:off x="335520" y="2408400"/>
-            <a:ext cx="10746000" cy="3893760"/>
+            <a:ext cx="10745640" cy="3893400"/>
           </a:xfrm>
           <a:prstGeom prst="rect">
             <a:avLst/>
@@ -16540,7 +16703,7 @@
             <a:noAutofit/>
           </a:bodyPr>
           <a:p>
-            <a:pPr marL="195120" indent="-191520">
+            <a:pPr marL="195120" indent="-191160">
               <a:lnSpc>
                 <a:spcPct val="100000"/>
               </a:lnSpc>
@@ -16609,7 +16772,7 @@
         <p:spPr>
           <a:xfrm>
             <a:off x="335520" y="764640"/>
-            <a:ext cx="10746000" cy="496800"/>
+            <a:ext cx="10745640" cy="496440"/>
           </a:xfrm>
           <a:prstGeom prst="rect">
             <a:avLst/>
@@ -16660,7 +16823,7 @@
         <p:spPr>
           <a:xfrm>
             <a:off x="335520" y="2408400"/>
-            <a:ext cx="10746000" cy="3893760"/>
+            <a:ext cx="10745640" cy="3893400"/>
           </a:xfrm>
           <a:prstGeom prst="rect">
             <a:avLst/>
@@ -16681,7 +16844,7 @@
             <a:noAutofit/>
           </a:bodyPr>
           <a:p>
-            <a:pPr marL="195120" indent="-191520">
+            <a:pPr marL="195120" indent="-191160">
               <a:lnSpc>
                 <a:spcPct val="100000"/>
               </a:lnSpc>
@@ -16710,7 +16873,7 @@
             </a:endParaRPr>
           </a:p>
           <a:p>
-            <a:pPr marL="195120" indent="-191520">
+            <a:pPr marL="195120" indent="-191160">
               <a:lnSpc>
                 <a:spcPct val="100000"/>
               </a:lnSpc>
@@ -16779,7 +16942,7 @@
         <p:spPr>
           <a:xfrm>
             <a:off x="335520" y="764640"/>
-            <a:ext cx="10746000" cy="496800"/>
+            <a:ext cx="10745640" cy="496440"/>
           </a:xfrm>
           <a:prstGeom prst="rect">
             <a:avLst/>
@@ -16830,7 +16993,7 @@
         <p:spPr>
           <a:xfrm>
             <a:off x="335520" y="2408400"/>
-            <a:ext cx="10746000" cy="3893760"/>
+            <a:ext cx="10745640" cy="3893400"/>
           </a:xfrm>
           <a:prstGeom prst="rect">
             <a:avLst/>
@@ -16851,7 +17014,7 @@
             <a:noAutofit/>
           </a:bodyPr>
           <a:p>
-            <a:pPr marL="195120" indent="-191520">
+            <a:pPr marL="195120" indent="-191160">
               <a:lnSpc>
                 <a:spcPct val="100000"/>
               </a:lnSpc>
@@ -16880,7 +17043,7 @@
             </a:endParaRPr>
           </a:p>
           <a:p>
-            <a:pPr marL="195120" indent="-191520">
+            <a:pPr marL="195120" indent="-191160">
               <a:lnSpc>
                 <a:spcPct val="100000"/>
               </a:lnSpc>
@@ -16909,7 +17072,7 @@
             </a:endParaRPr>
           </a:p>
           <a:p>
-            <a:pPr marL="195120" indent="-191520">
+            <a:pPr marL="195120" indent="-191160">
               <a:lnSpc>
                 <a:spcPct val="100000"/>
               </a:lnSpc>

--- a/Emerging-Technologies-for-the-Circular-Economy/ETCE-L00-Organization.pptx
+++ b/Emerging-Technologies-for-the-Circular-Economy/ETCE-L00-Organization.pptx
@@ -275,7 +275,7 @@
           </a:bodyPr>
           <a:p>
             <a:pPr algn="r"/>
-            <a:fld id="{5ECD46DA-4230-4046-84A8-61710A22EBCD}" type="slidenum">
+            <a:fld id="{E39EE973-E0ED-4EEA-B437-584D454F7CF3}" type="slidenum">
               <a:rPr b="0" lang="en-US" sz="1400" spc="-1" strike="noStrike">
                 <a:latin typeface="Times New Roman"/>
               </a:rPr>
@@ -323,7 +323,7 @@
         <p:spPr>
           <a:xfrm>
             <a:off x="533520" y="763560"/>
-            <a:ext cx="6693120" cy="3761280"/>
+            <a:ext cx="6692400" cy="3760560"/>
           </a:xfrm>
           <a:prstGeom prst="rect">
             <a:avLst/>
@@ -343,7 +343,7 @@
         <p:spPr>
           <a:xfrm>
             <a:off x="777240" y="4777560"/>
-            <a:ext cx="6206760" cy="4515120"/>
+            <a:ext cx="6206040" cy="4514400"/>
           </a:xfrm>
           <a:prstGeom prst="rect">
             <a:avLst/>
@@ -369,7 +369,7 @@
         <p:spPr>
           <a:xfrm>
             <a:off x="4399200" y="9555480"/>
-            <a:ext cx="3362040" cy="491760"/>
+            <a:ext cx="3361320" cy="491040"/>
           </a:xfrm>
           <a:prstGeom prst="rect">
             <a:avLst/>
@@ -395,7 +395,7 @@
                 <a:spcPct val="100000"/>
               </a:lnSpc>
             </a:pPr>
-            <a:fld id="{D3096E35-33F8-48D7-8CD7-658F8BE49151}" type="slidenum">
+            <a:fld id="{763C4B7C-9159-4CA7-AB57-8502AAA82317}" type="slidenum">
               <a:rPr b="0" lang="de-DE" sz="1800" spc="-1" strike="noStrike">
                 <a:solidFill>
                   <a:srgbClr val="000000"/>
@@ -403,7 +403,7 @@
                 <a:latin typeface="+mn-lt"/>
                 <a:ea typeface="+mn-ea"/>
               </a:rPr>
-              <a:t>6</a:t>
+              <a:t>&lt;number&gt;</a:t>
             </a:fld>
             <a:endParaRPr b="0" lang="en-US" sz="1800" spc="-1" strike="noStrike">
               <a:latin typeface="Arial"/>
@@ -446,7 +446,7 @@
         <p:spPr>
           <a:xfrm>
             <a:off x="533520" y="763560"/>
-            <a:ext cx="6693120" cy="3761280"/>
+            <a:ext cx="6692400" cy="3760560"/>
           </a:xfrm>
           <a:prstGeom prst="rect">
             <a:avLst/>
@@ -466,7 +466,7 @@
         <p:spPr>
           <a:xfrm>
             <a:off x="777240" y="4777560"/>
-            <a:ext cx="6206760" cy="4515120"/>
+            <a:ext cx="6206040" cy="4514400"/>
           </a:xfrm>
           <a:prstGeom prst="rect">
             <a:avLst/>
@@ -492,7 +492,7 @@
         <p:spPr>
           <a:xfrm>
             <a:off x="4399200" y="9555480"/>
-            <a:ext cx="3362040" cy="491760"/>
+            <a:ext cx="3361320" cy="491040"/>
           </a:xfrm>
           <a:prstGeom prst="rect">
             <a:avLst/>
@@ -518,7 +518,7 @@
                 <a:spcPct val="100000"/>
               </a:lnSpc>
             </a:pPr>
-            <a:fld id="{1860606C-2E9D-4576-A441-E663D91DC71A}" type="slidenum">
+            <a:fld id="{F9B6BD41-40AB-4500-BF7C-223F1AF8951E}" type="slidenum">
               <a:rPr b="0" lang="de-DE" sz="1800" spc="-1" strike="noStrike">
                 <a:solidFill>
                   <a:srgbClr val="000000"/>
@@ -569,7 +569,7 @@
         <p:spPr>
           <a:xfrm>
             <a:off x="533520" y="763560"/>
-            <a:ext cx="6693120" cy="3761280"/>
+            <a:ext cx="6692400" cy="3760560"/>
           </a:xfrm>
           <a:prstGeom prst="rect">
             <a:avLst/>
@@ -589,7 +589,7 @@
         <p:spPr>
           <a:xfrm>
             <a:off x="777240" y="4777560"/>
-            <a:ext cx="6206760" cy="4515120"/>
+            <a:ext cx="6206040" cy="4514400"/>
           </a:xfrm>
           <a:prstGeom prst="rect">
             <a:avLst/>
@@ -615,7 +615,7 @@
         <p:spPr>
           <a:xfrm>
             <a:off x="4399200" y="9555480"/>
-            <a:ext cx="3362040" cy="491760"/>
+            <a:ext cx="3361320" cy="491040"/>
           </a:xfrm>
           <a:prstGeom prst="rect">
             <a:avLst/>
@@ -641,7 +641,7 @@
                 <a:spcPct val="100000"/>
               </a:lnSpc>
             </a:pPr>
-            <a:fld id="{B5E96E47-7C1B-4AF5-B2E1-4B50898BFB02}" type="slidenum">
+            <a:fld id="{1BC73638-B934-41A5-9DBB-275FB7F04711}" type="slidenum">
               <a:rPr b="0" lang="de-DE" sz="1800" spc="-1" strike="noStrike">
                 <a:solidFill>
                   <a:srgbClr val="000000"/>
@@ -3407,7 +3407,7 @@
         <p:spPr>
           <a:xfrm>
             <a:off x="11444760" y="0"/>
-            <a:ext cx="741600" cy="6850440"/>
+            <a:ext cx="740880" cy="6849720"/>
           </a:xfrm>
           <a:prstGeom prst="rect">
             <a:avLst/>
@@ -3437,7 +3437,7 @@
         <p:spPr>
           <a:xfrm>
             <a:off x="11438640" y="6453360"/>
-            <a:ext cx="758520" cy="363960"/>
+            <a:ext cx="757800" cy="363960"/>
           </a:xfrm>
           <a:prstGeom prst="rect">
             <a:avLst/>
@@ -3463,7 +3463,7 @@
                 <a:spcPct val="100000"/>
               </a:lnSpc>
             </a:pPr>
-            <a:fld id="{983A4D07-A85E-4391-887B-5A7861E955B2}" type="slidenum">
+            <a:fld id="{A18C56F5-37E9-43B1-BFFE-30EE46C3F845}" type="slidenum">
               <a:rPr b="0" lang="en-US" sz="1800" spc="-1" strike="noStrike">
                 <a:solidFill>
                   <a:srgbClr val="808080"/>
@@ -3488,7 +3488,7 @@
         <p:spPr>
           <a:xfrm>
             <a:off x="912240" y="1268280"/>
-            <a:ext cx="9208440" cy="361800"/>
+            <a:ext cx="9207720" cy="361080"/>
           </a:xfrm>
           <a:prstGeom prst="rect">
             <a:avLst/>
@@ -3518,7 +3518,7 @@
         <p:spPr>
           <a:xfrm>
             <a:off x="0" y="0"/>
-            <a:ext cx="3052440" cy="562320"/>
+            <a:ext cx="3051720" cy="561600"/>
           </a:xfrm>
           <a:prstGeom prst="rect">
             <a:avLst/>
@@ -3541,7 +3541,7 @@
         <p:spPr>
           <a:xfrm>
             <a:off x="7430400" y="134640"/>
-            <a:ext cx="3698280" cy="514440"/>
+            <a:ext cx="3697560" cy="513720"/>
           </a:xfrm>
           <a:prstGeom prst="rect">
             <a:avLst/>
@@ -3560,7 +3560,7 @@
         <p:spPr>
           <a:xfrm>
             <a:off x="912240" y="1268280"/>
-            <a:ext cx="9208440" cy="361800"/>
+            <a:ext cx="9207720" cy="361080"/>
           </a:xfrm>
           <a:prstGeom prst="rect">
             <a:avLst/>
@@ -3586,7 +3586,7 @@
         <p:spPr>
           <a:xfrm>
             <a:off x="11444760" y="0"/>
-            <a:ext cx="741600" cy="6850440"/>
+            <a:ext cx="740880" cy="6849720"/>
           </a:xfrm>
           <a:prstGeom prst="rect">
             <a:avLst/>
@@ -3616,7 +3616,7 @@
         <p:spPr>
           <a:xfrm>
             <a:off x="0" y="6642720"/>
-            <a:ext cx="12184560" cy="211320"/>
+            <a:ext cx="12183840" cy="211320"/>
           </a:xfrm>
           <a:prstGeom prst="rect">
             <a:avLst/>
@@ -3947,7 +3947,7 @@
         <p:spPr>
           <a:xfrm>
             <a:off x="11444760" y="0"/>
-            <a:ext cx="741600" cy="6850440"/>
+            <a:ext cx="740880" cy="6849720"/>
           </a:xfrm>
           <a:prstGeom prst="rect">
             <a:avLst/>
@@ -3977,7 +3977,7 @@
         <p:spPr>
           <a:xfrm>
             <a:off x="11438640" y="6453360"/>
-            <a:ext cx="758520" cy="363960"/>
+            <a:ext cx="757800" cy="363960"/>
           </a:xfrm>
           <a:prstGeom prst="rect">
             <a:avLst/>
@@ -4003,7 +4003,7 @@
                 <a:spcPct val="100000"/>
               </a:lnSpc>
             </a:pPr>
-            <a:fld id="{CA93730F-E943-4A7C-800F-456443448E77}" type="slidenum">
+            <a:fld id="{D266A90D-D4FA-4FF5-96B1-607B5D79A465}" type="slidenum">
               <a:rPr b="0" lang="en-US" sz="1800" spc="-1" strike="noStrike">
                 <a:solidFill>
                   <a:srgbClr val="808080"/>
@@ -4028,7 +4028,7 @@
         <p:spPr>
           <a:xfrm>
             <a:off x="912240" y="1268280"/>
-            <a:ext cx="9208440" cy="361800"/>
+            <a:ext cx="9207720" cy="361080"/>
           </a:xfrm>
           <a:prstGeom prst="rect">
             <a:avLst/>
@@ -4058,7 +4058,7 @@
         <p:spPr>
           <a:xfrm>
             <a:off x="0" y="0"/>
-            <a:ext cx="3052440" cy="562320"/>
+            <a:ext cx="3051720" cy="561600"/>
           </a:xfrm>
           <a:prstGeom prst="rect">
             <a:avLst/>
@@ -4081,7 +4081,7 @@
         <p:spPr>
           <a:xfrm>
             <a:off x="7430400" y="134640"/>
-            <a:ext cx="3698280" cy="514440"/>
+            <a:ext cx="3697560" cy="513720"/>
           </a:xfrm>
           <a:prstGeom prst="rect">
             <a:avLst/>
@@ -4100,7 +4100,7 @@
         <p:spPr>
           <a:xfrm>
             <a:off x="11444760" y="0"/>
-            <a:ext cx="741600" cy="6850440"/>
+            <a:ext cx="740880" cy="6849720"/>
           </a:xfrm>
           <a:prstGeom prst="rect">
             <a:avLst/>
@@ -4130,7 +4130,7 @@
         <p:spPr>
           <a:xfrm>
             <a:off x="11438640" y="6453360"/>
-            <a:ext cx="758520" cy="363960"/>
+            <a:ext cx="757800" cy="363960"/>
           </a:xfrm>
           <a:prstGeom prst="rect">
             <a:avLst/>
@@ -4156,7 +4156,7 @@
                 <a:spcPct val="100000"/>
               </a:lnSpc>
             </a:pPr>
-            <a:fld id="{79FA8AE6-4C4F-4BE2-A321-727953DB9B24}" type="slidenum">
+            <a:fld id="{631B6035-C301-4FF1-B248-629F0E53E5E8}" type="slidenum">
               <a:rPr b="0" lang="en-US" sz="1800" spc="-1" strike="noStrike">
                 <a:solidFill>
                   <a:srgbClr val="808080"/>
@@ -4181,7 +4181,7 @@
         <p:spPr>
           <a:xfrm>
             <a:off x="0" y="6642720"/>
-            <a:ext cx="12184560" cy="211320"/>
+            <a:ext cx="12183840" cy="211320"/>
           </a:xfrm>
           <a:prstGeom prst="rect">
             <a:avLst/>
@@ -4505,7 +4505,7 @@
         <p:spPr>
           <a:xfrm>
             <a:off x="527400" y="1412640"/>
-            <a:ext cx="10361520" cy="1148040"/>
+            <a:ext cx="10360800" cy="1147320"/>
           </a:xfrm>
           <a:prstGeom prst="rect">
             <a:avLst/>
@@ -4556,7 +4556,7 @@
         <p:spPr>
           <a:xfrm>
             <a:off x="527400" y="2852640"/>
-            <a:ext cx="10361520" cy="2368800"/>
+            <a:ext cx="10360800" cy="2368080"/>
           </a:xfrm>
           <a:prstGeom prst="rect">
             <a:avLst/>
@@ -4769,7 +4769,7 @@
         <p:spPr>
           <a:xfrm>
             <a:off x="335520" y="764640"/>
-            <a:ext cx="10745640" cy="496440"/>
+            <a:ext cx="10744920" cy="495720"/>
           </a:xfrm>
           <a:prstGeom prst="rect">
             <a:avLst/>
@@ -4830,7 +4830,7 @@
         <p:spPr>
           <a:xfrm>
             <a:off x="335520" y="2408400"/>
-            <a:ext cx="10745640" cy="3893400"/>
+            <a:ext cx="10744920" cy="3892680"/>
           </a:xfrm>
           <a:prstGeom prst="rect">
             <a:avLst/>
@@ -4851,7 +4851,7 @@
             <a:noAutofit/>
           </a:bodyPr>
           <a:p>
-            <a:pPr marL="195120" indent="-191160">
+            <a:pPr marL="195120" indent="-190440">
               <a:lnSpc>
                 <a:spcPct val="100000"/>
               </a:lnSpc>
@@ -4880,7 +4880,7 @@
             </a:endParaRPr>
           </a:p>
           <a:p>
-            <a:pPr marL="195120" indent="-191160">
+            <a:pPr marL="195120" indent="-190440">
               <a:lnSpc>
                 <a:spcPct val="100000"/>
               </a:lnSpc>
@@ -4909,7 +4909,7 @@
             </a:endParaRPr>
           </a:p>
           <a:p>
-            <a:pPr marL="195120" indent="-191160">
+            <a:pPr marL="195120" indent="-190440">
               <a:lnSpc>
                 <a:spcPct val="100000"/>
               </a:lnSpc>
@@ -4938,7 +4938,7 @@
             </a:endParaRPr>
           </a:p>
           <a:p>
-            <a:pPr marL="195120" indent="-191160">
+            <a:pPr marL="195120" indent="-190440">
               <a:lnSpc>
                 <a:spcPct val="100000"/>
               </a:lnSpc>
@@ -5007,7 +5007,7 @@
         <p:spPr>
           <a:xfrm>
             <a:off x="335520" y="764640"/>
-            <a:ext cx="10745640" cy="496440"/>
+            <a:ext cx="10744920" cy="495720"/>
           </a:xfrm>
           <a:prstGeom prst="rect">
             <a:avLst/>
@@ -5058,7 +5058,7 @@
         <p:spPr>
           <a:xfrm>
             <a:off x="335520" y="2408400"/>
-            <a:ext cx="10745640" cy="3893400"/>
+            <a:ext cx="10744920" cy="3892680"/>
           </a:xfrm>
           <a:prstGeom prst="rect">
             <a:avLst/>
@@ -5079,7 +5079,7 @@
             <a:noAutofit/>
           </a:bodyPr>
           <a:p>
-            <a:pPr marL="195120" indent="-191160">
+            <a:pPr marL="195120" indent="-190440">
               <a:lnSpc>
                 <a:spcPct val="100000"/>
               </a:lnSpc>
@@ -5108,7 +5108,7 @@
             </a:endParaRPr>
           </a:p>
           <a:p>
-            <a:pPr marL="195120" indent="-191160">
+            <a:pPr marL="195120" indent="-190440">
               <a:lnSpc>
                 <a:spcPct val="100000"/>
               </a:lnSpc>
@@ -5137,7 +5137,7 @@
             </a:endParaRPr>
           </a:p>
           <a:p>
-            <a:pPr marL="195120" indent="-191160">
+            <a:pPr marL="195120" indent="-190440">
               <a:lnSpc>
                 <a:spcPct val="100000"/>
               </a:lnSpc>
@@ -5166,7 +5166,7 @@
             </a:endParaRPr>
           </a:p>
           <a:p>
-            <a:pPr marL="195120" indent="-191160">
+            <a:pPr marL="195120" indent="-190440">
               <a:lnSpc>
                 <a:spcPct val="100000"/>
               </a:lnSpc>
@@ -5195,7 +5195,7 @@
             </a:endParaRPr>
           </a:p>
           <a:p>
-            <a:pPr marL="195120" indent="-191160">
+            <a:pPr marL="195120" indent="-190440">
               <a:lnSpc>
                 <a:spcPct val="100000"/>
               </a:lnSpc>
@@ -5264,7 +5264,7 @@
         <p:spPr>
           <a:xfrm>
             <a:off x="335520" y="764640"/>
-            <a:ext cx="10745640" cy="496440"/>
+            <a:ext cx="10744920" cy="495720"/>
           </a:xfrm>
           <a:prstGeom prst="rect">
             <a:avLst/>
@@ -5325,7 +5325,7 @@
         <p:spPr>
           <a:xfrm>
             <a:off x="335520" y="2408400"/>
-            <a:ext cx="10745640" cy="3893400"/>
+            <a:ext cx="10744920" cy="3892680"/>
           </a:xfrm>
           <a:prstGeom prst="rect">
             <a:avLst/>
@@ -5346,7 +5346,7 @@
             <a:noAutofit/>
           </a:bodyPr>
           <a:p>
-            <a:pPr marL="195120" indent="-191160">
+            <a:pPr marL="195120" indent="-190440">
               <a:lnSpc>
                 <a:spcPct val="100000"/>
               </a:lnSpc>
@@ -5375,7 +5375,7 @@
             </a:endParaRPr>
           </a:p>
           <a:p>
-            <a:pPr marL="195120" indent="-191160">
+            <a:pPr marL="195120" indent="-190440">
               <a:lnSpc>
                 <a:spcPct val="100000"/>
               </a:lnSpc>
@@ -5404,7 +5404,7 @@
             </a:endParaRPr>
           </a:p>
           <a:p>
-            <a:pPr marL="195120" indent="-191160">
+            <a:pPr marL="195120" indent="-190440">
               <a:lnSpc>
                 <a:spcPct val="100000"/>
               </a:lnSpc>
@@ -5433,7 +5433,7 @@
             </a:endParaRPr>
           </a:p>
           <a:p>
-            <a:pPr marL="195120" indent="-191160">
+            <a:pPr marL="195120" indent="-190440">
               <a:lnSpc>
                 <a:spcPct val="100000"/>
               </a:lnSpc>
@@ -5462,7 +5462,7 @@
             </a:endParaRPr>
           </a:p>
           <a:p>
-            <a:pPr marL="195120" indent="-191160">
+            <a:pPr marL="195120" indent="-190440">
               <a:lnSpc>
                 <a:spcPct val="100000"/>
               </a:lnSpc>
@@ -5491,7 +5491,7 @@
             </a:endParaRPr>
           </a:p>
           <a:p>
-            <a:pPr marL="195120" indent="-191160">
+            <a:pPr marL="195120" indent="-190440">
               <a:lnSpc>
                 <a:spcPct val="100000"/>
               </a:lnSpc>
@@ -5560,7 +5560,7 @@
         <p:spPr>
           <a:xfrm>
             <a:off x="335520" y="764640"/>
-            <a:ext cx="10745640" cy="496440"/>
+            <a:ext cx="10744920" cy="495720"/>
           </a:xfrm>
           <a:prstGeom prst="rect">
             <a:avLst/>
@@ -5611,7 +5611,7 @@
         <p:spPr>
           <a:xfrm>
             <a:off x="335520" y="1268640"/>
-            <a:ext cx="10745640" cy="5033160"/>
+            <a:ext cx="10744920" cy="5032440"/>
           </a:xfrm>
           <a:prstGeom prst="rect">
             <a:avLst/>
@@ -5632,7 +5632,7 @@
             <a:noAutofit/>
           </a:bodyPr>
           <a:p>
-            <a:pPr marL="195120" indent="-191160">
+            <a:pPr marL="195120" indent="-190440">
               <a:lnSpc>
                 <a:spcPct val="100000"/>
               </a:lnSpc>
@@ -5654,14 +5654,14 @@
                 <a:latin typeface="DejaVu Sans"/>
                 <a:ea typeface="DejaVu Sans"/>
               </a:rPr>
-              <a:t>20.04.2022 → Organization + Introduction to the Circular Economy</a:t>
+              <a:t>20.04.2022 → Organization + Introduction</a:t>
             </a:r>
             <a:endParaRPr b="0" lang="en-US" sz="1800" spc="-1" strike="noStrike">
               <a:latin typeface="Arial"/>
             </a:endParaRPr>
           </a:p>
           <a:p>
-            <a:pPr marL="195120" indent="-191160">
+            <a:pPr marL="195120" indent="-190440">
               <a:lnSpc>
                 <a:spcPct val="100000"/>
               </a:lnSpc>
@@ -5683,14 +5683,14 @@
                 <a:latin typeface="DejaVu Sans"/>
                 <a:ea typeface="DejaVu Sans"/>
               </a:rPr>
-              <a:t>27.04.2022 → Emerging Technologies for the Circular Economy</a:t>
+              <a:t>27.04.2022 → Emerging Technologies for the Circular Economy I</a:t>
             </a:r>
             <a:endParaRPr b="0" lang="en-US" sz="1800" spc="-1" strike="noStrike">
               <a:latin typeface="Arial"/>
             </a:endParaRPr>
           </a:p>
           <a:p>
-            <a:pPr marL="195120" indent="-191160">
+            <a:pPr marL="195120" indent="-190440">
               <a:lnSpc>
                 <a:spcPct val="100000"/>
               </a:lnSpc>
@@ -5712,14 +5712,14 @@
                 <a:latin typeface="DejaVu Sans"/>
                 <a:ea typeface="DejaVu Sans"/>
               </a:rPr>
-              <a:t>04.05.2022 → Introduction to the Internet of Things</a:t>
+              <a:t>04.05.2022 → Emerging Technologies for the Circular Economy II</a:t>
             </a:r>
             <a:endParaRPr b="0" lang="en-US" sz="1800" spc="-1" strike="noStrike">
               <a:latin typeface="Arial"/>
             </a:endParaRPr>
           </a:p>
           <a:p>
-            <a:pPr marL="195120" indent="-191160">
+            <a:pPr marL="195120" indent="-190440">
               <a:lnSpc>
                 <a:spcPct val="100000"/>
               </a:lnSpc>
@@ -5741,14 +5741,14 @@
                 <a:latin typeface="DejaVu Sans"/>
                 <a:ea typeface="DejaVu Sans"/>
               </a:rPr>
-              <a:t>11.05.2022 → Internet of Things – Communication</a:t>
+              <a:t>11.05.2022 → Introduction to the Internet of Things</a:t>
             </a:r>
             <a:endParaRPr b="0" lang="en-US" sz="1800" spc="-1" strike="noStrike">
               <a:latin typeface="Arial"/>
             </a:endParaRPr>
           </a:p>
           <a:p>
-            <a:pPr marL="195120" indent="-191160">
+            <a:pPr marL="195120" indent="-190440">
               <a:lnSpc>
                 <a:spcPct val="100000"/>
               </a:lnSpc>
@@ -5770,14 +5770,14 @@
                 <a:latin typeface="DejaVu Sans"/>
                 <a:ea typeface="DejaVu Sans"/>
               </a:rPr>
-              <a:t>18.05.2022 → Internet of Things – Cloud and BigData</a:t>
+              <a:t>18.05.2022 → Internet of Things – Communication</a:t>
             </a:r>
             <a:endParaRPr b="0" lang="en-US" sz="1800" spc="-1" strike="noStrike">
               <a:latin typeface="Arial"/>
             </a:endParaRPr>
           </a:p>
           <a:p>
-            <a:pPr marL="195120" indent="-191160">
+            <a:pPr marL="195120" indent="-190440">
               <a:lnSpc>
                 <a:spcPct val="100000"/>
               </a:lnSpc>
@@ -5799,14 +5799,14 @@
                 <a:latin typeface="DejaVu Sans"/>
                 <a:ea typeface="DejaVu Sans"/>
               </a:rPr>
-              <a:t>25.05.2022 → Internet of Things – Digital Twins, Privacy and Security</a:t>
+              <a:t>25.05.2022 → Internet of Things – Cloud and BigData + Privacy and Security</a:t>
             </a:r>
             <a:endParaRPr b="0" lang="en-US" sz="1800" spc="-1" strike="noStrike">
               <a:latin typeface="Arial"/>
             </a:endParaRPr>
           </a:p>
           <a:p>
-            <a:pPr marL="195120" indent="-191160">
+            <a:pPr marL="195120" indent="-190440">
               <a:lnSpc>
                 <a:spcPct val="100000"/>
               </a:lnSpc>
@@ -5835,7 +5835,7 @@
             </a:endParaRPr>
           </a:p>
           <a:p>
-            <a:pPr marL="195120" indent="-191160">
+            <a:pPr marL="195120" indent="-190440">
               <a:lnSpc>
                 <a:spcPct val="100000"/>
               </a:lnSpc>
@@ -5864,7 +5864,7 @@
             </a:endParaRPr>
           </a:p>
           <a:p>
-            <a:pPr marL="195120" indent="-191160">
+            <a:pPr marL="195120" indent="-190440">
               <a:lnSpc>
                 <a:spcPct val="100000"/>
               </a:lnSpc>
@@ -5893,7 +5893,7 @@
             </a:endParaRPr>
           </a:p>
           <a:p>
-            <a:pPr marL="195120" indent="-191160">
+            <a:pPr marL="195120" indent="-190440">
               <a:lnSpc>
                 <a:spcPct val="100000"/>
               </a:lnSpc>
@@ -5922,7 +5922,7 @@
             </a:endParaRPr>
           </a:p>
           <a:p>
-            <a:pPr marL="195120" indent="-191160">
+            <a:pPr marL="195120" indent="-190440">
               <a:lnSpc>
                 <a:spcPct val="100000"/>
               </a:lnSpc>
@@ -5951,7 +5951,7 @@
             </a:endParaRPr>
           </a:p>
           <a:p>
-            <a:pPr marL="195120" indent="-191160">
+            <a:pPr marL="195120" indent="-190440">
               <a:lnSpc>
                 <a:spcPct val="100000"/>
               </a:lnSpc>
@@ -5980,7 +5980,7 @@
             </a:endParaRPr>
           </a:p>
           <a:p>
-            <a:pPr marL="195120" indent="-191160">
+            <a:pPr marL="195120" indent="-190440">
               <a:lnSpc>
                 <a:spcPct val="100000"/>
               </a:lnSpc>
@@ -6009,7 +6009,7 @@
             </a:endParaRPr>
           </a:p>
           <a:p>
-            <a:pPr marL="195120" indent="-191160">
+            <a:pPr marL="195120" indent="-190440">
               <a:lnSpc>
                 <a:spcPct val="100000"/>
               </a:lnSpc>
@@ -6099,7 +6099,7 @@
         <p:spPr>
           <a:xfrm>
             <a:off x="335520" y="764640"/>
-            <a:ext cx="10745640" cy="496440"/>
+            <a:ext cx="10744920" cy="495720"/>
           </a:xfrm>
           <a:prstGeom prst="rect">
             <a:avLst/>
@@ -6150,7 +6150,7 @@
         <p:spPr>
           <a:xfrm>
             <a:off x="335520" y="1268640"/>
-            <a:ext cx="10745640" cy="5033160"/>
+            <a:ext cx="10744920" cy="5032440"/>
           </a:xfrm>
           <a:prstGeom prst="rect">
             <a:avLst/>
@@ -6171,7 +6171,7 @@
             <a:noAutofit/>
           </a:bodyPr>
           <a:p>
-            <a:pPr marL="195120" indent="-191160">
+            <a:pPr marL="195120" indent="-190440">
               <a:lnSpc>
                 <a:spcPct val="100000"/>
               </a:lnSpc>
@@ -6220,7 +6220,7 @@
             </a:endParaRPr>
           </a:p>
           <a:p>
-            <a:pPr marL="195120" indent="-191160">
+            <a:pPr marL="195120" indent="-190440">
               <a:lnSpc>
                 <a:spcPct val="100000"/>
               </a:lnSpc>
@@ -6269,7 +6269,7 @@
             </a:endParaRPr>
           </a:p>
           <a:p>
-            <a:pPr marL="195120" indent="-191160">
+            <a:pPr marL="195120" indent="-190440">
               <a:lnSpc>
                 <a:spcPct val="100000"/>
               </a:lnSpc>
@@ -6318,7 +6318,7 @@
             </a:endParaRPr>
           </a:p>
           <a:p>
-            <a:pPr marL="195120" indent="-191160">
+            <a:pPr marL="195120" indent="-190440">
               <a:lnSpc>
                 <a:spcPct val="100000"/>
               </a:lnSpc>
@@ -6367,7 +6367,7 @@
             </a:endParaRPr>
           </a:p>
           <a:p>
-            <a:pPr marL="195120" indent="-191160">
+            <a:pPr marL="195120" indent="-190440">
               <a:lnSpc>
                 <a:spcPct val="100000"/>
               </a:lnSpc>
@@ -6416,7 +6416,7 @@
             </a:endParaRPr>
           </a:p>
           <a:p>
-            <a:pPr marL="195120" indent="-191160">
+            <a:pPr marL="195120" indent="-190440">
               <a:lnSpc>
                 <a:spcPct val="100000"/>
               </a:lnSpc>
@@ -6485,7 +6485,7 @@
             </a:endParaRPr>
           </a:p>
           <a:p>
-            <a:pPr marL="195120" indent="-191160">
+            <a:pPr marL="195120" indent="-190440">
               <a:lnSpc>
                 <a:spcPct val="100000"/>
               </a:lnSpc>
@@ -6534,7 +6534,7 @@
             </a:endParaRPr>
           </a:p>
           <a:p>
-            <a:pPr marL="195120" indent="-191160">
+            <a:pPr marL="195120" indent="-190440">
               <a:lnSpc>
                 <a:spcPct val="100000"/>
               </a:lnSpc>
@@ -6583,7 +6583,7 @@
             </a:endParaRPr>
           </a:p>
           <a:p>
-            <a:pPr marL="195120" indent="-191160">
+            <a:pPr marL="195120" indent="-190440">
               <a:lnSpc>
                 <a:spcPct val="100000"/>
               </a:lnSpc>
@@ -6632,7 +6632,7 @@
             </a:endParaRPr>
           </a:p>
           <a:p>
-            <a:pPr marL="195120" indent="-191160">
+            <a:pPr marL="195120" indent="-190440">
               <a:lnSpc>
                 <a:spcPct val="100000"/>
               </a:lnSpc>
@@ -6721,7 +6721,7 @@
         <p:spPr>
           <a:xfrm>
             <a:off x="335520" y="764640"/>
-            <a:ext cx="10745640" cy="496440"/>
+            <a:ext cx="10744920" cy="495720"/>
           </a:xfrm>
           <a:prstGeom prst="rect">
             <a:avLst/>
@@ -6772,7 +6772,7 @@
         <p:spPr>
           <a:xfrm>
             <a:off x="335520" y="1268280"/>
-            <a:ext cx="10745640" cy="5033160"/>
+            <a:ext cx="10744920" cy="5032440"/>
           </a:xfrm>
           <a:prstGeom prst="rect">
             <a:avLst/>
@@ -6793,7 +6793,7 @@
             <a:noAutofit/>
           </a:bodyPr>
           <a:p>
-            <a:pPr marL="195120" indent="-191160">
+            <a:pPr marL="195120" indent="-190440">
               <a:lnSpc>
                 <a:spcPct val="100000"/>
               </a:lnSpc>
@@ -6835,7 +6835,7 @@
             </a:endParaRPr>
           </a:p>
           <a:p>
-            <a:pPr marL="195120" indent="-191160">
+            <a:pPr marL="195120" indent="-190440">
               <a:lnSpc>
                 <a:spcPct val="100000"/>
               </a:lnSpc>
@@ -6864,7 +6864,7 @@
             </a:endParaRPr>
           </a:p>
           <a:p>
-            <a:pPr lvl="1" marL="652320" indent="-191160">
+            <a:pPr lvl="1" marL="652320" indent="-190440">
               <a:lnSpc>
                 <a:spcPct val="100000"/>
               </a:lnSpc>
@@ -6915,7 +6915,7 @@
             </a:endParaRPr>
           </a:p>
           <a:p>
-            <a:pPr lvl="3" marL="864000" indent="-213480">
+            <a:pPr lvl="3" marL="864000" indent="-212760">
               <a:lnSpc>
                 <a:spcPct val="100000"/>
               </a:lnSpc>
@@ -6944,7 +6944,7 @@
             </a:endParaRPr>
           </a:p>
           <a:p>
-            <a:pPr lvl="1" marL="652320" indent="-191160">
+            <a:pPr lvl="1" marL="652320" indent="-190440">
               <a:lnSpc>
                 <a:spcPct val="100000"/>
               </a:lnSpc>
@@ -6973,7 +6973,7 @@
             </a:endParaRPr>
           </a:p>
           <a:p>
-            <a:pPr lvl="1" marL="652320" indent="-191160">
+            <a:pPr lvl="1" marL="652320" indent="-190440">
               <a:lnSpc>
                 <a:spcPct val="100000"/>
               </a:lnSpc>
@@ -7002,7 +7002,7 @@
             </a:endParaRPr>
           </a:p>
           <a:p>
-            <a:pPr lvl="1" marL="652320" indent="-191160">
+            <a:pPr lvl="1" marL="652320" indent="-190440">
               <a:lnSpc>
                 <a:spcPct val="100000"/>
               </a:lnSpc>
@@ -7202,7 +7202,7 @@
         <p:spPr>
           <a:xfrm>
             <a:off x="335520" y="764640"/>
-            <a:ext cx="10744200" cy="495000"/>
+            <a:ext cx="10743480" cy="494280"/>
           </a:xfrm>
           <a:prstGeom prst="rect">
             <a:avLst/>
@@ -7273,7 +7273,7 @@
         <p:spPr>
           <a:xfrm>
             <a:off x="335520" y="1268640"/>
-            <a:ext cx="10744200" cy="5031720"/>
+            <a:ext cx="10743480" cy="5031000"/>
           </a:xfrm>
           <a:prstGeom prst="rect">
             <a:avLst/>
@@ -7294,7 +7294,7 @@
             <a:noAutofit/>
           </a:bodyPr>
           <a:p>
-            <a:pPr marL="195120" indent="-190080">
+            <a:pPr marL="195120" indent="-189360">
               <a:lnSpc>
                 <a:spcPct val="100000"/>
               </a:lnSpc>
@@ -7334,7 +7334,7 @@
             </a:endParaRPr>
           </a:p>
           <a:p>
-            <a:pPr lvl="1" marL="432000" indent="-212760">
+            <a:pPr lvl="1" marL="432000" indent="-212040">
               <a:lnSpc>
                 <a:spcPct val="100000"/>
               </a:lnSpc>
@@ -7383,7 +7383,7 @@
             </a:endParaRPr>
           </a:p>
           <a:p>
-            <a:pPr lvl="1" marL="432000" indent="-212760">
+            <a:pPr lvl="1" marL="432000" indent="-212040">
               <a:lnSpc>
                 <a:spcPct val="100000"/>
               </a:lnSpc>
@@ -7425,7 +7425,7 @@
             </a:endParaRPr>
           </a:p>
           <a:p>
-            <a:pPr marL="195120" indent="-190080">
+            <a:pPr marL="195120" indent="-189360">
               <a:lnSpc>
                 <a:spcPct val="100000"/>
               </a:lnSpc>
@@ -7455,7 +7455,7 @@
             </a:endParaRPr>
           </a:p>
           <a:p>
-            <a:pPr lvl="1" marL="432000" indent="-212760">
+            <a:pPr lvl="1" marL="432000" indent="-212040">
               <a:lnSpc>
                 <a:spcPct val="100000"/>
               </a:lnSpc>
@@ -7544,7 +7544,7 @@
             </a:endParaRPr>
           </a:p>
           <a:p>
-            <a:pPr lvl="1" marL="432000" indent="-212760">
+            <a:pPr lvl="1" marL="432000" indent="-212040">
               <a:lnSpc>
                 <a:spcPct val="100000"/>
               </a:lnSpc>
@@ -7608,7 +7608,7 @@
             </a:endParaRPr>
           </a:p>
           <a:p>
-            <a:pPr marL="195120" indent="-190080">
+            <a:pPr marL="195120" indent="-189360">
               <a:lnSpc>
                 <a:spcPct val="100000"/>
               </a:lnSpc>
@@ -7638,7 +7638,7 @@
             </a:endParaRPr>
           </a:p>
           <a:p>
-            <a:pPr lvl="1" marL="432000" indent="-212760">
+            <a:pPr lvl="1" marL="432000" indent="-212040">
               <a:lnSpc>
                 <a:spcPct val="100000"/>
               </a:lnSpc>
@@ -7727,7 +7727,7 @@
             </a:endParaRPr>
           </a:p>
           <a:p>
-            <a:pPr lvl="1" marL="432000" indent="-212760">
+            <a:pPr lvl="1" marL="432000" indent="-212040">
               <a:lnSpc>
                 <a:spcPct val="100000"/>
               </a:lnSpc>
@@ -7818,7 +7818,7 @@
         <p:spPr>
           <a:xfrm>
             <a:off x="335520" y="764640"/>
-            <a:ext cx="10745640" cy="496440"/>
+            <a:ext cx="10744920" cy="495720"/>
           </a:xfrm>
           <a:prstGeom prst="rect">
             <a:avLst/>
@@ -7869,7 +7869,7 @@
         <p:spPr>
           <a:xfrm>
             <a:off x="335520" y="1268280"/>
-            <a:ext cx="10745640" cy="5033160"/>
+            <a:ext cx="10744920" cy="5032440"/>
           </a:xfrm>
           <a:prstGeom prst="rect">
             <a:avLst/>
@@ -7900,7 +7900,7 @@
             </a:endParaRPr>
           </a:p>
           <a:p>
-            <a:pPr marL="195120" indent="-191160">
+            <a:pPr marL="195120" indent="-190440">
               <a:lnSpc>
                 <a:spcPct val="100000"/>
               </a:lnSpc>
@@ -7969,7 +7969,7 @@
             </a:endParaRPr>
           </a:p>
           <a:p>
-            <a:pPr marL="195120" indent="-191160">
+            <a:pPr marL="195120" indent="-190440">
               <a:lnSpc>
                 <a:spcPct val="100000"/>
               </a:lnSpc>
@@ -7998,7 +7998,7 @@
             </a:endParaRPr>
           </a:p>
           <a:p>
-            <a:pPr marL="195120" indent="-191160">
+            <a:pPr marL="195120" indent="-190440">
               <a:lnSpc>
                 <a:spcPct val="100000"/>
               </a:lnSpc>
@@ -8027,7 +8027,7 @@
             </a:endParaRPr>
           </a:p>
           <a:p>
-            <a:pPr marL="195120" indent="-191160">
+            <a:pPr marL="195120" indent="-190440">
               <a:lnSpc>
                 <a:spcPct val="100000"/>
               </a:lnSpc>
@@ -8056,7 +8056,7 @@
             </a:endParaRPr>
           </a:p>
           <a:p>
-            <a:pPr marL="195120" indent="-191160">
+            <a:pPr marL="195120" indent="-190440">
               <a:lnSpc>
                 <a:spcPct val="100000"/>
               </a:lnSpc>
@@ -8115,7 +8115,7 @@
             </a:endParaRPr>
           </a:p>
           <a:p>
-            <a:pPr marL="195120" indent="-191160">
+            <a:pPr marL="195120" indent="-190440">
               <a:lnSpc>
                 <a:spcPct val="100000"/>
               </a:lnSpc>
@@ -8145,7 +8145,7 @@
             </a:endParaRPr>
           </a:p>
           <a:p>
-            <a:pPr marL="195120" indent="-191160">
+            <a:pPr marL="195120" indent="-190440">
               <a:lnSpc>
                 <a:spcPct val="100000"/>
               </a:lnSpc>
@@ -8174,7 +8174,7 @@
             </a:endParaRPr>
           </a:p>
           <a:p>
-            <a:pPr marL="195120" indent="-191160">
+            <a:pPr marL="195120" indent="-190440">
               <a:lnSpc>
                 <a:spcPct val="100000"/>
               </a:lnSpc>
@@ -8243,7 +8243,7 @@
         <p:spPr>
           <a:xfrm>
             <a:off x="335520" y="764640"/>
-            <a:ext cx="10745640" cy="496440"/>
+            <a:ext cx="10744920" cy="495720"/>
           </a:xfrm>
           <a:prstGeom prst="rect">
             <a:avLst/>
@@ -8294,7 +8294,7 @@
         <p:spPr>
           <a:xfrm>
             <a:off x="335520" y="1268280"/>
-            <a:ext cx="10745640" cy="5033160"/>
+            <a:ext cx="10744920" cy="5032440"/>
           </a:xfrm>
           <a:prstGeom prst="rect">
             <a:avLst/>
@@ -8315,7 +8315,7 @@
             <a:noAutofit/>
           </a:bodyPr>
           <a:p>
-            <a:pPr marL="216000" indent="-215280">
+            <a:pPr marL="216000" indent="-214560">
               <a:lnSpc>
                 <a:spcPct val="100000"/>
               </a:lnSpc>
@@ -8341,7 +8341,7 @@
             </a:endParaRPr>
           </a:p>
           <a:p>
-            <a:pPr lvl="1" marL="432000" indent="-215280">
+            <a:pPr lvl="1" marL="432000" indent="-214560">
               <a:lnSpc>
                 <a:spcPct val="100000"/>
               </a:lnSpc>
@@ -8370,7 +8370,7 @@
             </a:endParaRPr>
           </a:p>
           <a:p>
-            <a:pPr lvl="1" marL="432000" indent="-215280">
+            <a:pPr lvl="1" marL="432000" indent="-214560">
               <a:lnSpc>
                 <a:spcPct val="100000"/>
               </a:lnSpc>
@@ -8399,7 +8399,7 @@
             </a:endParaRPr>
           </a:p>
           <a:p>
-            <a:pPr lvl="1" marL="432000" indent="-215280">
+            <a:pPr lvl="1" marL="432000" indent="-214560">
               <a:lnSpc>
                 <a:spcPct val="100000"/>
               </a:lnSpc>
@@ -8428,7 +8428,7 @@
             </a:endParaRPr>
           </a:p>
           <a:p>
-            <a:pPr lvl="1" marL="432000" indent="-215280">
+            <a:pPr lvl="1" marL="432000" indent="-214560">
               <a:lnSpc>
                 <a:spcPct val="100000"/>
               </a:lnSpc>
@@ -8457,7 +8457,7 @@
             </a:endParaRPr>
           </a:p>
           <a:p>
-            <a:pPr lvl="1" marL="432000" indent="-215280">
+            <a:pPr lvl="1" marL="432000" indent="-214560">
               <a:lnSpc>
                 <a:spcPct val="100000"/>
               </a:lnSpc>
@@ -8526,7 +8526,7 @@
         <p:spPr>
           <a:xfrm>
             <a:off x="335520" y="764640"/>
-            <a:ext cx="10745640" cy="496440"/>
+            <a:ext cx="10744920" cy="495720"/>
           </a:xfrm>
           <a:prstGeom prst="rect">
             <a:avLst/>
@@ -8577,7 +8577,7 @@
         <p:spPr>
           <a:xfrm>
             <a:off x="335520" y="1268640"/>
-            <a:ext cx="10745640" cy="5033160"/>
+            <a:ext cx="10744920" cy="5032440"/>
           </a:xfrm>
           <a:prstGeom prst="rect">
             <a:avLst/>
@@ -8598,7 +8598,7 @@
             <a:noAutofit/>
           </a:bodyPr>
           <a:p>
-            <a:pPr marL="216000" indent="-215280">
+            <a:pPr marL="216000" indent="-214560">
               <a:lnSpc>
                 <a:spcPct val="100000"/>
               </a:lnSpc>
@@ -8627,7 +8627,7 @@
             </a:endParaRPr>
           </a:p>
           <a:p>
-            <a:pPr marL="216000" indent="-215280">
+            <a:pPr marL="216000" indent="-214560">
               <a:lnSpc>
                 <a:spcPct val="100000"/>
               </a:lnSpc>
@@ -8656,7 +8656,7 @@
             </a:endParaRPr>
           </a:p>
           <a:p>
-            <a:pPr marL="216000" indent="-215280">
+            <a:pPr marL="216000" indent="-214560">
               <a:lnSpc>
                 <a:spcPct val="100000"/>
               </a:lnSpc>
@@ -8705,7 +8705,7 @@
             </a:endParaRPr>
           </a:p>
           <a:p>
-            <a:pPr lvl="1" marL="432000" indent="-215280">
+            <a:pPr lvl="1" marL="432000" indent="-214560">
               <a:lnSpc>
                 <a:spcPct val="100000"/>
               </a:lnSpc>
@@ -8734,7 +8734,7 @@
             </a:endParaRPr>
           </a:p>
           <a:p>
-            <a:pPr lvl="1" marL="432000" indent="-215280">
+            <a:pPr lvl="1" marL="432000" indent="-214560">
               <a:lnSpc>
                 <a:spcPct val="100000"/>
               </a:lnSpc>
@@ -8793,7 +8793,7 @@
         <p:spPr>
           <a:xfrm>
             <a:off x="4655880" y="476640"/>
-            <a:ext cx="2431800" cy="357840"/>
+            <a:ext cx="2431080" cy="357120"/>
           </a:xfrm>
           <a:prstGeom prst="rect">
             <a:avLst/>
@@ -8849,7 +8849,7 @@
         <p:spPr>
           <a:xfrm>
             <a:off x="335520" y="764640"/>
-            <a:ext cx="10743480" cy="494280"/>
+            <a:ext cx="10742760" cy="493560"/>
           </a:xfrm>
           <a:prstGeom prst="rect">
             <a:avLst/>
@@ -8900,7 +8900,7 @@
         <p:spPr>
           <a:xfrm>
             <a:off x="335520" y="1268640"/>
-            <a:ext cx="10743480" cy="5031000"/>
+            <a:ext cx="10742760" cy="5030280"/>
           </a:xfrm>
           <a:prstGeom prst="rect">
             <a:avLst/>
@@ -8957,7 +8957,7 @@
         <p:spPr>
           <a:xfrm>
             <a:off x="336600" y="3429000"/>
-            <a:ext cx="10861200" cy="2053080"/>
+            <a:ext cx="10860480" cy="2052360"/>
           </a:xfrm>
           <a:prstGeom prst="rect">
             <a:avLst/>
@@ -8978,7 +8978,7 @@
             <a:noAutofit/>
           </a:bodyPr>
           <a:p>
-            <a:pPr marL="216000" indent="-214200">
+            <a:pPr marL="216000" indent="-213480">
               <a:lnSpc>
                 <a:spcPct val="100000"/>
               </a:lnSpc>
@@ -9052,7 +9052,7 @@
             </a:endParaRPr>
           </a:p>
           <a:p>
-            <a:pPr marL="216000" indent="-214200">
+            <a:pPr marL="216000" indent="-213480">
               <a:lnSpc>
                 <a:spcPct val="100000"/>
               </a:lnSpc>
@@ -9146,7 +9146,7 @@
         <p:spPr>
           <a:xfrm>
             <a:off x="335520" y="764640"/>
-            <a:ext cx="10745640" cy="496440"/>
+            <a:ext cx="10744920" cy="495720"/>
           </a:xfrm>
           <a:prstGeom prst="rect">
             <a:avLst/>
@@ -9197,7 +9197,7 @@
         <p:spPr>
           <a:xfrm>
             <a:off x="335520" y="1268640"/>
-            <a:ext cx="10745640" cy="5033160"/>
+            <a:ext cx="10744920" cy="5032440"/>
           </a:xfrm>
           <a:prstGeom prst="rect">
             <a:avLst/>
@@ -9218,7 +9218,7 @@
             <a:noAutofit/>
           </a:bodyPr>
           <a:p>
-            <a:pPr marL="195120" indent="-191160">
+            <a:pPr marL="195120" indent="-190440">
               <a:lnSpc>
                 <a:spcPct val="100000"/>
               </a:lnSpc>
@@ -9247,7 +9247,7 @@
             </a:endParaRPr>
           </a:p>
           <a:p>
-            <a:pPr marL="195120" indent="-191160">
+            <a:pPr marL="195120" indent="-190440">
               <a:lnSpc>
                 <a:spcPct val="100000"/>
               </a:lnSpc>
@@ -9276,7 +9276,7 @@
             </a:endParaRPr>
           </a:p>
           <a:p>
-            <a:pPr marL="195120" indent="-191160">
+            <a:pPr marL="195120" indent="-190440">
               <a:lnSpc>
                 <a:spcPct val="100000"/>
               </a:lnSpc>
@@ -9315,7 +9315,7 @@
         <p:spPr>
           <a:xfrm>
             <a:off x="4655880" y="476640"/>
-            <a:ext cx="2431800" cy="357840"/>
+            <a:ext cx="2431080" cy="357120"/>
           </a:xfrm>
           <a:prstGeom prst="rect">
             <a:avLst/>
@@ -9371,7 +9371,7 @@
         <p:spPr>
           <a:xfrm>
             <a:off x="335520" y="840960"/>
-            <a:ext cx="10745640" cy="496440"/>
+            <a:ext cx="10744920" cy="495720"/>
           </a:xfrm>
           <a:prstGeom prst="rect">
             <a:avLst/>
@@ -9422,7 +9422,7 @@
         <p:spPr>
           <a:xfrm>
             <a:off x="388800" y="1488600"/>
-            <a:ext cx="10724040" cy="5204520"/>
+            <a:ext cx="10723320" cy="5204520"/>
           </a:xfrm>
           <a:prstGeom prst="rect">
             <a:avLst/>
@@ -9473,7 +9473,7 @@
             </a:endParaRPr>
           </a:p>
           <a:p>
-            <a:pPr marL="216000" indent="-215280">
+            <a:pPr marL="216000" indent="-214560">
               <a:lnSpc>
                 <a:spcPct val="100000"/>
               </a:lnSpc>
@@ -9519,7 +9519,7 @@
             </a:endParaRPr>
           </a:p>
           <a:p>
-            <a:pPr marL="216000" indent="-215280">
+            <a:pPr marL="216000" indent="-214560">
               <a:lnSpc>
                 <a:spcPct val="100000"/>
               </a:lnSpc>
@@ -9565,7 +9565,7 @@
             </a:endParaRPr>
           </a:p>
           <a:p>
-            <a:pPr marL="216000" indent="-215280">
+            <a:pPr marL="216000" indent="-214560">
               <a:lnSpc>
                 <a:spcPct val="100000"/>
               </a:lnSpc>
@@ -9591,7 +9591,7 @@
             </a:endParaRPr>
           </a:p>
           <a:p>
-            <a:pPr marL="216000" indent="-215280">
+            <a:pPr marL="216000" indent="-214560">
               <a:lnSpc>
                 <a:spcPct val="100000"/>
               </a:lnSpc>
@@ -9627,7 +9627,7 @@
             </a:endParaRPr>
           </a:p>
           <a:p>
-            <a:pPr marL="216000" indent="-215280">
+            <a:pPr marL="216000" indent="-214560">
               <a:lnSpc>
                 <a:spcPct val="100000"/>
               </a:lnSpc>
@@ -9653,7 +9653,7 @@
             </a:endParaRPr>
           </a:p>
           <a:p>
-            <a:pPr marL="216000" indent="-215280">
+            <a:pPr marL="216000" indent="-214560">
               <a:lnSpc>
                 <a:spcPct val="100000"/>
               </a:lnSpc>
@@ -9679,7 +9679,7 @@
             </a:endParaRPr>
           </a:p>
           <a:p>
-            <a:pPr marL="216000" indent="-215280">
+            <a:pPr marL="216000" indent="-214560">
               <a:lnSpc>
                 <a:spcPct val="100000"/>
               </a:lnSpc>
@@ -9715,7 +9715,7 @@
             </a:endParaRPr>
           </a:p>
           <a:p>
-            <a:pPr marL="216000" indent="-215280">
+            <a:pPr marL="216000" indent="-214560">
               <a:lnSpc>
                 <a:spcPct val="100000"/>
               </a:lnSpc>
@@ -9741,7 +9741,7 @@
             </a:endParaRPr>
           </a:p>
           <a:p>
-            <a:pPr marL="216000" indent="-215280">
+            <a:pPr marL="216000" indent="-214560">
               <a:lnSpc>
                 <a:spcPct val="100000"/>
               </a:lnSpc>
@@ -9787,7 +9787,7 @@
             </a:endParaRPr>
           </a:p>
           <a:p>
-            <a:pPr marL="216000" indent="-215280">
+            <a:pPr marL="216000" indent="-214560">
               <a:lnSpc>
                 <a:spcPct val="100000"/>
               </a:lnSpc>
@@ -9823,7 +9823,7 @@
             </a:endParaRPr>
           </a:p>
           <a:p>
-            <a:pPr marL="216000" indent="-215280">
+            <a:pPr marL="216000" indent="-214560">
               <a:lnSpc>
                 <a:spcPct val="100000"/>
               </a:lnSpc>
@@ -9889,7 +9889,7 @@
             </a:endParaRPr>
           </a:p>
           <a:p>
-            <a:pPr marL="216000" indent="-215280">
+            <a:pPr marL="216000" indent="-214560">
               <a:lnSpc>
                 <a:spcPct val="100000"/>
               </a:lnSpc>
@@ -9925,7 +9925,7 @@
             </a:endParaRPr>
           </a:p>
           <a:p>
-            <a:pPr marL="216000" indent="-215280">
+            <a:pPr marL="216000" indent="-214560">
               <a:lnSpc>
                 <a:spcPct val="100000"/>
               </a:lnSpc>
@@ -9991,7 +9991,7 @@
         <p:spPr>
           <a:xfrm>
             <a:off x="335520" y="764640"/>
-            <a:ext cx="10745640" cy="496440"/>
+            <a:ext cx="10744920" cy="495720"/>
           </a:xfrm>
           <a:prstGeom prst="rect">
             <a:avLst/>
@@ -10042,7 +10042,7 @@
         <p:spPr>
           <a:xfrm>
             <a:off x="4655880" y="476640"/>
-            <a:ext cx="2431800" cy="357840"/>
+            <a:ext cx="2431080" cy="357120"/>
           </a:xfrm>
           <a:prstGeom prst="rect">
             <a:avLst/>
@@ -10068,7 +10068,7 @@
         <p:spPr>
           <a:xfrm>
             <a:off x="494640" y="1523880"/>
-            <a:ext cx="10364400" cy="479520"/>
+            <a:ext cx="10363680" cy="478800"/>
           </a:xfrm>
           <a:prstGeom prst="rect">
             <a:avLst/>
@@ -10118,13 +10118,13 @@
         </p:nvPicPr>
         <p:blipFill>
           <a:blip r:embed="rId1"/>
-          <a:srcRect l="0" t="0" r="0" b="43298"/>
+          <a:srcRect l="0" t="0" r="0" b="43289"/>
           <a:stretch/>
         </p:blipFill>
         <p:spPr>
           <a:xfrm>
             <a:off x="609120" y="2057760"/>
-            <a:ext cx="9516960" cy="3881160"/>
+            <a:ext cx="9516240" cy="3880440"/>
           </a:xfrm>
           <a:prstGeom prst="rect">
             <a:avLst/>
@@ -10173,7 +10173,7 @@
         <p:spPr>
           <a:xfrm>
             <a:off x="335520" y="764640"/>
-            <a:ext cx="10745640" cy="496440"/>
+            <a:ext cx="10744920" cy="495720"/>
           </a:xfrm>
           <a:prstGeom prst="rect">
             <a:avLst/>
@@ -10224,7 +10224,7 @@
         <p:spPr>
           <a:xfrm>
             <a:off x="4655880" y="476640"/>
-            <a:ext cx="2431800" cy="357840"/>
+            <a:ext cx="2431080" cy="357120"/>
           </a:xfrm>
           <a:prstGeom prst="rect">
             <a:avLst/>
@@ -10250,7 +10250,7 @@
         <p:spPr>
           <a:xfrm>
             <a:off x="494640" y="1474920"/>
-            <a:ext cx="10364400" cy="479520"/>
+            <a:ext cx="10363680" cy="478800"/>
           </a:xfrm>
           <a:prstGeom prst="rect">
             <a:avLst/>
@@ -10316,7 +10316,7 @@
         <p:spPr>
           <a:xfrm>
             <a:off x="446400" y="2185200"/>
-            <a:ext cx="9404280" cy="3847320"/>
+            <a:ext cx="9403560" cy="3846600"/>
           </a:xfrm>
           <a:prstGeom prst="rect">
             <a:avLst/>
@@ -10365,7 +10365,7 @@
         <p:spPr>
           <a:xfrm>
             <a:off x="335520" y="764640"/>
-            <a:ext cx="10745640" cy="496440"/>
+            <a:ext cx="10744920" cy="495720"/>
           </a:xfrm>
           <a:prstGeom prst="rect">
             <a:avLst/>
@@ -10416,7 +10416,7 @@
         <p:spPr>
           <a:xfrm>
             <a:off x="4655880" y="476640"/>
-            <a:ext cx="2431800" cy="357840"/>
+            <a:ext cx="2431080" cy="357120"/>
           </a:xfrm>
           <a:prstGeom prst="rect">
             <a:avLst/>
@@ -10442,7 +10442,7 @@
         <p:spPr>
           <a:xfrm>
             <a:off x="494640" y="1523880"/>
-            <a:ext cx="10364400" cy="479520"/>
+            <a:ext cx="10363680" cy="478800"/>
           </a:xfrm>
           <a:prstGeom prst="rect">
             <a:avLst/>
@@ -10498,7 +10498,7 @@
         <p:spPr>
           <a:xfrm>
             <a:off x="494640" y="2088360"/>
-            <a:ext cx="8942040" cy="3963600"/>
+            <a:ext cx="8941320" cy="3962880"/>
           </a:xfrm>
           <a:prstGeom prst="rect">
             <a:avLst/>
@@ -10547,7 +10547,7 @@
         <p:spPr>
           <a:xfrm>
             <a:off x="335520" y="764640"/>
-            <a:ext cx="10745640" cy="496440"/>
+            <a:ext cx="10744920" cy="495720"/>
           </a:xfrm>
           <a:prstGeom prst="rect">
             <a:avLst/>
@@ -10598,7 +10598,7 @@
         <p:spPr>
           <a:xfrm>
             <a:off x="4655880" y="476640"/>
-            <a:ext cx="2431800" cy="357840"/>
+            <a:ext cx="2431080" cy="357120"/>
           </a:xfrm>
           <a:prstGeom prst="rect">
             <a:avLst/>
@@ -10624,7 +10624,7 @@
         <p:spPr>
           <a:xfrm>
             <a:off x="494640" y="1523880"/>
-            <a:ext cx="10364400" cy="479520"/>
+            <a:ext cx="10363680" cy="478800"/>
           </a:xfrm>
           <a:prstGeom prst="rect">
             <a:avLst/>
@@ -10680,7 +10680,7 @@
         <p:spPr>
           <a:xfrm>
             <a:off x="494640" y="2166840"/>
-            <a:ext cx="8337600" cy="4178880"/>
+            <a:ext cx="8336880" cy="4178160"/>
           </a:xfrm>
           <a:prstGeom prst="rect">
             <a:avLst/>
@@ -10729,7 +10729,7 @@
         <p:spPr>
           <a:xfrm>
             <a:off x="335520" y="768240"/>
-            <a:ext cx="10745640" cy="496440"/>
+            <a:ext cx="10744920" cy="495720"/>
           </a:xfrm>
           <a:prstGeom prst="rect">
             <a:avLst/>
@@ -10780,7 +10780,7 @@
         <p:spPr>
           <a:xfrm>
             <a:off x="388800" y="1488600"/>
-            <a:ext cx="10719360" cy="5204520"/>
+            <a:ext cx="10718640" cy="5204520"/>
           </a:xfrm>
           <a:prstGeom prst="rect">
             <a:avLst/>
@@ -10831,7 +10831,7 @@
             </a:endParaRPr>
           </a:p>
           <a:p>
-            <a:pPr marL="216000" indent="-213480">
+            <a:pPr marL="216000" indent="-212760">
               <a:lnSpc>
                 <a:spcPct val="100000"/>
               </a:lnSpc>
@@ -10887,7 +10887,7 @@
             </a:endParaRPr>
           </a:p>
           <a:p>
-            <a:pPr marL="216000" indent="-213480">
+            <a:pPr marL="216000" indent="-212760">
               <a:lnSpc>
                 <a:spcPct val="100000"/>
               </a:lnSpc>
@@ -10943,7 +10943,7 @@
             </a:endParaRPr>
           </a:p>
           <a:p>
-            <a:pPr marL="216000" indent="-213480">
+            <a:pPr marL="216000" indent="-212760">
               <a:lnSpc>
                 <a:spcPct val="100000"/>
               </a:lnSpc>
@@ -10969,7 +10969,7 @@
             </a:endParaRPr>
           </a:p>
           <a:p>
-            <a:pPr marL="216000" indent="-213480">
+            <a:pPr marL="216000" indent="-212760">
               <a:lnSpc>
                 <a:spcPct val="100000"/>
               </a:lnSpc>
@@ -11005,7 +11005,7 @@
             </a:endParaRPr>
           </a:p>
           <a:p>
-            <a:pPr marL="216000" indent="-213480">
+            <a:pPr marL="216000" indent="-212760">
               <a:lnSpc>
                 <a:spcPct val="100000"/>
               </a:lnSpc>
@@ -11031,7 +11031,7 @@
             </a:endParaRPr>
           </a:p>
           <a:p>
-            <a:pPr marL="216000" indent="-213480">
+            <a:pPr marL="216000" indent="-212760">
               <a:lnSpc>
                 <a:spcPct val="100000"/>
               </a:lnSpc>
@@ -11057,7 +11057,7 @@
             </a:endParaRPr>
           </a:p>
           <a:p>
-            <a:pPr marL="216000" indent="-213480">
+            <a:pPr marL="216000" indent="-212760">
               <a:lnSpc>
                 <a:spcPct val="100000"/>
               </a:lnSpc>
@@ -11093,7 +11093,7 @@
             </a:endParaRPr>
           </a:p>
           <a:p>
-            <a:pPr marL="216000" indent="-213480">
+            <a:pPr marL="216000" indent="-212760">
               <a:lnSpc>
                 <a:spcPct val="100000"/>
               </a:lnSpc>
@@ -11119,7 +11119,7 @@
             </a:endParaRPr>
           </a:p>
           <a:p>
-            <a:pPr marL="216000" indent="-213480">
+            <a:pPr marL="216000" indent="-212760">
               <a:lnSpc>
                 <a:spcPct val="100000"/>
               </a:lnSpc>
@@ -11165,7 +11165,7 @@
             </a:endParaRPr>
           </a:p>
           <a:p>
-            <a:pPr marL="216000" indent="-213480">
+            <a:pPr marL="216000" indent="-212760">
               <a:lnSpc>
                 <a:spcPct val="100000"/>
               </a:lnSpc>
@@ -11201,7 +11201,7 @@
             </a:endParaRPr>
           </a:p>
           <a:p>
-            <a:pPr marL="216000" indent="-213480">
+            <a:pPr marL="216000" indent="-212760">
               <a:lnSpc>
                 <a:spcPct val="100000"/>
               </a:lnSpc>
@@ -11267,7 +11267,7 @@
             </a:endParaRPr>
           </a:p>
           <a:p>
-            <a:pPr marL="216000" indent="-213480">
+            <a:pPr marL="216000" indent="-212760">
               <a:lnSpc>
                 <a:spcPct val="100000"/>
               </a:lnSpc>
@@ -11303,7 +11303,7 @@
             </a:endParaRPr>
           </a:p>
           <a:p>
-            <a:pPr marL="216000" indent="-213480">
+            <a:pPr marL="216000" indent="-212760">
               <a:lnSpc>
                 <a:spcPct val="100000"/>
               </a:lnSpc>
@@ -11369,7 +11369,7 @@
         <p:spPr>
           <a:xfrm>
             <a:off x="335520" y="764640"/>
-            <a:ext cx="10745640" cy="496440"/>
+            <a:ext cx="10744920" cy="495720"/>
           </a:xfrm>
           <a:prstGeom prst="rect">
             <a:avLst/>
@@ -11420,7 +11420,7 @@
         <p:spPr>
           <a:xfrm>
             <a:off x="494640" y="1523880"/>
-            <a:ext cx="10364400" cy="479520"/>
+            <a:ext cx="10363680" cy="478800"/>
           </a:xfrm>
           <a:prstGeom prst="rect">
             <a:avLst/>
@@ -11510,7 +11510,7 @@
         <p:spPr>
           <a:xfrm>
             <a:off x="1895760" y="2238840"/>
-            <a:ext cx="6786720" cy="4157640"/>
+            <a:ext cx="6786000" cy="4156920"/>
           </a:xfrm>
           <a:prstGeom prst="rect">
             <a:avLst/>
@@ -11559,7 +11559,7 @@
         <p:spPr>
           <a:xfrm>
             <a:off x="335520" y="764640"/>
-            <a:ext cx="10745640" cy="496440"/>
+            <a:ext cx="10744920" cy="495720"/>
           </a:xfrm>
           <a:prstGeom prst="rect">
             <a:avLst/>
@@ -11610,7 +11610,7 @@
         <p:spPr>
           <a:xfrm>
             <a:off x="494640" y="1488600"/>
-            <a:ext cx="5447160" cy="444240"/>
+            <a:ext cx="5446440" cy="443520"/>
           </a:xfrm>
           <a:prstGeom prst="rect">
             <a:avLst/>
@@ -11676,7 +11676,7 @@
         <p:spPr>
           <a:xfrm>
             <a:off x="1828800" y="1937160"/>
-            <a:ext cx="7954200" cy="4088520"/>
+            <a:ext cx="7953480" cy="4087800"/>
           </a:xfrm>
           <a:prstGeom prst="rect">
             <a:avLst/>
@@ -11725,7 +11725,7 @@
         <p:spPr>
           <a:xfrm>
             <a:off x="335520" y="764640"/>
-            <a:ext cx="10745640" cy="496440"/>
+            <a:ext cx="10744920" cy="495720"/>
           </a:xfrm>
           <a:prstGeom prst="rect">
             <a:avLst/>
@@ -11780,7 +11780,7 @@
         <p:spPr>
           <a:xfrm>
             <a:off x="2679480" y="2130480"/>
-            <a:ext cx="7374600" cy="3485520"/>
+            <a:ext cx="7373880" cy="3484800"/>
           </a:xfrm>
           <a:prstGeom prst="rect">
             <a:avLst/>
@@ -11799,7 +11799,7 @@
         <p:spPr>
           <a:xfrm>
             <a:off x="494640" y="1418040"/>
-            <a:ext cx="5218560" cy="444240"/>
+            <a:ext cx="5217840" cy="443520"/>
           </a:xfrm>
           <a:prstGeom prst="rect">
             <a:avLst/>
@@ -11880,7 +11880,7 @@
         <p:spPr>
           <a:xfrm>
             <a:off x="335520" y="764640"/>
-            <a:ext cx="10745640" cy="496440"/>
+            <a:ext cx="10744920" cy="495720"/>
           </a:xfrm>
           <a:prstGeom prst="rect">
             <a:avLst/>
@@ -11935,7 +11935,7 @@
         <p:spPr>
           <a:xfrm>
             <a:off x="2394720" y="1153800"/>
-            <a:ext cx="1468440" cy="2169720"/>
+            <a:ext cx="1467720" cy="2169000"/>
           </a:xfrm>
           <a:prstGeom prst="rect">
             <a:avLst/>
@@ -11958,7 +11958,7 @@
         <p:spPr>
           <a:xfrm>
             <a:off x="7250040" y="1153800"/>
-            <a:ext cx="1733760" cy="2169720"/>
+            <a:ext cx="1733040" cy="2169000"/>
           </a:xfrm>
           <a:prstGeom prst="rect">
             <a:avLst/>
@@ -11981,7 +11981,7 @@
         <p:spPr>
           <a:xfrm>
             <a:off x="4846320" y="4206240"/>
-            <a:ext cx="1782360" cy="1774440"/>
+            <a:ext cx="1781640" cy="1773720"/>
           </a:xfrm>
           <a:prstGeom prst="rect">
             <a:avLst/>
@@ -12000,7 +12000,7 @@
         <p:spPr>
           <a:xfrm>
             <a:off x="1330200" y="3269880"/>
-            <a:ext cx="3633120" cy="674640"/>
+            <a:ext cx="3632400" cy="673920"/>
           </a:xfrm>
           <a:prstGeom prst="rect">
             <a:avLst/>
@@ -12077,7 +12077,7 @@
         <p:spPr>
           <a:xfrm>
             <a:off x="6321600" y="3269880"/>
-            <a:ext cx="3633120" cy="674640"/>
+            <a:ext cx="3632400" cy="673920"/>
           </a:xfrm>
           <a:prstGeom prst="rect">
             <a:avLst/>
@@ -12154,7 +12154,7 @@
         <p:spPr>
           <a:xfrm>
             <a:off x="1312200" y="5920200"/>
-            <a:ext cx="3633120" cy="674640"/>
+            <a:ext cx="3632400" cy="673920"/>
           </a:xfrm>
           <a:prstGeom prst="rect">
             <a:avLst/>
@@ -12211,7 +12211,7 @@
         <p:spPr>
           <a:xfrm>
             <a:off x="3950640" y="5903280"/>
-            <a:ext cx="3633120" cy="674640"/>
+            <a:ext cx="3632400" cy="673920"/>
           </a:xfrm>
           <a:prstGeom prst="rect">
             <a:avLst/>
@@ -12322,7 +12322,7 @@
         <p:spPr>
           <a:xfrm>
             <a:off x="685800" y="2514600"/>
-            <a:ext cx="8872560" cy="3839040"/>
+            <a:ext cx="8871840" cy="3838320"/>
           </a:xfrm>
           <a:prstGeom prst="rect">
             <a:avLst/>
@@ -12341,7 +12341,7 @@
         <p:spPr>
           <a:xfrm>
             <a:off x="335520" y="764640"/>
-            <a:ext cx="10745640" cy="496440"/>
+            <a:ext cx="10744920" cy="495720"/>
           </a:xfrm>
           <a:prstGeom prst="rect">
             <a:avLst/>
@@ -12392,7 +12392,7 @@
         <p:spPr>
           <a:xfrm>
             <a:off x="494640" y="1312200"/>
-            <a:ext cx="1735560" cy="366840"/>
+            <a:ext cx="1734840" cy="366120"/>
           </a:xfrm>
           <a:prstGeom prst="rect">
             <a:avLst/>
@@ -12568,7 +12568,7 @@
         <p:spPr>
           <a:xfrm>
             <a:off x="642600" y="1679400"/>
-            <a:ext cx="4402440" cy="638280"/>
+            <a:ext cx="4401720" cy="638280"/>
           </a:xfrm>
           <a:prstGeom prst="rect">
             <a:avLst/>
@@ -12639,7 +12639,7 @@
         <p:spPr>
           <a:xfrm>
             <a:off x="6549480" y="1679400"/>
-            <a:ext cx="4876200" cy="632880"/>
+            <a:ext cx="4875480" cy="632160"/>
           </a:xfrm>
           <a:prstGeom prst="rect">
             <a:avLst/>
@@ -12710,7 +12710,7 @@
         <p:spPr>
           <a:xfrm>
             <a:off x="7839360" y="1679400"/>
-            <a:ext cx="2617560" cy="430200"/>
+            <a:ext cx="2616840" cy="429480"/>
           </a:xfrm>
           <a:prstGeom prst="rect">
             <a:avLst/>
@@ -12761,7 +12761,7 @@
         <p:spPr>
           <a:xfrm>
             <a:off x="8857440" y="3943440"/>
-            <a:ext cx="282240" cy="363960"/>
+            <a:ext cx="281520" cy="363960"/>
           </a:xfrm>
           <a:prstGeom prst="rect">
             <a:avLst/>
@@ -12812,7 +12812,7 @@
         <p:spPr>
           <a:xfrm>
             <a:off x="9537840" y="4548960"/>
-            <a:ext cx="282240" cy="363960"/>
+            <a:ext cx="281520" cy="363960"/>
           </a:xfrm>
           <a:prstGeom prst="rect">
             <a:avLst/>
@@ -12863,7 +12863,7 @@
         <p:spPr>
           <a:xfrm>
             <a:off x="7279920" y="6101280"/>
-            <a:ext cx="282600" cy="363960"/>
+            <a:ext cx="281880" cy="363960"/>
           </a:xfrm>
           <a:prstGeom prst="rect">
             <a:avLst/>
@@ -12949,7 +12949,7 @@
         <p:spPr>
           <a:xfrm>
             <a:off x="1058760" y="6130800"/>
-            <a:ext cx="282600" cy="363960"/>
+            <a:ext cx="281880" cy="363960"/>
           </a:xfrm>
           <a:prstGeom prst="rect">
             <a:avLst/>
@@ -13030,7 +13030,7 @@
         <p:spPr>
           <a:xfrm>
             <a:off x="335520" y="764640"/>
-            <a:ext cx="10745640" cy="496440"/>
+            <a:ext cx="10744920" cy="495720"/>
           </a:xfrm>
           <a:prstGeom prst="rect">
             <a:avLst/>
@@ -13081,7 +13081,7 @@
         <p:spPr>
           <a:xfrm>
             <a:off x="335520" y="1268640"/>
-            <a:ext cx="10745640" cy="5033160"/>
+            <a:ext cx="10744920" cy="5032440"/>
           </a:xfrm>
           <a:prstGeom prst="rect">
             <a:avLst/>
@@ -13102,7 +13102,7 @@
             <a:noAutofit/>
           </a:bodyPr>
           <a:p>
-            <a:pPr marL="216000" indent="-215280">
+            <a:pPr marL="216000" indent="-214560">
               <a:lnSpc>
                 <a:spcPct val="100000"/>
               </a:lnSpc>
@@ -13131,7 +13131,7 @@
             </a:endParaRPr>
           </a:p>
           <a:p>
-            <a:pPr lvl="1" marL="432000" indent="-215280">
+            <a:pPr lvl="1" marL="432000" indent="-214560">
               <a:lnSpc>
                 <a:spcPct val="100000"/>
               </a:lnSpc>
@@ -13173,7 +13173,7 @@
             </a:endParaRPr>
           </a:p>
           <a:p>
-            <a:pPr marL="216000" indent="-215280">
+            <a:pPr marL="216000" indent="-214560">
               <a:lnSpc>
                 <a:spcPct val="100000"/>
               </a:lnSpc>
@@ -13202,7 +13202,7 @@
             </a:endParaRPr>
           </a:p>
           <a:p>
-            <a:pPr lvl="1" marL="432000" indent="-215280">
+            <a:pPr lvl="1" marL="432000" indent="-214560">
               <a:lnSpc>
                 <a:spcPct val="100000"/>
               </a:lnSpc>
@@ -13241,7 +13241,7 @@
             </a:endParaRPr>
           </a:p>
           <a:p>
-            <a:pPr lvl="1" marL="432000" indent="-215280">
+            <a:pPr lvl="1" marL="432000" indent="-214560">
               <a:lnSpc>
                 <a:spcPct val="100000"/>
               </a:lnSpc>
@@ -13270,7 +13270,7 @@
             </a:endParaRPr>
           </a:p>
           <a:p>
-            <a:pPr lvl="1" marL="432000" indent="-215280">
+            <a:pPr lvl="1" marL="432000" indent="-214560">
               <a:lnSpc>
                 <a:spcPct val="100000"/>
               </a:lnSpc>
@@ -13352,7 +13352,7 @@
         <p:spPr>
           <a:xfrm>
             <a:off x="335520" y="764640"/>
-            <a:ext cx="10743840" cy="494640"/>
+            <a:ext cx="10743120" cy="493920"/>
           </a:xfrm>
           <a:prstGeom prst="rect">
             <a:avLst/>
@@ -13403,7 +13403,7 @@
         <p:spPr>
           <a:xfrm>
             <a:off x="335520" y="1268280"/>
-            <a:ext cx="10743840" cy="5031360"/>
+            <a:ext cx="10743120" cy="5030640"/>
           </a:xfrm>
           <a:prstGeom prst="rect">
             <a:avLst/>
@@ -13437,7 +13437,7 @@
             </a:endParaRPr>
           </a:p>
           <a:p>
-            <a:pPr marL="195120" indent="-189720">
+            <a:pPr marL="195120" indent="-189000">
               <a:lnSpc>
                 <a:spcPct val="100000"/>
               </a:lnSpc>
@@ -13493,7 +13493,7 @@
         <p:spPr>
           <a:xfrm>
             <a:off x="6285600" y="2132640"/>
-            <a:ext cx="513360" cy="493200"/>
+            <a:ext cx="512640" cy="492480"/>
           </a:xfrm>
           <a:prstGeom prst="star5">
             <a:avLst>
@@ -13535,7 +13535,7 @@
         <p:spPr>
           <a:xfrm>
             <a:off x="4089960" y="2247480"/>
-            <a:ext cx="2281680" cy="363960"/>
+            <a:ext cx="2280960" cy="363960"/>
           </a:xfrm>
           <a:prstGeom prst="rect">
             <a:avLst/>
@@ -13636,7 +13636,7 @@
         <p:spPr>
           <a:xfrm>
             <a:off x="335520" y="764640"/>
-            <a:ext cx="10743840" cy="494640"/>
+            <a:ext cx="10743120" cy="493920"/>
           </a:xfrm>
           <a:prstGeom prst="rect">
             <a:avLst/>
@@ -13687,7 +13687,7 @@
         <p:spPr>
           <a:xfrm>
             <a:off x="335520" y="1268640"/>
-            <a:ext cx="10743840" cy="5031360"/>
+            <a:ext cx="10743120" cy="5030640"/>
           </a:xfrm>
           <a:prstGeom prst="rect">
             <a:avLst/>
@@ -13708,7 +13708,7 @@
             <a:noAutofit/>
           </a:bodyPr>
           <a:p>
-            <a:pPr marL="195120" indent="-189720">
+            <a:pPr marL="195120" indent="-189000">
               <a:lnSpc>
                 <a:spcPct val="100000"/>
               </a:lnSpc>
@@ -13770,7 +13770,7 @@
             </a:endParaRPr>
           </a:p>
           <a:p>
-            <a:pPr marL="195120" indent="-189720">
+            <a:pPr marL="195120" indent="-189000">
               <a:lnSpc>
                 <a:spcPct val="100000"/>
               </a:lnSpc>
@@ -13819,7 +13819,7 @@
             </a:endParaRPr>
           </a:p>
           <a:p>
-            <a:pPr marL="195120" indent="-189720">
+            <a:pPr marL="195120" indent="-189000">
               <a:lnSpc>
                 <a:spcPct val="100000"/>
               </a:lnSpc>
@@ -13868,7 +13868,7 @@
             </a:endParaRPr>
           </a:p>
           <a:p>
-            <a:pPr marL="195120" indent="-189720">
+            <a:pPr marL="195120" indent="-189000">
               <a:lnSpc>
                 <a:spcPct val="100000"/>
               </a:lnSpc>
@@ -13917,7 +13917,7 @@
             </a:endParaRPr>
           </a:p>
           <a:p>
-            <a:pPr marL="195120" indent="-189720">
+            <a:pPr marL="195120" indent="-189000">
               <a:lnSpc>
                 <a:spcPct val="100000"/>
               </a:lnSpc>
@@ -13966,7 +13966,7 @@
             </a:endParaRPr>
           </a:p>
           <a:p>
-            <a:pPr marL="195120" indent="-189720">
+            <a:pPr marL="195120" indent="-189000">
               <a:lnSpc>
                 <a:spcPct val="100000"/>
               </a:lnSpc>
@@ -14015,7 +14015,7 @@
             </a:endParaRPr>
           </a:p>
           <a:p>
-            <a:pPr marL="195120" indent="-189720">
+            <a:pPr marL="195120" indent="-189000">
               <a:lnSpc>
                 <a:spcPct val="100000"/>
               </a:lnSpc>
@@ -14064,7 +14064,7 @@
             </a:endParaRPr>
           </a:p>
           <a:p>
-            <a:pPr marL="195120" indent="-189720">
+            <a:pPr marL="195120" indent="-189000">
               <a:lnSpc>
                 <a:spcPct val="100000"/>
               </a:lnSpc>
@@ -14153,7 +14153,7 @@
         <p:spPr>
           <a:xfrm>
             <a:off x="335520" y="764640"/>
-            <a:ext cx="10745640" cy="496440"/>
+            <a:ext cx="10744920" cy="495720"/>
           </a:xfrm>
           <a:prstGeom prst="rect">
             <a:avLst/>
@@ -14204,7 +14204,7 @@
         <p:spPr>
           <a:xfrm>
             <a:off x="335520" y="1268640"/>
-            <a:ext cx="10745640" cy="5033160"/>
+            <a:ext cx="10744920" cy="5032440"/>
           </a:xfrm>
           <a:prstGeom prst="rect">
             <a:avLst/>
@@ -14238,7 +14238,7 @@
             </a:endParaRPr>
           </a:p>
           <a:p>
-            <a:pPr marL="195120" indent="-191160">
+            <a:pPr marL="195120" indent="-190440">
               <a:lnSpc>
                 <a:spcPct val="100000"/>
               </a:lnSpc>
@@ -14309,7 +14309,7 @@
             </a:endParaRPr>
           </a:p>
           <a:p>
-            <a:pPr marL="195120" indent="-191160">
+            <a:pPr marL="195120" indent="-190440">
               <a:lnSpc>
                 <a:spcPct val="100000"/>
               </a:lnSpc>
@@ -14380,7 +14380,7 @@
             </a:endParaRPr>
           </a:p>
           <a:p>
-            <a:pPr marL="195120" indent="-191160">
+            <a:pPr marL="195120" indent="-190440">
               <a:lnSpc>
                 <a:spcPct val="100000"/>
               </a:lnSpc>
@@ -14429,7 +14429,7 @@
             </a:endParaRPr>
           </a:p>
           <a:p>
-            <a:pPr marL="195120" indent="-191160">
+            <a:pPr marL="195120" indent="-190440">
               <a:lnSpc>
                 <a:spcPct val="100000"/>
               </a:lnSpc>
@@ -14478,7 +14478,7 @@
             </a:endParaRPr>
           </a:p>
           <a:p>
-            <a:pPr marL="195120" indent="-191160">
+            <a:pPr marL="195120" indent="-190440">
               <a:lnSpc>
                 <a:spcPct val="100000"/>
               </a:lnSpc>
@@ -14527,7 +14527,7 @@
             </a:endParaRPr>
           </a:p>
           <a:p>
-            <a:pPr marL="195120" indent="-191160">
+            <a:pPr marL="195120" indent="-190440">
               <a:lnSpc>
                 <a:spcPct val="100000"/>
               </a:lnSpc>
@@ -14576,7 +14576,7 @@
             </a:endParaRPr>
           </a:p>
           <a:p>
-            <a:pPr marL="195120" indent="-191160">
+            <a:pPr marL="195120" indent="-190440">
               <a:lnSpc>
                 <a:spcPct val="100000"/>
               </a:lnSpc>
@@ -14665,7 +14665,7 @@
         <p:spPr>
           <a:xfrm>
             <a:off x="335520" y="764640"/>
-            <a:ext cx="10743840" cy="494640"/>
+            <a:ext cx="10743120" cy="493920"/>
           </a:xfrm>
           <a:prstGeom prst="rect">
             <a:avLst/>
@@ -14716,7 +14716,7 @@
         <p:spPr>
           <a:xfrm>
             <a:off x="335520" y="1268640"/>
-            <a:ext cx="10743840" cy="5031360"/>
+            <a:ext cx="10743120" cy="5030640"/>
           </a:xfrm>
           <a:prstGeom prst="rect">
             <a:avLst/>
@@ -14737,7 +14737,7 @@
             <a:noAutofit/>
           </a:bodyPr>
           <a:p>
-            <a:pPr marL="195120" indent="-189720">
+            <a:pPr marL="195120" indent="-189000">
               <a:lnSpc>
                 <a:spcPct val="100000"/>
               </a:lnSpc>
@@ -14778,7 +14778,7 @@
             </a:endParaRPr>
           </a:p>
           <a:p>
-            <a:pPr marL="195120" indent="-189720">
+            <a:pPr marL="195120" indent="-189000">
               <a:lnSpc>
                 <a:spcPct val="100000"/>
               </a:lnSpc>
@@ -14829,7 +14829,7 @@
             </a:endParaRPr>
           </a:p>
           <a:p>
-            <a:pPr marL="195120" indent="-189720">
+            <a:pPr marL="195120" indent="-189000">
               <a:lnSpc>
                 <a:spcPct val="100000"/>
               </a:lnSpc>
@@ -14870,7 +14870,7 @@
             </a:endParaRPr>
           </a:p>
           <a:p>
-            <a:pPr marL="195120" indent="-189720">
+            <a:pPr marL="195120" indent="-189000">
               <a:lnSpc>
                 <a:spcPct val="100000"/>
               </a:lnSpc>
@@ -14899,7 +14899,10 @@
             </a:endParaRPr>
           </a:p>
           <a:p>
-            <a:pPr lvl="1" marL="432000" indent="-216000">
+            <a:pPr lvl="1" marL="432000" indent="-215280">
+              <a:lnSpc>
+                <a:spcPct val="100000"/>
+              </a:lnSpc>
               <a:buClr>
                 <a:srgbClr val="008c4f"/>
               </a:buClr>
@@ -14918,23 +14921,24 @@
               <a:t>Drilled (</a:t>
             </a:r>
             <a:r>
+              <a:rPr b="0" lang="en-US" sz="1800" spc="-1" strike="noStrike" u="sng">
+                <a:solidFill>
+                  <a:srgbClr val="0000ff"/>
+                </a:solidFill>
+                <a:uFillTx/>
+                <a:latin typeface="DejaVu Sans"/>
+                <a:ea typeface="DejaVu Sans"/>
+                <a:hlinkClick r:id="rId4"/>
+              </a:rPr>
+              <a:t>Link</a:t>
+            </a:r>
+            <a:r>
               <a:rPr b="0" lang="en-US" sz="1800" spc="-1" strike="noStrike">
                 <a:solidFill>
                   <a:srgbClr val="000000"/>
                 </a:solidFill>
                 <a:latin typeface="DejaVu Sans"/>
                 <a:ea typeface="DejaVu Sans"/>
-                <a:hlinkClick r:id="rId4"/>
-              </a:rPr>
-              <a:t>Link</a:t>
-            </a:r>
-            <a:r>
-              <a:rPr b="0" lang="en-US" sz="1800" spc="-1" strike="noStrike">
-                <a:solidFill>
-                  <a:srgbClr val="000000"/>
-                </a:solidFill>
-                <a:latin typeface="DejaVu Sans"/>
-                <a:ea typeface="DejaVu Sans"/>
               </a:rPr>
               <a:t>)</a:t>
             </a:r>
@@ -14943,7 +14947,7 @@
             </a:endParaRPr>
           </a:p>
           <a:p>
-            <a:pPr lvl="1" marL="432000" indent="-216000">
+            <a:pPr lvl="1" marL="432000" indent="-215280">
               <a:lnSpc>
                 <a:spcPct val="100000"/>
               </a:lnSpc>
@@ -14968,23 +14972,24 @@
               <a:t>How to Save a Planet (</a:t>
             </a:r>
             <a:r>
+              <a:rPr b="0" lang="en-US" sz="1800" spc="-1" strike="noStrike" u="sng">
+                <a:solidFill>
+                  <a:srgbClr val="0000ff"/>
+                </a:solidFill>
+                <a:uFillTx/>
+                <a:latin typeface="DejaVu Sans"/>
+                <a:ea typeface="DejaVu Sans"/>
+                <a:hlinkClick r:id="rId5"/>
+              </a:rPr>
+              <a:t>Link</a:t>
+            </a:r>
+            <a:r>
               <a:rPr b="0" lang="en-US" sz="1800" spc="-1" strike="noStrike">
                 <a:solidFill>
                   <a:srgbClr val="000000"/>
                 </a:solidFill>
                 <a:latin typeface="DejaVu Sans"/>
                 <a:ea typeface="DejaVu Sans"/>
-                <a:hlinkClick r:id="rId5"/>
-              </a:rPr>
-              <a:t>Link</a:t>
-            </a:r>
-            <a:r>
-              <a:rPr b="0" lang="en-US" sz="1800" spc="-1" strike="noStrike">
-                <a:solidFill>
-                  <a:srgbClr val="000000"/>
-                </a:solidFill>
-                <a:latin typeface="DejaVu Sans"/>
-                <a:ea typeface="DejaVu Sans"/>
               </a:rPr>
               <a:t>)</a:t>
             </a:r>
@@ -14993,7 +14998,7 @@
             </a:endParaRPr>
           </a:p>
           <a:p>
-            <a:pPr lvl="1" marL="432000" indent="-216000">
+            <a:pPr lvl="1" marL="432000" indent="-215280">
               <a:lnSpc>
                 <a:spcPct val="100000"/>
               </a:lnSpc>
@@ -15018,10 +15023,11 @@
               <a:t>1,5 Grad – der Klima-Podcast mit Luisa Neubauer (German) (</a:t>
             </a:r>
             <a:r>
-              <a:rPr b="0" lang="en-US" sz="1800" spc="-1" strike="noStrike">
-                <a:solidFill>
-                  <a:srgbClr val="000000"/>
-                </a:solidFill>
+              <a:rPr b="0" lang="en-US" sz="1800" spc="-1" strike="noStrike" u="sng">
+                <a:solidFill>
+                  <a:srgbClr val="0000ff"/>
+                </a:solidFill>
+                <a:uFillTx/>
                 <a:latin typeface="DejaVu Sans"/>
                 <a:ea typeface="DejaVu Sans"/>
                 <a:hlinkClick r:id="rId6"/>
@@ -15083,7 +15089,7 @@
         <p:spPr>
           <a:xfrm>
             <a:off x="335520" y="1268640"/>
-            <a:ext cx="10745640" cy="5033160"/>
+            <a:ext cx="10744920" cy="5032440"/>
           </a:xfrm>
           <a:prstGeom prst="rect">
             <a:avLst/>
@@ -15140,7 +15146,7 @@
         <p:spPr>
           <a:xfrm>
             <a:off x="335520" y="764640"/>
-            <a:ext cx="10745640" cy="496440"/>
+            <a:ext cx="10744920" cy="495720"/>
           </a:xfrm>
           <a:prstGeom prst="rect">
             <a:avLst/>
@@ -15196,7 +15202,7 @@
         <p:spPr>
           <a:xfrm>
             <a:off x="542880" y="721800"/>
-            <a:ext cx="10350000" cy="490680"/>
+            <a:ext cx="10349280" cy="489960"/>
           </a:xfrm>
           <a:prstGeom prst="rect">
             <a:avLst/>
@@ -15247,7 +15253,7 @@
         <p:spPr>
           <a:xfrm>
             <a:off x="451800" y="1709280"/>
-            <a:ext cx="8217360" cy="4345560"/>
+            <a:ext cx="8216640" cy="4344840"/>
           </a:xfrm>
           <a:prstGeom prst="rect">
             <a:avLst/>
@@ -15273,7 +15279,7 @@
         <p:spPr>
           <a:xfrm>
             <a:off x="609480" y="1769400"/>
-            <a:ext cx="10580400" cy="4848480"/>
+            <a:ext cx="10579680" cy="4847760"/>
           </a:xfrm>
           <a:prstGeom prst="rect">
             <a:avLst/>
@@ -15294,7 +15300,7 @@
             <a:normAutofit/>
           </a:bodyPr>
           <a:p>
-            <a:pPr marL="216000" indent="-212040">
+            <a:pPr marL="216000" indent="-211320">
               <a:lnSpc>
                 <a:spcPct val="90000"/>
               </a:lnSpc>
@@ -15403,7 +15409,7 @@
             </a:endParaRPr>
           </a:p>
           <a:p>
-            <a:pPr marL="216000" indent="-212040">
+            <a:pPr marL="216000" indent="-211320">
               <a:lnSpc>
                 <a:spcPct val="100000"/>
               </a:lnSpc>
@@ -15432,7 +15438,7 @@
             </a:endParaRPr>
           </a:p>
           <a:p>
-            <a:pPr lvl="1" marL="685800" indent="-224640">
+            <a:pPr lvl="1" marL="685800" indent="-223920">
               <a:lnSpc>
                 <a:spcPct val="100000"/>
               </a:lnSpc>
@@ -15461,7 +15467,7 @@
             </a:endParaRPr>
           </a:p>
           <a:p>
-            <a:pPr lvl="1" marL="685800" indent="-224640">
+            <a:pPr lvl="1" marL="685800" indent="-223920">
               <a:lnSpc>
                 <a:spcPct val="100000"/>
               </a:lnSpc>
@@ -15490,7 +15496,7 @@
             </a:endParaRPr>
           </a:p>
           <a:p>
-            <a:pPr lvl="1" marL="685800" indent="-224640">
+            <a:pPr lvl="1" marL="685800" indent="-223920">
               <a:lnSpc>
                 <a:spcPct val="100000"/>
               </a:lnSpc>
@@ -15519,7 +15525,7 @@
             </a:endParaRPr>
           </a:p>
           <a:p>
-            <a:pPr lvl="1" marL="685800" indent="-224640">
+            <a:pPr lvl="1" marL="685800" indent="-223920">
               <a:lnSpc>
                 <a:spcPct val="100000"/>
               </a:lnSpc>
@@ -15548,7 +15554,7 @@
             </a:endParaRPr>
           </a:p>
           <a:p>
-            <a:pPr marL="216000" indent="-212040">
+            <a:pPr marL="216000" indent="-211320">
               <a:lnSpc>
                 <a:spcPct val="100000"/>
               </a:lnSpc>
@@ -15577,7 +15583,7 @@
             </a:endParaRPr>
           </a:p>
           <a:p>
-            <a:pPr lvl="1" marL="685800" indent="-224640">
+            <a:pPr lvl="1" marL="685800" indent="-223920">
               <a:lnSpc>
                 <a:spcPct val="100000"/>
               </a:lnSpc>
@@ -15606,7 +15612,7 @@
             </a:endParaRPr>
           </a:p>
           <a:p>
-            <a:pPr lvl="1" marL="685800" indent="-224640">
+            <a:pPr lvl="1" marL="685800" indent="-223920">
               <a:lnSpc>
                 <a:spcPct val="100000"/>
               </a:lnSpc>
@@ -15675,7 +15681,7 @@
         <p:spPr>
           <a:xfrm>
             <a:off x="542880" y="721800"/>
-            <a:ext cx="10350000" cy="490680"/>
+            <a:ext cx="10349280" cy="489960"/>
           </a:xfrm>
           <a:prstGeom prst="rect">
             <a:avLst/>
@@ -15726,7 +15732,7 @@
         <p:spPr>
           <a:xfrm>
             <a:off x="451800" y="1709280"/>
-            <a:ext cx="8217360" cy="4345560"/>
+            <a:ext cx="8216640" cy="4344840"/>
           </a:xfrm>
           <a:prstGeom prst="rect">
             <a:avLst/>
@@ -15752,7 +15758,7 @@
         <p:spPr>
           <a:xfrm>
             <a:off x="609480" y="1769400"/>
-            <a:ext cx="10580400" cy="4848480"/>
+            <a:ext cx="10579680" cy="4847760"/>
           </a:xfrm>
           <a:prstGeom prst="rect">
             <a:avLst/>
@@ -15773,7 +15779,7 @@
             <a:normAutofit/>
           </a:bodyPr>
           <a:p>
-            <a:pPr marL="216000" indent="-212040">
+            <a:pPr marL="216000" indent="-211320">
               <a:lnSpc>
                 <a:spcPct val="90000"/>
               </a:lnSpc>
@@ -15824,7 +15830,7 @@
             </a:endParaRPr>
           </a:p>
           <a:p>
-            <a:pPr lvl="1" marL="685800" indent="-224640">
+            <a:pPr lvl="1" marL="685800" indent="-223920">
               <a:lnSpc>
                 <a:spcPct val="100000"/>
               </a:lnSpc>
@@ -15853,7 +15859,7 @@
             </a:endParaRPr>
           </a:p>
           <a:p>
-            <a:pPr lvl="1" marL="685800" indent="-224640">
+            <a:pPr lvl="1" marL="685800" indent="-223920">
               <a:lnSpc>
                 <a:spcPct val="100000"/>
               </a:lnSpc>
@@ -15895,7 +15901,7 @@
             </a:endParaRPr>
           </a:p>
           <a:p>
-            <a:pPr marL="216000" indent="-212040">
+            <a:pPr marL="216000" indent="-211320">
               <a:lnSpc>
                 <a:spcPct val="90000"/>
               </a:lnSpc>
@@ -15927,7 +15933,7 @@
             </a:endParaRPr>
           </a:p>
           <a:p>
-            <a:pPr lvl="1" marL="685800" indent="-224640">
+            <a:pPr lvl="1" marL="685800" indent="-223920">
               <a:lnSpc>
                 <a:spcPct val="100000"/>
               </a:lnSpc>
@@ -15981,7 +15987,7 @@
             </a:endParaRPr>
           </a:p>
           <a:p>
-            <a:pPr lvl="1" marL="685800" indent="-224640">
+            <a:pPr lvl="1" marL="685800" indent="-223920">
               <a:lnSpc>
                 <a:spcPct val="100000"/>
               </a:lnSpc>
@@ -16035,7 +16041,7 @@
             </a:endParaRPr>
           </a:p>
           <a:p>
-            <a:pPr marL="228600" indent="-224640">
+            <a:pPr marL="228600" indent="-223920">
               <a:lnSpc>
                 <a:spcPct val="90000"/>
               </a:lnSpc>
@@ -16051,7 +16057,7 @@
             </a:endParaRPr>
           </a:p>
           <a:p>
-            <a:pPr marL="228600" indent="-224640" algn="ctr">
+            <a:pPr marL="228600" indent="-223920" algn="ctr">
               <a:lnSpc>
                 <a:spcPct val="90000"/>
               </a:lnSpc>
@@ -16077,7 +16083,7 @@
             </a:endParaRPr>
           </a:p>
           <a:p>
-            <a:pPr marL="457200" indent="-224640" algn="ctr">
+            <a:pPr marL="457200" indent="-223920" algn="ctr">
               <a:lnSpc>
                 <a:spcPct val="90000"/>
               </a:lnSpc>
@@ -16153,7 +16159,7 @@
         <p:spPr>
           <a:xfrm>
             <a:off x="542880" y="721800"/>
-            <a:ext cx="10350000" cy="490680"/>
+            <a:ext cx="10349280" cy="489960"/>
           </a:xfrm>
           <a:prstGeom prst="rect">
             <a:avLst/>
@@ -16204,7 +16210,7 @@
         <p:spPr>
           <a:xfrm>
             <a:off x="451800" y="1709280"/>
-            <a:ext cx="8217360" cy="4345560"/>
+            <a:ext cx="8216640" cy="4344840"/>
           </a:xfrm>
           <a:prstGeom prst="rect">
             <a:avLst/>
@@ -16230,7 +16236,7 @@
         <p:spPr>
           <a:xfrm>
             <a:off x="609480" y="1769400"/>
-            <a:ext cx="10580400" cy="4848480"/>
+            <a:ext cx="10579680" cy="4847760"/>
           </a:xfrm>
           <a:prstGeom prst="rect">
             <a:avLst/>
@@ -16251,7 +16257,7 @@
             <a:normAutofit/>
           </a:bodyPr>
           <a:p>
-            <a:pPr marL="216000" indent="-212040">
+            <a:pPr marL="216000" indent="-211320">
               <a:lnSpc>
                 <a:spcPct val="90000"/>
               </a:lnSpc>
@@ -16302,7 +16308,7 @@
             </a:endParaRPr>
           </a:p>
           <a:p>
-            <a:pPr lvl="1" marL="685800" indent="-224640">
+            <a:pPr lvl="1" marL="685800" indent="-223920">
               <a:lnSpc>
                 <a:spcPct val="100000"/>
               </a:lnSpc>
@@ -16331,7 +16337,7 @@
             </a:endParaRPr>
           </a:p>
           <a:p>
-            <a:pPr lvl="1" marL="685800" indent="-224640">
+            <a:pPr lvl="1" marL="685800" indent="-223920">
               <a:lnSpc>
                 <a:spcPct val="100000"/>
               </a:lnSpc>
@@ -16373,7 +16379,7 @@
             </a:endParaRPr>
           </a:p>
           <a:p>
-            <a:pPr marL="216000" indent="-212040">
+            <a:pPr marL="216000" indent="-211320">
               <a:lnSpc>
                 <a:spcPct val="90000"/>
               </a:lnSpc>
@@ -16405,7 +16411,7 @@
             </a:endParaRPr>
           </a:p>
           <a:p>
-            <a:pPr lvl="1" marL="685800" indent="-224640">
+            <a:pPr lvl="1" marL="685800" indent="-223920">
               <a:lnSpc>
                 <a:spcPct val="100000"/>
               </a:lnSpc>
@@ -16459,7 +16465,7 @@
             </a:endParaRPr>
           </a:p>
           <a:p>
-            <a:pPr lvl="1" marL="685800" indent="-224640">
+            <a:pPr lvl="1" marL="685800" indent="-223920">
               <a:lnSpc>
                 <a:spcPct val="100000"/>
               </a:lnSpc>
@@ -16513,7 +16519,7 @@
             </a:endParaRPr>
           </a:p>
           <a:p>
-            <a:pPr marL="228600" indent="-224640">
+            <a:pPr marL="228600" indent="-223920">
               <a:lnSpc>
                 <a:spcPct val="90000"/>
               </a:lnSpc>
@@ -16529,7 +16535,7 @@
             </a:endParaRPr>
           </a:p>
           <a:p>
-            <a:pPr marL="228600" indent="-224640" algn="ctr">
+            <a:pPr marL="228600" indent="-223920" algn="ctr">
               <a:lnSpc>
                 <a:spcPct val="90000"/>
               </a:lnSpc>
@@ -16555,7 +16561,7 @@
             </a:endParaRPr>
           </a:p>
           <a:p>
-            <a:pPr marL="457200" indent="-224640" algn="ctr">
+            <a:pPr marL="457200" indent="-223920" algn="ctr">
               <a:lnSpc>
                 <a:spcPct val="90000"/>
               </a:lnSpc>
@@ -16631,7 +16637,7 @@
         <p:spPr>
           <a:xfrm>
             <a:off x="335520" y="764640"/>
-            <a:ext cx="10745640" cy="496440"/>
+            <a:ext cx="10744920" cy="495720"/>
           </a:xfrm>
           <a:prstGeom prst="rect">
             <a:avLst/>
@@ -16682,7 +16688,7 @@
         <p:spPr>
           <a:xfrm>
             <a:off x="335520" y="2408400"/>
-            <a:ext cx="10745640" cy="3893400"/>
+            <a:ext cx="10744920" cy="3892680"/>
           </a:xfrm>
           <a:prstGeom prst="rect">
             <a:avLst/>
@@ -16703,7 +16709,7 @@
             <a:noAutofit/>
           </a:bodyPr>
           <a:p>
-            <a:pPr marL="195120" indent="-191160">
+            <a:pPr marL="195120" indent="-190440">
               <a:lnSpc>
                 <a:spcPct val="100000"/>
               </a:lnSpc>
@@ -16772,7 +16778,7 @@
         <p:spPr>
           <a:xfrm>
             <a:off x="335520" y="764640"/>
-            <a:ext cx="10745640" cy="496440"/>
+            <a:ext cx="10744920" cy="495720"/>
           </a:xfrm>
           <a:prstGeom prst="rect">
             <a:avLst/>
@@ -16823,7 +16829,7 @@
         <p:spPr>
           <a:xfrm>
             <a:off x="335520" y="2408400"/>
-            <a:ext cx="10745640" cy="3893400"/>
+            <a:ext cx="10744920" cy="3892680"/>
           </a:xfrm>
           <a:prstGeom prst="rect">
             <a:avLst/>
@@ -16844,7 +16850,7 @@
             <a:noAutofit/>
           </a:bodyPr>
           <a:p>
-            <a:pPr marL="195120" indent="-191160">
+            <a:pPr marL="195120" indent="-190440">
               <a:lnSpc>
                 <a:spcPct val="100000"/>
               </a:lnSpc>
@@ -16873,7 +16879,7 @@
             </a:endParaRPr>
           </a:p>
           <a:p>
-            <a:pPr marL="195120" indent="-191160">
+            <a:pPr marL="195120" indent="-190440">
               <a:lnSpc>
                 <a:spcPct val="100000"/>
               </a:lnSpc>
@@ -16942,7 +16948,7 @@
         <p:spPr>
           <a:xfrm>
             <a:off x="335520" y="764640"/>
-            <a:ext cx="10745640" cy="496440"/>
+            <a:ext cx="10744920" cy="495720"/>
           </a:xfrm>
           <a:prstGeom prst="rect">
             <a:avLst/>
@@ -16993,7 +16999,7 @@
         <p:spPr>
           <a:xfrm>
             <a:off x="335520" y="2408400"/>
-            <a:ext cx="10745640" cy="3893400"/>
+            <a:ext cx="10744920" cy="3892680"/>
           </a:xfrm>
           <a:prstGeom prst="rect">
             <a:avLst/>
@@ -17014,7 +17020,7 @@
             <a:noAutofit/>
           </a:bodyPr>
           <a:p>
-            <a:pPr marL="195120" indent="-191160">
+            <a:pPr marL="195120" indent="-190440">
               <a:lnSpc>
                 <a:spcPct val="100000"/>
               </a:lnSpc>
@@ -17043,7 +17049,7 @@
             </a:endParaRPr>
           </a:p>
           <a:p>
-            <a:pPr marL="195120" indent="-191160">
+            <a:pPr marL="195120" indent="-190440">
               <a:lnSpc>
                 <a:spcPct val="100000"/>
               </a:lnSpc>
@@ -17072,7 +17078,7 @@
             </a:endParaRPr>
           </a:p>
           <a:p>
-            <a:pPr marL="195120" indent="-191160">
+            <a:pPr marL="195120" indent="-190440">
               <a:lnSpc>
                 <a:spcPct val="100000"/>
               </a:lnSpc>

--- a/Emerging-Technologies-for-the-Circular-Economy/ETCE-L00-Organization.pptx
+++ b/Emerging-Technologies-for-the-Circular-Economy/ETCE-L00-Organization.pptx
@@ -45,6 +45,7 @@
     <p:sldId id="289" r:id="rId38"/>
     <p:sldId id="290" r:id="rId39"/>
     <p:sldId id="291" r:id="rId40"/>
+    <p:sldId id="292" r:id="rId41"/>
   </p:sldIdLst>
   <p:sldSz cx="12192000" cy="6858000"/>
   <p:notesSz cx="7559675" cy="10691812"/>
@@ -275,7 +276,7 @@
           </a:bodyPr>
           <a:p>
             <a:pPr algn="r"/>
-            <a:fld id="{E39EE973-E0ED-4EEA-B437-584D454F7CF3}" type="slidenum">
+            <a:fld id="{58832755-6DD1-47A3-AF0A-13D817347393}" type="slidenum">
               <a:rPr b="0" lang="en-US" sz="1400" spc="-1" strike="noStrike">
                 <a:latin typeface="Times New Roman"/>
               </a:rPr>
@@ -312,7 +313,7 @@
       </p:grpSpPr>
       <p:sp>
         <p:nvSpPr>
-          <p:cNvPr id="208" name="PlaceHolder 1"/>
+          <p:cNvPr id="210" name="PlaceHolder 1"/>
           <p:cNvSpPr>
             <a:spLocks noGrp="1"/>
           </p:cNvSpPr>
@@ -323,16 +324,16 @@
         <p:spPr>
           <a:xfrm>
             <a:off x="533520" y="763560"/>
-            <a:ext cx="6692400" cy="3760560"/>
-          </a:xfrm>
-          <a:prstGeom prst="rect">
-            <a:avLst/>
-          </a:prstGeom>
-        </p:spPr>
-      </p:sp>
-      <p:sp>
-        <p:nvSpPr>
-          <p:cNvPr id="209" name="PlaceHolder 2"/>
+            <a:ext cx="6692040" cy="3760200"/>
+          </a:xfrm>
+          <a:prstGeom prst="rect">
+            <a:avLst/>
+          </a:prstGeom>
+        </p:spPr>
+      </p:sp>
+      <p:sp>
+        <p:nvSpPr>
+          <p:cNvPr id="211" name="PlaceHolder 2"/>
           <p:cNvSpPr>
             <a:spLocks noGrp="1"/>
           </p:cNvSpPr>
@@ -343,7 +344,7 @@
         <p:spPr>
           <a:xfrm>
             <a:off x="777240" y="4777560"/>
-            <a:ext cx="6206040" cy="4514400"/>
+            <a:ext cx="6205680" cy="4514040"/>
           </a:xfrm>
           <a:prstGeom prst="rect">
             <a:avLst/>
@@ -362,14 +363,14 @@
       </p:sp>
       <p:sp>
         <p:nvSpPr>
-          <p:cNvPr id="210" name="CustomShape 3"/>
+          <p:cNvPr id="212" name="CustomShape 3"/>
           <p:cNvSpPr/>
           <p:nvPr/>
         </p:nvSpPr>
         <p:spPr>
           <a:xfrm>
             <a:off x="4399200" y="9555480"/>
-            <a:ext cx="3361320" cy="491040"/>
+            <a:ext cx="3360960" cy="490680"/>
           </a:xfrm>
           <a:prstGeom prst="rect">
             <a:avLst/>
@@ -395,7 +396,7 @@
                 <a:spcPct val="100000"/>
               </a:lnSpc>
             </a:pPr>
-            <a:fld id="{763C4B7C-9159-4CA7-AB57-8502AAA82317}" type="slidenum">
+            <a:fld id="{9C9CA965-31E6-41B9-A8A2-7E94CDCAF326}" type="slidenum">
               <a:rPr b="0" lang="de-DE" sz="1800" spc="-1" strike="noStrike">
                 <a:solidFill>
                   <a:srgbClr val="000000"/>
@@ -435,7 +436,7 @@
       </p:grpSpPr>
       <p:sp>
         <p:nvSpPr>
-          <p:cNvPr id="211" name="PlaceHolder 1"/>
+          <p:cNvPr id="213" name="PlaceHolder 1"/>
           <p:cNvSpPr>
             <a:spLocks noGrp="1"/>
           </p:cNvSpPr>
@@ -446,16 +447,16 @@
         <p:spPr>
           <a:xfrm>
             <a:off x="533520" y="763560"/>
-            <a:ext cx="6692400" cy="3760560"/>
-          </a:xfrm>
-          <a:prstGeom prst="rect">
-            <a:avLst/>
-          </a:prstGeom>
-        </p:spPr>
-      </p:sp>
-      <p:sp>
-        <p:nvSpPr>
-          <p:cNvPr id="212" name="PlaceHolder 2"/>
+            <a:ext cx="6692040" cy="3760200"/>
+          </a:xfrm>
+          <a:prstGeom prst="rect">
+            <a:avLst/>
+          </a:prstGeom>
+        </p:spPr>
+      </p:sp>
+      <p:sp>
+        <p:nvSpPr>
+          <p:cNvPr id="214" name="PlaceHolder 2"/>
           <p:cNvSpPr>
             <a:spLocks noGrp="1"/>
           </p:cNvSpPr>
@@ -466,7 +467,7 @@
         <p:spPr>
           <a:xfrm>
             <a:off x="777240" y="4777560"/>
-            <a:ext cx="6206040" cy="4514400"/>
+            <a:ext cx="6205680" cy="4514040"/>
           </a:xfrm>
           <a:prstGeom prst="rect">
             <a:avLst/>
@@ -485,14 +486,14 @@
       </p:sp>
       <p:sp>
         <p:nvSpPr>
-          <p:cNvPr id="213" name="CustomShape 3"/>
+          <p:cNvPr id="215" name="CustomShape 3"/>
           <p:cNvSpPr/>
           <p:nvPr/>
         </p:nvSpPr>
         <p:spPr>
           <a:xfrm>
             <a:off x="4399200" y="9555480"/>
-            <a:ext cx="3361320" cy="491040"/>
+            <a:ext cx="3360960" cy="490680"/>
           </a:xfrm>
           <a:prstGeom prst="rect">
             <a:avLst/>
@@ -518,7 +519,7 @@
                 <a:spcPct val="100000"/>
               </a:lnSpc>
             </a:pPr>
-            <a:fld id="{F9B6BD41-40AB-4500-BF7C-223F1AF8951E}" type="slidenum">
+            <a:fld id="{A78CC963-FCF6-44AC-A846-BD99ACEDCBC7}" type="slidenum">
               <a:rPr b="0" lang="de-DE" sz="1800" spc="-1" strike="noStrike">
                 <a:solidFill>
                   <a:srgbClr val="000000"/>
@@ -558,7 +559,7 @@
       </p:grpSpPr>
       <p:sp>
         <p:nvSpPr>
-          <p:cNvPr id="214" name="PlaceHolder 1"/>
+          <p:cNvPr id="216" name="PlaceHolder 1"/>
           <p:cNvSpPr>
             <a:spLocks noGrp="1"/>
           </p:cNvSpPr>
@@ -569,16 +570,16 @@
         <p:spPr>
           <a:xfrm>
             <a:off x="533520" y="763560"/>
-            <a:ext cx="6692400" cy="3760560"/>
-          </a:xfrm>
-          <a:prstGeom prst="rect">
-            <a:avLst/>
-          </a:prstGeom>
-        </p:spPr>
-      </p:sp>
-      <p:sp>
-        <p:nvSpPr>
-          <p:cNvPr id="215" name="PlaceHolder 2"/>
+            <a:ext cx="6692040" cy="3760200"/>
+          </a:xfrm>
+          <a:prstGeom prst="rect">
+            <a:avLst/>
+          </a:prstGeom>
+        </p:spPr>
+      </p:sp>
+      <p:sp>
+        <p:nvSpPr>
+          <p:cNvPr id="217" name="PlaceHolder 2"/>
           <p:cNvSpPr>
             <a:spLocks noGrp="1"/>
           </p:cNvSpPr>
@@ -589,7 +590,7 @@
         <p:spPr>
           <a:xfrm>
             <a:off x="777240" y="4777560"/>
-            <a:ext cx="6206040" cy="4514400"/>
+            <a:ext cx="6205680" cy="4514040"/>
           </a:xfrm>
           <a:prstGeom prst="rect">
             <a:avLst/>
@@ -608,14 +609,14 @@
       </p:sp>
       <p:sp>
         <p:nvSpPr>
-          <p:cNvPr id="216" name="CustomShape 3"/>
+          <p:cNvPr id="218" name="CustomShape 3"/>
           <p:cNvSpPr/>
           <p:nvPr/>
         </p:nvSpPr>
         <p:spPr>
           <a:xfrm>
             <a:off x="4399200" y="9555480"/>
-            <a:ext cx="3361320" cy="491040"/>
+            <a:ext cx="3360960" cy="490680"/>
           </a:xfrm>
           <a:prstGeom prst="rect">
             <a:avLst/>
@@ -641,7 +642,7 @@
                 <a:spcPct val="100000"/>
               </a:lnSpc>
             </a:pPr>
-            <a:fld id="{1BC73638-B934-41A5-9DBB-275FB7F04711}" type="slidenum">
+            <a:fld id="{A52296E6-6EE4-40E6-A36A-FF3DA7A9D4C8}" type="slidenum">
               <a:rPr b="0" lang="de-DE" sz="1800" spc="-1" strike="noStrike">
                 <a:solidFill>
                   <a:srgbClr val="000000"/>
@@ -3407,7 +3408,7 @@
         <p:spPr>
           <a:xfrm>
             <a:off x="11444760" y="0"/>
-            <a:ext cx="740880" cy="6849720"/>
+            <a:ext cx="740520" cy="6849360"/>
           </a:xfrm>
           <a:prstGeom prst="rect">
             <a:avLst/>
@@ -3437,7 +3438,7 @@
         <p:spPr>
           <a:xfrm>
             <a:off x="11438640" y="6453360"/>
-            <a:ext cx="757800" cy="363960"/>
+            <a:ext cx="757440" cy="363960"/>
           </a:xfrm>
           <a:prstGeom prst="rect">
             <a:avLst/>
@@ -3463,7 +3464,7 @@
                 <a:spcPct val="100000"/>
               </a:lnSpc>
             </a:pPr>
-            <a:fld id="{A18C56F5-37E9-43B1-BFFE-30EE46C3F845}" type="slidenum">
+            <a:fld id="{F7016FE4-DF96-4B3C-B18B-08273505302A}" type="slidenum">
               <a:rPr b="0" lang="en-US" sz="1800" spc="-1" strike="noStrike">
                 <a:solidFill>
                   <a:srgbClr val="808080"/>
@@ -3488,7 +3489,7 @@
         <p:spPr>
           <a:xfrm>
             <a:off x="912240" y="1268280"/>
-            <a:ext cx="9207720" cy="361080"/>
+            <a:ext cx="9207360" cy="360720"/>
           </a:xfrm>
           <a:prstGeom prst="rect">
             <a:avLst/>
@@ -3518,7 +3519,7 @@
         <p:spPr>
           <a:xfrm>
             <a:off x="0" y="0"/>
-            <a:ext cx="3051720" cy="561600"/>
+            <a:ext cx="3051360" cy="561240"/>
           </a:xfrm>
           <a:prstGeom prst="rect">
             <a:avLst/>
@@ -3541,7 +3542,7 @@
         <p:spPr>
           <a:xfrm>
             <a:off x="7430400" y="134640"/>
-            <a:ext cx="3697560" cy="513720"/>
+            <a:ext cx="3697200" cy="513360"/>
           </a:xfrm>
           <a:prstGeom prst="rect">
             <a:avLst/>
@@ -3560,7 +3561,7 @@
         <p:spPr>
           <a:xfrm>
             <a:off x="912240" y="1268280"/>
-            <a:ext cx="9207720" cy="361080"/>
+            <a:ext cx="9207360" cy="360720"/>
           </a:xfrm>
           <a:prstGeom prst="rect">
             <a:avLst/>
@@ -3586,7 +3587,7 @@
         <p:spPr>
           <a:xfrm>
             <a:off x="11444760" y="0"/>
-            <a:ext cx="740880" cy="6849720"/>
+            <a:ext cx="740520" cy="6849360"/>
           </a:xfrm>
           <a:prstGeom prst="rect">
             <a:avLst/>
@@ -3616,7 +3617,7 @@
         <p:spPr>
           <a:xfrm>
             <a:off x="0" y="6642720"/>
-            <a:ext cx="12183840" cy="211320"/>
+            <a:ext cx="12183480" cy="211320"/>
           </a:xfrm>
           <a:prstGeom prst="rect">
             <a:avLst/>
@@ -3947,7 +3948,7 @@
         <p:spPr>
           <a:xfrm>
             <a:off x="11444760" y="0"/>
-            <a:ext cx="740880" cy="6849720"/>
+            <a:ext cx="740520" cy="6849360"/>
           </a:xfrm>
           <a:prstGeom prst="rect">
             <a:avLst/>
@@ -3977,7 +3978,7 @@
         <p:spPr>
           <a:xfrm>
             <a:off x="11438640" y="6453360"/>
-            <a:ext cx="757800" cy="363960"/>
+            <a:ext cx="757440" cy="363960"/>
           </a:xfrm>
           <a:prstGeom prst="rect">
             <a:avLst/>
@@ -4003,7 +4004,7 @@
                 <a:spcPct val="100000"/>
               </a:lnSpc>
             </a:pPr>
-            <a:fld id="{D266A90D-D4FA-4FF5-96B1-607B5D79A465}" type="slidenum">
+            <a:fld id="{6774BBFC-1F0A-4468-9B4E-66BE06AB9395}" type="slidenum">
               <a:rPr b="0" lang="en-US" sz="1800" spc="-1" strike="noStrike">
                 <a:solidFill>
                   <a:srgbClr val="808080"/>
@@ -4028,7 +4029,7 @@
         <p:spPr>
           <a:xfrm>
             <a:off x="912240" y="1268280"/>
-            <a:ext cx="9207720" cy="361080"/>
+            <a:ext cx="9207360" cy="360720"/>
           </a:xfrm>
           <a:prstGeom prst="rect">
             <a:avLst/>
@@ -4058,7 +4059,7 @@
         <p:spPr>
           <a:xfrm>
             <a:off x="0" y="0"/>
-            <a:ext cx="3051720" cy="561600"/>
+            <a:ext cx="3051360" cy="561240"/>
           </a:xfrm>
           <a:prstGeom prst="rect">
             <a:avLst/>
@@ -4081,7 +4082,7 @@
         <p:spPr>
           <a:xfrm>
             <a:off x="7430400" y="134640"/>
-            <a:ext cx="3697560" cy="513720"/>
+            <a:ext cx="3697200" cy="513360"/>
           </a:xfrm>
           <a:prstGeom prst="rect">
             <a:avLst/>
@@ -4100,7 +4101,7 @@
         <p:spPr>
           <a:xfrm>
             <a:off x="11444760" y="0"/>
-            <a:ext cx="740880" cy="6849720"/>
+            <a:ext cx="740520" cy="6849360"/>
           </a:xfrm>
           <a:prstGeom prst="rect">
             <a:avLst/>
@@ -4130,7 +4131,7 @@
         <p:spPr>
           <a:xfrm>
             <a:off x="11438640" y="6453360"/>
-            <a:ext cx="757800" cy="363960"/>
+            <a:ext cx="757440" cy="363960"/>
           </a:xfrm>
           <a:prstGeom prst="rect">
             <a:avLst/>
@@ -4156,7 +4157,7 @@
                 <a:spcPct val="100000"/>
               </a:lnSpc>
             </a:pPr>
-            <a:fld id="{631B6035-C301-4FF1-B248-629F0E53E5E8}" type="slidenum">
+            <a:fld id="{BD17B7AE-4D92-4D87-B7E0-D1FC7FC1DF9B}" type="slidenum">
               <a:rPr b="0" lang="en-US" sz="1800" spc="-1" strike="noStrike">
                 <a:solidFill>
                   <a:srgbClr val="808080"/>
@@ -4181,7 +4182,7 @@
         <p:spPr>
           <a:xfrm>
             <a:off x="0" y="6642720"/>
-            <a:ext cx="12183840" cy="211320"/>
+            <a:ext cx="12183480" cy="211320"/>
           </a:xfrm>
           <a:prstGeom prst="rect">
             <a:avLst/>
@@ -4505,7 +4506,7 @@
         <p:spPr>
           <a:xfrm>
             <a:off x="527400" y="1412640"/>
-            <a:ext cx="10360800" cy="1147320"/>
+            <a:ext cx="10360440" cy="1146960"/>
           </a:xfrm>
           <a:prstGeom prst="rect">
             <a:avLst/>
@@ -4556,7 +4557,7 @@
         <p:spPr>
           <a:xfrm>
             <a:off x="527400" y="2852640"/>
-            <a:ext cx="10360800" cy="2368080"/>
+            <a:ext cx="10360440" cy="2367720"/>
           </a:xfrm>
           <a:prstGeom prst="rect">
             <a:avLst/>
@@ -4769,7 +4770,7 @@
         <p:spPr>
           <a:xfrm>
             <a:off x="335520" y="764640"/>
-            <a:ext cx="10744920" cy="495720"/>
+            <a:ext cx="10744560" cy="495360"/>
           </a:xfrm>
           <a:prstGeom prst="rect">
             <a:avLst/>
@@ -4830,7 +4831,7 @@
         <p:spPr>
           <a:xfrm>
             <a:off x="335520" y="2408400"/>
-            <a:ext cx="10744920" cy="3892680"/>
+            <a:ext cx="10744560" cy="3892320"/>
           </a:xfrm>
           <a:prstGeom prst="rect">
             <a:avLst/>
@@ -4851,7 +4852,7 @@
             <a:noAutofit/>
           </a:bodyPr>
           <a:p>
-            <a:pPr marL="195120" indent="-190440">
+            <a:pPr marL="195120" indent="-190080">
               <a:lnSpc>
                 <a:spcPct val="100000"/>
               </a:lnSpc>
@@ -4880,7 +4881,7 @@
             </a:endParaRPr>
           </a:p>
           <a:p>
-            <a:pPr marL="195120" indent="-190440">
+            <a:pPr marL="195120" indent="-190080">
               <a:lnSpc>
                 <a:spcPct val="100000"/>
               </a:lnSpc>
@@ -4909,7 +4910,7 @@
             </a:endParaRPr>
           </a:p>
           <a:p>
-            <a:pPr marL="195120" indent="-190440">
+            <a:pPr marL="195120" indent="-190080">
               <a:lnSpc>
                 <a:spcPct val="100000"/>
               </a:lnSpc>
@@ -4938,7 +4939,7 @@
             </a:endParaRPr>
           </a:p>
           <a:p>
-            <a:pPr marL="195120" indent="-190440">
+            <a:pPr marL="195120" indent="-190080">
               <a:lnSpc>
                 <a:spcPct val="100000"/>
               </a:lnSpc>
@@ -5007,7 +5008,7 @@
         <p:spPr>
           <a:xfrm>
             <a:off x="335520" y="764640"/>
-            <a:ext cx="10744920" cy="495720"/>
+            <a:ext cx="10744560" cy="495360"/>
           </a:xfrm>
           <a:prstGeom prst="rect">
             <a:avLst/>
@@ -5058,7 +5059,7 @@
         <p:spPr>
           <a:xfrm>
             <a:off x="335520" y="2408400"/>
-            <a:ext cx="10744920" cy="3892680"/>
+            <a:ext cx="10744560" cy="3892320"/>
           </a:xfrm>
           <a:prstGeom prst="rect">
             <a:avLst/>
@@ -5079,7 +5080,7 @@
             <a:noAutofit/>
           </a:bodyPr>
           <a:p>
-            <a:pPr marL="195120" indent="-190440">
+            <a:pPr marL="195120" indent="-190080">
               <a:lnSpc>
                 <a:spcPct val="100000"/>
               </a:lnSpc>
@@ -5108,7 +5109,7 @@
             </a:endParaRPr>
           </a:p>
           <a:p>
-            <a:pPr marL="195120" indent="-190440">
+            <a:pPr marL="195120" indent="-190080">
               <a:lnSpc>
                 <a:spcPct val="100000"/>
               </a:lnSpc>
@@ -5137,7 +5138,7 @@
             </a:endParaRPr>
           </a:p>
           <a:p>
-            <a:pPr marL="195120" indent="-190440">
+            <a:pPr marL="195120" indent="-190080">
               <a:lnSpc>
                 <a:spcPct val="100000"/>
               </a:lnSpc>
@@ -5166,7 +5167,7 @@
             </a:endParaRPr>
           </a:p>
           <a:p>
-            <a:pPr marL="195120" indent="-190440">
+            <a:pPr marL="195120" indent="-190080">
               <a:lnSpc>
                 <a:spcPct val="100000"/>
               </a:lnSpc>
@@ -5195,7 +5196,7 @@
             </a:endParaRPr>
           </a:p>
           <a:p>
-            <a:pPr marL="195120" indent="-190440">
+            <a:pPr marL="195120" indent="-190080">
               <a:lnSpc>
                 <a:spcPct val="100000"/>
               </a:lnSpc>
@@ -5264,7 +5265,7 @@
         <p:spPr>
           <a:xfrm>
             <a:off x="335520" y="764640"/>
-            <a:ext cx="10744920" cy="495720"/>
+            <a:ext cx="10744560" cy="495360"/>
           </a:xfrm>
           <a:prstGeom prst="rect">
             <a:avLst/>
@@ -5325,7 +5326,7 @@
         <p:spPr>
           <a:xfrm>
             <a:off x="335520" y="2408400"/>
-            <a:ext cx="10744920" cy="3892680"/>
+            <a:ext cx="10744560" cy="3892320"/>
           </a:xfrm>
           <a:prstGeom prst="rect">
             <a:avLst/>
@@ -5346,7 +5347,7 @@
             <a:noAutofit/>
           </a:bodyPr>
           <a:p>
-            <a:pPr marL="195120" indent="-190440">
+            <a:pPr marL="195120" indent="-190080">
               <a:lnSpc>
                 <a:spcPct val="100000"/>
               </a:lnSpc>
@@ -5375,7 +5376,7 @@
             </a:endParaRPr>
           </a:p>
           <a:p>
-            <a:pPr marL="195120" indent="-190440">
+            <a:pPr marL="195120" indent="-190080">
               <a:lnSpc>
                 <a:spcPct val="100000"/>
               </a:lnSpc>
@@ -5404,7 +5405,7 @@
             </a:endParaRPr>
           </a:p>
           <a:p>
-            <a:pPr marL="195120" indent="-190440">
+            <a:pPr marL="195120" indent="-190080">
               <a:lnSpc>
                 <a:spcPct val="100000"/>
               </a:lnSpc>
@@ -5433,7 +5434,7 @@
             </a:endParaRPr>
           </a:p>
           <a:p>
-            <a:pPr marL="195120" indent="-190440">
+            <a:pPr marL="195120" indent="-190080">
               <a:lnSpc>
                 <a:spcPct val="100000"/>
               </a:lnSpc>
@@ -5462,7 +5463,7 @@
             </a:endParaRPr>
           </a:p>
           <a:p>
-            <a:pPr marL="195120" indent="-190440">
+            <a:pPr marL="195120" indent="-190080">
               <a:lnSpc>
                 <a:spcPct val="100000"/>
               </a:lnSpc>
@@ -5491,7 +5492,7 @@
             </a:endParaRPr>
           </a:p>
           <a:p>
-            <a:pPr marL="195120" indent="-190440">
+            <a:pPr marL="195120" indent="-190080">
               <a:lnSpc>
                 <a:spcPct val="100000"/>
               </a:lnSpc>
@@ -5560,7 +5561,7 @@
         <p:spPr>
           <a:xfrm>
             <a:off x="335520" y="764640"/>
-            <a:ext cx="10744920" cy="495720"/>
+            <a:ext cx="10744560" cy="495360"/>
           </a:xfrm>
           <a:prstGeom prst="rect">
             <a:avLst/>
@@ -5611,7 +5612,7 @@
         <p:spPr>
           <a:xfrm>
             <a:off x="335520" y="1268640"/>
-            <a:ext cx="10744920" cy="5032440"/>
+            <a:ext cx="10744560" cy="5032080"/>
           </a:xfrm>
           <a:prstGeom prst="rect">
             <a:avLst/>
@@ -5632,7 +5633,7 @@
             <a:noAutofit/>
           </a:bodyPr>
           <a:p>
-            <a:pPr marL="195120" indent="-190440">
+            <a:pPr marL="195120" indent="-190080">
               <a:lnSpc>
                 <a:spcPct val="100000"/>
               </a:lnSpc>
@@ -5661,7 +5662,7 @@
             </a:endParaRPr>
           </a:p>
           <a:p>
-            <a:pPr marL="195120" indent="-190440">
+            <a:pPr marL="195120" indent="-190080">
               <a:lnSpc>
                 <a:spcPct val="100000"/>
               </a:lnSpc>
@@ -5690,7 +5691,7 @@
             </a:endParaRPr>
           </a:p>
           <a:p>
-            <a:pPr marL="195120" indent="-190440">
+            <a:pPr marL="195120" indent="-190080">
               <a:lnSpc>
                 <a:spcPct val="100000"/>
               </a:lnSpc>
@@ -5719,7 +5720,7 @@
             </a:endParaRPr>
           </a:p>
           <a:p>
-            <a:pPr marL="195120" indent="-190440">
+            <a:pPr marL="195120" indent="-190080">
               <a:lnSpc>
                 <a:spcPct val="100000"/>
               </a:lnSpc>
@@ -5748,7 +5749,7 @@
             </a:endParaRPr>
           </a:p>
           <a:p>
-            <a:pPr marL="195120" indent="-190440">
+            <a:pPr marL="195120" indent="-190080">
               <a:lnSpc>
                 <a:spcPct val="100000"/>
               </a:lnSpc>
@@ -5777,7 +5778,7 @@
             </a:endParaRPr>
           </a:p>
           <a:p>
-            <a:pPr marL="195120" indent="-190440">
+            <a:pPr marL="195120" indent="-190080">
               <a:lnSpc>
                 <a:spcPct val="100000"/>
               </a:lnSpc>
@@ -5806,7 +5807,7 @@
             </a:endParaRPr>
           </a:p>
           <a:p>
-            <a:pPr marL="195120" indent="-190440">
+            <a:pPr marL="195120" indent="-190080">
               <a:lnSpc>
                 <a:spcPct val="100000"/>
               </a:lnSpc>
@@ -5835,7 +5836,7 @@
             </a:endParaRPr>
           </a:p>
           <a:p>
-            <a:pPr marL="195120" indent="-190440">
+            <a:pPr marL="195120" indent="-190080">
               <a:lnSpc>
                 <a:spcPct val="100000"/>
               </a:lnSpc>
@@ -5864,7 +5865,7 @@
             </a:endParaRPr>
           </a:p>
           <a:p>
-            <a:pPr marL="195120" indent="-190440">
+            <a:pPr marL="195120" indent="-190080">
               <a:lnSpc>
                 <a:spcPct val="100000"/>
               </a:lnSpc>
@@ -5893,7 +5894,7 @@
             </a:endParaRPr>
           </a:p>
           <a:p>
-            <a:pPr marL="195120" indent="-190440">
+            <a:pPr marL="195120" indent="-190080">
               <a:lnSpc>
                 <a:spcPct val="100000"/>
               </a:lnSpc>
@@ -5922,7 +5923,7 @@
             </a:endParaRPr>
           </a:p>
           <a:p>
-            <a:pPr marL="195120" indent="-190440">
+            <a:pPr marL="195120" indent="-190080">
               <a:lnSpc>
                 <a:spcPct val="100000"/>
               </a:lnSpc>
@@ -5951,7 +5952,7 @@
             </a:endParaRPr>
           </a:p>
           <a:p>
-            <a:pPr marL="195120" indent="-190440">
+            <a:pPr marL="195120" indent="-190080">
               <a:lnSpc>
                 <a:spcPct val="100000"/>
               </a:lnSpc>
@@ -5980,7 +5981,7 @@
             </a:endParaRPr>
           </a:p>
           <a:p>
-            <a:pPr marL="195120" indent="-190440">
+            <a:pPr marL="195120" indent="-190080">
               <a:lnSpc>
                 <a:spcPct val="100000"/>
               </a:lnSpc>
@@ -6009,7 +6010,7 @@
             </a:endParaRPr>
           </a:p>
           <a:p>
-            <a:pPr marL="195120" indent="-190440">
+            <a:pPr marL="195120" indent="-190080">
               <a:lnSpc>
                 <a:spcPct val="100000"/>
               </a:lnSpc>
@@ -6099,7 +6100,7 @@
         <p:spPr>
           <a:xfrm>
             <a:off x="335520" y="764640"/>
-            <a:ext cx="10744920" cy="495720"/>
+            <a:ext cx="10744560" cy="495360"/>
           </a:xfrm>
           <a:prstGeom prst="rect">
             <a:avLst/>
@@ -6150,7 +6151,7 @@
         <p:spPr>
           <a:xfrm>
             <a:off x="335520" y="1268640"/>
-            <a:ext cx="10744920" cy="5032440"/>
+            <a:ext cx="10744560" cy="5032080"/>
           </a:xfrm>
           <a:prstGeom prst="rect">
             <a:avLst/>
@@ -6171,7 +6172,7 @@
             <a:noAutofit/>
           </a:bodyPr>
           <a:p>
-            <a:pPr marL="195120" indent="-190440">
+            <a:pPr marL="195120" indent="-190080">
               <a:lnSpc>
                 <a:spcPct val="100000"/>
               </a:lnSpc>
@@ -6220,7 +6221,7 @@
             </a:endParaRPr>
           </a:p>
           <a:p>
-            <a:pPr marL="195120" indent="-190440">
+            <a:pPr marL="195120" indent="-190080">
               <a:lnSpc>
                 <a:spcPct val="100000"/>
               </a:lnSpc>
@@ -6269,7 +6270,7 @@
             </a:endParaRPr>
           </a:p>
           <a:p>
-            <a:pPr marL="195120" indent="-190440">
+            <a:pPr marL="195120" indent="-190080">
               <a:lnSpc>
                 <a:spcPct val="100000"/>
               </a:lnSpc>
@@ -6318,7 +6319,7 @@
             </a:endParaRPr>
           </a:p>
           <a:p>
-            <a:pPr marL="195120" indent="-190440">
+            <a:pPr marL="195120" indent="-190080">
               <a:lnSpc>
                 <a:spcPct val="100000"/>
               </a:lnSpc>
@@ -6367,7 +6368,7 @@
             </a:endParaRPr>
           </a:p>
           <a:p>
-            <a:pPr marL="195120" indent="-190440">
+            <a:pPr marL="195120" indent="-190080">
               <a:lnSpc>
                 <a:spcPct val="100000"/>
               </a:lnSpc>
@@ -6416,7 +6417,7 @@
             </a:endParaRPr>
           </a:p>
           <a:p>
-            <a:pPr marL="195120" indent="-190440">
+            <a:pPr marL="195120" indent="-190080">
               <a:lnSpc>
                 <a:spcPct val="100000"/>
               </a:lnSpc>
@@ -6485,7 +6486,7 @@
             </a:endParaRPr>
           </a:p>
           <a:p>
-            <a:pPr marL="195120" indent="-190440">
+            <a:pPr marL="195120" indent="-190080">
               <a:lnSpc>
                 <a:spcPct val="100000"/>
               </a:lnSpc>
@@ -6534,7 +6535,7 @@
             </a:endParaRPr>
           </a:p>
           <a:p>
-            <a:pPr marL="195120" indent="-190440">
+            <a:pPr marL="195120" indent="-190080">
               <a:lnSpc>
                 <a:spcPct val="100000"/>
               </a:lnSpc>
@@ -6583,7 +6584,7 @@
             </a:endParaRPr>
           </a:p>
           <a:p>
-            <a:pPr marL="195120" indent="-190440">
+            <a:pPr marL="195120" indent="-190080">
               <a:lnSpc>
                 <a:spcPct val="100000"/>
               </a:lnSpc>
@@ -6632,7 +6633,7 @@
             </a:endParaRPr>
           </a:p>
           <a:p>
-            <a:pPr marL="195120" indent="-190440">
+            <a:pPr marL="195120" indent="-190080">
               <a:lnSpc>
                 <a:spcPct val="100000"/>
               </a:lnSpc>
@@ -6721,7 +6722,7 @@
         <p:spPr>
           <a:xfrm>
             <a:off x="335520" y="764640"/>
-            <a:ext cx="10744920" cy="495720"/>
+            <a:ext cx="10744560" cy="495360"/>
           </a:xfrm>
           <a:prstGeom prst="rect">
             <a:avLst/>
@@ -6772,7 +6773,7 @@
         <p:spPr>
           <a:xfrm>
             <a:off x="335520" y="1268280"/>
-            <a:ext cx="10744920" cy="5032440"/>
+            <a:ext cx="10744560" cy="5032080"/>
           </a:xfrm>
           <a:prstGeom prst="rect">
             <a:avLst/>
@@ -6793,7 +6794,7 @@
             <a:noAutofit/>
           </a:bodyPr>
           <a:p>
-            <a:pPr marL="195120" indent="-190440">
+            <a:pPr marL="195120" indent="-190080">
               <a:lnSpc>
                 <a:spcPct val="100000"/>
               </a:lnSpc>
@@ -6835,7 +6836,7 @@
             </a:endParaRPr>
           </a:p>
           <a:p>
-            <a:pPr marL="195120" indent="-190440">
+            <a:pPr marL="195120" indent="-190080">
               <a:lnSpc>
                 <a:spcPct val="100000"/>
               </a:lnSpc>
@@ -6864,7 +6865,7 @@
             </a:endParaRPr>
           </a:p>
           <a:p>
-            <a:pPr lvl="1" marL="652320" indent="-190440">
+            <a:pPr lvl="1" marL="652320" indent="-190080">
               <a:lnSpc>
                 <a:spcPct val="100000"/>
               </a:lnSpc>
@@ -6915,7 +6916,7 @@
             </a:endParaRPr>
           </a:p>
           <a:p>
-            <a:pPr lvl="3" marL="864000" indent="-212760">
+            <a:pPr lvl="3" marL="864000" indent="-212400">
               <a:lnSpc>
                 <a:spcPct val="100000"/>
               </a:lnSpc>
@@ -6944,7 +6945,7 @@
             </a:endParaRPr>
           </a:p>
           <a:p>
-            <a:pPr lvl="1" marL="652320" indent="-190440">
+            <a:pPr lvl="1" marL="652320" indent="-190080">
               <a:lnSpc>
                 <a:spcPct val="100000"/>
               </a:lnSpc>
@@ -6973,7 +6974,7 @@
             </a:endParaRPr>
           </a:p>
           <a:p>
-            <a:pPr lvl="1" marL="652320" indent="-190440">
+            <a:pPr lvl="1" marL="652320" indent="-190080">
               <a:lnSpc>
                 <a:spcPct val="100000"/>
               </a:lnSpc>
@@ -7002,7 +7003,7 @@
             </a:endParaRPr>
           </a:p>
           <a:p>
-            <a:pPr lvl="1" marL="652320" indent="-190440">
+            <a:pPr lvl="1" marL="652320" indent="-190080">
               <a:lnSpc>
                 <a:spcPct val="100000"/>
               </a:lnSpc>
@@ -7202,7 +7203,7 @@
         <p:spPr>
           <a:xfrm>
             <a:off x="335520" y="764640"/>
-            <a:ext cx="10743480" cy="494280"/>
+            <a:ext cx="10743120" cy="493920"/>
           </a:xfrm>
           <a:prstGeom prst="rect">
             <a:avLst/>
@@ -7273,7 +7274,7 @@
         <p:spPr>
           <a:xfrm>
             <a:off x="335520" y="1268640"/>
-            <a:ext cx="10743480" cy="5031000"/>
+            <a:ext cx="10743120" cy="5030640"/>
           </a:xfrm>
           <a:prstGeom prst="rect">
             <a:avLst/>
@@ -7294,7 +7295,7 @@
             <a:noAutofit/>
           </a:bodyPr>
           <a:p>
-            <a:pPr marL="195120" indent="-189360">
+            <a:pPr marL="195120" indent="-189000">
               <a:lnSpc>
                 <a:spcPct val="100000"/>
               </a:lnSpc>
@@ -7334,7 +7335,7 @@
             </a:endParaRPr>
           </a:p>
           <a:p>
-            <a:pPr lvl="1" marL="432000" indent="-212040">
+            <a:pPr lvl="1" marL="432000" indent="-211680">
               <a:lnSpc>
                 <a:spcPct val="100000"/>
               </a:lnSpc>
@@ -7383,7 +7384,7 @@
             </a:endParaRPr>
           </a:p>
           <a:p>
-            <a:pPr lvl="1" marL="432000" indent="-212040">
+            <a:pPr lvl="1" marL="432000" indent="-211680">
               <a:lnSpc>
                 <a:spcPct val="100000"/>
               </a:lnSpc>
@@ -7425,7 +7426,7 @@
             </a:endParaRPr>
           </a:p>
           <a:p>
-            <a:pPr marL="195120" indent="-189360">
+            <a:pPr marL="195120" indent="-189000">
               <a:lnSpc>
                 <a:spcPct val="100000"/>
               </a:lnSpc>
@@ -7455,7 +7456,7 @@
             </a:endParaRPr>
           </a:p>
           <a:p>
-            <a:pPr lvl="1" marL="432000" indent="-212040">
+            <a:pPr lvl="1" marL="432000" indent="-211680">
               <a:lnSpc>
                 <a:spcPct val="100000"/>
               </a:lnSpc>
@@ -7544,7 +7545,7 @@
             </a:endParaRPr>
           </a:p>
           <a:p>
-            <a:pPr lvl="1" marL="432000" indent="-212040">
+            <a:pPr lvl="1" marL="432000" indent="-211680">
               <a:lnSpc>
                 <a:spcPct val="100000"/>
               </a:lnSpc>
@@ -7608,7 +7609,7 @@
             </a:endParaRPr>
           </a:p>
           <a:p>
-            <a:pPr marL="195120" indent="-189360">
+            <a:pPr marL="195120" indent="-189000">
               <a:lnSpc>
                 <a:spcPct val="100000"/>
               </a:lnSpc>
@@ -7638,7 +7639,7 @@
             </a:endParaRPr>
           </a:p>
           <a:p>
-            <a:pPr lvl="1" marL="432000" indent="-212040">
+            <a:pPr lvl="1" marL="432000" indent="-211680">
               <a:lnSpc>
                 <a:spcPct val="100000"/>
               </a:lnSpc>
@@ -7727,7 +7728,7 @@
             </a:endParaRPr>
           </a:p>
           <a:p>
-            <a:pPr lvl="1" marL="432000" indent="-212040">
+            <a:pPr lvl="1" marL="432000" indent="-211680">
               <a:lnSpc>
                 <a:spcPct val="100000"/>
               </a:lnSpc>
@@ -7818,7 +7819,7 @@
         <p:spPr>
           <a:xfrm>
             <a:off x="335520" y="764640"/>
-            <a:ext cx="10744920" cy="495720"/>
+            <a:ext cx="10744560" cy="495360"/>
           </a:xfrm>
           <a:prstGeom prst="rect">
             <a:avLst/>
@@ -7869,7 +7870,7 @@
         <p:spPr>
           <a:xfrm>
             <a:off x="335520" y="1268280"/>
-            <a:ext cx="10744920" cy="5032440"/>
+            <a:ext cx="10744560" cy="5032080"/>
           </a:xfrm>
           <a:prstGeom prst="rect">
             <a:avLst/>
@@ -7900,7 +7901,7 @@
             </a:endParaRPr>
           </a:p>
           <a:p>
-            <a:pPr marL="195120" indent="-190440">
+            <a:pPr marL="195120" indent="-190080">
               <a:lnSpc>
                 <a:spcPct val="100000"/>
               </a:lnSpc>
@@ -7969,7 +7970,7 @@
             </a:endParaRPr>
           </a:p>
           <a:p>
-            <a:pPr marL="195120" indent="-190440">
+            <a:pPr marL="195120" indent="-190080">
               <a:lnSpc>
                 <a:spcPct val="100000"/>
               </a:lnSpc>
@@ -7998,7 +7999,7 @@
             </a:endParaRPr>
           </a:p>
           <a:p>
-            <a:pPr marL="195120" indent="-190440">
+            <a:pPr marL="195120" indent="-190080">
               <a:lnSpc>
                 <a:spcPct val="100000"/>
               </a:lnSpc>
@@ -8027,7 +8028,7 @@
             </a:endParaRPr>
           </a:p>
           <a:p>
-            <a:pPr marL="195120" indent="-190440">
+            <a:pPr marL="195120" indent="-190080">
               <a:lnSpc>
                 <a:spcPct val="100000"/>
               </a:lnSpc>
@@ -8056,7 +8057,7 @@
             </a:endParaRPr>
           </a:p>
           <a:p>
-            <a:pPr marL="195120" indent="-190440">
+            <a:pPr marL="195120" indent="-190080">
               <a:lnSpc>
                 <a:spcPct val="100000"/>
               </a:lnSpc>
@@ -8115,7 +8116,7 @@
             </a:endParaRPr>
           </a:p>
           <a:p>
-            <a:pPr marL="195120" indent="-190440">
+            <a:pPr marL="195120" indent="-190080">
               <a:lnSpc>
                 <a:spcPct val="100000"/>
               </a:lnSpc>
@@ -8145,7 +8146,7 @@
             </a:endParaRPr>
           </a:p>
           <a:p>
-            <a:pPr marL="195120" indent="-190440">
+            <a:pPr marL="195120" indent="-190080">
               <a:lnSpc>
                 <a:spcPct val="100000"/>
               </a:lnSpc>
@@ -8174,7 +8175,7 @@
             </a:endParaRPr>
           </a:p>
           <a:p>
-            <a:pPr marL="195120" indent="-190440">
+            <a:pPr marL="195120" indent="-190080">
               <a:lnSpc>
                 <a:spcPct val="100000"/>
               </a:lnSpc>
@@ -8243,7 +8244,7 @@
         <p:spPr>
           <a:xfrm>
             <a:off x="335520" y="764640"/>
-            <a:ext cx="10744920" cy="495720"/>
+            <a:ext cx="10744560" cy="495360"/>
           </a:xfrm>
           <a:prstGeom prst="rect">
             <a:avLst/>
@@ -8294,7 +8295,7 @@
         <p:spPr>
           <a:xfrm>
             <a:off x="335520" y="1268280"/>
-            <a:ext cx="10744920" cy="5032440"/>
+            <a:ext cx="10744560" cy="5032080"/>
           </a:xfrm>
           <a:prstGeom prst="rect">
             <a:avLst/>
@@ -8315,7 +8316,7 @@
             <a:noAutofit/>
           </a:bodyPr>
           <a:p>
-            <a:pPr marL="216000" indent="-214560">
+            <a:pPr marL="216000" indent="-214200">
               <a:lnSpc>
                 <a:spcPct val="100000"/>
               </a:lnSpc>
@@ -8341,7 +8342,7 @@
             </a:endParaRPr>
           </a:p>
           <a:p>
-            <a:pPr lvl="1" marL="432000" indent="-214560">
+            <a:pPr lvl="1" marL="432000" indent="-214200">
               <a:lnSpc>
                 <a:spcPct val="100000"/>
               </a:lnSpc>
@@ -8370,7 +8371,7 @@
             </a:endParaRPr>
           </a:p>
           <a:p>
-            <a:pPr lvl="1" marL="432000" indent="-214560">
+            <a:pPr lvl="1" marL="432000" indent="-214200">
               <a:lnSpc>
                 <a:spcPct val="100000"/>
               </a:lnSpc>
@@ -8399,7 +8400,7 @@
             </a:endParaRPr>
           </a:p>
           <a:p>
-            <a:pPr lvl="1" marL="432000" indent="-214560">
+            <a:pPr lvl="1" marL="432000" indent="-214200">
               <a:lnSpc>
                 <a:spcPct val="100000"/>
               </a:lnSpc>
@@ -8428,7 +8429,7 @@
             </a:endParaRPr>
           </a:p>
           <a:p>
-            <a:pPr lvl="1" marL="432000" indent="-214560">
+            <a:pPr lvl="1" marL="432000" indent="-214200">
               <a:lnSpc>
                 <a:spcPct val="100000"/>
               </a:lnSpc>
@@ -8457,7 +8458,7 @@
             </a:endParaRPr>
           </a:p>
           <a:p>
-            <a:pPr lvl="1" marL="432000" indent="-214560">
+            <a:pPr lvl="1" marL="432000" indent="-214200">
               <a:lnSpc>
                 <a:spcPct val="100000"/>
               </a:lnSpc>
@@ -8526,7 +8527,7 @@
         <p:spPr>
           <a:xfrm>
             <a:off x="335520" y="764640"/>
-            <a:ext cx="10744920" cy="495720"/>
+            <a:ext cx="10744560" cy="495360"/>
           </a:xfrm>
           <a:prstGeom prst="rect">
             <a:avLst/>
@@ -8577,7 +8578,7 @@
         <p:spPr>
           <a:xfrm>
             <a:off x="335520" y="1268640"/>
-            <a:ext cx="10744920" cy="5032440"/>
+            <a:ext cx="10744560" cy="5032080"/>
           </a:xfrm>
           <a:prstGeom prst="rect">
             <a:avLst/>
@@ -8598,7 +8599,7 @@
             <a:noAutofit/>
           </a:bodyPr>
           <a:p>
-            <a:pPr marL="216000" indent="-214560">
+            <a:pPr marL="216000" indent="-214200">
               <a:lnSpc>
                 <a:spcPct val="100000"/>
               </a:lnSpc>
@@ -8627,7 +8628,7 @@
             </a:endParaRPr>
           </a:p>
           <a:p>
-            <a:pPr marL="216000" indent="-214560">
+            <a:pPr marL="216000" indent="-214200">
               <a:lnSpc>
                 <a:spcPct val="100000"/>
               </a:lnSpc>
@@ -8656,7 +8657,7 @@
             </a:endParaRPr>
           </a:p>
           <a:p>
-            <a:pPr marL="216000" indent="-214560">
+            <a:pPr marL="216000" indent="-214200">
               <a:lnSpc>
                 <a:spcPct val="100000"/>
               </a:lnSpc>
@@ -8705,7 +8706,7 @@
             </a:endParaRPr>
           </a:p>
           <a:p>
-            <a:pPr lvl="1" marL="432000" indent="-214560">
+            <a:pPr lvl="1" marL="432000" indent="-214200">
               <a:lnSpc>
                 <a:spcPct val="100000"/>
               </a:lnSpc>
@@ -8734,7 +8735,7 @@
             </a:endParaRPr>
           </a:p>
           <a:p>
-            <a:pPr lvl="1" marL="432000" indent="-214560">
+            <a:pPr lvl="1" marL="432000" indent="-214200">
               <a:lnSpc>
                 <a:spcPct val="100000"/>
               </a:lnSpc>
@@ -8793,7 +8794,7 @@
         <p:spPr>
           <a:xfrm>
             <a:off x="4655880" y="476640"/>
-            <a:ext cx="2431080" cy="357120"/>
+            <a:ext cx="2430720" cy="356760"/>
           </a:xfrm>
           <a:prstGeom prst="rect">
             <a:avLst/>
@@ -8849,7 +8850,7 @@
         <p:spPr>
           <a:xfrm>
             <a:off x="335520" y="764640"/>
-            <a:ext cx="10742760" cy="493560"/>
+            <a:ext cx="10742400" cy="493200"/>
           </a:xfrm>
           <a:prstGeom prst="rect">
             <a:avLst/>
@@ -8900,7 +8901,7 @@
         <p:spPr>
           <a:xfrm>
             <a:off x="335520" y="1268640"/>
-            <a:ext cx="10742760" cy="5030280"/>
+            <a:ext cx="10742400" cy="5029920"/>
           </a:xfrm>
           <a:prstGeom prst="rect">
             <a:avLst/>
@@ -8957,7 +8958,7 @@
         <p:spPr>
           <a:xfrm>
             <a:off x="336600" y="3429000"/>
-            <a:ext cx="10860480" cy="2052360"/>
+            <a:ext cx="10860120" cy="2052000"/>
           </a:xfrm>
           <a:prstGeom prst="rect">
             <a:avLst/>
@@ -8978,7 +8979,7 @@
             <a:noAutofit/>
           </a:bodyPr>
           <a:p>
-            <a:pPr marL="216000" indent="-213480">
+            <a:pPr marL="216000" indent="-213120">
               <a:lnSpc>
                 <a:spcPct val="100000"/>
               </a:lnSpc>
@@ -9052,7 +9053,7 @@
             </a:endParaRPr>
           </a:p>
           <a:p>
-            <a:pPr marL="216000" indent="-213480">
+            <a:pPr marL="216000" indent="-213120">
               <a:lnSpc>
                 <a:spcPct val="100000"/>
               </a:lnSpc>
@@ -9146,7 +9147,7 @@
         <p:spPr>
           <a:xfrm>
             <a:off x="335520" y="764640"/>
-            <a:ext cx="10744920" cy="495720"/>
+            <a:ext cx="10744560" cy="495360"/>
           </a:xfrm>
           <a:prstGeom prst="rect">
             <a:avLst/>
@@ -9197,7 +9198,7 @@
         <p:spPr>
           <a:xfrm>
             <a:off x="335520" y="1268640"/>
-            <a:ext cx="10744920" cy="5032440"/>
+            <a:ext cx="10744560" cy="5032080"/>
           </a:xfrm>
           <a:prstGeom prst="rect">
             <a:avLst/>
@@ -9218,7 +9219,7 @@
             <a:noAutofit/>
           </a:bodyPr>
           <a:p>
-            <a:pPr marL="195120" indent="-190440">
+            <a:pPr marL="195120" indent="-190080">
               <a:lnSpc>
                 <a:spcPct val="100000"/>
               </a:lnSpc>
@@ -9247,7 +9248,7 @@
             </a:endParaRPr>
           </a:p>
           <a:p>
-            <a:pPr marL="195120" indent="-190440">
+            <a:pPr marL="195120" indent="-190080">
               <a:lnSpc>
                 <a:spcPct val="100000"/>
               </a:lnSpc>
@@ -9276,7 +9277,7 @@
             </a:endParaRPr>
           </a:p>
           <a:p>
-            <a:pPr marL="195120" indent="-190440">
+            <a:pPr marL="195120" indent="-190080">
               <a:lnSpc>
                 <a:spcPct val="100000"/>
               </a:lnSpc>
@@ -9315,7 +9316,7 @@
         <p:spPr>
           <a:xfrm>
             <a:off x="4655880" y="476640"/>
-            <a:ext cx="2431080" cy="357120"/>
+            <a:ext cx="2430720" cy="356760"/>
           </a:xfrm>
           <a:prstGeom prst="rect">
             <a:avLst/>
@@ -9371,7 +9372,7 @@
         <p:spPr>
           <a:xfrm>
             <a:off x="335520" y="840960"/>
-            <a:ext cx="10744920" cy="495720"/>
+            <a:ext cx="10744560" cy="495360"/>
           </a:xfrm>
           <a:prstGeom prst="rect">
             <a:avLst/>
@@ -9422,7 +9423,7 @@
         <p:spPr>
           <a:xfrm>
             <a:off x="388800" y="1488600"/>
-            <a:ext cx="10723320" cy="5204520"/>
+            <a:ext cx="10722960" cy="5204520"/>
           </a:xfrm>
           <a:prstGeom prst="rect">
             <a:avLst/>
@@ -9473,7 +9474,7 @@
             </a:endParaRPr>
           </a:p>
           <a:p>
-            <a:pPr marL="216000" indent="-214560">
+            <a:pPr marL="216000" indent="-214200">
               <a:lnSpc>
                 <a:spcPct val="100000"/>
               </a:lnSpc>
@@ -9519,7 +9520,7 @@
             </a:endParaRPr>
           </a:p>
           <a:p>
-            <a:pPr marL="216000" indent="-214560">
+            <a:pPr marL="216000" indent="-214200">
               <a:lnSpc>
                 <a:spcPct val="100000"/>
               </a:lnSpc>
@@ -9565,7 +9566,7 @@
             </a:endParaRPr>
           </a:p>
           <a:p>
-            <a:pPr marL="216000" indent="-214560">
+            <a:pPr marL="216000" indent="-214200">
               <a:lnSpc>
                 <a:spcPct val="100000"/>
               </a:lnSpc>
@@ -9591,7 +9592,7 @@
             </a:endParaRPr>
           </a:p>
           <a:p>
-            <a:pPr marL="216000" indent="-214560">
+            <a:pPr marL="216000" indent="-214200">
               <a:lnSpc>
                 <a:spcPct val="100000"/>
               </a:lnSpc>
@@ -9627,7 +9628,7 @@
             </a:endParaRPr>
           </a:p>
           <a:p>
-            <a:pPr marL="216000" indent="-214560">
+            <a:pPr marL="216000" indent="-214200">
               <a:lnSpc>
                 <a:spcPct val="100000"/>
               </a:lnSpc>
@@ -9653,7 +9654,7 @@
             </a:endParaRPr>
           </a:p>
           <a:p>
-            <a:pPr marL="216000" indent="-214560">
+            <a:pPr marL="216000" indent="-214200">
               <a:lnSpc>
                 <a:spcPct val="100000"/>
               </a:lnSpc>
@@ -9679,7 +9680,7 @@
             </a:endParaRPr>
           </a:p>
           <a:p>
-            <a:pPr marL="216000" indent="-214560">
+            <a:pPr marL="216000" indent="-214200">
               <a:lnSpc>
                 <a:spcPct val="100000"/>
               </a:lnSpc>
@@ -9715,7 +9716,7 @@
             </a:endParaRPr>
           </a:p>
           <a:p>
-            <a:pPr marL="216000" indent="-214560">
+            <a:pPr marL="216000" indent="-214200">
               <a:lnSpc>
                 <a:spcPct val="100000"/>
               </a:lnSpc>
@@ -9741,7 +9742,7 @@
             </a:endParaRPr>
           </a:p>
           <a:p>
-            <a:pPr marL="216000" indent="-214560">
+            <a:pPr marL="216000" indent="-214200">
               <a:lnSpc>
                 <a:spcPct val="100000"/>
               </a:lnSpc>
@@ -9787,7 +9788,7 @@
             </a:endParaRPr>
           </a:p>
           <a:p>
-            <a:pPr marL="216000" indent="-214560">
+            <a:pPr marL="216000" indent="-214200">
               <a:lnSpc>
                 <a:spcPct val="100000"/>
               </a:lnSpc>
@@ -9823,7 +9824,7 @@
             </a:endParaRPr>
           </a:p>
           <a:p>
-            <a:pPr marL="216000" indent="-214560">
+            <a:pPr marL="216000" indent="-214200">
               <a:lnSpc>
                 <a:spcPct val="100000"/>
               </a:lnSpc>
@@ -9889,7 +9890,7 @@
             </a:endParaRPr>
           </a:p>
           <a:p>
-            <a:pPr marL="216000" indent="-214560">
+            <a:pPr marL="216000" indent="-214200">
               <a:lnSpc>
                 <a:spcPct val="100000"/>
               </a:lnSpc>
@@ -9925,7 +9926,7 @@
             </a:endParaRPr>
           </a:p>
           <a:p>
-            <a:pPr marL="216000" indent="-214560">
+            <a:pPr marL="216000" indent="-214200">
               <a:lnSpc>
                 <a:spcPct val="100000"/>
               </a:lnSpc>
@@ -9991,7 +9992,7 @@
         <p:spPr>
           <a:xfrm>
             <a:off x="335520" y="764640"/>
-            <a:ext cx="10744920" cy="495720"/>
+            <a:ext cx="10744560" cy="495360"/>
           </a:xfrm>
           <a:prstGeom prst="rect">
             <a:avLst/>
@@ -10042,7 +10043,7 @@
         <p:spPr>
           <a:xfrm>
             <a:off x="4655880" y="476640"/>
-            <a:ext cx="2431080" cy="357120"/>
+            <a:ext cx="2430720" cy="356760"/>
           </a:xfrm>
           <a:prstGeom prst="rect">
             <a:avLst/>
@@ -10068,7 +10069,7 @@
         <p:spPr>
           <a:xfrm>
             <a:off x="494640" y="1523880"/>
-            <a:ext cx="10363680" cy="478800"/>
+            <a:ext cx="10363320" cy="478440"/>
           </a:xfrm>
           <a:prstGeom prst="rect">
             <a:avLst/>
@@ -10118,13 +10119,13 @@
         </p:nvPicPr>
         <p:blipFill>
           <a:blip r:embed="rId1"/>
-          <a:srcRect l="0" t="0" r="0" b="43289"/>
+          <a:srcRect l="0" t="0" r="0" b="43284"/>
           <a:stretch/>
         </p:blipFill>
         <p:spPr>
           <a:xfrm>
             <a:off x="609120" y="2057760"/>
-            <a:ext cx="9516240" cy="3880440"/>
+            <a:ext cx="9515880" cy="3880080"/>
           </a:xfrm>
           <a:prstGeom prst="rect">
             <a:avLst/>
@@ -10173,7 +10174,7 @@
         <p:spPr>
           <a:xfrm>
             <a:off x="335520" y="764640"/>
-            <a:ext cx="10744920" cy="495720"/>
+            <a:ext cx="10744560" cy="495360"/>
           </a:xfrm>
           <a:prstGeom prst="rect">
             <a:avLst/>
@@ -10224,7 +10225,7 @@
         <p:spPr>
           <a:xfrm>
             <a:off x="4655880" y="476640"/>
-            <a:ext cx="2431080" cy="357120"/>
+            <a:ext cx="2430720" cy="356760"/>
           </a:xfrm>
           <a:prstGeom prst="rect">
             <a:avLst/>
@@ -10250,7 +10251,7 @@
         <p:spPr>
           <a:xfrm>
             <a:off x="494640" y="1474920"/>
-            <a:ext cx="10363680" cy="478800"/>
+            <a:ext cx="10363320" cy="478440"/>
           </a:xfrm>
           <a:prstGeom prst="rect">
             <a:avLst/>
@@ -10316,7 +10317,7 @@
         <p:spPr>
           <a:xfrm>
             <a:off x="446400" y="2185200"/>
-            <a:ext cx="9403560" cy="3846600"/>
+            <a:ext cx="9403200" cy="3846240"/>
           </a:xfrm>
           <a:prstGeom prst="rect">
             <a:avLst/>
@@ -10365,7 +10366,7 @@
         <p:spPr>
           <a:xfrm>
             <a:off x="335520" y="764640"/>
-            <a:ext cx="10744920" cy="495720"/>
+            <a:ext cx="10744560" cy="495360"/>
           </a:xfrm>
           <a:prstGeom prst="rect">
             <a:avLst/>
@@ -10416,7 +10417,7 @@
         <p:spPr>
           <a:xfrm>
             <a:off x="4655880" y="476640"/>
-            <a:ext cx="2431080" cy="357120"/>
+            <a:ext cx="2430720" cy="356760"/>
           </a:xfrm>
           <a:prstGeom prst="rect">
             <a:avLst/>
@@ -10442,7 +10443,7 @@
         <p:spPr>
           <a:xfrm>
             <a:off x="494640" y="1523880"/>
-            <a:ext cx="10363680" cy="478800"/>
+            <a:ext cx="10363320" cy="478440"/>
           </a:xfrm>
           <a:prstGeom prst="rect">
             <a:avLst/>
@@ -10498,7 +10499,7 @@
         <p:spPr>
           <a:xfrm>
             <a:off x="494640" y="2088360"/>
-            <a:ext cx="8941320" cy="3962880"/>
+            <a:ext cx="8940960" cy="3962520"/>
           </a:xfrm>
           <a:prstGeom prst="rect">
             <a:avLst/>
@@ -10547,7 +10548,7 @@
         <p:spPr>
           <a:xfrm>
             <a:off x="335520" y="764640"/>
-            <a:ext cx="10744920" cy="495720"/>
+            <a:ext cx="10744560" cy="495360"/>
           </a:xfrm>
           <a:prstGeom prst="rect">
             <a:avLst/>
@@ -10598,7 +10599,7 @@
         <p:spPr>
           <a:xfrm>
             <a:off x="4655880" y="476640"/>
-            <a:ext cx="2431080" cy="357120"/>
+            <a:ext cx="2430720" cy="356760"/>
           </a:xfrm>
           <a:prstGeom prst="rect">
             <a:avLst/>
@@ -10624,7 +10625,7 @@
         <p:spPr>
           <a:xfrm>
             <a:off x="494640" y="1523880"/>
-            <a:ext cx="10363680" cy="478800"/>
+            <a:ext cx="10363320" cy="478440"/>
           </a:xfrm>
           <a:prstGeom prst="rect">
             <a:avLst/>
@@ -10680,7 +10681,7 @@
         <p:spPr>
           <a:xfrm>
             <a:off x="494640" y="2166840"/>
-            <a:ext cx="8336880" cy="4178160"/>
+            <a:ext cx="8336520" cy="4177800"/>
           </a:xfrm>
           <a:prstGeom prst="rect">
             <a:avLst/>
@@ -10729,7 +10730,7 @@
         <p:spPr>
           <a:xfrm>
             <a:off x="335520" y="768240"/>
-            <a:ext cx="10744920" cy="495720"/>
+            <a:ext cx="10744560" cy="495360"/>
           </a:xfrm>
           <a:prstGeom prst="rect">
             <a:avLst/>
@@ -10780,7 +10781,7 @@
         <p:spPr>
           <a:xfrm>
             <a:off x="388800" y="1488600"/>
-            <a:ext cx="10718640" cy="5204520"/>
+            <a:ext cx="10718280" cy="5204520"/>
           </a:xfrm>
           <a:prstGeom prst="rect">
             <a:avLst/>
@@ -10831,7 +10832,7 @@
             </a:endParaRPr>
           </a:p>
           <a:p>
-            <a:pPr marL="216000" indent="-212760">
+            <a:pPr marL="216000" indent="-212400">
               <a:lnSpc>
                 <a:spcPct val="100000"/>
               </a:lnSpc>
@@ -10887,7 +10888,7 @@
             </a:endParaRPr>
           </a:p>
           <a:p>
-            <a:pPr marL="216000" indent="-212760">
+            <a:pPr marL="216000" indent="-212400">
               <a:lnSpc>
                 <a:spcPct val="100000"/>
               </a:lnSpc>
@@ -10943,7 +10944,7 @@
             </a:endParaRPr>
           </a:p>
           <a:p>
-            <a:pPr marL="216000" indent="-212760">
+            <a:pPr marL="216000" indent="-212400">
               <a:lnSpc>
                 <a:spcPct val="100000"/>
               </a:lnSpc>
@@ -10969,7 +10970,7 @@
             </a:endParaRPr>
           </a:p>
           <a:p>
-            <a:pPr marL="216000" indent="-212760">
+            <a:pPr marL="216000" indent="-212400">
               <a:lnSpc>
                 <a:spcPct val="100000"/>
               </a:lnSpc>
@@ -11005,7 +11006,7 @@
             </a:endParaRPr>
           </a:p>
           <a:p>
-            <a:pPr marL="216000" indent="-212760">
+            <a:pPr marL="216000" indent="-212400">
               <a:lnSpc>
                 <a:spcPct val="100000"/>
               </a:lnSpc>
@@ -11031,7 +11032,7 @@
             </a:endParaRPr>
           </a:p>
           <a:p>
-            <a:pPr marL="216000" indent="-212760">
+            <a:pPr marL="216000" indent="-212400">
               <a:lnSpc>
                 <a:spcPct val="100000"/>
               </a:lnSpc>
@@ -11057,7 +11058,7 @@
             </a:endParaRPr>
           </a:p>
           <a:p>
-            <a:pPr marL="216000" indent="-212760">
+            <a:pPr marL="216000" indent="-212400">
               <a:lnSpc>
                 <a:spcPct val="100000"/>
               </a:lnSpc>
@@ -11093,7 +11094,7 @@
             </a:endParaRPr>
           </a:p>
           <a:p>
-            <a:pPr marL="216000" indent="-212760">
+            <a:pPr marL="216000" indent="-212400">
               <a:lnSpc>
                 <a:spcPct val="100000"/>
               </a:lnSpc>
@@ -11119,7 +11120,7 @@
             </a:endParaRPr>
           </a:p>
           <a:p>
-            <a:pPr marL="216000" indent="-212760">
+            <a:pPr marL="216000" indent="-212400">
               <a:lnSpc>
                 <a:spcPct val="100000"/>
               </a:lnSpc>
@@ -11165,7 +11166,7 @@
             </a:endParaRPr>
           </a:p>
           <a:p>
-            <a:pPr marL="216000" indent="-212760">
+            <a:pPr marL="216000" indent="-212400">
               <a:lnSpc>
                 <a:spcPct val="100000"/>
               </a:lnSpc>
@@ -11201,7 +11202,7 @@
             </a:endParaRPr>
           </a:p>
           <a:p>
-            <a:pPr marL="216000" indent="-212760">
+            <a:pPr marL="216000" indent="-212400">
               <a:lnSpc>
                 <a:spcPct val="100000"/>
               </a:lnSpc>
@@ -11267,7 +11268,7 @@
             </a:endParaRPr>
           </a:p>
           <a:p>
-            <a:pPr marL="216000" indent="-212760">
+            <a:pPr marL="216000" indent="-212400">
               <a:lnSpc>
                 <a:spcPct val="100000"/>
               </a:lnSpc>
@@ -11303,7 +11304,7 @@
             </a:endParaRPr>
           </a:p>
           <a:p>
-            <a:pPr marL="216000" indent="-212760">
+            <a:pPr marL="216000" indent="-212400">
               <a:lnSpc>
                 <a:spcPct val="100000"/>
               </a:lnSpc>
@@ -11369,7 +11370,7 @@
         <p:spPr>
           <a:xfrm>
             <a:off x="335520" y="764640"/>
-            <a:ext cx="10744920" cy="495720"/>
+            <a:ext cx="10744560" cy="495360"/>
           </a:xfrm>
           <a:prstGeom prst="rect">
             <a:avLst/>
@@ -11420,7 +11421,7 @@
         <p:spPr>
           <a:xfrm>
             <a:off x="494640" y="1523880"/>
-            <a:ext cx="10363680" cy="478800"/>
+            <a:ext cx="10363320" cy="478440"/>
           </a:xfrm>
           <a:prstGeom prst="rect">
             <a:avLst/>
@@ -11510,7 +11511,7 @@
         <p:spPr>
           <a:xfrm>
             <a:off x="1895760" y="2238840"/>
-            <a:ext cx="6786000" cy="4156920"/>
+            <a:ext cx="6785640" cy="4156560"/>
           </a:xfrm>
           <a:prstGeom prst="rect">
             <a:avLst/>
@@ -11559,7 +11560,7 @@
         <p:spPr>
           <a:xfrm>
             <a:off x="335520" y="764640"/>
-            <a:ext cx="10744920" cy="495720"/>
+            <a:ext cx="10744560" cy="495360"/>
           </a:xfrm>
           <a:prstGeom prst="rect">
             <a:avLst/>
@@ -11610,7 +11611,7 @@
         <p:spPr>
           <a:xfrm>
             <a:off x="494640" y="1488600"/>
-            <a:ext cx="5446440" cy="443520"/>
+            <a:ext cx="5446080" cy="443160"/>
           </a:xfrm>
           <a:prstGeom prst="rect">
             <a:avLst/>
@@ -11676,7 +11677,7 @@
         <p:spPr>
           <a:xfrm>
             <a:off x="1828800" y="1937160"/>
-            <a:ext cx="7953480" cy="4087800"/>
+            <a:ext cx="7953120" cy="4087440"/>
           </a:xfrm>
           <a:prstGeom prst="rect">
             <a:avLst/>
@@ -11725,7 +11726,7 @@
         <p:spPr>
           <a:xfrm>
             <a:off x="335520" y="764640"/>
-            <a:ext cx="10744920" cy="495720"/>
+            <a:ext cx="10744560" cy="495360"/>
           </a:xfrm>
           <a:prstGeom prst="rect">
             <a:avLst/>
@@ -11780,7 +11781,7 @@
         <p:spPr>
           <a:xfrm>
             <a:off x="2679480" y="2130480"/>
-            <a:ext cx="7373880" cy="3484800"/>
+            <a:ext cx="7373520" cy="3484440"/>
           </a:xfrm>
           <a:prstGeom prst="rect">
             <a:avLst/>
@@ -11799,7 +11800,7 @@
         <p:spPr>
           <a:xfrm>
             <a:off x="494640" y="1418040"/>
-            <a:ext cx="5217840" cy="443520"/>
+            <a:ext cx="5217480" cy="443160"/>
           </a:xfrm>
           <a:prstGeom prst="rect">
             <a:avLst/>
@@ -11880,7 +11881,7 @@
         <p:spPr>
           <a:xfrm>
             <a:off x="335520" y="764640"/>
-            <a:ext cx="10744920" cy="495720"/>
+            <a:ext cx="10744560" cy="495360"/>
           </a:xfrm>
           <a:prstGeom prst="rect">
             <a:avLst/>
@@ -11935,7 +11936,7 @@
         <p:spPr>
           <a:xfrm>
             <a:off x="2394720" y="1153800"/>
-            <a:ext cx="1467720" cy="2169000"/>
+            <a:ext cx="1467360" cy="2168640"/>
           </a:xfrm>
           <a:prstGeom prst="rect">
             <a:avLst/>
@@ -11958,7 +11959,7 @@
         <p:spPr>
           <a:xfrm>
             <a:off x="7250040" y="1153800"/>
-            <a:ext cx="1733040" cy="2169000"/>
+            <a:ext cx="1732680" cy="2168640"/>
           </a:xfrm>
           <a:prstGeom prst="rect">
             <a:avLst/>
@@ -11981,7 +11982,7 @@
         <p:spPr>
           <a:xfrm>
             <a:off x="4846320" y="4206240"/>
-            <a:ext cx="1781640" cy="1773720"/>
+            <a:ext cx="1781280" cy="1773360"/>
           </a:xfrm>
           <a:prstGeom prst="rect">
             <a:avLst/>
@@ -12000,7 +12001,7 @@
         <p:spPr>
           <a:xfrm>
             <a:off x="1330200" y="3269880"/>
-            <a:ext cx="3632400" cy="673920"/>
+            <a:ext cx="3632040" cy="673560"/>
           </a:xfrm>
           <a:prstGeom prst="rect">
             <a:avLst/>
@@ -12077,7 +12078,7 @@
         <p:spPr>
           <a:xfrm>
             <a:off x="6321600" y="3269880"/>
-            <a:ext cx="3632400" cy="673920"/>
+            <a:ext cx="3632040" cy="673560"/>
           </a:xfrm>
           <a:prstGeom prst="rect">
             <a:avLst/>
@@ -12154,7 +12155,7 @@
         <p:spPr>
           <a:xfrm>
             <a:off x="1312200" y="5920200"/>
-            <a:ext cx="3632400" cy="673920"/>
+            <a:ext cx="3632040" cy="673560"/>
           </a:xfrm>
           <a:prstGeom prst="rect">
             <a:avLst/>
@@ -12211,7 +12212,7 @@
         <p:spPr>
           <a:xfrm>
             <a:off x="3950640" y="5903280"/>
-            <a:ext cx="3632400" cy="673920"/>
+            <a:ext cx="3632040" cy="673560"/>
           </a:xfrm>
           <a:prstGeom prst="rect">
             <a:avLst/>
@@ -12322,7 +12323,7 @@
         <p:spPr>
           <a:xfrm>
             <a:off x="685800" y="2514600"/>
-            <a:ext cx="8871840" cy="3838320"/>
+            <a:ext cx="8871480" cy="3837960"/>
           </a:xfrm>
           <a:prstGeom prst="rect">
             <a:avLst/>
@@ -12341,7 +12342,7 @@
         <p:spPr>
           <a:xfrm>
             <a:off x="335520" y="764640"/>
-            <a:ext cx="10744920" cy="495720"/>
+            <a:ext cx="10744560" cy="495360"/>
           </a:xfrm>
           <a:prstGeom prst="rect">
             <a:avLst/>
@@ -12392,7 +12393,7 @@
         <p:spPr>
           <a:xfrm>
             <a:off x="494640" y="1312200"/>
-            <a:ext cx="1734840" cy="366120"/>
+            <a:ext cx="1734480" cy="365760"/>
           </a:xfrm>
           <a:prstGeom prst="rect">
             <a:avLst/>
@@ -12568,7 +12569,7 @@
         <p:spPr>
           <a:xfrm>
             <a:off x="642600" y="1679400"/>
-            <a:ext cx="4401720" cy="638280"/>
+            <a:ext cx="4401360" cy="638280"/>
           </a:xfrm>
           <a:prstGeom prst="rect">
             <a:avLst/>
@@ -12639,7 +12640,7 @@
         <p:spPr>
           <a:xfrm>
             <a:off x="6549480" y="1679400"/>
-            <a:ext cx="4875480" cy="632160"/>
+            <a:ext cx="4875120" cy="631800"/>
           </a:xfrm>
           <a:prstGeom prst="rect">
             <a:avLst/>
@@ -12710,7 +12711,7 @@
         <p:spPr>
           <a:xfrm>
             <a:off x="7839360" y="1679400"/>
-            <a:ext cx="2616840" cy="429480"/>
+            <a:ext cx="2616480" cy="429120"/>
           </a:xfrm>
           <a:prstGeom prst="rect">
             <a:avLst/>
@@ -12761,7 +12762,7 @@
         <p:spPr>
           <a:xfrm>
             <a:off x="8857440" y="3943440"/>
-            <a:ext cx="281520" cy="363960"/>
+            <a:ext cx="281160" cy="363960"/>
           </a:xfrm>
           <a:prstGeom prst="rect">
             <a:avLst/>
@@ -12812,7 +12813,7 @@
         <p:spPr>
           <a:xfrm>
             <a:off x="9537840" y="4548960"/>
-            <a:ext cx="281520" cy="363960"/>
+            <a:ext cx="281160" cy="363960"/>
           </a:xfrm>
           <a:prstGeom prst="rect">
             <a:avLst/>
@@ -12863,7 +12864,7 @@
         <p:spPr>
           <a:xfrm>
             <a:off x="7279920" y="6101280"/>
-            <a:ext cx="281880" cy="363960"/>
+            <a:ext cx="281520" cy="363960"/>
           </a:xfrm>
           <a:prstGeom prst="rect">
             <a:avLst/>
@@ -12949,7 +12950,7 @@
         <p:spPr>
           <a:xfrm>
             <a:off x="1058760" y="6130800"/>
-            <a:ext cx="281880" cy="363960"/>
+            <a:ext cx="281520" cy="363960"/>
           </a:xfrm>
           <a:prstGeom prst="rect">
             <a:avLst/>
@@ -13030,7 +13031,7 @@
         <p:spPr>
           <a:xfrm>
             <a:off x="335520" y="764640"/>
-            <a:ext cx="10744920" cy="495720"/>
+            <a:ext cx="10744560" cy="495360"/>
           </a:xfrm>
           <a:prstGeom prst="rect">
             <a:avLst/>
@@ -13081,7 +13082,7 @@
         <p:spPr>
           <a:xfrm>
             <a:off x="335520" y="1268640"/>
-            <a:ext cx="10744920" cy="5032440"/>
+            <a:ext cx="10744560" cy="5032080"/>
           </a:xfrm>
           <a:prstGeom prst="rect">
             <a:avLst/>
@@ -13102,7 +13103,7 @@
             <a:noAutofit/>
           </a:bodyPr>
           <a:p>
-            <a:pPr marL="216000" indent="-214560">
+            <a:pPr marL="216000" indent="-214200">
               <a:lnSpc>
                 <a:spcPct val="100000"/>
               </a:lnSpc>
@@ -13131,7 +13132,7 @@
             </a:endParaRPr>
           </a:p>
           <a:p>
-            <a:pPr lvl="1" marL="432000" indent="-214560">
+            <a:pPr lvl="1" marL="432000" indent="-214200">
               <a:lnSpc>
                 <a:spcPct val="100000"/>
               </a:lnSpc>
@@ -13173,7 +13174,7 @@
             </a:endParaRPr>
           </a:p>
           <a:p>
-            <a:pPr marL="216000" indent="-214560">
+            <a:pPr marL="216000" indent="-214200">
               <a:lnSpc>
                 <a:spcPct val="100000"/>
               </a:lnSpc>
@@ -13202,7 +13203,7 @@
             </a:endParaRPr>
           </a:p>
           <a:p>
-            <a:pPr lvl="1" marL="432000" indent="-214560">
+            <a:pPr lvl="1" marL="432000" indent="-214200">
               <a:lnSpc>
                 <a:spcPct val="100000"/>
               </a:lnSpc>
@@ -13241,7 +13242,7 @@
             </a:endParaRPr>
           </a:p>
           <a:p>
-            <a:pPr lvl="1" marL="432000" indent="-214560">
+            <a:pPr lvl="1" marL="432000" indent="-214200">
               <a:lnSpc>
                 <a:spcPct val="100000"/>
               </a:lnSpc>
@@ -13270,7 +13271,7 @@
             </a:endParaRPr>
           </a:p>
           <a:p>
-            <a:pPr lvl="1" marL="432000" indent="-214560">
+            <a:pPr lvl="1" marL="432000" indent="-214200">
               <a:lnSpc>
                 <a:spcPct val="100000"/>
               </a:lnSpc>
@@ -13352,7 +13353,7 @@
         <p:spPr>
           <a:xfrm>
             <a:off x="335520" y="764640"/>
-            <a:ext cx="10743120" cy="493920"/>
+            <a:ext cx="10742760" cy="493560"/>
           </a:xfrm>
           <a:prstGeom prst="rect">
             <a:avLst/>
@@ -13403,7 +13404,7 @@
         <p:spPr>
           <a:xfrm>
             <a:off x="335520" y="1268280"/>
-            <a:ext cx="10743120" cy="5030640"/>
+            <a:ext cx="10742760" cy="5030280"/>
           </a:xfrm>
           <a:prstGeom prst="rect">
             <a:avLst/>
@@ -13437,7 +13438,7 @@
             </a:endParaRPr>
           </a:p>
           <a:p>
-            <a:pPr marL="195120" indent="-189000">
+            <a:pPr marL="195120" indent="-188640">
               <a:lnSpc>
                 <a:spcPct val="100000"/>
               </a:lnSpc>
@@ -13493,7 +13494,7 @@
         <p:spPr>
           <a:xfrm>
             <a:off x="6285600" y="2132640"/>
-            <a:ext cx="512640" cy="492480"/>
+            <a:ext cx="512280" cy="492120"/>
           </a:xfrm>
           <a:prstGeom prst="star5">
             <a:avLst>
@@ -13535,7 +13536,7 @@
         <p:spPr>
           <a:xfrm>
             <a:off x="4089960" y="2247480"/>
-            <a:ext cx="2280960" cy="363960"/>
+            <a:ext cx="2280600" cy="363960"/>
           </a:xfrm>
           <a:prstGeom prst="rect">
             <a:avLst/>
@@ -13636,7 +13637,7 @@
         <p:spPr>
           <a:xfrm>
             <a:off x="335520" y="764640"/>
-            <a:ext cx="10743120" cy="493920"/>
+            <a:ext cx="10742760" cy="493560"/>
           </a:xfrm>
           <a:prstGeom prst="rect">
             <a:avLst/>
@@ -13687,7 +13688,7 @@
         <p:spPr>
           <a:xfrm>
             <a:off x="335520" y="1268640"/>
-            <a:ext cx="10743120" cy="5030640"/>
+            <a:ext cx="10742760" cy="5030280"/>
           </a:xfrm>
           <a:prstGeom prst="rect">
             <a:avLst/>
@@ -13708,7 +13709,7 @@
             <a:noAutofit/>
           </a:bodyPr>
           <a:p>
-            <a:pPr marL="195120" indent="-189000">
+            <a:pPr marL="195120" indent="-188640">
               <a:lnSpc>
                 <a:spcPct val="100000"/>
               </a:lnSpc>
@@ -13770,7 +13771,7 @@
             </a:endParaRPr>
           </a:p>
           <a:p>
-            <a:pPr marL="195120" indent="-189000">
+            <a:pPr marL="195120" indent="-188640">
               <a:lnSpc>
                 <a:spcPct val="100000"/>
               </a:lnSpc>
@@ -13819,7 +13820,7 @@
             </a:endParaRPr>
           </a:p>
           <a:p>
-            <a:pPr marL="195120" indent="-189000">
+            <a:pPr marL="195120" indent="-188640">
               <a:lnSpc>
                 <a:spcPct val="100000"/>
               </a:lnSpc>
@@ -13868,7 +13869,7 @@
             </a:endParaRPr>
           </a:p>
           <a:p>
-            <a:pPr marL="195120" indent="-189000">
+            <a:pPr marL="195120" indent="-188640">
               <a:lnSpc>
                 <a:spcPct val="100000"/>
               </a:lnSpc>
@@ -13917,7 +13918,7 @@
             </a:endParaRPr>
           </a:p>
           <a:p>
-            <a:pPr marL="195120" indent="-189000">
+            <a:pPr marL="195120" indent="-188640">
               <a:lnSpc>
                 <a:spcPct val="100000"/>
               </a:lnSpc>
@@ -13966,7 +13967,7 @@
             </a:endParaRPr>
           </a:p>
           <a:p>
-            <a:pPr marL="195120" indent="-189000">
+            <a:pPr marL="195120" indent="-188640">
               <a:lnSpc>
                 <a:spcPct val="100000"/>
               </a:lnSpc>
@@ -14015,7 +14016,7 @@
             </a:endParaRPr>
           </a:p>
           <a:p>
-            <a:pPr marL="195120" indent="-189000">
+            <a:pPr marL="195120" indent="-188640">
               <a:lnSpc>
                 <a:spcPct val="100000"/>
               </a:lnSpc>
@@ -14064,7 +14065,7 @@
             </a:endParaRPr>
           </a:p>
           <a:p>
-            <a:pPr marL="195120" indent="-189000">
+            <a:pPr marL="195120" indent="-188640">
               <a:lnSpc>
                 <a:spcPct val="100000"/>
               </a:lnSpc>
@@ -14153,7 +14154,7 @@
         <p:spPr>
           <a:xfrm>
             <a:off x="335520" y="764640"/>
-            <a:ext cx="10744920" cy="495720"/>
+            <a:ext cx="10746000" cy="496800"/>
           </a:xfrm>
           <a:prstGeom prst="rect">
             <a:avLst/>
@@ -14180,7 +14181,7 @@
               </a:lnSpc>
             </a:pPr>
             <a:r>
-              <a:rPr b="1" lang="de-DE" sz="2400" spc="-1" strike="noStrike">
+              <a:rPr b="1" lang="en-US" sz="2400" spc="-1" strike="noStrike">
                 <a:solidFill>
                   <a:srgbClr val="000000"/>
                 </a:solidFill>
@@ -14204,7 +14205,7 @@
         <p:spPr>
           <a:xfrm>
             <a:off x="335520" y="1268640"/>
-            <a:ext cx="10744920" cy="5032440"/>
+            <a:ext cx="10746000" cy="5033520"/>
           </a:xfrm>
           <a:prstGeom prst="rect">
             <a:avLst/>
@@ -14225,20 +14226,7 @@
             <a:noAutofit/>
           </a:bodyPr>
           <a:p>
-            <a:pPr>
-              <a:lnSpc>
-                <a:spcPct val="100000"/>
-              </a:lnSpc>
-              <a:spcBef>
-                <a:spcPts val="360"/>
-              </a:spcBef>
-            </a:pPr>
-            <a:endParaRPr b="0" lang="en-US" sz="1800" spc="-1" strike="noStrike">
-              <a:latin typeface="Arial"/>
-            </a:endParaRPr>
-          </a:p>
-          <a:p>
-            <a:pPr marL="195120" indent="-190440">
+            <a:pPr marL="195120" indent="-188640">
               <a:lnSpc>
                 <a:spcPct val="100000"/>
               </a:lnSpc>
@@ -14248,68 +14236,46 @@
               <a:buClr>
                 <a:srgbClr val="008c4f"/>
               </a:buClr>
-              <a:buSzPct val="115000"/>
+              <a:buSzPct val="80000"/>
               <a:buFont typeface="Wingdings" charset="2"/>
               <a:buChar char=""/>
             </a:pPr>
             <a:r>
-              <a:rPr b="0" lang="de-DE" sz="1800" spc="-1" strike="noStrike">
-                <a:solidFill>
-                  <a:srgbClr val="000000"/>
-                </a:solidFill>
-                <a:latin typeface="DejaVu Sans"/>
-                <a:ea typeface="DejaVu Sans"/>
-              </a:rPr>
-              <a:t>Satoshi Nakamoto. </a:t>
-            </a:r>
-            <a:r>
-              <a:rPr b="0" i="1" lang="de-DE" sz="1800" spc="-1" strike="noStrike">
-                <a:solidFill>
-                  <a:srgbClr val="000000"/>
-                </a:solidFill>
-                <a:latin typeface="DejaVu Sans"/>
-                <a:ea typeface="DejaVu Sans"/>
-              </a:rPr>
-              <a:t>Bitcoin: A Peer-to-Peer Electronic Cash System</a:t>
-            </a:r>
-            <a:r>
-              <a:rPr b="0" lang="de-DE" sz="1800" spc="-1" strike="noStrike">
-                <a:solidFill>
-                  <a:srgbClr val="000000"/>
-                </a:solidFill>
-                <a:latin typeface="DejaVu Sans"/>
-                <a:ea typeface="DejaVu Sans"/>
-              </a:rPr>
-              <a:t> (2008) – (</a:t>
-            </a:r>
-            <a:r>
-              <a:rPr b="0" lang="de-DE" sz="1800" spc="-1" strike="noStrike" u="sng">
-                <a:solidFill>
-                  <a:srgbClr val="0000ff"/>
-                </a:solidFill>
-                <a:uFillTx/>
-                <a:latin typeface="DejaVu Sans"/>
-                <a:ea typeface="DejaVu Sans"/>
-                <a:hlinkClick r:id="rId1"/>
-              </a:rPr>
-              <a:t>Link</a:t>
-            </a:r>
-            <a:r>
-              <a:rPr b="0" lang="de-DE" sz="1800" spc="-1" strike="noStrike">
-                <a:solidFill>
-                  <a:srgbClr val="000000"/>
-                </a:solidFill>
-                <a:latin typeface="DejaVu Sans"/>
-                <a:ea typeface="DejaVu Sans"/>
-              </a:rPr>
-              <a:t>).</a:t>
+              <a:rPr b="0" lang="en-US" sz="1800" spc="-1" strike="noStrike">
+                <a:solidFill>
+                  <a:srgbClr val="000000"/>
+                </a:solidFill>
+                <a:latin typeface="DejaVu Sans"/>
+                <a:ea typeface="DejaVu Sans"/>
+              </a:rPr>
+              <a:t>(German) Stefan Rahmstorf, Hans Joachim Schellnhuber. </a:t>
+            </a:r>
+            <a:r>
+              <a:rPr b="0" i="1" lang="en-US" sz="1800" spc="-1" strike="noStrike">
+                <a:solidFill>
+                  <a:srgbClr val="000000"/>
+                </a:solidFill>
+                <a:latin typeface="DejaVu Sans"/>
+                <a:ea typeface="DejaVu Sans"/>
+              </a:rPr>
+              <a:t>Der Klimawandel</a:t>
+            </a:r>
+            <a:r>
+              <a:rPr b="0" lang="en-US" sz="1800" spc="-1" strike="noStrike">
+                <a:solidFill>
+                  <a:srgbClr val="000000"/>
+                </a:solidFill>
+                <a:latin typeface="DejaVu Sans"/>
+                <a:ea typeface="DejaVu Sans"/>
+              </a:rPr>
+              <a:t> (2019).</a:t>
             </a:r>
             <a:endParaRPr b="0" lang="en-US" sz="1800" spc="-1" strike="noStrike">
               <a:latin typeface="Arial"/>
             </a:endParaRPr>
           </a:p>
           <a:p>
-            <a:pPr marL="195120" indent="-190440">
+            <a:pPr marL="195120" indent="-188640">
               <a:lnSpc>
                 <a:spcPct val="100000"/>
               </a:lnSpc>
@@ -14319,68 +14285,46 @@
               <a:buClr>
                 <a:srgbClr val="008c4f"/>
               </a:buClr>
-              <a:buSzPct val="115000"/>
+              <a:buSzPct val="80000"/>
               <a:buFont typeface="Wingdings" charset="2"/>
               <a:buChar char=""/>
             </a:pPr>
             <a:r>
-              <a:rPr b="0" lang="de-DE" sz="1800" spc="-1" strike="noStrike">
-                <a:solidFill>
-                  <a:srgbClr val="000000"/>
-                </a:solidFill>
-                <a:latin typeface="DejaVu Sans"/>
-                <a:ea typeface="DejaVu Sans"/>
-              </a:rPr>
-              <a:t>Gavin Wood. </a:t>
-            </a:r>
-            <a:r>
-              <a:rPr b="0" i="1" lang="de-DE" sz="1800" spc="-1" strike="noStrike">
-                <a:solidFill>
-                  <a:srgbClr val="000000"/>
-                </a:solidFill>
-                <a:latin typeface="DejaVu Sans"/>
-                <a:ea typeface="DejaVu Sans"/>
-              </a:rPr>
-              <a:t>Ethereum: A Secure Decentralized Generalised Transaction Ledger</a:t>
-            </a:r>
-            <a:r>
-              <a:rPr b="0" lang="de-DE" sz="1800" spc="-1" strike="noStrike">
-                <a:solidFill>
-                  <a:srgbClr val="000000"/>
-                </a:solidFill>
-                <a:latin typeface="DejaVu Sans"/>
-                <a:ea typeface="DejaVu Sans"/>
-              </a:rPr>
-              <a:t> (2014) – (</a:t>
-            </a:r>
-            <a:r>
-              <a:rPr b="0" lang="de-DE" sz="1800" spc="-1" strike="noStrike" u="sng">
-                <a:solidFill>
-                  <a:srgbClr val="0000ff"/>
-                </a:solidFill>
-                <a:uFillTx/>
-                <a:latin typeface="DejaVu Sans"/>
-                <a:ea typeface="DejaVu Sans"/>
-                <a:hlinkClick r:id="rId2"/>
-              </a:rPr>
-              <a:t>Link</a:t>
-            </a:r>
-            <a:r>
-              <a:rPr b="0" lang="de-DE" sz="1800" spc="-1" strike="noStrike">
-                <a:solidFill>
-                  <a:srgbClr val="000000"/>
-                </a:solidFill>
-                <a:latin typeface="DejaVu Sans"/>
-                <a:ea typeface="DejaVu Sans"/>
-              </a:rPr>
-              <a:t>).</a:t>
+              <a:rPr b="0" lang="en-US" sz="1800" spc="-1" strike="noStrike">
+                <a:solidFill>
+                  <a:srgbClr val="000000"/>
+                </a:solidFill>
+                <a:latin typeface="DejaVu Sans"/>
+                <a:ea typeface="DejaVu Sans"/>
+              </a:rPr>
+              <a:t>David Archer, Stefan Rahmstorf. </a:t>
+            </a:r>
+            <a:r>
+              <a:rPr b="0" i="1" lang="en-US" sz="1800" spc="-1" strike="noStrike">
+                <a:solidFill>
+                  <a:srgbClr val="000000"/>
+                </a:solidFill>
+                <a:latin typeface="DejaVu Sans"/>
+                <a:ea typeface="DejaVu Sans"/>
+              </a:rPr>
+              <a:t>The Climate Crisis</a:t>
+            </a:r>
+            <a:r>
+              <a:rPr b="0" lang="en-US" sz="1800" spc="-1" strike="noStrike">
+                <a:solidFill>
+                  <a:srgbClr val="000000"/>
+                </a:solidFill>
+                <a:latin typeface="DejaVu Sans"/>
+                <a:ea typeface="DejaVu Sans"/>
+              </a:rPr>
+              <a:t> (2010).</a:t>
             </a:r>
             <a:endParaRPr b="0" lang="en-US" sz="1800" spc="-1" strike="noStrike">
               <a:latin typeface="Arial"/>
             </a:endParaRPr>
           </a:p>
           <a:p>
-            <a:pPr marL="195120" indent="-190440">
+            <a:pPr marL="195120" indent="-188640">
               <a:lnSpc>
                 <a:spcPct val="100000"/>
               </a:lnSpc>
@@ -14390,235 +14334,39 @@
               <a:buClr>
                 <a:srgbClr val="008c4f"/>
               </a:buClr>
-              <a:buSzPct val="115000"/>
+              <a:buSzPct val="80000"/>
               <a:buFont typeface="Wingdings" charset="2"/>
               <a:buChar char=""/>
             </a:pPr>
             <a:r>
-              <a:rPr b="0" lang="de-DE" sz="1800" spc="-1" strike="noStrike">
-                <a:solidFill>
-                  <a:srgbClr val="000000"/>
-                </a:solidFill>
-                <a:latin typeface="DejaVu Sans"/>
-                <a:ea typeface="DejaVu Sans"/>
-              </a:rPr>
-              <a:t>Andreas Schütz und Tobias Fertig. </a:t>
-            </a:r>
-            <a:r>
-              <a:rPr b="0" i="1" lang="de-DE" sz="1800" spc="-1" strike="noStrike">
-                <a:solidFill>
-                  <a:srgbClr val="000000"/>
-                </a:solidFill>
-                <a:latin typeface="DejaVu Sans"/>
-                <a:ea typeface="DejaVu Sans"/>
-              </a:rPr>
-              <a:t>Blockchain für Entwickler: Grundlagen, Programmierung, Anwendung</a:t>
-            </a:r>
-            <a:r>
-              <a:rPr b="0" lang="de-DE" sz="1800" spc="-1" strike="noStrike">
-                <a:solidFill>
-                  <a:srgbClr val="000000"/>
-                </a:solidFill>
-                <a:latin typeface="DejaVu Sans"/>
-                <a:ea typeface="DejaVu Sans"/>
-              </a:rPr>
-              <a:t> (2019).</a:t>
-            </a:r>
-            <a:endParaRPr b="0" lang="en-US" sz="1800" spc="-1" strike="noStrike">
-              <a:latin typeface="Arial"/>
-            </a:endParaRPr>
-          </a:p>
-          <a:p>
-            <a:pPr marL="195120" indent="-190440">
-              <a:lnSpc>
-                <a:spcPct val="100000"/>
-              </a:lnSpc>
-              <a:spcBef>
-                <a:spcPts val="360"/>
-              </a:spcBef>
-              <a:buClr>
-                <a:srgbClr val="008c4f"/>
-              </a:buClr>
-              <a:buSzPct val="115000"/>
-              <a:buFont typeface="Wingdings" charset="2"/>
-              <a:buChar char=""/>
-            </a:pPr>
-            <a:r>
-              <a:rPr b="0" lang="de-DE" sz="1800" spc="-1" strike="noStrike">
-                <a:solidFill>
-                  <a:srgbClr val="000000"/>
-                </a:solidFill>
-                <a:latin typeface="DejaVu Sans"/>
-                <a:ea typeface="DejaVu Sans"/>
-              </a:rPr>
-              <a:t>M.A. Khan, M.T. Quasim, F. Algarni, A. Alharthi. </a:t>
-            </a:r>
-            <a:r>
-              <a:rPr b="0" i="1" lang="de-DE" sz="1800" spc="-1" strike="noStrike">
-                <a:solidFill>
-                  <a:srgbClr val="000000"/>
-                </a:solidFill>
-                <a:latin typeface="DejaVu Sans"/>
-                <a:ea typeface="DejaVu Sans"/>
-              </a:rPr>
-              <a:t>Decentralised Internet of Things</a:t>
-            </a:r>
-            <a:r>
-              <a:rPr b="0" lang="de-DE" sz="1800" spc="-1" strike="noStrike">
-                <a:solidFill>
-                  <a:srgbClr val="000000"/>
-                </a:solidFill>
-                <a:latin typeface="DejaVu Sans"/>
-                <a:ea typeface="DejaVu Sans"/>
-              </a:rPr>
-              <a:t> (2020).</a:t>
-            </a:r>
-            <a:endParaRPr b="0" lang="en-US" sz="1800" spc="-1" strike="noStrike">
-              <a:latin typeface="Arial"/>
-            </a:endParaRPr>
-          </a:p>
-          <a:p>
-            <a:pPr marL="195120" indent="-190440">
-              <a:lnSpc>
-                <a:spcPct val="100000"/>
-              </a:lnSpc>
-              <a:spcBef>
-                <a:spcPts val="360"/>
-              </a:spcBef>
-              <a:buClr>
-                <a:srgbClr val="008c4f"/>
-              </a:buClr>
-              <a:buSzPct val="115000"/>
-              <a:buFont typeface="Wingdings" charset="2"/>
-              <a:buChar char=""/>
-            </a:pPr>
-            <a:r>
-              <a:rPr b="0" lang="de-DE" sz="1800" spc="-1" strike="noStrike">
-                <a:solidFill>
-                  <a:srgbClr val="000000"/>
-                </a:solidFill>
-                <a:latin typeface="DejaVu Sans"/>
-                <a:ea typeface="DejaVu Sans"/>
-              </a:rPr>
-              <a:t>Dimitrios Serpanos und Marilyn Claire Wolf. I</a:t>
-            </a:r>
-            <a:r>
-              <a:rPr b="0" i="1" lang="de-DE" sz="1800" spc="-1" strike="noStrike">
-                <a:solidFill>
-                  <a:srgbClr val="000000"/>
-                </a:solidFill>
-                <a:latin typeface="DejaVu Sans"/>
-                <a:ea typeface="DejaVu Sans"/>
-              </a:rPr>
-              <a:t>nternet-of-Things (IoT) Systems Architectures, Algorithms, Methodologies</a:t>
-            </a:r>
-            <a:r>
-              <a:rPr b="0" lang="de-DE" sz="1800" spc="-1" strike="noStrike">
-                <a:solidFill>
-                  <a:srgbClr val="000000"/>
-                </a:solidFill>
-                <a:latin typeface="DejaVu Sans"/>
-                <a:ea typeface="DejaVu Sans"/>
-              </a:rPr>
-              <a:t> (2018).</a:t>
-            </a:r>
-            <a:endParaRPr b="0" lang="en-US" sz="1800" spc="-1" strike="noStrike">
-              <a:latin typeface="Arial"/>
-            </a:endParaRPr>
-          </a:p>
-          <a:p>
-            <a:pPr marL="195120" indent="-190440">
-              <a:lnSpc>
-                <a:spcPct val="100000"/>
-              </a:lnSpc>
-              <a:spcBef>
-                <a:spcPts val="360"/>
-              </a:spcBef>
-              <a:buClr>
-                <a:srgbClr val="008c4f"/>
-              </a:buClr>
-              <a:buSzPct val="115000"/>
-              <a:buFont typeface="Wingdings" charset="2"/>
-              <a:buChar char=""/>
-            </a:pPr>
-            <a:r>
-              <a:rPr b="0" lang="de-DE" sz="1800" spc="-1" strike="noStrike">
-                <a:solidFill>
-                  <a:srgbClr val="000000"/>
-                </a:solidFill>
-                <a:latin typeface="DejaVu Sans"/>
-                <a:ea typeface="DejaVu Sans"/>
-              </a:rPr>
-              <a:t>Perry Lea. </a:t>
-            </a:r>
-            <a:r>
-              <a:rPr b="0" i="1" lang="de-DE" sz="1800" spc="-1" strike="noStrike">
-                <a:solidFill>
-                  <a:srgbClr val="000000"/>
-                </a:solidFill>
-                <a:latin typeface="DejaVu Sans"/>
-                <a:ea typeface="DejaVu Sans"/>
-              </a:rPr>
-              <a:t>Internet of Things for Architects: Architecting IoT solutions by implementing sensors, communication infrastructure, edge computing, analytics, and security</a:t>
-            </a:r>
-            <a:r>
-              <a:rPr b="0" lang="de-DE" sz="1800" spc="-1" strike="noStrike">
-                <a:solidFill>
-                  <a:srgbClr val="000000"/>
-                </a:solidFill>
-                <a:latin typeface="DejaVu Sans"/>
-                <a:ea typeface="DejaVu Sans"/>
-              </a:rPr>
-              <a:t> (2018).</a:t>
-            </a:r>
-            <a:endParaRPr b="0" lang="en-US" sz="1800" spc="-1" strike="noStrike">
-              <a:latin typeface="Arial"/>
-            </a:endParaRPr>
-          </a:p>
-          <a:p>
-            <a:pPr marL="195120" indent="-190440">
-              <a:lnSpc>
-                <a:spcPct val="100000"/>
-              </a:lnSpc>
-              <a:spcBef>
-                <a:spcPts val="360"/>
-              </a:spcBef>
-              <a:buClr>
-                <a:srgbClr val="008c4f"/>
-              </a:buClr>
-              <a:buSzPct val="115000"/>
-              <a:buFont typeface="Wingdings" charset="2"/>
-              <a:buChar char=""/>
-            </a:pPr>
-            <a:r>
-              <a:rPr b="0" lang="de-DE" sz="1800" spc="-1" strike="noStrike">
-                <a:solidFill>
-                  <a:srgbClr val="000000"/>
-                </a:solidFill>
-                <a:latin typeface="DejaVu Sans"/>
-                <a:ea typeface="DejaVu Sans"/>
-              </a:rPr>
-              <a:t>Dan Boneh, Amit Sahai und Brent Waters. </a:t>
-            </a:r>
-            <a:r>
-              <a:rPr b="0" i="1" lang="de-DE" sz="1800" spc="-1" strike="noStrike">
-                <a:solidFill>
-                  <a:srgbClr val="000000"/>
-                </a:solidFill>
-                <a:latin typeface="DejaVu Sans"/>
-                <a:ea typeface="DejaVu Sans"/>
-              </a:rPr>
-              <a:t>Functional Encryption: Definitions and Challenges</a:t>
-            </a:r>
-            <a:r>
-              <a:rPr b="0" lang="de-DE" sz="1800" spc="-1" strike="noStrike">
-                <a:solidFill>
-                  <a:srgbClr val="000000"/>
-                </a:solidFill>
-                <a:latin typeface="DejaVu Sans"/>
-                <a:ea typeface="DejaVu Sans"/>
-              </a:rPr>
-              <a:t> (2010).</a:t>
+              <a:rPr b="0" lang="en-US" sz="1800" spc="-1" strike="noStrike">
+                <a:solidFill>
+                  <a:srgbClr val="000000"/>
+                </a:solidFill>
+                <a:latin typeface="DejaVu Sans"/>
+                <a:ea typeface="DejaVu Sans"/>
+              </a:rPr>
+              <a:t>Gabrielle Walker, David King. </a:t>
+            </a:r>
+            <a:r>
+              <a:rPr b="0" i="1" lang="en-US" sz="1800" spc="-1" strike="noStrike">
+                <a:solidFill>
+                  <a:srgbClr val="000000"/>
+                </a:solidFill>
+                <a:latin typeface="DejaVu Sans"/>
+                <a:ea typeface="DejaVu Sans"/>
+              </a:rPr>
+              <a:t>The Hot Topic: How to Tackle Global Warming and Still Keep the Lights on</a:t>
+            </a:r>
+            <a:r>
+              <a:rPr b="0" lang="en-US" sz="1800" spc="-1" strike="noStrike">
+                <a:solidFill>
+                  <a:srgbClr val="000000"/>
+                </a:solidFill>
+                <a:latin typeface="DejaVu Sans"/>
+                <a:ea typeface="DejaVu Sans"/>
+              </a:rPr>
+              <a:t> (2008).</a:t>
             </a:r>
             <a:endParaRPr b="0" lang="en-US" sz="1800" spc="-1" strike="noStrike">
               <a:latin typeface="Arial"/>
@@ -14665,7 +14413,7 @@
         <p:spPr>
           <a:xfrm>
             <a:off x="335520" y="764640"/>
-            <a:ext cx="10743120" cy="493920"/>
+            <a:ext cx="10744560" cy="495360"/>
           </a:xfrm>
           <a:prstGeom prst="rect">
             <a:avLst/>
@@ -14692,14 +14440,14 @@
               </a:lnSpc>
             </a:pPr>
             <a:r>
-              <a:rPr b="1" lang="en-US" sz="2400" spc="-1" strike="noStrike">
-                <a:solidFill>
-                  <a:srgbClr val="000000"/>
-                </a:solidFill>
-                <a:latin typeface="DejaVu Sans"/>
-                <a:ea typeface="DejaVu Sans"/>
-              </a:rPr>
-              <a:t>Further Resources </a:t>
+              <a:rPr b="1" lang="de-DE" sz="2400" spc="-1" strike="noStrike">
+                <a:solidFill>
+                  <a:srgbClr val="000000"/>
+                </a:solidFill>
+                <a:latin typeface="DejaVu Sans"/>
+                <a:ea typeface="DejaVu Sans"/>
+              </a:rPr>
+              <a:t>Literature</a:t>
             </a:r>
             <a:endParaRPr b="0" lang="en-US" sz="2400" spc="-1" strike="noStrike">
               <a:latin typeface="Arial"/>
@@ -14716,7 +14464,7 @@
         <p:spPr>
           <a:xfrm>
             <a:off x="335520" y="1268640"/>
-            <a:ext cx="10743120" cy="5030640"/>
+            <a:ext cx="10744560" cy="5032080"/>
           </a:xfrm>
           <a:prstGeom prst="rect">
             <a:avLst/>
@@ -14737,7 +14485,20 @@
             <a:noAutofit/>
           </a:bodyPr>
           <a:p>
-            <a:pPr marL="195120" indent="-189000">
+            <a:pPr>
+              <a:lnSpc>
+                <a:spcPct val="100000"/>
+              </a:lnSpc>
+              <a:spcBef>
+                <a:spcPts val="360"/>
+              </a:spcBef>
+            </a:pPr>
+            <a:endParaRPr b="0" lang="en-US" sz="1800" spc="-1" strike="noStrike">
+              <a:latin typeface="Arial"/>
+            </a:endParaRPr>
+          </a:p>
+          <a:p>
+            <a:pPr marL="195120" indent="-190080">
               <a:lnSpc>
                 <a:spcPct val="100000"/>
               </a:lnSpc>
@@ -14747,22 +14508,42 @@
               <a:buClr>
                 <a:srgbClr val="008c4f"/>
               </a:buClr>
-              <a:buSzPct val="80000"/>
+              <a:buSzPct val="115000"/>
               <a:buFont typeface="Wingdings" charset="2"/>
               <a:buChar char=""/>
             </a:pPr>
             <a:r>
-              <a:rPr b="0" lang="en-US" sz="1800" spc="-1" strike="noStrike">
-                <a:solidFill>
-                  <a:srgbClr val="000000"/>
-                </a:solidFill>
-                <a:latin typeface="DejaVu Sans"/>
-                <a:ea typeface="DejaVu Sans"/>
-              </a:rPr>
-              <a:t>Climate University – Teaching and learning for a sustainable future – </a:t>
-            </a:r>
-            <a:r>
-              <a:rPr b="0" lang="en-US" sz="1800" spc="-1" strike="noStrike" u="sng">
+              <a:rPr b="0" lang="de-DE" sz="1800" spc="-1" strike="noStrike">
+                <a:solidFill>
+                  <a:srgbClr val="000000"/>
+                </a:solidFill>
+                <a:latin typeface="DejaVu Sans"/>
+                <a:ea typeface="DejaVu Sans"/>
+              </a:rPr>
+              <a:t>Satoshi Nakamoto. </a:t>
+            </a:r>
+            <a:r>
+              <a:rPr b="0" i="1" lang="de-DE" sz="1800" spc="-1" strike="noStrike">
+                <a:solidFill>
+                  <a:srgbClr val="000000"/>
+                </a:solidFill>
+                <a:latin typeface="DejaVu Sans"/>
+                <a:ea typeface="DejaVu Sans"/>
+              </a:rPr>
+              <a:t>Bitcoin: A Peer-to-Peer Electronic Cash System</a:t>
+            </a:r>
+            <a:r>
+              <a:rPr b="0" lang="de-DE" sz="1800" spc="-1" strike="noStrike">
+                <a:solidFill>
+                  <a:srgbClr val="000000"/>
+                </a:solidFill>
+                <a:latin typeface="DejaVu Sans"/>
+                <a:ea typeface="DejaVu Sans"/>
+              </a:rPr>
+              <a:t> (2008) – (</a:t>
+            </a:r>
+            <a:r>
+              <a:rPr b="0" lang="de-DE" sz="1800" spc="-1" strike="noStrike" u="sng">
                 <a:solidFill>
                   <a:srgbClr val="0000ff"/>
                 </a:solidFill>
@@ -14773,12 +14554,22 @@
               </a:rPr>
               <a:t>Link</a:t>
             </a:r>
+            <a:r>
+              <a:rPr b="0" lang="de-DE" sz="1800" spc="-1" strike="noStrike">
+                <a:solidFill>
+                  <a:srgbClr val="000000"/>
+                </a:solidFill>
+                <a:latin typeface="DejaVu Sans"/>
+                <a:ea typeface="DejaVu Sans"/>
+              </a:rPr>
+              <a:t>).</a:t>
+            </a:r>
             <a:endParaRPr b="0" lang="en-US" sz="1800" spc="-1" strike="noStrike">
               <a:latin typeface="Arial"/>
             </a:endParaRPr>
           </a:p>
           <a:p>
-            <a:pPr marL="195120" indent="-189000">
+            <a:pPr marL="195120" indent="-190080">
               <a:lnSpc>
                 <a:spcPct val="100000"/>
               </a:lnSpc>
@@ -14788,22 +14579,42 @@
               <a:buClr>
                 <a:srgbClr val="008c4f"/>
               </a:buClr>
-              <a:buSzPct val="80000"/>
+              <a:buSzPct val="115000"/>
               <a:buFont typeface="Wingdings" charset="2"/>
               <a:buChar char=""/>
             </a:pPr>
             <a:r>
-              <a:rPr b="0" lang="en-US" sz="1800" spc="-1" strike="noStrike">
-                <a:solidFill>
-                  <a:srgbClr val="000000"/>
-                </a:solidFill>
-                <a:latin typeface="DejaVu Sans"/>
-                <a:ea typeface="DejaVu Sans"/>
-              </a:rPr>
-              <a:t>Circular Societies (German) – </a:t>
-            </a:r>
-            <a:r>
-              <a:rPr b="0" lang="en-US" sz="1800" spc="-1" strike="noStrike" u="sng">
+              <a:rPr b="0" lang="de-DE" sz="1800" spc="-1" strike="noStrike">
+                <a:solidFill>
+                  <a:srgbClr val="000000"/>
+                </a:solidFill>
+                <a:latin typeface="DejaVu Sans"/>
+                <a:ea typeface="DejaVu Sans"/>
+              </a:rPr>
+              <a:t>Gavin Wood. </a:t>
+            </a:r>
+            <a:r>
+              <a:rPr b="0" i="1" lang="de-DE" sz="1800" spc="-1" strike="noStrike">
+                <a:solidFill>
+                  <a:srgbClr val="000000"/>
+                </a:solidFill>
+                <a:latin typeface="DejaVu Sans"/>
+                <a:ea typeface="DejaVu Sans"/>
+              </a:rPr>
+              <a:t>Ethereum: A Secure Decentralized Generalised Transaction Ledger</a:t>
+            </a:r>
+            <a:r>
+              <a:rPr b="0" lang="de-DE" sz="1800" spc="-1" strike="noStrike">
+                <a:solidFill>
+                  <a:srgbClr val="000000"/>
+                </a:solidFill>
+                <a:latin typeface="DejaVu Sans"/>
+                <a:ea typeface="DejaVu Sans"/>
+              </a:rPr>
+              <a:t> (2014) – (</a:t>
+            </a:r>
+            <a:r>
+              <a:rPr b="0" lang="de-DE" sz="1800" spc="-1" strike="noStrike" u="sng">
                 <a:solidFill>
                   <a:srgbClr val="0000ff"/>
                 </a:solidFill>
@@ -14815,21 +14626,21 @@
               <a:t>Link</a:t>
             </a:r>
             <a:r>
-              <a:rPr b="0" lang="en-US" sz="1800" spc="-1" strike="noStrike">
-                <a:solidFill>
-                  <a:srgbClr val="000000"/>
-                </a:solidFill>
-                <a:latin typeface="DejaVu Sans"/>
-                <a:ea typeface="DejaVu Sans"/>
-              </a:rPr>
-              <a:t> </a:t>
+              <a:rPr b="0" lang="de-DE" sz="1800" spc="-1" strike="noStrike">
+                <a:solidFill>
+                  <a:srgbClr val="000000"/>
+                </a:solidFill>
+                <a:latin typeface="DejaVu Sans"/>
+                <a:ea typeface="DejaVu Sans"/>
+              </a:rPr>
+              <a:t>).</a:t>
             </a:r>
             <a:endParaRPr b="0" lang="en-US" sz="1800" spc="-1" strike="noStrike">
               <a:latin typeface="Arial"/>
             </a:endParaRPr>
           </a:p>
           <a:p>
-            <a:pPr marL="195120" indent="-189000">
+            <a:pPr marL="195120" indent="-190080">
               <a:lnSpc>
                 <a:spcPct val="100000"/>
               </a:lnSpc>
@@ -14839,38 +14650,46 @@
               <a:buClr>
                 <a:srgbClr val="008c4f"/>
               </a:buClr>
-              <a:buSzPct val="80000"/>
+              <a:buSzPct val="115000"/>
               <a:buFont typeface="Wingdings" charset="2"/>
               <a:buChar char=""/>
             </a:pPr>
             <a:r>
-              <a:rPr b="0" lang="en-US" sz="1800" spc="-1" strike="noStrike">
-                <a:solidFill>
-                  <a:srgbClr val="000000"/>
-                </a:solidFill>
-                <a:latin typeface="DejaVu Sans"/>
-                <a:ea typeface="DejaVu Sans"/>
-              </a:rPr>
-              <a:t>Server Infrastructure for a Global Rebellion – </a:t>
-            </a:r>
-            <a:r>
-              <a:rPr b="0" lang="en-US" sz="1800" spc="-1" strike="noStrike" u="sng">
-                <a:solidFill>
-                  <a:srgbClr val="0000ff"/>
-                </a:solidFill>
-                <a:uFillTx/>
-                <a:latin typeface="DejaVu Sans"/>
-                <a:ea typeface="DejaVu Sans"/>
-                <a:hlinkClick r:id="rId3"/>
-              </a:rPr>
-              <a:t>Link</a:t>
+              <a:rPr b="0" lang="de-DE" sz="1800" spc="-1" strike="noStrike">
+                <a:solidFill>
+                  <a:srgbClr val="000000"/>
+                </a:solidFill>
+                <a:latin typeface="DejaVu Sans"/>
+                <a:ea typeface="DejaVu Sans"/>
+              </a:rPr>
+              <a:t>Andreas Schütz und Tobias Fertig. </a:t>
+            </a:r>
+            <a:r>
+              <a:rPr b="0" i="1" lang="de-DE" sz="1800" spc="-1" strike="noStrike">
+                <a:solidFill>
+                  <a:srgbClr val="000000"/>
+                </a:solidFill>
+                <a:latin typeface="DejaVu Sans"/>
+                <a:ea typeface="DejaVu Sans"/>
+              </a:rPr>
+              <a:t>Blockchain für Entwickler: Grundlagen, Programmierung, Anwendung</a:t>
+            </a:r>
+            <a:r>
+              <a:rPr b="0" lang="de-DE" sz="1800" spc="-1" strike="noStrike">
+                <a:solidFill>
+                  <a:srgbClr val="000000"/>
+                </a:solidFill>
+                <a:latin typeface="DejaVu Sans"/>
+                <a:ea typeface="DejaVu Sans"/>
+              </a:rPr>
+              <a:t> (2019).</a:t>
             </a:r>
             <a:endParaRPr b="0" lang="en-US" sz="1800" spc="-1" strike="noStrike">
               <a:latin typeface="Arial"/>
             </a:endParaRPr>
           </a:p>
           <a:p>
-            <a:pPr marL="195120" indent="-189000">
+            <a:pPr marL="195120" indent="-190080">
               <a:lnSpc>
                 <a:spcPct val="100000"/>
               </a:lnSpc>
@@ -14880,74 +14699,95 @@
               <a:buClr>
                 <a:srgbClr val="008c4f"/>
               </a:buClr>
-              <a:buSzPct val="80000"/>
+              <a:buSzPct val="115000"/>
               <a:buFont typeface="Wingdings" charset="2"/>
               <a:buChar char=""/>
             </a:pPr>
             <a:r>
-              <a:rPr b="0" lang="en-US" sz="1800" spc="-1" strike="noStrike">
-                <a:solidFill>
-                  <a:srgbClr val="000000"/>
-                </a:solidFill>
-                <a:latin typeface="DejaVu Sans"/>
-                <a:ea typeface="DejaVu Sans"/>
-              </a:rPr>
-              <a:t>Podcasts:</a:t>
+              <a:rPr b="0" lang="de-DE" sz="1800" spc="-1" strike="noStrike">
+                <a:solidFill>
+                  <a:srgbClr val="000000"/>
+                </a:solidFill>
+                <a:latin typeface="DejaVu Sans"/>
+                <a:ea typeface="DejaVu Sans"/>
+              </a:rPr>
+              <a:t>M.A. Khan, M.T. Quasim, F. Algarni, A. Alharthi. </a:t>
+            </a:r>
+            <a:r>
+              <a:rPr b="0" i="1" lang="de-DE" sz="1800" spc="-1" strike="noStrike">
+                <a:solidFill>
+                  <a:srgbClr val="000000"/>
+                </a:solidFill>
+                <a:latin typeface="DejaVu Sans"/>
+                <a:ea typeface="DejaVu Sans"/>
+              </a:rPr>
+              <a:t>Decentralised Internet of Things</a:t>
+            </a:r>
+            <a:r>
+              <a:rPr b="0" lang="de-DE" sz="1800" spc="-1" strike="noStrike">
+                <a:solidFill>
+                  <a:srgbClr val="000000"/>
+                </a:solidFill>
+                <a:latin typeface="DejaVu Sans"/>
+                <a:ea typeface="DejaVu Sans"/>
+              </a:rPr>
+              <a:t> (2020).</a:t>
             </a:r>
             <a:endParaRPr b="0" lang="en-US" sz="1800" spc="-1" strike="noStrike">
               <a:latin typeface="Arial"/>
             </a:endParaRPr>
           </a:p>
           <a:p>
-            <a:pPr lvl="1" marL="432000" indent="-215280">
-              <a:lnSpc>
-                <a:spcPct val="100000"/>
-              </a:lnSpc>
+            <a:pPr marL="195120" indent="-190080">
+              <a:lnSpc>
+                <a:spcPct val="100000"/>
+              </a:lnSpc>
+              <a:spcBef>
+                <a:spcPts val="360"/>
+              </a:spcBef>
               <a:buClr>
                 <a:srgbClr val="008c4f"/>
               </a:buClr>
-              <a:buSzPct val="45000"/>
-              <a:buFont typeface="OpenSymbol"/>
-              <a:buChar char="—"/>
-            </a:pPr>
-            <a:r>
-              <a:rPr b="0" lang="en-US" sz="1800" spc="-1" strike="noStrike">
-                <a:solidFill>
-                  <a:srgbClr val="000000"/>
-                </a:solidFill>
-                <a:latin typeface="DejaVu Sans"/>
-                <a:ea typeface="DejaVu Sans"/>
-              </a:rPr>
-              <a:t>Drilled (</a:t>
-            </a:r>
-            <a:r>
-              <a:rPr b="0" lang="en-US" sz="1800" spc="-1" strike="noStrike" u="sng">
-                <a:solidFill>
-                  <a:srgbClr val="0000ff"/>
-                </a:solidFill>
-                <a:uFillTx/>
-                <a:latin typeface="DejaVu Sans"/>
-                <a:ea typeface="DejaVu Sans"/>
-                <a:hlinkClick r:id="rId4"/>
-              </a:rPr>
-              <a:t>Link</a:t>
-            </a:r>
-            <a:r>
-              <a:rPr b="0" lang="en-US" sz="1800" spc="-1" strike="noStrike">
-                <a:solidFill>
-                  <a:srgbClr val="000000"/>
-                </a:solidFill>
-                <a:latin typeface="DejaVu Sans"/>
-                <a:ea typeface="DejaVu Sans"/>
-              </a:rPr>
-              <a:t>)</a:t>
+              <a:buSzPct val="115000"/>
+              <a:buFont typeface="Wingdings" charset="2"/>
+              <a:buChar char=""/>
+            </a:pPr>
+            <a:r>
+              <a:rPr b="0" lang="de-DE" sz="1800" spc="-1" strike="noStrike">
+                <a:solidFill>
+                  <a:srgbClr val="000000"/>
+                </a:solidFill>
+                <a:latin typeface="DejaVu Sans"/>
+                <a:ea typeface="DejaVu Sans"/>
+              </a:rPr>
+              <a:t>Dimitrios Serpanos und Marilyn Claire Wolf. I</a:t>
+            </a:r>
+            <a:r>
+              <a:rPr b="0" i="1" lang="de-DE" sz="1800" spc="-1" strike="noStrike">
+                <a:solidFill>
+                  <a:srgbClr val="000000"/>
+                </a:solidFill>
+                <a:latin typeface="DejaVu Sans"/>
+                <a:ea typeface="DejaVu Sans"/>
+              </a:rPr>
+              <a:t>nternet-of-Things (IoT) Systems Architectures, Algorithms, Methodologies</a:t>
+            </a:r>
+            <a:r>
+              <a:rPr b="0" lang="de-DE" sz="1800" spc="-1" strike="noStrike">
+                <a:solidFill>
+                  <a:srgbClr val="000000"/>
+                </a:solidFill>
+                <a:latin typeface="DejaVu Sans"/>
+                <a:ea typeface="DejaVu Sans"/>
+              </a:rPr>
+              <a:t> (2018).</a:t>
             </a:r>
             <a:endParaRPr b="0" lang="en-US" sz="1800" spc="-1" strike="noStrike">
               <a:latin typeface="Arial"/>
             </a:endParaRPr>
           </a:p>
           <a:p>
-            <a:pPr lvl="1" marL="432000" indent="-215280">
+            <a:pPr marL="195120" indent="-190080">
               <a:lnSpc>
                 <a:spcPct val="100000"/>
               </a:lnSpc>
@@ -14957,48 +14797,46 @@
               <a:buClr>
                 <a:srgbClr val="008c4f"/>
               </a:buClr>
-              <a:buSzPct val="45000"/>
-              <a:buFont typeface="OpenSymbol"/>
-              <a:buChar char="—"/>
-            </a:pPr>
-            <a:r>
-              <a:rPr b="0" lang="en-US" sz="1800" spc="-1" strike="noStrike">
-                <a:solidFill>
-                  <a:srgbClr val="000000"/>
-                </a:solidFill>
-                <a:latin typeface="DejaVu Sans"/>
-                <a:ea typeface="DejaVu Sans"/>
-              </a:rPr>
-              <a:t>How to Save a Planet (</a:t>
-            </a:r>
-            <a:r>
-              <a:rPr b="0" lang="en-US" sz="1800" spc="-1" strike="noStrike" u="sng">
-                <a:solidFill>
-                  <a:srgbClr val="0000ff"/>
-                </a:solidFill>
-                <a:uFillTx/>
-                <a:latin typeface="DejaVu Sans"/>
-                <a:ea typeface="DejaVu Sans"/>
-                <a:hlinkClick r:id="rId5"/>
-              </a:rPr>
-              <a:t>Link</a:t>
-            </a:r>
-            <a:r>
-              <a:rPr b="0" lang="en-US" sz="1800" spc="-1" strike="noStrike">
-                <a:solidFill>
-                  <a:srgbClr val="000000"/>
-                </a:solidFill>
-                <a:latin typeface="DejaVu Sans"/>
-                <a:ea typeface="DejaVu Sans"/>
-              </a:rPr>
-              <a:t>)</a:t>
+              <a:buSzPct val="115000"/>
+              <a:buFont typeface="Wingdings" charset="2"/>
+              <a:buChar char=""/>
+            </a:pPr>
+            <a:r>
+              <a:rPr b="0" lang="de-DE" sz="1800" spc="-1" strike="noStrike">
+                <a:solidFill>
+                  <a:srgbClr val="000000"/>
+                </a:solidFill>
+                <a:latin typeface="DejaVu Sans"/>
+                <a:ea typeface="DejaVu Sans"/>
+              </a:rPr>
+              <a:t>Perry Lea. </a:t>
+            </a:r>
+            <a:r>
+              <a:rPr b="0" i="1" lang="de-DE" sz="1800" spc="-1" strike="noStrike">
+                <a:solidFill>
+                  <a:srgbClr val="000000"/>
+                </a:solidFill>
+                <a:latin typeface="DejaVu Sans"/>
+                <a:ea typeface="DejaVu Sans"/>
+              </a:rPr>
+              <a:t>Internet of Things for Architects: Architecting IoT solutions by implementing sensors, communication infrastructure, edge computing, analytics, and security</a:t>
+            </a:r>
+            <a:r>
+              <a:rPr b="0" lang="de-DE" sz="1800" spc="-1" strike="noStrike">
+                <a:solidFill>
+                  <a:srgbClr val="000000"/>
+                </a:solidFill>
+                <a:latin typeface="DejaVu Sans"/>
+                <a:ea typeface="DejaVu Sans"/>
+              </a:rPr>
+              <a:t> (2018).</a:t>
             </a:r>
             <a:endParaRPr b="0" lang="en-US" sz="1800" spc="-1" strike="noStrike">
               <a:latin typeface="Arial"/>
             </a:endParaRPr>
           </a:p>
           <a:p>
-            <a:pPr lvl="1" marL="432000" indent="-215280">
+            <a:pPr marL="195120" indent="-190080">
               <a:lnSpc>
                 <a:spcPct val="100000"/>
               </a:lnSpc>
@@ -15008,41 +14846,39 @@
               <a:buClr>
                 <a:srgbClr val="008c4f"/>
               </a:buClr>
-              <a:buSzPct val="45000"/>
-              <a:buFont typeface="OpenSymbol"/>
-              <a:buChar char="—"/>
-            </a:pPr>
-            <a:r>
-              <a:rPr b="0" lang="en-US" sz="1800" spc="-1" strike="noStrike">
-                <a:solidFill>
-                  <a:srgbClr val="000000"/>
-                </a:solidFill>
-                <a:latin typeface="DejaVu Sans"/>
-                <a:ea typeface="DejaVu Sans"/>
-              </a:rPr>
-              <a:t>1,5 Grad – der Klima-Podcast mit Luisa Neubauer (German) (</a:t>
-            </a:r>
-            <a:r>
-              <a:rPr b="0" lang="en-US" sz="1800" spc="-1" strike="noStrike" u="sng">
-                <a:solidFill>
-                  <a:srgbClr val="0000ff"/>
-                </a:solidFill>
-                <a:uFillTx/>
-                <a:latin typeface="DejaVu Sans"/>
-                <a:ea typeface="DejaVu Sans"/>
-                <a:hlinkClick r:id="rId6"/>
-              </a:rPr>
-              <a:t>Link</a:t>
-            </a:r>
-            <a:r>
-              <a:rPr b="0" lang="en-US" sz="1800" spc="-1" strike="noStrike">
-                <a:solidFill>
-                  <a:srgbClr val="000000"/>
-                </a:solidFill>
-                <a:latin typeface="DejaVu Sans"/>
-                <a:ea typeface="DejaVu Sans"/>
-              </a:rPr>
-              <a:t>)</a:t>
+              <a:buSzPct val="115000"/>
+              <a:buFont typeface="Wingdings" charset="2"/>
+              <a:buChar char=""/>
+            </a:pPr>
+            <a:r>
+              <a:rPr b="0" lang="de-DE" sz="1800" spc="-1" strike="noStrike">
+                <a:solidFill>
+                  <a:srgbClr val="000000"/>
+                </a:solidFill>
+                <a:latin typeface="DejaVu Sans"/>
+                <a:ea typeface="DejaVu Sans"/>
+              </a:rPr>
+              <a:t>Dan Boneh, Amit Sahai und Brent Waters. </a:t>
+            </a:r>
+            <a:r>
+              <a:rPr b="0" i="1" lang="de-DE" sz="1800" spc="-1" strike="noStrike">
+                <a:solidFill>
+                  <a:srgbClr val="000000"/>
+                </a:solidFill>
+                <a:latin typeface="DejaVu Sans"/>
+                <a:ea typeface="DejaVu Sans"/>
+              </a:rPr>
+              <a:t>Functional Encryption: Definitions and Challenges</a:t>
+            </a:r>
+            <a:r>
+              <a:rPr b="0" lang="de-DE" sz="1800" spc="-1" strike="noStrike">
+                <a:solidFill>
+                  <a:srgbClr val="000000"/>
+                </a:solidFill>
+                <a:latin typeface="DejaVu Sans"/>
+                <a:ea typeface="DejaVu Sans"/>
+              </a:rPr>
+              <a:t> (2010).</a:t>
             </a:r>
             <a:endParaRPr b="0" lang="en-US" sz="1800" spc="-1" strike="noStrike">
               <a:latin typeface="Arial"/>
@@ -15088,8 +14924,59 @@
         </p:nvSpPr>
         <p:spPr>
           <a:xfrm>
+            <a:off x="335520" y="764640"/>
+            <a:ext cx="10742760" cy="493560"/>
+          </a:xfrm>
+          <a:prstGeom prst="rect">
+            <a:avLst/>
+          </a:prstGeom>
+          <a:noFill/>
+          <a:ln>
+            <a:noFill/>
+          </a:ln>
+        </p:spPr>
+        <p:style>
+          <a:lnRef idx="0"/>
+          <a:fillRef idx="0"/>
+          <a:effectRef idx="0"/>
+          <a:fontRef idx="minor"/>
+        </p:style>
+        <p:txBody>
+          <a:bodyPr lIns="90000" rIns="90000" tIns="45000" bIns="45000">
+            <a:noAutofit/>
+          </a:bodyPr>
+          <a:p>
+            <a:pPr>
+              <a:lnSpc>
+                <a:spcPct val="100000"/>
+              </a:lnSpc>
+            </a:pPr>
+            <a:r>
+              <a:rPr b="1" lang="en-US" sz="2400" spc="-1" strike="noStrike">
+                <a:solidFill>
+                  <a:srgbClr val="000000"/>
+                </a:solidFill>
+                <a:latin typeface="DejaVu Sans"/>
+                <a:ea typeface="DejaVu Sans"/>
+              </a:rPr>
+              <a:t>Further Resources </a:t>
+            </a:r>
+            <a:endParaRPr b="0" lang="en-US" sz="2400" spc="-1" strike="noStrike">
+              <a:latin typeface="Arial"/>
+            </a:endParaRPr>
+          </a:p>
+        </p:txBody>
+      </p:sp>
+      <p:sp>
+        <p:nvSpPr>
+          <p:cNvPr id="207" name="CustomShape 2"/>
+          <p:cNvSpPr/>
+          <p:nvPr/>
+        </p:nvSpPr>
+        <p:spPr>
+          <a:xfrm>
             <a:off x="335520" y="1268640"/>
-            <a:ext cx="10744920" cy="5032440"/>
+            <a:ext cx="10742760" cy="5030280"/>
           </a:xfrm>
           <a:prstGeom prst="rect">
             <a:avLst/>
@@ -15110,6 +14997,379 @@
             <a:noAutofit/>
           </a:bodyPr>
           <a:p>
+            <a:pPr marL="195120" indent="-188640">
+              <a:lnSpc>
+                <a:spcPct val="100000"/>
+              </a:lnSpc>
+              <a:spcBef>
+                <a:spcPts val="360"/>
+              </a:spcBef>
+              <a:buClr>
+                <a:srgbClr val="008c4f"/>
+              </a:buClr>
+              <a:buSzPct val="80000"/>
+              <a:buFont typeface="Wingdings" charset="2"/>
+              <a:buChar char=""/>
+            </a:pPr>
+            <a:r>
+              <a:rPr b="0" lang="en-US" sz="1800" spc="-1" strike="noStrike">
+                <a:solidFill>
+                  <a:srgbClr val="000000"/>
+                </a:solidFill>
+                <a:latin typeface="DejaVu Sans"/>
+                <a:ea typeface="DejaVu Sans"/>
+              </a:rPr>
+              <a:t>Climate University – Teaching and learning for a sustainable future – </a:t>
+            </a:r>
+            <a:r>
+              <a:rPr b="0" lang="en-US" sz="1800" spc="-1" strike="noStrike" u="sng">
+                <a:solidFill>
+                  <a:srgbClr val="0000ff"/>
+                </a:solidFill>
+                <a:uFillTx/>
+                <a:latin typeface="DejaVu Sans"/>
+                <a:ea typeface="DejaVu Sans"/>
+                <a:hlinkClick r:id="rId1"/>
+              </a:rPr>
+              <a:t>Link</a:t>
+            </a:r>
+            <a:endParaRPr b="0" lang="en-US" sz="1800" spc="-1" strike="noStrike">
+              <a:latin typeface="Arial"/>
+            </a:endParaRPr>
+          </a:p>
+          <a:p>
+            <a:pPr marL="195120" indent="-188640">
+              <a:lnSpc>
+                <a:spcPct val="100000"/>
+              </a:lnSpc>
+              <a:spcBef>
+                <a:spcPts val="360"/>
+              </a:spcBef>
+              <a:buClr>
+                <a:srgbClr val="008c4f"/>
+              </a:buClr>
+              <a:buSzPct val="80000"/>
+              <a:buFont typeface="Wingdings" charset="2"/>
+              <a:buChar char=""/>
+            </a:pPr>
+            <a:r>
+              <a:rPr b="0" lang="en-US" sz="1800" spc="-1" strike="noStrike">
+                <a:solidFill>
+                  <a:srgbClr val="000000"/>
+                </a:solidFill>
+                <a:latin typeface="DejaVu Sans"/>
+                <a:ea typeface="DejaVu Sans"/>
+              </a:rPr>
+              <a:t>Circular Societies (German) – </a:t>
+            </a:r>
+            <a:r>
+              <a:rPr b="0" lang="en-US" sz="1800" spc="-1" strike="noStrike" u="sng">
+                <a:solidFill>
+                  <a:srgbClr val="0000ff"/>
+                </a:solidFill>
+                <a:uFillTx/>
+                <a:latin typeface="DejaVu Sans"/>
+                <a:ea typeface="DejaVu Sans"/>
+                <a:hlinkClick r:id="rId2"/>
+              </a:rPr>
+              <a:t>Link</a:t>
+            </a:r>
+            <a:r>
+              <a:rPr b="0" lang="en-US" sz="1800" spc="-1" strike="noStrike">
+                <a:solidFill>
+                  <a:srgbClr val="000000"/>
+                </a:solidFill>
+                <a:latin typeface="DejaVu Sans"/>
+                <a:ea typeface="DejaVu Sans"/>
+              </a:rPr>
+              <a:t> </a:t>
+            </a:r>
+            <a:endParaRPr b="0" lang="en-US" sz="1800" spc="-1" strike="noStrike">
+              <a:latin typeface="Arial"/>
+            </a:endParaRPr>
+          </a:p>
+          <a:p>
+            <a:pPr marL="195120" indent="-188640">
+              <a:lnSpc>
+                <a:spcPct val="100000"/>
+              </a:lnSpc>
+              <a:spcBef>
+                <a:spcPts val="360"/>
+              </a:spcBef>
+              <a:buClr>
+                <a:srgbClr val="008c4f"/>
+              </a:buClr>
+              <a:buSzPct val="80000"/>
+              <a:buFont typeface="Wingdings" charset="2"/>
+              <a:buChar char=""/>
+            </a:pPr>
+            <a:r>
+              <a:rPr b="0" lang="en-US" sz="1800" spc="-1" strike="noStrike">
+                <a:solidFill>
+                  <a:srgbClr val="000000"/>
+                </a:solidFill>
+                <a:latin typeface="DejaVu Sans"/>
+                <a:ea typeface="DejaVu Sans"/>
+              </a:rPr>
+              <a:t>Server Infrastructure for a Global Rebellion – </a:t>
+            </a:r>
+            <a:r>
+              <a:rPr b="0" lang="en-US" sz="1800" spc="-1" strike="noStrike" u="sng">
+                <a:solidFill>
+                  <a:srgbClr val="0000ff"/>
+                </a:solidFill>
+                <a:uFillTx/>
+                <a:latin typeface="DejaVu Sans"/>
+                <a:ea typeface="DejaVu Sans"/>
+                <a:hlinkClick r:id="rId3"/>
+              </a:rPr>
+              <a:t>Link</a:t>
+            </a:r>
+            <a:endParaRPr b="0" lang="en-US" sz="1800" spc="-1" strike="noStrike">
+              <a:latin typeface="Arial"/>
+            </a:endParaRPr>
+          </a:p>
+          <a:p>
+            <a:pPr marL="195120" indent="-188640">
+              <a:lnSpc>
+                <a:spcPct val="100000"/>
+              </a:lnSpc>
+              <a:spcBef>
+                <a:spcPts val="360"/>
+              </a:spcBef>
+              <a:buClr>
+                <a:srgbClr val="008c4f"/>
+              </a:buClr>
+              <a:buSzPct val="80000"/>
+              <a:buFont typeface="Wingdings" charset="2"/>
+              <a:buChar char=""/>
+            </a:pPr>
+            <a:r>
+              <a:rPr b="0" lang="en-US" sz="1800" spc="-1" strike="noStrike">
+                <a:solidFill>
+                  <a:srgbClr val="000000"/>
+                </a:solidFill>
+                <a:latin typeface="DejaVu Sans"/>
+                <a:ea typeface="DejaVu Sans"/>
+              </a:rPr>
+              <a:t>Podcasts:</a:t>
+            </a:r>
+            <a:endParaRPr b="0" lang="en-US" sz="1800" spc="-1" strike="noStrike">
+              <a:latin typeface="Arial"/>
+            </a:endParaRPr>
+          </a:p>
+          <a:p>
+            <a:pPr lvl="1" marL="432000" indent="-214920">
+              <a:lnSpc>
+                <a:spcPct val="100000"/>
+              </a:lnSpc>
+              <a:buClr>
+                <a:srgbClr val="008c4f"/>
+              </a:buClr>
+              <a:buSzPct val="45000"/>
+              <a:buFont typeface="OpenSymbol"/>
+              <a:buChar char="—"/>
+            </a:pPr>
+            <a:r>
+              <a:rPr b="0" lang="en-US" sz="1800" spc="-1" strike="noStrike">
+                <a:solidFill>
+                  <a:srgbClr val="000000"/>
+                </a:solidFill>
+                <a:latin typeface="DejaVu Sans"/>
+                <a:ea typeface="DejaVu Sans"/>
+              </a:rPr>
+              <a:t>Drilled (</a:t>
+            </a:r>
+            <a:r>
+              <a:rPr b="0" lang="en-US" sz="1800" spc="-1" strike="noStrike" u="sng">
+                <a:solidFill>
+                  <a:srgbClr val="0000ff"/>
+                </a:solidFill>
+                <a:uFillTx/>
+                <a:latin typeface="DejaVu Sans"/>
+                <a:ea typeface="DejaVu Sans"/>
+                <a:hlinkClick r:id="rId4"/>
+              </a:rPr>
+              <a:t>Link</a:t>
+            </a:r>
+            <a:r>
+              <a:rPr b="0" lang="en-US" sz="1800" spc="-1" strike="noStrike">
+                <a:solidFill>
+                  <a:srgbClr val="000000"/>
+                </a:solidFill>
+                <a:latin typeface="DejaVu Sans"/>
+                <a:ea typeface="DejaVu Sans"/>
+              </a:rPr>
+              <a:t>)</a:t>
+            </a:r>
+            <a:endParaRPr b="0" lang="en-US" sz="1800" spc="-1" strike="noStrike">
+              <a:latin typeface="Arial"/>
+            </a:endParaRPr>
+          </a:p>
+          <a:p>
+            <a:pPr lvl="1" marL="432000" indent="-214920">
+              <a:lnSpc>
+                <a:spcPct val="100000"/>
+              </a:lnSpc>
+              <a:spcBef>
+                <a:spcPts val="360"/>
+              </a:spcBef>
+              <a:buClr>
+                <a:srgbClr val="008c4f"/>
+              </a:buClr>
+              <a:buSzPct val="45000"/>
+              <a:buFont typeface="OpenSymbol"/>
+              <a:buChar char="—"/>
+            </a:pPr>
+            <a:r>
+              <a:rPr b="0" lang="en-US" sz="1800" spc="-1" strike="noStrike">
+                <a:solidFill>
+                  <a:srgbClr val="000000"/>
+                </a:solidFill>
+                <a:latin typeface="DejaVu Sans"/>
+                <a:ea typeface="DejaVu Sans"/>
+              </a:rPr>
+              <a:t>How to Save a Planet (</a:t>
+            </a:r>
+            <a:r>
+              <a:rPr b="0" lang="en-US" sz="1800" spc="-1" strike="noStrike" u="sng">
+                <a:solidFill>
+                  <a:srgbClr val="0000ff"/>
+                </a:solidFill>
+                <a:uFillTx/>
+                <a:latin typeface="DejaVu Sans"/>
+                <a:ea typeface="DejaVu Sans"/>
+                <a:hlinkClick r:id="rId5"/>
+              </a:rPr>
+              <a:t>Link</a:t>
+            </a:r>
+            <a:r>
+              <a:rPr b="0" lang="en-US" sz="1800" spc="-1" strike="noStrike">
+                <a:solidFill>
+                  <a:srgbClr val="000000"/>
+                </a:solidFill>
+                <a:latin typeface="DejaVu Sans"/>
+                <a:ea typeface="DejaVu Sans"/>
+              </a:rPr>
+              <a:t>)</a:t>
+            </a:r>
+            <a:endParaRPr b="0" lang="en-US" sz="1800" spc="-1" strike="noStrike">
+              <a:latin typeface="Arial"/>
+            </a:endParaRPr>
+          </a:p>
+          <a:p>
+            <a:pPr lvl="1" marL="432000" indent="-214920">
+              <a:lnSpc>
+                <a:spcPct val="100000"/>
+              </a:lnSpc>
+              <a:spcBef>
+                <a:spcPts val="360"/>
+              </a:spcBef>
+              <a:buClr>
+                <a:srgbClr val="008c4f"/>
+              </a:buClr>
+              <a:buSzPct val="45000"/>
+              <a:buFont typeface="OpenSymbol"/>
+              <a:buChar char="—"/>
+            </a:pPr>
+            <a:r>
+              <a:rPr b="0" lang="en-US" sz="1800" spc="-1" strike="noStrike">
+                <a:solidFill>
+                  <a:srgbClr val="000000"/>
+                </a:solidFill>
+                <a:latin typeface="DejaVu Sans"/>
+                <a:ea typeface="DejaVu Sans"/>
+              </a:rPr>
+              <a:t>1,5 Grad – der Klima-Podcast mit Luisa Neubauer (German) (</a:t>
+            </a:r>
+            <a:r>
+              <a:rPr b="0" lang="en-US" sz="1800" spc="-1" strike="noStrike" u="sng">
+                <a:solidFill>
+                  <a:srgbClr val="0000ff"/>
+                </a:solidFill>
+                <a:uFillTx/>
+                <a:latin typeface="DejaVu Sans"/>
+                <a:ea typeface="DejaVu Sans"/>
+                <a:hlinkClick r:id="rId6"/>
+              </a:rPr>
+              <a:t>Link</a:t>
+            </a:r>
+            <a:r>
+              <a:rPr b="0" lang="en-US" sz="1800" spc="-1" strike="noStrike">
+                <a:solidFill>
+                  <a:srgbClr val="000000"/>
+                </a:solidFill>
+                <a:latin typeface="DejaVu Sans"/>
+                <a:ea typeface="DejaVu Sans"/>
+              </a:rPr>
+              <a:t>)</a:t>
+            </a:r>
+            <a:endParaRPr b="0" lang="en-US" sz="1800" spc="-1" strike="noStrike">
+              <a:latin typeface="Arial"/>
+            </a:endParaRPr>
+          </a:p>
+        </p:txBody>
+      </p:sp>
+    </p:spTree>
+  </p:cSld>
+  <mc:AlternateContent>
+    <mc:Choice Requires="p14">
+      <p:transition spd="slow" p14:dur="2000"/>
+    </mc:Choice>
+    <mc:Fallback>
+      <p:transition spd="slow"/>
+    </mc:Fallback>
+  </mc:AlternateContent>
+</p:sld>
+</file>
+
+<file path=ppt/slides/slide37.xml><?xml version="1.0" encoding="utf-8"?>
+<p:sld xmlns:a="http://schemas.openxmlformats.org/drawingml/2006/main" xmlns:p="http://schemas.openxmlformats.org/presentationml/2006/main" xmlns:r="http://schemas.openxmlformats.org/officeDocument/2006/relationships" xmlns:p14="http://schemas.microsoft.com/office/powerpoint/2010/main" xmlns:p15="http://schemas.microsoft.com/office/powerpoint/2012/main" xmlns:mc="http://schemas.openxmlformats.org/markup-compatibility/2006">
+  <p:cSld>
+    <p:spTree>
+      <p:nvGrpSpPr>
+        <p:cNvPr id="1" name=""/>
+        <p:cNvGrpSpPr/>
+        <p:nvPr/>
+      </p:nvGrpSpPr>
+      <p:grpSpPr>
+        <a:xfrm>
+          <a:off x="0" y="0"/>
+          <a:ext cx="0" cy="0"/>
+          <a:chOff x="0" y="0"/>
+          <a:chExt cx="0" cy="0"/>
+        </a:xfrm>
+      </p:grpSpPr>
+      <p:sp>
+        <p:nvSpPr>
+          <p:cNvPr id="208" name="CustomShape 1"/>
+          <p:cNvSpPr/>
+          <p:nvPr/>
+        </p:nvSpPr>
+        <p:spPr>
+          <a:xfrm>
+            <a:off x="335520" y="1268640"/>
+            <a:ext cx="10744560" cy="5032080"/>
+          </a:xfrm>
+          <a:prstGeom prst="rect">
+            <a:avLst/>
+          </a:prstGeom>
+          <a:noFill/>
+          <a:ln>
+            <a:noFill/>
+          </a:ln>
+        </p:spPr>
+        <p:style>
+          <a:lnRef idx="0"/>
+          <a:fillRef idx="0"/>
+          <a:effectRef idx="0"/>
+          <a:fontRef idx="minor"/>
+        </p:style>
+        <p:txBody>
+          <a:bodyPr lIns="90000" rIns="90000" tIns="45000" bIns="45000" anchor="ctr">
+            <a:noAutofit/>
+          </a:bodyPr>
+          <a:p>
             <a:pPr algn="ctr">
               <a:lnSpc>
                 <a:spcPct val="100000"/>
@@ -15139,14 +15399,14 @@
       </p:sp>
       <p:sp>
         <p:nvSpPr>
-          <p:cNvPr id="207" name="CustomShape 2"/>
+          <p:cNvPr id="209" name="CustomShape 2"/>
           <p:cNvSpPr/>
           <p:nvPr/>
         </p:nvSpPr>
         <p:spPr>
           <a:xfrm>
             <a:off x="335520" y="764640"/>
-            <a:ext cx="10744920" cy="495720"/>
+            <a:ext cx="10744560" cy="495360"/>
           </a:xfrm>
           <a:prstGeom prst="rect">
             <a:avLst/>
@@ -15202,7 +15462,7 @@
         <p:spPr>
           <a:xfrm>
             <a:off x="542880" y="721800"/>
-            <a:ext cx="10349280" cy="489960"/>
+            <a:ext cx="10348920" cy="489600"/>
           </a:xfrm>
           <a:prstGeom prst="rect">
             <a:avLst/>
@@ -15253,7 +15513,7 @@
         <p:spPr>
           <a:xfrm>
             <a:off x="451800" y="1709280"/>
-            <a:ext cx="8216640" cy="4344840"/>
+            <a:ext cx="8216280" cy="4344480"/>
           </a:xfrm>
           <a:prstGeom prst="rect">
             <a:avLst/>
@@ -15279,7 +15539,7 @@
         <p:spPr>
           <a:xfrm>
             <a:off x="609480" y="1769400"/>
-            <a:ext cx="10579680" cy="4847760"/>
+            <a:ext cx="10579320" cy="4847400"/>
           </a:xfrm>
           <a:prstGeom prst="rect">
             <a:avLst/>
@@ -15300,7 +15560,7 @@
             <a:normAutofit/>
           </a:bodyPr>
           <a:p>
-            <a:pPr marL="216000" indent="-211320">
+            <a:pPr marL="216000" indent="-210960">
               <a:lnSpc>
                 <a:spcPct val="90000"/>
               </a:lnSpc>
@@ -15409,7 +15669,7 @@
             </a:endParaRPr>
           </a:p>
           <a:p>
-            <a:pPr marL="216000" indent="-211320">
+            <a:pPr marL="216000" indent="-210960">
               <a:lnSpc>
                 <a:spcPct val="100000"/>
               </a:lnSpc>
@@ -15438,7 +15698,7 @@
             </a:endParaRPr>
           </a:p>
           <a:p>
-            <a:pPr lvl="1" marL="685800" indent="-223920">
+            <a:pPr lvl="1" marL="685800" indent="-223560">
               <a:lnSpc>
                 <a:spcPct val="100000"/>
               </a:lnSpc>
@@ -15467,7 +15727,7 @@
             </a:endParaRPr>
           </a:p>
           <a:p>
-            <a:pPr lvl="1" marL="685800" indent="-223920">
+            <a:pPr lvl="1" marL="685800" indent="-223560">
               <a:lnSpc>
                 <a:spcPct val="100000"/>
               </a:lnSpc>
@@ -15496,7 +15756,7 @@
             </a:endParaRPr>
           </a:p>
           <a:p>
-            <a:pPr lvl="1" marL="685800" indent="-223920">
+            <a:pPr lvl="1" marL="685800" indent="-223560">
               <a:lnSpc>
                 <a:spcPct val="100000"/>
               </a:lnSpc>
@@ -15525,7 +15785,7 @@
             </a:endParaRPr>
           </a:p>
           <a:p>
-            <a:pPr lvl="1" marL="685800" indent="-223920">
+            <a:pPr lvl="1" marL="685800" indent="-223560">
               <a:lnSpc>
                 <a:spcPct val="100000"/>
               </a:lnSpc>
@@ -15554,7 +15814,7 @@
             </a:endParaRPr>
           </a:p>
           <a:p>
-            <a:pPr marL="216000" indent="-211320">
+            <a:pPr marL="216000" indent="-210960">
               <a:lnSpc>
                 <a:spcPct val="100000"/>
               </a:lnSpc>
@@ -15583,7 +15843,7 @@
             </a:endParaRPr>
           </a:p>
           <a:p>
-            <a:pPr lvl="1" marL="685800" indent="-223920">
+            <a:pPr lvl="1" marL="685800" indent="-223560">
               <a:lnSpc>
                 <a:spcPct val="100000"/>
               </a:lnSpc>
@@ -15612,7 +15872,7 @@
             </a:endParaRPr>
           </a:p>
           <a:p>
-            <a:pPr lvl="1" marL="685800" indent="-223920">
+            <a:pPr lvl="1" marL="685800" indent="-223560">
               <a:lnSpc>
                 <a:spcPct val="100000"/>
               </a:lnSpc>
@@ -15681,7 +15941,7 @@
         <p:spPr>
           <a:xfrm>
             <a:off x="542880" y="721800"/>
-            <a:ext cx="10349280" cy="489960"/>
+            <a:ext cx="10348920" cy="489600"/>
           </a:xfrm>
           <a:prstGeom prst="rect">
             <a:avLst/>
@@ -15732,7 +15992,7 @@
         <p:spPr>
           <a:xfrm>
             <a:off x="451800" y="1709280"/>
-            <a:ext cx="8216640" cy="4344840"/>
+            <a:ext cx="8216280" cy="4344480"/>
           </a:xfrm>
           <a:prstGeom prst="rect">
             <a:avLst/>
@@ -15758,7 +16018,7 @@
         <p:spPr>
           <a:xfrm>
             <a:off x="609480" y="1769400"/>
-            <a:ext cx="10579680" cy="4847760"/>
+            <a:ext cx="10579320" cy="4847400"/>
           </a:xfrm>
           <a:prstGeom prst="rect">
             <a:avLst/>
@@ -15779,7 +16039,7 @@
             <a:normAutofit/>
           </a:bodyPr>
           <a:p>
-            <a:pPr marL="216000" indent="-211320">
+            <a:pPr marL="216000" indent="-210960">
               <a:lnSpc>
                 <a:spcPct val="90000"/>
               </a:lnSpc>
@@ -15830,7 +16090,7 @@
             </a:endParaRPr>
           </a:p>
           <a:p>
-            <a:pPr lvl="1" marL="685800" indent="-223920">
+            <a:pPr lvl="1" marL="685800" indent="-223560">
               <a:lnSpc>
                 <a:spcPct val="100000"/>
               </a:lnSpc>
@@ -15859,7 +16119,7 @@
             </a:endParaRPr>
           </a:p>
           <a:p>
-            <a:pPr lvl="1" marL="685800" indent="-223920">
+            <a:pPr lvl="1" marL="685800" indent="-223560">
               <a:lnSpc>
                 <a:spcPct val="100000"/>
               </a:lnSpc>
@@ -15901,7 +16161,7 @@
             </a:endParaRPr>
           </a:p>
           <a:p>
-            <a:pPr marL="216000" indent="-211320">
+            <a:pPr marL="216000" indent="-210960">
               <a:lnSpc>
                 <a:spcPct val="90000"/>
               </a:lnSpc>
@@ -15933,7 +16193,7 @@
             </a:endParaRPr>
           </a:p>
           <a:p>
-            <a:pPr lvl="1" marL="685800" indent="-223920">
+            <a:pPr lvl="1" marL="685800" indent="-223560">
               <a:lnSpc>
                 <a:spcPct val="100000"/>
               </a:lnSpc>
@@ -15987,7 +16247,7 @@
             </a:endParaRPr>
           </a:p>
           <a:p>
-            <a:pPr lvl="1" marL="685800" indent="-223920">
+            <a:pPr lvl="1" marL="685800" indent="-223560">
               <a:lnSpc>
                 <a:spcPct val="100000"/>
               </a:lnSpc>
@@ -16041,7 +16301,7 @@
             </a:endParaRPr>
           </a:p>
           <a:p>
-            <a:pPr marL="228600" indent="-223920">
+            <a:pPr marL="228600" indent="-223560">
               <a:lnSpc>
                 <a:spcPct val="90000"/>
               </a:lnSpc>
@@ -16057,7 +16317,7 @@
             </a:endParaRPr>
           </a:p>
           <a:p>
-            <a:pPr marL="228600" indent="-223920" algn="ctr">
+            <a:pPr marL="228600" indent="-223560" algn="ctr">
               <a:lnSpc>
                 <a:spcPct val="90000"/>
               </a:lnSpc>
@@ -16083,7 +16343,7 @@
             </a:endParaRPr>
           </a:p>
           <a:p>
-            <a:pPr marL="457200" indent="-223920" algn="ctr">
+            <a:pPr marL="457200" indent="-223560" algn="ctr">
               <a:lnSpc>
                 <a:spcPct val="90000"/>
               </a:lnSpc>
@@ -16159,7 +16419,7 @@
         <p:spPr>
           <a:xfrm>
             <a:off x="542880" y="721800"/>
-            <a:ext cx="10349280" cy="489960"/>
+            <a:ext cx="10348920" cy="489600"/>
           </a:xfrm>
           <a:prstGeom prst="rect">
             <a:avLst/>
@@ -16210,7 +16470,7 @@
         <p:spPr>
           <a:xfrm>
             <a:off x="451800" y="1709280"/>
-            <a:ext cx="8216640" cy="4344840"/>
+            <a:ext cx="8216280" cy="4344480"/>
           </a:xfrm>
           <a:prstGeom prst="rect">
             <a:avLst/>
@@ -16236,7 +16496,7 @@
         <p:spPr>
           <a:xfrm>
             <a:off x="609480" y="1769400"/>
-            <a:ext cx="10579680" cy="4847760"/>
+            <a:ext cx="10579320" cy="4847400"/>
           </a:xfrm>
           <a:prstGeom prst="rect">
             <a:avLst/>
@@ -16257,7 +16517,7 @@
             <a:normAutofit/>
           </a:bodyPr>
           <a:p>
-            <a:pPr marL="216000" indent="-211320">
+            <a:pPr marL="216000" indent="-210960">
               <a:lnSpc>
                 <a:spcPct val="90000"/>
               </a:lnSpc>
@@ -16308,7 +16568,7 @@
             </a:endParaRPr>
           </a:p>
           <a:p>
-            <a:pPr lvl="1" marL="685800" indent="-223920">
+            <a:pPr lvl="1" marL="685800" indent="-223560">
               <a:lnSpc>
                 <a:spcPct val="100000"/>
               </a:lnSpc>
@@ -16337,7 +16597,7 @@
             </a:endParaRPr>
           </a:p>
           <a:p>
-            <a:pPr lvl="1" marL="685800" indent="-223920">
+            <a:pPr lvl="1" marL="685800" indent="-223560">
               <a:lnSpc>
                 <a:spcPct val="100000"/>
               </a:lnSpc>
@@ -16379,7 +16639,7 @@
             </a:endParaRPr>
           </a:p>
           <a:p>
-            <a:pPr marL="216000" indent="-211320">
+            <a:pPr marL="216000" indent="-210960">
               <a:lnSpc>
                 <a:spcPct val="90000"/>
               </a:lnSpc>
@@ -16411,7 +16671,7 @@
             </a:endParaRPr>
           </a:p>
           <a:p>
-            <a:pPr lvl="1" marL="685800" indent="-223920">
+            <a:pPr lvl="1" marL="685800" indent="-223560">
               <a:lnSpc>
                 <a:spcPct val="100000"/>
               </a:lnSpc>
@@ -16465,7 +16725,7 @@
             </a:endParaRPr>
           </a:p>
           <a:p>
-            <a:pPr lvl="1" marL="685800" indent="-223920">
+            <a:pPr lvl="1" marL="685800" indent="-223560">
               <a:lnSpc>
                 <a:spcPct val="100000"/>
               </a:lnSpc>
@@ -16519,7 +16779,7 @@
             </a:endParaRPr>
           </a:p>
           <a:p>
-            <a:pPr marL="228600" indent="-223920">
+            <a:pPr marL="228600" indent="-223560">
               <a:lnSpc>
                 <a:spcPct val="90000"/>
               </a:lnSpc>
@@ -16535,7 +16795,7 @@
             </a:endParaRPr>
           </a:p>
           <a:p>
-            <a:pPr marL="228600" indent="-223920" algn="ctr">
+            <a:pPr marL="228600" indent="-223560" algn="ctr">
               <a:lnSpc>
                 <a:spcPct val="90000"/>
               </a:lnSpc>
@@ -16561,7 +16821,7 @@
             </a:endParaRPr>
           </a:p>
           <a:p>
-            <a:pPr marL="457200" indent="-223920" algn="ctr">
+            <a:pPr marL="457200" indent="-223560" algn="ctr">
               <a:lnSpc>
                 <a:spcPct val="90000"/>
               </a:lnSpc>
@@ -16637,7 +16897,7 @@
         <p:spPr>
           <a:xfrm>
             <a:off x="335520" y="764640"/>
-            <a:ext cx="10744920" cy="495720"/>
+            <a:ext cx="10744560" cy="495360"/>
           </a:xfrm>
           <a:prstGeom prst="rect">
             <a:avLst/>
@@ -16688,7 +16948,7 @@
         <p:spPr>
           <a:xfrm>
             <a:off x="335520" y="2408400"/>
-            <a:ext cx="10744920" cy="3892680"/>
+            <a:ext cx="10744560" cy="3892320"/>
           </a:xfrm>
           <a:prstGeom prst="rect">
             <a:avLst/>
@@ -16709,7 +16969,7 @@
             <a:noAutofit/>
           </a:bodyPr>
           <a:p>
-            <a:pPr marL="195120" indent="-190440">
+            <a:pPr marL="195120" indent="-190080">
               <a:lnSpc>
                 <a:spcPct val="100000"/>
               </a:lnSpc>
@@ -16778,7 +17038,7 @@
         <p:spPr>
           <a:xfrm>
             <a:off x="335520" y="764640"/>
-            <a:ext cx="10744920" cy="495720"/>
+            <a:ext cx="10744560" cy="495360"/>
           </a:xfrm>
           <a:prstGeom prst="rect">
             <a:avLst/>
@@ -16829,7 +17089,7 @@
         <p:spPr>
           <a:xfrm>
             <a:off x="335520" y="2408400"/>
-            <a:ext cx="10744920" cy="3892680"/>
+            <a:ext cx="10744560" cy="3892320"/>
           </a:xfrm>
           <a:prstGeom prst="rect">
             <a:avLst/>
@@ -16850,7 +17110,7 @@
             <a:noAutofit/>
           </a:bodyPr>
           <a:p>
-            <a:pPr marL="195120" indent="-190440">
+            <a:pPr marL="195120" indent="-190080">
               <a:lnSpc>
                 <a:spcPct val="100000"/>
               </a:lnSpc>
@@ -16879,7 +17139,7 @@
             </a:endParaRPr>
           </a:p>
           <a:p>
-            <a:pPr marL="195120" indent="-190440">
+            <a:pPr marL="195120" indent="-190080">
               <a:lnSpc>
                 <a:spcPct val="100000"/>
               </a:lnSpc>
@@ -16948,7 +17208,7 @@
         <p:spPr>
           <a:xfrm>
             <a:off x="335520" y="764640"/>
-            <a:ext cx="10744920" cy="495720"/>
+            <a:ext cx="10744560" cy="495360"/>
           </a:xfrm>
           <a:prstGeom prst="rect">
             <a:avLst/>
@@ -16999,7 +17259,7 @@
         <p:spPr>
           <a:xfrm>
             <a:off x="335520" y="2408400"/>
-            <a:ext cx="10744920" cy="3892680"/>
+            <a:ext cx="10744560" cy="3892320"/>
           </a:xfrm>
           <a:prstGeom prst="rect">
             <a:avLst/>
@@ -17020,7 +17280,7 @@
             <a:noAutofit/>
           </a:bodyPr>
           <a:p>
-            <a:pPr marL="195120" indent="-190440">
+            <a:pPr marL="195120" indent="-190080">
               <a:lnSpc>
                 <a:spcPct val="100000"/>
               </a:lnSpc>
@@ -17049,7 +17309,7 @@
             </a:endParaRPr>
           </a:p>
           <a:p>
-            <a:pPr marL="195120" indent="-190440">
+            <a:pPr marL="195120" indent="-190080">
               <a:lnSpc>
                 <a:spcPct val="100000"/>
               </a:lnSpc>
@@ -17078,7 +17338,7 @@
             </a:endParaRPr>
           </a:p>
           <a:p>
-            <a:pPr marL="195120" indent="-190440">
+            <a:pPr marL="195120" indent="-190080">
               <a:lnSpc>
                 <a:spcPct val="100000"/>
               </a:lnSpc>

--- a/Emerging-Technologies-for-the-Circular-Economy/ETCE-L00-Organization.pptx
+++ b/Emerging-Technologies-for-the-Circular-Economy/ETCE-L00-Organization.pptx
@@ -276,7 +276,7 @@
           </a:bodyPr>
           <a:p>
             <a:pPr algn="r"/>
-            <a:fld id="{58832755-6DD1-47A3-AF0A-13D817347393}" type="slidenum">
+            <a:fld id="{32DD3130-876D-42A2-99B5-D2A20E790699}" type="slidenum">
               <a:rPr b="0" lang="en-US" sz="1400" spc="-1" strike="noStrike">
                 <a:latin typeface="Times New Roman"/>
               </a:rPr>
@@ -324,7 +324,7 @@
         <p:spPr>
           <a:xfrm>
             <a:off x="533520" y="763560"/>
-            <a:ext cx="6692040" cy="3760200"/>
+            <a:ext cx="6691680" cy="3759840"/>
           </a:xfrm>
           <a:prstGeom prst="rect">
             <a:avLst/>
@@ -344,7 +344,7 @@
         <p:spPr>
           <a:xfrm>
             <a:off x="777240" y="4777560"/>
-            <a:ext cx="6205680" cy="4514040"/>
+            <a:ext cx="6205320" cy="4513680"/>
           </a:xfrm>
           <a:prstGeom prst="rect">
             <a:avLst/>
@@ -370,7 +370,7 @@
         <p:spPr>
           <a:xfrm>
             <a:off x="4399200" y="9555480"/>
-            <a:ext cx="3360960" cy="490680"/>
+            <a:ext cx="3360600" cy="490320"/>
           </a:xfrm>
           <a:prstGeom prst="rect">
             <a:avLst/>
@@ -396,7 +396,7 @@
                 <a:spcPct val="100000"/>
               </a:lnSpc>
             </a:pPr>
-            <a:fld id="{9C9CA965-31E6-41B9-A8A2-7E94CDCAF326}" type="slidenum">
+            <a:fld id="{28D9C04C-2A0A-4351-A3DE-AE1E330029D0}" type="slidenum">
               <a:rPr b="0" lang="de-DE" sz="1800" spc="-1" strike="noStrike">
                 <a:solidFill>
                   <a:srgbClr val="000000"/>
@@ -447,7 +447,7 @@
         <p:spPr>
           <a:xfrm>
             <a:off x="533520" y="763560"/>
-            <a:ext cx="6692040" cy="3760200"/>
+            <a:ext cx="6691680" cy="3759840"/>
           </a:xfrm>
           <a:prstGeom prst="rect">
             <a:avLst/>
@@ -467,7 +467,7 @@
         <p:spPr>
           <a:xfrm>
             <a:off x="777240" y="4777560"/>
-            <a:ext cx="6205680" cy="4514040"/>
+            <a:ext cx="6205320" cy="4513680"/>
           </a:xfrm>
           <a:prstGeom prst="rect">
             <a:avLst/>
@@ -493,7 +493,7 @@
         <p:spPr>
           <a:xfrm>
             <a:off x="4399200" y="9555480"/>
-            <a:ext cx="3360960" cy="490680"/>
+            <a:ext cx="3360600" cy="490320"/>
           </a:xfrm>
           <a:prstGeom prst="rect">
             <a:avLst/>
@@ -519,7 +519,7 @@
                 <a:spcPct val="100000"/>
               </a:lnSpc>
             </a:pPr>
-            <a:fld id="{A78CC963-FCF6-44AC-A846-BD99ACEDCBC7}" type="slidenum">
+            <a:fld id="{DF1CD553-A57D-48F8-9BA0-15D1712CF429}" type="slidenum">
               <a:rPr b="0" lang="de-DE" sz="1800" spc="-1" strike="noStrike">
                 <a:solidFill>
                   <a:srgbClr val="000000"/>
@@ -570,7 +570,7 @@
         <p:spPr>
           <a:xfrm>
             <a:off x="533520" y="763560"/>
-            <a:ext cx="6692040" cy="3760200"/>
+            <a:ext cx="6691680" cy="3759840"/>
           </a:xfrm>
           <a:prstGeom prst="rect">
             <a:avLst/>
@@ -590,7 +590,7 @@
         <p:spPr>
           <a:xfrm>
             <a:off x="777240" y="4777560"/>
-            <a:ext cx="6205680" cy="4514040"/>
+            <a:ext cx="6205320" cy="4513680"/>
           </a:xfrm>
           <a:prstGeom prst="rect">
             <a:avLst/>
@@ -616,7 +616,7 @@
         <p:spPr>
           <a:xfrm>
             <a:off x="4399200" y="9555480"/>
-            <a:ext cx="3360960" cy="490680"/>
+            <a:ext cx="3360600" cy="490320"/>
           </a:xfrm>
           <a:prstGeom prst="rect">
             <a:avLst/>
@@ -642,7 +642,7 @@
                 <a:spcPct val="100000"/>
               </a:lnSpc>
             </a:pPr>
-            <a:fld id="{A52296E6-6EE4-40E6-A36A-FF3DA7A9D4C8}" type="slidenum">
+            <a:fld id="{D6A1FBB9-C7C5-46DB-A78B-4B7CB53517C2}" type="slidenum">
               <a:rPr b="0" lang="de-DE" sz="1800" spc="-1" strike="noStrike">
                 <a:solidFill>
                   <a:srgbClr val="000000"/>
@@ -3408,7 +3408,7 @@
         <p:spPr>
           <a:xfrm>
             <a:off x="11444760" y="0"/>
-            <a:ext cx="740520" cy="6849360"/>
+            <a:ext cx="740160" cy="6849000"/>
           </a:xfrm>
           <a:prstGeom prst="rect">
             <a:avLst/>
@@ -3438,7 +3438,7 @@
         <p:spPr>
           <a:xfrm>
             <a:off x="11438640" y="6453360"/>
-            <a:ext cx="757440" cy="363960"/>
+            <a:ext cx="757080" cy="363960"/>
           </a:xfrm>
           <a:prstGeom prst="rect">
             <a:avLst/>
@@ -3464,7 +3464,7 @@
                 <a:spcPct val="100000"/>
               </a:lnSpc>
             </a:pPr>
-            <a:fld id="{F7016FE4-DF96-4B3C-B18B-08273505302A}" type="slidenum">
+            <a:fld id="{99F13142-53A1-4EF1-960C-BF25176D7E2F}" type="slidenum">
               <a:rPr b="0" lang="en-US" sz="1800" spc="-1" strike="noStrike">
                 <a:solidFill>
                   <a:srgbClr val="808080"/>
@@ -3489,7 +3489,7 @@
         <p:spPr>
           <a:xfrm>
             <a:off x="912240" y="1268280"/>
-            <a:ext cx="9207360" cy="360720"/>
+            <a:ext cx="9207000" cy="360360"/>
           </a:xfrm>
           <a:prstGeom prst="rect">
             <a:avLst/>
@@ -3519,7 +3519,7 @@
         <p:spPr>
           <a:xfrm>
             <a:off x="0" y="0"/>
-            <a:ext cx="3051360" cy="561240"/>
+            <a:ext cx="3051000" cy="560880"/>
           </a:xfrm>
           <a:prstGeom prst="rect">
             <a:avLst/>
@@ -3542,7 +3542,7 @@
         <p:spPr>
           <a:xfrm>
             <a:off x="7430400" y="134640"/>
-            <a:ext cx="3697200" cy="513360"/>
+            <a:ext cx="3696840" cy="513000"/>
           </a:xfrm>
           <a:prstGeom prst="rect">
             <a:avLst/>
@@ -3561,7 +3561,7 @@
         <p:spPr>
           <a:xfrm>
             <a:off x="912240" y="1268280"/>
-            <a:ext cx="9207360" cy="360720"/>
+            <a:ext cx="9207000" cy="360360"/>
           </a:xfrm>
           <a:prstGeom prst="rect">
             <a:avLst/>
@@ -3587,7 +3587,7 @@
         <p:spPr>
           <a:xfrm>
             <a:off x="11444760" y="0"/>
-            <a:ext cx="740520" cy="6849360"/>
+            <a:ext cx="740160" cy="6849000"/>
           </a:xfrm>
           <a:prstGeom prst="rect">
             <a:avLst/>
@@ -3617,7 +3617,7 @@
         <p:spPr>
           <a:xfrm>
             <a:off x="0" y="6642720"/>
-            <a:ext cx="12183480" cy="211320"/>
+            <a:ext cx="12183120" cy="211320"/>
           </a:xfrm>
           <a:prstGeom prst="rect">
             <a:avLst/>
@@ -3948,7 +3948,7 @@
         <p:spPr>
           <a:xfrm>
             <a:off x="11444760" y="0"/>
-            <a:ext cx="740520" cy="6849360"/>
+            <a:ext cx="740160" cy="6849000"/>
           </a:xfrm>
           <a:prstGeom prst="rect">
             <a:avLst/>
@@ -3978,7 +3978,7 @@
         <p:spPr>
           <a:xfrm>
             <a:off x="11438640" y="6453360"/>
-            <a:ext cx="757440" cy="363960"/>
+            <a:ext cx="757080" cy="363960"/>
           </a:xfrm>
           <a:prstGeom prst="rect">
             <a:avLst/>
@@ -4004,7 +4004,7 @@
                 <a:spcPct val="100000"/>
               </a:lnSpc>
             </a:pPr>
-            <a:fld id="{6774BBFC-1F0A-4468-9B4E-66BE06AB9395}" type="slidenum">
+            <a:fld id="{DA304390-DD76-4E50-85A2-5CC0017E4C5F}" type="slidenum">
               <a:rPr b="0" lang="en-US" sz="1800" spc="-1" strike="noStrike">
                 <a:solidFill>
                   <a:srgbClr val="808080"/>
@@ -4029,7 +4029,7 @@
         <p:spPr>
           <a:xfrm>
             <a:off x="912240" y="1268280"/>
-            <a:ext cx="9207360" cy="360720"/>
+            <a:ext cx="9207000" cy="360360"/>
           </a:xfrm>
           <a:prstGeom prst="rect">
             <a:avLst/>
@@ -4059,7 +4059,7 @@
         <p:spPr>
           <a:xfrm>
             <a:off x="0" y="0"/>
-            <a:ext cx="3051360" cy="561240"/>
+            <a:ext cx="3051000" cy="560880"/>
           </a:xfrm>
           <a:prstGeom prst="rect">
             <a:avLst/>
@@ -4082,7 +4082,7 @@
         <p:spPr>
           <a:xfrm>
             <a:off x="7430400" y="134640"/>
-            <a:ext cx="3697200" cy="513360"/>
+            <a:ext cx="3696840" cy="513000"/>
           </a:xfrm>
           <a:prstGeom prst="rect">
             <a:avLst/>
@@ -4101,7 +4101,7 @@
         <p:spPr>
           <a:xfrm>
             <a:off x="11444760" y="0"/>
-            <a:ext cx="740520" cy="6849360"/>
+            <a:ext cx="740160" cy="6849000"/>
           </a:xfrm>
           <a:prstGeom prst="rect">
             <a:avLst/>
@@ -4131,7 +4131,7 @@
         <p:spPr>
           <a:xfrm>
             <a:off x="11438640" y="6453360"/>
-            <a:ext cx="757440" cy="363960"/>
+            <a:ext cx="757080" cy="363960"/>
           </a:xfrm>
           <a:prstGeom prst="rect">
             <a:avLst/>
@@ -4157,7 +4157,7 @@
                 <a:spcPct val="100000"/>
               </a:lnSpc>
             </a:pPr>
-            <a:fld id="{BD17B7AE-4D92-4D87-B7E0-D1FC7FC1DF9B}" type="slidenum">
+            <a:fld id="{C2D75C28-E56E-475A-BAD0-23C75BDC948A}" type="slidenum">
               <a:rPr b="0" lang="en-US" sz="1800" spc="-1" strike="noStrike">
                 <a:solidFill>
                   <a:srgbClr val="808080"/>
@@ -4182,7 +4182,7 @@
         <p:spPr>
           <a:xfrm>
             <a:off x="0" y="6642720"/>
-            <a:ext cx="12183480" cy="211320"/>
+            <a:ext cx="12183120" cy="211320"/>
           </a:xfrm>
           <a:prstGeom prst="rect">
             <a:avLst/>
@@ -4506,7 +4506,7 @@
         <p:spPr>
           <a:xfrm>
             <a:off x="527400" y="1412640"/>
-            <a:ext cx="10360440" cy="1146960"/>
+            <a:ext cx="10360080" cy="1146600"/>
           </a:xfrm>
           <a:prstGeom prst="rect">
             <a:avLst/>
@@ -4557,7 +4557,7 @@
         <p:spPr>
           <a:xfrm>
             <a:off x="527400" y="2852640"/>
-            <a:ext cx="10360440" cy="2367720"/>
+            <a:ext cx="10360080" cy="2367360"/>
           </a:xfrm>
           <a:prstGeom prst="rect">
             <a:avLst/>
@@ -4770,7 +4770,7 @@
         <p:spPr>
           <a:xfrm>
             <a:off x="335520" y="764640"/>
-            <a:ext cx="10744560" cy="495360"/>
+            <a:ext cx="10744200" cy="495000"/>
           </a:xfrm>
           <a:prstGeom prst="rect">
             <a:avLst/>
@@ -4831,7 +4831,7 @@
         <p:spPr>
           <a:xfrm>
             <a:off x="335520" y="2408400"/>
-            <a:ext cx="10744560" cy="3892320"/>
+            <a:ext cx="10744200" cy="3891960"/>
           </a:xfrm>
           <a:prstGeom prst="rect">
             <a:avLst/>
@@ -4852,7 +4852,7 @@
             <a:noAutofit/>
           </a:bodyPr>
           <a:p>
-            <a:pPr marL="195120" indent="-190080">
+            <a:pPr marL="195120" indent="-189720">
               <a:lnSpc>
                 <a:spcPct val="100000"/>
               </a:lnSpc>
@@ -4881,7 +4881,7 @@
             </a:endParaRPr>
           </a:p>
           <a:p>
-            <a:pPr marL="195120" indent="-190080">
+            <a:pPr marL="195120" indent="-189720">
               <a:lnSpc>
                 <a:spcPct val="100000"/>
               </a:lnSpc>
@@ -4910,7 +4910,7 @@
             </a:endParaRPr>
           </a:p>
           <a:p>
-            <a:pPr marL="195120" indent="-190080">
+            <a:pPr marL="195120" indent="-189720">
               <a:lnSpc>
                 <a:spcPct val="100000"/>
               </a:lnSpc>
@@ -4939,7 +4939,7 @@
             </a:endParaRPr>
           </a:p>
           <a:p>
-            <a:pPr marL="195120" indent="-190080">
+            <a:pPr marL="195120" indent="-189720">
               <a:lnSpc>
                 <a:spcPct val="100000"/>
               </a:lnSpc>
@@ -5008,7 +5008,7 @@
         <p:spPr>
           <a:xfrm>
             <a:off x="335520" y="764640"/>
-            <a:ext cx="10744560" cy="495360"/>
+            <a:ext cx="10744200" cy="495000"/>
           </a:xfrm>
           <a:prstGeom prst="rect">
             <a:avLst/>
@@ -5059,7 +5059,7 @@
         <p:spPr>
           <a:xfrm>
             <a:off x="335520" y="2408400"/>
-            <a:ext cx="10744560" cy="3892320"/>
+            <a:ext cx="10744200" cy="3891960"/>
           </a:xfrm>
           <a:prstGeom prst="rect">
             <a:avLst/>
@@ -5080,7 +5080,7 @@
             <a:noAutofit/>
           </a:bodyPr>
           <a:p>
-            <a:pPr marL="195120" indent="-190080">
+            <a:pPr marL="195120" indent="-189720">
               <a:lnSpc>
                 <a:spcPct val="100000"/>
               </a:lnSpc>
@@ -5109,7 +5109,7 @@
             </a:endParaRPr>
           </a:p>
           <a:p>
-            <a:pPr marL="195120" indent="-190080">
+            <a:pPr marL="195120" indent="-189720">
               <a:lnSpc>
                 <a:spcPct val="100000"/>
               </a:lnSpc>
@@ -5138,7 +5138,7 @@
             </a:endParaRPr>
           </a:p>
           <a:p>
-            <a:pPr marL="195120" indent="-190080">
+            <a:pPr marL="195120" indent="-189720">
               <a:lnSpc>
                 <a:spcPct val="100000"/>
               </a:lnSpc>
@@ -5167,7 +5167,7 @@
             </a:endParaRPr>
           </a:p>
           <a:p>
-            <a:pPr marL="195120" indent="-190080">
+            <a:pPr marL="195120" indent="-189720">
               <a:lnSpc>
                 <a:spcPct val="100000"/>
               </a:lnSpc>
@@ -5196,7 +5196,7 @@
             </a:endParaRPr>
           </a:p>
           <a:p>
-            <a:pPr marL="195120" indent="-190080">
+            <a:pPr marL="195120" indent="-189720">
               <a:lnSpc>
                 <a:spcPct val="100000"/>
               </a:lnSpc>
@@ -5265,7 +5265,7 @@
         <p:spPr>
           <a:xfrm>
             <a:off x="335520" y="764640"/>
-            <a:ext cx="10744560" cy="495360"/>
+            <a:ext cx="10744200" cy="495000"/>
           </a:xfrm>
           <a:prstGeom prst="rect">
             <a:avLst/>
@@ -5326,7 +5326,7 @@
         <p:spPr>
           <a:xfrm>
             <a:off x="335520" y="2408400"/>
-            <a:ext cx="10744560" cy="3892320"/>
+            <a:ext cx="10744200" cy="3891960"/>
           </a:xfrm>
           <a:prstGeom prst="rect">
             <a:avLst/>
@@ -5347,7 +5347,7 @@
             <a:noAutofit/>
           </a:bodyPr>
           <a:p>
-            <a:pPr marL="195120" indent="-190080">
+            <a:pPr marL="195120" indent="-189720">
               <a:lnSpc>
                 <a:spcPct val="100000"/>
               </a:lnSpc>
@@ -5376,7 +5376,7 @@
             </a:endParaRPr>
           </a:p>
           <a:p>
-            <a:pPr marL="195120" indent="-190080">
+            <a:pPr marL="195120" indent="-189720">
               <a:lnSpc>
                 <a:spcPct val="100000"/>
               </a:lnSpc>
@@ -5405,7 +5405,7 @@
             </a:endParaRPr>
           </a:p>
           <a:p>
-            <a:pPr marL="195120" indent="-190080">
+            <a:pPr marL="195120" indent="-189720">
               <a:lnSpc>
                 <a:spcPct val="100000"/>
               </a:lnSpc>
@@ -5434,7 +5434,7 @@
             </a:endParaRPr>
           </a:p>
           <a:p>
-            <a:pPr marL="195120" indent="-190080">
+            <a:pPr marL="195120" indent="-189720">
               <a:lnSpc>
                 <a:spcPct val="100000"/>
               </a:lnSpc>
@@ -5463,7 +5463,7 @@
             </a:endParaRPr>
           </a:p>
           <a:p>
-            <a:pPr marL="195120" indent="-190080">
+            <a:pPr marL="195120" indent="-189720">
               <a:lnSpc>
                 <a:spcPct val="100000"/>
               </a:lnSpc>
@@ -5492,7 +5492,7 @@
             </a:endParaRPr>
           </a:p>
           <a:p>
-            <a:pPr marL="195120" indent="-190080">
+            <a:pPr marL="195120" indent="-189720">
               <a:lnSpc>
                 <a:spcPct val="100000"/>
               </a:lnSpc>
@@ -5561,7 +5561,7 @@
         <p:spPr>
           <a:xfrm>
             <a:off x="335520" y="764640"/>
-            <a:ext cx="10744560" cy="495360"/>
+            <a:ext cx="10744200" cy="495000"/>
           </a:xfrm>
           <a:prstGeom prst="rect">
             <a:avLst/>
@@ -5612,7 +5612,7 @@
         <p:spPr>
           <a:xfrm>
             <a:off x="335520" y="1268640"/>
-            <a:ext cx="10744560" cy="5032080"/>
+            <a:ext cx="10744200" cy="5031720"/>
           </a:xfrm>
           <a:prstGeom prst="rect">
             <a:avLst/>
@@ -5633,7 +5633,7 @@
             <a:noAutofit/>
           </a:bodyPr>
           <a:p>
-            <a:pPr marL="195120" indent="-190080">
+            <a:pPr marL="195120" indent="-189720">
               <a:lnSpc>
                 <a:spcPct val="100000"/>
               </a:lnSpc>
@@ -5662,7 +5662,7 @@
             </a:endParaRPr>
           </a:p>
           <a:p>
-            <a:pPr marL="195120" indent="-190080">
+            <a:pPr marL="195120" indent="-189720">
               <a:lnSpc>
                 <a:spcPct val="100000"/>
               </a:lnSpc>
@@ -5691,7 +5691,7 @@
             </a:endParaRPr>
           </a:p>
           <a:p>
-            <a:pPr marL="195120" indent="-190080">
+            <a:pPr marL="195120" indent="-189720">
               <a:lnSpc>
                 <a:spcPct val="100000"/>
               </a:lnSpc>
@@ -5720,7 +5720,7 @@
             </a:endParaRPr>
           </a:p>
           <a:p>
-            <a:pPr marL="195120" indent="-190080">
+            <a:pPr marL="195120" indent="-189720">
               <a:lnSpc>
                 <a:spcPct val="100000"/>
               </a:lnSpc>
@@ -5749,7 +5749,7 @@
             </a:endParaRPr>
           </a:p>
           <a:p>
-            <a:pPr marL="195120" indent="-190080">
+            <a:pPr marL="195120" indent="-189720">
               <a:lnSpc>
                 <a:spcPct val="100000"/>
               </a:lnSpc>
@@ -5778,7 +5778,7 @@
             </a:endParaRPr>
           </a:p>
           <a:p>
-            <a:pPr marL="195120" indent="-190080">
+            <a:pPr marL="195120" indent="-189720">
               <a:lnSpc>
                 <a:spcPct val="100000"/>
               </a:lnSpc>
@@ -5807,7 +5807,7 @@
             </a:endParaRPr>
           </a:p>
           <a:p>
-            <a:pPr marL="195120" indent="-190080">
+            <a:pPr marL="195120" indent="-189720">
               <a:lnSpc>
                 <a:spcPct val="100000"/>
               </a:lnSpc>
@@ -5829,14 +5829,24 @@
                 <a:latin typeface="DejaVu Sans"/>
                 <a:ea typeface="DejaVu Sans"/>
               </a:rPr>
-              <a:t>01.06.2022 → The Machine-to-Everything Economy – A step towards the CE 2.0?</a:t>
+              <a:t>01.06.2022 → </a:t>
+            </a:r>
+            <a:r>
+              <a:rPr b="0" lang="en-US" sz="1800" spc="-1" strike="noStrike">
+                <a:solidFill>
+                  <a:srgbClr val="000000"/>
+                </a:solidFill>
+                <a:latin typeface="DejaVu Sans"/>
+                <a:ea typeface="DejaVu Sans"/>
+              </a:rPr>
+              <a:t>Introduction to Blockchain Technology</a:t>
             </a:r>
             <a:endParaRPr b="0" lang="en-US" sz="1800" spc="-1" strike="noStrike">
               <a:latin typeface="Arial"/>
             </a:endParaRPr>
           </a:p>
           <a:p>
-            <a:pPr marL="195120" indent="-190080">
+            <a:pPr marL="195120" indent="-189720">
               <a:lnSpc>
                 <a:spcPct val="100000"/>
               </a:lnSpc>
@@ -5858,14 +5868,24 @@
                 <a:latin typeface="DejaVu Sans"/>
                 <a:ea typeface="DejaVu Sans"/>
               </a:rPr>
-              <a:t>15.06.2022 → Introduction to Blockchain Technology</a:t>
+              <a:t>15.06.2022 → </a:t>
+            </a:r>
+            <a:r>
+              <a:rPr b="0" lang="en-US" sz="1800" spc="-1" strike="noStrike">
+                <a:solidFill>
+                  <a:srgbClr val="000000"/>
+                </a:solidFill>
+                <a:latin typeface="DejaVu Sans"/>
+                <a:ea typeface="DejaVu Sans"/>
+              </a:rPr>
+              <a:t>Blockchain Technology – Consensus</a:t>
             </a:r>
             <a:endParaRPr b="0" lang="en-US" sz="1800" spc="-1" strike="noStrike">
               <a:latin typeface="Arial"/>
             </a:endParaRPr>
           </a:p>
           <a:p>
-            <a:pPr marL="195120" indent="-190080">
+            <a:pPr marL="195120" indent="-189720">
               <a:lnSpc>
                 <a:spcPct val="100000"/>
               </a:lnSpc>
@@ -5887,14 +5907,24 @@
                 <a:latin typeface="DejaVu Sans"/>
                 <a:ea typeface="DejaVu Sans"/>
               </a:rPr>
-              <a:t>22.06.2022 → Blockchain Technology – Consensus</a:t>
+              <a:t>22.06.2022 → Blockchain Technology – </a:t>
+            </a:r>
+            <a:r>
+              <a:rPr b="0" lang="en-US" sz="1800" spc="-1" strike="noStrike">
+                <a:solidFill>
+                  <a:srgbClr val="000000"/>
+                </a:solidFill>
+                <a:latin typeface="DejaVu Sans"/>
+                <a:ea typeface="DejaVu Sans"/>
+              </a:rPr>
+              <a:t>Ethereum and Smart Contracts Part 1</a:t>
             </a:r>
             <a:endParaRPr b="0" lang="en-US" sz="1800" spc="-1" strike="noStrike">
               <a:latin typeface="Arial"/>
             </a:endParaRPr>
           </a:p>
           <a:p>
-            <a:pPr marL="195120" indent="-190080">
+            <a:pPr marL="195120" indent="-189720">
               <a:lnSpc>
                 <a:spcPct val="100000"/>
               </a:lnSpc>
@@ -5916,14 +5946,24 @@
                 <a:latin typeface="DejaVu Sans"/>
                 <a:ea typeface="DejaVu Sans"/>
               </a:rPr>
-              <a:t>29.06.2022 → Blockchain Technology – Ethereum and Smart Contracts Part 1</a:t>
+              <a:t>29.06.2022 → Blockchain Technology – </a:t>
+            </a:r>
+            <a:r>
+              <a:rPr b="0" lang="en-US" sz="1800" spc="-1" strike="noStrike">
+                <a:solidFill>
+                  <a:srgbClr val="000000"/>
+                </a:solidFill>
+                <a:latin typeface="DejaVu Sans"/>
+                <a:ea typeface="DejaVu Sans"/>
+              </a:rPr>
+              <a:t>Ethereum and Smart Contracts Part 2</a:t>
             </a:r>
             <a:endParaRPr b="0" lang="en-US" sz="1800" spc="-1" strike="noStrike">
               <a:latin typeface="Arial"/>
             </a:endParaRPr>
           </a:p>
           <a:p>
-            <a:pPr marL="195120" indent="-190080">
+            <a:pPr marL="195120" indent="-189720">
               <a:lnSpc>
                 <a:spcPct val="100000"/>
               </a:lnSpc>
@@ -5952,7 +5992,7 @@
             </a:endParaRPr>
           </a:p>
           <a:p>
-            <a:pPr marL="195120" indent="-190080">
+            <a:pPr marL="195120" indent="-189720">
               <a:lnSpc>
                 <a:spcPct val="100000"/>
               </a:lnSpc>
@@ -5981,7 +6021,7 @@
             </a:endParaRPr>
           </a:p>
           <a:p>
-            <a:pPr marL="195120" indent="-190080">
+            <a:pPr marL="195120" indent="-189720">
               <a:lnSpc>
                 <a:spcPct val="100000"/>
               </a:lnSpc>
@@ -6003,14 +6043,14 @@
                 <a:latin typeface="DejaVu Sans"/>
                 <a:ea typeface="DejaVu Sans"/>
               </a:rPr>
-              <a:t>20.07.2022 → Blockchain Technology – Ethereum and Smart Contracts Part 2</a:t>
+              <a:t>20.07.2022 → Blockchain Technology and Sustainability</a:t>
             </a:r>
             <a:endParaRPr b="0" lang="en-US" sz="1800" spc="-1" strike="noStrike">
               <a:latin typeface="Arial"/>
             </a:endParaRPr>
           </a:p>
           <a:p>
-            <a:pPr marL="195120" indent="-190080">
+            <a:pPr marL="195120" indent="-189720">
               <a:lnSpc>
                 <a:spcPct val="100000"/>
               </a:lnSpc>
@@ -6032,18 +6072,7 @@
                 <a:latin typeface="DejaVu Sans"/>
                 <a:ea typeface="DejaVu Sans"/>
               </a:rPr>
-              <a:t>27.07.2022 → Backup </a:t>
-            </a:r>
-            <a:r>
-              <a:rPr b="0" lang="en-US" sz="1800" spc="-1" strike="noStrike" u="sng">
-                <a:solidFill>
-                  <a:srgbClr val="000000"/>
-                </a:solidFill>
-                <a:uFillTx/>
-                <a:latin typeface="DejaVu Sans"/>
-                <a:ea typeface="DejaVu Sans"/>
-              </a:rPr>
-              <a:t>XOR</a:t>
+              <a:t>27.07.2022 → </a:t>
             </a:r>
             <a:r>
               <a:rPr b="0" lang="en-US" sz="1800" spc="-1" strike="noStrike">
@@ -6053,7 +6082,7 @@
                 <a:latin typeface="DejaVu Sans"/>
                 <a:ea typeface="DejaVu Sans"/>
               </a:rPr>
-              <a:t> no lecture</a:t>
+              <a:t>The Machine-to-Everything Economy – A step towards the CE 2.0?</a:t>
             </a:r>
             <a:endParaRPr b="0" lang="en-US" sz="1800" spc="-1" strike="noStrike">
               <a:latin typeface="Arial"/>
@@ -6100,7 +6129,7 @@
         <p:spPr>
           <a:xfrm>
             <a:off x="335520" y="764640"/>
-            <a:ext cx="10744560" cy="495360"/>
+            <a:ext cx="10744200" cy="495000"/>
           </a:xfrm>
           <a:prstGeom prst="rect">
             <a:avLst/>
@@ -6151,7 +6180,7 @@
         <p:spPr>
           <a:xfrm>
             <a:off x="335520" y="1268640"/>
-            <a:ext cx="10744560" cy="5032080"/>
+            <a:ext cx="10744200" cy="5031720"/>
           </a:xfrm>
           <a:prstGeom prst="rect">
             <a:avLst/>
@@ -6172,7 +6201,7 @@
             <a:noAutofit/>
           </a:bodyPr>
           <a:p>
-            <a:pPr marL="195120" indent="-190080">
+            <a:pPr marL="195120" indent="-189720">
               <a:lnSpc>
                 <a:spcPct val="100000"/>
               </a:lnSpc>
@@ -6221,7 +6250,7 @@
             </a:endParaRPr>
           </a:p>
           <a:p>
-            <a:pPr marL="195120" indent="-190080">
+            <a:pPr marL="195120" indent="-189720">
               <a:lnSpc>
                 <a:spcPct val="100000"/>
               </a:lnSpc>
@@ -6270,7 +6299,7 @@
             </a:endParaRPr>
           </a:p>
           <a:p>
-            <a:pPr marL="195120" indent="-190080">
+            <a:pPr marL="195120" indent="-189720">
               <a:lnSpc>
                 <a:spcPct val="100000"/>
               </a:lnSpc>
@@ -6319,7 +6348,7 @@
             </a:endParaRPr>
           </a:p>
           <a:p>
-            <a:pPr marL="195120" indent="-190080">
+            <a:pPr marL="195120" indent="-189720">
               <a:lnSpc>
                 <a:spcPct val="100000"/>
               </a:lnSpc>
@@ -6368,7 +6397,7 @@
             </a:endParaRPr>
           </a:p>
           <a:p>
-            <a:pPr marL="195120" indent="-190080">
+            <a:pPr marL="195120" indent="-189720">
               <a:lnSpc>
                 <a:spcPct val="100000"/>
               </a:lnSpc>
@@ -6417,7 +6446,7 @@
             </a:endParaRPr>
           </a:p>
           <a:p>
-            <a:pPr marL="195120" indent="-190080">
+            <a:pPr marL="195120" indent="-189720">
               <a:lnSpc>
                 <a:spcPct val="100000"/>
               </a:lnSpc>
@@ -6486,7 +6515,7 @@
             </a:endParaRPr>
           </a:p>
           <a:p>
-            <a:pPr marL="195120" indent="-190080">
+            <a:pPr marL="195120" indent="-189720">
               <a:lnSpc>
                 <a:spcPct val="100000"/>
               </a:lnSpc>
@@ -6535,7 +6564,7 @@
             </a:endParaRPr>
           </a:p>
           <a:p>
-            <a:pPr marL="195120" indent="-190080">
+            <a:pPr marL="195120" indent="-189720">
               <a:lnSpc>
                 <a:spcPct val="100000"/>
               </a:lnSpc>
@@ -6584,7 +6613,7 @@
             </a:endParaRPr>
           </a:p>
           <a:p>
-            <a:pPr marL="195120" indent="-190080">
+            <a:pPr marL="195120" indent="-189720">
               <a:lnSpc>
                 <a:spcPct val="100000"/>
               </a:lnSpc>
@@ -6633,7 +6662,7 @@
             </a:endParaRPr>
           </a:p>
           <a:p>
-            <a:pPr marL="195120" indent="-190080">
+            <a:pPr marL="195120" indent="-189720">
               <a:lnSpc>
                 <a:spcPct val="100000"/>
               </a:lnSpc>
@@ -6722,7 +6751,7 @@
         <p:spPr>
           <a:xfrm>
             <a:off x="335520" y="764640"/>
-            <a:ext cx="10744560" cy="495360"/>
+            <a:ext cx="10744200" cy="495000"/>
           </a:xfrm>
           <a:prstGeom prst="rect">
             <a:avLst/>
@@ -6773,7 +6802,7 @@
         <p:spPr>
           <a:xfrm>
             <a:off x="335520" y="1268280"/>
-            <a:ext cx="10744560" cy="5032080"/>
+            <a:ext cx="10744200" cy="5031720"/>
           </a:xfrm>
           <a:prstGeom prst="rect">
             <a:avLst/>
@@ -6794,7 +6823,7 @@
             <a:noAutofit/>
           </a:bodyPr>
           <a:p>
-            <a:pPr marL="195120" indent="-190080">
+            <a:pPr marL="195120" indent="-189720">
               <a:lnSpc>
                 <a:spcPct val="100000"/>
               </a:lnSpc>
@@ -6836,7 +6865,7 @@
             </a:endParaRPr>
           </a:p>
           <a:p>
-            <a:pPr marL="195120" indent="-190080">
+            <a:pPr marL="195120" indent="-189720">
               <a:lnSpc>
                 <a:spcPct val="100000"/>
               </a:lnSpc>
@@ -6865,7 +6894,7 @@
             </a:endParaRPr>
           </a:p>
           <a:p>
-            <a:pPr lvl="1" marL="652320" indent="-190080">
+            <a:pPr lvl="1" marL="652320" indent="-189720">
               <a:lnSpc>
                 <a:spcPct val="100000"/>
               </a:lnSpc>
@@ -6916,7 +6945,7 @@
             </a:endParaRPr>
           </a:p>
           <a:p>
-            <a:pPr lvl="3" marL="864000" indent="-212400">
+            <a:pPr lvl="3" marL="864000" indent="-212040">
               <a:lnSpc>
                 <a:spcPct val="100000"/>
               </a:lnSpc>
@@ -6945,7 +6974,7 @@
             </a:endParaRPr>
           </a:p>
           <a:p>
-            <a:pPr lvl="1" marL="652320" indent="-190080">
+            <a:pPr lvl="1" marL="652320" indent="-189720">
               <a:lnSpc>
                 <a:spcPct val="100000"/>
               </a:lnSpc>
@@ -6974,7 +7003,7 @@
             </a:endParaRPr>
           </a:p>
           <a:p>
-            <a:pPr lvl="1" marL="652320" indent="-190080">
+            <a:pPr lvl="1" marL="652320" indent="-189720">
               <a:lnSpc>
                 <a:spcPct val="100000"/>
               </a:lnSpc>
@@ -7003,7 +7032,7 @@
             </a:endParaRPr>
           </a:p>
           <a:p>
-            <a:pPr lvl="1" marL="652320" indent="-190080">
+            <a:pPr lvl="1" marL="652320" indent="-189720">
               <a:lnSpc>
                 <a:spcPct val="100000"/>
               </a:lnSpc>
@@ -7203,7 +7232,7 @@
         <p:spPr>
           <a:xfrm>
             <a:off x="335520" y="764640"/>
-            <a:ext cx="10743120" cy="493920"/>
+            <a:ext cx="10742760" cy="493560"/>
           </a:xfrm>
           <a:prstGeom prst="rect">
             <a:avLst/>
@@ -7274,7 +7303,7 @@
         <p:spPr>
           <a:xfrm>
             <a:off x="335520" y="1268640"/>
-            <a:ext cx="10743120" cy="5030640"/>
+            <a:ext cx="10742760" cy="5030280"/>
           </a:xfrm>
           <a:prstGeom prst="rect">
             <a:avLst/>
@@ -7295,7 +7324,7 @@
             <a:noAutofit/>
           </a:bodyPr>
           <a:p>
-            <a:pPr marL="195120" indent="-189000">
+            <a:pPr marL="195120" indent="-188640">
               <a:lnSpc>
                 <a:spcPct val="100000"/>
               </a:lnSpc>
@@ -7335,7 +7364,7 @@
             </a:endParaRPr>
           </a:p>
           <a:p>
-            <a:pPr lvl="1" marL="432000" indent="-211680">
+            <a:pPr lvl="1" marL="432000" indent="-211320">
               <a:lnSpc>
                 <a:spcPct val="100000"/>
               </a:lnSpc>
@@ -7384,7 +7413,7 @@
             </a:endParaRPr>
           </a:p>
           <a:p>
-            <a:pPr lvl="1" marL="432000" indent="-211680">
+            <a:pPr lvl="1" marL="432000" indent="-211320">
               <a:lnSpc>
                 <a:spcPct val="100000"/>
               </a:lnSpc>
@@ -7426,7 +7455,7 @@
             </a:endParaRPr>
           </a:p>
           <a:p>
-            <a:pPr marL="195120" indent="-189000">
+            <a:pPr marL="195120" indent="-188640">
               <a:lnSpc>
                 <a:spcPct val="100000"/>
               </a:lnSpc>
@@ -7456,7 +7485,7 @@
             </a:endParaRPr>
           </a:p>
           <a:p>
-            <a:pPr lvl="1" marL="432000" indent="-211680">
+            <a:pPr lvl="1" marL="432000" indent="-211320">
               <a:lnSpc>
                 <a:spcPct val="100000"/>
               </a:lnSpc>
@@ -7545,7 +7574,7 @@
             </a:endParaRPr>
           </a:p>
           <a:p>
-            <a:pPr lvl="1" marL="432000" indent="-211680">
+            <a:pPr lvl="1" marL="432000" indent="-211320">
               <a:lnSpc>
                 <a:spcPct val="100000"/>
               </a:lnSpc>
@@ -7609,7 +7638,7 @@
             </a:endParaRPr>
           </a:p>
           <a:p>
-            <a:pPr marL="195120" indent="-189000">
+            <a:pPr marL="195120" indent="-188640">
               <a:lnSpc>
                 <a:spcPct val="100000"/>
               </a:lnSpc>
@@ -7639,7 +7668,7 @@
             </a:endParaRPr>
           </a:p>
           <a:p>
-            <a:pPr lvl="1" marL="432000" indent="-211680">
+            <a:pPr lvl="1" marL="432000" indent="-211320">
               <a:lnSpc>
                 <a:spcPct val="100000"/>
               </a:lnSpc>
@@ -7728,7 +7757,7 @@
             </a:endParaRPr>
           </a:p>
           <a:p>
-            <a:pPr lvl="1" marL="432000" indent="-211680">
+            <a:pPr lvl="1" marL="432000" indent="-211320">
               <a:lnSpc>
                 <a:spcPct val="100000"/>
               </a:lnSpc>
@@ -7819,7 +7848,7 @@
         <p:spPr>
           <a:xfrm>
             <a:off x="335520" y="764640"/>
-            <a:ext cx="10744560" cy="495360"/>
+            <a:ext cx="10744200" cy="495000"/>
           </a:xfrm>
           <a:prstGeom prst="rect">
             <a:avLst/>
@@ -7870,7 +7899,7 @@
         <p:spPr>
           <a:xfrm>
             <a:off x="335520" y="1268280"/>
-            <a:ext cx="10744560" cy="5032080"/>
+            <a:ext cx="10744200" cy="5031720"/>
           </a:xfrm>
           <a:prstGeom prst="rect">
             <a:avLst/>
@@ -7901,7 +7930,7 @@
             </a:endParaRPr>
           </a:p>
           <a:p>
-            <a:pPr marL="195120" indent="-190080">
+            <a:pPr marL="195120" indent="-189720">
               <a:lnSpc>
                 <a:spcPct val="100000"/>
               </a:lnSpc>
@@ -7970,7 +7999,7 @@
             </a:endParaRPr>
           </a:p>
           <a:p>
-            <a:pPr marL="195120" indent="-190080">
+            <a:pPr marL="195120" indent="-189720">
               <a:lnSpc>
                 <a:spcPct val="100000"/>
               </a:lnSpc>
@@ -7999,7 +8028,7 @@
             </a:endParaRPr>
           </a:p>
           <a:p>
-            <a:pPr marL="195120" indent="-190080">
+            <a:pPr marL="195120" indent="-189720">
               <a:lnSpc>
                 <a:spcPct val="100000"/>
               </a:lnSpc>
@@ -8028,7 +8057,7 @@
             </a:endParaRPr>
           </a:p>
           <a:p>
-            <a:pPr marL="195120" indent="-190080">
+            <a:pPr marL="195120" indent="-189720">
               <a:lnSpc>
                 <a:spcPct val="100000"/>
               </a:lnSpc>
@@ -8057,7 +8086,7 @@
             </a:endParaRPr>
           </a:p>
           <a:p>
-            <a:pPr marL="195120" indent="-190080">
+            <a:pPr marL="195120" indent="-189720">
               <a:lnSpc>
                 <a:spcPct val="100000"/>
               </a:lnSpc>
@@ -8116,7 +8145,7 @@
             </a:endParaRPr>
           </a:p>
           <a:p>
-            <a:pPr marL="195120" indent="-190080">
+            <a:pPr marL="195120" indent="-189720">
               <a:lnSpc>
                 <a:spcPct val="100000"/>
               </a:lnSpc>
@@ -8146,7 +8175,7 @@
             </a:endParaRPr>
           </a:p>
           <a:p>
-            <a:pPr marL="195120" indent="-190080">
+            <a:pPr marL="195120" indent="-189720">
               <a:lnSpc>
                 <a:spcPct val="100000"/>
               </a:lnSpc>
@@ -8175,7 +8204,7 @@
             </a:endParaRPr>
           </a:p>
           <a:p>
-            <a:pPr marL="195120" indent="-190080">
+            <a:pPr marL="195120" indent="-189720">
               <a:lnSpc>
                 <a:spcPct val="100000"/>
               </a:lnSpc>
@@ -8244,7 +8273,7 @@
         <p:spPr>
           <a:xfrm>
             <a:off x="335520" y="764640"/>
-            <a:ext cx="10744560" cy="495360"/>
+            <a:ext cx="10744200" cy="495000"/>
           </a:xfrm>
           <a:prstGeom prst="rect">
             <a:avLst/>
@@ -8295,7 +8324,7 @@
         <p:spPr>
           <a:xfrm>
             <a:off x="335520" y="1268280"/>
-            <a:ext cx="10744560" cy="5032080"/>
+            <a:ext cx="10744200" cy="5031720"/>
           </a:xfrm>
           <a:prstGeom prst="rect">
             <a:avLst/>
@@ -8316,7 +8345,7 @@
             <a:noAutofit/>
           </a:bodyPr>
           <a:p>
-            <a:pPr marL="216000" indent="-214200">
+            <a:pPr marL="216000" indent="-213840">
               <a:lnSpc>
                 <a:spcPct val="100000"/>
               </a:lnSpc>
@@ -8342,7 +8371,7 @@
             </a:endParaRPr>
           </a:p>
           <a:p>
-            <a:pPr lvl="1" marL="432000" indent="-214200">
+            <a:pPr lvl="1" marL="432000" indent="-213840">
               <a:lnSpc>
                 <a:spcPct val="100000"/>
               </a:lnSpc>
@@ -8371,7 +8400,7 @@
             </a:endParaRPr>
           </a:p>
           <a:p>
-            <a:pPr lvl="1" marL="432000" indent="-214200">
+            <a:pPr lvl="1" marL="432000" indent="-213840">
               <a:lnSpc>
                 <a:spcPct val="100000"/>
               </a:lnSpc>
@@ -8400,7 +8429,7 @@
             </a:endParaRPr>
           </a:p>
           <a:p>
-            <a:pPr lvl="1" marL="432000" indent="-214200">
+            <a:pPr lvl="1" marL="432000" indent="-213840">
               <a:lnSpc>
                 <a:spcPct val="100000"/>
               </a:lnSpc>
@@ -8429,7 +8458,7 @@
             </a:endParaRPr>
           </a:p>
           <a:p>
-            <a:pPr lvl="1" marL="432000" indent="-214200">
+            <a:pPr lvl="1" marL="432000" indent="-213840">
               <a:lnSpc>
                 <a:spcPct val="100000"/>
               </a:lnSpc>
@@ -8458,7 +8487,7 @@
             </a:endParaRPr>
           </a:p>
           <a:p>
-            <a:pPr lvl="1" marL="432000" indent="-214200">
+            <a:pPr lvl="1" marL="432000" indent="-213840">
               <a:lnSpc>
                 <a:spcPct val="100000"/>
               </a:lnSpc>
@@ -8527,7 +8556,7 @@
         <p:spPr>
           <a:xfrm>
             <a:off x="335520" y="764640"/>
-            <a:ext cx="10744560" cy="495360"/>
+            <a:ext cx="10744200" cy="495000"/>
           </a:xfrm>
           <a:prstGeom prst="rect">
             <a:avLst/>
@@ -8578,7 +8607,7 @@
         <p:spPr>
           <a:xfrm>
             <a:off x="335520" y="1268640"/>
-            <a:ext cx="10744560" cy="5032080"/>
+            <a:ext cx="10744200" cy="5031720"/>
           </a:xfrm>
           <a:prstGeom prst="rect">
             <a:avLst/>
@@ -8599,7 +8628,7 @@
             <a:noAutofit/>
           </a:bodyPr>
           <a:p>
-            <a:pPr marL="216000" indent="-214200">
+            <a:pPr marL="216000" indent="-213840">
               <a:lnSpc>
                 <a:spcPct val="100000"/>
               </a:lnSpc>
@@ -8628,7 +8657,7 @@
             </a:endParaRPr>
           </a:p>
           <a:p>
-            <a:pPr marL="216000" indent="-214200">
+            <a:pPr marL="216000" indent="-213840">
               <a:lnSpc>
                 <a:spcPct val="100000"/>
               </a:lnSpc>
@@ -8657,7 +8686,7 @@
             </a:endParaRPr>
           </a:p>
           <a:p>
-            <a:pPr marL="216000" indent="-214200">
+            <a:pPr marL="216000" indent="-213840">
               <a:lnSpc>
                 <a:spcPct val="100000"/>
               </a:lnSpc>
@@ -8706,7 +8735,7 @@
             </a:endParaRPr>
           </a:p>
           <a:p>
-            <a:pPr lvl="1" marL="432000" indent="-214200">
+            <a:pPr lvl="1" marL="432000" indent="-213840">
               <a:lnSpc>
                 <a:spcPct val="100000"/>
               </a:lnSpc>
@@ -8735,7 +8764,7 @@
             </a:endParaRPr>
           </a:p>
           <a:p>
-            <a:pPr lvl="1" marL="432000" indent="-214200">
+            <a:pPr lvl="1" marL="432000" indent="-213840">
               <a:lnSpc>
                 <a:spcPct val="100000"/>
               </a:lnSpc>
@@ -8794,7 +8823,7 @@
         <p:spPr>
           <a:xfrm>
             <a:off x="4655880" y="476640"/>
-            <a:ext cx="2430720" cy="356760"/>
+            <a:ext cx="2430360" cy="356400"/>
           </a:xfrm>
           <a:prstGeom prst="rect">
             <a:avLst/>
@@ -8850,7 +8879,7 @@
         <p:spPr>
           <a:xfrm>
             <a:off x="335520" y="764640"/>
-            <a:ext cx="10742400" cy="493200"/>
+            <a:ext cx="10742040" cy="492840"/>
           </a:xfrm>
           <a:prstGeom prst="rect">
             <a:avLst/>
@@ -8901,7 +8930,7 @@
         <p:spPr>
           <a:xfrm>
             <a:off x="335520" y="1268640"/>
-            <a:ext cx="10742400" cy="5029920"/>
+            <a:ext cx="10742040" cy="5029560"/>
           </a:xfrm>
           <a:prstGeom prst="rect">
             <a:avLst/>
@@ -8958,7 +8987,7 @@
         <p:spPr>
           <a:xfrm>
             <a:off x="336600" y="3429000"/>
-            <a:ext cx="10860120" cy="2052000"/>
+            <a:ext cx="10859760" cy="2051640"/>
           </a:xfrm>
           <a:prstGeom prst="rect">
             <a:avLst/>
@@ -8979,7 +9008,7 @@
             <a:noAutofit/>
           </a:bodyPr>
           <a:p>
-            <a:pPr marL="216000" indent="-213120">
+            <a:pPr marL="216000" indent="-212760">
               <a:lnSpc>
                 <a:spcPct val="100000"/>
               </a:lnSpc>
@@ -9053,7 +9082,7 @@
             </a:endParaRPr>
           </a:p>
           <a:p>
-            <a:pPr marL="216000" indent="-213120">
+            <a:pPr marL="216000" indent="-212760">
               <a:lnSpc>
                 <a:spcPct val="100000"/>
               </a:lnSpc>
@@ -9147,7 +9176,7 @@
         <p:spPr>
           <a:xfrm>
             <a:off x="335520" y="764640"/>
-            <a:ext cx="10744560" cy="495360"/>
+            <a:ext cx="10744200" cy="495000"/>
           </a:xfrm>
           <a:prstGeom prst="rect">
             <a:avLst/>
@@ -9198,7 +9227,7 @@
         <p:spPr>
           <a:xfrm>
             <a:off x="335520" y="1268640"/>
-            <a:ext cx="10744560" cy="5032080"/>
+            <a:ext cx="10744200" cy="5031720"/>
           </a:xfrm>
           <a:prstGeom prst="rect">
             <a:avLst/>
@@ -9219,7 +9248,7 @@
             <a:noAutofit/>
           </a:bodyPr>
           <a:p>
-            <a:pPr marL="195120" indent="-190080">
+            <a:pPr marL="195120" indent="-189720">
               <a:lnSpc>
                 <a:spcPct val="100000"/>
               </a:lnSpc>
@@ -9248,7 +9277,7 @@
             </a:endParaRPr>
           </a:p>
           <a:p>
-            <a:pPr marL="195120" indent="-190080">
+            <a:pPr marL="195120" indent="-189720">
               <a:lnSpc>
                 <a:spcPct val="100000"/>
               </a:lnSpc>
@@ -9277,7 +9306,7 @@
             </a:endParaRPr>
           </a:p>
           <a:p>
-            <a:pPr marL="195120" indent="-190080">
+            <a:pPr marL="195120" indent="-189720">
               <a:lnSpc>
                 <a:spcPct val="100000"/>
               </a:lnSpc>
@@ -9316,7 +9345,7 @@
         <p:spPr>
           <a:xfrm>
             <a:off x="4655880" y="476640"/>
-            <a:ext cx="2430720" cy="356760"/>
+            <a:ext cx="2430360" cy="356400"/>
           </a:xfrm>
           <a:prstGeom prst="rect">
             <a:avLst/>
@@ -9372,7 +9401,7 @@
         <p:spPr>
           <a:xfrm>
             <a:off x="335520" y="840960"/>
-            <a:ext cx="10744560" cy="495360"/>
+            <a:ext cx="10744200" cy="495000"/>
           </a:xfrm>
           <a:prstGeom prst="rect">
             <a:avLst/>
@@ -9423,7 +9452,7 @@
         <p:spPr>
           <a:xfrm>
             <a:off x="388800" y="1488600"/>
-            <a:ext cx="10722960" cy="5204520"/>
+            <a:ext cx="10722600" cy="5204520"/>
           </a:xfrm>
           <a:prstGeom prst="rect">
             <a:avLst/>
@@ -9474,7 +9503,7 @@
             </a:endParaRPr>
           </a:p>
           <a:p>
-            <a:pPr marL="216000" indent="-214200">
+            <a:pPr marL="216000" indent="-213840">
               <a:lnSpc>
                 <a:spcPct val="100000"/>
               </a:lnSpc>
@@ -9520,7 +9549,7 @@
             </a:endParaRPr>
           </a:p>
           <a:p>
-            <a:pPr marL="216000" indent="-214200">
+            <a:pPr marL="216000" indent="-213840">
               <a:lnSpc>
                 <a:spcPct val="100000"/>
               </a:lnSpc>
@@ -9566,7 +9595,7 @@
             </a:endParaRPr>
           </a:p>
           <a:p>
-            <a:pPr marL="216000" indent="-214200">
+            <a:pPr marL="216000" indent="-213840">
               <a:lnSpc>
                 <a:spcPct val="100000"/>
               </a:lnSpc>
@@ -9592,7 +9621,7 @@
             </a:endParaRPr>
           </a:p>
           <a:p>
-            <a:pPr marL="216000" indent="-214200">
+            <a:pPr marL="216000" indent="-213840">
               <a:lnSpc>
                 <a:spcPct val="100000"/>
               </a:lnSpc>
@@ -9628,7 +9657,7 @@
             </a:endParaRPr>
           </a:p>
           <a:p>
-            <a:pPr marL="216000" indent="-214200">
+            <a:pPr marL="216000" indent="-213840">
               <a:lnSpc>
                 <a:spcPct val="100000"/>
               </a:lnSpc>
@@ -9654,7 +9683,7 @@
             </a:endParaRPr>
           </a:p>
           <a:p>
-            <a:pPr marL="216000" indent="-214200">
+            <a:pPr marL="216000" indent="-213840">
               <a:lnSpc>
                 <a:spcPct val="100000"/>
               </a:lnSpc>
@@ -9680,7 +9709,7 @@
             </a:endParaRPr>
           </a:p>
           <a:p>
-            <a:pPr marL="216000" indent="-214200">
+            <a:pPr marL="216000" indent="-213840">
               <a:lnSpc>
                 <a:spcPct val="100000"/>
               </a:lnSpc>
@@ -9716,7 +9745,7 @@
             </a:endParaRPr>
           </a:p>
           <a:p>
-            <a:pPr marL="216000" indent="-214200">
+            <a:pPr marL="216000" indent="-213840">
               <a:lnSpc>
                 <a:spcPct val="100000"/>
               </a:lnSpc>
@@ -9742,7 +9771,7 @@
             </a:endParaRPr>
           </a:p>
           <a:p>
-            <a:pPr marL="216000" indent="-214200">
+            <a:pPr marL="216000" indent="-213840">
               <a:lnSpc>
                 <a:spcPct val="100000"/>
               </a:lnSpc>
@@ -9788,7 +9817,7 @@
             </a:endParaRPr>
           </a:p>
           <a:p>
-            <a:pPr marL="216000" indent="-214200">
+            <a:pPr marL="216000" indent="-213840">
               <a:lnSpc>
                 <a:spcPct val="100000"/>
               </a:lnSpc>
@@ -9824,7 +9853,7 @@
             </a:endParaRPr>
           </a:p>
           <a:p>
-            <a:pPr marL="216000" indent="-214200">
+            <a:pPr marL="216000" indent="-213840">
               <a:lnSpc>
                 <a:spcPct val="100000"/>
               </a:lnSpc>
@@ -9890,7 +9919,7 @@
             </a:endParaRPr>
           </a:p>
           <a:p>
-            <a:pPr marL="216000" indent="-214200">
+            <a:pPr marL="216000" indent="-213840">
               <a:lnSpc>
                 <a:spcPct val="100000"/>
               </a:lnSpc>
@@ -9926,7 +9955,7 @@
             </a:endParaRPr>
           </a:p>
           <a:p>
-            <a:pPr marL="216000" indent="-214200">
+            <a:pPr marL="216000" indent="-213840">
               <a:lnSpc>
                 <a:spcPct val="100000"/>
               </a:lnSpc>
@@ -9992,7 +10021,7 @@
         <p:spPr>
           <a:xfrm>
             <a:off x="335520" y="764640"/>
-            <a:ext cx="10744560" cy="495360"/>
+            <a:ext cx="10744200" cy="495000"/>
           </a:xfrm>
           <a:prstGeom prst="rect">
             <a:avLst/>
@@ -10043,7 +10072,7 @@
         <p:spPr>
           <a:xfrm>
             <a:off x="4655880" y="476640"/>
-            <a:ext cx="2430720" cy="356760"/>
+            <a:ext cx="2430360" cy="356400"/>
           </a:xfrm>
           <a:prstGeom prst="rect">
             <a:avLst/>
@@ -10069,7 +10098,7 @@
         <p:spPr>
           <a:xfrm>
             <a:off x="494640" y="1523880"/>
-            <a:ext cx="10363320" cy="478440"/>
+            <a:ext cx="10362960" cy="478080"/>
           </a:xfrm>
           <a:prstGeom prst="rect">
             <a:avLst/>
@@ -10119,13 +10148,13 @@
         </p:nvPicPr>
         <p:blipFill>
           <a:blip r:embed="rId1"/>
-          <a:srcRect l="0" t="0" r="0" b="43284"/>
+          <a:srcRect l="0" t="0" r="0" b="43280"/>
           <a:stretch/>
         </p:blipFill>
         <p:spPr>
           <a:xfrm>
             <a:off x="609120" y="2057760"/>
-            <a:ext cx="9515880" cy="3880080"/>
+            <a:ext cx="9515520" cy="3879720"/>
           </a:xfrm>
           <a:prstGeom prst="rect">
             <a:avLst/>
@@ -10174,7 +10203,7 @@
         <p:spPr>
           <a:xfrm>
             <a:off x="335520" y="764640"/>
-            <a:ext cx="10744560" cy="495360"/>
+            <a:ext cx="10744200" cy="495000"/>
           </a:xfrm>
           <a:prstGeom prst="rect">
             <a:avLst/>
@@ -10225,7 +10254,7 @@
         <p:spPr>
           <a:xfrm>
             <a:off x="4655880" y="476640"/>
-            <a:ext cx="2430720" cy="356760"/>
+            <a:ext cx="2430360" cy="356400"/>
           </a:xfrm>
           <a:prstGeom prst="rect">
             <a:avLst/>
@@ -10251,7 +10280,7 @@
         <p:spPr>
           <a:xfrm>
             <a:off x="494640" y="1474920"/>
-            <a:ext cx="10363320" cy="478440"/>
+            <a:ext cx="10362960" cy="478080"/>
           </a:xfrm>
           <a:prstGeom prst="rect">
             <a:avLst/>
@@ -10317,7 +10346,7 @@
         <p:spPr>
           <a:xfrm>
             <a:off x="446400" y="2185200"/>
-            <a:ext cx="9403200" cy="3846240"/>
+            <a:ext cx="9402840" cy="3845880"/>
           </a:xfrm>
           <a:prstGeom prst="rect">
             <a:avLst/>
@@ -10366,7 +10395,7 @@
         <p:spPr>
           <a:xfrm>
             <a:off x="335520" y="764640"/>
-            <a:ext cx="10744560" cy="495360"/>
+            <a:ext cx="10744200" cy="495000"/>
           </a:xfrm>
           <a:prstGeom prst="rect">
             <a:avLst/>
@@ -10417,7 +10446,7 @@
         <p:spPr>
           <a:xfrm>
             <a:off x="4655880" y="476640"/>
-            <a:ext cx="2430720" cy="356760"/>
+            <a:ext cx="2430360" cy="356400"/>
           </a:xfrm>
           <a:prstGeom prst="rect">
             <a:avLst/>
@@ -10443,7 +10472,7 @@
         <p:spPr>
           <a:xfrm>
             <a:off x="494640" y="1523880"/>
-            <a:ext cx="10363320" cy="478440"/>
+            <a:ext cx="10362960" cy="478080"/>
           </a:xfrm>
           <a:prstGeom prst="rect">
             <a:avLst/>
@@ -10499,7 +10528,7 @@
         <p:spPr>
           <a:xfrm>
             <a:off x="494640" y="2088360"/>
-            <a:ext cx="8940960" cy="3962520"/>
+            <a:ext cx="8940600" cy="3962160"/>
           </a:xfrm>
           <a:prstGeom prst="rect">
             <a:avLst/>
@@ -10548,7 +10577,7 @@
         <p:spPr>
           <a:xfrm>
             <a:off x="335520" y="764640"/>
-            <a:ext cx="10744560" cy="495360"/>
+            <a:ext cx="10744200" cy="495000"/>
           </a:xfrm>
           <a:prstGeom prst="rect">
             <a:avLst/>
@@ -10599,7 +10628,7 @@
         <p:spPr>
           <a:xfrm>
             <a:off x="4655880" y="476640"/>
-            <a:ext cx="2430720" cy="356760"/>
+            <a:ext cx="2430360" cy="356400"/>
           </a:xfrm>
           <a:prstGeom prst="rect">
             <a:avLst/>
@@ -10625,7 +10654,7 @@
         <p:spPr>
           <a:xfrm>
             <a:off x="494640" y="1523880"/>
-            <a:ext cx="10363320" cy="478440"/>
+            <a:ext cx="10362960" cy="478080"/>
           </a:xfrm>
           <a:prstGeom prst="rect">
             <a:avLst/>
@@ -10681,7 +10710,7 @@
         <p:spPr>
           <a:xfrm>
             <a:off x="494640" y="2166840"/>
-            <a:ext cx="8336520" cy="4177800"/>
+            <a:ext cx="8336160" cy="4177440"/>
           </a:xfrm>
           <a:prstGeom prst="rect">
             <a:avLst/>
@@ -10730,7 +10759,7 @@
         <p:spPr>
           <a:xfrm>
             <a:off x="335520" y="768240"/>
-            <a:ext cx="10744560" cy="495360"/>
+            <a:ext cx="10744200" cy="495000"/>
           </a:xfrm>
           <a:prstGeom prst="rect">
             <a:avLst/>
@@ -10781,7 +10810,7 @@
         <p:spPr>
           <a:xfrm>
             <a:off x="388800" y="1488600"/>
-            <a:ext cx="10718280" cy="5204520"/>
+            <a:ext cx="10717920" cy="5204520"/>
           </a:xfrm>
           <a:prstGeom prst="rect">
             <a:avLst/>
@@ -10832,7 +10861,7 @@
             </a:endParaRPr>
           </a:p>
           <a:p>
-            <a:pPr marL="216000" indent="-212400">
+            <a:pPr marL="216000" indent="-212040">
               <a:lnSpc>
                 <a:spcPct val="100000"/>
               </a:lnSpc>
@@ -10888,7 +10917,7 @@
             </a:endParaRPr>
           </a:p>
           <a:p>
-            <a:pPr marL="216000" indent="-212400">
+            <a:pPr marL="216000" indent="-212040">
               <a:lnSpc>
                 <a:spcPct val="100000"/>
               </a:lnSpc>
@@ -10944,7 +10973,7 @@
             </a:endParaRPr>
           </a:p>
           <a:p>
-            <a:pPr marL="216000" indent="-212400">
+            <a:pPr marL="216000" indent="-212040">
               <a:lnSpc>
                 <a:spcPct val="100000"/>
               </a:lnSpc>
@@ -10970,7 +10999,7 @@
             </a:endParaRPr>
           </a:p>
           <a:p>
-            <a:pPr marL="216000" indent="-212400">
+            <a:pPr marL="216000" indent="-212040">
               <a:lnSpc>
                 <a:spcPct val="100000"/>
               </a:lnSpc>
@@ -11006,7 +11035,7 @@
             </a:endParaRPr>
           </a:p>
           <a:p>
-            <a:pPr marL="216000" indent="-212400">
+            <a:pPr marL="216000" indent="-212040">
               <a:lnSpc>
                 <a:spcPct val="100000"/>
               </a:lnSpc>
@@ -11032,7 +11061,7 @@
             </a:endParaRPr>
           </a:p>
           <a:p>
-            <a:pPr marL="216000" indent="-212400">
+            <a:pPr marL="216000" indent="-212040">
               <a:lnSpc>
                 <a:spcPct val="100000"/>
               </a:lnSpc>
@@ -11058,7 +11087,7 @@
             </a:endParaRPr>
           </a:p>
           <a:p>
-            <a:pPr marL="216000" indent="-212400">
+            <a:pPr marL="216000" indent="-212040">
               <a:lnSpc>
                 <a:spcPct val="100000"/>
               </a:lnSpc>
@@ -11094,7 +11123,7 @@
             </a:endParaRPr>
           </a:p>
           <a:p>
-            <a:pPr marL="216000" indent="-212400">
+            <a:pPr marL="216000" indent="-212040">
               <a:lnSpc>
                 <a:spcPct val="100000"/>
               </a:lnSpc>
@@ -11120,7 +11149,7 @@
             </a:endParaRPr>
           </a:p>
           <a:p>
-            <a:pPr marL="216000" indent="-212400">
+            <a:pPr marL="216000" indent="-212040">
               <a:lnSpc>
                 <a:spcPct val="100000"/>
               </a:lnSpc>
@@ -11166,7 +11195,7 @@
             </a:endParaRPr>
           </a:p>
           <a:p>
-            <a:pPr marL="216000" indent="-212400">
+            <a:pPr marL="216000" indent="-212040">
               <a:lnSpc>
                 <a:spcPct val="100000"/>
               </a:lnSpc>
@@ -11202,7 +11231,7 @@
             </a:endParaRPr>
           </a:p>
           <a:p>
-            <a:pPr marL="216000" indent="-212400">
+            <a:pPr marL="216000" indent="-212040">
               <a:lnSpc>
                 <a:spcPct val="100000"/>
               </a:lnSpc>
@@ -11268,7 +11297,7 @@
             </a:endParaRPr>
           </a:p>
           <a:p>
-            <a:pPr marL="216000" indent="-212400">
+            <a:pPr marL="216000" indent="-212040">
               <a:lnSpc>
                 <a:spcPct val="100000"/>
               </a:lnSpc>
@@ -11304,7 +11333,7 @@
             </a:endParaRPr>
           </a:p>
           <a:p>
-            <a:pPr marL="216000" indent="-212400">
+            <a:pPr marL="216000" indent="-212040">
               <a:lnSpc>
                 <a:spcPct val="100000"/>
               </a:lnSpc>
@@ -11370,7 +11399,7 @@
         <p:spPr>
           <a:xfrm>
             <a:off x="335520" y="764640"/>
-            <a:ext cx="10744560" cy="495360"/>
+            <a:ext cx="10744200" cy="495000"/>
           </a:xfrm>
           <a:prstGeom prst="rect">
             <a:avLst/>
@@ -11421,7 +11450,7 @@
         <p:spPr>
           <a:xfrm>
             <a:off x="494640" y="1523880"/>
-            <a:ext cx="10363320" cy="478440"/>
+            <a:ext cx="10362960" cy="478080"/>
           </a:xfrm>
           <a:prstGeom prst="rect">
             <a:avLst/>
@@ -11511,7 +11540,7 @@
         <p:spPr>
           <a:xfrm>
             <a:off x="1895760" y="2238840"/>
-            <a:ext cx="6785640" cy="4156560"/>
+            <a:ext cx="6785280" cy="4156200"/>
           </a:xfrm>
           <a:prstGeom prst="rect">
             <a:avLst/>
@@ -11560,7 +11589,7 @@
         <p:spPr>
           <a:xfrm>
             <a:off x="335520" y="764640"/>
-            <a:ext cx="10744560" cy="495360"/>
+            <a:ext cx="10744200" cy="495000"/>
           </a:xfrm>
           <a:prstGeom prst="rect">
             <a:avLst/>
@@ -11611,7 +11640,7 @@
         <p:spPr>
           <a:xfrm>
             <a:off x="494640" y="1488600"/>
-            <a:ext cx="5446080" cy="443160"/>
+            <a:ext cx="5445720" cy="442800"/>
           </a:xfrm>
           <a:prstGeom prst="rect">
             <a:avLst/>
@@ -11677,7 +11706,7 @@
         <p:spPr>
           <a:xfrm>
             <a:off x="1828800" y="1937160"/>
-            <a:ext cx="7953120" cy="4087440"/>
+            <a:ext cx="7952760" cy="4087080"/>
           </a:xfrm>
           <a:prstGeom prst="rect">
             <a:avLst/>
@@ -11726,7 +11755,7 @@
         <p:spPr>
           <a:xfrm>
             <a:off x="335520" y="764640"/>
-            <a:ext cx="10744560" cy="495360"/>
+            <a:ext cx="10744200" cy="495000"/>
           </a:xfrm>
           <a:prstGeom prst="rect">
             <a:avLst/>
@@ -11781,7 +11810,7 @@
         <p:spPr>
           <a:xfrm>
             <a:off x="2679480" y="2130480"/>
-            <a:ext cx="7373520" cy="3484440"/>
+            <a:ext cx="7373160" cy="3484080"/>
           </a:xfrm>
           <a:prstGeom prst="rect">
             <a:avLst/>
@@ -11800,7 +11829,7 @@
         <p:spPr>
           <a:xfrm>
             <a:off x="494640" y="1418040"/>
-            <a:ext cx="5217480" cy="443160"/>
+            <a:ext cx="5217120" cy="442800"/>
           </a:xfrm>
           <a:prstGeom prst="rect">
             <a:avLst/>
@@ -11881,7 +11910,7 @@
         <p:spPr>
           <a:xfrm>
             <a:off x="335520" y="764640"/>
-            <a:ext cx="10744560" cy="495360"/>
+            <a:ext cx="10744200" cy="495000"/>
           </a:xfrm>
           <a:prstGeom prst="rect">
             <a:avLst/>
@@ -11936,7 +11965,7 @@
         <p:spPr>
           <a:xfrm>
             <a:off x="2394720" y="1153800"/>
-            <a:ext cx="1467360" cy="2168640"/>
+            <a:ext cx="1467000" cy="2168280"/>
           </a:xfrm>
           <a:prstGeom prst="rect">
             <a:avLst/>
@@ -11959,7 +11988,7 @@
         <p:spPr>
           <a:xfrm>
             <a:off x="7250040" y="1153800"/>
-            <a:ext cx="1732680" cy="2168640"/>
+            <a:ext cx="1732320" cy="2168280"/>
           </a:xfrm>
           <a:prstGeom prst="rect">
             <a:avLst/>
@@ -11982,7 +12011,7 @@
         <p:spPr>
           <a:xfrm>
             <a:off x="4846320" y="4206240"/>
-            <a:ext cx="1781280" cy="1773360"/>
+            <a:ext cx="1780920" cy="1773000"/>
           </a:xfrm>
           <a:prstGeom prst="rect">
             <a:avLst/>
@@ -12001,7 +12030,7 @@
         <p:spPr>
           <a:xfrm>
             <a:off x="1330200" y="3269880"/>
-            <a:ext cx="3632040" cy="673560"/>
+            <a:ext cx="3631680" cy="673200"/>
           </a:xfrm>
           <a:prstGeom prst="rect">
             <a:avLst/>
@@ -12078,7 +12107,7 @@
         <p:spPr>
           <a:xfrm>
             <a:off x="6321600" y="3269880"/>
-            <a:ext cx="3632040" cy="673560"/>
+            <a:ext cx="3631680" cy="673200"/>
           </a:xfrm>
           <a:prstGeom prst="rect">
             <a:avLst/>
@@ -12155,7 +12184,7 @@
         <p:spPr>
           <a:xfrm>
             <a:off x="1312200" y="5920200"/>
-            <a:ext cx="3632040" cy="673560"/>
+            <a:ext cx="3631680" cy="673200"/>
           </a:xfrm>
           <a:prstGeom prst="rect">
             <a:avLst/>
@@ -12212,7 +12241,7 @@
         <p:spPr>
           <a:xfrm>
             <a:off x="3950640" y="5903280"/>
-            <a:ext cx="3632040" cy="673560"/>
+            <a:ext cx="3631680" cy="673200"/>
           </a:xfrm>
           <a:prstGeom prst="rect">
             <a:avLst/>
@@ -12323,7 +12352,7 @@
         <p:spPr>
           <a:xfrm>
             <a:off x="685800" y="2514600"/>
-            <a:ext cx="8871480" cy="3837960"/>
+            <a:ext cx="8871120" cy="3837600"/>
           </a:xfrm>
           <a:prstGeom prst="rect">
             <a:avLst/>
@@ -12342,7 +12371,7 @@
         <p:spPr>
           <a:xfrm>
             <a:off x="335520" y="764640"/>
-            <a:ext cx="10744560" cy="495360"/>
+            <a:ext cx="10744200" cy="495000"/>
           </a:xfrm>
           <a:prstGeom prst="rect">
             <a:avLst/>
@@ -12393,7 +12422,7 @@
         <p:spPr>
           <a:xfrm>
             <a:off x="494640" y="1312200"/>
-            <a:ext cx="1734480" cy="365760"/>
+            <a:ext cx="1734120" cy="365400"/>
           </a:xfrm>
           <a:prstGeom prst="rect">
             <a:avLst/>
@@ -12569,7 +12598,7 @@
         <p:spPr>
           <a:xfrm>
             <a:off x="642600" y="1679400"/>
-            <a:ext cx="4401360" cy="638280"/>
+            <a:ext cx="4401000" cy="638280"/>
           </a:xfrm>
           <a:prstGeom prst="rect">
             <a:avLst/>
@@ -12640,7 +12669,7 @@
         <p:spPr>
           <a:xfrm>
             <a:off x="6549480" y="1679400"/>
-            <a:ext cx="4875120" cy="631800"/>
+            <a:ext cx="4874760" cy="631440"/>
           </a:xfrm>
           <a:prstGeom prst="rect">
             <a:avLst/>
@@ -12711,7 +12740,7 @@
         <p:spPr>
           <a:xfrm>
             <a:off x="7839360" y="1679400"/>
-            <a:ext cx="2616480" cy="429120"/>
+            <a:ext cx="2616120" cy="428760"/>
           </a:xfrm>
           <a:prstGeom prst="rect">
             <a:avLst/>
@@ -12762,7 +12791,7 @@
         <p:spPr>
           <a:xfrm>
             <a:off x="8857440" y="3943440"/>
-            <a:ext cx="281160" cy="363960"/>
+            <a:ext cx="280800" cy="363960"/>
           </a:xfrm>
           <a:prstGeom prst="rect">
             <a:avLst/>
@@ -12813,7 +12842,7 @@
         <p:spPr>
           <a:xfrm>
             <a:off x="9537840" y="4548960"/>
-            <a:ext cx="281160" cy="363960"/>
+            <a:ext cx="280800" cy="363960"/>
           </a:xfrm>
           <a:prstGeom prst="rect">
             <a:avLst/>
@@ -12864,7 +12893,7 @@
         <p:spPr>
           <a:xfrm>
             <a:off x="7279920" y="6101280"/>
-            <a:ext cx="281520" cy="363960"/>
+            <a:ext cx="281160" cy="363960"/>
           </a:xfrm>
           <a:prstGeom prst="rect">
             <a:avLst/>
@@ -12950,7 +12979,7 @@
         <p:spPr>
           <a:xfrm>
             <a:off x="1058760" y="6130800"/>
-            <a:ext cx="281520" cy="363960"/>
+            <a:ext cx="281160" cy="363960"/>
           </a:xfrm>
           <a:prstGeom prst="rect">
             <a:avLst/>
@@ -13031,7 +13060,7 @@
         <p:spPr>
           <a:xfrm>
             <a:off x="335520" y="764640"/>
-            <a:ext cx="10744560" cy="495360"/>
+            <a:ext cx="10744200" cy="495000"/>
           </a:xfrm>
           <a:prstGeom prst="rect">
             <a:avLst/>
@@ -13082,7 +13111,7 @@
         <p:spPr>
           <a:xfrm>
             <a:off x="335520" y="1268640"/>
-            <a:ext cx="10744560" cy="5032080"/>
+            <a:ext cx="10744200" cy="5031720"/>
           </a:xfrm>
           <a:prstGeom prst="rect">
             <a:avLst/>
@@ -13103,7 +13132,7 @@
             <a:noAutofit/>
           </a:bodyPr>
           <a:p>
-            <a:pPr marL="216000" indent="-214200">
+            <a:pPr marL="216000" indent="-213840">
               <a:lnSpc>
                 <a:spcPct val="100000"/>
               </a:lnSpc>
@@ -13132,7 +13161,7 @@
             </a:endParaRPr>
           </a:p>
           <a:p>
-            <a:pPr lvl="1" marL="432000" indent="-214200">
+            <a:pPr lvl="1" marL="432000" indent="-213840">
               <a:lnSpc>
                 <a:spcPct val="100000"/>
               </a:lnSpc>
@@ -13174,7 +13203,7 @@
             </a:endParaRPr>
           </a:p>
           <a:p>
-            <a:pPr marL="216000" indent="-214200">
+            <a:pPr marL="216000" indent="-213840">
               <a:lnSpc>
                 <a:spcPct val="100000"/>
               </a:lnSpc>
@@ -13203,7 +13232,7 @@
             </a:endParaRPr>
           </a:p>
           <a:p>
-            <a:pPr lvl="1" marL="432000" indent="-214200">
+            <a:pPr lvl="1" marL="432000" indent="-213840">
               <a:lnSpc>
                 <a:spcPct val="100000"/>
               </a:lnSpc>
@@ -13242,7 +13271,7 @@
             </a:endParaRPr>
           </a:p>
           <a:p>
-            <a:pPr lvl="1" marL="432000" indent="-214200">
+            <a:pPr lvl="1" marL="432000" indent="-213840">
               <a:lnSpc>
                 <a:spcPct val="100000"/>
               </a:lnSpc>
@@ -13271,7 +13300,7 @@
             </a:endParaRPr>
           </a:p>
           <a:p>
-            <a:pPr lvl="1" marL="432000" indent="-214200">
+            <a:pPr lvl="1" marL="432000" indent="-213840">
               <a:lnSpc>
                 <a:spcPct val="100000"/>
               </a:lnSpc>
@@ -13353,7 +13382,7 @@
         <p:spPr>
           <a:xfrm>
             <a:off x="335520" y="764640"/>
-            <a:ext cx="10742760" cy="493560"/>
+            <a:ext cx="10742400" cy="493200"/>
           </a:xfrm>
           <a:prstGeom prst="rect">
             <a:avLst/>
@@ -13404,7 +13433,7 @@
         <p:spPr>
           <a:xfrm>
             <a:off x="335520" y="1268280"/>
-            <a:ext cx="10742760" cy="5030280"/>
+            <a:ext cx="10742400" cy="5029920"/>
           </a:xfrm>
           <a:prstGeom prst="rect">
             <a:avLst/>
@@ -13438,7 +13467,7 @@
             </a:endParaRPr>
           </a:p>
           <a:p>
-            <a:pPr marL="195120" indent="-188640">
+            <a:pPr marL="195120" indent="-188280">
               <a:lnSpc>
                 <a:spcPct val="100000"/>
               </a:lnSpc>
@@ -13494,7 +13523,7 @@
         <p:spPr>
           <a:xfrm>
             <a:off x="6285600" y="2132640"/>
-            <a:ext cx="512280" cy="492120"/>
+            <a:ext cx="511920" cy="491760"/>
           </a:xfrm>
           <a:prstGeom prst="star5">
             <a:avLst>
@@ -13536,7 +13565,7 @@
         <p:spPr>
           <a:xfrm>
             <a:off x="4089960" y="2247480"/>
-            <a:ext cx="2280600" cy="363960"/>
+            <a:ext cx="2280240" cy="363960"/>
           </a:xfrm>
           <a:prstGeom prst="rect">
             <a:avLst/>
@@ -13637,7 +13666,7 @@
         <p:spPr>
           <a:xfrm>
             <a:off x="335520" y="764640"/>
-            <a:ext cx="10742760" cy="493560"/>
+            <a:ext cx="10742400" cy="493200"/>
           </a:xfrm>
           <a:prstGeom prst="rect">
             <a:avLst/>
@@ -13688,7 +13717,7 @@
         <p:spPr>
           <a:xfrm>
             <a:off x="335520" y="1268640"/>
-            <a:ext cx="10742760" cy="5030280"/>
+            <a:ext cx="10742400" cy="5029920"/>
           </a:xfrm>
           <a:prstGeom prst="rect">
             <a:avLst/>
@@ -13709,7 +13738,7 @@
             <a:noAutofit/>
           </a:bodyPr>
           <a:p>
-            <a:pPr marL="195120" indent="-188640">
+            <a:pPr marL="195120" indent="-188280">
               <a:lnSpc>
                 <a:spcPct val="100000"/>
               </a:lnSpc>
@@ -13771,7 +13800,7 @@
             </a:endParaRPr>
           </a:p>
           <a:p>
-            <a:pPr marL="195120" indent="-188640">
+            <a:pPr marL="195120" indent="-188280">
               <a:lnSpc>
                 <a:spcPct val="100000"/>
               </a:lnSpc>
@@ -13820,7 +13849,7 @@
             </a:endParaRPr>
           </a:p>
           <a:p>
-            <a:pPr marL="195120" indent="-188640">
+            <a:pPr marL="195120" indent="-188280">
               <a:lnSpc>
                 <a:spcPct val="100000"/>
               </a:lnSpc>
@@ -13869,7 +13898,7 @@
             </a:endParaRPr>
           </a:p>
           <a:p>
-            <a:pPr marL="195120" indent="-188640">
+            <a:pPr marL="195120" indent="-188280">
               <a:lnSpc>
                 <a:spcPct val="100000"/>
               </a:lnSpc>
@@ -13918,7 +13947,7 @@
             </a:endParaRPr>
           </a:p>
           <a:p>
-            <a:pPr marL="195120" indent="-188640">
+            <a:pPr marL="195120" indent="-188280">
               <a:lnSpc>
                 <a:spcPct val="100000"/>
               </a:lnSpc>
@@ -13967,7 +13996,7 @@
             </a:endParaRPr>
           </a:p>
           <a:p>
-            <a:pPr marL="195120" indent="-188640">
+            <a:pPr marL="195120" indent="-188280">
               <a:lnSpc>
                 <a:spcPct val="100000"/>
               </a:lnSpc>
@@ -14016,7 +14045,7 @@
             </a:endParaRPr>
           </a:p>
           <a:p>
-            <a:pPr marL="195120" indent="-188640">
+            <a:pPr marL="195120" indent="-188280">
               <a:lnSpc>
                 <a:spcPct val="100000"/>
               </a:lnSpc>
@@ -14065,7 +14094,7 @@
             </a:endParaRPr>
           </a:p>
           <a:p>
-            <a:pPr marL="195120" indent="-188640">
+            <a:pPr marL="195120" indent="-188280">
               <a:lnSpc>
                 <a:spcPct val="100000"/>
               </a:lnSpc>
@@ -14154,7 +14183,7 @@
         <p:spPr>
           <a:xfrm>
             <a:off x="335520" y="764640"/>
-            <a:ext cx="10746000" cy="496800"/>
+            <a:ext cx="10745640" cy="496440"/>
           </a:xfrm>
           <a:prstGeom prst="rect">
             <a:avLst/>
@@ -14205,7 +14234,7 @@
         <p:spPr>
           <a:xfrm>
             <a:off x="335520" y="1268640"/>
-            <a:ext cx="10746000" cy="5033520"/>
+            <a:ext cx="10745640" cy="5033160"/>
           </a:xfrm>
           <a:prstGeom prst="rect">
             <a:avLst/>
@@ -14226,7 +14255,7 @@
             <a:noAutofit/>
           </a:bodyPr>
           <a:p>
-            <a:pPr marL="195120" indent="-188640">
+            <a:pPr marL="195120" indent="-188280">
               <a:lnSpc>
                 <a:spcPct val="100000"/>
               </a:lnSpc>
@@ -14275,7 +14304,7 @@
             </a:endParaRPr>
           </a:p>
           <a:p>
-            <a:pPr marL="195120" indent="-188640">
+            <a:pPr marL="195120" indent="-188280">
               <a:lnSpc>
                 <a:spcPct val="100000"/>
               </a:lnSpc>
@@ -14324,7 +14353,7 @@
             </a:endParaRPr>
           </a:p>
           <a:p>
-            <a:pPr marL="195120" indent="-188640">
+            <a:pPr marL="195120" indent="-188280">
               <a:lnSpc>
                 <a:spcPct val="100000"/>
               </a:lnSpc>
@@ -14413,7 +14442,7 @@
         <p:spPr>
           <a:xfrm>
             <a:off x="335520" y="764640"/>
-            <a:ext cx="10744560" cy="495360"/>
+            <a:ext cx="10744200" cy="495000"/>
           </a:xfrm>
           <a:prstGeom prst="rect">
             <a:avLst/>
@@ -14464,7 +14493,7 @@
         <p:spPr>
           <a:xfrm>
             <a:off x="335520" y="1268640"/>
-            <a:ext cx="10744560" cy="5032080"/>
+            <a:ext cx="10744200" cy="5031720"/>
           </a:xfrm>
           <a:prstGeom prst="rect">
             <a:avLst/>
@@ -14498,7 +14527,7 @@
             </a:endParaRPr>
           </a:p>
           <a:p>
-            <a:pPr marL="195120" indent="-190080">
+            <a:pPr marL="195120" indent="-189720">
               <a:lnSpc>
                 <a:spcPct val="100000"/>
               </a:lnSpc>
@@ -14569,7 +14598,7 @@
             </a:endParaRPr>
           </a:p>
           <a:p>
-            <a:pPr marL="195120" indent="-190080">
+            <a:pPr marL="195120" indent="-189720">
               <a:lnSpc>
                 <a:spcPct val="100000"/>
               </a:lnSpc>
@@ -14640,7 +14669,7 @@
             </a:endParaRPr>
           </a:p>
           <a:p>
-            <a:pPr marL="195120" indent="-190080">
+            <a:pPr marL="195120" indent="-189720">
               <a:lnSpc>
                 <a:spcPct val="100000"/>
               </a:lnSpc>
@@ -14689,7 +14718,7 @@
             </a:endParaRPr>
           </a:p>
           <a:p>
-            <a:pPr marL="195120" indent="-190080">
+            <a:pPr marL="195120" indent="-189720">
               <a:lnSpc>
                 <a:spcPct val="100000"/>
               </a:lnSpc>
@@ -14738,7 +14767,7 @@
             </a:endParaRPr>
           </a:p>
           <a:p>
-            <a:pPr marL="195120" indent="-190080">
+            <a:pPr marL="195120" indent="-189720">
               <a:lnSpc>
                 <a:spcPct val="100000"/>
               </a:lnSpc>
@@ -14787,7 +14816,7 @@
             </a:endParaRPr>
           </a:p>
           <a:p>
-            <a:pPr marL="195120" indent="-190080">
+            <a:pPr marL="195120" indent="-189720">
               <a:lnSpc>
                 <a:spcPct val="100000"/>
               </a:lnSpc>
@@ -14836,7 +14865,7 @@
             </a:endParaRPr>
           </a:p>
           <a:p>
-            <a:pPr marL="195120" indent="-190080">
+            <a:pPr marL="195120" indent="-189720">
               <a:lnSpc>
                 <a:spcPct val="100000"/>
               </a:lnSpc>
@@ -14925,7 +14954,7 @@
         <p:spPr>
           <a:xfrm>
             <a:off x="335520" y="764640"/>
-            <a:ext cx="10742760" cy="493560"/>
+            <a:ext cx="10742400" cy="493200"/>
           </a:xfrm>
           <a:prstGeom prst="rect">
             <a:avLst/>
@@ -14976,7 +15005,7 @@
         <p:spPr>
           <a:xfrm>
             <a:off x="335520" y="1268640"/>
-            <a:ext cx="10742760" cy="5030280"/>
+            <a:ext cx="10742400" cy="5029920"/>
           </a:xfrm>
           <a:prstGeom prst="rect">
             <a:avLst/>
@@ -14997,7 +15026,7 @@
             <a:noAutofit/>
           </a:bodyPr>
           <a:p>
-            <a:pPr marL="195120" indent="-188640">
+            <a:pPr marL="195120" indent="-188280">
               <a:lnSpc>
                 <a:spcPct val="100000"/>
               </a:lnSpc>
@@ -15038,7 +15067,7 @@
             </a:endParaRPr>
           </a:p>
           <a:p>
-            <a:pPr marL="195120" indent="-188640">
+            <a:pPr marL="195120" indent="-188280">
               <a:lnSpc>
                 <a:spcPct val="100000"/>
               </a:lnSpc>
@@ -15089,7 +15118,7 @@
             </a:endParaRPr>
           </a:p>
           <a:p>
-            <a:pPr marL="195120" indent="-188640">
+            <a:pPr marL="195120" indent="-188280">
               <a:lnSpc>
                 <a:spcPct val="100000"/>
               </a:lnSpc>
@@ -15130,7 +15159,7 @@
             </a:endParaRPr>
           </a:p>
           <a:p>
-            <a:pPr marL="195120" indent="-188640">
+            <a:pPr marL="195120" indent="-188280">
               <a:lnSpc>
                 <a:spcPct val="100000"/>
               </a:lnSpc>
@@ -15159,7 +15188,7 @@
             </a:endParaRPr>
           </a:p>
           <a:p>
-            <a:pPr lvl="1" marL="432000" indent="-214920">
+            <a:pPr lvl="1" marL="432000" indent="-214560">
               <a:lnSpc>
                 <a:spcPct val="100000"/>
               </a:lnSpc>
@@ -15207,7 +15236,7 @@
             </a:endParaRPr>
           </a:p>
           <a:p>
-            <a:pPr lvl="1" marL="432000" indent="-214920">
+            <a:pPr lvl="1" marL="432000" indent="-214560">
               <a:lnSpc>
                 <a:spcPct val="100000"/>
               </a:lnSpc>
@@ -15258,7 +15287,7 @@
             </a:endParaRPr>
           </a:p>
           <a:p>
-            <a:pPr lvl="1" marL="432000" indent="-214920">
+            <a:pPr lvl="1" marL="432000" indent="-214560">
               <a:lnSpc>
                 <a:spcPct val="100000"/>
               </a:lnSpc>
@@ -15349,7 +15378,7 @@
         <p:spPr>
           <a:xfrm>
             <a:off x="335520" y="1268640"/>
-            <a:ext cx="10744560" cy="5032080"/>
+            <a:ext cx="10744200" cy="5031720"/>
           </a:xfrm>
           <a:prstGeom prst="rect">
             <a:avLst/>
@@ -15406,7 +15435,7 @@
         <p:spPr>
           <a:xfrm>
             <a:off x="335520" y="764640"/>
-            <a:ext cx="10744560" cy="495360"/>
+            <a:ext cx="10744200" cy="495000"/>
           </a:xfrm>
           <a:prstGeom prst="rect">
             <a:avLst/>
@@ -15462,7 +15491,7 @@
         <p:spPr>
           <a:xfrm>
             <a:off x="542880" y="721800"/>
-            <a:ext cx="10348920" cy="489600"/>
+            <a:ext cx="10348560" cy="489240"/>
           </a:xfrm>
           <a:prstGeom prst="rect">
             <a:avLst/>
@@ -15513,7 +15542,7 @@
         <p:spPr>
           <a:xfrm>
             <a:off x="451800" y="1709280"/>
-            <a:ext cx="8216280" cy="4344480"/>
+            <a:ext cx="8215920" cy="4344120"/>
           </a:xfrm>
           <a:prstGeom prst="rect">
             <a:avLst/>
@@ -15539,7 +15568,7 @@
         <p:spPr>
           <a:xfrm>
             <a:off x="609480" y="1769400"/>
-            <a:ext cx="10579320" cy="4847400"/>
+            <a:ext cx="10578960" cy="4847040"/>
           </a:xfrm>
           <a:prstGeom prst="rect">
             <a:avLst/>
@@ -15560,7 +15589,7 @@
             <a:normAutofit/>
           </a:bodyPr>
           <a:p>
-            <a:pPr marL="216000" indent="-210960">
+            <a:pPr marL="216000" indent="-210600">
               <a:lnSpc>
                 <a:spcPct val="90000"/>
               </a:lnSpc>
@@ -15669,7 +15698,7 @@
             </a:endParaRPr>
           </a:p>
           <a:p>
-            <a:pPr marL="216000" indent="-210960">
+            <a:pPr marL="216000" indent="-210600">
               <a:lnSpc>
                 <a:spcPct val="100000"/>
               </a:lnSpc>
@@ -15698,7 +15727,7 @@
             </a:endParaRPr>
           </a:p>
           <a:p>
-            <a:pPr lvl="1" marL="685800" indent="-223560">
+            <a:pPr lvl="1" marL="685800" indent="-223200">
               <a:lnSpc>
                 <a:spcPct val="100000"/>
               </a:lnSpc>
@@ -15727,7 +15756,7 @@
             </a:endParaRPr>
           </a:p>
           <a:p>
-            <a:pPr lvl="1" marL="685800" indent="-223560">
+            <a:pPr lvl="1" marL="685800" indent="-223200">
               <a:lnSpc>
                 <a:spcPct val="100000"/>
               </a:lnSpc>
@@ -15756,7 +15785,7 @@
             </a:endParaRPr>
           </a:p>
           <a:p>
-            <a:pPr lvl="1" marL="685800" indent="-223560">
+            <a:pPr lvl="1" marL="685800" indent="-223200">
               <a:lnSpc>
                 <a:spcPct val="100000"/>
               </a:lnSpc>
@@ -15785,7 +15814,7 @@
             </a:endParaRPr>
           </a:p>
           <a:p>
-            <a:pPr lvl="1" marL="685800" indent="-223560">
+            <a:pPr lvl="1" marL="685800" indent="-223200">
               <a:lnSpc>
                 <a:spcPct val="100000"/>
               </a:lnSpc>
@@ -15814,7 +15843,7 @@
             </a:endParaRPr>
           </a:p>
           <a:p>
-            <a:pPr marL="216000" indent="-210960">
+            <a:pPr marL="216000" indent="-210600">
               <a:lnSpc>
                 <a:spcPct val="100000"/>
               </a:lnSpc>
@@ -15843,7 +15872,7 @@
             </a:endParaRPr>
           </a:p>
           <a:p>
-            <a:pPr lvl="1" marL="685800" indent="-223560">
+            <a:pPr lvl="1" marL="685800" indent="-223200">
               <a:lnSpc>
                 <a:spcPct val="100000"/>
               </a:lnSpc>
@@ -15872,7 +15901,7 @@
             </a:endParaRPr>
           </a:p>
           <a:p>
-            <a:pPr lvl="1" marL="685800" indent="-223560">
+            <a:pPr lvl="1" marL="685800" indent="-223200">
               <a:lnSpc>
                 <a:spcPct val="100000"/>
               </a:lnSpc>
@@ -15941,7 +15970,7 @@
         <p:spPr>
           <a:xfrm>
             <a:off x="542880" y="721800"/>
-            <a:ext cx="10348920" cy="489600"/>
+            <a:ext cx="10348560" cy="489240"/>
           </a:xfrm>
           <a:prstGeom prst="rect">
             <a:avLst/>
@@ -15992,7 +16021,7 @@
         <p:spPr>
           <a:xfrm>
             <a:off x="451800" y="1709280"/>
-            <a:ext cx="8216280" cy="4344480"/>
+            <a:ext cx="8215920" cy="4344120"/>
           </a:xfrm>
           <a:prstGeom prst="rect">
             <a:avLst/>
@@ -16018,7 +16047,7 @@
         <p:spPr>
           <a:xfrm>
             <a:off x="609480" y="1769400"/>
-            <a:ext cx="10579320" cy="4847400"/>
+            <a:ext cx="10578960" cy="4847040"/>
           </a:xfrm>
           <a:prstGeom prst="rect">
             <a:avLst/>
@@ -16039,7 +16068,7 @@
             <a:normAutofit/>
           </a:bodyPr>
           <a:p>
-            <a:pPr marL="216000" indent="-210960">
+            <a:pPr marL="216000" indent="-210600">
               <a:lnSpc>
                 <a:spcPct val="90000"/>
               </a:lnSpc>
@@ -16090,7 +16119,7 @@
             </a:endParaRPr>
           </a:p>
           <a:p>
-            <a:pPr lvl="1" marL="685800" indent="-223560">
+            <a:pPr lvl="1" marL="685800" indent="-223200">
               <a:lnSpc>
                 <a:spcPct val="100000"/>
               </a:lnSpc>
@@ -16119,7 +16148,7 @@
             </a:endParaRPr>
           </a:p>
           <a:p>
-            <a:pPr lvl="1" marL="685800" indent="-223560">
+            <a:pPr lvl="1" marL="685800" indent="-223200">
               <a:lnSpc>
                 <a:spcPct val="100000"/>
               </a:lnSpc>
@@ -16161,7 +16190,7 @@
             </a:endParaRPr>
           </a:p>
           <a:p>
-            <a:pPr marL="216000" indent="-210960">
+            <a:pPr marL="216000" indent="-210600">
               <a:lnSpc>
                 <a:spcPct val="90000"/>
               </a:lnSpc>
@@ -16193,7 +16222,7 @@
             </a:endParaRPr>
           </a:p>
           <a:p>
-            <a:pPr lvl="1" marL="685800" indent="-223560">
+            <a:pPr lvl="1" marL="685800" indent="-223200">
               <a:lnSpc>
                 <a:spcPct val="100000"/>
               </a:lnSpc>
@@ -16247,7 +16276,7 @@
             </a:endParaRPr>
           </a:p>
           <a:p>
-            <a:pPr lvl="1" marL="685800" indent="-223560">
+            <a:pPr lvl="1" marL="685800" indent="-223200">
               <a:lnSpc>
                 <a:spcPct val="100000"/>
               </a:lnSpc>
@@ -16301,7 +16330,7 @@
             </a:endParaRPr>
           </a:p>
           <a:p>
-            <a:pPr marL="228600" indent="-223560">
+            <a:pPr marL="228600" indent="-223200">
               <a:lnSpc>
                 <a:spcPct val="90000"/>
               </a:lnSpc>
@@ -16317,7 +16346,7 @@
             </a:endParaRPr>
           </a:p>
           <a:p>
-            <a:pPr marL="228600" indent="-223560" algn="ctr">
+            <a:pPr marL="228600" indent="-223200" algn="ctr">
               <a:lnSpc>
                 <a:spcPct val="90000"/>
               </a:lnSpc>
@@ -16343,7 +16372,7 @@
             </a:endParaRPr>
           </a:p>
           <a:p>
-            <a:pPr marL="457200" indent="-223560" algn="ctr">
+            <a:pPr marL="457200" indent="-223200" algn="ctr">
               <a:lnSpc>
                 <a:spcPct val="90000"/>
               </a:lnSpc>
@@ -16419,7 +16448,7 @@
         <p:spPr>
           <a:xfrm>
             <a:off x="542880" y="721800"/>
-            <a:ext cx="10348920" cy="489600"/>
+            <a:ext cx="10348560" cy="489240"/>
           </a:xfrm>
           <a:prstGeom prst="rect">
             <a:avLst/>
@@ -16470,7 +16499,7 @@
         <p:spPr>
           <a:xfrm>
             <a:off x="451800" y="1709280"/>
-            <a:ext cx="8216280" cy="4344480"/>
+            <a:ext cx="8215920" cy="4344120"/>
           </a:xfrm>
           <a:prstGeom prst="rect">
             <a:avLst/>
@@ -16496,7 +16525,7 @@
         <p:spPr>
           <a:xfrm>
             <a:off x="609480" y="1769400"/>
-            <a:ext cx="10579320" cy="4847400"/>
+            <a:ext cx="10578960" cy="4847040"/>
           </a:xfrm>
           <a:prstGeom prst="rect">
             <a:avLst/>
@@ -16517,7 +16546,7 @@
             <a:normAutofit/>
           </a:bodyPr>
           <a:p>
-            <a:pPr marL="216000" indent="-210960">
+            <a:pPr marL="216000" indent="-210600">
               <a:lnSpc>
                 <a:spcPct val="90000"/>
               </a:lnSpc>
@@ -16568,7 +16597,7 @@
             </a:endParaRPr>
           </a:p>
           <a:p>
-            <a:pPr lvl="1" marL="685800" indent="-223560">
+            <a:pPr lvl="1" marL="685800" indent="-223200">
               <a:lnSpc>
                 <a:spcPct val="100000"/>
               </a:lnSpc>
@@ -16597,7 +16626,7 @@
             </a:endParaRPr>
           </a:p>
           <a:p>
-            <a:pPr lvl="1" marL="685800" indent="-223560">
+            <a:pPr lvl="1" marL="685800" indent="-223200">
               <a:lnSpc>
                 <a:spcPct val="100000"/>
               </a:lnSpc>
@@ -16639,7 +16668,7 @@
             </a:endParaRPr>
           </a:p>
           <a:p>
-            <a:pPr marL="216000" indent="-210960">
+            <a:pPr marL="216000" indent="-210600">
               <a:lnSpc>
                 <a:spcPct val="90000"/>
               </a:lnSpc>
@@ -16671,7 +16700,7 @@
             </a:endParaRPr>
           </a:p>
           <a:p>
-            <a:pPr lvl="1" marL="685800" indent="-223560">
+            <a:pPr lvl="1" marL="685800" indent="-223200">
               <a:lnSpc>
                 <a:spcPct val="100000"/>
               </a:lnSpc>
@@ -16725,7 +16754,7 @@
             </a:endParaRPr>
           </a:p>
           <a:p>
-            <a:pPr lvl="1" marL="685800" indent="-223560">
+            <a:pPr lvl="1" marL="685800" indent="-223200">
               <a:lnSpc>
                 <a:spcPct val="100000"/>
               </a:lnSpc>
@@ -16779,7 +16808,7 @@
             </a:endParaRPr>
           </a:p>
           <a:p>
-            <a:pPr marL="228600" indent="-223560">
+            <a:pPr marL="228600" indent="-223200">
               <a:lnSpc>
                 <a:spcPct val="90000"/>
               </a:lnSpc>
@@ -16795,7 +16824,7 @@
             </a:endParaRPr>
           </a:p>
           <a:p>
-            <a:pPr marL="228600" indent="-223560" algn="ctr">
+            <a:pPr marL="228600" indent="-223200" algn="ctr">
               <a:lnSpc>
                 <a:spcPct val="90000"/>
               </a:lnSpc>
@@ -16821,7 +16850,7 @@
             </a:endParaRPr>
           </a:p>
           <a:p>
-            <a:pPr marL="457200" indent="-223560" algn="ctr">
+            <a:pPr marL="457200" indent="-223200" algn="ctr">
               <a:lnSpc>
                 <a:spcPct val="90000"/>
               </a:lnSpc>
@@ -16897,7 +16926,7 @@
         <p:spPr>
           <a:xfrm>
             <a:off x="335520" y="764640"/>
-            <a:ext cx="10744560" cy="495360"/>
+            <a:ext cx="10744200" cy="495000"/>
           </a:xfrm>
           <a:prstGeom prst="rect">
             <a:avLst/>
@@ -16948,7 +16977,7 @@
         <p:spPr>
           <a:xfrm>
             <a:off x="335520" y="2408400"/>
-            <a:ext cx="10744560" cy="3892320"/>
+            <a:ext cx="10744200" cy="3891960"/>
           </a:xfrm>
           <a:prstGeom prst="rect">
             <a:avLst/>
@@ -16969,7 +16998,7 @@
             <a:noAutofit/>
           </a:bodyPr>
           <a:p>
-            <a:pPr marL="195120" indent="-190080">
+            <a:pPr marL="195120" indent="-189720">
               <a:lnSpc>
                 <a:spcPct val="100000"/>
               </a:lnSpc>
@@ -17038,7 +17067,7 @@
         <p:spPr>
           <a:xfrm>
             <a:off x="335520" y="764640"/>
-            <a:ext cx="10744560" cy="495360"/>
+            <a:ext cx="10744200" cy="495000"/>
           </a:xfrm>
           <a:prstGeom prst="rect">
             <a:avLst/>
@@ -17089,7 +17118,7 @@
         <p:spPr>
           <a:xfrm>
             <a:off x="335520" y="2408400"/>
-            <a:ext cx="10744560" cy="3892320"/>
+            <a:ext cx="10744200" cy="3891960"/>
           </a:xfrm>
           <a:prstGeom prst="rect">
             <a:avLst/>
@@ -17110,7 +17139,7 @@
             <a:noAutofit/>
           </a:bodyPr>
           <a:p>
-            <a:pPr marL="195120" indent="-190080">
+            <a:pPr marL="195120" indent="-189720">
               <a:lnSpc>
                 <a:spcPct val="100000"/>
               </a:lnSpc>
@@ -17139,7 +17168,7 @@
             </a:endParaRPr>
           </a:p>
           <a:p>
-            <a:pPr marL="195120" indent="-190080">
+            <a:pPr marL="195120" indent="-189720">
               <a:lnSpc>
                 <a:spcPct val="100000"/>
               </a:lnSpc>
@@ -17208,7 +17237,7 @@
         <p:spPr>
           <a:xfrm>
             <a:off x="335520" y="764640"/>
-            <a:ext cx="10744560" cy="495360"/>
+            <a:ext cx="10744200" cy="495000"/>
           </a:xfrm>
           <a:prstGeom prst="rect">
             <a:avLst/>
@@ -17259,7 +17288,7 @@
         <p:spPr>
           <a:xfrm>
             <a:off x="335520" y="2408400"/>
-            <a:ext cx="10744560" cy="3892320"/>
+            <a:ext cx="10744200" cy="3891960"/>
           </a:xfrm>
           <a:prstGeom prst="rect">
             <a:avLst/>
@@ -17280,7 +17309,7 @@
             <a:noAutofit/>
           </a:bodyPr>
           <a:p>
-            <a:pPr marL="195120" indent="-190080">
+            <a:pPr marL="195120" indent="-189720">
               <a:lnSpc>
                 <a:spcPct val="100000"/>
               </a:lnSpc>
@@ -17309,7 +17338,7 @@
             </a:endParaRPr>
           </a:p>
           <a:p>
-            <a:pPr marL="195120" indent="-190080">
+            <a:pPr marL="195120" indent="-189720">
               <a:lnSpc>
                 <a:spcPct val="100000"/>
               </a:lnSpc>
@@ -17338,7 +17367,7 @@
             </a:endParaRPr>
           </a:p>
           <a:p>
-            <a:pPr marL="195120" indent="-190080">
+            <a:pPr marL="195120" indent="-189720">
               <a:lnSpc>
                 <a:spcPct val="100000"/>
               </a:lnSpc>

--- a/Emerging-Technologies-for-the-Circular-Economy/ETCE-L00-Organization.pptx
+++ b/Emerging-Technologies-for-the-Circular-Economy/ETCE-L00-Organization.pptx
@@ -80,8 +80,8 @@
         </p:nvSpPr>
         <p:spPr>
           <a:xfrm>
-            <a:off x="216000" y="812520"/>
-            <a:ext cx="7127280" cy="4008960"/>
+            <a:off x="533520" y="764280"/>
+            <a:ext cx="6704640" cy="3771360"/>
           </a:xfrm>
           <a:prstGeom prst="rect">
             <a:avLst/>
@@ -98,7 +98,7 @@
           <a:p>
             <a:pPr algn="ctr"/>
             <a:r>
-              <a:rPr b="0" lang="en-GB" sz="4400" spc="-1" strike="noStrike">
+              <a:rPr b="0" lang="en-US" sz="4400" spc="-1" strike="noStrike">
                 <a:solidFill>
                   <a:srgbClr val="000000"/>
                 </a:solidFill>
@@ -106,7 +106,7 @@
               </a:rPr>
               <a:t>Click to move the slide</a:t>
             </a:r>
-            <a:endParaRPr b="0" lang="en-GB" sz="4400" spc="-1" strike="noStrike">
+            <a:endParaRPr b="0" lang="en-US" sz="4400" spc="-1" strike="noStrike">
               <a:solidFill>
                 <a:srgbClr val="000000"/>
               </a:solidFill>
@@ -127,8 +127,8 @@
         </p:nvSpPr>
         <p:spPr>
           <a:xfrm>
-            <a:off x="756000" y="5078520"/>
-            <a:ext cx="6047640" cy="4811040"/>
+            <a:off x="777240" y="4777560"/>
+            <a:ext cx="6217560" cy="4525920"/>
           </a:xfrm>
           <a:prstGeom prst="rect">
             <a:avLst/>
@@ -147,15 +147,15 @@
               <a:buNone/>
             </a:pPr>
             <a:r>
-              <a:rPr b="0" lang="en-GB" sz="2000" spc="-1" strike="noStrike">
+              <a:rPr b="0" lang="en-US" sz="2000" spc="-1" strike="noStrike">
                 <a:solidFill>
                   <a:srgbClr val="000000"/>
                 </a:solidFill>
                 <a:latin typeface="Arial"/>
               </a:rPr>
-              <a:t>Click to edit the notes' format</a:t>
-            </a:r>
-            <a:endParaRPr b="0" lang="en-GB" sz="2000" spc="-1" strike="noStrike">
+              <a:t>Click to edit the notes format</a:t>
+            </a:r>
+            <a:endParaRPr b="0" lang="en-US" sz="2000" spc="-1" strike="noStrike">
               <a:solidFill>
                 <a:srgbClr val="000000"/>
               </a:solidFill>
@@ -177,7 +177,7 @@
         <p:spPr>
           <a:xfrm>
             <a:off x="0" y="0"/>
-            <a:ext cx="3280680" cy="534240"/>
+            <a:ext cx="3372840" cy="502560"/>
           </a:xfrm>
           <a:prstGeom prst="rect">
             <a:avLst/>
@@ -196,7 +196,7 @@
               <a:buNone/>
             </a:pPr>
             <a:r>
-              <a:rPr b="0" lang="en-GB" sz="1400" spc="-1" strike="noStrike">
+              <a:rPr b="0" lang="en-US" sz="1400" spc="-1" strike="noStrike">
                 <a:solidFill>
                   <a:srgbClr val="000000"/>
                 </a:solidFill>
@@ -204,7 +204,7 @@
               </a:rPr>
               <a:t>&lt;header&gt;</a:t>
             </a:r>
-            <a:endParaRPr b="0" lang="en-GB" sz="1400" spc="-1" strike="noStrike">
+            <a:endParaRPr b="0" lang="en-US" sz="1400" spc="-1" strike="noStrike">
               <a:solidFill>
                 <a:srgbClr val="000000"/>
               </a:solidFill>
@@ -225,8 +225,8 @@
         </p:nvSpPr>
         <p:spPr>
           <a:xfrm>
-            <a:off x="4278960" y="0"/>
-            <a:ext cx="3280680" cy="534240"/>
+            <a:off x="4399200" y="0"/>
+            <a:ext cx="3372840" cy="502560"/>
           </a:xfrm>
           <a:prstGeom prst="rect">
             <a:avLst/>
@@ -243,7 +243,7 @@
           <a:lstStyle>
             <a:lvl1pPr indent="0" algn="r">
               <a:buNone/>
-              <a:defRPr b="0" lang="en-GB" sz="1400" spc="-1" strike="noStrike">
+              <a:defRPr b="0" lang="en-US" sz="1400" spc="-1" strike="noStrike">
                 <a:solidFill>
                   <a:srgbClr val="000000"/>
                 </a:solidFill>
@@ -256,7 +256,7 @@
               <a:buNone/>
             </a:pPr>
             <a:r>
-              <a:rPr b="0" lang="en-GB" sz="1400" spc="-1" strike="noStrike">
+              <a:rPr b="0" lang="en-US" sz="1400" spc="-1" strike="noStrike">
                 <a:solidFill>
                   <a:srgbClr val="000000"/>
                 </a:solidFill>
@@ -264,7 +264,7 @@
               </a:rPr>
               <a:t>&lt;date/time&gt;</a:t>
             </a:r>
-            <a:endParaRPr b="0" lang="en-GB" sz="1400" spc="-1" strike="noStrike">
+            <a:endParaRPr b="0" lang="en-US" sz="1400" spc="-1" strike="noStrike">
               <a:solidFill>
                 <a:srgbClr val="000000"/>
               </a:solidFill>
@@ -285,8 +285,8 @@
         </p:nvSpPr>
         <p:spPr>
           <a:xfrm>
-            <a:off x="0" y="10157400"/>
-            <a:ext cx="3280680" cy="534240"/>
+            <a:off x="0" y="9555480"/>
+            <a:ext cx="3372840" cy="502560"/>
           </a:xfrm>
           <a:prstGeom prst="rect">
             <a:avLst/>
@@ -303,7 +303,7 @@
           <a:lstStyle>
             <a:lvl1pPr indent="0">
               <a:buNone/>
-              <a:defRPr b="0" lang="en-GB" sz="1400" spc="-1" strike="noStrike">
+              <a:defRPr b="0" lang="en-US" sz="1400" spc="-1" strike="noStrike">
                 <a:solidFill>
                   <a:srgbClr val="000000"/>
                 </a:solidFill>
@@ -316,7 +316,7 @@
               <a:buNone/>
             </a:pPr>
             <a:r>
-              <a:rPr b="0" lang="en-GB" sz="1400" spc="-1" strike="noStrike">
+              <a:rPr b="0" lang="en-US" sz="1400" spc="-1" strike="noStrike">
                 <a:solidFill>
                   <a:srgbClr val="000000"/>
                 </a:solidFill>
@@ -324,7 +324,7 @@
               </a:rPr>
               <a:t>&lt;footer&gt;</a:t>
             </a:r>
-            <a:endParaRPr b="0" lang="en-GB" sz="1400" spc="-1" strike="noStrike">
+            <a:endParaRPr b="0" lang="en-US" sz="1400" spc="-1" strike="noStrike">
               <a:solidFill>
                 <a:srgbClr val="000000"/>
               </a:solidFill>
@@ -345,8 +345,8 @@
         </p:nvSpPr>
         <p:spPr>
           <a:xfrm>
-            <a:off x="4278960" y="10157400"/>
-            <a:ext cx="3280680" cy="534240"/>
+            <a:off x="4399200" y="9555480"/>
+            <a:ext cx="3372840" cy="502560"/>
           </a:xfrm>
           <a:prstGeom prst="rect">
             <a:avLst/>
@@ -363,7 +363,7 @@
           <a:lstStyle>
             <a:lvl1pPr indent="0" algn="r">
               <a:buNone/>
-              <a:defRPr b="0" lang="en-GB" sz="1400" spc="-1" strike="noStrike">
+              <a:defRPr b="0" lang="en-US" sz="1400" spc="-1" strike="noStrike">
                 <a:solidFill>
                   <a:srgbClr val="000000"/>
                 </a:solidFill>
@@ -375,8 +375,8 @@
             <a:pPr indent="0" algn="r">
               <a:buNone/>
             </a:pPr>
-            <a:fld id="{1EB599FF-5ACE-4C17-872B-735073886E0C}" type="slidenum">
-              <a:rPr b="0" lang="en-GB" sz="1400" spc="-1" strike="noStrike">
+            <a:fld id="{F1217A34-BB34-4E02-A628-9F417A3879D0}" type="slidenum">
+              <a:rPr b="0" lang="en-US" sz="1400" spc="-1" strike="noStrike">
                 <a:solidFill>
                   <a:srgbClr val="000000"/>
                 </a:solidFill>
@@ -384,7 +384,7 @@
               </a:rPr>
               <a:t>&lt;number&gt;</a:t>
             </a:fld>
-            <a:endParaRPr b="0" lang="en-GB" sz="1400" spc="-1" strike="noStrike">
+            <a:endParaRPr b="0" lang="en-US" sz="1400" spc="-1" strike="noStrike">
               <a:solidFill>
                 <a:srgbClr val="000000"/>
               </a:solidFill>
@@ -429,7 +429,7 @@
         <p:spPr>
           <a:xfrm>
             <a:off x="533520" y="763560"/>
-            <a:ext cx="6691320" cy="3759480"/>
+            <a:ext cx="6690960" cy="3759120"/>
           </a:xfrm>
           <a:prstGeom prst="rect">
             <a:avLst/>
@@ -452,7 +452,7 @@
         <p:spPr>
           <a:xfrm>
             <a:off x="777240" y="4777560"/>
-            <a:ext cx="6204960" cy="4513320"/>
+            <a:ext cx="6204600" cy="4512960"/>
           </a:xfrm>
           <a:prstGeom prst="rect">
             <a:avLst/>
@@ -470,7 +470,7 @@
             <a:pPr marL="216000" indent="0">
               <a:buNone/>
             </a:pPr>
-            <a:endParaRPr b="0" lang="en-GB" sz="1800" spc="-1" strike="noStrike">
+            <a:endParaRPr b="0" lang="en-US" sz="1800" spc="-1" strike="noStrike">
               <a:solidFill>
                 <a:srgbClr val="000000"/>
               </a:solidFill>
@@ -488,7 +488,7 @@
         <p:spPr>
           <a:xfrm>
             <a:off x="4399200" y="9555480"/>
-            <a:ext cx="3360240" cy="489960"/>
+            <a:ext cx="3359880" cy="489600"/>
           </a:xfrm>
           <a:prstGeom prst="rect">
             <a:avLst/>
@@ -514,7 +514,7 @@
                 <a:spcPct val="100000"/>
               </a:lnSpc>
             </a:pPr>
-            <a:fld id="{4FCF3497-DAB2-4E47-A476-DE4EB01C0142}" type="slidenum">
+            <a:fld id="{34728C17-D9CC-4738-AA11-A39C0C962703}" type="slidenum">
               <a:rPr b="0" lang="de-DE" sz="1800" spc="-1" strike="noStrike">
                 <a:solidFill>
                   <a:srgbClr val="000000"/>
@@ -524,7 +524,7 @@
               </a:rPr>
               <a:t>6</a:t>
             </a:fld>
-            <a:endParaRPr b="0" lang="en-GB" sz="1800" spc="-1" strike="noStrike">
+            <a:endParaRPr b="0" lang="en-US" sz="1800" spc="-1" strike="noStrike">
               <a:solidFill>
                 <a:srgbClr val="000000"/>
               </a:solidFill>
@@ -568,7 +568,7 @@
         <p:spPr>
           <a:xfrm>
             <a:off x="533520" y="763560"/>
-            <a:ext cx="6691320" cy="3759480"/>
+            <a:ext cx="6690960" cy="3759120"/>
           </a:xfrm>
           <a:prstGeom prst="rect">
             <a:avLst/>
@@ -591,7 +591,7 @@
         <p:spPr>
           <a:xfrm>
             <a:off x="777240" y="4777560"/>
-            <a:ext cx="6204960" cy="4513320"/>
+            <a:ext cx="6204600" cy="4512960"/>
           </a:xfrm>
           <a:prstGeom prst="rect">
             <a:avLst/>
@@ -609,7 +609,7 @@
             <a:pPr marL="216000" indent="0">
               <a:buNone/>
             </a:pPr>
-            <a:endParaRPr b="0" lang="en-GB" sz="1800" spc="-1" strike="noStrike">
+            <a:endParaRPr b="0" lang="en-US" sz="1800" spc="-1" strike="noStrike">
               <a:solidFill>
                 <a:srgbClr val="000000"/>
               </a:solidFill>
@@ -627,7 +627,7 @@
         <p:spPr>
           <a:xfrm>
             <a:off x="4399200" y="9555480"/>
-            <a:ext cx="3360240" cy="489960"/>
+            <a:ext cx="3359880" cy="489600"/>
           </a:xfrm>
           <a:prstGeom prst="rect">
             <a:avLst/>
@@ -653,7 +653,7 @@
                 <a:spcPct val="100000"/>
               </a:lnSpc>
             </a:pPr>
-            <a:fld id="{8904329A-1B37-45BE-A4FC-A2FC3E045861}" type="slidenum">
+            <a:fld id="{24D935BD-EF41-4F1E-B6B8-B193FF526E19}" type="slidenum">
               <a:rPr b="0" lang="de-DE" sz="1800" spc="-1" strike="noStrike">
                 <a:solidFill>
                   <a:srgbClr val="000000"/>
@@ -661,9 +661,9 @@
                 <a:latin typeface="+mn-lt"/>
                 <a:ea typeface="+mn-ea"/>
               </a:rPr>
-              <a:t>6</a:t>
+              <a:t>&lt;number&gt;</a:t>
             </a:fld>
-            <a:endParaRPr b="0" lang="en-GB" sz="1800" spc="-1" strike="noStrike">
+            <a:endParaRPr b="0" lang="en-US" sz="1800" spc="-1" strike="noStrike">
               <a:solidFill>
                 <a:srgbClr val="000000"/>
               </a:solidFill>
@@ -707,7 +707,7 @@
         <p:spPr>
           <a:xfrm>
             <a:off x="533520" y="763560"/>
-            <a:ext cx="6691320" cy="3759480"/>
+            <a:ext cx="6690960" cy="3759120"/>
           </a:xfrm>
           <a:prstGeom prst="rect">
             <a:avLst/>
@@ -730,7 +730,7 @@
         <p:spPr>
           <a:xfrm>
             <a:off x="777240" y="4777560"/>
-            <a:ext cx="6204960" cy="4513320"/>
+            <a:ext cx="6204600" cy="4512960"/>
           </a:xfrm>
           <a:prstGeom prst="rect">
             <a:avLst/>
@@ -748,7 +748,7 @@
             <a:pPr marL="216000" indent="0">
               <a:buNone/>
             </a:pPr>
-            <a:endParaRPr b="0" lang="en-GB" sz="1800" spc="-1" strike="noStrike">
+            <a:endParaRPr b="0" lang="en-US" sz="1800" spc="-1" strike="noStrike">
               <a:solidFill>
                 <a:srgbClr val="000000"/>
               </a:solidFill>
@@ -766,7 +766,7 @@
         <p:spPr>
           <a:xfrm>
             <a:off x="4399200" y="9555480"/>
-            <a:ext cx="3360240" cy="489960"/>
+            <a:ext cx="3359880" cy="489600"/>
           </a:xfrm>
           <a:prstGeom prst="rect">
             <a:avLst/>
@@ -792,7 +792,7 @@
                 <a:spcPct val="100000"/>
               </a:lnSpc>
             </a:pPr>
-            <a:fld id="{79A63964-C288-425F-956F-BCE4E1282BC7}" type="slidenum">
+            <a:fld id="{249A2210-26C6-4F57-A58C-4E9524CFDEE5}" type="slidenum">
               <a:rPr b="0" lang="de-DE" sz="1800" spc="-1" strike="noStrike">
                 <a:solidFill>
                   <a:srgbClr val="000000"/>
@@ -802,7 +802,7 @@
               </a:rPr>
               <a:t>&lt;number&gt;</a:t>
             </a:fld>
-            <a:endParaRPr b="0" lang="en-GB" sz="1800" spc="-1" strike="noStrike">
+            <a:endParaRPr b="0" lang="en-US" sz="1800" spc="-1" strike="noStrike">
               <a:solidFill>
                 <a:srgbClr val="000000"/>
               </a:solidFill>
@@ -886,7 +886,7 @@
             <a:pPr indent="0" algn="ctr">
               <a:buNone/>
             </a:pPr>
-            <a:endParaRPr b="0" lang="en-GB" sz="4400" spc="-1" strike="noStrike">
+            <a:endParaRPr b="0" lang="en-US" sz="4400" spc="-1" strike="noStrike">
               <a:solidFill>
                 <a:srgbClr val="000000"/>
               </a:solidFill>
@@ -929,7 +929,7 @@
               </a:spcBef>
               <a:buNone/>
             </a:pPr>
-            <a:endParaRPr b="0" lang="en-GB" sz="3200" spc="-1" strike="noStrike">
+            <a:endParaRPr b="0" lang="en-US" sz="3200" spc="-1" strike="noStrike">
               <a:solidFill>
                 <a:srgbClr val="000000"/>
               </a:solidFill>
@@ -972,7 +972,7 @@
               </a:spcBef>
               <a:buNone/>
             </a:pPr>
-            <a:endParaRPr b="0" lang="en-GB" sz="3200" spc="-1" strike="noStrike">
+            <a:endParaRPr b="0" lang="en-US" sz="3200" spc="-1" strike="noStrike">
               <a:solidFill>
                 <a:srgbClr val="000000"/>
               </a:solidFill>
@@ -1034,7 +1034,7 @@
             <a:pPr indent="0" algn="ctr">
               <a:buNone/>
             </a:pPr>
-            <a:endParaRPr b="0" lang="en-GB" sz="4400" spc="-1" strike="noStrike">
+            <a:endParaRPr b="0" lang="en-US" sz="4400" spc="-1" strike="noStrike">
               <a:solidFill>
                 <a:srgbClr val="000000"/>
               </a:solidFill>
@@ -1077,7 +1077,7 @@
               </a:spcBef>
               <a:buNone/>
             </a:pPr>
-            <a:endParaRPr b="0" lang="en-GB" sz="3200" spc="-1" strike="noStrike">
+            <a:endParaRPr b="0" lang="en-US" sz="3200" spc="-1" strike="noStrike">
               <a:solidFill>
                 <a:srgbClr val="000000"/>
               </a:solidFill>
@@ -1120,7 +1120,7 @@
               </a:spcBef>
               <a:buNone/>
             </a:pPr>
-            <a:endParaRPr b="0" lang="en-GB" sz="3200" spc="-1" strike="noStrike">
+            <a:endParaRPr b="0" lang="en-US" sz="3200" spc="-1" strike="noStrike">
               <a:solidFill>
                 <a:srgbClr val="000000"/>
               </a:solidFill>
@@ -1163,7 +1163,7 @@
               </a:spcBef>
               <a:buNone/>
             </a:pPr>
-            <a:endParaRPr b="0" lang="en-GB" sz="3200" spc="-1" strike="noStrike">
+            <a:endParaRPr b="0" lang="en-US" sz="3200" spc="-1" strike="noStrike">
               <a:solidFill>
                 <a:srgbClr val="000000"/>
               </a:solidFill>
@@ -1206,7 +1206,7 @@
               </a:spcBef>
               <a:buNone/>
             </a:pPr>
-            <a:endParaRPr b="0" lang="en-GB" sz="3200" spc="-1" strike="noStrike">
+            <a:endParaRPr b="0" lang="en-US" sz="3200" spc="-1" strike="noStrike">
               <a:solidFill>
                 <a:srgbClr val="000000"/>
               </a:solidFill>
@@ -1268,7 +1268,7 @@
             <a:pPr indent="0" algn="ctr">
               <a:buNone/>
             </a:pPr>
-            <a:endParaRPr b="0" lang="en-GB" sz="4400" spc="-1" strike="noStrike">
+            <a:endParaRPr b="0" lang="en-US" sz="4400" spc="-1" strike="noStrike">
               <a:solidFill>
                 <a:srgbClr val="000000"/>
               </a:solidFill>
@@ -1311,7 +1311,7 @@
               </a:spcBef>
               <a:buNone/>
             </a:pPr>
-            <a:endParaRPr b="0" lang="en-GB" sz="3200" spc="-1" strike="noStrike">
+            <a:endParaRPr b="0" lang="en-US" sz="3200" spc="-1" strike="noStrike">
               <a:solidFill>
                 <a:srgbClr val="000000"/>
               </a:solidFill>
@@ -1354,7 +1354,7 @@
               </a:spcBef>
               <a:buNone/>
             </a:pPr>
-            <a:endParaRPr b="0" lang="en-GB" sz="3200" spc="-1" strike="noStrike">
+            <a:endParaRPr b="0" lang="en-US" sz="3200" spc="-1" strike="noStrike">
               <a:solidFill>
                 <a:srgbClr val="000000"/>
               </a:solidFill>
@@ -1397,7 +1397,7 @@
               </a:spcBef>
               <a:buNone/>
             </a:pPr>
-            <a:endParaRPr b="0" lang="en-GB" sz="3200" spc="-1" strike="noStrike">
+            <a:endParaRPr b="0" lang="en-US" sz="3200" spc="-1" strike="noStrike">
               <a:solidFill>
                 <a:srgbClr val="000000"/>
               </a:solidFill>
@@ -1440,7 +1440,7 @@
               </a:spcBef>
               <a:buNone/>
             </a:pPr>
-            <a:endParaRPr b="0" lang="en-GB" sz="3200" spc="-1" strike="noStrike">
+            <a:endParaRPr b="0" lang="en-US" sz="3200" spc="-1" strike="noStrike">
               <a:solidFill>
                 <a:srgbClr val="000000"/>
               </a:solidFill>
@@ -1483,7 +1483,7 @@
               </a:spcBef>
               <a:buNone/>
             </a:pPr>
-            <a:endParaRPr b="0" lang="en-GB" sz="3200" spc="-1" strike="noStrike">
+            <a:endParaRPr b="0" lang="en-US" sz="3200" spc="-1" strike="noStrike">
               <a:solidFill>
                 <a:srgbClr val="000000"/>
               </a:solidFill>
@@ -1526,7 +1526,7 @@
               </a:spcBef>
               <a:buNone/>
             </a:pPr>
-            <a:endParaRPr b="0" lang="en-GB" sz="3200" spc="-1" strike="noStrike">
+            <a:endParaRPr b="0" lang="en-US" sz="3200" spc="-1" strike="noStrike">
               <a:solidFill>
                 <a:srgbClr val="000000"/>
               </a:solidFill>
@@ -1610,7 +1610,7 @@
             <a:pPr indent="0" algn="ctr">
               <a:buNone/>
             </a:pPr>
-            <a:endParaRPr b="0" lang="en-GB" sz="4400" spc="-1" strike="noStrike">
+            <a:endParaRPr b="0" lang="en-US" sz="4400" spc="-1" strike="noStrike">
               <a:solidFill>
                 <a:srgbClr val="000000"/>
               </a:solidFill>
@@ -1650,7 +1650,7 @@
             <a:pPr indent="0" algn="ctr">
               <a:buNone/>
             </a:pPr>
-            <a:endParaRPr b="0" lang="en-GB" sz="3200" spc="-1" strike="noStrike">
+            <a:endParaRPr b="0" lang="en-US" sz="3200" spc="-1" strike="noStrike">
               <a:solidFill>
                 <a:srgbClr val="000000"/>
               </a:solidFill>
@@ -1712,7 +1712,7 @@
             <a:pPr indent="0" algn="ctr">
               <a:buNone/>
             </a:pPr>
-            <a:endParaRPr b="0" lang="en-GB" sz="4400" spc="-1" strike="noStrike">
+            <a:endParaRPr b="0" lang="en-US" sz="4400" spc="-1" strike="noStrike">
               <a:solidFill>
                 <a:srgbClr val="000000"/>
               </a:solidFill>
@@ -1755,7 +1755,7 @@
               </a:spcBef>
               <a:buNone/>
             </a:pPr>
-            <a:endParaRPr b="0" lang="en-GB" sz="3200" spc="-1" strike="noStrike">
+            <a:endParaRPr b="0" lang="en-US" sz="3200" spc="-1" strike="noStrike">
               <a:solidFill>
                 <a:srgbClr val="000000"/>
               </a:solidFill>
@@ -1817,7 +1817,7 @@
             <a:pPr indent="0" algn="ctr">
               <a:buNone/>
             </a:pPr>
-            <a:endParaRPr b="0" lang="en-GB" sz="4400" spc="-1" strike="noStrike">
+            <a:endParaRPr b="0" lang="en-US" sz="4400" spc="-1" strike="noStrike">
               <a:solidFill>
                 <a:srgbClr val="000000"/>
               </a:solidFill>
@@ -1860,7 +1860,7 @@
               </a:spcBef>
               <a:buNone/>
             </a:pPr>
-            <a:endParaRPr b="0" lang="en-GB" sz="3200" spc="-1" strike="noStrike">
+            <a:endParaRPr b="0" lang="en-US" sz="3200" spc="-1" strike="noStrike">
               <a:solidFill>
                 <a:srgbClr val="000000"/>
               </a:solidFill>
@@ -1903,7 +1903,7 @@
               </a:spcBef>
               <a:buNone/>
             </a:pPr>
-            <a:endParaRPr b="0" lang="en-GB" sz="3200" spc="-1" strike="noStrike">
+            <a:endParaRPr b="0" lang="en-US" sz="3200" spc="-1" strike="noStrike">
               <a:solidFill>
                 <a:srgbClr val="000000"/>
               </a:solidFill>
@@ -1965,7 +1965,7 @@
             <a:pPr indent="0" algn="ctr">
               <a:buNone/>
             </a:pPr>
-            <a:endParaRPr b="0" lang="en-GB" sz="4400" spc="-1" strike="noStrike">
+            <a:endParaRPr b="0" lang="en-US" sz="4400" spc="-1" strike="noStrike">
               <a:solidFill>
                 <a:srgbClr val="000000"/>
               </a:solidFill>
@@ -2025,7 +2025,7 @@
           </a:bodyPr>
           <a:p>
             <a:pPr algn="ctr"/>
-            <a:endParaRPr b="0" lang="en-GB" sz="3200" spc="-1" strike="noStrike">
+            <a:endParaRPr b="0" lang="en-US" sz="3200" spc="-1" strike="noStrike">
               <a:solidFill>
                 <a:srgbClr val="000000"/>
               </a:solidFill>
@@ -2087,7 +2087,7 @@
             <a:pPr indent="0" algn="ctr">
               <a:buNone/>
             </a:pPr>
-            <a:endParaRPr b="0" lang="en-GB" sz="4400" spc="-1" strike="noStrike">
+            <a:endParaRPr b="0" lang="en-US" sz="4400" spc="-1" strike="noStrike">
               <a:solidFill>
                 <a:srgbClr val="000000"/>
               </a:solidFill>
@@ -2130,7 +2130,7 @@
               </a:spcBef>
               <a:buNone/>
             </a:pPr>
-            <a:endParaRPr b="0" lang="en-GB" sz="3200" spc="-1" strike="noStrike">
+            <a:endParaRPr b="0" lang="en-US" sz="3200" spc="-1" strike="noStrike">
               <a:solidFill>
                 <a:srgbClr val="000000"/>
               </a:solidFill>
@@ -2173,7 +2173,7 @@
               </a:spcBef>
               <a:buNone/>
             </a:pPr>
-            <a:endParaRPr b="0" lang="en-GB" sz="3200" spc="-1" strike="noStrike">
+            <a:endParaRPr b="0" lang="en-US" sz="3200" spc="-1" strike="noStrike">
               <a:solidFill>
                 <a:srgbClr val="000000"/>
               </a:solidFill>
@@ -2216,7 +2216,7 @@
               </a:spcBef>
               <a:buNone/>
             </a:pPr>
-            <a:endParaRPr b="0" lang="en-GB" sz="3200" spc="-1" strike="noStrike">
+            <a:endParaRPr b="0" lang="en-US" sz="3200" spc="-1" strike="noStrike">
               <a:solidFill>
                 <a:srgbClr val="000000"/>
               </a:solidFill>
@@ -2278,7 +2278,7 @@
             <a:pPr indent="0" algn="ctr">
               <a:buNone/>
             </a:pPr>
-            <a:endParaRPr b="0" lang="en-GB" sz="4400" spc="-1" strike="noStrike">
+            <a:endParaRPr b="0" lang="en-US" sz="4400" spc="-1" strike="noStrike">
               <a:solidFill>
                 <a:srgbClr val="000000"/>
               </a:solidFill>
@@ -2318,7 +2318,7 @@
             <a:pPr indent="0" algn="ctr">
               <a:buNone/>
             </a:pPr>
-            <a:endParaRPr b="0" lang="en-GB" sz="3200" spc="-1" strike="noStrike">
+            <a:endParaRPr b="0" lang="en-US" sz="3200" spc="-1" strike="noStrike">
               <a:solidFill>
                 <a:srgbClr val="000000"/>
               </a:solidFill>
@@ -2380,7 +2380,7 @@
             <a:pPr indent="0" algn="ctr">
               <a:buNone/>
             </a:pPr>
-            <a:endParaRPr b="0" lang="en-GB" sz="4400" spc="-1" strike="noStrike">
+            <a:endParaRPr b="0" lang="en-US" sz="4400" spc="-1" strike="noStrike">
               <a:solidFill>
                 <a:srgbClr val="000000"/>
               </a:solidFill>
@@ -2423,7 +2423,7 @@
               </a:spcBef>
               <a:buNone/>
             </a:pPr>
-            <a:endParaRPr b="0" lang="en-GB" sz="3200" spc="-1" strike="noStrike">
+            <a:endParaRPr b="0" lang="en-US" sz="3200" spc="-1" strike="noStrike">
               <a:solidFill>
                 <a:srgbClr val="000000"/>
               </a:solidFill>
@@ -2466,7 +2466,7 @@
               </a:spcBef>
               <a:buNone/>
             </a:pPr>
-            <a:endParaRPr b="0" lang="en-GB" sz="3200" spc="-1" strike="noStrike">
+            <a:endParaRPr b="0" lang="en-US" sz="3200" spc="-1" strike="noStrike">
               <a:solidFill>
                 <a:srgbClr val="000000"/>
               </a:solidFill>
@@ -2509,7 +2509,7 @@
               </a:spcBef>
               <a:buNone/>
             </a:pPr>
-            <a:endParaRPr b="0" lang="en-GB" sz="3200" spc="-1" strike="noStrike">
+            <a:endParaRPr b="0" lang="en-US" sz="3200" spc="-1" strike="noStrike">
               <a:solidFill>
                 <a:srgbClr val="000000"/>
               </a:solidFill>
@@ -2571,7 +2571,7 @@
             <a:pPr indent="0" algn="ctr">
               <a:buNone/>
             </a:pPr>
-            <a:endParaRPr b="0" lang="en-GB" sz="4400" spc="-1" strike="noStrike">
+            <a:endParaRPr b="0" lang="en-US" sz="4400" spc="-1" strike="noStrike">
               <a:solidFill>
                 <a:srgbClr val="000000"/>
               </a:solidFill>
@@ -2614,7 +2614,7 @@
               </a:spcBef>
               <a:buNone/>
             </a:pPr>
-            <a:endParaRPr b="0" lang="en-GB" sz="3200" spc="-1" strike="noStrike">
+            <a:endParaRPr b="0" lang="en-US" sz="3200" spc="-1" strike="noStrike">
               <a:solidFill>
                 <a:srgbClr val="000000"/>
               </a:solidFill>
@@ -2657,7 +2657,7 @@
               </a:spcBef>
               <a:buNone/>
             </a:pPr>
-            <a:endParaRPr b="0" lang="en-GB" sz="3200" spc="-1" strike="noStrike">
+            <a:endParaRPr b="0" lang="en-US" sz="3200" spc="-1" strike="noStrike">
               <a:solidFill>
                 <a:srgbClr val="000000"/>
               </a:solidFill>
@@ -2700,7 +2700,7 @@
               </a:spcBef>
               <a:buNone/>
             </a:pPr>
-            <a:endParaRPr b="0" lang="en-GB" sz="3200" spc="-1" strike="noStrike">
+            <a:endParaRPr b="0" lang="en-US" sz="3200" spc="-1" strike="noStrike">
               <a:solidFill>
                 <a:srgbClr val="000000"/>
               </a:solidFill>
@@ -2762,7 +2762,7 @@
             <a:pPr indent="0" algn="ctr">
               <a:buNone/>
             </a:pPr>
-            <a:endParaRPr b="0" lang="en-GB" sz="4400" spc="-1" strike="noStrike">
+            <a:endParaRPr b="0" lang="en-US" sz="4400" spc="-1" strike="noStrike">
               <a:solidFill>
                 <a:srgbClr val="000000"/>
               </a:solidFill>
@@ -2805,7 +2805,7 @@
               </a:spcBef>
               <a:buNone/>
             </a:pPr>
-            <a:endParaRPr b="0" lang="en-GB" sz="3200" spc="-1" strike="noStrike">
+            <a:endParaRPr b="0" lang="en-US" sz="3200" spc="-1" strike="noStrike">
               <a:solidFill>
                 <a:srgbClr val="000000"/>
               </a:solidFill>
@@ -2848,7 +2848,7 @@
               </a:spcBef>
               <a:buNone/>
             </a:pPr>
-            <a:endParaRPr b="0" lang="en-GB" sz="3200" spc="-1" strike="noStrike">
+            <a:endParaRPr b="0" lang="en-US" sz="3200" spc="-1" strike="noStrike">
               <a:solidFill>
                 <a:srgbClr val="000000"/>
               </a:solidFill>
@@ -2910,7 +2910,7 @@
             <a:pPr indent="0" algn="ctr">
               <a:buNone/>
             </a:pPr>
-            <a:endParaRPr b="0" lang="en-GB" sz="4400" spc="-1" strike="noStrike">
+            <a:endParaRPr b="0" lang="en-US" sz="4400" spc="-1" strike="noStrike">
               <a:solidFill>
                 <a:srgbClr val="000000"/>
               </a:solidFill>
@@ -2953,7 +2953,7 @@
               </a:spcBef>
               <a:buNone/>
             </a:pPr>
-            <a:endParaRPr b="0" lang="en-GB" sz="3200" spc="-1" strike="noStrike">
+            <a:endParaRPr b="0" lang="en-US" sz="3200" spc="-1" strike="noStrike">
               <a:solidFill>
                 <a:srgbClr val="000000"/>
               </a:solidFill>
@@ -2996,7 +2996,7 @@
               </a:spcBef>
               <a:buNone/>
             </a:pPr>
-            <a:endParaRPr b="0" lang="en-GB" sz="3200" spc="-1" strike="noStrike">
+            <a:endParaRPr b="0" lang="en-US" sz="3200" spc="-1" strike="noStrike">
               <a:solidFill>
                 <a:srgbClr val="000000"/>
               </a:solidFill>
@@ -3039,7 +3039,7 @@
               </a:spcBef>
               <a:buNone/>
             </a:pPr>
-            <a:endParaRPr b="0" lang="en-GB" sz="3200" spc="-1" strike="noStrike">
+            <a:endParaRPr b="0" lang="en-US" sz="3200" spc="-1" strike="noStrike">
               <a:solidFill>
                 <a:srgbClr val="000000"/>
               </a:solidFill>
@@ -3082,7 +3082,7 @@
               </a:spcBef>
               <a:buNone/>
             </a:pPr>
-            <a:endParaRPr b="0" lang="en-GB" sz="3200" spc="-1" strike="noStrike">
+            <a:endParaRPr b="0" lang="en-US" sz="3200" spc="-1" strike="noStrike">
               <a:solidFill>
                 <a:srgbClr val="000000"/>
               </a:solidFill>
@@ -3144,7 +3144,7 @@
             <a:pPr indent="0" algn="ctr">
               <a:buNone/>
             </a:pPr>
-            <a:endParaRPr b="0" lang="en-GB" sz="4400" spc="-1" strike="noStrike">
+            <a:endParaRPr b="0" lang="en-US" sz="4400" spc="-1" strike="noStrike">
               <a:solidFill>
                 <a:srgbClr val="000000"/>
               </a:solidFill>
@@ -3187,7 +3187,7 @@
               </a:spcBef>
               <a:buNone/>
             </a:pPr>
-            <a:endParaRPr b="0" lang="en-GB" sz="3200" spc="-1" strike="noStrike">
+            <a:endParaRPr b="0" lang="en-US" sz="3200" spc="-1" strike="noStrike">
               <a:solidFill>
                 <a:srgbClr val="000000"/>
               </a:solidFill>
@@ -3230,7 +3230,7 @@
               </a:spcBef>
               <a:buNone/>
             </a:pPr>
-            <a:endParaRPr b="0" lang="en-GB" sz="3200" spc="-1" strike="noStrike">
+            <a:endParaRPr b="0" lang="en-US" sz="3200" spc="-1" strike="noStrike">
               <a:solidFill>
                 <a:srgbClr val="000000"/>
               </a:solidFill>
@@ -3273,7 +3273,7 @@
               </a:spcBef>
               <a:buNone/>
             </a:pPr>
-            <a:endParaRPr b="0" lang="en-GB" sz="3200" spc="-1" strike="noStrike">
+            <a:endParaRPr b="0" lang="en-US" sz="3200" spc="-1" strike="noStrike">
               <a:solidFill>
                 <a:srgbClr val="000000"/>
               </a:solidFill>
@@ -3316,7 +3316,7 @@
               </a:spcBef>
               <a:buNone/>
             </a:pPr>
-            <a:endParaRPr b="0" lang="en-GB" sz="3200" spc="-1" strike="noStrike">
+            <a:endParaRPr b="0" lang="en-US" sz="3200" spc="-1" strike="noStrike">
               <a:solidFill>
                 <a:srgbClr val="000000"/>
               </a:solidFill>
@@ -3359,7 +3359,7 @@
               </a:spcBef>
               <a:buNone/>
             </a:pPr>
-            <a:endParaRPr b="0" lang="en-GB" sz="3200" spc="-1" strike="noStrike">
+            <a:endParaRPr b="0" lang="en-US" sz="3200" spc="-1" strike="noStrike">
               <a:solidFill>
                 <a:srgbClr val="000000"/>
               </a:solidFill>
@@ -3402,7 +3402,7 @@
               </a:spcBef>
               <a:buNone/>
             </a:pPr>
-            <a:endParaRPr b="0" lang="en-GB" sz="3200" spc="-1" strike="noStrike">
+            <a:endParaRPr b="0" lang="en-US" sz="3200" spc="-1" strike="noStrike">
               <a:solidFill>
                 <a:srgbClr val="000000"/>
               </a:solidFill>
@@ -3464,7 +3464,7 @@
             <a:pPr indent="0" algn="ctr">
               <a:buNone/>
             </a:pPr>
-            <a:endParaRPr b="0" lang="en-GB" sz="4400" spc="-1" strike="noStrike">
+            <a:endParaRPr b="0" lang="en-US" sz="4400" spc="-1" strike="noStrike">
               <a:solidFill>
                 <a:srgbClr val="000000"/>
               </a:solidFill>
@@ -3507,7 +3507,7 @@
               </a:spcBef>
               <a:buNone/>
             </a:pPr>
-            <a:endParaRPr b="0" lang="en-GB" sz="3200" spc="-1" strike="noStrike">
+            <a:endParaRPr b="0" lang="en-US" sz="3200" spc="-1" strike="noStrike">
               <a:solidFill>
                 <a:srgbClr val="000000"/>
               </a:solidFill>
@@ -3569,7 +3569,7 @@
             <a:pPr indent="0" algn="ctr">
               <a:buNone/>
             </a:pPr>
-            <a:endParaRPr b="0" lang="en-GB" sz="4400" spc="-1" strike="noStrike">
+            <a:endParaRPr b="0" lang="en-US" sz="4400" spc="-1" strike="noStrike">
               <a:solidFill>
                 <a:srgbClr val="000000"/>
               </a:solidFill>
@@ -3612,7 +3612,7 @@
               </a:spcBef>
               <a:buNone/>
             </a:pPr>
-            <a:endParaRPr b="0" lang="en-GB" sz="3200" spc="-1" strike="noStrike">
+            <a:endParaRPr b="0" lang="en-US" sz="3200" spc="-1" strike="noStrike">
               <a:solidFill>
                 <a:srgbClr val="000000"/>
               </a:solidFill>
@@ -3655,7 +3655,7 @@
               </a:spcBef>
               <a:buNone/>
             </a:pPr>
-            <a:endParaRPr b="0" lang="en-GB" sz="3200" spc="-1" strike="noStrike">
+            <a:endParaRPr b="0" lang="en-US" sz="3200" spc="-1" strike="noStrike">
               <a:solidFill>
                 <a:srgbClr val="000000"/>
               </a:solidFill>
@@ -3717,7 +3717,7 @@
             <a:pPr indent="0" algn="ctr">
               <a:buNone/>
             </a:pPr>
-            <a:endParaRPr b="0" lang="en-GB" sz="4400" spc="-1" strike="noStrike">
+            <a:endParaRPr b="0" lang="en-US" sz="4400" spc="-1" strike="noStrike">
               <a:solidFill>
                 <a:srgbClr val="000000"/>
               </a:solidFill>
@@ -3777,7 +3777,7 @@
           </a:bodyPr>
           <a:p>
             <a:pPr algn="ctr"/>
-            <a:endParaRPr b="0" lang="en-GB" sz="3200" spc="-1" strike="noStrike">
+            <a:endParaRPr b="0" lang="en-US" sz="3200" spc="-1" strike="noStrike">
               <a:solidFill>
                 <a:srgbClr val="000000"/>
               </a:solidFill>
@@ -3839,7 +3839,7 @@
             <a:pPr indent="0" algn="ctr">
               <a:buNone/>
             </a:pPr>
-            <a:endParaRPr b="0" lang="en-GB" sz="4400" spc="-1" strike="noStrike">
+            <a:endParaRPr b="0" lang="en-US" sz="4400" spc="-1" strike="noStrike">
               <a:solidFill>
                 <a:srgbClr val="000000"/>
               </a:solidFill>
@@ -3882,7 +3882,7 @@
               </a:spcBef>
               <a:buNone/>
             </a:pPr>
-            <a:endParaRPr b="0" lang="en-GB" sz="3200" spc="-1" strike="noStrike">
+            <a:endParaRPr b="0" lang="en-US" sz="3200" spc="-1" strike="noStrike">
               <a:solidFill>
                 <a:srgbClr val="000000"/>
               </a:solidFill>
@@ -3925,7 +3925,7 @@
               </a:spcBef>
               <a:buNone/>
             </a:pPr>
-            <a:endParaRPr b="0" lang="en-GB" sz="3200" spc="-1" strike="noStrike">
+            <a:endParaRPr b="0" lang="en-US" sz="3200" spc="-1" strike="noStrike">
               <a:solidFill>
                 <a:srgbClr val="000000"/>
               </a:solidFill>
@@ -3968,7 +3968,7 @@
               </a:spcBef>
               <a:buNone/>
             </a:pPr>
-            <a:endParaRPr b="0" lang="en-GB" sz="3200" spc="-1" strike="noStrike">
+            <a:endParaRPr b="0" lang="en-US" sz="3200" spc="-1" strike="noStrike">
               <a:solidFill>
                 <a:srgbClr val="000000"/>
               </a:solidFill>
@@ -4030,7 +4030,7 @@
             <a:pPr indent="0" algn="ctr">
               <a:buNone/>
             </a:pPr>
-            <a:endParaRPr b="0" lang="en-GB" sz="4400" spc="-1" strike="noStrike">
+            <a:endParaRPr b="0" lang="en-US" sz="4400" spc="-1" strike="noStrike">
               <a:solidFill>
                 <a:srgbClr val="000000"/>
               </a:solidFill>
@@ -4073,7 +4073,7 @@
               </a:spcBef>
               <a:buNone/>
             </a:pPr>
-            <a:endParaRPr b="0" lang="en-GB" sz="3200" spc="-1" strike="noStrike">
+            <a:endParaRPr b="0" lang="en-US" sz="3200" spc="-1" strike="noStrike">
               <a:solidFill>
                 <a:srgbClr val="000000"/>
               </a:solidFill>
@@ -4116,7 +4116,7 @@
               </a:spcBef>
               <a:buNone/>
             </a:pPr>
-            <a:endParaRPr b="0" lang="en-GB" sz="3200" spc="-1" strike="noStrike">
+            <a:endParaRPr b="0" lang="en-US" sz="3200" spc="-1" strike="noStrike">
               <a:solidFill>
                 <a:srgbClr val="000000"/>
               </a:solidFill>
@@ -4159,7 +4159,7 @@
               </a:spcBef>
               <a:buNone/>
             </a:pPr>
-            <a:endParaRPr b="0" lang="en-GB" sz="3200" spc="-1" strike="noStrike">
+            <a:endParaRPr b="0" lang="en-US" sz="3200" spc="-1" strike="noStrike">
               <a:solidFill>
                 <a:srgbClr val="000000"/>
               </a:solidFill>
@@ -4221,7 +4221,7 @@
             <a:pPr indent="0" algn="ctr">
               <a:buNone/>
             </a:pPr>
-            <a:endParaRPr b="0" lang="en-GB" sz="4400" spc="-1" strike="noStrike">
+            <a:endParaRPr b="0" lang="en-US" sz="4400" spc="-1" strike="noStrike">
               <a:solidFill>
                 <a:srgbClr val="000000"/>
               </a:solidFill>
@@ -4264,7 +4264,7 @@
               </a:spcBef>
               <a:buNone/>
             </a:pPr>
-            <a:endParaRPr b="0" lang="en-GB" sz="3200" spc="-1" strike="noStrike">
+            <a:endParaRPr b="0" lang="en-US" sz="3200" spc="-1" strike="noStrike">
               <a:solidFill>
                 <a:srgbClr val="000000"/>
               </a:solidFill>
@@ -4307,7 +4307,7 @@
               </a:spcBef>
               <a:buNone/>
             </a:pPr>
-            <a:endParaRPr b="0" lang="en-GB" sz="3200" spc="-1" strike="noStrike">
+            <a:endParaRPr b="0" lang="en-US" sz="3200" spc="-1" strike="noStrike">
               <a:solidFill>
                 <a:srgbClr val="000000"/>
               </a:solidFill>
@@ -4350,7 +4350,7 @@
               </a:spcBef>
               <a:buNone/>
             </a:pPr>
-            <a:endParaRPr b="0" lang="en-GB" sz="3200" spc="-1" strike="noStrike">
+            <a:endParaRPr b="0" lang="en-US" sz="3200" spc="-1" strike="noStrike">
               <a:solidFill>
                 <a:srgbClr val="000000"/>
               </a:solidFill>
@@ -4397,7 +4397,7 @@
         <p:spPr>
           <a:xfrm>
             <a:off x="11444760" y="0"/>
-            <a:ext cx="739800" cy="6848640"/>
+            <a:ext cx="739440" cy="6848280"/>
           </a:xfrm>
           <a:prstGeom prst="rect">
             <a:avLst/>
@@ -4422,11 +4422,17 @@
             <a:noAutofit/>
           </a:bodyPr>
           <a:p>
+            <a:pPr>
+              <a:lnSpc>
+                <a:spcPct val="100000"/>
+              </a:lnSpc>
+            </a:pPr>
             <a:endParaRPr b="0" lang="en-GB" sz="1800" spc="-1" strike="noStrike">
               <a:solidFill>
                 <a:srgbClr val="ffffff"/>
               </a:solidFill>
               <a:latin typeface="Arial"/>
+              <a:ea typeface="DejaVu Sans"/>
             </a:endParaRPr>
           </a:p>
         </p:txBody>
@@ -4440,7 +4446,7 @@
         <p:spPr>
           <a:xfrm>
             <a:off x="11438640" y="6453360"/>
-            <a:ext cx="756720" cy="363960"/>
+            <a:ext cx="756360" cy="363960"/>
           </a:xfrm>
           <a:prstGeom prst="rect">
             <a:avLst/>
@@ -4466,7 +4472,7 @@
                 <a:spcPct val="100000"/>
               </a:lnSpc>
             </a:pPr>
-            <a:fld id="{C97FACAF-F953-4F3D-BB4F-53C91C2E2330}" type="slidenum">
+            <a:fld id="{E2EB16AA-076B-41B1-9A77-839A4E4DB699}" type="slidenum">
               <a:rPr b="0" lang="en-US" sz="1800" spc="-1" strike="noStrike">
                 <a:solidFill>
                   <a:srgbClr val="808080"/>
@@ -4476,7 +4482,7 @@
               </a:rPr>
               <a:t>&lt;number&gt;</a:t>
             </a:fld>
-            <a:endParaRPr b="0" lang="en-GB" sz="1800" spc="-1" strike="noStrike">
+            <a:endParaRPr b="0" lang="en-US" sz="1800" spc="-1" strike="noStrike">
               <a:solidFill>
                 <a:srgbClr val="000000"/>
               </a:solidFill>
@@ -4494,7 +4500,7 @@
         <p:spPr>
           <a:xfrm>
             <a:off x="912240" y="1268280"/>
-            <a:ext cx="9206640" cy="360000"/>
+            <a:ext cx="9206280" cy="359640"/>
           </a:xfrm>
           <a:prstGeom prst="rect">
             <a:avLst/>
@@ -4515,11 +4521,17 @@
             <a:noAutofit/>
           </a:bodyPr>
           <a:p>
+            <a:pPr>
+              <a:lnSpc>
+                <a:spcPct val="100000"/>
+              </a:lnSpc>
+            </a:pPr>
             <a:endParaRPr b="0" lang="en-GB" sz="1800" spc="-1" strike="noStrike">
               <a:solidFill>
                 <a:srgbClr val="000000"/>
               </a:solidFill>
               <a:latin typeface="Arial"/>
+              <a:ea typeface="DejaVu Sans"/>
             </a:endParaRPr>
           </a:p>
         </p:txBody>
@@ -4537,7 +4549,7 @@
         <p:spPr>
           <a:xfrm>
             <a:off x="0" y="0"/>
-            <a:ext cx="3050640" cy="560520"/>
+            <a:ext cx="3050280" cy="560160"/>
           </a:xfrm>
           <a:prstGeom prst="rect">
             <a:avLst/>
@@ -4560,7 +4572,7 @@
         <p:spPr>
           <a:xfrm>
             <a:off x="7430400" y="134640"/>
-            <a:ext cx="3696480" cy="512640"/>
+            <a:ext cx="3696120" cy="512280"/>
           </a:xfrm>
           <a:prstGeom prst="rect">
             <a:avLst/>
@@ -4579,7 +4591,7 @@
         <p:spPr>
           <a:xfrm>
             <a:off x="912240" y="1268280"/>
-            <a:ext cx="9206640" cy="360000"/>
+            <a:ext cx="9206280" cy="359640"/>
           </a:xfrm>
           <a:prstGeom prst="rect">
             <a:avLst/>
@@ -4600,11 +4612,17 @@
             <a:noAutofit/>
           </a:bodyPr>
           <a:p>
+            <a:pPr>
+              <a:lnSpc>
+                <a:spcPct val="100000"/>
+              </a:lnSpc>
+            </a:pPr>
             <a:endParaRPr b="0" lang="en-GB" sz="1800" spc="-1" strike="noStrike">
               <a:solidFill>
                 <a:srgbClr val="000000"/>
               </a:solidFill>
               <a:latin typeface="Arial"/>
+              <a:ea typeface="DejaVu Sans"/>
             </a:endParaRPr>
           </a:p>
         </p:txBody>
@@ -4618,7 +4636,7 @@
         <p:spPr>
           <a:xfrm>
             <a:off x="11444760" y="0"/>
-            <a:ext cx="739800" cy="6848640"/>
+            <a:ext cx="739440" cy="6848280"/>
           </a:xfrm>
           <a:prstGeom prst="rect">
             <a:avLst/>
@@ -4643,11 +4661,17 @@
             <a:noAutofit/>
           </a:bodyPr>
           <a:p>
+            <a:pPr>
+              <a:lnSpc>
+                <a:spcPct val="100000"/>
+              </a:lnSpc>
+            </a:pPr>
             <a:endParaRPr b="0" lang="en-GB" sz="1800" spc="-1" strike="noStrike">
               <a:solidFill>
                 <a:srgbClr val="ffffff"/>
               </a:solidFill>
               <a:latin typeface="Arial"/>
+              <a:ea typeface="DejaVu Sans"/>
             </a:endParaRPr>
           </a:p>
         </p:txBody>
@@ -4661,7 +4685,7 @@
         <p:spPr>
           <a:xfrm>
             <a:off x="0" y="6642720"/>
-            <a:ext cx="12182760" cy="211320"/>
+            <a:ext cx="12182400" cy="211320"/>
           </a:xfrm>
           <a:prstGeom prst="rect">
             <a:avLst/>
@@ -4717,7 +4741,7 @@
               </a:rPr>
               <a:t> (TU Clausthal / University of Göttingen)</a:t>
             </a:r>
-            <a:endParaRPr b="0" lang="en-GB" sz="800" spc="-1" strike="noStrike">
+            <a:endParaRPr b="0" lang="en-US" sz="800" spc="-1" strike="noStrike">
               <a:solidFill>
                 <a:srgbClr val="000000"/>
               </a:solidFill>
@@ -4758,7 +4782,7 @@
               <a:buNone/>
             </a:pPr>
             <a:r>
-              <a:rPr b="0" lang="en-GB" sz="4400" spc="-1" strike="noStrike">
+              <a:rPr b="0" lang="en-US" sz="4400" spc="-1" strike="noStrike">
                 <a:solidFill>
                   <a:srgbClr val="000000"/>
                 </a:solidFill>
@@ -4766,7 +4790,7 @@
               </a:rPr>
               <a:t>Click to edit the title text format</a:t>
             </a:r>
-            <a:endParaRPr b="0" lang="en-GB" sz="4400" spc="-1" strike="noStrike">
+            <a:endParaRPr b="0" lang="en-US" sz="4400" spc="-1" strike="noStrike">
               <a:solidFill>
                 <a:srgbClr val="000000"/>
               </a:solidFill>
@@ -4815,7 +4839,7 @@
               <a:buChar char=""/>
             </a:pPr>
             <a:r>
-              <a:rPr b="0" lang="en-GB" sz="3200" spc="-1" strike="noStrike">
+              <a:rPr b="0" lang="en-US" sz="3200" spc="-1" strike="noStrike">
                 <a:solidFill>
                   <a:srgbClr val="000000"/>
                 </a:solidFill>
@@ -4823,7 +4847,7 @@
               </a:rPr>
               <a:t>Click to edit the outline text format</a:t>
             </a:r>
-            <a:endParaRPr b="0" lang="en-GB" sz="3200" spc="-1" strike="noStrike">
+            <a:endParaRPr b="0" lang="en-US" sz="3200" spc="-1" strike="noStrike">
               <a:solidFill>
                 <a:srgbClr val="000000"/>
               </a:solidFill>
@@ -4843,7 +4867,7 @@
               <a:buChar char=""/>
             </a:pPr>
             <a:r>
-              <a:rPr b="0" lang="en-GB" sz="2800" spc="-1" strike="noStrike">
+              <a:rPr b="0" lang="en-US" sz="2800" spc="-1" strike="noStrike">
                 <a:solidFill>
                   <a:srgbClr val="000000"/>
                 </a:solidFill>
@@ -4851,7 +4875,7 @@
               </a:rPr>
               <a:t>Second Outline Level</a:t>
             </a:r>
-            <a:endParaRPr b="0" lang="en-GB" sz="2800" spc="-1" strike="noStrike">
+            <a:endParaRPr b="0" lang="en-US" sz="2800" spc="-1" strike="noStrike">
               <a:solidFill>
                 <a:srgbClr val="000000"/>
               </a:solidFill>
@@ -4871,7 +4895,7 @@
               <a:buChar char=""/>
             </a:pPr>
             <a:r>
-              <a:rPr b="0" lang="en-GB" sz="2400" spc="-1" strike="noStrike">
+              <a:rPr b="0" lang="en-US" sz="2400" spc="-1" strike="noStrike">
                 <a:solidFill>
                   <a:srgbClr val="000000"/>
                 </a:solidFill>
@@ -4879,7 +4903,7 @@
               </a:rPr>
               <a:t>Third Outline Level</a:t>
             </a:r>
-            <a:endParaRPr b="0" lang="en-GB" sz="2400" spc="-1" strike="noStrike">
+            <a:endParaRPr b="0" lang="en-US" sz="2400" spc="-1" strike="noStrike">
               <a:solidFill>
                 <a:srgbClr val="000000"/>
               </a:solidFill>
@@ -4899,7 +4923,7 @@
               <a:buChar char=""/>
             </a:pPr>
             <a:r>
-              <a:rPr b="0" lang="en-GB" sz="2000" spc="-1" strike="noStrike">
+              <a:rPr b="0" lang="en-US" sz="2000" spc="-1" strike="noStrike">
                 <a:solidFill>
                   <a:srgbClr val="000000"/>
                 </a:solidFill>
@@ -4907,7 +4931,7 @@
               </a:rPr>
               <a:t>Fourth Outline Level</a:t>
             </a:r>
-            <a:endParaRPr b="0" lang="en-GB" sz="2000" spc="-1" strike="noStrike">
+            <a:endParaRPr b="0" lang="en-US" sz="2000" spc="-1" strike="noStrike">
               <a:solidFill>
                 <a:srgbClr val="000000"/>
               </a:solidFill>
@@ -4927,7 +4951,7 @@
               <a:buChar char=""/>
             </a:pPr>
             <a:r>
-              <a:rPr b="0" lang="en-GB" sz="2000" spc="-1" strike="noStrike">
+              <a:rPr b="0" lang="en-US" sz="2000" spc="-1" strike="noStrike">
                 <a:solidFill>
                   <a:srgbClr val="000000"/>
                 </a:solidFill>
@@ -4935,7 +4959,7 @@
               </a:rPr>
               <a:t>Fifth Outline Level</a:t>
             </a:r>
-            <a:endParaRPr b="0" lang="en-GB" sz="2000" spc="-1" strike="noStrike">
+            <a:endParaRPr b="0" lang="en-US" sz="2000" spc="-1" strike="noStrike">
               <a:solidFill>
                 <a:srgbClr val="000000"/>
               </a:solidFill>
@@ -4955,7 +4979,7 @@
               <a:buChar char=""/>
             </a:pPr>
             <a:r>
-              <a:rPr b="0" lang="en-GB" sz="2000" spc="-1" strike="noStrike">
+              <a:rPr b="0" lang="en-US" sz="2000" spc="-1" strike="noStrike">
                 <a:solidFill>
                   <a:srgbClr val="000000"/>
                 </a:solidFill>
@@ -4963,7 +4987,7 @@
               </a:rPr>
               <a:t>Sixth Outline Level</a:t>
             </a:r>
-            <a:endParaRPr b="0" lang="en-GB" sz="2000" spc="-1" strike="noStrike">
+            <a:endParaRPr b="0" lang="en-US" sz="2000" spc="-1" strike="noStrike">
               <a:solidFill>
                 <a:srgbClr val="000000"/>
               </a:solidFill>
@@ -4983,7 +5007,7 @@
               <a:buChar char=""/>
             </a:pPr>
             <a:r>
-              <a:rPr b="0" lang="en-GB" sz="2000" spc="-1" strike="noStrike">
+              <a:rPr b="0" lang="en-US" sz="2000" spc="-1" strike="noStrike">
                 <a:solidFill>
                   <a:srgbClr val="000000"/>
                 </a:solidFill>
@@ -4991,7 +5015,7 @@
               </a:rPr>
               <a:t>Seventh Outline Level</a:t>
             </a:r>
-            <a:endParaRPr b="0" lang="en-GB" sz="2000" spc="-1" strike="noStrike">
+            <a:endParaRPr b="0" lang="en-US" sz="2000" spc="-1" strike="noStrike">
               <a:solidFill>
                 <a:srgbClr val="000000"/>
               </a:solidFill>
@@ -5053,7 +5077,7 @@
         <p:spPr>
           <a:xfrm>
             <a:off x="11444760" y="0"/>
-            <a:ext cx="739800" cy="6848640"/>
+            <a:ext cx="739440" cy="6848280"/>
           </a:xfrm>
           <a:prstGeom prst="rect">
             <a:avLst/>
@@ -5078,11 +5102,17 @@
             <a:noAutofit/>
           </a:bodyPr>
           <a:p>
+            <a:pPr>
+              <a:lnSpc>
+                <a:spcPct val="100000"/>
+              </a:lnSpc>
+            </a:pPr>
             <a:endParaRPr b="0" lang="en-GB" sz="1800" spc="-1" strike="noStrike">
               <a:solidFill>
                 <a:srgbClr val="ffffff"/>
               </a:solidFill>
               <a:latin typeface="Arial"/>
+              <a:ea typeface="DejaVu Sans"/>
             </a:endParaRPr>
           </a:p>
         </p:txBody>
@@ -5096,7 +5126,7 @@
         <p:spPr>
           <a:xfrm>
             <a:off x="11438640" y="6453360"/>
-            <a:ext cx="756720" cy="363960"/>
+            <a:ext cx="756360" cy="363960"/>
           </a:xfrm>
           <a:prstGeom prst="rect">
             <a:avLst/>
@@ -5122,7 +5152,7 @@
                 <a:spcPct val="100000"/>
               </a:lnSpc>
             </a:pPr>
-            <a:fld id="{1C5CC3B5-12D6-4B14-91E6-374595B6925B}" type="slidenum">
+            <a:fld id="{5E68C1B3-EDA3-4631-AADF-D6BD6AE42160}" type="slidenum">
               <a:rPr b="0" lang="en-US" sz="1800" spc="-1" strike="noStrike">
                 <a:solidFill>
                   <a:srgbClr val="808080"/>
@@ -5132,7 +5162,7 @@
               </a:rPr>
               <a:t>&lt;number&gt;</a:t>
             </a:fld>
-            <a:endParaRPr b="0" lang="en-GB" sz="1800" spc="-1" strike="noStrike">
+            <a:endParaRPr b="0" lang="en-US" sz="1800" spc="-1" strike="noStrike">
               <a:solidFill>
                 <a:srgbClr val="000000"/>
               </a:solidFill>
@@ -5150,7 +5180,7 @@
         <p:spPr>
           <a:xfrm>
             <a:off x="912240" y="1268280"/>
-            <a:ext cx="9206640" cy="360000"/>
+            <a:ext cx="9206280" cy="359640"/>
           </a:xfrm>
           <a:prstGeom prst="rect">
             <a:avLst/>
@@ -5171,11 +5201,17 @@
             <a:noAutofit/>
           </a:bodyPr>
           <a:p>
+            <a:pPr>
+              <a:lnSpc>
+                <a:spcPct val="100000"/>
+              </a:lnSpc>
+            </a:pPr>
             <a:endParaRPr b="0" lang="en-GB" sz="1800" spc="-1" strike="noStrike">
               <a:solidFill>
                 <a:srgbClr val="000000"/>
               </a:solidFill>
               <a:latin typeface="Arial"/>
+              <a:ea typeface="DejaVu Sans"/>
             </a:endParaRPr>
           </a:p>
         </p:txBody>
@@ -5193,7 +5229,7 @@
         <p:spPr>
           <a:xfrm>
             <a:off x="0" y="0"/>
-            <a:ext cx="3050640" cy="560520"/>
+            <a:ext cx="3050280" cy="560160"/>
           </a:xfrm>
           <a:prstGeom prst="rect">
             <a:avLst/>
@@ -5216,7 +5252,7 @@
         <p:spPr>
           <a:xfrm>
             <a:off x="7430400" y="134640"/>
-            <a:ext cx="3696480" cy="512640"/>
+            <a:ext cx="3696120" cy="512280"/>
           </a:xfrm>
           <a:prstGeom prst="rect">
             <a:avLst/>
@@ -5235,7 +5271,7 @@
         <p:spPr>
           <a:xfrm>
             <a:off x="11444760" y="0"/>
-            <a:ext cx="739800" cy="6848640"/>
+            <a:ext cx="739440" cy="6848280"/>
           </a:xfrm>
           <a:prstGeom prst="rect">
             <a:avLst/>
@@ -5260,11 +5296,17 @@
             <a:noAutofit/>
           </a:bodyPr>
           <a:p>
+            <a:pPr>
+              <a:lnSpc>
+                <a:spcPct val="100000"/>
+              </a:lnSpc>
+            </a:pPr>
             <a:endParaRPr b="0" lang="en-GB" sz="1800" spc="-1" strike="noStrike">
               <a:solidFill>
                 <a:srgbClr val="ffffff"/>
               </a:solidFill>
               <a:latin typeface="Arial"/>
+              <a:ea typeface="DejaVu Sans"/>
             </a:endParaRPr>
           </a:p>
         </p:txBody>
@@ -5278,7 +5320,7 @@
         <p:spPr>
           <a:xfrm>
             <a:off x="11438640" y="6453360"/>
-            <a:ext cx="756720" cy="363960"/>
+            <a:ext cx="756360" cy="363960"/>
           </a:xfrm>
           <a:prstGeom prst="rect">
             <a:avLst/>
@@ -5304,7 +5346,7 @@
                 <a:spcPct val="100000"/>
               </a:lnSpc>
             </a:pPr>
-            <a:fld id="{B4437858-089D-47CF-9D55-259C422EB16F}" type="slidenum">
+            <a:fld id="{C3A2A754-ACAA-4622-A4FE-6A10F1FB8AAA}" type="slidenum">
               <a:rPr b="0" lang="en-US" sz="1800" spc="-1" strike="noStrike">
                 <a:solidFill>
                   <a:srgbClr val="808080"/>
@@ -5314,7 +5356,7 @@
               </a:rPr>
               <a:t>&lt;number&gt;</a:t>
             </a:fld>
-            <a:endParaRPr b="0" lang="en-GB" sz="1800" spc="-1" strike="noStrike">
+            <a:endParaRPr b="0" lang="en-US" sz="1800" spc="-1" strike="noStrike">
               <a:solidFill>
                 <a:srgbClr val="000000"/>
               </a:solidFill>
@@ -5332,7 +5374,7 @@
         <p:spPr>
           <a:xfrm>
             <a:off x="0" y="6642720"/>
-            <a:ext cx="12182760" cy="211320"/>
+            <a:ext cx="12182400" cy="211320"/>
           </a:xfrm>
           <a:prstGeom prst="rect">
             <a:avLst/>
@@ -5388,7 +5430,7 @@
               </a:rPr>
               <a:t> (TU Clausthal / University of Göttingen)</a:t>
             </a:r>
-            <a:endParaRPr b="0" lang="en-GB" sz="800" spc="-1" strike="noStrike">
+            <a:endParaRPr b="0" lang="en-US" sz="800" spc="-1" strike="noStrike">
               <a:solidFill>
                 <a:srgbClr val="000000"/>
               </a:solidFill>
@@ -5429,15 +5471,69 @@
               <a:buNone/>
             </a:pPr>
             <a:r>
-              <a:rPr b="0" lang="en-GB" sz="4400" spc="-1" strike="noStrike">
+              <a:rPr b="0" lang="en-US" sz="4400" spc="-1" strike="noStrike">
                 <a:solidFill>
                   <a:srgbClr val="000000"/>
                 </a:solidFill>
                 <a:latin typeface="Arial"/>
               </a:rPr>
-              <a:t>Click to edit the title text format</a:t>
-            </a:r>
-            <a:endParaRPr b="0" lang="en-GB" sz="4400" spc="-1" strike="noStrike">
+              <a:t>Click </a:t>
+            </a:r>
+            <a:r>
+              <a:rPr b="0" lang="en-US" sz="4400" spc="-1" strike="noStrike">
+                <a:solidFill>
+                  <a:srgbClr val="000000"/>
+                </a:solidFill>
+                <a:latin typeface="Arial"/>
+              </a:rPr>
+              <a:t>to edit </a:t>
+            </a:r>
+            <a:r>
+              <a:rPr b="0" lang="en-US" sz="4400" spc="-1" strike="noStrike">
+                <a:solidFill>
+                  <a:srgbClr val="000000"/>
+                </a:solidFill>
+                <a:latin typeface="Arial"/>
+              </a:rPr>
+              <a:t>the </a:t>
+            </a:r>
+            <a:r>
+              <a:rPr b="0" lang="en-US" sz="4400" spc="-1" strike="noStrike">
+                <a:solidFill>
+                  <a:srgbClr val="000000"/>
+                </a:solidFill>
+                <a:latin typeface="Arial"/>
+              </a:rPr>
+              <a:t>title </a:t>
+            </a:r>
+            <a:r>
+              <a:rPr b="0" lang="en-US" sz="4400" spc="-1" strike="noStrike">
+                <a:solidFill>
+                  <a:srgbClr val="000000"/>
+                </a:solidFill>
+                <a:latin typeface="Arial"/>
+              </a:rPr>
+              <a:t>text </a:t>
+            </a:r>
+            <a:r>
+              <a:rPr b="0" lang="en-US" sz="4400" spc="-1" strike="noStrike">
+                <a:solidFill>
+                  <a:srgbClr val="000000"/>
+                </a:solidFill>
+                <a:latin typeface="Arial"/>
+              </a:rPr>
+              <a:t>forma</a:t>
+            </a:r>
+            <a:r>
+              <a:rPr b="0" lang="en-US" sz="4400" spc="-1" strike="noStrike">
+                <a:solidFill>
+                  <a:srgbClr val="000000"/>
+                </a:solidFill>
+                <a:latin typeface="Arial"/>
+              </a:rPr>
+              <a:t>t</a:t>
+            </a:r>
+            <a:endParaRPr b="0" lang="en-US" sz="4400" spc="-1" strike="noStrike">
               <a:solidFill>
                 <a:srgbClr val="000000"/>
               </a:solidFill>
@@ -5486,7 +5582,7 @@
               <a:buChar char=""/>
             </a:pPr>
             <a:r>
-              <a:rPr b="0" lang="en-GB" sz="3200" spc="-1" strike="noStrike">
+              <a:rPr b="0" lang="en-US" sz="3200" spc="-1" strike="noStrike">
                 <a:solidFill>
                   <a:srgbClr val="000000"/>
                 </a:solidFill>
@@ -5494,7 +5590,7 @@
               </a:rPr>
               <a:t>Click to edit the outline text format</a:t>
             </a:r>
-            <a:endParaRPr b="0" lang="en-GB" sz="3200" spc="-1" strike="noStrike">
+            <a:endParaRPr b="0" lang="en-US" sz="3200" spc="-1" strike="noStrike">
               <a:solidFill>
                 <a:srgbClr val="000000"/>
               </a:solidFill>
@@ -5514,7 +5610,7 @@
               <a:buChar char=""/>
             </a:pPr>
             <a:r>
-              <a:rPr b="0" lang="en-GB" sz="2800" spc="-1" strike="noStrike">
+              <a:rPr b="0" lang="en-US" sz="2800" spc="-1" strike="noStrike">
                 <a:solidFill>
                   <a:srgbClr val="000000"/>
                 </a:solidFill>
@@ -5522,7 +5618,7 @@
               </a:rPr>
               <a:t>Second Outline Level</a:t>
             </a:r>
-            <a:endParaRPr b="0" lang="en-GB" sz="2800" spc="-1" strike="noStrike">
+            <a:endParaRPr b="0" lang="en-US" sz="2800" spc="-1" strike="noStrike">
               <a:solidFill>
                 <a:srgbClr val="000000"/>
               </a:solidFill>
@@ -5542,7 +5638,7 @@
               <a:buChar char=""/>
             </a:pPr>
             <a:r>
-              <a:rPr b="0" lang="en-GB" sz="2400" spc="-1" strike="noStrike">
+              <a:rPr b="0" lang="en-US" sz="2400" spc="-1" strike="noStrike">
                 <a:solidFill>
                   <a:srgbClr val="000000"/>
                 </a:solidFill>
@@ -5550,7 +5646,7 @@
               </a:rPr>
               <a:t>Third Outline Level</a:t>
             </a:r>
-            <a:endParaRPr b="0" lang="en-GB" sz="2400" spc="-1" strike="noStrike">
+            <a:endParaRPr b="0" lang="en-US" sz="2400" spc="-1" strike="noStrike">
               <a:solidFill>
                 <a:srgbClr val="000000"/>
               </a:solidFill>
@@ -5570,7 +5666,7 @@
               <a:buChar char=""/>
             </a:pPr>
             <a:r>
-              <a:rPr b="0" lang="en-GB" sz="2000" spc="-1" strike="noStrike">
+              <a:rPr b="0" lang="en-US" sz="2000" spc="-1" strike="noStrike">
                 <a:solidFill>
                   <a:srgbClr val="000000"/>
                 </a:solidFill>
@@ -5578,7 +5674,7 @@
               </a:rPr>
               <a:t>Fourth Outline Level</a:t>
             </a:r>
-            <a:endParaRPr b="0" lang="en-GB" sz="2000" spc="-1" strike="noStrike">
+            <a:endParaRPr b="0" lang="en-US" sz="2000" spc="-1" strike="noStrike">
               <a:solidFill>
                 <a:srgbClr val="000000"/>
               </a:solidFill>
@@ -5598,7 +5694,7 @@
               <a:buChar char=""/>
             </a:pPr>
             <a:r>
-              <a:rPr b="0" lang="en-GB" sz="2000" spc="-1" strike="noStrike">
+              <a:rPr b="0" lang="en-US" sz="2000" spc="-1" strike="noStrike">
                 <a:solidFill>
                   <a:srgbClr val="000000"/>
                 </a:solidFill>
@@ -5606,7 +5702,7 @@
               </a:rPr>
               <a:t>Fifth Outline Level</a:t>
             </a:r>
-            <a:endParaRPr b="0" lang="en-GB" sz="2000" spc="-1" strike="noStrike">
+            <a:endParaRPr b="0" lang="en-US" sz="2000" spc="-1" strike="noStrike">
               <a:solidFill>
                 <a:srgbClr val="000000"/>
               </a:solidFill>
@@ -5626,7 +5722,7 @@
               <a:buChar char=""/>
             </a:pPr>
             <a:r>
-              <a:rPr b="0" lang="en-GB" sz="2000" spc="-1" strike="noStrike">
+              <a:rPr b="0" lang="en-US" sz="2000" spc="-1" strike="noStrike">
                 <a:solidFill>
                   <a:srgbClr val="000000"/>
                 </a:solidFill>
@@ -5634,7 +5730,7 @@
               </a:rPr>
               <a:t>Sixth Outline Level</a:t>
             </a:r>
-            <a:endParaRPr b="0" lang="en-GB" sz="2000" spc="-1" strike="noStrike">
+            <a:endParaRPr b="0" lang="en-US" sz="2000" spc="-1" strike="noStrike">
               <a:solidFill>
                 <a:srgbClr val="000000"/>
               </a:solidFill>
@@ -5654,7 +5750,7 @@
               <a:buChar char=""/>
             </a:pPr>
             <a:r>
-              <a:rPr b="0" lang="en-GB" sz="2000" spc="-1" strike="noStrike">
+              <a:rPr b="0" lang="en-US" sz="2000" spc="-1" strike="noStrike">
                 <a:solidFill>
                   <a:srgbClr val="000000"/>
                 </a:solidFill>
@@ -5662,7 +5758,7 @@
               </a:rPr>
               <a:t>Seventh Outline Level</a:t>
             </a:r>
-            <a:endParaRPr b="0" lang="en-GB" sz="2000" spc="-1" strike="noStrike">
+            <a:endParaRPr b="0" lang="en-US" sz="2000" spc="-1" strike="noStrike">
               <a:solidFill>
                 <a:srgbClr val="000000"/>
               </a:solidFill>
@@ -5717,7 +5813,7 @@
         <p:spPr>
           <a:xfrm>
             <a:off x="527400" y="1412640"/>
-            <a:ext cx="10359720" cy="1146240"/>
+            <a:ext cx="10359360" cy="1145880"/>
           </a:xfrm>
           <a:prstGeom prst="rect">
             <a:avLst/>
@@ -5753,7 +5849,7 @@
               </a:rPr>
               <a:t>Emerging Technologies for the Circular Economy</a:t>
             </a:r>
-            <a:endParaRPr b="0" lang="en-GB" sz="3200" spc="-1" strike="noStrike">
+            <a:endParaRPr b="0" lang="en-US" sz="3200" spc="-1" strike="noStrike">
               <a:solidFill>
                 <a:srgbClr val="000000"/>
               </a:solidFill>
@@ -5771,7 +5867,7 @@
         <p:spPr>
           <a:xfrm>
             <a:off x="527400" y="2852640"/>
-            <a:ext cx="10359720" cy="2367000"/>
+            <a:ext cx="10359360" cy="2366640"/>
           </a:xfrm>
           <a:prstGeom prst="rect">
             <a:avLst/>
@@ -5813,7 +5909,7 @@
               </a:rPr>
               <a:t>Lecture 0: Organization</a:t>
             </a:r>
-            <a:endParaRPr b="0" lang="en-GB" sz="2400" spc="-1" strike="noStrike">
+            <a:endParaRPr b="0" lang="en-US" sz="2400" spc="-1" strike="noStrike">
               <a:solidFill>
                 <a:srgbClr val="000000"/>
               </a:solidFill>
@@ -5832,7 +5928,7 @@
                 <a:tab algn="l" pos="0"/>
               </a:tabLst>
             </a:pPr>
-            <a:endParaRPr b="0" lang="en-GB" sz="2400" spc="-1" strike="noStrike">
+            <a:endParaRPr b="0" lang="en-US" sz="2400" spc="-1" strike="noStrike">
               <a:solidFill>
                 <a:srgbClr val="000000"/>
               </a:solidFill>
@@ -5851,7 +5947,7 @@
                 <a:tab algn="l" pos="0"/>
               </a:tabLst>
             </a:pPr>
-            <a:endParaRPr b="0" lang="en-GB" sz="2400" spc="-1" strike="noStrike">
+            <a:endParaRPr b="0" lang="en-US" sz="2400" spc="-1" strike="noStrike">
               <a:solidFill>
                 <a:srgbClr val="000000"/>
               </a:solidFill>
@@ -5870,7 +5966,7 @@
                 <a:tab algn="l" pos="0"/>
               </a:tabLst>
             </a:pPr>
-            <a:endParaRPr b="0" lang="en-GB" sz="2400" spc="-1" strike="noStrike">
+            <a:endParaRPr b="0" lang="en-US" sz="2400" spc="-1" strike="noStrike">
               <a:solidFill>
                 <a:srgbClr val="000000"/>
               </a:solidFill>
@@ -5899,7 +5995,7 @@
               </a:rPr>
               <a:t>Prof. Dr. Benjamin Leiding (Clausthal)</a:t>
             </a:r>
-            <a:endParaRPr b="0" lang="en-GB" sz="1600" spc="-1" strike="noStrike">
+            <a:endParaRPr b="0" lang="en-US" sz="1600" spc="-1" strike="noStrike">
               <a:solidFill>
                 <a:srgbClr val="000000"/>
               </a:solidFill>
@@ -5928,7 +6024,7 @@
               </a:rPr>
               <a:t>Dr. Arne Bochem (Göttingen)</a:t>
             </a:r>
-            <a:endParaRPr b="0" lang="en-GB" sz="1600" spc="-1" strike="noStrike">
+            <a:endParaRPr b="0" lang="en-US" sz="1600" spc="-1" strike="noStrike">
               <a:solidFill>
                 <a:srgbClr val="000000"/>
               </a:solidFill>
@@ -5957,7 +6053,7 @@
               </a:rPr>
               <a:t>M.Sc. Anant Sujatanagarjuna (Clausthal)</a:t>
             </a:r>
-            <a:endParaRPr b="0" lang="en-GB" sz="1600" spc="-1" strike="noStrike">
+            <a:endParaRPr b="0" lang="en-US" sz="1600" spc="-1" strike="noStrike">
               <a:solidFill>
                 <a:srgbClr val="000000"/>
               </a:solidFill>
@@ -5986,7 +6082,7 @@
               </a:rPr>
               <a:t>M.Sc. Shohreh Kia (Clausthal)</a:t>
             </a:r>
-            <a:endParaRPr b="0" lang="en-GB" sz="1600" spc="-1" strike="noStrike">
+            <a:endParaRPr b="0" lang="en-US" sz="1600" spc="-1" strike="noStrike">
               <a:solidFill>
                 <a:srgbClr val="000000"/>
               </a:solidFill>
@@ -6034,7 +6130,7 @@
         <p:spPr>
           <a:xfrm>
             <a:off x="335520" y="764640"/>
-            <a:ext cx="10743840" cy="494640"/>
+            <a:ext cx="10743480" cy="494280"/>
           </a:xfrm>
           <a:prstGeom prst="rect">
             <a:avLst/>
@@ -6070,7 +6166,7 @@
               </a:rPr>
               <a:t>Learning Outcome</a:t>
             </a:r>
-            <a:endParaRPr b="0" lang="en-GB" sz="2400" spc="-1" strike="noStrike">
+            <a:endParaRPr b="0" lang="en-US" sz="2400" spc="-1" strike="noStrike">
               <a:solidFill>
                 <a:srgbClr val="000000"/>
               </a:solidFill>
@@ -6083,7 +6179,7 @@
                 <a:spcPct val="100000"/>
               </a:lnSpc>
             </a:pPr>
-            <a:endParaRPr b="0" lang="en-GB" sz="2400" spc="-1" strike="noStrike">
+            <a:endParaRPr b="0" lang="en-US" sz="2400" spc="-1" strike="noStrike">
               <a:solidFill>
                 <a:srgbClr val="000000"/>
               </a:solidFill>
@@ -6101,7 +6197,7 @@
         <p:spPr>
           <a:xfrm>
             <a:off x="335520" y="2408400"/>
-            <a:ext cx="10743840" cy="3891600"/>
+            <a:ext cx="10743480" cy="3891240"/>
           </a:xfrm>
           <a:prstGeom prst="rect">
             <a:avLst/>
@@ -6146,7 +6242,7 @@
               </a:rPr>
               <a:t>Basic understanding of the concept of the Linear Economy, the Circular Economy, the Performance Economy and sustainability</a:t>
             </a:r>
-            <a:endParaRPr b="0" lang="en-GB" sz="1800" spc="-1" strike="noStrike">
+            <a:endParaRPr b="0" lang="en-US" sz="1800" spc="-1" strike="noStrike">
               <a:solidFill>
                 <a:srgbClr val="000000"/>
               </a:solidFill>
@@ -6178,7 +6274,7 @@
               </a:rPr>
               <a:t>Basic understanding of new technologies in the field of decentralized and smart systems</a:t>
             </a:r>
-            <a:endParaRPr b="0" lang="en-GB" sz="1800" spc="-1" strike="noStrike">
+            <a:endParaRPr b="0" lang="en-US" sz="1800" spc="-1" strike="noStrike">
               <a:solidFill>
                 <a:srgbClr val="000000"/>
               </a:solidFill>
@@ -6210,7 +6306,7 @@
               </a:rPr>
               <a:t>Understanding and overview of the Internet of Things and related concepts</a:t>
             </a:r>
-            <a:endParaRPr b="0" lang="en-GB" sz="1800" spc="-1" strike="noStrike">
+            <a:endParaRPr b="0" lang="en-US" sz="1800" spc="-1" strike="noStrike">
               <a:solidFill>
                 <a:srgbClr val="000000"/>
               </a:solidFill>
@@ -6242,7 +6338,7 @@
               </a:rPr>
               <a:t>Ability to design decentralized smart systems and applications in the context of connected sensor systems</a:t>
             </a:r>
-            <a:endParaRPr b="0" lang="en-GB" sz="1800" spc="-1" strike="noStrike">
+            <a:endParaRPr b="0" lang="en-US" sz="1800" spc="-1" strike="noStrike">
               <a:solidFill>
                 <a:srgbClr val="000000"/>
               </a:solidFill>
@@ -6290,7 +6386,7 @@
         <p:spPr>
           <a:xfrm>
             <a:off x="335520" y="764640"/>
-            <a:ext cx="10743840" cy="494640"/>
+            <a:ext cx="10743480" cy="494280"/>
           </a:xfrm>
           <a:prstGeom prst="rect">
             <a:avLst/>
@@ -6326,7 +6422,7 @@
               </a:rPr>
               <a:t>Learning Outcome</a:t>
             </a:r>
-            <a:endParaRPr b="0" lang="en-GB" sz="2400" spc="-1" strike="noStrike">
+            <a:endParaRPr b="0" lang="en-US" sz="2400" spc="-1" strike="noStrike">
               <a:solidFill>
                 <a:srgbClr val="000000"/>
               </a:solidFill>
@@ -6344,7 +6440,7 @@
         <p:spPr>
           <a:xfrm>
             <a:off x="335520" y="2408400"/>
-            <a:ext cx="10743840" cy="3891600"/>
+            <a:ext cx="10743480" cy="3891240"/>
           </a:xfrm>
           <a:prstGeom prst="rect">
             <a:avLst/>
@@ -6389,7 +6485,7 @@
               </a:rPr>
               <a:t>Basic understanding of the concept of the Linear Economy, the Circular Economy, the Performance Economy and sustainability</a:t>
             </a:r>
-            <a:endParaRPr b="0" lang="en-GB" sz="1800" spc="-1" strike="noStrike">
+            <a:endParaRPr b="0" lang="en-US" sz="1800" spc="-1" strike="noStrike">
               <a:solidFill>
                 <a:srgbClr val="000000"/>
               </a:solidFill>
@@ -6421,7 +6517,7 @@
               </a:rPr>
               <a:t>Basic understanding of new technologies in the field of decentralized and smart systems</a:t>
             </a:r>
-            <a:endParaRPr b="0" lang="en-GB" sz="1800" spc="-1" strike="noStrike">
+            <a:endParaRPr b="0" lang="en-US" sz="1800" spc="-1" strike="noStrike">
               <a:solidFill>
                 <a:srgbClr val="000000"/>
               </a:solidFill>
@@ -6453,7 +6549,7 @@
               </a:rPr>
               <a:t>Understanding and overview of the Internet of Things and related concepts</a:t>
             </a:r>
-            <a:endParaRPr b="0" lang="en-GB" sz="1800" spc="-1" strike="noStrike">
+            <a:endParaRPr b="0" lang="en-US" sz="1800" spc="-1" strike="noStrike">
               <a:solidFill>
                 <a:srgbClr val="000000"/>
               </a:solidFill>
@@ -6485,7 +6581,7 @@
               </a:rPr>
               <a:t>Ability to design decentralized smart systems and applications in the context of connected sensor systems</a:t>
             </a:r>
-            <a:endParaRPr b="0" lang="en-GB" sz="1800" spc="-1" strike="noStrike">
+            <a:endParaRPr b="0" lang="en-US" sz="1800" spc="-1" strike="noStrike">
               <a:solidFill>
                 <a:srgbClr val="000000"/>
               </a:solidFill>
@@ -6517,7 +6613,7 @@
               </a:rPr>
               <a:t>Knowledge of the design and consideration of privacy-preserving data processing procedures for smart and decentralized applications</a:t>
             </a:r>
-            <a:endParaRPr b="0" lang="en-GB" sz="1800" spc="-1" strike="noStrike">
+            <a:endParaRPr b="0" lang="en-US" sz="1800" spc="-1" strike="noStrike">
               <a:solidFill>
                 <a:srgbClr val="000000"/>
               </a:solidFill>
@@ -6565,7 +6661,7 @@
         <p:spPr>
           <a:xfrm>
             <a:off x="335520" y="764640"/>
-            <a:ext cx="10743840" cy="494640"/>
+            <a:ext cx="10743480" cy="494280"/>
           </a:xfrm>
           <a:prstGeom prst="rect">
             <a:avLst/>
@@ -6601,7 +6697,7 @@
               </a:rPr>
               <a:t>Learning Outcome</a:t>
             </a:r>
-            <a:endParaRPr b="0" lang="en-GB" sz="2400" spc="-1" strike="noStrike">
+            <a:endParaRPr b="0" lang="en-US" sz="2400" spc="-1" strike="noStrike">
               <a:solidFill>
                 <a:srgbClr val="000000"/>
               </a:solidFill>
@@ -6614,7 +6710,7 @@
                 <a:spcPct val="100000"/>
               </a:lnSpc>
             </a:pPr>
-            <a:endParaRPr b="0" lang="en-GB" sz="2400" spc="-1" strike="noStrike">
+            <a:endParaRPr b="0" lang="en-US" sz="2400" spc="-1" strike="noStrike">
               <a:solidFill>
                 <a:srgbClr val="000000"/>
               </a:solidFill>
@@ -6632,7 +6728,7 @@
         <p:spPr>
           <a:xfrm>
             <a:off x="335520" y="2408400"/>
-            <a:ext cx="10743840" cy="3891600"/>
+            <a:ext cx="10743480" cy="3891240"/>
           </a:xfrm>
           <a:prstGeom prst="rect">
             <a:avLst/>
@@ -6677,7 +6773,7 @@
               </a:rPr>
               <a:t>Basic understanding of the concept of the Linear Economy, the Circular Economy, the Performance Economy and sustainability</a:t>
             </a:r>
-            <a:endParaRPr b="0" lang="en-GB" sz="1800" spc="-1" strike="noStrike">
+            <a:endParaRPr b="0" lang="en-US" sz="1800" spc="-1" strike="noStrike">
               <a:solidFill>
                 <a:srgbClr val="000000"/>
               </a:solidFill>
@@ -6709,7 +6805,7 @@
               </a:rPr>
               <a:t>Basic understanding of new technologies in the field of decentralized and smart systems</a:t>
             </a:r>
-            <a:endParaRPr b="0" lang="en-GB" sz="1800" spc="-1" strike="noStrike">
+            <a:endParaRPr b="0" lang="en-US" sz="1800" spc="-1" strike="noStrike">
               <a:solidFill>
                 <a:srgbClr val="000000"/>
               </a:solidFill>
@@ -6741,7 +6837,7 @@
               </a:rPr>
               <a:t>Understanding and overview of the Internet of Things and related concepts</a:t>
             </a:r>
-            <a:endParaRPr b="0" lang="en-GB" sz="1800" spc="-1" strike="noStrike">
+            <a:endParaRPr b="0" lang="en-US" sz="1800" spc="-1" strike="noStrike">
               <a:solidFill>
                 <a:srgbClr val="000000"/>
               </a:solidFill>
@@ -6773,7 +6869,7 @@
               </a:rPr>
               <a:t>Ability to design decentralized smart systems and applications in the context of connected sensor systems</a:t>
             </a:r>
-            <a:endParaRPr b="0" lang="en-GB" sz="1800" spc="-1" strike="noStrike">
+            <a:endParaRPr b="0" lang="en-US" sz="1800" spc="-1" strike="noStrike">
               <a:solidFill>
                 <a:srgbClr val="000000"/>
               </a:solidFill>
@@ -6805,7 +6901,7 @@
               </a:rPr>
               <a:t>Knowledge of the design and consideration of privacy-preserving data processing procedures for smart and decentralized applications</a:t>
             </a:r>
-            <a:endParaRPr b="0" lang="en-GB" sz="1800" spc="-1" strike="noStrike">
+            <a:endParaRPr b="0" lang="en-US" sz="1800" spc="-1" strike="noStrike">
               <a:solidFill>
                 <a:srgbClr val="000000"/>
               </a:solidFill>
@@ -6837,7 +6933,7 @@
               </a:rPr>
               <a:t>Experience in prototyping such applications and systems</a:t>
             </a:r>
-            <a:endParaRPr b="0" lang="en-GB" sz="1800" spc="-1" strike="noStrike">
+            <a:endParaRPr b="0" lang="en-US" sz="1800" spc="-1" strike="noStrike">
               <a:solidFill>
                 <a:srgbClr val="000000"/>
               </a:solidFill>
@@ -6885,7 +6981,7 @@
         <p:spPr>
           <a:xfrm>
             <a:off x="335520" y="764640"/>
-            <a:ext cx="10743840" cy="494640"/>
+            <a:ext cx="10743480" cy="494280"/>
           </a:xfrm>
           <a:prstGeom prst="rect">
             <a:avLst/>
@@ -6921,7 +7017,7 @@
               </a:rPr>
               <a:t>Lectures</a:t>
             </a:r>
-            <a:endParaRPr b="0" lang="en-GB" sz="2400" spc="-1" strike="noStrike">
+            <a:endParaRPr b="0" lang="en-US" sz="2400" spc="-1" strike="noStrike">
               <a:solidFill>
                 <a:srgbClr val="000000"/>
               </a:solidFill>
@@ -6939,7 +7035,7 @@
         <p:spPr>
           <a:xfrm>
             <a:off x="335520" y="1268640"/>
-            <a:ext cx="10743840" cy="5031360"/>
+            <a:ext cx="10743480" cy="5031000"/>
           </a:xfrm>
           <a:prstGeom prst="rect">
             <a:avLst/>
@@ -6984,7 +7080,7 @@
               </a:rPr>
               <a:t>17.04.2023 → Organization + Introduction</a:t>
             </a:r>
-            <a:endParaRPr b="0" lang="en-GB" sz="1800" spc="-1" strike="noStrike">
+            <a:endParaRPr b="0" lang="en-US" sz="1800" spc="-1" strike="noStrike">
               <a:solidFill>
                 <a:srgbClr val="000000"/>
               </a:solidFill>
@@ -7016,7 +7112,7 @@
               </a:rPr>
               <a:t>24.04.2023 → Circular Economy </a:t>
             </a:r>
-            <a:endParaRPr b="0" lang="en-GB" sz="1800" spc="-1" strike="noStrike">
+            <a:endParaRPr b="0" lang="en-US" sz="1800" spc="-1" strike="noStrike">
               <a:solidFill>
                 <a:srgbClr val="000000"/>
               </a:solidFill>
@@ -7048,7 +7144,7 @@
               </a:rPr>
               <a:t>08.05.2023 → Lifecycle Assessment (LCA) </a:t>
             </a:r>
-            <a:endParaRPr b="0" lang="en-GB" sz="1800" spc="-1" strike="noStrike">
+            <a:endParaRPr b="0" lang="en-US" sz="1800" spc="-1" strike="noStrike">
               <a:solidFill>
                 <a:srgbClr val="000000"/>
               </a:solidFill>
@@ -7080,7 +7176,7 @@
               </a:rPr>
               <a:t>15.05.2023 → Introduction to the Internet of Things</a:t>
             </a:r>
-            <a:endParaRPr b="0" lang="en-GB" sz="1800" spc="-1" strike="noStrike">
+            <a:endParaRPr b="0" lang="en-US" sz="1800" spc="-1" strike="noStrike">
               <a:solidFill>
                 <a:srgbClr val="000000"/>
               </a:solidFill>
@@ -7112,7 +7208,7 @@
               </a:rPr>
               <a:t>22.05.2023 → Internet of Things – Communication + Security and Privacy</a:t>
             </a:r>
-            <a:endParaRPr b="0" lang="en-GB" sz="1800" spc="-1" strike="noStrike">
+            <a:endParaRPr b="0" lang="en-US" sz="1800" spc="-1" strike="noStrike">
               <a:solidFill>
                 <a:srgbClr val="000000"/>
               </a:solidFill>
@@ -7144,7 +7240,7 @@
               </a:rPr>
               <a:t>05.06.2023 → Internet of Things – Data Processing and BigData</a:t>
             </a:r>
-            <a:endParaRPr b="0" lang="en-GB" sz="1800" spc="-1" strike="noStrike">
+            <a:endParaRPr b="0" lang="en-US" sz="1800" spc="-1" strike="noStrike">
               <a:solidFill>
                 <a:srgbClr val="000000"/>
               </a:solidFill>
@@ -7186,7 +7282,7 @@
               </a:rPr>
               <a:t>Extra MOOC - Foodsharing </a:t>
             </a:r>
-            <a:endParaRPr b="0" lang="en-GB" sz="1800" spc="-1" strike="noStrike">
+            <a:endParaRPr b="0" lang="en-US" sz="1800" spc="-1" strike="noStrike">
               <a:solidFill>
                 <a:srgbClr val="000000"/>
               </a:solidFill>
@@ -7218,7 +7314,7 @@
               </a:rPr>
               <a:t>12.06.2023 → Industrial Internet of Things</a:t>
             </a:r>
-            <a:endParaRPr b="0" lang="en-GB" sz="1800" spc="-1" strike="noStrike">
+            <a:endParaRPr b="0" lang="en-US" sz="1800" spc="-1" strike="noStrike">
               <a:solidFill>
                 <a:srgbClr val="000000"/>
               </a:solidFill>
@@ -7250,7 +7346,7 @@
               </a:rPr>
               <a:t>19.06.2023 → Introduction to Blockchain Technology</a:t>
             </a:r>
-            <a:endParaRPr b="0" lang="en-GB" sz="1800" spc="-1" strike="noStrike">
+            <a:endParaRPr b="0" lang="en-US" sz="1800" spc="-1" strike="noStrike">
               <a:solidFill>
                 <a:srgbClr val="000000"/>
               </a:solidFill>
@@ -7282,7 +7378,7 @@
               </a:rPr>
               <a:t>26.06.2023 → Blockchain Technology – Consensus</a:t>
             </a:r>
-            <a:endParaRPr b="0" lang="en-GB" sz="1800" spc="-1" strike="noStrike">
+            <a:endParaRPr b="0" lang="en-US" sz="1800" spc="-1" strike="noStrike">
               <a:solidFill>
                 <a:srgbClr val="000000"/>
               </a:solidFill>
@@ -7314,7 +7410,7 @@
               </a:rPr>
               <a:t>03.07.2023 → Blockchain Technology – Ethereum and Smart Contracts</a:t>
             </a:r>
-            <a:endParaRPr b="0" lang="en-GB" sz="1800" spc="-1" strike="noStrike">
+            <a:endParaRPr b="0" lang="en-US" sz="1800" spc="-1" strike="noStrike">
               <a:solidFill>
                 <a:srgbClr val="000000"/>
               </a:solidFill>
@@ -7346,7 +7442,7 @@
               </a:rPr>
               <a:t>10.07.2023 → Blockchain Technology and Sustainability</a:t>
             </a:r>
-            <a:endParaRPr b="0" lang="en-GB" sz="1800" spc="-1" strike="noStrike">
+            <a:endParaRPr b="0" lang="en-US" sz="1800" spc="-1" strike="noStrike">
               <a:solidFill>
                 <a:srgbClr val="000000"/>
               </a:solidFill>
@@ -7398,7 +7494,7 @@
               </a:rPr>
               <a:t> The Machine-to-Everything Economy – A step towards the CE 2.0?</a:t>
             </a:r>
-            <a:endParaRPr b="0" lang="en-GB" sz="1800" spc="-1" strike="noStrike">
+            <a:endParaRPr b="0" lang="en-US" sz="1800" spc="-1" strike="noStrike">
               <a:solidFill>
                 <a:srgbClr val="000000"/>
               </a:solidFill>
@@ -7446,7 +7542,7 @@
         <p:spPr>
           <a:xfrm>
             <a:off x="335520" y="764640"/>
-            <a:ext cx="10743840" cy="494640"/>
+            <a:ext cx="10743480" cy="494280"/>
           </a:xfrm>
           <a:prstGeom prst="rect">
             <a:avLst/>
@@ -7482,7 +7578,7 @@
               </a:rPr>
               <a:t>Exercises</a:t>
             </a:r>
-            <a:endParaRPr b="0" lang="en-GB" sz="2400" spc="-1" strike="noStrike">
+            <a:endParaRPr b="0" lang="en-US" sz="2400" spc="-1" strike="noStrike">
               <a:solidFill>
                 <a:srgbClr val="000000"/>
               </a:solidFill>
@@ -7500,7 +7596,7 @@
         <p:spPr>
           <a:xfrm>
             <a:off x="335520" y="1268640"/>
-            <a:ext cx="10743840" cy="5031360"/>
+            <a:ext cx="10743480" cy="5031000"/>
           </a:xfrm>
           <a:prstGeom prst="rect">
             <a:avLst/>
@@ -7565,7 +7661,7 @@
               </a:rPr>
               <a:t> Exercise 01 – Knowledge Test (MC)</a:t>
             </a:r>
-            <a:endParaRPr b="0" lang="en-GB" sz="1800" spc="-1" strike="noStrike">
+            <a:endParaRPr b="0" lang="en-US" sz="1800" spc="-1" strike="noStrike">
               <a:solidFill>
                 <a:srgbClr val="000000"/>
               </a:solidFill>
@@ -7617,7 +7713,7 @@
               </a:rPr>
               <a:t> Exercise 02 – Circular Economy (MC)</a:t>
             </a:r>
-            <a:endParaRPr b="0" lang="en-GB" sz="1800" spc="-1" strike="noStrike">
+            <a:endParaRPr b="0" lang="en-US" sz="1800" spc="-1" strike="noStrike">
               <a:solidFill>
                 <a:srgbClr val="000000"/>
               </a:solidFill>
@@ -7669,7 +7765,7 @@
               </a:rPr>
               <a:t> Exercise 03 – Lifecycle Assessment (LCA)</a:t>
             </a:r>
-            <a:endParaRPr b="0" lang="en-GB" sz="1800" spc="-1" strike="noStrike">
+            <a:endParaRPr b="0" lang="en-US" sz="1800" spc="-1" strike="noStrike">
               <a:solidFill>
                 <a:srgbClr val="000000"/>
               </a:solidFill>
@@ -7721,7 +7817,7 @@
               </a:rPr>
               <a:t> Exercise 04 – IoT Sensing and Gathering Data</a:t>
             </a:r>
-            <a:endParaRPr b="0" lang="en-GB" sz="1800" spc="-1" strike="noStrike">
+            <a:endParaRPr b="0" lang="en-US" sz="1800" spc="-1" strike="noStrike">
               <a:solidFill>
                 <a:srgbClr val="000000"/>
               </a:solidFill>
@@ -7771,19 +7867,9 @@
                 <a:latin typeface="DejaVu Sans"/>
                 <a:ea typeface="DejaVu Sans"/>
               </a:rPr>
-              <a:t> Exercise 05 – </a:t>
-            </a:r>
-            <a:r>
-              <a:rPr b="0" lang="de-DE" sz="1800" spc="-1" strike="noStrike">
-                <a:solidFill>
-                  <a:srgbClr val="000000"/>
-                </a:solidFill>
-                <a:latin typeface="DejaVu Sans"/>
-                <a:ea typeface="DejaVu Sans"/>
-              </a:rPr>
-              <a:t>IoT Security</a:t>
-            </a:r>
-            <a:endParaRPr b="0" lang="en-GB" sz="1800" spc="-1" strike="noStrike">
+              <a:t> Exercise 05 – IoT Security</a:t>
+            </a:r>
+            <a:endParaRPr b="0" lang="en-US" sz="1800" spc="-1" strike="noStrike">
               <a:solidFill>
                 <a:srgbClr val="000000"/>
               </a:solidFill>
@@ -7833,19 +7919,9 @@
                 <a:latin typeface="DejaVu Sans"/>
                 <a:ea typeface="DejaVu Sans"/>
               </a:rPr>
-              <a:t> Exercise 06 – </a:t>
-            </a:r>
-            <a:r>
-              <a:rPr b="0" lang="de-DE" sz="1800" spc="-1" strike="noStrike">
-                <a:solidFill>
-                  <a:srgbClr val="000000"/>
-                </a:solidFill>
-                <a:latin typeface="DejaVu Sans"/>
-                <a:ea typeface="DejaVu Sans"/>
-              </a:rPr>
-              <a:t>IoT Data Processing</a:t>
-            </a:r>
-            <a:endParaRPr b="0" lang="en-GB" sz="1800" spc="-1" strike="noStrike">
+              <a:t> Exercise 06 – IoT Data Processing</a:t>
+            </a:r>
+            <a:endParaRPr b="0" lang="en-US" sz="1800" spc="-1" strike="noStrike">
               <a:solidFill>
                 <a:srgbClr val="000000"/>
               </a:solidFill>
@@ -7877,7 +7953,7 @@
               </a:rPr>
               <a:t>12.06.2023 → Exercise 07 – Industrial IoT</a:t>
             </a:r>
-            <a:endParaRPr b="0" lang="en-GB" sz="1800" spc="-1" strike="noStrike">
+            <a:endParaRPr b="0" lang="en-US" sz="1800" spc="-1" strike="noStrike">
               <a:solidFill>
                 <a:srgbClr val="000000"/>
               </a:solidFill>
@@ -7949,7 +8025,7 @@
               </a:rPr>
               <a:t> 08 – Blockchain (MC)</a:t>
             </a:r>
-            <a:endParaRPr b="0" lang="en-GB" sz="1800" spc="-1" strike="noStrike">
+            <a:endParaRPr b="0" lang="en-US" sz="1800" spc="-1" strike="noStrike">
               <a:solidFill>
                 <a:srgbClr val="000000"/>
               </a:solidFill>
@@ -8001,7 +8077,7 @@
               </a:rPr>
               <a:t> Exercise 09 – Blockchain Basics</a:t>
             </a:r>
-            <a:endParaRPr b="0" lang="en-GB" sz="1800" spc="-1" strike="noStrike">
+            <a:endParaRPr b="0" lang="en-US" sz="1800" spc="-1" strike="noStrike">
               <a:solidFill>
                 <a:srgbClr val="000000"/>
               </a:solidFill>
@@ -8053,7 +8129,7 @@
               </a:rPr>
               <a:t> Exercise 10 – Blockchain Conensus</a:t>
             </a:r>
-            <a:endParaRPr b="0" lang="en-GB" sz="1800" spc="-1" strike="noStrike">
+            <a:endParaRPr b="0" lang="en-US" sz="1800" spc="-1" strike="noStrike">
               <a:solidFill>
                 <a:srgbClr val="000000"/>
               </a:solidFill>
@@ -8105,7 +8181,7 @@
               </a:rPr>
               <a:t> Exercise 11 – Blockchain Tokens</a:t>
             </a:r>
-            <a:endParaRPr b="0" lang="en-GB" sz="1800" spc="-1" strike="noStrike">
+            <a:endParaRPr b="0" lang="en-US" sz="1800" spc="-1" strike="noStrike">
               <a:solidFill>
                 <a:srgbClr val="000000"/>
               </a:solidFill>
@@ -8157,7 +8233,7 @@
               </a:rPr>
               <a:t> Exercise 12 – Blockchain Smart Contracts and IoT</a:t>
             </a:r>
-            <a:endParaRPr b="0" lang="en-GB" sz="1800" spc="-1" strike="noStrike">
+            <a:endParaRPr b="0" lang="en-US" sz="1800" spc="-1" strike="noStrike">
               <a:solidFill>
                 <a:srgbClr val="000000"/>
               </a:solidFill>
@@ -8205,7 +8281,7 @@
         <p:spPr>
           <a:xfrm>
             <a:off x="335520" y="764640"/>
-            <a:ext cx="10743840" cy="494640"/>
+            <a:ext cx="10743480" cy="494280"/>
           </a:xfrm>
           <a:prstGeom prst="rect">
             <a:avLst/>
@@ -8241,7 +8317,7 @@
               </a:rPr>
               <a:t>Course Organization</a:t>
             </a:r>
-            <a:endParaRPr b="0" lang="en-GB" sz="2400" spc="-1" strike="noStrike">
+            <a:endParaRPr b="0" lang="en-US" sz="2400" spc="-1" strike="noStrike">
               <a:solidFill>
                 <a:srgbClr val="000000"/>
               </a:solidFill>
@@ -8259,7 +8335,7 @@
         <p:spPr>
           <a:xfrm>
             <a:off x="335520" y="1268280"/>
-            <a:ext cx="10743840" cy="5031360"/>
+            <a:ext cx="10743480" cy="5031000"/>
           </a:xfrm>
           <a:prstGeom prst="rect">
             <a:avLst/>
@@ -8304,7 +8380,7 @@
               </a:rPr>
               <a:t>Online course that is offered in parallel at the Clausthal University of Technology and the University of Göttingen</a:t>
             </a:r>
-            <a:endParaRPr b="0" lang="en-GB" sz="1800" spc="-1" strike="noStrike">
+            <a:endParaRPr b="0" lang="en-US" sz="1800" spc="-1" strike="noStrike">
               <a:solidFill>
                 <a:srgbClr val="000000"/>
               </a:solidFill>
@@ -8320,7 +8396,7 @@
                 <a:spcPts val="360"/>
               </a:spcBef>
             </a:pPr>
-            <a:endParaRPr b="0" lang="en-GB" sz="1800" spc="-1" strike="noStrike">
+            <a:endParaRPr b="0" lang="en-US" sz="1800" spc="-1" strike="noStrike">
               <a:solidFill>
                 <a:srgbClr val="000000"/>
               </a:solidFill>
@@ -8352,7 +8428,7 @@
               </a:rPr>
               <a:t>Organization of the lecture:</a:t>
             </a:r>
-            <a:endParaRPr b="0" lang="en-GB" sz="1800" spc="-1" strike="noStrike">
+            <a:endParaRPr b="0" lang="en-US" sz="1800" spc="-1" strike="noStrike">
               <a:solidFill>
                 <a:srgbClr val="000000"/>
               </a:solidFill>
@@ -8406,7 +8482,7 @@
               </a:rPr>
               <a:t>)</a:t>
             </a:r>
-            <a:endParaRPr b="0" lang="en-GB" sz="1800" spc="-1" strike="noStrike">
+            <a:endParaRPr b="0" lang="en-US" sz="1800" spc="-1" strike="noStrike">
               <a:solidFill>
                 <a:srgbClr val="000000"/>
               </a:solidFill>
@@ -8425,7 +8501,7 @@
                 <a:srgbClr val="008c4f"/>
               </a:buClr>
               <a:buSzPct val="45000"/>
-              <a:buFont typeface="Symbol" charset="2"/>
+              <a:buFont typeface="Symbol"/>
               <a:buChar char=""/>
             </a:pPr>
             <a:r>
@@ -8438,7 +8514,7 @@
               </a:rPr>
               <a:t>Please report bugs!</a:t>
             </a:r>
-            <a:endParaRPr b="0" lang="en-GB" sz="1800" spc="-1" strike="noStrike">
+            <a:endParaRPr b="0" lang="en-US" sz="1800" spc="-1" strike="noStrike">
               <a:solidFill>
                 <a:srgbClr val="000000"/>
               </a:solidFill>
@@ -8470,7 +8546,7 @@
               </a:rPr>
               <a:t>Lectures and exercises as live stream (BBB – next slide)</a:t>
             </a:r>
-            <a:endParaRPr b="0" lang="en-GB" sz="1800" spc="-1" strike="noStrike">
+            <a:endParaRPr b="0" lang="en-US" sz="1800" spc="-1" strike="noStrike">
               <a:solidFill>
                 <a:srgbClr val="000000"/>
               </a:solidFill>
@@ -8502,7 +8578,7 @@
               </a:rPr>
               <a:t>Lecture recordings will be available on StudIP and on Github</a:t>
             </a:r>
-            <a:endParaRPr b="0" lang="en-GB" sz="1800" spc="-1" strike="noStrike">
+            <a:endParaRPr b="0" lang="en-US" sz="1800" spc="-1" strike="noStrike">
               <a:solidFill>
                 <a:srgbClr val="000000"/>
               </a:solidFill>
@@ -8554,7 +8630,7 @@
               </a:rPr>
               <a:t>Time for questions and eventual tutorials related to the exercises</a:t>
             </a:r>
-            <a:endParaRPr b="0" lang="en-GB" sz="1800" spc="-1" strike="noStrike">
+            <a:endParaRPr b="0" lang="en-US" sz="1800" spc="-1" strike="noStrike">
               <a:solidFill>
                 <a:srgbClr val="000000"/>
               </a:solidFill>
@@ -8570,7 +8646,7 @@
                 <a:spcPts val="360"/>
               </a:spcBef>
             </a:pPr>
-            <a:endParaRPr b="0" lang="en-GB" sz="1800" spc="-1" strike="noStrike">
+            <a:endParaRPr b="0" lang="en-US" sz="1800" spc="-1" strike="noStrike">
               <a:solidFill>
                 <a:srgbClr val="000000"/>
               </a:solidFill>
@@ -8648,7 +8724,7 @@
               </a:rPr>
               <a:t> respond to</a:t>
             </a:r>
-            <a:endParaRPr b="0" lang="en-GB" sz="1800" spc="-1" strike="noStrike">
+            <a:endParaRPr b="0" lang="en-US" sz="1800" spc="-1" strike="noStrike">
               <a:solidFill>
                 <a:srgbClr val="000000"/>
               </a:solidFill>
@@ -8674,7 +8750,7 @@
               </a:rPr>
               <a:t>emails written to this specific email address!</a:t>
             </a:r>
-            <a:endParaRPr b="0" lang="en-GB" sz="1800" spc="-1" strike="noStrike">
+            <a:endParaRPr b="0" lang="en-US" sz="1800" spc="-1" strike="noStrike">
               <a:solidFill>
                 <a:srgbClr val="000000"/>
               </a:solidFill>
@@ -8722,7 +8798,7 @@
         <p:spPr>
           <a:xfrm>
             <a:off x="335520" y="764640"/>
-            <a:ext cx="10742400" cy="493200"/>
+            <a:ext cx="10742040" cy="492840"/>
           </a:xfrm>
           <a:prstGeom prst="rect">
             <a:avLst/>
@@ -8758,7 +8834,7 @@
               </a:rPr>
               <a:t>Dates/Times/Locations</a:t>
             </a:r>
-            <a:endParaRPr b="0" lang="en-GB" sz="2400" spc="-1" strike="noStrike">
+            <a:endParaRPr b="0" lang="en-US" sz="2400" spc="-1" strike="noStrike">
               <a:solidFill>
                 <a:srgbClr val="000000"/>
               </a:solidFill>
@@ -8771,7 +8847,7 @@
                 <a:spcPct val="100000"/>
               </a:lnSpc>
             </a:pPr>
-            <a:endParaRPr b="0" lang="en-GB" sz="2400" spc="-1" strike="noStrike">
+            <a:endParaRPr b="0" lang="en-US" sz="2400" spc="-1" strike="noStrike">
               <a:solidFill>
                 <a:srgbClr val="000000"/>
               </a:solidFill>
@@ -8784,7 +8860,7 @@
                 <a:spcPct val="100000"/>
               </a:lnSpc>
             </a:pPr>
-            <a:endParaRPr b="0" lang="en-GB" sz="2400" spc="-1" strike="noStrike">
+            <a:endParaRPr b="0" lang="en-US" sz="2400" spc="-1" strike="noStrike">
               <a:solidFill>
                 <a:srgbClr val="000000"/>
               </a:solidFill>
@@ -8802,7 +8878,7 @@
         <p:spPr>
           <a:xfrm>
             <a:off x="335520" y="1268640"/>
-            <a:ext cx="10742400" cy="5029920"/>
+            <a:ext cx="10742040" cy="5029560"/>
           </a:xfrm>
           <a:prstGeom prst="rect">
             <a:avLst/>
@@ -8823,6 +8899,22 @@
             <a:noAutofit/>
           </a:bodyPr>
           <a:p>
+            <a:pPr>
+              <a:lnSpc>
+                <a:spcPct val="100000"/>
+              </a:lnSpc>
+              <a:spcBef>
+                <a:spcPts val="360"/>
+              </a:spcBef>
+            </a:pPr>
+            <a:endParaRPr b="0" lang="en-US" sz="1800" spc="-1" strike="noStrike">
+              <a:solidFill>
+                <a:srgbClr val="000000"/>
+              </a:solidFill>
+              <a:latin typeface="Arial"/>
+            </a:endParaRPr>
+          </a:p>
+          <a:p>
             <a:pPr marL="195120" indent="-188640">
               <a:lnSpc>
                 <a:spcPct val="100000"/>
@@ -8837,7 +8929,170 @@
               <a:buFont typeface="Wingdings" charset="2"/>
               <a:buChar char=""/>
             </a:pPr>
-            <a:endParaRPr b="0" lang="en-GB" sz="1800" spc="-1" strike="noStrike">
+            <a:r>
+              <a:rPr b="0" lang="en-GB" sz="1800" spc="-1" strike="noStrike" u="sng">
+                <a:solidFill>
+                  <a:srgbClr val="000000"/>
+                </a:solidFill>
+                <a:uFillTx/>
+                <a:latin typeface="DejaVu Sans"/>
+                <a:ea typeface="DejaVu Sans"/>
+              </a:rPr>
+              <a:t>Lecture:</a:t>
+            </a:r>
+            <a:endParaRPr b="0" lang="en-US" sz="1800" spc="-1" strike="noStrike">
+              <a:solidFill>
+                <a:srgbClr val="000000"/>
+              </a:solidFill>
+              <a:latin typeface="Arial"/>
+            </a:endParaRPr>
+          </a:p>
+          <a:p>
+            <a:pPr lvl="1" marL="432000" indent="-211320">
+              <a:lnSpc>
+                <a:spcPct val="100000"/>
+              </a:lnSpc>
+              <a:spcBef>
+                <a:spcPts val="360"/>
+              </a:spcBef>
+              <a:buClr>
+                <a:srgbClr val="008c4f"/>
+              </a:buClr>
+              <a:buSzPct val="45000"/>
+              <a:buFont typeface="OpenSymbol"/>
+              <a:buChar char="—"/>
+            </a:pPr>
+            <a:r>
+              <a:rPr b="0" lang="en-GB" sz="1800" spc="-1" strike="noStrike">
+                <a:solidFill>
+                  <a:srgbClr val="000000"/>
+                </a:solidFill>
+                <a:latin typeface="DejaVu Sans"/>
+                <a:ea typeface="DejaVu Sans"/>
+              </a:rPr>
+              <a:t>Monday </a:t>
+            </a:r>
+            <a:r>
+              <a:rPr b="1" lang="en-GB" sz="1800" spc="-1" strike="noStrike">
+                <a:solidFill>
+                  <a:srgbClr val="000000"/>
+                </a:solidFill>
+                <a:latin typeface="DejaVu Sans"/>
+                <a:ea typeface="DejaVu Sans"/>
+              </a:rPr>
+              <a:t>2:15 pm to 3:45 pm</a:t>
+            </a:r>
+            <a:r>
+              <a:rPr b="0" lang="en-GB" sz="1800" spc="-1" strike="noStrike">
+                <a:solidFill>
+                  <a:srgbClr val="000000"/>
+                </a:solidFill>
+                <a:latin typeface="DejaVu Sans"/>
+                <a:ea typeface="DejaVu Sans"/>
+              </a:rPr>
+              <a:t> (Berlin time) – </a:t>
+            </a:r>
+            <a:r>
+              <a:rPr b="1" lang="en-GB" sz="1800" spc="-1" strike="noStrike">
+                <a:solidFill>
+                  <a:srgbClr val="000000"/>
+                </a:solidFill>
+                <a:latin typeface="DejaVu Sans"/>
+                <a:ea typeface="DejaVu Sans"/>
+              </a:rPr>
+              <a:t>17.04.2023</a:t>
+            </a:r>
+            <a:r>
+              <a:rPr b="0" lang="en-GB" sz="1800" spc="-1" strike="noStrike">
+                <a:solidFill>
+                  <a:srgbClr val="000000"/>
+                </a:solidFill>
+                <a:latin typeface="DejaVu Sans"/>
+                <a:ea typeface="DejaVu Sans"/>
+              </a:rPr>
+              <a:t> to </a:t>
+            </a:r>
+            <a:r>
+              <a:rPr b="1" lang="en-GB" sz="1800" spc="-1" strike="noStrike">
+                <a:solidFill>
+                  <a:srgbClr val="000000"/>
+                </a:solidFill>
+                <a:latin typeface="DejaVu Sans"/>
+                <a:ea typeface="DejaVu Sans"/>
+              </a:rPr>
+              <a:t>17.07.2023</a:t>
+            </a:r>
+            <a:endParaRPr b="0" lang="en-US" sz="1800" spc="-1" strike="noStrike">
+              <a:solidFill>
+                <a:srgbClr val="000000"/>
+              </a:solidFill>
+              <a:latin typeface="Arial"/>
+            </a:endParaRPr>
+          </a:p>
+          <a:p>
+            <a:pPr lvl="1" marL="432000" indent="-211320">
+              <a:lnSpc>
+                <a:spcPct val="100000"/>
+              </a:lnSpc>
+              <a:spcBef>
+                <a:spcPts val="360"/>
+              </a:spcBef>
+              <a:buClr>
+                <a:srgbClr val="008c4f"/>
+              </a:buClr>
+              <a:buSzPct val="45000"/>
+              <a:buFont typeface="OpenSymbol"/>
+              <a:buChar char="—"/>
+            </a:pPr>
+            <a:r>
+              <a:rPr b="0" lang="en-GB" sz="1800" spc="-1" strike="noStrike">
+                <a:solidFill>
+                  <a:srgbClr val="000000"/>
+                </a:solidFill>
+                <a:latin typeface="DejaVu Sans"/>
+                <a:ea typeface="DejaVu Sans"/>
+              </a:rPr>
+              <a:t>Location: Goslar Gotec (Am Stollen 19 C, 38640 Goslar, Germany) or via BigBlueButton (</a:t>
+            </a:r>
+            <a:r>
+              <a:rPr b="0" lang="en-GB" sz="1800" spc="-1" strike="noStrike" u="sng">
+                <a:solidFill>
+                  <a:srgbClr val="0000ff"/>
+                </a:solidFill>
+                <a:uFillTx/>
+                <a:latin typeface="DejaVu Sans"/>
+                <a:ea typeface="DejaVu Sans"/>
+                <a:hlinkClick r:id="rId1"/>
+              </a:rPr>
+              <a:t>Link</a:t>
+            </a:r>
+            <a:r>
+              <a:rPr b="0" lang="en-GB" sz="1800" spc="-1" strike="noStrike">
+                <a:solidFill>
+                  <a:srgbClr val="000000"/>
+                </a:solidFill>
+                <a:latin typeface="DejaVu Sans"/>
+                <a:ea typeface="DejaVu Sans"/>
+              </a:rPr>
+              <a:t>)</a:t>
+            </a:r>
+            <a:endParaRPr b="0" lang="en-US" sz="1800" spc="-1" strike="noStrike">
+              <a:solidFill>
+                <a:srgbClr val="000000"/>
+              </a:solidFill>
+              <a:latin typeface="Arial"/>
+            </a:endParaRPr>
+          </a:p>
+          <a:p>
+            <a:pPr>
+              <a:lnSpc>
+                <a:spcPct val="100000"/>
+              </a:lnSpc>
+              <a:spcBef>
+                <a:spcPts val="360"/>
+              </a:spcBef>
+            </a:pPr>
+            <a:endParaRPr b="0" lang="en-US" sz="1800" spc="-1" strike="noStrike">
               <a:solidFill>
                 <a:srgbClr val="000000"/>
               </a:solidFill>
@@ -8868,9 +9123,9 @@
                 <a:latin typeface="DejaVu Sans"/>
                 <a:ea typeface="DejaVu Sans"/>
               </a:rPr>
-              <a:t>Lecture:</a:t>
-            </a:r>
-            <a:endParaRPr b="0" lang="en-GB" sz="1800" spc="-1" strike="noStrike">
+              <a:t>Exercise / Q&amp;A:</a:t>
+            </a:r>
+            <a:endParaRPr b="0" lang="en-US" sz="1800" spc="-1" strike="noStrike">
               <a:solidFill>
                 <a:srgbClr val="000000"/>
               </a:solidFill>
@@ -8910,7 +9165,7 @@
                 <a:latin typeface="DejaVu Sans"/>
                 <a:ea typeface="DejaVu Sans"/>
               </a:rPr>
-              <a:t>2:15 pm to 3:45 pm</a:t>
+              <a:t>4 pm to 5 pm</a:t>
             </a:r>
             <a:r>
               <a:rPr b="0" lang="en-GB" sz="1800" spc="-1" strike="noStrike">
@@ -8952,7 +9207,7 @@
               </a:rPr>
               <a:t>17.07.2023</a:t>
             </a:r>
-            <a:endParaRPr b="0" lang="en-GB" sz="1800" spc="-1" strike="noStrike">
+            <a:endParaRPr b="0" lang="en-US" sz="1800" spc="-1" strike="noStrike">
               <a:solidFill>
                 <a:srgbClr val="000000"/>
               </a:solidFill>
@@ -8992,7 +9247,7 @@
                 <a:uFillTx/>
                 <a:latin typeface="DejaVu Sans"/>
                 <a:ea typeface="DejaVu Sans"/>
-                <a:hlinkClick r:id="rId1"/>
+                <a:hlinkClick r:id="rId2"/>
               </a:rPr>
               <a:t>Link</a:t>
             </a:r>
@@ -9006,192 +9261,7 @@
               </a:rPr>
               <a:t>)</a:t>
             </a:r>
-            <a:endParaRPr b="0" lang="en-GB" sz="1800" spc="-1" strike="noStrike">
-              <a:solidFill>
-                <a:srgbClr val="000000"/>
-              </a:solidFill>
-              <a:latin typeface="Arial"/>
-            </a:endParaRPr>
-          </a:p>
-          <a:p>
-            <a:pPr>
-              <a:lnSpc>
-                <a:spcPct val="100000"/>
-              </a:lnSpc>
-              <a:spcBef>
-                <a:spcPts val="360"/>
-              </a:spcBef>
-            </a:pPr>
-            <a:endParaRPr b="0" lang="en-GB" sz="1800" spc="-1" strike="noStrike">
-              <a:solidFill>
-                <a:srgbClr val="000000"/>
-              </a:solidFill>
-              <a:latin typeface="Arial"/>
-            </a:endParaRPr>
-          </a:p>
-          <a:p>
-            <a:pPr marL="195120" indent="-188640">
-              <a:lnSpc>
-                <a:spcPct val="100000"/>
-              </a:lnSpc>
-              <a:spcBef>
-                <a:spcPts val="360"/>
-              </a:spcBef>
-              <a:buClr>
-                <a:srgbClr val="008c4f"/>
-              </a:buClr>
-              <a:buSzPct val="80000"/>
-              <a:buFont typeface="Wingdings" charset="2"/>
-              <a:buChar char=""/>
-            </a:pPr>
-            <a:r>
-              <a:rPr b="0" lang="en-GB" sz="1800" spc="-1" strike="noStrike" u="sng">
-                <a:solidFill>
-                  <a:srgbClr val="000000"/>
-                </a:solidFill>
-                <a:uFillTx/>
-                <a:latin typeface="DejaVu Sans"/>
-                <a:ea typeface="DejaVu Sans"/>
-              </a:rPr>
-              <a:t>Exercise / Q&amp;A:</a:t>
-            </a:r>
-            <a:endParaRPr b="0" lang="en-GB" sz="1800" spc="-1" strike="noStrike">
-              <a:solidFill>
-                <a:srgbClr val="000000"/>
-              </a:solidFill>
-              <a:latin typeface="Arial"/>
-            </a:endParaRPr>
-          </a:p>
-          <a:p>
-            <a:pPr lvl="1" marL="432000" indent="-211320">
-              <a:lnSpc>
-                <a:spcPct val="100000"/>
-              </a:lnSpc>
-              <a:spcBef>
-                <a:spcPts val="360"/>
-              </a:spcBef>
-              <a:buClr>
-                <a:srgbClr val="008c4f"/>
-              </a:buClr>
-              <a:buSzPct val="45000"/>
-              <a:buFont typeface="OpenSymbol"/>
-              <a:buChar char="—"/>
-            </a:pPr>
-            <a:r>
-              <a:rPr b="0" lang="en-GB" sz="1800" spc="-1" strike="noStrike">
-                <a:solidFill>
-                  <a:srgbClr val="000000"/>
-                </a:solidFill>
-                <a:latin typeface="DejaVu Sans"/>
-                <a:ea typeface="DejaVu Sans"/>
-              </a:rPr>
-              <a:t>Monday </a:t>
-            </a:r>
-            <a:r>
-              <a:rPr b="1" lang="en-GB" sz="1800" spc="-1" strike="noStrike">
-                <a:solidFill>
-                  <a:srgbClr val="000000"/>
-                </a:solidFill>
-                <a:latin typeface="DejaVu Sans"/>
-                <a:ea typeface="DejaVu Sans"/>
-              </a:rPr>
-              <a:t>4 pm to 5 pm</a:t>
-            </a:r>
-            <a:r>
-              <a:rPr b="0" lang="en-GB" sz="1800" spc="-1" strike="noStrike">
-                <a:solidFill>
-                  <a:srgbClr val="000000"/>
-                </a:solidFill>
-                <a:latin typeface="DejaVu Sans"/>
-                <a:ea typeface="DejaVu Sans"/>
-              </a:rPr>
-              <a:t> (Berlin time) – </a:t>
-            </a:r>
-            <a:r>
-              <a:rPr b="1" lang="en-GB" sz="1800" spc="-1" strike="noStrike">
-                <a:solidFill>
-                  <a:srgbClr val="000000"/>
-                </a:solidFill>
-                <a:latin typeface="DejaVu Sans"/>
-                <a:ea typeface="DejaVu Sans"/>
-              </a:rPr>
-              <a:t>17.04.2023</a:t>
-            </a:r>
-            <a:r>
-              <a:rPr b="0" lang="en-GB" sz="1800" spc="-1" strike="noStrike">
-                <a:solidFill>
-                  <a:srgbClr val="000000"/>
-                </a:solidFill>
-                <a:latin typeface="DejaVu Sans"/>
-                <a:ea typeface="DejaVu Sans"/>
-              </a:rPr>
-              <a:t> to </a:t>
-            </a:r>
-            <a:r>
-              <a:rPr b="1" lang="en-GB" sz="1800" spc="-1" strike="noStrike">
-                <a:solidFill>
-                  <a:srgbClr val="000000"/>
-                </a:solidFill>
-                <a:latin typeface="DejaVu Sans"/>
-                <a:ea typeface="DejaVu Sans"/>
-              </a:rPr>
-              <a:t>17.07.2023</a:t>
-            </a:r>
-            <a:endParaRPr b="0" lang="en-GB" sz="1800" spc="-1" strike="noStrike">
-              <a:solidFill>
-                <a:srgbClr val="000000"/>
-              </a:solidFill>
-              <a:latin typeface="Arial"/>
-            </a:endParaRPr>
-          </a:p>
-          <a:p>
-            <a:pPr lvl="1" marL="432000" indent="-211320">
-              <a:lnSpc>
-                <a:spcPct val="100000"/>
-              </a:lnSpc>
-              <a:spcBef>
-                <a:spcPts val="360"/>
-              </a:spcBef>
-              <a:buClr>
-                <a:srgbClr val="008c4f"/>
-              </a:buClr>
-              <a:buSzPct val="45000"/>
-              <a:buFont typeface="OpenSymbol"/>
-              <a:buChar char="—"/>
-            </a:pPr>
-            <a:r>
-              <a:rPr b="0" lang="en-GB" sz="1800" spc="-1" strike="noStrike">
-                <a:solidFill>
-                  <a:srgbClr val="000000"/>
-                </a:solidFill>
-                <a:latin typeface="DejaVu Sans"/>
-                <a:ea typeface="DejaVu Sans"/>
-              </a:rPr>
-              <a:t>Location: Goslar Gotec (Am Stollen 19 C, 38640 Goslar, Germany) or via BigBlueButton (</a:t>
-            </a:r>
-            <a:r>
-              <a:rPr b="0" lang="en-GB" sz="1800" spc="-1" strike="noStrike" u="sng">
-                <a:solidFill>
-                  <a:srgbClr val="0000ff"/>
-                </a:solidFill>
-                <a:uFillTx/>
-                <a:latin typeface="DejaVu Sans"/>
-                <a:ea typeface="DejaVu Sans"/>
-                <a:hlinkClick r:id="rId2"/>
-              </a:rPr>
-              <a:t>Link</a:t>
-            </a:r>
-            <a:r>
-              <a:rPr b="0" lang="en-GB" sz="1800" spc="-1" strike="noStrike">
-                <a:solidFill>
-                  <a:srgbClr val="000000"/>
-                </a:solidFill>
-                <a:latin typeface="DejaVu Sans"/>
-                <a:ea typeface="DejaVu Sans"/>
-              </a:rPr>
-              <a:t>)</a:t>
-            </a:r>
-            <a:endParaRPr b="0" lang="en-GB" sz="1800" spc="-1" strike="noStrike">
+            <a:endParaRPr b="0" lang="en-US" sz="1800" spc="-1" strike="noStrike">
               <a:solidFill>
                 <a:srgbClr val="000000"/>
               </a:solidFill>
@@ -9239,7 +9309,7 @@
         <p:spPr>
           <a:xfrm>
             <a:off x="335520" y="764640"/>
-            <a:ext cx="10743840" cy="494640"/>
+            <a:ext cx="10743480" cy="494280"/>
           </a:xfrm>
           <a:prstGeom prst="rect">
             <a:avLst/>
@@ -9275,7 +9345,7 @@
               </a:rPr>
               <a:t>Exercises </a:t>
             </a:r>
-            <a:endParaRPr b="0" lang="en-GB" sz="2400" spc="-1" strike="noStrike">
+            <a:endParaRPr b="0" lang="en-US" sz="2400" spc="-1" strike="noStrike">
               <a:solidFill>
                 <a:srgbClr val="000000"/>
               </a:solidFill>
@@ -9293,7 +9363,7 @@
         <p:spPr>
           <a:xfrm>
             <a:off x="335520" y="1268280"/>
-            <a:ext cx="10743840" cy="5031360"/>
+            <a:ext cx="10743480" cy="5031000"/>
           </a:xfrm>
           <a:prstGeom prst="rect">
             <a:avLst/>
@@ -9319,7 +9389,7 @@
                 <a:spcPct val="100000"/>
               </a:lnSpc>
             </a:pPr>
-            <a:endParaRPr b="0" lang="en-GB" sz="1800" spc="-1" strike="noStrike">
+            <a:endParaRPr b="0" lang="en-US" sz="1800" spc="-1" strike="noStrike">
               <a:solidFill>
                 <a:srgbClr val="000000"/>
               </a:solidFill>
@@ -9391,7 +9461,7 @@
               </a:rPr>
               <a:t>no group submissions</a:t>
             </a:r>
-            <a:endParaRPr b="0" lang="en-GB" sz="1800" spc="-1" strike="noStrike">
+            <a:endParaRPr b="0" lang="en-US" sz="1800" spc="-1" strike="noStrike">
               <a:solidFill>
                 <a:srgbClr val="000000"/>
               </a:solidFill>
@@ -9423,7 +9493,7 @@
               </a:rPr>
               <a:t>Multiple-Choice or coding tasks</a:t>
             </a:r>
-            <a:endParaRPr b="0" lang="en-GB" sz="1800" spc="-1" strike="noStrike">
+            <a:endParaRPr b="0" lang="en-US" sz="1800" spc="-1" strike="noStrike">
               <a:solidFill>
                 <a:srgbClr val="000000"/>
               </a:solidFill>
@@ -9455,7 +9525,7 @@
               </a:rPr>
               <a:t>7-14 days to submit (depending on the task)</a:t>
             </a:r>
-            <a:endParaRPr b="0" lang="en-GB" sz="1800" spc="-1" strike="noStrike">
+            <a:endParaRPr b="0" lang="en-US" sz="1800" spc="-1" strike="noStrike">
               <a:solidFill>
                 <a:srgbClr val="000000"/>
               </a:solidFill>
@@ -9487,7 +9557,7 @@
               </a:rPr>
               <a:t>Submission deadline is always Monday at 1:59pm (right before the next lecture)</a:t>
             </a:r>
-            <a:endParaRPr b="0" lang="en-GB" sz="1800" spc="-1" strike="noStrike">
+            <a:endParaRPr b="0" lang="en-US" sz="1800" spc="-1" strike="noStrike">
               <a:solidFill>
                 <a:srgbClr val="000000"/>
               </a:solidFill>
@@ -9549,7 +9619,7 @@
               </a:rPr>
               <a:t>mandatory</a:t>
             </a:r>
-            <a:endParaRPr b="0" lang="en-GB" sz="1800" spc="-1" strike="noStrike">
+            <a:endParaRPr b="0" lang="en-US" sz="1800" spc="-1" strike="noStrike">
               <a:solidFill>
                 <a:srgbClr val="000000"/>
               </a:solidFill>
@@ -9582,7 +9652,7 @@
               </a:rPr>
               <a:t>You pass by submitting an exercise – even if it is an empty page</a:t>
             </a:r>
-            <a:endParaRPr b="0" lang="en-GB" sz="1800" spc="-1" strike="noStrike">
+            <a:endParaRPr b="0" lang="en-US" sz="1800" spc="-1" strike="noStrike">
               <a:solidFill>
                 <a:srgbClr val="000000"/>
               </a:solidFill>
@@ -9614,7 +9684,7 @@
               </a:rPr>
               <a:t>You will receive feedback on your submission</a:t>
             </a:r>
-            <a:endParaRPr b="0" lang="en-GB" sz="1800" spc="-1" strike="noStrike">
+            <a:endParaRPr b="0" lang="en-US" sz="1800" spc="-1" strike="noStrike">
               <a:solidFill>
                 <a:srgbClr val="000000"/>
               </a:solidFill>
@@ -9646,7 +9716,7 @@
               </a:rPr>
               <a:t>Exercise = learning feedback</a:t>
             </a:r>
-            <a:endParaRPr b="0" lang="en-GB" sz="1800" spc="-1" strike="noStrike">
+            <a:endParaRPr b="0" lang="en-US" sz="1800" spc="-1" strike="noStrike">
               <a:solidFill>
                 <a:srgbClr val="000000"/>
               </a:solidFill>
@@ -9694,7 +9764,7 @@
         <p:spPr>
           <a:xfrm>
             <a:off x="335520" y="764640"/>
-            <a:ext cx="10743840" cy="494640"/>
+            <a:ext cx="10743480" cy="494280"/>
           </a:xfrm>
           <a:prstGeom prst="rect">
             <a:avLst/>
@@ -9730,7 +9800,7 @@
               </a:rPr>
               <a:t>Coding Exercise Submission and Grading – Clausthal and Göttingen</a:t>
             </a:r>
-            <a:endParaRPr b="0" lang="en-GB" sz="2400" spc="-1" strike="noStrike">
+            <a:endParaRPr b="0" lang="en-US" sz="2400" spc="-1" strike="noStrike">
               <a:solidFill>
                 <a:srgbClr val="000000"/>
               </a:solidFill>
@@ -9748,7 +9818,7 @@
         <p:spPr>
           <a:xfrm>
             <a:off x="335520" y="1268640"/>
-            <a:ext cx="10743840" cy="5031360"/>
+            <a:ext cx="10743480" cy="5031000"/>
           </a:xfrm>
           <a:prstGeom prst="rect">
             <a:avLst/>
@@ -9793,7 +9863,7 @@
               </a:rPr>
               <a:t>Coding exercises are graded semi-automatically. Due to this it is highly important that you follow the required submission format. Otherwise the grading process will fail and you will receive 0 points.</a:t>
             </a:r>
-            <a:endParaRPr b="0" lang="en-GB" sz="1800" spc="-1" strike="noStrike">
+            <a:endParaRPr b="0" lang="en-US" sz="1800" spc="-1" strike="noStrike">
               <a:solidFill>
                 <a:srgbClr val="000000"/>
               </a:solidFill>
@@ -9825,7 +9895,7 @@
               </a:rPr>
               <a:t>Code must use Python. Do not use any libraries beyond what is specified in the assignment as they may not be available in the grading environment.</a:t>
             </a:r>
-            <a:endParaRPr b="0" lang="en-GB" sz="1800" spc="-1" strike="noStrike">
+            <a:endParaRPr b="0" lang="en-US" sz="1800" spc="-1" strike="noStrike">
               <a:solidFill>
                 <a:srgbClr val="000000"/>
               </a:solidFill>
@@ -9877,7 +9947,7 @@
               </a:rPr>
               <a:t>. Usually this means:</a:t>
             </a:r>
-            <a:endParaRPr b="0" lang="en-GB" sz="1800" spc="-1" strike="noStrike">
+            <a:endParaRPr b="0" lang="en-US" sz="1800" spc="-1" strike="noStrike">
               <a:solidFill>
                 <a:srgbClr val="000000"/>
               </a:solidFill>
@@ -9909,7 +9979,7 @@
               </a:rPr>
               <a:t>If the handout contains a folder ‘lab1’, your submission should have a folder ‘lab1’ in the archive with the files inside it. The folder must not be inside another folder and the files must not be directly in the archive outside the folder.</a:t>
             </a:r>
-            <a:endParaRPr b="0" lang="en-GB" sz="1800" spc="-1" strike="noStrike">
+            <a:endParaRPr b="0" lang="en-US" sz="1800" spc="-1" strike="noStrike">
               <a:solidFill>
                 <a:srgbClr val="000000"/>
               </a:solidFill>
@@ -9961,7 +10031,7 @@
               </a:rPr>
               <a:t> archive, not tar, rar, tar.gz or anything else.</a:t>
             </a:r>
-            <a:endParaRPr b="0" lang="en-GB" sz="1800" spc="-1" strike="noStrike">
+            <a:endParaRPr b="0" lang="en-US" sz="1800" spc="-1" strike="noStrike">
               <a:solidFill>
                 <a:srgbClr val="000000"/>
               </a:solidFill>
@@ -9979,7 +10049,7 @@
         <p:spPr>
           <a:xfrm>
             <a:off x="4655880" y="476640"/>
-            <a:ext cx="2430000" cy="356040"/>
+            <a:ext cx="2429640" cy="355680"/>
           </a:xfrm>
           <a:prstGeom prst="rect">
             <a:avLst/>
@@ -10000,11 +10070,17 @@
             <a:noAutofit/>
           </a:bodyPr>
           <a:p>
+            <a:pPr>
+              <a:lnSpc>
+                <a:spcPct val="100000"/>
+              </a:lnSpc>
+            </a:pPr>
             <a:endParaRPr b="0" lang="en-GB" sz="1800" spc="-1" strike="noStrike">
               <a:solidFill>
                 <a:srgbClr val="000000"/>
               </a:solidFill>
               <a:latin typeface="Arial"/>
+              <a:ea typeface="DejaVu Sans"/>
             </a:endParaRPr>
           </a:p>
         </p:txBody>
@@ -10048,7 +10124,7 @@
         <p:spPr>
           <a:xfrm>
             <a:off x="335520" y="764640"/>
-            <a:ext cx="10743840" cy="494640"/>
+            <a:ext cx="10743480" cy="494280"/>
           </a:xfrm>
           <a:prstGeom prst="rect">
             <a:avLst/>
@@ -10084,7 +10160,7 @@
               </a:rPr>
               <a:t>Coding Exercise Submission and Grading – Clausthal and Göttingen</a:t>
             </a:r>
-            <a:endParaRPr b="0" lang="en-GB" sz="2400" spc="-1" strike="noStrike">
+            <a:endParaRPr b="0" lang="en-US" sz="2400" spc="-1" strike="noStrike">
               <a:solidFill>
                 <a:srgbClr val="000000"/>
               </a:solidFill>
@@ -10102,7 +10178,7 @@
         <p:spPr>
           <a:xfrm>
             <a:off x="335520" y="1268640"/>
-            <a:ext cx="10743840" cy="5031360"/>
+            <a:ext cx="10743480" cy="5031000"/>
           </a:xfrm>
           <a:prstGeom prst="rect">
             <a:avLst/>
@@ -10147,7 +10223,7 @@
               </a:rPr>
               <a:t>Before submitting, unpack your archive to a new folder and check that the Makefile runs correctly.</a:t>
             </a:r>
-            <a:endParaRPr b="0" lang="en-GB" sz="1800" spc="-1" strike="noStrike">
+            <a:endParaRPr b="0" lang="en-US" sz="1800" spc="-1" strike="noStrike">
               <a:solidFill>
                 <a:srgbClr val="000000"/>
               </a:solidFill>
@@ -10177,41 +10253,9 @@
                 <a:latin typeface="DejaVu Sans"/>
                 <a:ea typeface="DejaVu Sans"/>
               </a:rPr>
-              <a:t>For grading, we use a different test program, so, no, hardcoding the answers to the provided driver.py will not work.</a:t>
-            </a:r>
-            <a:endParaRPr b="0" lang="en-GB" sz="1800" spc="-1" strike="noStrike">
-              <a:solidFill>
-                <a:srgbClr val="000000"/>
-              </a:solidFill>
-              <a:latin typeface="Arial"/>
-            </a:endParaRPr>
-          </a:p>
-          <a:p>
-            <a:pPr marL="195120" indent="-189720">
-              <a:lnSpc>
-                <a:spcPct val="100000"/>
-              </a:lnSpc>
-              <a:spcBef>
-                <a:spcPts val="360"/>
-              </a:spcBef>
-              <a:buClr>
-                <a:srgbClr val="008c4f"/>
-              </a:buClr>
-              <a:buSzPct val="115000"/>
-              <a:buFont typeface="Wingdings" charset="2"/>
-              <a:buChar char=""/>
-            </a:pPr>
-            <a:r>
-              <a:rPr b="0" lang="de-DE" sz="1800" spc="-1" strike="noStrike">
-                <a:solidFill>
-                  <a:srgbClr val="000000"/>
-                </a:solidFill>
-                <a:latin typeface="DejaVu Sans"/>
-                <a:ea typeface="DejaVu Sans"/>
-              </a:rPr>
               <a:t>Code is submitted via a timed write-only StudIP submission folder. Only a single file can be submitted. The file name must follow the exact format ‘lab&lt;n&gt;_&lt;matriculation number&gt;.zip’, so for example ‘lab4_123456789.zip’, no extra space or _ symbols anywhere.</a:t>
             </a:r>
-            <a:endParaRPr b="0" lang="en-GB" sz="1800" spc="-1" strike="noStrike">
+            <a:endParaRPr b="0" lang="en-US" sz="1800" spc="-1" strike="noStrike">
               <a:solidFill>
                 <a:srgbClr val="000000"/>
               </a:solidFill>
@@ -10229,7 +10273,7 @@
         <p:spPr>
           <a:xfrm>
             <a:off x="4655880" y="476640"/>
-            <a:ext cx="2430000" cy="356040"/>
+            <a:ext cx="2429640" cy="355680"/>
           </a:xfrm>
           <a:prstGeom prst="rect">
             <a:avLst/>
@@ -10250,11 +10294,17 @@
             <a:noAutofit/>
           </a:bodyPr>
           <a:p>
+            <a:pPr>
+              <a:lnSpc>
+                <a:spcPct val="100000"/>
+              </a:lnSpc>
+            </a:pPr>
             <a:endParaRPr b="0" lang="en-GB" sz="1800" spc="-1" strike="noStrike">
               <a:solidFill>
                 <a:srgbClr val="000000"/>
               </a:solidFill>
               <a:latin typeface="Arial"/>
+              <a:ea typeface="DejaVu Sans"/>
             </a:endParaRPr>
           </a:p>
         </p:txBody>
@@ -10298,7 +10348,7 @@
         <p:spPr>
           <a:xfrm>
             <a:off x="335520" y="764640"/>
-            <a:ext cx="10741680" cy="492480"/>
+            <a:ext cx="10741320" cy="492120"/>
           </a:xfrm>
           <a:prstGeom prst="rect">
             <a:avLst/>
@@ -10334,7 +10384,7 @@
               </a:rPr>
               <a:t>License</a:t>
             </a:r>
-            <a:endParaRPr b="0" lang="en-GB" sz="2400" spc="-1" strike="noStrike">
+            <a:endParaRPr b="0" lang="en-US" sz="2400" spc="-1" strike="noStrike">
               <a:solidFill>
                 <a:srgbClr val="000000"/>
               </a:solidFill>
@@ -10352,7 +10402,7 @@
         <p:spPr>
           <a:xfrm>
             <a:off x="335520" y="1268640"/>
-            <a:ext cx="10741680" cy="5029200"/>
+            <a:ext cx="10741320" cy="5028840"/>
           </a:xfrm>
           <a:prstGeom prst="rect">
             <a:avLst/>
@@ -10381,7 +10431,7 @@
                 <a:spcPts val="360"/>
               </a:spcBef>
             </a:pPr>
-            <a:endParaRPr b="0" lang="en-GB" sz="1800" spc="-1" strike="noStrike">
+            <a:endParaRPr b="0" lang="en-US" sz="1800" spc="-1" strike="noStrike">
               <a:solidFill>
                 <a:srgbClr val="000000"/>
               </a:solidFill>
@@ -10397,7 +10447,7 @@
                 <a:spcPts val="360"/>
               </a:spcBef>
             </a:pPr>
-            <a:endParaRPr b="0" lang="en-GB" sz="1800" spc="-1" strike="noStrike">
+            <a:endParaRPr b="0" lang="en-US" sz="1800" spc="-1" strike="noStrike">
               <a:solidFill>
                 <a:srgbClr val="000000"/>
               </a:solidFill>
@@ -10415,7 +10465,7 @@
         <p:spPr>
           <a:xfrm>
             <a:off x="336600" y="3429000"/>
-            <a:ext cx="10859400" cy="2051280"/>
+            <a:ext cx="10859040" cy="2050920"/>
           </a:xfrm>
           <a:prstGeom prst="rect">
             <a:avLst/>
@@ -10505,7 +10555,7 @@
               </a:rPr>
               <a:t> .</a:t>
             </a:r>
-            <a:endParaRPr b="0" lang="en-GB" sz="2000" spc="-1" strike="noStrike">
+            <a:endParaRPr b="0" lang="en-US" sz="2000" spc="-1" strike="noStrike">
               <a:solidFill>
                 <a:srgbClr val="000000"/>
               </a:solidFill>
@@ -10562,7 +10612,7 @@
               </a:rPr>
               <a:t>.</a:t>
             </a:r>
-            <a:endParaRPr b="0" lang="en-GB" sz="2000" spc="-1" strike="noStrike">
+            <a:endParaRPr b="0" lang="en-US" sz="2000" spc="-1" strike="noStrike">
               <a:solidFill>
                 <a:srgbClr val="000000"/>
               </a:solidFill>
@@ -10610,7 +10660,7 @@
         <p:spPr>
           <a:xfrm>
             <a:off x="335520" y="840960"/>
-            <a:ext cx="10743840" cy="494640"/>
+            <a:ext cx="10743480" cy="494280"/>
           </a:xfrm>
           <a:prstGeom prst="rect">
             <a:avLst/>
@@ -10646,7 +10696,7 @@
               </a:rPr>
               <a:t>Multiple-Choice Exercises – Göttingen </a:t>
             </a:r>
-            <a:endParaRPr b="0" lang="en-GB" sz="2400" spc="-1" strike="noStrike">
+            <a:endParaRPr b="0" lang="en-US" sz="2400" spc="-1" strike="noStrike">
               <a:solidFill>
                 <a:srgbClr val="000000"/>
               </a:solidFill>
@@ -10664,7 +10714,7 @@
         <p:spPr>
           <a:xfrm>
             <a:off x="388800" y="1488600"/>
-            <a:ext cx="10722240" cy="5204520"/>
+            <a:ext cx="10721880" cy="5204520"/>
           </a:xfrm>
           <a:prstGeom prst="rect">
             <a:avLst/>
@@ -10700,7 +10750,7 @@
               </a:rPr>
               <a:t>Every student enrolled in this course is required to take the Knowledge quiz in first two weeks of the course. </a:t>
             </a:r>
-            <a:endParaRPr b="0" lang="en-GB" sz="1400" spc="-1" strike="noStrike">
+            <a:endParaRPr b="0" lang="en-US" sz="1400" spc="-1" strike="noStrike">
               <a:solidFill>
                 <a:srgbClr val="000000"/>
               </a:solidFill>
@@ -10719,17 +10769,7 @@
               <a:buFont typeface="Monotype Sorts" charset="2"/>
               <a:buChar char=""/>
             </a:pPr>
-            <a:r>
-              <a:rPr b="0" lang="en-US" sz="1400" spc="-1" strike="noStrike">
-                <a:solidFill>
-                  <a:srgbClr val="000000"/>
-                </a:solidFill>
-                <a:latin typeface="Arial"/>
-                <a:ea typeface="DejaVu Sans"/>
-              </a:rPr>
-              <a:t> </a:t>
-            </a:r>
-            <a:endParaRPr b="0" lang="en-GB" sz="1400" spc="-1" strike="noStrike">
+            <a:endParaRPr b="0" lang="en-US" sz="1400" spc="-1" strike="noStrike">
               <a:solidFill>
                 <a:srgbClr val="000000"/>
               </a:solidFill>
@@ -10768,7 +10808,7 @@
               </a:rPr>
               <a:t>Monday, 17 April 2023, 5:00 PM until 24 April 2023 01:59 PM</a:t>
             </a:r>
-            <a:endParaRPr b="0" lang="en-GB" sz="1400" spc="-1" strike="noStrike">
+            <a:endParaRPr b="0" lang="en-US" sz="1400" spc="-1" strike="noStrike">
               <a:solidFill>
                 <a:srgbClr val="000000"/>
               </a:solidFill>
@@ -10797,7 +10837,7 @@
               </a:rPr>
               <a:t> </a:t>
             </a:r>
-            <a:endParaRPr b="0" lang="en-GB" sz="1400" spc="-1" strike="noStrike">
+            <a:endParaRPr b="0" lang="en-US" sz="1400" spc="-1" strike="noStrike">
               <a:solidFill>
                 <a:srgbClr val="000000"/>
               </a:solidFill>
@@ -10836,7 +10876,7 @@
               </a:rPr>
               <a:t>Monday, 24 April 2023, 5:00 PM until 01 May 2023 01:59 PM</a:t>
             </a:r>
-            <a:endParaRPr b="0" lang="en-GB" sz="1400" spc="-1" strike="noStrike">
+            <a:endParaRPr b="0" lang="en-US" sz="1400" spc="-1" strike="noStrike">
               <a:solidFill>
                 <a:srgbClr val="000000"/>
               </a:solidFill>
@@ -10865,7 +10905,7 @@
               </a:rPr>
               <a:t> </a:t>
             </a:r>
-            <a:endParaRPr b="0" lang="en-GB" sz="1400" spc="-1" strike="noStrike">
+            <a:endParaRPr b="0" lang="en-US" sz="1400" spc="-1" strike="noStrike">
               <a:solidFill>
                 <a:srgbClr val="000000"/>
               </a:solidFill>
@@ -10894,7 +10934,7 @@
               </a:rPr>
               <a:t>Goal of the test:</a:t>
             </a:r>
-            <a:endParaRPr b="0" lang="en-GB" sz="1400" spc="-1" strike="noStrike">
+            <a:endParaRPr b="0" lang="en-US" sz="1400" spc="-1" strike="noStrike">
               <a:solidFill>
                 <a:srgbClr val="000000"/>
               </a:solidFill>
@@ -10923,7 +10963,7 @@
               </a:rPr>
               <a:t>To check the knowledge level of the student that is relevant to this course of study.</a:t>
             </a:r>
-            <a:endParaRPr b="0" lang="en-GB" sz="1400" spc="-1" strike="noStrike">
+            <a:endParaRPr b="0" lang="en-US" sz="1400" spc="-1" strike="noStrike">
               <a:solidFill>
                 <a:srgbClr val="000000"/>
               </a:solidFill>
@@ -10952,7 +10992,7 @@
               </a:rPr>
               <a:t> </a:t>
             </a:r>
-            <a:endParaRPr b="0" lang="en-GB" sz="1400" spc="-1" strike="noStrike">
+            <a:endParaRPr b="0" lang="en-US" sz="1400" spc="-1" strike="noStrike">
               <a:solidFill>
                 <a:srgbClr val="000000"/>
               </a:solidFill>
@@ -10981,7 +11021,7 @@
               </a:rPr>
               <a:t>Preparation:</a:t>
             </a:r>
-            <a:endParaRPr b="0" lang="en-GB" sz="1400" spc="-1" strike="noStrike">
+            <a:endParaRPr b="0" lang="en-US" sz="1400" spc="-1" strike="noStrike">
               <a:solidFill>
                 <a:srgbClr val="000000"/>
               </a:solidFill>
@@ -11008,9 +11048,9 @@
                 <a:latin typeface="DejaVu Sans"/>
                 <a:ea typeface="Arial Unicode MS"/>
               </a:rPr>
-              <a:t>A review of basic concepts of Cryptography and Circular Economy is recommended for Week 1 and Week 2 respectively</a:t>
-            </a:r>
-            <a:endParaRPr b="0" lang="en-GB" sz="1400" spc="-1" strike="noStrike">
+              <a:t>A review of basic concepts of Cryptography and Python for Week 1, and Circular Economy for Week 2 is recommended.</a:t>
+            </a:r>
+            <a:endParaRPr b="0" lang="en-US" sz="1400" spc="-1" strike="noStrike">
               <a:solidFill>
                 <a:srgbClr val="000000"/>
               </a:solidFill>
@@ -11039,7 +11079,7 @@
               </a:rPr>
               <a:t>Knowledge quiz for Week 1 only tests your existing knowledge.</a:t>
             </a:r>
-            <a:endParaRPr b="0" lang="en-GB" sz="1400" spc="-1" strike="noStrike">
+            <a:endParaRPr b="0" lang="en-US" sz="1400" spc="-1" strike="noStrike">
               <a:solidFill>
                 <a:srgbClr val="000000"/>
               </a:solidFill>
@@ -11068,7 +11108,7 @@
               </a:rPr>
               <a:t> </a:t>
             </a:r>
-            <a:endParaRPr b="0" lang="en-GB" sz="1400" spc="-1" strike="noStrike">
+            <a:endParaRPr b="0" lang="en-US" sz="1400" spc="-1" strike="noStrike">
               <a:solidFill>
                 <a:srgbClr val="000000"/>
               </a:solidFill>
@@ -11097,7 +11137,7 @@
               </a:rPr>
               <a:t>Test sturcture:</a:t>
             </a:r>
-            <a:endParaRPr b="0" lang="en-GB" sz="1400" spc="-1" strike="noStrike">
+            <a:endParaRPr b="0" lang="en-US" sz="1400" spc="-1" strike="noStrike">
               <a:solidFill>
                 <a:srgbClr val="000000"/>
               </a:solidFill>
@@ -11146,7 +11186,7 @@
               </a:rPr>
               <a:t>.</a:t>
             </a:r>
-            <a:endParaRPr b="0" lang="en-GB" sz="1400" spc="-1" strike="noStrike">
+            <a:endParaRPr b="0" lang="en-US" sz="1400" spc="-1" strike="noStrike">
               <a:solidFill>
                 <a:srgbClr val="000000"/>
               </a:solidFill>
@@ -11185,7 +11225,7 @@
               </a:rPr>
               <a:t>1 point</a:t>
             </a:r>
-            <a:endParaRPr b="0" lang="en-GB" sz="1400" spc="-1" strike="noStrike">
+            <a:endParaRPr b="0" lang="en-US" sz="1400" spc="-1" strike="noStrike">
               <a:solidFill>
                 <a:srgbClr val="000000"/>
               </a:solidFill>
@@ -11254,7 +11294,7 @@
               </a:rPr>
               <a:t> as a correct choice is awarded.</a:t>
             </a:r>
-            <a:endParaRPr b="0" lang="en-GB" sz="1400" spc="-1" strike="noStrike">
+            <a:endParaRPr b="0" lang="en-US" sz="1400" spc="-1" strike="noStrike">
               <a:solidFill>
                 <a:srgbClr val="000000"/>
               </a:solidFill>
@@ -11293,7 +11333,7 @@
               </a:rPr>
               <a:t>grade scale of 10.</a:t>
             </a:r>
-            <a:endParaRPr b="0" lang="en-GB" sz="1400" spc="-1" strike="noStrike">
+            <a:endParaRPr b="0" lang="en-US" sz="1400" spc="-1" strike="noStrike">
               <a:solidFill>
                 <a:srgbClr val="000000"/>
               </a:solidFill>
@@ -11322,7 +11362,7 @@
               </a:rPr>
               <a:t>The result of your test will be available after the quiz is closed.</a:t>
             </a:r>
-            <a:endParaRPr b="0" lang="en-GB" sz="1400" spc="-1" strike="noStrike">
+            <a:endParaRPr b="0" lang="en-US" sz="1400" spc="-1" strike="noStrike">
               <a:solidFill>
                 <a:srgbClr val="000000"/>
               </a:solidFill>
@@ -11370,7 +11410,7 @@
         <p:spPr>
           <a:xfrm>
             <a:off x="335520" y="764640"/>
-            <a:ext cx="10743840" cy="494640"/>
+            <a:ext cx="10743480" cy="494280"/>
           </a:xfrm>
           <a:prstGeom prst="rect">
             <a:avLst/>
@@ -11406,7 +11446,7 @@
               </a:rPr>
               <a:t>Multiple-Choice Exercises – Göttingen </a:t>
             </a:r>
-            <a:endParaRPr b="0" lang="en-GB" sz="2400" spc="-1" strike="noStrike">
+            <a:endParaRPr b="0" lang="en-US" sz="2400" spc="-1" strike="noStrike">
               <a:solidFill>
                 <a:srgbClr val="000000"/>
               </a:solidFill>
@@ -11424,7 +11464,7 @@
         <p:spPr>
           <a:xfrm>
             <a:off x="4655880" y="476640"/>
-            <a:ext cx="2430000" cy="356040"/>
+            <a:ext cx="2429640" cy="355680"/>
           </a:xfrm>
           <a:prstGeom prst="rect">
             <a:avLst/>
@@ -11445,11 +11485,17 @@
             <a:noAutofit/>
           </a:bodyPr>
           <a:p>
+            <a:pPr>
+              <a:lnSpc>
+                <a:spcPct val="100000"/>
+              </a:lnSpc>
+            </a:pPr>
             <a:endParaRPr b="0" lang="en-GB" sz="1800" spc="-1" strike="noStrike">
               <a:solidFill>
                 <a:srgbClr val="000000"/>
               </a:solidFill>
               <a:latin typeface="Arial"/>
+              <a:ea typeface="DejaVu Sans"/>
             </a:endParaRPr>
           </a:p>
         </p:txBody>
@@ -11463,7 +11509,7 @@
         <p:spPr>
           <a:xfrm>
             <a:off x="494640" y="1523880"/>
-            <a:ext cx="10362600" cy="477720"/>
+            <a:ext cx="10362240" cy="477360"/>
           </a:xfrm>
           <a:prstGeom prst="rect">
             <a:avLst/>
@@ -11499,7 +11545,7 @@
               </a:rPr>
               <a:t>Step-1: Navigate to StudIP, select "Lernmodule/Learning modules"</a:t>
             </a:r>
-            <a:endParaRPr b="0" lang="en-GB" sz="1800" spc="-1" strike="noStrike">
+            <a:endParaRPr b="0" lang="en-US" sz="1800" spc="-1" strike="noStrike">
               <a:solidFill>
                 <a:srgbClr val="000000"/>
               </a:solidFill>
@@ -11516,13 +11562,13 @@
         </p:nvPicPr>
         <p:blipFill>
           <a:blip r:embed="rId1"/>
-          <a:srcRect l="0" t="0" r="0" b="43279"/>
+          <a:srcRect l="0" t="0" r="0" b="43275"/>
           <a:stretch/>
         </p:blipFill>
         <p:spPr>
           <a:xfrm>
             <a:off x="609120" y="2057760"/>
-            <a:ext cx="9515160" cy="3879360"/>
+            <a:ext cx="9514800" cy="3879000"/>
           </a:xfrm>
           <a:prstGeom prst="rect">
             <a:avLst/>
@@ -11571,7 +11617,7 @@
         <p:spPr>
           <a:xfrm>
             <a:off x="335520" y="764640"/>
-            <a:ext cx="10743840" cy="494640"/>
+            <a:ext cx="10743480" cy="494280"/>
           </a:xfrm>
           <a:prstGeom prst="rect">
             <a:avLst/>
@@ -11607,7 +11653,7 @@
               </a:rPr>
               <a:t>Multiple-Choice Exercises – Göttingen </a:t>
             </a:r>
-            <a:endParaRPr b="0" lang="en-GB" sz="2400" spc="-1" strike="noStrike">
+            <a:endParaRPr b="0" lang="en-US" sz="2400" spc="-1" strike="noStrike">
               <a:solidFill>
                 <a:srgbClr val="000000"/>
               </a:solidFill>
@@ -11625,7 +11671,7 @@
         <p:spPr>
           <a:xfrm>
             <a:off x="4655880" y="476640"/>
-            <a:ext cx="2430000" cy="356040"/>
+            <a:ext cx="2429640" cy="355680"/>
           </a:xfrm>
           <a:prstGeom prst="rect">
             <a:avLst/>
@@ -11646,11 +11692,17 @@
             <a:noAutofit/>
           </a:bodyPr>
           <a:p>
+            <a:pPr>
+              <a:lnSpc>
+                <a:spcPct val="100000"/>
+              </a:lnSpc>
+            </a:pPr>
             <a:endParaRPr b="0" lang="en-GB" sz="1800" spc="-1" strike="noStrike">
               <a:solidFill>
                 <a:srgbClr val="000000"/>
               </a:solidFill>
               <a:latin typeface="Arial"/>
+              <a:ea typeface="DejaVu Sans"/>
             </a:endParaRPr>
           </a:p>
         </p:txBody>
@@ -11664,7 +11716,7 @@
         <p:spPr>
           <a:xfrm>
             <a:off x="494640" y="1474920"/>
-            <a:ext cx="10362600" cy="477720"/>
+            <a:ext cx="10362240" cy="477360"/>
           </a:xfrm>
           <a:prstGeom prst="rect">
             <a:avLst/>
@@ -11710,7 +11762,7 @@
               </a:rPr>
               <a:t>. This will take you to the ILIAS Page</a:t>
             </a:r>
-            <a:endParaRPr b="0" lang="en-GB" sz="1800" spc="-1" strike="noStrike">
+            <a:endParaRPr b="0" lang="en-US" sz="1800" spc="-1" strike="noStrike">
               <a:solidFill>
                 <a:srgbClr val="000000"/>
               </a:solidFill>
@@ -11733,7 +11785,7 @@
         <p:spPr>
           <a:xfrm>
             <a:off x="446400" y="2185200"/>
-            <a:ext cx="9402480" cy="3845520"/>
+            <a:ext cx="9402120" cy="3845160"/>
           </a:xfrm>
           <a:prstGeom prst="rect">
             <a:avLst/>
@@ -11782,7 +11834,7 @@
         <p:spPr>
           <a:xfrm>
             <a:off x="335520" y="764640"/>
-            <a:ext cx="10743840" cy="494640"/>
+            <a:ext cx="10743480" cy="494280"/>
           </a:xfrm>
           <a:prstGeom prst="rect">
             <a:avLst/>
@@ -11818,7 +11870,7 @@
               </a:rPr>
               <a:t>Multiple-Choice Exercises – Göttingen </a:t>
             </a:r>
-            <a:endParaRPr b="0" lang="en-GB" sz="2400" spc="-1" strike="noStrike">
+            <a:endParaRPr b="0" lang="en-US" sz="2400" spc="-1" strike="noStrike">
               <a:solidFill>
                 <a:srgbClr val="000000"/>
               </a:solidFill>
@@ -11836,7 +11888,7 @@
         <p:spPr>
           <a:xfrm>
             <a:off x="4655880" y="476640"/>
-            <a:ext cx="2430000" cy="356040"/>
+            <a:ext cx="2429640" cy="355680"/>
           </a:xfrm>
           <a:prstGeom prst="rect">
             <a:avLst/>
@@ -11857,11 +11909,17 @@
             <a:noAutofit/>
           </a:bodyPr>
           <a:p>
+            <a:pPr>
+              <a:lnSpc>
+                <a:spcPct val="100000"/>
+              </a:lnSpc>
+            </a:pPr>
             <a:endParaRPr b="0" lang="en-GB" sz="1800" spc="-1" strike="noStrike">
               <a:solidFill>
                 <a:srgbClr val="000000"/>
               </a:solidFill>
               <a:latin typeface="Arial"/>
+              <a:ea typeface="DejaVu Sans"/>
             </a:endParaRPr>
           </a:p>
         </p:txBody>
@@ -11875,7 +11933,7 @@
         <p:spPr>
           <a:xfrm>
             <a:off x="494640" y="1523880"/>
-            <a:ext cx="10362600" cy="477720"/>
+            <a:ext cx="10362240" cy="477360"/>
           </a:xfrm>
           <a:prstGeom prst="rect">
             <a:avLst/>
@@ -11911,7 +11969,7 @@
               </a:rPr>
               <a:t>Step-3: On ILIAS, to attempt the test, click on "Test Fortsetzen"</a:t>
             </a:r>
-            <a:endParaRPr b="0" lang="en-GB" sz="1800" spc="-1" strike="noStrike">
+            <a:endParaRPr b="0" lang="en-US" sz="1800" spc="-1" strike="noStrike">
               <a:solidFill>
                 <a:srgbClr val="000000"/>
               </a:solidFill>
@@ -11934,7 +11992,7 @@
         <p:spPr>
           <a:xfrm>
             <a:off x="494640" y="2088360"/>
-            <a:ext cx="8940240" cy="3961800"/>
+            <a:ext cx="8939880" cy="3961440"/>
           </a:xfrm>
           <a:prstGeom prst="rect">
             <a:avLst/>
@@ -11983,7 +12041,7 @@
         <p:spPr>
           <a:xfrm>
             <a:off x="335520" y="764640"/>
-            <a:ext cx="10743840" cy="494640"/>
+            <a:ext cx="10743480" cy="494280"/>
           </a:xfrm>
           <a:prstGeom prst="rect">
             <a:avLst/>
@@ -12019,7 +12077,7 @@
               </a:rPr>
               <a:t>Multiple-Choice Exercises – Göttingen </a:t>
             </a:r>
-            <a:endParaRPr b="0" lang="en-GB" sz="2400" spc="-1" strike="noStrike">
+            <a:endParaRPr b="0" lang="en-US" sz="2400" spc="-1" strike="noStrike">
               <a:solidFill>
                 <a:srgbClr val="000000"/>
               </a:solidFill>
@@ -12037,7 +12095,7 @@
         <p:spPr>
           <a:xfrm>
             <a:off x="4655880" y="476640"/>
-            <a:ext cx="2430000" cy="356040"/>
+            <a:ext cx="2429640" cy="355680"/>
           </a:xfrm>
           <a:prstGeom prst="rect">
             <a:avLst/>
@@ -12058,11 +12116,17 @@
             <a:noAutofit/>
           </a:bodyPr>
           <a:p>
+            <a:pPr>
+              <a:lnSpc>
+                <a:spcPct val="100000"/>
+              </a:lnSpc>
+            </a:pPr>
             <a:endParaRPr b="0" lang="en-GB" sz="1800" spc="-1" strike="noStrike">
               <a:solidFill>
                 <a:srgbClr val="000000"/>
               </a:solidFill>
               <a:latin typeface="Arial"/>
+              <a:ea typeface="DejaVu Sans"/>
             </a:endParaRPr>
           </a:p>
         </p:txBody>
@@ -12076,7 +12140,7 @@
         <p:spPr>
           <a:xfrm>
             <a:off x="494640" y="1523880"/>
-            <a:ext cx="10362600" cy="477720"/>
+            <a:ext cx="10362240" cy="477360"/>
           </a:xfrm>
           <a:prstGeom prst="rect">
             <a:avLst/>
@@ -12112,7 +12176,7 @@
               </a:rPr>
               <a:t>Step-4: After answering a question, click on "Weiter" for the next question, and on "Test beenden" after you answer all questions</a:t>
             </a:r>
-            <a:endParaRPr b="0" lang="en-GB" sz="1800" spc="-1" strike="noStrike">
+            <a:endParaRPr b="0" lang="en-US" sz="1800" spc="-1" strike="noStrike">
               <a:solidFill>
                 <a:srgbClr val="000000"/>
               </a:solidFill>
@@ -12135,7 +12199,7 @@
         <p:spPr>
           <a:xfrm>
             <a:off x="494640" y="2166840"/>
-            <a:ext cx="8335800" cy="4177080"/>
+            <a:ext cx="8335440" cy="4176720"/>
           </a:xfrm>
           <a:prstGeom prst="rect">
             <a:avLst/>
@@ -12184,7 +12248,7 @@
         <p:spPr>
           <a:xfrm>
             <a:off x="335520" y="768240"/>
-            <a:ext cx="10743840" cy="494640"/>
+            <a:ext cx="10743480" cy="494280"/>
           </a:xfrm>
           <a:prstGeom prst="rect">
             <a:avLst/>
@@ -12220,7 +12284,7 @@
               </a:rPr>
               <a:t>Multiple-Choice Exercises – Clausthal </a:t>
             </a:r>
-            <a:endParaRPr b="0" lang="en-GB" sz="2400" spc="-1" strike="noStrike">
+            <a:endParaRPr b="0" lang="en-US" sz="2400" spc="-1" strike="noStrike">
               <a:solidFill>
                 <a:srgbClr val="000000"/>
               </a:solidFill>
@@ -12238,7 +12302,7 @@
         <p:spPr>
           <a:xfrm>
             <a:off x="388800" y="1488600"/>
-            <a:ext cx="10717560" cy="5204520"/>
+            <a:ext cx="10717200" cy="5204520"/>
           </a:xfrm>
           <a:prstGeom prst="rect">
             <a:avLst/>
@@ -12274,7 +12338,7 @@
               </a:rPr>
               <a:t>Every student enrolled in this course is required to take the Knowledge quiz in first two weeks of the course.  </a:t>
             </a:r>
-            <a:endParaRPr b="0" lang="en-GB" sz="1400" spc="-1" strike="noStrike">
+            <a:endParaRPr b="0" lang="en-US" sz="1400" spc="-1" strike="noStrike">
               <a:solidFill>
                 <a:srgbClr val="000000"/>
               </a:solidFill>
@@ -12287,7 +12351,7 @@
                 <a:spcPct val="100000"/>
               </a:lnSpc>
             </a:pPr>
-            <a:endParaRPr b="0" lang="en-GB" sz="1400" spc="-1" strike="noStrike">
+            <a:endParaRPr b="0" lang="en-US" sz="1400" spc="-1" strike="noStrike">
               <a:solidFill>
                 <a:srgbClr val="000000"/>
               </a:solidFill>
@@ -12336,7 +12400,7 @@
               </a:rPr>
               <a:t>, 17 April 2023, 5:00 PM until 24 April 2023 01:59 PM</a:t>
             </a:r>
-            <a:endParaRPr b="0" lang="en-GB" sz="1400" spc="-1" strike="noStrike">
+            <a:endParaRPr b="0" lang="en-US" sz="1400" spc="-1" strike="noStrike">
               <a:solidFill>
                 <a:srgbClr val="000000"/>
               </a:solidFill>
@@ -12355,17 +12419,7 @@
               <a:buFont typeface="Monotype Sorts" charset="2"/>
               <a:buChar char=""/>
             </a:pPr>
-            <a:r>
-              <a:rPr b="0" lang="en-US" sz="1400" spc="-1" strike="noStrike">
-                <a:solidFill>
-                  <a:srgbClr val="000000"/>
-                </a:solidFill>
-                <a:latin typeface="Arial"/>
-                <a:ea typeface="DejaVu Sans"/>
-              </a:rPr>
-              <a:t> </a:t>
-            </a:r>
-            <a:endParaRPr b="0" lang="en-GB" sz="1400" spc="-1" strike="noStrike">
+            <a:endParaRPr b="0" lang="en-US" sz="1400" spc="-1" strike="noStrike">
               <a:solidFill>
                 <a:srgbClr val="000000"/>
               </a:solidFill>
@@ -12414,7 +12468,7 @@
               </a:rPr>
               <a:t>, 24 April 2023, 5:00 PM until 01 May 2023 01:59 PM</a:t>
             </a:r>
-            <a:endParaRPr b="0" lang="en-GB" sz="1400" spc="-1" strike="noStrike">
+            <a:endParaRPr b="0" lang="en-US" sz="1400" spc="-1" strike="noStrike">
               <a:solidFill>
                 <a:srgbClr val="000000"/>
               </a:solidFill>
@@ -12443,7 +12497,7 @@
               </a:rPr>
               <a:t> </a:t>
             </a:r>
-            <a:endParaRPr b="0" lang="en-GB" sz="1400" spc="-1" strike="noStrike">
+            <a:endParaRPr b="0" lang="en-US" sz="1400" spc="-1" strike="noStrike">
               <a:solidFill>
                 <a:srgbClr val="000000"/>
               </a:solidFill>
@@ -12472,7 +12526,7 @@
               </a:rPr>
               <a:t>Goal of the test:</a:t>
             </a:r>
-            <a:endParaRPr b="0" lang="en-GB" sz="1400" spc="-1" strike="noStrike">
+            <a:endParaRPr b="0" lang="en-US" sz="1400" spc="-1" strike="noStrike">
               <a:solidFill>
                 <a:srgbClr val="000000"/>
               </a:solidFill>
@@ -12501,7 +12555,7 @@
               </a:rPr>
               <a:t>To check the knowledge level of the student that is relevant to this course of study.</a:t>
             </a:r>
-            <a:endParaRPr b="0" lang="en-GB" sz="1400" spc="-1" strike="noStrike">
+            <a:endParaRPr b="0" lang="en-US" sz="1400" spc="-1" strike="noStrike">
               <a:solidFill>
                 <a:srgbClr val="000000"/>
               </a:solidFill>
@@ -12530,7 +12584,7 @@
               </a:rPr>
               <a:t> </a:t>
             </a:r>
-            <a:endParaRPr b="0" lang="en-GB" sz="1400" spc="-1" strike="noStrike">
+            <a:endParaRPr b="0" lang="en-US" sz="1400" spc="-1" strike="noStrike">
               <a:solidFill>
                 <a:srgbClr val="000000"/>
               </a:solidFill>
@@ -12559,7 +12613,7 @@
               </a:rPr>
               <a:t>Preparation:</a:t>
             </a:r>
-            <a:endParaRPr b="0" lang="en-GB" sz="1400" spc="-1" strike="noStrike">
+            <a:endParaRPr b="0" lang="en-US" sz="1400" spc="-1" strike="noStrike">
               <a:solidFill>
                 <a:srgbClr val="000000"/>
               </a:solidFill>
@@ -12586,9 +12640,9 @@
                 <a:latin typeface="DejaVu Sans"/>
                 <a:ea typeface="Arial Unicode MS"/>
               </a:rPr>
-              <a:t>A review of basic concepts of Cryptography and Circular Economy is recommended for Week 1 and Week 2 respectively</a:t>
-            </a:r>
-            <a:endParaRPr b="0" lang="en-GB" sz="1400" spc="-1" strike="noStrike">
+              <a:t>A review of basic concepts of Cryptography and Python for Week 1, and Circular Economy for Week 2 is recommended.</a:t>
+            </a:r>
+            <a:endParaRPr b="0" lang="en-US" sz="1400" spc="-1" strike="noStrike">
               <a:solidFill>
                 <a:srgbClr val="000000"/>
               </a:solidFill>
@@ -12617,7 +12671,7 @@
               </a:rPr>
               <a:t>Knowledge quiz for Week 1 only tests your existing knowledge.</a:t>
             </a:r>
-            <a:endParaRPr b="0" lang="en-GB" sz="1400" spc="-1" strike="noStrike">
+            <a:endParaRPr b="0" lang="en-US" sz="1400" spc="-1" strike="noStrike">
               <a:solidFill>
                 <a:srgbClr val="000000"/>
               </a:solidFill>
@@ -12646,7 +12700,7 @@
               </a:rPr>
               <a:t> </a:t>
             </a:r>
-            <a:endParaRPr b="0" lang="en-GB" sz="1400" spc="-1" strike="noStrike">
+            <a:endParaRPr b="0" lang="en-US" sz="1400" spc="-1" strike="noStrike">
               <a:solidFill>
                 <a:srgbClr val="000000"/>
               </a:solidFill>
@@ -12675,7 +12729,7 @@
               </a:rPr>
               <a:t>Test structure:</a:t>
             </a:r>
-            <a:endParaRPr b="0" lang="en-GB" sz="1400" spc="-1" strike="noStrike">
+            <a:endParaRPr b="0" lang="en-US" sz="1400" spc="-1" strike="noStrike">
               <a:solidFill>
                 <a:srgbClr val="000000"/>
               </a:solidFill>
@@ -12724,7 +12778,7 @@
               </a:rPr>
               <a:t>.</a:t>
             </a:r>
-            <a:endParaRPr b="0" lang="en-GB" sz="1400" spc="-1" strike="noStrike">
+            <a:endParaRPr b="0" lang="en-US" sz="1400" spc="-1" strike="noStrike">
               <a:solidFill>
                 <a:srgbClr val="000000"/>
               </a:solidFill>
@@ -12763,7 +12817,7 @@
               </a:rPr>
               <a:t>1 point</a:t>
             </a:r>
-            <a:endParaRPr b="0" lang="en-GB" sz="1400" spc="-1" strike="noStrike">
+            <a:endParaRPr b="0" lang="en-US" sz="1400" spc="-1" strike="noStrike">
               <a:solidFill>
                 <a:srgbClr val="000000"/>
               </a:solidFill>
@@ -12832,7 +12886,7 @@
               </a:rPr>
               <a:t> as a correct choice is awarded.</a:t>
             </a:r>
-            <a:endParaRPr b="0" lang="en-GB" sz="1400" spc="-1" strike="noStrike">
+            <a:endParaRPr b="0" lang="en-US" sz="1400" spc="-1" strike="noStrike">
               <a:solidFill>
                 <a:srgbClr val="000000"/>
               </a:solidFill>
@@ -12871,7 +12925,7 @@
               </a:rPr>
               <a:t>grade scale of 10.</a:t>
             </a:r>
-            <a:endParaRPr b="0" lang="en-GB" sz="1400" spc="-1" strike="noStrike">
+            <a:endParaRPr b="0" lang="en-US" sz="1400" spc="-1" strike="noStrike">
               <a:solidFill>
                 <a:srgbClr val="000000"/>
               </a:solidFill>
@@ -12900,7 +12954,7 @@
               </a:rPr>
               <a:t>The result of your test will be available after the quiz is closed.</a:t>
             </a:r>
-            <a:endParaRPr b="0" lang="en-GB" sz="1400" spc="-1" strike="noStrike">
+            <a:endParaRPr b="0" lang="en-US" sz="1400" spc="-1" strike="noStrike">
               <a:solidFill>
                 <a:srgbClr val="000000"/>
               </a:solidFill>
@@ -12948,7 +13002,7 @@
         <p:spPr>
           <a:xfrm>
             <a:off x="335520" y="764640"/>
-            <a:ext cx="10743840" cy="494640"/>
+            <a:ext cx="10743480" cy="494280"/>
           </a:xfrm>
           <a:prstGeom prst="rect">
             <a:avLst/>
@@ -12984,7 +13038,7 @@
               </a:rPr>
               <a:t>Multiple-Choice Exercises – Clausthal </a:t>
             </a:r>
-            <a:endParaRPr b="0" lang="en-GB" sz="2400" spc="-1" strike="noStrike">
+            <a:endParaRPr b="0" lang="en-US" sz="2400" spc="-1" strike="noStrike">
               <a:solidFill>
                 <a:srgbClr val="000000"/>
               </a:solidFill>
@@ -13002,7 +13056,7 @@
         <p:spPr>
           <a:xfrm>
             <a:off x="494640" y="1523880"/>
-            <a:ext cx="10362600" cy="477720"/>
+            <a:ext cx="10362240" cy="477360"/>
           </a:xfrm>
           <a:prstGeom prst="rect">
             <a:avLst/>
@@ -13038,7 +13092,7 @@
               </a:rPr>
               <a:t>Step-1: Navigate to Moodle on your studip, select "Zum Kurs in Moodle"</a:t>
             </a:r>
-            <a:endParaRPr b="0" lang="en-GB" sz="1800" spc="-1" strike="noStrike">
+            <a:endParaRPr b="0" lang="en-US" sz="1800" spc="-1" strike="noStrike">
               <a:solidFill>
                 <a:srgbClr val="000000"/>
               </a:solidFill>
@@ -13091,6 +13145,7 @@
                 <a:srgbClr val="000000"/>
               </a:solidFill>
               <a:latin typeface="Arial"/>
+              <a:ea typeface="DejaVu Sans"/>
             </a:endParaRPr>
           </a:p>
         </p:txBody>
@@ -13107,8 +13162,8 @@
         </p:blipFill>
         <p:spPr>
           <a:xfrm>
-            <a:off x="1895760" y="2238840"/>
-            <a:ext cx="6784920" cy="4155840"/>
+            <a:off x="2286000" y="2001240"/>
+            <a:ext cx="6981480" cy="4409640"/>
           </a:xfrm>
           <a:prstGeom prst="rect">
             <a:avLst/>
@@ -13157,7 +13212,7 @@
         <p:spPr>
           <a:xfrm>
             <a:off x="335520" y="764640"/>
-            <a:ext cx="10743840" cy="494640"/>
+            <a:ext cx="10743480" cy="494280"/>
           </a:xfrm>
           <a:prstGeom prst="rect">
             <a:avLst/>
@@ -13193,7 +13248,7 @@
               </a:rPr>
               <a:t>Multiple-Choice Exercises – Clausthal </a:t>
             </a:r>
-            <a:endParaRPr b="0" lang="en-GB" sz="2400" spc="-1" strike="noStrike">
+            <a:endParaRPr b="0" lang="en-US" sz="2400" spc="-1" strike="noStrike">
               <a:solidFill>
                 <a:srgbClr val="000000"/>
               </a:solidFill>
@@ -13211,7 +13266,7 @@
         <p:spPr>
           <a:xfrm>
             <a:off x="494640" y="1488600"/>
-            <a:ext cx="5445360" cy="442440"/>
+            <a:ext cx="5445000" cy="442080"/>
           </a:xfrm>
           <a:prstGeom prst="rect">
             <a:avLst/>
@@ -13258,7 +13313,7 @@
               </a:rPr>
               <a:t>"Knowledge Quiz - Week 1"</a:t>
             </a:r>
-            <a:endParaRPr b="0" lang="en-GB" sz="1800" spc="-1" strike="noStrike">
+            <a:endParaRPr b="0" lang="en-US" sz="1800" spc="-1" strike="noStrike">
               <a:solidFill>
                 <a:srgbClr val="000000"/>
               </a:solidFill>
@@ -13279,8 +13334,8 @@
         </p:blipFill>
         <p:spPr>
           <a:xfrm>
-            <a:off x="1828800" y="1937160"/>
-            <a:ext cx="7952400" cy="4086720"/>
+            <a:off x="1114560" y="2014200"/>
+            <a:ext cx="9109440" cy="4394880"/>
           </a:xfrm>
           <a:prstGeom prst="rect">
             <a:avLst/>
@@ -13329,7 +13384,7 @@
         <p:spPr>
           <a:xfrm>
             <a:off x="335520" y="764640"/>
-            <a:ext cx="10743840" cy="494640"/>
+            <a:ext cx="10743480" cy="494280"/>
           </a:xfrm>
           <a:prstGeom prst="rect">
             <a:avLst/>
@@ -13365,7 +13420,7 @@
               </a:rPr>
               <a:t>Multiple-Choice Exercises – Clausthal </a:t>
             </a:r>
-            <a:endParaRPr b="0" lang="en-GB" sz="2400" spc="-1" strike="noStrike">
+            <a:endParaRPr b="0" lang="en-US" sz="2400" spc="-1" strike="noStrike">
               <a:solidFill>
                 <a:srgbClr val="000000"/>
               </a:solidFill>
@@ -13387,7 +13442,7 @@
         <p:spPr>
           <a:xfrm>
             <a:off x="2679480" y="2130480"/>
-            <a:ext cx="7372800" cy="3483720"/>
+            <a:ext cx="7372440" cy="3483360"/>
           </a:xfrm>
           <a:prstGeom prst="rect">
             <a:avLst/>
@@ -13406,7 +13461,7 @@
         <p:spPr>
           <a:xfrm>
             <a:off x="494640" y="1418040"/>
-            <a:ext cx="5216760" cy="442440"/>
+            <a:ext cx="5216400" cy="442080"/>
           </a:xfrm>
           <a:prstGeom prst="rect">
             <a:avLst/>
@@ -13442,7 +13497,7 @@
               </a:rPr>
               <a:t>Step-3 : Start your test if you are ready</a:t>
             </a:r>
-            <a:endParaRPr b="0" lang="en-GB" sz="1800" spc="-1" strike="noStrike">
+            <a:endParaRPr b="0" lang="en-US" sz="1800" spc="-1" strike="noStrike">
               <a:solidFill>
                 <a:srgbClr val="000000"/>
               </a:solidFill>
@@ -13494,7 +13549,7 @@
         <p:spPr>
           <a:xfrm>
             <a:off x="685800" y="2514600"/>
-            <a:ext cx="8870760" cy="3837240"/>
+            <a:ext cx="8870400" cy="3836880"/>
           </a:xfrm>
           <a:prstGeom prst="rect">
             <a:avLst/>
@@ -13513,7 +13568,7 @@
         <p:spPr>
           <a:xfrm>
             <a:off x="335520" y="764640"/>
-            <a:ext cx="10743840" cy="494640"/>
+            <a:ext cx="10743480" cy="494280"/>
           </a:xfrm>
           <a:prstGeom prst="rect">
             <a:avLst/>
@@ -13549,7 +13604,7 @@
               </a:rPr>
               <a:t>Multiple-Choice Exercises – Clausthal </a:t>
             </a:r>
-            <a:endParaRPr b="0" lang="en-GB" sz="2400" spc="-1" strike="noStrike">
+            <a:endParaRPr b="0" lang="en-US" sz="2400" spc="-1" strike="noStrike">
               <a:solidFill>
                 <a:srgbClr val="000000"/>
               </a:solidFill>
@@ -13567,7 +13622,7 @@
         <p:spPr>
           <a:xfrm>
             <a:off x="494640" y="1312200"/>
-            <a:ext cx="1733760" cy="365040"/>
+            <a:ext cx="1733400" cy="364680"/>
           </a:xfrm>
           <a:prstGeom prst="rect">
             <a:avLst/>
@@ -13603,7 +13658,7 @@
               </a:rPr>
               <a:t>Step-4 : </a:t>
             </a:r>
-            <a:endParaRPr b="0" lang="en-GB" sz="1800" spc="-1" strike="noStrike">
+            <a:endParaRPr b="0" lang="en-US" sz="1800" spc="-1" strike="noStrike">
               <a:solidFill>
                 <a:srgbClr val="000000"/>
               </a:solidFill>
@@ -13616,7 +13671,7 @@
                 <a:spcPct val="100000"/>
               </a:lnSpc>
             </a:pPr>
-            <a:endParaRPr b="0" lang="en-GB" sz="1800" spc="-1" strike="noStrike">
+            <a:endParaRPr b="0" lang="en-US" sz="1800" spc="-1" strike="noStrike">
               <a:solidFill>
                 <a:srgbClr val="000000"/>
               </a:solidFill>
@@ -13629,7 +13684,7 @@
                 <a:spcPct val="100000"/>
               </a:lnSpc>
             </a:pPr>
-            <a:endParaRPr b="0" lang="en-GB" sz="1800" spc="-1" strike="noStrike">
+            <a:endParaRPr b="0" lang="en-US" sz="1800" spc="-1" strike="noStrike">
               <a:solidFill>
                 <a:srgbClr val="000000"/>
               </a:solidFill>
@@ -13682,6 +13737,7 @@
                 <a:srgbClr val="000000"/>
               </a:solidFill>
               <a:latin typeface="Arial"/>
+              <a:ea typeface="DejaVu Sans"/>
             </a:endParaRPr>
           </a:p>
         </p:txBody>
@@ -13730,6 +13786,7 @@
                 <a:srgbClr val="000000"/>
               </a:solidFill>
               <a:latin typeface="Arial"/>
+              <a:ea typeface="DejaVu Sans"/>
             </a:endParaRPr>
           </a:p>
         </p:txBody>
@@ -13778,6 +13835,7 @@
                 <a:srgbClr val="000000"/>
               </a:solidFill>
               <a:latin typeface="Arial"/>
+              <a:ea typeface="DejaVu Sans"/>
             </a:endParaRPr>
           </a:p>
         </p:txBody>
@@ -13791,7 +13849,7 @@
         <p:spPr>
           <a:xfrm>
             <a:off x="642600" y="1679400"/>
-            <a:ext cx="4400640" cy="638280"/>
+            <a:ext cx="4400280" cy="638280"/>
           </a:xfrm>
           <a:prstGeom prst="rect">
             <a:avLst/>
@@ -13827,7 +13885,7 @@
               </a:rPr>
               <a:t>A. Sequence of questions</a:t>
             </a:r>
-            <a:endParaRPr b="0" lang="en-GB" sz="1800" spc="-1" strike="noStrike">
+            <a:endParaRPr b="0" lang="en-US" sz="1800" spc="-1" strike="noStrike">
               <a:solidFill>
                 <a:srgbClr val="000000"/>
               </a:solidFill>
@@ -13850,7 +13908,7 @@
               </a:rPr>
               <a:t>B. Timer running for the test</a:t>
             </a:r>
-            <a:endParaRPr b="0" lang="en-GB" sz="1800" spc="-1" strike="noStrike">
+            <a:endParaRPr b="0" lang="en-US" sz="1800" spc="-1" strike="noStrike">
               <a:solidFill>
                 <a:srgbClr val="000000"/>
               </a:solidFill>
@@ -13868,7 +13926,7 @@
         <p:spPr>
           <a:xfrm>
             <a:off x="6549480" y="1679400"/>
-            <a:ext cx="4874400" cy="631080"/>
+            <a:ext cx="4874040" cy="630720"/>
           </a:xfrm>
           <a:prstGeom prst="rect">
             <a:avLst/>
@@ -13904,7 +13962,7 @@
               </a:rPr>
               <a:t>C. Navigate to next question/Finish attampt</a:t>
             </a:r>
-            <a:endParaRPr b="0" lang="en-GB" sz="1800" spc="-1" strike="noStrike">
+            <a:endParaRPr b="0" lang="en-US" sz="1800" spc="-1" strike="noStrike">
               <a:solidFill>
                 <a:srgbClr val="000000"/>
               </a:solidFill>
@@ -13927,7 +13985,7 @@
               </a:rPr>
               <a:t>D. Navigate to previous question</a:t>
             </a:r>
-            <a:endParaRPr b="0" lang="en-GB" sz="1800" spc="-1" strike="noStrike">
+            <a:endParaRPr b="0" lang="en-US" sz="1800" spc="-1" strike="noStrike">
               <a:solidFill>
                 <a:srgbClr val="000000"/>
               </a:solidFill>
@@ -13945,7 +14003,7 @@
         <p:spPr>
           <a:xfrm>
             <a:off x="7839360" y="1679400"/>
-            <a:ext cx="2615760" cy="428400"/>
+            <a:ext cx="2615400" cy="428040"/>
           </a:xfrm>
           <a:prstGeom prst="rect">
             <a:avLst/>
@@ -13971,7 +14029,7 @@
                 <a:spcPct val="100000"/>
               </a:lnSpc>
             </a:pPr>
-            <a:endParaRPr b="0" lang="en-GB" sz="1800" spc="-1" strike="noStrike">
+            <a:endParaRPr b="0" lang="en-US" sz="1800" spc="-1" strike="noStrike">
               <a:solidFill>
                 <a:srgbClr val="000000"/>
               </a:solidFill>
@@ -13984,7 +14042,7 @@
                 <a:spcPct val="100000"/>
               </a:lnSpc>
             </a:pPr>
-            <a:endParaRPr b="0" lang="en-GB" sz="1800" spc="-1" strike="noStrike">
+            <a:endParaRPr b="0" lang="en-US" sz="1800" spc="-1" strike="noStrike">
               <a:solidFill>
                 <a:srgbClr val="000000"/>
               </a:solidFill>
@@ -14002,7 +14060,7 @@
         <p:spPr>
           <a:xfrm>
             <a:off x="8857440" y="3943440"/>
-            <a:ext cx="280440" cy="363960"/>
+            <a:ext cx="280080" cy="363960"/>
           </a:xfrm>
           <a:prstGeom prst="rect">
             <a:avLst/>
@@ -14038,7 +14096,7 @@
               </a:rPr>
               <a:t>A</a:t>
             </a:r>
-            <a:endParaRPr b="0" lang="en-GB" sz="1800" spc="-1" strike="noStrike">
+            <a:endParaRPr b="0" lang="en-US" sz="1800" spc="-1" strike="noStrike">
               <a:solidFill>
                 <a:srgbClr val="000000"/>
               </a:solidFill>
@@ -14056,7 +14114,7 @@
         <p:spPr>
           <a:xfrm>
             <a:off x="9537840" y="4548960"/>
-            <a:ext cx="280440" cy="363960"/>
+            <a:ext cx="280080" cy="363960"/>
           </a:xfrm>
           <a:prstGeom prst="rect">
             <a:avLst/>
@@ -14092,7 +14150,7 @@
               </a:rPr>
               <a:t>B</a:t>
             </a:r>
-            <a:endParaRPr b="0" lang="en-GB" sz="1800" spc="-1" strike="noStrike">
+            <a:endParaRPr b="0" lang="en-US" sz="1800" spc="-1" strike="noStrike">
               <a:solidFill>
                 <a:srgbClr val="000000"/>
               </a:solidFill>
@@ -14110,7 +14168,7 @@
         <p:spPr>
           <a:xfrm>
             <a:off x="7279920" y="6101280"/>
-            <a:ext cx="280800" cy="363960"/>
+            <a:ext cx="280440" cy="363960"/>
           </a:xfrm>
           <a:prstGeom prst="rect">
             <a:avLst/>
@@ -14146,7 +14204,7 @@
               </a:rPr>
               <a:t>C</a:t>
             </a:r>
-            <a:endParaRPr b="0" lang="en-GB" sz="1800" spc="-1" strike="noStrike">
+            <a:endParaRPr b="0" lang="en-US" sz="1800" spc="-1" strike="noStrike">
               <a:solidFill>
                 <a:srgbClr val="000000"/>
               </a:solidFill>
@@ -14199,6 +14257,7 @@
                 <a:srgbClr val="000000"/>
               </a:solidFill>
               <a:latin typeface="Arial"/>
+              <a:ea typeface="DejaVu Sans"/>
             </a:endParaRPr>
           </a:p>
         </p:txBody>
@@ -14212,7 +14271,7 @@
         <p:spPr>
           <a:xfrm>
             <a:off x="1058760" y="6130800"/>
-            <a:ext cx="280800" cy="363960"/>
+            <a:ext cx="280440" cy="363960"/>
           </a:xfrm>
           <a:prstGeom prst="rect">
             <a:avLst/>
@@ -14248,7 +14307,7 @@
               </a:rPr>
               <a:t>D</a:t>
             </a:r>
-            <a:endParaRPr b="0" lang="en-GB" sz="1800" spc="-1" strike="noStrike">
+            <a:endParaRPr b="0" lang="en-US" sz="1800" spc="-1" strike="noStrike">
               <a:solidFill>
                 <a:srgbClr val="000000"/>
               </a:solidFill>
@@ -14296,7 +14355,7 @@
         <p:spPr>
           <a:xfrm>
             <a:off x="335520" y="764640"/>
-            <a:ext cx="10743840" cy="494640"/>
+            <a:ext cx="10743480" cy="494280"/>
           </a:xfrm>
           <a:prstGeom prst="rect">
             <a:avLst/>
@@ -14332,7 +14391,7 @@
               </a:rPr>
               <a:t>Team</a:t>
             </a:r>
-            <a:endParaRPr b="0" lang="en-GB" sz="2400" spc="-1" strike="noStrike">
+            <a:endParaRPr b="0" lang="en-US" sz="2400" spc="-1" strike="noStrike">
               <a:solidFill>
                 <a:srgbClr val="000000"/>
               </a:solidFill>
@@ -14354,7 +14413,7 @@
         <p:spPr>
           <a:xfrm>
             <a:off x="2394720" y="1153800"/>
-            <a:ext cx="1466640" cy="2167920"/>
+            <a:ext cx="1466280" cy="2167560"/>
           </a:xfrm>
           <a:prstGeom prst="rect">
             <a:avLst/>
@@ -14377,7 +14436,7 @@
         <p:spPr>
           <a:xfrm>
             <a:off x="7250040" y="1153800"/>
-            <a:ext cx="1731960" cy="2167920"/>
+            <a:ext cx="1731600" cy="2167560"/>
           </a:xfrm>
           <a:prstGeom prst="rect">
             <a:avLst/>
@@ -14400,7 +14459,7 @@
         <p:spPr>
           <a:xfrm>
             <a:off x="2207880" y="4110120"/>
-            <a:ext cx="1780560" cy="1772640"/>
+            <a:ext cx="1780200" cy="1772280"/>
           </a:xfrm>
           <a:prstGeom prst="rect">
             <a:avLst/>
@@ -14419,7 +14478,7 @@
         <p:spPr>
           <a:xfrm>
             <a:off x="1330200" y="3269880"/>
-            <a:ext cx="3631320" cy="672840"/>
+            <a:ext cx="3630960" cy="672480"/>
           </a:xfrm>
           <a:prstGeom prst="rect">
             <a:avLst/>
@@ -14458,7 +14517,7 @@
               </a:rPr>
               <a:t>Prof. Dr. Benjamin Leiding</a:t>
             </a:r>
-            <a:endParaRPr b="0" lang="en-GB" sz="1600" spc="-1" strike="noStrike">
+            <a:endParaRPr b="0" lang="en-US" sz="1600" spc="-1" strike="noStrike">
               <a:solidFill>
                 <a:srgbClr val="000000"/>
               </a:solidFill>
@@ -14476,7 +14535,7 @@
         <p:spPr>
           <a:xfrm>
             <a:off x="6321600" y="3269880"/>
-            <a:ext cx="3631320" cy="672840"/>
+            <a:ext cx="3630960" cy="672480"/>
           </a:xfrm>
           <a:prstGeom prst="rect">
             <a:avLst/>
@@ -14515,7 +14574,7 @@
               </a:rPr>
               <a:t>Dr. Arne Bochem</a:t>
             </a:r>
-            <a:endParaRPr b="0" lang="en-GB" sz="1600" spc="-1" strike="noStrike">
+            <a:endParaRPr b="0" lang="en-US" sz="1600" spc="-1" strike="noStrike">
               <a:solidFill>
                 <a:srgbClr val="000000"/>
               </a:solidFill>
@@ -14533,7 +14592,7 @@
         <p:spPr>
           <a:xfrm>
             <a:off x="1312200" y="5920200"/>
-            <a:ext cx="3631320" cy="672840"/>
+            <a:ext cx="3630960" cy="672480"/>
           </a:xfrm>
           <a:prstGeom prst="rect">
             <a:avLst/>
@@ -14562,7 +14621,7 @@
                 <a:spcPts val="360"/>
               </a:spcBef>
             </a:pPr>
-            <a:endParaRPr b="0" lang="en-GB" sz="1800" spc="-1" strike="noStrike">
+            <a:endParaRPr b="0" lang="en-US" sz="1800" spc="-1" strike="noStrike">
               <a:solidFill>
                 <a:srgbClr val="000000"/>
               </a:solidFill>
@@ -14578,7 +14637,7 @@
                 <a:spcPts val="360"/>
               </a:spcBef>
             </a:pPr>
-            <a:endParaRPr b="0" lang="en-GB" sz="1800" spc="-1" strike="noStrike">
+            <a:endParaRPr b="0" lang="en-US" sz="1800" spc="-1" strike="noStrike">
               <a:solidFill>
                 <a:srgbClr val="000000"/>
               </a:solidFill>
@@ -14596,7 +14655,7 @@
         <p:spPr>
           <a:xfrm>
             <a:off x="1312200" y="5807160"/>
-            <a:ext cx="3631320" cy="672840"/>
+            <a:ext cx="3630960" cy="672480"/>
           </a:xfrm>
           <a:prstGeom prst="rect">
             <a:avLst/>
@@ -14635,7 +14694,7 @@
               </a:rPr>
               <a:t>M.Sc. Anant Sujatanagarjuna</a:t>
             </a:r>
-            <a:endParaRPr b="0" lang="en-GB" sz="1600" spc="-1" strike="noStrike">
+            <a:endParaRPr b="0" lang="en-US" sz="1600" spc="-1" strike="noStrike">
               <a:solidFill>
                 <a:srgbClr val="000000"/>
               </a:solidFill>
@@ -14653,7 +14712,7 @@
         <p:spPr>
           <a:xfrm>
             <a:off x="4860000" y="5920200"/>
-            <a:ext cx="3631320" cy="672840"/>
+            <a:ext cx="3630960" cy="672480"/>
           </a:xfrm>
           <a:prstGeom prst="rect">
             <a:avLst/>
@@ -14674,11 +14733,17 @@
             <a:noAutofit/>
           </a:bodyPr>
           <a:p>
+            <a:pPr>
+              <a:lnSpc>
+                <a:spcPct val="100000"/>
+              </a:lnSpc>
+            </a:pPr>
             <a:endParaRPr b="0" lang="en-GB" sz="1800" spc="-1" strike="noStrike">
               <a:solidFill>
                 <a:srgbClr val="000000"/>
               </a:solidFill>
               <a:latin typeface="Arial"/>
+              <a:ea typeface="DejaVu Sans"/>
             </a:endParaRPr>
           </a:p>
         </p:txBody>
@@ -14692,7 +14757,7 @@
         <p:spPr>
           <a:xfrm>
             <a:off x="6300000" y="5807160"/>
-            <a:ext cx="3631320" cy="672840"/>
+            <a:ext cx="3630960" cy="672480"/>
           </a:xfrm>
           <a:prstGeom prst="rect">
             <a:avLst/>
@@ -14731,7 +14796,7 @@
               </a:rPr>
               <a:t>M.Sc. Shohreh Kia</a:t>
             </a:r>
-            <a:endParaRPr b="0" lang="en-GB" sz="1600" spc="-1" strike="noStrike">
+            <a:endParaRPr b="0" lang="en-US" sz="1600" spc="-1" strike="noStrike">
               <a:solidFill>
                 <a:srgbClr val="000000"/>
               </a:solidFill>
@@ -14748,13 +14813,13 @@
         </p:nvPicPr>
         <p:blipFill>
           <a:blip r:embed="rId4"/>
-          <a:srcRect l="0" t="10388" r="0" b="0"/>
+          <a:srcRect l="0" t="10387" r="0" b="0"/>
           <a:stretch/>
         </p:blipFill>
         <p:spPr>
           <a:xfrm>
             <a:off x="7380000" y="3960000"/>
-            <a:ext cx="1440000" cy="1923840"/>
+            <a:ext cx="1439640" cy="1923480"/>
           </a:xfrm>
           <a:prstGeom prst="rect">
             <a:avLst/>
@@ -14803,7 +14868,7 @@
         <p:spPr>
           <a:xfrm>
             <a:off x="335520" y="764640"/>
-            <a:ext cx="10743840" cy="494640"/>
+            <a:ext cx="10743480" cy="494280"/>
           </a:xfrm>
           <a:prstGeom prst="rect">
             <a:avLst/>
@@ -14839,7 +14904,7 @@
               </a:rPr>
               <a:t>Examination</a:t>
             </a:r>
-            <a:endParaRPr b="0" lang="en-GB" sz="2400" spc="-1" strike="noStrike">
+            <a:endParaRPr b="0" lang="en-US" sz="2400" spc="-1" strike="noStrike">
               <a:solidFill>
                 <a:srgbClr val="000000"/>
               </a:solidFill>
@@ -14857,7 +14922,7 @@
         <p:spPr>
           <a:xfrm>
             <a:off x="335520" y="1268640"/>
-            <a:ext cx="10743840" cy="5031360"/>
+            <a:ext cx="10743480" cy="5031000"/>
           </a:xfrm>
           <a:prstGeom prst="rect">
             <a:avLst/>
@@ -14902,7 +14967,7 @@
               </a:rPr>
               <a:t>Prerequisite for admission to the final exam (all criteria have to be fulfilled):</a:t>
             </a:r>
-            <a:endParaRPr b="0" lang="en-GB" sz="1800" spc="-1" strike="noStrike">
+            <a:endParaRPr b="0" lang="en-US" sz="1800" spc="-1" strike="noStrike">
               <a:solidFill>
                 <a:srgbClr val="000000"/>
               </a:solidFill>
@@ -14934,7 +14999,23 @@
               </a:rPr>
               <a:t>Submit all exercises</a:t>
             </a:r>
-            <a:endParaRPr b="0" lang="en-GB" sz="1800" spc="-1" strike="noStrike">
+            <a:endParaRPr b="0" lang="en-US" sz="1800" spc="-1" strike="noStrike">
+              <a:solidFill>
+                <a:srgbClr val="000000"/>
+              </a:solidFill>
+              <a:latin typeface="Arial"/>
+            </a:endParaRPr>
+          </a:p>
+          <a:p>
+            <a:pPr>
+              <a:lnSpc>
+                <a:spcPct val="100000"/>
+              </a:lnSpc>
+              <a:spcBef>
+                <a:spcPts val="360"/>
+              </a:spcBef>
+            </a:pPr>
+            <a:endParaRPr b="0" lang="en-US" sz="1800" spc="-1" strike="noStrike">
               <a:solidFill>
                 <a:srgbClr val="000000"/>
               </a:solidFill>
@@ -14956,28 +15037,6 @@
               <a:buFont typeface="Monotype Sorts" charset="2"/>
               <a:buChar char=""/>
             </a:pPr>
-            <a:endParaRPr b="0" lang="en-GB" sz="1800" spc="-1" strike="noStrike">
-              <a:solidFill>
-                <a:srgbClr val="000000"/>
-              </a:solidFill>
-              <a:latin typeface="Arial"/>
-            </a:endParaRPr>
-          </a:p>
-          <a:p>
-            <a:pPr marL="216000" indent="-216000">
-              <a:lnSpc>
-                <a:spcPct val="100000"/>
-              </a:lnSpc>
-              <a:spcBef>
-                <a:spcPts val="360"/>
-              </a:spcBef>
-              <a:buClr>
-                <a:srgbClr val="008c4f"/>
-              </a:buClr>
-              <a:buSzPct val="45000"/>
-              <a:buFont typeface="Monotype Sorts" charset="2"/>
-              <a:buChar char=""/>
-            </a:pPr>
             <a:r>
               <a:rPr b="0" lang="en-US" sz="1800" spc="-1" strike="noStrike">
                 <a:solidFill>
@@ -14988,7 +15047,7 @@
               </a:rPr>
               <a:t>Final exam:</a:t>
             </a:r>
-            <a:endParaRPr b="0" lang="en-GB" sz="1800" spc="-1" strike="noStrike">
+            <a:endParaRPr b="0" lang="en-US" sz="1800" spc="-1" strike="noStrike">
               <a:solidFill>
                 <a:srgbClr val="000000"/>
               </a:solidFill>
@@ -15020,7 +15079,39 @@
               </a:rPr>
               <a:t>Clausthal</a:t>
             </a:r>
-            <a:endParaRPr b="0" lang="en-GB" sz="1800" spc="-1" strike="noStrike">
+            <a:endParaRPr b="0" lang="en-US" sz="1800" spc="-1" strike="noStrike">
+              <a:solidFill>
+                <a:srgbClr val="000000"/>
+              </a:solidFill>
+              <a:latin typeface="Arial"/>
+            </a:endParaRPr>
+          </a:p>
+          <a:p>
+            <a:pPr lvl="2" marL="648000" indent="-216000">
+              <a:lnSpc>
+                <a:spcPct val="100000"/>
+              </a:lnSpc>
+              <a:spcBef>
+                <a:spcPts val="360"/>
+              </a:spcBef>
+              <a:buClr>
+                <a:srgbClr val="000000"/>
+              </a:buClr>
+              <a:buSzPct val="45000"/>
+              <a:buFont typeface="Wingdings" charset="2"/>
+              <a:buChar char=""/>
+            </a:pPr>
+            <a:r>
+              <a:rPr b="0" lang="en-GB" sz="1800" spc="-1" strike="noStrike">
+                <a:solidFill>
+                  <a:srgbClr val="000000"/>
+                </a:solidFill>
+                <a:latin typeface="DejaVu Sans"/>
+                <a:ea typeface="DejaVu Sans"/>
+              </a:rPr>
+              <a:t>Written exam (120min) via Moodle</a:t>
+            </a:r>
+            <a:endParaRPr b="0" lang="en-US" sz="1800" spc="-1" strike="noStrike">
               <a:solidFill>
                 <a:srgbClr val="000000"/>
               </a:solidFill>
@@ -15039,8 +15130,8 @@
                 <a:srgbClr val="008c4f"/>
               </a:buClr>
               <a:buSzPct val="45000"/>
-              <a:buFont typeface="Symbol" charset="2"/>
-              <a:buChar char=""/>
+              <a:buFont typeface="DejaVu Sans"/>
+              <a:buChar char="◾"/>
             </a:pPr>
             <a:r>
               <a:rPr b="0" lang="en-GB" sz="1800" spc="-1" strike="noStrike">
@@ -15050,38 +15141,6 @@
                 <a:latin typeface="DejaVu Sans"/>
                 <a:ea typeface="DejaVu Sans"/>
               </a:rPr>
-              <a:t>Written exam (120min) via Moodle</a:t>
-            </a:r>
-            <a:endParaRPr b="0" lang="en-GB" sz="1800" spc="-1" strike="noStrike">
-              <a:solidFill>
-                <a:srgbClr val="000000"/>
-              </a:solidFill>
-              <a:latin typeface="Arial"/>
-            </a:endParaRPr>
-          </a:p>
-          <a:p>
-            <a:pPr lvl="2" marL="648000" indent="-216000">
-              <a:lnSpc>
-                <a:spcPct val="100000"/>
-              </a:lnSpc>
-              <a:spcBef>
-                <a:spcPts val="360"/>
-              </a:spcBef>
-              <a:buClr>
-                <a:srgbClr val="008c4f"/>
-              </a:buClr>
-              <a:buSzPct val="45000"/>
-              <a:buFont typeface="Symbol" charset="2"/>
-              <a:buChar char=""/>
-            </a:pPr>
-            <a:r>
-              <a:rPr b="0" lang="en-GB" sz="1800" spc="-1" strike="noStrike">
-                <a:solidFill>
-                  <a:srgbClr val="000000"/>
-                </a:solidFill>
-                <a:latin typeface="DejaVu Sans"/>
-                <a:ea typeface="DejaVu Sans"/>
-              </a:rPr>
               <a:t>Date → Most likely </a:t>
             </a:r>
             <a:r>
@@ -15094,7 +15153,7 @@
               </a:rPr>
               <a:t>07.08.2023 from 2 pm – 5 pm</a:t>
             </a:r>
-            <a:endParaRPr b="0" lang="en-GB" sz="1800" spc="-1" strike="noStrike">
+            <a:endParaRPr b="0" lang="en-US" sz="1800" spc="-1" strike="noStrike">
               <a:solidFill>
                 <a:srgbClr val="000000"/>
               </a:solidFill>
@@ -15126,7 +15185,7 @@
               </a:rPr>
               <a:t>Göttingen</a:t>
             </a:r>
-            <a:endParaRPr b="0" lang="en-GB" sz="1800" spc="-1" strike="noStrike">
+            <a:endParaRPr b="0" lang="en-US" sz="1800" spc="-1" strike="noStrike">
               <a:solidFill>
                 <a:srgbClr val="000000"/>
               </a:solidFill>
@@ -15145,7 +15204,7 @@
                 <a:srgbClr val="008c4f"/>
               </a:buClr>
               <a:buSzPct val="45000"/>
-              <a:buFont typeface="Symbol" charset="2"/>
+              <a:buFont typeface="Symbol"/>
               <a:buChar char=""/>
             </a:pPr>
             <a:r>
@@ -15158,7 +15217,7 @@
               </a:rPr>
               <a:t>Oral examination (20min) via BBB</a:t>
             </a:r>
-            <a:endParaRPr b="0" lang="en-GB" sz="1800" spc="-1" strike="noStrike">
+            <a:endParaRPr b="0" lang="en-US" sz="1800" spc="-1" strike="noStrike">
               <a:solidFill>
                 <a:srgbClr val="000000"/>
               </a:solidFill>
@@ -15177,7 +15236,7 @@
                 <a:srgbClr val="008c4f"/>
               </a:buClr>
               <a:buSzPct val="45000"/>
-              <a:buFont typeface="Symbol" charset="2"/>
+              <a:buFont typeface="Symbol"/>
               <a:buChar char=""/>
             </a:pPr>
             <a:r>
@@ -15200,7 +15259,7 @@
               </a:rPr>
               <a:t>08.08.2023</a:t>
             </a:r>
-            <a:endParaRPr b="0" lang="en-GB" sz="1800" spc="-1" strike="noStrike">
+            <a:endParaRPr b="0" lang="en-US" sz="1800" spc="-1" strike="noStrike">
               <a:solidFill>
                 <a:srgbClr val="000000"/>
               </a:solidFill>
@@ -15248,7 +15307,7 @@
         <p:spPr>
           <a:xfrm>
             <a:off x="335520" y="764640"/>
-            <a:ext cx="10742040" cy="492840"/>
+            <a:ext cx="10741680" cy="492480"/>
           </a:xfrm>
           <a:prstGeom prst="rect">
             <a:avLst/>
@@ -15284,7 +15343,7 @@
               </a:rPr>
               <a:t>Self-Study Star</a:t>
             </a:r>
-            <a:endParaRPr b="0" lang="en-GB" sz="2400" spc="-1" strike="noStrike">
+            <a:endParaRPr b="0" lang="en-US" sz="2400" spc="-1" strike="noStrike">
               <a:solidFill>
                 <a:srgbClr val="000000"/>
               </a:solidFill>
@@ -15302,7 +15361,7 @@
         <p:spPr>
           <a:xfrm>
             <a:off x="335520" y="1268280"/>
-            <a:ext cx="10742040" cy="5029560"/>
+            <a:ext cx="10741680" cy="5029200"/>
           </a:xfrm>
           <a:prstGeom prst="rect">
             <a:avLst/>
@@ -15331,7 +15390,7 @@
                 <a:spcPts val="360"/>
               </a:spcBef>
             </a:pPr>
-            <a:endParaRPr b="0" lang="en-GB" sz="1800" spc="-1" strike="noStrike">
+            <a:endParaRPr b="0" lang="en-US" sz="1800" spc="-1" strike="noStrike">
               <a:solidFill>
                 <a:srgbClr val="000000"/>
               </a:solidFill>
@@ -15380,7 +15439,7 @@
               </a:rPr>
               <a:t> mandatory but could be helpful or interesting</a:t>
             </a:r>
-            <a:endParaRPr b="0" lang="en-GB" sz="1800" spc="-1" strike="noStrike">
+            <a:endParaRPr b="0" lang="en-US" sz="1800" spc="-1" strike="noStrike">
               <a:solidFill>
                 <a:srgbClr val="000000"/>
               </a:solidFill>
@@ -15398,7 +15457,7 @@
         <p:spPr>
           <a:xfrm>
             <a:off x="6285600" y="2132640"/>
-            <a:ext cx="511560" cy="491400"/>
+            <a:ext cx="511200" cy="491040"/>
           </a:xfrm>
           <a:prstGeom prst="star5">
             <a:avLst>
@@ -15435,11 +15494,17 @@
             <a:noAutofit/>
           </a:bodyPr>
           <a:p>
+            <a:pPr>
+              <a:lnSpc>
+                <a:spcPct val="100000"/>
+              </a:lnSpc>
+            </a:pPr>
             <a:endParaRPr b="0" lang="en-GB" sz="1800" spc="-1" strike="noStrike">
               <a:solidFill>
                 <a:srgbClr val="000000"/>
               </a:solidFill>
               <a:latin typeface="Arial"/>
+              <a:ea typeface="DejaVu Sans"/>
             </a:endParaRPr>
           </a:p>
         </p:txBody>
@@ -15453,7 +15518,7 @@
         <p:spPr>
           <a:xfrm>
             <a:off x="4089960" y="2247480"/>
-            <a:ext cx="2279880" cy="363960"/>
+            <a:ext cx="2279520" cy="363960"/>
           </a:xfrm>
           <a:prstGeom prst="rect">
             <a:avLst/>
@@ -15509,7 +15574,7 @@
               </a:rPr>
               <a:t> </a:t>
             </a:r>
-            <a:endParaRPr b="0" lang="en-GB" sz="1800" spc="-1" strike="noStrike">
+            <a:endParaRPr b="0" lang="en-US" sz="1800" spc="-1" strike="noStrike">
               <a:solidFill>
                 <a:srgbClr val="000000"/>
               </a:solidFill>
@@ -15557,7 +15622,7 @@
         <p:spPr>
           <a:xfrm>
             <a:off x="335520" y="764640"/>
-            <a:ext cx="10742040" cy="492840"/>
+            <a:ext cx="10741680" cy="492480"/>
           </a:xfrm>
           <a:prstGeom prst="rect">
             <a:avLst/>
@@ -15593,7 +15658,7 @@
               </a:rPr>
               <a:t>Literature</a:t>
             </a:r>
-            <a:endParaRPr b="0" lang="en-GB" sz="2400" spc="-1" strike="noStrike">
+            <a:endParaRPr b="0" lang="en-US" sz="2400" spc="-1" strike="noStrike">
               <a:solidFill>
                 <a:srgbClr val="000000"/>
               </a:solidFill>
@@ -15611,7 +15676,7 @@
         <p:spPr>
           <a:xfrm>
             <a:off x="335520" y="1268640"/>
-            <a:ext cx="10742040" cy="5029560"/>
+            <a:ext cx="10741680" cy="5029200"/>
           </a:xfrm>
           <a:prstGeom prst="rect">
             <a:avLst/>
@@ -15676,7 +15741,7 @@
               </a:rPr>
               <a:t> need to buy a book to pass the exam.</a:t>
             </a:r>
-            <a:endParaRPr b="0" lang="en-GB" sz="1800" spc="-1" strike="noStrike">
+            <a:endParaRPr b="0" lang="en-US" sz="1800" spc="-1" strike="noStrike">
               <a:solidFill>
                 <a:srgbClr val="000000"/>
               </a:solidFill>
@@ -15692,7 +15757,7 @@
                 <a:spcPts val="360"/>
               </a:spcBef>
             </a:pPr>
-            <a:endParaRPr b="0" lang="en-GB" sz="1800" spc="-1" strike="noStrike">
+            <a:endParaRPr b="0" lang="en-US" sz="1800" spc="-1" strike="noStrike">
               <a:solidFill>
                 <a:srgbClr val="000000"/>
               </a:solidFill>
@@ -15744,7 +15809,7 @@
               </a:rPr>
               <a:t> (1972).</a:t>
             </a:r>
-            <a:endParaRPr b="0" lang="en-GB" sz="1800" spc="-1" strike="noStrike">
+            <a:endParaRPr b="0" lang="en-US" sz="1800" spc="-1" strike="noStrike">
               <a:solidFill>
                 <a:srgbClr val="000000"/>
               </a:solidFill>
@@ -15796,7 +15861,7 @@
               </a:rPr>
               <a:t> (2004).</a:t>
             </a:r>
-            <a:endParaRPr b="0" lang="en-GB" sz="1800" spc="-1" strike="noStrike">
+            <a:endParaRPr b="0" lang="en-US" sz="1800" spc="-1" strike="noStrike">
               <a:solidFill>
                 <a:srgbClr val="000000"/>
               </a:solidFill>
@@ -15848,7 +15913,7 @@
               </a:rPr>
               <a:t>(2012).</a:t>
             </a:r>
-            <a:endParaRPr b="0" lang="en-GB" sz="1800" spc="-1" strike="noStrike">
+            <a:endParaRPr b="0" lang="en-US" sz="1800" spc="-1" strike="noStrike">
               <a:solidFill>
                 <a:srgbClr val="000000"/>
               </a:solidFill>
@@ -15900,7 +15965,7 @@
               </a:rPr>
               <a:t> (2019).</a:t>
             </a:r>
-            <a:endParaRPr b="0" lang="en-GB" sz="1800" spc="-1" strike="noStrike">
+            <a:endParaRPr b="0" lang="en-US" sz="1800" spc="-1" strike="noStrike">
               <a:solidFill>
                 <a:srgbClr val="000000"/>
               </a:solidFill>
@@ -15952,7 +16017,7 @@
               </a:rPr>
               <a:t> (2011).</a:t>
             </a:r>
-            <a:endParaRPr b="0" lang="en-GB" sz="1800" spc="-1" strike="noStrike">
+            <a:endParaRPr b="0" lang="en-US" sz="1800" spc="-1" strike="noStrike">
               <a:solidFill>
                 <a:srgbClr val="000000"/>
               </a:solidFill>
@@ -16004,7 +16069,7 @@
               </a:rPr>
               <a:t> (2017).</a:t>
             </a:r>
-            <a:endParaRPr b="0" lang="en-GB" sz="1800" spc="-1" strike="noStrike">
+            <a:endParaRPr b="0" lang="en-US" sz="1800" spc="-1" strike="noStrike">
               <a:solidFill>
                 <a:srgbClr val="000000"/>
               </a:solidFill>
@@ -16052,7 +16117,7 @@
         <p:spPr>
           <a:xfrm>
             <a:off x="335520" y="764640"/>
-            <a:ext cx="10745280" cy="496080"/>
+            <a:ext cx="10744920" cy="495720"/>
           </a:xfrm>
           <a:prstGeom prst="rect">
             <a:avLst/>
@@ -16088,7 +16153,7 @@
               </a:rPr>
               <a:t>Literature</a:t>
             </a:r>
-            <a:endParaRPr b="0" lang="en-GB" sz="2400" spc="-1" strike="noStrike">
+            <a:endParaRPr b="0" lang="en-US" sz="2400" spc="-1" strike="noStrike">
               <a:solidFill>
                 <a:srgbClr val="000000"/>
               </a:solidFill>
@@ -16106,7 +16171,7 @@
         <p:spPr>
           <a:xfrm>
             <a:off x="335520" y="1268640"/>
-            <a:ext cx="10745280" cy="5032800"/>
+            <a:ext cx="10744920" cy="5032440"/>
           </a:xfrm>
           <a:prstGeom prst="rect">
             <a:avLst/>
@@ -16171,7 +16236,7 @@
               </a:rPr>
               <a:t> (2019).</a:t>
             </a:r>
-            <a:endParaRPr b="0" lang="en-GB" sz="1800" spc="-1" strike="noStrike">
+            <a:endParaRPr b="0" lang="en-US" sz="1800" spc="-1" strike="noStrike">
               <a:solidFill>
                 <a:srgbClr val="000000"/>
               </a:solidFill>
@@ -16223,7 +16288,7 @@
               </a:rPr>
               <a:t> (2010).</a:t>
             </a:r>
-            <a:endParaRPr b="0" lang="en-GB" sz="1800" spc="-1" strike="noStrike">
+            <a:endParaRPr b="0" lang="en-US" sz="1800" spc="-1" strike="noStrike">
               <a:solidFill>
                 <a:srgbClr val="000000"/>
               </a:solidFill>
@@ -16275,7 +16340,7 @@
               </a:rPr>
               <a:t> (2008).</a:t>
             </a:r>
-            <a:endParaRPr b="0" lang="en-GB" sz="1800" spc="-1" strike="noStrike">
+            <a:endParaRPr b="0" lang="en-US" sz="1800" spc="-1" strike="noStrike">
               <a:solidFill>
                 <a:srgbClr val="000000"/>
               </a:solidFill>
@@ -16323,7 +16388,7 @@
         <p:spPr>
           <a:xfrm>
             <a:off x="335520" y="764640"/>
-            <a:ext cx="10743840" cy="494640"/>
+            <a:ext cx="10743480" cy="494280"/>
           </a:xfrm>
           <a:prstGeom prst="rect">
             <a:avLst/>
@@ -16359,7 +16424,7 @@
               </a:rPr>
               <a:t>Literature</a:t>
             </a:r>
-            <a:endParaRPr b="0" lang="en-GB" sz="2400" spc="-1" strike="noStrike">
+            <a:endParaRPr b="0" lang="en-US" sz="2400" spc="-1" strike="noStrike">
               <a:solidFill>
                 <a:srgbClr val="000000"/>
               </a:solidFill>
@@ -16377,7 +16442,7 @@
         <p:spPr>
           <a:xfrm>
             <a:off x="335520" y="1268640"/>
-            <a:ext cx="10743840" cy="5031360"/>
+            <a:ext cx="10743480" cy="5031000"/>
           </a:xfrm>
           <a:prstGeom prst="rect">
             <a:avLst/>
@@ -16406,7 +16471,7 @@
                 <a:spcPts val="360"/>
               </a:spcBef>
             </a:pPr>
-            <a:endParaRPr b="0" lang="en-GB" sz="1800" spc="-1" strike="noStrike">
+            <a:endParaRPr b="0" lang="en-US" sz="1800" spc="-1" strike="noStrike">
               <a:solidFill>
                 <a:srgbClr val="000000"/>
               </a:solidFill>
@@ -16480,7 +16545,7 @@
               </a:rPr>
               <a:t>).</a:t>
             </a:r>
-            <a:endParaRPr b="0" lang="en-GB" sz="1800" spc="-1" strike="noStrike">
+            <a:endParaRPr b="0" lang="en-US" sz="1800" spc="-1" strike="noStrike">
               <a:solidFill>
                 <a:srgbClr val="000000"/>
               </a:solidFill>
@@ -16554,7 +16619,7 @@
               </a:rPr>
               <a:t>).</a:t>
             </a:r>
-            <a:endParaRPr b="0" lang="en-GB" sz="1800" spc="-1" strike="noStrike">
+            <a:endParaRPr b="0" lang="en-US" sz="1800" spc="-1" strike="noStrike">
               <a:solidFill>
                 <a:srgbClr val="000000"/>
               </a:solidFill>
@@ -16606,7 +16671,7 @@
               </a:rPr>
               <a:t> (2019).</a:t>
             </a:r>
-            <a:endParaRPr b="0" lang="en-GB" sz="1800" spc="-1" strike="noStrike">
+            <a:endParaRPr b="0" lang="en-US" sz="1800" spc="-1" strike="noStrike">
               <a:solidFill>
                 <a:srgbClr val="000000"/>
               </a:solidFill>
@@ -16658,7 +16723,7 @@
               </a:rPr>
               <a:t> (2020).</a:t>
             </a:r>
-            <a:endParaRPr b="0" lang="en-GB" sz="1800" spc="-1" strike="noStrike">
+            <a:endParaRPr b="0" lang="en-US" sz="1800" spc="-1" strike="noStrike">
               <a:solidFill>
                 <a:srgbClr val="000000"/>
               </a:solidFill>
@@ -16710,7 +16775,7 @@
               </a:rPr>
               <a:t> (2018).</a:t>
             </a:r>
-            <a:endParaRPr b="0" lang="en-GB" sz="1800" spc="-1" strike="noStrike">
+            <a:endParaRPr b="0" lang="en-US" sz="1800" spc="-1" strike="noStrike">
               <a:solidFill>
                 <a:srgbClr val="000000"/>
               </a:solidFill>
@@ -16762,7 +16827,7 @@
               </a:rPr>
               <a:t> (2018).</a:t>
             </a:r>
-            <a:endParaRPr b="0" lang="en-GB" sz="1800" spc="-1" strike="noStrike">
+            <a:endParaRPr b="0" lang="en-US" sz="1800" spc="-1" strike="noStrike">
               <a:solidFill>
                 <a:srgbClr val="000000"/>
               </a:solidFill>
@@ -16814,7 +16879,7 @@
               </a:rPr>
               <a:t> (2010).</a:t>
             </a:r>
-            <a:endParaRPr b="0" lang="en-GB" sz="1800" spc="-1" strike="noStrike">
+            <a:endParaRPr b="0" lang="en-US" sz="1800" spc="-1" strike="noStrike">
               <a:solidFill>
                 <a:srgbClr val="000000"/>
               </a:solidFill>
@@ -16862,7 +16927,7 @@
         <p:spPr>
           <a:xfrm>
             <a:off x="335520" y="764640"/>
-            <a:ext cx="10742040" cy="492840"/>
+            <a:ext cx="10741680" cy="492480"/>
           </a:xfrm>
           <a:prstGeom prst="rect">
             <a:avLst/>
@@ -16898,7 +16963,7 @@
               </a:rPr>
               <a:t>Further Resources </a:t>
             </a:r>
-            <a:endParaRPr b="0" lang="en-GB" sz="2400" spc="-1" strike="noStrike">
+            <a:endParaRPr b="0" lang="en-US" sz="2400" spc="-1" strike="noStrike">
               <a:solidFill>
                 <a:srgbClr val="000000"/>
               </a:solidFill>
@@ -16916,7 +16981,7 @@
         <p:spPr>
           <a:xfrm>
             <a:off x="335520" y="1268640"/>
-            <a:ext cx="10742040" cy="5029560"/>
+            <a:ext cx="10741680" cy="5029200"/>
           </a:xfrm>
           <a:prstGeom prst="rect">
             <a:avLst/>
@@ -16973,7 +17038,7 @@
               </a:rPr>
               <a:t>Link</a:t>
             </a:r>
-            <a:endParaRPr b="0" lang="en-GB" sz="1800" spc="-1" strike="noStrike">
+            <a:endParaRPr b="0" lang="en-US" sz="1800" spc="-1" strike="noStrike">
               <a:solidFill>
                 <a:srgbClr val="000000"/>
               </a:solidFill>
@@ -17027,7 +17092,7 @@
               </a:rPr>
               <a:t> </a:t>
             </a:r>
-            <a:endParaRPr b="0" lang="en-GB" sz="1800" spc="-1" strike="noStrike">
+            <a:endParaRPr b="0" lang="en-US" sz="1800" spc="-1" strike="noStrike">
               <a:solidFill>
                 <a:srgbClr val="000000"/>
               </a:solidFill>
@@ -17071,7 +17136,7 @@
               </a:rPr>
               <a:t>Link</a:t>
             </a:r>
-            <a:endParaRPr b="0" lang="en-GB" sz="1800" spc="-1" strike="noStrike">
+            <a:endParaRPr b="0" lang="en-US" sz="1800" spc="-1" strike="noStrike">
               <a:solidFill>
                 <a:srgbClr val="000000"/>
               </a:solidFill>
@@ -17103,7 +17168,7 @@
               </a:rPr>
               <a:t>Podcasts:</a:t>
             </a:r>
-            <a:endParaRPr b="0" lang="en-GB" sz="1800" spc="-1" strike="noStrike">
+            <a:endParaRPr b="0" lang="en-US" sz="1800" spc="-1" strike="noStrike">
               <a:solidFill>
                 <a:srgbClr val="000000"/>
               </a:solidFill>
@@ -17154,7 +17219,7 @@
               </a:rPr>
               <a:t>)</a:t>
             </a:r>
-            <a:endParaRPr b="0" lang="en-GB" sz="1800" spc="-1" strike="noStrike">
+            <a:endParaRPr b="0" lang="en-US" sz="1800" spc="-1" strike="noStrike">
               <a:solidFill>
                 <a:srgbClr val="000000"/>
               </a:solidFill>
@@ -17208,7 +17273,7 @@
               </a:rPr>
               <a:t>)</a:t>
             </a:r>
-            <a:endParaRPr b="0" lang="en-GB" sz="1800" spc="-1" strike="noStrike">
+            <a:endParaRPr b="0" lang="en-US" sz="1800" spc="-1" strike="noStrike">
               <a:solidFill>
                 <a:srgbClr val="000000"/>
               </a:solidFill>
@@ -17262,7 +17327,7 @@
               </a:rPr>
               <a:t>)</a:t>
             </a:r>
-            <a:endParaRPr b="0" lang="en-GB" sz="1800" spc="-1" strike="noStrike">
+            <a:endParaRPr b="0" lang="en-US" sz="1800" spc="-1" strike="noStrike">
               <a:solidFill>
                 <a:srgbClr val="000000"/>
               </a:solidFill>
@@ -17310,7 +17375,7 @@
         <p:spPr>
           <a:xfrm>
             <a:off x="335520" y="1268640"/>
-            <a:ext cx="10743840" cy="5031360"/>
+            <a:ext cx="10743480" cy="5031000"/>
           </a:xfrm>
           <a:prstGeom prst="rect">
             <a:avLst/>
@@ -17352,7 +17417,7 @@
               </a:rPr>
               <a:t>Questions?</a:t>
             </a:r>
-            <a:endParaRPr b="0" lang="en-GB" sz="4000" spc="-1" strike="noStrike">
+            <a:endParaRPr b="0" lang="en-US" sz="4000" spc="-1" strike="noStrike">
               <a:solidFill>
                 <a:srgbClr val="000000"/>
               </a:solidFill>
@@ -17370,7 +17435,7 @@
         <p:spPr>
           <a:xfrm>
             <a:off x="335520" y="764640"/>
-            <a:ext cx="10743840" cy="494640"/>
+            <a:ext cx="10743480" cy="494280"/>
           </a:xfrm>
           <a:prstGeom prst="rect">
             <a:avLst/>
@@ -17391,11 +17456,17 @@
             <a:noAutofit/>
           </a:bodyPr>
           <a:p>
+            <a:pPr>
+              <a:lnSpc>
+                <a:spcPct val="100000"/>
+              </a:lnSpc>
+            </a:pPr>
             <a:endParaRPr b="0" lang="en-GB" sz="1800" spc="-1" strike="noStrike">
               <a:solidFill>
                 <a:srgbClr val="000000"/>
               </a:solidFill>
               <a:latin typeface="Arial"/>
+              <a:ea typeface="DejaVu Sans"/>
             </a:endParaRPr>
           </a:p>
         </p:txBody>
@@ -17439,7 +17510,7 @@
         <p:spPr>
           <a:xfrm>
             <a:off x="542880" y="721800"/>
-            <a:ext cx="10348200" cy="488880"/>
+            <a:ext cx="10347840" cy="488520"/>
           </a:xfrm>
           <a:prstGeom prst="rect">
             <a:avLst/>
@@ -17475,7 +17546,7 @@
               </a:rPr>
               <a:t>ETCE Research Group</a:t>
             </a:r>
-            <a:endParaRPr b="0" lang="en-GB" sz="2200" spc="-1" strike="noStrike">
+            <a:endParaRPr b="0" lang="en-US" sz="2200" spc="-1" strike="noStrike">
               <a:solidFill>
                 <a:srgbClr val="000000"/>
               </a:solidFill>
@@ -17493,7 +17564,7 @@
         <p:spPr>
           <a:xfrm>
             <a:off x="451800" y="1709280"/>
-            <a:ext cx="8215560" cy="4343760"/>
+            <a:ext cx="8215200" cy="4343400"/>
           </a:xfrm>
           <a:prstGeom prst="rect">
             <a:avLst/>
@@ -17514,11 +17585,17 @@
             <a:noAutofit/>
           </a:bodyPr>
           <a:p>
+            <a:pPr>
+              <a:lnSpc>
+                <a:spcPct val="100000"/>
+              </a:lnSpc>
+            </a:pPr>
             <a:endParaRPr b="0" lang="en-GB" sz="1800" spc="-1" strike="noStrike">
               <a:solidFill>
                 <a:srgbClr val="000000"/>
               </a:solidFill>
               <a:latin typeface="Arial"/>
+              <a:ea typeface="DejaVu Sans"/>
             </a:endParaRPr>
           </a:p>
         </p:txBody>
@@ -17532,7 +17609,7 @@
         <p:spPr>
           <a:xfrm>
             <a:off x="609480" y="1769400"/>
-            <a:ext cx="10578600" cy="4846680"/>
+            <a:ext cx="10578240" cy="4846320"/>
           </a:xfrm>
           <a:prstGeom prst="rect">
             <a:avLst/>
@@ -17657,7 +17734,7 @@
               </a:rPr>
               <a:t>ETCE</a:t>
             </a:r>
-            <a:endParaRPr b="0" lang="en-GB" sz="2000" spc="-1" strike="noStrike">
+            <a:endParaRPr b="0" lang="en-US" sz="2000" spc="-1" strike="noStrike">
               <a:solidFill>
                 <a:srgbClr val="000000"/>
               </a:solidFill>
@@ -17689,7 +17766,7 @@
               </a:rPr>
               <a:t>Research focus:</a:t>
             </a:r>
-            <a:endParaRPr b="0" lang="en-GB" sz="2000" spc="-1" strike="noStrike">
+            <a:endParaRPr b="0" lang="en-US" sz="2000" spc="-1" strike="noStrike">
               <a:solidFill>
                 <a:srgbClr val="000000"/>
               </a:solidFill>
@@ -17721,7 +17798,7 @@
               </a:rPr>
               <a:t>Intersection of IT and sustainability</a:t>
             </a:r>
-            <a:endParaRPr b="0" lang="en-GB" sz="1800" spc="-1" strike="noStrike">
+            <a:endParaRPr b="0" lang="en-US" sz="1800" spc="-1" strike="noStrike">
               <a:solidFill>
                 <a:srgbClr val="000000"/>
               </a:solidFill>
@@ -17753,7 +17830,7 @@
               </a:rPr>
               <a:t>Circular Economy</a:t>
             </a:r>
-            <a:endParaRPr b="0" lang="en-GB" sz="1800" spc="-1" strike="noStrike">
+            <a:endParaRPr b="0" lang="en-US" sz="1800" spc="-1" strike="noStrike">
               <a:solidFill>
                 <a:srgbClr val="000000"/>
               </a:solidFill>
@@ -17785,7 +17862,7 @@
               </a:rPr>
               <a:t>Self-organized, decentralized and distributed systems</a:t>
             </a:r>
-            <a:endParaRPr b="0" lang="en-GB" sz="1800" spc="-1" strike="noStrike">
+            <a:endParaRPr b="0" lang="en-US" sz="1800" spc="-1" strike="noStrike">
               <a:solidFill>
                 <a:srgbClr val="000000"/>
               </a:solidFill>
@@ -17817,7 +17894,7 @@
               </a:rPr>
               <a:t>Machine-to-Everything Economy (M2X Economy)</a:t>
             </a:r>
-            <a:endParaRPr b="0" lang="en-GB" sz="1800" spc="-1" strike="noStrike">
+            <a:endParaRPr b="0" lang="en-US" sz="1800" spc="-1" strike="noStrike">
               <a:solidFill>
                 <a:srgbClr val="000000"/>
               </a:solidFill>
@@ -17849,7 +17926,7 @@
               </a:rPr>
               <a:t>Other courses:</a:t>
             </a:r>
-            <a:endParaRPr b="0" lang="en-GB" sz="2000" spc="-1" strike="noStrike">
+            <a:endParaRPr b="0" lang="en-US" sz="2000" spc="-1" strike="noStrike">
               <a:solidFill>
                 <a:srgbClr val="000000"/>
               </a:solidFill>
@@ -17881,7 +17958,7 @@
               </a:rPr>
               <a:t>The Limits to Growth – Sustainability and the Circular Economy (SS/WS – open for everyone)</a:t>
             </a:r>
-            <a:endParaRPr b="0" lang="en-GB" sz="1800" spc="-1" strike="noStrike">
+            <a:endParaRPr b="0" lang="en-US" sz="1800" spc="-1" strike="noStrike">
               <a:solidFill>
                 <a:srgbClr val="000000"/>
               </a:solidFill>
@@ -17913,7 +17990,7 @@
               </a:rPr>
               <a:t>Requirements Engineering (WS – M.Sc.)</a:t>
             </a:r>
-            <a:endParaRPr b="0" lang="en-GB" sz="1800" spc="-1" strike="noStrike">
+            <a:endParaRPr b="0" lang="en-US" sz="1800" spc="-1" strike="noStrike">
               <a:solidFill>
                 <a:srgbClr val="000000"/>
               </a:solidFill>
@@ -17961,7 +18038,7 @@
         <p:spPr>
           <a:xfrm>
             <a:off x="542880" y="721800"/>
-            <a:ext cx="10348200" cy="488880"/>
+            <a:ext cx="10347840" cy="488520"/>
           </a:xfrm>
           <a:prstGeom prst="rect">
             <a:avLst/>
@@ -17997,7 +18074,7 @@
               </a:rPr>
               <a:t>ETCE Research Group</a:t>
             </a:r>
-            <a:endParaRPr b="0" lang="en-GB" sz="2200" spc="-1" strike="noStrike">
+            <a:endParaRPr b="0" lang="en-US" sz="2200" spc="-1" strike="noStrike">
               <a:solidFill>
                 <a:srgbClr val="000000"/>
               </a:solidFill>
@@ -18015,7 +18092,7 @@
         <p:spPr>
           <a:xfrm>
             <a:off x="451800" y="1709280"/>
-            <a:ext cx="8215560" cy="4343760"/>
+            <a:ext cx="8215200" cy="4343400"/>
           </a:xfrm>
           <a:prstGeom prst="rect">
             <a:avLst/>
@@ -18036,11 +18113,17 @@
             <a:noAutofit/>
           </a:bodyPr>
           <a:p>
+            <a:pPr>
+              <a:lnSpc>
+                <a:spcPct val="100000"/>
+              </a:lnSpc>
+            </a:pPr>
             <a:endParaRPr b="0" lang="en-GB" sz="1800" spc="-1" strike="noStrike">
               <a:solidFill>
                 <a:srgbClr val="000000"/>
               </a:solidFill>
               <a:latin typeface="Arial"/>
+              <a:ea typeface="DejaVu Sans"/>
             </a:endParaRPr>
           </a:p>
         </p:txBody>
@@ -18054,7 +18137,7 @@
         <p:spPr>
           <a:xfrm>
             <a:off x="609480" y="1769400"/>
-            <a:ext cx="10578600" cy="4846680"/>
+            <a:ext cx="10578240" cy="4846320"/>
           </a:xfrm>
           <a:prstGeom prst="rect">
             <a:avLst/>
@@ -18121,7 +18204,7 @@
               </a:rPr>
               <a:t> </a:t>
             </a:r>
-            <a:endParaRPr b="0" lang="en-GB" sz="2000" spc="-1" strike="noStrike">
+            <a:endParaRPr b="0" lang="en-US" sz="2000" spc="-1" strike="noStrike">
               <a:solidFill>
                 <a:srgbClr val="000000"/>
               </a:solidFill>
@@ -18153,7 +18236,7 @@
               </a:rPr>
               <a:t>Course material </a:t>
             </a:r>
-            <a:endParaRPr b="0" lang="en-GB" sz="1800" spc="-1" strike="noStrike">
+            <a:endParaRPr b="0" lang="en-US" sz="1800" spc="-1" strike="noStrike">
               <a:solidFill>
                 <a:srgbClr val="000000"/>
               </a:solidFill>
@@ -18185,7 +18268,7 @@
               </a:rPr>
               <a:t>Theses/project topics</a:t>
             </a:r>
-            <a:endParaRPr b="0" lang="en-GB" sz="1800" spc="-1" strike="noStrike">
+            <a:endParaRPr b="0" lang="en-US" sz="1800" spc="-1" strike="noStrike">
               <a:solidFill>
                 <a:srgbClr val="000000"/>
               </a:solidFill>
@@ -18201,7 +18284,7 @@
                 <a:spcPts val="1009"/>
               </a:spcBef>
             </a:pPr>
-            <a:endParaRPr b="0" lang="en-GB" sz="1800" spc="-1" strike="noStrike">
+            <a:endParaRPr b="0" lang="en-US" sz="1800" spc="-1" strike="noStrike">
               <a:solidFill>
                 <a:srgbClr val="000000"/>
               </a:solidFill>
@@ -18236,7 +18319,7 @@
               </a:rPr>
               <a:t>Our research in action:</a:t>
             </a:r>
-            <a:endParaRPr b="0" lang="en-GB" sz="2000" spc="-1" strike="noStrike">
+            <a:endParaRPr b="0" lang="en-US" sz="2000" spc="-1" strike="noStrike">
               <a:solidFill>
                 <a:srgbClr val="000000"/>
               </a:solidFill>
@@ -18293,7 +18376,7 @@
               </a:rPr>
               <a:t> </a:t>
             </a:r>
-            <a:endParaRPr b="0" lang="en-GB" sz="1800" spc="-1" strike="noStrike">
+            <a:endParaRPr b="0" lang="en-US" sz="1800" spc="-1" strike="noStrike">
               <a:solidFill>
                 <a:srgbClr val="000000"/>
               </a:solidFill>
@@ -18350,7 +18433,7 @@
               </a:rPr>
               <a:t> </a:t>
             </a:r>
-            <a:endParaRPr b="0" lang="en-GB" sz="1800" spc="-1" strike="noStrike">
+            <a:endParaRPr b="0" lang="en-US" sz="1800" spc="-1" strike="noStrike">
               <a:solidFill>
                 <a:srgbClr val="000000"/>
               </a:solidFill>
@@ -18369,7 +18452,7 @@
                 <a:tab algn="l" pos="0"/>
               </a:tabLst>
             </a:pPr>
-            <a:endParaRPr b="0" lang="en-GB" sz="1800" spc="-1" strike="noStrike">
+            <a:endParaRPr b="0" lang="en-US" sz="1800" spc="-1" strike="noStrike">
               <a:solidFill>
                 <a:srgbClr val="000000"/>
               </a:solidFill>
@@ -18398,7 +18481,7 @@
               </a:rPr>
               <a:t>You want join us? Write us an email! </a:t>
             </a:r>
-            <a:endParaRPr b="0" lang="en-GB" sz="2000" spc="-1" strike="noStrike">
+            <a:endParaRPr b="0" lang="en-US" sz="2000" spc="-1" strike="noStrike">
               <a:solidFill>
                 <a:srgbClr val="000000"/>
               </a:solidFill>
@@ -18437,7 +18520,7 @@
               </a:rPr>
               <a:t>benjamin.leiding@tu-clausthal.de</a:t>
             </a:r>
-            <a:endParaRPr b="0" lang="en-GB" sz="1600" spc="-1" strike="noStrike">
+            <a:endParaRPr b="0" lang="en-US" sz="1600" spc="-1" strike="noStrike">
               <a:solidFill>
                 <a:srgbClr val="000000"/>
               </a:solidFill>
@@ -18485,7 +18568,7 @@
         <p:spPr>
           <a:xfrm>
             <a:off x="542880" y="721800"/>
-            <a:ext cx="10348200" cy="488880"/>
+            <a:ext cx="10347840" cy="488520"/>
           </a:xfrm>
           <a:prstGeom prst="rect">
             <a:avLst/>
@@ -18521,7 +18604,7 @@
               </a:rPr>
               <a:t>ETCE Research Group</a:t>
             </a:r>
-            <a:endParaRPr b="0" lang="en-GB" sz="2200" spc="-1" strike="noStrike">
+            <a:endParaRPr b="0" lang="en-US" sz="2200" spc="-1" strike="noStrike">
               <a:solidFill>
                 <a:srgbClr val="000000"/>
               </a:solidFill>
@@ -18539,7 +18622,7 @@
         <p:spPr>
           <a:xfrm>
             <a:off x="451800" y="1709280"/>
-            <a:ext cx="8215560" cy="4343760"/>
+            <a:ext cx="8215200" cy="4343400"/>
           </a:xfrm>
           <a:prstGeom prst="rect">
             <a:avLst/>
@@ -18560,11 +18643,17 @@
             <a:noAutofit/>
           </a:bodyPr>
           <a:p>
+            <a:pPr>
+              <a:lnSpc>
+                <a:spcPct val="100000"/>
+              </a:lnSpc>
+            </a:pPr>
             <a:endParaRPr b="0" lang="en-GB" sz="1800" spc="-1" strike="noStrike">
               <a:solidFill>
                 <a:srgbClr val="000000"/>
               </a:solidFill>
               <a:latin typeface="Arial"/>
+              <a:ea typeface="DejaVu Sans"/>
             </a:endParaRPr>
           </a:p>
         </p:txBody>
@@ -18578,7 +18667,7 @@
         <p:spPr>
           <a:xfrm>
             <a:off x="609480" y="1769400"/>
-            <a:ext cx="10578600" cy="4846680"/>
+            <a:ext cx="10578240" cy="4846320"/>
           </a:xfrm>
           <a:prstGeom prst="rect">
             <a:avLst/>
@@ -18645,7 +18734,7 @@
               </a:rPr>
               <a:t> </a:t>
             </a:r>
-            <a:endParaRPr b="0" lang="en-GB" sz="2000" spc="-1" strike="noStrike">
+            <a:endParaRPr b="0" lang="en-US" sz="2000" spc="-1" strike="noStrike">
               <a:solidFill>
                 <a:srgbClr val="000000"/>
               </a:solidFill>
@@ -18677,7 +18766,7 @@
               </a:rPr>
               <a:t>Course material </a:t>
             </a:r>
-            <a:endParaRPr b="0" lang="en-GB" sz="1800" spc="-1" strike="noStrike">
+            <a:endParaRPr b="0" lang="en-US" sz="1800" spc="-1" strike="noStrike">
               <a:solidFill>
                 <a:srgbClr val="000000"/>
               </a:solidFill>
@@ -18709,7 +18798,7 @@
               </a:rPr>
               <a:t>Theses/project topics</a:t>
             </a:r>
-            <a:endParaRPr b="0" lang="en-GB" sz="1800" spc="-1" strike="noStrike">
+            <a:endParaRPr b="0" lang="en-US" sz="1800" spc="-1" strike="noStrike">
               <a:solidFill>
                 <a:srgbClr val="000000"/>
               </a:solidFill>
@@ -18725,7 +18814,7 @@
                 <a:spcPts val="1009"/>
               </a:spcBef>
             </a:pPr>
-            <a:endParaRPr b="0" lang="en-GB" sz="1800" spc="-1" strike="noStrike">
+            <a:endParaRPr b="0" lang="en-US" sz="1800" spc="-1" strike="noStrike">
               <a:solidFill>
                 <a:srgbClr val="000000"/>
               </a:solidFill>
@@ -18760,7 +18849,7 @@
               </a:rPr>
               <a:t>Our research in action:</a:t>
             </a:r>
-            <a:endParaRPr b="0" lang="en-GB" sz="2000" spc="-1" strike="noStrike">
+            <a:endParaRPr b="0" lang="en-US" sz="2000" spc="-1" strike="noStrike">
               <a:solidFill>
                 <a:srgbClr val="000000"/>
               </a:solidFill>
@@ -18817,7 +18906,7 @@
               </a:rPr>
               <a:t> </a:t>
             </a:r>
-            <a:endParaRPr b="0" lang="en-GB" sz="1800" spc="-1" strike="noStrike">
+            <a:endParaRPr b="0" lang="en-US" sz="1800" spc="-1" strike="noStrike">
               <a:solidFill>
                 <a:srgbClr val="000000"/>
               </a:solidFill>
@@ -18874,7 +18963,7 @@
               </a:rPr>
               <a:t> </a:t>
             </a:r>
-            <a:endParaRPr b="0" lang="en-GB" sz="1800" spc="-1" strike="noStrike">
+            <a:endParaRPr b="0" lang="en-US" sz="1800" spc="-1" strike="noStrike">
               <a:solidFill>
                 <a:srgbClr val="000000"/>
               </a:solidFill>
@@ -18893,7 +18982,7 @@
                 <a:tab algn="l" pos="0"/>
               </a:tabLst>
             </a:pPr>
-            <a:endParaRPr b="0" lang="en-GB" sz="1800" spc="-1" strike="noStrike">
+            <a:endParaRPr b="0" lang="en-US" sz="1800" spc="-1" strike="noStrike">
               <a:solidFill>
                 <a:srgbClr val="000000"/>
               </a:solidFill>
@@ -18922,7 +19011,7 @@
               </a:rPr>
               <a:t>You want join us? Write us an email! </a:t>
             </a:r>
-            <a:endParaRPr b="0" lang="en-GB" sz="2000" spc="-1" strike="noStrike">
+            <a:endParaRPr b="0" lang="en-US" sz="2000" spc="-1" strike="noStrike">
               <a:solidFill>
                 <a:srgbClr val="000000"/>
               </a:solidFill>
@@ -18961,7 +19050,7 @@
               </a:rPr>
               <a:t>benjamin.leiding@tu-clausthal.de</a:t>
             </a:r>
-            <a:endParaRPr b="0" lang="en-GB" sz="1600" spc="-1" strike="noStrike">
+            <a:endParaRPr b="0" lang="en-US" sz="1600" spc="-1" strike="noStrike">
               <a:solidFill>
                 <a:srgbClr val="000000"/>
               </a:solidFill>
@@ -19009,7 +19098,7 @@
         <p:spPr>
           <a:xfrm>
             <a:off x="335520" y="764640"/>
-            <a:ext cx="10743840" cy="494640"/>
+            <a:ext cx="10743480" cy="494280"/>
           </a:xfrm>
           <a:prstGeom prst="rect">
             <a:avLst/>
@@ -19045,7 +19134,7 @@
               </a:rPr>
               <a:t>Learning Outcome</a:t>
             </a:r>
-            <a:endParaRPr b="0" lang="en-GB" sz="2400" spc="-1" strike="noStrike">
+            <a:endParaRPr b="0" lang="en-US" sz="2400" spc="-1" strike="noStrike">
               <a:solidFill>
                 <a:srgbClr val="000000"/>
               </a:solidFill>
@@ -19063,7 +19152,7 @@
         <p:spPr>
           <a:xfrm>
             <a:off x="335520" y="2408400"/>
-            <a:ext cx="10743840" cy="3891600"/>
+            <a:ext cx="10743480" cy="3891240"/>
           </a:xfrm>
           <a:prstGeom prst="rect">
             <a:avLst/>
@@ -19108,7 +19197,7 @@
               </a:rPr>
               <a:t>Basic understanding of the concept of the Linear Economy, the Circular Economy, the Performance Economy and sustainability</a:t>
             </a:r>
-            <a:endParaRPr b="0" lang="en-GB" sz="1800" spc="-1" strike="noStrike">
+            <a:endParaRPr b="0" lang="en-US" sz="1800" spc="-1" strike="noStrike">
               <a:solidFill>
                 <a:srgbClr val="000000"/>
               </a:solidFill>
@@ -19156,7 +19245,7 @@
         <p:spPr>
           <a:xfrm>
             <a:off x="335520" y="764640"/>
-            <a:ext cx="10743840" cy="494640"/>
+            <a:ext cx="10743480" cy="494280"/>
           </a:xfrm>
           <a:prstGeom prst="rect">
             <a:avLst/>
@@ -19192,7 +19281,7 @@
               </a:rPr>
               <a:t>Learning Outcome</a:t>
             </a:r>
-            <a:endParaRPr b="0" lang="en-GB" sz="2400" spc="-1" strike="noStrike">
+            <a:endParaRPr b="0" lang="en-US" sz="2400" spc="-1" strike="noStrike">
               <a:solidFill>
                 <a:srgbClr val="000000"/>
               </a:solidFill>
@@ -19210,7 +19299,7 @@
         <p:spPr>
           <a:xfrm>
             <a:off x="335520" y="2408400"/>
-            <a:ext cx="10743840" cy="3891600"/>
+            <a:ext cx="10743480" cy="3891240"/>
           </a:xfrm>
           <a:prstGeom prst="rect">
             <a:avLst/>
@@ -19255,7 +19344,7 @@
               </a:rPr>
               <a:t>Basic understanding of the concept of the Linear Economy, the Circular Economy, the Performance Economy and sustainability</a:t>
             </a:r>
-            <a:endParaRPr b="0" lang="en-GB" sz="1800" spc="-1" strike="noStrike">
+            <a:endParaRPr b="0" lang="en-US" sz="1800" spc="-1" strike="noStrike">
               <a:solidFill>
                 <a:srgbClr val="000000"/>
               </a:solidFill>
@@ -19287,7 +19376,7 @@
               </a:rPr>
               <a:t>Basic understanding of new technologies in the field of decentralized and smart systems</a:t>
             </a:r>
-            <a:endParaRPr b="0" lang="en-GB" sz="1800" spc="-1" strike="noStrike">
+            <a:endParaRPr b="0" lang="en-US" sz="1800" spc="-1" strike="noStrike">
               <a:solidFill>
                 <a:srgbClr val="000000"/>
               </a:solidFill>
@@ -19335,7 +19424,7 @@
         <p:spPr>
           <a:xfrm>
             <a:off x="335520" y="764640"/>
-            <a:ext cx="10743840" cy="494640"/>
+            <a:ext cx="10743480" cy="494280"/>
           </a:xfrm>
           <a:prstGeom prst="rect">
             <a:avLst/>
@@ -19371,7 +19460,7 @@
               </a:rPr>
               <a:t>Learning Outcome</a:t>
             </a:r>
-            <a:endParaRPr b="0" lang="en-GB" sz="2400" spc="-1" strike="noStrike">
+            <a:endParaRPr b="0" lang="en-US" sz="2400" spc="-1" strike="noStrike">
               <a:solidFill>
                 <a:srgbClr val="000000"/>
               </a:solidFill>
@@ -19389,7 +19478,7 @@
         <p:spPr>
           <a:xfrm>
             <a:off x="335520" y="2408400"/>
-            <a:ext cx="10743840" cy="3891600"/>
+            <a:ext cx="10743480" cy="3891240"/>
           </a:xfrm>
           <a:prstGeom prst="rect">
             <a:avLst/>
@@ -19434,7 +19523,7 @@
               </a:rPr>
               <a:t>Basic understanding of the concept of the Linear Economy, the Circular Economy, the Performance Economy and sustainability</a:t>
             </a:r>
-            <a:endParaRPr b="0" lang="en-GB" sz="1800" spc="-1" strike="noStrike">
+            <a:endParaRPr b="0" lang="en-US" sz="1800" spc="-1" strike="noStrike">
               <a:solidFill>
                 <a:srgbClr val="000000"/>
               </a:solidFill>
@@ -19466,7 +19555,7 @@
               </a:rPr>
               <a:t>Basic understanding of new technologies in the field of decentralized and smart systems</a:t>
             </a:r>
-            <a:endParaRPr b="0" lang="en-GB" sz="1800" spc="-1" strike="noStrike">
+            <a:endParaRPr b="0" lang="en-US" sz="1800" spc="-1" strike="noStrike">
               <a:solidFill>
                 <a:srgbClr val="000000"/>
               </a:solidFill>
@@ -19498,7 +19587,7 @@
               </a:rPr>
               <a:t>Understanding and overview of the Internet of Things and related concepts</a:t>
             </a:r>
-            <a:endParaRPr b="0" lang="en-GB" sz="1800" spc="-1" strike="noStrike">
+            <a:endParaRPr b="0" lang="en-US" sz="1800" spc="-1" strike="noStrike">
               <a:solidFill>
                 <a:srgbClr val="000000"/>
               </a:solidFill>

--- a/Emerging-Technologies-for-the-Circular-Economy/ETCE-L00-Organization.pptx
+++ b/Emerging-Technologies-for-the-Circular-Economy/ETCE-L00-Organization.pptx
@@ -375,7 +375,7 @@
             <a:pPr indent="0" algn="r">
               <a:buNone/>
             </a:pPr>
-            <a:fld id="{1EB599FF-5ACE-4C17-872B-735073886E0C}" type="slidenum">
+            <a:fld id="{F2109E5F-2AF3-4057-9603-A5C720E359B5}" type="slidenum">
               <a:rPr b="0" lang="en-GB" sz="1400" spc="-1" strike="noStrike">
                 <a:solidFill>
                   <a:srgbClr val="000000"/>
@@ -429,7 +429,7 @@
         <p:spPr>
           <a:xfrm>
             <a:off x="533520" y="763560"/>
-            <a:ext cx="6691320" cy="3759480"/>
+            <a:ext cx="6690960" cy="3759120"/>
           </a:xfrm>
           <a:prstGeom prst="rect">
             <a:avLst/>
@@ -452,7 +452,7 @@
         <p:spPr>
           <a:xfrm>
             <a:off x="777240" y="4777560"/>
-            <a:ext cx="6204960" cy="4513320"/>
+            <a:ext cx="6204600" cy="4512960"/>
           </a:xfrm>
           <a:prstGeom prst="rect">
             <a:avLst/>
@@ -488,7 +488,7 @@
         <p:spPr>
           <a:xfrm>
             <a:off x="4399200" y="9555480"/>
-            <a:ext cx="3360240" cy="489960"/>
+            <a:ext cx="3359880" cy="489600"/>
           </a:xfrm>
           <a:prstGeom prst="rect">
             <a:avLst/>
@@ -514,7 +514,7 @@
                 <a:spcPct val="100000"/>
               </a:lnSpc>
             </a:pPr>
-            <a:fld id="{4FCF3497-DAB2-4E47-A476-DE4EB01C0142}" type="slidenum">
+            <a:fld id="{4D033D76-D718-4CEF-876B-8786A72D58FB}" type="slidenum">
               <a:rPr b="0" lang="de-DE" sz="1800" spc="-1" strike="noStrike">
                 <a:solidFill>
                   <a:srgbClr val="000000"/>
@@ -568,7 +568,7 @@
         <p:spPr>
           <a:xfrm>
             <a:off x="533520" y="763560"/>
-            <a:ext cx="6691320" cy="3759480"/>
+            <a:ext cx="6690960" cy="3759120"/>
           </a:xfrm>
           <a:prstGeom prst="rect">
             <a:avLst/>
@@ -591,7 +591,7 @@
         <p:spPr>
           <a:xfrm>
             <a:off x="777240" y="4777560"/>
-            <a:ext cx="6204960" cy="4513320"/>
+            <a:ext cx="6204600" cy="4512960"/>
           </a:xfrm>
           <a:prstGeom prst="rect">
             <a:avLst/>
@@ -627,7 +627,7 @@
         <p:spPr>
           <a:xfrm>
             <a:off x="4399200" y="9555480"/>
-            <a:ext cx="3360240" cy="489960"/>
+            <a:ext cx="3359880" cy="489600"/>
           </a:xfrm>
           <a:prstGeom prst="rect">
             <a:avLst/>
@@ -653,7 +653,7 @@
                 <a:spcPct val="100000"/>
               </a:lnSpc>
             </a:pPr>
-            <a:fld id="{8904329A-1B37-45BE-A4FC-A2FC3E045861}" type="slidenum">
+            <a:fld id="{E233E711-BAC5-4639-9C21-40D738D58F43}" type="slidenum">
               <a:rPr b="0" lang="de-DE" sz="1800" spc="-1" strike="noStrike">
                 <a:solidFill>
                   <a:srgbClr val="000000"/>
@@ -661,7 +661,7 @@
                 <a:latin typeface="+mn-lt"/>
                 <a:ea typeface="+mn-ea"/>
               </a:rPr>
-              <a:t>6</a:t>
+              <a:t>&lt;number&gt;</a:t>
             </a:fld>
             <a:endParaRPr b="0" lang="en-GB" sz="1800" spc="-1" strike="noStrike">
               <a:solidFill>
@@ -707,7 +707,7 @@
         <p:spPr>
           <a:xfrm>
             <a:off x="533520" y="763560"/>
-            <a:ext cx="6691320" cy="3759480"/>
+            <a:ext cx="6690960" cy="3759120"/>
           </a:xfrm>
           <a:prstGeom prst="rect">
             <a:avLst/>
@@ -730,7 +730,7 @@
         <p:spPr>
           <a:xfrm>
             <a:off x="777240" y="4777560"/>
-            <a:ext cx="6204960" cy="4513320"/>
+            <a:ext cx="6204600" cy="4512960"/>
           </a:xfrm>
           <a:prstGeom prst="rect">
             <a:avLst/>
@@ -766,7 +766,7 @@
         <p:spPr>
           <a:xfrm>
             <a:off x="4399200" y="9555480"/>
-            <a:ext cx="3360240" cy="489960"/>
+            <a:ext cx="3359880" cy="489600"/>
           </a:xfrm>
           <a:prstGeom prst="rect">
             <a:avLst/>
@@ -792,7 +792,7 @@
                 <a:spcPct val="100000"/>
               </a:lnSpc>
             </a:pPr>
-            <a:fld id="{79A63964-C288-425F-956F-BCE4E1282BC7}" type="slidenum">
+            <a:fld id="{F0FAF6FC-91EB-4049-94EE-52B45EBC9B62}" type="slidenum">
               <a:rPr b="0" lang="de-DE" sz="1800" spc="-1" strike="noStrike">
                 <a:solidFill>
                   <a:srgbClr val="000000"/>
@@ -4397,7 +4397,7 @@
         <p:spPr>
           <a:xfrm>
             <a:off x="11444760" y="0"/>
-            <a:ext cx="739800" cy="6848640"/>
+            <a:ext cx="739440" cy="6848280"/>
           </a:xfrm>
           <a:prstGeom prst="rect">
             <a:avLst/>
@@ -4422,11 +4422,17 @@
             <a:noAutofit/>
           </a:bodyPr>
           <a:p>
+            <a:pPr>
+              <a:lnSpc>
+                <a:spcPct val="100000"/>
+              </a:lnSpc>
+            </a:pPr>
             <a:endParaRPr b="0" lang="en-GB" sz="1800" spc="-1" strike="noStrike">
               <a:solidFill>
                 <a:srgbClr val="ffffff"/>
               </a:solidFill>
               <a:latin typeface="Arial"/>
+              <a:ea typeface="DejaVu Sans"/>
             </a:endParaRPr>
           </a:p>
         </p:txBody>
@@ -4440,7 +4446,7 @@
         <p:spPr>
           <a:xfrm>
             <a:off x="11438640" y="6453360"/>
-            <a:ext cx="756720" cy="363960"/>
+            <a:ext cx="756360" cy="363960"/>
           </a:xfrm>
           <a:prstGeom prst="rect">
             <a:avLst/>
@@ -4466,7 +4472,7 @@
                 <a:spcPct val="100000"/>
               </a:lnSpc>
             </a:pPr>
-            <a:fld id="{C97FACAF-F953-4F3D-BB4F-53C91C2E2330}" type="slidenum">
+            <a:fld id="{859994E3-0ECF-4F44-933B-82A179398C80}" type="slidenum">
               <a:rPr b="0" lang="en-US" sz="1800" spc="-1" strike="noStrike">
                 <a:solidFill>
                   <a:srgbClr val="808080"/>
@@ -4474,7 +4480,7 @@
                 <a:latin typeface="Arial"/>
                 <a:ea typeface="DejaVu Sans"/>
               </a:rPr>
-              <a:t>&lt;number&gt;</a:t>
+              <a:t>13</a:t>
             </a:fld>
             <a:endParaRPr b="0" lang="en-GB" sz="1800" spc="-1" strike="noStrike">
               <a:solidFill>
@@ -4494,7 +4500,7 @@
         <p:spPr>
           <a:xfrm>
             <a:off x="912240" y="1268280"/>
-            <a:ext cx="9206640" cy="360000"/>
+            <a:ext cx="9206280" cy="359640"/>
           </a:xfrm>
           <a:prstGeom prst="rect">
             <a:avLst/>
@@ -4515,11 +4521,17 @@
             <a:noAutofit/>
           </a:bodyPr>
           <a:p>
+            <a:pPr>
+              <a:lnSpc>
+                <a:spcPct val="100000"/>
+              </a:lnSpc>
+            </a:pPr>
             <a:endParaRPr b="0" lang="en-GB" sz="1800" spc="-1" strike="noStrike">
               <a:solidFill>
                 <a:srgbClr val="000000"/>
               </a:solidFill>
               <a:latin typeface="Arial"/>
+              <a:ea typeface="DejaVu Sans"/>
             </a:endParaRPr>
           </a:p>
         </p:txBody>
@@ -4537,7 +4549,7 @@
         <p:spPr>
           <a:xfrm>
             <a:off x="0" y="0"/>
-            <a:ext cx="3050640" cy="560520"/>
+            <a:ext cx="3050280" cy="560160"/>
           </a:xfrm>
           <a:prstGeom prst="rect">
             <a:avLst/>
@@ -4560,7 +4572,7 @@
         <p:spPr>
           <a:xfrm>
             <a:off x="7430400" y="134640"/>
-            <a:ext cx="3696480" cy="512640"/>
+            <a:ext cx="3696120" cy="512280"/>
           </a:xfrm>
           <a:prstGeom prst="rect">
             <a:avLst/>
@@ -4579,7 +4591,7 @@
         <p:spPr>
           <a:xfrm>
             <a:off x="912240" y="1268280"/>
-            <a:ext cx="9206640" cy="360000"/>
+            <a:ext cx="9206280" cy="359640"/>
           </a:xfrm>
           <a:prstGeom prst="rect">
             <a:avLst/>
@@ -4600,11 +4612,17 @@
             <a:noAutofit/>
           </a:bodyPr>
           <a:p>
+            <a:pPr>
+              <a:lnSpc>
+                <a:spcPct val="100000"/>
+              </a:lnSpc>
+            </a:pPr>
             <a:endParaRPr b="0" lang="en-GB" sz="1800" spc="-1" strike="noStrike">
               <a:solidFill>
                 <a:srgbClr val="000000"/>
               </a:solidFill>
               <a:latin typeface="Arial"/>
+              <a:ea typeface="DejaVu Sans"/>
             </a:endParaRPr>
           </a:p>
         </p:txBody>
@@ -4618,7 +4636,7 @@
         <p:spPr>
           <a:xfrm>
             <a:off x="11444760" y="0"/>
-            <a:ext cx="739800" cy="6848640"/>
+            <a:ext cx="739440" cy="6848280"/>
           </a:xfrm>
           <a:prstGeom prst="rect">
             <a:avLst/>
@@ -4643,11 +4661,17 @@
             <a:noAutofit/>
           </a:bodyPr>
           <a:p>
+            <a:pPr>
+              <a:lnSpc>
+                <a:spcPct val="100000"/>
+              </a:lnSpc>
+            </a:pPr>
             <a:endParaRPr b="0" lang="en-GB" sz="1800" spc="-1" strike="noStrike">
               <a:solidFill>
                 <a:srgbClr val="ffffff"/>
               </a:solidFill>
               <a:latin typeface="Arial"/>
+              <a:ea typeface="DejaVu Sans"/>
             </a:endParaRPr>
           </a:p>
         </p:txBody>
@@ -4661,7 +4685,7 @@
         <p:spPr>
           <a:xfrm>
             <a:off x="0" y="6642720"/>
-            <a:ext cx="12182760" cy="211320"/>
+            <a:ext cx="12182400" cy="211320"/>
           </a:xfrm>
           <a:prstGeom prst="rect">
             <a:avLst/>
@@ -5053,7 +5077,7 @@
         <p:spPr>
           <a:xfrm>
             <a:off x="11444760" y="0"/>
-            <a:ext cx="739800" cy="6848640"/>
+            <a:ext cx="739440" cy="6848280"/>
           </a:xfrm>
           <a:prstGeom prst="rect">
             <a:avLst/>
@@ -5078,11 +5102,17 @@
             <a:noAutofit/>
           </a:bodyPr>
           <a:p>
+            <a:pPr>
+              <a:lnSpc>
+                <a:spcPct val="100000"/>
+              </a:lnSpc>
+            </a:pPr>
             <a:endParaRPr b="0" lang="en-GB" sz="1800" spc="-1" strike="noStrike">
               <a:solidFill>
                 <a:srgbClr val="ffffff"/>
               </a:solidFill>
               <a:latin typeface="Arial"/>
+              <a:ea typeface="DejaVu Sans"/>
             </a:endParaRPr>
           </a:p>
         </p:txBody>
@@ -5096,7 +5126,7 @@
         <p:spPr>
           <a:xfrm>
             <a:off x="11438640" y="6453360"/>
-            <a:ext cx="756720" cy="363960"/>
+            <a:ext cx="756360" cy="363960"/>
           </a:xfrm>
           <a:prstGeom prst="rect">
             <a:avLst/>
@@ -5122,7 +5152,7 @@
                 <a:spcPct val="100000"/>
               </a:lnSpc>
             </a:pPr>
-            <a:fld id="{1C5CC3B5-12D6-4B14-91E6-374595B6925B}" type="slidenum">
+            <a:fld id="{A0E7FD5B-7F04-4F44-80AB-ED78A0579918}" type="slidenum">
               <a:rPr b="0" lang="en-US" sz="1800" spc="-1" strike="noStrike">
                 <a:solidFill>
                   <a:srgbClr val="808080"/>
@@ -5150,7 +5180,7 @@
         <p:spPr>
           <a:xfrm>
             <a:off x="912240" y="1268280"/>
-            <a:ext cx="9206640" cy="360000"/>
+            <a:ext cx="9206280" cy="359640"/>
           </a:xfrm>
           <a:prstGeom prst="rect">
             <a:avLst/>
@@ -5171,11 +5201,17 @@
             <a:noAutofit/>
           </a:bodyPr>
           <a:p>
+            <a:pPr>
+              <a:lnSpc>
+                <a:spcPct val="100000"/>
+              </a:lnSpc>
+            </a:pPr>
             <a:endParaRPr b="0" lang="en-GB" sz="1800" spc="-1" strike="noStrike">
               <a:solidFill>
                 <a:srgbClr val="000000"/>
               </a:solidFill>
               <a:latin typeface="Arial"/>
+              <a:ea typeface="DejaVu Sans"/>
             </a:endParaRPr>
           </a:p>
         </p:txBody>
@@ -5193,7 +5229,7 @@
         <p:spPr>
           <a:xfrm>
             <a:off x="0" y="0"/>
-            <a:ext cx="3050640" cy="560520"/>
+            <a:ext cx="3050280" cy="560160"/>
           </a:xfrm>
           <a:prstGeom prst="rect">
             <a:avLst/>
@@ -5216,7 +5252,7 @@
         <p:spPr>
           <a:xfrm>
             <a:off x="7430400" y="134640"/>
-            <a:ext cx="3696480" cy="512640"/>
+            <a:ext cx="3696120" cy="512280"/>
           </a:xfrm>
           <a:prstGeom prst="rect">
             <a:avLst/>
@@ -5235,7 +5271,7 @@
         <p:spPr>
           <a:xfrm>
             <a:off x="11444760" y="0"/>
-            <a:ext cx="739800" cy="6848640"/>
+            <a:ext cx="739440" cy="6848280"/>
           </a:xfrm>
           <a:prstGeom prst="rect">
             <a:avLst/>
@@ -5260,11 +5296,17 @@
             <a:noAutofit/>
           </a:bodyPr>
           <a:p>
+            <a:pPr>
+              <a:lnSpc>
+                <a:spcPct val="100000"/>
+              </a:lnSpc>
+            </a:pPr>
             <a:endParaRPr b="0" lang="en-GB" sz="1800" spc="-1" strike="noStrike">
               <a:solidFill>
                 <a:srgbClr val="ffffff"/>
               </a:solidFill>
               <a:latin typeface="Arial"/>
+              <a:ea typeface="DejaVu Sans"/>
             </a:endParaRPr>
           </a:p>
         </p:txBody>
@@ -5278,7 +5320,7 @@
         <p:spPr>
           <a:xfrm>
             <a:off x="11438640" y="6453360"/>
-            <a:ext cx="756720" cy="363960"/>
+            <a:ext cx="756360" cy="363960"/>
           </a:xfrm>
           <a:prstGeom prst="rect">
             <a:avLst/>
@@ -5304,7 +5346,7 @@
                 <a:spcPct val="100000"/>
               </a:lnSpc>
             </a:pPr>
-            <a:fld id="{B4437858-089D-47CF-9D55-259C422EB16F}" type="slidenum">
+            <a:fld id="{3AEE9EEE-E077-4779-9EA2-CCA91A517B40}" type="slidenum">
               <a:rPr b="0" lang="en-US" sz="1800" spc="-1" strike="noStrike">
                 <a:solidFill>
                   <a:srgbClr val="808080"/>
@@ -5332,7 +5374,7 @@
         <p:spPr>
           <a:xfrm>
             <a:off x="0" y="6642720"/>
-            <a:ext cx="12182760" cy="211320"/>
+            <a:ext cx="12182400" cy="211320"/>
           </a:xfrm>
           <a:prstGeom prst="rect">
             <a:avLst/>
@@ -5717,7 +5759,7 @@
         <p:spPr>
           <a:xfrm>
             <a:off x="527400" y="1412640"/>
-            <a:ext cx="10359720" cy="1146240"/>
+            <a:ext cx="10359360" cy="1145880"/>
           </a:xfrm>
           <a:prstGeom prst="rect">
             <a:avLst/>
@@ -5771,7 +5813,7 @@
         <p:spPr>
           <a:xfrm>
             <a:off x="527400" y="2852640"/>
-            <a:ext cx="10359720" cy="2367000"/>
+            <a:ext cx="10359360" cy="2366640"/>
           </a:xfrm>
           <a:prstGeom prst="rect">
             <a:avLst/>
@@ -6034,7 +6076,7 @@
         <p:spPr>
           <a:xfrm>
             <a:off x="335520" y="764640"/>
-            <a:ext cx="10743840" cy="494640"/>
+            <a:ext cx="10743480" cy="494280"/>
           </a:xfrm>
           <a:prstGeom prst="rect">
             <a:avLst/>
@@ -6101,7 +6143,7 @@
         <p:spPr>
           <a:xfrm>
             <a:off x="335520" y="2408400"/>
-            <a:ext cx="10743840" cy="3891600"/>
+            <a:ext cx="10743480" cy="3891240"/>
           </a:xfrm>
           <a:prstGeom prst="rect">
             <a:avLst/>
@@ -6290,7 +6332,7 @@
         <p:spPr>
           <a:xfrm>
             <a:off x="335520" y="764640"/>
-            <a:ext cx="10743840" cy="494640"/>
+            <a:ext cx="10743480" cy="494280"/>
           </a:xfrm>
           <a:prstGeom prst="rect">
             <a:avLst/>
@@ -6344,7 +6386,7 @@
         <p:spPr>
           <a:xfrm>
             <a:off x="335520" y="2408400"/>
-            <a:ext cx="10743840" cy="3891600"/>
+            <a:ext cx="10743480" cy="3891240"/>
           </a:xfrm>
           <a:prstGeom prst="rect">
             <a:avLst/>
@@ -6565,7 +6607,7 @@
         <p:spPr>
           <a:xfrm>
             <a:off x="335520" y="764640"/>
-            <a:ext cx="10743840" cy="494640"/>
+            <a:ext cx="10743480" cy="494280"/>
           </a:xfrm>
           <a:prstGeom prst="rect">
             <a:avLst/>
@@ -6632,7 +6674,7 @@
         <p:spPr>
           <a:xfrm>
             <a:off x="335520" y="2408400"/>
-            <a:ext cx="10743840" cy="3891600"/>
+            <a:ext cx="10743480" cy="3891240"/>
           </a:xfrm>
           <a:prstGeom prst="rect">
             <a:avLst/>
@@ -6885,7 +6927,7 @@
         <p:spPr>
           <a:xfrm>
             <a:off x="335520" y="764640"/>
-            <a:ext cx="10743840" cy="494640"/>
+            <a:ext cx="10743480" cy="494280"/>
           </a:xfrm>
           <a:prstGeom prst="rect">
             <a:avLst/>
@@ -6939,7 +6981,7 @@
         <p:spPr>
           <a:xfrm>
             <a:off x="335520" y="1268640"/>
-            <a:ext cx="10743840" cy="5031360"/>
+            <a:ext cx="10743480" cy="5031000"/>
           </a:xfrm>
           <a:prstGeom prst="rect">
             <a:avLst/>
@@ -6982,7 +7024,7 @@
                 <a:latin typeface="DejaVu Sans"/>
                 <a:ea typeface="DejaVu Sans"/>
               </a:rPr>
-              <a:t>17.04.2023 → Organization + Introduction</a:t>
+              <a:t>17.04.2023 → Organization (L00) + Introduction (L01)</a:t>
             </a:r>
             <a:endParaRPr b="0" lang="en-GB" sz="1800" spc="-1" strike="noStrike">
               <a:solidFill>
@@ -7014,7 +7056,7 @@
                 <a:latin typeface="DejaVu Sans"/>
                 <a:ea typeface="DejaVu Sans"/>
               </a:rPr>
-              <a:t>24.04.2023 → Circular Economy </a:t>
+              <a:t>24.04.2023 → Circular Economy (L02) </a:t>
             </a:r>
             <a:endParaRPr b="0" lang="en-GB" sz="1800" spc="-1" strike="noStrike">
               <a:solidFill>
@@ -7046,7 +7088,7 @@
                 <a:latin typeface="DejaVu Sans"/>
                 <a:ea typeface="DejaVu Sans"/>
               </a:rPr>
-              <a:t>08.05.2023 → Lifecycle Assessment (LCA) </a:t>
+              <a:t>08.05.2023 → Lifecycle Assessment – LCA (L03)</a:t>
             </a:r>
             <a:endParaRPr b="0" lang="en-GB" sz="1800" spc="-1" strike="noStrike">
               <a:solidFill>
@@ -7078,7 +7120,7 @@
                 <a:latin typeface="DejaVu Sans"/>
                 <a:ea typeface="DejaVu Sans"/>
               </a:rPr>
-              <a:t>15.05.2023 → Introduction to the Internet of Things</a:t>
+              <a:t>15.05.2023 → Introduction to the Internet of Things (L04)</a:t>
             </a:r>
             <a:endParaRPr b="0" lang="en-GB" sz="1800" spc="-1" strike="noStrike">
               <a:solidFill>
@@ -7110,7 +7152,7 @@
                 <a:latin typeface="DejaVu Sans"/>
                 <a:ea typeface="DejaVu Sans"/>
               </a:rPr>
-              <a:t>22.05.2023 → Internet of Things – Communication + Security and Privacy</a:t>
+              <a:t>22.05.2023 → Internet of Things – Communication + Security and Privacy (L05)</a:t>
             </a:r>
             <a:endParaRPr b="0" lang="en-GB" sz="1800" spc="-1" strike="noStrike">
               <a:solidFill>
@@ -7142,7 +7184,7 @@
                 <a:latin typeface="DejaVu Sans"/>
                 <a:ea typeface="DejaVu Sans"/>
               </a:rPr>
-              <a:t>05.06.2023 → Internet of Things – Data Processing and BigData</a:t>
+              <a:t>05.06.2023 → Internet of Things – Data Processing and BigData (L06)</a:t>
             </a:r>
             <a:endParaRPr b="0" lang="en-GB" sz="1800" spc="-1" strike="noStrike">
               <a:solidFill>
@@ -7152,19 +7194,13 @@
             </a:endParaRPr>
           </a:p>
           <a:p>
-            <a:pPr lvl="6" marL="1512000" indent="-216000">
+            <a:pPr>
               <a:lnSpc>
                 <a:spcPct val="100000"/>
               </a:lnSpc>
               <a:spcBef>
                 <a:spcPts val="360"/>
               </a:spcBef>
-              <a:buClr>
-                <a:srgbClr val="000000"/>
-              </a:buClr>
-              <a:buSzPct val="45000"/>
-              <a:buFont typeface="Wingdings" charset="2"/>
-              <a:buChar char=""/>
             </a:pPr>
             <a:r>
               <a:rPr b="0" lang="en-US" sz="1800" spc="-1" strike="noStrike">
@@ -7174,7 +7210,27 @@
                 <a:latin typeface="DejaVu Sans"/>
                 <a:ea typeface="DejaVu Sans"/>
               </a:rPr>
-              <a:t> → </a:t>
+              <a:t> </a:t>
+            </a:r>
+            <a:r>
+              <a:rPr b="0" lang="en-US" sz="1800" spc="-1" strike="noStrike">
+                <a:solidFill>
+                  <a:srgbClr val="000000"/>
+                </a:solidFill>
+                <a:latin typeface="DejaVu Sans"/>
+                <a:ea typeface="DejaVu Sans"/>
+              </a:rPr>
+              <a:t>	</a:t>
+            </a:r>
+            <a:r>
+              <a:rPr b="0" lang="en-US" sz="1800" spc="-1" strike="noStrike">
+                <a:solidFill>
+                  <a:srgbClr val="000000"/>
+                </a:solidFill>
+                <a:latin typeface="DejaVu Sans"/>
+                <a:ea typeface="DejaVu Sans"/>
+              </a:rPr>
+              <a:t>         → </a:t>
             </a:r>
             <a:r>
               <a:rPr b="0" lang="en-US" sz="1800" spc="-1" strike="noStrike">
@@ -7216,7 +7272,7 @@
                 <a:latin typeface="DejaVu Sans"/>
                 <a:ea typeface="DejaVu Sans"/>
               </a:rPr>
-              <a:t>12.06.2023 → Industrial Internet of Things</a:t>
+              <a:t>12.06.2023 → Industrial Internet of Things (L07)</a:t>
             </a:r>
             <a:endParaRPr b="0" lang="en-GB" sz="1800" spc="-1" strike="noStrike">
               <a:solidFill>
@@ -7248,7 +7304,7 @@
                 <a:latin typeface="DejaVu Sans"/>
                 <a:ea typeface="DejaVu Sans"/>
               </a:rPr>
-              <a:t>19.06.2023 → Introduction to Blockchain Technology</a:t>
+              <a:t>19.06.2023 → Introduction to Blockchain Technology (L08)</a:t>
             </a:r>
             <a:endParaRPr b="0" lang="en-GB" sz="1800" spc="-1" strike="noStrike">
               <a:solidFill>
@@ -7280,7 +7336,7 @@
                 <a:latin typeface="DejaVu Sans"/>
                 <a:ea typeface="DejaVu Sans"/>
               </a:rPr>
-              <a:t>26.06.2023 → Blockchain Technology – Consensus</a:t>
+              <a:t>26.06.2023 → Blockchain Technology – Consensus (L09)</a:t>
             </a:r>
             <a:endParaRPr b="0" lang="en-GB" sz="1800" spc="-1" strike="noStrike">
               <a:solidFill>
@@ -7312,7 +7368,7 @@
                 <a:latin typeface="DejaVu Sans"/>
                 <a:ea typeface="DejaVu Sans"/>
               </a:rPr>
-              <a:t>03.07.2023 → Blockchain Technology – Ethereum and Smart Contracts</a:t>
+              <a:t>03.07.2023 → Blockchain Technology – Ethereum and Smart Contracts (L10)</a:t>
             </a:r>
             <a:endParaRPr b="0" lang="en-GB" sz="1800" spc="-1" strike="noStrike">
               <a:solidFill>
@@ -7344,7 +7400,7 @@
                 <a:latin typeface="DejaVu Sans"/>
                 <a:ea typeface="DejaVu Sans"/>
               </a:rPr>
-              <a:t>10.07.2023 → Blockchain Technology and Sustainability</a:t>
+              <a:t>10.07.2023 → Blockchain Technology and Sustainability (L11)</a:t>
             </a:r>
             <a:endParaRPr b="0" lang="en-GB" sz="1800" spc="-1" strike="noStrike">
               <a:solidFill>
@@ -7396,7 +7452,7 @@
                 <a:latin typeface="DejaVu Sans"/>
                 <a:ea typeface="DejaVu Sans"/>
               </a:rPr>
-              <a:t> The Machine-to-Everything Economy – A step towards the CE 2.0?</a:t>
+              <a:t> The Machine-to-Everything Economy – A step towards the CE 2.0? (L12)</a:t>
             </a:r>
             <a:endParaRPr b="0" lang="en-GB" sz="1800" spc="-1" strike="noStrike">
               <a:solidFill>
@@ -7446,7 +7502,7 @@
         <p:spPr>
           <a:xfrm>
             <a:off x="335520" y="764640"/>
-            <a:ext cx="10743840" cy="494640"/>
+            <a:ext cx="10743480" cy="494280"/>
           </a:xfrm>
           <a:prstGeom prst="rect">
             <a:avLst/>
@@ -7500,7 +7556,7 @@
         <p:spPr>
           <a:xfrm>
             <a:off x="335520" y="1268640"/>
-            <a:ext cx="10743840" cy="5031360"/>
+            <a:ext cx="10743480" cy="5031000"/>
           </a:xfrm>
           <a:prstGeom prst="rect">
             <a:avLst/>
@@ -7771,17 +7827,7 @@
                 <a:latin typeface="DejaVu Sans"/>
                 <a:ea typeface="DejaVu Sans"/>
               </a:rPr>
-              <a:t> Exercise 05 – </a:t>
-            </a:r>
-            <a:r>
-              <a:rPr b="0" lang="de-DE" sz="1800" spc="-1" strike="noStrike">
-                <a:solidFill>
-                  <a:srgbClr val="000000"/>
-                </a:solidFill>
-                <a:latin typeface="DejaVu Sans"/>
-                <a:ea typeface="DejaVu Sans"/>
-              </a:rPr>
-              <a:t>IoT Security</a:t>
+              <a:t> Exercise 05 – IoT Security</a:t>
             </a:r>
             <a:endParaRPr b="0" lang="en-GB" sz="1800" spc="-1" strike="noStrike">
               <a:solidFill>
@@ -7833,17 +7879,7 @@
                 <a:latin typeface="DejaVu Sans"/>
                 <a:ea typeface="DejaVu Sans"/>
               </a:rPr>
-              <a:t> Exercise 06 – </a:t>
-            </a:r>
-            <a:r>
-              <a:rPr b="0" lang="de-DE" sz="1800" spc="-1" strike="noStrike">
-                <a:solidFill>
-                  <a:srgbClr val="000000"/>
-                </a:solidFill>
-                <a:latin typeface="DejaVu Sans"/>
-                <a:ea typeface="DejaVu Sans"/>
-              </a:rPr>
-              <a:t>IoT Data Processing</a:t>
+              <a:t> Exercise 06 – IoT Data Processing</a:t>
             </a:r>
             <a:endParaRPr b="0" lang="en-GB" sz="1800" spc="-1" strike="noStrike">
               <a:solidFill>
@@ -8205,7 +8241,7 @@
         <p:spPr>
           <a:xfrm>
             <a:off x="335520" y="764640"/>
-            <a:ext cx="10743840" cy="494640"/>
+            <a:ext cx="10743480" cy="494280"/>
           </a:xfrm>
           <a:prstGeom prst="rect">
             <a:avLst/>
@@ -8259,7 +8295,7 @@
         <p:spPr>
           <a:xfrm>
             <a:off x="335520" y="1268280"/>
-            <a:ext cx="10743840" cy="5031360"/>
+            <a:ext cx="10743480" cy="5031000"/>
           </a:xfrm>
           <a:prstGeom prst="rect">
             <a:avLst/>
@@ -8425,7 +8461,7 @@
                 <a:srgbClr val="008c4f"/>
               </a:buClr>
               <a:buSzPct val="45000"/>
-              <a:buFont typeface="Symbol" charset="2"/>
+              <a:buFont typeface="Symbol"/>
               <a:buChar char=""/>
             </a:pPr>
             <a:r>
@@ -8722,7 +8758,7 @@
         <p:spPr>
           <a:xfrm>
             <a:off x="335520" y="764640"/>
-            <a:ext cx="10742400" cy="493200"/>
+            <a:ext cx="10742040" cy="492840"/>
           </a:xfrm>
           <a:prstGeom prst="rect">
             <a:avLst/>
@@ -8802,7 +8838,7 @@
         <p:spPr>
           <a:xfrm>
             <a:off x="335520" y="1268640"/>
-            <a:ext cx="10742400" cy="5029920"/>
+            <a:ext cx="10742040" cy="5029560"/>
           </a:xfrm>
           <a:prstGeom prst="rect">
             <a:avLst/>
@@ -8823,19 +8859,13 @@
             <a:noAutofit/>
           </a:bodyPr>
           <a:p>
-            <a:pPr marL="195120" indent="-188640">
+            <a:pPr>
               <a:lnSpc>
                 <a:spcPct val="100000"/>
               </a:lnSpc>
               <a:spcBef>
                 <a:spcPts val="360"/>
               </a:spcBef>
-              <a:buClr>
-                <a:srgbClr val="008c4f"/>
-              </a:buClr>
-              <a:buSzPct val="80000"/>
-              <a:buFont typeface="Wingdings" charset="2"/>
-              <a:buChar char=""/>
             </a:pPr>
             <a:endParaRPr b="0" lang="en-GB" sz="1800" spc="-1" strike="noStrike">
               <a:solidFill>
@@ -9239,7 +9269,7 @@
         <p:spPr>
           <a:xfrm>
             <a:off x="335520" y="764640"/>
-            <a:ext cx="10743840" cy="494640"/>
+            <a:ext cx="10743480" cy="494280"/>
           </a:xfrm>
           <a:prstGeom prst="rect">
             <a:avLst/>
@@ -9293,7 +9323,7 @@
         <p:spPr>
           <a:xfrm>
             <a:off x="335520" y="1268280"/>
-            <a:ext cx="10743840" cy="5031360"/>
+            <a:ext cx="10743480" cy="5031000"/>
           </a:xfrm>
           <a:prstGeom prst="rect">
             <a:avLst/>
@@ -9694,7 +9724,7 @@
         <p:spPr>
           <a:xfrm>
             <a:off x="335520" y="764640"/>
-            <a:ext cx="10743840" cy="494640"/>
+            <a:ext cx="10743480" cy="494280"/>
           </a:xfrm>
           <a:prstGeom prst="rect">
             <a:avLst/>
@@ -9748,7 +9778,7 @@
         <p:spPr>
           <a:xfrm>
             <a:off x="335520" y="1268640"/>
-            <a:ext cx="10743840" cy="5031360"/>
+            <a:ext cx="10743480" cy="5031000"/>
           </a:xfrm>
           <a:prstGeom prst="rect">
             <a:avLst/>
@@ -9979,7 +10009,7 @@
         <p:spPr>
           <a:xfrm>
             <a:off x="4655880" y="476640"/>
-            <a:ext cx="2430000" cy="356040"/>
+            <a:ext cx="2429640" cy="355680"/>
           </a:xfrm>
           <a:prstGeom prst="rect">
             <a:avLst/>
@@ -10000,11 +10030,17 @@
             <a:noAutofit/>
           </a:bodyPr>
           <a:p>
+            <a:pPr>
+              <a:lnSpc>
+                <a:spcPct val="100000"/>
+              </a:lnSpc>
+            </a:pPr>
             <a:endParaRPr b="0" lang="en-GB" sz="1800" spc="-1" strike="noStrike">
               <a:solidFill>
                 <a:srgbClr val="000000"/>
               </a:solidFill>
               <a:latin typeface="Arial"/>
+              <a:ea typeface="DejaVu Sans"/>
             </a:endParaRPr>
           </a:p>
         </p:txBody>
@@ -10048,7 +10084,7 @@
         <p:spPr>
           <a:xfrm>
             <a:off x="335520" y="764640"/>
-            <a:ext cx="10743840" cy="494640"/>
+            <a:ext cx="10743480" cy="494280"/>
           </a:xfrm>
           <a:prstGeom prst="rect">
             <a:avLst/>
@@ -10102,7 +10138,7 @@
         <p:spPr>
           <a:xfrm>
             <a:off x="335520" y="1268640"/>
-            <a:ext cx="10743840" cy="5031360"/>
+            <a:ext cx="10743480" cy="5031000"/>
           </a:xfrm>
           <a:prstGeom prst="rect">
             <a:avLst/>
@@ -10229,7 +10265,7 @@
         <p:spPr>
           <a:xfrm>
             <a:off x="4655880" y="476640"/>
-            <a:ext cx="2430000" cy="356040"/>
+            <a:ext cx="2429640" cy="355680"/>
           </a:xfrm>
           <a:prstGeom prst="rect">
             <a:avLst/>
@@ -10250,11 +10286,17 @@
             <a:noAutofit/>
           </a:bodyPr>
           <a:p>
+            <a:pPr>
+              <a:lnSpc>
+                <a:spcPct val="100000"/>
+              </a:lnSpc>
+            </a:pPr>
             <a:endParaRPr b="0" lang="en-GB" sz="1800" spc="-1" strike="noStrike">
               <a:solidFill>
                 <a:srgbClr val="000000"/>
               </a:solidFill>
               <a:latin typeface="Arial"/>
+              <a:ea typeface="DejaVu Sans"/>
             </a:endParaRPr>
           </a:p>
         </p:txBody>
@@ -10298,7 +10340,7 @@
         <p:spPr>
           <a:xfrm>
             <a:off x="335520" y="764640"/>
-            <a:ext cx="10741680" cy="492480"/>
+            <a:ext cx="10741320" cy="492120"/>
           </a:xfrm>
           <a:prstGeom prst="rect">
             <a:avLst/>
@@ -10352,7 +10394,7 @@
         <p:spPr>
           <a:xfrm>
             <a:off x="335520" y="1268640"/>
-            <a:ext cx="10741680" cy="5029200"/>
+            <a:ext cx="10741320" cy="5028840"/>
           </a:xfrm>
           <a:prstGeom prst="rect">
             <a:avLst/>
@@ -10415,7 +10457,7 @@
         <p:spPr>
           <a:xfrm>
             <a:off x="336600" y="3429000"/>
-            <a:ext cx="10859400" cy="2051280"/>
+            <a:ext cx="10859040" cy="2050920"/>
           </a:xfrm>
           <a:prstGeom prst="rect">
             <a:avLst/>
@@ -10610,7 +10652,7 @@
         <p:spPr>
           <a:xfrm>
             <a:off x="335520" y="840960"/>
-            <a:ext cx="10743840" cy="494640"/>
+            <a:ext cx="10743480" cy="494280"/>
           </a:xfrm>
           <a:prstGeom prst="rect">
             <a:avLst/>
@@ -10664,7 +10706,7 @@
         <p:spPr>
           <a:xfrm>
             <a:off x="388800" y="1488600"/>
-            <a:ext cx="10722240" cy="5204520"/>
+            <a:ext cx="10721880" cy="5204520"/>
           </a:xfrm>
           <a:prstGeom prst="rect">
             <a:avLst/>
@@ -11370,7 +11412,7 @@
         <p:spPr>
           <a:xfrm>
             <a:off x="335520" y="764640"/>
-            <a:ext cx="10743840" cy="494640"/>
+            <a:ext cx="10743480" cy="494280"/>
           </a:xfrm>
           <a:prstGeom prst="rect">
             <a:avLst/>
@@ -11424,7 +11466,7 @@
         <p:spPr>
           <a:xfrm>
             <a:off x="4655880" y="476640"/>
-            <a:ext cx="2430000" cy="356040"/>
+            <a:ext cx="2429640" cy="355680"/>
           </a:xfrm>
           <a:prstGeom prst="rect">
             <a:avLst/>
@@ -11445,11 +11487,17 @@
             <a:noAutofit/>
           </a:bodyPr>
           <a:p>
+            <a:pPr>
+              <a:lnSpc>
+                <a:spcPct val="100000"/>
+              </a:lnSpc>
+            </a:pPr>
             <a:endParaRPr b="0" lang="en-GB" sz="1800" spc="-1" strike="noStrike">
               <a:solidFill>
                 <a:srgbClr val="000000"/>
               </a:solidFill>
               <a:latin typeface="Arial"/>
+              <a:ea typeface="DejaVu Sans"/>
             </a:endParaRPr>
           </a:p>
         </p:txBody>
@@ -11463,7 +11511,7 @@
         <p:spPr>
           <a:xfrm>
             <a:off x="494640" y="1523880"/>
-            <a:ext cx="10362600" cy="477720"/>
+            <a:ext cx="10362240" cy="477360"/>
           </a:xfrm>
           <a:prstGeom prst="rect">
             <a:avLst/>
@@ -11522,7 +11570,7 @@
         <p:spPr>
           <a:xfrm>
             <a:off x="609120" y="2057760"/>
-            <a:ext cx="9515160" cy="3879360"/>
+            <a:ext cx="9514800" cy="3879000"/>
           </a:xfrm>
           <a:prstGeom prst="rect">
             <a:avLst/>
@@ -11571,7 +11619,7 @@
         <p:spPr>
           <a:xfrm>
             <a:off x="335520" y="764640"/>
-            <a:ext cx="10743840" cy="494640"/>
+            <a:ext cx="10743480" cy="494280"/>
           </a:xfrm>
           <a:prstGeom prst="rect">
             <a:avLst/>
@@ -11625,7 +11673,7 @@
         <p:spPr>
           <a:xfrm>
             <a:off x="4655880" y="476640"/>
-            <a:ext cx="2430000" cy="356040"/>
+            <a:ext cx="2429640" cy="355680"/>
           </a:xfrm>
           <a:prstGeom prst="rect">
             <a:avLst/>
@@ -11646,11 +11694,17 @@
             <a:noAutofit/>
           </a:bodyPr>
           <a:p>
+            <a:pPr>
+              <a:lnSpc>
+                <a:spcPct val="100000"/>
+              </a:lnSpc>
+            </a:pPr>
             <a:endParaRPr b="0" lang="en-GB" sz="1800" spc="-1" strike="noStrike">
               <a:solidFill>
                 <a:srgbClr val="000000"/>
               </a:solidFill>
               <a:latin typeface="Arial"/>
+              <a:ea typeface="DejaVu Sans"/>
             </a:endParaRPr>
           </a:p>
         </p:txBody>
@@ -11664,7 +11718,7 @@
         <p:spPr>
           <a:xfrm>
             <a:off x="494640" y="1474920"/>
-            <a:ext cx="10362600" cy="477720"/>
+            <a:ext cx="10362240" cy="477360"/>
           </a:xfrm>
           <a:prstGeom prst="rect">
             <a:avLst/>
@@ -11733,7 +11787,7 @@
         <p:spPr>
           <a:xfrm>
             <a:off x="446400" y="2185200"/>
-            <a:ext cx="9402480" cy="3845520"/>
+            <a:ext cx="9402120" cy="3845160"/>
           </a:xfrm>
           <a:prstGeom prst="rect">
             <a:avLst/>
@@ -11782,7 +11836,7 @@
         <p:spPr>
           <a:xfrm>
             <a:off x="335520" y="764640"/>
-            <a:ext cx="10743840" cy="494640"/>
+            <a:ext cx="10743480" cy="494280"/>
           </a:xfrm>
           <a:prstGeom prst="rect">
             <a:avLst/>
@@ -11836,7 +11890,7 @@
         <p:spPr>
           <a:xfrm>
             <a:off x="4655880" y="476640"/>
-            <a:ext cx="2430000" cy="356040"/>
+            <a:ext cx="2429640" cy="355680"/>
           </a:xfrm>
           <a:prstGeom prst="rect">
             <a:avLst/>
@@ -11857,11 +11911,17 @@
             <a:noAutofit/>
           </a:bodyPr>
           <a:p>
+            <a:pPr>
+              <a:lnSpc>
+                <a:spcPct val="100000"/>
+              </a:lnSpc>
+            </a:pPr>
             <a:endParaRPr b="0" lang="en-GB" sz="1800" spc="-1" strike="noStrike">
               <a:solidFill>
                 <a:srgbClr val="000000"/>
               </a:solidFill>
               <a:latin typeface="Arial"/>
+              <a:ea typeface="DejaVu Sans"/>
             </a:endParaRPr>
           </a:p>
         </p:txBody>
@@ -11875,7 +11935,7 @@
         <p:spPr>
           <a:xfrm>
             <a:off x="494640" y="1523880"/>
-            <a:ext cx="10362600" cy="477720"/>
+            <a:ext cx="10362240" cy="477360"/>
           </a:xfrm>
           <a:prstGeom prst="rect">
             <a:avLst/>
@@ -11934,7 +11994,7 @@
         <p:spPr>
           <a:xfrm>
             <a:off x="494640" y="2088360"/>
-            <a:ext cx="8940240" cy="3961800"/>
+            <a:ext cx="8939880" cy="3961440"/>
           </a:xfrm>
           <a:prstGeom prst="rect">
             <a:avLst/>
@@ -11983,7 +12043,7 @@
         <p:spPr>
           <a:xfrm>
             <a:off x="335520" y="764640"/>
-            <a:ext cx="10743840" cy="494640"/>
+            <a:ext cx="10743480" cy="494280"/>
           </a:xfrm>
           <a:prstGeom prst="rect">
             <a:avLst/>
@@ -12037,7 +12097,7 @@
         <p:spPr>
           <a:xfrm>
             <a:off x="4655880" y="476640"/>
-            <a:ext cx="2430000" cy="356040"/>
+            <a:ext cx="2429640" cy="355680"/>
           </a:xfrm>
           <a:prstGeom prst="rect">
             <a:avLst/>
@@ -12058,11 +12118,17 @@
             <a:noAutofit/>
           </a:bodyPr>
           <a:p>
+            <a:pPr>
+              <a:lnSpc>
+                <a:spcPct val="100000"/>
+              </a:lnSpc>
+            </a:pPr>
             <a:endParaRPr b="0" lang="en-GB" sz="1800" spc="-1" strike="noStrike">
               <a:solidFill>
                 <a:srgbClr val="000000"/>
               </a:solidFill>
               <a:latin typeface="Arial"/>
+              <a:ea typeface="DejaVu Sans"/>
             </a:endParaRPr>
           </a:p>
         </p:txBody>
@@ -12076,7 +12142,7 @@
         <p:spPr>
           <a:xfrm>
             <a:off x="494640" y="1523880"/>
-            <a:ext cx="10362600" cy="477720"/>
+            <a:ext cx="10362240" cy="477360"/>
           </a:xfrm>
           <a:prstGeom prst="rect">
             <a:avLst/>
@@ -12135,7 +12201,7 @@
         <p:spPr>
           <a:xfrm>
             <a:off x="494640" y="2166840"/>
-            <a:ext cx="8335800" cy="4177080"/>
+            <a:ext cx="8335440" cy="4176720"/>
           </a:xfrm>
           <a:prstGeom prst="rect">
             <a:avLst/>
@@ -12184,7 +12250,7 @@
         <p:spPr>
           <a:xfrm>
             <a:off x="335520" y="768240"/>
-            <a:ext cx="10743840" cy="494640"/>
+            <a:ext cx="10743480" cy="494280"/>
           </a:xfrm>
           <a:prstGeom prst="rect">
             <a:avLst/>
@@ -12238,7 +12304,7 @@
         <p:spPr>
           <a:xfrm>
             <a:off x="388800" y="1488600"/>
-            <a:ext cx="10717560" cy="5204520"/>
+            <a:ext cx="10717200" cy="5204520"/>
           </a:xfrm>
           <a:prstGeom prst="rect">
             <a:avLst/>
@@ -12948,7 +13014,7 @@
         <p:spPr>
           <a:xfrm>
             <a:off x="335520" y="764640"/>
-            <a:ext cx="10743840" cy="494640"/>
+            <a:ext cx="10743480" cy="494280"/>
           </a:xfrm>
           <a:prstGeom prst="rect">
             <a:avLst/>
@@ -13002,7 +13068,7 @@
         <p:spPr>
           <a:xfrm>
             <a:off x="494640" y="1523880"/>
-            <a:ext cx="10362600" cy="477720"/>
+            <a:ext cx="10362240" cy="477360"/>
           </a:xfrm>
           <a:prstGeom prst="rect">
             <a:avLst/>
@@ -13091,6 +13157,7 @@
                 <a:srgbClr val="000000"/>
               </a:solidFill>
               <a:latin typeface="Arial"/>
+              <a:ea typeface="DejaVu Sans"/>
             </a:endParaRPr>
           </a:p>
         </p:txBody>
@@ -13108,7 +13175,7 @@
         <p:spPr>
           <a:xfrm>
             <a:off x="1895760" y="2238840"/>
-            <a:ext cx="6784920" cy="4155840"/>
+            <a:ext cx="6784560" cy="4155480"/>
           </a:xfrm>
           <a:prstGeom prst="rect">
             <a:avLst/>
@@ -13157,7 +13224,7 @@
         <p:spPr>
           <a:xfrm>
             <a:off x="335520" y="764640"/>
-            <a:ext cx="10743840" cy="494640"/>
+            <a:ext cx="10743480" cy="494280"/>
           </a:xfrm>
           <a:prstGeom prst="rect">
             <a:avLst/>
@@ -13211,7 +13278,7 @@
         <p:spPr>
           <a:xfrm>
             <a:off x="494640" y="1488600"/>
-            <a:ext cx="5445360" cy="442440"/>
+            <a:ext cx="5445000" cy="442080"/>
           </a:xfrm>
           <a:prstGeom prst="rect">
             <a:avLst/>
@@ -13280,7 +13347,7 @@
         <p:spPr>
           <a:xfrm>
             <a:off x="1828800" y="1937160"/>
-            <a:ext cx="7952400" cy="4086720"/>
+            <a:ext cx="7952040" cy="4086360"/>
           </a:xfrm>
           <a:prstGeom prst="rect">
             <a:avLst/>
@@ -13329,7 +13396,7 @@
         <p:spPr>
           <a:xfrm>
             <a:off x="335520" y="764640"/>
-            <a:ext cx="10743840" cy="494640"/>
+            <a:ext cx="10743480" cy="494280"/>
           </a:xfrm>
           <a:prstGeom prst="rect">
             <a:avLst/>
@@ -13387,7 +13454,7 @@
         <p:spPr>
           <a:xfrm>
             <a:off x="2679480" y="2130480"/>
-            <a:ext cx="7372800" cy="3483720"/>
+            <a:ext cx="7372440" cy="3483360"/>
           </a:xfrm>
           <a:prstGeom prst="rect">
             <a:avLst/>
@@ -13406,7 +13473,7 @@
         <p:spPr>
           <a:xfrm>
             <a:off x="494640" y="1418040"/>
-            <a:ext cx="5216760" cy="442440"/>
+            <a:ext cx="5216400" cy="442080"/>
           </a:xfrm>
           <a:prstGeom prst="rect">
             <a:avLst/>
@@ -13494,7 +13561,7 @@
         <p:spPr>
           <a:xfrm>
             <a:off x="685800" y="2514600"/>
-            <a:ext cx="8870760" cy="3837240"/>
+            <a:ext cx="8870400" cy="3836880"/>
           </a:xfrm>
           <a:prstGeom prst="rect">
             <a:avLst/>
@@ -13513,7 +13580,7 @@
         <p:spPr>
           <a:xfrm>
             <a:off x="335520" y="764640"/>
-            <a:ext cx="10743840" cy="494640"/>
+            <a:ext cx="10743480" cy="494280"/>
           </a:xfrm>
           <a:prstGeom prst="rect">
             <a:avLst/>
@@ -13567,7 +13634,7 @@
         <p:spPr>
           <a:xfrm>
             <a:off x="494640" y="1312200"/>
-            <a:ext cx="1733760" cy="365040"/>
+            <a:ext cx="1733400" cy="364680"/>
           </a:xfrm>
           <a:prstGeom prst="rect">
             <a:avLst/>
@@ -13682,6 +13749,7 @@
                 <a:srgbClr val="000000"/>
               </a:solidFill>
               <a:latin typeface="Arial"/>
+              <a:ea typeface="DejaVu Sans"/>
             </a:endParaRPr>
           </a:p>
         </p:txBody>
@@ -13730,6 +13798,7 @@
                 <a:srgbClr val="000000"/>
               </a:solidFill>
               <a:latin typeface="Arial"/>
+              <a:ea typeface="DejaVu Sans"/>
             </a:endParaRPr>
           </a:p>
         </p:txBody>
@@ -13778,6 +13847,7 @@
                 <a:srgbClr val="000000"/>
               </a:solidFill>
               <a:latin typeface="Arial"/>
+              <a:ea typeface="DejaVu Sans"/>
             </a:endParaRPr>
           </a:p>
         </p:txBody>
@@ -13791,7 +13861,7 @@
         <p:spPr>
           <a:xfrm>
             <a:off x="642600" y="1679400"/>
-            <a:ext cx="4400640" cy="638280"/>
+            <a:ext cx="4400280" cy="638280"/>
           </a:xfrm>
           <a:prstGeom prst="rect">
             <a:avLst/>
@@ -13868,7 +13938,7 @@
         <p:spPr>
           <a:xfrm>
             <a:off x="6549480" y="1679400"/>
-            <a:ext cx="4874400" cy="631080"/>
+            <a:ext cx="4874040" cy="630720"/>
           </a:xfrm>
           <a:prstGeom prst="rect">
             <a:avLst/>
@@ -13945,7 +14015,7 @@
         <p:spPr>
           <a:xfrm>
             <a:off x="7839360" y="1679400"/>
-            <a:ext cx="2615760" cy="428400"/>
+            <a:ext cx="2615400" cy="428040"/>
           </a:xfrm>
           <a:prstGeom prst="rect">
             <a:avLst/>
@@ -14002,7 +14072,7 @@
         <p:spPr>
           <a:xfrm>
             <a:off x="8857440" y="3943440"/>
-            <a:ext cx="280440" cy="363960"/>
+            <a:ext cx="280080" cy="363960"/>
           </a:xfrm>
           <a:prstGeom prst="rect">
             <a:avLst/>
@@ -14056,7 +14126,7 @@
         <p:spPr>
           <a:xfrm>
             <a:off x="9537840" y="4548960"/>
-            <a:ext cx="280440" cy="363960"/>
+            <a:ext cx="280080" cy="363960"/>
           </a:xfrm>
           <a:prstGeom prst="rect">
             <a:avLst/>
@@ -14110,7 +14180,7 @@
         <p:spPr>
           <a:xfrm>
             <a:off x="7279920" y="6101280"/>
-            <a:ext cx="280800" cy="363960"/>
+            <a:ext cx="280440" cy="363960"/>
           </a:xfrm>
           <a:prstGeom prst="rect">
             <a:avLst/>
@@ -14199,6 +14269,7 @@
                 <a:srgbClr val="000000"/>
               </a:solidFill>
               <a:latin typeface="Arial"/>
+              <a:ea typeface="DejaVu Sans"/>
             </a:endParaRPr>
           </a:p>
         </p:txBody>
@@ -14212,7 +14283,7 @@
         <p:spPr>
           <a:xfrm>
             <a:off x="1058760" y="6130800"/>
-            <a:ext cx="280800" cy="363960"/>
+            <a:ext cx="280440" cy="363960"/>
           </a:xfrm>
           <a:prstGeom prst="rect">
             <a:avLst/>
@@ -14296,7 +14367,7 @@
         <p:spPr>
           <a:xfrm>
             <a:off x="335520" y="764640"/>
-            <a:ext cx="10743840" cy="494640"/>
+            <a:ext cx="10743480" cy="494280"/>
           </a:xfrm>
           <a:prstGeom prst="rect">
             <a:avLst/>
@@ -14354,7 +14425,7 @@
         <p:spPr>
           <a:xfrm>
             <a:off x="2394720" y="1153800"/>
-            <a:ext cx="1466640" cy="2167920"/>
+            <a:ext cx="1466280" cy="2167560"/>
           </a:xfrm>
           <a:prstGeom prst="rect">
             <a:avLst/>
@@ -14377,7 +14448,7 @@
         <p:spPr>
           <a:xfrm>
             <a:off x="7250040" y="1153800"/>
-            <a:ext cx="1731960" cy="2167920"/>
+            <a:ext cx="1731600" cy="2167560"/>
           </a:xfrm>
           <a:prstGeom prst="rect">
             <a:avLst/>
@@ -14400,7 +14471,7 @@
         <p:spPr>
           <a:xfrm>
             <a:off x="2207880" y="4110120"/>
-            <a:ext cx="1780560" cy="1772640"/>
+            <a:ext cx="1780200" cy="1772280"/>
           </a:xfrm>
           <a:prstGeom prst="rect">
             <a:avLst/>
@@ -14419,7 +14490,7 @@
         <p:spPr>
           <a:xfrm>
             <a:off x="1330200" y="3269880"/>
-            <a:ext cx="3631320" cy="672840"/>
+            <a:ext cx="3630960" cy="672480"/>
           </a:xfrm>
           <a:prstGeom prst="rect">
             <a:avLst/>
@@ -14476,7 +14547,7 @@
         <p:spPr>
           <a:xfrm>
             <a:off x="6321600" y="3269880"/>
-            <a:ext cx="3631320" cy="672840"/>
+            <a:ext cx="3630960" cy="672480"/>
           </a:xfrm>
           <a:prstGeom prst="rect">
             <a:avLst/>
@@ -14533,7 +14604,7 @@
         <p:spPr>
           <a:xfrm>
             <a:off x="1312200" y="5920200"/>
-            <a:ext cx="3631320" cy="672840"/>
+            <a:ext cx="3630960" cy="672480"/>
           </a:xfrm>
           <a:prstGeom prst="rect">
             <a:avLst/>
@@ -14596,7 +14667,7 @@
         <p:spPr>
           <a:xfrm>
             <a:off x="1312200" y="5807160"/>
-            <a:ext cx="3631320" cy="672840"/>
+            <a:ext cx="3630960" cy="672480"/>
           </a:xfrm>
           <a:prstGeom prst="rect">
             <a:avLst/>
@@ -14653,7 +14724,7 @@
         <p:spPr>
           <a:xfrm>
             <a:off x="4860000" y="5920200"/>
-            <a:ext cx="3631320" cy="672840"/>
+            <a:ext cx="3630960" cy="672480"/>
           </a:xfrm>
           <a:prstGeom prst="rect">
             <a:avLst/>
@@ -14674,11 +14745,17 @@
             <a:noAutofit/>
           </a:bodyPr>
           <a:p>
+            <a:pPr>
+              <a:lnSpc>
+                <a:spcPct val="100000"/>
+              </a:lnSpc>
+            </a:pPr>
             <a:endParaRPr b="0" lang="en-GB" sz="1800" spc="-1" strike="noStrike">
               <a:solidFill>
                 <a:srgbClr val="000000"/>
               </a:solidFill>
               <a:latin typeface="Arial"/>
+              <a:ea typeface="DejaVu Sans"/>
             </a:endParaRPr>
           </a:p>
         </p:txBody>
@@ -14692,7 +14769,7 @@
         <p:spPr>
           <a:xfrm>
             <a:off x="6300000" y="5807160"/>
-            <a:ext cx="3631320" cy="672840"/>
+            <a:ext cx="3630960" cy="672480"/>
           </a:xfrm>
           <a:prstGeom prst="rect">
             <a:avLst/>
@@ -14754,7 +14831,7 @@
         <p:spPr>
           <a:xfrm>
             <a:off x="7380000" y="3960000"/>
-            <a:ext cx="1440000" cy="1923840"/>
+            <a:ext cx="1439640" cy="1923480"/>
           </a:xfrm>
           <a:prstGeom prst="rect">
             <a:avLst/>
@@ -14803,7 +14880,7 @@
         <p:spPr>
           <a:xfrm>
             <a:off x="335520" y="764640"/>
-            <a:ext cx="10743840" cy="494640"/>
+            <a:ext cx="10743480" cy="494280"/>
           </a:xfrm>
           <a:prstGeom prst="rect">
             <a:avLst/>
@@ -14857,7 +14934,7 @@
         <p:spPr>
           <a:xfrm>
             <a:off x="335520" y="1268640"/>
-            <a:ext cx="10743840" cy="5031360"/>
+            <a:ext cx="10743480" cy="5031000"/>
           </a:xfrm>
           <a:prstGeom prst="rect">
             <a:avLst/>
@@ -14942,6 +15019,22 @@
             </a:endParaRPr>
           </a:p>
           <a:p>
+            <a:pPr>
+              <a:lnSpc>
+                <a:spcPct val="100000"/>
+              </a:lnSpc>
+              <a:spcBef>
+                <a:spcPts val="360"/>
+              </a:spcBef>
+            </a:pPr>
+            <a:endParaRPr b="0" lang="en-GB" sz="1800" spc="-1" strike="noStrike">
+              <a:solidFill>
+                <a:srgbClr val="000000"/>
+              </a:solidFill>
+              <a:latin typeface="Arial"/>
+            </a:endParaRPr>
+          </a:p>
+          <a:p>
             <a:pPr marL="216000" indent="-216000">
               <a:lnSpc>
                 <a:spcPct val="100000"/>
@@ -14956,28 +15049,6 @@
               <a:buFont typeface="Monotype Sorts" charset="2"/>
               <a:buChar char=""/>
             </a:pPr>
-            <a:endParaRPr b="0" lang="en-GB" sz="1800" spc="-1" strike="noStrike">
-              <a:solidFill>
-                <a:srgbClr val="000000"/>
-              </a:solidFill>
-              <a:latin typeface="Arial"/>
-            </a:endParaRPr>
-          </a:p>
-          <a:p>
-            <a:pPr marL="216000" indent="-216000">
-              <a:lnSpc>
-                <a:spcPct val="100000"/>
-              </a:lnSpc>
-              <a:spcBef>
-                <a:spcPts val="360"/>
-              </a:spcBef>
-              <a:buClr>
-                <a:srgbClr val="008c4f"/>
-              </a:buClr>
-              <a:buSzPct val="45000"/>
-              <a:buFont typeface="Monotype Sorts" charset="2"/>
-              <a:buChar char=""/>
-            </a:pPr>
             <a:r>
               <a:rPr b="0" lang="en-US" sz="1800" spc="-1" strike="noStrike">
                 <a:solidFill>
@@ -15039,7 +15110,7 @@
                 <a:srgbClr val="008c4f"/>
               </a:buClr>
               <a:buSzPct val="45000"/>
-              <a:buFont typeface="Symbol" charset="2"/>
+              <a:buFont typeface="Symbol"/>
               <a:buChar char=""/>
             </a:pPr>
             <a:r>
@@ -15071,7 +15142,7 @@
                 <a:srgbClr val="008c4f"/>
               </a:buClr>
               <a:buSzPct val="45000"/>
-              <a:buFont typeface="Symbol" charset="2"/>
+              <a:buFont typeface="Symbol"/>
               <a:buChar char=""/>
             </a:pPr>
             <a:r>
@@ -15145,7 +15216,7 @@
                 <a:srgbClr val="008c4f"/>
               </a:buClr>
               <a:buSzPct val="45000"/>
-              <a:buFont typeface="Symbol" charset="2"/>
+              <a:buFont typeface="Symbol"/>
               <a:buChar char=""/>
             </a:pPr>
             <a:r>
@@ -15177,7 +15248,7 @@
                 <a:srgbClr val="008c4f"/>
               </a:buClr>
               <a:buSzPct val="45000"/>
-              <a:buFont typeface="Symbol" charset="2"/>
+              <a:buFont typeface="Symbol"/>
               <a:buChar char=""/>
             </a:pPr>
             <a:r>
@@ -15248,7 +15319,7 @@
         <p:spPr>
           <a:xfrm>
             <a:off x="335520" y="764640"/>
-            <a:ext cx="10742040" cy="492840"/>
+            <a:ext cx="10741680" cy="492480"/>
           </a:xfrm>
           <a:prstGeom prst="rect">
             <a:avLst/>
@@ -15302,7 +15373,7 @@
         <p:spPr>
           <a:xfrm>
             <a:off x="335520" y="1268280"/>
-            <a:ext cx="10742040" cy="5029560"/>
+            <a:ext cx="10741680" cy="5029200"/>
           </a:xfrm>
           <a:prstGeom prst="rect">
             <a:avLst/>
@@ -15398,7 +15469,7 @@
         <p:spPr>
           <a:xfrm>
             <a:off x="6285600" y="2132640"/>
-            <a:ext cx="511560" cy="491400"/>
+            <a:ext cx="511200" cy="491040"/>
           </a:xfrm>
           <a:prstGeom prst="star5">
             <a:avLst>
@@ -15435,11 +15506,17 @@
             <a:noAutofit/>
           </a:bodyPr>
           <a:p>
+            <a:pPr>
+              <a:lnSpc>
+                <a:spcPct val="100000"/>
+              </a:lnSpc>
+            </a:pPr>
             <a:endParaRPr b="0" lang="en-GB" sz="1800" spc="-1" strike="noStrike">
               <a:solidFill>
                 <a:srgbClr val="000000"/>
               </a:solidFill>
               <a:latin typeface="Arial"/>
+              <a:ea typeface="DejaVu Sans"/>
             </a:endParaRPr>
           </a:p>
         </p:txBody>
@@ -15453,7 +15530,7 @@
         <p:spPr>
           <a:xfrm>
             <a:off x="4089960" y="2247480"/>
-            <a:ext cx="2279880" cy="363960"/>
+            <a:ext cx="2279520" cy="363960"/>
           </a:xfrm>
           <a:prstGeom prst="rect">
             <a:avLst/>
@@ -15557,7 +15634,7 @@
         <p:spPr>
           <a:xfrm>
             <a:off x="335520" y="764640"/>
-            <a:ext cx="10742040" cy="492840"/>
+            <a:ext cx="10741680" cy="492480"/>
           </a:xfrm>
           <a:prstGeom prst="rect">
             <a:avLst/>
@@ -15611,7 +15688,7 @@
         <p:spPr>
           <a:xfrm>
             <a:off x="335520" y="1268640"/>
-            <a:ext cx="10742040" cy="5029560"/>
+            <a:ext cx="10741680" cy="5029200"/>
           </a:xfrm>
           <a:prstGeom prst="rect">
             <a:avLst/>
@@ -16052,7 +16129,7 @@
         <p:spPr>
           <a:xfrm>
             <a:off x="335520" y="764640"/>
-            <a:ext cx="10745280" cy="496080"/>
+            <a:ext cx="10744920" cy="495720"/>
           </a:xfrm>
           <a:prstGeom prst="rect">
             <a:avLst/>
@@ -16106,7 +16183,7 @@
         <p:spPr>
           <a:xfrm>
             <a:off x="335520" y="1268640"/>
-            <a:ext cx="10745280" cy="5032800"/>
+            <a:ext cx="10744920" cy="5032440"/>
           </a:xfrm>
           <a:prstGeom prst="rect">
             <a:avLst/>
@@ -16323,7 +16400,7 @@
         <p:spPr>
           <a:xfrm>
             <a:off x="335520" y="764640"/>
-            <a:ext cx="10743840" cy="494640"/>
+            <a:ext cx="10743480" cy="494280"/>
           </a:xfrm>
           <a:prstGeom prst="rect">
             <a:avLst/>
@@ -16377,7 +16454,7 @@
         <p:spPr>
           <a:xfrm>
             <a:off x="335520" y="1268640"/>
-            <a:ext cx="10743840" cy="5031360"/>
+            <a:ext cx="10743480" cy="5031000"/>
           </a:xfrm>
           <a:prstGeom prst="rect">
             <a:avLst/>
@@ -16862,7 +16939,7 @@
         <p:spPr>
           <a:xfrm>
             <a:off x="335520" y="764640"/>
-            <a:ext cx="10742040" cy="492840"/>
+            <a:ext cx="10741680" cy="492480"/>
           </a:xfrm>
           <a:prstGeom prst="rect">
             <a:avLst/>
@@ -16916,7 +16993,7 @@
         <p:spPr>
           <a:xfrm>
             <a:off x="335520" y="1268640"/>
-            <a:ext cx="10742040" cy="5029560"/>
+            <a:ext cx="10741680" cy="5029200"/>
           </a:xfrm>
           <a:prstGeom prst="rect">
             <a:avLst/>
@@ -17310,7 +17387,7 @@
         <p:spPr>
           <a:xfrm>
             <a:off x="335520" y="1268640"/>
-            <a:ext cx="10743840" cy="5031360"/>
+            <a:ext cx="10743480" cy="5031000"/>
           </a:xfrm>
           <a:prstGeom prst="rect">
             <a:avLst/>
@@ -17370,7 +17447,7 @@
         <p:spPr>
           <a:xfrm>
             <a:off x="335520" y="764640"/>
-            <a:ext cx="10743840" cy="494640"/>
+            <a:ext cx="10743480" cy="494280"/>
           </a:xfrm>
           <a:prstGeom prst="rect">
             <a:avLst/>
@@ -17391,11 +17468,17 @@
             <a:noAutofit/>
           </a:bodyPr>
           <a:p>
+            <a:pPr>
+              <a:lnSpc>
+                <a:spcPct val="100000"/>
+              </a:lnSpc>
+            </a:pPr>
             <a:endParaRPr b="0" lang="en-GB" sz="1800" spc="-1" strike="noStrike">
               <a:solidFill>
                 <a:srgbClr val="000000"/>
               </a:solidFill>
               <a:latin typeface="Arial"/>
+              <a:ea typeface="DejaVu Sans"/>
             </a:endParaRPr>
           </a:p>
         </p:txBody>
@@ -17439,7 +17522,7 @@
         <p:spPr>
           <a:xfrm>
             <a:off x="542880" y="721800"/>
-            <a:ext cx="10348200" cy="488880"/>
+            <a:ext cx="10347840" cy="488520"/>
           </a:xfrm>
           <a:prstGeom prst="rect">
             <a:avLst/>
@@ -17493,7 +17576,7 @@
         <p:spPr>
           <a:xfrm>
             <a:off x="451800" y="1709280"/>
-            <a:ext cx="8215560" cy="4343760"/>
+            <a:ext cx="8215200" cy="4343400"/>
           </a:xfrm>
           <a:prstGeom prst="rect">
             <a:avLst/>
@@ -17514,11 +17597,17 @@
             <a:noAutofit/>
           </a:bodyPr>
           <a:p>
+            <a:pPr>
+              <a:lnSpc>
+                <a:spcPct val="100000"/>
+              </a:lnSpc>
+            </a:pPr>
             <a:endParaRPr b="0" lang="en-GB" sz="1800" spc="-1" strike="noStrike">
               <a:solidFill>
                 <a:srgbClr val="000000"/>
               </a:solidFill>
               <a:latin typeface="Arial"/>
+              <a:ea typeface="DejaVu Sans"/>
             </a:endParaRPr>
           </a:p>
         </p:txBody>
@@ -17532,7 +17621,7 @@
         <p:spPr>
           <a:xfrm>
             <a:off x="609480" y="1769400"/>
-            <a:ext cx="10578600" cy="4846680"/>
+            <a:ext cx="10578240" cy="4846320"/>
           </a:xfrm>
           <a:prstGeom prst="rect">
             <a:avLst/>
@@ -17961,7 +18050,7 @@
         <p:spPr>
           <a:xfrm>
             <a:off x="542880" y="721800"/>
-            <a:ext cx="10348200" cy="488880"/>
+            <a:ext cx="10347840" cy="488520"/>
           </a:xfrm>
           <a:prstGeom prst="rect">
             <a:avLst/>
@@ -18015,7 +18104,7 @@
         <p:spPr>
           <a:xfrm>
             <a:off x="451800" y="1709280"/>
-            <a:ext cx="8215560" cy="4343760"/>
+            <a:ext cx="8215200" cy="4343400"/>
           </a:xfrm>
           <a:prstGeom prst="rect">
             <a:avLst/>
@@ -18036,11 +18125,17 @@
             <a:noAutofit/>
           </a:bodyPr>
           <a:p>
+            <a:pPr>
+              <a:lnSpc>
+                <a:spcPct val="100000"/>
+              </a:lnSpc>
+            </a:pPr>
             <a:endParaRPr b="0" lang="en-GB" sz="1800" spc="-1" strike="noStrike">
               <a:solidFill>
                 <a:srgbClr val="000000"/>
               </a:solidFill>
               <a:latin typeface="Arial"/>
+              <a:ea typeface="DejaVu Sans"/>
             </a:endParaRPr>
           </a:p>
         </p:txBody>
@@ -18054,7 +18149,7 @@
         <p:spPr>
           <a:xfrm>
             <a:off x="609480" y="1769400"/>
-            <a:ext cx="10578600" cy="4846680"/>
+            <a:ext cx="10578240" cy="4846320"/>
           </a:xfrm>
           <a:prstGeom prst="rect">
             <a:avLst/>
@@ -18485,7 +18580,7 @@
         <p:spPr>
           <a:xfrm>
             <a:off x="542880" y="721800"/>
-            <a:ext cx="10348200" cy="488880"/>
+            <a:ext cx="10347840" cy="488520"/>
           </a:xfrm>
           <a:prstGeom prst="rect">
             <a:avLst/>
@@ -18539,7 +18634,7 @@
         <p:spPr>
           <a:xfrm>
             <a:off x="451800" y="1709280"/>
-            <a:ext cx="8215560" cy="4343760"/>
+            <a:ext cx="8215200" cy="4343400"/>
           </a:xfrm>
           <a:prstGeom prst="rect">
             <a:avLst/>
@@ -18560,11 +18655,17 @@
             <a:noAutofit/>
           </a:bodyPr>
           <a:p>
+            <a:pPr>
+              <a:lnSpc>
+                <a:spcPct val="100000"/>
+              </a:lnSpc>
+            </a:pPr>
             <a:endParaRPr b="0" lang="en-GB" sz="1800" spc="-1" strike="noStrike">
               <a:solidFill>
                 <a:srgbClr val="000000"/>
               </a:solidFill>
               <a:latin typeface="Arial"/>
+              <a:ea typeface="DejaVu Sans"/>
             </a:endParaRPr>
           </a:p>
         </p:txBody>
@@ -18578,7 +18679,7 @@
         <p:spPr>
           <a:xfrm>
             <a:off x="609480" y="1769400"/>
-            <a:ext cx="10578600" cy="4846680"/>
+            <a:ext cx="10578240" cy="4846320"/>
           </a:xfrm>
           <a:prstGeom prst="rect">
             <a:avLst/>
@@ -19009,7 +19110,7 @@
         <p:spPr>
           <a:xfrm>
             <a:off x="335520" y="764640"/>
-            <a:ext cx="10743840" cy="494640"/>
+            <a:ext cx="10743480" cy="494280"/>
           </a:xfrm>
           <a:prstGeom prst="rect">
             <a:avLst/>
@@ -19063,7 +19164,7 @@
         <p:spPr>
           <a:xfrm>
             <a:off x="335520" y="2408400"/>
-            <a:ext cx="10743840" cy="3891600"/>
+            <a:ext cx="10743480" cy="3891240"/>
           </a:xfrm>
           <a:prstGeom prst="rect">
             <a:avLst/>
@@ -19156,7 +19257,7 @@
         <p:spPr>
           <a:xfrm>
             <a:off x="335520" y="764640"/>
-            <a:ext cx="10743840" cy="494640"/>
+            <a:ext cx="10743480" cy="494280"/>
           </a:xfrm>
           <a:prstGeom prst="rect">
             <a:avLst/>
@@ -19210,7 +19311,7 @@
         <p:spPr>
           <a:xfrm>
             <a:off x="335520" y="2408400"/>
-            <a:ext cx="10743840" cy="3891600"/>
+            <a:ext cx="10743480" cy="3891240"/>
           </a:xfrm>
           <a:prstGeom prst="rect">
             <a:avLst/>
@@ -19335,7 +19436,7 @@
         <p:spPr>
           <a:xfrm>
             <a:off x="335520" y="764640"/>
-            <a:ext cx="10743840" cy="494640"/>
+            <a:ext cx="10743480" cy="494280"/>
           </a:xfrm>
           <a:prstGeom prst="rect">
             <a:avLst/>
@@ -19389,7 +19490,7 @@
         <p:spPr>
           <a:xfrm>
             <a:off x="335520" y="2408400"/>
-            <a:ext cx="10743840" cy="3891600"/>
+            <a:ext cx="10743480" cy="3891240"/>
           </a:xfrm>
           <a:prstGeom prst="rect">
             <a:avLst/>

--- a/Emerging-Technologies-for-the-Circular-Economy/ETCE-L00-Organization.pptx
+++ b/Emerging-Technologies-for-the-Circular-Economy/ETCE-L00-Organization.pptx
@@ -375,7 +375,7 @@
             <a:pPr indent="0" algn="r">
               <a:buNone/>
             </a:pPr>
-            <a:fld id="{F2109E5F-2AF3-4057-9603-A5C720E359B5}" type="slidenum">
+            <a:fld id="{7F1FD6C5-BBD7-41AB-9196-E990DFC7774C}" type="slidenum">
               <a:rPr b="0" lang="en-GB" sz="1400" spc="-1" strike="noStrike">
                 <a:solidFill>
                   <a:srgbClr val="000000"/>
@@ -429,7 +429,7 @@
         <p:spPr>
           <a:xfrm>
             <a:off x="533520" y="763560"/>
-            <a:ext cx="6690960" cy="3759120"/>
+            <a:ext cx="6690600" cy="3758760"/>
           </a:xfrm>
           <a:prstGeom prst="rect">
             <a:avLst/>
@@ -452,7 +452,7 @@
         <p:spPr>
           <a:xfrm>
             <a:off x="777240" y="4777560"/>
-            <a:ext cx="6204600" cy="4512960"/>
+            <a:ext cx="6204240" cy="4512600"/>
           </a:xfrm>
           <a:prstGeom prst="rect">
             <a:avLst/>
@@ -488,7 +488,7 @@
         <p:spPr>
           <a:xfrm>
             <a:off x="4399200" y="9555480"/>
-            <a:ext cx="3359880" cy="489600"/>
+            <a:ext cx="3359520" cy="489240"/>
           </a:xfrm>
           <a:prstGeom prst="rect">
             <a:avLst/>
@@ -514,7 +514,7 @@
                 <a:spcPct val="100000"/>
               </a:lnSpc>
             </a:pPr>
-            <a:fld id="{4D033D76-D718-4CEF-876B-8786A72D58FB}" type="slidenum">
+            <a:fld id="{4C9B7804-20C1-441E-8733-71A7EE0F45FA}" type="slidenum">
               <a:rPr b="0" lang="de-DE" sz="1800" spc="-1" strike="noStrike">
                 <a:solidFill>
                   <a:srgbClr val="000000"/>
@@ -522,7 +522,7 @@
                 <a:latin typeface="+mn-lt"/>
                 <a:ea typeface="+mn-ea"/>
               </a:rPr>
-              <a:t>6</a:t>
+              <a:t>&lt;number&gt;</a:t>
             </a:fld>
             <a:endParaRPr b="0" lang="en-GB" sz="1800" spc="-1" strike="noStrike">
               <a:solidFill>
@@ -568,7 +568,7 @@
         <p:spPr>
           <a:xfrm>
             <a:off x="533520" y="763560"/>
-            <a:ext cx="6690960" cy="3759120"/>
+            <a:ext cx="6690600" cy="3758760"/>
           </a:xfrm>
           <a:prstGeom prst="rect">
             <a:avLst/>
@@ -591,7 +591,7 @@
         <p:spPr>
           <a:xfrm>
             <a:off x="777240" y="4777560"/>
-            <a:ext cx="6204600" cy="4512960"/>
+            <a:ext cx="6204240" cy="4512600"/>
           </a:xfrm>
           <a:prstGeom prst="rect">
             <a:avLst/>
@@ -627,7 +627,7 @@
         <p:spPr>
           <a:xfrm>
             <a:off x="4399200" y="9555480"/>
-            <a:ext cx="3359880" cy="489600"/>
+            <a:ext cx="3359520" cy="489240"/>
           </a:xfrm>
           <a:prstGeom prst="rect">
             <a:avLst/>
@@ -653,7 +653,7 @@
                 <a:spcPct val="100000"/>
               </a:lnSpc>
             </a:pPr>
-            <a:fld id="{E233E711-BAC5-4639-9C21-40D738D58F43}" type="slidenum">
+            <a:fld id="{DF78F199-E414-4034-9213-D17635B9D0E5}" type="slidenum">
               <a:rPr b="0" lang="de-DE" sz="1800" spc="-1" strike="noStrike">
                 <a:solidFill>
                   <a:srgbClr val="000000"/>
@@ -707,7 +707,7 @@
         <p:spPr>
           <a:xfrm>
             <a:off x="533520" y="763560"/>
-            <a:ext cx="6690960" cy="3759120"/>
+            <a:ext cx="6690600" cy="3758760"/>
           </a:xfrm>
           <a:prstGeom prst="rect">
             <a:avLst/>
@@ -730,7 +730,7 @@
         <p:spPr>
           <a:xfrm>
             <a:off x="777240" y="4777560"/>
-            <a:ext cx="6204600" cy="4512960"/>
+            <a:ext cx="6204240" cy="4512600"/>
           </a:xfrm>
           <a:prstGeom prst="rect">
             <a:avLst/>
@@ -766,7 +766,7 @@
         <p:spPr>
           <a:xfrm>
             <a:off x="4399200" y="9555480"/>
-            <a:ext cx="3359880" cy="489600"/>
+            <a:ext cx="3359520" cy="489240"/>
           </a:xfrm>
           <a:prstGeom prst="rect">
             <a:avLst/>
@@ -792,7 +792,7 @@
                 <a:spcPct val="100000"/>
               </a:lnSpc>
             </a:pPr>
-            <a:fld id="{F0FAF6FC-91EB-4049-94EE-52B45EBC9B62}" type="slidenum">
+            <a:fld id="{DFFA783B-34C1-4E33-9CAB-97A08DAEA4D2}" type="slidenum">
               <a:rPr b="0" lang="de-DE" sz="1800" spc="-1" strike="noStrike">
                 <a:solidFill>
                   <a:srgbClr val="000000"/>
@@ -4397,7 +4397,7 @@
         <p:spPr>
           <a:xfrm>
             <a:off x="11444760" y="0"/>
-            <a:ext cx="739440" cy="6848280"/>
+            <a:ext cx="739080" cy="6847920"/>
           </a:xfrm>
           <a:prstGeom prst="rect">
             <a:avLst/>
@@ -4446,7 +4446,7 @@
         <p:spPr>
           <a:xfrm>
             <a:off x="11438640" y="6453360"/>
-            <a:ext cx="756360" cy="363960"/>
+            <a:ext cx="756000" cy="363960"/>
           </a:xfrm>
           <a:prstGeom prst="rect">
             <a:avLst/>
@@ -4472,7 +4472,7 @@
                 <a:spcPct val="100000"/>
               </a:lnSpc>
             </a:pPr>
-            <a:fld id="{859994E3-0ECF-4F44-933B-82A179398C80}" type="slidenum">
+            <a:fld id="{6173C6F9-2DC4-4F80-A9BC-5B40C4F59393}" type="slidenum">
               <a:rPr b="0" lang="en-US" sz="1800" spc="-1" strike="noStrike">
                 <a:solidFill>
                   <a:srgbClr val="808080"/>
@@ -4480,7 +4480,7 @@
                 <a:latin typeface="Arial"/>
                 <a:ea typeface="DejaVu Sans"/>
               </a:rPr>
-              <a:t>13</a:t>
+              <a:t>&lt;number&gt;</a:t>
             </a:fld>
             <a:endParaRPr b="0" lang="en-GB" sz="1800" spc="-1" strike="noStrike">
               <a:solidFill>
@@ -4500,7 +4500,7 @@
         <p:spPr>
           <a:xfrm>
             <a:off x="912240" y="1268280"/>
-            <a:ext cx="9206280" cy="359640"/>
+            <a:ext cx="9205920" cy="359280"/>
           </a:xfrm>
           <a:prstGeom prst="rect">
             <a:avLst/>
@@ -4549,7 +4549,7 @@
         <p:spPr>
           <a:xfrm>
             <a:off x="0" y="0"/>
-            <a:ext cx="3050280" cy="560160"/>
+            <a:ext cx="3049920" cy="559800"/>
           </a:xfrm>
           <a:prstGeom prst="rect">
             <a:avLst/>
@@ -4572,7 +4572,7 @@
         <p:spPr>
           <a:xfrm>
             <a:off x="7430400" y="134640"/>
-            <a:ext cx="3696120" cy="512280"/>
+            <a:ext cx="3695760" cy="511920"/>
           </a:xfrm>
           <a:prstGeom prst="rect">
             <a:avLst/>
@@ -4591,7 +4591,7 @@
         <p:spPr>
           <a:xfrm>
             <a:off x="912240" y="1268280"/>
-            <a:ext cx="9206280" cy="359640"/>
+            <a:ext cx="9205920" cy="359280"/>
           </a:xfrm>
           <a:prstGeom prst="rect">
             <a:avLst/>
@@ -4636,7 +4636,7 @@
         <p:spPr>
           <a:xfrm>
             <a:off x="11444760" y="0"/>
-            <a:ext cx="739440" cy="6848280"/>
+            <a:ext cx="739080" cy="6847920"/>
           </a:xfrm>
           <a:prstGeom prst="rect">
             <a:avLst/>
@@ -4685,7 +4685,7 @@
         <p:spPr>
           <a:xfrm>
             <a:off x="0" y="6642720"/>
-            <a:ext cx="12182400" cy="211320"/>
+            <a:ext cx="12182040" cy="211320"/>
           </a:xfrm>
           <a:prstGeom prst="rect">
             <a:avLst/>
@@ -5077,7 +5077,7 @@
         <p:spPr>
           <a:xfrm>
             <a:off x="11444760" y="0"/>
-            <a:ext cx="739440" cy="6848280"/>
+            <a:ext cx="739080" cy="6847920"/>
           </a:xfrm>
           <a:prstGeom prst="rect">
             <a:avLst/>
@@ -5126,7 +5126,7 @@
         <p:spPr>
           <a:xfrm>
             <a:off x="11438640" y="6453360"/>
-            <a:ext cx="756360" cy="363960"/>
+            <a:ext cx="756000" cy="363960"/>
           </a:xfrm>
           <a:prstGeom prst="rect">
             <a:avLst/>
@@ -5152,7 +5152,7 @@
                 <a:spcPct val="100000"/>
               </a:lnSpc>
             </a:pPr>
-            <a:fld id="{A0E7FD5B-7F04-4F44-80AB-ED78A0579918}" type="slidenum">
+            <a:fld id="{5524F22B-EC04-46CC-85B8-40102B348ADC}" type="slidenum">
               <a:rPr b="0" lang="en-US" sz="1800" spc="-1" strike="noStrike">
                 <a:solidFill>
                   <a:srgbClr val="808080"/>
@@ -5180,7 +5180,7 @@
         <p:spPr>
           <a:xfrm>
             <a:off x="912240" y="1268280"/>
-            <a:ext cx="9206280" cy="359640"/>
+            <a:ext cx="9205920" cy="359280"/>
           </a:xfrm>
           <a:prstGeom prst="rect">
             <a:avLst/>
@@ -5229,7 +5229,7 @@
         <p:spPr>
           <a:xfrm>
             <a:off x="0" y="0"/>
-            <a:ext cx="3050280" cy="560160"/>
+            <a:ext cx="3049920" cy="559800"/>
           </a:xfrm>
           <a:prstGeom prst="rect">
             <a:avLst/>
@@ -5252,7 +5252,7 @@
         <p:spPr>
           <a:xfrm>
             <a:off x="7430400" y="134640"/>
-            <a:ext cx="3696120" cy="512280"/>
+            <a:ext cx="3695760" cy="511920"/>
           </a:xfrm>
           <a:prstGeom prst="rect">
             <a:avLst/>
@@ -5271,7 +5271,7 @@
         <p:spPr>
           <a:xfrm>
             <a:off x="11444760" y="0"/>
-            <a:ext cx="739440" cy="6848280"/>
+            <a:ext cx="739080" cy="6847920"/>
           </a:xfrm>
           <a:prstGeom prst="rect">
             <a:avLst/>
@@ -5320,7 +5320,7 @@
         <p:spPr>
           <a:xfrm>
             <a:off x="11438640" y="6453360"/>
-            <a:ext cx="756360" cy="363960"/>
+            <a:ext cx="756000" cy="363960"/>
           </a:xfrm>
           <a:prstGeom prst="rect">
             <a:avLst/>
@@ -5346,7 +5346,7 @@
                 <a:spcPct val="100000"/>
               </a:lnSpc>
             </a:pPr>
-            <a:fld id="{3AEE9EEE-E077-4779-9EA2-CCA91A517B40}" type="slidenum">
+            <a:fld id="{EE9E8B64-6847-406C-B80E-F2D219F5E5F0}" type="slidenum">
               <a:rPr b="0" lang="en-US" sz="1800" spc="-1" strike="noStrike">
                 <a:solidFill>
                   <a:srgbClr val="808080"/>
@@ -5374,7 +5374,7 @@
         <p:spPr>
           <a:xfrm>
             <a:off x="0" y="6642720"/>
-            <a:ext cx="12182400" cy="211320"/>
+            <a:ext cx="12182040" cy="211320"/>
           </a:xfrm>
           <a:prstGeom prst="rect">
             <a:avLst/>
@@ -5759,7 +5759,7 @@
         <p:spPr>
           <a:xfrm>
             <a:off x="527400" y="1412640"/>
-            <a:ext cx="10359360" cy="1145880"/>
+            <a:ext cx="10359000" cy="1145520"/>
           </a:xfrm>
           <a:prstGeom prst="rect">
             <a:avLst/>
@@ -5813,7 +5813,7 @@
         <p:spPr>
           <a:xfrm>
             <a:off x="527400" y="2852640"/>
-            <a:ext cx="10359360" cy="2366640"/>
+            <a:ext cx="10359000" cy="2366280"/>
           </a:xfrm>
           <a:prstGeom prst="rect">
             <a:avLst/>
@@ -6076,7 +6076,7 @@
         <p:spPr>
           <a:xfrm>
             <a:off x="335520" y="764640"/>
-            <a:ext cx="10743480" cy="494280"/>
+            <a:ext cx="10743120" cy="493920"/>
           </a:xfrm>
           <a:prstGeom prst="rect">
             <a:avLst/>
@@ -6143,7 +6143,7 @@
         <p:spPr>
           <a:xfrm>
             <a:off x="335520" y="2408400"/>
-            <a:ext cx="10743480" cy="3891240"/>
+            <a:ext cx="10743120" cy="3890880"/>
           </a:xfrm>
           <a:prstGeom prst="rect">
             <a:avLst/>
@@ -6332,7 +6332,7 @@
         <p:spPr>
           <a:xfrm>
             <a:off x="335520" y="764640"/>
-            <a:ext cx="10743480" cy="494280"/>
+            <a:ext cx="10743120" cy="493920"/>
           </a:xfrm>
           <a:prstGeom prst="rect">
             <a:avLst/>
@@ -6386,7 +6386,7 @@
         <p:spPr>
           <a:xfrm>
             <a:off x="335520" y="2408400"/>
-            <a:ext cx="10743480" cy="3891240"/>
+            <a:ext cx="10743120" cy="3890880"/>
           </a:xfrm>
           <a:prstGeom prst="rect">
             <a:avLst/>
@@ -6607,7 +6607,7 @@
         <p:spPr>
           <a:xfrm>
             <a:off x="335520" y="764640"/>
-            <a:ext cx="10743480" cy="494280"/>
+            <a:ext cx="10743120" cy="493920"/>
           </a:xfrm>
           <a:prstGeom prst="rect">
             <a:avLst/>
@@ -6674,7 +6674,7 @@
         <p:spPr>
           <a:xfrm>
             <a:off x="335520" y="2408400"/>
-            <a:ext cx="10743480" cy="3891240"/>
+            <a:ext cx="10743120" cy="3890880"/>
           </a:xfrm>
           <a:prstGeom prst="rect">
             <a:avLst/>
@@ -6927,7 +6927,7 @@
         <p:spPr>
           <a:xfrm>
             <a:off x="335520" y="764640"/>
-            <a:ext cx="10743480" cy="494280"/>
+            <a:ext cx="10743120" cy="493920"/>
           </a:xfrm>
           <a:prstGeom prst="rect">
             <a:avLst/>
@@ -6981,7 +6981,7 @@
         <p:spPr>
           <a:xfrm>
             <a:off x="335520" y="1268640"/>
-            <a:ext cx="10743480" cy="5031000"/>
+            <a:ext cx="10743120" cy="5030640"/>
           </a:xfrm>
           <a:prstGeom prst="rect">
             <a:avLst/>
@@ -7453,6 +7453,38 @@
                 <a:ea typeface="DejaVu Sans"/>
               </a:rPr>
               <a:t> The Machine-to-Everything Economy – A step towards the CE 2.0? (L12)</a:t>
+            </a:r>
+            <a:endParaRPr b="0" lang="en-GB" sz="1800" spc="-1" strike="noStrike">
+              <a:solidFill>
+                <a:srgbClr val="000000"/>
+              </a:solidFill>
+              <a:latin typeface="Arial"/>
+            </a:endParaRPr>
+          </a:p>
+          <a:p>
+            <a:pPr marL="195120" indent="-189720">
+              <a:lnSpc>
+                <a:spcPct val="100000"/>
+              </a:lnSpc>
+              <a:spcBef>
+                <a:spcPts val="360"/>
+              </a:spcBef>
+              <a:buClr>
+                <a:srgbClr val="008c4f"/>
+              </a:buClr>
+              <a:buSzPct val="115000"/>
+              <a:buFont typeface="Wingdings" charset="2"/>
+              <a:buChar char=""/>
+            </a:pPr>
+            <a:r>
+              <a:rPr b="0" lang="en-US" sz="1800" spc="-1" strike="noStrike">
+                <a:solidFill>
+                  <a:srgbClr val="000000"/>
+                </a:solidFill>
+                <a:latin typeface="DejaVu Sans"/>
+                <a:ea typeface="DejaVu Sans"/>
+              </a:rPr>
+              <a:t>31.07.2023 → Exam Q&amp;A</a:t>
             </a:r>
             <a:endParaRPr b="0" lang="en-GB" sz="1800" spc="-1" strike="noStrike">
               <a:solidFill>
@@ -7502,7 +7534,7 @@
         <p:spPr>
           <a:xfrm>
             <a:off x="335520" y="764640"/>
-            <a:ext cx="10743480" cy="494280"/>
+            <a:ext cx="10743120" cy="493920"/>
           </a:xfrm>
           <a:prstGeom prst="rect">
             <a:avLst/>
@@ -7556,7 +7588,7 @@
         <p:spPr>
           <a:xfrm>
             <a:off x="335520" y="1268640"/>
-            <a:ext cx="10743480" cy="5031000"/>
+            <a:ext cx="10743120" cy="5030640"/>
           </a:xfrm>
           <a:prstGeom prst="rect">
             <a:avLst/>
@@ -8241,7 +8273,7 @@
         <p:spPr>
           <a:xfrm>
             <a:off x="335520" y="764640"/>
-            <a:ext cx="10743480" cy="494280"/>
+            <a:ext cx="10743120" cy="493920"/>
           </a:xfrm>
           <a:prstGeom prst="rect">
             <a:avLst/>
@@ -8295,7 +8327,7 @@
         <p:spPr>
           <a:xfrm>
             <a:off x="335520" y="1268280"/>
-            <a:ext cx="10743480" cy="5031000"/>
+            <a:ext cx="10743120" cy="5030640"/>
           </a:xfrm>
           <a:prstGeom prst="rect">
             <a:avLst/>
@@ -8758,7 +8790,7 @@
         <p:spPr>
           <a:xfrm>
             <a:off x="335520" y="764640"/>
-            <a:ext cx="10742040" cy="492840"/>
+            <a:ext cx="10741680" cy="492480"/>
           </a:xfrm>
           <a:prstGeom prst="rect">
             <a:avLst/>
@@ -8838,7 +8870,7 @@
         <p:spPr>
           <a:xfrm>
             <a:off x="335520" y="1268640"/>
-            <a:ext cx="10742040" cy="5029560"/>
+            <a:ext cx="10741680" cy="5029200"/>
           </a:xfrm>
           <a:prstGeom prst="rect">
             <a:avLst/>
@@ -9269,7 +9301,7 @@
         <p:spPr>
           <a:xfrm>
             <a:off x="335520" y="764640"/>
-            <a:ext cx="10743480" cy="494280"/>
+            <a:ext cx="10743120" cy="493920"/>
           </a:xfrm>
           <a:prstGeom prst="rect">
             <a:avLst/>
@@ -9323,7 +9355,7 @@
         <p:spPr>
           <a:xfrm>
             <a:off x="335520" y="1268280"/>
-            <a:ext cx="10743480" cy="5031000"/>
+            <a:ext cx="10743120" cy="5030640"/>
           </a:xfrm>
           <a:prstGeom prst="rect">
             <a:avLst/>
@@ -9724,7 +9756,7 @@
         <p:spPr>
           <a:xfrm>
             <a:off x="335520" y="764640"/>
-            <a:ext cx="10743480" cy="494280"/>
+            <a:ext cx="10743120" cy="493920"/>
           </a:xfrm>
           <a:prstGeom prst="rect">
             <a:avLst/>
@@ -9778,7 +9810,7 @@
         <p:spPr>
           <a:xfrm>
             <a:off x="335520" y="1268640"/>
-            <a:ext cx="10743480" cy="5031000"/>
+            <a:ext cx="10743120" cy="5030640"/>
           </a:xfrm>
           <a:prstGeom prst="rect">
             <a:avLst/>
@@ -10009,7 +10041,7 @@
         <p:spPr>
           <a:xfrm>
             <a:off x="4655880" y="476640"/>
-            <a:ext cx="2429640" cy="355680"/>
+            <a:ext cx="2429280" cy="355320"/>
           </a:xfrm>
           <a:prstGeom prst="rect">
             <a:avLst/>
@@ -10084,7 +10116,7 @@
         <p:spPr>
           <a:xfrm>
             <a:off x="335520" y="764640"/>
-            <a:ext cx="10743480" cy="494280"/>
+            <a:ext cx="10743120" cy="493920"/>
           </a:xfrm>
           <a:prstGeom prst="rect">
             <a:avLst/>
@@ -10138,7 +10170,7 @@
         <p:spPr>
           <a:xfrm>
             <a:off x="335520" y="1268640"/>
-            <a:ext cx="10743480" cy="5031000"/>
+            <a:ext cx="10743120" cy="5030640"/>
           </a:xfrm>
           <a:prstGeom prst="rect">
             <a:avLst/>
@@ -10265,7 +10297,7 @@
         <p:spPr>
           <a:xfrm>
             <a:off x="4655880" y="476640"/>
-            <a:ext cx="2429640" cy="355680"/>
+            <a:ext cx="2429280" cy="355320"/>
           </a:xfrm>
           <a:prstGeom prst="rect">
             <a:avLst/>
@@ -10340,7 +10372,7 @@
         <p:spPr>
           <a:xfrm>
             <a:off x="335520" y="764640"/>
-            <a:ext cx="10741320" cy="492120"/>
+            <a:ext cx="10740960" cy="491760"/>
           </a:xfrm>
           <a:prstGeom prst="rect">
             <a:avLst/>
@@ -10394,7 +10426,7 @@
         <p:spPr>
           <a:xfrm>
             <a:off x="335520" y="1268640"/>
-            <a:ext cx="10741320" cy="5028840"/>
+            <a:ext cx="10740960" cy="5028480"/>
           </a:xfrm>
           <a:prstGeom prst="rect">
             <a:avLst/>
@@ -10457,7 +10489,7 @@
         <p:spPr>
           <a:xfrm>
             <a:off x="336600" y="3429000"/>
-            <a:ext cx="10859040" cy="2050920"/>
+            <a:ext cx="10858680" cy="2050560"/>
           </a:xfrm>
           <a:prstGeom prst="rect">
             <a:avLst/>
@@ -10652,7 +10684,7 @@
         <p:spPr>
           <a:xfrm>
             <a:off x="335520" y="840960"/>
-            <a:ext cx="10743480" cy="494280"/>
+            <a:ext cx="10743120" cy="493920"/>
           </a:xfrm>
           <a:prstGeom prst="rect">
             <a:avLst/>
@@ -10706,7 +10738,7 @@
         <p:spPr>
           <a:xfrm>
             <a:off x="388800" y="1488600"/>
-            <a:ext cx="10721880" cy="5204520"/>
+            <a:ext cx="10721520" cy="5204520"/>
           </a:xfrm>
           <a:prstGeom prst="rect">
             <a:avLst/>
@@ -11412,7 +11444,7 @@
         <p:spPr>
           <a:xfrm>
             <a:off x="335520" y="764640"/>
-            <a:ext cx="10743480" cy="494280"/>
+            <a:ext cx="10743120" cy="493920"/>
           </a:xfrm>
           <a:prstGeom prst="rect">
             <a:avLst/>
@@ -11466,7 +11498,7 @@
         <p:spPr>
           <a:xfrm>
             <a:off x="4655880" y="476640"/>
-            <a:ext cx="2429640" cy="355680"/>
+            <a:ext cx="2429280" cy="355320"/>
           </a:xfrm>
           <a:prstGeom prst="rect">
             <a:avLst/>
@@ -11511,7 +11543,7 @@
         <p:spPr>
           <a:xfrm>
             <a:off x="494640" y="1523880"/>
-            <a:ext cx="10362240" cy="477360"/>
+            <a:ext cx="10361880" cy="477000"/>
           </a:xfrm>
           <a:prstGeom prst="rect">
             <a:avLst/>
@@ -11570,7 +11602,7 @@
         <p:spPr>
           <a:xfrm>
             <a:off x="609120" y="2057760"/>
-            <a:ext cx="9514800" cy="3879000"/>
+            <a:ext cx="9514440" cy="3878640"/>
           </a:xfrm>
           <a:prstGeom prst="rect">
             <a:avLst/>
@@ -11619,7 +11651,7 @@
         <p:spPr>
           <a:xfrm>
             <a:off x="335520" y="764640"/>
-            <a:ext cx="10743480" cy="494280"/>
+            <a:ext cx="10743120" cy="493920"/>
           </a:xfrm>
           <a:prstGeom prst="rect">
             <a:avLst/>
@@ -11673,7 +11705,7 @@
         <p:spPr>
           <a:xfrm>
             <a:off x="4655880" y="476640"/>
-            <a:ext cx="2429640" cy="355680"/>
+            <a:ext cx="2429280" cy="355320"/>
           </a:xfrm>
           <a:prstGeom prst="rect">
             <a:avLst/>
@@ -11718,7 +11750,7 @@
         <p:spPr>
           <a:xfrm>
             <a:off x="494640" y="1474920"/>
-            <a:ext cx="10362240" cy="477360"/>
+            <a:ext cx="10361880" cy="477000"/>
           </a:xfrm>
           <a:prstGeom prst="rect">
             <a:avLst/>
@@ -11787,7 +11819,7 @@
         <p:spPr>
           <a:xfrm>
             <a:off x="446400" y="2185200"/>
-            <a:ext cx="9402120" cy="3845160"/>
+            <a:ext cx="9401760" cy="3844800"/>
           </a:xfrm>
           <a:prstGeom prst="rect">
             <a:avLst/>
@@ -11836,7 +11868,7 @@
         <p:spPr>
           <a:xfrm>
             <a:off x="335520" y="764640"/>
-            <a:ext cx="10743480" cy="494280"/>
+            <a:ext cx="10743120" cy="493920"/>
           </a:xfrm>
           <a:prstGeom prst="rect">
             <a:avLst/>
@@ -11890,7 +11922,7 @@
         <p:spPr>
           <a:xfrm>
             <a:off x="4655880" y="476640"/>
-            <a:ext cx="2429640" cy="355680"/>
+            <a:ext cx="2429280" cy="355320"/>
           </a:xfrm>
           <a:prstGeom prst="rect">
             <a:avLst/>
@@ -11935,7 +11967,7 @@
         <p:spPr>
           <a:xfrm>
             <a:off x="494640" y="1523880"/>
-            <a:ext cx="10362240" cy="477360"/>
+            <a:ext cx="10361880" cy="477000"/>
           </a:xfrm>
           <a:prstGeom prst="rect">
             <a:avLst/>
@@ -11994,7 +12026,7 @@
         <p:spPr>
           <a:xfrm>
             <a:off x="494640" y="2088360"/>
-            <a:ext cx="8939880" cy="3961440"/>
+            <a:ext cx="8939520" cy="3961080"/>
           </a:xfrm>
           <a:prstGeom prst="rect">
             <a:avLst/>
@@ -12043,7 +12075,7 @@
         <p:spPr>
           <a:xfrm>
             <a:off x="335520" y="764640"/>
-            <a:ext cx="10743480" cy="494280"/>
+            <a:ext cx="10743120" cy="493920"/>
           </a:xfrm>
           <a:prstGeom prst="rect">
             <a:avLst/>
@@ -12097,7 +12129,7 @@
         <p:spPr>
           <a:xfrm>
             <a:off x="4655880" y="476640"/>
-            <a:ext cx="2429640" cy="355680"/>
+            <a:ext cx="2429280" cy="355320"/>
           </a:xfrm>
           <a:prstGeom prst="rect">
             <a:avLst/>
@@ -12142,7 +12174,7 @@
         <p:spPr>
           <a:xfrm>
             <a:off x="494640" y="1523880"/>
-            <a:ext cx="10362240" cy="477360"/>
+            <a:ext cx="10361880" cy="477000"/>
           </a:xfrm>
           <a:prstGeom prst="rect">
             <a:avLst/>
@@ -12201,7 +12233,7 @@
         <p:spPr>
           <a:xfrm>
             <a:off x="494640" y="2166840"/>
-            <a:ext cx="8335440" cy="4176720"/>
+            <a:ext cx="8335080" cy="4176360"/>
           </a:xfrm>
           <a:prstGeom prst="rect">
             <a:avLst/>
@@ -12250,7 +12282,7 @@
         <p:spPr>
           <a:xfrm>
             <a:off x="335520" y="768240"/>
-            <a:ext cx="10743480" cy="494280"/>
+            <a:ext cx="10743120" cy="493920"/>
           </a:xfrm>
           <a:prstGeom prst="rect">
             <a:avLst/>
@@ -12304,7 +12336,7 @@
         <p:spPr>
           <a:xfrm>
             <a:off x="388800" y="1488600"/>
-            <a:ext cx="10717200" cy="5204520"/>
+            <a:ext cx="10716840" cy="5204520"/>
           </a:xfrm>
           <a:prstGeom prst="rect">
             <a:avLst/>
@@ -13014,7 +13046,7 @@
         <p:spPr>
           <a:xfrm>
             <a:off x="335520" y="764640"/>
-            <a:ext cx="10743480" cy="494280"/>
+            <a:ext cx="10743120" cy="493920"/>
           </a:xfrm>
           <a:prstGeom prst="rect">
             <a:avLst/>
@@ -13068,7 +13100,7 @@
         <p:spPr>
           <a:xfrm>
             <a:off x="494640" y="1523880"/>
-            <a:ext cx="10362240" cy="477360"/>
+            <a:ext cx="10361880" cy="477000"/>
           </a:xfrm>
           <a:prstGeom prst="rect">
             <a:avLst/>
@@ -13175,7 +13207,7 @@
         <p:spPr>
           <a:xfrm>
             <a:off x="1895760" y="2238840"/>
-            <a:ext cx="6784560" cy="4155480"/>
+            <a:ext cx="6784200" cy="4155120"/>
           </a:xfrm>
           <a:prstGeom prst="rect">
             <a:avLst/>
@@ -13224,7 +13256,7 @@
         <p:spPr>
           <a:xfrm>
             <a:off x="335520" y="764640"/>
-            <a:ext cx="10743480" cy="494280"/>
+            <a:ext cx="10743120" cy="493920"/>
           </a:xfrm>
           <a:prstGeom prst="rect">
             <a:avLst/>
@@ -13278,7 +13310,7 @@
         <p:spPr>
           <a:xfrm>
             <a:off x="494640" y="1488600"/>
-            <a:ext cx="5445000" cy="442080"/>
+            <a:ext cx="5444640" cy="441720"/>
           </a:xfrm>
           <a:prstGeom prst="rect">
             <a:avLst/>
@@ -13347,7 +13379,7 @@
         <p:spPr>
           <a:xfrm>
             <a:off x="1828800" y="1937160"/>
-            <a:ext cx="7952040" cy="4086360"/>
+            <a:ext cx="7951680" cy="4086000"/>
           </a:xfrm>
           <a:prstGeom prst="rect">
             <a:avLst/>
@@ -13396,7 +13428,7 @@
         <p:spPr>
           <a:xfrm>
             <a:off x="335520" y="764640"/>
-            <a:ext cx="10743480" cy="494280"/>
+            <a:ext cx="10743120" cy="493920"/>
           </a:xfrm>
           <a:prstGeom prst="rect">
             <a:avLst/>
@@ -13454,7 +13486,7 @@
         <p:spPr>
           <a:xfrm>
             <a:off x="2679480" y="2130480"/>
-            <a:ext cx="7372440" cy="3483360"/>
+            <a:ext cx="7372080" cy="3483000"/>
           </a:xfrm>
           <a:prstGeom prst="rect">
             <a:avLst/>
@@ -13473,7 +13505,7 @@
         <p:spPr>
           <a:xfrm>
             <a:off x="494640" y="1418040"/>
-            <a:ext cx="5216400" cy="442080"/>
+            <a:ext cx="5216040" cy="441720"/>
           </a:xfrm>
           <a:prstGeom prst="rect">
             <a:avLst/>
@@ -13561,7 +13593,7 @@
         <p:spPr>
           <a:xfrm>
             <a:off x="685800" y="2514600"/>
-            <a:ext cx="8870400" cy="3836880"/>
+            <a:ext cx="8870040" cy="3836520"/>
           </a:xfrm>
           <a:prstGeom prst="rect">
             <a:avLst/>
@@ -13580,7 +13612,7 @@
         <p:spPr>
           <a:xfrm>
             <a:off x="335520" y="764640"/>
-            <a:ext cx="10743480" cy="494280"/>
+            <a:ext cx="10743120" cy="493920"/>
           </a:xfrm>
           <a:prstGeom prst="rect">
             <a:avLst/>
@@ -13634,7 +13666,7 @@
         <p:spPr>
           <a:xfrm>
             <a:off x="494640" y="1312200"/>
-            <a:ext cx="1733400" cy="364680"/>
+            <a:ext cx="1733040" cy="364320"/>
           </a:xfrm>
           <a:prstGeom prst="rect">
             <a:avLst/>
@@ -13861,7 +13893,7 @@
         <p:spPr>
           <a:xfrm>
             <a:off x="642600" y="1679400"/>
-            <a:ext cx="4400280" cy="638280"/>
+            <a:ext cx="4399920" cy="638280"/>
           </a:xfrm>
           <a:prstGeom prst="rect">
             <a:avLst/>
@@ -13938,7 +13970,7 @@
         <p:spPr>
           <a:xfrm>
             <a:off x="6549480" y="1679400"/>
-            <a:ext cx="4874040" cy="630720"/>
+            <a:ext cx="4873680" cy="630360"/>
           </a:xfrm>
           <a:prstGeom prst="rect">
             <a:avLst/>
@@ -14015,7 +14047,7 @@
         <p:spPr>
           <a:xfrm>
             <a:off x="7839360" y="1679400"/>
-            <a:ext cx="2615400" cy="428040"/>
+            <a:ext cx="2615040" cy="427680"/>
           </a:xfrm>
           <a:prstGeom prst="rect">
             <a:avLst/>
@@ -14072,7 +14104,7 @@
         <p:spPr>
           <a:xfrm>
             <a:off x="8857440" y="3943440"/>
-            <a:ext cx="280080" cy="363960"/>
+            <a:ext cx="279720" cy="363960"/>
           </a:xfrm>
           <a:prstGeom prst="rect">
             <a:avLst/>
@@ -14126,7 +14158,7 @@
         <p:spPr>
           <a:xfrm>
             <a:off x="9537840" y="4548960"/>
-            <a:ext cx="280080" cy="363960"/>
+            <a:ext cx="279720" cy="363960"/>
           </a:xfrm>
           <a:prstGeom prst="rect">
             <a:avLst/>
@@ -14180,7 +14212,7 @@
         <p:spPr>
           <a:xfrm>
             <a:off x="7279920" y="6101280"/>
-            <a:ext cx="280440" cy="363960"/>
+            <a:ext cx="280080" cy="363960"/>
           </a:xfrm>
           <a:prstGeom prst="rect">
             <a:avLst/>
@@ -14283,7 +14315,7 @@
         <p:spPr>
           <a:xfrm>
             <a:off x="1058760" y="6130800"/>
-            <a:ext cx="280440" cy="363960"/>
+            <a:ext cx="280080" cy="363960"/>
           </a:xfrm>
           <a:prstGeom prst="rect">
             <a:avLst/>
@@ -14367,7 +14399,7 @@
         <p:spPr>
           <a:xfrm>
             <a:off x="335520" y="764640"/>
-            <a:ext cx="10743480" cy="494280"/>
+            <a:ext cx="10743120" cy="493920"/>
           </a:xfrm>
           <a:prstGeom prst="rect">
             <a:avLst/>
@@ -14425,7 +14457,7 @@
         <p:spPr>
           <a:xfrm>
             <a:off x="2394720" y="1153800"/>
-            <a:ext cx="1466280" cy="2167560"/>
+            <a:ext cx="1465920" cy="2167200"/>
           </a:xfrm>
           <a:prstGeom prst="rect">
             <a:avLst/>
@@ -14448,7 +14480,7 @@
         <p:spPr>
           <a:xfrm>
             <a:off x="7250040" y="1153800"/>
-            <a:ext cx="1731600" cy="2167560"/>
+            <a:ext cx="1731240" cy="2167200"/>
           </a:xfrm>
           <a:prstGeom prst="rect">
             <a:avLst/>
@@ -14471,7 +14503,7 @@
         <p:spPr>
           <a:xfrm>
             <a:off x="2207880" y="4110120"/>
-            <a:ext cx="1780200" cy="1772280"/>
+            <a:ext cx="1779840" cy="1771920"/>
           </a:xfrm>
           <a:prstGeom prst="rect">
             <a:avLst/>
@@ -14490,7 +14522,7 @@
         <p:spPr>
           <a:xfrm>
             <a:off x="1330200" y="3269880"/>
-            <a:ext cx="3630960" cy="672480"/>
+            <a:ext cx="3630600" cy="672120"/>
           </a:xfrm>
           <a:prstGeom prst="rect">
             <a:avLst/>
@@ -14547,7 +14579,7 @@
         <p:spPr>
           <a:xfrm>
             <a:off x="6321600" y="3269880"/>
-            <a:ext cx="3630960" cy="672480"/>
+            <a:ext cx="3630600" cy="672120"/>
           </a:xfrm>
           <a:prstGeom prst="rect">
             <a:avLst/>
@@ -14604,7 +14636,7 @@
         <p:spPr>
           <a:xfrm>
             <a:off x="1312200" y="5920200"/>
-            <a:ext cx="3630960" cy="672480"/>
+            <a:ext cx="3630600" cy="672120"/>
           </a:xfrm>
           <a:prstGeom prst="rect">
             <a:avLst/>
@@ -14667,7 +14699,7 @@
         <p:spPr>
           <a:xfrm>
             <a:off x="1312200" y="5807160"/>
-            <a:ext cx="3630960" cy="672480"/>
+            <a:ext cx="3630600" cy="672120"/>
           </a:xfrm>
           <a:prstGeom prst="rect">
             <a:avLst/>
@@ -14724,7 +14756,7 @@
         <p:spPr>
           <a:xfrm>
             <a:off x="4860000" y="5920200"/>
-            <a:ext cx="3630960" cy="672480"/>
+            <a:ext cx="3630600" cy="672120"/>
           </a:xfrm>
           <a:prstGeom prst="rect">
             <a:avLst/>
@@ -14769,7 +14801,7 @@
         <p:spPr>
           <a:xfrm>
             <a:off x="6300000" y="5807160"/>
-            <a:ext cx="3630960" cy="672480"/>
+            <a:ext cx="3630600" cy="672120"/>
           </a:xfrm>
           <a:prstGeom prst="rect">
             <a:avLst/>
@@ -14831,7 +14863,7 @@
         <p:spPr>
           <a:xfrm>
             <a:off x="7380000" y="3960000"/>
-            <a:ext cx="1439640" cy="1923480"/>
+            <a:ext cx="1439280" cy="1923120"/>
           </a:xfrm>
           <a:prstGeom prst="rect">
             <a:avLst/>
@@ -14880,7 +14912,7 @@
         <p:spPr>
           <a:xfrm>
             <a:off x="335520" y="764640"/>
-            <a:ext cx="10743480" cy="494280"/>
+            <a:ext cx="10743120" cy="493920"/>
           </a:xfrm>
           <a:prstGeom prst="rect">
             <a:avLst/>
@@ -14934,7 +14966,7 @@
         <p:spPr>
           <a:xfrm>
             <a:off x="335520" y="1268640"/>
-            <a:ext cx="10743480" cy="5031000"/>
+            <a:ext cx="10743120" cy="5030640"/>
           </a:xfrm>
           <a:prstGeom prst="rect">
             <a:avLst/>
@@ -15319,7 +15351,7 @@
         <p:spPr>
           <a:xfrm>
             <a:off x="335520" y="764640"/>
-            <a:ext cx="10741680" cy="492480"/>
+            <a:ext cx="10741320" cy="492120"/>
           </a:xfrm>
           <a:prstGeom prst="rect">
             <a:avLst/>
@@ -15373,7 +15405,7 @@
         <p:spPr>
           <a:xfrm>
             <a:off x="335520" y="1268280"/>
-            <a:ext cx="10741680" cy="5029200"/>
+            <a:ext cx="10741320" cy="5028840"/>
           </a:xfrm>
           <a:prstGeom prst="rect">
             <a:avLst/>
@@ -15469,7 +15501,7 @@
         <p:spPr>
           <a:xfrm>
             <a:off x="6285600" y="2132640"/>
-            <a:ext cx="511200" cy="491040"/>
+            <a:ext cx="510840" cy="490680"/>
           </a:xfrm>
           <a:prstGeom prst="star5">
             <a:avLst>
@@ -15530,7 +15562,7 @@
         <p:spPr>
           <a:xfrm>
             <a:off x="4089960" y="2247480"/>
-            <a:ext cx="2279520" cy="363960"/>
+            <a:ext cx="2279160" cy="363960"/>
           </a:xfrm>
           <a:prstGeom prst="rect">
             <a:avLst/>
@@ -15634,7 +15666,7 @@
         <p:spPr>
           <a:xfrm>
             <a:off x="335520" y="764640"/>
-            <a:ext cx="10741680" cy="492480"/>
+            <a:ext cx="10741320" cy="492120"/>
           </a:xfrm>
           <a:prstGeom prst="rect">
             <a:avLst/>
@@ -15688,7 +15720,7 @@
         <p:spPr>
           <a:xfrm>
             <a:off x="335520" y="1268640"/>
-            <a:ext cx="10741680" cy="5029200"/>
+            <a:ext cx="10741320" cy="5028840"/>
           </a:xfrm>
           <a:prstGeom prst="rect">
             <a:avLst/>
@@ -16129,7 +16161,7 @@
         <p:spPr>
           <a:xfrm>
             <a:off x="335520" y="764640"/>
-            <a:ext cx="10744920" cy="495720"/>
+            <a:ext cx="10744560" cy="495360"/>
           </a:xfrm>
           <a:prstGeom prst="rect">
             <a:avLst/>
@@ -16183,7 +16215,7 @@
         <p:spPr>
           <a:xfrm>
             <a:off x="335520" y="1268640"/>
-            <a:ext cx="10744920" cy="5032440"/>
+            <a:ext cx="10744560" cy="5032080"/>
           </a:xfrm>
           <a:prstGeom prst="rect">
             <a:avLst/>
@@ -16400,7 +16432,7 @@
         <p:spPr>
           <a:xfrm>
             <a:off x="335520" y="764640"/>
-            <a:ext cx="10743480" cy="494280"/>
+            <a:ext cx="10743120" cy="493920"/>
           </a:xfrm>
           <a:prstGeom prst="rect">
             <a:avLst/>
@@ -16454,7 +16486,7 @@
         <p:spPr>
           <a:xfrm>
             <a:off x="335520" y="1268640"/>
-            <a:ext cx="10743480" cy="5031000"/>
+            <a:ext cx="10743120" cy="5030640"/>
           </a:xfrm>
           <a:prstGeom prst="rect">
             <a:avLst/>
@@ -16939,7 +16971,7 @@
         <p:spPr>
           <a:xfrm>
             <a:off x="335520" y="764640"/>
-            <a:ext cx="10741680" cy="492480"/>
+            <a:ext cx="10741320" cy="492120"/>
           </a:xfrm>
           <a:prstGeom prst="rect">
             <a:avLst/>
@@ -16993,7 +17025,7 @@
         <p:spPr>
           <a:xfrm>
             <a:off x="335520" y="1268640"/>
-            <a:ext cx="10741680" cy="5029200"/>
+            <a:ext cx="10741320" cy="5028840"/>
           </a:xfrm>
           <a:prstGeom prst="rect">
             <a:avLst/>
@@ -17387,7 +17419,7 @@
         <p:spPr>
           <a:xfrm>
             <a:off x="335520" y="1268640"/>
-            <a:ext cx="10743480" cy="5031000"/>
+            <a:ext cx="10743120" cy="5030640"/>
           </a:xfrm>
           <a:prstGeom prst="rect">
             <a:avLst/>
@@ -17447,7 +17479,7 @@
         <p:spPr>
           <a:xfrm>
             <a:off x="335520" y="764640"/>
-            <a:ext cx="10743480" cy="494280"/>
+            <a:ext cx="10743120" cy="493920"/>
           </a:xfrm>
           <a:prstGeom prst="rect">
             <a:avLst/>
@@ -17522,7 +17554,7 @@
         <p:spPr>
           <a:xfrm>
             <a:off x="542880" y="721800"/>
-            <a:ext cx="10347840" cy="488520"/>
+            <a:ext cx="10347480" cy="488160"/>
           </a:xfrm>
           <a:prstGeom prst="rect">
             <a:avLst/>
@@ -17576,7 +17608,7 @@
         <p:spPr>
           <a:xfrm>
             <a:off x="451800" y="1709280"/>
-            <a:ext cx="8215200" cy="4343400"/>
+            <a:ext cx="8214840" cy="4343040"/>
           </a:xfrm>
           <a:prstGeom prst="rect">
             <a:avLst/>
@@ -17621,7 +17653,7 @@
         <p:spPr>
           <a:xfrm>
             <a:off x="609480" y="1769400"/>
-            <a:ext cx="10578240" cy="4846320"/>
+            <a:ext cx="10577880" cy="4845960"/>
           </a:xfrm>
           <a:prstGeom prst="rect">
             <a:avLst/>
@@ -18050,7 +18082,7 @@
         <p:spPr>
           <a:xfrm>
             <a:off x="542880" y="721800"/>
-            <a:ext cx="10347840" cy="488520"/>
+            <a:ext cx="10347480" cy="488160"/>
           </a:xfrm>
           <a:prstGeom prst="rect">
             <a:avLst/>
@@ -18104,7 +18136,7 @@
         <p:spPr>
           <a:xfrm>
             <a:off x="451800" y="1709280"/>
-            <a:ext cx="8215200" cy="4343400"/>
+            <a:ext cx="8214840" cy="4343040"/>
           </a:xfrm>
           <a:prstGeom prst="rect">
             <a:avLst/>
@@ -18149,7 +18181,7 @@
         <p:spPr>
           <a:xfrm>
             <a:off x="609480" y="1769400"/>
-            <a:ext cx="10578240" cy="4846320"/>
+            <a:ext cx="10577880" cy="4845960"/>
           </a:xfrm>
           <a:prstGeom prst="rect">
             <a:avLst/>
@@ -18580,7 +18612,7 @@
         <p:spPr>
           <a:xfrm>
             <a:off x="542880" y="721800"/>
-            <a:ext cx="10347840" cy="488520"/>
+            <a:ext cx="10347480" cy="488160"/>
           </a:xfrm>
           <a:prstGeom prst="rect">
             <a:avLst/>
@@ -18634,7 +18666,7 @@
         <p:spPr>
           <a:xfrm>
             <a:off x="451800" y="1709280"/>
-            <a:ext cx="8215200" cy="4343400"/>
+            <a:ext cx="8214840" cy="4343040"/>
           </a:xfrm>
           <a:prstGeom prst="rect">
             <a:avLst/>
@@ -18679,7 +18711,7 @@
         <p:spPr>
           <a:xfrm>
             <a:off x="609480" y="1769400"/>
-            <a:ext cx="10578240" cy="4846320"/>
+            <a:ext cx="10577880" cy="4845960"/>
           </a:xfrm>
           <a:prstGeom prst="rect">
             <a:avLst/>
@@ -19110,7 +19142,7 @@
         <p:spPr>
           <a:xfrm>
             <a:off x="335520" y="764640"/>
-            <a:ext cx="10743480" cy="494280"/>
+            <a:ext cx="10743120" cy="493920"/>
           </a:xfrm>
           <a:prstGeom prst="rect">
             <a:avLst/>
@@ -19164,7 +19196,7 @@
         <p:spPr>
           <a:xfrm>
             <a:off x="335520" y="2408400"/>
-            <a:ext cx="10743480" cy="3891240"/>
+            <a:ext cx="10743120" cy="3890880"/>
           </a:xfrm>
           <a:prstGeom prst="rect">
             <a:avLst/>
@@ -19257,7 +19289,7 @@
         <p:spPr>
           <a:xfrm>
             <a:off x="335520" y="764640"/>
-            <a:ext cx="10743480" cy="494280"/>
+            <a:ext cx="10743120" cy="493920"/>
           </a:xfrm>
           <a:prstGeom prst="rect">
             <a:avLst/>
@@ -19311,7 +19343,7 @@
         <p:spPr>
           <a:xfrm>
             <a:off x="335520" y="2408400"/>
-            <a:ext cx="10743480" cy="3891240"/>
+            <a:ext cx="10743120" cy="3890880"/>
           </a:xfrm>
           <a:prstGeom prst="rect">
             <a:avLst/>
@@ -19436,7 +19468,7 @@
         <p:spPr>
           <a:xfrm>
             <a:off x="335520" y="764640"/>
-            <a:ext cx="10743480" cy="494280"/>
+            <a:ext cx="10743120" cy="493920"/>
           </a:xfrm>
           <a:prstGeom prst="rect">
             <a:avLst/>
@@ -19490,7 +19522,7 @@
         <p:spPr>
           <a:xfrm>
             <a:off x="335520" y="2408400"/>
-            <a:ext cx="10743480" cy="3891240"/>
+            <a:ext cx="10743120" cy="3890880"/>
           </a:xfrm>
           <a:prstGeom prst="rect">
             <a:avLst/>

--- a/Emerging-Technologies-for-the-Circular-Economy/ETCE-L00-Organization.pptx
+++ b/Emerging-Technologies-for-the-Circular-Economy/ETCE-L00-Organization.pptx
@@ -375,7 +375,7 @@
             <a:pPr indent="0" algn="r">
               <a:buNone/>
             </a:pPr>
-            <a:fld id="{7F1FD6C5-BBD7-41AB-9196-E990DFC7774C}" type="slidenum">
+            <a:fld id="{D72ABDFB-0420-4E0E-8B3D-8043148A2448}" type="slidenum">
               <a:rPr b="0" lang="en-GB" sz="1400" spc="-1" strike="noStrike">
                 <a:solidFill>
                   <a:srgbClr val="000000"/>
@@ -429,7 +429,7 @@
         <p:spPr>
           <a:xfrm>
             <a:off x="533520" y="763560"/>
-            <a:ext cx="6690600" cy="3758760"/>
+            <a:ext cx="6690240" cy="3758400"/>
           </a:xfrm>
           <a:prstGeom prst="rect">
             <a:avLst/>
@@ -452,7 +452,7 @@
         <p:spPr>
           <a:xfrm>
             <a:off x="777240" y="4777560"/>
-            <a:ext cx="6204240" cy="4512600"/>
+            <a:ext cx="6203880" cy="4512240"/>
           </a:xfrm>
           <a:prstGeom prst="rect">
             <a:avLst/>
@@ -488,7 +488,7 @@
         <p:spPr>
           <a:xfrm>
             <a:off x="4399200" y="9555480"/>
-            <a:ext cx="3359520" cy="489240"/>
+            <a:ext cx="3359160" cy="488880"/>
           </a:xfrm>
           <a:prstGeom prst="rect">
             <a:avLst/>
@@ -514,7 +514,7 @@
                 <a:spcPct val="100000"/>
               </a:lnSpc>
             </a:pPr>
-            <a:fld id="{4C9B7804-20C1-441E-8733-71A7EE0F45FA}" type="slidenum">
+            <a:fld id="{07548FD9-D6AD-4EF8-931B-C6F0429438E9}" type="slidenum">
               <a:rPr b="0" lang="de-DE" sz="1800" spc="-1" strike="noStrike">
                 <a:solidFill>
                   <a:srgbClr val="000000"/>
@@ -522,7 +522,7 @@
                 <a:latin typeface="+mn-lt"/>
                 <a:ea typeface="+mn-ea"/>
               </a:rPr>
-              <a:t>&lt;number&gt;</a:t>
+              <a:t>6</a:t>
             </a:fld>
             <a:endParaRPr b="0" lang="en-GB" sz="1800" spc="-1" strike="noStrike">
               <a:solidFill>
@@ -568,7 +568,7 @@
         <p:spPr>
           <a:xfrm>
             <a:off x="533520" y="763560"/>
-            <a:ext cx="6690600" cy="3758760"/>
+            <a:ext cx="6690240" cy="3758400"/>
           </a:xfrm>
           <a:prstGeom prst="rect">
             <a:avLst/>
@@ -591,7 +591,7 @@
         <p:spPr>
           <a:xfrm>
             <a:off x="777240" y="4777560"/>
-            <a:ext cx="6204240" cy="4512600"/>
+            <a:ext cx="6203880" cy="4512240"/>
           </a:xfrm>
           <a:prstGeom prst="rect">
             <a:avLst/>
@@ -627,7 +627,7 @@
         <p:spPr>
           <a:xfrm>
             <a:off x="4399200" y="9555480"/>
-            <a:ext cx="3359520" cy="489240"/>
+            <a:ext cx="3359160" cy="488880"/>
           </a:xfrm>
           <a:prstGeom prst="rect">
             <a:avLst/>
@@ -653,7 +653,7 @@
                 <a:spcPct val="100000"/>
               </a:lnSpc>
             </a:pPr>
-            <a:fld id="{DF78F199-E414-4034-9213-D17635B9D0E5}" type="slidenum">
+            <a:fld id="{40D57CED-B8D9-4E69-BD00-AB12A2032813}" type="slidenum">
               <a:rPr b="0" lang="de-DE" sz="1800" spc="-1" strike="noStrike">
                 <a:solidFill>
                   <a:srgbClr val="000000"/>
@@ -707,7 +707,7 @@
         <p:spPr>
           <a:xfrm>
             <a:off x="533520" y="763560"/>
-            <a:ext cx="6690600" cy="3758760"/>
+            <a:ext cx="6690240" cy="3758400"/>
           </a:xfrm>
           <a:prstGeom prst="rect">
             <a:avLst/>
@@ -730,7 +730,7 @@
         <p:spPr>
           <a:xfrm>
             <a:off x="777240" y="4777560"/>
-            <a:ext cx="6204240" cy="4512600"/>
+            <a:ext cx="6203880" cy="4512240"/>
           </a:xfrm>
           <a:prstGeom prst="rect">
             <a:avLst/>
@@ -766,7 +766,7 @@
         <p:spPr>
           <a:xfrm>
             <a:off x="4399200" y="9555480"/>
-            <a:ext cx="3359520" cy="489240"/>
+            <a:ext cx="3359160" cy="488880"/>
           </a:xfrm>
           <a:prstGeom prst="rect">
             <a:avLst/>
@@ -792,7 +792,7 @@
                 <a:spcPct val="100000"/>
               </a:lnSpc>
             </a:pPr>
-            <a:fld id="{DFFA783B-34C1-4E33-9CAB-97A08DAEA4D2}" type="slidenum">
+            <a:fld id="{8FF50F8C-0F41-4D85-9658-BF38717A9584}" type="slidenum">
               <a:rPr b="0" lang="de-DE" sz="1800" spc="-1" strike="noStrike">
                 <a:solidFill>
                   <a:srgbClr val="000000"/>
@@ -4397,7 +4397,7 @@
         <p:spPr>
           <a:xfrm>
             <a:off x="11444760" y="0"/>
-            <a:ext cx="739080" cy="6847920"/>
+            <a:ext cx="738720" cy="6847560"/>
           </a:xfrm>
           <a:prstGeom prst="rect">
             <a:avLst/>
@@ -4446,7 +4446,7 @@
         <p:spPr>
           <a:xfrm>
             <a:off x="11438640" y="6453360"/>
-            <a:ext cx="756000" cy="363960"/>
+            <a:ext cx="755640" cy="363960"/>
           </a:xfrm>
           <a:prstGeom prst="rect">
             <a:avLst/>
@@ -4472,7 +4472,7 @@
                 <a:spcPct val="100000"/>
               </a:lnSpc>
             </a:pPr>
-            <a:fld id="{6173C6F9-2DC4-4F80-A9BC-5B40C4F59393}" type="slidenum">
+            <a:fld id="{F57FA7A7-AC6A-41FC-966E-B7C1F1F61F7A}" type="slidenum">
               <a:rPr b="0" lang="en-US" sz="1800" spc="-1" strike="noStrike">
                 <a:solidFill>
                   <a:srgbClr val="808080"/>
@@ -4500,7 +4500,7 @@
         <p:spPr>
           <a:xfrm>
             <a:off x="912240" y="1268280"/>
-            <a:ext cx="9205920" cy="359280"/>
+            <a:ext cx="9205560" cy="358920"/>
           </a:xfrm>
           <a:prstGeom prst="rect">
             <a:avLst/>
@@ -4549,7 +4549,7 @@
         <p:spPr>
           <a:xfrm>
             <a:off x="0" y="0"/>
-            <a:ext cx="3049920" cy="559800"/>
+            <a:ext cx="3049560" cy="559440"/>
           </a:xfrm>
           <a:prstGeom prst="rect">
             <a:avLst/>
@@ -4572,7 +4572,7 @@
         <p:spPr>
           <a:xfrm>
             <a:off x="7430400" y="134640"/>
-            <a:ext cx="3695760" cy="511920"/>
+            <a:ext cx="3695400" cy="511560"/>
           </a:xfrm>
           <a:prstGeom prst="rect">
             <a:avLst/>
@@ -4591,7 +4591,7 @@
         <p:spPr>
           <a:xfrm>
             <a:off x="912240" y="1268280"/>
-            <a:ext cx="9205920" cy="359280"/>
+            <a:ext cx="9205560" cy="358920"/>
           </a:xfrm>
           <a:prstGeom prst="rect">
             <a:avLst/>
@@ -4636,7 +4636,7 @@
         <p:spPr>
           <a:xfrm>
             <a:off x="11444760" y="0"/>
-            <a:ext cx="739080" cy="6847920"/>
+            <a:ext cx="738720" cy="6847560"/>
           </a:xfrm>
           <a:prstGeom prst="rect">
             <a:avLst/>
@@ -4685,7 +4685,7 @@
         <p:spPr>
           <a:xfrm>
             <a:off x="0" y="6642720"/>
-            <a:ext cx="12182040" cy="211320"/>
+            <a:ext cx="12181680" cy="211320"/>
           </a:xfrm>
           <a:prstGeom prst="rect">
             <a:avLst/>
@@ -5077,7 +5077,7 @@
         <p:spPr>
           <a:xfrm>
             <a:off x="11444760" y="0"/>
-            <a:ext cx="739080" cy="6847920"/>
+            <a:ext cx="738720" cy="6847560"/>
           </a:xfrm>
           <a:prstGeom prst="rect">
             <a:avLst/>
@@ -5126,7 +5126,7 @@
         <p:spPr>
           <a:xfrm>
             <a:off x="11438640" y="6453360"/>
-            <a:ext cx="756000" cy="363960"/>
+            <a:ext cx="755640" cy="363960"/>
           </a:xfrm>
           <a:prstGeom prst="rect">
             <a:avLst/>
@@ -5152,7 +5152,7 @@
                 <a:spcPct val="100000"/>
               </a:lnSpc>
             </a:pPr>
-            <a:fld id="{5524F22B-EC04-46CC-85B8-40102B348ADC}" type="slidenum">
+            <a:fld id="{5A2E3576-A09D-49E2-B572-5E6B25BA2D2C}" type="slidenum">
               <a:rPr b="0" lang="en-US" sz="1800" spc="-1" strike="noStrike">
                 <a:solidFill>
                   <a:srgbClr val="808080"/>
@@ -5180,7 +5180,7 @@
         <p:spPr>
           <a:xfrm>
             <a:off x="912240" y="1268280"/>
-            <a:ext cx="9205920" cy="359280"/>
+            <a:ext cx="9205560" cy="358920"/>
           </a:xfrm>
           <a:prstGeom prst="rect">
             <a:avLst/>
@@ -5229,7 +5229,7 @@
         <p:spPr>
           <a:xfrm>
             <a:off x="0" y="0"/>
-            <a:ext cx="3049920" cy="559800"/>
+            <a:ext cx="3049560" cy="559440"/>
           </a:xfrm>
           <a:prstGeom prst="rect">
             <a:avLst/>
@@ -5252,7 +5252,7 @@
         <p:spPr>
           <a:xfrm>
             <a:off x="7430400" y="134640"/>
-            <a:ext cx="3695760" cy="511920"/>
+            <a:ext cx="3695400" cy="511560"/>
           </a:xfrm>
           <a:prstGeom prst="rect">
             <a:avLst/>
@@ -5271,7 +5271,7 @@
         <p:spPr>
           <a:xfrm>
             <a:off x="11444760" y="0"/>
-            <a:ext cx="739080" cy="6847920"/>
+            <a:ext cx="738720" cy="6847560"/>
           </a:xfrm>
           <a:prstGeom prst="rect">
             <a:avLst/>
@@ -5320,7 +5320,7 @@
         <p:spPr>
           <a:xfrm>
             <a:off x="11438640" y="6453360"/>
-            <a:ext cx="756000" cy="363960"/>
+            <a:ext cx="755640" cy="363960"/>
           </a:xfrm>
           <a:prstGeom prst="rect">
             <a:avLst/>
@@ -5346,7 +5346,7 @@
                 <a:spcPct val="100000"/>
               </a:lnSpc>
             </a:pPr>
-            <a:fld id="{EE9E8B64-6847-406C-B80E-F2D219F5E5F0}" type="slidenum">
+            <a:fld id="{3FCA60D0-625A-4096-BE6B-ECDBB6431CFF}" type="slidenum">
               <a:rPr b="0" lang="en-US" sz="1800" spc="-1" strike="noStrike">
                 <a:solidFill>
                   <a:srgbClr val="808080"/>
@@ -5374,7 +5374,7 @@
         <p:spPr>
           <a:xfrm>
             <a:off x="0" y="6642720"/>
-            <a:ext cx="12182040" cy="211320"/>
+            <a:ext cx="12181680" cy="211320"/>
           </a:xfrm>
           <a:prstGeom prst="rect">
             <a:avLst/>
@@ -5759,7 +5759,7 @@
         <p:spPr>
           <a:xfrm>
             <a:off x="527400" y="1412640"/>
-            <a:ext cx="10359000" cy="1145520"/>
+            <a:ext cx="10358640" cy="1145160"/>
           </a:xfrm>
           <a:prstGeom prst="rect">
             <a:avLst/>
@@ -5813,7 +5813,7 @@
         <p:spPr>
           <a:xfrm>
             <a:off x="527400" y="2852640"/>
-            <a:ext cx="10359000" cy="2366280"/>
+            <a:ext cx="10358640" cy="2365920"/>
           </a:xfrm>
           <a:prstGeom prst="rect">
             <a:avLst/>
@@ -6076,7 +6076,7 @@
         <p:spPr>
           <a:xfrm>
             <a:off x="335520" y="764640"/>
-            <a:ext cx="10743120" cy="493920"/>
+            <a:ext cx="10742760" cy="493560"/>
           </a:xfrm>
           <a:prstGeom prst="rect">
             <a:avLst/>
@@ -6143,7 +6143,7 @@
         <p:spPr>
           <a:xfrm>
             <a:off x="335520" y="2408400"/>
-            <a:ext cx="10743120" cy="3890880"/>
+            <a:ext cx="10742760" cy="3890520"/>
           </a:xfrm>
           <a:prstGeom prst="rect">
             <a:avLst/>
@@ -6332,7 +6332,7 @@
         <p:spPr>
           <a:xfrm>
             <a:off x="335520" y="764640"/>
-            <a:ext cx="10743120" cy="493920"/>
+            <a:ext cx="10742760" cy="493560"/>
           </a:xfrm>
           <a:prstGeom prst="rect">
             <a:avLst/>
@@ -6386,7 +6386,7 @@
         <p:spPr>
           <a:xfrm>
             <a:off x="335520" y="2408400"/>
-            <a:ext cx="10743120" cy="3890880"/>
+            <a:ext cx="10742760" cy="3890520"/>
           </a:xfrm>
           <a:prstGeom prst="rect">
             <a:avLst/>
@@ -6607,7 +6607,7 @@
         <p:spPr>
           <a:xfrm>
             <a:off x="335520" y="764640"/>
-            <a:ext cx="10743120" cy="493920"/>
+            <a:ext cx="10742760" cy="493560"/>
           </a:xfrm>
           <a:prstGeom prst="rect">
             <a:avLst/>
@@ -6674,7 +6674,7 @@
         <p:spPr>
           <a:xfrm>
             <a:off x="335520" y="2408400"/>
-            <a:ext cx="10743120" cy="3890880"/>
+            <a:ext cx="10742760" cy="3890520"/>
           </a:xfrm>
           <a:prstGeom prst="rect">
             <a:avLst/>
@@ -6927,7 +6927,7 @@
         <p:spPr>
           <a:xfrm>
             <a:off x="335520" y="764640"/>
-            <a:ext cx="10743120" cy="493920"/>
+            <a:ext cx="10742760" cy="493560"/>
           </a:xfrm>
           <a:prstGeom prst="rect">
             <a:avLst/>
@@ -6981,7 +6981,7 @@
         <p:spPr>
           <a:xfrm>
             <a:off x="335520" y="1268640"/>
-            <a:ext cx="10743120" cy="5030640"/>
+            <a:ext cx="10742760" cy="5030280"/>
           </a:xfrm>
           <a:prstGeom prst="rect">
             <a:avLst/>
@@ -7534,7 +7534,7 @@
         <p:spPr>
           <a:xfrm>
             <a:off x="335520" y="764640"/>
-            <a:ext cx="10743120" cy="493920"/>
+            <a:ext cx="10742760" cy="493560"/>
           </a:xfrm>
           <a:prstGeom prst="rect">
             <a:avLst/>
@@ -7588,7 +7588,7 @@
         <p:spPr>
           <a:xfrm>
             <a:off x="335520" y="1268640"/>
-            <a:ext cx="10743120" cy="5030640"/>
+            <a:ext cx="10742760" cy="5030280"/>
           </a:xfrm>
           <a:prstGeom prst="rect">
             <a:avLst/>
@@ -8273,7 +8273,7 @@
         <p:spPr>
           <a:xfrm>
             <a:off x="335520" y="764640"/>
-            <a:ext cx="10743120" cy="493920"/>
+            <a:ext cx="10742760" cy="493560"/>
           </a:xfrm>
           <a:prstGeom prst="rect">
             <a:avLst/>
@@ -8327,7 +8327,7 @@
         <p:spPr>
           <a:xfrm>
             <a:off x="335520" y="1268280"/>
-            <a:ext cx="10743120" cy="5030640"/>
+            <a:ext cx="10742760" cy="5030280"/>
           </a:xfrm>
           <a:prstGeom prst="rect">
             <a:avLst/>
@@ -8450,7 +8450,7 @@
                 <a:latin typeface="DejaVu Sans"/>
                 <a:ea typeface="DejaVu Sans"/>
               </a:rPr>
-              <a:t>Slides will be uploaded to StudIP (Clausthal and Göttingen) and Github (</a:t>
+              <a:t>Slides are available on Github (</a:t>
             </a:r>
             <a:r>
               <a:rPr b="0" lang="en-US" sz="1800" spc="-1" strike="noStrike" u="sng">
@@ -8790,7 +8790,7 @@
         <p:spPr>
           <a:xfrm>
             <a:off x="335520" y="764640"/>
-            <a:ext cx="10741680" cy="492480"/>
+            <a:ext cx="10741320" cy="492120"/>
           </a:xfrm>
           <a:prstGeom prst="rect">
             <a:avLst/>
@@ -8870,7 +8870,7 @@
         <p:spPr>
           <a:xfrm>
             <a:off x="335520" y="1268640"/>
-            <a:ext cx="10741680" cy="5029200"/>
+            <a:ext cx="10741320" cy="5028840"/>
           </a:xfrm>
           <a:prstGeom prst="rect">
             <a:avLst/>
@@ -9301,7 +9301,7 @@
         <p:spPr>
           <a:xfrm>
             <a:off x="335520" y="764640"/>
-            <a:ext cx="10743120" cy="493920"/>
+            <a:ext cx="10742760" cy="493560"/>
           </a:xfrm>
           <a:prstGeom prst="rect">
             <a:avLst/>
@@ -9355,7 +9355,7 @@
         <p:spPr>
           <a:xfrm>
             <a:off x="335520" y="1268280"/>
-            <a:ext cx="10743120" cy="5030640"/>
+            <a:ext cx="10742760" cy="5030280"/>
           </a:xfrm>
           <a:prstGeom prst="rect">
             <a:avLst/>
@@ -9756,7 +9756,7 @@
         <p:spPr>
           <a:xfrm>
             <a:off x="335520" y="764640"/>
-            <a:ext cx="10743120" cy="493920"/>
+            <a:ext cx="10742760" cy="493560"/>
           </a:xfrm>
           <a:prstGeom prst="rect">
             <a:avLst/>
@@ -9810,7 +9810,7 @@
         <p:spPr>
           <a:xfrm>
             <a:off x="335520" y="1268640"/>
-            <a:ext cx="10743120" cy="5030640"/>
+            <a:ext cx="10742760" cy="5030280"/>
           </a:xfrm>
           <a:prstGeom prst="rect">
             <a:avLst/>
@@ -10041,7 +10041,7 @@
         <p:spPr>
           <a:xfrm>
             <a:off x="4655880" y="476640"/>
-            <a:ext cx="2429280" cy="355320"/>
+            <a:ext cx="2428920" cy="354960"/>
           </a:xfrm>
           <a:prstGeom prst="rect">
             <a:avLst/>
@@ -10116,7 +10116,7 @@
         <p:spPr>
           <a:xfrm>
             <a:off x="335520" y="764640"/>
-            <a:ext cx="10743120" cy="493920"/>
+            <a:ext cx="10742760" cy="493560"/>
           </a:xfrm>
           <a:prstGeom prst="rect">
             <a:avLst/>
@@ -10170,7 +10170,7 @@
         <p:spPr>
           <a:xfrm>
             <a:off x="335520" y="1268640"/>
-            <a:ext cx="10743120" cy="5030640"/>
+            <a:ext cx="10742760" cy="5030280"/>
           </a:xfrm>
           <a:prstGeom prst="rect">
             <a:avLst/>
@@ -10297,7 +10297,7 @@
         <p:spPr>
           <a:xfrm>
             <a:off x="4655880" y="476640"/>
-            <a:ext cx="2429280" cy="355320"/>
+            <a:ext cx="2428920" cy="354960"/>
           </a:xfrm>
           <a:prstGeom prst="rect">
             <a:avLst/>
@@ -10372,7 +10372,7 @@
         <p:spPr>
           <a:xfrm>
             <a:off x="335520" y="764640"/>
-            <a:ext cx="10740960" cy="491760"/>
+            <a:ext cx="10740600" cy="491400"/>
           </a:xfrm>
           <a:prstGeom prst="rect">
             <a:avLst/>
@@ -10426,7 +10426,7 @@
         <p:spPr>
           <a:xfrm>
             <a:off x="335520" y="1268640"/>
-            <a:ext cx="10740960" cy="5028480"/>
+            <a:ext cx="10740600" cy="5028120"/>
           </a:xfrm>
           <a:prstGeom prst="rect">
             <a:avLst/>
@@ -10489,7 +10489,7 @@
         <p:spPr>
           <a:xfrm>
             <a:off x="336600" y="3429000"/>
-            <a:ext cx="10858680" cy="2050560"/>
+            <a:ext cx="10858320" cy="2050200"/>
           </a:xfrm>
           <a:prstGeom prst="rect">
             <a:avLst/>
@@ -10684,7 +10684,7 @@
         <p:spPr>
           <a:xfrm>
             <a:off x="335520" y="840960"/>
-            <a:ext cx="10743120" cy="493920"/>
+            <a:ext cx="10742760" cy="493560"/>
           </a:xfrm>
           <a:prstGeom prst="rect">
             <a:avLst/>
@@ -10738,7 +10738,7 @@
         <p:spPr>
           <a:xfrm>
             <a:off x="388800" y="1488600"/>
-            <a:ext cx="10721520" cy="5204520"/>
+            <a:ext cx="10721160" cy="5204520"/>
           </a:xfrm>
           <a:prstGeom prst="rect">
             <a:avLst/>
@@ -11444,7 +11444,7 @@
         <p:spPr>
           <a:xfrm>
             <a:off x="335520" y="764640"/>
-            <a:ext cx="10743120" cy="493920"/>
+            <a:ext cx="10742760" cy="493560"/>
           </a:xfrm>
           <a:prstGeom prst="rect">
             <a:avLst/>
@@ -11498,7 +11498,7 @@
         <p:spPr>
           <a:xfrm>
             <a:off x="4655880" y="476640"/>
-            <a:ext cx="2429280" cy="355320"/>
+            <a:ext cx="2428920" cy="354960"/>
           </a:xfrm>
           <a:prstGeom prst="rect">
             <a:avLst/>
@@ -11543,7 +11543,7 @@
         <p:spPr>
           <a:xfrm>
             <a:off x="494640" y="1523880"/>
-            <a:ext cx="10361880" cy="477000"/>
+            <a:ext cx="10361520" cy="476640"/>
           </a:xfrm>
           <a:prstGeom prst="rect">
             <a:avLst/>
@@ -11602,7 +11602,7 @@
         <p:spPr>
           <a:xfrm>
             <a:off x="609120" y="2057760"/>
-            <a:ext cx="9514440" cy="3878640"/>
+            <a:ext cx="9514080" cy="3878280"/>
           </a:xfrm>
           <a:prstGeom prst="rect">
             <a:avLst/>
@@ -11651,7 +11651,7 @@
         <p:spPr>
           <a:xfrm>
             <a:off x="335520" y="764640"/>
-            <a:ext cx="10743120" cy="493920"/>
+            <a:ext cx="10742760" cy="493560"/>
           </a:xfrm>
           <a:prstGeom prst="rect">
             <a:avLst/>
@@ -11705,7 +11705,7 @@
         <p:spPr>
           <a:xfrm>
             <a:off x="4655880" y="476640"/>
-            <a:ext cx="2429280" cy="355320"/>
+            <a:ext cx="2428920" cy="354960"/>
           </a:xfrm>
           <a:prstGeom prst="rect">
             <a:avLst/>
@@ -11750,7 +11750,7 @@
         <p:spPr>
           <a:xfrm>
             <a:off x="494640" y="1474920"/>
-            <a:ext cx="10361880" cy="477000"/>
+            <a:ext cx="10361520" cy="476640"/>
           </a:xfrm>
           <a:prstGeom prst="rect">
             <a:avLst/>
@@ -11819,7 +11819,7 @@
         <p:spPr>
           <a:xfrm>
             <a:off x="446400" y="2185200"/>
-            <a:ext cx="9401760" cy="3844800"/>
+            <a:ext cx="9401400" cy="3844440"/>
           </a:xfrm>
           <a:prstGeom prst="rect">
             <a:avLst/>
@@ -11868,7 +11868,7 @@
         <p:spPr>
           <a:xfrm>
             <a:off x="335520" y="764640"/>
-            <a:ext cx="10743120" cy="493920"/>
+            <a:ext cx="10742760" cy="493560"/>
           </a:xfrm>
           <a:prstGeom prst="rect">
             <a:avLst/>
@@ -11922,7 +11922,7 @@
         <p:spPr>
           <a:xfrm>
             <a:off x="4655880" y="476640"/>
-            <a:ext cx="2429280" cy="355320"/>
+            <a:ext cx="2428920" cy="354960"/>
           </a:xfrm>
           <a:prstGeom prst="rect">
             <a:avLst/>
@@ -11967,7 +11967,7 @@
         <p:spPr>
           <a:xfrm>
             <a:off x="494640" y="1523880"/>
-            <a:ext cx="10361880" cy="477000"/>
+            <a:ext cx="10361520" cy="476640"/>
           </a:xfrm>
           <a:prstGeom prst="rect">
             <a:avLst/>
@@ -12026,7 +12026,7 @@
         <p:spPr>
           <a:xfrm>
             <a:off x="494640" y="2088360"/>
-            <a:ext cx="8939520" cy="3961080"/>
+            <a:ext cx="8939160" cy="3960720"/>
           </a:xfrm>
           <a:prstGeom prst="rect">
             <a:avLst/>
@@ -12075,7 +12075,7 @@
         <p:spPr>
           <a:xfrm>
             <a:off x="335520" y="764640"/>
-            <a:ext cx="10743120" cy="493920"/>
+            <a:ext cx="10742760" cy="493560"/>
           </a:xfrm>
           <a:prstGeom prst="rect">
             <a:avLst/>
@@ -12129,7 +12129,7 @@
         <p:spPr>
           <a:xfrm>
             <a:off x="4655880" y="476640"/>
-            <a:ext cx="2429280" cy="355320"/>
+            <a:ext cx="2428920" cy="354960"/>
           </a:xfrm>
           <a:prstGeom prst="rect">
             <a:avLst/>
@@ -12174,7 +12174,7 @@
         <p:spPr>
           <a:xfrm>
             <a:off x="494640" y="1523880"/>
-            <a:ext cx="10361880" cy="477000"/>
+            <a:ext cx="10361520" cy="476640"/>
           </a:xfrm>
           <a:prstGeom prst="rect">
             <a:avLst/>
@@ -12233,7 +12233,7 @@
         <p:spPr>
           <a:xfrm>
             <a:off x="494640" y="2166840"/>
-            <a:ext cx="8335080" cy="4176360"/>
+            <a:ext cx="8334720" cy="4176000"/>
           </a:xfrm>
           <a:prstGeom prst="rect">
             <a:avLst/>
@@ -12282,7 +12282,7 @@
         <p:spPr>
           <a:xfrm>
             <a:off x="335520" y="768240"/>
-            <a:ext cx="10743120" cy="493920"/>
+            <a:ext cx="10742760" cy="493560"/>
           </a:xfrm>
           <a:prstGeom prst="rect">
             <a:avLst/>
@@ -12336,7 +12336,7 @@
         <p:spPr>
           <a:xfrm>
             <a:off x="388800" y="1488600"/>
-            <a:ext cx="10716840" cy="5204520"/>
+            <a:ext cx="10716480" cy="5204520"/>
           </a:xfrm>
           <a:prstGeom prst="rect">
             <a:avLst/>
@@ -13046,7 +13046,7 @@
         <p:spPr>
           <a:xfrm>
             <a:off x="335520" y="764640"/>
-            <a:ext cx="10743120" cy="493920"/>
+            <a:ext cx="10742760" cy="493560"/>
           </a:xfrm>
           <a:prstGeom prst="rect">
             <a:avLst/>
@@ -13100,7 +13100,7 @@
         <p:spPr>
           <a:xfrm>
             <a:off x="494640" y="1523880"/>
-            <a:ext cx="10361880" cy="477000"/>
+            <a:ext cx="10361520" cy="476640"/>
           </a:xfrm>
           <a:prstGeom prst="rect">
             <a:avLst/>
@@ -13207,7 +13207,7 @@
         <p:spPr>
           <a:xfrm>
             <a:off x="1895760" y="2238840"/>
-            <a:ext cx="6784200" cy="4155120"/>
+            <a:ext cx="6783840" cy="4154760"/>
           </a:xfrm>
           <a:prstGeom prst="rect">
             <a:avLst/>
@@ -13256,7 +13256,7 @@
         <p:spPr>
           <a:xfrm>
             <a:off x="335520" y="764640"/>
-            <a:ext cx="10743120" cy="493920"/>
+            <a:ext cx="10742760" cy="493560"/>
           </a:xfrm>
           <a:prstGeom prst="rect">
             <a:avLst/>
@@ -13310,7 +13310,7 @@
         <p:spPr>
           <a:xfrm>
             <a:off x="494640" y="1488600"/>
-            <a:ext cx="5444640" cy="441720"/>
+            <a:ext cx="5444280" cy="441360"/>
           </a:xfrm>
           <a:prstGeom prst="rect">
             <a:avLst/>
@@ -13379,7 +13379,7 @@
         <p:spPr>
           <a:xfrm>
             <a:off x="1828800" y="1937160"/>
-            <a:ext cx="7951680" cy="4086000"/>
+            <a:ext cx="7951320" cy="4085640"/>
           </a:xfrm>
           <a:prstGeom prst="rect">
             <a:avLst/>
@@ -13428,7 +13428,7 @@
         <p:spPr>
           <a:xfrm>
             <a:off x="335520" y="764640"/>
-            <a:ext cx="10743120" cy="493920"/>
+            <a:ext cx="10742760" cy="493560"/>
           </a:xfrm>
           <a:prstGeom prst="rect">
             <a:avLst/>
@@ -13486,7 +13486,7 @@
         <p:spPr>
           <a:xfrm>
             <a:off x="2679480" y="2130480"/>
-            <a:ext cx="7372080" cy="3483000"/>
+            <a:ext cx="7371720" cy="3482640"/>
           </a:xfrm>
           <a:prstGeom prst="rect">
             <a:avLst/>
@@ -13505,7 +13505,7 @@
         <p:spPr>
           <a:xfrm>
             <a:off x="494640" y="1418040"/>
-            <a:ext cx="5216040" cy="441720"/>
+            <a:ext cx="5215680" cy="441360"/>
           </a:xfrm>
           <a:prstGeom prst="rect">
             <a:avLst/>
@@ -13593,7 +13593,7 @@
         <p:spPr>
           <a:xfrm>
             <a:off x="685800" y="2514600"/>
-            <a:ext cx="8870040" cy="3836520"/>
+            <a:ext cx="8869680" cy="3836160"/>
           </a:xfrm>
           <a:prstGeom prst="rect">
             <a:avLst/>
@@ -13612,7 +13612,7 @@
         <p:spPr>
           <a:xfrm>
             <a:off x="335520" y="764640"/>
-            <a:ext cx="10743120" cy="493920"/>
+            <a:ext cx="10742760" cy="493560"/>
           </a:xfrm>
           <a:prstGeom prst="rect">
             <a:avLst/>
@@ -13666,7 +13666,7 @@
         <p:spPr>
           <a:xfrm>
             <a:off x="494640" y="1312200"/>
-            <a:ext cx="1733040" cy="364320"/>
+            <a:ext cx="1732680" cy="363960"/>
           </a:xfrm>
           <a:prstGeom prst="rect">
             <a:avLst/>
@@ -13893,7 +13893,7 @@
         <p:spPr>
           <a:xfrm>
             <a:off x="642600" y="1679400"/>
-            <a:ext cx="4399920" cy="638280"/>
+            <a:ext cx="4399560" cy="638280"/>
           </a:xfrm>
           <a:prstGeom prst="rect">
             <a:avLst/>
@@ -13970,7 +13970,7 @@
         <p:spPr>
           <a:xfrm>
             <a:off x="6549480" y="1679400"/>
-            <a:ext cx="4873680" cy="630360"/>
+            <a:ext cx="4873320" cy="630000"/>
           </a:xfrm>
           <a:prstGeom prst="rect">
             <a:avLst/>
@@ -14047,7 +14047,7 @@
         <p:spPr>
           <a:xfrm>
             <a:off x="7839360" y="1679400"/>
-            <a:ext cx="2615040" cy="427680"/>
+            <a:ext cx="2614680" cy="427320"/>
           </a:xfrm>
           <a:prstGeom prst="rect">
             <a:avLst/>
@@ -14104,7 +14104,7 @@
         <p:spPr>
           <a:xfrm>
             <a:off x="8857440" y="3943440"/>
-            <a:ext cx="279720" cy="363960"/>
+            <a:ext cx="279360" cy="363960"/>
           </a:xfrm>
           <a:prstGeom prst="rect">
             <a:avLst/>
@@ -14158,7 +14158,7 @@
         <p:spPr>
           <a:xfrm>
             <a:off x="9537840" y="4548960"/>
-            <a:ext cx="279720" cy="363960"/>
+            <a:ext cx="279360" cy="363960"/>
           </a:xfrm>
           <a:prstGeom prst="rect">
             <a:avLst/>
@@ -14212,7 +14212,7 @@
         <p:spPr>
           <a:xfrm>
             <a:off x="7279920" y="6101280"/>
-            <a:ext cx="280080" cy="363960"/>
+            <a:ext cx="279720" cy="363960"/>
           </a:xfrm>
           <a:prstGeom prst="rect">
             <a:avLst/>
@@ -14315,7 +14315,7 @@
         <p:spPr>
           <a:xfrm>
             <a:off x="1058760" y="6130800"/>
-            <a:ext cx="280080" cy="363960"/>
+            <a:ext cx="279720" cy="363960"/>
           </a:xfrm>
           <a:prstGeom prst="rect">
             <a:avLst/>
@@ -14399,7 +14399,7 @@
         <p:spPr>
           <a:xfrm>
             <a:off x="335520" y="764640"/>
-            <a:ext cx="10743120" cy="493920"/>
+            <a:ext cx="10742760" cy="493560"/>
           </a:xfrm>
           <a:prstGeom prst="rect">
             <a:avLst/>
@@ -14457,7 +14457,7 @@
         <p:spPr>
           <a:xfrm>
             <a:off x="2394720" y="1153800"/>
-            <a:ext cx="1465920" cy="2167200"/>
+            <a:ext cx="1465560" cy="2166840"/>
           </a:xfrm>
           <a:prstGeom prst="rect">
             <a:avLst/>
@@ -14480,7 +14480,7 @@
         <p:spPr>
           <a:xfrm>
             <a:off x="7250040" y="1153800"/>
-            <a:ext cx="1731240" cy="2167200"/>
+            <a:ext cx="1730880" cy="2166840"/>
           </a:xfrm>
           <a:prstGeom prst="rect">
             <a:avLst/>
@@ -14503,7 +14503,7 @@
         <p:spPr>
           <a:xfrm>
             <a:off x="2207880" y="4110120"/>
-            <a:ext cx="1779840" cy="1771920"/>
+            <a:ext cx="1779480" cy="1771560"/>
           </a:xfrm>
           <a:prstGeom prst="rect">
             <a:avLst/>
@@ -14522,7 +14522,7 @@
         <p:spPr>
           <a:xfrm>
             <a:off x="1330200" y="3269880"/>
-            <a:ext cx="3630600" cy="672120"/>
+            <a:ext cx="3630240" cy="671760"/>
           </a:xfrm>
           <a:prstGeom prst="rect">
             <a:avLst/>
@@ -14579,7 +14579,7 @@
         <p:spPr>
           <a:xfrm>
             <a:off x="6321600" y="3269880"/>
-            <a:ext cx="3630600" cy="672120"/>
+            <a:ext cx="3630240" cy="671760"/>
           </a:xfrm>
           <a:prstGeom prst="rect">
             <a:avLst/>
@@ -14636,7 +14636,7 @@
         <p:spPr>
           <a:xfrm>
             <a:off x="1312200" y="5920200"/>
-            <a:ext cx="3630600" cy="672120"/>
+            <a:ext cx="3630240" cy="671760"/>
           </a:xfrm>
           <a:prstGeom prst="rect">
             <a:avLst/>
@@ -14699,7 +14699,7 @@
         <p:spPr>
           <a:xfrm>
             <a:off x="1312200" y="5807160"/>
-            <a:ext cx="3630600" cy="672120"/>
+            <a:ext cx="3630240" cy="671760"/>
           </a:xfrm>
           <a:prstGeom prst="rect">
             <a:avLst/>
@@ -14756,7 +14756,7 @@
         <p:spPr>
           <a:xfrm>
             <a:off x="4860000" y="5920200"/>
-            <a:ext cx="3630600" cy="672120"/>
+            <a:ext cx="3630240" cy="671760"/>
           </a:xfrm>
           <a:prstGeom prst="rect">
             <a:avLst/>
@@ -14801,7 +14801,7 @@
         <p:spPr>
           <a:xfrm>
             <a:off x="6300000" y="5807160"/>
-            <a:ext cx="3630600" cy="672120"/>
+            <a:ext cx="3630240" cy="671760"/>
           </a:xfrm>
           <a:prstGeom prst="rect">
             <a:avLst/>
@@ -14863,7 +14863,7 @@
         <p:spPr>
           <a:xfrm>
             <a:off x="7380000" y="3960000"/>
-            <a:ext cx="1439280" cy="1923120"/>
+            <a:ext cx="1438920" cy="1922760"/>
           </a:xfrm>
           <a:prstGeom prst="rect">
             <a:avLst/>
@@ -14912,7 +14912,7 @@
         <p:spPr>
           <a:xfrm>
             <a:off x="335520" y="764640"/>
-            <a:ext cx="10743120" cy="493920"/>
+            <a:ext cx="10742760" cy="493560"/>
           </a:xfrm>
           <a:prstGeom prst="rect">
             <a:avLst/>
@@ -14966,7 +14966,7 @@
         <p:spPr>
           <a:xfrm>
             <a:off x="335520" y="1268640"/>
-            <a:ext cx="10743120" cy="5030640"/>
+            <a:ext cx="10742760" cy="5030280"/>
           </a:xfrm>
           <a:prstGeom prst="rect">
             <a:avLst/>
@@ -15351,7 +15351,7 @@
         <p:spPr>
           <a:xfrm>
             <a:off x="335520" y="764640"/>
-            <a:ext cx="10741320" cy="492120"/>
+            <a:ext cx="10740960" cy="491760"/>
           </a:xfrm>
           <a:prstGeom prst="rect">
             <a:avLst/>
@@ -15405,7 +15405,7 @@
         <p:spPr>
           <a:xfrm>
             <a:off x="335520" y="1268280"/>
-            <a:ext cx="10741320" cy="5028840"/>
+            <a:ext cx="10740960" cy="5028480"/>
           </a:xfrm>
           <a:prstGeom prst="rect">
             <a:avLst/>
@@ -15501,7 +15501,7 @@
         <p:spPr>
           <a:xfrm>
             <a:off x="6285600" y="2132640"/>
-            <a:ext cx="510840" cy="490680"/>
+            <a:ext cx="510480" cy="490320"/>
           </a:xfrm>
           <a:prstGeom prst="star5">
             <a:avLst>
@@ -15562,7 +15562,7 @@
         <p:spPr>
           <a:xfrm>
             <a:off x="4089960" y="2247480"/>
-            <a:ext cx="2279160" cy="363960"/>
+            <a:ext cx="2278800" cy="363960"/>
           </a:xfrm>
           <a:prstGeom prst="rect">
             <a:avLst/>
@@ -15666,7 +15666,7 @@
         <p:spPr>
           <a:xfrm>
             <a:off x="335520" y="764640"/>
-            <a:ext cx="10741320" cy="492120"/>
+            <a:ext cx="10740960" cy="491760"/>
           </a:xfrm>
           <a:prstGeom prst="rect">
             <a:avLst/>
@@ -15720,7 +15720,7 @@
         <p:spPr>
           <a:xfrm>
             <a:off x="335520" y="1268640"/>
-            <a:ext cx="10741320" cy="5028840"/>
+            <a:ext cx="10740960" cy="5028480"/>
           </a:xfrm>
           <a:prstGeom prst="rect">
             <a:avLst/>
@@ -16161,7 +16161,7 @@
         <p:spPr>
           <a:xfrm>
             <a:off x="335520" y="764640"/>
-            <a:ext cx="10744560" cy="495360"/>
+            <a:ext cx="10744200" cy="495000"/>
           </a:xfrm>
           <a:prstGeom prst="rect">
             <a:avLst/>
@@ -16215,7 +16215,7 @@
         <p:spPr>
           <a:xfrm>
             <a:off x="335520" y="1268640"/>
-            <a:ext cx="10744560" cy="5032080"/>
+            <a:ext cx="10744200" cy="5031720"/>
           </a:xfrm>
           <a:prstGeom prst="rect">
             <a:avLst/>
@@ -16432,7 +16432,7 @@
         <p:spPr>
           <a:xfrm>
             <a:off x="335520" y="764640"/>
-            <a:ext cx="10743120" cy="493920"/>
+            <a:ext cx="10742760" cy="493560"/>
           </a:xfrm>
           <a:prstGeom prst="rect">
             <a:avLst/>
@@ -16486,7 +16486,7 @@
         <p:spPr>
           <a:xfrm>
             <a:off x="335520" y="1268640"/>
-            <a:ext cx="10743120" cy="5030640"/>
+            <a:ext cx="10742760" cy="5030280"/>
           </a:xfrm>
           <a:prstGeom prst="rect">
             <a:avLst/>
@@ -16971,7 +16971,7 @@
         <p:spPr>
           <a:xfrm>
             <a:off x="335520" y="764640"/>
-            <a:ext cx="10741320" cy="492120"/>
+            <a:ext cx="10740960" cy="491760"/>
           </a:xfrm>
           <a:prstGeom prst="rect">
             <a:avLst/>
@@ -17025,7 +17025,7 @@
         <p:spPr>
           <a:xfrm>
             <a:off x="335520" y="1268640"/>
-            <a:ext cx="10741320" cy="5028840"/>
+            <a:ext cx="10740960" cy="5028480"/>
           </a:xfrm>
           <a:prstGeom prst="rect">
             <a:avLst/>
@@ -17419,7 +17419,7 @@
         <p:spPr>
           <a:xfrm>
             <a:off x="335520" y="1268640"/>
-            <a:ext cx="10743120" cy="5030640"/>
+            <a:ext cx="10742760" cy="5030280"/>
           </a:xfrm>
           <a:prstGeom prst="rect">
             <a:avLst/>
@@ -17479,7 +17479,7 @@
         <p:spPr>
           <a:xfrm>
             <a:off x="335520" y="764640"/>
-            <a:ext cx="10743120" cy="493920"/>
+            <a:ext cx="10742760" cy="493560"/>
           </a:xfrm>
           <a:prstGeom prst="rect">
             <a:avLst/>
@@ -17554,7 +17554,7 @@
         <p:spPr>
           <a:xfrm>
             <a:off x="542880" y="721800"/>
-            <a:ext cx="10347480" cy="488160"/>
+            <a:ext cx="10347120" cy="487800"/>
           </a:xfrm>
           <a:prstGeom prst="rect">
             <a:avLst/>
@@ -17608,7 +17608,7 @@
         <p:spPr>
           <a:xfrm>
             <a:off x="451800" y="1709280"/>
-            <a:ext cx="8214840" cy="4343040"/>
+            <a:ext cx="8214480" cy="4342680"/>
           </a:xfrm>
           <a:prstGeom prst="rect">
             <a:avLst/>
@@ -17653,7 +17653,7 @@
         <p:spPr>
           <a:xfrm>
             <a:off x="609480" y="1769400"/>
-            <a:ext cx="10577880" cy="4845960"/>
+            <a:ext cx="10577520" cy="4845600"/>
           </a:xfrm>
           <a:prstGeom prst="rect">
             <a:avLst/>
@@ -18082,7 +18082,7 @@
         <p:spPr>
           <a:xfrm>
             <a:off x="542880" y="721800"/>
-            <a:ext cx="10347480" cy="488160"/>
+            <a:ext cx="10347120" cy="487800"/>
           </a:xfrm>
           <a:prstGeom prst="rect">
             <a:avLst/>
@@ -18136,7 +18136,7 @@
         <p:spPr>
           <a:xfrm>
             <a:off x="451800" y="1709280"/>
-            <a:ext cx="8214840" cy="4343040"/>
+            <a:ext cx="8214480" cy="4342680"/>
           </a:xfrm>
           <a:prstGeom prst="rect">
             <a:avLst/>
@@ -18181,7 +18181,7 @@
         <p:spPr>
           <a:xfrm>
             <a:off x="609480" y="1769400"/>
-            <a:ext cx="10577880" cy="4845960"/>
+            <a:ext cx="10577520" cy="4845600"/>
           </a:xfrm>
           <a:prstGeom prst="rect">
             <a:avLst/>
@@ -18612,7 +18612,7 @@
         <p:spPr>
           <a:xfrm>
             <a:off x="542880" y="721800"/>
-            <a:ext cx="10347480" cy="488160"/>
+            <a:ext cx="10347120" cy="487800"/>
           </a:xfrm>
           <a:prstGeom prst="rect">
             <a:avLst/>
@@ -18666,7 +18666,7 @@
         <p:spPr>
           <a:xfrm>
             <a:off x="451800" y="1709280"/>
-            <a:ext cx="8214840" cy="4343040"/>
+            <a:ext cx="8214480" cy="4342680"/>
           </a:xfrm>
           <a:prstGeom prst="rect">
             <a:avLst/>
@@ -18711,7 +18711,7 @@
         <p:spPr>
           <a:xfrm>
             <a:off x="609480" y="1769400"/>
-            <a:ext cx="10577880" cy="4845960"/>
+            <a:ext cx="10577520" cy="4845600"/>
           </a:xfrm>
           <a:prstGeom prst="rect">
             <a:avLst/>
@@ -19142,7 +19142,7 @@
         <p:spPr>
           <a:xfrm>
             <a:off x="335520" y="764640"/>
-            <a:ext cx="10743120" cy="493920"/>
+            <a:ext cx="10742760" cy="493560"/>
           </a:xfrm>
           <a:prstGeom prst="rect">
             <a:avLst/>
@@ -19196,7 +19196,7 @@
         <p:spPr>
           <a:xfrm>
             <a:off x="335520" y="2408400"/>
-            <a:ext cx="10743120" cy="3890880"/>
+            <a:ext cx="10742760" cy="3890520"/>
           </a:xfrm>
           <a:prstGeom prst="rect">
             <a:avLst/>
@@ -19289,7 +19289,7 @@
         <p:spPr>
           <a:xfrm>
             <a:off x="335520" y="764640"/>
-            <a:ext cx="10743120" cy="493920"/>
+            <a:ext cx="10742760" cy="493560"/>
           </a:xfrm>
           <a:prstGeom prst="rect">
             <a:avLst/>
@@ -19343,7 +19343,7 @@
         <p:spPr>
           <a:xfrm>
             <a:off x="335520" y="2408400"/>
-            <a:ext cx="10743120" cy="3890880"/>
+            <a:ext cx="10742760" cy="3890520"/>
           </a:xfrm>
           <a:prstGeom prst="rect">
             <a:avLst/>
@@ -19468,7 +19468,7 @@
         <p:spPr>
           <a:xfrm>
             <a:off x="335520" y="764640"/>
-            <a:ext cx="10743120" cy="493920"/>
+            <a:ext cx="10742760" cy="493560"/>
           </a:xfrm>
           <a:prstGeom prst="rect">
             <a:avLst/>
@@ -19522,7 +19522,7 @@
         <p:spPr>
           <a:xfrm>
             <a:off x="335520" y="2408400"/>
-            <a:ext cx="10743120" cy="3890880"/>
+            <a:ext cx="10742760" cy="3890520"/>
           </a:xfrm>
           <a:prstGeom prst="rect">
             <a:avLst/>

--- a/Emerging-Technologies-for-the-Circular-Economy/ETCE-L00-Organization.pptx
+++ b/Emerging-Technologies-for-the-Circular-Economy/ETCE-L00-Organization.pptx
@@ -80,8 +80,8 @@
         </p:nvSpPr>
         <p:spPr>
           <a:xfrm>
-            <a:off x="216000" y="812520"/>
-            <a:ext cx="7127280" cy="4008960"/>
+            <a:off x="533520" y="764280"/>
+            <a:ext cx="6704640" cy="3771360"/>
           </a:xfrm>
           <a:prstGeom prst="rect">
             <a:avLst/>
@@ -98,7 +98,7 @@
           <a:p>
             <a:pPr algn="ctr"/>
             <a:r>
-              <a:rPr b="0" lang="en-GB" sz="4400" spc="-1" strike="noStrike">
+              <a:rPr b="0" lang="en-US" sz="4400" spc="-1" strike="noStrike">
                 <a:solidFill>
                   <a:srgbClr val="000000"/>
                 </a:solidFill>
@@ -106,7 +106,7 @@
               </a:rPr>
               <a:t>Click to move the slide</a:t>
             </a:r>
-            <a:endParaRPr b="0" lang="en-GB" sz="4400" spc="-1" strike="noStrike">
+            <a:endParaRPr b="0" lang="en-US" sz="4400" spc="-1" strike="noStrike">
               <a:solidFill>
                 <a:srgbClr val="000000"/>
               </a:solidFill>
@@ -127,8 +127,8 @@
         </p:nvSpPr>
         <p:spPr>
           <a:xfrm>
-            <a:off x="756000" y="5078520"/>
-            <a:ext cx="6047640" cy="4811040"/>
+            <a:off x="777240" y="4777560"/>
+            <a:ext cx="6217560" cy="4525920"/>
           </a:xfrm>
           <a:prstGeom prst="rect">
             <a:avLst/>
@@ -147,15 +147,15 @@
               <a:buNone/>
             </a:pPr>
             <a:r>
-              <a:rPr b="0" lang="en-GB" sz="2000" spc="-1" strike="noStrike">
+              <a:rPr b="0" lang="en-US" sz="2000" spc="-1" strike="noStrike">
                 <a:solidFill>
                   <a:srgbClr val="000000"/>
                 </a:solidFill>
                 <a:latin typeface="Arial"/>
               </a:rPr>
-              <a:t>Click to edit the notes' format</a:t>
-            </a:r>
-            <a:endParaRPr b="0" lang="en-GB" sz="2000" spc="-1" strike="noStrike">
+              <a:t>Click to edit the notes format</a:t>
+            </a:r>
+            <a:endParaRPr b="0" lang="en-US" sz="2000" spc="-1" strike="noStrike">
               <a:solidFill>
                 <a:srgbClr val="000000"/>
               </a:solidFill>
@@ -177,7 +177,7 @@
         <p:spPr>
           <a:xfrm>
             <a:off x="0" y="0"/>
-            <a:ext cx="3280680" cy="534240"/>
+            <a:ext cx="3372840" cy="502560"/>
           </a:xfrm>
           <a:prstGeom prst="rect">
             <a:avLst/>
@@ -196,7 +196,7 @@
               <a:buNone/>
             </a:pPr>
             <a:r>
-              <a:rPr b="0" lang="en-GB" sz="1400" spc="-1" strike="noStrike">
+              <a:rPr b="0" lang="en-US" sz="1400" spc="-1" strike="noStrike">
                 <a:solidFill>
                   <a:srgbClr val="000000"/>
                 </a:solidFill>
@@ -204,7 +204,7 @@
               </a:rPr>
               <a:t>&lt;header&gt;</a:t>
             </a:r>
-            <a:endParaRPr b="0" lang="en-GB" sz="1400" spc="-1" strike="noStrike">
+            <a:endParaRPr b="0" lang="en-US" sz="1400" spc="-1" strike="noStrike">
               <a:solidFill>
                 <a:srgbClr val="000000"/>
               </a:solidFill>
@@ -225,8 +225,8 @@
         </p:nvSpPr>
         <p:spPr>
           <a:xfrm>
-            <a:off x="4278960" y="0"/>
-            <a:ext cx="3280680" cy="534240"/>
+            <a:off x="4399200" y="0"/>
+            <a:ext cx="3372840" cy="502560"/>
           </a:xfrm>
           <a:prstGeom prst="rect">
             <a:avLst/>
@@ -243,7 +243,7 @@
           <a:lstStyle>
             <a:lvl1pPr indent="0" algn="r">
               <a:buNone/>
-              <a:defRPr b="0" lang="en-GB" sz="1400" spc="-1" strike="noStrike">
+              <a:defRPr b="0" lang="en-US" sz="1400" spc="-1" strike="noStrike">
                 <a:solidFill>
                   <a:srgbClr val="000000"/>
                 </a:solidFill>
@@ -256,7 +256,7 @@
               <a:buNone/>
             </a:pPr>
             <a:r>
-              <a:rPr b="0" lang="en-GB" sz="1400" spc="-1" strike="noStrike">
+              <a:rPr b="0" lang="en-US" sz="1400" spc="-1" strike="noStrike">
                 <a:solidFill>
                   <a:srgbClr val="000000"/>
                 </a:solidFill>
@@ -264,7 +264,7 @@
               </a:rPr>
               <a:t>&lt;date/time&gt;</a:t>
             </a:r>
-            <a:endParaRPr b="0" lang="en-GB" sz="1400" spc="-1" strike="noStrike">
+            <a:endParaRPr b="0" lang="en-US" sz="1400" spc="-1" strike="noStrike">
               <a:solidFill>
                 <a:srgbClr val="000000"/>
               </a:solidFill>
@@ -285,8 +285,8 @@
         </p:nvSpPr>
         <p:spPr>
           <a:xfrm>
-            <a:off x="0" y="10157400"/>
-            <a:ext cx="3280680" cy="534240"/>
+            <a:off x="0" y="9555480"/>
+            <a:ext cx="3372840" cy="502560"/>
           </a:xfrm>
           <a:prstGeom prst="rect">
             <a:avLst/>
@@ -303,7 +303,7 @@
           <a:lstStyle>
             <a:lvl1pPr indent="0">
               <a:buNone/>
-              <a:defRPr b="0" lang="en-GB" sz="1400" spc="-1" strike="noStrike">
+              <a:defRPr b="0" lang="en-US" sz="1400" spc="-1" strike="noStrike">
                 <a:solidFill>
                   <a:srgbClr val="000000"/>
                 </a:solidFill>
@@ -316,7 +316,7 @@
               <a:buNone/>
             </a:pPr>
             <a:r>
-              <a:rPr b="0" lang="en-GB" sz="1400" spc="-1" strike="noStrike">
+              <a:rPr b="0" lang="en-US" sz="1400" spc="-1" strike="noStrike">
                 <a:solidFill>
                   <a:srgbClr val="000000"/>
                 </a:solidFill>
@@ -324,7 +324,7 @@
               </a:rPr>
               <a:t>&lt;footer&gt;</a:t>
             </a:r>
-            <a:endParaRPr b="0" lang="en-GB" sz="1400" spc="-1" strike="noStrike">
+            <a:endParaRPr b="0" lang="en-US" sz="1400" spc="-1" strike="noStrike">
               <a:solidFill>
                 <a:srgbClr val="000000"/>
               </a:solidFill>
@@ -345,8 +345,8 @@
         </p:nvSpPr>
         <p:spPr>
           <a:xfrm>
-            <a:off x="4278960" y="10157400"/>
-            <a:ext cx="3280680" cy="534240"/>
+            <a:off x="4399200" y="9555480"/>
+            <a:ext cx="3372840" cy="502560"/>
           </a:xfrm>
           <a:prstGeom prst="rect">
             <a:avLst/>
@@ -363,7 +363,7 @@
           <a:lstStyle>
             <a:lvl1pPr indent="0" algn="r">
               <a:buNone/>
-              <a:defRPr b="0" lang="en-GB" sz="1400" spc="-1" strike="noStrike">
+              <a:defRPr b="0" lang="en-US" sz="1400" spc="-1" strike="noStrike">
                 <a:solidFill>
                   <a:srgbClr val="000000"/>
                 </a:solidFill>
@@ -375,8 +375,8 @@
             <a:pPr indent="0" algn="r">
               <a:buNone/>
             </a:pPr>
-            <a:fld id="{D72ABDFB-0420-4E0E-8B3D-8043148A2448}" type="slidenum">
-              <a:rPr b="0" lang="en-GB" sz="1400" spc="-1" strike="noStrike">
+            <a:fld id="{B174004A-58BD-45A6-B196-B13F68287390}" type="slidenum">
+              <a:rPr b="0" lang="en-US" sz="1400" spc="-1" strike="noStrike">
                 <a:solidFill>
                   <a:srgbClr val="000000"/>
                 </a:solidFill>
@@ -384,7 +384,7 @@
               </a:rPr>
               <a:t>&lt;number&gt;</a:t>
             </a:fld>
-            <a:endParaRPr b="0" lang="en-GB" sz="1400" spc="-1" strike="noStrike">
+            <a:endParaRPr b="0" lang="en-US" sz="1400" spc="-1" strike="noStrike">
               <a:solidFill>
                 <a:srgbClr val="000000"/>
               </a:solidFill>
@@ -429,7 +429,7 @@
         <p:spPr>
           <a:xfrm>
             <a:off x="533520" y="763560"/>
-            <a:ext cx="6690240" cy="3758400"/>
+            <a:ext cx="6689880" cy="3758040"/>
           </a:xfrm>
           <a:prstGeom prst="rect">
             <a:avLst/>
@@ -452,7 +452,7 @@
         <p:spPr>
           <a:xfrm>
             <a:off x="777240" y="4777560"/>
-            <a:ext cx="6203880" cy="4512240"/>
+            <a:ext cx="6203520" cy="4511880"/>
           </a:xfrm>
           <a:prstGeom prst="rect">
             <a:avLst/>
@@ -470,7 +470,7 @@
             <a:pPr marL="216000" indent="0">
               <a:buNone/>
             </a:pPr>
-            <a:endParaRPr b="0" lang="en-GB" sz="1800" spc="-1" strike="noStrike">
+            <a:endParaRPr b="0" lang="en-US" sz="1800" spc="-1" strike="noStrike">
               <a:solidFill>
                 <a:srgbClr val="000000"/>
               </a:solidFill>
@@ -488,7 +488,7 @@
         <p:spPr>
           <a:xfrm>
             <a:off x="4399200" y="9555480"/>
-            <a:ext cx="3359160" cy="488880"/>
+            <a:ext cx="3358800" cy="488520"/>
           </a:xfrm>
           <a:prstGeom prst="rect">
             <a:avLst/>
@@ -514,7 +514,7 @@
                 <a:spcPct val="100000"/>
               </a:lnSpc>
             </a:pPr>
-            <a:fld id="{07548FD9-D6AD-4EF8-931B-C6F0429438E9}" type="slidenum">
+            <a:fld id="{814519D5-9B74-4FD5-A1AB-84C4C67BED41}" type="slidenum">
               <a:rPr b="0" lang="de-DE" sz="1800" spc="-1" strike="noStrike">
                 <a:solidFill>
                   <a:srgbClr val="000000"/>
@@ -522,9 +522,9 @@
                 <a:latin typeface="+mn-lt"/>
                 <a:ea typeface="+mn-ea"/>
               </a:rPr>
-              <a:t>6</a:t>
+              <a:t>&lt;number&gt;</a:t>
             </a:fld>
-            <a:endParaRPr b="0" lang="en-GB" sz="1800" spc="-1" strike="noStrike">
+            <a:endParaRPr b="0" lang="en-US" sz="1800" spc="-1" strike="noStrike">
               <a:solidFill>
                 <a:srgbClr val="000000"/>
               </a:solidFill>
@@ -568,7 +568,7 @@
         <p:spPr>
           <a:xfrm>
             <a:off x="533520" y="763560"/>
-            <a:ext cx="6690240" cy="3758400"/>
+            <a:ext cx="6689880" cy="3758040"/>
           </a:xfrm>
           <a:prstGeom prst="rect">
             <a:avLst/>
@@ -591,7 +591,7 @@
         <p:spPr>
           <a:xfrm>
             <a:off x="777240" y="4777560"/>
-            <a:ext cx="6203880" cy="4512240"/>
+            <a:ext cx="6203520" cy="4511880"/>
           </a:xfrm>
           <a:prstGeom prst="rect">
             <a:avLst/>
@@ -609,7 +609,7 @@
             <a:pPr marL="216000" indent="0">
               <a:buNone/>
             </a:pPr>
-            <a:endParaRPr b="0" lang="en-GB" sz="1800" spc="-1" strike="noStrike">
+            <a:endParaRPr b="0" lang="en-US" sz="1800" spc="-1" strike="noStrike">
               <a:solidFill>
                 <a:srgbClr val="000000"/>
               </a:solidFill>
@@ -627,7 +627,7 @@
         <p:spPr>
           <a:xfrm>
             <a:off x="4399200" y="9555480"/>
-            <a:ext cx="3359160" cy="488880"/>
+            <a:ext cx="3358800" cy="488520"/>
           </a:xfrm>
           <a:prstGeom prst="rect">
             <a:avLst/>
@@ -653,7 +653,7 @@
                 <a:spcPct val="100000"/>
               </a:lnSpc>
             </a:pPr>
-            <a:fld id="{40D57CED-B8D9-4E69-BD00-AB12A2032813}" type="slidenum">
+            <a:fld id="{F8C5B7AF-67F6-4715-BB35-D3B88C8F8166}" type="slidenum">
               <a:rPr b="0" lang="de-DE" sz="1800" spc="-1" strike="noStrike">
                 <a:solidFill>
                   <a:srgbClr val="000000"/>
@@ -663,7 +663,7 @@
               </a:rPr>
               <a:t>&lt;number&gt;</a:t>
             </a:fld>
-            <a:endParaRPr b="0" lang="en-GB" sz="1800" spc="-1" strike="noStrike">
+            <a:endParaRPr b="0" lang="en-US" sz="1800" spc="-1" strike="noStrike">
               <a:solidFill>
                 <a:srgbClr val="000000"/>
               </a:solidFill>
@@ -707,7 +707,7 @@
         <p:spPr>
           <a:xfrm>
             <a:off x="533520" y="763560"/>
-            <a:ext cx="6690240" cy="3758400"/>
+            <a:ext cx="6689880" cy="3758040"/>
           </a:xfrm>
           <a:prstGeom prst="rect">
             <a:avLst/>
@@ -730,7 +730,7 @@
         <p:spPr>
           <a:xfrm>
             <a:off x="777240" y="4777560"/>
-            <a:ext cx="6203880" cy="4512240"/>
+            <a:ext cx="6203520" cy="4511880"/>
           </a:xfrm>
           <a:prstGeom prst="rect">
             <a:avLst/>
@@ -748,7 +748,7 @@
             <a:pPr marL="216000" indent="0">
               <a:buNone/>
             </a:pPr>
-            <a:endParaRPr b="0" lang="en-GB" sz="1800" spc="-1" strike="noStrike">
+            <a:endParaRPr b="0" lang="en-US" sz="1800" spc="-1" strike="noStrike">
               <a:solidFill>
                 <a:srgbClr val="000000"/>
               </a:solidFill>
@@ -766,7 +766,7 @@
         <p:spPr>
           <a:xfrm>
             <a:off x="4399200" y="9555480"/>
-            <a:ext cx="3359160" cy="488880"/>
+            <a:ext cx="3358800" cy="488520"/>
           </a:xfrm>
           <a:prstGeom prst="rect">
             <a:avLst/>
@@ -792,7 +792,7 @@
                 <a:spcPct val="100000"/>
               </a:lnSpc>
             </a:pPr>
-            <a:fld id="{8FF50F8C-0F41-4D85-9658-BF38717A9584}" type="slidenum">
+            <a:fld id="{33087E1E-519E-4DD8-B4E7-8187375180AE}" type="slidenum">
               <a:rPr b="0" lang="de-DE" sz="1800" spc="-1" strike="noStrike">
                 <a:solidFill>
                   <a:srgbClr val="000000"/>
@@ -802,7 +802,7 @@
               </a:rPr>
               <a:t>&lt;number&gt;</a:t>
             </a:fld>
-            <a:endParaRPr b="0" lang="en-GB" sz="1800" spc="-1" strike="noStrike">
+            <a:endParaRPr b="0" lang="en-US" sz="1800" spc="-1" strike="noStrike">
               <a:solidFill>
                 <a:srgbClr val="000000"/>
               </a:solidFill>
@@ -886,7 +886,7 @@
             <a:pPr indent="0" algn="ctr">
               <a:buNone/>
             </a:pPr>
-            <a:endParaRPr b="0" lang="en-GB" sz="4400" spc="-1" strike="noStrike">
+            <a:endParaRPr b="0" lang="en-US" sz="4400" spc="-1" strike="noStrike">
               <a:solidFill>
                 <a:srgbClr val="000000"/>
               </a:solidFill>
@@ -929,7 +929,7 @@
               </a:spcBef>
               <a:buNone/>
             </a:pPr>
-            <a:endParaRPr b="0" lang="en-GB" sz="3200" spc="-1" strike="noStrike">
+            <a:endParaRPr b="0" lang="en-US" sz="3200" spc="-1" strike="noStrike">
               <a:solidFill>
                 <a:srgbClr val="000000"/>
               </a:solidFill>
@@ -972,7 +972,7 @@
               </a:spcBef>
               <a:buNone/>
             </a:pPr>
-            <a:endParaRPr b="0" lang="en-GB" sz="3200" spc="-1" strike="noStrike">
+            <a:endParaRPr b="0" lang="en-US" sz="3200" spc="-1" strike="noStrike">
               <a:solidFill>
                 <a:srgbClr val="000000"/>
               </a:solidFill>
@@ -1034,7 +1034,7 @@
             <a:pPr indent="0" algn="ctr">
               <a:buNone/>
             </a:pPr>
-            <a:endParaRPr b="0" lang="en-GB" sz="4400" spc="-1" strike="noStrike">
+            <a:endParaRPr b="0" lang="en-US" sz="4400" spc="-1" strike="noStrike">
               <a:solidFill>
                 <a:srgbClr val="000000"/>
               </a:solidFill>
@@ -1077,7 +1077,7 @@
               </a:spcBef>
               <a:buNone/>
             </a:pPr>
-            <a:endParaRPr b="0" lang="en-GB" sz="3200" spc="-1" strike="noStrike">
+            <a:endParaRPr b="0" lang="en-US" sz="3200" spc="-1" strike="noStrike">
               <a:solidFill>
                 <a:srgbClr val="000000"/>
               </a:solidFill>
@@ -1120,7 +1120,7 @@
               </a:spcBef>
               <a:buNone/>
             </a:pPr>
-            <a:endParaRPr b="0" lang="en-GB" sz="3200" spc="-1" strike="noStrike">
+            <a:endParaRPr b="0" lang="en-US" sz="3200" spc="-1" strike="noStrike">
               <a:solidFill>
                 <a:srgbClr val="000000"/>
               </a:solidFill>
@@ -1163,7 +1163,7 @@
               </a:spcBef>
               <a:buNone/>
             </a:pPr>
-            <a:endParaRPr b="0" lang="en-GB" sz="3200" spc="-1" strike="noStrike">
+            <a:endParaRPr b="0" lang="en-US" sz="3200" spc="-1" strike="noStrike">
               <a:solidFill>
                 <a:srgbClr val="000000"/>
               </a:solidFill>
@@ -1206,7 +1206,7 @@
               </a:spcBef>
               <a:buNone/>
             </a:pPr>
-            <a:endParaRPr b="0" lang="en-GB" sz="3200" spc="-1" strike="noStrike">
+            <a:endParaRPr b="0" lang="en-US" sz="3200" spc="-1" strike="noStrike">
               <a:solidFill>
                 <a:srgbClr val="000000"/>
               </a:solidFill>
@@ -1268,7 +1268,7 @@
             <a:pPr indent="0" algn="ctr">
               <a:buNone/>
             </a:pPr>
-            <a:endParaRPr b="0" lang="en-GB" sz="4400" spc="-1" strike="noStrike">
+            <a:endParaRPr b="0" lang="en-US" sz="4400" spc="-1" strike="noStrike">
               <a:solidFill>
                 <a:srgbClr val="000000"/>
               </a:solidFill>
@@ -1311,7 +1311,7 @@
               </a:spcBef>
               <a:buNone/>
             </a:pPr>
-            <a:endParaRPr b="0" lang="en-GB" sz="3200" spc="-1" strike="noStrike">
+            <a:endParaRPr b="0" lang="en-US" sz="3200" spc="-1" strike="noStrike">
               <a:solidFill>
                 <a:srgbClr val="000000"/>
               </a:solidFill>
@@ -1354,7 +1354,7 @@
               </a:spcBef>
               <a:buNone/>
             </a:pPr>
-            <a:endParaRPr b="0" lang="en-GB" sz="3200" spc="-1" strike="noStrike">
+            <a:endParaRPr b="0" lang="en-US" sz="3200" spc="-1" strike="noStrike">
               <a:solidFill>
                 <a:srgbClr val="000000"/>
               </a:solidFill>
@@ -1397,7 +1397,7 @@
               </a:spcBef>
               <a:buNone/>
             </a:pPr>
-            <a:endParaRPr b="0" lang="en-GB" sz="3200" spc="-1" strike="noStrike">
+            <a:endParaRPr b="0" lang="en-US" sz="3200" spc="-1" strike="noStrike">
               <a:solidFill>
                 <a:srgbClr val="000000"/>
               </a:solidFill>
@@ -1440,7 +1440,7 @@
               </a:spcBef>
               <a:buNone/>
             </a:pPr>
-            <a:endParaRPr b="0" lang="en-GB" sz="3200" spc="-1" strike="noStrike">
+            <a:endParaRPr b="0" lang="en-US" sz="3200" spc="-1" strike="noStrike">
               <a:solidFill>
                 <a:srgbClr val="000000"/>
               </a:solidFill>
@@ -1483,7 +1483,7 @@
               </a:spcBef>
               <a:buNone/>
             </a:pPr>
-            <a:endParaRPr b="0" lang="en-GB" sz="3200" spc="-1" strike="noStrike">
+            <a:endParaRPr b="0" lang="en-US" sz="3200" spc="-1" strike="noStrike">
               <a:solidFill>
                 <a:srgbClr val="000000"/>
               </a:solidFill>
@@ -1526,7 +1526,7 @@
               </a:spcBef>
               <a:buNone/>
             </a:pPr>
-            <a:endParaRPr b="0" lang="en-GB" sz="3200" spc="-1" strike="noStrike">
+            <a:endParaRPr b="0" lang="en-US" sz="3200" spc="-1" strike="noStrike">
               <a:solidFill>
                 <a:srgbClr val="000000"/>
               </a:solidFill>
@@ -1610,7 +1610,7 @@
             <a:pPr indent="0" algn="ctr">
               <a:buNone/>
             </a:pPr>
-            <a:endParaRPr b="0" lang="en-GB" sz="4400" spc="-1" strike="noStrike">
+            <a:endParaRPr b="0" lang="en-US" sz="4400" spc="-1" strike="noStrike">
               <a:solidFill>
                 <a:srgbClr val="000000"/>
               </a:solidFill>
@@ -1650,7 +1650,7 @@
             <a:pPr indent="0" algn="ctr">
               <a:buNone/>
             </a:pPr>
-            <a:endParaRPr b="0" lang="en-GB" sz="3200" spc="-1" strike="noStrike">
+            <a:endParaRPr b="0" lang="en-US" sz="3200" spc="-1" strike="noStrike">
               <a:solidFill>
                 <a:srgbClr val="000000"/>
               </a:solidFill>
@@ -1712,7 +1712,7 @@
             <a:pPr indent="0" algn="ctr">
               <a:buNone/>
             </a:pPr>
-            <a:endParaRPr b="0" lang="en-GB" sz="4400" spc="-1" strike="noStrike">
+            <a:endParaRPr b="0" lang="en-US" sz="4400" spc="-1" strike="noStrike">
               <a:solidFill>
                 <a:srgbClr val="000000"/>
               </a:solidFill>
@@ -1755,7 +1755,7 @@
               </a:spcBef>
               <a:buNone/>
             </a:pPr>
-            <a:endParaRPr b="0" lang="en-GB" sz="3200" spc="-1" strike="noStrike">
+            <a:endParaRPr b="0" lang="en-US" sz="3200" spc="-1" strike="noStrike">
               <a:solidFill>
                 <a:srgbClr val="000000"/>
               </a:solidFill>
@@ -1817,7 +1817,7 @@
             <a:pPr indent="0" algn="ctr">
               <a:buNone/>
             </a:pPr>
-            <a:endParaRPr b="0" lang="en-GB" sz="4400" spc="-1" strike="noStrike">
+            <a:endParaRPr b="0" lang="en-US" sz="4400" spc="-1" strike="noStrike">
               <a:solidFill>
                 <a:srgbClr val="000000"/>
               </a:solidFill>
@@ -1860,7 +1860,7 @@
               </a:spcBef>
               <a:buNone/>
             </a:pPr>
-            <a:endParaRPr b="0" lang="en-GB" sz="3200" spc="-1" strike="noStrike">
+            <a:endParaRPr b="0" lang="en-US" sz="3200" spc="-1" strike="noStrike">
               <a:solidFill>
                 <a:srgbClr val="000000"/>
               </a:solidFill>
@@ -1903,7 +1903,7 @@
               </a:spcBef>
               <a:buNone/>
             </a:pPr>
-            <a:endParaRPr b="0" lang="en-GB" sz="3200" spc="-1" strike="noStrike">
+            <a:endParaRPr b="0" lang="en-US" sz="3200" spc="-1" strike="noStrike">
               <a:solidFill>
                 <a:srgbClr val="000000"/>
               </a:solidFill>
@@ -1965,7 +1965,7 @@
             <a:pPr indent="0" algn="ctr">
               <a:buNone/>
             </a:pPr>
-            <a:endParaRPr b="0" lang="en-GB" sz="4400" spc="-1" strike="noStrike">
+            <a:endParaRPr b="0" lang="en-US" sz="4400" spc="-1" strike="noStrike">
               <a:solidFill>
                 <a:srgbClr val="000000"/>
               </a:solidFill>
@@ -2025,7 +2025,7 @@
           </a:bodyPr>
           <a:p>
             <a:pPr algn="ctr"/>
-            <a:endParaRPr b="0" lang="en-GB" sz="3200" spc="-1" strike="noStrike">
+            <a:endParaRPr b="0" lang="en-US" sz="3200" spc="-1" strike="noStrike">
               <a:solidFill>
                 <a:srgbClr val="000000"/>
               </a:solidFill>
@@ -2087,7 +2087,7 @@
             <a:pPr indent="0" algn="ctr">
               <a:buNone/>
             </a:pPr>
-            <a:endParaRPr b="0" lang="en-GB" sz="4400" spc="-1" strike="noStrike">
+            <a:endParaRPr b="0" lang="en-US" sz="4400" spc="-1" strike="noStrike">
               <a:solidFill>
                 <a:srgbClr val="000000"/>
               </a:solidFill>
@@ -2130,7 +2130,7 @@
               </a:spcBef>
               <a:buNone/>
             </a:pPr>
-            <a:endParaRPr b="0" lang="en-GB" sz="3200" spc="-1" strike="noStrike">
+            <a:endParaRPr b="0" lang="en-US" sz="3200" spc="-1" strike="noStrike">
               <a:solidFill>
                 <a:srgbClr val="000000"/>
               </a:solidFill>
@@ -2173,7 +2173,7 @@
               </a:spcBef>
               <a:buNone/>
             </a:pPr>
-            <a:endParaRPr b="0" lang="en-GB" sz="3200" spc="-1" strike="noStrike">
+            <a:endParaRPr b="0" lang="en-US" sz="3200" spc="-1" strike="noStrike">
               <a:solidFill>
                 <a:srgbClr val="000000"/>
               </a:solidFill>
@@ -2216,7 +2216,7 @@
               </a:spcBef>
               <a:buNone/>
             </a:pPr>
-            <a:endParaRPr b="0" lang="en-GB" sz="3200" spc="-1" strike="noStrike">
+            <a:endParaRPr b="0" lang="en-US" sz="3200" spc="-1" strike="noStrike">
               <a:solidFill>
                 <a:srgbClr val="000000"/>
               </a:solidFill>
@@ -2278,7 +2278,7 @@
             <a:pPr indent="0" algn="ctr">
               <a:buNone/>
             </a:pPr>
-            <a:endParaRPr b="0" lang="en-GB" sz="4400" spc="-1" strike="noStrike">
+            <a:endParaRPr b="0" lang="en-US" sz="4400" spc="-1" strike="noStrike">
               <a:solidFill>
                 <a:srgbClr val="000000"/>
               </a:solidFill>
@@ -2318,7 +2318,7 @@
             <a:pPr indent="0" algn="ctr">
               <a:buNone/>
             </a:pPr>
-            <a:endParaRPr b="0" lang="en-GB" sz="3200" spc="-1" strike="noStrike">
+            <a:endParaRPr b="0" lang="en-US" sz="3200" spc="-1" strike="noStrike">
               <a:solidFill>
                 <a:srgbClr val="000000"/>
               </a:solidFill>
@@ -2380,7 +2380,7 @@
             <a:pPr indent="0" algn="ctr">
               <a:buNone/>
             </a:pPr>
-            <a:endParaRPr b="0" lang="en-GB" sz="4400" spc="-1" strike="noStrike">
+            <a:endParaRPr b="0" lang="en-US" sz="4400" spc="-1" strike="noStrike">
               <a:solidFill>
                 <a:srgbClr val="000000"/>
               </a:solidFill>
@@ -2423,7 +2423,7 @@
               </a:spcBef>
               <a:buNone/>
             </a:pPr>
-            <a:endParaRPr b="0" lang="en-GB" sz="3200" spc="-1" strike="noStrike">
+            <a:endParaRPr b="0" lang="en-US" sz="3200" spc="-1" strike="noStrike">
               <a:solidFill>
                 <a:srgbClr val="000000"/>
               </a:solidFill>
@@ -2466,7 +2466,7 @@
               </a:spcBef>
               <a:buNone/>
             </a:pPr>
-            <a:endParaRPr b="0" lang="en-GB" sz="3200" spc="-1" strike="noStrike">
+            <a:endParaRPr b="0" lang="en-US" sz="3200" spc="-1" strike="noStrike">
               <a:solidFill>
                 <a:srgbClr val="000000"/>
               </a:solidFill>
@@ -2509,7 +2509,7 @@
               </a:spcBef>
               <a:buNone/>
             </a:pPr>
-            <a:endParaRPr b="0" lang="en-GB" sz="3200" spc="-1" strike="noStrike">
+            <a:endParaRPr b="0" lang="en-US" sz="3200" spc="-1" strike="noStrike">
               <a:solidFill>
                 <a:srgbClr val="000000"/>
               </a:solidFill>
@@ -2571,7 +2571,7 @@
             <a:pPr indent="0" algn="ctr">
               <a:buNone/>
             </a:pPr>
-            <a:endParaRPr b="0" lang="en-GB" sz="4400" spc="-1" strike="noStrike">
+            <a:endParaRPr b="0" lang="en-US" sz="4400" spc="-1" strike="noStrike">
               <a:solidFill>
                 <a:srgbClr val="000000"/>
               </a:solidFill>
@@ -2614,7 +2614,7 @@
               </a:spcBef>
               <a:buNone/>
             </a:pPr>
-            <a:endParaRPr b="0" lang="en-GB" sz="3200" spc="-1" strike="noStrike">
+            <a:endParaRPr b="0" lang="en-US" sz="3200" spc="-1" strike="noStrike">
               <a:solidFill>
                 <a:srgbClr val="000000"/>
               </a:solidFill>
@@ -2657,7 +2657,7 @@
               </a:spcBef>
               <a:buNone/>
             </a:pPr>
-            <a:endParaRPr b="0" lang="en-GB" sz="3200" spc="-1" strike="noStrike">
+            <a:endParaRPr b="0" lang="en-US" sz="3200" spc="-1" strike="noStrike">
               <a:solidFill>
                 <a:srgbClr val="000000"/>
               </a:solidFill>
@@ -2700,7 +2700,7 @@
               </a:spcBef>
               <a:buNone/>
             </a:pPr>
-            <a:endParaRPr b="0" lang="en-GB" sz="3200" spc="-1" strike="noStrike">
+            <a:endParaRPr b="0" lang="en-US" sz="3200" spc="-1" strike="noStrike">
               <a:solidFill>
                 <a:srgbClr val="000000"/>
               </a:solidFill>
@@ -2762,7 +2762,7 @@
             <a:pPr indent="0" algn="ctr">
               <a:buNone/>
             </a:pPr>
-            <a:endParaRPr b="0" lang="en-GB" sz="4400" spc="-1" strike="noStrike">
+            <a:endParaRPr b="0" lang="en-US" sz="4400" spc="-1" strike="noStrike">
               <a:solidFill>
                 <a:srgbClr val="000000"/>
               </a:solidFill>
@@ -2805,7 +2805,7 @@
               </a:spcBef>
               <a:buNone/>
             </a:pPr>
-            <a:endParaRPr b="0" lang="en-GB" sz="3200" spc="-1" strike="noStrike">
+            <a:endParaRPr b="0" lang="en-US" sz="3200" spc="-1" strike="noStrike">
               <a:solidFill>
                 <a:srgbClr val="000000"/>
               </a:solidFill>
@@ -2848,7 +2848,7 @@
               </a:spcBef>
               <a:buNone/>
             </a:pPr>
-            <a:endParaRPr b="0" lang="en-GB" sz="3200" spc="-1" strike="noStrike">
+            <a:endParaRPr b="0" lang="en-US" sz="3200" spc="-1" strike="noStrike">
               <a:solidFill>
                 <a:srgbClr val="000000"/>
               </a:solidFill>
@@ -2910,7 +2910,7 @@
             <a:pPr indent="0" algn="ctr">
               <a:buNone/>
             </a:pPr>
-            <a:endParaRPr b="0" lang="en-GB" sz="4400" spc="-1" strike="noStrike">
+            <a:endParaRPr b="0" lang="en-US" sz="4400" spc="-1" strike="noStrike">
               <a:solidFill>
                 <a:srgbClr val="000000"/>
               </a:solidFill>
@@ -2953,7 +2953,7 @@
               </a:spcBef>
               <a:buNone/>
             </a:pPr>
-            <a:endParaRPr b="0" lang="en-GB" sz="3200" spc="-1" strike="noStrike">
+            <a:endParaRPr b="0" lang="en-US" sz="3200" spc="-1" strike="noStrike">
               <a:solidFill>
                 <a:srgbClr val="000000"/>
               </a:solidFill>
@@ -2996,7 +2996,7 @@
               </a:spcBef>
               <a:buNone/>
             </a:pPr>
-            <a:endParaRPr b="0" lang="en-GB" sz="3200" spc="-1" strike="noStrike">
+            <a:endParaRPr b="0" lang="en-US" sz="3200" spc="-1" strike="noStrike">
               <a:solidFill>
                 <a:srgbClr val="000000"/>
               </a:solidFill>
@@ -3039,7 +3039,7 @@
               </a:spcBef>
               <a:buNone/>
             </a:pPr>
-            <a:endParaRPr b="0" lang="en-GB" sz="3200" spc="-1" strike="noStrike">
+            <a:endParaRPr b="0" lang="en-US" sz="3200" spc="-1" strike="noStrike">
               <a:solidFill>
                 <a:srgbClr val="000000"/>
               </a:solidFill>
@@ -3082,7 +3082,7 @@
               </a:spcBef>
               <a:buNone/>
             </a:pPr>
-            <a:endParaRPr b="0" lang="en-GB" sz="3200" spc="-1" strike="noStrike">
+            <a:endParaRPr b="0" lang="en-US" sz="3200" spc="-1" strike="noStrike">
               <a:solidFill>
                 <a:srgbClr val="000000"/>
               </a:solidFill>
@@ -3144,7 +3144,7 @@
             <a:pPr indent="0" algn="ctr">
               <a:buNone/>
             </a:pPr>
-            <a:endParaRPr b="0" lang="en-GB" sz="4400" spc="-1" strike="noStrike">
+            <a:endParaRPr b="0" lang="en-US" sz="4400" spc="-1" strike="noStrike">
               <a:solidFill>
                 <a:srgbClr val="000000"/>
               </a:solidFill>
@@ -3187,7 +3187,7 @@
               </a:spcBef>
               <a:buNone/>
             </a:pPr>
-            <a:endParaRPr b="0" lang="en-GB" sz="3200" spc="-1" strike="noStrike">
+            <a:endParaRPr b="0" lang="en-US" sz="3200" spc="-1" strike="noStrike">
               <a:solidFill>
                 <a:srgbClr val="000000"/>
               </a:solidFill>
@@ -3230,7 +3230,7 @@
               </a:spcBef>
               <a:buNone/>
             </a:pPr>
-            <a:endParaRPr b="0" lang="en-GB" sz="3200" spc="-1" strike="noStrike">
+            <a:endParaRPr b="0" lang="en-US" sz="3200" spc="-1" strike="noStrike">
               <a:solidFill>
                 <a:srgbClr val="000000"/>
               </a:solidFill>
@@ -3273,7 +3273,7 @@
               </a:spcBef>
               <a:buNone/>
             </a:pPr>
-            <a:endParaRPr b="0" lang="en-GB" sz="3200" spc="-1" strike="noStrike">
+            <a:endParaRPr b="0" lang="en-US" sz="3200" spc="-1" strike="noStrike">
               <a:solidFill>
                 <a:srgbClr val="000000"/>
               </a:solidFill>
@@ -3316,7 +3316,7 @@
               </a:spcBef>
               <a:buNone/>
             </a:pPr>
-            <a:endParaRPr b="0" lang="en-GB" sz="3200" spc="-1" strike="noStrike">
+            <a:endParaRPr b="0" lang="en-US" sz="3200" spc="-1" strike="noStrike">
               <a:solidFill>
                 <a:srgbClr val="000000"/>
               </a:solidFill>
@@ -3359,7 +3359,7 @@
               </a:spcBef>
               <a:buNone/>
             </a:pPr>
-            <a:endParaRPr b="0" lang="en-GB" sz="3200" spc="-1" strike="noStrike">
+            <a:endParaRPr b="0" lang="en-US" sz="3200" spc="-1" strike="noStrike">
               <a:solidFill>
                 <a:srgbClr val="000000"/>
               </a:solidFill>
@@ -3402,7 +3402,7 @@
               </a:spcBef>
               <a:buNone/>
             </a:pPr>
-            <a:endParaRPr b="0" lang="en-GB" sz="3200" spc="-1" strike="noStrike">
+            <a:endParaRPr b="0" lang="en-US" sz="3200" spc="-1" strike="noStrike">
               <a:solidFill>
                 <a:srgbClr val="000000"/>
               </a:solidFill>
@@ -3464,7 +3464,7 @@
             <a:pPr indent="0" algn="ctr">
               <a:buNone/>
             </a:pPr>
-            <a:endParaRPr b="0" lang="en-GB" sz="4400" spc="-1" strike="noStrike">
+            <a:endParaRPr b="0" lang="en-US" sz="4400" spc="-1" strike="noStrike">
               <a:solidFill>
                 <a:srgbClr val="000000"/>
               </a:solidFill>
@@ -3507,7 +3507,7 @@
               </a:spcBef>
               <a:buNone/>
             </a:pPr>
-            <a:endParaRPr b="0" lang="en-GB" sz="3200" spc="-1" strike="noStrike">
+            <a:endParaRPr b="0" lang="en-US" sz="3200" spc="-1" strike="noStrike">
               <a:solidFill>
                 <a:srgbClr val="000000"/>
               </a:solidFill>
@@ -3569,7 +3569,7 @@
             <a:pPr indent="0" algn="ctr">
               <a:buNone/>
             </a:pPr>
-            <a:endParaRPr b="0" lang="en-GB" sz="4400" spc="-1" strike="noStrike">
+            <a:endParaRPr b="0" lang="en-US" sz="4400" spc="-1" strike="noStrike">
               <a:solidFill>
                 <a:srgbClr val="000000"/>
               </a:solidFill>
@@ -3612,7 +3612,7 @@
               </a:spcBef>
               <a:buNone/>
             </a:pPr>
-            <a:endParaRPr b="0" lang="en-GB" sz="3200" spc="-1" strike="noStrike">
+            <a:endParaRPr b="0" lang="en-US" sz="3200" spc="-1" strike="noStrike">
               <a:solidFill>
                 <a:srgbClr val="000000"/>
               </a:solidFill>
@@ -3655,7 +3655,7 @@
               </a:spcBef>
               <a:buNone/>
             </a:pPr>
-            <a:endParaRPr b="0" lang="en-GB" sz="3200" spc="-1" strike="noStrike">
+            <a:endParaRPr b="0" lang="en-US" sz="3200" spc="-1" strike="noStrike">
               <a:solidFill>
                 <a:srgbClr val="000000"/>
               </a:solidFill>
@@ -3717,7 +3717,7 @@
             <a:pPr indent="0" algn="ctr">
               <a:buNone/>
             </a:pPr>
-            <a:endParaRPr b="0" lang="en-GB" sz="4400" spc="-1" strike="noStrike">
+            <a:endParaRPr b="0" lang="en-US" sz="4400" spc="-1" strike="noStrike">
               <a:solidFill>
                 <a:srgbClr val="000000"/>
               </a:solidFill>
@@ -3777,7 +3777,7 @@
           </a:bodyPr>
           <a:p>
             <a:pPr algn="ctr"/>
-            <a:endParaRPr b="0" lang="en-GB" sz="3200" spc="-1" strike="noStrike">
+            <a:endParaRPr b="0" lang="en-US" sz="3200" spc="-1" strike="noStrike">
               <a:solidFill>
                 <a:srgbClr val="000000"/>
               </a:solidFill>
@@ -3839,7 +3839,7 @@
             <a:pPr indent="0" algn="ctr">
               <a:buNone/>
             </a:pPr>
-            <a:endParaRPr b="0" lang="en-GB" sz="4400" spc="-1" strike="noStrike">
+            <a:endParaRPr b="0" lang="en-US" sz="4400" spc="-1" strike="noStrike">
               <a:solidFill>
                 <a:srgbClr val="000000"/>
               </a:solidFill>
@@ -3882,7 +3882,7 @@
               </a:spcBef>
               <a:buNone/>
             </a:pPr>
-            <a:endParaRPr b="0" lang="en-GB" sz="3200" spc="-1" strike="noStrike">
+            <a:endParaRPr b="0" lang="en-US" sz="3200" spc="-1" strike="noStrike">
               <a:solidFill>
                 <a:srgbClr val="000000"/>
               </a:solidFill>
@@ -3925,7 +3925,7 @@
               </a:spcBef>
               <a:buNone/>
             </a:pPr>
-            <a:endParaRPr b="0" lang="en-GB" sz="3200" spc="-1" strike="noStrike">
+            <a:endParaRPr b="0" lang="en-US" sz="3200" spc="-1" strike="noStrike">
               <a:solidFill>
                 <a:srgbClr val="000000"/>
               </a:solidFill>
@@ -3968,7 +3968,7 @@
               </a:spcBef>
               <a:buNone/>
             </a:pPr>
-            <a:endParaRPr b="0" lang="en-GB" sz="3200" spc="-1" strike="noStrike">
+            <a:endParaRPr b="0" lang="en-US" sz="3200" spc="-1" strike="noStrike">
               <a:solidFill>
                 <a:srgbClr val="000000"/>
               </a:solidFill>
@@ -4030,7 +4030,7 @@
             <a:pPr indent="0" algn="ctr">
               <a:buNone/>
             </a:pPr>
-            <a:endParaRPr b="0" lang="en-GB" sz="4400" spc="-1" strike="noStrike">
+            <a:endParaRPr b="0" lang="en-US" sz="4400" spc="-1" strike="noStrike">
               <a:solidFill>
                 <a:srgbClr val="000000"/>
               </a:solidFill>
@@ -4073,7 +4073,7 @@
               </a:spcBef>
               <a:buNone/>
             </a:pPr>
-            <a:endParaRPr b="0" lang="en-GB" sz="3200" spc="-1" strike="noStrike">
+            <a:endParaRPr b="0" lang="en-US" sz="3200" spc="-1" strike="noStrike">
               <a:solidFill>
                 <a:srgbClr val="000000"/>
               </a:solidFill>
@@ -4116,7 +4116,7 @@
               </a:spcBef>
               <a:buNone/>
             </a:pPr>
-            <a:endParaRPr b="0" lang="en-GB" sz="3200" spc="-1" strike="noStrike">
+            <a:endParaRPr b="0" lang="en-US" sz="3200" spc="-1" strike="noStrike">
               <a:solidFill>
                 <a:srgbClr val="000000"/>
               </a:solidFill>
@@ -4159,7 +4159,7 @@
               </a:spcBef>
               <a:buNone/>
             </a:pPr>
-            <a:endParaRPr b="0" lang="en-GB" sz="3200" spc="-1" strike="noStrike">
+            <a:endParaRPr b="0" lang="en-US" sz="3200" spc="-1" strike="noStrike">
               <a:solidFill>
                 <a:srgbClr val="000000"/>
               </a:solidFill>
@@ -4221,7 +4221,7 @@
             <a:pPr indent="0" algn="ctr">
               <a:buNone/>
             </a:pPr>
-            <a:endParaRPr b="0" lang="en-GB" sz="4400" spc="-1" strike="noStrike">
+            <a:endParaRPr b="0" lang="en-US" sz="4400" spc="-1" strike="noStrike">
               <a:solidFill>
                 <a:srgbClr val="000000"/>
               </a:solidFill>
@@ -4264,7 +4264,7 @@
               </a:spcBef>
               <a:buNone/>
             </a:pPr>
-            <a:endParaRPr b="0" lang="en-GB" sz="3200" spc="-1" strike="noStrike">
+            <a:endParaRPr b="0" lang="en-US" sz="3200" spc="-1" strike="noStrike">
               <a:solidFill>
                 <a:srgbClr val="000000"/>
               </a:solidFill>
@@ -4307,7 +4307,7 @@
               </a:spcBef>
               <a:buNone/>
             </a:pPr>
-            <a:endParaRPr b="0" lang="en-GB" sz="3200" spc="-1" strike="noStrike">
+            <a:endParaRPr b="0" lang="en-US" sz="3200" spc="-1" strike="noStrike">
               <a:solidFill>
                 <a:srgbClr val="000000"/>
               </a:solidFill>
@@ -4350,7 +4350,7 @@
               </a:spcBef>
               <a:buNone/>
             </a:pPr>
-            <a:endParaRPr b="0" lang="en-GB" sz="3200" spc="-1" strike="noStrike">
+            <a:endParaRPr b="0" lang="en-US" sz="3200" spc="-1" strike="noStrike">
               <a:solidFill>
                 <a:srgbClr val="000000"/>
               </a:solidFill>
@@ -4397,7 +4397,7 @@
         <p:spPr>
           <a:xfrm>
             <a:off x="11444760" y="0"/>
-            <a:ext cx="738720" cy="6847560"/>
+            <a:ext cx="738360" cy="6847200"/>
           </a:xfrm>
           <a:prstGeom prst="rect">
             <a:avLst/>
@@ -4446,7 +4446,7 @@
         <p:spPr>
           <a:xfrm>
             <a:off x="11438640" y="6453360"/>
-            <a:ext cx="755640" cy="363960"/>
+            <a:ext cx="755280" cy="363960"/>
           </a:xfrm>
           <a:prstGeom prst="rect">
             <a:avLst/>
@@ -4472,7 +4472,7 @@
                 <a:spcPct val="100000"/>
               </a:lnSpc>
             </a:pPr>
-            <a:fld id="{F57FA7A7-AC6A-41FC-966E-B7C1F1F61F7A}" type="slidenum">
+            <a:fld id="{3AD1A840-2864-4413-854A-0AADAAB5F0E4}" type="slidenum">
               <a:rPr b="0" lang="en-US" sz="1800" spc="-1" strike="noStrike">
                 <a:solidFill>
                   <a:srgbClr val="808080"/>
@@ -4482,7 +4482,7 @@
               </a:rPr>
               <a:t>&lt;number&gt;</a:t>
             </a:fld>
-            <a:endParaRPr b="0" lang="en-GB" sz="1800" spc="-1" strike="noStrike">
+            <a:endParaRPr b="0" lang="en-US" sz="1800" spc="-1" strike="noStrike">
               <a:solidFill>
                 <a:srgbClr val="000000"/>
               </a:solidFill>
@@ -4500,7 +4500,7 @@
         <p:spPr>
           <a:xfrm>
             <a:off x="912240" y="1268280"/>
-            <a:ext cx="9205560" cy="358920"/>
+            <a:ext cx="9205200" cy="358560"/>
           </a:xfrm>
           <a:prstGeom prst="rect">
             <a:avLst/>
@@ -4549,7 +4549,7 @@
         <p:spPr>
           <a:xfrm>
             <a:off x="0" y="0"/>
-            <a:ext cx="3049560" cy="559440"/>
+            <a:ext cx="3049200" cy="559080"/>
           </a:xfrm>
           <a:prstGeom prst="rect">
             <a:avLst/>
@@ -4572,7 +4572,7 @@
         <p:spPr>
           <a:xfrm>
             <a:off x="7430400" y="134640"/>
-            <a:ext cx="3695400" cy="511560"/>
+            <a:ext cx="3695040" cy="511200"/>
           </a:xfrm>
           <a:prstGeom prst="rect">
             <a:avLst/>
@@ -4591,7 +4591,7 @@
         <p:spPr>
           <a:xfrm>
             <a:off x="912240" y="1268280"/>
-            <a:ext cx="9205560" cy="358920"/>
+            <a:ext cx="9205200" cy="358560"/>
           </a:xfrm>
           <a:prstGeom prst="rect">
             <a:avLst/>
@@ -4636,7 +4636,7 @@
         <p:spPr>
           <a:xfrm>
             <a:off x="11444760" y="0"/>
-            <a:ext cx="738720" cy="6847560"/>
+            <a:ext cx="738360" cy="6847200"/>
           </a:xfrm>
           <a:prstGeom prst="rect">
             <a:avLst/>
@@ -4685,7 +4685,7 @@
         <p:spPr>
           <a:xfrm>
             <a:off x="0" y="6642720"/>
-            <a:ext cx="12181680" cy="211320"/>
+            <a:ext cx="12181320" cy="211320"/>
           </a:xfrm>
           <a:prstGeom prst="rect">
             <a:avLst/>
@@ -4741,7 +4741,7 @@
               </a:rPr>
               <a:t> (TU Clausthal / University of Göttingen)</a:t>
             </a:r>
-            <a:endParaRPr b="0" lang="en-GB" sz="800" spc="-1" strike="noStrike">
+            <a:endParaRPr b="0" lang="en-US" sz="800" spc="-1" strike="noStrike">
               <a:solidFill>
                 <a:srgbClr val="000000"/>
               </a:solidFill>
@@ -4782,7 +4782,7 @@
               <a:buNone/>
             </a:pPr>
             <a:r>
-              <a:rPr b="0" lang="en-GB" sz="4400" spc="-1" strike="noStrike">
+              <a:rPr b="0" lang="en-US" sz="4400" spc="-1" strike="noStrike">
                 <a:solidFill>
                   <a:srgbClr val="000000"/>
                 </a:solidFill>
@@ -4790,7 +4790,7 @@
               </a:rPr>
               <a:t>Click to edit the title text format</a:t>
             </a:r>
-            <a:endParaRPr b="0" lang="en-GB" sz="4400" spc="-1" strike="noStrike">
+            <a:endParaRPr b="0" lang="en-US" sz="4400" spc="-1" strike="noStrike">
               <a:solidFill>
                 <a:srgbClr val="000000"/>
               </a:solidFill>
@@ -4839,7 +4839,7 @@
               <a:buChar char=""/>
             </a:pPr>
             <a:r>
-              <a:rPr b="0" lang="en-GB" sz="3200" spc="-1" strike="noStrike">
+              <a:rPr b="0" lang="en-US" sz="3200" spc="-1" strike="noStrike">
                 <a:solidFill>
                   <a:srgbClr val="000000"/>
                 </a:solidFill>
@@ -4847,7 +4847,7 @@
               </a:rPr>
               <a:t>Click to edit the outline text format</a:t>
             </a:r>
-            <a:endParaRPr b="0" lang="en-GB" sz="3200" spc="-1" strike="noStrike">
+            <a:endParaRPr b="0" lang="en-US" sz="3200" spc="-1" strike="noStrike">
               <a:solidFill>
                 <a:srgbClr val="000000"/>
               </a:solidFill>
@@ -4867,7 +4867,7 @@
               <a:buChar char=""/>
             </a:pPr>
             <a:r>
-              <a:rPr b="0" lang="en-GB" sz="2800" spc="-1" strike="noStrike">
+              <a:rPr b="0" lang="en-US" sz="2800" spc="-1" strike="noStrike">
                 <a:solidFill>
                   <a:srgbClr val="000000"/>
                 </a:solidFill>
@@ -4875,7 +4875,7 @@
               </a:rPr>
               <a:t>Second Outline Level</a:t>
             </a:r>
-            <a:endParaRPr b="0" lang="en-GB" sz="2800" spc="-1" strike="noStrike">
+            <a:endParaRPr b="0" lang="en-US" sz="2800" spc="-1" strike="noStrike">
               <a:solidFill>
                 <a:srgbClr val="000000"/>
               </a:solidFill>
@@ -4895,7 +4895,7 @@
               <a:buChar char=""/>
             </a:pPr>
             <a:r>
-              <a:rPr b="0" lang="en-GB" sz="2400" spc="-1" strike="noStrike">
+              <a:rPr b="0" lang="en-US" sz="2400" spc="-1" strike="noStrike">
                 <a:solidFill>
                   <a:srgbClr val="000000"/>
                 </a:solidFill>
@@ -4903,7 +4903,7 @@
               </a:rPr>
               <a:t>Third Outline Level</a:t>
             </a:r>
-            <a:endParaRPr b="0" lang="en-GB" sz="2400" spc="-1" strike="noStrike">
+            <a:endParaRPr b="0" lang="en-US" sz="2400" spc="-1" strike="noStrike">
               <a:solidFill>
                 <a:srgbClr val="000000"/>
               </a:solidFill>
@@ -4923,7 +4923,7 @@
               <a:buChar char=""/>
             </a:pPr>
             <a:r>
-              <a:rPr b="0" lang="en-GB" sz="2000" spc="-1" strike="noStrike">
+              <a:rPr b="0" lang="en-US" sz="2000" spc="-1" strike="noStrike">
                 <a:solidFill>
                   <a:srgbClr val="000000"/>
                 </a:solidFill>
@@ -4931,7 +4931,7 @@
               </a:rPr>
               <a:t>Fourth Outline Level</a:t>
             </a:r>
-            <a:endParaRPr b="0" lang="en-GB" sz="2000" spc="-1" strike="noStrike">
+            <a:endParaRPr b="0" lang="en-US" sz="2000" spc="-1" strike="noStrike">
               <a:solidFill>
                 <a:srgbClr val="000000"/>
               </a:solidFill>
@@ -4951,7 +4951,7 @@
               <a:buChar char=""/>
             </a:pPr>
             <a:r>
-              <a:rPr b="0" lang="en-GB" sz="2000" spc="-1" strike="noStrike">
+              <a:rPr b="0" lang="en-US" sz="2000" spc="-1" strike="noStrike">
                 <a:solidFill>
                   <a:srgbClr val="000000"/>
                 </a:solidFill>
@@ -4959,7 +4959,7 @@
               </a:rPr>
               <a:t>Fifth Outline Level</a:t>
             </a:r>
-            <a:endParaRPr b="0" lang="en-GB" sz="2000" spc="-1" strike="noStrike">
+            <a:endParaRPr b="0" lang="en-US" sz="2000" spc="-1" strike="noStrike">
               <a:solidFill>
                 <a:srgbClr val="000000"/>
               </a:solidFill>
@@ -4979,7 +4979,7 @@
               <a:buChar char=""/>
             </a:pPr>
             <a:r>
-              <a:rPr b="0" lang="en-GB" sz="2000" spc="-1" strike="noStrike">
+              <a:rPr b="0" lang="en-US" sz="2000" spc="-1" strike="noStrike">
                 <a:solidFill>
                   <a:srgbClr val="000000"/>
                 </a:solidFill>
@@ -4987,7 +4987,7 @@
               </a:rPr>
               <a:t>Sixth Outline Level</a:t>
             </a:r>
-            <a:endParaRPr b="0" lang="en-GB" sz="2000" spc="-1" strike="noStrike">
+            <a:endParaRPr b="0" lang="en-US" sz="2000" spc="-1" strike="noStrike">
               <a:solidFill>
                 <a:srgbClr val="000000"/>
               </a:solidFill>
@@ -5007,7 +5007,7 @@
               <a:buChar char=""/>
             </a:pPr>
             <a:r>
-              <a:rPr b="0" lang="en-GB" sz="2000" spc="-1" strike="noStrike">
+              <a:rPr b="0" lang="en-US" sz="2000" spc="-1" strike="noStrike">
                 <a:solidFill>
                   <a:srgbClr val="000000"/>
                 </a:solidFill>
@@ -5015,7 +5015,7 @@
               </a:rPr>
               <a:t>Seventh Outline Level</a:t>
             </a:r>
-            <a:endParaRPr b="0" lang="en-GB" sz="2000" spc="-1" strike="noStrike">
+            <a:endParaRPr b="0" lang="en-US" sz="2000" spc="-1" strike="noStrike">
               <a:solidFill>
                 <a:srgbClr val="000000"/>
               </a:solidFill>
@@ -5077,7 +5077,7 @@
         <p:spPr>
           <a:xfrm>
             <a:off x="11444760" y="0"/>
-            <a:ext cx="738720" cy="6847560"/>
+            <a:ext cx="738360" cy="6847200"/>
           </a:xfrm>
           <a:prstGeom prst="rect">
             <a:avLst/>
@@ -5126,7 +5126,7 @@
         <p:spPr>
           <a:xfrm>
             <a:off x="11438640" y="6453360"/>
-            <a:ext cx="755640" cy="363960"/>
+            <a:ext cx="755280" cy="363960"/>
           </a:xfrm>
           <a:prstGeom prst="rect">
             <a:avLst/>
@@ -5152,7 +5152,7 @@
                 <a:spcPct val="100000"/>
               </a:lnSpc>
             </a:pPr>
-            <a:fld id="{5A2E3576-A09D-49E2-B572-5E6B25BA2D2C}" type="slidenum">
+            <a:fld id="{33D263E1-DBBE-4292-8AB8-CC4B7AEAF863}" type="slidenum">
               <a:rPr b="0" lang="en-US" sz="1800" spc="-1" strike="noStrike">
                 <a:solidFill>
                   <a:srgbClr val="808080"/>
@@ -5162,7 +5162,7 @@
               </a:rPr>
               <a:t>&lt;number&gt;</a:t>
             </a:fld>
-            <a:endParaRPr b="0" lang="en-GB" sz="1800" spc="-1" strike="noStrike">
+            <a:endParaRPr b="0" lang="en-US" sz="1800" spc="-1" strike="noStrike">
               <a:solidFill>
                 <a:srgbClr val="000000"/>
               </a:solidFill>
@@ -5180,7 +5180,7 @@
         <p:spPr>
           <a:xfrm>
             <a:off x="912240" y="1268280"/>
-            <a:ext cx="9205560" cy="358920"/>
+            <a:ext cx="9205200" cy="358560"/>
           </a:xfrm>
           <a:prstGeom prst="rect">
             <a:avLst/>
@@ -5229,7 +5229,7 @@
         <p:spPr>
           <a:xfrm>
             <a:off x="0" y="0"/>
-            <a:ext cx="3049560" cy="559440"/>
+            <a:ext cx="3049200" cy="559080"/>
           </a:xfrm>
           <a:prstGeom prst="rect">
             <a:avLst/>
@@ -5252,7 +5252,7 @@
         <p:spPr>
           <a:xfrm>
             <a:off x="7430400" y="134640"/>
-            <a:ext cx="3695400" cy="511560"/>
+            <a:ext cx="3695040" cy="511200"/>
           </a:xfrm>
           <a:prstGeom prst="rect">
             <a:avLst/>
@@ -5271,7 +5271,7 @@
         <p:spPr>
           <a:xfrm>
             <a:off x="11444760" y="0"/>
-            <a:ext cx="738720" cy="6847560"/>
+            <a:ext cx="738360" cy="6847200"/>
           </a:xfrm>
           <a:prstGeom prst="rect">
             <a:avLst/>
@@ -5320,7 +5320,7 @@
         <p:spPr>
           <a:xfrm>
             <a:off x="11438640" y="6453360"/>
-            <a:ext cx="755640" cy="363960"/>
+            <a:ext cx="755280" cy="363960"/>
           </a:xfrm>
           <a:prstGeom prst="rect">
             <a:avLst/>
@@ -5346,7 +5346,7 @@
                 <a:spcPct val="100000"/>
               </a:lnSpc>
             </a:pPr>
-            <a:fld id="{3FCA60D0-625A-4096-BE6B-ECDBB6431CFF}" type="slidenum">
+            <a:fld id="{68A2BEDF-8471-41B5-A642-0999463F0187}" type="slidenum">
               <a:rPr b="0" lang="en-US" sz="1800" spc="-1" strike="noStrike">
                 <a:solidFill>
                   <a:srgbClr val="808080"/>
@@ -5356,7 +5356,7 @@
               </a:rPr>
               <a:t>&lt;number&gt;</a:t>
             </a:fld>
-            <a:endParaRPr b="0" lang="en-GB" sz="1800" spc="-1" strike="noStrike">
+            <a:endParaRPr b="0" lang="en-US" sz="1800" spc="-1" strike="noStrike">
               <a:solidFill>
                 <a:srgbClr val="000000"/>
               </a:solidFill>
@@ -5374,7 +5374,7 @@
         <p:spPr>
           <a:xfrm>
             <a:off x="0" y="6642720"/>
-            <a:ext cx="12181680" cy="211320"/>
+            <a:ext cx="12181320" cy="211320"/>
           </a:xfrm>
           <a:prstGeom prst="rect">
             <a:avLst/>
@@ -5430,7 +5430,7 @@
               </a:rPr>
               <a:t> (TU Clausthal / University of Göttingen)</a:t>
             </a:r>
-            <a:endParaRPr b="0" lang="en-GB" sz="800" spc="-1" strike="noStrike">
+            <a:endParaRPr b="0" lang="en-US" sz="800" spc="-1" strike="noStrike">
               <a:solidFill>
                 <a:srgbClr val="000000"/>
               </a:solidFill>
@@ -5471,7 +5471,7 @@
               <a:buNone/>
             </a:pPr>
             <a:r>
-              <a:rPr b="0" lang="en-GB" sz="4400" spc="-1" strike="noStrike">
+              <a:rPr b="0" lang="en-US" sz="4400" spc="-1" strike="noStrike">
                 <a:solidFill>
                   <a:srgbClr val="000000"/>
                 </a:solidFill>
@@ -5479,7 +5479,7 @@
               </a:rPr>
               <a:t>Click to edit the title text format</a:t>
             </a:r>
-            <a:endParaRPr b="0" lang="en-GB" sz="4400" spc="-1" strike="noStrike">
+            <a:endParaRPr b="0" lang="en-US" sz="4400" spc="-1" strike="noStrike">
               <a:solidFill>
                 <a:srgbClr val="000000"/>
               </a:solidFill>
@@ -5528,7 +5528,7 @@
               <a:buChar char=""/>
             </a:pPr>
             <a:r>
-              <a:rPr b="0" lang="en-GB" sz="3200" spc="-1" strike="noStrike">
+              <a:rPr b="0" lang="en-US" sz="3200" spc="-1" strike="noStrike">
                 <a:solidFill>
                   <a:srgbClr val="000000"/>
                 </a:solidFill>
@@ -5536,7 +5536,7 @@
               </a:rPr>
               <a:t>Click to edit the outline text format</a:t>
             </a:r>
-            <a:endParaRPr b="0" lang="en-GB" sz="3200" spc="-1" strike="noStrike">
+            <a:endParaRPr b="0" lang="en-US" sz="3200" spc="-1" strike="noStrike">
               <a:solidFill>
                 <a:srgbClr val="000000"/>
               </a:solidFill>
@@ -5556,7 +5556,7 @@
               <a:buChar char=""/>
             </a:pPr>
             <a:r>
-              <a:rPr b="0" lang="en-GB" sz="2800" spc="-1" strike="noStrike">
+              <a:rPr b="0" lang="en-US" sz="2800" spc="-1" strike="noStrike">
                 <a:solidFill>
                   <a:srgbClr val="000000"/>
                 </a:solidFill>
@@ -5564,7 +5564,7 @@
               </a:rPr>
               <a:t>Second Outline Level</a:t>
             </a:r>
-            <a:endParaRPr b="0" lang="en-GB" sz="2800" spc="-1" strike="noStrike">
+            <a:endParaRPr b="0" lang="en-US" sz="2800" spc="-1" strike="noStrike">
               <a:solidFill>
                 <a:srgbClr val="000000"/>
               </a:solidFill>
@@ -5584,7 +5584,7 @@
               <a:buChar char=""/>
             </a:pPr>
             <a:r>
-              <a:rPr b="0" lang="en-GB" sz="2400" spc="-1" strike="noStrike">
+              <a:rPr b="0" lang="en-US" sz="2400" spc="-1" strike="noStrike">
                 <a:solidFill>
                   <a:srgbClr val="000000"/>
                 </a:solidFill>
@@ -5592,7 +5592,7 @@
               </a:rPr>
               <a:t>Third Outline Level</a:t>
             </a:r>
-            <a:endParaRPr b="0" lang="en-GB" sz="2400" spc="-1" strike="noStrike">
+            <a:endParaRPr b="0" lang="en-US" sz="2400" spc="-1" strike="noStrike">
               <a:solidFill>
                 <a:srgbClr val="000000"/>
               </a:solidFill>
@@ -5612,7 +5612,7 @@
               <a:buChar char=""/>
             </a:pPr>
             <a:r>
-              <a:rPr b="0" lang="en-GB" sz="2000" spc="-1" strike="noStrike">
+              <a:rPr b="0" lang="en-US" sz="2000" spc="-1" strike="noStrike">
                 <a:solidFill>
                   <a:srgbClr val="000000"/>
                 </a:solidFill>
@@ -5620,7 +5620,7 @@
               </a:rPr>
               <a:t>Fourth Outline Level</a:t>
             </a:r>
-            <a:endParaRPr b="0" lang="en-GB" sz="2000" spc="-1" strike="noStrike">
+            <a:endParaRPr b="0" lang="en-US" sz="2000" spc="-1" strike="noStrike">
               <a:solidFill>
                 <a:srgbClr val="000000"/>
               </a:solidFill>
@@ -5640,7 +5640,7 @@
               <a:buChar char=""/>
             </a:pPr>
             <a:r>
-              <a:rPr b="0" lang="en-GB" sz="2000" spc="-1" strike="noStrike">
+              <a:rPr b="0" lang="en-US" sz="2000" spc="-1" strike="noStrike">
                 <a:solidFill>
                   <a:srgbClr val="000000"/>
                 </a:solidFill>
@@ -5648,7 +5648,7 @@
               </a:rPr>
               <a:t>Fifth Outline Level</a:t>
             </a:r>
-            <a:endParaRPr b="0" lang="en-GB" sz="2000" spc="-1" strike="noStrike">
+            <a:endParaRPr b="0" lang="en-US" sz="2000" spc="-1" strike="noStrike">
               <a:solidFill>
                 <a:srgbClr val="000000"/>
               </a:solidFill>
@@ -5668,7 +5668,7 @@
               <a:buChar char=""/>
             </a:pPr>
             <a:r>
-              <a:rPr b="0" lang="en-GB" sz="2000" spc="-1" strike="noStrike">
+              <a:rPr b="0" lang="en-US" sz="2000" spc="-1" strike="noStrike">
                 <a:solidFill>
                   <a:srgbClr val="000000"/>
                 </a:solidFill>
@@ -5676,7 +5676,7 @@
               </a:rPr>
               <a:t>Sixth Outline Level</a:t>
             </a:r>
-            <a:endParaRPr b="0" lang="en-GB" sz="2000" spc="-1" strike="noStrike">
+            <a:endParaRPr b="0" lang="en-US" sz="2000" spc="-1" strike="noStrike">
               <a:solidFill>
                 <a:srgbClr val="000000"/>
               </a:solidFill>
@@ -5696,7 +5696,7 @@
               <a:buChar char=""/>
             </a:pPr>
             <a:r>
-              <a:rPr b="0" lang="en-GB" sz="2000" spc="-1" strike="noStrike">
+              <a:rPr b="0" lang="en-US" sz="2000" spc="-1" strike="noStrike">
                 <a:solidFill>
                   <a:srgbClr val="000000"/>
                 </a:solidFill>
@@ -5704,7 +5704,7 @@
               </a:rPr>
               <a:t>Seventh Outline Level</a:t>
             </a:r>
-            <a:endParaRPr b="0" lang="en-GB" sz="2000" spc="-1" strike="noStrike">
+            <a:endParaRPr b="0" lang="en-US" sz="2000" spc="-1" strike="noStrike">
               <a:solidFill>
                 <a:srgbClr val="000000"/>
               </a:solidFill>
@@ -5759,7 +5759,7 @@
         <p:spPr>
           <a:xfrm>
             <a:off x="527400" y="1412640"/>
-            <a:ext cx="10358640" cy="1145160"/>
+            <a:ext cx="10358280" cy="1144800"/>
           </a:xfrm>
           <a:prstGeom prst="rect">
             <a:avLst/>
@@ -5795,7 +5795,7 @@
               </a:rPr>
               <a:t>Emerging Technologies for the Circular Economy</a:t>
             </a:r>
-            <a:endParaRPr b="0" lang="en-GB" sz="3200" spc="-1" strike="noStrike">
+            <a:endParaRPr b="0" lang="en-US" sz="3200" spc="-1" strike="noStrike">
               <a:solidFill>
                 <a:srgbClr val="000000"/>
               </a:solidFill>
@@ -5813,7 +5813,7 @@
         <p:spPr>
           <a:xfrm>
             <a:off x="527400" y="2852640"/>
-            <a:ext cx="10358640" cy="2365920"/>
+            <a:ext cx="10358280" cy="2365560"/>
           </a:xfrm>
           <a:prstGeom prst="rect">
             <a:avLst/>
@@ -5855,7 +5855,7 @@
               </a:rPr>
               <a:t>Lecture 0: Organization</a:t>
             </a:r>
-            <a:endParaRPr b="0" lang="en-GB" sz="2400" spc="-1" strike="noStrike">
+            <a:endParaRPr b="0" lang="en-US" sz="2400" spc="-1" strike="noStrike">
               <a:solidFill>
                 <a:srgbClr val="000000"/>
               </a:solidFill>
@@ -5874,7 +5874,7 @@
                 <a:tab algn="l" pos="0"/>
               </a:tabLst>
             </a:pPr>
-            <a:endParaRPr b="0" lang="en-GB" sz="2400" spc="-1" strike="noStrike">
+            <a:endParaRPr b="0" lang="en-US" sz="2400" spc="-1" strike="noStrike">
               <a:solidFill>
                 <a:srgbClr val="000000"/>
               </a:solidFill>
@@ -5893,7 +5893,7 @@
                 <a:tab algn="l" pos="0"/>
               </a:tabLst>
             </a:pPr>
-            <a:endParaRPr b="0" lang="en-GB" sz="2400" spc="-1" strike="noStrike">
+            <a:endParaRPr b="0" lang="en-US" sz="2400" spc="-1" strike="noStrike">
               <a:solidFill>
                 <a:srgbClr val="000000"/>
               </a:solidFill>
@@ -5912,7 +5912,7 @@
                 <a:tab algn="l" pos="0"/>
               </a:tabLst>
             </a:pPr>
-            <a:endParaRPr b="0" lang="en-GB" sz="2400" spc="-1" strike="noStrike">
+            <a:endParaRPr b="0" lang="en-US" sz="2400" spc="-1" strike="noStrike">
               <a:solidFill>
                 <a:srgbClr val="000000"/>
               </a:solidFill>
@@ -5941,7 +5941,7 @@
               </a:rPr>
               <a:t>Prof. Dr. Benjamin Leiding (Clausthal)</a:t>
             </a:r>
-            <a:endParaRPr b="0" lang="en-GB" sz="1600" spc="-1" strike="noStrike">
+            <a:endParaRPr b="0" lang="en-US" sz="1600" spc="-1" strike="noStrike">
               <a:solidFill>
                 <a:srgbClr val="000000"/>
               </a:solidFill>
@@ -5970,7 +5970,7 @@
               </a:rPr>
               <a:t>Dr. Arne Bochem (Göttingen)</a:t>
             </a:r>
-            <a:endParaRPr b="0" lang="en-GB" sz="1600" spc="-1" strike="noStrike">
+            <a:endParaRPr b="0" lang="en-US" sz="1600" spc="-1" strike="noStrike">
               <a:solidFill>
                 <a:srgbClr val="000000"/>
               </a:solidFill>
@@ -5999,7 +5999,7 @@
               </a:rPr>
               <a:t>M.Sc. Anant Sujatanagarjuna (Clausthal)</a:t>
             </a:r>
-            <a:endParaRPr b="0" lang="en-GB" sz="1600" spc="-1" strike="noStrike">
+            <a:endParaRPr b="0" lang="en-US" sz="1600" spc="-1" strike="noStrike">
               <a:solidFill>
                 <a:srgbClr val="000000"/>
               </a:solidFill>
@@ -6028,7 +6028,7 @@
               </a:rPr>
               <a:t>M.Sc. Shohreh Kia (Clausthal)</a:t>
             </a:r>
-            <a:endParaRPr b="0" lang="en-GB" sz="1600" spc="-1" strike="noStrike">
+            <a:endParaRPr b="0" lang="en-US" sz="1600" spc="-1" strike="noStrike">
               <a:solidFill>
                 <a:srgbClr val="000000"/>
               </a:solidFill>
@@ -6076,7 +6076,7 @@
         <p:spPr>
           <a:xfrm>
             <a:off x="335520" y="764640"/>
-            <a:ext cx="10742760" cy="493560"/>
+            <a:ext cx="10742400" cy="493200"/>
           </a:xfrm>
           <a:prstGeom prst="rect">
             <a:avLst/>
@@ -6112,7 +6112,7 @@
               </a:rPr>
               <a:t>Learning Outcome</a:t>
             </a:r>
-            <a:endParaRPr b="0" lang="en-GB" sz="2400" spc="-1" strike="noStrike">
+            <a:endParaRPr b="0" lang="en-US" sz="2400" spc="-1" strike="noStrike">
               <a:solidFill>
                 <a:srgbClr val="000000"/>
               </a:solidFill>
@@ -6125,7 +6125,7 @@
                 <a:spcPct val="100000"/>
               </a:lnSpc>
             </a:pPr>
-            <a:endParaRPr b="0" lang="en-GB" sz="2400" spc="-1" strike="noStrike">
+            <a:endParaRPr b="0" lang="en-US" sz="2400" spc="-1" strike="noStrike">
               <a:solidFill>
                 <a:srgbClr val="000000"/>
               </a:solidFill>
@@ -6143,7 +6143,7 @@
         <p:spPr>
           <a:xfrm>
             <a:off x="335520" y="2408400"/>
-            <a:ext cx="10742760" cy="3890520"/>
+            <a:ext cx="10742400" cy="3890160"/>
           </a:xfrm>
           <a:prstGeom prst="rect">
             <a:avLst/>
@@ -6188,7 +6188,7 @@
               </a:rPr>
               <a:t>Basic understanding of the concept of the Linear Economy, the Circular Economy, the Performance Economy and sustainability</a:t>
             </a:r>
-            <a:endParaRPr b="0" lang="en-GB" sz="1800" spc="-1" strike="noStrike">
+            <a:endParaRPr b="0" lang="en-US" sz="1800" spc="-1" strike="noStrike">
               <a:solidFill>
                 <a:srgbClr val="000000"/>
               </a:solidFill>
@@ -6220,7 +6220,7 @@
               </a:rPr>
               <a:t>Basic understanding of new technologies in the field of decentralized and smart systems</a:t>
             </a:r>
-            <a:endParaRPr b="0" lang="en-GB" sz="1800" spc="-1" strike="noStrike">
+            <a:endParaRPr b="0" lang="en-US" sz="1800" spc="-1" strike="noStrike">
               <a:solidFill>
                 <a:srgbClr val="000000"/>
               </a:solidFill>
@@ -6252,7 +6252,7 @@
               </a:rPr>
               <a:t>Understanding and overview of the Internet of Things and related concepts</a:t>
             </a:r>
-            <a:endParaRPr b="0" lang="en-GB" sz="1800" spc="-1" strike="noStrike">
+            <a:endParaRPr b="0" lang="en-US" sz="1800" spc="-1" strike="noStrike">
               <a:solidFill>
                 <a:srgbClr val="000000"/>
               </a:solidFill>
@@ -6284,7 +6284,7 @@
               </a:rPr>
               <a:t>Ability to design decentralized smart systems and applications in the context of connected sensor systems</a:t>
             </a:r>
-            <a:endParaRPr b="0" lang="en-GB" sz="1800" spc="-1" strike="noStrike">
+            <a:endParaRPr b="0" lang="en-US" sz="1800" spc="-1" strike="noStrike">
               <a:solidFill>
                 <a:srgbClr val="000000"/>
               </a:solidFill>
@@ -6332,7 +6332,7 @@
         <p:spPr>
           <a:xfrm>
             <a:off x="335520" y="764640"/>
-            <a:ext cx="10742760" cy="493560"/>
+            <a:ext cx="10742400" cy="493200"/>
           </a:xfrm>
           <a:prstGeom prst="rect">
             <a:avLst/>
@@ -6368,7 +6368,7 @@
               </a:rPr>
               <a:t>Learning Outcome</a:t>
             </a:r>
-            <a:endParaRPr b="0" lang="en-GB" sz="2400" spc="-1" strike="noStrike">
+            <a:endParaRPr b="0" lang="en-US" sz="2400" spc="-1" strike="noStrike">
               <a:solidFill>
                 <a:srgbClr val="000000"/>
               </a:solidFill>
@@ -6386,7 +6386,7 @@
         <p:spPr>
           <a:xfrm>
             <a:off x="335520" y="2408400"/>
-            <a:ext cx="10742760" cy="3890520"/>
+            <a:ext cx="10742400" cy="3890160"/>
           </a:xfrm>
           <a:prstGeom prst="rect">
             <a:avLst/>
@@ -6431,7 +6431,7 @@
               </a:rPr>
               <a:t>Basic understanding of the concept of the Linear Economy, the Circular Economy, the Performance Economy and sustainability</a:t>
             </a:r>
-            <a:endParaRPr b="0" lang="en-GB" sz="1800" spc="-1" strike="noStrike">
+            <a:endParaRPr b="0" lang="en-US" sz="1800" spc="-1" strike="noStrike">
               <a:solidFill>
                 <a:srgbClr val="000000"/>
               </a:solidFill>
@@ -6463,7 +6463,7 @@
               </a:rPr>
               <a:t>Basic understanding of new technologies in the field of decentralized and smart systems</a:t>
             </a:r>
-            <a:endParaRPr b="0" lang="en-GB" sz="1800" spc="-1" strike="noStrike">
+            <a:endParaRPr b="0" lang="en-US" sz="1800" spc="-1" strike="noStrike">
               <a:solidFill>
                 <a:srgbClr val="000000"/>
               </a:solidFill>
@@ -6495,7 +6495,7 @@
               </a:rPr>
               <a:t>Understanding and overview of the Internet of Things and related concepts</a:t>
             </a:r>
-            <a:endParaRPr b="0" lang="en-GB" sz="1800" spc="-1" strike="noStrike">
+            <a:endParaRPr b="0" lang="en-US" sz="1800" spc="-1" strike="noStrike">
               <a:solidFill>
                 <a:srgbClr val="000000"/>
               </a:solidFill>
@@ -6527,7 +6527,7 @@
               </a:rPr>
               <a:t>Ability to design decentralized smart systems and applications in the context of connected sensor systems</a:t>
             </a:r>
-            <a:endParaRPr b="0" lang="en-GB" sz="1800" spc="-1" strike="noStrike">
+            <a:endParaRPr b="0" lang="en-US" sz="1800" spc="-1" strike="noStrike">
               <a:solidFill>
                 <a:srgbClr val="000000"/>
               </a:solidFill>
@@ -6559,7 +6559,7 @@
               </a:rPr>
               <a:t>Knowledge of the design and consideration of privacy-preserving data processing procedures for smart and decentralized applications</a:t>
             </a:r>
-            <a:endParaRPr b="0" lang="en-GB" sz="1800" spc="-1" strike="noStrike">
+            <a:endParaRPr b="0" lang="en-US" sz="1800" spc="-1" strike="noStrike">
               <a:solidFill>
                 <a:srgbClr val="000000"/>
               </a:solidFill>
@@ -6607,7 +6607,7 @@
         <p:spPr>
           <a:xfrm>
             <a:off x="335520" y="764640"/>
-            <a:ext cx="10742760" cy="493560"/>
+            <a:ext cx="10742400" cy="493200"/>
           </a:xfrm>
           <a:prstGeom prst="rect">
             <a:avLst/>
@@ -6643,7 +6643,7 @@
               </a:rPr>
               <a:t>Learning Outcome</a:t>
             </a:r>
-            <a:endParaRPr b="0" lang="en-GB" sz="2400" spc="-1" strike="noStrike">
+            <a:endParaRPr b="0" lang="en-US" sz="2400" spc="-1" strike="noStrike">
               <a:solidFill>
                 <a:srgbClr val="000000"/>
               </a:solidFill>
@@ -6656,7 +6656,7 @@
                 <a:spcPct val="100000"/>
               </a:lnSpc>
             </a:pPr>
-            <a:endParaRPr b="0" lang="en-GB" sz="2400" spc="-1" strike="noStrike">
+            <a:endParaRPr b="0" lang="en-US" sz="2400" spc="-1" strike="noStrike">
               <a:solidFill>
                 <a:srgbClr val="000000"/>
               </a:solidFill>
@@ -6674,7 +6674,7 @@
         <p:spPr>
           <a:xfrm>
             <a:off x="335520" y="2408400"/>
-            <a:ext cx="10742760" cy="3890520"/>
+            <a:ext cx="10742400" cy="3890160"/>
           </a:xfrm>
           <a:prstGeom prst="rect">
             <a:avLst/>
@@ -6719,7 +6719,7 @@
               </a:rPr>
               <a:t>Basic understanding of the concept of the Linear Economy, the Circular Economy, the Performance Economy and sustainability</a:t>
             </a:r>
-            <a:endParaRPr b="0" lang="en-GB" sz="1800" spc="-1" strike="noStrike">
+            <a:endParaRPr b="0" lang="en-US" sz="1800" spc="-1" strike="noStrike">
               <a:solidFill>
                 <a:srgbClr val="000000"/>
               </a:solidFill>
@@ -6751,7 +6751,7 @@
               </a:rPr>
               <a:t>Basic understanding of new technologies in the field of decentralized and smart systems</a:t>
             </a:r>
-            <a:endParaRPr b="0" lang="en-GB" sz="1800" spc="-1" strike="noStrike">
+            <a:endParaRPr b="0" lang="en-US" sz="1800" spc="-1" strike="noStrike">
               <a:solidFill>
                 <a:srgbClr val="000000"/>
               </a:solidFill>
@@ -6783,7 +6783,7 @@
               </a:rPr>
               <a:t>Understanding and overview of the Internet of Things and related concepts</a:t>
             </a:r>
-            <a:endParaRPr b="0" lang="en-GB" sz="1800" spc="-1" strike="noStrike">
+            <a:endParaRPr b="0" lang="en-US" sz="1800" spc="-1" strike="noStrike">
               <a:solidFill>
                 <a:srgbClr val="000000"/>
               </a:solidFill>
@@ -6815,7 +6815,7 @@
               </a:rPr>
               <a:t>Ability to design decentralized smart systems and applications in the context of connected sensor systems</a:t>
             </a:r>
-            <a:endParaRPr b="0" lang="en-GB" sz="1800" spc="-1" strike="noStrike">
+            <a:endParaRPr b="0" lang="en-US" sz="1800" spc="-1" strike="noStrike">
               <a:solidFill>
                 <a:srgbClr val="000000"/>
               </a:solidFill>
@@ -6847,7 +6847,7 @@
               </a:rPr>
               <a:t>Knowledge of the design and consideration of privacy-preserving data processing procedures for smart and decentralized applications</a:t>
             </a:r>
-            <a:endParaRPr b="0" lang="en-GB" sz="1800" spc="-1" strike="noStrike">
+            <a:endParaRPr b="0" lang="en-US" sz="1800" spc="-1" strike="noStrike">
               <a:solidFill>
                 <a:srgbClr val="000000"/>
               </a:solidFill>
@@ -6879,7 +6879,7 @@
               </a:rPr>
               <a:t>Experience in prototyping such applications and systems</a:t>
             </a:r>
-            <a:endParaRPr b="0" lang="en-GB" sz="1800" spc="-1" strike="noStrike">
+            <a:endParaRPr b="0" lang="en-US" sz="1800" spc="-1" strike="noStrike">
               <a:solidFill>
                 <a:srgbClr val="000000"/>
               </a:solidFill>
@@ -6927,7 +6927,7 @@
         <p:spPr>
           <a:xfrm>
             <a:off x="335520" y="764640"/>
-            <a:ext cx="10742760" cy="493560"/>
+            <a:ext cx="10742400" cy="493200"/>
           </a:xfrm>
           <a:prstGeom prst="rect">
             <a:avLst/>
@@ -6963,7 +6963,7 @@
               </a:rPr>
               <a:t>Lectures</a:t>
             </a:r>
-            <a:endParaRPr b="0" lang="en-GB" sz="2400" spc="-1" strike="noStrike">
+            <a:endParaRPr b="0" lang="en-US" sz="2400" spc="-1" strike="noStrike">
               <a:solidFill>
                 <a:srgbClr val="000000"/>
               </a:solidFill>
@@ -6981,7 +6981,7 @@
         <p:spPr>
           <a:xfrm>
             <a:off x="335520" y="1268640"/>
-            <a:ext cx="10742760" cy="5030280"/>
+            <a:ext cx="10742400" cy="5029920"/>
           </a:xfrm>
           <a:prstGeom prst="rect">
             <a:avLst/>
@@ -7026,7 +7026,7 @@
               </a:rPr>
               <a:t>17.04.2023 → Organization (L00) + Introduction (L01)</a:t>
             </a:r>
-            <a:endParaRPr b="0" lang="en-GB" sz="1800" spc="-1" strike="noStrike">
+            <a:endParaRPr b="0" lang="en-US" sz="1800" spc="-1" strike="noStrike">
               <a:solidFill>
                 <a:srgbClr val="000000"/>
               </a:solidFill>
@@ -7058,7 +7058,7 @@
               </a:rPr>
               <a:t>24.04.2023 → Circular Economy (L02) </a:t>
             </a:r>
-            <a:endParaRPr b="0" lang="en-GB" sz="1800" spc="-1" strike="noStrike">
+            <a:endParaRPr b="0" lang="en-US" sz="1800" spc="-1" strike="noStrike">
               <a:solidFill>
                 <a:srgbClr val="000000"/>
               </a:solidFill>
@@ -7090,7 +7090,7 @@
               </a:rPr>
               <a:t>08.05.2023 → Lifecycle Assessment – LCA (L03)</a:t>
             </a:r>
-            <a:endParaRPr b="0" lang="en-GB" sz="1800" spc="-1" strike="noStrike">
+            <a:endParaRPr b="0" lang="en-US" sz="1800" spc="-1" strike="noStrike">
               <a:solidFill>
                 <a:srgbClr val="000000"/>
               </a:solidFill>
@@ -7122,7 +7122,7 @@
               </a:rPr>
               <a:t>15.05.2023 → Introduction to the Internet of Things (L04)</a:t>
             </a:r>
-            <a:endParaRPr b="0" lang="en-GB" sz="1800" spc="-1" strike="noStrike">
+            <a:endParaRPr b="0" lang="en-US" sz="1800" spc="-1" strike="noStrike">
               <a:solidFill>
                 <a:srgbClr val="000000"/>
               </a:solidFill>
@@ -7154,7 +7154,7 @@
               </a:rPr>
               <a:t>22.05.2023 → Internet of Things – Communication + Security and Privacy (L05)</a:t>
             </a:r>
-            <a:endParaRPr b="0" lang="en-GB" sz="1800" spc="-1" strike="noStrike">
+            <a:endParaRPr b="0" lang="en-US" sz="1800" spc="-1" strike="noStrike">
               <a:solidFill>
                 <a:srgbClr val="000000"/>
               </a:solidFill>
@@ -7186,7 +7186,7 @@
               </a:rPr>
               <a:t>05.06.2023 → Internet of Things – Data Processing and BigData (L06)</a:t>
             </a:r>
-            <a:endParaRPr b="0" lang="en-GB" sz="1800" spc="-1" strike="noStrike">
+            <a:endParaRPr b="0" lang="en-US" sz="1800" spc="-1" strike="noStrike">
               <a:solidFill>
                 <a:srgbClr val="000000"/>
               </a:solidFill>
@@ -7242,7 +7242,7 @@
               </a:rPr>
               <a:t>Extra MOOC - Foodsharing </a:t>
             </a:r>
-            <a:endParaRPr b="0" lang="en-GB" sz="1800" spc="-1" strike="noStrike">
+            <a:endParaRPr b="0" lang="en-US" sz="1800" spc="-1" strike="noStrike">
               <a:solidFill>
                 <a:srgbClr val="000000"/>
               </a:solidFill>
@@ -7274,7 +7274,7 @@
               </a:rPr>
               <a:t>12.06.2023 → Industrial Internet of Things (L07)</a:t>
             </a:r>
-            <a:endParaRPr b="0" lang="en-GB" sz="1800" spc="-1" strike="noStrike">
+            <a:endParaRPr b="0" lang="en-US" sz="1800" spc="-1" strike="noStrike">
               <a:solidFill>
                 <a:srgbClr val="000000"/>
               </a:solidFill>
@@ -7306,7 +7306,7 @@
               </a:rPr>
               <a:t>19.06.2023 → Introduction to Blockchain Technology (L08)</a:t>
             </a:r>
-            <a:endParaRPr b="0" lang="en-GB" sz="1800" spc="-1" strike="noStrike">
+            <a:endParaRPr b="0" lang="en-US" sz="1800" spc="-1" strike="noStrike">
               <a:solidFill>
                 <a:srgbClr val="000000"/>
               </a:solidFill>
@@ -7338,7 +7338,7 @@
               </a:rPr>
               <a:t>26.06.2023 → Blockchain Technology – Consensus (L09)</a:t>
             </a:r>
-            <a:endParaRPr b="0" lang="en-GB" sz="1800" spc="-1" strike="noStrike">
+            <a:endParaRPr b="0" lang="en-US" sz="1800" spc="-1" strike="noStrike">
               <a:solidFill>
                 <a:srgbClr val="000000"/>
               </a:solidFill>
@@ -7370,7 +7370,7 @@
               </a:rPr>
               <a:t>03.07.2023 → Blockchain Technology – Ethereum and Smart Contracts (L10)</a:t>
             </a:r>
-            <a:endParaRPr b="0" lang="en-GB" sz="1800" spc="-1" strike="noStrike">
+            <a:endParaRPr b="0" lang="en-US" sz="1800" spc="-1" strike="noStrike">
               <a:solidFill>
                 <a:srgbClr val="000000"/>
               </a:solidFill>
@@ -7402,7 +7402,7 @@
               </a:rPr>
               <a:t>10.07.2023 → Blockchain Technology and Sustainability (L11)</a:t>
             </a:r>
-            <a:endParaRPr b="0" lang="en-GB" sz="1800" spc="-1" strike="noStrike">
+            <a:endParaRPr b="0" lang="en-US" sz="1800" spc="-1" strike="noStrike">
               <a:solidFill>
                 <a:srgbClr val="000000"/>
               </a:solidFill>
@@ -7454,7 +7454,7 @@
               </a:rPr>
               <a:t> The Machine-to-Everything Economy – A step towards the CE 2.0? (L12)</a:t>
             </a:r>
-            <a:endParaRPr b="0" lang="en-GB" sz="1800" spc="-1" strike="noStrike">
+            <a:endParaRPr b="0" lang="en-US" sz="1800" spc="-1" strike="noStrike">
               <a:solidFill>
                 <a:srgbClr val="000000"/>
               </a:solidFill>
@@ -7486,7 +7486,7 @@
               </a:rPr>
               <a:t>31.07.2023 → Exam Q&amp;A</a:t>
             </a:r>
-            <a:endParaRPr b="0" lang="en-GB" sz="1800" spc="-1" strike="noStrike">
+            <a:endParaRPr b="0" lang="en-US" sz="1800" spc="-1" strike="noStrike">
               <a:solidFill>
                 <a:srgbClr val="000000"/>
               </a:solidFill>
@@ -7534,7 +7534,7 @@
         <p:spPr>
           <a:xfrm>
             <a:off x="335520" y="764640"/>
-            <a:ext cx="10742760" cy="493560"/>
+            <a:ext cx="10742400" cy="493200"/>
           </a:xfrm>
           <a:prstGeom prst="rect">
             <a:avLst/>
@@ -7570,7 +7570,7 @@
               </a:rPr>
               <a:t>Exercises</a:t>
             </a:r>
-            <a:endParaRPr b="0" lang="en-GB" sz="2400" spc="-1" strike="noStrike">
+            <a:endParaRPr b="0" lang="en-US" sz="2400" spc="-1" strike="noStrike">
               <a:solidFill>
                 <a:srgbClr val="000000"/>
               </a:solidFill>
@@ -7588,7 +7588,7 @@
         <p:spPr>
           <a:xfrm>
             <a:off x="335520" y="1268640"/>
-            <a:ext cx="10742760" cy="5030280"/>
+            <a:ext cx="10742400" cy="5029920"/>
           </a:xfrm>
           <a:prstGeom prst="rect">
             <a:avLst/>
@@ -7653,7 +7653,7 @@
               </a:rPr>
               <a:t> Exercise 01 – Knowledge Test (MC)</a:t>
             </a:r>
-            <a:endParaRPr b="0" lang="en-GB" sz="1800" spc="-1" strike="noStrike">
+            <a:endParaRPr b="0" lang="en-US" sz="1800" spc="-1" strike="noStrike">
               <a:solidFill>
                 <a:srgbClr val="000000"/>
               </a:solidFill>
@@ -7705,7 +7705,7 @@
               </a:rPr>
               <a:t> Exercise 02 – Circular Economy (MC)</a:t>
             </a:r>
-            <a:endParaRPr b="0" lang="en-GB" sz="1800" spc="-1" strike="noStrike">
+            <a:endParaRPr b="0" lang="en-US" sz="1800" spc="-1" strike="noStrike">
               <a:solidFill>
                 <a:srgbClr val="000000"/>
               </a:solidFill>
@@ -7757,7 +7757,7 @@
               </a:rPr>
               <a:t> Exercise 03 – Lifecycle Assessment (LCA)</a:t>
             </a:r>
-            <a:endParaRPr b="0" lang="en-GB" sz="1800" spc="-1" strike="noStrike">
+            <a:endParaRPr b="0" lang="en-US" sz="1800" spc="-1" strike="noStrike">
               <a:solidFill>
                 <a:srgbClr val="000000"/>
               </a:solidFill>
@@ -7809,7 +7809,7 @@
               </a:rPr>
               <a:t> Exercise 04 – IoT Sensing and Gathering Data</a:t>
             </a:r>
-            <a:endParaRPr b="0" lang="en-GB" sz="1800" spc="-1" strike="noStrike">
+            <a:endParaRPr b="0" lang="en-US" sz="1800" spc="-1" strike="noStrike">
               <a:solidFill>
                 <a:srgbClr val="000000"/>
               </a:solidFill>
@@ -7861,7 +7861,7 @@
               </a:rPr>
               <a:t> Exercise 05 – IoT Security</a:t>
             </a:r>
-            <a:endParaRPr b="0" lang="en-GB" sz="1800" spc="-1" strike="noStrike">
+            <a:endParaRPr b="0" lang="en-US" sz="1800" spc="-1" strike="noStrike">
               <a:solidFill>
                 <a:srgbClr val="000000"/>
               </a:solidFill>
@@ -7913,7 +7913,7 @@
               </a:rPr>
               <a:t> Exercise 06 – IoT Data Processing</a:t>
             </a:r>
-            <a:endParaRPr b="0" lang="en-GB" sz="1800" spc="-1" strike="noStrike">
+            <a:endParaRPr b="0" lang="en-US" sz="1800" spc="-1" strike="noStrike">
               <a:solidFill>
                 <a:srgbClr val="000000"/>
               </a:solidFill>
@@ -7945,7 +7945,7 @@
               </a:rPr>
               <a:t>12.06.2023 → Exercise 07 – Industrial IoT</a:t>
             </a:r>
-            <a:endParaRPr b="0" lang="en-GB" sz="1800" spc="-1" strike="noStrike">
+            <a:endParaRPr b="0" lang="en-US" sz="1800" spc="-1" strike="noStrike">
               <a:solidFill>
                 <a:srgbClr val="000000"/>
               </a:solidFill>
@@ -8017,7 +8017,7 @@
               </a:rPr>
               <a:t> 08 – Blockchain (MC)</a:t>
             </a:r>
-            <a:endParaRPr b="0" lang="en-GB" sz="1800" spc="-1" strike="noStrike">
+            <a:endParaRPr b="0" lang="en-US" sz="1800" spc="-1" strike="noStrike">
               <a:solidFill>
                 <a:srgbClr val="000000"/>
               </a:solidFill>
@@ -8069,7 +8069,7 @@
               </a:rPr>
               <a:t> Exercise 09 – Blockchain Basics</a:t>
             </a:r>
-            <a:endParaRPr b="0" lang="en-GB" sz="1800" spc="-1" strike="noStrike">
+            <a:endParaRPr b="0" lang="en-US" sz="1800" spc="-1" strike="noStrike">
               <a:solidFill>
                 <a:srgbClr val="000000"/>
               </a:solidFill>
@@ -8121,7 +8121,7 @@
               </a:rPr>
               <a:t> Exercise 10 – Blockchain Conensus</a:t>
             </a:r>
-            <a:endParaRPr b="0" lang="en-GB" sz="1800" spc="-1" strike="noStrike">
+            <a:endParaRPr b="0" lang="en-US" sz="1800" spc="-1" strike="noStrike">
               <a:solidFill>
                 <a:srgbClr val="000000"/>
               </a:solidFill>
@@ -8173,7 +8173,7 @@
               </a:rPr>
               <a:t> Exercise 11 – Blockchain Tokens</a:t>
             </a:r>
-            <a:endParaRPr b="0" lang="en-GB" sz="1800" spc="-1" strike="noStrike">
+            <a:endParaRPr b="0" lang="en-US" sz="1800" spc="-1" strike="noStrike">
               <a:solidFill>
                 <a:srgbClr val="000000"/>
               </a:solidFill>
@@ -8225,7 +8225,7 @@
               </a:rPr>
               <a:t> Exercise 12 – Blockchain Smart Contracts and IoT</a:t>
             </a:r>
-            <a:endParaRPr b="0" lang="en-GB" sz="1800" spc="-1" strike="noStrike">
+            <a:endParaRPr b="0" lang="en-US" sz="1800" spc="-1" strike="noStrike">
               <a:solidFill>
                 <a:srgbClr val="000000"/>
               </a:solidFill>
@@ -8273,7 +8273,7 @@
         <p:spPr>
           <a:xfrm>
             <a:off x="335520" y="764640"/>
-            <a:ext cx="10742760" cy="493560"/>
+            <a:ext cx="10742400" cy="493200"/>
           </a:xfrm>
           <a:prstGeom prst="rect">
             <a:avLst/>
@@ -8309,7 +8309,7 @@
               </a:rPr>
               <a:t>Course Organization</a:t>
             </a:r>
-            <a:endParaRPr b="0" lang="en-GB" sz="2400" spc="-1" strike="noStrike">
+            <a:endParaRPr b="0" lang="en-US" sz="2400" spc="-1" strike="noStrike">
               <a:solidFill>
                 <a:srgbClr val="000000"/>
               </a:solidFill>
@@ -8327,7 +8327,7 @@
         <p:spPr>
           <a:xfrm>
             <a:off x="335520" y="1268280"/>
-            <a:ext cx="10742760" cy="5030280"/>
+            <a:ext cx="10742400" cy="5029920"/>
           </a:xfrm>
           <a:prstGeom prst="rect">
             <a:avLst/>
@@ -8372,7 +8372,7 @@
               </a:rPr>
               <a:t>Online course that is offered in parallel at the Clausthal University of Technology and the University of Göttingen</a:t>
             </a:r>
-            <a:endParaRPr b="0" lang="en-GB" sz="1800" spc="-1" strike="noStrike">
+            <a:endParaRPr b="0" lang="en-US" sz="1800" spc="-1" strike="noStrike">
               <a:solidFill>
                 <a:srgbClr val="000000"/>
               </a:solidFill>
@@ -8388,7 +8388,7 @@
                 <a:spcPts val="360"/>
               </a:spcBef>
             </a:pPr>
-            <a:endParaRPr b="0" lang="en-GB" sz="1800" spc="-1" strike="noStrike">
+            <a:endParaRPr b="0" lang="en-US" sz="1800" spc="-1" strike="noStrike">
               <a:solidFill>
                 <a:srgbClr val="000000"/>
               </a:solidFill>
@@ -8420,7 +8420,7 @@
               </a:rPr>
               <a:t>Organization of the lecture:</a:t>
             </a:r>
-            <a:endParaRPr b="0" lang="en-GB" sz="1800" spc="-1" strike="noStrike">
+            <a:endParaRPr b="0" lang="en-US" sz="1800" spc="-1" strike="noStrike">
               <a:solidFill>
                 <a:srgbClr val="000000"/>
               </a:solidFill>
@@ -8474,39 +8474,7 @@
               </a:rPr>
               <a:t>)</a:t>
             </a:r>
-            <a:endParaRPr b="0" lang="en-GB" sz="1800" spc="-1" strike="noStrike">
-              <a:solidFill>
-                <a:srgbClr val="000000"/>
-              </a:solidFill>
-              <a:latin typeface="Arial"/>
-            </a:endParaRPr>
-          </a:p>
-          <a:p>
-            <a:pPr lvl="2" marL="648000" indent="-216000">
-              <a:lnSpc>
-                <a:spcPct val="100000"/>
-              </a:lnSpc>
-              <a:spcBef>
-                <a:spcPts val="360"/>
-              </a:spcBef>
-              <a:buClr>
-                <a:srgbClr val="008c4f"/>
-              </a:buClr>
-              <a:buSzPct val="45000"/>
-              <a:buFont typeface="Symbol"/>
-              <a:buChar char=""/>
-            </a:pPr>
-            <a:r>
-              <a:rPr b="0" lang="en-US" sz="1800" spc="-1" strike="noStrike">
-                <a:solidFill>
-                  <a:srgbClr val="000000"/>
-                </a:solidFill>
-                <a:latin typeface="DejaVu Sans"/>
-                <a:ea typeface="DejaVu Sans"/>
-              </a:rPr>
-              <a:t>Please report bugs!</a:t>
-            </a:r>
-            <a:endParaRPr b="0" lang="en-GB" sz="1800" spc="-1" strike="noStrike">
+            <a:endParaRPr b="0" lang="en-US" sz="1800" spc="-1" strike="noStrike">
               <a:solidFill>
                 <a:srgbClr val="000000"/>
               </a:solidFill>
@@ -8536,9 +8504,9 @@
                 <a:latin typeface="DejaVu Sans"/>
                 <a:ea typeface="DejaVu Sans"/>
               </a:rPr>
-              <a:t>Lectures and exercises as live stream (BBB – next slide)</a:t>
-            </a:r>
-            <a:endParaRPr b="0" lang="en-GB" sz="1800" spc="-1" strike="noStrike">
+              <a:t>Please report bugs!</a:t>
+            </a:r>
+            <a:endParaRPr b="0" lang="en-US" sz="1800" spc="-1" strike="noStrike">
               <a:solidFill>
                 <a:srgbClr val="000000"/>
               </a:solidFill>
@@ -8568,9 +8536,9 @@
                 <a:latin typeface="DejaVu Sans"/>
                 <a:ea typeface="DejaVu Sans"/>
               </a:rPr>
-              <a:t>Lecture recordings will be available on StudIP and on Github</a:t>
-            </a:r>
-            <a:endParaRPr b="0" lang="en-GB" sz="1800" spc="-1" strike="noStrike">
+              <a:t>Lectures and exercises as live stream (BBB – next slide)</a:t>
+            </a:r>
+            <a:endParaRPr b="0" lang="en-US" sz="1800" spc="-1" strike="noStrike">
               <a:solidFill>
                 <a:srgbClr val="000000"/>
               </a:solidFill>
@@ -8593,6 +8561,38 @@
               <a:buChar char="—"/>
             </a:pPr>
             <a:r>
+              <a:rPr b="0" lang="en-US" sz="1800" spc="-1" strike="noStrike">
+                <a:solidFill>
+                  <a:srgbClr val="000000"/>
+                </a:solidFill>
+                <a:latin typeface="DejaVu Sans"/>
+                <a:ea typeface="DejaVu Sans"/>
+              </a:rPr>
+              <a:t>Lecture recordings will be available on StudIP and on Github</a:t>
+            </a:r>
+            <a:endParaRPr b="0" lang="en-US" sz="1800" spc="-1" strike="noStrike">
+              <a:solidFill>
+                <a:srgbClr val="000000"/>
+              </a:solidFill>
+              <a:latin typeface="Arial"/>
+            </a:endParaRPr>
+          </a:p>
+          <a:p>
+            <a:pPr lvl="1" marL="432000" indent="-216000">
+              <a:lnSpc>
+                <a:spcPct val="100000"/>
+              </a:lnSpc>
+              <a:spcBef>
+                <a:spcPts val="360"/>
+              </a:spcBef>
+              <a:buClr>
+                <a:srgbClr val="008c4f"/>
+              </a:buClr>
+              <a:buSzPct val="45000"/>
+              <a:buFont typeface="OpenSymbol"/>
+              <a:buChar char="—"/>
+            </a:pPr>
+            <a:r>
               <a:rPr b="0" lang="en-GB" sz="1800" spc="-1" strike="noStrike">
                 <a:solidFill>
                   <a:srgbClr val="000000"/>
@@ -8622,7 +8622,7 @@
               </a:rPr>
               <a:t>Time for questions and eventual tutorials related to the exercises</a:t>
             </a:r>
-            <a:endParaRPr b="0" lang="en-GB" sz="1800" spc="-1" strike="noStrike">
+            <a:endParaRPr b="0" lang="en-US" sz="1800" spc="-1" strike="noStrike">
               <a:solidFill>
                 <a:srgbClr val="000000"/>
               </a:solidFill>
@@ -8638,7 +8638,7 @@
                 <a:spcPts val="360"/>
               </a:spcBef>
             </a:pPr>
-            <a:endParaRPr b="0" lang="en-GB" sz="1800" spc="-1" strike="noStrike">
+            <a:endParaRPr b="0" lang="en-US" sz="1800" spc="-1" strike="noStrike">
               <a:solidFill>
                 <a:srgbClr val="000000"/>
               </a:solidFill>
@@ -8716,7 +8716,7 @@
               </a:rPr>
               <a:t> respond to</a:t>
             </a:r>
-            <a:endParaRPr b="0" lang="en-GB" sz="1800" spc="-1" strike="noStrike">
+            <a:endParaRPr b="0" lang="en-US" sz="1800" spc="-1" strike="noStrike">
               <a:solidFill>
                 <a:srgbClr val="000000"/>
               </a:solidFill>
@@ -8742,7 +8742,7 @@
               </a:rPr>
               <a:t>emails written to this specific email address!</a:t>
             </a:r>
-            <a:endParaRPr b="0" lang="en-GB" sz="1800" spc="-1" strike="noStrike">
+            <a:endParaRPr b="0" lang="en-US" sz="1800" spc="-1" strike="noStrike">
               <a:solidFill>
                 <a:srgbClr val="000000"/>
               </a:solidFill>
@@ -8790,7 +8790,7 @@
         <p:spPr>
           <a:xfrm>
             <a:off x="335520" y="764640"/>
-            <a:ext cx="10741320" cy="492120"/>
+            <a:ext cx="10740960" cy="491760"/>
           </a:xfrm>
           <a:prstGeom prst="rect">
             <a:avLst/>
@@ -8826,7 +8826,7 @@
               </a:rPr>
               <a:t>Dates/Times/Locations</a:t>
             </a:r>
-            <a:endParaRPr b="0" lang="en-GB" sz="2400" spc="-1" strike="noStrike">
+            <a:endParaRPr b="0" lang="en-US" sz="2400" spc="-1" strike="noStrike">
               <a:solidFill>
                 <a:srgbClr val="000000"/>
               </a:solidFill>
@@ -8839,7 +8839,7 @@
                 <a:spcPct val="100000"/>
               </a:lnSpc>
             </a:pPr>
-            <a:endParaRPr b="0" lang="en-GB" sz="2400" spc="-1" strike="noStrike">
+            <a:endParaRPr b="0" lang="en-US" sz="2400" spc="-1" strike="noStrike">
               <a:solidFill>
                 <a:srgbClr val="000000"/>
               </a:solidFill>
@@ -8852,7 +8852,7 @@
                 <a:spcPct val="100000"/>
               </a:lnSpc>
             </a:pPr>
-            <a:endParaRPr b="0" lang="en-GB" sz="2400" spc="-1" strike="noStrike">
+            <a:endParaRPr b="0" lang="en-US" sz="2400" spc="-1" strike="noStrike">
               <a:solidFill>
                 <a:srgbClr val="000000"/>
               </a:solidFill>
@@ -8870,7 +8870,7 @@
         <p:spPr>
           <a:xfrm>
             <a:off x="335520" y="1268640"/>
-            <a:ext cx="10741320" cy="5028840"/>
+            <a:ext cx="10740960" cy="5028480"/>
           </a:xfrm>
           <a:prstGeom prst="rect">
             <a:avLst/>
@@ -8899,7 +8899,7 @@
                 <a:spcPts val="360"/>
               </a:spcBef>
             </a:pPr>
-            <a:endParaRPr b="0" lang="en-GB" sz="1800" spc="-1" strike="noStrike">
+            <a:endParaRPr b="0" lang="en-US" sz="1800" spc="-1" strike="noStrike">
               <a:solidFill>
                 <a:srgbClr val="000000"/>
               </a:solidFill>
@@ -8932,7 +8932,7 @@
               </a:rPr>
               <a:t>Lecture:</a:t>
             </a:r>
-            <a:endParaRPr b="0" lang="en-GB" sz="1800" spc="-1" strike="noStrike">
+            <a:endParaRPr b="0" lang="en-US" sz="1800" spc="-1" strike="noStrike">
               <a:solidFill>
                 <a:srgbClr val="000000"/>
               </a:solidFill>
@@ -9014,7 +9014,7 @@
               </a:rPr>
               <a:t>17.07.2023</a:t>
             </a:r>
-            <a:endParaRPr b="0" lang="en-GB" sz="1800" spc="-1" strike="noStrike">
+            <a:endParaRPr b="0" lang="en-US" sz="1800" spc="-1" strike="noStrike">
               <a:solidFill>
                 <a:srgbClr val="000000"/>
               </a:solidFill>
@@ -9068,7 +9068,7 @@
               </a:rPr>
               <a:t>)</a:t>
             </a:r>
-            <a:endParaRPr b="0" lang="en-GB" sz="1800" spc="-1" strike="noStrike">
+            <a:endParaRPr b="0" lang="en-US" sz="1800" spc="-1" strike="noStrike">
               <a:solidFill>
                 <a:srgbClr val="000000"/>
               </a:solidFill>
@@ -9084,7 +9084,7 @@
                 <a:spcPts val="360"/>
               </a:spcBef>
             </a:pPr>
-            <a:endParaRPr b="0" lang="en-GB" sz="1800" spc="-1" strike="noStrike">
+            <a:endParaRPr b="0" lang="en-US" sz="1800" spc="-1" strike="noStrike">
               <a:solidFill>
                 <a:srgbClr val="000000"/>
               </a:solidFill>
@@ -9117,7 +9117,7 @@
               </a:rPr>
               <a:t>Exercise / Q&amp;A:</a:t>
             </a:r>
-            <a:endParaRPr b="0" lang="en-GB" sz="1800" spc="-1" strike="noStrike">
+            <a:endParaRPr b="0" lang="en-US" sz="1800" spc="-1" strike="noStrike">
               <a:solidFill>
                 <a:srgbClr val="000000"/>
               </a:solidFill>
@@ -9199,7 +9199,7 @@
               </a:rPr>
               <a:t>17.07.2023</a:t>
             </a:r>
-            <a:endParaRPr b="0" lang="en-GB" sz="1800" spc="-1" strike="noStrike">
+            <a:endParaRPr b="0" lang="en-US" sz="1800" spc="-1" strike="noStrike">
               <a:solidFill>
                 <a:srgbClr val="000000"/>
               </a:solidFill>
@@ -9253,7 +9253,7 @@
               </a:rPr>
               <a:t>)</a:t>
             </a:r>
-            <a:endParaRPr b="0" lang="en-GB" sz="1800" spc="-1" strike="noStrike">
+            <a:endParaRPr b="0" lang="en-US" sz="1800" spc="-1" strike="noStrike">
               <a:solidFill>
                 <a:srgbClr val="000000"/>
               </a:solidFill>
@@ -9301,7 +9301,7 @@
         <p:spPr>
           <a:xfrm>
             <a:off x="335520" y="764640"/>
-            <a:ext cx="10742760" cy="493560"/>
+            <a:ext cx="10742400" cy="493200"/>
           </a:xfrm>
           <a:prstGeom prst="rect">
             <a:avLst/>
@@ -9337,7 +9337,7 @@
               </a:rPr>
               <a:t>Exercises </a:t>
             </a:r>
-            <a:endParaRPr b="0" lang="en-GB" sz="2400" spc="-1" strike="noStrike">
+            <a:endParaRPr b="0" lang="en-US" sz="2400" spc="-1" strike="noStrike">
               <a:solidFill>
                 <a:srgbClr val="000000"/>
               </a:solidFill>
@@ -9355,7 +9355,7 @@
         <p:spPr>
           <a:xfrm>
             <a:off x="335520" y="1268280"/>
-            <a:ext cx="10742760" cy="5030280"/>
+            <a:ext cx="10742400" cy="5029920"/>
           </a:xfrm>
           <a:prstGeom prst="rect">
             <a:avLst/>
@@ -9381,7 +9381,7 @@
                 <a:spcPct val="100000"/>
               </a:lnSpc>
             </a:pPr>
-            <a:endParaRPr b="0" lang="en-GB" sz="1800" spc="-1" strike="noStrike">
+            <a:endParaRPr b="0" lang="en-US" sz="1800" spc="-1" strike="noStrike">
               <a:solidFill>
                 <a:srgbClr val="000000"/>
               </a:solidFill>
@@ -9453,7 +9453,7 @@
               </a:rPr>
               <a:t>no group submissions</a:t>
             </a:r>
-            <a:endParaRPr b="0" lang="en-GB" sz="1800" spc="-1" strike="noStrike">
+            <a:endParaRPr b="0" lang="en-US" sz="1800" spc="-1" strike="noStrike">
               <a:solidFill>
                 <a:srgbClr val="000000"/>
               </a:solidFill>
@@ -9485,7 +9485,7 @@
               </a:rPr>
               <a:t>Multiple-Choice or coding tasks</a:t>
             </a:r>
-            <a:endParaRPr b="0" lang="en-GB" sz="1800" spc="-1" strike="noStrike">
+            <a:endParaRPr b="0" lang="en-US" sz="1800" spc="-1" strike="noStrike">
               <a:solidFill>
                 <a:srgbClr val="000000"/>
               </a:solidFill>
@@ -9517,7 +9517,7 @@
               </a:rPr>
               <a:t>7-14 days to submit (depending on the task)</a:t>
             </a:r>
-            <a:endParaRPr b="0" lang="en-GB" sz="1800" spc="-1" strike="noStrike">
+            <a:endParaRPr b="0" lang="en-US" sz="1800" spc="-1" strike="noStrike">
               <a:solidFill>
                 <a:srgbClr val="000000"/>
               </a:solidFill>
@@ -9549,7 +9549,7 @@
               </a:rPr>
               <a:t>Submission deadline is always Monday at 1:59pm (right before the next lecture)</a:t>
             </a:r>
-            <a:endParaRPr b="0" lang="en-GB" sz="1800" spc="-1" strike="noStrike">
+            <a:endParaRPr b="0" lang="en-US" sz="1800" spc="-1" strike="noStrike">
               <a:solidFill>
                 <a:srgbClr val="000000"/>
               </a:solidFill>
@@ -9611,7 +9611,7 @@
               </a:rPr>
               <a:t>mandatory</a:t>
             </a:r>
-            <a:endParaRPr b="0" lang="en-GB" sz="1800" spc="-1" strike="noStrike">
+            <a:endParaRPr b="0" lang="en-US" sz="1800" spc="-1" strike="noStrike">
               <a:solidFill>
                 <a:srgbClr val="000000"/>
               </a:solidFill>
@@ -9644,7 +9644,7 @@
               </a:rPr>
               <a:t>You pass by submitting an exercise – even if it is an empty page</a:t>
             </a:r>
-            <a:endParaRPr b="0" lang="en-GB" sz="1800" spc="-1" strike="noStrike">
+            <a:endParaRPr b="0" lang="en-US" sz="1800" spc="-1" strike="noStrike">
               <a:solidFill>
                 <a:srgbClr val="000000"/>
               </a:solidFill>
@@ -9676,7 +9676,7 @@
               </a:rPr>
               <a:t>You will receive feedback on your submission</a:t>
             </a:r>
-            <a:endParaRPr b="0" lang="en-GB" sz="1800" spc="-1" strike="noStrike">
+            <a:endParaRPr b="0" lang="en-US" sz="1800" spc="-1" strike="noStrike">
               <a:solidFill>
                 <a:srgbClr val="000000"/>
               </a:solidFill>
@@ -9708,7 +9708,7 @@
               </a:rPr>
               <a:t>Exercise = learning feedback</a:t>
             </a:r>
-            <a:endParaRPr b="0" lang="en-GB" sz="1800" spc="-1" strike="noStrike">
+            <a:endParaRPr b="0" lang="en-US" sz="1800" spc="-1" strike="noStrike">
               <a:solidFill>
                 <a:srgbClr val="000000"/>
               </a:solidFill>
@@ -9756,7 +9756,7 @@
         <p:spPr>
           <a:xfrm>
             <a:off x="335520" y="764640"/>
-            <a:ext cx="10742760" cy="493560"/>
+            <a:ext cx="10742400" cy="493200"/>
           </a:xfrm>
           <a:prstGeom prst="rect">
             <a:avLst/>
@@ -9792,7 +9792,7 @@
               </a:rPr>
               <a:t>Coding Exercise Submission and Grading – Clausthal and Göttingen</a:t>
             </a:r>
-            <a:endParaRPr b="0" lang="en-GB" sz="2400" spc="-1" strike="noStrike">
+            <a:endParaRPr b="0" lang="en-US" sz="2400" spc="-1" strike="noStrike">
               <a:solidFill>
                 <a:srgbClr val="000000"/>
               </a:solidFill>
@@ -9810,7 +9810,7 @@
         <p:spPr>
           <a:xfrm>
             <a:off x="335520" y="1268640"/>
-            <a:ext cx="10742760" cy="5030280"/>
+            <a:ext cx="10742400" cy="5029920"/>
           </a:xfrm>
           <a:prstGeom prst="rect">
             <a:avLst/>
@@ -9855,7 +9855,7 @@
               </a:rPr>
               <a:t>Coding exercises are graded semi-automatically. Due to this it is highly important that you follow the required submission format. Otherwise the grading process will fail and you will receive 0 points.</a:t>
             </a:r>
-            <a:endParaRPr b="0" lang="en-GB" sz="1800" spc="-1" strike="noStrike">
+            <a:endParaRPr b="0" lang="en-US" sz="1800" spc="-1" strike="noStrike">
               <a:solidFill>
                 <a:srgbClr val="000000"/>
               </a:solidFill>
@@ -9887,7 +9887,7 @@
               </a:rPr>
               <a:t>Code must use Python. Do not use any libraries beyond what is specified in the assignment as they may not be available in the grading environment.</a:t>
             </a:r>
-            <a:endParaRPr b="0" lang="en-GB" sz="1800" spc="-1" strike="noStrike">
+            <a:endParaRPr b="0" lang="en-US" sz="1800" spc="-1" strike="noStrike">
               <a:solidFill>
                 <a:srgbClr val="000000"/>
               </a:solidFill>
@@ -9939,7 +9939,7 @@
               </a:rPr>
               <a:t>. Usually this means:</a:t>
             </a:r>
-            <a:endParaRPr b="0" lang="en-GB" sz="1800" spc="-1" strike="noStrike">
+            <a:endParaRPr b="0" lang="en-US" sz="1800" spc="-1" strike="noStrike">
               <a:solidFill>
                 <a:srgbClr val="000000"/>
               </a:solidFill>
@@ -9971,7 +9971,7 @@
               </a:rPr>
               <a:t>If the handout contains a folder ‘lab1’, your submission should have a folder ‘lab1’ in the archive with the files inside it. The folder must not be inside another folder and the files must not be directly in the archive outside the folder.</a:t>
             </a:r>
-            <a:endParaRPr b="0" lang="en-GB" sz="1800" spc="-1" strike="noStrike">
+            <a:endParaRPr b="0" lang="en-US" sz="1800" spc="-1" strike="noStrike">
               <a:solidFill>
                 <a:srgbClr val="000000"/>
               </a:solidFill>
@@ -10023,7 +10023,7 @@
               </a:rPr>
               <a:t> archive, not tar, rar, tar.gz or anything else.</a:t>
             </a:r>
-            <a:endParaRPr b="0" lang="en-GB" sz="1800" spc="-1" strike="noStrike">
+            <a:endParaRPr b="0" lang="en-US" sz="1800" spc="-1" strike="noStrike">
               <a:solidFill>
                 <a:srgbClr val="000000"/>
               </a:solidFill>
@@ -10041,7 +10041,7 @@
         <p:spPr>
           <a:xfrm>
             <a:off x="4655880" y="476640"/>
-            <a:ext cx="2428920" cy="354960"/>
+            <a:ext cx="2428560" cy="354600"/>
           </a:xfrm>
           <a:prstGeom prst="rect">
             <a:avLst/>
@@ -10116,7 +10116,7 @@
         <p:spPr>
           <a:xfrm>
             <a:off x="335520" y="764640"/>
-            <a:ext cx="10742760" cy="493560"/>
+            <a:ext cx="10742400" cy="493200"/>
           </a:xfrm>
           <a:prstGeom prst="rect">
             <a:avLst/>
@@ -10152,7 +10152,7 @@
               </a:rPr>
               <a:t>Coding Exercise Submission and Grading – Clausthal and Göttingen</a:t>
             </a:r>
-            <a:endParaRPr b="0" lang="en-GB" sz="2400" spc="-1" strike="noStrike">
+            <a:endParaRPr b="0" lang="en-US" sz="2400" spc="-1" strike="noStrike">
               <a:solidFill>
                 <a:srgbClr val="000000"/>
               </a:solidFill>
@@ -10170,7 +10170,7 @@
         <p:spPr>
           <a:xfrm>
             <a:off x="335520" y="1268640"/>
-            <a:ext cx="10742760" cy="5030280"/>
+            <a:ext cx="10742400" cy="5029920"/>
           </a:xfrm>
           <a:prstGeom prst="rect">
             <a:avLst/>
@@ -10215,7 +10215,7 @@
               </a:rPr>
               <a:t>Before submitting, unpack your archive to a new folder and check that the Makefile runs correctly.</a:t>
             </a:r>
-            <a:endParaRPr b="0" lang="en-GB" sz="1800" spc="-1" strike="noStrike">
+            <a:endParaRPr b="0" lang="en-US" sz="1800" spc="-1" strike="noStrike">
               <a:solidFill>
                 <a:srgbClr val="000000"/>
               </a:solidFill>
@@ -10247,7 +10247,7 @@
               </a:rPr>
               <a:t>For grading, we use a different test program, so, no, hardcoding the answers to the provided driver.py will not work.</a:t>
             </a:r>
-            <a:endParaRPr b="0" lang="en-GB" sz="1800" spc="-1" strike="noStrike">
+            <a:endParaRPr b="0" lang="en-US" sz="1800" spc="-1" strike="noStrike">
               <a:solidFill>
                 <a:srgbClr val="000000"/>
               </a:solidFill>
@@ -10279,7 +10279,7 @@
               </a:rPr>
               <a:t>Code is submitted via a timed write-only StudIP submission folder. Only a single file can be submitted. The file name must follow the exact format ‘lab&lt;n&gt;_&lt;matriculation number&gt;.zip’, so for example ‘lab4_123456789.zip’, no extra space or _ symbols anywhere.</a:t>
             </a:r>
-            <a:endParaRPr b="0" lang="en-GB" sz="1800" spc="-1" strike="noStrike">
+            <a:endParaRPr b="0" lang="en-US" sz="1800" spc="-1" strike="noStrike">
               <a:solidFill>
                 <a:srgbClr val="000000"/>
               </a:solidFill>
@@ -10297,7 +10297,7 @@
         <p:spPr>
           <a:xfrm>
             <a:off x="4655880" y="476640"/>
-            <a:ext cx="2428920" cy="354960"/>
+            <a:ext cx="2428560" cy="354600"/>
           </a:xfrm>
           <a:prstGeom prst="rect">
             <a:avLst/>
@@ -10372,7 +10372,7 @@
         <p:spPr>
           <a:xfrm>
             <a:off x="335520" y="764640"/>
-            <a:ext cx="10740600" cy="491400"/>
+            <a:ext cx="10740240" cy="491040"/>
           </a:xfrm>
           <a:prstGeom prst="rect">
             <a:avLst/>
@@ -10408,7 +10408,7 @@
               </a:rPr>
               <a:t>License</a:t>
             </a:r>
-            <a:endParaRPr b="0" lang="en-GB" sz="2400" spc="-1" strike="noStrike">
+            <a:endParaRPr b="0" lang="en-US" sz="2400" spc="-1" strike="noStrike">
               <a:solidFill>
                 <a:srgbClr val="000000"/>
               </a:solidFill>
@@ -10426,7 +10426,7 @@
         <p:spPr>
           <a:xfrm>
             <a:off x="335520" y="1268640"/>
-            <a:ext cx="10740600" cy="5028120"/>
+            <a:ext cx="10740240" cy="5027760"/>
           </a:xfrm>
           <a:prstGeom prst="rect">
             <a:avLst/>
@@ -10455,7 +10455,7 @@
                 <a:spcPts val="360"/>
               </a:spcBef>
             </a:pPr>
-            <a:endParaRPr b="0" lang="en-GB" sz="1800" spc="-1" strike="noStrike">
+            <a:endParaRPr b="0" lang="en-US" sz="1800" spc="-1" strike="noStrike">
               <a:solidFill>
                 <a:srgbClr val="000000"/>
               </a:solidFill>
@@ -10471,7 +10471,7 @@
                 <a:spcPts val="360"/>
               </a:spcBef>
             </a:pPr>
-            <a:endParaRPr b="0" lang="en-GB" sz="1800" spc="-1" strike="noStrike">
+            <a:endParaRPr b="0" lang="en-US" sz="1800" spc="-1" strike="noStrike">
               <a:solidFill>
                 <a:srgbClr val="000000"/>
               </a:solidFill>
@@ -10489,7 +10489,7 @@
         <p:spPr>
           <a:xfrm>
             <a:off x="336600" y="3429000"/>
-            <a:ext cx="10858320" cy="2050200"/>
+            <a:ext cx="10857960" cy="2049840"/>
           </a:xfrm>
           <a:prstGeom prst="rect">
             <a:avLst/>
@@ -10579,7 +10579,7 @@
               </a:rPr>
               <a:t> .</a:t>
             </a:r>
-            <a:endParaRPr b="0" lang="en-GB" sz="2000" spc="-1" strike="noStrike">
+            <a:endParaRPr b="0" lang="en-US" sz="2000" spc="-1" strike="noStrike">
               <a:solidFill>
                 <a:srgbClr val="000000"/>
               </a:solidFill>
@@ -10636,7 +10636,7 @@
               </a:rPr>
               <a:t>.</a:t>
             </a:r>
-            <a:endParaRPr b="0" lang="en-GB" sz="2000" spc="-1" strike="noStrike">
+            <a:endParaRPr b="0" lang="en-US" sz="2000" spc="-1" strike="noStrike">
               <a:solidFill>
                 <a:srgbClr val="000000"/>
               </a:solidFill>
@@ -10684,7 +10684,7 @@
         <p:spPr>
           <a:xfrm>
             <a:off x="335520" y="840960"/>
-            <a:ext cx="10742760" cy="493560"/>
+            <a:ext cx="10742400" cy="493200"/>
           </a:xfrm>
           <a:prstGeom prst="rect">
             <a:avLst/>
@@ -10720,7 +10720,7 @@
               </a:rPr>
               <a:t>Multiple-Choice Exercises – Göttingen </a:t>
             </a:r>
-            <a:endParaRPr b="0" lang="en-GB" sz="2400" spc="-1" strike="noStrike">
+            <a:endParaRPr b="0" lang="en-US" sz="2400" spc="-1" strike="noStrike">
               <a:solidFill>
                 <a:srgbClr val="000000"/>
               </a:solidFill>
@@ -10738,7 +10738,7 @@
         <p:spPr>
           <a:xfrm>
             <a:off x="388800" y="1488600"/>
-            <a:ext cx="10721160" cy="5204520"/>
+            <a:ext cx="10720800" cy="5204520"/>
           </a:xfrm>
           <a:prstGeom prst="rect">
             <a:avLst/>
@@ -10774,7 +10774,7 @@
               </a:rPr>
               <a:t>Every student enrolled in this course is required to take the Knowledge quiz in first two weeks of the course. </a:t>
             </a:r>
-            <a:endParaRPr b="0" lang="en-GB" sz="1400" spc="-1" strike="noStrike">
+            <a:endParaRPr b="0" lang="en-US" sz="1400" spc="-1" strike="noStrike">
               <a:solidFill>
                 <a:srgbClr val="000000"/>
               </a:solidFill>
@@ -10803,7 +10803,7 @@
               </a:rPr>
               <a:t> </a:t>
             </a:r>
-            <a:endParaRPr b="0" lang="en-GB" sz="1400" spc="-1" strike="noStrike">
+            <a:endParaRPr b="0" lang="en-US" sz="1400" spc="-1" strike="noStrike">
               <a:solidFill>
                 <a:srgbClr val="000000"/>
               </a:solidFill>
@@ -10842,7 +10842,7 @@
               </a:rPr>
               <a:t>Monday, 17 April 2023, 5:00 PM until 24 April 2023 01:59 PM</a:t>
             </a:r>
-            <a:endParaRPr b="0" lang="en-GB" sz="1400" spc="-1" strike="noStrike">
+            <a:endParaRPr b="0" lang="en-US" sz="1400" spc="-1" strike="noStrike">
               <a:solidFill>
                 <a:srgbClr val="000000"/>
               </a:solidFill>
@@ -10871,7 +10871,7 @@
               </a:rPr>
               <a:t> </a:t>
             </a:r>
-            <a:endParaRPr b="0" lang="en-GB" sz="1400" spc="-1" strike="noStrike">
+            <a:endParaRPr b="0" lang="en-US" sz="1400" spc="-1" strike="noStrike">
               <a:solidFill>
                 <a:srgbClr val="000000"/>
               </a:solidFill>
@@ -10910,7 +10910,7 @@
               </a:rPr>
               <a:t>Monday, 24 April 2023, 5:00 PM until 01 May 2023 01:59 PM</a:t>
             </a:r>
-            <a:endParaRPr b="0" lang="en-GB" sz="1400" spc="-1" strike="noStrike">
+            <a:endParaRPr b="0" lang="en-US" sz="1400" spc="-1" strike="noStrike">
               <a:solidFill>
                 <a:srgbClr val="000000"/>
               </a:solidFill>
@@ -10939,7 +10939,7 @@
               </a:rPr>
               <a:t> </a:t>
             </a:r>
-            <a:endParaRPr b="0" lang="en-GB" sz="1400" spc="-1" strike="noStrike">
+            <a:endParaRPr b="0" lang="en-US" sz="1400" spc="-1" strike="noStrike">
               <a:solidFill>
                 <a:srgbClr val="000000"/>
               </a:solidFill>
@@ -10968,7 +10968,7 @@
               </a:rPr>
               <a:t>Goal of the test:</a:t>
             </a:r>
-            <a:endParaRPr b="0" lang="en-GB" sz="1400" spc="-1" strike="noStrike">
+            <a:endParaRPr b="0" lang="en-US" sz="1400" spc="-1" strike="noStrike">
               <a:solidFill>
                 <a:srgbClr val="000000"/>
               </a:solidFill>
@@ -10997,7 +10997,7 @@
               </a:rPr>
               <a:t>To check the knowledge level of the student that is relevant to this course of study.</a:t>
             </a:r>
-            <a:endParaRPr b="0" lang="en-GB" sz="1400" spc="-1" strike="noStrike">
+            <a:endParaRPr b="0" lang="en-US" sz="1400" spc="-1" strike="noStrike">
               <a:solidFill>
                 <a:srgbClr val="000000"/>
               </a:solidFill>
@@ -11026,7 +11026,7 @@
               </a:rPr>
               <a:t> </a:t>
             </a:r>
-            <a:endParaRPr b="0" lang="en-GB" sz="1400" spc="-1" strike="noStrike">
+            <a:endParaRPr b="0" lang="en-US" sz="1400" spc="-1" strike="noStrike">
               <a:solidFill>
                 <a:srgbClr val="000000"/>
               </a:solidFill>
@@ -11055,7 +11055,7 @@
               </a:rPr>
               <a:t>Preparation:</a:t>
             </a:r>
-            <a:endParaRPr b="0" lang="en-GB" sz="1400" spc="-1" strike="noStrike">
+            <a:endParaRPr b="0" lang="en-US" sz="1400" spc="-1" strike="noStrike">
               <a:solidFill>
                 <a:srgbClr val="000000"/>
               </a:solidFill>
@@ -11084,7 +11084,7 @@
               </a:rPr>
               <a:t>A review of basic concepts of Cryptography and Circular Economy is recommended for Week 1 and Week 2 respectively</a:t>
             </a:r>
-            <a:endParaRPr b="0" lang="en-GB" sz="1400" spc="-1" strike="noStrike">
+            <a:endParaRPr b="0" lang="en-US" sz="1400" spc="-1" strike="noStrike">
               <a:solidFill>
                 <a:srgbClr val="000000"/>
               </a:solidFill>
@@ -11113,7 +11113,7 @@
               </a:rPr>
               <a:t>Knowledge quiz for Week 1 only tests your existing knowledge.</a:t>
             </a:r>
-            <a:endParaRPr b="0" lang="en-GB" sz="1400" spc="-1" strike="noStrike">
+            <a:endParaRPr b="0" lang="en-US" sz="1400" spc="-1" strike="noStrike">
               <a:solidFill>
                 <a:srgbClr val="000000"/>
               </a:solidFill>
@@ -11142,7 +11142,7 @@
               </a:rPr>
               <a:t> </a:t>
             </a:r>
-            <a:endParaRPr b="0" lang="en-GB" sz="1400" spc="-1" strike="noStrike">
+            <a:endParaRPr b="0" lang="en-US" sz="1400" spc="-1" strike="noStrike">
               <a:solidFill>
                 <a:srgbClr val="000000"/>
               </a:solidFill>
@@ -11171,7 +11171,7 @@
               </a:rPr>
               <a:t>Test sturcture:</a:t>
             </a:r>
-            <a:endParaRPr b="0" lang="en-GB" sz="1400" spc="-1" strike="noStrike">
+            <a:endParaRPr b="0" lang="en-US" sz="1400" spc="-1" strike="noStrike">
               <a:solidFill>
                 <a:srgbClr val="000000"/>
               </a:solidFill>
@@ -11220,7 +11220,7 @@
               </a:rPr>
               <a:t>.</a:t>
             </a:r>
-            <a:endParaRPr b="0" lang="en-GB" sz="1400" spc="-1" strike="noStrike">
+            <a:endParaRPr b="0" lang="en-US" sz="1400" spc="-1" strike="noStrike">
               <a:solidFill>
                 <a:srgbClr val="000000"/>
               </a:solidFill>
@@ -11259,7 +11259,7 @@
               </a:rPr>
               <a:t>1 point</a:t>
             </a:r>
-            <a:endParaRPr b="0" lang="en-GB" sz="1400" spc="-1" strike="noStrike">
+            <a:endParaRPr b="0" lang="en-US" sz="1400" spc="-1" strike="noStrike">
               <a:solidFill>
                 <a:srgbClr val="000000"/>
               </a:solidFill>
@@ -11328,7 +11328,7 @@
               </a:rPr>
               <a:t> as a correct choice is awarded.</a:t>
             </a:r>
-            <a:endParaRPr b="0" lang="en-GB" sz="1400" spc="-1" strike="noStrike">
+            <a:endParaRPr b="0" lang="en-US" sz="1400" spc="-1" strike="noStrike">
               <a:solidFill>
                 <a:srgbClr val="000000"/>
               </a:solidFill>
@@ -11367,7 +11367,7 @@
               </a:rPr>
               <a:t>grade scale of 10.</a:t>
             </a:r>
-            <a:endParaRPr b="0" lang="en-GB" sz="1400" spc="-1" strike="noStrike">
+            <a:endParaRPr b="0" lang="en-US" sz="1400" spc="-1" strike="noStrike">
               <a:solidFill>
                 <a:srgbClr val="000000"/>
               </a:solidFill>
@@ -11396,7 +11396,7 @@
               </a:rPr>
               <a:t>The result of your test will be available after the quiz is closed.</a:t>
             </a:r>
-            <a:endParaRPr b="0" lang="en-GB" sz="1400" spc="-1" strike="noStrike">
+            <a:endParaRPr b="0" lang="en-US" sz="1400" spc="-1" strike="noStrike">
               <a:solidFill>
                 <a:srgbClr val="000000"/>
               </a:solidFill>
@@ -11444,7 +11444,7 @@
         <p:spPr>
           <a:xfrm>
             <a:off x="335520" y="764640"/>
-            <a:ext cx="10742760" cy="493560"/>
+            <a:ext cx="10742400" cy="493200"/>
           </a:xfrm>
           <a:prstGeom prst="rect">
             <a:avLst/>
@@ -11480,7 +11480,7 @@
               </a:rPr>
               <a:t>Multiple-Choice Exercises – Göttingen </a:t>
             </a:r>
-            <a:endParaRPr b="0" lang="en-GB" sz="2400" spc="-1" strike="noStrike">
+            <a:endParaRPr b="0" lang="en-US" sz="2400" spc="-1" strike="noStrike">
               <a:solidFill>
                 <a:srgbClr val="000000"/>
               </a:solidFill>
@@ -11498,7 +11498,7 @@
         <p:spPr>
           <a:xfrm>
             <a:off x="4655880" y="476640"/>
-            <a:ext cx="2428920" cy="354960"/>
+            <a:ext cx="2428560" cy="354600"/>
           </a:xfrm>
           <a:prstGeom prst="rect">
             <a:avLst/>
@@ -11543,7 +11543,7 @@
         <p:spPr>
           <a:xfrm>
             <a:off x="494640" y="1523880"/>
-            <a:ext cx="10361520" cy="476640"/>
+            <a:ext cx="10361160" cy="476280"/>
           </a:xfrm>
           <a:prstGeom prst="rect">
             <a:avLst/>
@@ -11579,7 +11579,7 @@
               </a:rPr>
               <a:t>Step-1: Navigate to StudIP, select "Lernmodule/Learning modules"</a:t>
             </a:r>
-            <a:endParaRPr b="0" lang="en-GB" sz="1800" spc="-1" strike="noStrike">
+            <a:endParaRPr b="0" lang="en-US" sz="1800" spc="-1" strike="noStrike">
               <a:solidFill>
                 <a:srgbClr val="000000"/>
               </a:solidFill>
@@ -11596,13 +11596,13 @@
         </p:nvPicPr>
         <p:blipFill>
           <a:blip r:embed="rId1"/>
-          <a:srcRect l="0" t="0" r="0" b="43279"/>
+          <a:srcRect l="0" t="0" r="0" b="43275"/>
           <a:stretch/>
         </p:blipFill>
         <p:spPr>
           <a:xfrm>
             <a:off x="609120" y="2057760"/>
-            <a:ext cx="9514080" cy="3878280"/>
+            <a:ext cx="9513720" cy="3877920"/>
           </a:xfrm>
           <a:prstGeom prst="rect">
             <a:avLst/>
@@ -11651,7 +11651,7 @@
         <p:spPr>
           <a:xfrm>
             <a:off x="335520" y="764640"/>
-            <a:ext cx="10742760" cy="493560"/>
+            <a:ext cx="10742400" cy="493200"/>
           </a:xfrm>
           <a:prstGeom prst="rect">
             <a:avLst/>
@@ -11687,7 +11687,7 @@
               </a:rPr>
               <a:t>Multiple-Choice Exercises – Göttingen </a:t>
             </a:r>
-            <a:endParaRPr b="0" lang="en-GB" sz="2400" spc="-1" strike="noStrike">
+            <a:endParaRPr b="0" lang="en-US" sz="2400" spc="-1" strike="noStrike">
               <a:solidFill>
                 <a:srgbClr val="000000"/>
               </a:solidFill>
@@ -11705,7 +11705,7 @@
         <p:spPr>
           <a:xfrm>
             <a:off x="4655880" y="476640"/>
-            <a:ext cx="2428920" cy="354960"/>
+            <a:ext cx="2428560" cy="354600"/>
           </a:xfrm>
           <a:prstGeom prst="rect">
             <a:avLst/>
@@ -11750,7 +11750,7 @@
         <p:spPr>
           <a:xfrm>
             <a:off x="494640" y="1474920"/>
-            <a:ext cx="10361520" cy="476640"/>
+            <a:ext cx="10361160" cy="476280"/>
           </a:xfrm>
           <a:prstGeom prst="rect">
             <a:avLst/>
@@ -11796,7 +11796,7 @@
               </a:rPr>
               <a:t>. This will take you to the ILIAS Page</a:t>
             </a:r>
-            <a:endParaRPr b="0" lang="en-GB" sz="1800" spc="-1" strike="noStrike">
+            <a:endParaRPr b="0" lang="en-US" sz="1800" spc="-1" strike="noStrike">
               <a:solidFill>
                 <a:srgbClr val="000000"/>
               </a:solidFill>
@@ -11819,7 +11819,7 @@
         <p:spPr>
           <a:xfrm>
             <a:off x="446400" y="2185200"/>
-            <a:ext cx="9401400" cy="3844440"/>
+            <a:ext cx="9401040" cy="3844080"/>
           </a:xfrm>
           <a:prstGeom prst="rect">
             <a:avLst/>
@@ -11868,7 +11868,7 @@
         <p:spPr>
           <a:xfrm>
             <a:off x="335520" y="764640"/>
-            <a:ext cx="10742760" cy="493560"/>
+            <a:ext cx="10742400" cy="493200"/>
           </a:xfrm>
           <a:prstGeom prst="rect">
             <a:avLst/>
@@ -11904,7 +11904,7 @@
               </a:rPr>
               <a:t>Multiple-Choice Exercises – Göttingen </a:t>
             </a:r>
-            <a:endParaRPr b="0" lang="en-GB" sz="2400" spc="-1" strike="noStrike">
+            <a:endParaRPr b="0" lang="en-US" sz="2400" spc="-1" strike="noStrike">
               <a:solidFill>
                 <a:srgbClr val="000000"/>
               </a:solidFill>
@@ -11922,7 +11922,7 @@
         <p:spPr>
           <a:xfrm>
             <a:off x="4655880" y="476640"/>
-            <a:ext cx="2428920" cy="354960"/>
+            <a:ext cx="2428560" cy="354600"/>
           </a:xfrm>
           <a:prstGeom prst="rect">
             <a:avLst/>
@@ -11967,7 +11967,7 @@
         <p:spPr>
           <a:xfrm>
             <a:off x="494640" y="1523880"/>
-            <a:ext cx="10361520" cy="476640"/>
+            <a:ext cx="10361160" cy="476280"/>
           </a:xfrm>
           <a:prstGeom prst="rect">
             <a:avLst/>
@@ -12003,7 +12003,7 @@
               </a:rPr>
               <a:t>Step-3: On ILIAS, to attempt the test, click on "Test Fortsetzen"</a:t>
             </a:r>
-            <a:endParaRPr b="0" lang="en-GB" sz="1800" spc="-1" strike="noStrike">
+            <a:endParaRPr b="0" lang="en-US" sz="1800" spc="-1" strike="noStrike">
               <a:solidFill>
                 <a:srgbClr val="000000"/>
               </a:solidFill>
@@ -12026,7 +12026,7 @@
         <p:spPr>
           <a:xfrm>
             <a:off x="494640" y="2088360"/>
-            <a:ext cx="8939160" cy="3960720"/>
+            <a:ext cx="8938800" cy="3960360"/>
           </a:xfrm>
           <a:prstGeom prst="rect">
             <a:avLst/>
@@ -12075,7 +12075,7 @@
         <p:spPr>
           <a:xfrm>
             <a:off x="335520" y="764640"/>
-            <a:ext cx="10742760" cy="493560"/>
+            <a:ext cx="10742400" cy="493200"/>
           </a:xfrm>
           <a:prstGeom prst="rect">
             <a:avLst/>
@@ -12111,7 +12111,7 @@
               </a:rPr>
               <a:t>Multiple-Choice Exercises – Göttingen </a:t>
             </a:r>
-            <a:endParaRPr b="0" lang="en-GB" sz="2400" spc="-1" strike="noStrike">
+            <a:endParaRPr b="0" lang="en-US" sz="2400" spc="-1" strike="noStrike">
               <a:solidFill>
                 <a:srgbClr val="000000"/>
               </a:solidFill>
@@ -12129,7 +12129,7 @@
         <p:spPr>
           <a:xfrm>
             <a:off x="4655880" y="476640"/>
-            <a:ext cx="2428920" cy="354960"/>
+            <a:ext cx="2428560" cy="354600"/>
           </a:xfrm>
           <a:prstGeom prst="rect">
             <a:avLst/>
@@ -12174,7 +12174,7 @@
         <p:spPr>
           <a:xfrm>
             <a:off x="494640" y="1523880"/>
-            <a:ext cx="10361520" cy="476640"/>
+            <a:ext cx="10361160" cy="476280"/>
           </a:xfrm>
           <a:prstGeom prst="rect">
             <a:avLst/>
@@ -12210,7 +12210,7 @@
               </a:rPr>
               <a:t>Step-4: After answering a question, click on "Weiter" for the next question, and on "Test beenden" after you answer all questions</a:t>
             </a:r>
-            <a:endParaRPr b="0" lang="en-GB" sz="1800" spc="-1" strike="noStrike">
+            <a:endParaRPr b="0" lang="en-US" sz="1800" spc="-1" strike="noStrike">
               <a:solidFill>
                 <a:srgbClr val="000000"/>
               </a:solidFill>
@@ -12233,7 +12233,7 @@
         <p:spPr>
           <a:xfrm>
             <a:off x="494640" y="2166840"/>
-            <a:ext cx="8334720" cy="4176000"/>
+            <a:ext cx="8334360" cy="4175640"/>
           </a:xfrm>
           <a:prstGeom prst="rect">
             <a:avLst/>
@@ -12282,7 +12282,7 @@
         <p:spPr>
           <a:xfrm>
             <a:off x="335520" y="768240"/>
-            <a:ext cx="10742760" cy="493560"/>
+            <a:ext cx="10742400" cy="493200"/>
           </a:xfrm>
           <a:prstGeom prst="rect">
             <a:avLst/>
@@ -12318,7 +12318,7 @@
               </a:rPr>
               <a:t>Multiple-Choice Exercises – Clausthal </a:t>
             </a:r>
-            <a:endParaRPr b="0" lang="en-GB" sz="2400" spc="-1" strike="noStrike">
+            <a:endParaRPr b="0" lang="en-US" sz="2400" spc="-1" strike="noStrike">
               <a:solidFill>
                 <a:srgbClr val="000000"/>
               </a:solidFill>
@@ -12336,7 +12336,7 @@
         <p:spPr>
           <a:xfrm>
             <a:off x="388800" y="1488600"/>
-            <a:ext cx="10716480" cy="5204520"/>
+            <a:ext cx="10716120" cy="5204520"/>
           </a:xfrm>
           <a:prstGeom prst="rect">
             <a:avLst/>
@@ -12372,7 +12372,7 @@
               </a:rPr>
               <a:t>Every student enrolled in this course is required to take the Knowledge quiz in first two weeks of the course.  </a:t>
             </a:r>
-            <a:endParaRPr b="0" lang="en-GB" sz="1400" spc="-1" strike="noStrike">
+            <a:endParaRPr b="0" lang="en-US" sz="1400" spc="-1" strike="noStrike">
               <a:solidFill>
                 <a:srgbClr val="000000"/>
               </a:solidFill>
@@ -12385,7 +12385,7 @@
                 <a:spcPct val="100000"/>
               </a:lnSpc>
             </a:pPr>
-            <a:endParaRPr b="0" lang="en-GB" sz="1400" spc="-1" strike="noStrike">
+            <a:endParaRPr b="0" lang="en-US" sz="1400" spc="-1" strike="noStrike">
               <a:solidFill>
                 <a:srgbClr val="000000"/>
               </a:solidFill>
@@ -12434,7 +12434,7 @@
               </a:rPr>
               <a:t>, 17 April 2023, 5:00 PM until 24 April 2023 01:59 PM</a:t>
             </a:r>
-            <a:endParaRPr b="0" lang="en-GB" sz="1400" spc="-1" strike="noStrike">
+            <a:endParaRPr b="0" lang="en-US" sz="1400" spc="-1" strike="noStrike">
               <a:solidFill>
                 <a:srgbClr val="000000"/>
               </a:solidFill>
@@ -12463,7 +12463,7 @@
               </a:rPr>
               <a:t> </a:t>
             </a:r>
-            <a:endParaRPr b="0" lang="en-GB" sz="1400" spc="-1" strike="noStrike">
+            <a:endParaRPr b="0" lang="en-US" sz="1400" spc="-1" strike="noStrike">
               <a:solidFill>
                 <a:srgbClr val="000000"/>
               </a:solidFill>
@@ -12512,7 +12512,7 @@
               </a:rPr>
               <a:t>, 24 April 2023, 5:00 PM until 01 May 2023 01:59 PM</a:t>
             </a:r>
-            <a:endParaRPr b="0" lang="en-GB" sz="1400" spc="-1" strike="noStrike">
+            <a:endParaRPr b="0" lang="en-US" sz="1400" spc="-1" strike="noStrike">
               <a:solidFill>
                 <a:srgbClr val="000000"/>
               </a:solidFill>
@@ -12541,7 +12541,7 @@
               </a:rPr>
               <a:t> </a:t>
             </a:r>
-            <a:endParaRPr b="0" lang="en-GB" sz="1400" spc="-1" strike="noStrike">
+            <a:endParaRPr b="0" lang="en-US" sz="1400" spc="-1" strike="noStrike">
               <a:solidFill>
                 <a:srgbClr val="000000"/>
               </a:solidFill>
@@ -12570,7 +12570,7 @@
               </a:rPr>
               <a:t>Goal of the test:</a:t>
             </a:r>
-            <a:endParaRPr b="0" lang="en-GB" sz="1400" spc="-1" strike="noStrike">
+            <a:endParaRPr b="0" lang="en-US" sz="1400" spc="-1" strike="noStrike">
               <a:solidFill>
                 <a:srgbClr val="000000"/>
               </a:solidFill>
@@ -12599,7 +12599,7 @@
               </a:rPr>
               <a:t>To check the knowledge level of the student that is relevant to this course of study.</a:t>
             </a:r>
-            <a:endParaRPr b="0" lang="en-GB" sz="1400" spc="-1" strike="noStrike">
+            <a:endParaRPr b="0" lang="en-US" sz="1400" spc="-1" strike="noStrike">
               <a:solidFill>
                 <a:srgbClr val="000000"/>
               </a:solidFill>
@@ -12628,7 +12628,7 @@
               </a:rPr>
               <a:t> </a:t>
             </a:r>
-            <a:endParaRPr b="0" lang="en-GB" sz="1400" spc="-1" strike="noStrike">
+            <a:endParaRPr b="0" lang="en-US" sz="1400" spc="-1" strike="noStrike">
               <a:solidFill>
                 <a:srgbClr val="000000"/>
               </a:solidFill>
@@ -12657,7 +12657,7 @@
               </a:rPr>
               <a:t>Preparation:</a:t>
             </a:r>
-            <a:endParaRPr b="0" lang="en-GB" sz="1400" spc="-1" strike="noStrike">
+            <a:endParaRPr b="0" lang="en-US" sz="1400" spc="-1" strike="noStrike">
               <a:solidFill>
                 <a:srgbClr val="000000"/>
               </a:solidFill>
@@ -12686,7 +12686,7 @@
               </a:rPr>
               <a:t>A review of basic concepts of Cryptography and Circular Economy is recommended for Week 1 and Week 2 respectively</a:t>
             </a:r>
-            <a:endParaRPr b="0" lang="en-GB" sz="1400" spc="-1" strike="noStrike">
+            <a:endParaRPr b="0" lang="en-US" sz="1400" spc="-1" strike="noStrike">
               <a:solidFill>
                 <a:srgbClr val="000000"/>
               </a:solidFill>
@@ -12715,7 +12715,7 @@
               </a:rPr>
               <a:t>Knowledge quiz for Week 1 only tests your existing knowledge.</a:t>
             </a:r>
-            <a:endParaRPr b="0" lang="en-GB" sz="1400" spc="-1" strike="noStrike">
+            <a:endParaRPr b="0" lang="en-US" sz="1400" spc="-1" strike="noStrike">
               <a:solidFill>
                 <a:srgbClr val="000000"/>
               </a:solidFill>
@@ -12744,7 +12744,7 @@
               </a:rPr>
               <a:t> </a:t>
             </a:r>
-            <a:endParaRPr b="0" lang="en-GB" sz="1400" spc="-1" strike="noStrike">
+            <a:endParaRPr b="0" lang="en-US" sz="1400" spc="-1" strike="noStrike">
               <a:solidFill>
                 <a:srgbClr val="000000"/>
               </a:solidFill>
@@ -12773,7 +12773,7 @@
               </a:rPr>
               <a:t>Test structure:</a:t>
             </a:r>
-            <a:endParaRPr b="0" lang="en-GB" sz="1400" spc="-1" strike="noStrike">
+            <a:endParaRPr b="0" lang="en-US" sz="1400" spc="-1" strike="noStrike">
               <a:solidFill>
                 <a:srgbClr val="000000"/>
               </a:solidFill>
@@ -12822,7 +12822,7 @@
               </a:rPr>
               <a:t>.</a:t>
             </a:r>
-            <a:endParaRPr b="0" lang="en-GB" sz="1400" spc="-1" strike="noStrike">
+            <a:endParaRPr b="0" lang="en-US" sz="1400" spc="-1" strike="noStrike">
               <a:solidFill>
                 <a:srgbClr val="000000"/>
               </a:solidFill>
@@ -12861,7 +12861,7 @@
               </a:rPr>
               <a:t>1 point</a:t>
             </a:r>
-            <a:endParaRPr b="0" lang="en-GB" sz="1400" spc="-1" strike="noStrike">
+            <a:endParaRPr b="0" lang="en-US" sz="1400" spc="-1" strike="noStrike">
               <a:solidFill>
                 <a:srgbClr val="000000"/>
               </a:solidFill>
@@ -12930,7 +12930,7 @@
               </a:rPr>
               <a:t> as a correct choice is awarded.</a:t>
             </a:r>
-            <a:endParaRPr b="0" lang="en-GB" sz="1400" spc="-1" strike="noStrike">
+            <a:endParaRPr b="0" lang="en-US" sz="1400" spc="-1" strike="noStrike">
               <a:solidFill>
                 <a:srgbClr val="000000"/>
               </a:solidFill>
@@ -12969,7 +12969,7 @@
               </a:rPr>
               <a:t>grade scale of 10.</a:t>
             </a:r>
-            <a:endParaRPr b="0" lang="en-GB" sz="1400" spc="-1" strike="noStrike">
+            <a:endParaRPr b="0" lang="en-US" sz="1400" spc="-1" strike="noStrike">
               <a:solidFill>
                 <a:srgbClr val="000000"/>
               </a:solidFill>
@@ -12998,7 +12998,7 @@
               </a:rPr>
               <a:t>The result of your test will be available after the quiz is closed.</a:t>
             </a:r>
-            <a:endParaRPr b="0" lang="en-GB" sz="1400" spc="-1" strike="noStrike">
+            <a:endParaRPr b="0" lang="en-US" sz="1400" spc="-1" strike="noStrike">
               <a:solidFill>
                 <a:srgbClr val="000000"/>
               </a:solidFill>
@@ -13046,7 +13046,7 @@
         <p:spPr>
           <a:xfrm>
             <a:off x="335520" y="764640"/>
-            <a:ext cx="10742760" cy="493560"/>
+            <a:ext cx="10742400" cy="493200"/>
           </a:xfrm>
           <a:prstGeom prst="rect">
             <a:avLst/>
@@ -13082,7 +13082,7 @@
               </a:rPr>
               <a:t>Multiple-Choice Exercises – Clausthal </a:t>
             </a:r>
-            <a:endParaRPr b="0" lang="en-GB" sz="2400" spc="-1" strike="noStrike">
+            <a:endParaRPr b="0" lang="en-US" sz="2400" spc="-1" strike="noStrike">
               <a:solidFill>
                 <a:srgbClr val="000000"/>
               </a:solidFill>
@@ -13100,7 +13100,7 @@
         <p:spPr>
           <a:xfrm>
             <a:off x="494640" y="1523880"/>
-            <a:ext cx="10361520" cy="476640"/>
+            <a:ext cx="10361160" cy="476280"/>
           </a:xfrm>
           <a:prstGeom prst="rect">
             <a:avLst/>
@@ -13136,7 +13136,7 @@
               </a:rPr>
               <a:t>Step-1: Navigate to Moodle on your studip, select "Zum Kurs in Moodle"</a:t>
             </a:r>
-            <a:endParaRPr b="0" lang="en-GB" sz="1800" spc="-1" strike="noStrike">
+            <a:endParaRPr b="0" lang="en-US" sz="1800" spc="-1" strike="noStrike">
               <a:solidFill>
                 <a:srgbClr val="000000"/>
               </a:solidFill>
@@ -13207,7 +13207,7 @@
         <p:spPr>
           <a:xfrm>
             <a:off x="1895760" y="2238840"/>
-            <a:ext cx="6783840" cy="4154760"/>
+            <a:ext cx="6783480" cy="4154400"/>
           </a:xfrm>
           <a:prstGeom prst="rect">
             <a:avLst/>
@@ -13256,7 +13256,7 @@
         <p:spPr>
           <a:xfrm>
             <a:off x="335520" y="764640"/>
-            <a:ext cx="10742760" cy="493560"/>
+            <a:ext cx="10742400" cy="493200"/>
           </a:xfrm>
           <a:prstGeom prst="rect">
             <a:avLst/>
@@ -13292,7 +13292,7 @@
               </a:rPr>
               <a:t>Multiple-Choice Exercises – Clausthal </a:t>
             </a:r>
-            <a:endParaRPr b="0" lang="en-GB" sz="2400" spc="-1" strike="noStrike">
+            <a:endParaRPr b="0" lang="en-US" sz="2400" spc="-1" strike="noStrike">
               <a:solidFill>
                 <a:srgbClr val="000000"/>
               </a:solidFill>
@@ -13310,7 +13310,7 @@
         <p:spPr>
           <a:xfrm>
             <a:off x="494640" y="1488600"/>
-            <a:ext cx="5444280" cy="441360"/>
+            <a:ext cx="5443920" cy="441000"/>
           </a:xfrm>
           <a:prstGeom prst="rect">
             <a:avLst/>
@@ -13357,7 +13357,7 @@
               </a:rPr>
               <a:t>"Knowledge Quiz - Week 1"</a:t>
             </a:r>
-            <a:endParaRPr b="0" lang="en-GB" sz="1800" spc="-1" strike="noStrike">
+            <a:endParaRPr b="0" lang="en-US" sz="1800" spc="-1" strike="noStrike">
               <a:solidFill>
                 <a:srgbClr val="000000"/>
               </a:solidFill>
@@ -13379,7 +13379,7 @@
         <p:spPr>
           <a:xfrm>
             <a:off x="1828800" y="1937160"/>
-            <a:ext cx="7951320" cy="4085640"/>
+            <a:ext cx="7950960" cy="4085280"/>
           </a:xfrm>
           <a:prstGeom prst="rect">
             <a:avLst/>
@@ -13428,7 +13428,7 @@
         <p:spPr>
           <a:xfrm>
             <a:off x="335520" y="764640"/>
-            <a:ext cx="10742760" cy="493560"/>
+            <a:ext cx="10742400" cy="493200"/>
           </a:xfrm>
           <a:prstGeom prst="rect">
             <a:avLst/>
@@ -13464,7 +13464,7 @@
               </a:rPr>
               <a:t>Multiple-Choice Exercises – Clausthal </a:t>
             </a:r>
-            <a:endParaRPr b="0" lang="en-GB" sz="2400" spc="-1" strike="noStrike">
+            <a:endParaRPr b="0" lang="en-US" sz="2400" spc="-1" strike="noStrike">
               <a:solidFill>
                 <a:srgbClr val="000000"/>
               </a:solidFill>
@@ -13486,7 +13486,7 @@
         <p:spPr>
           <a:xfrm>
             <a:off x="2679480" y="2130480"/>
-            <a:ext cx="7371720" cy="3482640"/>
+            <a:ext cx="7371360" cy="3482280"/>
           </a:xfrm>
           <a:prstGeom prst="rect">
             <a:avLst/>
@@ -13505,7 +13505,7 @@
         <p:spPr>
           <a:xfrm>
             <a:off x="494640" y="1418040"/>
-            <a:ext cx="5215680" cy="441360"/>
+            <a:ext cx="5215320" cy="441000"/>
           </a:xfrm>
           <a:prstGeom prst="rect">
             <a:avLst/>
@@ -13541,7 +13541,7 @@
               </a:rPr>
               <a:t>Step-3 : Start your test if you are ready</a:t>
             </a:r>
-            <a:endParaRPr b="0" lang="en-GB" sz="1800" spc="-1" strike="noStrike">
+            <a:endParaRPr b="0" lang="en-US" sz="1800" spc="-1" strike="noStrike">
               <a:solidFill>
                 <a:srgbClr val="000000"/>
               </a:solidFill>
@@ -13593,7 +13593,7 @@
         <p:spPr>
           <a:xfrm>
             <a:off x="685800" y="2514600"/>
-            <a:ext cx="8869680" cy="3836160"/>
+            <a:ext cx="8869320" cy="3835800"/>
           </a:xfrm>
           <a:prstGeom prst="rect">
             <a:avLst/>
@@ -13612,7 +13612,7 @@
         <p:spPr>
           <a:xfrm>
             <a:off x="335520" y="764640"/>
-            <a:ext cx="10742760" cy="493560"/>
+            <a:ext cx="10742400" cy="493200"/>
           </a:xfrm>
           <a:prstGeom prst="rect">
             <a:avLst/>
@@ -13648,7 +13648,7 @@
               </a:rPr>
               <a:t>Multiple-Choice Exercises – Clausthal </a:t>
             </a:r>
-            <a:endParaRPr b="0" lang="en-GB" sz="2400" spc="-1" strike="noStrike">
+            <a:endParaRPr b="0" lang="en-US" sz="2400" spc="-1" strike="noStrike">
               <a:solidFill>
                 <a:srgbClr val="000000"/>
               </a:solidFill>
@@ -13666,7 +13666,7 @@
         <p:spPr>
           <a:xfrm>
             <a:off x="494640" y="1312200"/>
-            <a:ext cx="1732680" cy="363960"/>
+            <a:ext cx="1732320" cy="363600"/>
           </a:xfrm>
           <a:prstGeom prst="rect">
             <a:avLst/>
@@ -13702,7 +13702,7 @@
               </a:rPr>
               <a:t>Step-4 : </a:t>
             </a:r>
-            <a:endParaRPr b="0" lang="en-GB" sz="1800" spc="-1" strike="noStrike">
+            <a:endParaRPr b="0" lang="en-US" sz="1800" spc="-1" strike="noStrike">
               <a:solidFill>
                 <a:srgbClr val="000000"/>
               </a:solidFill>
@@ -13715,7 +13715,7 @@
                 <a:spcPct val="100000"/>
               </a:lnSpc>
             </a:pPr>
-            <a:endParaRPr b="0" lang="en-GB" sz="1800" spc="-1" strike="noStrike">
+            <a:endParaRPr b="0" lang="en-US" sz="1800" spc="-1" strike="noStrike">
               <a:solidFill>
                 <a:srgbClr val="000000"/>
               </a:solidFill>
@@ -13728,7 +13728,7 @@
                 <a:spcPct val="100000"/>
               </a:lnSpc>
             </a:pPr>
-            <a:endParaRPr b="0" lang="en-GB" sz="1800" spc="-1" strike="noStrike">
+            <a:endParaRPr b="0" lang="en-US" sz="1800" spc="-1" strike="noStrike">
               <a:solidFill>
                 <a:srgbClr val="000000"/>
               </a:solidFill>
@@ -13893,7 +13893,7 @@
         <p:spPr>
           <a:xfrm>
             <a:off x="642600" y="1679400"/>
-            <a:ext cx="4399560" cy="638280"/>
+            <a:ext cx="4399200" cy="638280"/>
           </a:xfrm>
           <a:prstGeom prst="rect">
             <a:avLst/>
@@ -13929,7 +13929,7 @@
               </a:rPr>
               <a:t>A. Sequence of questions</a:t>
             </a:r>
-            <a:endParaRPr b="0" lang="en-GB" sz="1800" spc="-1" strike="noStrike">
+            <a:endParaRPr b="0" lang="en-US" sz="1800" spc="-1" strike="noStrike">
               <a:solidFill>
                 <a:srgbClr val="000000"/>
               </a:solidFill>
@@ -13952,7 +13952,7 @@
               </a:rPr>
               <a:t>B. Timer running for the test</a:t>
             </a:r>
-            <a:endParaRPr b="0" lang="en-GB" sz="1800" spc="-1" strike="noStrike">
+            <a:endParaRPr b="0" lang="en-US" sz="1800" spc="-1" strike="noStrike">
               <a:solidFill>
                 <a:srgbClr val="000000"/>
               </a:solidFill>
@@ -13970,7 +13970,7 @@
         <p:spPr>
           <a:xfrm>
             <a:off x="6549480" y="1679400"/>
-            <a:ext cx="4873320" cy="630000"/>
+            <a:ext cx="4872960" cy="629640"/>
           </a:xfrm>
           <a:prstGeom prst="rect">
             <a:avLst/>
@@ -14006,7 +14006,7 @@
               </a:rPr>
               <a:t>C. Navigate to next question/Finish attampt</a:t>
             </a:r>
-            <a:endParaRPr b="0" lang="en-GB" sz="1800" spc="-1" strike="noStrike">
+            <a:endParaRPr b="0" lang="en-US" sz="1800" spc="-1" strike="noStrike">
               <a:solidFill>
                 <a:srgbClr val="000000"/>
               </a:solidFill>
@@ -14029,7 +14029,7 @@
               </a:rPr>
               <a:t>D. Navigate to previous question</a:t>
             </a:r>
-            <a:endParaRPr b="0" lang="en-GB" sz="1800" spc="-1" strike="noStrike">
+            <a:endParaRPr b="0" lang="en-US" sz="1800" spc="-1" strike="noStrike">
               <a:solidFill>
                 <a:srgbClr val="000000"/>
               </a:solidFill>
@@ -14047,7 +14047,7 @@
         <p:spPr>
           <a:xfrm>
             <a:off x="7839360" y="1679400"/>
-            <a:ext cx="2614680" cy="427320"/>
+            <a:ext cx="2614320" cy="426960"/>
           </a:xfrm>
           <a:prstGeom prst="rect">
             <a:avLst/>
@@ -14073,7 +14073,7 @@
                 <a:spcPct val="100000"/>
               </a:lnSpc>
             </a:pPr>
-            <a:endParaRPr b="0" lang="en-GB" sz="1800" spc="-1" strike="noStrike">
+            <a:endParaRPr b="0" lang="en-US" sz="1800" spc="-1" strike="noStrike">
               <a:solidFill>
                 <a:srgbClr val="000000"/>
               </a:solidFill>
@@ -14086,7 +14086,7 @@
                 <a:spcPct val="100000"/>
               </a:lnSpc>
             </a:pPr>
-            <a:endParaRPr b="0" lang="en-GB" sz="1800" spc="-1" strike="noStrike">
+            <a:endParaRPr b="0" lang="en-US" sz="1800" spc="-1" strike="noStrike">
               <a:solidFill>
                 <a:srgbClr val="000000"/>
               </a:solidFill>
@@ -14104,7 +14104,7 @@
         <p:spPr>
           <a:xfrm>
             <a:off x="8857440" y="3943440"/>
-            <a:ext cx="279360" cy="363960"/>
+            <a:ext cx="279000" cy="363960"/>
           </a:xfrm>
           <a:prstGeom prst="rect">
             <a:avLst/>
@@ -14140,7 +14140,7 @@
               </a:rPr>
               <a:t>A</a:t>
             </a:r>
-            <a:endParaRPr b="0" lang="en-GB" sz="1800" spc="-1" strike="noStrike">
+            <a:endParaRPr b="0" lang="en-US" sz="1800" spc="-1" strike="noStrike">
               <a:solidFill>
                 <a:srgbClr val="000000"/>
               </a:solidFill>
@@ -14158,7 +14158,7 @@
         <p:spPr>
           <a:xfrm>
             <a:off x="9537840" y="4548960"/>
-            <a:ext cx="279360" cy="363960"/>
+            <a:ext cx="279000" cy="363960"/>
           </a:xfrm>
           <a:prstGeom prst="rect">
             <a:avLst/>
@@ -14194,7 +14194,7 @@
               </a:rPr>
               <a:t>B</a:t>
             </a:r>
-            <a:endParaRPr b="0" lang="en-GB" sz="1800" spc="-1" strike="noStrike">
+            <a:endParaRPr b="0" lang="en-US" sz="1800" spc="-1" strike="noStrike">
               <a:solidFill>
                 <a:srgbClr val="000000"/>
               </a:solidFill>
@@ -14212,7 +14212,7 @@
         <p:spPr>
           <a:xfrm>
             <a:off x="7279920" y="6101280"/>
-            <a:ext cx="279720" cy="363960"/>
+            <a:ext cx="279360" cy="363960"/>
           </a:xfrm>
           <a:prstGeom prst="rect">
             <a:avLst/>
@@ -14248,7 +14248,7 @@
               </a:rPr>
               <a:t>C</a:t>
             </a:r>
-            <a:endParaRPr b="0" lang="en-GB" sz="1800" spc="-1" strike="noStrike">
+            <a:endParaRPr b="0" lang="en-US" sz="1800" spc="-1" strike="noStrike">
               <a:solidFill>
                 <a:srgbClr val="000000"/>
               </a:solidFill>
@@ -14315,7 +14315,7 @@
         <p:spPr>
           <a:xfrm>
             <a:off x="1058760" y="6130800"/>
-            <a:ext cx="279720" cy="363960"/>
+            <a:ext cx="279360" cy="363960"/>
           </a:xfrm>
           <a:prstGeom prst="rect">
             <a:avLst/>
@@ -14351,7 +14351,7 @@
               </a:rPr>
               <a:t>D</a:t>
             </a:r>
-            <a:endParaRPr b="0" lang="en-GB" sz="1800" spc="-1" strike="noStrike">
+            <a:endParaRPr b="0" lang="en-US" sz="1800" spc="-1" strike="noStrike">
               <a:solidFill>
                 <a:srgbClr val="000000"/>
               </a:solidFill>
@@ -14399,7 +14399,7 @@
         <p:spPr>
           <a:xfrm>
             <a:off x="335520" y="764640"/>
-            <a:ext cx="10742760" cy="493560"/>
+            <a:ext cx="10742400" cy="493200"/>
           </a:xfrm>
           <a:prstGeom prst="rect">
             <a:avLst/>
@@ -14435,7 +14435,7 @@
               </a:rPr>
               <a:t>Team</a:t>
             </a:r>
-            <a:endParaRPr b="0" lang="en-GB" sz="2400" spc="-1" strike="noStrike">
+            <a:endParaRPr b="0" lang="en-US" sz="2400" spc="-1" strike="noStrike">
               <a:solidFill>
                 <a:srgbClr val="000000"/>
               </a:solidFill>
@@ -14457,7 +14457,7 @@
         <p:spPr>
           <a:xfrm>
             <a:off x="2394720" y="1153800"/>
-            <a:ext cx="1465560" cy="2166840"/>
+            <a:ext cx="1465200" cy="2166480"/>
           </a:xfrm>
           <a:prstGeom prst="rect">
             <a:avLst/>
@@ -14480,7 +14480,7 @@
         <p:spPr>
           <a:xfrm>
             <a:off x="7250040" y="1153800"/>
-            <a:ext cx="1730880" cy="2166840"/>
+            <a:ext cx="1730520" cy="2166480"/>
           </a:xfrm>
           <a:prstGeom prst="rect">
             <a:avLst/>
@@ -14503,7 +14503,7 @@
         <p:spPr>
           <a:xfrm>
             <a:off x="2207880" y="4110120"/>
-            <a:ext cx="1779480" cy="1771560"/>
+            <a:ext cx="1779120" cy="1771200"/>
           </a:xfrm>
           <a:prstGeom prst="rect">
             <a:avLst/>
@@ -14522,7 +14522,7 @@
         <p:spPr>
           <a:xfrm>
             <a:off x="1330200" y="3269880"/>
-            <a:ext cx="3630240" cy="671760"/>
+            <a:ext cx="3629880" cy="671400"/>
           </a:xfrm>
           <a:prstGeom prst="rect">
             <a:avLst/>
@@ -14561,7 +14561,7 @@
               </a:rPr>
               <a:t>Prof. Dr. Benjamin Leiding</a:t>
             </a:r>
-            <a:endParaRPr b="0" lang="en-GB" sz="1600" spc="-1" strike="noStrike">
+            <a:endParaRPr b="0" lang="en-US" sz="1600" spc="-1" strike="noStrike">
               <a:solidFill>
                 <a:srgbClr val="000000"/>
               </a:solidFill>
@@ -14579,7 +14579,7 @@
         <p:spPr>
           <a:xfrm>
             <a:off x="6321600" y="3269880"/>
-            <a:ext cx="3630240" cy="671760"/>
+            <a:ext cx="3629880" cy="671400"/>
           </a:xfrm>
           <a:prstGeom prst="rect">
             <a:avLst/>
@@ -14618,7 +14618,7 @@
               </a:rPr>
               <a:t>Dr. Arne Bochem</a:t>
             </a:r>
-            <a:endParaRPr b="0" lang="en-GB" sz="1600" spc="-1" strike="noStrike">
+            <a:endParaRPr b="0" lang="en-US" sz="1600" spc="-1" strike="noStrike">
               <a:solidFill>
                 <a:srgbClr val="000000"/>
               </a:solidFill>
@@ -14636,7 +14636,7 @@
         <p:spPr>
           <a:xfrm>
             <a:off x="1312200" y="5920200"/>
-            <a:ext cx="3630240" cy="671760"/>
+            <a:ext cx="3629880" cy="671400"/>
           </a:xfrm>
           <a:prstGeom prst="rect">
             <a:avLst/>
@@ -14665,7 +14665,7 @@
                 <a:spcPts val="360"/>
               </a:spcBef>
             </a:pPr>
-            <a:endParaRPr b="0" lang="en-GB" sz="1800" spc="-1" strike="noStrike">
+            <a:endParaRPr b="0" lang="en-US" sz="1800" spc="-1" strike="noStrike">
               <a:solidFill>
                 <a:srgbClr val="000000"/>
               </a:solidFill>
@@ -14681,7 +14681,7 @@
                 <a:spcPts val="360"/>
               </a:spcBef>
             </a:pPr>
-            <a:endParaRPr b="0" lang="en-GB" sz="1800" spc="-1" strike="noStrike">
+            <a:endParaRPr b="0" lang="en-US" sz="1800" spc="-1" strike="noStrike">
               <a:solidFill>
                 <a:srgbClr val="000000"/>
               </a:solidFill>
@@ -14699,7 +14699,7 @@
         <p:spPr>
           <a:xfrm>
             <a:off x="1312200" y="5807160"/>
-            <a:ext cx="3630240" cy="671760"/>
+            <a:ext cx="3629880" cy="671400"/>
           </a:xfrm>
           <a:prstGeom prst="rect">
             <a:avLst/>
@@ -14738,7 +14738,7 @@
               </a:rPr>
               <a:t>M.Sc. Anant Sujatanagarjuna</a:t>
             </a:r>
-            <a:endParaRPr b="0" lang="en-GB" sz="1600" spc="-1" strike="noStrike">
+            <a:endParaRPr b="0" lang="en-US" sz="1600" spc="-1" strike="noStrike">
               <a:solidFill>
                 <a:srgbClr val="000000"/>
               </a:solidFill>
@@ -14756,7 +14756,7 @@
         <p:spPr>
           <a:xfrm>
             <a:off x="4860000" y="5920200"/>
-            <a:ext cx="3630240" cy="671760"/>
+            <a:ext cx="3629880" cy="671400"/>
           </a:xfrm>
           <a:prstGeom prst="rect">
             <a:avLst/>
@@ -14801,7 +14801,7 @@
         <p:spPr>
           <a:xfrm>
             <a:off x="6300000" y="5807160"/>
-            <a:ext cx="3630240" cy="671760"/>
+            <a:ext cx="3629880" cy="671400"/>
           </a:xfrm>
           <a:prstGeom prst="rect">
             <a:avLst/>
@@ -14840,7 +14840,7 @@
               </a:rPr>
               <a:t>M.Sc. Shohreh Kia</a:t>
             </a:r>
-            <a:endParaRPr b="0" lang="en-GB" sz="1600" spc="-1" strike="noStrike">
+            <a:endParaRPr b="0" lang="en-US" sz="1600" spc="-1" strike="noStrike">
               <a:solidFill>
                 <a:srgbClr val="000000"/>
               </a:solidFill>
@@ -14857,13 +14857,13 @@
         </p:nvPicPr>
         <p:blipFill>
           <a:blip r:embed="rId4"/>
-          <a:srcRect l="0" t="10388" r="0" b="0"/>
+          <a:srcRect l="0" t="10387" r="0" b="0"/>
           <a:stretch/>
         </p:blipFill>
         <p:spPr>
           <a:xfrm>
             <a:off x="7380000" y="3960000"/>
-            <a:ext cx="1438920" cy="1922760"/>
+            <a:ext cx="1438560" cy="1922400"/>
           </a:xfrm>
           <a:prstGeom prst="rect">
             <a:avLst/>
@@ -14912,7 +14912,7 @@
         <p:spPr>
           <a:xfrm>
             <a:off x="335520" y="764640"/>
-            <a:ext cx="10742760" cy="493560"/>
+            <a:ext cx="10742400" cy="493200"/>
           </a:xfrm>
           <a:prstGeom prst="rect">
             <a:avLst/>
@@ -14948,7 +14948,7 @@
               </a:rPr>
               <a:t>Examination</a:t>
             </a:r>
-            <a:endParaRPr b="0" lang="en-GB" sz="2400" spc="-1" strike="noStrike">
+            <a:endParaRPr b="0" lang="en-US" sz="2400" spc="-1" strike="noStrike">
               <a:solidFill>
                 <a:srgbClr val="000000"/>
               </a:solidFill>
@@ -14966,7 +14966,7 @@
         <p:spPr>
           <a:xfrm>
             <a:off x="335520" y="1268640"/>
-            <a:ext cx="10742760" cy="5030280"/>
+            <a:ext cx="10742400" cy="5029920"/>
           </a:xfrm>
           <a:prstGeom prst="rect">
             <a:avLst/>
@@ -15011,7 +15011,7 @@
               </a:rPr>
               <a:t>Prerequisite for admission to the final exam (all criteria have to be fulfilled):</a:t>
             </a:r>
-            <a:endParaRPr b="0" lang="en-GB" sz="1800" spc="-1" strike="noStrike">
+            <a:endParaRPr b="0" lang="en-US" sz="1800" spc="-1" strike="noStrike">
               <a:solidFill>
                 <a:srgbClr val="000000"/>
               </a:solidFill>
@@ -15043,7 +15043,7 @@
               </a:rPr>
               <a:t>Submit all exercises</a:t>
             </a:r>
-            <a:endParaRPr b="0" lang="en-GB" sz="1800" spc="-1" strike="noStrike">
+            <a:endParaRPr b="0" lang="en-US" sz="1800" spc="-1" strike="noStrike">
               <a:solidFill>
                 <a:srgbClr val="000000"/>
               </a:solidFill>
@@ -15059,7 +15059,7 @@
                 <a:spcPts val="360"/>
               </a:spcBef>
             </a:pPr>
-            <a:endParaRPr b="0" lang="en-GB" sz="1800" spc="-1" strike="noStrike">
+            <a:endParaRPr b="0" lang="en-US" sz="1800" spc="-1" strike="noStrike">
               <a:solidFill>
                 <a:srgbClr val="000000"/>
               </a:solidFill>
@@ -15091,7 +15091,7 @@
               </a:rPr>
               <a:t>Final exam:</a:t>
             </a:r>
-            <a:endParaRPr b="0" lang="en-GB" sz="1800" spc="-1" strike="noStrike">
+            <a:endParaRPr b="0" lang="en-US" sz="1800" spc="-1" strike="noStrike">
               <a:solidFill>
                 <a:srgbClr val="000000"/>
               </a:solidFill>
@@ -15123,7 +15123,7 @@
               </a:rPr>
               <a:t>Clausthal</a:t>
             </a:r>
-            <a:endParaRPr b="0" lang="en-GB" sz="1800" spc="-1" strike="noStrike">
+            <a:endParaRPr b="0" lang="en-US" sz="1800" spc="-1" strike="noStrike">
               <a:solidFill>
                 <a:srgbClr val="000000"/>
               </a:solidFill>
@@ -15155,7 +15155,7 @@
               </a:rPr>
               <a:t>Written exam (120min) via Moodle</a:t>
             </a:r>
-            <a:endParaRPr b="0" lang="en-GB" sz="1800" spc="-1" strike="noStrike">
+            <a:endParaRPr b="0" lang="en-US" sz="1800" spc="-1" strike="noStrike">
               <a:solidFill>
                 <a:srgbClr val="000000"/>
               </a:solidFill>
@@ -15197,7 +15197,7 @@
               </a:rPr>
               <a:t>07.08.2023 from 2 pm – 5 pm</a:t>
             </a:r>
-            <a:endParaRPr b="0" lang="en-GB" sz="1800" spc="-1" strike="noStrike">
+            <a:endParaRPr b="0" lang="en-US" sz="1800" spc="-1" strike="noStrike">
               <a:solidFill>
                 <a:srgbClr val="000000"/>
               </a:solidFill>
@@ -15229,7 +15229,7 @@
               </a:rPr>
               <a:t>Göttingen</a:t>
             </a:r>
-            <a:endParaRPr b="0" lang="en-GB" sz="1800" spc="-1" strike="noStrike">
+            <a:endParaRPr b="0" lang="en-US" sz="1800" spc="-1" strike="noStrike">
               <a:solidFill>
                 <a:srgbClr val="000000"/>
               </a:solidFill>
@@ -15261,7 +15261,7 @@
               </a:rPr>
               <a:t>Oral examination (20min) via BBB</a:t>
             </a:r>
-            <a:endParaRPr b="0" lang="en-GB" sz="1800" spc="-1" strike="noStrike">
+            <a:endParaRPr b="0" lang="en-US" sz="1800" spc="-1" strike="noStrike">
               <a:solidFill>
                 <a:srgbClr val="000000"/>
               </a:solidFill>
@@ -15303,7 +15303,7 @@
               </a:rPr>
               <a:t>08.08.2023</a:t>
             </a:r>
-            <a:endParaRPr b="0" lang="en-GB" sz="1800" spc="-1" strike="noStrike">
+            <a:endParaRPr b="0" lang="en-US" sz="1800" spc="-1" strike="noStrike">
               <a:solidFill>
                 <a:srgbClr val="000000"/>
               </a:solidFill>
@@ -15351,7 +15351,7 @@
         <p:spPr>
           <a:xfrm>
             <a:off x="335520" y="764640"/>
-            <a:ext cx="10740960" cy="491760"/>
+            <a:ext cx="10740600" cy="491400"/>
           </a:xfrm>
           <a:prstGeom prst="rect">
             <a:avLst/>
@@ -15387,7 +15387,7 @@
               </a:rPr>
               <a:t>Self-Study Star</a:t>
             </a:r>
-            <a:endParaRPr b="0" lang="en-GB" sz="2400" spc="-1" strike="noStrike">
+            <a:endParaRPr b="0" lang="en-US" sz="2400" spc="-1" strike="noStrike">
               <a:solidFill>
                 <a:srgbClr val="000000"/>
               </a:solidFill>
@@ -15405,7 +15405,7 @@
         <p:spPr>
           <a:xfrm>
             <a:off x="335520" y="1268280"/>
-            <a:ext cx="10740960" cy="5028480"/>
+            <a:ext cx="10740600" cy="5028120"/>
           </a:xfrm>
           <a:prstGeom prst="rect">
             <a:avLst/>
@@ -15434,7 +15434,7 @@
                 <a:spcPts val="360"/>
               </a:spcBef>
             </a:pPr>
-            <a:endParaRPr b="0" lang="en-GB" sz="1800" spc="-1" strike="noStrike">
+            <a:endParaRPr b="0" lang="en-US" sz="1800" spc="-1" strike="noStrike">
               <a:solidFill>
                 <a:srgbClr val="000000"/>
               </a:solidFill>
@@ -15483,7 +15483,7 @@
               </a:rPr>
               <a:t> mandatory but could be helpful or interesting</a:t>
             </a:r>
-            <a:endParaRPr b="0" lang="en-GB" sz="1800" spc="-1" strike="noStrike">
+            <a:endParaRPr b="0" lang="en-US" sz="1800" spc="-1" strike="noStrike">
               <a:solidFill>
                 <a:srgbClr val="000000"/>
               </a:solidFill>
@@ -15501,7 +15501,7 @@
         <p:spPr>
           <a:xfrm>
             <a:off x="6285600" y="2132640"/>
-            <a:ext cx="510480" cy="490320"/>
+            <a:ext cx="510120" cy="489960"/>
           </a:xfrm>
           <a:prstGeom prst="star5">
             <a:avLst>
@@ -15562,7 +15562,7 @@
         <p:spPr>
           <a:xfrm>
             <a:off x="4089960" y="2247480"/>
-            <a:ext cx="2278800" cy="363960"/>
+            <a:ext cx="2278440" cy="363960"/>
           </a:xfrm>
           <a:prstGeom prst="rect">
             <a:avLst/>
@@ -15618,7 +15618,7 @@
               </a:rPr>
               <a:t> </a:t>
             </a:r>
-            <a:endParaRPr b="0" lang="en-GB" sz="1800" spc="-1" strike="noStrike">
+            <a:endParaRPr b="0" lang="en-US" sz="1800" spc="-1" strike="noStrike">
               <a:solidFill>
                 <a:srgbClr val="000000"/>
               </a:solidFill>
@@ -15666,7 +15666,7 @@
         <p:spPr>
           <a:xfrm>
             <a:off x="335520" y="764640"/>
-            <a:ext cx="10740960" cy="491760"/>
+            <a:ext cx="10740600" cy="491400"/>
           </a:xfrm>
           <a:prstGeom prst="rect">
             <a:avLst/>
@@ -15702,7 +15702,7 @@
               </a:rPr>
               <a:t>Literature</a:t>
             </a:r>
-            <a:endParaRPr b="0" lang="en-GB" sz="2400" spc="-1" strike="noStrike">
+            <a:endParaRPr b="0" lang="en-US" sz="2400" spc="-1" strike="noStrike">
               <a:solidFill>
                 <a:srgbClr val="000000"/>
               </a:solidFill>
@@ -15720,7 +15720,7 @@
         <p:spPr>
           <a:xfrm>
             <a:off x="335520" y="1268640"/>
-            <a:ext cx="10740960" cy="5028480"/>
+            <a:ext cx="10740600" cy="5028120"/>
           </a:xfrm>
           <a:prstGeom prst="rect">
             <a:avLst/>
@@ -15785,7 +15785,7 @@
               </a:rPr>
               <a:t> need to buy a book to pass the exam.</a:t>
             </a:r>
-            <a:endParaRPr b="0" lang="en-GB" sz="1800" spc="-1" strike="noStrike">
+            <a:endParaRPr b="0" lang="en-US" sz="1800" spc="-1" strike="noStrike">
               <a:solidFill>
                 <a:srgbClr val="000000"/>
               </a:solidFill>
@@ -15801,7 +15801,7 @@
                 <a:spcPts val="360"/>
               </a:spcBef>
             </a:pPr>
-            <a:endParaRPr b="0" lang="en-GB" sz="1800" spc="-1" strike="noStrike">
+            <a:endParaRPr b="0" lang="en-US" sz="1800" spc="-1" strike="noStrike">
               <a:solidFill>
                 <a:srgbClr val="000000"/>
               </a:solidFill>
@@ -15853,7 +15853,7 @@
               </a:rPr>
               <a:t> (1972).</a:t>
             </a:r>
-            <a:endParaRPr b="0" lang="en-GB" sz="1800" spc="-1" strike="noStrike">
+            <a:endParaRPr b="0" lang="en-US" sz="1800" spc="-1" strike="noStrike">
               <a:solidFill>
                 <a:srgbClr val="000000"/>
               </a:solidFill>
@@ -15905,7 +15905,7 @@
               </a:rPr>
               <a:t> (2004).</a:t>
             </a:r>
-            <a:endParaRPr b="0" lang="en-GB" sz="1800" spc="-1" strike="noStrike">
+            <a:endParaRPr b="0" lang="en-US" sz="1800" spc="-1" strike="noStrike">
               <a:solidFill>
                 <a:srgbClr val="000000"/>
               </a:solidFill>
@@ -15957,7 +15957,7 @@
               </a:rPr>
               <a:t>(2012).</a:t>
             </a:r>
-            <a:endParaRPr b="0" lang="en-GB" sz="1800" spc="-1" strike="noStrike">
+            <a:endParaRPr b="0" lang="en-US" sz="1800" spc="-1" strike="noStrike">
               <a:solidFill>
                 <a:srgbClr val="000000"/>
               </a:solidFill>
@@ -16009,7 +16009,7 @@
               </a:rPr>
               <a:t> (2019).</a:t>
             </a:r>
-            <a:endParaRPr b="0" lang="en-GB" sz="1800" spc="-1" strike="noStrike">
+            <a:endParaRPr b="0" lang="en-US" sz="1800" spc="-1" strike="noStrike">
               <a:solidFill>
                 <a:srgbClr val="000000"/>
               </a:solidFill>
@@ -16061,7 +16061,7 @@
               </a:rPr>
               <a:t> (2011).</a:t>
             </a:r>
-            <a:endParaRPr b="0" lang="en-GB" sz="1800" spc="-1" strike="noStrike">
+            <a:endParaRPr b="0" lang="en-US" sz="1800" spc="-1" strike="noStrike">
               <a:solidFill>
                 <a:srgbClr val="000000"/>
               </a:solidFill>
@@ -16113,7 +16113,7 @@
               </a:rPr>
               <a:t> (2017).</a:t>
             </a:r>
-            <a:endParaRPr b="0" lang="en-GB" sz="1800" spc="-1" strike="noStrike">
+            <a:endParaRPr b="0" lang="en-US" sz="1800" spc="-1" strike="noStrike">
               <a:solidFill>
                 <a:srgbClr val="000000"/>
               </a:solidFill>
@@ -16161,7 +16161,7 @@
         <p:spPr>
           <a:xfrm>
             <a:off x="335520" y="764640"/>
-            <a:ext cx="10744200" cy="495000"/>
+            <a:ext cx="10743840" cy="494640"/>
           </a:xfrm>
           <a:prstGeom prst="rect">
             <a:avLst/>
@@ -16197,7 +16197,7 @@
               </a:rPr>
               <a:t>Literature</a:t>
             </a:r>
-            <a:endParaRPr b="0" lang="en-GB" sz="2400" spc="-1" strike="noStrike">
+            <a:endParaRPr b="0" lang="en-US" sz="2400" spc="-1" strike="noStrike">
               <a:solidFill>
                 <a:srgbClr val="000000"/>
               </a:solidFill>
@@ -16215,7 +16215,7 @@
         <p:spPr>
           <a:xfrm>
             <a:off x="335520" y="1268640"/>
-            <a:ext cx="10744200" cy="5031720"/>
+            <a:ext cx="10743840" cy="5031360"/>
           </a:xfrm>
           <a:prstGeom prst="rect">
             <a:avLst/>
@@ -16280,7 +16280,7 @@
               </a:rPr>
               <a:t> (2019).</a:t>
             </a:r>
-            <a:endParaRPr b="0" lang="en-GB" sz="1800" spc="-1" strike="noStrike">
+            <a:endParaRPr b="0" lang="en-US" sz="1800" spc="-1" strike="noStrike">
               <a:solidFill>
                 <a:srgbClr val="000000"/>
               </a:solidFill>
@@ -16332,7 +16332,7 @@
               </a:rPr>
               <a:t> (2010).</a:t>
             </a:r>
-            <a:endParaRPr b="0" lang="en-GB" sz="1800" spc="-1" strike="noStrike">
+            <a:endParaRPr b="0" lang="en-US" sz="1800" spc="-1" strike="noStrike">
               <a:solidFill>
                 <a:srgbClr val="000000"/>
               </a:solidFill>
@@ -16384,7 +16384,7 @@
               </a:rPr>
               <a:t> (2008).</a:t>
             </a:r>
-            <a:endParaRPr b="0" lang="en-GB" sz="1800" spc="-1" strike="noStrike">
+            <a:endParaRPr b="0" lang="en-US" sz="1800" spc="-1" strike="noStrike">
               <a:solidFill>
                 <a:srgbClr val="000000"/>
               </a:solidFill>
@@ -16432,7 +16432,7 @@
         <p:spPr>
           <a:xfrm>
             <a:off x="335520" y="764640"/>
-            <a:ext cx="10742760" cy="493560"/>
+            <a:ext cx="10742400" cy="493200"/>
           </a:xfrm>
           <a:prstGeom prst="rect">
             <a:avLst/>
@@ -16468,7 +16468,7 @@
               </a:rPr>
               <a:t>Literature</a:t>
             </a:r>
-            <a:endParaRPr b="0" lang="en-GB" sz="2400" spc="-1" strike="noStrike">
+            <a:endParaRPr b="0" lang="en-US" sz="2400" spc="-1" strike="noStrike">
               <a:solidFill>
                 <a:srgbClr val="000000"/>
               </a:solidFill>
@@ -16486,7 +16486,7 @@
         <p:spPr>
           <a:xfrm>
             <a:off x="335520" y="1268640"/>
-            <a:ext cx="10742760" cy="5030280"/>
+            <a:ext cx="10742400" cy="5029920"/>
           </a:xfrm>
           <a:prstGeom prst="rect">
             <a:avLst/>
@@ -16515,7 +16515,7 @@
                 <a:spcPts val="360"/>
               </a:spcBef>
             </a:pPr>
-            <a:endParaRPr b="0" lang="en-GB" sz="1800" spc="-1" strike="noStrike">
+            <a:endParaRPr b="0" lang="en-US" sz="1800" spc="-1" strike="noStrike">
               <a:solidFill>
                 <a:srgbClr val="000000"/>
               </a:solidFill>
@@ -16589,7 +16589,7 @@
               </a:rPr>
               <a:t>).</a:t>
             </a:r>
-            <a:endParaRPr b="0" lang="en-GB" sz="1800" spc="-1" strike="noStrike">
+            <a:endParaRPr b="0" lang="en-US" sz="1800" spc="-1" strike="noStrike">
               <a:solidFill>
                 <a:srgbClr val="000000"/>
               </a:solidFill>
@@ -16663,7 +16663,7 @@
               </a:rPr>
               <a:t>).</a:t>
             </a:r>
-            <a:endParaRPr b="0" lang="en-GB" sz="1800" spc="-1" strike="noStrike">
+            <a:endParaRPr b="0" lang="en-US" sz="1800" spc="-1" strike="noStrike">
               <a:solidFill>
                 <a:srgbClr val="000000"/>
               </a:solidFill>
@@ -16715,7 +16715,7 @@
               </a:rPr>
               <a:t> (2019).</a:t>
             </a:r>
-            <a:endParaRPr b="0" lang="en-GB" sz="1800" spc="-1" strike="noStrike">
+            <a:endParaRPr b="0" lang="en-US" sz="1800" spc="-1" strike="noStrike">
               <a:solidFill>
                 <a:srgbClr val="000000"/>
               </a:solidFill>
@@ -16767,7 +16767,7 @@
               </a:rPr>
               <a:t> (2020).</a:t>
             </a:r>
-            <a:endParaRPr b="0" lang="en-GB" sz="1800" spc="-1" strike="noStrike">
+            <a:endParaRPr b="0" lang="en-US" sz="1800" spc="-1" strike="noStrike">
               <a:solidFill>
                 <a:srgbClr val="000000"/>
               </a:solidFill>
@@ -16819,7 +16819,7 @@
               </a:rPr>
               <a:t> (2018).</a:t>
             </a:r>
-            <a:endParaRPr b="0" lang="en-GB" sz="1800" spc="-1" strike="noStrike">
+            <a:endParaRPr b="0" lang="en-US" sz="1800" spc="-1" strike="noStrike">
               <a:solidFill>
                 <a:srgbClr val="000000"/>
               </a:solidFill>
@@ -16871,7 +16871,7 @@
               </a:rPr>
               <a:t> (2018).</a:t>
             </a:r>
-            <a:endParaRPr b="0" lang="en-GB" sz="1800" spc="-1" strike="noStrike">
+            <a:endParaRPr b="0" lang="en-US" sz="1800" spc="-1" strike="noStrike">
               <a:solidFill>
                 <a:srgbClr val="000000"/>
               </a:solidFill>
@@ -16923,7 +16923,7 @@
               </a:rPr>
               <a:t> (2010).</a:t>
             </a:r>
-            <a:endParaRPr b="0" lang="en-GB" sz="1800" spc="-1" strike="noStrike">
+            <a:endParaRPr b="0" lang="en-US" sz="1800" spc="-1" strike="noStrike">
               <a:solidFill>
                 <a:srgbClr val="000000"/>
               </a:solidFill>
@@ -16971,7 +16971,7 @@
         <p:spPr>
           <a:xfrm>
             <a:off x="335520" y="764640"/>
-            <a:ext cx="10740960" cy="491760"/>
+            <a:ext cx="10740600" cy="491400"/>
           </a:xfrm>
           <a:prstGeom prst="rect">
             <a:avLst/>
@@ -17007,7 +17007,7 @@
               </a:rPr>
               <a:t>Further Resources </a:t>
             </a:r>
-            <a:endParaRPr b="0" lang="en-GB" sz="2400" spc="-1" strike="noStrike">
+            <a:endParaRPr b="0" lang="en-US" sz="2400" spc="-1" strike="noStrike">
               <a:solidFill>
                 <a:srgbClr val="000000"/>
               </a:solidFill>
@@ -17025,7 +17025,7 @@
         <p:spPr>
           <a:xfrm>
             <a:off x="335520" y="1268640"/>
-            <a:ext cx="10740960" cy="5028480"/>
+            <a:ext cx="10740600" cy="5028120"/>
           </a:xfrm>
           <a:prstGeom prst="rect">
             <a:avLst/>
@@ -17082,7 +17082,7 @@
               </a:rPr>
               <a:t>Link</a:t>
             </a:r>
-            <a:endParaRPr b="0" lang="en-GB" sz="1800" spc="-1" strike="noStrike">
+            <a:endParaRPr b="0" lang="en-US" sz="1800" spc="-1" strike="noStrike">
               <a:solidFill>
                 <a:srgbClr val="000000"/>
               </a:solidFill>
@@ -17136,7 +17136,7 @@
               </a:rPr>
               <a:t> </a:t>
             </a:r>
-            <a:endParaRPr b="0" lang="en-GB" sz="1800" spc="-1" strike="noStrike">
+            <a:endParaRPr b="0" lang="en-US" sz="1800" spc="-1" strike="noStrike">
               <a:solidFill>
                 <a:srgbClr val="000000"/>
               </a:solidFill>
@@ -17180,7 +17180,7 @@
               </a:rPr>
               <a:t>Link</a:t>
             </a:r>
-            <a:endParaRPr b="0" lang="en-GB" sz="1800" spc="-1" strike="noStrike">
+            <a:endParaRPr b="0" lang="en-US" sz="1800" spc="-1" strike="noStrike">
               <a:solidFill>
                 <a:srgbClr val="000000"/>
               </a:solidFill>
@@ -17212,7 +17212,7 @@
               </a:rPr>
               <a:t>Podcasts:</a:t>
             </a:r>
-            <a:endParaRPr b="0" lang="en-GB" sz="1800" spc="-1" strike="noStrike">
+            <a:endParaRPr b="0" lang="en-US" sz="1800" spc="-1" strike="noStrike">
               <a:solidFill>
                 <a:srgbClr val="000000"/>
               </a:solidFill>
@@ -17263,7 +17263,7 @@
               </a:rPr>
               <a:t>)</a:t>
             </a:r>
-            <a:endParaRPr b="0" lang="en-GB" sz="1800" spc="-1" strike="noStrike">
+            <a:endParaRPr b="0" lang="en-US" sz="1800" spc="-1" strike="noStrike">
               <a:solidFill>
                 <a:srgbClr val="000000"/>
               </a:solidFill>
@@ -17317,7 +17317,7 @@
               </a:rPr>
               <a:t>)</a:t>
             </a:r>
-            <a:endParaRPr b="0" lang="en-GB" sz="1800" spc="-1" strike="noStrike">
+            <a:endParaRPr b="0" lang="en-US" sz="1800" spc="-1" strike="noStrike">
               <a:solidFill>
                 <a:srgbClr val="000000"/>
               </a:solidFill>
@@ -17371,7 +17371,7 @@
               </a:rPr>
               <a:t>)</a:t>
             </a:r>
-            <a:endParaRPr b="0" lang="en-GB" sz="1800" spc="-1" strike="noStrike">
+            <a:endParaRPr b="0" lang="en-US" sz="1800" spc="-1" strike="noStrike">
               <a:solidFill>
                 <a:srgbClr val="000000"/>
               </a:solidFill>
@@ -17419,7 +17419,7 @@
         <p:spPr>
           <a:xfrm>
             <a:off x="335520" y="1268640"/>
-            <a:ext cx="10742760" cy="5030280"/>
+            <a:ext cx="10742400" cy="5029920"/>
           </a:xfrm>
           <a:prstGeom prst="rect">
             <a:avLst/>
@@ -17461,7 +17461,7 @@
               </a:rPr>
               <a:t>Questions?</a:t>
             </a:r>
-            <a:endParaRPr b="0" lang="en-GB" sz="4000" spc="-1" strike="noStrike">
+            <a:endParaRPr b="0" lang="en-US" sz="4000" spc="-1" strike="noStrike">
               <a:solidFill>
                 <a:srgbClr val="000000"/>
               </a:solidFill>
@@ -17479,7 +17479,7 @@
         <p:spPr>
           <a:xfrm>
             <a:off x="335520" y="764640"/>
-            <a:ext cx="10742760" cy="493560"/>
+            <a:ext cx="10742400" cy="493200"/>
           </a:xfrm>
           <a:prstGeom prst="rect">
             <a:avLst/>
@@ -17554,7 +17554,7 @@
         <p:spPr>
           <a:xfrm>
             <a:off x="542880" y="721800"/>
-            <a:ext cx="10347120" cy="487800"/>
+            <a:ext cx="10346760" cy="487440"/>
           </a:xfrm>
           <a:prstGeom prst="rect">
             <a:avLst/>
@@ -17590,7 +17590,7 @@
               </a:rPr>
               <a:t>ETCE Research Group</a:t>
             </a:r>
-            <a:endParaRPr b="0" lang="en-GB" sz="2200" spc="-1" strike="noStrike">
+            <a:endParaRPr b="0" lang="en-US" sz="2200" spc="-1" strike="noStrike">
               <a:solidFill>
                 <a:srgbClr val="000000"/>
               </a:solidFill>
@@ -17608,7 +17608,7 @@
         <p:spPr>
           <a:xfrm>
             <a:off x="451800" y="1709280"/>
-            <a:ext cx="8214480" cy="4342680"/>
+            <a:ext cx="8214120" cy="4342320"/>
           </a:xfrm>
           <a:prstGeom prst="rect">
             <a:avLst/>
@@ -17653,7 +17653,7 @@
         <p:spPr>
           <a:xfrm>
             <a:off x="609480" y="1769400"/>
-            <a:ext cx="10577520" cy="4845600"/>
+            <a:ext cx="10577160" cy="4845240"/>
           </a:xfrm>
           <a:prstGeom prst="rect">
             <a:avLst/>
@@ -17778,7 +17778,7 @@
               </a:rPr>
               <a:t>ETCE</a:t>
             </a:r>
-            <a:endParaRPr b="0" lang="en-GB" sz="2000" spc="-1" strike="noStrike">
+            <a:endParaRPr b="0" lang="en-US" sz="2000" spc="-1" strike="noStrike">
               <a:solidFill>
                 <a:srgbClr val="000000"/>
               </a:solidFill>
@@ -17810,7 +17810,7 @@
               </a:rPr>
               <a:t>Research focus:</a:t>
             </a:r>
-            <a:endParaRPr b="0" lang="en-GB" sz="2000" spc="-1" strike="noStrike">
+            <a:endParaRPr b="0" lang="en-US" sz="2000" spc="-1" strike="noStrike">
               <a:solidFill>
                 <a:srgbClr val="000000"/>
               </a:solidFill>
@@ -17842,7 +17842,7 @@
               </a:rPr>
               <a:t>Intersection of IT and sustainability</a:t>
             </a:r>
-            <a:endParaRPr b="0" lang="en-GB" sz="1800" spc="-1" strike="noStrike">
+            <a:endParaRPr b="0" lang="en-US" sz="1800" spc="-1" strike="noStrike">
               <a:solidFill>
                 <a:srgbClr val="000000"/>
               </a:solidFill>
@@ -17874,7 +17874,7 @@
               </a:rPr>
               <a:t>Circular Economy</a:t>
             </a:r>
-            <a:endParaRPr b="0" lang="en-GB" sz="1800" spc="-1" strike="noStrike">
+            <a:endParaRPr b="0" lang="en-US" sz="1800" spc="-1" strike="noStrike">
               <a:solidFill>
                 <a:srgbClr val="000000"/>
               </a:solidFill>
@@ -17906,7 +17906,7 @@
               </a:rPr>
               <a:t>Self-organized, decentralized and distributed systems</a:t>
             </a:r>
-            <a:endParaRPr b="0" lang="en-GB" sz="1800" spc="-1" strike="noStrike">
+            <a:endParaRPr b="0" lang="en-US" sz="1800" spc="-1" strike="noStrike">
               <a:solidFill>
                 <a:srgbClr val="000000"/>
               </a:solidFill>
@@ -17938,7 +17938,7 @@
               </a:rPr>
               <a:t>Machine-to-Everything Economy (M2X Economy)</a:t>
             </a:r>
-            <a:endParaRPr b="0" lang="en-GB" sz="1800" spc="-1" strike="noStrike">
+            <a:endParaRPr b="0" lang="en-US" sz="1800" spc="-1" strike="noStrike">
               <a:solidFill>
                 <a:srgbClr val="000000"/>
               </a:solidFill>
@@ -17970,7 +17970,7 @@
               </a:rPr>
               <a:t>Other courses:</a:t>
             </a:r>
-            <a:endParaRPr b="0" lang="en-GB" sz="2000" spc="-1" strike="noStrike">
+            <a:endParaRPr b="0" lang="en-US" sz="2000" spc="-1" strike="noStrike">
               <a:solidFill>
                 <a:srgbClr val="000000"/>
               </a:solidFill>
@@ -18002,7 +18002,7 @@
               </a:rPr>
               <a:t>The Limits to Growth – Sustainability and the Circular Economy (SS/WS – open for everyone)</a:t>
             </a:r>
-            <a:endParaRPr b="0" lang="en-GB" sz="1800" spc="-1" strike="noStrike">
+            <a:endParaRPr b="0" lang="en-US" sz="1800" spc="-1" strike="noStrike">
               <a:solidFill>
                 <a:srgbClr val="000000"/>
               </a:solidFill>
@@ -18034,7 +18034,7 @@
               </a:rPr>
               <a:t>Requirements Engineering (WS – M.Sc.)</a:t>
             </a:r>
-            <a:endParaRPr b="0" lang="en-GB" sz="1800" spc="-1" strike="noStrike">
+            <a:endParaRPr b="0" lang="en-US" sz="1800" spc="-1" strike="noStrike">
               <a:solidFill>
                 <a:srgbClr val="000000"/>
               </a:solidFill>
@@ -18082,7 +18082,7 @@
         <p:spPr>
           <a:xfrm>
             <a:off x="542880" y="721800"/>
-            <a:ext cx="10347120" cy="487800"/>
+            <a:ext cx="10346760" cy="487440"/>
           </a:xfrm>
           <a:prstGeom prst="rect">
             <a:avLst/>
@@ -18118,7 +18118,7 @@
               </a:rPr>
               <a:t>ETCE Research Group</a:t>
             </a:r>
-            <a:endParaRPr b="0" lang="en-GB" sz="2200" spc="-1" strike="noStrike">
+            <a:endParaRPr b="0" lang="en-US" sz="2200" spc="-1" strike="noStrike">
               <a:solidFill>
                 <a:srgbClr val="000000"/>
               </a:solidFill>
@@ -18136,7 +18136,7 @@
         <p:spPr>
           <a:xfrm>
             <a:off x="451800" y="1709280"/>
-            <a:ext cx="8214480" cy="4342680"/>
+            <a:ext cx="8214120" cy="4342320"/>
           </a:xfrm>
           <a:prstGeom prst="rect">
             <a:avLst/>
@@ -18181,7 +18181,7 @@
         <p:spPr>
           <a:xfrm>
             <a:off x="609480" y="1769400"/>
-            <a:ext cx="10577520" cy="4845600"/>
+            <a:ext cx="10577160" cy="4845240"/>
           </a:xfrm>
           <a:prstGeom prst="rect">
             <a:avLst/>
@@ -18248,7 +18248,7 @@
               </a:rPr>
               <a:t> </a:t>
             </a:r>
-            <a:endParaRPr b="0" lang="en-GB" sz="2000" spc="-1" strike="noStrike">
+            <a:endParaRPr b="0" lang="en-US" sz="2000" spc="-1" strike="noStrike">
               <a:solidFill>
                 <a:srgbClr val="000000"/>
               </a:solidFill>
@@ -18280,7 +18280,7 @@
               </a:rPr>
               <a:t>Course material </a:t>
             </a:r>
-            <a:endParaRPr b="0" lang="en-GB" sz="1800" spc="-1" strike="noStrike">
+            <a:endParaRPr b="0" lang="en-US" sz="1800" spc="-1" strike="noStrike">
               <a:solidFill>
                 <a:srgbClr val="000000"/>
               </a:solidFill>
@@ -18312,7 +18312,7 @@
               </a:rPr>
               <a:t>Theses/project topics</a:t>
             </a:r>
-            <a:endParaRPr b="0" lang="en-GB" sz="1800" spc="-1" strike="noStrike">
+            <a:endParaRPr b="0" lang="en-US" sz="1800" spc="-1" strike="noStrike">
               <a:solidFill>
                 <a:srgbClr val="000000"/>
               </a:solidFill>
@@ -18328,7 +18328,7 @@
                 <a:spcPts val="1009"/>
               </a:spcBef>
             </a:pPr>
-            <a:endParaRPr b="0" lang="en-GB" sz="1800" spc="-1" strike="noStrike">
+            <a:endParaRPr b="0" lang="en-US" sz="1800" spc="-1" strike="noStrike">
               <a:solidFill>
                 <a:srgbClr val="000000"/>
               </a:solidFill>
@@ -18363,7 +18363,7 @@
               </a:rPr>
               <a:t>Our research in action:</a:t>
             </a:r>
-            <a:endParaRPr b="0" lang="en-GB" sz="2000" spc="-1" strike="noStrike">
+            <a:endParaRPr b="0" lang="en-US" sz="2000" spc="-1" strike="noStrike">
               <a:solidFill>
                 <a:srgbClr val="000000"/>
               </a:solidFill>
@@ -18420,7 +18420,7 @@
               </a:rPr>
               <a:t> </a:t>
             </a:r>
-            <a:endParaRPr b="0" lang="en-GB" sz="1800" spc="-1" strike="noStrike">
+            <a:endParaRPr b="0" lang="en-US" sz="1800" spc="-1" strike="noStrike">
               <a:solidFill>
                 <a:srgbClr val="000000"/>
               </a:solidFill>
@@ -18477,7 +18477,7 @@
               </a:rPr>
               <a:t> </a:t>
             </a:r>
-            <a:endParaRPr b="0" lang="en-GB" sz="1800" spc="-1" strike="noStrike">
+            <a:endParaRPr b="0" lang="en-US" sz="1800" spc="-1" strike="noStrike">
               <a:solidFill>
                 <a:srgbClr val="000000"/>
               </a:solidFill>
@@ -18496,7 +18496,7 @@
                 <a:tab algn="l" pos="0"/>
               </a:tabLst>
             </a:pPr>
-            <a:endParaRPr b="0" lang="en-GB" sz="1800" spc="-1" strike="noStrike">
+            <a:endParaRPr b="0" lang="en-US" sz="1800" spc="-1" strike="noStrike">
               <a:solidFill>
                 <a:srgbClr val="000000"/>
               </a:solidFill>
@@ -18525,7 +18525,7 @@
               </a:rPr>
               <a:t>You want join us? Write us an email! </a:t>
             </a:r>
-            <a:endParaRPr b="0" lang="en-GB" sz="2000" spc="-1" strike="noStrike">
+            <a:endParaRPr b="0" lang="en-US" sz="2000" spc="-1" strike="noStrike">
               <a:solidFill>
                 <a:srgbClr val="000000"/>
               </a:solidFill>
@@ -18564,7 +18564,7 @@
               </a:rPr>
               <a:t>benjamin.leiding@tu-clausthal.de</a:t>
             </a:r>
-            <a:endParaRPr b="0" lang="en-GB" sz="1600" spc="-1" strike="noStrike">
+            <a:endParaRPr b="0" lang="en-US" sz="1600" spc="-1" strike="noStrike">
               <a:solidFill>
                 <a:srgbClr val="000000"/>
               </a:solidFill>
@@ -18612,7 +18612,7 @@
         <p:spPr>
           <a:xfrm>
             <a:off x="542880" y="721800"/>
-            <a:ext cx="10347120" cy="487800"/>
+            <a:ext cx="10346760" cy="487440"/>
           </a:xfrm>
           <a:prstGeom prst="rect">
             <a:avLst/>
@@ -18648,7 +18648,7 @@
               </a:rPr>
               <a:t>ETCE Research Group</a:t>
             </a:r>
-            <a:endParaRPr b="0" lang="en-GB" sz="2200" spc="-1" strike="noStrike">
+            <a:endParaRPr b="0" lang="en-US" sz="2200" spc="-1" strike="noStrike">
               <a:solidFill>
                 <a:srgbClr val="000000"/>
               </a:solidFill>
@@ -18666,7 +18666,7 @@
         <p:spPr>
           <a:xfrm>
             <a:off x="451800" y="1709280"/>
-            <a:ext cx="8214480" cy="4342680"/>
+            <a:ext cx="8214120" cy="4342320"/>
           </a:xfrm>
           <a:prstGeom prst="rect">
             <a:avLst/>
@@ -18711,7 +18711,7 @@
         <p:spPr>
           <a:xfrm>
             <a:off x="609480" y="1769400"/>
-            <a:ext cx="10577520" cy="4845600"/>
+            <a:ext cx="10577160" cy="4845240"/>
           </a:xfrm>
           <a:prstGeom prst="rect">
             <a:avLst/>
@@ -18778,7 +18778,7 @@
               </a:rPr>
               <a:t> </a:t>
             </a:r>
-            <a:endParaRPr b="0" lang="en-GB" sz="2000" spc="-1" strike="noStrike">
+            <a:endParaRPr b="0" lang="en-US" sz="2000" spc="-1" strike="noStrike">
               <a:solidFill>
                 <a:srgbClr val="000000"/>
               </a:solidFill>
@@ -18810,7 +18810,7 @@
               </a:rPr>
               <a:t>Course material </a:t>
             </a:r>
-            <a:endParaRPr b="0" lang="en-GB" sz="1800" spc="-1" strike="noStrike">
+            <a:endParaRPr b="0" lang="en-US" sz="1800" spc="-1" strike="noStrike">
               <a:solidFill>
                 <a:srgbClr val="000000"/>
               </a:solidFill>
@@ -18842,7 +18842,7 @@
               </a:rPr>
               <a:t>Theses/project topics</a:t>
             </a:r>
-            <a:endParaRPr b="0" lang="en-GB" sz="1800" spc="-1" strike="noStrike">
+            <a:endParaRPr b="0" lang="en-US" sz="1800" spc="-1" strike="noStrike">
               <a:solidFill>
                 <a:srgbClr val="000000"/>
               </a:solidFill>
@@ -18858,7 +18858,7 @@
                 <a:spcPts val="1009"/>
               </a:spcBef>
             </a:pPr>
-            <a:endParaRPr b="0" lang="en-GB" sz="1800" spc="-1" strike="noStrike">
+            <a:endParaRPr b="0" lang="en-US" sz="1800" spc="-1" strike="noStrike">
               <a:solidFill>
                 <a:srgbClr val="000000"/>
               </a:solidFill>
@@ -18893,7 +18893,7 @@
               </a:rPr>
               <a:t>Our research in action:</a:t>
             </a:r>
-            <a:endParaRPr b="0" lang="en-GB" sz="2000" spc="-1" strike="noStrike">
+            <a:endParaRPr b="0" lang="en-US" sz="2000" spc="-1" strike="noStrike">
               <a:solidFill>
                 <a:srgbClr val="000000"/>
               </a:solidFill>
@@ -18950,7 +18950,7 @@
               </a:rPr>
               <a:t> </a:t>
             </a:r>
-            <a:endParaRPr b="0" lang="en-GB" sz="1800" spc="-1" strike="noStrike">
+            <a:endParaRPr b="0" lang="en-US" sz="1800" spc="-1" strike="noStrike">
               <a:solidFill>
                 <a:srgbClr val="000000"/>
               </a:solidFill>
@@ -19007,7 +19007,7 @@
               </a:rPr>
               <a:t> </a:t>
             </a:r>
-            <a:endParaRPr b="0" lang="en-GB" sz="1800" spc="-1" strike="noStrike">
+            <a:endParaRPr b="0" lang="en-US" sz="1800" spc="-1" strike="noStrike">
               <a:solidFill>
                 <a:srgbClr val="000000"/>
               </a:solidFill>
@@ -19026,7 +19026,7 @@
                 <a:tab algn="l" pos="0"/>
               </a:tabLst>
             </a:pPr>
-            <a:endParaRPr b="0" lang="en-GB" sz="1800" spc="-1" strike="noStrike">
+            <a:endParaRPr b="0" lang="en-US" sz="1800" spc="-1" strike="noStrike">
               <a:solidFill>
                 <a:srgbClr val="000000"/>
               </a:solidFill>
@@ -19055,7 +19055,7 @@
               </a:rPr>
               <a:t>You want join us? Write us an email! </a:t>
             </a:r>
-            <a:endParaRPr b="0" lang="en-GB" sz="2000" spc="-1" strike="noStrike">
+            <a:endParaRPr b="0" lang="en-US" sz="2000" spc="-1" strike="noStrike">
               <a:solidFill>
                 <a:srgbClr val="000000"/>
               </a:solidFill>
@@ -19094,7 +19094,7 @@
               </a:rPr>
               <a:t>benjamin.leiding@tu-clausthal.de</a:t>
             </a:r>
-            <a:endParaRPr b="0" lang="en-GB" sz="1600" spc="-1" strike="noStrike">
+            <a:endParaRPr b="0" lang="en-US" sz="1600" spc="-1" strike="noStrike">
               <a:solidFill>
                 <a:srgbClr val="000000"/>
               </a:solidFill>
@@ -19142,7 +19142,7 @@
         <p:spPr>
           <a:xfrm>
             <a:off x="335520" y="764640"/>
-            <a:ext cx="10742760" cy="493560"/>
+            <a:ext cx="10742400" cy="493200"/>
           </a:xfrm>
           <a:prstGeom prst="rect">
             <a:avLst/>
@@ -19178,7 +19178,7 @@
               </a:rPr>
               <a:t>Learning Outcome</a:t>
             </a:r>
-            <a:endParaRPr b="0" lang="en-GB" sz="2400" spc="-1" strike="noStrike">
+            <a:endParaRPr b="0" lang="en-US" sz="2400" spc="-1" strike="noStrike">
               <a:solidFill>
                 <a:srgbClr val="000000"/>
               </a:solidFill>
@@ -19196,7 +19196,7 @@
         <p:spPr>
           <a:xfrm>
             <a:off x="335520" y="2408400"/>
-            <a:ext cx="10742760" cy="3890520"/>
+            <a:ext cx="10742400" cy="3890160"/>
           </a:xfrm>
           <a:prstGeom prst="rect">
             <a:avLst/>
@@ -19241,7 +19241,7 @@
               </a:rPr>
               <a:t>Basic understanding of the concept of the Linear Economy, the Circular Economy, the Performance Economy and sustainability</a:t>
             </a:r>
-            <a:endParaRPr b="0" lang="en-GB" sz="1800" spc="-1" strike="noStrike">
+            <a:endParaRPr b="0" lang="en-US" sz="1800" spc="-1" strike="noStrike">
               <a:solidFill>
                 <a:srgbClr val="000000"/>
               </a:solidFill>
@@ -19289,7 +19289,7 @@
         <p:spPr>
           <a:xfrm>
             <a:off x="335520" y="764640"/>
-            <a:ext cx="10742760" cy="493560"/>
+            <a:ext cx="10742400" cy="493200"/>
           </a:xfrm>
           <a:prstGeom prst="rect">
             <a:avLst/>
@@ -19325,7 +19325,7 @@
               </a:rPr>
               <a:t>Learning Outcome</a:t>
             </a:r>
-            <a:endParaRPr b="0" lang="en-GB" sz="2400" spc="-1" strike="noStrike">
+            <a:endParaRPr b="0" lang="en-US" sz="2400" spc="-1" strike="noStrike">
               <a:solidFill>
                 <a:srgbClr val="000000"/>
               </a:solidFill>
@@ -19343,7 +19343,7 @@
         <p:spPr>
           <a:xfrm>
             <a:off x="335520" y="2408400"/>
-            <a:ext cx="10742760" cy="3890520"/>
+            <a:ext cx="10742400" cy="3890160"/>
           </a:xfrm>
           <a:prstGeom prst="rect">
             <a:avLst/>
@@ -19388,7 +19388,7 @@
               </a:rPr>
               <a:t>Basic understanding of the concept of the Linear Economy, the Circular Economy, the Performance Economy and sustainability</a:t>
             </a:r>
-            <a:endParaRPr b="0" lang="en-GB" sz="1800" spc="-1" strike="noStrike">
+            <a:endParaRPr b="0" lang="en-US" sz="1800" spc="-1" strike="noStrike">
               <a:solidFill>
                 <a:srgbClr val="000000"/>
               </a:solidFill>
@@ -19420,7 +19420,7 @@
               </a:rPr>
               <a:t>Basic understanding of new technologies in the field of decentralized and smart systems</a:t>
             </a:r>
-            <a:endParaRPr b="0" lang="en-GB" sz="1800" spc="-1" strike="noStrike">
+            <a:endParaRPr b="0" lang="en-US" sz="1800" spc="-1" strike="noStrike">
               <a:solidFill>
                 <a:srgbClr val="000000"/>
               </a:solidFill>
@@ -19468,7 +19468,7 @@
         <p:spPr>
           <a:xfrm>
             <a:off x="335520" y="764640"/>
-            <a:ext cx="10742760" cy="493560"/>
+            <a:ext cx="10742400" cy="493200"/>
           </a:xfrm>
           <a:prstGeom prst="rect">
             <a:avLst/>
@@ -19504,7 +19504,7 @@
               </a:rPr>
               <a:t>Learning Outcome</a:t>
             </a:r>
-            <a:endParaRPr b="0" lang="en-GB" sz="2400" spc="-1" strike="noStrike">
+            <a:endParaRPr b="0" lang="en-US" sz="2400" spc="-1" strike="noStrike">
               <a:solidFill>
                 <a:srgbClr val="000000"/>
               </a:solidFill>
@@ -19522,7 +19522,7 @@
         <p:spPr>
           <a:xfrm>
             <a:off x="335520" y="2408400"/>
-            <a:ext cx="10742760" cy="3890520"/>
+            <a:ext cx="10742400" cy="3890160"/>
           </a:xfrm>
           <a:prstGeom prst="rect">
             <a:avLst/>
@@ -19567,7 +19567,7 @@
               </a:rPr>
               <a:t>Basic understanding of the concept of the Linear Economy, the Circular Economy, the Performance Economy and sustainability</a:t>
             </a:r>
-            <a:endParaRPr b="0" lang="en-GB" sz="1800" spc="-1" strike="noStrike">
+            <a:endParaRPr b="0" lang="en-US" sz="1800" spc="-1" strike="noStrike">
               <a:solidFill>
                 <a:srgbClr val="000000"/>
               </a:solidFill>
@@ -19599,7 +19599,7 @@
               </a:rPr>
               <a:t>Basic understanding of new technologies in the field of decentralized and smart systems</a:t>
             </a:r>
-            <a:endParaRPr b="0" lang="en-GB" sz="1800" spc="-1" strike="noStrike">
+            <a:endParaRPr b="0" lang="en-US" sz="1800" spc="-1" strike="noStrike">
               <a:solidFill>
                 <a:srgbClr val="000000"/>
               </a:solidFill>
@@ -19631,7 +19631,7 @@
               </a:rPr>
               <a:t>Understanding and overview of the Internet of Things and related concepts</a:t>
             </a:r>
-            <a:endParaRPr b="0" lang="en-GB" sz="1800" spc="-1" strike="noStrike">
+            <a:endParaRPr b="0" lang="en-US" sz="1800" spc="-1" strike="noStrike">
               <a:solidFill>
                 <a:srgbClr val="000000"/>
               </a:solidFill>

--- a/Emerging-Technologies-for-the-Circular-Economy/ETCE-L00-Organization.pptx
+++ b/Emerging-Technologies-for-the-Circular-Economy/ETCE-L00-Organization.pptx
@@ -39,12 +39,6 @@
     <p:sldId id="283" r:id="rId32"/>
     <p:sldId id="284" r:id="rId33"/>
     <p:sldId id="285" r:id="rId34"/>
-    <p:sldId id="286" r:id="rId35"/>
-    <p:sldId id="287" r:id="rId36"/>
-    <p:sldId id="288" r:id="rId37"/>
-    <p:sldId id="289" r:id="rId38"/>
-    <p:sldId id="290" r:id="rId39"/>
-    <p:sldId id="291" r:id="rId40"/>
   </p:sldIdLst>
   <p:sldSz cx="12192000" cy="6858000"/>
   <p:notesSz cx="7559675" cy="10691813"/>
@@ -80,8 +74,8 @@
         </p:nvSpPr>
         <p:spPr>
           <a:xfrm>
-            <a:off x="0" y="812520"/>
-            <a:ext cx="0" cy="0"/>
+            <a:off x="216000" y="812520"/>
+            <a:ext cx="7127280" cy="4008960"/>
           </a:xfrm>
           <a:prstGeom prst="rect">
             <a:avLst/>
@@ -375,7 +369,7 @@
             <a:pPr indent="0" algn="r">
               <a:buNone/>
             </a:pPr>
-            <a:fld id="{8EE9DE47-220E-4400-8B8F-84A1483DC85A}" type="slidenum">
+            <a:fld id="{7C6E7D0B-3A5C-45EF-BB5E-E4082CD4D3AF}" type="slidenum">
               <a:rPr b="0" lang="en-US" sz="1400" spc="-1" strike="noStrike">
                 <a:solidFill>
                   <a:srgbClr val="000000"/>
@@ -418,7 +412,7 @@
       </p:grpSpPr>
       <p:sp>
         <p:nvSpPr>
-          <p:cNvPr id="139" name="PlaceHolder 1"/>
+          <p:cNvPr id="101" name="PlaceHolder 1"/>
           <p:cNvSpPr>
             <a:spLocks noGrp="1"/>
           </p:cNvSpPr>
@@ -429,7 +423,7 @@
         <p:spPr>
           <a:xfrm>
             <a:off x="533520" y="763560"/>
-            <a:ext cx="6689520" cy="3757680"/>
+            <a:ext cx="6688800" cy="3756960"/>
           </a:xfrm>
           <a:prstGeom prst="rect">
             <a:avLst/>
@@ -441,7 +435,7 @@
       </p:sp>
       <p:sp>
         <p:nvSpPr>
-          <p:cNvPr id="140" name="PlaceHolder 2"/>
+          <p:cNvPr id="102" name="PlaceHolder 2"/>
           <p:cNvSpPr>
             <a:spLocks noGrp="1"/>
           </p:cNvSpPr>
@@ -452,7 +446,7 @@
         <p:spPr>
           <a:xfrm>
             <a:off x="777240" y="4777560"/>
-            <a:ext cx="6203160" cy="4511520"/>
+            <a:ext cx="6202440" cy="4510800"/>
           </a:xfrm>
           <a:prstGeom prst="rect">
             <a:avLst/>
@@ -481,14 +475,14 @@
       </p:sp>
       <p:sp>
         <p:nvSpPr>
-          <p:cNvPr id="141" name="CustomShape 3"/>
+          <p:cNvPr id="103" name="CustomShape 3"/>
           <p:cNvSpPr/>
           <p:nvPr/>
         </p:nvSpPr>
         <p:spPr>
           <a:xfrm>
             <a:off x="4399200" y="9555480"/>
-            <a:ext cx="3358440" cy="488160"/>
+            <a:ext cx="3357720" cy="487440"/>
           </a:xfrm>
           <a:prstGeom prst="rect">
             <a:avLst/>
@@ -514,7 +508,7 @@
                 <a:spcPct val="100000"/>
               </a:lnSpc>
             </a:pPr>
-            <a:fld id="{6CD9032C-5188-49C3-AC7C-C635ED06C473}" type="slidenum">
+            <a:fld id="{9C76A8D7-BC32-4F19-91D5-FB1DD53A0ED3}" type="slidenum">
               <a:rPr b="0" lang="de-DE" sz="1800" spc="-1" strike="noStrike">
                 <a:solidFill>
                   <a:srgbClr val="000000"/>
@@ -557,7 +551,7 @@
       </p:grpSpPr>
       <p:sp>
         <p:nvSpPr>
-          <p:cNvPr id="142" name="PlaceHolder 1"/>
+          <p:cNvPr id="104" name="PlaceHolder 1"/>
           <p:cNvSpPr>
             <a:spLocks noGrp="1"/>
           </p:cNvSpPr>
@@ -568,7 +562,7 @@
         <p:spPr>
           <a:xfrm>
             <a:off x="533520" y="763560"/>
-            <a:ext cx="6689520" cy="3757680"/>
+            <a:ext cx="6688800" cy="3756960"/>
           </a:xfrm>
           <a:prstGeom prst="rect">
             <a:avLst/>
@@ -580,7 +574,7 @@
       </p:sp>
       <p:sp>
         <p:nvSpPr>
-          <p:cNvPr id="143" name="PlaceHolder 2"/>
+          <p:cNvPr id="105" name="PlaceHolder 2"/>
           <p:cNvSpPr>
             <a:spLocks noGrp="1"/>
           </p:cNvSpPr>
@@ -591,7 +585,7 @@
         <p:spPr>
           <a:xfrm>
             <a:off x="777240" y="4777560"/>
-            <a:ext cx="6203160" cy="4511520"/>
+            <a:ext cx="6202440" cy="4510800"/>
           </a:xfrm>
           <a:prstGeom prst="rect">
             <a:avLst/>
@@ -620,14 +614,14 @@
       </p:sp>
       <p:sp>
         <p:nvSpPr>
-          <p:cNvPr id="144" name="CustomShape 3"/>
+          <p:cNvPr id="106" name="CustomShape 3"/>
           <p:cNvSpPr/>
           <p:nvPr/>
         </p:nvSpPr>
         <p:spPr>
           <a:xfrm>
             <a:off x="4399200" y="9555480"/>
-            <a:ext cx="3358440" cy="488160"/>
+            <a:ext cx="3357720" cy="487440"/>
           </a:xfrm>
           <a:prstGeom prst="rect">
             <a:avLst/>
@@ -653,7 +647,7 @@
                 <a:spcPct val="100000"/>
               </a:lnSpc>
             </a:pPr>
-            <a:fld id="{E7334E5D-B390-4E35-91D8-5261E0A2FCBD}" type="slidenum">
+            <a:fld id="{466AC411-1206-4E52-B298-1C271E7D3699}" type="slidenum">
               <a:rPr b="0" lang="de-DE" sz="1800" spc="-1" strike="noStrike">
                 <a:solidFill>
                   <a:srgbClr val="000000"/>
@@ -661,7 +655,7 @@
                 <a:latin typeface="+mn-lt"/>
                 <a:ea typeface="+mn-ea"/>
               </a:rPr>
-              <a:t>6</a:t>
+              <a:t>&lt;number&gt;</a:t>
             </a:fld>
             <a:endParaRPr b="0" lang="en-US" sz="1800" spc="-1" strike="noStrike">
               <a:solidFill>
@@ -696,7 +690,7 @@
       </p:grpSpPr>
       <p:sp>
         <p:nvSpPr>
-          <p:cNvPr id="145" name="PlaceHolder 1"/>
+          <p:cNvPr id="107" name="PlaceHolder 1"/>
           <p:cNvSpPr>
             <a:spLocks noGrp="1"/>
           </p:cNvSpPr>
@@ -707,7 +701,7 @@
         <p:spPr>
           <a:xfrm>
             <a:off x="533520" y="763560"/>
-            <a:ext cx="6689520" cy="3757680"/>
+            <a:ext cx="6688800" cy="3756960"/>
           </a:xfrm>
           <a:prstGeom prst="rect">
             <a:avLst/>
@@ -719,7 +713,7 @@
       </p:sp>
       <p:sp>
         <p:nvSpPr>
-          <p:cNvPr id="146" name="PlaceHolder 2"/>
+          <p:cNvPr id="108" name="PlaceHolder 2"/>
           <p:cNvSpPr>
             <a:spLocks noGrp="1"/>
           </p:cNvSpPr>
@@ -730,7 +724,7 @@
         <p:spPr>
           <a:xfrm>
             <a:off x="777240" y="4777560"/>
-            <a:ext cx="6203160" cy="4511520"/>
+            <a:ext cx="6202440" cy="4510800"/>
           </a:xfrm>
           <a:prstGeom prst="rect">
             <a:avLst/>
@@ -759,14 +753,14 @@
       </p:sp>
       <p:sp>
         <p:nvSpPr>
-          <p:cNvPr id="147" name="CustomShape 3"/>
+          <p:cNvPr id="109" name="CustomShape 3"/>
           <p:cNvSpPr/>
           <p:nvPr/>
         </p:nvSpPr>
         <p:spPr>
           <a:xfrm>
             <a:off x="4399200" y="9555480"/>
-            <a:ext cx="3358440" cy="488160"/>
+            <a:ext cx="3357720" cy="487440"/>
           </a:xfrm>
           <a:prstGeom prst="rect">
             <a:avLst/>
@@ -792,7 +786,7 @@
                 <a:spcPct val="100000"/>
               </a:lnSpc>
             </a:pPr>
-            <a:fld id="{45A5C29B-F4E1-4AF2-A424-7D33EAC99697}" type="slidenum">
+            <a:fld id="{DA5467DA-6044-4BB1-92EF-E3925621AB8B}" type="slidenum">
               <a:rPr b="0" lang="de-DE" sz="1800" spc="-1" strike="noStrike">
                 <a:solidFill>
                   <a:srgbClr val="000000"/>
@@ -800,7 +794,7 @@
                 <a:latin typeface="+mn-lt"/>
                 <a:ea typeface="+mn-ea"/>
               </a:rPr>
-              <a:t>6</a:t>
+              <a:t>&lt;number&gt;</a:t>
             </a:fld>
             <a:endParaRPr b="0" lang="en-US" sz="1800" spc="-1" strike="noStrike">
               <a:solidFill>
@@ -893,7 +887,7 @@
         <p:spPr>
           <a:xfrm>
             <a:off x="11444760" y="0"/>
-            <a:ext cx="738000" cy="6846840"/>
+            <a:ext cx="737280" cy="6846120"/>
           </a:xfrm>
           <a:prstGeom prst="rect">
             <a:avLst/>
@@ -942,7 +936,7 @@
         <p:spPr>
           <a:xfrm>
             <a:off x="11438640" y="6453360"/>
-            <a:ext cx="754920" cy="363960"/>
+            <a:ext cx="754200" cy="363960"/>
           </a:xfrm>
           <a:prstGeom prst="rect">
             <a:avLst/>
@@ -968,7 +962,7 @@
                 <a:spcPct val="100000"/>
               </a:lnSpc>
             </a:pPr>
-            <a:fld id="{00916D0C-E6D9-4582-BAA0-447270B46984}" type="slidenum">
+            <a:fld id="{7E2DD608-1AF8-4EAC-AECB-CB7DA0DB832F}" type="slidenum">
               <a:rPr b="0" lang="en-US" sz="1800" spc="-1" strike="noStrike">
                 <a:solidFill>
                   <a:srgbClr val="808080"/>
@@ -996,7 +990,7 @@
         <p:spPr>
           <a:xfrm>
             <a:off x="912240" y="1268280"/>
-            <a:ext cx="9204840" cy="358200"/>
+            <a:ext cx="9204120" cy="357480"/>
           </a:xfrm>
           <a:prstGeom prst="rect">
             <a:avLst/>
@@ -1045,7 +1039,7 @@
         <p:spPr>
           <a:xfrm>
             <a:off x="0" y="0"/>
-            <a:ext cx="3048840" cy="558720"/>
+            <a:ext cx="3048120" cy="558000"/>
           </a:xfrm>
           <a:prstGeom prst="rect">
             <a:avLst/>
@@ -1068,7 +1062,7 @@
         <p:spPr>
           <a:xfrm>
             <a:off x="7430400" y="134640"/>
-            <a:ext cx="3694680" cy="510840"/>
+            <a:ext cx="3693960" cy="510120"/>
           </a:xfrm>
           <a:prstGeom prst="rect">
             <a:avLst/>
@@ -1087,7 +1081,7 @@
         <p:spPr>
           <a:xfrm>
             <a:off x="912240" y="1268280"/>
-            <a:ext cx="9204840" cy="358200"/>
+            <a:ext cx="9204120" cy="357480"/>
           </a:xfrm>
           <a:prstGeom prst="rect">
             <a:avLst/>
@@ -1132,7 +1126,7 @@
         <p:spPr>
           <a:xfrm>
             <a:off x="11444760" y="0"/>
-            <a:ext cx="738000" cy="6846840"/>
+            <a:ext cx="737280" cy="6846120"/>
           </a:xfrm>
           <a:prstGeom prst="rect">
             <a:avLst/>
@@ -1181,7 +1175,7 @@
         <p:spPr>
           <a:xfrm>
             <a:off x="0" y="6642720"/>
-            <a:ext cx="12180960" cy="211320"/>
+            <a:ext cx="12180240" cy="211320"/>
           </a:xfrm>
           <a:prstGeom prst="rect">
             <a:avLst/>
@@ -1264,7 +1258,61 @@
                 </a:solidFill>
                 <a:latin typeface="Arial"/>
               </a:rPr>
-              <a:t>Click to edit the title text format</a:t>
+              <a:t>Click </a:t>
+            </a:r>
+            <a:r>
+              <a:rPr b="0" lang="en-US" sz="4400" spc="-1" strike="noStrike">
+                <a:solidFill>
+                  <a:srgbClr val="000000"/>
+                </a:solidFill>
+                <a:latin typeface="Arial"/>
+              </a:rPr>
+              <a:t>to edit </a:t>
+            </a:r>
+            <a:r>
+              <a:rPr b="0" lang="en-US" sz="4400" spc="-1" strike="noStrike">
+                <a:solidFill>
+                  <a:srgbClr val="000000"/>
+                </a:solidFill>
+                <a:latin typeface="Arial"/>
+              </a:rPr>
+              <a:t>the </a:t>
+            </a:r>
+            <a:r>
+              <a:rPr b="0" lang="en-US" sz="4400" spc="-1" strike="noStrike">
+                <a:solidFill>
+                  <a:srgbClr val="000000"/>
+                </a:solidFill>
+                <a:latin typeface="Arial"/>
+              </a:rPr>
+              <a:t>title </a:t>
+            </a:r>
+            <a:r>
+              <a:rPr b="0" lang="en-US" sz="4400" spc="-1" strike="noStrike">
+                <a:solidFill>
+                  <a:srgbClr val="000000"/>
+                </a:solidFill>
+                <a:latin typeface="Arial"/>
+              </a:rPr>
+              <a:t>text </a:t>
+            </a:r>
+            <a:r>
+              <a:rPr b="0" lang="en-US" sz="4400" spc="-1" strike="noStrike">
+                <a:solidFill>
+                  <a:srgbClr val="000000"/>
+                </a:solidFill>
+                <a:latin typeface="Arial"/>
+              </a:rPr>
+              <a:t>forma</a:t>
+            </a:r>
+            <a:r>
+              <a:rPr b="0" lang="en-US" sz="4400" spc="-1" strike="noStrike">
+                <a:solidFill>
+                  <a:srgbClr val="000000"/>
+                </a:solidFill>
+                <a:latin typeface="Arial"/>
+              </a:rPr>
+              <a:t>t</a:t>
             </a:r>
             <a:endParaRPr b="0" lang="en-US" sz="4400" spc="-1" strike="noStrike">
               <a:solidFill>
@@ -1321,16 +1369,7 @@
                 </a:solidFill>
                 <a:latin typeface="Arial"/>
               </a:rPr>
-              <a:t>Click to edit the outline </a:t>
-            </a:r>
-            <a:r>
-              <a:rPr b="0" lang="en-US" sz="3200" spc="-1" strike="noStrike">
-                <a:solidFill>
-                  <a:srgbClr val="000000"/>
-                </a:solidFill>
-                <a:latin typeface="Arial"/>
-              </a:rPr>
-              <a:t>text format</a:t>
+              <a:t>Click to edit the outline text format</a:t>
             </a:r>
             <a:endParaRPr b="0" lang="en-US" sz="3200" spc="-1" strike="noStrike">
               <a:solidFill>
@@ -1498,16 +1537,7 @@
                 </a:solidFill>
                 <a:latin typeface="Arial"/>
               </a:rPr>
-              <a:t>Seventh Outline </a:t>
-            </a:r>
-            <a:r>
-              <a:rPr b="0" lang="en-US" sz="2000" spc="-1" strike="noStrike">
-                <a:solidFill>
-                  <a:srgbClr val="000000"/>
-                </a:solidFill>
-                <a:latin typeface="Arial"/>
-              </a:rPr>
-              <a:t>Level</a:t>
+              <a:t>Seventh Outline Level</a:t>
             </a:r>
             <a:endParaRPr b="0" lang="en-US" sz="2000" spc="-1" strike="noStrike">
               <a:solidFill>
@@ -1560,7 +1590,7 @@
         <p:spPr>
           <a:xfrm>
             <a:off x="11444760" y="0"/>
-            <a:ext cx="738000" cy="6846840"/>
+            <a:ext cx="737280" cy="6846120"/>
           </a:xfrm>
           <a:prstGeom prst="rect">
             <a:avLst/>
@@ -1609,7 +1639,7 @@
         <p:spPr>
           <a:xfrm>
             <a:off x="11438640" y="6453360"/>
-            <a:ext cx="754920" cy="363960"/>
+            <a:ext cx="754200" cy="363960"/>
           </a:xfrm>
           <a:prstGeom prst="rect">
             <a:avLst/>
@@ -1635,7 +1665,7 @@
                 <a:spcPct val="100000"/>
               </a:lnSpc>
             </a:pPr>
-            <a:fld id="{317CFE1C-F908-4EFA-9462-FED056928695}" type="slidenum">
+            <a:fld id="{66B0E189-F735-40CD-8C23-819772495BAF}" type="slidenum">
               <a:rPr b="0" lang="en-US" sz="1800" spc="-1" strike="noStrike">
                 <a:solidFill>
                   <a:srgbClr val="808080"/>
@@ -1663,7 +1693,7 @@
         <p:spPr>
           <a:xfrm>
             <a:off x="912240" y="1268280"/>
-            <a:ext cx="9204840" cy="358200"/>
+            <a:ext cx="9204120" cy="357480"/>
           </a:xfrm>
           <a:prstGeom prst="rect">
             <a:avLst/>
@@ -1712,7 +1742,7 @@
         <p:spPr>
           <a:xfrm>
             <a:off x="0" y="0"/>
-            <a:ext cx="3048840" cy="558720"/>
+            <a:ext cx="3048120" cy="558000"/>
           </a:xfrm>
           <a:prstGeom prst="rect">
             <a:avLst/>
@@ -1735,7 +1765,7 @@
         <p:spPr>
           <a:xfrm>
             <a:off x="7430400" y="134640"/>
-            <a:ext cx="3694680" cy="510840"/>
+            <a:ext cx="3693960" cy="510120"/>
           </a:xfrm>
           <a:prstGeom prst="rect">
             <a:avLst/>
@@ -1754,7 +1784,7 @@
         <p:spPr>
           <a:xfrm>
             <a:off x="11444760" y="0"/>
-            <a:ext cx="738000" cy="6846840"/>
+            <a:ext cx="737280" cy="6846120"/>
           </a:xfrm>
           <a:prstGeom prst="rect">
             <a:avLst/>
@@ -1803,7 +1833,7 @@
         <p:spPr>
           <a:xfrm>
             <a:off x="11438640" y="6453360"/>
-            <a:ext cx="754920" cy="363960"/>
+            <a:ext cx="754200" cy="363960"/>
           </a:xfrm>
           <a:prstGeom prst="rect">
             <a:avLst/>
@@ -1829,7 +1859,7 @@
                 <a:spcPct val="100000"/>
               </a:lnSpc>
             </a:pPr>
-            <a:fld id="{6843F692-C172-465A-9F76-9919ABC23E74}" type="slidenum">
+            <a:fld id="{CD805A77-FFEB-4A7F-BA93-9C91BAC33CC2}" type="slidenum">
               <a:rPr b="0" lang="en-US" sz="1800" spc="-1" strike="noStrike">
                 <a:solidFill>
                   <a:srgbClr val="808080"/>
@@ -1857,7 +1887,7 @@
         <p:spPr>
           <a:xfrm>
             <a:off x="0" y="6642720"/>
-            <a:ext cx="12180960" cy="211320"/>
+            <a:ext cx="12180240" cy="211320"/>
           </a:xfrm>
           <a:prstGeom prst="rect">
             <a:avLst/>
@@ -1997,16 +2027,7 @@
                 </a:solidFill>
                 <a:latin typeface="Arial"/>
               </a:rPr>
-              <a:t>Click to edit the outline </a:t>
-            </a:r>
-            <a:r>
-              <a:rPr b="0" lang="en-US" sz="3200" spc="-1" strike="noStrike">
-                <a:solidFill>
-                  <a:srgbClr val="000000"/>
-                </a:solidFill>
-                <a:latin typeface="Arial"/>
-              </a:rPr>
-              <a:t>text format</a:t>
+              <a:t>Click to edit the outline text format</a:t>
             </a:r>
             <a:endParaRPr b="0" lang="en-US" sz="3200" spc="-1" strike="noStrike">
               <a:solidFill>
@@ -2146,16 +2167,7 @@
                 </a:solidFill>
                 <a:latin typeface="Arial"/>
               </a:rPr>
-              <a:t>Sixth Outline </a:t>
-            </a:r>
-            <a:r>
-              <a:rPr b="0" lang="en-US" sz="2000" spc="-1" strike="noStrike">
-                <a:solidFill>
-                  <a:srgbClr val="000000"/>
-                </a:solidFill>
-                <a:latin typeface="Arial"/>
-              </a:rPr>
-              <a:t>Level</a:t>
+              <a:t>Sixth Outline Level</a:t>
             </a:r>
             <a:endParaRPr b="0" lang="en-US" sz="2000" spc="-1" strike="noStrike">
               <a:solidFill>
@@ -2183,34 +2195,7 @@
                 </a:solidFill>
                 <a:latin typeface="Arial"/>
               </a:rPr>
-              <a:t>Sevent</a:t>
-            </a:r>
-            <a:r>
-              <a:rPr b="0" lang="en-US" sz="2000" spc="-1" strike="noStrike">
-                <a:solidFill>
-                  <a:srgbClr val="000000"/>
-                </a:solidFill>
-                <a:latin typeface="Arial"/>
-              </a:rPr>
-              <a:t>h </a:t>
-            </a:r>
-            <a:r>
-              <a:rPr b="0" lang="en-US" sz="2000" spc="-1" strike="noStrike">
-                <a:solidFill>
-                  <a:srgbClr val="000000"/>
-                </a:solidFill>
-                <a:latin typeface="Arial"/>
-              </a:rPr>
-              <a:t>Outline </a:t>
-            </a:r>
-            <a:r>
-              <a:rPr b="0" lang="en-US" sz="2000" spc="-1" strike="noStrike">
-                <a:solidFill>
-                  <a:srgbClr val="000000"/>
-                </a:solidFill>
-                <a:latin typeface="Arial"/>
-              </a:rPr>
-              <a:t>Level</a:t>
+              <a:t>Seventh Outline Level</a:t>
             </a:r>
             <a:endParaRPr b="0" lang="en-US" sz="2000" spc="-1" strike="noStrike">
               <a:solidFill>
@@ -2256,7 +2241,7 @@
         <p:spPr>
           <a:xfrm>
             <a:off x="527400" y="1412640"/>
-            <a:ext cx="10357920" cy="1144440"/>
+            <a:ext cx="10357200" cy="1143720"/>
           </a:xfrm>
           <a:prstGeom prst="rect">
             <a:avLst/>
@@ -2310,7 +2295,7 @@
         <p:spPr>
           <a:xfrm>
             <a:off x="527400" y="2852640"/>
-            <a:ext cx="10357920" cy="2365200"/>
+            <a:ext cx="10357200" cy="2364480"/>
           </a:xfrm>
           <a:prstGeom prst="rect">
             <a:avLst/>
@@ -2537,14 +2522,14 @@
       </p:grpSpPr>
       <p:sp>
         <p:nvSpPr>
-          <p:cNvPr id="57" name="CustomShape 1"/>
+          <p:cNvPr id="55" name="CustomShape 1"/>
           <p:cNvSpPr/>
           <p:nvPr/>
         </p:nvSpPr>
         <p:spPr>
           <a:xfrm>
             <a:off x="335520" y="764640"/>
-            <a:ext cx="10742040" cy="492840"/>
+            <a:ext cx="10741320" cy="492120"/>
           </a:xfrm>
           <a:prstGeom prst="rect">
             <a:avLst/>
@@ -2604,14 +2589,14 @@
       </p:sp>
       <p:sp>
         <p:nvSpPr>
-          <p:cNvPr id="58" name="CustomShape 2"/>
+          <p:cNvPr id="56" name="CustomShape 2"/>
           <p:cNvSpPr/>
           <p:nvPr/>
         </p:nvSpPr>
         <p:spPr>
           <a:xfrm>
             <a:off x="335520" y="2408400"/>
-            <a:ext cx="10742040" cy="3889800"/>
+            <a:ext cx="10741320" cy="3889080"/>
           </a:xfrm>
           <a:prstGeom prst="rect">
             <a:avLst/>
@@ -2793,14 +2778,14 @@
       </p:grpSpPr>
       <p:sp>
         <p:nvSpPr>
-          <p:cNvPr id="59" name="CustomShape 1"/>
+          <p:cNvPr id="57" name="CustomShape 1"/>
           <p:cNvSpPr/>
           <p:nvPr/>
         </p:nvSpPr>
         <p:spPr>
           <a:xfrm>
             <a:off x="335520" y="764640"/>
-            <a:ext cx="10742040" cy="492840"/>
+            <a:ext cx="10741320" cy="492120"/>
           </a:xfrm>
           <a:prstGeom prst="rect">
             <a:avLst/>
@@ -2847,14 +2832,14 @@
       </p:sp>
       <p:sp>
         <p:nvSpPr>
-          <p:cNvPr id="60" name="CustomShape 2"/>
+          <p:cNvPr id="58" name="CustomShape 2"/>
           <p:cNvSpPr/>
           <p:nvPr/>
         </p:nvSpPr>
         <p:spPr>
           <a:xfrm>
             <a:off x="335520" y="2408400"/>
-            <a:ext cx="10742040" cy="3889800"/>
+            <a:ext cx="10741320" cy="3889080"/>
           </a:xfrm>
           <a:prstGeom prst="rect">
             <a:avLst/>
@@ -3068,14 +3053,14 @@
       </p:grpSpPr>
       <p:sp>
         <p:nvSpPr>
-          <p:cNvPr id="61" name="CustomShape 1"/>
+          <p:cNvPr id="59" name="CustomShape 1"/>
           <p:cNvSpPr/>
           <p:nvPr/>
         </p:nvSpPr>
         <p:spPr>
           <a:xfrm>
             <a:off x="335520" y="764640"/>
-            <a:ext cx="10742040" cy="492840"/>
+            <a:ext cx="10741320" cy="492120"/>
           </a:xfrm>
           <a:prstGeom prst="rect">
             <a:avLst/>
@@ -3135,14 +3120,14 @@
       </p:sp>
       <p:sp>
         <p:nvSpPr>
-          <p:cNvPr id="62" name="CustomShape 2"/>
+          <p:cNvPr id="60" name="CustomShape 2"/>
           <p:cNvSpPr/>
           <p:nvPr/>
         </p:nvSpPr>
         <p:spPr>
           <a:xfrm>
             <a:off x="335520" y="2408400"/>
-            <a:ext cx="10742040" cy="3889800"/>
+            <a:ext cx="10741320" cy="3889080"/>
           </a:xfrm>
           <a:prstGeom prst="rect">
             <a:avLst/>
@@ -3388,14 +3373,14 @@
       </p:grpSpPr>
       <p:sp>
         <p:nvSpPr>
-          <p:cNvPr id="63" name="CustomShape 1"/>
+          <p:cNvPr id="61" name="CustomShape 1"/>
           <p:cNvSpPr/>
           <p:nvPr/>
         </p:nvSpPr>
         <p:spPr>
           <a:xfrm>
             <a:off x="335520" y="764640"/>
-            <a:ext cx="10742040" cy="492840"/>
+            <a:ext cx="10741320" cy="492120"/>
           </a:xfrm>
           <a:prstGeom prst="rect">
             <a:avLst/>
@@ -3442,14 +3427,14 @@
       </p:sp>
       <p:sp>
         <p:nvSpPr>
-          <p:cNvPr id="64" name="CustomShape 2"/>
+          <p:cNvPr id="62" name="CustomShape 2"/>
           <p:cNvSpPr/>
           <p:nvPr/>
         </p:nvSpPr>
         <p:spPr>
           <a:xfrm>
             <a:off x="335520" y="1268640"/>
-            <a:ext cx="10742040" cy="5029560"/>
+            <a:ext cx="10741320" cy="5028840"/>
           </a:xfrm>
           <a:prstGeom prst="rect">
             <a:avLst/>
@@ -3492,7 +3477,7 @@
                 <a:latin typeface="DejaVu Sans"/>
                 <a:ea typeface="DejaVu Sans"/>
               </a:rPr>
-              <a:t>17.04.2023 → Organization (L00) + Introduction (L01)</a:t>
+              <a:t>15.04.2024 → Organization (L00) + Introduction (L01)</a:t>
             </a:r>
             <a:endParaRPr b="0" lang="en-US" sz="1800" spc="-1" strike="noStrike">
               <a:solidFill>
@@ -3524,7 +3509,7 @@
                 <a:latin typeface="DejaVu Sans"/>
                 <a:ea typeface="DejaVu Sans"/>
               </a:rPr>
-              <a:t>24.04.2023 → Circular Economy (L02) </a:t>
+              <a:t>22.04.2024 → Circular Economy (L02) </a:t>
             </a:r>
             <a:endParaRPr b="0" lang="en-US" sz="1800" spc="-1" strike="noStrike">
               <a:solidFill>
@@ -3556,7 +3541,7 @@
                 <a:latin typeface="DejaVu Sans"/>
                 <a:ea typeface="DejaVu Sans"/>
               </a:rPr>
-              <a:t>08.05.2023 → Lifecycle Assessment – LCA (L03)</a:t>
+              <a:t>29.04.2024 → Lifecycle Assessment – LCA (L03)</a:t>
             </a:r>
             <a:endParaRPr b="0" lang="en-US" sz="1800" spc="-1" strike="noStrike">
               <a:solidFill>
@@ -3588,7 +3573,7 @@
                 <a:latin typeface="DejaVu Sans"/>
                 <a:ea typeface="DejaVu Sans"/>
               </a:rPr>
-              <a:t>15.05.2023 → Introduction to the Internet of Things (L04)</a:t>
+              <a:t>06.05.2024 → Introduction to the Internet of Things (L04)</a:t>
             </a:r>
             <a:endParaRPr b="0" lang="en-US" sz="1800" spc="-1" strike="noStrike">
               <a:solidFill>
@@ -3620,7 +3605,7 @@
                 <a:latin typeface="DejaVu Sans"/>
                 <a:ea typeface="DejaVu Sans"/>
               </a:rPr>
-              <a:t>22.05.2023 → Internet of Things – Communication + Security and Privacy (L05)</a:t>
+              <a:t>13.05.2024 → Internet of Things – Communication + Security and Privacy (L05)</a:t>
             </a:r>
             <a:endParaRPr b="0" lang="en-US" sz="1800" spc="-1" strike="noStrike">
               <a:solidFill>
@@ -3652,63 +3637,7 @@
                 <a:latin typeface="DejaVu Sans"/>
                 <a:ea typeface="DejaVu Sans"/>
               </a:rPr>
-              <a:t>05.06.2023 → Internet of Things – Data Processing and BigData (L06)</a:t>
-            </a:r>
-            <a:endParaRPr b="0" lang="en-US" sz="1800" spc="-1" strike="noStrike">
-              <a:solidFill>
-                <a:srgbClr val="000000"/>
-              </a:solidFill>
-              <a:latin typeface="Arial"/>
-            </a:endParaRPr>
-          </a:p>
-          <a:p>
-            <a:pPr>
-              <a:lnSpc>
-                <a:spcPct val="100000"/>
-              </a:lnSpc>
-              <a:spcBef>
-                <a:spcPts val="360"/>
-              </a:spcBef>
-            </a:pPr>
-            <a:r>
-              <a:rPr b="0" lang="en-US" sz="1800" spc="-1" strike="noStrike">
-                <a:solidFill>
-                  <a:srgbClr val="000000"/>
-                </a:solidFill>
-                <a:latin typeface="DejaVu Sans"/>
-                <a:ea typeface="DejaVu Sans"/>
-              </a:rPr>
-              <a:t> </a:t>
-            </a:r>
-            <a:r>
-              <a:rPr b="0" lang="en-US" sz="1800" spc="-1" strike="noStrike">
-                <a:solidFill>
-                  <a:srgbClr val="000000"/>
-                </a:solidFill>
-                <a:latin typeface="DejaVu Sans"/>
-                <a:ea typeface="DejaVu Sans"/>
-              </a:rPr>
-              <a:t>	</a:t>
-            </a:r>
-            <a:r>
-              <a:rPr b="0" lang="en-US" sz="1800" spc="-1" strike="noStrike">
-                <a:solidFill>
-                  <a:srgbClr val="000000"/>
-                </a:solidFill>
-                <a:latin typeface="DejaVu Sans"/>
-                <a:ea typeface="DejaVu Sans"/>
-              </a:rPr>
-              <a:t>         → </a:t>
-            </a:r>
-            <a:r>
-              <a:rPr b="0" lang="en-US" sz="1800" spc="-1" strike="noStrike">
-                <a:solidFill>
-                  <a:srgbClr val="000000"/>
-                </a:solidFill>
-                <a:latin typeface="DejaVu Sans"/>
-                <a:ea typeface="DejaVu Sans"/>
-              </a:rPr>
-              <a:t>Extra MOOC - Foodsharing </a:t>
+              <a:t>27.05.2024 → Internet of Things – Data Processing and BigData (L06)</a:t>
             </a:r>
             <a:endParaRPr b="0" lang="en-US" sz="1800" spc="-1" strike="noStrike">
               <a:solidFill>
@@ -3740,7 +3669,7 @@
                 <a:latin typeface="DejaVu Sans"/>
                 <a:ea typeface="DejaVu Sans"/>
               </a:rPr>
-              <a:t>12.06.2023 → Industrial Internet of Things (L07)</a:t>
+              <a:t>03.06.2024 → Industrial Internet of Things (L07)</a:t>
             </a:r>
             <a:endParaRPr b="0" lang="en-US" sz="1800" spc="-1" strike="noStrike">
               <a:solidFill>
@@ -3772,7 +3701,7 @@
                 <a:latin typeface="DejaVu Sans"/>
                 <a:ea typeface="DejaVu Sans"/>
               </a:rPr>
-              <a:t>19.06.2023 → Introduction to Blockchain Technology (L08)</a:t>
+              <a:t>10.06.2024 → Introduction to Blockchain Technology (L08)</a:t>
             </a:r>
             <a:endParaRPr b="0" lang="en-US" sz="1800" spc="-1" strike="noStrike">
               <a:solidFill>
@@ -3804,7 +3733,7 @@
                 <a:latin typeface="DejaVu Sans"/>
                 <a:ea typeface="DejaVu Sans"/>
               </a:rPr>
-              <a:t>26.06.2023 → Blockchain Technology – Consensus (L09)</a:t>
+              <a:t>17.06.2024 → Blockchain Technology – Consensus (L09)</a:t>
             </a:r>
             <a:endParaRPr b="0" lang="en-US" sz="1800" spc="-1" strike="noStrike">
               <a:solidFill>
@@ -3836,7 +3765,7 @@
                 <a:latin typeface="DejaVu Sans"/>
                 <a:ea typeface="DejaVu Sans"/>
               </a:rPr>
-              <a:t>03.07.2023 → Blockchain Technology – Ethereum and Smart Contracts (L10)</a:t>
+              <a:t>24.06.2024 → Blockchain Technology – Ethereum and Smart Contracts (L10)</a:t>
             </a:r>
             <a:endParaRPr b="0" lang="en-US" sz="1800" spc="-1" strike="noStrike">
               <a:solidFill>
@@ -3868,7 +3797,7 @@
                 <a:latin typeface="DejaVu Sans"/>
                 <a:ea typeface="DejaVu Sans"/>
               </a:rPr>
-              <a:t>10.07.2023 → Blockchain Technology and Sustainability (L11)</a:t>
+              <a:t>01.07.2024 → Blockchain Technology and Sustainability (L11)</a:t>
             </a:r>
             <a:endParaRPr b="0" lang="en-US" sz="1800" spc="-1" strike="noStrike">
               <a:solidFill>
@@ -3900,27 +3829,7 @@
                 <a:latin typeface="DejaVu Sans"/>
                 <a:ea typeface="DejaVu Sans"/>
               </a:rPr>
-              <a:t>17.07.2023 → Invited Lecture </a:t>
-            </a:r>
-            <a:r>
-              <a:rPr b="1" lang="en-US" sz="1800" spc="-1" strike="noStrike">
-                <a:solidFill>
-                  <a:srgbClr val="000000"/>
-                </a:solidFill>
-                <a:latin typeface="DejaVu Sans"/>
-                <a:ea typeface="DejaVu Sans"/>
-              </a:rPr>
-              <a:t>XOR</a:t>
-            </a:r>
-            <a:r>
-              <a:rPr b="0" lang="en-US" sz="1800" spc="-1" strike="noStrike">
-                <a:solidFill>
-                  <a:srgbClr val="000000"/>
-                </a:solidFill>
-                <a:latin typeface="DejaVu Sans"/>
-                <a:ea typeface="DejaVu Sans"/>
-              </a:rPr>
-              <a:t> The Machine-to-Everything Economy – A step towards the CE 2.0? (L12)</a:t>
+              <a:t>08.07.2024 → The Machine-to-Everything Economy – A step towards the CE 2.0? (L12)</a:t>
             </a:r>
             <a:endParaRPr b="0" lang="en-US" sz="1800" spc="-1" strike="noStrike">
               <a:solidFill>
@@ -3952,7 +3861,7 @@
                 <a:latin typeface="DejaVu Sans"/>
                 <a:ea typeface="DejaVu Sans"/>
               </a:rPr>
-              <a:t>31.07.2023 → Exam Q&amp;A</a:t>
+              <a:t>29.07.2024 → Exam Q&amp;A</a:t>
             </a:r>
             <a:endParaRPr b="0" lang="en-US" sz="1800" spc="-1" strike="noStrike">
               <a:solidFill>
@@ -3995,14 +3904,14 @@
       </p:grpSpPr>
       <p:sp>
         <p:nvSpPr>
-          <p:cNvPr id="65" name="CustomShape 1"/>
+          <p:cNvPr id="63" name="CustomShape 1"/>
           <p:cNvSpPr/>
           <p:nvPr/>
         </p:nvSpPr>
         <p:spPr>
           <a:xfrm>
             <a:off x="335520" y="764640"/>
-            <a:ext cx="10742040" cy="492840"/>
+            <a:ext cx="10741320" cy="492120"/>
           </a:xfrm>
           <a:prstGeom prst="rect">
             <a:avLst/>
@@ -4049,14 +3958,14 @@
       </p:sp>
       <p:sp>
         <p:nvSpPr>
-          <p:cNvPr id="66" name="CustomShape 2"/>
+          <p:cNvPr id="64" name="CustomShape 2"/>
           <p:cNvSpPr/>
           <p:nvPr/>
         </p:nvSpPr>
         <p:spPr>
           <a:xfrm>
             <a:off x="335520" y="1268640"/>
-            <a:ext cx="10742040" cy="5029560"/>
+            <a:ext cx="10741320" cy="5028840"/>
           </a:xfrm>
           <a:prstGeom prst="rect">
             <a:avLst/>
@@ -4099,7 +4008,7 @@
                 <a:latin typeface="DejaVu Sans"/>
                 <a:ea typeface="DejaVu Sans"/>
               </a:rPr>
-              <a:t>17.04.2023 </a:t>
+              <a:t>15.04.2024 </a:t>
             </a:r>
             <a:r>
               <a:rPr b="0" lang="en-US" sz="1800" spc="-1" strike="noStrike">
@@ -4151,7 +4060,7 @@
                 <a:latin typeface="DejaVu Sans"/>
                 <a:ea typeface="DejaVu Sans"/>
               </a:rPr>
-              <a:t>24.04.2023 </a:t>
+              <a:t>22.04.2024 </a:t>
             </a:r>
             <a:r>
               <a:rPr b="0" lang="en-US" sz="1800" spc="-1" strike="noStrike">
@@ -4203,7 +4112,7 @@
                 <a:latin typeface="DejaVu Sans"/>
                 <a:ea typeface="DejaVu Sans"/>
               </a:rPr>
-              <a:t>08.05.2023 </a:t>
+              <a:t>29.04.2024 </a:t>
             </a:r>
             <a:r>
               <a:rPr b="0" lang="en-US" sz="1800" spc="-1" strike="noStrike">
@@ -4255,7 +4164,7 @@
                 <a:latin typeface="DejaVu Sans"/>
                 <a:ea typeface="DejaVu Sans"/>
               </a:rPr>
-              <a:t>15.05.2023 </a:t>
+              <a:t>06.05.2024 </a:t>
             </a:r>
             <a:r>
               <a:rPr b="0" lang="en-US" sz="1800" spc="-1" strike="noStrike">
@@ -4307,7 +4216,7 @@
                 <a:latin typeface="DejaVu Sans"/>
                 <a:ea typeface="DejaVu Sans"/>
               </a:rPr>
-              <a:t>22.05.2023 </a:t>
+              <a:t>13.05.2024 </a:t>
             </a:r>
             <a:r>
               <a:rPr b="0" lang="en-US" sz="1800" spc="-1" strike="noStrike">
@@ -4359,7 +4268,7 @@
                 <a:latin typeface="DejaVu Sans"/>
                 <a:ea typeface="DejaVu Sans"/>
               </a:rPr>
-              <a:t>05.06.2023 </a:t>
+              <a:t>27.05.2024 </a:t>
             </a:r>
             <a:r>
               <a:rPr b="0" lang="en-US" sz="1800" spc="-1" strike="noStrike">
@@ -4411,7 +4320,7 @@
                 <a:latin typeface="DejaVu Sans"/>
                 <a:ea typeface="DejaVu Sans"/>
               </a:rPr>
-              <a:t>12.06.2023 → Exercise 07 – Industrial IoT</a:t>
+              <a:t>03.06.2024 → Exercise 07 – Industrial IoT</a:t>
             </a:r>
             <a:endParaRPr b="0" lang="en-US" sz="1800" spc="-1" strike="noStrike">
               <a:solidFill>
@@ -4443,7 +4352,7 @@
                 <a:latin typeface="DejaVu Sans"/>
                 <a:ea typeface="DejaVu Sans"/>
               </a:rPr>
-              <a:t>19.06.2023 </a:t>
+              <a:t>10.06.2024 </a:t>
             </a:r>
             <a:r>
               <a:rPr b="0" lang="en-US" sz="1800" spc="-1" strike="noStrike">
@@ -4515,7 +4424,7 @@
                 <a:latin typeface="DejaVu Sans"/>
                 <a:ea typeface="DejaVu Sans"/>
               </a:rPr>
-              <a:t>26.06.2023 </a:t>
+              <a:t>17.06.2024 </a:t>
             </a:r>
             <a:r>
               <a:rPr b="0" lang="en-US" sz="1800" spc="-1" strike="noStrike">
@@ -4567,7 +4476,7 @@
                 <a:latin typeface="DejaVu Sans"/>
                 <a:ea typeface="DejaVu Sans"/>
               </a:rPr>
-              <a:t>03.07.2023 </a:t>
+              <a:t>24.06.2024 </a:t>
             </a:r>
             <a:r>
               <a:rPr b="0" lang="en-US" sz="1800" spc="-1" strike="noStrike">
@@ -4619,7 +4528,7 @@
                 <a:latin typeface="DejaVu Sans"/>
                 <a:ea typeface="DejaVu Sans"/>
               </a:rPr>
-              <a:t>10.07.2023 </a:t>
+              <a:t>01.07.2024 </a:t>
             </a:r>
             <a:r>
               <a:rPr b="0" lang="en-US" sz="1800" spc="-1" strike="noStrike">
@@ -4640,58 +4549,6 @@
                 <a:ea typeface="DejaVu Sans"/>
               </a:rPr>
               <a:t> Exercise 11 – Blockchain Tokens</a:t>
-            </a:r>
-            <a:endParaRPr b="0" lang="en-US" sz="1800" spc="-1" strike="noStrike">
-              <a:solidFill>
-                <a:srgbClr val="000000"/>
-              </a:solidFill>
-              <a:latin typeface="Arial"/>
-            </a:endParaRPr>
-          </a:p>
-          <a:p>
-            <a:pPr marL="195120" indent="-189720">
-              <a:lnSpc>
-                <a:spcPct val="100000"/>
-              </a:lnSpc>
-              <a:spcBef>
-                <a:spcPts val="360"/>
-              </a:spcBef>
-              <a:buClr>
-                <a:srgbClr val="008c4f"/>
-              </a:buClr>
-              <a:buSzPct val="115000"/>
-              <a:buFont typeface="Wingdings" charset="2"/>
-              <a:buChar char=""/>
-            </a:pPr>
-            <a:r>
-              <a:rPr b="0" lang="de-DE" sz="1800" spc="-1" strike="noStrike">
-                <a:solidFill>
-                  <a:srgbClr val="000000"/>
-                </a:solidFill>
-                <a:latin typeface="DejaVu Sans"/>
-                <a:ea typeface="DejaVu Sans"/>
-              </a:rPr>
-              <a:t>17.07.2023 </a:t>
-            </a:r>
-            <a:r>
-              <a:rPr b="0" lang="en-US" sz="1800" spc="-1" strike="noStrike">
-                <a:solidFill>
-                  <a:srgbClr val="000000"/>
-                </a:solidFill>
-                <a:latin typeface="DejaVu Sans"/>
-                <a:ea typeface="DejaVu Sans"/>
-              </a:rPr>
-              <a:t>→</a:t>
-            </a:r>
-            <a:r>
-              <a:rPr b="0" lang="de-DE" sz="1800" spc="-1" strike="noStrike">
-                <a:solidFill>
-                  <a:srgbClr val="000000"/>
-                </a:solidFill>
-                <a:latin typeface="DejaVu Sans"/>
-                <a:ea typeface="DejaVu Sans"/>
-              </a:rPr>
-              <a:t> Exercise 12 – Blockchain Smart Contracts and IoT</a:t>
             </a:r>
             <a:endParaRPr b="0" lang="en-US" sz="1800" spc="-1" strike="noStrike">
               <a:solidFill>
@@ -4734,14 +4591,14 @@
       </p:grpSpPr>
       <p:sp>
         <p:nvSpPr>
-          <p:cNvPr id="67" name="CustomShape 1"/>
+          <p:cNvPr id="65" name="CustomShape 1"/>
           <p:cNvSpPr/>
           <p:nvPr/>
         </p:nvSpPr>
         <p:spPr>
           <a:xfrm>
             <a:off x="335520" y="764640"/>
-            <a:ext cx="10742040" cy="492840"/>
+            <a:ext cx="10741320" cy="492120"/>
           </a:xfrm>
           <a:prstGeom prst="rect">
             <a:avLst/>
@@ -4788,14 +4645,14 @@
       </p:sp>
       <p:sp>
         <p:nvSpPr>
-          <p:cNvPr id="68" name="CustomShape 2"/>
+          <p:cNvPr id="66" name="CustomShape 2"/>
           <p:cNvSpPr/>
           <p:nvPr/>
         </p:nvSpPr>
         <p:spPr>
           <a:xfrm>
             <a:off x="335520" y="1268280"/>
-            <a:ext cx="10742040" cy="5029560"/>
+            <a:ext cx="10741320" cy="5028840"/>
           </a:xfrm>
           <a:prstGeom prst="rect">
             <a:avLst/>
@@ -4829,32 +4686,6 @@
               <a:buSzPct val="115000"/>
               <a:buFont typeface="Wingdings" charset="2"/>
               <a:buChar char=""/>
-            </a:pPr>
-            <a:r>
-              <a:rPr b="0" lang="en-US" sz="1800" spc="-1" strike="noStrike">
-                <a:solidFill>
-                  <a:srgbClr val="000000"/>
-                </a:solidFill>
-                <a:latin typeface="DejaVu Sans"/>
-                <a:ea typeface="DejaVu Sans"/>
-              </a:rPr>
-              <a:t>Online course that is offered in parallel at the Clausthal University of Technology and the University of Göttingen</a:t>
-            </a:r>
-            <a:endParaRPr b="0" lang="en-US" sz="1800" spc="-1" strike="noStrike">
-              <a:solidFill>
-                <a:srgbClr val="000000"/>
-              </a:solidFill>
-              <a:latin typeface="Arial"/>
-            </a:endParaRPr>
-          </a:p>
-          <a:p>
-            <a:pPr>
-              <a:lnSpc>
-                <a:spcPct val="100000"/>
-              </a:lnSpc>
-              <a:spcBef>
-                <a:spcPts val="360"/>
-              </a:spcBef>
             </a:pPr>
             <a:endParaRPr b="0" lang="en-US" sz="1800" spc="-1" strike="noStrike">
               <a:solidFill>
@@ -5251,14 +5082,14 @@
       </p:grpSpPr>
       <p:sp>
         <p:nvSpPr>
-          <p:cNvPr id="69" name="CustomShape 1"/>
+          <p:cNvPr id="67" name="CustomShape 1"/>
           <p:cNvSpPr/>
           <p:nvPr/>
         </p:nvSpPr>
         <p:spPr>
           <a:xfrm>
             <a:off x="335520" y="764640"/>
-            <a:ext cx="10740600" cy="491400"/>
+            <a:ext cx="10739880" cy="490680"/>
           </a:xfrm>
           <a:prstGeom prst="rect">
             <a:avLst/>
@@ -5331,14 +5162,14 @@
       </p:sp>
       <p:sp>
         <p:nvSpPr>
-          <p:cNvPr id="70" name="CustomShape 2"/>
+          <p:cNvPr id="68" name="CustomShape 2"/>
           <p:cNvSpPr/>
           <p:nvPr/>
         </p:nvSpPr>
         <p:spPr>
           <a:xfrm>
             <a:off x="335520" y="1268640"/>
-            <a:ext cx="10740600" cy="5028120"/>
+            <a:ext cx="10739880" cy="5027400"/>
           </a:xfrm>
           <a:prstGeom prst="rect">
             <a:avLst/>
@@ -5460,7 +5291,7 @@
                 <a:latin typeface="DejaVu Sans"/>
                 <a:ea typeface="DejaVu Sans"/>
               </a:rPr>
-              <a:t>17.04.2023</a:t>
+              <a:t>15.04.2024</a:t>
             </a:r>
             <a:r>
               <a:rPr b="0" lang="en-GB" sz="1800" spc="-1" strike="noStrike">
@@ -5480,7 +5311,7 @@
                 <a:latin typeface="DejaVu Sans"/>
                 <a:ea typeface="DejaVu Sans"/>
               </a:rPr>
-              <a:t>17.07.2023</a:t>
+              <a:t>08.07.2024</a:t>
             </a:r>
             <a:endParaRPr b="0" lang="en-US" sz="1800" spc="-1" strike="noStrike">
               <a:solidFill>
@@ -5645,7 +5476,7 @@
                 <a:latin typeface="DejaVu Sans"/>
                 <a:ea typeface="DejaVu Sans"/>
               </a:rPr>
-              <a:t>17.04.2023</a:t>
+              <a:t>15.04.2024</a:t>
             </a:r>
             <a:r>
               <a:rPr b="0" lang="en-GB" sz="1800" spc="-1" strike="noStrike">
@@ -5665,7 +5496,7 @@
                 <a:latin typeface="DejaVu Sans"/>
                 <a:ea typeface="DejaVu Sans"/>
               </a:rPr>
-              <a:t>17.07.2023</a:t>
+              <a:t>08.07.2024</a:t>
             </a:r>
             <a:endParaRPr b="0" lang="en-US" sz="1800" spc="-1" strike="noStrike">
               <a:solidFill>
@@ -5762,14 +5593,14 @@
       </p:grpSpPr>
       <p:sp>
         <p:nvSpPr>
-          <p:cNvPr id="71" name="CustomShape 1"/>
+          <p:cNvPr id="69" name="CustomShape 1"/>
           <p:cNvSpPr/>
           <p:nvPr/>
         </p:nvSpPr>
         <p:spPr>
           <a:xfrm>
             <a:off x="335520" y="764640"/>
-            <a:ext cx="10742040" cy="492840"/>
+            <a:ext cx="10741320" cy="492120"/>
           </a:xfrm>
           <a:prstGeom prst="rect">
             <a:avLst/>
@@ -5816,14 +5647,14 @@
       </p:sp>
       <p:sp>
         <p:nvSpPr>
-          <p:cNvPr id="72" name="CustomShape 2"/>
+          <p:cNvPr id="70" name="CustomShape 2"/>
           <p:cNvSpPr/>
           <p:nvPr/>
         </p:nvSpPr>
         <p:spPr>
           <a:xfrm>
             <a:off x="335520" y="1268280"/>
-            <a:ext cx="10742040" cy="5029560"/>
+            <a:ext cx="10741320" cy="5028840"/>
           </a:xfrm>
           <a:prstGeom prst="rect">
             <a:avLst/>
@@ -6217,14 +6048,14 @@
       </p:grpSpPr>
       <p:sp>
         <p:nvSpPr>
-          <p:cNvPr id="73" name="CustomShape 1"/>
+          <p:cNvPr id="71" name="CustomShape 1"/>
           <p:cNvSpPr/>
           <p:nvPr/>
         </p:nvSpPr>
         <p:spPr>
           <a:xfrm>
             <a:off x="335520" y="764640"/>
-            <a:ext cx="10742040" cy="492840"/>
+            <a:ext cx="10741320" cy="492120"/>
           </a:xfrm>
           <a:prstGeom prst="rect">
             <a:avLst/>
@@ -6258,7 +6089,7 @@
                 <a:latin typeface="DejaVu Sans"/>
                 <a:ea typeface="DejaVu Sans"/>
               </a:rPr>
-              <a:t>Coding Exercise Submission and Grading – Clausthal and Göttingen</a:t>
+              <a:t>Coding Exercise Submission and Grading</a:t>
             </a:r>
             <a:endParaRPr b="0" lang="en-US" sz="2400" spc="-1" strike="noStrike">
               <a:solidFill>
@@ -6271,14 +6102,14 @@
       </p:sp>
       <p:sp>
         <p:nvSpPr>
-          <p:cNvPr id="74" name="CustomShape 2"/>
+          <p:cNvPr id="72" name="CustomShape 2"/>
           <p:cNvSpPr/>
           <p:nvPr/>
         </p:nvSpPr>
         <p:spPr>
           <a:xfrm>
             <a:off x="335520" y="1268640"/>
-            <a:ext cx="10742040" cy="5029560"/>
+            <a:ext cx="10741320" cy="5028840"/>
           </a:xfrm>
           <a:prstGeom prst="rect">
             <a:avLst/>
@@ -6502,14 +6333,14 @@
       </p:sp>
       <p:sp>
         <p:nvSpPr>
-          <p:cNvPr id="75" name="CustomShape 3"/>
+          <p:cNvPr id="73" name="CustomShape 3"/>
           <p:cNvSpPr/>
           <p:nvPr/>
         </p:nvSpPr>
         <p:spPr>
           <a:xfrm>
             <a:off x="4655880" y="476640"/>
-            <a:ext cx="2428200" cy="354240"/>
+            <a:ext cx="2427480" cy="353520"/>
           </a:xfrm>
           <a:prstGeom prst="rect">
             <a:avLst/>
@@ -6577,14 +6408,14 @@
       </p:grpSpPr>
       <p:sp>
         <p:nvSpPr>
-          <p:cNvPr id="76" name="CustomShape 1"/>
+          <p:cNvPr id="74" name="CustomShape 1"/>
           <p:cNvSpPr/>
           <p:nvPr/>
         </p:nvSpPr>
         <p:spPr>
           <a:xfrm>
             <a:off x="335520" y="764640"/>
-            <a:ext cx="10742040" cy="492840"/>
+            <a:ext cx="10741320" cy="492120"/>
           </a:xfrm>
           <a:prstGeom prst="rect">
             <a:avLst/>
@@ -6618,7 +6449,7 @@
                 <a:latin typeface="DejaVu Sans"/>
                 <a:ea typeface="DejaVu Sans"/>
               </a:rPr>
-              <a:t>Coding Exercise Submission and Grading – Clausthal and Göttingen</a:t>
+              <a:t>Coding Exercise Submission and Grading</a:t>
             </a:r>
             <a:endParaRPr b="0" lang="en-US" sz="2400" spc="-1" strike="noStrike">
               <a:solidFill>
@@ -6631,14 +6462,14 @@
       </p:sp>
       <p:sp>
         <p:nvSpPr>
-          <p:cNvPr id="77" name="CustomShape 2"/>
+          <p:cNvPr id="75" name="CustomShape 2"/>
           <p:cNvSpPr/>
           <p:nvPr/>
         </p:nvSpPr>
         <p:spPr>
           <a:xfrm>
             <a:off x="335520" y="1268640"/>
-            <a:ext cx="10742040" cy="5029560"/>
+            <a:ext cx="10741320" cy="5028840"/>
           </a:xfrm>
           <a:prstGeom prst="rect">
             <a:avLst/>
@@ -6758,14 +6589,14 @@
       </p:sp>
       <p:sp>
         <p:nvSpPr>
-          <p:cNvPr id="78" name="CustomShape 3"/>
+          <p:cNvPr id="76" name="CustomShape 3"/>
           <p:cNvSpPr/>
           <p:nvPr/>
         </p:nvSpPr>
         <p:spPr>
           <a:xfrm>
             <a:off x="4655880" y="476640"/>
-            <a:ext cx="2428200" cy="354240"/>
+            <a:ext cx="2427480" cy="353520"/>
           </a:xfrm>
           <a:prstGeom prst="rect">
             <a:avLst/>
@@ -6840,7 +6671,7 @@
         <p:spPr>
           <a:xfrm>
             <a:off x="335520" y="764640"/>
-            <a:ext cx="10739880" cy="490680"/>
+            <a:ext cx="10739160" cy="489960"/>
           </a:xfrm>
           <a:prstGeom prst="rect">
             <a:avLst/>
@@ -6894,7 +6725,7 @@
         <p:spPr>
           <a:xfrm>
             <a:off x="335520" y="1268640"/>
-            <a:ext cx="10739880" cy="5027400"/>
+            <a:ext cx="10739160" cy="5026680"/>
           </a:xfrm>
           <a:prstGeom prst="rect">
             <a:avLst/>
@@ -6957,7 +6788,7 @@
         <p:spPr>
           <a:xfrm>
             <a:off x="336600" y="3429000"/>
-            <a:ext cx="10857600" cy="2049480"/>
+            <a:ext cx="10856880" cy="2048760"/>
           </a:xfrm>
           <a:prstGeom prst="rect">
             <a:avLst/>
@@ -7145,14 +6976,14 @@
       </p:grpSpPr>
       <p:sp>
         <p:nvSpPr>
-          <p:cNvPr id="79" name="CustomShape 1"/>
+          <p:cNvPr id="77" name="CustomShape 1"/>
           <p:cNvSpPr/>
           <p:nvPr/>
         </p:nvSpPr>
         <p:spPr>
           <a:xfrm>
-            <a:off x="335520" y="840960"/>
-            <a:ext cx="10742040" cy="492840"/>
+            <a:off x="335520" y="768240"/>
+            <a:ext cx="10741320" cy="492120"/>
           </a:xfrm>
           <a:prstGeom prst="rect">
             <a:avLst/>
@@ -7186,7 +7017,7 @@
                 <a:latin typeface="DejaVu Sans"/>
                 <a:ea typeface="DejaVu Sans"/>
               </a:rPr>
-              <a:t>Multiple-Choice Exercises – Göttingen </a:t>
+              <a:t>Multiple-Choice Exercises</a:t>
             </a:r>
             <a:endParaRPr b="0" lang="en-US" sz="2400" spc="-1" strike="noStrike">
               <a:solidFill>
@@ -7199,14 +7030,14 @@
       </p:sp>
       <p:sp>
         <p:nvSpPr>
-          <p:cNvPr id="80" name="CustomShape 2"/>
+          <p:cNvPr id="78" name="CustomShape 2"/>
           <p:cNvSpPr/>
           <p:nvPr/>
         </p:nvSpPr>
         <p:spPr>
           <a:xfrm>
             <a:off x="388800" y="1488600"/>
-            <a:ext cx="10720440" cy="5213160"/>
+            <a:ext cx="10715040" cy="3505320"/>
           </a:xfrm>
           <a:prstGeom prst="rect">
             <a:avLst/>
@@ -7240,8 +7071,21 @@
                 <a:latin typeface="DejaVu Sans"/>
                 <a:ea typeface="Arial"/>
               </a:rPr>
-              <a:t>Every student enrolled in this course is required to take the Knowledge quiz in first two weeks of the course. </a:t>
-            </a:r>
+              <a:t>Every student enrolled in this course is advised to take the knowledge quiz in first two weeks of the course.  </a:t>
+            </a:r>
+            <a:endParaRPr b="0" lang="en-US" sz="1400" spc="-1" strike="noStrike">
+              <a:solidFill>
+                <a:srgbClr val="000000"/>
+              </a:solidFill>
+              <a:latin typeface="Arial"/>
+            </a:endParaRPr>
+          </a:p>
+          <a:p>
+            <a:pPr>
+              <a:lnSpc>
+                <a:spcPct val="100000"/>
+              </a:lnSpc>
+            </a:pPr>
             <a:endParaRPr b="0" lang="en-US" sz="1400" spc="-1" strike="noStrike">
               <a:solidFill>
                 <a:srgbClr val="000000"/>
@@ -7261,16 +7105,6 @@
               <a:buFont typeface="Monotype Sorts" charset="2"/>
               <a:buChar char=""/>
             </a:pPr>
-            <a:r>
-              <a:rPr b="0" lang="en-US" sz="1400" spc="-1" strike="noStrike">
-                <a:solidFill>
-                  <a:srgbClr val="000000"/>
-                </a:solidFill>
-                <a:latin typeface="Arial"/>
-                <a:ea typeface="DejaVu Sans"/>
-              </a:rPr>
-              <a:t> </a:t>
-            </a:r>
             <a:endParaRPr b="0" lang="en-US" sz="1400" spc="-1" strike="noStrike">
               <a:solidFill>
                 <a:srgbClr val="000000"/>
@@ -7291,24 +7125,66 @@
               <a:buChar char=""/>
             </a:pPr>
             <a:r>
+              <a:rPr b="1" lang="de-DE" sz="1400" spc="-1" strike="noStrike">
+                <a:solidFill>
+                  <a:srgbClr val="000000"/>
+                </a:solidFill>
+                <a:latin typeface="DejaVu Sans"/>
+                <a:ea typeface="Arial Unicode MS"/>
+              </a:rPr>
+              <a:t>Goal of the test:</a:t>
+            </a:r>
+            <a:endParaRPr b="0" lang="en-US" sz="1400" spc="-1" strike="noStrike">
+              <a:solidFill>
+                <a:srgbClr val="000000"/>
+              </a:solidFill>
+              <a:latin typeface="Arial"/>
+            </a:endParaRPr>
+          </a:p>
+          <a:p>
+            <a:pPr lvl="1" marL="432000" indent="-216000">
+              <a:lnSpc>
+                <a:spcPct val="100000"/>
+              </a:lnSpc>
+              <a:buClr>
+                <a:srgbClr val="008c4f"/>
+              </a:buClr>
+              <a:buSzPct val="45000"/>
+              <a:buFont typeface="OpenSymbol"/>
+              <a:buChar char="—"/>
+            </a:pPr>
+            <a:r>
               <a:rPr b="0" lang="de-DE" sz="1400" spc="-1" strike="noStrike">
                 <a:solidFill>
                   <a:srgbClr val="000000"/>
                 </a:solidFill>
                 <a:latin typeface="DejaVu Sans"/>
-                <a:ea typeface="Arial"/>
-              </a:rPr>
-              <a:t>The first knowledge test will be available on ILIAS from </a:t>
-            </a:r>
-            <a:r>
-              <a:rPr b="1" lang="de-DE" sz="1400" spc="-1" strike="noStrike">
-                <a:solidFill>
-                  <a:srgbClr val="000000"/>
-                </a:solidFill>
-                <a:latin typeface="DejaVu Sans"/>
-                <a:ea typeface="Arial"/>
-              </a:rPr>
-              <a:t>Monday, 17 April 2023, 5:00 PM until 24 April 2023 01:59 PM</a:t>
+                <a:ea typeface="Arial Unicode MS"/>
+              </a:rPr>
+              <a:t>To check the knowledge level of the student that is relevant to this course of study.</a:t>
+            </a:r>
+            <a:endParaRPr b="0" lang="en-US" sz="1400" spc="-1" strike="noStrike">
+              <a:solidFill>
+                <a:srgbClr val="000000"/>
+              </a:solidFill>
+              <a:latin typeface="Arial"/>
+            </a:endParaRPr>
+          </a:p>
+          <a:p>
+            <a:pPr>
+              <a:lnSpc>
+                <a:spcPct val="100000"/>
+              </a:lnSpc>
+            </a:pPr>
+            <a:r>
+              <a:rPr b="0" lang="en-US" sz="1400" spc="-1" strike="noStrike">
+                <a:solidFill>
+                  <a:srgbClr val="000000"/>
+                </a:solidFill>
+                <a:latin typeface="Arial"/>
+                <a:ea typeface="DejaVu Sans"/>
+              </a:rPr>
+              <a:t> </a:t>
             </a:r>
             <a:endParaRPr b="0" lang="en-US" sz="1400" spc="-1" strike="noStrike">
               <a:solidFill>
@@ -7330,6 +7206,87 @@
               <a:buChar char=""/>
             </a:pPr>
             <a:r>
+              <a:rPr b="1" lang="de-DE" sz="1400" spc="-1" strike="noStrike">
+                <a:solidFill>
+                  <a:srgbClr val="000000"/>
+                </a:solidFill>
+                <a:latin typeface="DejaVu Sans"/>
+                <a:ea typeface="Arial Unicode MS"/>
+              </a:rPr>
+              <a:t>Preparation:</a:t>
+            </a:r>
+            <a:endParaRPr b="0" lang="en-US" sz="1400" spc="-1" strike="noStrike">
+              <a:solidFill>
+                <a:srgbClr val="000000"/>
+              </a:solidFill>
+              <a:latin typeface="Arial"/>
+            </a:endParaRPr>
+          </a:p>
+          <a:p>
+            <a:pPr lvl="1" marL="432000" indent="-216000">
+              <a:lnSpc>
+                <a:spcPct val="100000"/>
+              </a:lnSpc>
+              <a:buClr>
+                <a:srgbClr val="008c4f"/>
+              </a:buClr>
+              <a:buSzPct val="45000"/>
+              <a:buFont typeface="OpenSymbol"/>
+              <a:buChar char="—"/>
+            </a:pPr>
+            <a:r>
+              <a:rPr b="0" lang="de-DE" sz="1400" spc="-1" strike="noStrike">
+                <a:solidFill>
+                  <a:srgbClr val="000000"/>
+                </a:solidFill>
+                <a:latin typeface="DejaVu Sans"/>
+                <a:ea typeface="Arial Unicode MS"/>
+              </a:rPr>
+              <a:t>A review of basic concepts of Cryptography and Circular Economy is recommended for Week 1 and Week 2 respectively</a:t>
+            </a:r>
+            <a:endParaRPr b="0" lang="en-US" sz="1400" spc="-1" strike="noStrike">
+              <a:solidFill>
+                <a:srgbClr val="000000"/>
+              </a:solidFill>
+              <a:latin typeface="Arial"/>
+            </a:endParaRPr>
+          </a:p>
+          <a:p>
+            <a:pPr lvl="1" marL="432000" indent="-216000">
+              <a:lnSpc>
+                <a:spcPct val="100000"/>
+              </a:lnSpc>
+              <a:buClr>
+                <a:srgbClr val="008c4f"/>
+              </a:buClr>
+              <a:buSzPct val="45000"/>
+              <a:buFont typeface="OpenSymbol"/>
+              <a:buChar char="—"/>
+            </a:pPr>
+            <a:r>
+              <a:rPr b="0" lang="de-DE" sz="1400" spc="-1" strike="noStrike">
+                <a:solidFill>
+                  <a:srgbClr val="000000"/>
+                </a:solidFill>
+                <a:latin typeface="DejaVu Sans"/>
+                <a:ea typeface="Arial Unicode MS"/>
+              </a:rPr>
+              <a:t>Knowledge quiz for Week 1 only tests your existing knowledge.</a:t>
+            </a:r>
+            <a:endParaRPr b="0" lang="en-US" sz="1400" spc="-1" strike="noStrike">
+              <a:solidFill>
+                <a:srgbClr val="000000"/>
+              </a:solidFill>
+              <a:latin typeface="Arial"/>
+            </a:endParaRPr>
+          </a:p>
+          <a:p>
+            <a:pPr>
+              <a:lnSpc>
+                <a:spcPct val="100000"/>
+              </a:lnSpc>
+            </a:pPr>
+            <a:r>
               <a:rPr b="0" lang="en-US" sz="1400" spc="-1" strike="noStrike">
                 <a:solidFill>
                   <a:srgbClr val="000000"/>
@@ -7359,24 +7316,14 @@
               <a:buChar char=""/>
             </a:pPr>
             <a:r>
-              <a:rPr b="0" lang="de-DE" sz="1400" spc="-1" strike="noStrike">
-                <a:solidFill>
-                  <a:srgbClr val="000000"/>
-                </a:solidFill>
-                <a:latin typeface="DejaVu Sans"/>
-                <a:ea typeface="Arial"/>
-              </a:rPr>
-              <a:t>The second knowledge test will be available on ILIAS from </a:t>
-            </a:r>
-            <a:r>
               <a:rPr b="1" lang="de-DE" sz="1400" spc="-1" strike="noStrike">
                 <a:solidFill>
                   <a:srgbClr val="000000"/>
                 </a:solidFill>
                 <a:latin typeface="DejaVu Sans"/>
-                <a:ea typeface="Arial"/>
-              </a:rPr>
-              <a:t>Monday, 24 April 2023, 5:00 PM until 01 May 2023 01:59 PM</a:t>
+                <a:ea typeface="Arial Unicode MS"/>
+              </a:rPr>
+              <a:t>THE TEST IS JUST FOR YOU → WE CANNOT CHECK THE TEST RESULTS</a:t>
             </a:r>
             <a:endParaRPr b="0" lang="en-US" sz="1400" spc="-1" strike="noStrike">
               <a:solidFill>
@@ -7386,27 +7333,11 @@
             </a:endParaRPr>
           </a:p>
           <a:p>
-            <a:pPr marL="216000" indent="-216000">
-              <a:lnSpc>
-                <a:spcPct val="100000"/>
-              </a:lnSpc>
-              <a:buClr>
-                <a:srgbClr val="008c4f"/>
-              </a:buClr>
-              <a:buSzPct val="45000"/>
-              <a:buFont typeface="Monotype Sorts" charset="2"/>
-              <a:buChar char=""/>
-            </a:pPr>
-            <a:r>
-              <a:rPr b="0" lang="en-US" sz="1400" spc="-1" strike="noStrike">
-                <a:solidFill>
-                  <a:srgbClr val="000000"/>
-                </a:solidFill>
-                <a:latin typeface="Arial"/>
-                <a:ea typeface="DejaVu Sans"/>
-              </a:rPr>
-              <a:t> </a:t>
-            </a:r>
+            <a:pPr>
+              <a:lnSpc>
+                <a:spcPct val="100000"/>
+              </a:lnSpc>
+            </a:pPr>
             <a:endParaRPr b="0" lang="en-US" sz="1400" spc="-1" strike="noStrike">
               <a:solidFill>
                 <a:srgbClr val="000000"/>
@@ -7415,27 +7346,11 @@
             </a:endParaRPr>
           </a:p>
           <a:p>
-            <a:pPr marL="216000" indent="-216000">
-              <a:lnSpc>
-                <a:spcPct val="100000"/>
-              </a:lnSpc>
-              <a:buClr>
-                <a:srgbClr val="008c4f"/>
-              </a:buClr>
-              <a:buSzPct val="45000"/>
-              <a:buFont typeface="Monotype Sorts" charset="2"/>
-              <a:buChar char=""/>
-            </a:pPr>
-            <a:r>
-              <a:rPr b="1" lang="de-DE" sz="1400" spc="-1" strike="noStrike">
-                <a:solidFill>
-                  <a:srgbClr val="000000"/>
-                </a:solidFill>
-                <a:latin typeface="DejaVu Sans"/>
-                <a:ea typeface="Arial Unicode MS"/>
-              </a:rPr>
-              <a:t>Goal of the test:</a:t>
-            </a:r>
+            <a:pPr algn="ctr">
+              <a:lnSpc>
+                <a:spcPct val="100000"/>
+              </a:lnSpc>
+            </a:pPr>
             <a:endParaRPr b="0" lang="en-US" sz="1400" spc="-1" strike="noStrike">
               <a:solidFill>
                 <a:srgbClr val="000000"/>
@@ -7444,426 +7359,11 @@
             </a:endParaRPr>
           </a:p>
           <a:p>
-            <a:pPr lvl="1" marL="432000" indent="-216000">
-              <a:lnSpc>
-                <a:spcPct val="100000"/>
-              </a:lnSpc>
-              <a:buClr>
-                <a:srgbClr val="008c4f"/>
-              </a:buClr>
-              <a:buSzPct val="45000"/>
-              <a:buFont typeface="OpenSymbol"/>
-              <a:buChar char="—"/>
-            </a:pPr>
-            <a:r>
-              <a:rPr b="0" lang="de-DE" sz="1400" spc="-1" strike="noStrike">
-                <a:solidFill>
-                  <a:srgbClr val="000000"/>
-                </a:solidFill>
-                <a:latin typeface="DejaVu Sans"/>
-                <a:ea typeface="Arial Unicode MS"/>
-              </a:rPr>
-              <a:t>To check the knowledge level of the student that is relevant to this course of study.</a:t>
-            </a:r>
-            <a:endParaRPr b="0" lang="en-US" sz="1400" spc="-1" strike="noStrike">
-              <a:solidFill>
-                <a:srgbClr val="000000"/>
-              </a:solidFill>
-              <a:latin typeface="Arial"/>
-            </a:endParaRPr>
-          </a:p>
-          <a:p>
-            <a:pPr marL="216000" indent="-216000">
-              <a:lnSpc>
-                <a:spcPct val="100000"/>
-              </a:lnSpc>
-              <a:buClr>
-                <a:srgbClr val="008c4f"/>
-              </a:buClr>
-              <a:buSzPct val="45000"/>
-              <a:buFont typeface="Monotype Sorts" charset="2"/>
-              <a:buChar char=""/>
-            </a:pPr>
-            <a:r>
-              <a:rPr b="0" lang="en-US" sz="1400" spc="-1" strike="noStrike">
-                <a:solidFill>
-                  <a:srgbClr val="000000"/>
-                </a:solidFill>
-                <a:latin typeface="Arial"/>
-                <a:ea typeface="DejaVu Sans"/>
-              </a:rPr>
-              <a:t> </a:t>
-            </a:r>
-            <a:endParaRPr b="0" lang="en-US" sz="1400" spc="-1" strike="noStrike">
-              <a:solidFill>
-                <a:srgbClr val="000000"/>
-              </a:solidFill>
-              <a:latin typeface="Arial"/>
-            </a:endParaRPr>
-          </a:p>
-          <a:p>
-            <a:pPr marL="216000" indent="-216000">
-              <a:lnSpc>
-                <a:spcPct val="100000"/>
-              </a:lnSpc>
-              <a:buClr>
-                <a:srgbClr val="008c4f"/>
-              </a:buClr>
-              <a:buSzPct val="45000"/>
-              <a:buFont typeface="Monotype Sorts" charset="2"/>
-              <a:buChar char=""/>
-            </a:pPr>
-            <a:r>
-              <a:rPr b="1" lang="de-DE" sz="1400" spc="-1" strike="noStrike">
-                <a:solidFill>
-                  <a:srgbClr val="000000"/>
-                </a:solidFill>
-                <a:latin typeface="DejaVu Sans"/>
-                <a:ea typeface="Arial Unicode MS"/>
-              </a:rPr>
-              <a:t>Preparation:</a:t>
-            </a:r>
-            <a:endParaRPr b="0" lang="en-US" sz="1400" spc="-1" strike="noStrike">
-              <a:solidFill>
-                <a:srgbClr val="000000"/>
-              </a:solidFill>
-              <a:latin typeface="Arial"/>
-            </a:endParaRPr>
-          </a:p>
-          <a:p>
-            <a:pPr lvl="1" marL="432000" indent="-216000">
-              <a:lnSpc>
-                <a:spcPct val="100000"/>
-              </a:lnSpc>
-              <a:buClr>
-                <a:srgbClr val="008c4f"/>
-              </a:buClr>
-              <a:buSzPct val="45000"/>
-              <a:buFont typeface="OpenSymbol"/>
-              <a:buChar char="—"/>
-            </a:pPr>
-            <a:r>
-              <a:rPr b="0" lang="de-DE" sz="1400" spc="-1" strike="noStrike">
-                <a:solidFill>
-                  <a:srgbClr val="000000"/>
-                </a:solidFill>
-                <a:latin typeface="DejaVu Sans"/>
-                <a:ea typeface="Arial Unicode MS"/>
-              </a:rPr>
-              <a:t>A review of basic concepts of Cryptography and Circular Economy is recommended for Week 1 and Week 2 respectively</a:t>
-            </a:r>
-            <a:endParaRPr b="0" lang="en-US" sz="1400" spc="-1" strike="noStrike">
-              <a:solidFill>
-                <a:srgbClr val="000000"/>
-              </a:solidFill>
-              <a:latin typeface="Arial"/>
-            </a:endParaRPr>
-          </a:p>
-          <a:p>
-            <a:pPr lvl="1" marL="432000" indent="-216000">
-              <a:lnSpc>
-                <a:spcPct val="100000"/>
-              </a:lnSpc>
-              <a:buClr>
-                <a:srgbClr val="008c4f"/>
-              </a:buClr>
-              <a:buSzPct val="45000"/>
-              <a:buFont typeface="OpenSymbol"/>
-              <a:buChar char="—"/>
-            </a:pPr>
-            <a:r>
-              <a:rPr b="0" lang="de-DE" sz="1400" spc="-1" strike="noStrike">
-                <a:solidFill>
-                  <a:srgbClr val="000000"/>
-                </a:solidFill>
-                <a:latin typeface="DejaVu Sans"/>
-                <a:ea typeface="Arial Unicode MS"/>
-              </a:rPr>
-              <a:t>Knowledge quiz for Week 1 only tests your existing knowledge.</a:t>
-            </a:r>
-            <a:endParaRPr b="0" lang="en-US" sz="1400" spc="-1" strike="noStrike">
-              <a:solidFill>
-                <a:srgbClr val="000000"/>
-              </a:solidFill>
-              <a:latin typeface="Arial"/>
-            </a:endParaRPr>
-          </a:p>
-          <a:p>
-            <a:pPr marL="216000" indent="-216000">
-              <a:lnSpc>
-                <a:spcPct val="100000"/>
-              </a:lnSpc>
-              <a:buClr>
-                <a:srgbClr val="008c4f"/>
-              </a:buClr>
-              <a:buSzPct val="45000"/>
-              <a:buFont typeface="Monotype Sorts" charset="2"/>
-              <a:buChar char=""/>
-            </a:pPr>
-            <a:r>
-              <a:rPr b="0" lang="en-US" sz="1400" spc="-1" strike="noStrike">
-                <a:solidFill>
-                  <a:srgbClr val="000000"/>
-                </a:solidFill>
-                <a:latin typeface="Arial"/>
-                <a:ea typeface="DejaVu Sans"/>
-              </a:rPr>
-              <a:t> </a:t>
-            </a:r>
-            <a:endParaRPr b="0" lang="en-US" sz="1400" spc="-1" strike="noStrike">
-              <a:solidFill>
-                <a:srgbClr val="000000"/>
-              </a:solidFill>
-              <a:latin typeface="Arial"/>
-            </a:endParaRPr>
-          </a:p>
-          <a:p>
-            <a:pPr marL="216000" indent="-216000">
-              <a:lnSpc>
-                <a:spcPct val="100000"/>
-              </a:lnSpc>
-              <a:buClr>
-                <a:srgbClr val="008c4f"/>
-              </a:buClr>
-              <a:buSzPct val="45000"/>
-              <a:buFont typeface="Monotype Sorts" charset="2"/>
-              <a:buChar char=""/>
-            </a:pPr>
-            <a:r>
-              <a:rPr b="1" lang="de-DE" sz="1400" spc="-1" strike="noStrike">
-                <a:solidFill>
-                  <a:srgbClr val="000000"/>
-                </a:solidFill>
-                <a:latin typeface="DejaVu Sans"/>
-                <a:ea typeface="Arial Unicode MS"/>
-              </a:rPr>
-              <a:t>Test sturcture:</a:t>
-            </a:r>
-            <a:endParaRPr b="0" lang="en-US" sz="1400" spc="-1" strike="noStrike">
-              <a:solidFill>
-                <a:srgbClr val="000000"/>
-              </a:solidFill>
-              <a:latin typeface="Arial"/>
-            </a:endParaRPr>
-          </a:p>
-          <a:p>
-            <a:pPr lvl="1" marL="432000" indent="-216000">
-              <a:lnSpc>
-                <a:spcPct val="100000"/>
-              </a:lnSpc>
-              <a:buClr>
-                <a:srgbClr val="008c4f"/>
-              </a:buClr>
-              <a:buSzPct val="45000"/>
-              <a:buFont typeface="OpenSymbol"/>
-              <a:buChar char="—"/>
-            </a:pPr>
-            <a:r>
-              <a:rPr b="0" lang="de-DE" sz="1400" spc="-1" strike="noStrike">
-                <a:solidFill>
-                  <a:srgbClr val="000000"/>
-                </a:solidFill>
-                <a:latin typeface="DejaVu Sans"/>
-                <a:ea typeface="Arial Unicode MS"/>
-              </a:rPr>
-              <a:t>Total </a:t>
-            </a:r>
-            <a:r>
-              <a:rPr b="1" lang="de-DE" sz="1400" spc="-1" strike="noStrike">
-                <a:solidFill>
-                  <a:srgbClr val="000000"/>
-                </a:solidFill>
-                <a:latin typeface="DejaVu Sans"/>
-                <a:ea typeface="Arial Unicode MS"/>
-              </a:rPr>
-              <a:t>25 multiple choice questions → no time limit</a:t>
-            </a:r>
-            <a:r>
-              <a:rPr b="0" lang="de-DE" sz="1400" spc="-1" strike="noStrike">
-                <a:solidFill>
-                  <a:srgbClr val="000000"/>
-                </a:solidFill>
-                <a:latin typeface="DejaVu Sans"/>
-                <a:ea typeface="Arial Unicode MS"/>
-              </a:rPr>
-              <a:t>.</a:t>
-            </a:r>
-            <a:endParaRPr b="0" lang="en-US" sz="1400" spc="-1" strike="noStrike">
-              <a:solidFill>
-                <a:srgbClr val="000000"/>
-              </a:solidFill>
-              <a:latin typeface="Arial"/>
-            </a:endParaRPr>
-          </a:p>
-          <a:p>
-            <a:pPr lvl="1" marL="432000" indent="-216000">
-              <a:lnSpc>
-                <a:spcPct val="100000"/>
-              </a:lnSpc>
-              <a:buClr>
-                <a:srgbClr val="008c4f"/>
-              </a:buClr>
-              <a:buSzPct val="45000"/>
-              <a:buFont typeface="OpenSymbol"/>
-              <a:buChar char="—"/>
-            </a:pPr>
-            <a:r>
-              <a:rPr b="0" lang="de-DE" sz="1400" spc="-1" strike="noStrike">
-                <a:solidFill>
-                  <a:srgbClr val="000000"/>
-                </a:solidFill>
-                <a:latin typeface="DejaVu Sans"/>
-                <a:ea typeface="Arial Unicode MS"/>
-              </a:rPr>
-              <a:t>Each question can fetch a maximum of </a:t>
-            </a:r>
-            <a:r>
-              <a:rPr b="1" lang="de-DE" sz="1400" spc="-1" strike="noStrike">
-                <a:solidFill>
-                  <a:srgbClr val="000000"/>
-                </a:solidFill>
-                <a:latin typeface="DejaVu Sans"/>
-                <a:ea typeface="Arial Unicode MS"/>
-              </a:rPr>
-              <a:t>1 point</a:t>
-            </a:r>
-            <a:endParaRPr b="0" lang="en-US" sz="1400" spc="-1" strike="noStrike">
-              <a:solidFill>
-                <a:srgbClr val="000000"/>
-              </a:solidFill>
-              <a:latin typeface="Arial"/>
-            </a:endParaRPr>
-          </a:p>
-          <a:p>
-            <a:pPr lvl="1" marL="432000" indent="-216000">
-              <a:lnSpc>
-                <a:spcPct val="100000"/>
-              </a:lnSpc>
-              <a:buClr>
-                <a:srgbClr val="008c4f"/>
-              </a:buClr>
-              <a:buSzPct val="45000"/>
-              <a:buFont typeface="OpenSymbol"/>
-              <a:buChar char="—"/>
-            </a:pPr>
-            <a:r>
-              <a:rPr b="1" lang="de-DE" sz="1400" spc="-1" strike="noStrike">
-                <a:solidFill>
-                  <a:srgbClr val="ff0000"/>
-                </a:solidFill>
-                <a:latin typeface="DejaVu Sans"/>
-                <a:ea typeface="Arial Unicode MS"/>
-              </a:rPr>
-              <a:t>IMPORTANT</a:t>
-            </a:r>
-            <a:r>
-              <a:rPr b="1" lang="de-DE" sz="1400" spc="-1" strike="noStrike">
-                <a:solidFill>
-                  <a:srgbClr val="000000"/>
-                </a:solidFill>
-                <a:latin typeface="DejaVu Sans"/>
-                <a:ea typeface="Arial Unicode MS"/>
-              </a:rPr>
-              <a:t> : Incorrect choices will yield in negative points. </a:t>
-            </a:r>
-            <a:r>
-              <a:rPr b="0" lang="de-DE" sz="1400" spc="-1" strike="noStrike">
-                <a:solidFill>
-                  <a:srgbClr val="000000"/>
-                </a:solidFill>
-                <a:latin typeface="DejaVu Sans"/>
-                <a:ea typeface="Arial Unicode MS"/>
-              </a:rPr>
-              <a:t>An incorrect choice in a question will take away </a:t>
-            </a:r>
-            <a:r>
-              <a:rPr b="1" lang="de-DE" sz="1400" spc="-1" strike="noStrike">
-                <a:solidFill>
-                  <a:srgbClr val="000000"/>
-                </a:solidFill>
-                <a:latin typeface="DejaVu Sans"/>
-                <a:ea typeface="Arial Unicode MS"/>
-              </a:rPr>
-              <a:t>just as many points</a:t>
-            </a:r>
-            <a:r>
-              <a:rPr b="0" lang="de-DE" sz="1400" spc="-1" strike="noStrike">
-                <a:solidFill>
-                  <a:srgbClr val="000000"/>
-                </a:solidFill>
-                <a:latin typeface="DejaVu Sans"/>
-                <a:ea typeface="Arial Unicode MS"/>
-              </a:rPr>
-              <a:t> as a correct choice is awarded.</a:t>
-            </a:r>
-            <a:endParaRPr b="0" lang="en-US" sz="1400" spc="-1" strike="noStrike">
-              <a:solidFill>
-                <a:srgbClr val="000000"/>
-              </a:solidFill>
-              <a:latin typeface="Arial"/>
-            </a:endParaRPr>
-          </a:p>
-          <a:p>
-            <a:pPr lvl="1" marL="432000" indent="-216000">
-              <a:lnSpc>
-                <a:spcPct val="100000"/>
-              </a:lnSpc>
-              <a:buClr>
-                <a:srgbClr val="008c4f"/>
-              </a:buClr>
-              <a:buSzPct val="45000"/>
-              <a:buFont typeface="OpenSymbol"/>
-              <a:buChar char="—"/>
-            </a:pPr>
-            <a:r>
-              <a:rPr b="0" lang="de-DE" sz="1400" spc="-1" strike="noStrike">
-                <a:solidFill>
-                  <a:srgbClr val="000000"/>
-                </a:solidFill>
-                <a:latin typeface="DejaVu Sans"/>
-                <a:ea typeface="Arial Unicode MS"/>
-              </a:rPr>
-              <a:t>Each test is evaluated on a </a:t>
-            </a:r>
-            <a:r>
-              <a:rPr b="1" lang="de-DE" sz="1400" spc="-1" strike="noStrike">
-                <a:solidFill>
-                  <a:srgbClr val="000000"/>
-                </a:solidFill>
-                <a:latin typeface="DejaVu Sans"/>
-                <a:ea typeface="Arial Unicode MS"/>
-              </a:rPr>
-              <a:t>grade scale of 10.</a:t>
-            </a:r>
-            <a:endParaRPr b="0" lang="en-US" sz="1400" spc="-1" strike="noStrike">
-              <a:solidFill>
-                <a:srgbClr val="000000"/>
-              </a:solidFill>
-              <a:latin typeface="Arial"/>
-            </a:endParaRPr>
-          </a:p>
-          <a:p>
-            <a:pPr lvl="1" marL="432000" indent="-216000">
-              <a:lnSpc>
-                <a:spcPct val="100000"/>
-              </a:lnSpc>
-              <a:buClr>
-                <a:srgbClr val="008c4f"/>
-              </a:buClr>
-              <a:buSzPct val="45000"/>
-              <a:buFont typeface="OpenSymbol"/>
-              <a:buChar char="—"/>
-            </a:pPr>
-            <a:r>
-              <a:rPr b="0" lang="de-DE" sz="1400" spc="-1" strike="noStrike">
-                <a:solidFill>
-                  <a:srgbClr val="000000"/>
-                </a:solidFill>
-                <a:latin typeface="DejaVu Sans"/>
-                <a:ea typeface="Arial Unicode MS"/>
-              </a:rPr>
-              <a:t>The result of your test will be available after the quiz is closed.</a:t>
-            </a:r>
+            <a:pPr algn="ctr">
+              <a:lnSpc>
+                <a:spcPct val="100000"/>
+              </a:lnSpc>
+            </a:pPr>
             <a:endParaRPr b="0" lang="en-US" sz="1400" spc="-1" strike="noStrike">
               <a:solidFill>
                 <a:srgbClr val="000000"/>
@@ -7905,14 +7405,14 @@
       </p:grpSpPr>
       <p:sp>
         <p:nvSpPr>
-          <p:cNvPr id="81" name="CustomShape 1"/>
+          <p:cNvPr id="79" name="CustomShape 15"/>
           <p:cNvSpPr/>
           <p:nvPr/>
         </p:nvSpPr>
         <p:spPr>
           <a:xfrm>
-            <a:off x="335520" y="764640"/>
-            <a:ext cx="10742040" cy="492840"/>
+            <a:off x="335520" y="768240"/>
+            <a:ext cx="10741320" cy="492120"/>
           </a:xfrm>
           <a:prstGeom prst="rect">
             <a:avLst/>
@@ -7946,7 +7446,7 @@
                 <a:latin typeface="DejaVu Sans"/>
                 <a:ea typeface="DejaVu Sans"/>
               </a:rPr>
-              <a:t>Multiple-Choice Exercises – Göttingen </a:t>
+              <a:t>Multiple-Choice Exercises</a:t>
             </a:r>
             <a:endParaRPr b="0" lang="en-US" sz="2400" spc="-1" strike="noStrike">
               <a:solidFill>
@@ -7959,14 +7459,14 @@
       </p:sp>
       <p:sp>
         <p:nvSpPr>
-          <p:cNvPr id="82" name="CustomShape 2"/>
+          <p:cNvPr id="80" name="CustomShape 16"/>
           <p:cNvSpPr/>
           <p:nvPr/>
         </p:nvSpPr>
         <p:spPr>
           <a:xfrm>
-            <a:off x="4655880" y="476640"/>
-            <a:ext cx="2428200" cy="354240"/>
+            <a:off x="388800" y="1488600"/>
+            <a:ext cx="10715040" cy="3505320"/>
           </a:xfrm>
           <a:prstGeom prst="rect">
             <a:avLst/>
@@ -7984,7 +7484,7 @@
         </p:style>
         <p:txBody>
           <a:bodyPr lIns="90000" rIns="90000" tIns="45000" bIns="45000" anchor="t">
-            <a:noAutofit/>
+            <a:spAutoFit/>
           </a:bodyPr>
           <a:p>
             <a:pPr>
@@ -7992,94 +7492,336 @@
                 <a:spcPct val="100000"/>
               </a:lnSpc>
             </a:pPr>
-            <a:endParaRPr b="0" lang="en-GB" sz="1800" spc="-1" strike="noStrike">
-              <a:solidFill>
-                <a:srgbClr val="000000"/>
-              </a:solidFill>
-              <a:latin typeface="Arial"/>
-              <a:ea typeface="DejaVu Sans"/>
+            <a:r>
+              <a:rPr b="1" lang="de-DE" sz="1400" spc="-1" strike="noStrike">
+                <a:solidFill>
+                  <a:srgbClr val="008c4f"/>
+                </a:solidFill>
+                <a:latin typeface="DejaVu Sans"/>
+                <a:ea typeface="Arial"/>
+              </a:rPr>
+              <a:t>Every student enrolled in this course is advised to take the knowledge quiz in first two weeks of the course.  </a:t>
+            </a:r>
+            <a:endParaRPr b="0" lang="en-US" sz="1400" spc="-1" strike="noStrike">
+              <a:solidFill>
+                <a:srgbClr val="000000"/>
+              </a:solidFill>
+              <a:latin typeface="Arial"/>
+            </a:endParaRPr>
+          </a:p>
+          <a:p>
+            <a:pPr>
+              <a:lnSpc>
+                <a:spcPct val="100000"/>
+              </a:lnSpc>
+            </a:pPr>
+            <a:endParaRPr b="0" lang="en-US" sz="1400" spc="-1" strike="noStrike">
+              <a:solidFill>
+                <a:srgbClr val="000000"/>
+              </a:solidFill>
+              <a:latin typeface="Arial"/>
+            </a:endParaRPr>
+          </a:p>
+          <a:p>
+            <a:pPr marL="216000" indent="-216000">
+              <a:lnSpc>
+                <a:spcPct val="100000"/>
+              </a:lnSpc>
+              <a:buClr>
+                <a:srgbClr val="008c4f"/>
+              </a:buClr>
+              <a:buSzPct val="45000"/>
+              <a:buFont typeface="Monotype Sorts" charset="2"/>
+              <a:buChar char=""/>
+            </a:pPr>
+            <a:endParaRPr b="0" lang="en-US" sz="1400" spc="-1" strike="noStrike">
+              <a:solidFill>
+                <a:srgbClr val="000000"/>
+              </a:solidFill>
+              <a:latin typeface="Arial"/>
+            </a:endParaRPr>
+          </a:p>
+          <a:p>
+            <a:pPr marL="216000" indent="-216000">
+              <a:lnSpc>
+                <a:spcPct val="100000"/>
+              </a:lnSpc>
+              <a:buClr>
+                <a:srgbClr val="008c4f"/>
+              </a:buClr>
+              <a:buSzPct val="45000"/>
+              <a:buFont typeface="Monotype Sorts" charset="2"/>
+              <a:buChar char=""/>
+            </a:pPr>
+            <a:r>
+              <a:rPr b="1" lang="de-DE" sz="1400" spc="-1" strike="noStrike">
+                <a:solidFill>
+                  <a:srgbClr val="000000"/>
+                </a:solidFill>
+                <a:latin typeface="DejaVu Sans"/>
+                <a:ea typeface="Arial Unicode MS"/>
+              </a:rPr>
+              <a:t>Goal of the test:</a:t>
+            </a:r>
+            <a:endParaRPr b="0" lang="en-US" sz="1400" spc="-1" strike="noStrike">
+              <a:solidFill>
+                <a:srgbClr val="000000"/>
+              </a:solidFill>
+              <a:latin typeface="Arial"/>
+            </a:endParaRPr>
+          </a:p>
+          <a:p>
+            <a:pPr lvl="1" marL="432000" indent="-216000">
+              <a:lnSpc>
+                <a:spcPct val="100000"/>
+              </a:lnSpc>
+              <a:buClr>
+                <a:srgbClr val="008c4f"/>
+              </a:buClr>
+              <a:buSzPct val="45000"/>
+              <a:buFont typeface="OpenSymbol"/>
+              <a:buChar char="—"/>
+            </a:pPr>
+            <a:r>
+              <a:rPr b="0" lang="de-DE" sz="1400" spc="-1" strike="noStrike">
+                <a:solidFill>
+                  <a:srgbClr val="000000"/>
+                </a:solidFill>
+                <a:latin typeface="DejaVu Sans"/>
+                <a:ea typeface="Arial Unicode MS"/>
+              </a:rPr>
+              <a:t>To check the knowledge level of the student that is relevant to this course of study.</a:t>
+            </a:r>
+            <a:endParaRPr b="0" lang="en-US" sz="1400" spc="-1" strike="noStrike">
+              <a:solidFill>
+                <a:srgbClr val="000000"/>
+              </a:solidFill>
+              <a:latin typeface="Arial"/>
+            </a:endParaRPr>
+          </a:p>
+          <a:p>
+            <a:pPr>
+              <a:lnSpc>
+                <a:spcPct val="100000"/>
+              </a:lnSpc>
+            </a:pPr>
+            <a:r>
+              <a:rPr b="0" lang="en-US" sz="1400" spc="-1" strike="noStrike">
+                <a:solidFill>
+                  <a:srgbClr val="000000"/>
+                </a:solidFill>
+                <a:latin typeface="Arial"/>
+                <a:ea typeface="DejaVu Sans"/>
+              </a:rPr>
+              <a:t> </a:t>
+            </a:r>
+            <a:endParaRPr b="0" lang="en-US" sz="1400" spc="-1" strike="noStrike">
+              <a:solidFill>
+                <a:srgbClr val="000000"/>
+              </a:solidFill>
+              <a:latin typeface="Arial"/>
+            </a:endParaRPr>
+          </a:p>
+          <a:p>
+            <a:pPr marL="216000" indent="-216000">
+              <a:lnSpc>
+                <a:spcPct val="100000"/>
+              </a:lnSpc>
+              <a:buClr>
+                <a:srgbClr val="008c4f"/>
+              </a:buClr>
+              <a:buSzPct val="45000"/>
+              <a:buFont typeface="Monotype Sorts" charset="2"/>
+              <a:buChar char=""/>
+            </a:pPr>
+            <a:r>
+              <a:rPr b="1" lang="de-DE" sz="1400" spc="-1" strike="noStrike">
+                <a:solidFill>
+                  <a:srgbClr val="000000"/>
+                </a:solidFill>
+                <a:latin typeface="DejaVu Sans"/>
+                <a:ea typeface="Arial Unicode MS"/>
+              </a:rPr>
+              <a:t>Preparation:</a:t>
+            </a:r>
+            <a:endParaRPr b="0" lang="en-US" sz="1400" spc="-1" strike="noStrike">
+              <a:solidFill>
+                <a:srgbClr val="000000"/>
+              </a:solidFill>
+              <a:latin typeface="Arial"/>
+            </a:endParaRPr>
+          </a:p>
+          <a:p>
+            <a:pPr lvl="1" marL="432000" indent="-216000">
+              <a:lnSpc>
+                <a:spcPct val="100000"/>
+              </a:lnSpc>
+              <a:buClr>
+                <a:srgbClr val="008c4f"/>
+              </a:buClr>
+              <a:buSzPct val="45000"/>
+              <a:buFont typeface="OpenSymbol"/>
+              <a:buChar char="—"/>
+            </a:pPr>
+            <a:r>
+              <a:rPr b="0" lang="de-DE" sz="1400" spc="-1" strike="noStrike">
+                <a:solidFill>
+                  <a:srgbClr val="000000"/>
+                </a:solidFill>
+                <a:latin typeface="DejaVu Sans"/>
+                <a:ea typeface="Arial Unicode MS"/>
+              </a:rPr>
+              <a:t>A review of basic concepts of Cryptography and Circular Economy is recommended for Week 1 and Week 2 respectively</a:t>
+            </a:r>
+            <a:endParaRPr b="0" lang="en-US" sz="1400" spc="-1" strike="noStrike">
+              <a:solidFill>
+                <a:srgbClr val="000000"/>
+              </a:solidFill>
+              <a:latin typeface="Arial"/>
+            </a:endParaRPr>
+          </a:p>
+          <a:p>
+            <a:pPr lvl="1" marL="432000" indent="-216000">
+              <a:lnSpc>
+                <a:spcPct val="100000"/>
+              </a:lnSpc>
+              <a:buClr>
+                <a:srgbClr val="008c4f"/>
+              </a:buClr>
+              <a:buSzPct val="45000"/>
+              <a:buFont typeface="OpenSymbol"/>
+              <a:buChar char="—"/>
+            </a:pPr>
+            <a:r>
+              <a:rPr b="0" lang="de-DE" sz="1400" spc="-1" strike="noStrike">
+                <a:solidFill>
+                  <a:srgbClr val="000000"/>
+                </a:solidFill>
+                <a:latin typeface="DejaVu Sans"/>
+                <a:ea typeface="Arial Unicode MS"/>
+              </a:rPr>
+              <a:t>Knowledge quiz for Week 1 only tests your existing knowledge.</a:t>
+            </a:r>
+            <a:endParaRPr b="0" lang="en-US" sz="1400" spc="-1" strike="noStrike">
+              <a:solidFill>
+                <a:srgbClr val="000000"/>
+              </a:solidFill>
+              <a:latin typeface="Arial"/>
+            </a:endParaRPr>
+          </a:p>
+          <a:p>
+            <a:pPr>
+              <a:lnSpc>
+                <a:spcPct val="100000"/>
+              </a:lnSpc>
+            </a:pPr>
+            <a:r>
+              <a:rPr b="0" lang="en-US" sz="1400" spc="-1" strike="noStrike">
+                <a:solidFill>
+                  <a:srgbClr val="000000"/>
+                </a:solidFill>
+                <a:latin typeface="Arial"/>
+                <a:ea typeface="DejaVu Sans"/>
+              </a:rPr>
+              <a:t> </a:t>
+            </a:r>
+            <a:endParaRPr b="0" lang="en-US" sz="1400" spc="-1" strike="noStrike">
+              <a:solidFill>
+                <a:srgbClr val="000000"/>
+              </a:solidFill>
+              <a:latin typeface="Arial"/>
+            </a:endParaRPr>
+          </a:p>
+          <a:p>
+            <a:pPr marL="216000" indent="-216000">
+              <a:lnSpc>
+                <a:spcPct val="100000"/>
+              </a:lnSpc>
+              <a:buClr>
+                <a:srgbClr val="008c4f"/>
+              </a:buClr>
+              <a:buSzPct val="45000"/>
+              <a:buFont typeface="Monotype Sorts" charset="2"/>
+              <a:buChar char=""/>
+            </a:pPr>
+            <a:r>
+              <a:rPr b="1" lang="de-DE" sz="1400" spc="-1" strike="noStrike">
+                <a:solidFill>
+                  <a:srgbClr val="000000"/>
+                </a:solidFill>
+                <a:latin typeface="DejaVu Sans"/>
+                <a:ea typeface="Arial Unicode MS"/>
+              </a:rPr>
+              <a:t>THE TEST IS JUST FOR YOU → WE CANNOT CHECK THE TEST RESULTS</a:t>
+            </a:r>
+            <a:endParaRPr b="0" lang="en-US" sz="1400" spc="-1" strike="noStrike">
+              <a:solidFill>
+                <a:srgbClr val="000000"/>
+              </a:solidFill>
+              <a:latin typeface="Arial"/>
+            </a:endParaRPr>
+          </a:p>
+          <a:p>
+            <a:pPr>
+              <a:lnSpc>
+                <a:spcPct val="100000"/>
+              </a:lnSpc>
+            </a:pPr>
+            <a:endParaRPr b="0" lang="en-US" sz="1400" spc="-1" strike="noStrike">
+              <a:solidFill>
+                <a:srgbClr val="000000"/>
+              </a:solidFill>
+              <a:latin typeface="Arial"/>
+            </a:endParaRPr>
+          </a:p>
+          <a:p>
+            <a:pPr algn="ctr">
+              <a:lnSpc>
+                <a:spcPct val="100000"/>
+              </a:lnSpc>
+            </a:pPr>
+            <a:endParaRPr b="0" lang="en-US" sz="1400" spc="-1" strike="noStrike">
+              <a:solidFill>
+                <a:srgbClr val="000000"/>
+              </a:solidFill>
+              <a:latin typeface="Arial"/>
+            </a:endParaRPr>
+          </a:p>
+          <a:p>
+            <a:pPr algn="ctr">
+              <a:lnSpc>
+                <a:spcPct val="100000"/>
+              </a:lnSpc>
+            </a:pPr>
+            <a:r>
+              <a:rPr b="1" lang="de-DE" sz="1400" spc="-1" strike="noStrike">
+                <a:solidFill>
+                  <a:srgbClr val="c9211e"/>
+                </a:solidFill>
+                <a:latin typeface="DejaVu Sans"/>
+                <a:ea typeface="Arial Unicode MS"/>
+              </a:rPr>
+              <a:t>Link for all multiple-choice exercises → </a:t>
+            </a:r>
+            <a:r>
+              <a:rPr b="0" lang="de-DE" sz="1400" spc="-1" strike="noStrike">
+                <a:solidFill>
+                  <a:srgbClr val="c9211e"/>
+                </a:solidFill>
+                <a:latin typeface="DejaVu Sans"/>
+                <a:ea typeface="Arial Unicode MS"/>
+              </a:rPr>
+              <a:t>etce.etce-lab.de</a:t>
+            </a:r>
+            <a:endParaRPr b="0" lang="en-US" sz="1400" spc="-1" strike="noStrike">
+              <a:solidFill>
+                <a:srgbClr val="000000"/>
+              </a:solidFill>
+              <a:latin typeface="Arial"/>
             </a:endParaRPr>
           </a:p>
         </p:txBody>
       </p:sp>
-      <p:sp>
-        <p:nvSpPr>
-          <p:cNvPr id="83" name="CustomShape 3"/>
-          <p:cNvSpPr/>
-          <p:nvPr/>
-        </p:nvSpPr>
-        <p:spPr>
-          <a:xfrm>
-            <a:off x="494640" y="1523880"/>
-            <a:ext cx="10360800" cy="475920"/>
-          </a:xfrm>
-          <a:prstGeom prst="rect">
-            <a:avLst/>
-          </a:prstGeom>
-          <a:noFill/>
-          <a:ln w="0">
-            <a:noFill/>
-          </a:ln>
-        </p:spPr>
-        <p:style>
-          <a:lnRef idx="0"/>
-          <a:fillRef idx="0"/>
-          <a:effectRef idx="0"/>
-          <a:fontRef idx="minor"/>
-        </p:style>
-        <p:txBody>
-          <a:bodyPr lIns="90000" rIns="90000" tIns="45000" bIns="45000" anchor="t">
-            <a:noAutofit/>
-          </a:bodyPr>
-          <a:p>
-            <a:pPr>
-              <a:lnSpc>
-                <a:spcPct val="100000"/>
-              </a:lnSpc>
-            </a:pPr>
-            <a:r>
-              <a:rPr b="0" lang="de-DE" sz="1800" spc="-1" strike="noStrike">
-                <a:solidFill>
-                  <a:srgbClr val="000000"/>
-                </a:solidFill>
-                <a:latin typeface="DejaVu Sans"/>
-                <a:ea typeface="DejaVu Sans"/>
-              </a:rPr>
-              <a:t>Step-1: Navigate to StudIP, select "Lernmodule/Learning modules"</a:t>
-            </a:r>
-            <a:endParaRPr b="0" lang="en-US" sz="1800" spc="-1" strike="noStrike">
-              <a:solidFill>
-                <a:srgbClr val="000000"/>
-              </a:solidFill>
-              <a:latin typeface="Arial"/>
-            </a:endParaRPr>
-          </a:p>
-        </p:txBody>
-      </p:sp>
-      <p:pic>
-        <p:nvPicPr>
-          <p:cNvPr id="84" name="" descr=""/>
-          <p:cNvPicPr/>
-          <p:nvPr/>
-        </p:nvPicPr>
-        <p:blipFill>
-          <a:blip r:embed="rId1"/>
-          <a:srcRect l="0" t="0" r="0" b="43271"/>
-          <a:stretch/>
-        </p:blipFill>
-        <p:spPr>
-          <a:xfrm>
-            <a:off x="609120" y="2057760"/>
-            <a:ext cx="9513360" cy="3877560"/>
-          </a:xfrm>
-          <a:prstGeom prst="rect">
-            <a:avLst/>
-          </a:prstGeom>
-          <a:ln w="0">
-            <a:noFill/>
-          </a:ln>
-        </p:spPr>
-      </p:pic>
     </p:spTree>
   </p:cSld>
   <mc:AlternateContent>
@@ -8112,14 +7854,14 @@
       </p:grpSpPr>
       <p:sp>
         <p:nvSpPr>
-          <p:cNvPr id="85" name="CustomShape 1"/>
+          <p:cNvPr id="81" name="CustomShape 1"/>
           <p:cNvSpPr/>
           <p:nvPr/>
         </p:nvSpPr>
         <p:spPr>
           <a:xfrm>
             <a:off x="335520" y="764640"/>
-            <a:ext cx="10742040" cy="492840"/>
+            <a:ext cx="10741320" cy="492120"/>
           </a:xfrm>
           <a:prstGeom prst="rect">
             <a:avLst/>
@@ -8153,118 +7895,9 @@
                 <a:latin typeface="DejaVu Sans"/>
                 <a:ea typeface="DejaVu Sans"/>
               </a:rPr>
-              <a:t>Multiple-Choice Exercises – Göttingen </a:t>
+              <a:t>Multiple-Choice Exercises </a:t>
             </a:r>
             <a:endParaRPr b="0" lang="en-US" sz="2400" spc="-1" strike="noStrike">
-              <a:solidFill>
-                <a:srgbClr val="000000"/>
-              </a:solidFill>
-              <a:latin typeface="Arial"/>
-            </a:endParaRPr>
-          </a:p>
-        </p:txBody>
-      </p:sp>
-      <p:sp>
-        <p:nvSpPr>
-          <p:cNvPr id="86" name="CustomShape 2"/>
-          <p:cNvSpPr/>
-          <p:nvPr/>
-        </p:nvSpPr>
-        <p:spPr>
-          <a:xfrm>
-            <a:off x="4655880" y="476640"/>
-            <a:ext cx="2428200" cy="354240"/>
-          </a:xfrm>
-          <a:prstGeom prst="rect">
-            <a:avLst/>
-          </a:prstGeom>
-          <a:noFill/>
-          <a:ln w="0">
-            <a:noFill/>
-          </a:ln>
-        </p:spPr>
-        <p:style>
-          <a:lnRef idx="0"/>
-          <a:fillRef idx="0"/>
-          <a:effectRef idx="0"/>
-          <a:fontRef idx="minor"/>
-        </p:style>
-        <p:txBody>
-          <a:bodyPr lIns="90000" rIns="90000" tIns="45000" bIns="45000" anchor="t">
-            <a:noAutofit/>
-          </a:bodyPr>
-          <a:p>
-            <a:pPr>
-              <a:lnSpc>
-                <a:spcPct val="100000"/>
-              </a:lnSpc>
-            </a:pPr>
-            <a:endParaRPr b="0" lang="en-GB" sz="1800" spc="-1" strike="noStrike">
-              <a:solidFill>
-                <a:srgbClr val="000000"/>
-              </a:solidFill>
-              <a:latin typeface="Arial"/>
-              <a:ea typeface="DejaVu Sans"/>
-            </a:endParaRPr>
-          </a:p>
-        </p:txBody>
-      </p:sp>
-      <p:sp>
-        <p:nvSpPr>
-          <p:cNvPr id="87" name="CustomShape 3"/>
-          <p:cNvSpPr/>
-          <p:nvPr/>
-        </p:nvSpPr>
-        <p:spPr>
-          <a:xfrm>
-            <a:off x="494640" y="1474920"/>
-            <a:ext cx="10360800" cy="475920"/>
-          </a:xfrm>
-          <a:prstGeom prst="rect">
-            <a:avLst/>
-          </a:prstGeom>
-          <a:noFill/>
-          <a:ln w="0">
-            <a:noFill/>
-          </a:ln>
-        </p:spPr>
-        <p:style>
-          <a:lnRef idx="0"/>
-          <a:fillRef idx="0"/>
-          <a:effectRef idx="0"/>
-          <a:fontRef idx="minor"/>
-        </p:style>
-        <p:txBody>
-          <a:bodyPr lIns="90000" rIns="90000" tIns="45000" bIns="45000" anchor="t">
-            <a:noAutofit/>
-          </a:bodyPr>
-          <a:p>
-            <a:pPr>
-              <a:lnSpc>
-                <a:spcPct val="100000"/>
-              </a:lnSpc>
-            </a:pPr>
-            <a:r>
-              <a:rPr b="0" lang="de-DE" sz="1800" spc="-1" strike="noStrike">
-                <a:solidFill>
-                  <a:srgbClr val="000000"/>
-                </a:solidFill>
-                <a:latin typeface="DejaVu Sans"/>
-                <a:ea typeface="DejaVu Sans"/>
-              </a:rPr>
-              <a:t>Step-2: Use the dropdown arrow to select an available Test, and click on "Starten"</a:t>
-            </a:r>
-            <a:r>
-              <a:rPr b="0" lang="en-US" sz="1800" spc="-1" strike="noStrike">
-                <a:solidFill>
-                  <a:srgbClr val="000000"/>
-                </a:solidFill>
-                <a:latin typeface="DejaVu Sans"/>
-                <a:ea typeface="DejaVu Sans"/>
-              </a:rPr>
-              <a:t>. This will take you to the ILIAS Page</a:t>
-            </a:r>
-            <a:endParaRPr b="0" lang="en-US" sz="1800" spc="-1" strike="noStrike">
               <a:solidFill>
                 <a:srgbClr val="000000"/>
               </a:solidFill>
@@ -8275,19 +7908,18 @@
       </p:sp>
       <p:pic>
         <p:nvPicPr>
-          <p:cNvPr id="88" name="Grafik 7" descr=""/>
+          <p:cNvPr id="82" name="" descr=""/>
           <p:cNvPicPr/>
           <p:nvPr/>
         </p:nvPicPr>
         <p:blipFill>
           <a:blip r:embed="rId1"/>
-          <a:srcRect l="0" t="0" r="0" b="34950"/>
           <a:stretch/>
         </p:blipFill>
         <p:spPr>
           <a:xfrm>
-            <a:off x="446400" y="2185200"/>
-            <a:ext cx="9400680" cy="3843720"/>
+            <a:off x="3200400" y="685800"/>
+            <a:ext cx="5276160" cy="6000840"/>
           </a:xfrm>
           <a:prstGeom prst="rect">
             <a:avLst/>
@@ -8329,14 +7961,14 @@
       </p:grpSpPr>
       <p:sp>
         <p:nvSpPr>
-          <p:cNvPr id="89" name="CustomShape 1"/>
+          <p:cNvPr id="83" name="CustomShape 1"/>
           <p:cNvSpPr/>
           <p:nvPr/>
         </p:nvSpPr>
         <p:spPr>
           <a:xfrm>
             <a:off x="335520" y="764640"/>
-            <a:ext cx="10742040" cy="492840"/>
+            <a:ext cx="10741320" cy="492120"/>
           </a:xfrm>
           <a:prstGeom prst="rect">
             <a:avLst/>
@@ -8370,108 +8002,9 @@
                 <a:latin typeface="DejaVu Sans"/>
                 <a:ea typeface="DejaVu Sans"/>
               </a:rPr>
-              <a:t>Multiple-Choice Exercises – Göttingen </a:t>
+              <a:t>Multiple-Choice Exercises </a:t>
             </a:r>
             <a:endParaRPr b="0" lang="en-US" sz="2400" spc="-1" strike="noStrike">
-              <a:solidFill>
-                <a:srgbClr val="000000"/>
-              </a:solidFill>
-              <a:latin typeface="Arial"/>
-            </a:endParaRPr>
-          </a:p>
-        </p:txBody>
-      </p:sp>
-      <p:sp>
-        <p:nvSpPr>
-          <p:cNvPr id="90" name="CustomShape 2"/>
-          <p:cNvSpPr/>
-          <p:nvPr/>
-        </p:nvSpPr>
-        <p:spPr>
-          <a:xfrm>
-            <a:off x="4655880" y="476640"/>
-            <a:ext cx="2428200" cy="354240"/>
-          </a:xfrm>
-          <a:prstGeom prst="rect">
-            <a:avLst/>
-          </a:prstGeom>
-          <a:noFill/>
-          <a:ln w="0">
-            <a:noFill/>
-          </a:ln>
-        </p:spPr>
-        <p:style>
-          <a:lnRef idx="0"/>
-          <a:fillRef idx="0"/>
-          <a:effectRef idx="0"/>
-          <a:fontRef idx="minor"/>
-        </p:style>
-        <p:txBody>
-          <a:bodyPr lIns="90000" rIns="90000" tIns="45000" bIns="45000" anchor="t">
-            <a:noAutofit/>
-          </a:bodyPr>
-          <a:p>
-            <a:pPr>
-              <a:lnSpc>
-                <a:spcPct val="100000"/>
-              </a:lnSpc>
-            </a:pPr>
-            <a:endParaRPr b="0" lang="en-GB" sz="1800" spc="-1" strike="noStrike">
-              <a:solidFill>
-                <a:srgbClr val="000000"/>
-              </a:solidFill>
-              <a:latin typeface="Arial"/>
-              <a:ea typeface="DejaVu Sans"/>
-            </a:endParaRPr>
-          </a:p>
-        </p:txBody>
-      </p:sp>
-      <p:sp>
-        <p:nvSpPr>
-          <p:cNvPr id="91" name="CustomShape 3"/>
-          <p:cNvSpPr/>
-          <p:nvPr/>
-        </p:nvSpPr>
-        <p:spPr>
-          <a:xfrm>
-            <a:off x="494640" y="1523880"/>
-            <a:ext cx="10360800" cy="475920"/>
-          </a:xfrm>
-          <a:prstGeom prst="rect">
-            <a:avLst/>
-          </a:prstGeom>
-          <a:noFill/>
-          <a:ln w="0">
-            <a:noFill/>
-          </a:ln>
-        </p:spPr>
-        <p:style>
-          <a:lnRef idx="0"/>
-          <a:fillRef idx="0"/>
-          <a:effectRef idx="0"/>
-          <a:fontRef idx="minor"/>
-        </p:style>
-        <p:txBody>
-          <a:bodyPr lIns="90000" rIns="90000" tIns="45000" bIns="45000" anchor="t">
-            <a:noAutofit/>
-          </a:bodyPr>
-          <a:p>
-            <a:pPr>
-              <a:lnSpc>
-                <a:spcPct val="100000"/>
-              </a:lnSpc>
-            </a:pPr>
-            <a:r>
-              <a:rPr b="0" lang="de-DE" sz="1800" spc="-1" strike="noStrike">
-                <a:solidFill>
-                  <a:srgbClr val="000000"/>
-                </a:solidFill>
-                <a:latin typeface="DejaVu Sans"/>
-                <a:ea typeface="DejaVu Sans"/>
-              </a:rPr>
-              <a:t>Step-3: On ILIAS, to attempt the test, click on "Test Fortsetzen"</a:t>
-            </a:r>
-            <a:endParaRPr b="0" lang="en-US" sz="1800" spc="-1" strike="noStrike">
               <a:solidFill>
                 <a:srgbClr val="000000"/>
               </a:solidFill>
@@ -8482,19 +8015,18 @@
       </p:sp>
       <p:pic>
         <p:nvPicPr>
-          <p:cNvPr id="92" name="Grafik 7" descr=""/>
+          <p:cNvPr id="84" name="" descr=""/>
           <p:cNvPicPr/>
           <p:nvPr/>
         </p:nvPicPr>
         <p:blipFill>
           <a:blip r:embed="rId1"/>
-          <a:srcRect l="0" t="0" r="0" b="33481"/>
           <a:stretch/>
         </p:blipFill>
         <p:spPr>
           <a:xfrm>
-            <a:off x="494640" y="2088360"/>
-            <a:ext cx="8938440" cy="3960000"/>
+            <a:off x="1600200" y="1600200"/>
+            <a:ext cx="8362440" cy="4631040"/>
           </a:xfrm>
           <a:prstGeom prst="rect">
             <a:avLst/>
@@ -8536,14 +8068,14 @@
       </p:grpSpPr>
       <p:sp>
         <p:nvSpPr>
-          <p:cNvPr id="93" name="CustomShape 1"/>
+          <p:cNvPr id="85" name="CustomShape 1"/>
           <p:cNvSpPr/>
           <p:nvPr/>
         </p:nvSpPr>
         <p:spPr>
           <a:xfrm>
             <a:off x="335520" y="764640"/>
-            <a:ext cx="10742040" cy="492840"/>
+            <a:ext cx="10741320" cy="492120"/>
           </a:xfrm>
           <a:prstGeom prst="rect">
             <a:avLst/>
@@ -8577,7 +8109,7 @@
                 <a:latin typeface="DejaVu Sans"/>
                 <a:ea typeface="DejaVu Sans"/>
               </a:rPr>
-              <a:t>Multiple-Choice Exercises – Göttingen </a:t>
+              <a:t>Examination</a:t>
             </a:r>
             <a:endParaRPr b="0" lang="en-US" sz="2400" spc="-1" strike="noStrike">
               <a:solidFill>
@@ -8590,14 +8122,14 @@
       </p:sp>
       <p:sp>
         <p:nvSpPr>
-          <p:cNvPr id="94" name="CustomShape 2"/>
+          <p:cNvPr id="86" name="CustomShape 2"/>
           <p:cNvSpPr/>
           <p:nvPr/>
         </p:nvSpPr>
         <p:spPr>
           <a:xfrm>
-            <a:off x="4655880" y="476640"/>
-            <a:ext cx="2428200" cy="354240"/>
+            <a:off x="335520" y="1268640"/>
+            <a:ext cx="10741320" cy="5028840"/>
           </a:xfrm>
           <a:prstGeom prst="rect">
             <a:avLst/>
@@ -8614,103 +8146,197 @@
           <a:fontRef idx="minor"/>
         </p:style>
         <p:txBody>
-          <a:bodyPr lIns="90000" rIns="90000" tIns="45000" bIns="45000" anchor="t">
+          <a:bodyPr lIns="90000" rIns="90000" tIns="45000" bIns="45000" anchor="ctr">
             <a:noAutofit/>
           </a:bodyPr>
           <a:p>
+            <a:pPr marL="216000" indent="-216000">
+              <a:lnSpc>
+                <a:spcPct val="100000"/>
+              </a:lnSpc>
+              <a:spcBef>
+                <a:spcPts val="360"/>
+              </a:spcBef>
+              <a:buClr>
+                <a:srgbClr val="008c4f"/>
+              </a:buClr>
+              <a:buSzPct val="45000"/>
+              <a:buFont typeface="Monotype Sorts" charset="2"/>
+              <a:buChar char=""/>
+            </a:pPr>
+            <a:r>
+              <a:rPr b="0" lang="en-US" sz="1800" spc="-1" strike="noStrike">
+                <a:solidFill>
+                  <a:srgbClr val="000000"/>
+                </a:solidFill>
+                <a:latin typeface="DejaVu Sans"/>
+                <a:ea typeface="DejaVu Sans"/>
+              </a:rPr>
+              <a:t>Prerequisite for admission to the final exam (all criteria have to be fulfilled):</a:t>
+            </a:r>
+            <a:endParaRPr b="0" lang="en-US" sz="1800" spc="-1" strike="noStrike">
+              <a:solidFill>
+                <a:srgbClr val="000000"/>
+              </a:solidFill>
+              <a:latin typeface="Arial"/>
+            </a:endParaRPr>
+          </a:p>
+          <a:p>
+            <a:pPr lvl="1" marL="432000" indent="-216000">
+              <a:lnSpc>
+                <a:spcPct val="100000"/>
+              </a:lnSpc>
+              <a:spcBef>
+                <a:spcPts val="360"/>
+              </a:spcBef>
+              <a:buClr>
+                <a:srgbClr val="008c4f"/>
+              </a:buClr>
+              <a:buSzPct val="45000"/>
+              <a:buFont typeface="OpenSymbol"/>
+              <a:buChar char="—"/>
+            </a:pPr>
+            <a:r>
+              <a:rPr b="0" lang="en-US" sz="1800" spc="-1" strike="noStrike">
+                <a:solidFill>
+                  <a:srgbClr val="000000"/>
+                </a:solidFill>
+                <a:latin typeface="DejaVu Sans"/>
+                <a:ea typeface="DejaVu Sans"/>
+              </a:rPr>
+              <a:t>Submit all exercises (except for the MC exercises).</a:t>
+            </a:r>
+            <a:endParaRPr b="0" lang="en-US" sz="1800" spc="-1" strike="noStrike">
+              <a:solidFill>
+                <a:srgbClr val="000000"/>
+              </a:solidFill>
+              <a:latin typeface="Arial"/>
+            </a:endParaRPr>
+          </a:p>
+          <a:p>
             <a:pPr>
               <a:lnSpc>
                 <a:spcPct val="100000"/>
               </a:lnSpc>
-            </a:pPr>
-            <a:endParaRPr b="0" lang="en-GB" sz="1800" spc="-1" strike="noStrike">
-              <a:solidFill>
-                <a:srgbClr val="000000"/>
-              </a:solidFill>
-              <a:latin typeface="Arial"/>
-              <a:ea typeface="DejaVu Sans"/>
+              <a:spcBef>
+                <a:spcPts val="360"/>
+              </a:spcBef>
+            </a:pPr>
+            <a:endParaRPr b="0" lang="en-US" sz="1800" spc="-1" strike="noStrike">
+              <a:solidFill>
+                <a:srgbClr val="000000"/>
+              </a:solidFill>
+              <a:latin typeface="Arial"/>
+            </a:endParaRPr>
+          </a:p>
+          <a:p>
+            <a:pPr marL="216000" indent="-216000">
+              <a:lnSpc>
+                <a:spcPct val="100000"/>
+              </a:lnSpc>
+              <a:spcBef>
+                <a:spcPts val="360"/>
+              </a:spcBef>
+              <a:buClr>
+                <a:srgbClr val="008c4f"/>
+              </a:buClr>
+              <a:buSzPct val="45000"/>
+              <a:buFont typeface="Monotype Sorts" charset="2"/>
+              <a:buChar char=""/>
+            </a:pPr>
+            <a:r>
+              <a:rPr b="0" lang="en-US" sz="1800" spc="-1" strike="noStrike">
+                <a:solidFill>
+                  <a:srgbClr val="000000"/>
+                </a:solidFill>
+                <a:latin typeface="DejaVu Sans"/>
+                <a:ea typeface="DejaVu Sans"/>
+              </a:rPr>
+              <a:t>Final exam:</a:t>
+            </a:r>
+            <a:endParaRPr b="0" lang="en-US" sz="1800" spc="-1" strike="noStrike">
+              <a:solidFill>
+                <a:srgbClr val="000000"/>
+              </a:solidFill>
+              <a:latin typeface="Arial"/>
+            </a:endParaRPr>
+          </a:p>
+          <a:p>
+            <a:pPr lvl="1" marL="432000" indent="-216000">
+              <a:lnSpc>
+                <a:spcPct val="100000"/>
+              </a:lnSpc>
+              <a:spcBef>
+                <a:spcPts val="360"/>
+              </a:spcBef>
+              <a:buClr>
+                <a:srgbClr val="008c4f"/>
+              </a:buClr>
+              <a:buSzPct val="45000"/>
+              <a:buFont typeface="OpenSymbol"/>
+              <a:buChar char="—"/>
+            </a:pPr>
+            <a:r>
+              <a:rPr b="0" lang="en-GB" sz="1800" spc="-1" strike="noStrike">
+                <a:solidFill>
+                  <a:srgbClr val="000000"/>
+                </a:solidFill>
+                <a:latin typeface="DejaVu Sans"/>
+                <a:ea typeface="DejaVu Sans"/>
+              </a:rPr>
+              <a:t>Written exam (120min) via Moodle</a:t>
+            </a:r>
+            <a:endParaRPr b="0" lang="en-US" sz="1800" spc="-1" strike="noStrike">
+              <a:solidFill>
+                <a:srgbClr val="000000"/>
+              </a:solidFill>
+              <a:latin typeface="Arial"/>
+            </a:endParaRPr>
+          </a:p>
+          <a:p>
+            <a:pPr lvl="1" marL="432000" indent="-216000">
+              <a:lnSpc>
+                <a:spcPct val="100000"/>
+              </a:lnSpc>
+              <a:spcBef>
+                <a:spcPts val="360"/>
+              </a:spcBef>
+              <a:buClr>
+                <a:srgbClr val="008c4f"/>
+              </a:buClr>
+              <a:buSzPct val="45000"/>
+              <a:buFont typeface="OpenSymbol"/>
+              <a:buChar char="—"/>
+            </a:pPr>
+            <a:r>
+              <a:rPr b="0" lang="en-GB" sz="1800" spc="-1" strike="noStrike">
+                <a:solidFill>
+                  <a:srgbClr val="000000"/>
+                </a:solidFill>
+                <a:latin typeface="DejaVu Sans"/>
+                <a:ea typeface="DejaVu Sans"/>
+              </a:rPr>
+              <a:t>Date → Most likely </a:t>
+            </a:r>
+            <a:r>
+              <a:rPr b="1" lang="en-GB" sz="1800" spc="-1" strike="noStrike">
+                <a:solidFill>
+                  <a:srgbClr val="000000"/>
+                </a:solidFill>
+                <a:latin typeface="DejaVu Sans"/>
+                <a:ea typeface="DejaVu Sans"/>
+              </a:rPr>
+              <a:t>05.08.2024 from 2 pm – 4 pm</a:t>
+            </a:r>
+            <a:endParaRPr b="0" lang="en-US" sz="1800" spc="-1" strike="noStrike">
+              <a:solidFill>
+                <a:srgbClr val="000000"/>
+              </a:solidFill>
+              <a:latin typeface="Arial"/>
             </a:endParaRPr>
           </a:p>
         </p:txBody>
       </p:sp>
-      <p:sp>
-        <p:nvSpPr>
-          <p:cNvPr id="95" name="CustomShape 3"/>
-          <p:cNvSpPr/>
-          <p:nvPr/>
-        </p:nvSpPr>
-        <p:spPr>
-          <a:xfrm>
-            <a:off x="494640" y="1523880"/>
-            <a:ext cx="10360800" cy="475920"/>
-          </a:xfrm>
-          <a:prstGeom prst="rect">
-            <a:avLst/>
-          </a:prstGeom>
-          <a:noFill/>
-          <a:ln w="0">
-            <a:noFill/>
-          </a:ln>
-        </p:spPr>
-        <p:style>
-          <a:lnRef idx="0"/>
-          <a:fillRef idx="0"/>
-          <a:effectRef idx="0"/>
-          <a:fontRef idx="minor"/>
-        </p:style>
-        <p:txBody>
-          <a:bodyPr lIns="90000" rIns="90000" tIns="45000" bIns="45000" anchor="t">
-            <a:noAutofit/>
-          </a:bodyPr>
-          <a:p>
-            <a:pPr>
-              <a:lnSpc>
-                <a:spcPct val="100000"/>
-              </a:lnSpc>
-            </a:pPr>
-            <a:r>
-              <a:rPr b="0" lang="de-DE" sz="1800" spc="-1" strike="noStrike">
-                <a:solidFill>
-                  <a:srgbClr val="000000"/>
-                </a:solidFill>
-                <a:latin typeface="DejaVu Sans"/>
-                <a:ea typeface="DejaVu Sans"/>
-              </a:rPr>
-              <a:t>Step-4: After answering a question, click on "Weiter" for the next question, and on "Test beenden" after you answer all questions</a:t>
-            </a:r>
-            <a:endParaRPr b="0" lang="en-US" sz="1800" spc="-1" strike="noStrike">
-              <a:solidFill>
-                <a:srgbClr val="000000"/>
-              </a:solidFill>
-              <a:latin typeface="Arial"/>
-            </a:endParaRPr>
-          </a:p>
-        </p:txBody>
-      </p:sp>
-      <p:pic>
-        <p:nvPicPr>
-          <p:cNvPr id="96" name="Grafik 7" descr=""/>
-          <p:cNvPicPr/>
-          <p:nvPr/>
-        </p:nvPicPr>
-        <p:blipFill>
-          <a:blip r:embed="rId1"/>
-          <a:srcRect l="0" t="22322" r="0" b="17289"/>
-          <a:stretch/>
-        </p:blipFill>
-        <p:spPr>
-          <a:xfrm>
-            <a:off x="494640" y="2166840"/>
-            <a:ext cx="8334000" cy="4175280"/>
-          </a:xfrm>
-          <a:prstGeom prst="rect">
-            <a:avLst/>
-          </a:prstGeom>
-          <a:ln w="0">
-            <a:noFill/>
-          </a:ln>
-        </p:spPr>
-      </p:pic>
     </p:spTree>
   </p:cSld>
   <mc:AlternateContent>
@@ -8743,14 +8369,14 @@
       </p:grpSpPr>
       <p:sp>
         <p:nvSpPr>
-          <p:cNvPr id="97" name="CustomShape 1"/>
+          <p:cNvPr id="87" name="CustomShape 1"/>
           <p:cNvSpPr/>
           <p:nvPr/>
         </p:nvSpPr>
         <p:spPr>
           <a:xfrm>
-            <a:off x="335520" y="768240"/>
-            <a:ext cx="10742040" cy="492840"/>
+            <a:off x="335520" y="764640"/>
+            <a:ext cx="10739520" cy="490320"/>
           </a:xfrm>
           <a:prstGeom prst="rect">
             <a:avLst/>
@@ -8777,14 +8403,14 @@
               </a:lnSpc>
             </a:pPr>
             <a:r>
-              <a:rPr b="1" lang="en-GB" sz="2400" spc="-1" strike="noStrike">
-                <a:solidFill>
-                  <a:srgbClr val="000000"/>
-                </a:solidFill>
-                <a:latin typeface="DejaVu Sans"/>
-                <a:ea typeface="DejaVu Sans"/>
-              </a:rPr>
-              <a:t>Multiple-Choice Exercises – Clausthal </a:t>
+              <a:rPr b="1" lang="en-US" sz="2400" spc="-1" strike="noStrike">
+                <a:solidFill>
+                  <a:srgbClr val="000000"/>
+                </a:solidFill>
+                <a:latin typeface="DejaVu Sans"/>
+                <a:ea typeface="DejaVu Sans"/>
+              </a:rPr>
+              <a:t>Self-Study Star</a:t>
             </a:r>
             <a:endParaRPr b="0" lang="en-US" sz="2400" spc="-1" strike="noStrike">
               <a:solidFill>
@@ -8797,14 +8423,171 @@
       </p:sp>
       <p:sp>
         <p:nvSpPr>
-          <p:cNvPr id="98" name="CustomShape 2"/>
+          <p:cNvPr id="88" name="CustomShape 2"/>
           <p:cNvSpPr/>
           <p:nvPr/>
         </p:nvSpPr>
         <p:spPr>
           <a:xfrm>
-            <a:off x="388800" y="1488600"/>
-            <a:ext cx="10715760" cy="5213160"/>
+            <a:off x="335520" y="1268280"/>
+            <a:ext cx="10739520" cy="5027040"/>
+          </a:xfrm>
+          <a:prstGeom prst="rect">
+            <a:avLst/>
+          </a:prstGeom>
+          <a:noFill/>
+          <a:ln w="0">
+            <a:noFill/>
+          </a:ln>
+        </p:spPr>
+        <p:style>
+          <a:lnRef idx="0"/>
+          <a:fillRef idx="0"/>
+          <a:effectRef idx="0"/>
+          <a:fontRef idx="minor"/>
+        </p:style>
+        <p:txBody>
+          <a:bodyPr lIns="90000" rIns="90000" tIns="45000" bIns="45000" anchor="ctr">
+            <a:noAutofit/>
+          </a:bodyPr>
+          <a:p>
+            <a:pPr>
+              <a:lnSpc>
+                <a:spcPct val="100000"/>
+              </a:lnSpc>
+              <a:spcBef>
+                <a:spcPts val="360"/>
+              </a:spcBef>
+            </a:pPr>
+            <a:endParaRPr b="0" lang="en-US" sz="1800" spc="-1" strike="noStrike">
+              <a:solidFill>
+                <a:srgbClr val="000000"/>
+              </a:solidFill>
+              <a:latin typeface="Arial"/>
+            </a:endParaRPr>
+          </a:p>
+          <a:p>
+            <a:pPr marL="195120" indent="-188280">
+              <a:lnSpc>
+                <a:spcPct val="100000"/>
+              </a:lnSpc>
+              <a:buClr>
+                <a:srgbClr val="008c4f"/>
+              </a:buClr>
+              <a:buSzPct val="80000"/>
+              <a:buFont typeface="Wingdings" charset="2"/>
+              <a:buChar char=""/>
+            </a:pPr>
+            <a:r>
+              <a:rPr b="0" lang="en-GB" sz="1800" spc="-1" strike="noStrike">
+                <a:solidFill>
+                  <a:srgbClr val="000000"/>
+                </a:solidFill>
+                <a:latin typeface="DejaVu Sans"/>
+                <a:ea typeface="DejaVu Sans"/>
+              </a:rPr>
+              <a:t>Slides with the self-study star indicate optional/additional study material that is </a:t>
+            </a:r>
+            <a:r>
+              <a:rPr b="1" lang="en-GB" sz="1800" spc="-1" strike="noStrike">
+                <a:solidFill>
+                  <a:srgbClr val="000000"/>
+                </a:solidFill>
+                <a:latin typeface="DejaVu Sans"/>
+                <a:ea typeface="DejaVu Sans"/>
+              </a:rPr>
+              <a:t>not</a:t>
+            </a:r>
+            <a:r>
+              <a:rPr b="0" lang="en-GB" sz="1800" spc="-1" strike="noStrike">
+                <a:solidFill>
+                  <a:srgbClr val="000000"/>
+                </a:solidFill>
+                <a:latin typeface="DejaVu Sans"/>
+                <a:ea typeface="DejaVu Sans"/>
+              </a:rPr>
+              <a:t> mandatory but could be helpful or interesting</a:t>
+            </a:r>
+            <a:endParaRPr b="0" lang="en-US" sz="1800" spc="-1" strike="noStrike">
+              <a:solidFill>
+                <a:srgbClr val="000000"/>
+              </a:solidFill>
+              <a:latin typeface="Arial"/>
+            </a:endParaRPr>
+          </a:p>
+        </p:txBody>
+      </p:sp>
+      <p:sp>
+        <p:nvSpPr>
+          <p:cNvPr id="89" name="CustomShape 3"/>
+          <p:cNvSpPr/>
+          <p:nvPr/>
+        </p:nvSpPr>
+        <p:spPr>
+          <a:xfrm>
+            <a:off x="6285600" y="2132640"/>
+            <a:ext cx="509040" cy="488880"/>
+          </a:xfrm>
+          <a:prstGeom prst="star5">
+            <a:avLst>
+              <a:gd name="adj" fmla="val 19098"/>
+              <a:gd name="hf" fmla="val 105146"/>
+              <a:gd name="vf" fmla="val 110557"/>
+            </a:avLst>
+          </a:prstGeom>
+          <a:solidFill>
+            <a:srgbClr val="92d050"/>
+          </a:solidFill>
+          <a:ln>
+            <a:solidFill>
+              <a:srgbClr val="0d0d0d"/>
+            </a:solidFill>
+          </a:ln>
+        </p:spPr>
+        <p:style>
+          <a:lnRef idx="2">
+            <a:schemeClr val="accent1">
+              <a:shade val="50000"/>
+            </a:schemeClr>
+          </a:lnRef>
+          <a:fillRef idx="1">
+            <a:schemeClr val="accent1"/>
+          </a:fillRef>
+          <a:effectRef idx="0">
+            <a:schemeClr val="accent1"/>
+          </a:effectRef>
+          <a:fontRef idx="minor"/>
+        </p:style>
+        <p:txBody>
+          <a:bodyPr lIns="90000" rIns="90000" tIns="45000" bIns="45000" anchor="t">
+            <a:noAutofit/>
+          </a:bodyPr>
+          <a:p>
+            <a:pPr>
+              <a:lnSpc>
+                <a:spcPct val="100000"/>
+              </a:lnSpc>
+            </a:pPr>
+            <a:endParaRPr b="0" lang="en-GB" sz="1800" spc="-1" strike="noStrike">
+              <a:solidFill>
+                <a:srgbClr val="000000"/>
+              </a:solidFill>
+              <a:latin typeface="Arial"/>
+              <a:ea typeface="DejaVu Sans"/>
+            </a:endParaRPr>
+          </a:p>
+        </p:txBody>
+      </p:sp>
+      <p:sp>
+        <p:nvSpPr>
+          <p:cNvPr id="90" name="CustomShape 4"/>
+          <p:cNvSpPr/>
+          <p:nvPr/>
+        </p:nvSpPr>
+        <p:spPr>
+          <a:xfrm>
+            <a:off x="4089960" y="2247480"/>
+            <a:ext cx="2277360" cy="363960"/>
           </a:xfrm>
           <a:prstGeom prst="rect">
             <a:avLst/>
@@ -8831,642 +8614,36 @@
               </a:lnSpc>
             </a:pPr>
             <a:r>
-              <a:rPr b="1" lang="de-DE" sz="1400" spc="-1" strike="noStrike">
-                <a:solidFill>
-                  <a:srgbClr val="008c4f"/>
-                </a:solidFill>
-                <a:latin typeface="DejaVu Sans"/>
-                <a:ea typeface="Arial"/>
-              </a:rPr>
-              <a:t>Every student enrolled in this course is required to take the Knowledge quiz in first two weeks of the course.  </a:t>
-            </a:r>
-            <a:endParaRPr b="0" lang="en-US" sz="1400" spc="-1" strike="noStrike">
-              <a:solidFill>
-                <a:srgbClr val="000000"/>
-              </a:solidFill>
-              <a:latin typeface="Arial"/>
-            </a:endParaRPr>
-          </a:p>
-          <a:p>
-            <a:pPr>
-              <a:lnSpc>
-                <a:spcPct val="100000"/>
-              </a:lnSpc>
-            </a:pPr>
-            <a:endParaRPr b="0" lang="en-US" sz="1400" spc="-1" strike="noStrike">
-              <a:solidFill>
-                <a:srgbClr val="000000"/>
-              </a:solidFill>
-              <a:latin typeface="Arial"/>
-            </a:endParaRPr>
-          </a:p>
-          <a:p>
-            <a:pPr marL="216000" indent="-216000">
-              <a:lnSpc>
-                <a:spcPct val="100000"/>
-              </a:lnSpc>
-              <a:buClr>
-                <a:srgbClr val="008c4f"/>
-              </a:buClr>
-              <a:buSzPct val="45000"/>
-              <a:buFont typeface="Monotype Sorts" charset="2"/>
-              <a:buChar char=""/>
-            </a:pPr>
-            <a:r>
-              <a:rPr b="0" lang="de-DE" sz="1400" spc="-1" strike="noStrike">
-                <a:solidFill>
-                  <a:srgbClr val="000000"/>
-                </a:solidFill>
-                <a:latin typeface="DejaVu Sans"/>
-                <a:ea typeface="Arial Unicode MS"/>
-              </a:rPr>
-              <a:t>The first knowledge test will be available on Moodle from </a:t>
-            </a:r>
-            <a:r>
-              <a:rPr b="1" lang="de-DE" sz="1400" spc="-1" strike="noStrike">
-                <a:solidFill>
-                  <a:srgbClr val="000000"/>
-                </a:solidFill>
-                <a:latin typeface="DejaVu Sans"/>
-                <a:ea typeface="Arial"/>
-              </a:rPr>
-              <a:t>Monday</a:t>
-            </a:r>
-            <a:r>
-              <a:rPr b="1" lang="de-DE" sz="1400" spc="-1" strike="noStrike">
-                <a:solidFill>
-                  <a:srgbClr val="000000"/>
-                </a:solidFill>
-                <a:latin typeface="DejaVu Sans"/>
-                <a:ea typeface="Arial Unicode MS"/>
-              </a:rPr>
-              <a:t>, 17 April 2023, 5:00 PM until 24 April 2023 01:59 PM</a:t>
-            </a:r>
-            <a:endParaRPr b="0" lang="en-US" sz="1400" spc="-1" strike="noStrike">
-              <a:solidFill>
-                <a:srgbClr val="000000"/>
-              </a:solidFill>
-              <a:latin typeface="Arial"/>
-            </a:endParaRPr>
-          </a:p>
-          <a:p>
-            <a:pPr marL="216000" indent="-216000">
-              <a:lnSpc>
-                <a:spcPct val="100000"/>
-              </a:lnSpc>
-              <a:buClr>
-                <a:srgbClr val="008c4f"/>
-              </a:buClr>
-              <a:buSzPct val="45000"/>
-              <a:buFont typeface="Monotype Sorts" charset="2"/>
-              <a:buChar char=""/>
-            </a:pPr>
-            <a:r>
-              <a:rPr b="0" lang="en-US" sz="1400" spc="-1" strike="noStrike">
-                <a:solidFill>
-                  <a:srgbClr val="000000"/>
-                </a:solidFill>
-                <a:latin typeface="Arial"/>
+              <a:rPr b="0" lang="de-DE" sz="1800" spc="-1" strike="noStrike">
+                <a:solidFill>
+                  <a:srgbClr val="000000"/>
+                </a:solidFill>
+                <a:latin typeface="DejaVu Sans"/>
+                <a:ea typeface="DejaVu Sans"/>
+              </a:rPr>
+              <a:t>Self-Study Star</a:t>
+            </a:r>
+            <a:r>
+              <a:rPr b="0" lang="en-US" sz="1800" spc="-1" strike="noStrike">
+                <a:solidFill>
+                  <a:srgbClr val="000000"/>
+                </a:solidFill>
+                <a:latin typeface="DejaVu Sans"/>
+                <a:ea typeface="DejaVu Sans"/>
+              </a:rPr>
+              <a:t> →</a:t>
+            </a:r>
+            <a:r>
+              <a:rPr b="0" lang="de-DE" sz="1800" spc="-1" strike="noStrike">
+                <a:solidFill>
+                  <a:srgbClr val="000000"/>
+                </a:solidFill>
+                <a:latin typeface="DejaVu Sans"/>
                 <a:ea typeface="DejaVu Sans"/>
               </a:rPr>
               <a:t> </a:t>
             </a:r>
-            <a:endParaRPr b="0" lang="en-US" sz="1400" spc="-1" strike="noStrike">
-              <a:solidFill>
-                <a:srgbClr val="000000"/>
-              </a:solidFill>
-              <a:latin typeface="Arial"/>
-            </a:endParaRPr>
-          </a:p>
-          <a:p>
-            <a:pPr marL="216000" indent="-216000">
-              <a:lnSpc>
-                <a:spcPct val="100000"/>
-              </a:lnSpc>
-              <a:buClr>
-                <a:srgbClr val="008c4f"/>
-              </a:buClr>
-              <a:buSzPct val="45000"/>
-              <a:buFont typeface="Monotype Sorts" charset="2"/>
-              <a:buChar char=""/>
-            </a:pPr>
-            <a:r>
-              <a:rPr b="0" lang="de-DE" sz="1400" spc="-1" strike="noStrike">
-                <a:solidFill>
-                  <a:srgbClr val="000000"/>
-                </a:solidFill>
-                <a:latin typeface="DejaVu Sans"/>
-                <a:ea typeface="Arial Unicode MS"/>
-              </a:rPr>
-              <a:t>The second knowledge test will be available on Moodle from </a:t>
-            </a:r>
-            <a:r>
-              <a:rPr b="1" lang="de-DE" sz="1400" spc="-1" strike="noStrike">
-                <a:solidFill>
-                  <a:srgbClr val="000000"/>
-                </a:solidFill>
-                <a:latin typeface="DejaVu Sans"/>
-                <a:ea typeface="Arial"/>
-              </a:rPr>
-              <a:t>Monday</a:t>
-            </a:r>
-            <a:r>
-              <a:rPr b="1" lang="de-DE" sz="1400" spc="-1" strike="noStrike">
-                <a:solidFill>
-                  <a:srgbClr val="000000"/>
-                </a:solidFill>
-                <a:latin typeface="DejaVu Sans"/>
-                <a:ea typeface="Arial Unicode MS"/>
-              </a:rPr>
-              <a:t>, 24 April 2023, 5:00 PM until 01 May 2023 01:59 PM</a:t>
-            </a:r>
-            <a:endParaRPr b="0" lang="en-US" sz="1400" spc="-1" strike="noStrike">
-              <a:solidFill>
-                <a:srgbClr val="000000"/>
-              </a:solidFill>
-              <a:latin typeface="Arial"/>
-            </a:endParaRPr>
-          </a:p>
-          <a:p>
-            <a:pPr marL="216000" indent="-216000">
-              <a:lnSpc>
-                <a:spcPct val="100000"/>
-              </a:lnSpc>
-              <a:buClr>
-                <a:srgbClr val="008c4f"/>
-              </a:buClr>
-              <a:buSzPct val="45000"/>
-              <a:buFont typeface="Monotype Sorts" charset="2"/>
-              <a:buChar char=""/>
-            </a:pPr>
-            <a:r>
-              <a:rPr b="0" lang="en-US" sz="1400" spc="-1" strike="noStrike">
-                <a:solidFill>
-                  <a:srgbClr val="000000"/>
-                </a:solidFill>
-                <a:latin typeface="Arial"/>
-                <a:ea typeface="DejaVu Sans"/>
-              </a:rPr>
-              <a:t> </a:t>
-            </a:r>
-            <a:endParaRPr b="0" lang="en-US" sz="1400" spc="-1" strike="noStrike">
-              <a:solidFill>
-                <a:srgbClr val="000000"/>
-              </a:solidFill>
-              <a:latin typeface="Arial"/>
-            </a:endParaRPr>
-          </a:p>
-          <a:p>
-            <a:pPr marL="216000" indent="-216000">
-              <a:lnSpc>
-                <a:spcPct val="100000"/>
-              </a:lnSpc>
-              <a:buClr>
-                <a:srgbClr val="008c4f"/>
-              </a:buClr>
-              <a:buSzPct val="45000"/>
-              <a:buFont typeface="Monotype Sorts" charset="2"/>
-              <a:buChar char=""/>
-            </a:pPr>
-            <a:r>
-              <a:rPr b="1" lang="de-DE" sz="1400" spc="-1" strike="noStrike">
-                <a:solidFill>
-                  <a:srgbClr val="000000"/>
-                </a:solidFill>
-                <a:latin typeface="DejaVu Sans"/>
-                <a:ea typeface="Arial Unicode MS"/>
-              </a:rPr>
-              <a:t>Goal of the test:</a:t>
-            </a:r>
-            <a:endParaRPr b="0" lang="en-US" sz="1400" spc="-1" strike="noStrike">
-              <a:solidFill>
-                <a:srgbClr val="000000"/>
-              </a:solidFill>
-              <a:latin typeface="Arial"/>
-            </a:endParaRPr>
-          </a:p>
-          <a:p>
-            <a:pPr lvl="1" marL="432000" indent="-216000">
-              <a:lnSpc>
-                <a:spcPct val="100000"/>
-              </a:lnSpc>
-              <a:buClr>
-                <a:srgbClr val="008c4f"/>
-              </a:buClr>
-              <a:buSzPct val="45000"/>
-              <a:buFont typeface="OpenSymbol"/>
-              <a:buChar char="—"/>
-            </a:pPr>
-            <a:r>
-              <a:rPr b="0" lang="de-DE" sz="1400" spc="-1" strike="noStrike">
-                <a:solidFill>
-                  <a:srgbClr val="000000"/>
-                </a:solidFill>
-                <a:latin typeface="DejaVu Sans"/>
-                <a:ea typeface="Arial Unicode MS"/>
-              </a:rPr>
-              <a:t>To check the knowledge level of the student that is relevant to this course of study.</a:t>
-            </a:r>
-            <a:endParaRPr b="0" lang="en-US" sz="1400" spc="-1" strike="noStrike">
-              <a:solidFill>
-                <a:srgbClr val="000000"/>
-              </a:solidFill>
-              <a:latin typeface="Arial"/>
-            </a:endParaRPr>
-          </a:p>
-          <a:p>
-            <a:pPr marL="216000" indent="-216000">
-              <a:lnSpc>
-                <a:spcPct val="100000"/>
-              </a:lnSpc>
-              <a:buClr>
-                <a:srgbClr val="008c4f"/>
-              </a:buClr>
-              <a:buSzPct val="45000"/>
-              <a:buFont typeface="Monotype Sorts" charset="2"/>
-              <a:buChar char=""/>
-            </a:pPr>
-            <a:r>
-              <a:rPr b="0" lang="en-US" sz="1400" spc="-1" strike="noStrike">
-                <a:solidFill>
-                  <a:srgbClr val="000000"/>
-                </a:solidFill>
-                <a:latin typeface="Arial"/>
-                <a:ea typeface="DejaVu Sans"/>
-              </a:rPr>
-              <a:t> </a:t>
-            </a:r>
-            <a:endParaRPr b="0" lang="en-US" sz="1400" spc="-1" strike="noStrike">
-              <a:solidFill>
-                <a:srgbClr val="000000"/>
-              </a:solidFill>
-              <a:latin typeface="Arial"/>
-            </a:endParaRPr>
-          </a:p>
-          <a:p>
-            <a:pPr marL="216000" indent="-216000">
-              <a:lnSpc>
-                <a:spcPct val="100000"/>
-              </a:lnSpc>
-              <a:buClr>
-                <a:srgbClr val="008c4f"/>
-              </a:buClr>
-              <a:buSzPct val="45000"/>
-              <a:buFont typeface="Monotype Sorts" charset="2"/>
-              <a:buChar char=""/>
-            </a:pPr>
-            <a:r>
-              <a:rPr b="1" lang="de-DE" sz="1400" spc="-1" strike="noStrike">
-                <a:solidFill>
-                  <a:srgbClr val="000000"/>
-                </a:solidFill>
-                <a:latin typeface="DejaVu Sans"/>
-                <a:ea typeface="Arial Unicode MS"/>
-              </a:rPr>
-              <a:t>Preparation:</a:t>
-            </a:r>
-            <a:endParaRPr b="0" lang="en-US" sz="1400" spc="-1" strike="noStrike">
-              <a:solidFill>
-                <a:srgbClr val="000000"/>
-              </a:solidFill>
-              <a:latin typeface="Arial"/>
-            </a:endParaRPr>
-          </a:p>
-          <a:p>
-            <a:pPr lvl="1" marL="432000" indent="-216000">
-              <a:lnSpc>
-                <a:spcPct val="100000"/>
-              </a:lnSpc>
-              <a:buClr>
-                <a:srgbClr val="008c4f"/>
-              </a:buClr>
-              <a:buSzPct val="45000"/>
-              <a:buFont typeface="OpenSymbol"/>
-              <a:buChar char="—"/>
-            </a:pPr>
-            <a:r>
-              <a:rPr b="0" lang="de-DE" sz="1400" spc="-1" strike="noStrike">
-                <a:solidFill>
-                  <a:srgbClr val="000000"/>
-                </a:solidFill>
-                <a:latin typeface="DejaVu Sans"/>
-                <a:ea typeface="Arial Unicode MS"/>
-              </a:rPr>
-              <a:t>A review of basic concepts of Cryptography and Circular Economy is recommended for Week 1 and Week 2 respectively</a:t>
-            </a:r>
-            <a:endParaRPr b="0" lang="en-US" sz="1400" spc="-1" strike="noStrike">
-              <a:solidFill>
-                <a:srgbClr val="000000"/>
-              </a:solidFill>
-              <a:latin typeface="Arial"/>
-            </a:endParaRPr>
-          </a:p>
-          <a:p>
-            <a:pPr lvl="1" marL="432000" indent="-216000">
-              <a:lnSpc>
-                <a:spcPct val="100000"/>
-              </a:lnSpc>
-              <a:buClr>
-                <a:srgbClr val="008c4f"/>
-              </a:buClr>
-              <a:buSzPct val="45000"/>
-              <a:buFont typeface="OpenSymbol"/>
-              <a:buChar char="—"/>
-            </a:pPr>
-            <a:r>
-              <a:rPr b="0" lang="de-DE" sz="1400" spc="-1" strike="noStrike">
-                <a:solidFill>
-                  <a:srgbClr val="000000"/>
-                </a:solidFill>
-                <a:latin typeface="DejaVu Sans"/>
-                <a:ea typeface="Arial Unicode MS"/>
-              </a:rPr>
-              <a:t>Knowledge quiz for Week 1 only tests your existing knowledge.</a:t>
-            </a:r>
-            <a:endParaRPr b="0" lang="en-US" sz="1400" spc="-1" strike="noStrike">
-              <a:solidFill>
-                <a:srgbClr val="000000"/>
-              </a:solidFill>
-              <a:latin typeface="Arial"/>
-            </a:endParaRPr>
-          </a:p>
-          <a:p>
-            <a:pPr marL="216000" indent="-216000">
-              <a:lnSpc>
-                <a:spcPct val="100000"/>
-              </a:lnSpc>
-              <a:buClr>
-                <a:srgbClr val="008c4f"/>
-              </a:buClr>
-              <a:buSzPct val="45000"/>
-              <a:buFont typeface="Monotype Sorts" charset="2"/>
-              <a:buChar char=""/>
-            </a:pPr>
-            <a:r>
-              <a:rPr b="0" lang="en-US" sz="1400" spc="-1" strike="noStrike">
-                <a:solidFill>
-                  <a:srgbClr val="000000"/>
-                </a:solidFill>
-                <a:latin typeface="Arial"/>
-                <a:ea typeface="DejaVu Sans"/>
-              </a:rPr>
-              <a:t> </a:t>
-            </a:r>
-            <a:endParaRPr b="0" lang="en-US" sz="1400" spc="-1" strike="noStrike">
-              <a:solidFill>
-                <a:srgbClr val="000000"/>
-              </a:solidFill>
-              <a:latin typeface="Arial"/>
-            </a:endParaRPr>
-          </a:p>
-          <a:p>
-            <a:pPr marL="216000" indent="-216000">
-              <a:lnSpc>
-                <a:spcPct val="100000"/>
-              </a:lnSpc>
-              <a:buClr>
-                <a:srgbClr val="008c4f"/>
-              </a:buClr>
-              <a:buSzPct val="45000"/>
-              <a:buFont typeface="Monotype Sorts" charset="2"/>
-              <a:buChar char=""/>
-            </a:pPr>
-            <a:r>
-              <a:rPr b="1" lang="de-DE" sz="1400" spc="-1" strike="noStrike">
-                <a:solidFill>
-                  <a:srgbClr val="000000"/>
-                </a:solidFill>
-                <a:latin typeface="DejaVu Sans"/>
-                <a:ea typeface="Arial Unicode MS"/>
-              </a:rPr>
-              <a:t>Test structure:</a:t>
-            </a:r>
-            <a:endParaRPr b="0" lang="en-US" sz="1400" spc="-1" strike="noStrike">
-              <a:solidFill>
-                <a:srgbClr val="000000"/>
-              </a:solidFill>
-              <a:latin typeface="Arial"/>
-            </a:endParaRPr>
-          </a:p>
-          <a:p>
-            <a:pPr lvl="1" marL="432000" indent="-216000">
-              <a:lnSpc>
-                <a:spcPct val="100000"/>
-              </a:lnSpc>
-              <a:buClr>
-                <a:srgbClr val="008c4f"/>
-              </a:buClr>
-              <a:buSzPct val="45000"/>
-              <a:buFont typeface="OpenSymbol"/>
-              <a:buChar char="—"/>
-            </a:pPr>
-            <a:r>
-              <a:rPr b="0" lang="de-DE" sz="1400" spc="-1" strike="noStrike">
-                <a:solidFill>
-                  <a:srgbClr val="000000"/>
-                </a:solidFill>
-                <a:latin typeface="DejaVu Sans"/>
-                <a:ea typeface="Arial Unicode MS"/>
-              </a:rPr>
-              <a:t>Total </a:t>
-            </a:r>
-            <a:r>
-              <a:rPr b="1" lang="de-DE" sz="1400" spc="-1" strike="noStrike">
-                <a:solidFill>
-                  <a:srgbClr val="000000"/>
-                </a:solidFill>
-                <a:latin typeface="DejaVu Sans"/>
-                <a:ea typeface="Arial Unicode MS"/>
-              </a:rPr>
-              <a:t>25 multiple choice questions → no time limit</a:t>
-            </a:r>
-            <a:r>
-              <a:rPr b="0" lang="de-DE" sz="1400" spc="-1" strike="noStrike">
-                <a:solidFill>
-                  <a:srgbClr val="000000"/>
-                </a:solidFill>
-                <a:latin typeface="DejaVu Sans"/>
-                <a:ea typeface="Arial Unicode MS"/>
-              </a:rPr>
-              <a:t>.</a:t>
-            </a:r>
-            <a:endParaRPr b="0" lang="en-US" sz="1400" spc="-1" strike="noStrike">
-              <a:solidFill>
-                <a:srgbClr val="000000"/>
-              </a:solidFill>
-              <a:latin typeface="Arial"/>
-            </a:endParaRPr>
-          </a:p>
-          <a:p>
-            <a:pPr lvl="1" marL="432000" indent="-216000">
-              <a:lnSpc>
-                <a:spcPct val="100000"/>
-              </a:lnSpc>
-              <a:buClr>
-                <a:srgbClr val="008c4f"/>
-              </a:buClr>
-              <a:buSzPct val="45000"/>
-              <a:buFont typeface="OpenSymbol"/>
-              <a:buChar char="—"/>
-            </a:pPr>
-            <a:r>
-              <a:rPr b="0" lang="de-DE" sz="1400" spc="-1" strike="noStrike">
-                <a:solidFill>
-                  <a:srgbClr val="000000"/>
-                </a:solidFill>
-                <a:latin typeface="DejaVu Sans"/>
-                <a:ea typeface="Arial Unicode MS"/>
-              </a:rPr>
-              <a:t>Each question can fetch a maximum of </a:t>
-            </a:r>
-            <a:r>
-              <a:rPr b="1" lang="de-DE" sz="1400" spc="-1" strike="noStrike">
-                <a:solidFill>
-                  <a:srgbClr val="000000"/>
-                </a:solidFill>
-                <a:latin typeface="DejaVu Sans"/>
-                <a:ea typeface="Arial Unicode MS"/>
-              </a:rPr>
-              <a:t>1 point</a:t>
-            </a:r>
-            <a:endParaRPr b="0" lang="en-US" sz="1400" spc="-1" strike="noStrike">
-              <a:solidFill>
-                <a:srgbClr val="000000"/>
-              </a:solidFill>
-              <a:latin typeface="Arial"/>
-            </a:endParaRPr>
-          </a:p>
-          <a:p>
-            <a:pPr lvl="1" marL="432000" indent="-216000">
-              <a:lnSpc>
-                <a:spcPct val="100000"/>
-              </a:lnSpc>
-              <a:buClr>
-                <a:srgbClr val="008c4f"/>
-              </a:buClr>
-              <a:buSzPct val="45000"/>
-              <a:buFont typeface="OpenSymbol"/>
-              <a:buChar char="—"/>
-            </a:pPr>
-            <a:r>
-              <a:rPr b="1" lang="de-DE" sz="1400" spc="-1" strike="noStrike">
-                <a:solidFill>
-                  <a:srgbClr val="ff0000"/>
-                </a:solidFill>
-                <a:latin typeface="DejaVu Sans"/>
-                <a:ea typeface="Arial Unicode MS"/>
-              </a:rPr>
-              <a:t>IMPORTANT</a:t>
-            </a:r>
-            <a:r>
-              <a:rPr b="1" lang="de-DE" sz="1400" spc="-1" strike="noStrike">
-                <a:solidFill>
-                  <a:srgbClr val="000000"/>
-                </a:solidFill>
-                <a:latin typeface="DejaVu Sans"/>
-                <a:ea typeface="Arial Unicode MS"/>
-              </a:rPr>
-              <a:t> : Incorrect choices will yield in negative points. </a:t>
-            </a:r>
-            <a:r>
-              <a:rPr b="0" lang="de-DE" sz="1400" spc="-1" strike="noStrike">
-                <a:solidFill>
-                  <a:srgbClr val="000000"/>
-                </a:solidFill>
-                <a:latin typeface="DejaVu Sans"/>
-                <a:ea typeface="Arial Unicode MS"/>
-              </a:rPr>
-              <a:t>An incorrect choice in a question will take away </a:t>
-            </a:r>
-            <a:r>
-              <a:rPr b="1" lang="de-DE" sz="1400" spc="-1" strike="noStrike">
-                <a:solidFill>
-                  <a:srgbClr val="000000"/>
-                </a:solidFill>
-                <a:latin typeface="DejaVu Sans"/>
-                <a:ea typeface="Arial Unicode MS"/>
-              </a:rPr>
-              <a:t>just as many points</a:t>
-            </a:r>
-            <a:r>
-              <a:rPr b="0" lang="de-DE" sz="1400" spc="-1" strike="noStrike">
-                <a:solidFill>
-                  <a:srgbClr val="000000"/>
-                </a:solidFill>
-                <a:latin typeface="DejaVu Sans"/>
-                <a:ea typeface="Arial Unicode MS"/>
-              </a:rPr>
-              <a:t> as a correct choice is awarded.</a:t>
-            </a:r>
-            <a:endParaRPr b="0" lang="en-US" sz="1400" spc="-1" strike="noStrike">
-              <a:solidFill>
-                <a:srgbClr val="000000"/>
-              </a:solidFill>
-              <a:latin typeface="Arial"/>
-            </a:endParaRPr>
-          </a:p>
-          <a:p>
-            <a:pPr lvl="1" marL="432000" indent="-216000">
-              <a:lnSpc>
-                <a:spcPct val="100000"/>
-              </a:lnSpc>
-              <a:buClr>
-                <a:srgbClr val="008c4f"/>
-              </a:buClr>
-              <a:buSzPct val="45000"/>
-              <a:buFont typeface="OpenSymbol"/>
-              <a:buChar char="—"/>
-            </a:pPr>
-            <a:r>
-              <a:rPr b="0" lang="de-DE" sz="1400" spc="-1" strike="noStrike">
-                <a:solidFill>
-                  <a:srgbClr val="000000"/>
-                </a:solidFill>
-                <a:latin typeface="DejaVu Sans"/>
-                <a:ea typeface="Arial Unicode MS"/>
-              </a:rPr>
-              <a:t>Each test is evaluated on a </a:t>
-            </a:r>
-            <a:r>
-              <a:rPr b="1" lang="de-DE" sz="1400" spc="-1" strike="noStrike">
-                <a:solidFill>
-                  <a:srgbClr val="000000"/>
-                </a:solidFill>
-                <a:latin typeface="DejaVu Sans"/>
-                <a:ea typeface="Arial Unicode MS"/>
-              </a:rPr>
-              <a:t>grade scale of 10.</a:t>
-            </a:r>
-            <a:endParaRPr b="0" lang="en-US" sz="1400" spc="-1" strike="noStrike">
-              <a:solidFill>
-                <a:srgbClr val="000000"/>
-              </a:solidFill>
-              <a:latin typeface="Arial"/>
-            </a:endParaRPr>
-          </a:p>
-          <a:p>
-            <a:pPr lvl="1" marL="432000" indent="-216000">
-              <a:lnSpc>
-                <a:spcPct val="100000"/>
-              </a:lnSpc>
-              <a:buClr>
-                <a:srgbClr val="008c4f"/>
-              </a:buClr>
-              <a:buSzPct val="45000"/>
-              <a:buFont typeface="OpenSymbol"/>
-              <a:buChar char="—"/>
-            </a:pPr>
-            <a:r>
-              <a:rPr b="0" lang="de-DE" sz="1400" spc="-1" strike="noStrike">
-                <a:solidFill>
-                  <a:srgbClr val="000000"/>
-                </a:solidFill>
-                <a:latin typeface="DejaVu Sans"/>
-                <a:ea typeface="Arial Unicode MS"/>
-              </a:rPr>
-              <a:t>The result of your test will be available after the quiz is closed.</a:t>
-            </a:r>
-            <a:endParaRPr b="0" lang="en-US" sz="1400" spc="-1" strike="noStrike">
+            <a:endParaRPr b="0" lang="en-US" sz="1800" spc="-1" strike="noStrike">
               <a:solidFill>
                 <a:srgbClr val="000000"/>
               </a:solidFill>
@@ -9507,14 +8684,14 @@
       </p:grpSpPr>
       <p:sp>
         <p:nvSpPr>
-          <p:cNvPr id="99" name="CustomShape 1"/>
+          <p:cNvPr id="91" name="CustomShape 1"/>
           <p:cNvSpPr/>
           <p:nvPr/>
         </p:nvSpPr>
         <p:spPr>
           <a:xfrm>
             <a:off x="335520" y="764640"/>
-            <a:ext cx="10742040" cy="492840"/>
+            <a:ext cx="10739520" cy="490320"/>
           </a:xfrm>
           <a:prstGeom prst="rect">
             <a:avLst/>
@@ -9541,14 +8718,14 @@
               </a:lnSpc>
             </a:pPr>
             <a:r>
-              <a:rPr b="1" lang="en-GB" sz="2400" spc="-1" strike="noStrike">
-                <a:solidFill>
-                  <a:srgbClr val="000000"/>
-                </a:solidFill>
-                <a:latin typeface="DejaVu Sans"/>
-                <a:ea typeface="DejaVu Sans"/>
-              </a:rPr>
-              <a:t>Multiple-Choice Exercises – Clausthal </a:t>
+              <a:rPr b="1" lang="en-US" sz="2400" spc="-1" strike="noStrike">
+                <a:solidFill>
+                  <a:srgbClr val="000000"/>
+                </a:solidFill>
+                <a:latin typeface="DejaVu Sans"/>
+                <a:ea typeface="DejaVu Sans"/>
+              </a:rPr>
+              <a:t>Literature</a:t>
             </a:r>
             <a:endParaRPr b="0" lang="en-US" sz="2400" spc="-1" strike="noStrike">
               <a:solidFill>
@@ -9561,14 +8738,14 @@
       </p:sp>
       <p:sp>
         <p:nvSpPr>
-          <p:cNvPr id="100" name="CustomShape 2"/>
+          <p:cNvPr id="92" name="CustomShape 2"/>
           <p:cNvSpPr/>
           <p:nvPr/>
         </p:nvSpPr>
         <p:spPr>
           <a:xfrm>
-            <a:off x="494640" y="1523880"/>
-            <a:ext cx="10360800" cy="475920"/>
+            <a:off x="335520" y="1268640"/>
+            <a:ext cx="10739520" cy="5027040"/>
           </a:xfrm>
           <a:prstGeom prst="rect">
             <a:avLst/>
@@ -9585,24 +8762,381 @@
           <a:fontRef idx="minor"/>
         </p:style>
         <p:txBody>
-          <a:bodyPr lIns="90000" rIns="90000" tIns="45000" bIns="45000" anchor="t">
+          <a:bodyPr lIns="90000" rIns="90000" tIns="45000" bIns="45000" anchor="ctr">
             <a:noAutofit/>
           </a:bodyPr>
           <a:p>
+            <a:pPr marL="195120" indent="-188280">
+              <a:lnSpc>
+                <a:spcPct val="100000"/>
+              </a:lnSpc>
+              <a:spcBef>
+                <a:spcPts val="360"/>
+              </a:spcBef>
+              <a:buClr>
+                <a:srgbClr val="008c4f"/>
+              </a:buClr>
+              <a:buSzPct val="80000"/>
+              <a:buFont typeface="Wingdings" charset="2"/>
+              <a:buChar char=""/>
+            </a:pPr>
+            <a:r>
+              <a:rPr b="0" lang="en-US" sz="1800" spc="-1" strike="noStrike">
+                <a:solidFill>
+                  <a:srgbClr val="000000"/>
+                </a:solidFill>
+                <a:latin typeface="DejaVu Sans"/>
+                <a:ea typeface="DejaVu Sans"/>
+              </a:rPr>
+              <a:t>This course is not based on a single book and you </a:t>
+            </a:r>
+            <a:r>
+              <a:rPr b="1" lang="en-US" sz="1800" spc="-1" strike="noStrike">
+                <a:solidFill>
+                  <a:srgbClr val="000000"/>
+                </a:solidFill>
+                <a:latin typeface="DejaVu Sans"/>
+                <a:ea typeface="DejaVu Sans"/>
+              </a:rPr>
+              <a:t>do not</a:t>
+            </a:r>
+            <a:r>
+              <a:rPr b="0" lang="en-US" sz="1800" spc="-1" strike="noStrike">
+                <a:solidFill>
+                  <a:srgbClr val="000000"/>
+                </a:solidFill>
+                <a:latin typeface="DejaVu Sans"/>
+                <a:ea typeface="DejaVu Sans"/>
+              </a:rPr>
+              <a:t> need to buy a book to pass the exam.</a:t>
+            </a:r>
+            <a:endParaRPr b="0" lang="en-US" sz="1800" spc="-1" strike="noStrike">
+              <a:solidFill>
+                <a:srgbClr val="000000"/>
+              </a:solidFill>
+              <a:latin typeface="Arial"/>
+            </a:endParaRPr>
+          </a:p>
+          <a:p>
             <a:pPr>
               <a:lnSpc>
                 <a:spcPct val="100000"/>
               </a:lnSpc>
-            </a:pPr>
-            <a:r>
-              <a:rPr b="0" lang="de-DE" sz="1800" spc="-1" strike="noStrike">
-                <a:solidFill>
-                  <a:srgbClr val="000000"/>
-                </a:solidFill>
-                <a:latin typeface="DejaVu Sans"/>
-                <a:ea typeface="DejaVu Sans"/>
-              </a:rPr>
-              <a:t>Step-1: Navigate to Moodle on your studip, select "Zum Kurs in Moodle"</a:t>
+              <a:spcBef>
+                <a:spcPts val="360"/>
+              </a:spcBef>
+            </a:pPr>
+            <a:endParaRPr b="0" lang="en-US" sz="1800" spc="-1" strike="noStrike">
+              <a:solidFill>
+                <a:srgbClr val="000000"/>
+              </a:solidFill>
+              <a:latin typeface="Arial"/>
+            </a:endParaRPr>
+          </a:p>
+          <a:p>
+            <a:pPr marL="195120" indent="-188280">
+              <a:lnSpc>
+                <a:spcPct val="100000"/>
+              </a:lnSpc>
+              <a:spcBef>
+                <a:spcPts val="360"/>
+              </a:spcBef>
+              <a:buClr>
+                <a:srgbClr val="008c4f"/>
+              </a:buClr>
+              <a:buSzPct val="80000"/>
+              <a:buFont typeface="Wingdings" charset="2"/>
+              <a:buChar char=""/>
+            </a:pPr>
+            <a:r>
+              <a:rPr b="0" lang="en-US" sz="1800" spc="-1" strike="noStrike">
+                <a:solidFill>
+                  <a:srgbClr val="000000"/>
+                </a:solidFill>
+                <a:latin typeface="DejaVu Sans"/>
+                <a:ea typeface="DejaVu Sans"/>
+              </a:rPr>
+              <a:t>Donella H. Meadows, Jorgen Randers, and Dennis L. Meadows. </a:t>
+            </a:r>
+            <a:r>
+              <a:rPr b="0" i="1" lang="en-US" sz="1800" spc="-1" strike="noStrike">
+                <a:solidFill>
+                  <a:srgbClr val="000000"/>
+                </a:solidFill>
+                <a:latin typeface="DejaVu Sans"/>
+                <a:ea typeface="DejaVu Sans"/>
+              </a:rPr>
+              <a:t>The Limits to Growth</a:t>
+            </a:r>
+            <a:r>
+              <a:rPr b="0" lang="en-US" sz="1800" spc="-1" strike="noStrike">
+                <a:solidFill>
+                  <a:srgbClr val="000000"/>
+                </a:solidFill>
+                <a:latin typeface="DejaVu Sans"/>
+                <a:ea typeface="DejaVu Sans"/>
+              </a:rPr>
+              <a:t> (1972).</a:t>
+            </a:r>
+            <a:endParaRPr b="0" lang="en-US" sz="1800" spc="-1" strike="noStrike">
+              <a:solidFill>
+                <a:srgbClr val="000000"/>
+              </a:solidFill>
+              <a:latin typeface="Arial"/>
+            </a:endParaRPr>
+          </a:p>
+          <a:p>
+            <a:pPr marL="195120" indent="-188280">
+              <a:lnSpc>
+                <a:spcPct val="100000"/>
+              </a:lnSpc>
+              <a:spcBef>
+                <a:spcPts val="360"/>
+              </a:spcBef>
+              <a:buClr>
+                <a:srgbClr val="008c4f"/>
+              </a:buClr>
+              <a:buSzPct val="80000"/>
+              <a:buFont typeface="Wingdings" charset="2"/>
+              <a:buChar char=""/>
+            </a:pPr>
+            <a:r>
+              <a:rPr b="0" lang="en-US" sz="1800" spc="-1" strike="noStrike">
+                <a:solidFill>
+                  <a:srgbClr val="000000"/>
+                </a:solidFill>
+                <a:latin typeface="DejaVu Sans"/>
+                <a:ea typeface="DejaVu Sans"/>
+              </a:rPr>
+              <a:t>Donella H. Meadows, Jorgen Randers, and Dennis L. Meadows. </a:t>
+            </a:r>
+            <a:r>
+              <a:rPr b="0" i="1" lang="en-US" sz="1800" spc="-1" strike="noStrike">
+                <a:solidFill>
+                  <a:srgbClr val="000000"/>
+                </a:solidFill>
+                <a:latin typeface="DejaVu Sans"/>
+                <a:ea typeface="DejaVu Sans"/>
+              </a:rPr>
+              <a:t>Limits To Growth: The 30-Year Update</a:t>
+            </a:r>
+            <a:r>
+              <a:rPr b="0" lang="en-US" sz="1800" spc="-1" strike="noStrike">
+                <a:solidFill>
+                  <a:srgbClr val="000000"/>
+                </a:solidFill>
+                <a:latin typeface="DejaVu Sans"/>
+                <a:ea typeface="DejaVu Sans"/>
+              </a:rPr>
+              <a:t> (2004).</a:t>
+            </a:r>
+            <a:endParaRPr b="0" lang="en-US" sz="1800" spc="-1" strike="noStrike">
+              <a:solidFill>
+                <a:srgbClr val="000000"/>
+              </a:solidFill>
+              <a:latin typeface="Arial"/>
+            </a:endParaRPr>
+          </a:p>
+          <a:p>
+            <a:pPr marL="195120" indent="-188280">
+              <a:lnSpc>
+                <a:spcPct val="100000"/>
+              </a:lnSpc>
+              <a:spcBef>
+                <a:spcPts val="360"/>
+              </a:spcBef>
+              <a:buClr>
+                <a:srgbClr val="008c4f"/>
+              </a:buClr>
+              <a:buSzPct val="80000"/>
+              <a:buFont typeface="Wingdings" charset="2"/>
+              <a:buChar char=""/>
+            </a:pPr>
+            <a:r>
+              <a:rPr b="0" lang="en-US" sz="1800" spc="-1" strike="noStrike">
+                <a:solidFill>
+                  <a:srgbClr val="000000"/>
+                </a:solidFill>
+                <a:latin typeface="DejaVu Sans"/>
+                <a:ea typeface="DejaVu Sans"/>
+              </a:rPr>
+              <a:t>Baccini et al. </a:t>
+            </a:r>
+            <a:r>
+              <a:rPr b="0" i="1" lang="en-US" sz="1800" spc="-1" strike="noStrike">
+                <a:solidFill>
+                  <a:srgbClr val="000000"/>
+                </a:solidFill>
+                <a:latin typeface="DejaVu Sans"/>
+                <a:ea typeface="DejaVu Sans"/>
+              </a:rPr>
+              <a:t>Metabolism of the Anthroposphere: Analysis, Evaluation, Design </a:t>
+            </a:r>
+            <a:r>
+              <a:rPr b="0" lang="en-US" sz="1800" spc="-1" strike="noStrike">
+                <a:solidFill>
+                  <a:srgbClr val="000000"/>
+                </a:solidFill>
+                <a:latin typeface="DejaVu Sans"/>
+                <a:ea typeface="DejaVu Sans"/>
+              </a:rPr>
+              <a:t>(2012).</a:t>
+            </a:r>
+            <a:endParaRPr b="0" lang="en-US" sz="1800" spc="-1" strike="noStrike">
+              <a:solidFill>
+                <a:srgbClr val="000000"/>
+              </a:solidFill>
+              <a:latin typeface="Arial"/>
+            </a:endParaRPr>
+          </a:p>
+          <a:p>
+            <a:pPr marL="195120" indent="-188280">
+              <a:lnSpc>
+                <a:spcPct val="100000"/>
+              </a:lnSpc>
+              <a:spcBef>
+                <a:spcPts val="360"/>
+              </a:spcBef>
+              <a:buClr>
+                <a:srgbClr val="008c4f"/>
+              </a:buClr>
+              <a:buSzPct val="80000"/>
+              <a:buFont typeface="Wingdings" charset="2"/>
+              <a:buChar char=""/>
+            </a:pPr>
+            <a:r>
+              <a:rPr b="0" lang="en-US" sz="1800" spc="-1" strike="noStrike">
+                <a:solidFill>
+                  <a:srgbClr val="000000"/>
+                </a:solidFill>
+                <a:latin typeface="DejaVu Sans"/>
+                <a:ea typeface="DejaVu Sans"/>
+              </a:rPr>
+              <a:t>Walter R. Stahel. </a:t>
+            </a:r>
+            <a:r>
+              <a:rPr b="0" i="1" lang="en-US" sz="1800" spc="-1" strike="noStrike">
+                <a:solidFill>
+                  <a:srgbClr val="000000"/>
+                </a:solidFill>
+                <a:latin typeface="DejaVu Sans"/>
+                <a:ea typeface="DejaVu Sans"/>
+              </a:rPr>
+              <a:t>The Circular Economy: A User's Guide</a:t>
+            </a:r>
+            <a:r>
+              <a:rPr b="0" lang="en-US" sz="1800" spc="-1" strike="noStrike">
+                <a:solidFill>
+                  <a:srgbClr val="000000"/>
+                </a:solidFill>
+                <a:latin typeface="DejaVu Sans"/>
+                <a:ea typeface="DejaVu Sans"/>
+              </a:rPr>
+              <a:t> (2019).</a:t>
+            </a:r>
+            <a:endParaRPr b="0" lang="en-US" sz="1800" spc="-1" strike="noStrike">
+              <a:solidFill>
+                <a:srgbClr val="000000"/>
+              </a:solidFill>
+              <a:latin typeface="Arial"/>
+            </a:endParaRPr>
+          </a:p>
+          <a:p>
+            <a:pPr marL="195120" indent="-188280">
+              <a:lnSpc>
+                <a:spcPct val="100000"/>
+              </a:lnSpc>
+              <a:spcBef>
+                <a:spcPts val="360"/>
+              </a:spcBef>
+              <a:buClr>
+                <a:srgbClr val="008c4f"/>
+              </a:buClr>
+              <a:buSzPct val="80000"/>
+              <a:buFont typeface="Wingdings" charset="2"/>
+              <a:buChar char=""/>
+            </a:pPr>
+            <a:r>
+              <a:rPr b="0" lang="en-US" sz="1800" spc="-1" strike="noStrike">
+                <a:solidFill>
+                  <a:srgbClr val="000000"/>
+                </a:solidFill>
+                <a:latin typeface="DejaVu Sans"/>
+                <a:ea typeface="DejaVu Sans"/>
+              </a:rPr>
+              <a:t>W. Brian Arthur. </a:t>
+            </a:r>
+            <a:r>
+              <a:rPr b="0" i="1" lang="en-US" sz="1800" spc="-1" strike="noStrike">
+                <a:solidFill>
+                  <a:srgbClr val="000000"/>
+                </a:solidFill>
+                <a:latin typeface="DejaVu Sans"/>
+                <a:ea typeface="DejaVu Sans"/>
+              </a:rPr>
+              <a:t>The Nature of Technology: What It Is and How it Evolves</a:t>
+            </a:r>
+            <a:r>
+              <a:rPr b="0" lang="en-US" sz="1800" spc="-1" strike="noStrike">
+                <a:solidFill>
+                  <a:srgbClr val="000000"/>
+                </a:solidFill>
+                <a:latin typeface="DejaVu Sans"/>
+                <a:ea typeface="DejaVu Sans"/>
+              </a:rPr>
+              <a:t> (2011).</a:t>
+            </a:r>
+            <a:endParaRPr b="0" lang="en-US" sz="1800" spc="-1" strike="noStrike">
+              <a:solidFill>
+                <a:srgbClr val="000000"/>
+              </a:solidFill>
+              <a:latin typeface="Arial"/>
+            </a:endParaRPr>
+          </a:p>
+          <a:p>
+            <a:pPr marL="195120" indent="-188280">
+              <a:lnSpc>
+                <a:spcPct val="100000"/>
+              </a:lnSpc>
+              <a:spcBef>
+                <a:spcPts val="360"/>
+              </a:spcBef>
+              <a:buClr>
+                <a:srgbClr val="008c4f"/>
+              </a:buClr>
+              <a:buSzPct val="80000"/>
+              <a:buFont typeface="Wingdings" charset="2"/>
+              <a:buChar char=""/>
+            </a:pPr>
+            <a:r>
+              <a:rPr b="0" lang="en-US" sz="1800" spc="-1" strike="noStrike">
+                <a:solidFill>
+                  <a:srgbClr val="000000"/>
+                </a:solidFill>
+                <a:latin typeface="DejaVu Sans"/>
+                <a:ea typeface="DejaVu Sans"/>
+              </a:rPr>
+              <a:t>David Wallace-Wells. </a:t>
+            </a:r>
+            <a:r>
+              <a:rPr b="0" i="1" lang="en-US" sz="1800" spc="-1" strike="noStrike">
+                <a:solidFill>
+                  <a:srgbClr val="000000"/>
+                </a:solidFill>
+                <a:latin typeface="DejaVu Sans"/>
+                <a:ea typeface="DejaVu Sans"/>
+              </a:rPr>
+              <a:t>The Uninhabitable Earth, Annotated Edition</a:t>
+            </a:r>
+            <a:r>
+              <a:rPr b="0" lang="en-US" sz="1800" spc="-1" strike="noStrike">
+                <a:solidFill>
+                  <a:srgbClr val="000000"/>
+                </a:solidFill>
+                <a:latin typeface="DejaVu Sans"/>
+                <a:ea typeface="DejaVu Sans"/>
+              </a:rPr>
+              <a:t> (2017).</a:t>
             </a:r>
             <a:endParaRPr b="0" lang="en-US" sz="1800" spc="-1" strike="noStrike">
               <a:solidFill>
@@ -9613,78 +9147,6 @@
           </a:p>
         </p:txBody>
       </p:sp>
-      <p:sp>
-        <p:nvSpPr>
-          <p:cNvPr id="101" name="Line 3"/>
-          <p:cNvSpPr/>
-          <p:nvPr/>
-        </p:nvSpPr>
-        <p:spPr>
-          <a:xfrm>
-            <a:off x="7063200" y="3499200"/>
-            <a:ext cx="684360" cy="360"/>
-          </a:xfrm>
-          <a:prstGeom prst="line">
-            <a:avLst/>
-          </a:prstGeom>
-          <a:ln w="19080">
-            <a:solidFill>
-              <a:srgbClr val="c00000"/>
-            </a:solidFill>
-          </a:ln>
-        </p:spPr>
-        <p:style>
-          <a:lnRef idx="1">
-            <a:schemeClr val="accent1">
-              <a:shade val="50000"/>
-            </a:schemeClr>
-          </a:lnRef>
-          <a:fillRef idx="0">
-            <a:schemeClr val="accent1"/>
-          </a:fillRef>
-          <a:effectRef idx="0">
-            <a:schemeClr val="accent1"/>
-          </a:effectRef>
-          <a:fontRef idx="minor"/>
-        </p:style>
-        <p:txBody>
-          <a:bodyPr lIns="90000" rIns="90000" tIns="-44640" bIns="-44640" anchor="t" anchorCtr="1">
-            <a:noAutofit/>
-          </a:bodyPr>
-          <a:p>
-            <a:endParaRPr b="0" lang="en-GB" sz="1800" spc="-1" strike="noStrike">
-              <a:solidFill>
-                <a:srgbClr val="000000"/>
-              </a:solidFill>
-              <a:latin typeface="Arial"/>
-              <a:ea typeface="DejaVu Sans"/>
-            </a:endParaRPr>
-          </a:p>
-        </p:txBody>
-      </p:sp>
-      <p:pic>
-        <p:nvPicPr>
-          <p:cNvPr id="102" name="" descr=""/>
-          <p:cNvPicPr/>
-          <p:nvPr/>
-        </p:nvPicPr>
-        <p:blipFill>
-          <a:blip r:embed="rId1"/>
-          <a:stretch/>
-        </p:blipFill>
-        <p:spPr>
-          <a:xfrm>
-            <a:off x="1895760" y="2238840"/>
-            <a:ext cx="6783120" cy="4154040"/>
-          </a:xfrm>
-          <a:prstGeom prst="rect">
-            <a:avLst/>
-          </a:prstGeom>
-          <a:ln w="0">
-            <a:noFill/>
-          </a:ln>
-        </p:spPr>
-      </p:pic>
     </p:spTree>
   </p:cSld>
   <mc:AlternateContent>
@@ -9717,14 +9179,14 @@
       </p:grpSpPr>
       <p:sp>
         <p:nvSpPr>
-          <p:cNvPr id="103" name="CustomShape 1"/>
+          <p:cNvPr id="93" name="CustomShape 1"/>
           <p:cNvSpPr/>
           <p:nvPr/>
         </p:nvSpPr>
         <p:spPr>
           <a:xfrm>
             <a:off x="335520" y="764640"/>
-            <a:ext cx="10742040" cy="492840"/>
+            <a:ext cx="10742760" cy="493560"/>
           </a:xfrm>
           <a:prstGeom prst="rect">
             <a:avLst/>
@@ -9751,14 +9213,14 @@
               </a:lnSpc>
             </a:pPr>
             <a:r>
-              <a:rPr b="1" lang="en-GB" sz="2400" spc="-1" strike="noStrike">
-                <a:solidFill>
-                  <a:srgbClr val="000000"/>
-                </a:solidFill>
-                <a:latin typeface="DejaVu Sans"/>
-                <a:ea typeface="DejaVu Sans"/>
-              </a:rPr>
-              <a:t>Multiple-Choice Exercises – Clausthal </a:t>
+              <a:rPr b="1" lang="en-US" sz="2400" spc="-1" strike="noStrike">
+                <a:solidFill>
+                  <a:srgbClr val="000000"/>
+                </a:solidFill>
+                <a:latin typeface="DejaVu Sans"/>
+                <a:ea typeface="DejaVu Sans"/>
+              </a:rPr>
+              <a:t>Literature</a:t>
             </a:r>
             <a:endParaRPr b="0" lang="en-US" sz="2400" spc="-1" strike="noStrike">
               <a:solidFill>
@@ -9771,14 +9233,14 @@
       </p:sp>
       <p:sp>
         <p:nvSpPr>
-          <p:cNvPr id="104" name="CustomShape 2"/>
+          <p:cNvPr id="94" name="CustomShape 2"/>
           <p:cNvSpPr/>
           <p:nvPr/>
         </p:nvSpPr>
         <p:spPr>
           <a:xfrm>
-            <a:off x="494640" y="1488600"/>
-            <a:ext cx="5443560" cy="440640"/>
+            <a:off x="335520" y="1268640"/>
+            <a:ext cx="10742760" cy="5030280"/>
           </a:xfrm>
           <a:prstGeom prst="rect">
             <a:avLst/>
@@ -9795,35 +9257,157 @@
           <a:fontRef idx="minor"/>
         </p:style>
         <p:txBody>
-          <a:bodyPr lIns="90000" rIns="90000" tIns="45000" bIns="45000" anchor="t">
+          <a:bodyPr lIns="90000" rIns="90000" tIns="45000" bIns="45000" anchor="ctr">
             <a:noAutofit/>
           </a:bodyPr>
           <a:p>
-            <a:pPr>
-              <a:lnSpc>
-                <a:spcPct val="100000"/>
-              </a:lnSpc>
-            </a:pPr>
-            <a:r>
-              <a:rPr b="0" lang="de-DE" sz="1800" spc="-1" strike="noStrike">
-                <a:solidFill>
-                  <a:srgbClr val="000000"/>
-                </a:solidFill>
-                <a:latin typeface="DejaVu Sans"/>
-                <a:ea typeface="DejaVu Sans"/>
-              </a:rPr>
-              <a:t>Step-2 : Select </a:t>
-            </a:r>
-            <a:r>
-              <a:rPr b="0" lang="de-DE" sz="1800" spc="-1" strike="noStrike" u="sng">
-                <a:solidFill>
-                  <a:srgbClr val="000000"/>
-                </a:solidFill>
-                <a:uFillTx/>
-                <a:latin typeface="DejaVu Sans"/>
-                <a:ea typeface="DejaVu Sans"/>
-              </a:rPr>
-              <a:t>"Knowledge Quiz - Week 1"</a:t>
+            <a:pPr marL="195120" indent="-188280">
+              <a:lnSpc>
+                <a:spcPct val="100000"/>
+              </a:lnSpc>
+              <a:spcBef>
+                <a:spcPts val="360"/>
+              </a:spcBef>
+              <a:buClr>
+                <a:srgbClr val="008c4f"/>
+              </a:buClr>
+              <a:buSzPct val="80000"/>
+              <a:buFont typeface="Wingdings" charset="2"/>
+              <a:buChar char=""/>
+            </a:pPr>
+            <a:r>
+              <a:rPr b="0" lang="en-US" sz="1800" spc="-1" strike="noStrike">
+                <a:solidFill>
+                  <a:srgbClr val="000000"/>
+                </a:solidFill>
+                <a:latin typeface="DejaVu Sans"/>
+                <a:ea typeface="DejaVu Sans"/>
+              </a:rPr>
+              <a:t>(German) Stefan Rahmstorf, Hans Joachim Schellnhuber. </a:t>
+            </a:r>
+            <a:r>
+              <a:rPr b="0" i="1" lang="en-US" sz="1800" spc="-1" strike="noStrike">
+                <a:solidFill>
+                  <a:srgbClr val="000000"/>
+                </a:solidFill>
+                <a:latin typeface="DejaVu Sans"/>
+                <a:ea typeface="DejaVu Sans"/>
+              </a:rPr>
+              <a:t>Der Klimawandel</a:t>
+            </a:r>
+            <a:r>
+              <a:rPr b="0" lang="en-US" sz="1800" spc="-1" strike="noStrike">
+                <a:solidFill>
+                  <a:srgbClr val="000000"/>
+                </a:solidFill>
+                <a:latin typeface="DejaVu Sans"/>
+                <a:ea typeface="DejaVu Sans"/>
+              </a:rPr>
+              <a:t> (2019).</a:t>
+            </a:r>
+            <a:endParaRPr b="0" lang="en-US" sz="1800" spc="-1" strike="noStrike">
+              <a:solidFill>
+                <a:srgbClr val="000000"/>
+              </a:solidFill>
+              <a:latin typeface="Arial"/>
+            </a:endParaRPr>
+          </a:p>
+          <a:p>
+            <a:pPr marL="195120" indent="-188280">
+              <a:lnSpc>
+                <a:spcPct val="100000"/>
+              </a:lnSpc>
+              <a:spcBef>
+                <a:spcPts val="360"/>
+              </a:spcBef>
+              <a:buClr>
+                <a:srgbClr val="008c4f"/>
+              </a:buClr>
+              <a:buSzPct val="80000"/>
+              <a:buFont typeface="Wingdings" charset="2"/>
+              <a:buChar char=""/>
+            </a:pPr>
+            <a:r>
+              <a:rPr b="0" lang="en-US" sz="1800" spc="-1" strike="noStrike">
+                <a:solidFill>
+                  <a:srgbClr val="000000"/>
+                </a:solidFill>
+                <a:latin typeface="DejaVu Sans"/>
+                <a:ea typeface="DejaVu Sans"/>
+              </a:rPr>
+              <a:t>David Archer, Stefan Rahmstorf. </a:t>
+            </a:r>
+            <a:r>
+              <a:rPr b="0" i="1" lang="en-US" sz="1800" spc="-1" strike="noStrike">
+                <a:solidFill>
+                  <a:srgbClr val="000000"/>
+                </a:solidFill>
+                <a:latin typeface="DejaVu Sans"/>
+                <a:ea typeface="DejaVu Sans"/>
+              </a:rPr>
+              <a:t>The Climate Crisis</a:t>
+            </a:r>
+            <a:r>
+              <a:rPr b="0" lang="en-US" sz="1800" spc="-1" strike="noStrike">
+                <a:solidFill>
+                  <a:srgbClr val="000000"/>
+                </a:solidFill>
+                <a:latin typeface="DejaVu Sans"/>
+                <a:ea typeface="DejaVu Sans"/>
+              </a:rPr>
+              <a:t> (2010).</a:t>
+            </a:r>
+            <a:endParaRPr b="0" lang="en-US" sz="1800" spc="-1" strike="noStrike">
+              <a:solidFill>
+                <a:srgbClr val="000000"/>
+              </a:solidFill>
+              <a:latin typeface="Arial"/>
+            </a:endParaRPr>
+          </a:p>
+          <a:p>
+            <a:pPr marL="195120" indent="-188280">
+              <a:lnSpc>
+                <a:spcPct val="100000"/>
+              </a:lnSpc>
+              <a:spcBef>
+                <a:spcPts val="360"/>
+              </a:spcBef>
+              <a:buClr>
+                <a:srgbClr val="008c4f"/>
+              </a:buClr>
+              <a:buSzPct val="80000"/>
+              <a:buFont typeface="Wingdings" charset="2"/>
+              <a:buChar char=""/>
+            </a:pPr>
+            <a:r>
+              <a:rPr b="0" lang="en-US" sz="1800" spc="-1" strike="noStrike">
+                <a:solidFill>
+                  <a:srgbClr val="000000"/>
+                </a:solidFill>
+                <a:latin typeface="DejaVu Sans"/>
+                <a:ea typeface="DejaVu Sans"/>
+              </a:rPr>
+              <a:t>Gabrielle Walker, David King. </a:t>
+            </a:r>
+            <a:r>
+              <a:rPr b="0" i="1" lang="en-US" sz="1800" spc="-1" strike="noStrike">
+                <a:solidFill>
+                  <a:srgbClr val="000000"/>
+                </a:solidFill>
+                <a:latin typeface="DejaVu Sans"/>
+                <a:ea typeface="DejaVu Sans"/>
+              </a:rPr>
+              <a:t>The Hot Topic: How to Tackle Global Warming and Still Keep the Lights on</a:t>
+            </a:r>
+            <a:r>
+              <a:rPr b="0" lang="en-US" sz="1800" spc="-1" strike="noStrike">
+                <a:solidFill>
+                  <a:srgbClr val="000000"/>
+                </a:solidFill>
+                <a:latin typeface="DejaVu Sans"/>
+                <a:ea typeface="DejaVu Sans"/>
+              </a:rPr>
+              <a:t> (2008).</a:t>
             </a:r>
             <a:endParaRPr b="0" lang="en-US" sz="1800" spc="-1" strike="noStrike">
               <a:solidFill>
@@ -9834,29 +9418,6 @@
           </a:p>
         </p:txBody>
       </p:sp>
-      <p:pic>
-        <p:nvPicPr>
-          <p:cNvPr id="105" name="" descr=""/>
-          <p:cNvPicPr/>
-          <p:nvPr/>
-        </p:nvPicPr>
-        <p:blipFill>
-          <a:blip r:embed="rId1"/>
-          <a:stretch/>
-        </p:blipFill>
-        <p:spPr>
-          <a:xfrm>
-            <a:off x="1828800" y="1937160"/>
-            <a:ext cx="7950600" cy="4084920"/>
-          </a:xfrm>
-          <a:prstGeom prst="rect">
-            <a:avLst/>
-          </a:prstGeom>
-          <a:ln w="0">
-            <a:noFill/>
-          </a:ln>
-        </p:spPr>
-      </p:pic>
     </p:spTree>
   </p:cSld>
   <mc:AlternateContent>
@@ -9889,14 +9450,14 @@
       </p:grpSpPr>
       <p:sp>
         <p:nvSpPr>
-          <p:cNvPr id="106" name="CustomShape 1"/>
+          <p:cNvPr id="95" name="CustomShape 1"/>
           <p:cNvSpPr/>
           <p:nvPr/>
         </p:nvSpPr>
         <p:spPr>
           <a:xfrm>
             <a:off x="335520" y="764640"/>
-            <a:ext cx="10742040" cy="492840"/>
+            <a:ext cx="10741320" cy="492120"/>
           </a:xfrm>
           <a:prstGeom prst="rect">
             <a:avLst/>
@@ -9923,14 +9484,14 @@
               </a:lnSpc>
             </a:pPr>
             <a:r>
-              <a:rPr b="1" lang="en-GB" sz="2400" spc="-1" strike="noStrike">
-                <a:solidFill>
-                  <a:srgbClr val="000000"/>
-                </a:solidFill>
-                <a:latin typeface="DejaVu Sans"/>
-                <a:ea typeface="DejaVu Sans"/>
-              </a:rPr>
-              <a:t>Multiple-Choice Exercises – Clausthal </a:t>
+              <a:rPr b="1" lang="de-DE" sz="2400" spc="-1" strike="noStrike">
+                <a:solidFill>
+                  <a:srgbClr val="000000"/>
+                </a:solidFill>
+                <a:latin typeface="DejaVu Sans"/>
+                <a:ea typeface="DejaVu Sans"/>
+              </a:rPr>
+              <a:t>Literature</a:t>
             </a:r>
             <a:endParaRPr b="0" lang="en-US" sz="2400" spc="-1" strike="noStrike">
               <a:solidFill>
@@ -9941,39 +9502,16 @@
           </a:p>
         </p:txBody>
       </p:sp>
-      <p:pic>
-        <p:nvPicPr>
-          <p:cNvPr id="107" name="Grafik 5" descr=""/>
-          <p:cNvPicPr/>
-          <p:nvPr/>
-        </p:nvPicPr>
-        <p:blipFill>
-          <a:blip r:embed="rId1"/>
-          <a:stretch/>
-        </p:blipFill>
-        <p:spPr>
-          <a:xfrm>
-            <a:off x="2679480" y="2130480"/>
-            <a:ext cx="7371000" cy="3481920"/>
-          </a:xfrm>
-          <a:prstGeom prst="rect">
-            <a:avLst/>
-          </a:prstGeom>
-          <a:ln w="0">
-            <a:noFill/>
-          </a:ln>
-        </p:spPr>
-      </p:pic>
       <p:sp>
         <p:nvSpPr>
-          <p:cNvPr id="108" name="CustomShape 2"/>
+          <p:cNvPr id="96" name="CustomShape 2"/>
           <p:cNvSpPr/>
           <p:nvPr/>
         </p:nvSpPr>
         <p:spPr>
           <a:xfrm>
-            <a:off x="494640" y="1418040"/>
-            <a:ext cx="5214960" cy="440640"/>
+            <a:off x="335520" y="1268640"/>
+            <a:ext cx="10741320" cy="5028840"/>
           </a:xfrm>
           <a:prstGeom prst="rect">
             <a:avLst/>
@@ -9990,7 +9528,7 @@
           <a:fontRef idx="minor"/>
         </p:style>
         <p:txBody>
-          <a:bodyPr lIns="90000" rIns="90000" tIns="45000" bIns="45000" anchor="t">
+          <a:bodyPr lIns="90000" rIns="90000" tIns="45000" bIns="45000" anchor="ctr">
             <a:noAutofit/>
           </a:bodyPr>
           <a:p>
@@ -9998,6 +9536,31 @@
               <a:lnSpc>
                 <a:spcPct val="100000"/>
               </a:lnSpc>
+              <a:spcBef>
+                <a:spcPts val="360"/>
+              </a:spcBef>
+            </a:pPr>
+            <a:endParaRPr b="0" lang="en-US" sz="1800" spc="-1" strike="noStrike">
+              <a:solidFill>
+                <a:srgbClr val="000000"/>
+              </a:solidFill>
+              <a:latin typeface="Arial"/>
+            </a:endParaRPr>
+          </a:p>
+          <a:p>
+            <a:pPr marL="195120" indent="-189720">
+              <a:lnSpc>
+                <a:spcPct val="100000"/>
+              </a:lnSpc>
+              <a:spcBef>
+                <a:spcPts val="360"/>
+              </a:spcBef>
+              <a:buClr>
+                <a:srgbClr val="008c4f"/>
+              </a:buClr>
+              <a:buSzPct val="115000"/>
+              <a:buFont typeface="Wingdings" charset="2"/>
+              <a:buChar char=""/>
             </a:pPr>
             <a:r>
               <a:rPr b="0" lang="de-DE" sz="1800" spc="-1" strike="noStrike">
@@ -10007,7 +9570,383 @@
                 <a:latin typeface="DejaVu Sans"/>
                 <a:ea typeface="DejaVu Sans"/>
               </a:rPr>
-              <a:t>Step-3 : Start your test if you are ready</a:t>
+              <a:t>Satoshi Nakamoto. </a:t>
+            </a:r>
+            <a:r>
+              <a:rPr b="0" i="1" lang="de-DE" sz="1800" spc="-1" strike="noStrike">
+                <a:solidFill>
+                  <a:srgbClr val="000000"/>
+                </a:solidFill>
+                <a:latin typeface="DejaVu Sans"/>
+                <a:ea typeface="DejaVu Sans"/>
+              </a:rPr>
+              <a:t>Bitcoin: A Peer-to-Peer Electronic Cash System</a:t>
+            </a:r>
+            <a:r>
+              <a:rPr b="0" lang="de-DE" sz="1800" spc="-1" strike="noStrike">
+                <a:solidFill>
+                  <a:srgbClr val="000000"/>
+                </a:solidFill>
+                <a:latin typeface="DejaVu Sans"/>
+                <a:ea typeface="DejaVu Sans"/>
+              </a:rPr>
+              <a:t> (2008) – (</a:t>
+            </a:r>
+            <a:r>
+              <a:rPr b="0" lang="de-DE" sz="1800" spc="-1" strike="noStrike" u="sng">
+                <a:solidFill>
+                  <a:srgbClr val="0000ff"/>
+                </a:solidFill>
+                <a:uFillTx/>
+                <a:latin typeface="DejaVu Sans"/>
+                <a:ea typeface="DejaVu Sans"/>
+                <a:hlinkClick r:id="rId1"/>
+              </a:rPr>
+              <a:t>Link</a:t>
+            </a:r>
+            <a:r>
+              <a:rPr b="0" lang="de-DE" sz="1800" spc="-1" strike="noStrike">
+                <a:solidFill>
+                  <a:srgbClr val="000000"/>
+                </a:solidFill>
+                <a:latin typeface="DejaVu Sans"/>
+                <a:ea typeface="DejaVu Sans"/>
+              </a:rPr>
+              <a:t>).</a:t>
+            </a:r>
+            <a:endParaRPr b="0" lang="en-US" sz="1800" spc="-1" strike="noStrike">
+              <a:solidFill>
+                <a:srgbClr val="000000"/>
+              </a:solidFill>
+              <a:latin typeface="Arial"/>
+            </a:endParaRPr>
+          </a:p>
+          <a:p>
+            <a:pPr marL="195120" indent="-189720">
+              <a:lnSpc>
+                <a:spcPct val="100000"/>
+              </a:lnSpc>
+              <a:spcBef>
+                <a:spcPts val="360"/>
+              </a:spcBef>
+              <a:buClr>
+                <a:srgbClr val="008c4f"/>
+              </a:buClr>
+              <a:buSzPct val="115000"/>
+              <a:buFont typeface="Wingdings" charset="2"/>
+              <a:buChar char=""/>
+            </a:pPr>
+            <a:r>
+              <a:rPr b="0" lang="de-DE" sz="1800" spc="-1" strike="noStrike">
+                <a:solidFill>
+                  <a:srgbClr val="000000"/>
+                </a:solidFill>
+                <a:latin typeface="DejaVu Sans"/>
+                <a:ea typeface="DejaVu Sans"/>
+              </a:rPr>
+              <a:t>Gavin Wood. </a:t>
+            </a:r>
+            <a:r>
+              <a:rPr b="0" i="1" lang="de-DE" sz="1800" spc="-1" strike="noStrike">
+                <a:solidFill>
+                  <a:srgbClr val="000000"/>
+                </a:solidFill>
+                <a:latin typeface="DejaVu Sans"/>
+                <a:ea typeface="DejaVu Sans"/>
+              </a:rPr>
+              <a:t>Ethereum: A Secure Decentralized Generalised Transaction Ledger</a:t>
+            </a:r>
+            <a:r>
+              <a:rPr b="0" lang="de-DE" sz="1800" spc="-1" strike="noStrike">
+                <a:solidFill>
+                  <a:srgbClr val="000000"/>
+                </a:solidFill>
+                <a:latin typeface="DejaVu Sans"/>
+                <a:ea typeface="DejaVu Sans"/>
+              </a:rPr>
+              <a:t> (2014) – (</a:t>
+            </a:r>
+            <a:r>
+              <a:rPr b="0" lang="de-DE" sz="1800" spc="-1" strike="noStrike" u="sng">
+                <a:solidFill>
+                  <a:srgbClr val="0000ff"/>
+                </a:solidFill>
+                <a:uFillTx/>
+                <a:latin typeface="DejaVu Sans"/>
+                <a:ea typeface="DejaVu Sans"/>
+                <a:hlinkClick r:id="rId2"/>
+              </a:rPr>
+              <a:t>Link</a:t>
+            </a:r>
+            <a:r>
+              <a:rPr b="0" lang="de-DE" sz="1800" spc="-1" strike="noStrike">
+                <a:solidFill>
+                  <a:srgbClr val="000000"/>
+                </a:solidFill>
+                <a:latin typeface="DejaVu Sans"/>
+                <a:ea typeface="DejaVu Sans"/>
+              </a:rPr>
+              <a:t>).</a:t>
+            </a:r>
+            <a:endParaRPr b="0" lang="en-US" sz="1800" spc="-1" strike="noStrike">
+              <a:solidFill>
+                <a:srgbClr val="000000"/>
+              </a:solidFill>
+              <a:latin typeface="Arial"/>
+            </a:endParaRPr>
+          </a:p>
+          <a:p>
+            <a:pPr marL="195120" indent="-189720">
+              <a:lnSpc>
+                <a:spcPct val="100000"/>
+              </a:lnSpc>
+              <a:spcBef>
+                <a:spcPts val="360"/>
+              </a:spcBef>
+              <a:buClr>
+                <a:srgbClr val="008c4f"/>
+              </a:buClr>
+              <a:buSzPct val="115000"/>
+              <a:buFont typeface="Wingdings" charset="2"/>
+              <a:buChar char=""/>
+            </a:pPr>
+            <a:r>
+              <a:rPr b="0" lang="de-DE" sz="1800" spc="-1" strike="noStrike">
+                <a:solidFill>
+                  <a:srgbClr val="000000"/>
+                </a:solidFill>
+                <a:latin typeface="DejaVu Sans"/>
+                <a:ea typeface="DejaVu Sans"/>
+              </a:rPr>
+              <a:t>Andreas Schütz und Tobias Fertig. </a:t>
+            </a:r>
+            <a:r>
+              <a:rPr b="0" i="1" lang="de-DE" sz="1800" spc="-1" strike="noStrike">
+                <a:solidFill>
+                  <a:srgbClr val="000000"/>
+                </a:solidFill>
+                <a:latin typeface="DejaVu Sans"/>
+                <a:ea typeface="DejaVu Sans"/>
+              </a:rPr>
+              <a:t>Blockchain für Entwickler: Grundlagen, Programmierung, Anwendung</a:t>
+            </a:r>
+            <a:r>
+              <a:rPr b="0" lang="de-DE" sz="1800" spc="-1" strike="noStrike">
+                <a:solidFill>
+                  <a:srgbClr val="000000"/>
+                </a:solidFill>
+                <a:latin typeface="DejaVu Sans"/>
+                <a:ea typeface="DejaVu Sans"/>
+              </a:rPr>
+              <a:t> (2019).</a:t>
+            </a:r>
+            <a:endParaRPr b="0" lang="en-US" sz="1800" spc="-1" strike="noStrike">
+              <a:solidFill>
+                <a:srgbClr val="000000"/>
+              </a:solidFill>
+              <a:latin typeface="Arial"/>
+            </a:endParaRPr>
+          </a:p>
+          <a:p>
+            <a:pPr marL="195120" indent="-189720">
+              <a:lnSpc>
+                <a:spcPct val="100000"/>
+              </a:lnSpc>
+              <a:spcBef>
+                <a:spcPts val="360"/>
+              </a:spcBef>
+              <a:buClr>
+                <a:srgbClr val="008c4f"/>
+              </a:buClr>
+              <a:buSzPct val="115000"/>
+              <a:buFont typeface="Wingdings" charset="2"/>
+              <a:buChar char=""/>
+            </a:pPr>
+            <a:r>
+              <a:rPr b="0" lang="de-DE" sz="1800" spc="-1" strike="noStrike">
+                <a:solidFill>
+                  <a:srgbClr val="000000"/>
+                </a:solidFill>
+                <a:latin typeface="DejaVu Sans"/>
+                <a:ea typeface="DejaVu Sans"/>
+              </a:rPr>
+              <a:t>M.A. Khan, M.T. Quasim, F. Algarni, A. Alharthi. </a:t>
+            </a:r>
+            <a:r>
+              <a:rPr b="0" i="1" lang="de-DE" sz="1800" spc="-1" strike="noStrike">
+                <a:solidFill>
+                  <a:srgbClr val="000000"/>
+                </a:solidFill>
+                <a:latin typeface="DejaVu Sans"/>
+                <a:ea typeface="DejaVu Sans"/>
+              </a:rPr>
+              <a:t>Decentralised Internet of Things</a:t>
+            </a:r>
+            <a:r>
+              <a:rPr b="0" lang="de-DE" sz="1800" spc="-1" strike="noStrike">
+                <a:solidFill>
+                  <a:srgbClr val="000000"/>
+                </a:solidFill>
+                <a:latin typeface="DejaVu Sans"/>
+                <a:ea typeface="DejaVu Sans"/>
+              </a:rPr>
+              <a:t> (2020).</a:t>
+            </a:r>
+            <a:endParaRPr b="0" lang="en-US" sz="1800" spc="-1" strike="noStrike">
+              <a:solidFill>
+                <a:srgbClr val="000000"/>
+              </a:solidFill>
+              <a:latin typeface="Arial"/>
+            </a:endParaRPr>
+          </a:p>
+          <a:p>
+            <a:pPr marL="195120" indent="-189720">
+              <a:lnSpc>
+                <a:spcPct val="100000"/>
+              </a:lnSpc>
+              <a:spcBef>
+                <a:spcPts val="360"/>
+              </a:spcBef>
+              <a:buClr>
+                <a:srgbClr val="008c4f"/>
+              </a:buClr>
+              <a:buSzPct val="115000"/>
+              <a:buFont typeface="Wingdings" charset="2"/>
+              <a:buChar char=""/>
+            </a:pPr>
+            <a:r>
+              <a:rPr b="0" lang="de-DE" sz="1800" spc="-1" strike="noStrike">
+                <a:solidFill>
+                  <a:srgbClr val="000000"/>
+                </a:solidFill>
+                <a:latin typeface="DejaVu Sans"/>
+                <a:ea typeface="DejaVu Sans"/>
+              </a:rPr>
+              <a:t>Dimitrios Serpanos und Marilyn Claire Wolf. I</a:t>
+            </a:r>
+            <a:r>
+              <a:rPr b="0" i="1" lang="de-DE" sz="1800" spc="-1" strike="noStrike">
+                <a:solidFill>
+                  <a:srgbClr val="000000"/>
+                </a:solidFill>
+                <a:latin typeface="DejaVu Sans"/>
+                <a:ea typeface="DejaVu Sans"/>
+              </a:rPr>
+              <a:t>nternet-of-Things (IoT) Systems Architectures, Algorithms, Methodologies</a:t>
+            </a:r>
+            <a:r>
+              <a:rPr b="0" lang="de-DE" sz="1800" spc="-1" strike="noStrike">
+                <a:solidFill>
+                  <a:srgbClr val="000000"/>
+                </a:solidFill>
+                <a:latin typeface="DejaVu Sans"/>
+                <a:ea typeface="DejaVu Sans"/>
+              </a:rPr>
+              <a:t> (2018).</a:t>
+            </a:r>
+            <a:endParaRPr b="0" lang="en-US" sz="1800" spc="-1" strike="noStrike">
+              <a:solidFill>
+                <a:srgbClr val="000000"/>
+              </a:solidFill>
+              <a:latin typeface="Arial"/>
+            </a:endParaRPr>
+          </a:p>
+          <a:p>
+            <a:pPr marL="195120" indent="-189720">
+              <a:lnSpc>
+                <a:spcPct val="100000"/>
+              </a:lnSpc>
+              <a:spcBef>
+                <a:spcPts val="360"/>
+              </a:spcBef>
+              <a:buClr>
+                <a:srgbClr val="008c4f"/>
+              </a:buClr>
+              <a:buSzPct val="115000"/>
+              <a:buFont typeface="Wingdings" charset="2"/>
+              <a:buChar char=""/>
+            </a:pPr>
+            <a:r>
+              <a:rPr b="0" lang="de-DE" sz="1800" spc="-1" strike="noStrike">
+                <a:solidFill>
+                  <a:srgbClr val="000000"/>
+                </a:solidFill>
+                <a:latin typeface="DejaVu Sans"/>
+                <a:ea typeface="DejaVu Sans"/>
+              </a:rPr>
+              <a:t>Perry Lea. </a:t>
+            </a:r>
+            <a:r>
+              <a:rPr b="0" i="1" lang="de-DE" sz="1800" spc="-1" strike="noStrike">
+                <a:solidFill>
+                  <a:srgbClr val="000000"/>
+                </a:solidFill>
+                <a:latin typeface="DejaVu Sans"/>
+                <a:ea typeface="DejaVu Sans"/>
+              </a:rPr>
+              <a:t>Internet of Things for Architects: Architecting IoT solutions by implementing sensors, communication infrastructure, edge computing, analytics, and security</a:t>
+            </a:r>
+            <a:r>
+              <a:rPr b="0" lang="de-DE" sz="1800" spc="-1" strike="noStrike">
+                <a:solidFill>
+                  <a:srgbClr val="000000"/>
+                </a:solidFill>
+                <a:latin typeface="DejaVu Sans"/>
+                <a:ea typeface="DejaVu Sans"/>
+              </a:rPr>
+              <a:t> (2018).</a:t>
+            </a:r>
+            <a:endParaRPr b="0" lang="en-US" sz="1800" spc="-1" strike="noStrike">
+              <a:solidFill>
+                <a:srgbClr val="000000"/>
+              </a:solidFill>
+              <a:latin typeface="Arial"/>
+            </a:endParaRPr>
+          </a:p>
+          <a:p>
+            <a:pPr marL="195120" indent="-189720">
+              <a:lnSpc>
+                <a:spcPct val="100000"/>
+              </a:lnSpc>
+              <a:spcBef>
+                <a:spcPts val="360"/>
+              </a:spcBef>
+              <a:buClr>
+                <a:srgbClr val="008c4f"/>
+              </a:buClr>
+              <a:buSzPct val="115000"/>
+              <a:buFont typeface="Wingdings" charset="2"/>
+              <a:buChar char=""/>
+            </a:pPr>
+            <a:r>
+              <a:rPr b="0" lang="de-DE" sz="1800" spc="-1" strike="noStrike">
+                <a:solidFill>
+                  <a:srgbClr val="000000"/>
+                </a:solidFill>
+                <a:latin typeface="DejaVu Sans"/>
+                <a:ea typeface="DejaVu Sans"/>
+              </a:rPr>
+              <a:t>Dan Boneh, Amit Sahai und Brent Waters. </a:t>
+            </a:r>
+            <a:r>
+              <a:rPr b="0" i="1" lang="de-DE" sz="1800" spc="-1" strike="noStrike">
+                <a:solidFill>
+                  <a:srgbClr val="000000"/>
+                </a:solidFill>
+                <a:latin typeface="DejaVu Sans"/>
+                <a:ea typeface="DejaVu Sans"/>
+              </a:rPr>
+              <a:t>Functional Encryption: Definitions and Challenges</a:t>
+            </a:r>
+            <a:r>
+              <a:rPr b="0" lang="de-DE" sz="1800" spc="-1" strike="noStrike">
+                <a:solidFill>
+                  <a:srgbClr val="000000"/>
+                </a:solidFill>
+                <a:latin typeface="DejaVu Sans"/>
+                <a:ea typeface="DejaVu Sans"/>
+              </a:rPr>
+              <a:t> (2010).</a:t>
             </a:r>
             <a:endParaRPr b="0" lang="en-US" sz="1800" spc="-1" strike="noStrike">
               <a:solidFill>
@@ -10048,39 +9987,16 @@
           <a:chExt cx="0" cy="0"/>
         </a:xfrm>
       </p:grpSpPr>
-      <p:pic>
-        <p:nvPicPr>
-          <p:cNvPr id="109" name="" descr=""/>
-          <p:cNvPicPr/>
-          <p:nvPr/>
-        </p:nvPicPr>
-        <p:blipFill>
-          <a:blip r:embed="rId1"/>
-          <a:stretch/>
-        </p:blipFill>
-        <p:spPr>
-          <a:xfrm>
-            <a:off x="685800" y="2514600"/>
-            <a:ext cx="8868960" cy="3835440"/>
-          </a:xfrm>
-          <a:prstGeom prst="rect">
-            <a:avLst/>
-          </a:prstGeom>
-          <a:ln w="0">
-            <a:noFill/>
-          </a:ln>
-        </p:spPr>
-      </p:pic>
       <p:sp>
         <p:nvSpPr>
-          <p:cNvPr id="110" name="CustomShape 1"/>
+          <p:cNvPr id="97" name="CustomShape 1"/>
           <p:cNvSpPr/>
           <p:nvPr/>
         </p:nvSpPr>
         <p:spPr>
           <a:xfrm>
             <a:off x="335520" y="764640"/>
-            <a:ext cx="10742040" cy="492840"/>
+            <a:ext cx="10739520" cy="490320"/>
           </a:xfrm>
           <a:prstGeom prst="rect">
             <a:avLst/>
@@ -10107,14 +10023,14 @@
               </a:lnSpc>
             </a:pPr>
             <a:r>
-              <a:rPr b="1" lang="en-GB" sz="2400" spc="-1" strike="noStrike">
-                <a:solidFill>
-                  <a:srgbClr val="000000"/>
-                </a:solidFill>
-                <a:latin typeface="DejaVu Sans"/>
-                <a:ea typeface="DejaVu Sans"/>
-              </a:rPr>
-              <a:t>Multiple-Choice Exercises – Clausthal </a:t>
+              <a:rPr b="1" lang="en-US" sz="2400" spc="-1" strike="noStrike">
+                <a:solidFill>
+                  <a:srgbClr val="000000"/>
+                </a:solidFill>
+                <a:latin typeface="DejaVu Sans"/>
+                <a:ea typeface="DejaVu Sans"/>
+              </a:rPr>
+              <a:t>Further Resources </a:t>
             </a:r>
             <a:endParaRPr b="0" lang="en-US" sz="2400" spc="-1" strike="noStrike">
               <a:solidFill>
@@ -10127,14 +10043,14 @@
       </p:sp>
       <p:sp>
         <p:nvSpPr>
-          <p:cNvPr id="111" name="CustomShape 2"/>
+          <p:cNvPr id="98" name="CustomShape 2"/>
           <p:cNvSpPr/>
           <p:nvPr/>
         </p:nvSpPr>
         <p:spPr>
           <a:xfrm>
-            <a:off x="494640" y="1312200"/>
-            <a:ext cx="1731960" cy="363240"/>
+            <a:off x="335520" y="1268640"/>
+            <a:ext cx="10739520" cy="5027040"/>
           </a:xfrm>
           <a:prstGeom prst="rect">
             <a:avLst/>
@@ -10151,673 +10067,334 @@
           <a:fontRef idx="minor"/>
         </p:style>
         <p:txBody>
-          <a:bodyPr lIns="90000" rIns="90000" tIns="45000" bIns="45000" anchor="t">
+          <a:bodyPr lIns="90000" rIns="90000" tIns="45000" bIns="45000" anchor="ctr">
             <a:noAutofit/>
           </a:bodyPr>
           <a:p>
-            <a:pPr>
-              <a:lnSpc>
-                <a:spcPct val="100000"/>
-              </a:lnSpc>
-            </a:pPr>
-            <a:r>
-              <a:rPr b="0" lang="de-DE" sz="1800" spc="-1" strike="noStrike">
-                <a:solidFill>
-                  <a:srgbClr val="000000"/>
-                </a:solidFill>
-                <a:latin typeface="Arial"/>
-                <a:ea typeface="DejaVu Sans"/>
-              </a:rPr>
-              <a:t>Step-4 : </a:t>
-            </a:r>
-            <a:endParaRPr b="0" lang="en-US" sz="1800" spc="-1" strike="noStrike">
-              <a:solidFill>
-                <a:srgbClr val="000000"/>
-              </a:solidFill>
-              <a:latin typeface="Arial"/>
-            </a:endParaRPr>
-          </a:p>
-          <a:p>
-            <a:pPr>
-              <a:lnSpc>
-                <a:spcPct val="100000"/>
-              </a:lnSpc>
-            </a:pPr>
-            <a:endParaRPr b="0" lang="en-US" sz="1800" spc="-1" strike="noStrike">
-              <a:solidFill>
-                <a:srgbClr val="000000"/>
-              </a:solidFill>
-              <a:latin typeface="Arial"/>
-            </a:endParaRPr>
-          </a:p>
-          <a:p>
-            <a:pPr>
-              <a:lnSpc>
-                <a:spcPct val="100000"/>
-              </a:lnSpc>
-            </a:pPr>
-            <a:endParaRPr b="0" lang="en-US" sz="1800" spc="-1" strike="noStrike">
-              <a:solidFill>
-                <a:srgbClr val="000000"/>
-              </a:solidFill>
-              <a:latin typeface="Arial"/>
-            </a:endParaRPr>
-          </a:p>
-        </p:txBody>
-      </p:sp>
-      <p:sp>
-        <p:nvSpPr>
-          <p:cNvPr id="112" name="Line 3"/>
-          <p:cNvSpPr/>
-          <p:nvPr/>
-        </p:nvSpPr>
-        <p:spPr>
-          <a:xfrm>
-            <a:off x="8871480" y="3992760"/>
-            <a:ext cx="360" cy="310320"/>
-          </a:xfrm>
-          <a:prstGeom prst="line">
-            <a:avLst/>
-          </a:prstGeom>
-          <a:ln w="19080">
-            <a:solidFill>
-              <a:srgbClr val="c00000"/>
-            </a:solidFill>
-          </a:ln>
-        </p:spPr>
-        <p:style>
-          <a:lnRef idx="1">
-            <a:schemeClr val="accent1">
-              <a:shade val="50000"/>
-            </a:schemeClr>
-          </a:lnRef>
-          <a:fillRef idx="0">
-            <a:schemeClr val="accent1"/>
-          </a:fillRef>
-          <a:effectRef idx="0">
-            <a:schemeClr val="accent1"/>
-          </a:effectRef>
-          <a:fontRef idx="minor"/>
-        </p:style>
-        <p:txBody>
-          <a:bodyPr lIns="90000" rIns="90000" tIns="45000" bIns="45000" anchor="t" anchorCtr="1">
-            <a:noAutofit/>
-          </a:bodyPr>
-          <a:p>
-            <a:endParaRPr b="0" lang="en-GB" sz="1800" spc="-1" strike="noStrike">
-              <a:solidFill>
-                <a:srgbClr val="000000"/>
-              </a:solidFill>
-              <a:latin typeface="Arial"/>
-              <a:ea typeface="DejaVu Sans"/>
-            </a:endParaRPr>
-          </a:p>
-        </p:txBody>
-      </p:sp>
-      <p:sp>
-        <p:nvSpPr>
-          <p:cNvPr id="113" name="Line 4"/>
-          <p:cNvSpPr/>
-          <p:nvPr/>
-        </p:nvSpPr>
-        <p:spPr>
-          <a:xfrm>
-            <a:off x="9551880" y="4598280"/>
-            <a:ext cx="360" cy="310320"/>
-          </a:xfrm>
-          <a:prstGeom prst="line">
-            <a:avLst/>
-          </a:prstGeom>
-          <a:ln w="19080">
-            <a:solidFill>
-              <a:srgbClr val="c00000"/>
-            </a:solidFill>
-          </a:ln>
-        </p:spPr>
-        <p:style>
-          <a:lnRef idx="1">
-            <a:schemeClr val="accent1">
-              <a:shade val="50000"/>
-            </a:schemeClr>
-          </a:lnRef>
-          <a:fillRef idx="0">
-            <a:schemeClr val="accent1"/>
-          </a:fillRef>
-          <a:effectRef idx="0">
-            <a:schemeClr val="accent1"/>
-          </a:effectRef>
-          <a:fontRef idx="minor"/>
-        </p:style>
-        <p:txBody>
-          <a:bodyPr lIns="90000" rIns="90000" tIns="45000" bIns="45000" anchor="t" anchorCtr="1">
-            <a:noAutofit/>
-          </a:bodyPr>
-          <a:p>
-            <a:endParaRPr b="0" lang="en-GB" sz="1800" spc="-1" strike="noStrike">
-              <a:solidFill>
-                <a:srgbClr val="000000"/>
-              </a:solidFill>
-              <a:latin typeface="Arial"/>
-              <a:ea typeface="DejaVu Sans"/>
-            </a:endParaRPr>
-          </a:p>
-        </p:txBody>
-      </p:sp>
-      <p:sp>
-        <p:nvSpPr>
-          <p:cNvPr id="114" name="Line 5"/>
-          <p:cNvSpPr/>
-          <p:nvPr/>
-        </p:nvSpPr>
-        <p:spPr>
-          <a:xfrm>
-            <a:off x="7171560" y="6166080"/>
-            <a:ext cx="592920" cy="360"/>
-          </a:xfrm>
-          <a:prstGeom prst="line">
-            <a:avLst/>
-          </a:prstGeom>
-          <a:ln w="19080">
-            <a:solidFill>
-              <a:srgbClr val="c00000"/>
-            </a:solidFill>
-          </a:ln>
-        </p:spPr>
-        <p:style>
-          <a:lnRef idx="1">
-            <a:schemeClr val="accent1">
-              <a:shade val="50000"/>
-            </a:schemeClr>
-          </a:lnRef>
-          <a:fillRef idx="0">
-            <a:schemeClr val="accent1"/>
-          </a:fillRef>
-          <a:effectRef idx="0">
-            <a:schemeClr val="accent1"/>
-          </a:effectRef>
-          <a:fontRef idx="minor"/>
-        </p:style>
-        <p:txBody>
-          <a:bodyPr lIns="90000" rIns="90000" tIns="-44640" bIns="-44640" anchor="t" anchorCtr="1">
-            <a:noAutofit/>
-          </a:bodyPr>
-          <a:p>
-            <a:endParaRPr b="0" lang="en-GB" sz="1800" spc="-1" strike="noStrike">
-              <a:solidFill>
-                <a:srgbClr val="000000"/>
-              </a:solidFill>
-              <a:latin typeface="Arial"/>
-              <a:ea typeface="DejaVu Sans"/>
-            </a:endParaRPr>
-          </a:p>
-        </p:txBody>
-      </p:sp>
-      <p:sp>
-        <p:nvSpPr>
-          <p:cNvPr id="115" name="CustomShape 6"/>
-          <p:cNvSpPr/>
-          <p:nvPr/>
-        </p:nvSpPr>
-        <p:spPr>
-          <a:xfrm>
-            <a:off x="642600" y="1679400"/>
-            <a:ext cx="4398840" cy="638280"/>
-          </a:xfrm>
-          <a:prstGeom prst="rect">
-            <a:avLst/>
-          </a:prstGeom>
-          <a:noFill/>
-          <a:ln w="0">
-            <a:noFill/>
-          </a:ln>
-        </p:spPr>
-        <p:style>
-          <a:lnRef idx="0"/>
-          <a:fillRef idx="0"/>
-          <a:effectRef idx="0"/>
-          <a:fontRef idx="minor"/>
-        </p:style>
-        <p:txBody>
-          <a:bodyPr lIns="90000" rIns="90000" tIns="45000" bIns="45000" anchor="t">
-            <a:spAutoFit/>
-          </a:bodyPr>
-          <a:p>
-            <a:pPr>
-              <a:lnSpc>
-                <a:spcPct val="100000"/>
-              </a:lnSpc>
-            </a:pPr>
-            <a:r>
-              <a:rPr b="0" lang="de-DE" sz="1800" spc="-1" strike="noStrike">
-                <a:solidFill>
-                  <a:srgbClr val="000000"/>
-                </a:solidFill>
-                <a:latin typeface="Arial"/>
-                <a:ea typeface="DejaVu Sans"/>
-              </a:rPr>
-              <a:t>A. Sequence of questions</a:t>
-            </a:r>
-            <a:endParaRPr b="0" lang="en-US" sz="1800" spc="-1" strike="noStrike">
-              <a:solidFill>
-                <a:srgbClr val="000000"/>
-              </a:solidFill>
-              <a:latin typeface="Arial"/>
-            </a:endParaRPr>
-          </a:p>
-          <a:p>
-            <a:pPr>
-              <a:lnSpc>
-                <a:spcPct val="100000"/>
-              </a:lnSpc>
-            </a:pPr>
-            <a:r>
-              <a:rPr b="0" lang="de-DE" sz="1800" spc="-1" strike="noStrike">
-                <a:solidFill>
-                  <a:srgbClr val="000000"/>
-                </a:solidFill>
-                <a:latin typeface="Arial"/>
-                <a:ea typeface="DejaVu Sans"/>
-              </a:rPr>
-              <a:t>B. Timer running for the test</a:t>
-            </a:r>
-            <a:endParaRPr b="0" lang="en-US" sz="1800" spc="-1" strike="noStrike">
-              <a:solidFill>
-                <a:srgbClr val="000000"/>
-              </a:solidFill>
-              <a:latin typeface="Arial"/>
-            </a:endParaRPr>
-          </a:p>
-        </p:txBody>
-      </p:sp>
-      <p:sp>
-        <p:nvSpPr>
-          <p:cNvPr id="116" name="CustomShape 7"/>
-          <p:cNvSpPr/>
-          <p:nvPr/>
-        </p:nvSpPr>
-        <p:spPr>
-          <a:xfrm>
-            <a:off x="6549480" y="1679400"/>
-            <a:ext cx="4872600" cy="629280"/>
-          </a:xfrm>
-          <a:prstGeom prst="rect">
-            <a:avLst/>
-          </a:prstGeom>
-          <a:noFill/>
-          <a:ln w="0">
-            <a:noFill/>
-          </a:ln>
-        </p:spPr>
-        <p:style>
-          <a:lnRef idx="0"/>
-          <a:fillRef idx="0"/>
-          <a:effectRef idx="0"/>
-          <a:fontRef idx="minor"/>
-        </p:style>
-        <p:txBody>
-          <a:bodyPr lIns="90000" rIns="90000" tIns="45000" bIns="45000" anchor="t">
-            <a:noAutofit/>
-          </a:bodyPr>
-          <a:p>
-            <a:pPr>
-              <a:lnSpc>
-                <a:spcPct val="100000"/>
-              </a:lnSpc>
-            </a:pPr>
-            <a:r>
-              <a:rPr b="0" lang="de-DE" sz="1800" spc="-1" strike="noStrike">
-                <a:solidFill>
-                  <a:srgbClr val="000000"/>
-                </a:solidFill>
-                <a:latin typeface="Arial"/>
-                <a:ea typeface="DejaVu Sans"/>
-              </a:rPr>
-              <a:t>C. Navigate to next question/Finish attampt</a:t>
-            </a:r>
-            <a:endParaRPr b="0" lang="en-US" sz="1800" spc="-1" strike="noStrike">
-              <a:solidFill>
-                <a:srgbClr val="000000"/>
-              </a:solidFill>
-              <a:latin typeface="Arial"/>
-            </a:endParaRPr>
-          </a:p>
-          <a:p>
-            <a:pPr>
-              <a:lnSpc>
-                <a:spcPct val="100000"/>
-              </a:lnSpc>
-            </a:pPr>
-            <a:r>
-              <a:rPr b="0" lang="de-DE" sz="1800" spc="-1" strike="noStrike">
-                <a:solidFill>
-                  <a:srgbClr val="000000"/>
-                </a:solidFill>
-                <a:latin typeface="Arial"/>
-                <a:ea typeface="DejaVu Sans"/>
-              </a:rPr>
-              <a:t>D. Navigate to previous question</a:t>
-            </a:r>
-            <a:endParaRPr b="0" lang="en-US" sz="1800" spc="-1" strike="noStrike">
-              <a:solidFill>
-                <a:srgbClr val="000000"/>
-              </a:solidFill>
-              <a:latin typeface="Arial"/>
-            </a:endParaRPr>
-          </a:p>
-        </p:txBody>
-      </p:sp>
-      <p:sp>
-        <p:nvSpPr>
-          <p:cNvPr id="117" name="CustomShape 8"/>
-          <p:cNvSpPr/>
-          <p:nvPr/>
-        </p:nvSpPr>
-        <p:spPr>
-          <a:xfrm>
-            <a:off x="7839360" y="1679400"/>
-            <a:ext cx="2613960" cy="426600"/>
-          </a:xfrm>
-          <a:prstGeom prst="rect">
-            <a:avLst/>
-          </a:prstGeom>
-          <a:noFill/>
-          <a:ln w="0">
-            <a:noFill/>
-          </a:ln>
-        </p:spPr>
-        <p:style>
-          <a:lnRef idx="0"/>
-          <a:fillRef idx="0"/>
-          <a:effectRef idx="0"/>
-          <a:fontRef idx="minor"/>
-        </p:style>
-        <p:txBody>
-          <a:bodyPr lIns="90000" rIns="90000" tIns="45000" bIns="45000" anchor="t">
-            <a:noAutofit/>
-          </a:bodyPr>
-          <a:p>
-            <a:pPr>
-              <a:lnSpc>
-                <a:spcPct val="100000"/>
-              </a:lnSpc>
-            </a:pPr>
-            <a:endParaRPr b="0" lang="en-US" sz="1800" spc="-1" strike="noStrike">
-              <a:solidFill>
-                <a:srgbClr val="000000"/>
-              </a:solidFill>
-              <a:latin typeface="Arial"/>
-            </a:endParaRPr>
-          </a:p>
-          <a:p>
-            <a:pPr>
-              <a:lnSpc>
-                <a:spcPct val="100000"/>
-              </a:lnSpc>
-            </a:pPr>
-            <a:endParaRPr b="0" lang="en-US" sz="1800" spc="-1" strike="noStrike">
-              <a:solidFill>
-                <a:srgbClr val="000000"/>
-              </a:solidFill>
-              <a:latin typeface="Arial"/>
-            </a:endParaRPr>
-          </a:p>
-        </p:txBody>
-      </p:sp>
-      <p:sp>
-        <p:nvSpPr>
-          <p:cNvPr id="118" name="CustomShape 9"/>
-          <p:cNvSpPr/>
-          <p:nvPr/>
-        </p:nvSpPr>
-        <p:spPr>
-          <a:xfrm>
-            <a:off x="8857440" y="3943440"/>
-            <a:ext cx="278640" cy="363960"/>
-          </a:xfrm>
-          <a:prstGeom prst="rect">
-            <a:avLst/>
-          </a:prstGeom>
-          <a:noFill/>
-          <a:ln w="0">
-            <a:noFill/>
-          </a:ln>
-        </p:spPr>
-        <p:style>
-          <a:lnRef idx="0"/>
-          <a:fillRef idx="0"/>
-          <a:effectRef idx="0"/>
-          <a:fontRef idx="minor"/>
-        </p:style>
-        <p:txBody>
-          <a:bodyPr lIns="90000" rIns="90000" tIns="45000" bIns="45000" anchor="t">
-            <a:spAutoFit/>
-          </a:bodyPr>
-          <a:p>
-            <a:pPr>
-              <a:lnSpc>
-                <a:spcPct val="100000"/>
-              </a:lnSpc>
-            </a:pPr>
-            <a:r>
-              <a:rPr b="0" lang="de-DE" sz="1800" spc="-1" strike="noStrike">
-                <a:solidFill>
-                  <a:srgbClr val="c00000"/>
-                </a:solidFill>
-                <a:latin typeface="Arial"/>
-                <a:ea typeface="DejaVu Sans"/>
-              </a:rPr>
-              <a:t>A</a:t>
-            </a:r>
-            <a:endParaRPr b="0" lang="en-US" sz="1800" spc="-1" strike="noStrike">
-              <a:solidFill>
-                <a:srgbClr val="000000"/>
-              </a:solidFill>
-              <a:latin typeface="Arial"/>
-            </a:endParaRPr>
-          </a:p>
-        </p:txBody>
-      </p:sp>
-      <p:sp>
-        <p:nvSpPr>
-          <p:cNvPr id="119" name="CustomShape 10"/>
-          <p:cNvSpPr/>
-          <p:nvPr/>
-        </p:nvSpPr>
-        <p:spPr>
-          <a:xfrm>
-            <a:off x="9537840" y="4548960"/>
-            <a:ext cx="278640" cy="363960"/>
-          </a:xfrm>
-          <a:prstGeom prst="rect">
-            <a:avLst/>
-          </a:prstGeom>
-          <a:noFill/>
-          <a:ln w="0">
-            <a:noFill/>
-          </a:ln>
-        </p:spPr>
-        <p:style>
-          <a:lnRef idx="0"/>
-          <a:fillRef idx="0"/>
-          <a:effectRef idx="0"/>
-          <a:fontRef idx="minor"/>
-        </p:style>
-        <p:txBody>
-          <a:bodyPr lIns="90000" rIns="90000" tIns="45000" bIns="45000" anchor="t">
-            <a:spAutoFit/>
-          </a:bodyPr>
-          <a:p>
-            <a:pPr>
-              <a:lnSpc>
-                <a:spcPct val="100000"/>
-              </a:lnSpc>
-            </a:pPr>
-            <a:r>
-              <a:rPr b="0" lang="de-DE" sz="1800" spc="-1" strike="noStrike">
-                <a:solidFill>
-                  <a:srgbClr val="c00000"/>
-                </a:solidFill>
-                <a:latin typeface="Arial"/>
-                <a:ea typeface="DejaVu Sans"/>
-              </a:rPr>
-              <a:t>B</a:t>
-            </a:r>
-            <a:endParaRPr b="0" lang="en-US" sz="1800" spc="-1" strike="noStrike">
-              <a:solidFill>
-                <a:srgbClr val="000000"/>
-              </a:solidFill>
-              <a:latin typeface="Arial"/>
-            </a:endParaRPr>
-          </a:p>
-        </p:txBody>
-      </p:sp>
-      <p:sp>
-        <p:nvSpPr>
-          <p:cNvPr id="120" name="CustomShape 11"/>
-          <p:cNvSpPr/>
-          <p:nvPr/>
-        </p:nvSpPr>
-        <p:spPr>
-          <a:xfrm>
-            <a:off x="7279920" y="6101280"/>
-            <a:ext cx="279000" cy="363960"/>
-          </a:xfrm>
-          <a:prstGeom prst="rect">
-            <a:avLst/>
-          </a:prstGeom>
-          <a:noFill/>
-          <a:ln w="0">
-            <a:noFill/>
-          </a:ln>
-        </p:spPr>
-        <p:style>
-          <a:lnRef idx="0"/>
-          <a:fillRef idx="0"/>
-          <a:effectRef idx="0"/>
-          <a:fontRef idx="minor"/>
-        </p:style>
-        <p:txBody>
-          <a:bodyPr lIns="90000" rIns="90000" tIns="45000" bIns="45000" anchor="t">
-            <a:spAutoFit/>
-          </a:bodyPr>
-          <a:p>
-            <a:pPr>
-              <a:lnSpc>
-                <a:spcPct val="100000"/>
-              </a:lnSpc>
-            </a:pPr>
-            <a:r>
-              <a:rPr b="0" lang="de-DE" sz="1800" spc="-1" strike="noStrike">
-                <a:solidFill>
-                  <a:srgbClr val="c00000"/>
-                </a:solidFill>
-                <a:latin typeface="Arial"/>
-                <a:ea typeface="DejaVu Sans"/>
-              </a:rPr>
-              <a:t>C</a:t>
-            </a:r>
-            <a:endParaRPr b="0" lang="en-US" sz="1800" spc="-1" strike="noStrike">
-              <a:solidFill>
-                <a:srgbClr val="000000"/>
-              </a:solidFill>
-              <a:latin typeface="Arial"/>
-            </a:endParaRPr>
-          </a:p>
-        </p:txBody>
-      </p:sp>
-      <p:sp>
-        <p:nvSpPr>
-          <p:cNvPr id="121" name="Line 12"/>
-          <p:cNvSpPr/>
-          <p:nvPr/>
-        </p:nvSpPr>
-        <p:spPr>
-          <a:xfrm>
-            <a:off x="954000" y="6123600"/>
-            <a:ext cx="592920" cy="360"/>
-          </a:xfrm>
-          <a:prstGeom prst="line">
-            <a:avLst/>
-          </a:prstGeom>
-          <a:ln w="19080">
-            <a:solidFill>
-              <a:srgbClr val="c00000"/>
-            </a:solidFill>
-          </a:ln>
-        </p:spPr>
-        <p:style>
-          <a:lnRef idx="1">
-            <a:schemeClr val="accent1">
-              <a:shade val="50000"/>
-            </a:schemeClr>
-          </a:lnRef>
-          <a:fillRef idx="0">
-            <a:schemeClr val="accent1"/>
-          </a:fillRef>
-          <a:effectRef idx="0">
-            <a:schemeClr val="accent1"/>
-          </a:effectRef>
-          <a:fontRef idx="minor"/>
-        </p:style>
-        <p:txBody>
-          <a:bodyPr lIns="90000" rIns="90000" tIns="-44640" bIns="-44640" anchor="t" anchorCtr="1">
-            <a:noAutofit/>
-          </a:bodyPr>
-          <a:p>
-            <a:endParaRPr b="0" lang="en-GB" sz="1800" spc="-1" strike="noStrike">
-              <a:solidFill>
-                <a:srgbClr val="000000"/>
-              </a:solidFill>
-              <a:latin typeface="Arial"/>
-              <a:ea typeface="DejaVu Sans"/>
-            </a:endParaRPr>
-          </a:p>
-        </p:txBody>
-      </p:sp>
-      <p:sp>
-        <p:nvSpPr>
-          <p:cNvPr id="122" name="CustomShape 13"/>
-          <p:cNvSpPr/>
-          <p:nvPr/>
-        </p:nvSpPr>
-        <p:spPr>
-          <a:xfrm>
-            <a:off x="1058760" y="6130800"/>
-            <a:ext cx="279000" cy="363960"/>
-          </a:xfrm>
-          <a:prstGeom prst="rect">
-            <a:avLst/>
-          </a:prstGeom>
-          <a:noFill/>
-          <a:ln w="0">
-            <a:noFill/>
-          </a:ln>
-        </p:spPr>
-        <p:style>
-          <a:lnRef idx="0"/>
-          <a:fillRef idx="0"/>
-          <a:effectRef idx="0"/>
-          <a:fontRef idx="minor"/>
-        </p:style>
-        <p:txBody>
-          <a:bodyPr lIns="90000" rIns="90000" tIns="45000" bIns="45000" anchor="t">
-            <a:spAutoFit/>
-          </a:bodyPr>
-          <a:p>
-            <a:pPr>
-              <a:lnSpc>
-                <a:spcPct val="100000"/>
-              </a:lnSpc>
-            </a:pPr>
-            <a:r>
-              <a:rPr b="0" lang="de-DE" sz="1800" spc="-1" strike="noStrike">
-                <a:solidFill>
-                  <a:srgbClr val="c00000"/>
-                </a:solidFill>
-                <a:latin typeface="Arial"/>
-                <a:ea typeface="DejaVu Sans"/>
-              </a:rPr>
-              <a:t>D</a:t>
+            <a:pPr marL="195120" indent="-188280">
+              <a:lnSpc>
+                <a:spcPct val="100000"/>
+              </a:lnSpc>
+              <a:spcBef>
+                <a:spcPts val="360"/>
+              </a:spcBef>
+              <a:buClr>
+                <a:srgbClr val="008c4f"/>
+              </a:buClr>
+              <a:buSzPct val="80000"/>
+              <a:buFont typeface="Wingdings" charset="2"/>
+              <a:buChar char=""/>
+            </a:pPr>
+            <a:r>
+              <a:rPr b="0" lang="en-US" sz="1800" spc="-1" strike="noStrike">
+                <a:solidFill>
+                  <a:srgbClr val="000000"/>
+                </a:solidFill>
+                <a:latin typeface="DejaVu Sans"/>
+                <a:ea typeface="DejaVu Sans"/>
+              </a:rPr>
+              <a:t>Climate University – Teaching and learning for a sustainable future – </a:t>
+            </a:r>
+            <a:r>
+              <a:rPr b="0" lang="en-US" sz="1800" spc="-1" strike="noStrike" u="sng">
+                <a:solidFill>
+                  <a:srgbClr val="0000ff"/>
+                </a:solidFill>
+                <a:uFillTx/>
+                <a:latin typeface="DejaVu Sans"/>
+                <a:ea typeface="DejaVu Sans"/>
+                <a:hlinkClick r:id="rId1"/>
+              </a:rPr>
+              <a:t>Link</a:t>
+            </a:r>
+            <a:endParaRPr b="0" lang="en-US" sz="1800" spc="-1" strike="noStrike">
+              <a:solidFill>
+                <a:srgbClr val="000000"/>
+              </a:solidFill>
+              <a:latin typeface="Arial"/>
+            </a:endParaRPr>
+          </a:p>
+          <a:p>
+            <a:pPr marL="195120" indent="-188280">
+              <a:lnSpc>
+                <a:spcPct val="100000"/>
+              </a:lnSpc>
+              <a:spcBef>
+                <a:spcPts val="360"/>
+              </a:spcBef>
+              <a:buClr>
+                <a:srgbClr val="008c4f"/>
+              </a:buClr>
+              <a:buSzPct val="80000"/>
+              <a:buFont typeface="Wingdings" charset="2"/>
+              <a:buChar char=""/>
+            </a:pPr>
+            <a:r>
+              <a:rPr b="0" lang="en-US" sz="1800" spc="-1" strike="noStrike">
+                <a:solidFill>
+                  <a:srgbClr val="000000"/>
+                </a:solidFill>
+                <a:latin typeface="DejaVu Sans"/>
+                <a:ea typeface="DejaVu Sans"/>
+              </a:rPr>
+              <a:t>Circular Societies (German) – </a:t>
+            </a:r>
+            <a:r>
+              <a:rPr b="0" lang="en-US" sz="1800" spc="-1" strike="noStrike" u="sng">
+                <a:solidFill>
+                  <a:srgbClr val="0000ff"/>
+                </a:solidFill>
+                <a:uFillTx/>
+                <a:latin typeface="DejaVu Sans"/>
+                <a:ea typeface="DejaVu Sans"/>
+                <a:hlinkClick r:id="rId2"/>
+              </a:rPr>
+              <a:t>Link</a:t>
+            </a:r>
+            <a:r>
+              <a:rPr b="0" lang="en-US" sz="1800" spc="-1" strike="noStrike">
+                <a:solidFill>
+                  <a:srgbClr val="000000"/>
+                </a:solidFill>
+                <a:latin typeface="DejaVu Sans"/>
+                <a:ea typeface="DejaVu Sans"/>
+              </a:rPr>
+              <a:t> </a:t>
+            </a:r>
+            <a:endParaRPr b="0" lang="en-US" sz="1800" spc="-1" strike="noStrike">
+              <a:solidFill>
+                <a:srgbClr val="000000"/>
+              </a:solidFill>
+              <a:latin typeface="Arial"/>
+            </a:endParaRPr>
+          </a:p>
+          <a:p>
+            <a:pPr marL="195120" indent="-188280">
+              <a:lnSpc>
+                <a:spcPct val="100000"/>
+              </a:lnSpc>
+              <a:spcBef>
+                <a:spcPts val="360"/>
+              </a:spcBef>
+              <a:buClr>
+                <a:srgbClr val="008c4f"/>
+              </a:buClr>
+              <a:buSzPct val="80000"/>
+              <a:buFont typeface="Wingdings" charset="2"/>
+              <a:buChar char=""/>
+            </a:pPr>
+            <a:r>
+              <a:rPr b="0" lang="en-US" sz="1800" spc="-1" strike="noStrike">
+                <a:solidFill>
+                  <a:srgbClr val="000000"/>
+                </a:solidFill>
+                <a:latin typeface="DejaVu Sans"/>
+                <a:ea typeface="DejaVu Sans"/>
+              </a:rPr>
+              <a:t>Server Infrastructure for a Global Rebellion – </a:t>
+            </a:r>
+            <a:r>
+              <a:rPr b="0" lang="en-US" sz="1800" spc="-1" strike="noStrike" u="sng">
+                <a:solidFill>
+                  <a:srgbClr val="0000ff"/>
+                </a:solidFill>
+                <a:uFillTx/>
+                <a:latin typeface="DejaVu Sans"/>
+                <a:ea typeface="DejaVu Sans"/>
+                <a:hlinkClick r:id="rId3"/>
+              </a:rPr>
+              <a:t>Link</a:t>
+            </a:r>
+            <a:endParaRPr b="0" lang="en-US" sz="1800" spc="-1" strike="noStrike">
+              <a:solidFill>
+                <a:srgbClr val="000000"/>
+              </a:solidFill>
+              <a:latin typeface="Arial"/>
+            </a:endParaRPr>
+          </a:p>
+          <a:p>
+            <a:pPr marL="195120" indent="-188280">
+              <a:lnSpc>
+                <a:spcPct val="100000"/>
+              </a:lnSpc>
+              <a:spcBef>
+                <a:spcPts val="360"/>
+              </a:spcBef>
+              <a:buClr>
+                <a:srgbClr val="008c4f"/>
+              </a:buClr>
+              <a:buSzPct val="80000"/>
+              <a:buFont typeface="Wingdings" charset="2"/>
+              <a:buChar char=""/>
+            </a:pPr>
+            <a:r>
+              <a:rPr b="0" lang="en-US" sz="1800" spc="-1" strike="noStrike">
+                <a:solidFill>
+                  <a:srgbClr val="000000"/>
+                </a:solidFill>
+                <a:latin typeface="DejaVu Sans"/>
+                <a:ea typeface="DejaVu Sans"/>
+              </a:rPr>
+              <a:t>Podcasts:</a:t>
+            </a:r>
+            <a:endParaRPr b="0" lang="en-US" sz="1800" spc="-1" strike="noStrike">
+              <a:solidFill>
+                <a:srgbClr val="000000"/>
+              </a:solidFill>
+              <a:latin typeface="Arial"/>
+            </a:endParaRPr>
+          </a:p>
+          <a:p>
+            <a:pPr lvl="1" marL="432000" indent="-214560">
+              <a:lnSpc>
+                <a:spcPct val="100000"/>
+              </a:lnSpc>
+              <a:buClr>
+                <a:srgbClr val="008c4f"/>
+              </a:buClr>
+              <a:buSzPct val="45000"/>
+              <a:buFont typeface="OpenSymbol"/>
+              <a:buChar char="—"/>
+            </a:pPr>
+            <a:r>
+              <a:rPr b="0" lang="en-US" sz="1800" spc="-1" strike="noStrike">
+                <a:solidFill>
+                  <a:srgbClr val="000000"/>
+                </a:solidFill>
+                <a:latin typeface="DejaVu Sans"/>
+                <a:ea typeface="DejaVu Sans"/>
+              </a:rPr>
+              <a:t>Drilled (</a:t>
+            </a:r>
+            <a:r>
+              <a:rPr b="0" lang="en-US" sz="1800" spc="-1" strike="noStrike" u="sng">
+                <a:solidFill>
+                  <a:srgbClr val="0000ff"/>
+                </a:solidFill>
+                <a:uFillTx/>
+                <a:latin typeface="DejaVu Sans"/>
+                <a:ea typeface="DejaVu Sans"/>
+                <a:hlinkClick r:id="rId4"/>
+              </a:rPr>
+              <a:t>Link</a:t>
+            </a:r>
+            <a:r>
+              <a:rPr b="0" lang="en-US" sz="1800" spc="-1" strike="noStrike">
+                <a:solidFill>
+                  <a:srgbClr val="000000"/>
+                </a:solidFill>
+                <a:latin typeface="DejaVu Sans"/>
+                <a:ea typeface="DejaVu Sans"/>
+              </a:rPr>
+              <a:t>)</a:t>
+            </a:r>
+            <a:endParaRPr b="0" lang="en-US" sz="1800" spc="-1" strike="noStrike">
+              <a:solidFill>
+                <a:srgbClr val="000000"/>
+              </a:solidFill>
+              <a:latin typeface="Arial"/>
+            </a:endParaRPr>
+          </a:p>
+          <a:p>
+            <a:pPr lvl="1" marL="432000" indent="-214560">
+              <a:lnSpc>
+                <a:spcPct val="100000"/>
+              </a:lnSpc>
+              <a:spcBef>
+                <a:spcPts val="360"/>
+              </a:spcBef>
+              <a:buClr>
+                <a:srgbClr val="008c4f"/>
+              </a:buClr>
+              <a:buSzPct val="45000"/>
+              <a:buFont typeface="OpenSymbol"/>
+              <a:buChar char="—"/>
+            </a:pPr>
+            <a:r>
+              <a:rPr b="0" lang="en-US" sz="1800" spc="-1" strike="noStrike">
+                <a:solidFill>
+                  <a:srgbClr val="000000"/>
+                </a:solidFill>
+                <a:latin typeface="DejaVu Sans"/>
+                <a:ea typeface="DejaVu Sans"/>
+              </a:rPr>
+              <a:t>How to Save a Planet (</a:t>
+            </a:r>
+            <a:r>
+              <a:rPr b="0" lang="en-US" sz="1800" spc="-1" strike="noStrike" u="sng">
+                <a:solidFill>
+                  <a:srgbClr val="0000ff"/>
+                </a:solidFill>
+                <a:uFillTx/>
+                <a:latin typeface="DejaVu Sans"/>
+                <a:ea typeface="DejaVu Sans"/>
+                <a:hlinkClick r:id="rId5"/>
+              </a:rPr>
+              <a:t>Link</a:t>
+            </a:r>
+            <a:r>
+              <a:rPr b="0" lang="en-US" sz="1800" spc="-1" strike="noStrike">
+                <a:solidFill>
+                  <a:srgbClr val="000000"/>
+                </a:solidFill>
+                <a:latin typeface="DejaVu Sans"/>
+                <a:ea typeface="DejaVu Sans"/>
+              </a:rPr>
+              <a:t>)</a:t>
+            </a:r>
+            <a:endParaRPr b="0" lang="en-US" sz="1800" spc="-1" strike="noStrike">
+              <a:solidFill>
+                <a:srgbClr val="000000"/>
+              </a:solidFill>
+              <a:latin typeface="Arial"/>
+            </a:endParaRPr>
+          </a:p>
+          <a:p>
+            <a:pPr lvl="1" marL="432000" indent="-214560">
+              <a:lnSpc>
+                <a:spcPct val="100000"/>
+              </a:lnSpc>
+              <a:spcBef>
+                <a:spcPts val="360"/>
+              </a:spcBef>
+              <a:buClr>
+                <a:srgbClr val="008c4f"/>
+              </a:buClr>
+              <a:buSzPct val="45000"/>
+              <a:buFont typeface="OpenSymbol"/>
+              <a:buChar char="—"/>
+            </a:pPr>
+            <a:r>
+              <a:rPr b="0" lang="en-US" sz="1800" spc="-1" strike="noStrike">
+                <a:solidFill>
+                  <a:srgbClr val="000000"/>
+                </a:solidFill>
+                <a:latin typeface="DejaVu Sans"/>
+                <a:ea typeface="DejaVu Sans"/>
+              </a:rPr>
+              <a:t>1,5 Grad – der Klima-Podcast mit Luisa Neubauer (German) (</a:t>
+            </a:r>
+            <a:r>
+              <a:rPr b="0" lang="en-US" sz="1800" spc="-1" strike="noStrike" u="sng">
+                <a:solidFill>
+                  <a:srgbClr val="0000ff"/>
+                </a:solidFill>
+                <a:uFillTx/>
+                <a:latin typeface="DejaVu Sans"/>
+                <a:ea typeface="DejaVu Sans"/>
+                <a:hlinkClick r:id="rId6"/>
+              </a:rPr>
+              <a:t>Link</a:t>
+            </a:r>
+            <a:r>
+              <a:rPr b="0" lang="en-US" sz="1800" spc="-1" strike="noStrike">
+                <a:solidFill>
+                  <a:srgbClr val="000000"/>
+                </a:solidFill>
+                <a:latin typeface="DejaVu Sans"/>
+                <a:ea typeface="DejaVu Sans"/>
+              </a:rPr>
+              <a:t>)</a:t>
             </a:r>
             <a:endParaRPr b="0" lang="en-US" sz="1800" spc="-1" strike="noStrike">
               <a:solidFill>
@@ -10867,7 +10444,7 @@
         <p:spPr>
           <a:xfrm>
             <a:off x="335520" y="764640"/>
-            <a:ext cx="10742040" cy="492840"/>
+            <a:ext cx="10741320" cy="492120"/>
           </a:xfrm>
           <a:prstGeom prst="rect">
             <a:avLst/>
@@ -10924,8 +10501,8 @@
         </p:blipFill>
         <p:spPr>
           <a:xfrm>
-            <a:off x="2394720" y="1153800"/>
-            <a:ext cx="1464840" cy="2166120"/>
+            <a:off x="4923720" y="1257120"/>
+            <a:ext cx="1464120" cy="2165400"/>
           </a:xfrm>
           <a:prstGeom prst="rect">
             <a:avLst/>
@@ -10937,7 +10514,7 @@
       </p:pic>
       <p:pic>
         <p:nvPicPr>
-          <p:cNvPr id="33" name="Grafik 4" descr=""/>
+          <p:cNvPr id="33" name="Grafik 11" descr=""/>
           <p:cNvPicPr/>
           <p:nvPr/>
         </p:nvPicPr>
@@ -10947,31 +10524,8 @@
         </p:blipFill>
         <p:spPr>
           <a:xfrm>
-            <a:off x="7250040" y="1153800"/>
-            <a:ext cx="1730160" cy="2166120"/>
-          </a:xfrm>
-          <a:prstGeom prst="rect">
-            <a:avLst/>
-          </a:prstGeom>
-          <a:ln w="0">
-            <a:noFill/>
-          </a:ln>
-        </p:spPr>
-      </p:pic>
-      <p:pic>
-        <p:nvPicPr>
-          <p:cNvPr id="34" name="Grafik 11" descr=""/>
-          <p:cNvPicPr/>
-          <p:nvPr/>
-        </p:nvPicPr>
-        <p:blipFill>
-          <a:blip r:embed="rId3"/>
-          <a:stretch/>
-        </p:blipFill>
-        <p:spPr>
-          <a:xfrm>
             <a:off x="2207880" y="4110120"/>
-            <a:ext cx="1778760" cy="1770840"/>
+            <a:ext cx="1778040" cy="1770120"/>
           </a:xfrm>
           <a:prstGeom prst="rect">
             <a:avLst/>
@@ -10983,14 +10537,14 @@
       </p:pic>
       <p:sp>
         <p:nvSpPr>
-          <p:cNvPr id="35" name="CustomShape 2"/>
+          <p:cNvPr id="34" name="CustomShape 2"/>
           <p:cNvSpPr/>
           <p:nvPr/>
         </p:nvSpPr>
         <p:spPr>
           <a:xfrm>
-            <a:off x="1330200" y="3269880"/>
-            <a:ext cx="3629520" cy="671040"/>
+            <a:off x="3859200" y="3373200"/>
+            <a:ext cx="3628800" cy="670320"/>
           </a:xfrm>
           <a:prstGeom prst="rect">
             <a:avLst/>
@@ -11040,14 +10594,14 @@
       </p:sp>
       <p:sp>
         <p:nvSpPr>
-          <p:cNvPr id="36" name="CustomShape 3"/>
+          <p:cNvPr id="35" name="CustomShape 4"/>
           <p:cNvSpPr/>
           <p:nvPr/>
         </p:nvSpPr>
         <p:spPr>
           <a:xfrm>
-            <a:off x="6321600" y="3269880"/>
-            <a:ext cx="3629520" cy="671040"/>
+            <a:off x="1312200" y="5920200"/>
+            <a:ext cx="3628800" cy="670320"/>
           </a:xfrm>
           <a:prstGeom prst="rect">
             <a:avLst/>
@@ -11076,17 +10630,23 @@
                 <a:spcPts val="360"/>
               </a:spcBef>
             </a:pPr>
-            <a:r>
-              <a:rPr b="0" lang="de-DE" sz="1600" spc="-1" strike="noStrike">
-                <a:solidFill>
-                  <a:srgbClr val="595959"/>
-                </a:solidFill>
-                <a:latin typeface="DejaVu Sans"/>
-                <a:ea typeface="DejaVu Sans"/>
-              </a:rPr>
-              <a:t>Dr. Arne Bochem</a:t>
-            </a:r>
-            <a:endParaRPr b="0" lang="en-US" sz="1600" spc="-1" strike="noStrike">
+            <a:endParaRPr b="0" lang="en-US" sz="1800" spc="-1" strike="noStrike">
+              <a:solidFill>
+                <a:srgbClr val="000000"/>
+              </a:solidFill>
+              <a:latin typeface="Arial"/>
+            </a:endParaRPr>
+          </a:p>
+          <a:p>
+            <a:pPr marL="360" algn="ctr">
+              <a:lnSpc>
+                <a:spcPct val="100000"/>
+              </a:lnSpc>
+              <a:spcBef>
+                <a:spcPts val="360"/>
+              </a:spcBef>
+            </a:pPr>
+            <a:endParaRPr b="0" lang="en-US" sz="1800" spc="-1" strike="noStrike">
               <a:solidFill>
                 <a:srgbClr val="000000"/>
               </a:solidFill>
@@ -11097,14 +10657,14 @@
       </p:sp>
       <p:sp>
         <p:nvSpPr>
-          <p:cNvPr id="37" name="CustomShape 4"/>
+          <p:cNvPr id="36" name="CustomShape 5"/>
           <p:cNvSpPr/>
           <p:nvPr/>
         </p:nvSpPr>
         <p:spPr>
           <a:xfrm>
-            <a:off x="1312200" y="5920200"/>
-            <a:ext cx="3629520" cy="671040"/>
+            <a:off x="1312200" y="5807160"/>
+            <a:ext cx="3628800" cy="670320"/>
           </a:xfrm>
           <a:prstGeom prst="rect">
             <a:avLst/>
@@ -11133,23 +10693,17 @@
                 <a:spcPts val="360"/>
               </a:spcBef>
             </a:pPr>
-            <a:endParaRPr b="0" lang="en-US" sz="1800" spc="-1" strike="noStrike">
-              <a:solidFill>
-                <a:srgbClr val="000000"/>
-              </a:solidFill>
-              <a:latin typeface="Arial"/>
-            </a:endParaRPr>
-          </a:p>
-          <a:p>
-            <a:pPr marL="360" algn="ctr">
-              <a:lnSpc>
-                <a:spcPct val="100000"/>
-              </a:lnSpc>
-              <a:spcBef>
-                <a:spcPts val="360"/>
-              </a:spcBef>
-            </a:pPr>
-            <a:endParaRPr b="0" lang="en-US" sz="1800" spc="-1" strike="noStrike">
+            <a:r>
+              <a:rPr b="0" lang="de-DE" sz="1600" spc="-1" strike="noStrike">
+                <a:solidFill>
+                  <a:srgbClr val="595959"/>
+                </a:solidFill>
+                <a:latin typeface="DejaVu Sans"/>
+                <a:ea typeface="DejaVu Sans"/>
+              </a:rPr>
+              <a:t>M.Sc. Anant Sujatanagarjuna</a:t>
+            </a:r>
+            <a:endParaRPr b="0" lang="en-US" sz="1600" spc="-1" strike="noStrike">
               <a:solidFill>
                 <a:srgbClr val="000000"/>
               </a:solidFill>
@@ -11160,14 +10714,14 @@
       </p:sp>
       <p:sp>
         <p:nvSpPr>
-          <p:cNvPr id="38" name="CustomShape 5"/>
+          <p:cNvPr id="37" name="CustomShape 12"/>
           <p:cNvSpPr/>
           <p:nvPr/>
         </p:nvSpPr>
         <p:spPr>
           <a:xfrm>
-            <a:off x="1312200" y="5807160"/>
-            <a:ext cx="3629520" cy="671040"/>
+            <a:off x="4860000" y="5920200"/>
+            <a:ext cx="3628800" cy="670320"/>
           </a:xfrm>
           <a:prstGeom prst="rect">
             <a:avLst/>
@@ -11188,43 +10742,31 @@
             <a:noAutofit/>
           </a:bodyPr>
           <a:p>
-            <a:pPr marL="360" algn="ctr">
-              <a:lnSpc>
-                <a:spcPct val="100000"/>
-              </a:lnSpc>
-              <a:spcBef>
-                <a:spcPts val="360"/>
-              </a:spcBef>
-            </a:pPr>
-            <a:r>
-              <a:rPr b="0" lang="de-DE" sz="1600" spc="-1" strike="noStrike">
-                <a:solidFill>
-                  <a:srgbClr val="595959"/>
-                </a:solidFill>
-                <a:latin typeface="DejaVu Sans"/>
-                <a:ea typeface="DejaVu Sans"/>
-              </a:rPr>
-              <a:t>M.Sc. Anant Sujatanagarjuna</a:t>
-            </a:r>
-            <a:endParaRPr b="0" lang="en-US" sz="1600" spc="-1" strike="noStrike">
-              <a:solidFill>
-                <a:srgbClr val="000000"/>
-              </a:solidFill>
-              <a:latin typeface="Arial"/>
+            <a:pPr>
+              <a:lnSpc>
+                <a:spcPct val="100000"/>
+              </a:lnSpc>
+            </a:pPr>
+            <a:endParaRPr b="0" lang="en-GB" sz="1800" spc="-1" strike="noStrike">
+              <a:solidFill>
+                <a:srgbClr val="000000"/>
+              </a:solidFill>
+              <a:latin typeface="Arial"/>
+              <a:ea typeface="DejaVu Sans"/>
             </a:endParaRPr>
           </a:p>
         </p:txBody>
       </p:sp>
       <p:sp>
         <p:nvSpPr>
-          <p:cNvPr id="39" name="CustomShape 12"/>
+          <p:cNvPr id="38" name="CustomShape 14"/>
           <p:cNvSpPr/>
           <p:nvPr/>
         </p:nvSpPr>
         <p:spPr>
           <a:xfrm>
-            <a:off x="4860000" y="5920200"/>
-            <a:ext cx="3629520" cy="671040"/>
+            <a:off x="6300000" y="5807160"/>
+            <a:ext cx="3628800" cy="670320"/>
           </a:xfrm>
           <a:prstGeom prst="rect">
             <a:avLst/>
@@ -11245,51 +10787,6 @@
             <a:noAutofit/>
           </a:bodyPr>
           <a:p>
-            <a:pPr>
-              <a:lnSpc>
-                <a:spcPct val="100000"/>
-              </a:lnSpc>
-            </a:pPr>
-            <a:endParaRPr b="0" lang="en-GB" sz="1800" spc="-1" strike="noStrike">
-              <a:solidFill>
-                <a:srgbClr val="000000"/>
-              </a:solidFill>
-              <a:latin typeface="Arial"/>
-              <a:ea typeface="DejaVu Sans"/>
-            </a:endParaRPr>
-          </a:p>
-        </p:txBody>
-      </p:sp>
-      <p:sp>
-        <p:nvSpPr>
-          <p:cNvPr id="40" name="CustomShape 14"/>
-          <p:cNvSpPr/>
-          <p:nvPr/>
-        </p:nvSpPr>
-        <p:spPr>
-          <a:xfrm>
-            <a:off x="6300000" y="5807160"/>
-            <a:ext cx="3629520" cy="671040"/>
-          </a:xfrm>
-          <a:prstGeom prst="rect">
-            <a:avLst/>
-          </a:prstGeom>
-          <a:noFill/>
-          <a:ln w="0">
-            <a:noFill/>
-          </a:ln>
-        </p:spPr>
-        <p:style>
-          <a:lnRef idx="0"/>
-          <a:fillRef idx="0"/>
-          <a:effectRef idx="0"/>
-          <a:fontRef idx="minor"/>
-        </p:style>
-        <p:txBody>
-          <a:bodyPr lIns="90000" rIns="90000" tIns="45000" bIns="45000" anchor="ctr">
-            <a:noAutofit/>
-          </a:bodyPr>
-          <a:p>
             <a:pPr marL="360" algn="ctr">
               <a:lnSpc>
                 <a:spcPct val="100000"/>
@@ -11319,19 +10816,19 @@
       </p:sp>
       <p:pic>
         <p:nvPicPr>
-          <p:cNvPr id="41" name="" descr=""/>
+          <p:cNvPr id="39" name="" descr=""/>
           <p:cNvPicPr/>
           <p:nvPr/>
         </p:nvPicPr>
         <p:blipFill>
-          <a:blip r:embed="rId4"/>
+          <a:blip r:embed="rId3"/>
           <a:srcRect l="0" t="10387" r="0" b="0"/>
           <a:stretch/>
         </p:blipFill>
         <p:spPr>
           <a:xfrm>
             <a:off x="7380000" y="3960000"/>
-            <a:ext cx="1438200" cy="1922040"/>
+            <a:ext cx="1437480" cy="1921320"/>
           </a:xfrm>
           <a:prstGeom prst="rect">
             <a:avLst/>
@@ -11373,68 +10870,14 @@
       </p:grpSpPr>
       <p:sp>
         <p:nvSpPr>
-          <p:cNvPr id="123" name="CustomShape 1"/>
-          <p:cNvSpPr/>
-          <p:nvPr/>
-        </p:nvSpPr>
-        <p:spPr>
-          <a:xfrm>
-            <a:off x="335520" y="764640"/>
-            <a:ext cx="10742040" cy="492840"/>
-          </a:xfrm>
-          <a:prstGeom prst="rect">
-            <a:avLst/>
-          </a:prstGeom>
-          <a:noFill/>
-          <a:ln w="0">
-            <a:noFill/>
-          </a:ln>
-        </p:spPr>
-        <p:style>
-          <a:lnRef idx="0"/>
-          <a:fillRef idx="0"/>
-          <a:effectRef idx="0"/>
-          <a:fontRef idx="minor"/>
-        </p:style>
-        <p:txBody>
-          <a:bodyPr lIns="90000" rIns="90000" tIns="45000" bIns="45000" anchor="t">
-            <a:noAutofit/>
-          </a:bodyPr>
-          <a:p>
-            <a:pPr>
-              <a:lnSpc>
-                <a:spcPct val="100000"/>
-              </a:lnSpc>
-            </a:pPr>
-            <a:r>
-              <a:rPr b="1" lang="en-GB" sz="2400" spc="-1" strike="noStrike">
-                <a:solidFill>
-                  <a:srgbClr val="000000"/>
-                </a:solidFill>
-                <a:latin typeface="DejaVu Sans"/>
-                <a:ea typeface="DejaVu Sans"/>
-              </a:rPr>
-              <a:t>Examination</a:t>
-            </a:r>
-            <a:endParaRPr b="0" lang="en-US" sz="2400" spc="-1" strike="noStrike">
-              <a:solidFill>
-                <a:srgbClr val="000000"/>
-              </a:solidFill>
-              <a:latin typeface="Arial"/>
-            </a:endParaRPr>
-          </a:p>
-        </p:txBody>
-      </p:sp>
-      <p:sp>
-        <p:nvSpPr>
-          <p:cNvPr id="124" name="CustomShape 2"/>
+          <p:cNvPr id="99" name="CustomShape 1"/>
           <p:cNvSpPr/>
           <p:nvPr/>
         </p:nvSpPr>
         <p:spPr>
           <a:xfrm>
             <a:off x="335520" y="1268640"/>
-            <a:ext cx="10742040" cy="5029560"/>
+            <a:ext cx="10741320" cy="5028840"/>
           </a:xfrm>
           <a:prstGeom prst="rect">
             <a:avLst/>
@@ -11455,323 +10898,28 @@
             <a:noAutofit/>
           </a:bodyPr>
           <a:p>
-            <a:pPr marL="216000" indent="-216000">
-              <a:lnSpc>
-                <a:spcPct val="100000"/>
-              </a:lnSpc>
-              <a:spcBef>
-                <a:spcPts val="360"/>
-              </a:spcBef>
-              <a:buClr>
-                <a:srgbClr val="008c4f"/>
-              </a:buClr>
-              <a:buSzPct val="45000"/>
-              <a:buFont typeface="Monotype Sorts" charset="2"/>
-              <a:buChar char=""/>
-            </a:pPr>
-            <a:r>
-              <a:rPr b="0" lang="en-US" sz="1800" spc="-1" strike="noStrike">
-                <a:solidFill>
-                  <a:srgbClr val="000000"/>
-                </a:solidFill>
-                <a:latin typeface="DejaVu Sans"/>
-                <a:ea typeface="DejaVu Sans"/>
-              </a:rPr>
-              <a:t>Prerequisite for admission to the final exam (all criteria have to be fulfilled):</a:t>
-            </a:r>
-            <a:endParaRPr b="0" lang="en-US" sz="1800" spc="-1" strike="noStrike">
-              <a:solidFill>
-                <a:srgbClr val="000000"/>
-              </a:solidFill>
-              <a:latin typeface="Arial"/>
-            </a:endParaRPr>
-          </a:p>
-          <a:p>
-            <a:pPr lvl="1" marL="432000" indent="-216000">
-              <a:lnSpc>
-                <a:spcPct val="100000"/>
-              </a:lnSpc>
-              <a:spcBef>
-                <a:spcPts val="360"/>
-              </a:spcBef>
-              <a:buClr>
-                <a:srgbClr val="008c4f"/>
-              </a:buClr>
-              <a:buSzPct val="45000"/>
-              <a:buFont typeface="OpenSymbol"/>
-              <a:buChar char="—"/>
-            </a:pPr>
-            <a:r>
-              <a:rPr b="0" lang="en-US" sz="1800" spc="-1" strike="noStrike">
-                <a:solidFill>
-                  <a:srgbClr val="000000"/>
-                </a:solidFill>
-                <a:latin typeface="DejaVu Sans"/>
-                <a:ea typeface="DejaVu Sans"/>
-              </a:rPr>
-              <a:t>Submit all exercises</a:t>
-            </a:r>
-            <a:endParaRPr b="0" lang="en-US" sz="1800" spc="-1" strike="noStrike">
-              <a:solidFill>
-                <a:srgbClr val="000000"/>
-              </a:solidFill>
-              <a:latin typeface="Arial"/>
-            </a:endParaRPr>
-          </a:p>
-          <a:p>
-            <a:pPr>
-              <a:lnSpc>
-                <a:spcPct val="100000"/>
-              </a:lnSpc>
-              <a:spcBef>
-                <a:spcPts val="360"/>
-              </a:spcBef>
-            </a:pPr>
-            <a:endParaRPr b="0" lang="en-US" sz="1800" spc="-1" strike="noStrike">
-              <a:solidFill>
-                <a:srgbClr val="000000"/>
-              </a:solidFill>
-              <a:latin typeface="Arial"/>
-            </a:endParaRPr>
-          </a:p>
-          <a:p>
-            <a:pPr marL="216000" indent="-216000">
-              <a:lnSpc>
-                <a:spcPct val="100000"/>
-              </a:lnSpc>
-              <a:spcBef>
-                <a:spcPts val="360"/>
-              </a:spcBef>
-              <a:buClr>
-                <a:srgbClr val="008c4f"/>
-              </a:buClr>
-              <a:buSzPct val="45000"/>
-              <a:buFont typeface="Monotype Sorts" charset="2"/>
-              <a:buChar char=""/>
-            </a:pPr>
-            <a:r>
-              <a:rPr b="0" lang="en-US" sz="1800" spc="-1" strike="noStrike">
-                <a:solidFill>
-                  <a:srgbClr val="000000"/>
-                </a:solidFill>
-                <a:latin typeface="DejaVu Sans"/>
-                <a:ea typeface="DejaVu Sans"/>
-              </a:rPr>
-              <a:t>Final exam:</a:t>
-            </a:r>
-            <a:endParaRPr b="0" lang="en-US" sz="1800" spc="-1" strike="noStrike">
-              <a:solidFill>
-                <a:srgbClr val="000000"/>
-              </a:solidFill>
-              <a:latin typeface="Arial"/>
-            </a:endParaRPr>
-          </a:p>
-          <a:p>
-            <a:pPr lvl="1" marL="432000" indent="-216000">
-              <a:lnSpc>
-                <a:spcPct val="100000"/>
-              </a:lnSpc>
-              <a:spcBef>
-                <a:spcPts val="360"/>
-              </a:spcBef>
-              <a:buClr>
-                <a:srgbClr val="008c4f"/>
-              </a:buClr>
-              <a:buSzPct val="45000"/>
-              <a:buFont typeface="OpenSymbol"/>
-              <a:buChar char="—"/>
-            </a:pPr>
-            <a:r>
-              <a:rPr b="1" lang="en-GB" sz="1800" spc="-1" strike="noStrike">
-                <a:solidFill>
-                  <a:srgbClr val="000000"/>
-                </a:solidFill>
-                <a:latin typeface="DejaVu Sans"/>
-                <a:ea typeface="DejaVu Sans"/>
-              </a:rPr>
-              <a:t>Clausthal</a:t>
-            </a:r>
-            <a:endParaRPr b="0" lang="en-US" sz="1800" spc="-1" strike="noStrike">
-              <a:solidFill>
-                <a:srgbClr val="000000"/>
-              </a:solidFill>
-              <a:latin typeface="Arial"/>
-            </a:endParaRPr>
-          </a:p>
-          <a:p>
-            <a:pPr lvl="2" marL="648000" indent="-216000">
-              <a:lnSpc>
-                <a:spcPct val="100000"/>
-              </a:lnSpc>
-              <a:spcBef>
-                <a:spcPts val="360"/>
-              </a:spcBef>
-              <a:buClr>
-                <a:srgbClr val="008c4f"/>
-              </a:buClr>
-              <a:buSzPct val="45000"/>
-              <a:buFont typeface="Symbol"/>
-              <a:buChar char=""/>
-            </a:pPr>
-            <a:r>
-              <a:rPr b="0" lang="en-GB" sz="1800" spc="-1" strike="noStrike">
-                <a:solidFill>
-                  <a:srgbClr val="000000"/>
-                </a:solidFill>
-                <a:latin typeface="DejaVu Sans"/>
-                <a:ea typeface="DejaVu Sans"/>
-              </a:rPr>
-              <a:t>Written exam (120min) via Moodle</a:t>
-            </a:r>
-            <a:endParaRPr b="0" lang="en-US" sz="1800" spc="-1" strike="noStrike">
-              <a:solidFill>
-                <a:srgbClr val="000000"/>
-              </a:solidFill>
-              <a:latin typeface="Arial"/>
-            </a:endParaRPr>
-          </a:p>
-          <a:p>
-            <a:pPr lvl="2" marL="648000" indent="-216000">
-              <a:lnSpc>
-                <a:spcPct val="100000"/>
-              </a:lnSpc>
-              <a:spcBef>
-                <a:spcPts val="360"/>
-              </a:spcBef>
-              <a:buClr>
-                <a:srgbClr val="008c4f"/>
-              </a:buClr>
-              <a:buSzPct val="45000"/>
-              <a:buFont typeface="Symbol"/>
-              <a:buChar char=""/>
-            </a:pPr>
-            <a:r>
-              <a:rPr b="0" lang="en-GB" sz="1800" spc="-1" strike="noStrike">
-                <a:solidFill>
-                  <a:srgbClr val="000000"/>
-                </a:solidFill>
-                <a:latin typeface="DejaVu Sans"/>
-                <a:ea typeface="DejaVu Sans"/>
-              </a:rPr>
-              <a:t>Date → Most likely </a:t>
-            </a:r>
-            <a:r>
-              <a:rPr b="1" lang="en-GB" sz="1800" spc="-1" strike="noStrike">
-                <a:solidFill>
-                  <a:srgbClr val="000000"/>
-                </a:solidFill>
-                <a:latin typeface="DejaVu Sans"/>
-                <a:ea typeface="DejaVu Sans"/>
-              </a:rPr>
-              <a:t>07.08.2023 from 2 pm – 5 pm</a:t>
-            </a:r>
-            <a:endParaRPr b="0" lang="en-US" sz="1800" spc="-1" strike="noStrike">
-              <a:solidFill>
-                <a:srgbClr val="000000"/>
-              </a:solidFill>
-              <a:latin typeface="Arial"/>
-            </a:endParaRPr>
-          </a:p>
-          <a:p>
-            <a:pPr lvl="1" marL="432000" indent="-216000">
-              <a:lnSpc>
-                <a:spcPct val="100000"/>
-              </a:lnSpc>
-              <a:spcBef>
-                <a:spcPts val="360"/>
-              </a:spcBef>
-              <a:buClr>
-                <a:srgbClr val="008c4f"/>
-              </a:buClr>
-              <a:buSzPct val="45000"/>
-              <a:buFont typeface="OpenSymbol"/>
-              <a:buChar char="—"/>
-            </a:pPr>
-            <a:r>
-              <a:rPr b="1" lang="en-GB" sz="1800" spc="-1" strike="noStrike">
-                <a:solidFill>
-                  <a:srgbClr val="000000"/>
-                </a:solidFill>
-                <a:latin typeface="DejaVu Sans"/>
-                <a:ea typeface="DejaVu Sans"/>
-              </a:rPr>
-              <a:t>Göttingen</a:t>
-            </a:r>
-            <a:endParaRPr b="0" lang="en-US" sz="1800" spc="-1" strike="noStrike">
-              <a:solidFill>
-                <a:srgbClr val="000000"/>
-              </a:solidFill>
-              <a:latin typeface="Arial"/>
-            </a:endParaRPr>
-          </a:p>
-          <a:p>
-            <a:pPr lvl="2" marL="648000" indent="-216000">
-              <a:lnSpc>
-                <a:spcPct val="100000"/>
-              </a:lnSpc>
-              <a:spcBef>
-                <a:spcPts val="360"/>
-              </a:spcBef>
-              <a:buClr>
-                <a:srgbClr val="008c4f"/>
-              </a:buClr>
-              <a:buSzPct val="45000"/>
-              <a:buFont typeface="Symbol"/>
-              <a:buChar char=""/>
-            </a:pPr>
-            <a:r>
-              <a:rPr b="0" lang="en-US" sz="1800" spc="-1" strike="noStrike">
-                <a:solidFill>
-                  <a:srgbClr val="000000"/>
-                </a:solidFill>
-                <a:latin typeface="DejaVu Sans"/>
-                <a:ea typeface="DejaVu Sans"/>
-              </a:rPr>
-              <a:t>Oral examination (20min) via BBB</a:t>
-            </a:r>
-            <a:endParaRPr b="0" lang="en-US" sz="1800" spc="-1" strike="noStrike">
-              <a:solidFill>
-                <a:srgbClr val="000000"/>
-              </a:solidFill>
-              <a:latin typeface="Arial"/>
-            </a:endParaRPr>
-          </a:p>
-          <a:p>
-            <a:pPr lvl="2" marL="648000" indent="-216000">
-              <a:lnSpc>
-                <a:spcPct val="100000"/>
-              </a:lnSpc>
-              <a:spcBef>
-                <a:spcPts val="360"/>
-              </a:spcBef>
-              <a:buClr>
-                <a:srgbClr val="008c4f"/>
-              </a:buClr>
-              <a:buSzPct val="45000"/>
-              <a:buFont typeface="Symbol"/>
-              <a:buChar char=""/>
-            </a:pPr>
-            <a:r>
-              <a:rPr b="0" lang="en-US" sz="1800" spc="-1" strike="noStrike">
-                <a:solidFill>
-                  <a:srgbClr val="000000"/>
-                </a:solidFill>
-                <a:latin typeface="DejaVu Sans"/>
-                <a:ea typeface="DejaVu Sans"/>
-              </a:rPr>
-              <a:t>Date → Most likely </a:t>
-            </a:r>
-            <a:r>
-              <a:rPr b="1" lang="en-US" sz="1800" spc="-1" strike="noStrike">
-                <a:solidFill>
-                  <a:srgbClr val="000000"/>
-                </a:solidFill>
-                <a:latin typeface="DejaVu Sans"/>
-                <a:ea typeface="DejaVu Sans"/>
-              </a:rPr>
-              <a:t>08.08.2023</a:t>
-            </a:r>
-            <a:endParaRPr b="0" lang="en-US" sz="1800" spc="-1" strike="noStrike">
+            <a:pPr algn="ctr">
+              <a:lnSpc>
+                <a:spcPct val="100000"/>
+              </a:lnSpc>
+              <a:spcBef>
+                <a:spcPts val="799"/>
+              </a:spcBef>
+              <a:tabLst>
+                <a:tab algn="l" pos="0"/>
+              </a:tabLst>
+            </a:pPr>
+            <a:r>
+              <a:rPr b="1" lang="en-US" sz="4000" spc="-1" strike="noStrike">
+                <a:solidFill>
+                  <a:srgbClr val="000000"/>
+                </a:solidFill>
+                <a:latin typeface="DejaVu Sans"/>
+                <a:ea typeface="DejaVu Sans"/>
+              </a:rPr>
+              <a:t>Questions?</a:t>
+            </a:r>
+            <a:endParaRPr b="0" lang="en-US" sz="4000" spc="-1" strike="noStrike">
               <a:solidFill>
                 <a:srgbClr val="000000"/>
               </a:solidFill>
@@ -11780,2174 +10928,16 @@
           </a:p>
         </p:txBody>
       </p:sp>
-    </p:spTree>
-  </p:cSld>
-  <mc:AlternateContent>
-    <mc:Choice Requires="p14">
-      <p:transition spd="slow" p14:dur="2000"/>
-    </mc:Choice>
-    <mc:Fallback>
-      <p:transition spd="slow"/>
-    </mc:Fallback>
-  </mc:AlternateContent>
-</p:sld>
-</file>
-
-<file path=ppt/slides/slide31.xml><?xml version="1.0" encoding="utf-8"?>
-<p:sld xmlns:a="http://schemas.openxmlformats.org/drawingml/2006/main" xmlns:p="http://schemas.openxmlformats.org/presentationml/2006/main" xmlns:r="http://schemas.openxmlformats.org/officeDocument/2006/relationships" xmlns:p14="http://schemas.microsoft.com/office/powerpoint/2010/main" xmlns:p15="http://schemas.microsoft.com/office/powerpoint/2012/main" xmlns:mc="http://schemas.openxmlformats.org/markup-compatibility/2006">
-  <p:cSld>
-    <p:spTree>
-      <p:nvGrpSpPr>
-        <p:cNvPr id="1" name=""/>
-        <p:cNvGrpSpPr/>
-        <p:nvPr/>
-      </p:nvGrpSpPr>
-      <p:grpSpPr>
-        <a:xfrm>
-          <a:off x="0" y="0"/>
-          <a:ext cx="0" cy="0"/>
-          <a:chOff x="0" y="0"/>
-          <a:chExt cx="0" cy="0"/>
-        </a:xfrm>
-      </p:grpSpPr>
       <p:sp>
         <p:nvSpPr>
-          <p:cNvPr id="125" name="CustomShape 1"/>
+          <p:cNvPr id="100" name="CustomShape 2"/>
           <p:cNvSpPr/>
           <p:nvPr/>
         </p:nvSpPr>
         <p:spPr>
           <a:xfrm>
             <a:off x="335520" y="764640"/>
-            <a:ext cx="10740240" cy="491040"/>
-          </a:xfrm>
-          <a:prstGeom prst="rect">
-            <a:avLst/>
-          </a:prstGeom>
-          <a:noFill/>
-          <a:ln w="0">
-            <a:noFill/>
-          </a:ln>
-        </p:spPr>
-        <p:style>
-          <a:lnRef idx="0"/>
-          <a:fillRef idx="0"/>
-          <a:effectRef idx="0"/>
-          <a:fontRef idx="minor"/>
-        </p:style>
-        <p:txBody>
-          <a:bodyPr lIns="90000" rIns="90000" tIns="45000" bIns="45000" anchor="t">
-            <a:noAutofit/>
-          </a:bodyPr>
-          <a:p>
-            <a:pPr>
-              <a:lnSpc>
-                <a:spcPct val="100000"/>
-              </a:lnSpc>
-            </a:pPr>
-            <a:r>
-              <a:rPr b="1" lang="en-US" sz="2400" spc="-1" strike="noStrike">
-                <a:solidFill>
-                  <a:srgbClr val="000000"/>
-                </a:solidFill>
-                <a:latin typeface="DejaVu Sans"/>
-                <a:ea typeface="DejaVu Sans"/>
-              </a:rPr>
-              <a:t>Self-Study Star</a:t>
-            </a:r>
-            <a:endParaRPr b="0" lang="en-US" sz="2400" spc="-1" strike="noStrike">
-              <a:solidFill>
-                <a:srgbClr val="000000"/>
-              </a:solidFill>
-              <a:latin typeface="Arial"/>
-            </a:endParaRPr>
-          </a:p>
-        </p:txBody>
-      </p:sp>
-      <p:sp>
-        <p:nvSpPr>
-          <p:cNvPr id="126" name="CustomShape 2"/>
-          <p:cNvSpPr/>
-          <p:nvPr/>
-        </p:nvSpPr>
-        <p:spPr>
-          <a:xfrm>
-            <a:off x="335520" y="1268280"/>
-            <a:ext cx="10740240" cy="5027760"/>
-          </a:xfrm>
-          <a:prstGeom prst="rect">
-            <a:avLst/>
-          </a:prstGeom>
-          <a:noFill/>
-          <a:ln w="0">
-            <a:noFill/>
-          </a:ln>
-        </p:spPr>
-        <p:style>
-          <a:lnRef idx="0"/>
-          <a:fillRef idx="0"/>
-          <a:effectRef idx="0"/>
-          <a:fontRef idx="minor"/>
-        </p:style>
-        <p:txBody>
-          <a:bodyPr lIns="90000" rIns="90000" tIns="45000" bIns="45000" anchor="ctr">
-            <a:noAutofit/>
-          </a:bodyPr>
-          <a:p>
-            <a:pPr>
-              <a:lnSpc>
-                <a:spcPct val="100000"/>
-              </a:lnSpc>
-              <a:spcBef>
-                <a:spcPts val="360"/>
-              </a:spcBef>
-            </a:pPr>
-            <a:endParaRPr b="0" lang="en-US" sz="1800" spc="-1" strike="noStrike">
-              <a:solidFill>
-                <a:srgbClr val="000000"/>
-              </a:solidFill>
-              <a:latin typeface="Arial"/>
-            </a:endParaRPr>
-          </a:p>
-          <a:p>
-            <a:pPr marL="195120" indent="-188280">
-              <a:lnSpc>
-                <a:spcPct val="100000"/>
-              </a:lnSpc>
-              <a:buClr>
-                <a:srgbClr val="008c4f"/>
-              </a:buClr>
-              <a:buSzPct val="80000"/>
-              <a:buFont typeface="Wingdings" charset="2"/>
-              <a:buChar char=""/>
-            </a:pPr>
-            <a:r>
-              <a:rPr b="0" lang="en-GB" sz="1800" spc="-1" strike="noStrike">
-                <a:solidFill>
-                  <a:srgbClr val="000000"/>
-                </a:solidFill>
-                <a:latin typeface="DejaVu Sans"/>
-                <a:ea typeface="DejaVu Sans"/>
-              </a:rPr>
-              <a:t>Slides with the self-study star indicate optional/additional study material that is </a:t>
-            </a:r>
-            <a:r>
-              <a:rPr b="1" lang="en-GB" sz="1800" spc="-1" strike="noStrike">
-                <a:solidFill>
-                  <a:srgbClr val="000000"/>
-                </a:solidFill>
-                <a:latin typeface="DejaVu Sans"/>
-                <a:ea typeface="DejaVu Sans"/>
-              </a:rPr>
-              <a:t>not</a:t>
-            </a:r>
-            <a:r>
-              <a:rPr b="0" lang="en-GB" sz="1800" spc="-1" strike="noStrike">
-                <a:solidFill>
-                  <a:srgbClr val="000000"/>
-                </a:solidFill>
-                <a:latin typeface="DejaVu Sans"/>
-                <a:ea typeface="DejaVu Sans"/>
-              </a:rPr>
-              <a:t> mandatory but could be helpful or interesting</a:t>
-            </a:r>
-            <a:endParaRPr b="0" lang="en-US" sz="1800" spc="-1" strike="noStrike">
-              <a:solidFill>
-                <a:srgbClr val="000000"/>
-              </a:solidFill>
-              <a:latin typeface="Arial"/>
-            </a:endParaRPr>
-          </a:p>
-        </p:txBody>
-      </p:sp>
-      <p:sp>
-        <p:nvSpPr>
-          <p:cNvPr id="127" name="CustomShape 3"/>
-          <p:cNvSpPr/>
-          <p:nvPr/>
-        </p:nvSpPr>
-        <p:spPr>
-          <a:xfrm>
-            <a:off x="6285600" y="2132640"/>
-            <a:ext cx="509760" cy="489600"/>
-          </a:xfrm>
-          <a:prstGeom prst="star5">
-            <a:avLst>
-              <a:gd name="adj" fmla="val 19098"/>
-              <a:gd name="hf" fmla="val 105146"/>
-              <a:gd name="vf" fmla="val 110557"/>
-            </a:avLst>
-          </a:prstGeom>
-          <a:solidFill>
-            <a:srgbClr val="92d050"/>
-          </a:solidFill>
-          <a:ln>
-            <a:solidFill>
-              <a:srgbClr val="0d0d0d"/>
-            </a:solidFill>
-          </a:ln>
-        </p:spPr>
-        <p:style>
-          <a:lnRef idx="2">
-            <a:schemeClr val="accent1">
-              <a:shade val="50000"/>
-            </a:schemeClr>
-          </a:lnRef>
-          <a:fillRef idx="1">
-            <a:schemeClr val="accent1"/>
-          </a:fillRef>
-          <a:effectRef idx="0">
-            <a:schemeClr val="accent1"/>
-          </a:effectRef>
-          <a:fontRef idx="minor"/>
-        </p:style>
-        <p:txBody>
-          <a:bodyPr lIns="90000" rIns="90000" tIns="45000" bIns="45000" anchor="t">
-            <a:noAutofit/>
-          </a:bodyPr>
-          <a:p>
-            <a:pPr>
-              <a:lnSpc>
-                <a:spcPct val="100000"/>
-              </a:lnSpc>
-            </a:pPr>
-            <a:endParaRPr b="0" lang="en-GB" sz="1800" spc="-1" strike="noStrike">
-              <a:solidFill>
-                <a:srgbClr val="000000"/>
-              </a:solidFill>
-              <a:latin typeface="Arial"/>
-              <a:ea typeface="DejaVu Sans"/>
-            </a:endParaRPr>
-          </a:p>
-        </p:txBody>
-      </p:sp>
-      <p:sp>
-        <p:nvSpPr>
-          <p:cNvPr id="128" name="CustomShape 4"/>
-          <p:cNvSpPr/>
-          <p:nvPr/>
-        </p:nvSpPr>
-        <p:spPr>
-          <a:xfrm>
-            <a:off x="4089960" y="2247480"/>
-            <a:ext cx="2278080" cy="363960"/>
-          </a:xfrm>
-          <a:prstGeom prst="rect">
-            <a:avLst/>
-          </a:prstGeom>
-          <a:noFill/>
-          <a:ln w="0">
-            <a:noFill/>
-          </a:ln>
-        </p:spPr>
-        <p:style>
-          <a:lnRef idx="0"/>
-          <a:fillRef idx="0"/>
-          <a:effectRef idx="0"/>
-          <a:fontRef idx="minor"/>
-        </p:style>
-        <p:txBody>
-          <a:bodyPr lIns="90000" rIns="90000" tIns="45000" bIns="45000" anchor="t">
-            <a:spAutoFit/>
-          </a:bodyPr>
-          <a:p>
-            <a:pPr>
-              <a:lnSpc>
-                <a:spcPct val="100000"/>
-              </a:lnSpc>
-            </a:pPr>
-            <a:r>
-              <a:rPr b="0" lang="de-DE" sz="1800" spc="-1" strike="noStrike">
-                <a:solidFill>
-                  <a:srgbClr val="000000"/>
-                </a:solidFill>
-                <a:latin typeface="DejaVu Sans"/>
-                <a:ea typeface="DejaVu Sans"/>
-              </a:rPr>
-              <a:t>Self-Study Star</a:t>
-            </a:r>
-            <a:r>
-              <a:rPr b="0" lang="en-US" sz="1800" spc="-1" strike="noStrike">
-                <a:solidFill>
-                  <a:srgbClr val="000000"/>
-                </a:solidFill>
-                <a:latin typeface="DejaVu Sans"/>
-                <a:ea typeface="DejaVu Sans"/>
-              </a:rPr>
-              <a:t> →</a:t>
-            </a:r>
-            <a:r>
-              <a:rPr b="0" lang="de-DE" sz="1800" spc="-1" strike="noStrike">
-                <a:solidFill>
-                  <a:srgbClr val="000000"/>
-                </a:solidFill>
-                <a:latin typeface="DejaVu Sans"/>
-                <a:ea typeface="DejaVu Sans"/>
-              </a:rPr>
-              <a:t> </a:t>
-            </a:r>
-            <a:endParaRPr b="0" lang="en-US" sz="1800" spc="-1" strike="noStrike">
-              <a:solidFill>
-                <a:srgbClr val="000000"/>
-              </a:solidFill>
-              <a:latin typeface="Arial"/>
-            </a:endParaRPr>
-          </a:p>
-        </p:txBody>
-      </p:sp>
-    </p:spTree>
-  </p:cSld>
-  <mc:AlternateContent>
-    <mc:Choice Requires="p14">
-      <p:transition spd="slow" p14:dur="2000"/>
-    </mc:Choice>
-    <mc:Fallback>
-      <p:transition spd="slow"/>
-    </mc:Fallback>
-  </mc:AlternateContent>
-</p:sld>
-</file>
-
-<file path=ppt/slides/slide32.xml><?xml version="1.0" encoding="utf-8"?>
-<p:sld xmlns:a="http://schemas.openxmlformats.org/drawingml/2006/main" xmlns:p="http://schemas.openxmlformats.org/presentationml/2006/main" xmlns:r="http://schemas.openxmlformats.org/officeDocument/2006/relationships" xmlns:p14="http://schemas.microsoft.com/office/powerpoint/2010/main" xmlns:p15="http://schemas.microsoft.com/office/powerpoint/2012/main" xmlns:mc="http://schemas.openxmlformats.org/markup-compatibility/2006">
-  <p:cSld>
-    <p:spTree>
-      <p:nvGrpSpPr>
-        <p:cNvPr id="1" name=""/>
-        <p:cNvGrpSpPr/>
-        <p:nvPr/>
-      </p:nvGrpSpPr>
-      <p:grpSpPr>
-        <a:xfrm>
-          <a:off x="0" y="0"/>
-          <a:ext cx="0" cy="0"/>
-          <a:chOff x="0" y="0"/>
-          <a:chExt cx="0" cy="0"/>
-        </a:xfrm>
-      </p:grpSpPr>
-      <p:sp>
-        <p:nvSpPr>
-          <p:cNvPr id="129" name="CustomShape 1"/>
-          <p:cNvSpPr/>
-          <p:nvPr/>
-        </p:nvSpPr>
-        <p:spPr>
-          <a:xfrm>
-            <a:off x="335520" y="764640"/>
-            <a:ext cx="10740240" cy="491040"/>
-          </a:xfrm>
-          <a:prstGeom prst="rect">
-            <a:avLst/>
-          </a:prstGeom>
-          <a:noFill/>
-          <a:ln w="0">
-            <a:noFill/>
-          </a:ln>
-        </p:spPr>
-        <p:style>
-          <a:lnRef idx="0"/>
-          <a:fillRef idx="0"/>
-          <a:effectRef idx="0"/>
-          <a:fontRef idx="minor"/>
-        </p:style>
-        <p:txBody>
-          <a:bodyPr lIns="90000" rIns="90000" tIns="45000" bIns="45000" anchor="t">
-            <a:noAutofit/>
-          </a:bodyPr>
-          <a:p>
-            <a:pPr>
-              <a:lnSpc>
-                <a:spcPct val="100000"/>
-              </a: